--- a/help/data-sheets/assets/EliteSupportDatasheet.pptx
+++ b/help/data-sheets/assets/EliteSupportDatasheet.pptx
@@ -301,7 +301,7 @@
           <a:p>
             <a:fld id="{C12E57D6-2086-AA47-A7A4-C0CDE7C14E44}" type="datetimeFigureOut">
               <a:rPr lang="en-US" smtClean="0"/>
-              <a:t>9/22/2021</a:t>
+              <a:t>10/1/2021</a:t>
             </a:fld>
             <a:endParaRPr lang="en-US"/>
           </a:p>
@@ -875,7 +875,7 @@
           <a:p>
             <a:fld id="{1D8BD707-D9CF-40AE-B4C6-C98DA3205C09}" type="datetimeFigureOut">
               <a:rPr lang="en-US"/>
-              <a:t>9/22/2021</a:t>
+              <a:t>10/1/2021</a:t>
             </a:fld>
             <a:endParaRPr lang="en-US"/>
           </a:p>
@@ -1120,7 +1120,7 @@
           <a:p>
             <a:fld id="{1D8BD707-D9CF-40AE-B4C6-C98DA3205C09}" type="datetimeFigureOut">
               <a:rPr lang="en-US"/>
-              <a:t>9/22/2021</a:t>
+              <a:t>10/1/2021</a:t>
             </a:fld>
             <a:endParaRPr lang="en-US"/>
           </a:p>
@@ -1378,7 +1378,7 @@
           <a:p>
             <a:fld id="{1D8BD707-D9CF-40AE-B4C6-C98DA3205C09}" type="datetimeFigureOut">
               <a:rPr lang="en-US"/>
-              <a:t>9/22/2021</a:t>
+              <a:t>10/1/2021</a:t>
             </a:fld>
             <a:endParaRPr lang="en-US"/>
           </a:p>
@@ -1570,7 +1570,7 @@
           <a:p>
             <a:fld id="{1D8BD707-D9CF-40AE-B4C6-C98DA3205C09}" type="datetimeFigureOut">
               <a:rPr lang="en-US"/>
-              <a:t>9/22/2021</a:t>
+              <a:t>10/1/2021</a:t>
             </a:fld>
             <a:endParaRPr lang="en-US"/>
           </a:p>
@@ -1733,7 +1733,7 @@
           <a:p>
             <a:fld id="{1D8BD707-D9CF-40AE-B4C6-C98DA3205C09}" type="datetimeFigureOut">
               <a:rPr lang="en-US"/>
-              <a:t>9/22/2021</a:t>
+              <a:t>10/1/2021</a:t>
             </a:fld>
             <a:endParaRPr lang="en-US"/>
           </a:p>
@@ -1996,7 +1996,7 @@
           <a:p>
             <a:fld id="{1D8BD707-D9CF-40AE-B4C6-C98DA3205C09}" type="datetimeFigureOut">
               <a:rPr lang="en-US"/>
-              <a:t>9/22/2021</a:t>
+              <a:t>10/1/2021</a:t>
             </a:fld>
             <a:endParaRPr lang="en-US"/>
           </a:p>
@@ -2271,8 +2271,8 @@
         </p:nvSpPr>
         <p:spPr>
           <a:xfrm>
-            <a:off x="502828" y="65103"/>
-            <a:ext cx="3840572" cy="366767"/>
+            <a:off x="502827" y="65103"/>
+            <a:ext cx="4725793" cy="366767"/>
           </a:xfrm>
           <a:prstGeom prst="rect">
             <a:avLst/>
@@ -2293,10 +2293,10 @@
               </a:spcBef>
             </a:pPr>
             <a:r>
-              <a:rPr sz="2300" dirty="0">
+              <a:rPr lang="it-IT" sz="2300" dirty="0">
                 <a:latin typeface="Adobe Clean" panose="020B0503020404020204" pitchFamily="34" charset="0"/>
               </a:rPr>
-              <a:t>ADOBE SUPPORTOFFERINGS</a:t>
+              <a:t>OPZIONI DI SUPPORTO ADOBE</a:t>
             </a:r>
           </a:p>
         </p:txBody>
@@ -2310,7 +2310,7 @@
         <p:spPr>
           <a:xfrm>
             <a:off x="159522" y="560755"/>
-            <a:ext cx="7003277" cy="1466427"/>
+            <a:ext cx="7003277" cy="1327928"/>
           </a:xfrm>
           <a:prstGeom prst="rect">
             <a:avLst/>
@@ -2331,107 +2331,17 @@
               </a:spcBef>
             </a:pPr>
             <a:r>
-              <a:rPr sz="1100" spc="-5" dirty="0">
+              <a:rPr lang="it-IT" sz="1100" dirty="0">
                 <a:solidFill>
                   <a:srgbClr val="FFFFFF"/>
                 </a:solidFill>
                 <a:latin typeface="AdobeClean-Light"/>
                 <a:cs typeface="AdobeClean-Light"/>
               </a:rPr>
-              <a:t>Online</a:t>
-            </a:r>
-            <a:r>
-              <a:rPr sz="1100" dirty="0">
-                <a:solidFill>
-                  <a:srgbClr val="FFFFFF"/>
-                </a:solidFill>
-                <a:latin typeface="AdobeClean-Light"/>
-                <a:cs typeface="AdobeClean-Light"/>
-              </a:rPr>
-              <a:t> |</a:t>
-            </a:r>
-            <a:r>
-              <a:rPr sz="1100" spc="5" dirty="0">
-                <a:solidFill>
-                  <a:srgbClr val="FFFFFF"/>
-                </a:solidFill>
-                <a:latin typeface="AdobeClean-Light"/>
-                <a:cs typeface="AdobeClean-Light"/>
-              </a:rPr>
-              <a:t> </a:t>
-            </a:r>
-            <a:r>
-              <a:rPr sz="1100" spc="-5" dirty="0">
-                <a:solidFill>
-                  <a:srgbClr val="FFFFFF"/>
-                </a:solidFill>
-                <a:latin typeface="AdobeClean-Light"/>
-                <a:cs typeface="AdobeClean-Light"/>
-              </a:rPr>
-              <a:t>Business</a:t>
-            </a:r>
-            <a:r>
-              <a:rPr sz="1100" dirty="0">
-                <a:solidFill>
-                  <a:srgbClr val="FFFFFF"/>
-                </a:solidFill>
-                <a:latin typeface="AdobeClean-Light"/>
-                <a:cs typeface="AdobeClean-Light"/>
-              </a:rPr>
-              <a:t> |</a:t>
-            </a:r>
-            <a:r>
-              <a:rPr sz="1100" spc="10" dirty="0">
-                <a:solidFill>
-                  <a:srgbClr val="FFFFFF"/>
-                </a:solidFill>
-                <a:latin typeface="AdobeClean-Light"/>
-                <a:cs typeface="AdobeClean-Light"/>
-              </a:rPr>
-              <a:t> </a:t>
-            </a:r>
-            <a:r>
-              <a:rPr sz="1100" spc="-5" dirty="0">
-                <a:solidFill>
-                  <a:srgbClr val="FFFFFF"/>
-                </a:solidFill>
-                <a:latin typeface="AdobeClean-Light"/>
-                <a:cs typeface="AdobeClean-Light"/>
-              </a:rPr>
-              <a:t>Enterprise</a:t>
-            </a:r>
-            <a:r>
-              <a:rPr sz="1100" spc="10" dirty="0">
-                <a:solidFill>
-                  <a:srgbClr val="FFFFFF"/>
-                </a:solidFill>
-                <a:latin typeface="AdobeClean-Light"/>
-                <a:cs typeface="AdobeClean-Light"/>
-              </a:rPr>
-              <a:t> </a:t>
-            </a:r>
-            <a:r>
-              <a:rPr sz="1100" dirty="0">
-                <a:solidFill>
-                  <a:srgbClr val="FFFFFF"/>
-                </a:solidFill>
-                <a:latin typeface="AdobeClean-Light"/>
-                <a:cs typeface="AdobeClean-Light"/>
-              </a:rPr>
-              <a:t>|</a:t>
-            </a:r>
-            <a:r>
-              <a:rPr sz="1100" spc="5" dirty="0">
-                <a:solidFill>
-                  <a:srgbClr val="FFFFFF"/>
-                </a:solidFill>
-                <a:latin typeface="AdobeClean-Light"/>
-                <a:cs typeface="AdobeClean-Light"/>
-              </a:rPr>
-              <a:t> </a:t>
-            </a:r>
-            <a:r>
-              <a:rPr sz="1100" b="1" spc="-65" dirty="0">
+              <a:t>Online | Business | Enterprise | </a:t>
+            </a:r>
+            <a:r>
+              <a:rPr lang="it-IT" sz="1100" b="1" dirty="0">
                 <a:solidFill>
                   <a:srgbClr val="FFFFFF"/>
                 </a:solidFill>
@@ -2440,10 +2350,6 @@
               </a:rPr>
               <a:t>Elite</a:t>
             </a:r>
-            <a:endParaRPr sz="1100" dirty="0">
-              <a:latin typeface="Arial"/>
-              <a:cs typeface="Arial"/>
-            </a:endParaRPr>
           </a:p>
           <a:p>
             <a:pPr marL="12700" marR="1076325">
@@ -2452,21 +2358,31 @@
               </a:spcBef>
             </a:pPr>
             <a:r>
-              <a:rPr lang="en-US" sz="900" dirty="0">
+              <a:rPr lang="it-IT" sz="900" dirty="0">
                 <a:solidFill>
                   <a:schemeClr val="bg1"/>
                 </a:solidFill>
                 <a:latin typeface="Adobe Clean SemiLight" panose="020B0403020404020204" pitchFamily="34" charset="0"/>
               </a:rPr>
-              <a:t>Adobe provides a comprehensive range of technical resources to help support your business included as part of your Experience Cloud license subscription and further enhanced in the ELITE support package. ELITE support includes access to personalized learning paths and monitored community forums via the Adobe Experience League. You can also take advantage of our detailed and in-depth technical product documentation and current release notes. ELITE customers will also have access to a Named Support Engineer as well as a Technical Account Manager who combine and work in partnership with you to provide best in class proactive and reactive support while acting as your designated technical contacts in the Adobe Support Team. With deep experience in your designated Experience Cloud solutions, your support team work to ensure that no matter how complex your support needs are, the Adobe Support team will be there side by side with you throughout, to ensure you maximize your investment in the Adobe Experience Cloud solutions and to help you avoid problems before they happen.</a:t>
-            </a:r>
-            <a:endParaRPr sz="900" dirty="0">
-              <a:solidFill>
-                <a:schemeClr val="bg1"/>
-              </a:solidFill>
-              <a:latin typeface="AdobeClean-Light"/>
-              <a:cs typeface="AdobeClean-Light"/>
-            </a:endParaRPr>
+              <a:t>Adobe offre una gamma completa di risorse tecniche per assistere la tua azienda, incluse nell’abbonamento Experience Cloud e ampliabili ulteriormente con un pacchetto di supporto ELITE. Il supporto ELITE include l’accesso a percorsi di apprendimento personalizzati e forum della community monitorati tramite Adobe Experience League. Puoi inoltre usufruire di documentazione tecnica dettagliata e note sulla versione sempre aggiornate. Ai clienti ELITE vengono assegnati un Named Support Engineer e un Technical Account Manager che saranno i tuoi contatti di riferimento all’interno del team Adobe Support. Inoltre, insieme e in partnership con la tua azienda, ti offrono un servizio di supporto d’eccellenza, proattivo e reattivo. Conoscendo a fondo le tue specifiche soluzioni Experience Cloud, il team Adobe Support sarà sempre al tuo fianco per ogni esigenza di supporto, per aiutarti </a:t>
+            </a:r>
+            <a:br>
+              <a:rPr lang="sk-SK" sz="900" dirty="0">
+                <a:solidFill>
+                  <a:schemeClr val="bg1"/>
+                </a:solidFill>
+                <a:latin typeface="Adobe Clean SemiLight" panose="020B0403020404020204" pitchFamily="34" charset="0"/>
+              </a:rPr>
+            </a:br>
+            <a:r>
+              <a:rPr lang="it-IT" sz="900" dirty="0">
+                <a:solidFill>
+                  <a:schemeClr val="bg1"/>
+                </a:solidFill>
+                <a:latin typeface="Adobe Clean SemiLight" panose="020B0403020404020204" pitchFamily="34" charset="0"/>
+              </a:rPr>
+              <a:t>a trarre il massimo dalle soluzioni Adobe Experience Cloud in cui hai investito e prevenire eventuali problemi.</a:t>
+            </a:r>
           </a:p>
         </p:txBody>
       </p:sp>
@@ -2478,8 +2394,8 @@
         </p:nvSpPr>
         <p:spPr>
           <a:xfrm>
-            <a:off x="168564" y="7024371"/>
-            <a:ext cx="2780665" cy="238760"/>
+            <a:off x="168564" y="7162800"/>
+            <a:ext cx="4022436" cy="228268"/>
           </a:xfrm>
           <a:prstGeom prst="rect">
             <a:avLst/>
@@ -2500,7 +2416,7 @@
               </a:spcBef>
             </a:pPr>
             <a:r>
-              <a:rPr sz="1400" b="1" u="heavy" spc="20" dirty="0">
+              <a:rPr lang="it-IT" sz="1400" b="1" u="heavy" dirty="0">
                 <a:solidFill>
                   <a:srgbClr val="020302"/>
                 </a:solidFill>
@@ -2512,447 +2428,8 @@
                 <a:latin typeface="Adobe Clean"/>
                 <a:cs typeface="Adobe Clean"/>
               </a:rPr>
-              <a:t>S</a:t>
-            </a:r>
-            <a:r>
-              <a:rPr sz="1400" b="1" u="heavy" dirty="0">
-                <a:solidFill>
-                  <a:srgbClr val="020302"/>
-                </a:solidFill>
-                <a:uFill>
-                  <a:solidFill>
-                    <a:srgbClr val="020302"/>
-                  </a:solidFill>
-                </a:uFill>
-                <a:latin typeface="Adobe Clean"/>
-                <a:cs typeface="Adobe Clean"/>
-              </a:rPr>
-              <a:t>er</a:t>
-            </a:r>
-            <a:r>
-              <a:rPr sz="1400" b="1" u="heavy" spc="10" dirty="0">
-                <a:solidFill>
-                  <a:srgbClr val="020302"/>
-                </a:solidFill>
-                <a:uFill>
-                  <a:solidFill>
-                    <a:srgbClr val="020302"/>
-                  </a:solidFill>
-                </a:uFill>
-                <a:latin typeface="Adobe Clean"/>
-                <a:cs typeface="Adobe Clean"/>
-              </a:rPr>
-              <a:t>vi</a:t>
-            </a:r>
-            <a:r>
-              <a:rPr sz="1400" b="1" u="heavy" dirty="0">
-                <a:solidFill>
-                  <a:srgbClr val="020302"/>
-                </a:solidFill>
-                <a:uFill>
-                  <a:solidFill>
-                    <a:srgbClr val="020302"/>
-                  </a:solidFill>
-                </a:uFill>
-                <a:latin typeface="Adobe Clean"/>
-                <a:cs typeface="Adobe Clean"/>
-              </a:rPr>
-              <a:t>ce</a:t>
-            </a:r>
-            <a:r>
-              <a:rPr sz="1400" b="1" u="heavy" spc="20" dirty="0">
-                <a:solidFill>
-                  <a:srgbClr val="020302"/>
-                </a:solidFill>
-                <a:uFill>
-                  <a:solidFill>
-                    <a:srgbClr val="020302"/>
-                  </a:solidFill>
-                </a:uFill>
-                <a:latin typeface="Adobe Clean"/>
-                <a:cs typeface="Adobe Clean"/>
-              </a:rPr>
-              <a:t> </a:t>
-            </a:r>
-            <a:r>
-              <a:rPr sz="1400" b="1" u="heavy" spc="-20" dirty="0">
-                <a:solidFill>
-                  <a:srgbClr val="020302"/>
-                </a:solidFill>
-                <a:uFill>
-                  <a:solidFill>
-                    <a:srgbClr val="020302"/>
-                  </a:solidFill>
-                </a:uFill>
-                <a:latin typeface="Adobe Clean"/>
-                <a:cs typeface="Adobe Clean"/>
-              </a:rPr>
-              <a:t>Le</a:t>
-            </a:r>
-            <a:r>
-              <a:rPr sz="1400" b="1" u="heavy" spc="-10" dirty="0">
-                <a:solidFill>
-                  <a:srgbClr val="020302"/>
-                </a:solidFill>
-                <a:uFill>
-                  <a:solidFill>
-                    <a:srgbClr val="020302"/>
-                  </a:solidFill>
-                </a:uFill>
-                <a:latin typeface="Adobe Clean"/>
-                <a:cs typeface="Adobe Clean"/>
-              </a:rPr>
-              <a:t>v</a:t>
-            </a:r>
-            <a:r>
-              <a:rPr sz="1400" b="1" u="heavy" spc="-20" dirty="0">
-                <a:solidFill>
-                  <a:srgbClr val="020302"/>
-                </a:solidFill>
-                <a:uFill>
-                  <a:solidFill>
-                    <a:srgbClr val="020302"/>
-                  </a:solidFill>
-                </a:uFill>
-                <a:latin typeface="Adobe Clean"/>
-                <a:cs typeface="Adobe Clean"/>
-              </a:rPr>
-              <a:t>e</a:t>
-            </a:r>
-            <a:r>
-              <a:rPr sz="1400" b="1" u="heavy" dirty="0">
-                <a:solidFill>
-                  <a:srgbClr val="020302"/>
-                </a:solidFill>
-                <a:uFill>
-                  <a:solidFill>
-                    <a:srgbClr val="020302"/>
-                  </a:solidFill>
-                </a:uFill>
-                <a:latin typeface="Adobe Clean"/>
-                <a:cs typeface="Adobe Clean"/>
-              </a:rPr>
-              <a:t>l</a:t>
-            </a:r>
-            <a:r>
-              <a:rPr sz="1400" b="1" u="heavy" spc="-10" dirty="0">
-                <a:solidFill>
-                  <a:srgbClr val="020302"/>
-                </a:solidFill>
-                <a:uFill>
-                  <a:solidFill>
-                    <a:srgbClr val="020302"/>
-                  </a:solidFill>
-                </a:uFill>
-                <a:latin typeface="Adobe Clean"/>
-                <a:cs typeface="Adobe Clean"/>
-              </a:rPr>
-              <a:t> </a:t>
-            </a:r>
-            <a:r>
-              <a:rPr sz="1400" b="1" u="heavy" spc="-65" dirty="0">
-                <a:solidFill>
-                  <a:srgbClr val="020302"/>
-                </a:solidFill>
-                <a:uFill>
-                  <a:solidFill>
-                    <a:srgbClr val="020302"/>
-                  </a:solidFill>
-                </a:uFill>
-                <a:latin typeface="Adobe Clean"/>
-                <a:cs typeface="Adobe Clean"/>
-              </a:rPr>
-              <a:t>T</a:t>
-            </a:r>
-            <a:r>
-              <a:rPr sz="1400" b="1" u="heavy" spc="-35" dirty="0">
-                <a:solidFill>
-                  <a:srgbClr val="020302"/>
-                </a:solidFill>
-                <a:uFill>
-                  <a:solidFill>
-                    <a:srgbClr val="020302"/>
-                  </a:solidFill>
-                </a:uFill>
-                <a:latin typeface="Adobe Clean"/>
-                <a:cs typeface="Adobe Clean"/>
-              </a:rPr>
-              <a:t>a</a:t>
-            </a:r>
-            <a:r>
-              <a:rPr sz="1400" b="1" u="heavy" spc="-45" dirty="0">
-                <a:solidFill>
-                  <a:srgbClr val="020302"/>
-                </a:solidFill>
-                <a:uFill>
-                  <a:solidFill>
-                    <a:srgbClr val="020302"/>
-                  </a:solidFill>
-                </a:uFill>
-                <a:latin typeface="Adobe Clean"/>
-                <a:cs typeface="Adobe Clean"/>
-              </a:rPr>
-              <a:t>r</a:t>
-            </a:r>
-            <a:r>
-              <a:rPr sz="1400" b="1" u="heavy" spc="-35" dirty="0">
-                <a:solidFill>
-                  <a:srgbClr val="020302"/>
-                </a:solidFill>
-                <a:uFill>
-                  <a:solidFill>
-                    <a:srgbClr val="020302"/>
-                  </a:solidFill>
-                </a:uFill>
-                <a:latin typeface="Adobe Clean"/>
-                <a:cs typeface="Adobe Clean"/>
-              </a:rPr>
-              <a:t>g</a:t>
-            </a:r>
-            <a:r>
-              <a:rPr sz="1400" b="1" u="heavy" spc="-55" dirty="0">
-                <a:solidFill>
-                  <a:srgbClr val="020302"/>
-                </a:solidFill>
-                <a:uFill>
-                  <a:solidFill>
-                    <a:srgbClr val="020302"/>
-                  </a:solidFill>
-                </a:uFill>
-                <a:latin typeface="Adobe Clean"/>
-                <a:cs typeface="Adobe Clean"/>
-              </a:rPr>
-              <a:t>et</a:t>
-            </a:r>
-            <a:r>
-              <a:rPr sz="1400" b="1" u="heavy" spc="-45" dirty="0">
-                <a:solidFill>
-                  <a:srgbClr val="020302"/>
-                </a:solidFill>
-                <a:uFill>
-                  <a:solidFill>
-                    <a:srgbClr val="020302"/>
-                  </a:solidFill>
-                </a:uFill>
-                <a:latin typeface="Adobe Clean"/>
-                <a:cs typeface="Adobe Clean"/>
-              </a:rPr>
-              <a:t>s</a:t>
-            </a:r>
-            <a:r>
-              <a:rPr sz="1400" b="1" u="heavy" dirty="0">
-                <a:solidFill>
-                  <a:srgbClr val="020302"/>
-                </a:solidFill>
-                <a:uFill>
-                  <a:solidFill>
-                    <a:srgbClr val="020302"/>
-                  </a:solidFill>
-                </a:uFill>
-                <a:latin typeface="Adobe Clean"/>
-                <a:cs typeface="Adobe Clean"/>
-              </a:rPr>
-              <a:t>:</a:t>
-            </a:r>
-            <a:r>
-              <a:rPr sz="1400" b="1" u="heavy" spc="-80" dirty="0">
-                <a:solidFill>
-                  <a:srgbClr val="020302"/>
-                </a:solidFill>
-                <a:uFill>
-                  <a:solidFill>
-                    <a:srgbClr val="020302"/>
-                  </a:solidFill>
-                </a:uFill>
-                <a:latin typeface="Adobe Clean"/>
-                <a:cs typeface="Adobe Clean"/>
-              </a:rPr>
-              <a:t> </a:t>
-            </a:r>
-            <a:r>
-              <a:rPr sz="1400" b="1" u="heavy" spc="-20" dirty="0">
-                <a:solidFill>
-                  <a:srgbClr val="020302"/>
-                </a:solidFill>
-                <a:uFill>
-                  <a:solidFill>
-                    <a:srgbClr val="020302"/>
-                  </a:solidFill>
-                </a:uFill>
-                <a:latin typeface="Adobe Clean"/>
-                <a:cs typeface="Adobe Clean"/>
-              </a:rPr>
-              <a:t>I</a:t>
-            </a:r>
-            <a:r>
-              <a:rPr sz="1400" b="1" u="heavy" spc="-10" dirty="0">
-                <a:solidFill>
-                  <a:srgbClr val="020302"/>
-                </a:solidFill>
-                <a:uFill>
-                  <a:solidFill>
-                    <a:srgbClr val="020302"/>
-                  </a:solidFill>
-                </a:uFill>
-                <a:latin typeface="Adobe Clean"/>
-                <a:cs typeface="Adobe Clean"/>
-              </a:rPr>
-              <a:t>ni</a:t>
-            </a:r>
-            <a:r>
-              <a:rPr sz="1400" b="1" u="heavy" spc="-20" dirty="0">
-                <a:solidFill>
-                  <a:srgbClr val="020302"/>
-                </a:solidFill>
-                <a:uFill>
-                  <a:solidFill>
-                    <a:srgbClr val="020302"/>
-                  </a:solidFill>
-                </a:uFill>
-                <a:latin typeface="Adobe Clean"/>
-                <a:cs typeface="Adobe Clean"/>
-              </a:rPr>
-              <a:t>t</a:t>
-            </a:r>
-            <a:r>
-              <a:rPr sz="1400" b="1" u="heavy" spc="-10" dirty="0">
-                <a:solidFill>
-                  <a:srgbClr val="020302"/>
-                </a:solidFill>
-                <a:uFill>
-                  <a:solidFill>
-                    <a:srgbClr val="020302"/>
-                  </a:solidFill>
-                </a:uFill>
-                <a:latin typeface="Adobe Clean"/>
-                <a:cs typeface="Adobe Clean"/>
-              </a:rPr>
-              <a:t>i</a:t>
-            </a:r>
-            <a:r>
-              <a:rPr sz="1400" b="1" u="heavy" dirty="0">
-                <a:solidFill>
-                  <a:srgbClr val="020302"/>
-                </a:solidFill>
-                <a:uFill>
-                  <a:solidFill>
-                    <a:srgbClr val="020302"/>
-                  </a:solidFill>
-                </a:uFill>
-                <a:latin typeface="Adobe Clean"/>
-                <a:cs typeface="Adobe Clean"/>
-              </a:rPr>
-              <a:t>al</a:t>
-            </a:r>
-            <a:r>
-              <a:rPr sz="1400" b="1" u="heavy" spc="-140" dirty="0">
-                <a:solidFill>
-                  <a:srgbClr val="020302"/>
-                </a:solidFill>
-                <a:uFill>
-                  <a:solidFill>
-                    <a:srgbClr val="020302"/>
-                  </a:solidFill>
-                </a:uFill>
-                <a:latin typeface="Adobe Clean"/>
-                <a:cs typeface="Adobe Clean"/>
-              </a:rPr>
-              <a:t> </a:t>
-            </a:r>
-            <a:r>
-              <a:rPr sz="1400" b="1" u="heavy" spc="-15" dirty="0">
-                <a:solidFill>
-                  <a:srgbClr val="020302"/>
-                </a:solidFill>
-                <a:uFill>
-                  <a:solidFill>
-                    <a:srgbClr val="020302"/>
-                  </a:solidFill>
-                </a:uFill>
-                <a:latin typeface="Adobe Clean"/>
-                <a:cs typeface="Adobe Clean"/>
-              </a:rPr>
-              <a:t>R</a:t>
-            </a:r>
-            <a:r>
-              <a:rPr sz="1400" b="1" u="heavy" spc="-25" dirty="0">
-                <a:solidFill>
-                  <a:srgbClr val="020302"/>
-                </a:solidFill>
-                <a:uFill>
-                  <a:solidFill>
-                    <a:srgbClr val="020302"/>
-                  </a:solidFill>
-                </a:uFill>
-                <a:latin typeface="Adobe Clean"/>
-                <a:cs typeface="Adobe Clean"/>
-              </a:rPr>
-              <a:t>e</a:t>
-            </a:r>
-            <a:r>
-              <a:rPr sz="1400" b="1" u="heavy" spc="-15" dirty="0">
-                <a:solidFill>
-                  <a:srgbClr val="020302"/>
-                </a:solidFill>
-                <a:uFill>
-                  <a:solidFill>
-                    <a:srgbClr val="020302"/>
-                  </a:solidFill>
-                </a:uFill>
-                <a:latin typeface="Adobe Clean"/>
-                <a:cs typeface="Adobe Clean"/>
-              </a:rPr>
-              <a:t>s</a:t>
-            </a:r>
-            <a:r>
-              <a:rPr sz="1400" b="1" u="heavy" spc="-25" dirty="0">
-                <a:solidFill>
-                  <a:srgbClr val="020302"/>
-                </a:solidFill>
-                <a:uFill>
-                  <a:solidFill>
-                    <a:srgbClr val="020302"/>
-                  </a:solidFill>
-                </a:uFill>
-                <a:latin typeface="Adobe Clean"/>
-                <a:cs typeface="Adobe Clean"/>
-              </a:rPr>
-              <a:t>p</a:t>
-            </a:r>
-            <a:r>
-              <a:rPr sz="1400" b="1" u="heavy" spc="-15" dirty="0">
-                <a:solidFill>
-                  <a:srgbClr val="020302"/>
-                </a:solidFill>
-                <a:uFill>
-                  <a:solidFill>
-                    <a:srgbClr val="020302"/>
-                  </a:solidFill>
-                </a:uFill>
-                <a:latin typeface="Adobe Clean"/>
-                <a:cs typeface="Adobe Clean"/>
-              </a:rPr>
-              <a:t>ons</a:t>
-            </a:r>
-            <a:r>
-              <a:rPr sz="1400" b="1" u="heavy" dirty="0">
-                <a:solidFill>
-                  <a:srgbClr val="020302"/>
-                </a:solidFill>
-                <a:uFill>
-                  <a:solidFill>
-                    <a:srgbClr val="020302"/>
-                  </a:solidFill>
-                </a:uFill>
-                <a:latin typeface="Adobe Clean"/>
-                <a:cs typeface="Adobe Clean"/>
-              </a:rPr>
-              <a:t>e</a:t>
-            </a:r>
-            <a:endParaRPr sz="1400" dirty="0">
-              <a:latin typeface="Adobe Clean"/>
-              <a:cs typeface="Adobe Clean"/>
-            </a:endParaRPr>
+              <a:t>Obiettivi del livello di servizio: risposta iniziale</a:t>
+            </a:r>
           </a:p>
         </p:txBody>
       </p:sp>
@@ -2965,14 +2442,14 @@
           <p:nvPr>
             <p:extLst>
               <p:ext uri="{D42A27DB-BD31-4B8C-83A1-F6EECF244321}">
-                <p14:modId xmlns:p14="http://schemas.microsoft.com/office/powerpoint/2010/main" val="101721845"/>
+                <p14:modId xmlns:p14="http://schemas.microsoft.com/office/powerpoint/2010/main" val="3115713540"/>
               </p:ext>
             </p:extLst>
           </p:nvPr>
         </p:nvGraphicFramePr>
         <p:xfrm>
           <a:off x="145668" y="7473158"/>
-          <a:ext cx="7409815" cy="2259721"/>
+          <a:ext cx="7409815" cy="2386721"/>
         </p:xfrm>
         <a:graphic>
           <a:graphicData uri="http://schemas.openxmlformats.org/drawingml/2006/table">
@@ -3018,19 +2495,15 @@
                         </a:spcBef>
                       </a:pPr>
                       <a:r>
-                        <a:rPr sz="900" spc="0" dirty="0">
+                        <a:rPr lang="it-IT" sz="900">
                           <a:solidFill>
                             <a:srgbClr val="020302"/>
                           </a:solidFill>
                           <a:latin typeface="Adobe Clean"/>
                           <a:cs typeface="Adobe Clean"/>
                         </a:rPr>
-                        <a:t>Priority</a:t>
+                        <a:t>Priorità</a:t>
                       </a:r>
-                      <a:endParaRPr sz="900" spc="0" dirty="0">
-                        <a:latin typeface="Adobe Clean"/>
-                        <a:cs typeface="Adobe Clean"/>
-                      </a:endParaRPr>
                     </a:p>
                   </a:txBody>
                   <a:tcPr marL="0" marR="0" marT="5715" marB="0" anchor="ctr">
@@ -3077,39 +2550,15 @@
                         </a:spcBef>
                       </a:pPr>
                       <a:r>
-                        <a:rPr sz="900" spc="0" dirty="0">
+                        <a:rPr lang="it-IT" sz="900">
                           <a:solidFill>
                             <a:srgbClr val="020302"/>
                           </a:solidFill>
                           <a:latin typeface="Adobe Clean"/>
                           <a:cs typeface="Adobe Clean"/>
                         </a:rPr>
-                        <a:t>Online</a:t>
+                        <a:t>Supporto Online</a:t>
                       </a:r>
-                      <a:r>
-                        <a:rPr lang="en-US" sz="900" spc="0" dirty="0">
-                          <a:solidFill>
-                            <a:srgbClr val="020302"/>
-                          </a:solidFill>
-                          <a:latin typeface="Adobe Clean"/>
-                          <a:cs typeface="Adobe Clean"/>
-                        </a:rPr>
-                        <a:t> </a:t>
-                      </a:r>
-                      <a:r>
-                        <a:rPr sz="900" spc="0" dirty="0">
-                          <a:solidFill>
-                            <a:srgbClr val="020302"/>
-                          </a:solidFill>
-                          <a:latin typeface="Adobe Clean"/>
-                          <a:cs typeface="Adobe Clean"/>
-                        </a:rPr>
-                        <a:t> Support</a:t>
-                      </a:r>
-                      <a:endParaRPr sz="900" spc="0" dirty="0">
-                        <a:latin typeface="Adobe Clean"/>
-                        <a:cs typeface="Adobe Clean"/>
-                      </a:endParaRPr>
                     </a:p>
                   </a:txBody>
                   <a:tcPr marL="0" marR="0" marT="5715" marB="0" anchor="ctr">
@@ -3159,39 +2608,15 @@
                         </a:spcBef>
                       </a:pPr>
                       <a:r>
-                        <a:rPr sz="900" spc="0" dirty="0">
+                        <a:rPr lang="it-IT" sz="900">
                           <a:solidFill>
                             <a:srgbClr val="FFFFFF"/>
                           </a:solidFill>
                           <a:latin typeface="Adobe Clean"/>
                           <a:cs typeface="Adobe Clean"/>
                         </a:rPr>
-                        <a:t>Elite </a:t>
+                        <a:t>Supporto Elite</a:t>
                       </a:r>
-                      <a:r>
-                        <a:rPr lang="en-US" sz="900" spc="0" dirty="0">
-                          <a:solidFill>
-                            <a:srgbClr val="FFFFFF"/>
-                          </a:solidFill>
-                          <a:latin typeface="Adobe Clean"/>
-                          <a:cs typeface="Adobe Clean"/>
-                        </a:rPr>
-                        <a:t> </a:t>
-                      </a:r>
-                      <a:r>
-                        <a:rPr sz="900" spc="0" dirty="0">
-                          <a:solidFill>
-                            <a:srgbClr val="FFFFFF"/>
-                          </a:solidFill>
-                          <a:latin typeface="Adobe Clean"/>
-                          <a:cs typeface="Adobe Clean"/>
-                        </a:rPr>
-                        <a:t>Support</a:t>
-                      </a:r>
-                      <a:endParaRPr sz="900" spc="0" dirty="0">
-                        <a:latin typeface="Adobe Clean"/>
-                        <a:cs typeface="Adobe Clean"/>
-                      </a:endParaRPr>
                     </a:p>
                   </a:txBody>
                   <a:tcPr marL="0" marR="0" marT="8255" marB="0" anchor="ctr">
@@ -3248,19 +2673,15 @@
                         </a:spcBef>
                       </a:pPr>
                       <a:r>
-                        <a:rPr sz="900" b="1" spc="0" dirty="0">
+                        <a:rPr lang="it-IT" sz="900" b="1">
                           <a:solidFill>
                             <a:srgbClr val="020302"/>
                           </a:solidFill>
                           <a:latin typeface="Adobe Clean"/>
                           <a:cs typeface="Adobe Clean"/>
                         </a:rPr>
-                        <a:t>PRIORITY 1</a:t>
+                        <a:t>PRIORITÀ 1 (P1)</a:t>
                       </a:r>
-                      <a:endParaRPr sz="900" spc="0" dirty="0">
-                        <a:latin typeface="Adobe Clean"/>
-                        <a:cs typeface="Adobe Clean"/>
-                      </a:endParaRPr>
                     </a:p>
                     <a:p>
                       <a:pPr marL="50165" marR="495934" algn="l">
@@ -3272,19 +2693,14 @@
                         </a:spcBef>
                       </a:pPr>
                       <a:r>
-                        <a:rPr lang="en-US" sz="900" b="0" i="0" u="none" strike="noStrike" spc="0" dirty="0">
+                        <a:rPr lang="it-IT" sz="900" b="0" i="0" u="none" strike="noStrike">
                           <a:solidFill>
                             <a:srgbClr val="000000"/>
                           </a:solidFill>
-                          <a:effectLst/>
                           <a:latin typeface="Adobe Clean Light" panose="020B0303020404020204" pitchFamily="34" charset="0"/>
                         </a:rPr>
-                        <a:t>Customer's production business functions are down or have significant data loss or service degradation and immediate attention is required to restore functionality and usability</a:t>
+                        <a:t>Le funzioni operative nell’ambiente di produzione del cliente non sono disponibili oppure si verificano problemi significativi di perdita di dati o deterioramento del servizio ed è richiesto un intervento immediato per ripristinare funzionalità e usabilità.</a:t>
                       </a:r>
-                      <a:endParaRPr sz="900" spc="0" dirty="0">
-                        <a:latin typeface="AdobeClean-Light"/>
-                        <a:cs typeface="AdobeClean-Light"/>
-                      </a:endParaRPr>
                     </a:p>
                   </a:txBody>
                   <a:tcPr marL="0" marR="0" marT="0" marB="0" anchor="ctr">
@@ -3322,85 +2738,21 @@
                     <a:bodyPr/>
                     <a:lstStyle/>
                     <a:p>
-                      <a:pPr marL="542925" marR="492125" algn="l">
+                      <a:pPr marL="542925" marR="492125" algn="ctr">
                         <a:lnSpc>
                           <a:spcPct val="102200"/>
                         </a:lnSpc>
                       </a:pPr>
                       <a:r>
-                        <a:rPr sz="900" spc="0" dirty="0">
+                        <a:rPr lang="it-IT" sz="900">
                           <a:solidFill>
                             <a:srgbClr val="020302"/>
                           </a:solidFill>
                           <a:latin typeface="AdobeClean-Light"/>
                           <a:cs typeface="AdobeClean-Light"/>
                         </a:rPr>
-                        <a:t>24x7</a:t>
+                        <a:t>24x7 /           1 ora</a:t>
                       </a:r>
-                      <a:r>
-                        <a:rPr lang="en-US" sz="900" spc="0" dirty="0">
-                          <a:solidFill>
-                            <a:srgbClr val="020302"/>
-                          </a:solidFill>
-                          <a:latin typeface="AdobeClean-Light"/>
-                          <a:cs typeface="AdobeClean-Light"/>
-                        </a:rPr>
-                        <a:t> </a:t>
-                      </a:r>
-                      <a:r>
-                        <a:rPr sz="900" spc="0" dirty="0">
-                          <a:solidFill>
-                            <a:srgbClr val="020302"/>
-                          </a:solidFill>
-                          <a:latin typeface="AdobeClean-Light"/>
-                          <a:cs typeface="AdobeClean-Light"/>
-                        </a:rPr>
-                        <a:t>/</a:t>
-                      </a:r>
-                      <a:r>
-                        <a:rPr lang="en-US" sz="900" spc="0" dirty="0">
-                          <a:solidFill>
-                            <a:srgbClr val="020302"/>
-                          </a:solidFill>
-                          <a:latin typeface="AdobeClean-Light"/>
-                          <a:cs typeface="AdobeClean-Light"/>
-                        </a:rPr>
-                        <a:t>         </a:t>
-                      </a:r>
-                      <a:r>
-                        <a:rPr sz="900" spc="0" dirty="0">
-                          <a:solidFill>
-                            <a:srgbClr val="020302"/>
-                          </a:solidFill>
-                          <a:latin typeface="AdobeClean-Light"/>
-                          <a:cs typeface="AdobeClean-Light"/>
-                        </a:rPr>
-                        <a:t>  1</a:t>
-                      </a:r>
-                      <a:r>
-                        <a:rPr lang="en-US" sz="900" spc="0" dirty="0">
-                          <a:solidFill>
-                            <a:srgbClr val="020302"/>
-                          </a:solidFill>
-                          <a:latin typeface="AdobeClean-Light"/>
-                          <a:cs typeface="AdobeClean-Light"/>
-                        </a:rPr>
-                        <a:t> </a:t>
-                      </a:r>
-                      <a:r>
-                        <a:rPr sz="900" spc="0" dirty="0">
-                          <a:solidFill>
-                            <a:srgbClr val="020302"/>
-                          </a:solidFill>
-                          <a:latin typeface="AdobeClean-Light"/>
-                          <a:cs typeface="AdobeClean-Light"/>
-                        </a:rPr>
-                        <a:t>hour</a:t>
-                      </a:r>
-                      <a:endParaRPr sz="900" spc="0" dirty="0">
-                        <a:latin typeface="AdobeClean-Light"/>
-                        <a:cs typeface="AdobeClean-Light"/>
-                      </a:endParaRPr>
                     </a:p>
                   </a:txBody>
                   <a:tcPr marL="0" marR="0" marT="0" marB="0" anchor="ctr">
@@ -3438,75 +2790,21 @@
                     <a:bodyPr/>
                     <a:lstStyle/>
                     <a:p>
-                      <a:pPr marL="405130" marR="459740" indent="92710" algn="l">
+                      <a:pPr marL="405130" marR="459740" indent="92710" algn="ctr">
                         <a:lnSpc>
                           <a:spcPct val="100000"/>
                         </a:lnSpc>
                       </a:pPr>
                       <a:r>
-                        <a:rPr lang="en-US" sz="900" spc="0" dirty="0">
+                        <a:rPr lang="it-IT" sz="900">
                           <a:solidFill>
                             <a:srgbClr val="020302"/>
                           </a:solidFill>
                           <a:latin typeface="AdobeClean-Light"/>
                           <a:cs typeface="AdobeClean-Light"/>
                         </a:rPr>
-                        <a:t>2</a:t>
+                        <a:t>24x7 /   15 minuti</a:t>
                       </a:r>
-                      <a:r>
-                        <a:rPr sz="900" spc="0" dirty="0">
-                          <a:solidFill>
-                            <a:srgbClr val="020302"/>
-                          </a:solidFill>
-                          <a:latin typeface="AdobeClean-Light"/>
-                          <a:cs typeface="AdobeClean-Light"/>
-                        </a:rPr>
-                        <a:t>4x7 / </a:t>
-                      </a:r>
-                      <a:r>
-                        <a:rPr lang="en-US" sz="900" spc="0" dirty="0">
-                          <a:solidFill>
-                            <a:srgbClr val="020302"/>
-                          </a:solidFill>
-                          <a:latin typeface="AdobeClean-Light"/>
-                          <a:cs typeface="AdobeClean-Light"/>
-                        </a:rPr>
-                        <a:t> </a:t>
-                      </a:r>
-                      <a:r>
-                        <a:rPr sz="900" spc="0" dirty="0">
-                          <a:solidFill>
-                            <a:srgbClr val="020302"/>
-                          </a:solidFill>
-                          <a:latin typeface="AdobeClean-Light"/>
-                          <a:cs typeface="AdobeClean-Light"/>
-                        </a:rPr>
-                        <a:t> 15</a:t>
-                      </a:r>
-                      <a:r>
-                        <a:rPr lang="en-US" sz="900" spc="0" dirty="0">
-                          <a:solidFill>
-                            <a:srgbClr val="020302"/>
-                          </a:solidFill>
-                          <a:latin typeface="AdobeClean-Light"/>
-                          <a:cs typeface="AdobeClean-Light"/>
-                        </a:rPr>
-                        <a:t> </a:t>
-                      </a:r>
-                      <a:r>
-                        <a:rPr sz="900" spc="0" dirty="0">
-                          <a:solidFill>
-                            <a:srgbClr val="020302"/>
-                          </a:solidFill>
-                          <a:latin typeface="AdobeClean-Light"/>
-                          <a:cs typeface="AdobeClean-Light"/>
-                        </a:rPr>
-                        <a:t>minutes</a:t>
-                      </a:r>
-                      <a:endParaRPr sz="900" spc="0" dirty="0">
-                        <a:latin typeface="AdobeClean-Light"/>
-                        <a:cs typeface="AdobeClean-Light"/>
-                      </a:endParaRPr>
                     </a:p>
                   </a:txBody>
                   <a:tcPr marL="0" marR="0" marT="2540" marB="0" anchor="ctr">
@@ -3568,19 +2866,15 @@
                         </a:spcBef>
                       </a:pPr>
                       <a:r>
-                        <a:rPr sz="900" b="1" spc="0" dirty="0">
+                        <a:rPr lang="it-IT" sz="900" b="1">
                           <a:solidFill>
                             <a:srgbClr val="020302"/>
                           </a:solidFill>
                           <a:latin typeface="Adobe Clean"/>
                           <a:cs typeface="Adobe Clean"/>
                         </a:rPr>
-                        <a:t>PRIORITY 2</a:t>
+                        <a:t>PRIORITÀ 2 (P2)</a:t>
                       </a:r>
-                      <a:endParaRPr sz="900" spc="0" dirty="0">
-                        <a:latin typeface="Adobe Clean"/>
-                        <a:cs typeface="Adobe Clean"/>
-                      </a:endParaRPr>
                     </a:p>
                     <a:p>
                       <a:pPr marL="49530" marR="719455" algn="l">
@@ -3592,19 +2886,14 @@
                         </a:spcBef>
                       </a:pPr>
                       <a:r>
-                        <a:rPr lang="en-US" sz="900" b="0" i="0" u="none" strike="noStrike" spc="0" dirty="0">
+                        <a:rPr lang="it-IT" sz="900" b="0" i="0" u="none" strike="noStrike">
                           <a:solidFill>
                             <a:srgbClr val="000000"/>
                           </a:solidFill>
-                          <a:effectLst/>
                           <a:latin typeface="Adobe Clean Light" panose="020B0303020404020204" pitchFamily="34" charset="0"/>
                         </a:rPr>
-                        <a:t>Customer's business functions have major service degradation or potential data loss, or a major feature is impacted</a:t>
+                        <a:t>Le funzioni operative del cliente hanno subìto un notevole deterioramento del servizio o potenziale perdita di dati, oppure un problema interessa una funzione importante.</a:t>
                       </a:r>
-                      <a:endParaRPr sz="900" spc="0" dirty="0">
-                        <a:latin typeface="AdobeClean-Light"/>
-                        <a:cs typeface="AdobeClean-Light"/>
-                      </a:endParaRPr>
                     </a:p>
                   </a:txBody>
                   <a:tcPr marL="0" marR="0" marT="0" marB="0" anchor="ctr">
@@ -3642,23 +2931,23 @@
                     <a:bodyPr/>
                     <a:lstStyle/>
                     <a:p>
-                      <a:pPr marL="473709" marR="343535" indent="-175895" algn="l">
+                      <a:pPr marL="284163" marR="343535" indent="-49213" algn="ctr">
                         <a:lnSpc>
                           <a:spcPct val="102200"/>
                         </a:lnSpc>
                       </a:pPr>
                       <a:r>
-                        <a:rPr sz="900" spc="0" dirty="0">
+                        <a:rPr lang="it-IT" sz="900" dirty="0">
                           <a:solidFill>
                             <a:srgbClr val="020302"/>
                           </a:solidFill>
                           <a:latin typeface="AdobeClean-Light"/>
                           <a:cs typeface="AdobeClean-Light"/>
                         </a:rPr>
-                        <a:t>Business hours</a:t>
+                        <a:t>Orario operativo /</a:t>
                       </a:r>
                       <a:r>
-                        <a:rPr lang="en-US" sz="900" spc="0" dirty="0">
+                        <a:rPr lang="sk-SK" sz="900" dirty="0">
                           <a:solidFill>
                             <a:srgbClr val="020302"/>
                           </a:solidFill>
@@ -3667,40 +2956,25 @@
                         </a:rPr>
                         <a:t> </a:t>
                       </a:r>
-                      <a:r>
-                        <a:rPr sz="900" spc="0" dirty="0">
+                      <a:br>
+                        <a:rPr lang="sk-SK" sz="900" dirty="0">
                           <a:solidFill>
                             <a:srgbClr val="020302"/>
                           </a:solidFill>
                           <a:latin typeface="AdobeClean-Light"/>
                           <a:cs typeface="AdobeClean-Light"/>
                         </a:rPr>
-                        <a:t>/  </a:t>
-                      </a:r>
+                      </a:br>
                       <a:r>
-                        <a:rPr lang="en-US" sz="900" spc="0" dirty="0">
+                        <a:rPr lang="it-IT" sz="900" dirty="0">
                           <a:solidFill>
                             <a:srgbClr val="020302"/>
                           </a:solidFill>
                           <a:latin typeface="AdobeClean-Light"/>
                           <a:cs typeface="AdobeClean-Light"/>
                         </a:rPr>
-                        <a:t>     </a:t>
+                        <a:t>4 ore</a:t>
                       </a:r>
-                      <a:r>
-                        <a:rPr sz="900" spc="0" dirty="0">
-                          <a:solidFill>
-                            <a:srgbClr val="020302"/>
-                          </a:solidFill>
-                          <a:latin typeface="AdobeClean-Light"/>
-                          <a:cs typeface="AdobeClean-Light"/>
-                        </a:rPr>
-                        <a:t>4 hours</a:t>
-                      </a:r>
-                      <a:endParaRPr sz="900" spc="0" dirty="0">
-                        <a:latin typeface="AdobeClean-Light"/>
-                        <a:cs typeface="AdobeClean-Light"/>
-                      </a:endParaRPr>
                     </a:p>
                   </a:txBody>
                   <a:tcPr marL="0" marR="0" marT="0" marB="0" anchor="ctr">
@@ -3735,45 +3009,21 @@
                     <a:bodyPr/>
                     <a:lstStyle/>
                     <a:p>
-                      <a:pPr marL="351790" marR="481330" indent="144145" algn="l">
+                      <a:pPr marL="351790" marR="481330" indent="144145" algn="ctr">
                         <a:lnSpc>
                           <a:spcPct val="102299"/>
                         </a:lnSpc>
                       </a:pPr>
                       <a:r>
-                        <a:rPr sz="900" spc="0" dirty="0">
+                        <a:rPr lang="it-IT" sz="900">
                           <a:solidFill>
                             <a:srgbClr val="020302"/>
                           </a:solidFill>
                           <a:latin typeface="AdobeClean-Light"/>
                           <a:cs typeface="AdobeClean-Light"/>
                         </a:rPr>
-                        <a:t>24x5 /  30</a:t>
+                        <a:t>24x5 /  30 minuti</a:t>
                       </a:r>
-                      <a:r>
-                        <a:rPr lang="en-US" sz="900" spc="0" dirty="0">
-                          <a:solidFill>
-                            <a:srgbClr val="020302"/>
-                          </a:solidFill>
-                          <a:latin typeface="AdobeClean-Light"/>
-                          <a:cs typeface="AdobeClean-Light"/>
-                        </a:rPr>
-                        <a:t> m</a:t>
-                      </a:r>
-                      <a:r>
-                        <a:rPr sz="900" spc="0" dirty="0">
-                          <a:solidFill>
-                            <a:srgbClr val="020302"/>
-                          </a:solidFill>
-                          <a:latin typeface="AdobeClean-Light"/>
-                          <a:cs typeface="AdobeClean-Light"/>
-                        </a:rPr>
-                        <a:t>inutes</a:t>
-                      </a:r>
-                      <a:endParaRPr sz="900" spc="0" dirty="0">
-                        <a:latin typeface="AdobeClean-Light"/>
-                        <a:cs typeface="AdobeClean-Light"/>
-                      </a:endParaRPr>
                     </a:p>
                   </a:txBody>
                   <a:tcPr marL="0" marR="0" marT="5080" marB="0" anchor="ctr">
@@ -3832,19 +3082,15 @@
                         </a:spcBef>
                       </a:pPr>
                       <a:r>
-                        <a:rPr sz="900" b="1" spc="0" dirty="0">
+                        <a:rPr lang="it-IT" sz="900" b="1" dirty="0">
                           <a:solidFill>
                             <a:srgbClr val="020302"/>
                           </a:solidFill>
                           <a:latin typeface="Adobe Clean"/>
                           <a:cs typeface="Adobe Clean"/>
                         </a:rPr>
-                        <a:t>PRIORITY 3</a:t>
+                        <a:t>PRIORITÀ 3 (P3)</a:t>
                       </a:r>
-                      <a:endParaRPr sz="900" spc="0" dirty="0">
-                        <a:latin typeface="Adobe Clean"/>
-                        <a:cs typeface="Adobe Clean"/>
-                      </a:endParaRPr>
                     </a:p>
                     <a:p>
                       <a:pPr marL="48895" marR="387985" indent="-2540" algn="l">
@@ -3856,19 +3102,31 @@
                         </a:spcBef>
                       </a:pPr>
                       <a:r>
-                        <a:rPr lang="en-US" sz="900" b="0" i="0" u="none" strike="noStrike" spc="0" dirty="0">
+                        <a:rPr lang="it-IT" sz="900" b="0" i="0" u="none" strike="noStrike" dirty="0">
                           <a:solidFill>
                             <a:srgbClr val="000000"/>
                           </a:solidFill>
-                          <a:effectLst/>
                           <a:latin typeface="Adobe Clean Light" panose="020B0303020404020204" pitchFamily="34" charset="0"/>
                         </a:rPr>
-                        <a:t>Customer’s business functions has minor to no service degradation but there exists a solution/workaround allowing business functions to continue normally</a:t>
+                        <a:t>Le funzioni operative del cliente sono interessate da deterioramento lieve del servizio </a:t>
                       </a:r>
-                      <a:endParaRPr sz="900" spc="0" dirty="0">
-                        <a:latin typeface="AdobeClean-Light"/>
-                        <a:cs typeface="AdobeClean-Light"/>
-                      </a:endParaRPr>
+                      <a:br>
+                        <a:rPr lang="sk-SK" sz="900" b="0" i="0" u="none" strike="noStrike" dirty="0">
+                          <a:solidFill>
+                            <a:srgbClr val="000000"/>
+                          </a:solidFill>
+                          <a:latin typeface="Adobe Clean Light" panose="020B0303020404020204" pitchFamily="34" charset="0"/>
+                        </a:rPr>
+                      </a:br>
+                      <a:r>
+                        <a:rPr lang="it-IT" sz="900" b="0" i="0" u="none" strike="noStrike" dirty="0">
+                          <a:solidFill>
+                            <a:srgbClr val="000000"/>
+                          </a:solidFill>
+                          <a:latin typeface="Adobe Clean Light" panose="020B0303020404020204" pitchFamily="34" charset="0"/>
+                        </a:rPr>
+                        <a:t>(o nessun deterioramento), tuttavia è possibile procedere normalmente mediante una soluzione temporanea.</a:t>
+                      </a:r>
                     </a:p>
                   </a:txBody>
                   <a:tcPr marL="0" marR="0" marT="0" marB="0" anchor="ctr">
@@ -3906,25 +3164,40 @@
                     <a:bodyPr/>
                     <a:lstStyle/>
                     <a:p>
-                      <a:pPr marL="473709" marR="343535" indent="-175895" algn="l">
+                      <a:pPr marL="284163" marR="343535" indent="-49213" algn="ctr">
                         <a:lnSpc>
                           <a:spcPct val="102200"/>
                         </a:lnSpc>
                       </a:pPr>
                       <a:r>
-                        <a:rPr lang="en-US" sz="900" spc="0" dirty="0">
+                        <a:rPr lang="it-IT" sz="900" dirty="0">
                           <a:solidFill>
                             <a:srgbClr val="020302"/>
                           </a:solidFill>
                           <a:latin typeface="AdobeClean-Light"/>
                           <a:cs typeface="AdobeClean-Light"/>
                         </a:rPr>
-                        <a:t>Business hours /       6 hours</a:t>
+                        <a:t>Orario operativo / </a:t>
                       </a:r>
-                      <a:endParaRPr lang="en-US" sz="900" spc="0" dirty="0">
-                        <a:latin typeface="AdobeClean-Light"/>
-                        <a:cs typeface="AdobeClean-Light"/>
-                      </a:endParaRPr>
+                      <a:br>
+                        <a:rPr lang="sk-SK" sz="900" dirty="0">
+                          <a:solidFill>
+                            <a:srgbClr val="020302"/>
+                          </a:solidFill>
+                          <a:latin typeface="AdobeClean-Light"/>
+                          <a:cs typeface="AdobeClean-Light"/>
+                        </a:rPr>
+                      </a:br>
+                      <a:r>
+                        <a:rPr lang="it-IT" sz="900" dirty="0">
+                          <a:solidFill>
+                            <a:srgbClr val="020302"/>
+                          </a:solidFill>
+                          <a:latin typeface="AdobeClean-Light"/>
+                          <a:cs typeface="AdobeClean-Light"/>
+                        </a:rPr>
+                        <a:t>6 ore</a:t>
+                      </a:r>
                     </a:p>
                   </a:txBody>
                   <a:tcPr marL="0" marR="0" marT="0" marB="0" anchor="ctr">
@@ -3959,13 +3232,13 @@
                     <a:bodyPr/>
                     <a:lstStyle/>
                     <a:p>
-                      <a:pPr marL="508000" marR="531495" indent="1270" algn="l">
+                      <a:pPr marL="508000" marR="531495" indent="1270" algn="ctr">
                         <a:lnSpc>
                           <a:spcPct val="102200"/>
                         </a:lnSpc>
                       </a:pPr>
                       <a:r>
-                        <a:rPr lang="en-US" sz="900" spc="0" dirty="0">
+                        <a:rPr lang="it-IT" sz="900">
                           <a:solidFill>
                             <a:srgbClr val="020302"/>
                           </a:solidFill>
@@ -3976,7 +3249,7 @@
                         <a:t>2</a:t>
                       </a:r>
                       <a:r>
-                        <a:rPr sz="900" spc="0" dirty="0">
+                        <a:rPr lang="it-IT" sz="900">
                           <a:solidFill>
                             <a:srgbClr val="020302"/>
                           </a:solidFill>
@@ -3984,29 +3257,7 @@
                           <a:ea typeface="+mn-ea"/>
                           <a:cs typeface="AdobeClean-Light"/>
                         </a:rPr>
-                        <a:t>4x5/  </a:t>
-                      </a:r>
-                      <a:r>
-                        <a:rPr lang="en-US" sz="900" spc="0" dirty="0">
-                          <a:solidFill>
-                            <a:srgbClr val="020302"/>
-                          </a:solidFill>
-                          <a:latin typeface="AdobeClean-Light"/>
-                          <a:ea typeface="+mn-ea"/>
-                          <a:cs typeface="AdobeClean-Light"/>
-                        </a:rPr>
-                        <a:t> </a:t>
-                      </a:r>
-                      <a:r>
-                        <a:rPr sz="900" spc="0" dirty="0">
-                          <a:solidFill>
-                            <a:srgbClr val="020302"/>
-                          </a:solidFill>
-                          <a:latin typeface="AdobeClean-Light"/>
-                          <a:ea typeface="+mn-ea"/>
-                          <a:cs typeface="AdobeClean-Light"/>
-                        </a:rPr>
-                        <a:t>1 hour</a:t>
+                        <a:t>4x5 /   1 ora</a:t>
                       </a:r>
                     </a:p>
                   </a:txBody>
@@ -4066,19 +3317,15 @@
                         </a:spcBef>
                       </a:pPr>
                       <a:r>
-                        <a:rPr sz="900" b="1" spc="0" dirty="0">
+                        <a:rPr lang="it-IT" sz="900" b="1" dirty="0">
                           <a:solidFill>
                             <a:srgbClr val="020302"/>
                           </a:solidFill>
                           <a:latin typeface="Adobe Clean"/>
                           <a:cs typeface="Adobe Clean"/>
                         </a:rPr>
-                        <a:t>PRIORITY 4</a:t>
+                        <a:t>PRIORITÀ 4 (P4)</a:t>
                       </a:r>
-                      <a:endParaRPr sz="900" spc="0" dirty="0">
-                        <a:latin typeface="Adobe Clean"/>
-                        <a:cs typeface="Adobe Clean"/>
-                      </a:endParaRPr>
                     </a:p>
                     <a:p>
                       <a:pPr marL="62230" algn="l">
@@ -4090,19 +3337,14 @@
                         </a:spcBef>
                       </a:pPr>
                       <a:r>
-                        <a:rPr lang="en-US" sz="900" b="0" i="0" u="none" strike="noStrike" spc="0" dirty="0">
+                        <a:rPr lang="it-IT" sz="900" b="0" i="0" u="none" strike="noStrike" dirty="0">
                           <a:solidFill>
                             <a:srgbClr val="000000"/>
                           </a:solidFill>
-                          <a:effectLst/>
                           <a:latin typeface="Adobe Clean Light" panose="020B0303020404020204" pitchFamily="34" charset="0"/>
                         </a:rPr>
-                        <a:t>General question regarding current product functionality or an enhancement request</a:t>
+                        <a:t>Domande generali sulle attuali funzionalità del prodotto o su una richiesta di miglioramento</a:t>
                       </a:r>
-                      <a:endParaRPr sz="900" spc="0" dirty="0">
-                        <a:latin typeface="AdobeClean-Light"/>
-                        <a:cs typeface="AdobeClean-Light"/>
-                      </a:endParaRPr>
                     </a:p>
                   </a:txBody>
                   <a:tcPr marL="0" marR="0" marT="0" marB="0" anchor="ctr">
@@ -4140,25 +3382,21 @@
                     <a:bodyPr/>
                     <a:lstStyle/>
                     <a:p>
-                      <a:pPr marL="473709" marR="343535" indent="-175895" algn="l">
+                      <a:pPr marL="284163" marR="343535" indent="-49213" algn="ctr">
                         <a:lnSpc>
                           <a:spcPct val="102200"/>
                         </a:lnSpc>
                       </a:pPr>
                       <a:r>
-                        <a:rPr lang="en-US" sz="900" spc="0" dirty="0">
+                        <a:rPr lang="it-IT" sz="900" dirty="0">
                           <a:solidFill>
                             <a:srgbClr val="020302"/>
                           </a:solidFill>
                           <a:latin typeface="AdobeClean-Light"/>
                           <a:cs typeface="AdobeClean-Light"/>
                         </a:rPr>
-                        <a:t>Business days /       3 days</a:t>
+                        <a:t>Giorni lavorativi /  3 giorni</a:t>
                       </a:r>
-                      <a:endParaRPr lang="en-US" sz="900" spc="0" dirty="0">
-                        <a:latin typeface="AdobeClean-Light"/>
-                        <a:cs typeface="AdobeClean-Light"/>
-                      </a:endParaRPr>
                     </a:p>
                   </a:txBody>
                   <a:tcPr marL="0" marR="0" marT="0" marB="0" anchor="ctr">
@@ -4193,25 +3431,21 @@
                     <a:bodyPr/>
                     <a:lstStyle/>
                     <a:p>
-                      <a:pPr marL="473709" marR="343535" indent="-175895" algn="l">
+                      <a:pPr marL="284163" marR="343535" indent="-49213" algn="ctr">
                         <a:lnSpc>
                           <a:spcPct val="102200"/>
                         </a:lnSpc>
                       </a:pPr>
                       <a:r>
-                        <a:rPr lang="en-US" sz="900" spc="0" dirty="0">
+                        <a:rPr lang="it-IT" sz="900" dirty="0">
                           <a:solidFill>
                             <a:srgbClr val="020302"/>
                           </a:solidFill>
                           <a:latin typeface="AdobeClean-Light"/>
                           <a:cs typeface="AdobeClean-Light"/>
                         </a:rPr>
-                        <a:t>Business days /       1 day</a:t>
+                        <a:t>Giorni lavorativi /  1 giorno</a:t>
                       </a:r>
-                      <a:endParaRPr lang="en-US" sz="900" spc="0" dirty="0">
-                        <a:latin typeface="AdobeClean-Light"/>
-                        <a:cs typeface="AdobeClean-Light"/>
-                      </a:endParaRPr>
                     </a:p>
                   </a:txBody>
                   <a:tcPr marL="0" marR="0" marT="27940" marB="0" anchor="ctr">
@@ -4289,8 +3523,8 @@
         </p:nvSpPr>
         <p:spPr>
           <a:xfrm>
-            <a:off x="97787" y="9888626"/>
-            <a:ext cx="2202180" cy="149860"/>
+            <a:off x="97786" y="9888626"/>
+            <a:ext cx="2950213" cy="133370"/>
           </a:xfrm>
           <a:prstGeom prst="rect">
             <a:avLst/>
@@ -4311,99 +3545,15 @@
               </a:spcBef>
             </a:pPr>
             <a:r>
-              <a:rPr sz="800" spc="-15" dirty="0">
+              <a:rPr lang="it-IT" sz="800" dirty="0">
                 <a:solidFill>
                   <a:srgbClr val="6D6D6D"/>
                 </a:solidFill>
                 <a:latin typeface="Adobe Clean"/>
                 <a:cs typeface="Adobe Clean"/>
               </a:rPr>
-              <a:t>©2021 </a:t>
-            </a:r>
-            <a:r>
-              <a:rPr sz="800" spc="-5" dirty="0">
-                <a:solidFill>
-                  <a:srgbClr val="6D6D6D"/>
-                </a:solidFill>
-                <a:latin typeface="Adobe Clean"/>
-                <a:cs typeface="Adobe Clean"/>
-              </a:rPr>
-              <a:t>Adobe. All</a:t>
-            </a:r>
-            <a:r>
-              <a:rPr sz="800" spc="-15" dirty="0">
-                <a:solidFill>
-                  <a:srgbClr val="6D6D6D"/>
-                </a:solidFill>
-                <a:latin typeface="Adobe Clean"/>
-                <a:cs typeface="Adobe Clean"/>
-              </a:rPr>
-              <a:t> Rights</a:t>
-            </a:r>
-            <a:r>
-              <a:rPr sz="800" spc="-5" dirty="0">
-                <a:solidFill>
-                  <a:srgbClr val="6D6D6D"/>
-                </a:solidFill>
-                <a:latin typeface="Adobe Clean"/>
-                <a:cs typeface="Adobe Clean"/>
-              </a:rPr>
-              <a:t> </a:t>
-            </a:r>
-            <a:r>
-              <a:rPr sz="800" spc="-15" dirty="0">
-                <a:solidFill>
-                  <a:srgbClr val="6D6D6D"/>
-                </a:solidFill>
-                <a:latin typeface="Adobe Clean"/>
-                <a:cs typeface="Adobe Clean"/>
-              </a:rPr>
-              <a:t>Reserved.</a:t>
-            </a:r>
-            <a:r>
-              <a:rPr sz="800" spc="-10" dirty="0">
-                <a:solidFill>
-                  <a:srgbClr val="6D6D6D"/>
-                </a:solidFill>
-                <a:latin typeface="Adobe Clean"/>
-                <a:cs typeface="Adobe Clean"/>
-              </a:rPr>
-              <a:t> </a:t>
-            </a:r>
-            <a:r>
-              <a:rPr sz="800" spc="-5" dirty="0">
-                <a:solidFill>
-                  <a:srgbClr val="6D6D6D"/>
-                </a:solidFill>
-                <a:latin typeface="Adobe Clean"/>
-                <a:cs typeface="Adobe Clean"/>
-              </a:rPr>
-              <a:t>Adobe</a:t>
-            </a:r>
-            <a:r>
-              <a:rPr sz="800" spc="65" dirty="0">
-                <a:solidFill>
-                  <a:srgbClr val="6D6D6D"/>
-                </a:solidFill>
-                <a:latin typeface="Adobe Clean"/>
-                <a:cs typeface="Adobe Clean"/>
-              </a:rPr>
-              <a:t> </a:t>
-            </a:r>
-            <a:r>
-              <a:rPr sz="800" spc="-15" dirty="0">
-                <a:solidFill>
-                  <a:srgbClr val="6D6D6D"/>
-                </a:solidFill>
-                <a:latin typeface="Adobe Clean"/>
-                <a:cs typeface="Adobe Clean"/>
-              </a:rPr>
-              <a:t>Confidential.</a:t>
-            </a:r>
-            <a:endParaRPr sz="800">
-              <a:latin typeface="Adobe Clean"/>
-              <a:cs typeface="Adobe Clean"/>
-            </a:endParaRPr>
+              <a:t>©2021 Adobe. All Rights Reserved. Adobe Confidential.</a:t>
+            </a:r>
           </a:p>
         </p:txBody>
       </p:sp>
@@ -4436,7 +3586,7 @@
           <a:lstStyle/>
           <a:p>
             <a:r>
-              <a:rPr lang="en-US" sz="700" i="1" dirty="0">
+              <a:rPr lang="it-IT" sz="700" i="1">
                 <a:solidFill>
                   <a:schemeClr val="bg1"/>
                 </a:solidFill>
@@ -4468,7 +3618,7 @@
         </p:nvGraphicFramePr>
         <p:xfrm>
           <a:off x="273550" y="2258474"/>
-          <a:ext cx="7281935" cy="4738570"/>
+          <a:ext cx="7281935" cy="4839582"/>
         </p:xfrm>
         <a:graphic>
           <a:graphicData uri="http://schemas.openxmlformats.org/drawingml/2006/table">
@@ -4550,39 +3700,15 @@
                         <a:defRPr/>
                       </a:pPr>
                       <a:r>
-                        <a:rPr lang="en-US" sz="900" spc="-20" dirty="0">
+                        <a:rPr lang="it-IT" sz="900">
                           <a:solidFill>
                             <a:srgbClr val="404040"/>
                           </a:solidFill>
                           <a:latin typeface="Adobe Clean"/>
                           <a:cs typeface="Adobe Clean"/>
                         </a:rPr>
-                        <a:t>Online </a:t>
+                        <a:t>Supporto Online</a:t>
                       </a:r>
-                      <a:r>
-                        <a:rPr lang="en-US" sz="900" spc="-135" dirty="0">
-                          <a:solidFill>
-                            <a:srgbClr val="404040"/>
-                          </a:solidFill>
-                          <a:latin typeface="Adobe Clean"/>
-                          <a:cs typeface="Adobe Clean"/>
-                        </a:rPr>
-                        <a:t> </a:t>
-                      </a:r>
-                      <a:r>
-                        <a:rPr lang="en-US" sz="900" spc="-20" dirty="0">
-                          <a:solidFill>
-                            <a:srgbClr val="404040"/>
-                          </a:solidFill>
-                          <a:latin typeface="Adobe Clean"/>
-                          <a:cs typeface="Adobe Clean"/>
-                        </a:rPr>
-                        <a:t>Support</a:t>
-                      </a:r>
-                      <a:endParaRPr lang="en-US" sz="900" dirty="0">
-                        <a:latin typeface="Adobe Clean"/>
-                        <a:cs typeface="Adobe Clean"/>
-                      </a:endParaRPr>
                     </a:p>
                   </a:txBody>
                   <a:tcPr marL="0" marR="0" marT="7620" marB="0" anchor="ctr">
@@ -4623,29 +3749,15 @@
                         </a:spcBef>
                       </a:pPr>
                       <a:r>
-                        <a:rPr lang="en-US" sz="900" spc="-20" dirty="0">
+                        <a:rPr lang="it-IT" sz="900">
                           <a:solidFill>
                             <a:srgbClr val="FFFFFF"/>
                           </a:solidFill>
                           <a:latin typeface="Adobe Clean"/>
                           <a:cs typeface="Adobe Clean"/>
                         </a:rPr>
-                        <a:t>Elite </a:t>
+                        <a:t>Supporto Elite</a:t>
                       </a:r>
-                      <a:r>
-                        <a:rPr sz="900" spc="-20" dirty="0">
-                          <a:solidFill>
-                            <a:srgbClr val="FFFFFF"/>
-                          </a:solidFill>
-                          <a:latin typeface="Adobe Clean"/>
-                          <a:cs typeface="Adobe Clean"/>
-                        </a:rPr>
-                        <a:t>Support</a:t>
-                      </a:r>
-                      <a:endParaRPr sz="900" dirty="0">
-                        <a:latin typeface="Adobe Clean"/>
-                        <a:cs typeface="Adobe Clean"/>
-                      </a:endParaRPr>
                     </a:p>
                   </a:txBody>
                   <a:tcPr marL="0" marR="0" marT="7620" marB="0" anchor="ctr">
@@ -4710,7 +3822,7 @@
                     <a:bodyPr/>
                     <a:lstStyle/>
                     <a:p>
-                      <a:pPr marL="0" marR="0" lvl="0" indent="0" algn="ctr" defTabSz="914400" eaLnBrk="1" fontAlgn="auto" latinLnBrk="0" hangingPunct="1">
+                      <a:pPr marL="0" marR="0" lvl="0" indent="0" algn="l" defTabSz="914400" rtl="0" eaLnBrk="1" fontAlgn="auto" latinLnBrk="0" hangingPunct="1">
                         <a:lnSpc>
                           <a:spcPct val="100000"/>
                         </a:lnSpc>
@@ -4791,13 +3903,13 @@
                         <a:defRPr/>
                       </a:pPr>
                       <a:r>
-                        <a:rPr lang="en-US" sz="800" i="1" dirty="0">
+                        <a:rPr lang="it-IT" sz="800" i="1">
                           <a:solidFill>
                             <a:schemeClr val="bg1"/>
                           </a:solidFill>
                           <a:latin typeface="Adobe Clean Light" panose="020B0303020404020204" pitchFamily="34" charset="0"/>
                         </a:rPr>
-                        <a:t>Paid Support ($)</a:t>
+                        <a:t>Supporto a pagamento ($)</a:t>
                       </a:r>
                     </a:p>
                   </a:txBody>
@@ -4861,22 +3973,15 @@
                         </a:spcBef>
                       </a:pPr>
                       <a:r>
-                        <a:rPr lang="en-US" sz="1000" b="1" i="0" spc="0" dirty="0">
+                        <a:rPr lang="it-IT" sz="1000" b="1" i="0">
                           <a:solidFill>
                             <a:schemeClr val="bg1"/>
                           </a:solidFill>
                           <a:latin typeface="Adobe Clean" panose="020B0503020404020204" pitchFamily="34" charset="0"/>
                           <a:cs typeface="AdobeClean-Light"/>
                         </a:rPr>
-                        <a:t>Assigned Experts</a:t>
+                        <a:t>Esperti assegnati</a:t>
                       </a:r>
-                      <a:endParaRPr sz="1000" b="1" i="0" spc="0" dirty="0">
-                        <a:solidFill>
-                          <a:schemeClr val="bg1"/>
-                        </a:solidFill>
-                        <a:latin typeface="Adobe Clean" panose="020B0503020404020204" pitchFamily="34" charset="0"/>
-                        <a:cs typeface="AdobeClean-Light"/>
-                      </a:endParaRPr>
                     </a:p>
                   </a:txBody>
                   <a:tcPr marL="0" marR="0" marT="58419" marB="0" anchor="ctr">
@@ -4923,7 +4028,7 @@
                         </a:spcBef>
                       </a:pPr>
                       <a:r>
-                        <a:rPr sz="900" spc="0" dirty="0">
+                        <a:rPr lang="it-IT" sz="900">
                           <a:solidFill>
                             <a:srgbClr val="020302"/>
                           </a:solidFill>
@@ -4932,10 +4037,6 @@
                         </a:rPr>
                         <a:t>Account Support Lead</a:t>
                       </a:r>
-                      <a:endParaRPr sz="900" spc="0" dirty="0">
-                        <a:latin typeface="AdobeClean-Light"/>
-                        <a:cs typeface="AdobeClean-Light"/>
-                      </a:endParaRPr>
                     </a:p>
                   </a:txBody>
                   <a:tcPr marL="0" marR="0" marT="58419" marB="0">
@@ -4970,7 +4071,7 @@
                     <a:bodyPr/>
                     <a:lstStyle/>
                     <a:p>
-                      <a:pPr algn="ctr">
+                      <a:pPr algn="l" rtl="0">
                         <a:lnSpc>
                           <a:spcPct val="100000"/>
                         </a:lnSpc>
@@ -5011,7 +4112,7 @@
                     <a:bodyPr/>
                     <a:lstStyle/>
                     <a:p>
-                      <a:pPr algn="ctr">
+                      <a:pPr algn="l" rtl="0">
                         <a:lnSpc>
                           <a:spcPct val="100000"/>
                         </a:lnSpc>
@@ -5054,7 +4155,7 @@
                     <a:bodyPr/>
                     <a:lstStyle/>
                     <a:p>
-                      <a:pPr marL="50800">
+                      <a:pPr marL="50800" algn="l" rtl="0">
                         <a:lnSpc>
                           <a:spcPct val="100000"/>
                         </a:lnSpc>
@@ -5100,7 +4201,7 @@
                         </a:spcBef>
                       </a:pPr>
                       <a:r>
-                        <a:rPr sz="900" spc="0" dirty="0">
+                        <a:rPr lang="it-IT" sz="900">
                           <a:solidFill>
                             <a:srgbClr val="020302"/>
                           </a:solidFill>
@@ -5109,10 +4210,6 @@
                         </a:rPr>
                         <a:t>Named Support Engineer</a:t>
                       </a:r>
-                      <a:endParaRPr sz="900" spc="0" dirty="0">
-                        <a:latin typeface="AdobeClean-Light"/>
-                        <a:cs typeface="AdobeClean-Light"/>
-                      </a:endParaRPr>
                     </a:p>
                   </a:txBody>
                   <a:tcPr marL="0" marR="0" marT="58419" marB="0">
@@ -5135,7 +4232,7 @@
                     <a:bodyPr/>
                     <a:lstStyle/>
                     <a:p>
-                      <a:pPr algn="ctr">
+                      <a:pPr algn="l" rtl="0">
                         <a:lnSpc>
                           <a:spcPct val="100000"/>
                         </a:lnSpc>
@@ -5182,7 +4279,7 @@
                         <a:defRPr/>
                       </a:pPr>
                       <a:r>
-                        <a:rPr lang="en-US" sz="900" dirty="0">
+                        <a:rPr lang="it-IT" sz="900">
                           <a:solidFill>
                             <a:srgbClr val="020302"/>
                           </a:solidFill>
@@ -5191,10 +4288,6 @@
                         </a:rPr>
                         <a:t></a:t>
                       </a:r>
-                      <a:endParaRPr lang="en-US" sz="900" dirty="0">
-                        <a:latin typeface="Wingdings"/>
-                        <a:cs typeface="Wingdings"/>
-                      </a:endParaRPr>
                     </a:p>
                   </a:txBody>
                   <a:tcPr marL="0" marR="0" marT="0" marB="0" anchor="ctr">
@@ -5217,7 +4310,7 @@
                     <a:bodyPr/>
                     <a:lstStyle/>
                     <a:p>
-                      <a:pPr marL="50800">
+                      <a:pPr marL="50800" algn="l" rtl="0">
                         <a:lnSpc>
                           <a:spcPct val="100000"/>
                         </a:lnSpc>
@@ -5275,7 +4368,7 @@
                         </a:spcBef>
                       </a:pPr>
                       <a:r>
-                        <a:rPr sz="900" spc="0" dirty="0">
+                        <a:rPr lang="it-IT" sz="900">
                           <a:solidFill>
                             <a:srgbClr val="020302"/>
                           </a:solidFill>
@@ -5284,10 +4377,6 @@
                         </a:rPr>
                         <a:t>Technical Account Manager</a:t>
                       </a:r>
-                      <a:endParaRPr sz="900" spc="0" dirty="0">
-                        <a:latin typeface="AdobeClean-Light"/>
-                        <a:cs typeface="AdobeClean-Light"/>
-                      </a:endParaRPr>
                     </a:p>
                   </a:txBody>
                   <a:tcPr marL="0" marR="0" marT="63500" marB="0">
@@ -5316,7 +4405,7 @@
                     <a:bodyPr/>
                     <a:lstStyle/>
                     <a:p>
-                      <a:pPr algn="ctr">
+                      <a:pPr algn="l" rtl="0">
                         <a:lnSpc>
                           <a:spcPct val="100000"/>
                         </a:lnSpc>
@@ -5372,7 +4461,7 @@
                         <a:defRPr/>
                       </a:pPr>
                       <a:r>
-                        <a:rPr lang="en-US" sz="900" dirty="0">
+                        <a:rPr lang="it-IT" sz="900">
                           <a:solidFill>
                             <a:srgbClr val="020302"/>
                           </a:solidFill>
@@ -5381,10 +4470,6 @@
                         </a:rPr>
                         <a:t></a:t>
                       </a:r>
-                      <a:endParaRPr lang="en-US" sz="900" dirty="0">
-                        <a:latin typeface="Wingdings"/>
-                        <a:cs typeface="Wingdings"/>
-                      </a:endParaRPr>
                     </a:p>
                   </a:txBody>
                   <a:tcPr marL="0" marR="0" marT="0" marB="0" anchor="ctr">
@@ -5425,22 +4510,15 @@
                         </a:spcBef>
                       </a:pPr>
                       <a:r>
-                        <a:rPr lang="en-US" sz="1000" b="1" i="0" spc="0" dirty="0">
+                        <a:rPr lang="it-IT" sz="1000" b="1" i="0">
                           <a:solidFill>
                             <a:schemeClr val="bg1"/>
                           </a:solidFill>
                           <a:latin typeface="Adobe Clean" panose="020B0503020404020204" pitchFamily="34" charset="0"/>
                           <a:cs typeface="AdobeClean-Light"/>
                         </a:rPr>
-                        <a:t>Support Services</a:t>
+                        <a:t>Servizi di assistenza</a:t>
                       </a:r>
-                      <a:endParaRPr sz="1000" b="1" i="0" spc="0" dirty="0">
-                        <a:solidFill>
-                          <a:schemeClr val="bg1"/>
-                        </a:solidFill>
-                        <a:latin typeface="Adobe Clean" panose="020B0503020404020204" pitchFamily="34" charset="0"/>
-                        <a:cs typeface="AdobeClean-Light"/>
-                      </a:endParaRPr>
                     </a:p>
                   </a:txBody>
                   <a:tcPr marL="0" marR="0" marT="57150" marB="0" anchor="ctr">
@@ -5496,29 +4574,15 @@
                         </a:spcBef>
                       </a:pPr>
                       <a:r>
-                        <a:rPr lang="en-US" sz="900" spc="0" dirty="0">
+                        <a:rPr lang="it-IT" sz="900">
                           <a:solidFill>
                             <a:srgbClr val="020302"/>
                           </a:solidFill>
                           <a:latin typeface="AdobeClean-Light"/>
                           <a:cs typeface="AdobeClean-Light"/>
                         </a:rPr>
-                        <a:t>Online</a:t>
+                        <a:t>Supporto Online</a:t>
                       </a:r>
-                      <a:r>
-                        <a:rPr sz="900" spc="0" dirty="0">
-                          <a:solidFill>
-                            <a:srgbClr val="020302"/>
-                          </a:solidFill>
-                          <a:latin typeface="AdobeClean-Light"/>
-                          <a:cs typeface="AdobeClean-Light"/>
-                        </a:rPr>
-                        <a:t> Support</a:t>
-                      </a:r>
-                      <a:endParaRPr sz="900" spc="0" dirty="0">
-                        <a:latin typeface="AdobeClean-Light"/>
-                        <a:cs typeface="AdobeClean-Light"/>
-                      </a:endParaRPr>
                     </a:p>
                   </a:txBody>
                   <a:tcPr marL="0" marR="0" marT="57150" marB="0">
@@ -5556,39 +4620,15 @@
                         </a:spcBef>
                       </a:pPr>
                       <a:r>
-                        <a:rPr sz="900" spc="-25" dirty="0">
+                        <a:rPr lang="it-IT" sz="900">
                           <a:solidFill>
                             <a:srgbClr val="020302"/>
                           </a:solidFill>
                           <a:latin typeface="AdobeClean-Light"/>
                           <a:cs typeface="AdobeClean-Light"/>
                         </a:rPr>
-                        <a:t>Business</a:t>
+                        <a:t>Orario operativo</a:t>
                       </a:r>
-                      <a:r>
-                        <a:rPr sz="900" spc="-15" dirty="0">
-                          <a:solidFill>
-                            <a:srgbClr val="020302"/>
-                          </a:solidFill>
-                          <a:latin typeface="AdobeClean-Light"/>
-                          <a:cs typeface="AdobeClean-Light"/>
-                        </a:rPr>
-                        <a:t> </a:t>
-                      </a:r>
-                      <a:r>
-                        <a:rPr sz="900" spc="-30" dirty="0">
-                          <a:solidFill>
-                            <a:srgbClr val="020302"/>
-                          </a:solidFill>
-                          <a:latin typeface="AdobeClean-Light"/>
-                          <a:cs typeface="AdobeClean-Light"/>
-                        </a:rPr>
-                        <a:t>hours</a:t>
-                      </a:r>
-                      <a:endParaRPr sz="900" dirty="0">
-                        <a:latin typeface="AdobeClean-Light"/>
-                        <a:cs typeface="AdobeClean-Light"/>
-                      </a:endParaRPr>
                     </a:p>
                   </a:txBody>
                   <a:tcPr marL="0" marR="0" marT="67945" marB="0">
@@ -5627,7 +4667,7 @@
                         </a:spcBef>
                       </a:pPr>
                       <a:r>
-                        <a:rPr lang="en-US" sz="900" spc="-25" dirty="0">
+                        <a:rPr lang="it-IT" sz="900">
                           <a:solidFill>
                             <a:srgbClr val="020302"/>
                           </a:solidFill>
@@ -5636,10 +4676,6 @@
                         </a:rPr>
                         <a:t>24x5</a:t>
                       </a:r>
-                      <a:endParaRPr sz="900" dirty="0">
-                        <a:latin typeface="AdobeClean-Light"/>
-                        <a:cs typeface="AdobeClean-Light"/>
-                      </a:endParaRPr>
                     </a:p>
                   </a:txBody>
                   <a:tcPr marL="0" marR="0" marT="67945" marB="0" anchor="ctr">
@@ -5671,7 +4707,7 @@
                     <a:bodyPr/>
                     <a:lstStyle/>
                     <a:p>
-                      <a:pPr marL="50800">
+                      <a:pPr marL="50800" algn="l" rtl="0">
                         <a:lnSpc>
                           <a:spcPct val="100000"/>
                         </a:lnSpc>
@@ -5720,39 +4756,15 @@
                         </a:spcBef>
                       </a:pPr>
                       <a:r>
-                        <a:rPr sz="900" spc="0" dirty="0">
+                        <a:rPr lang="it-IT" sz="900">
                           <a:solidFill>
                             <a:srgbClr val="020302"/>
                           </a:solidFill>
                           <a:latin typeface="AdobeClean-Light"/>
                           <a:cs typeface="AdobeClean-Light"/>
                         </a:rPr>
-                        <a:t>24x7</a:t>
+                        <a:t>Supporto per problemi P1 24x7x365</a:t>
                       </a:r>
-                      <a:r>
-                        <a:rPr lang="en-US" sz="900" spc="0" dirty="0">
-                          <a:solidFill>
-                            <a:srgbClr val="020302"/>
-                          </a:solidFill>
-                          <a:latin typeface="AdobeClean-Light"/>
-                          <a:cs typeface="AdobeClean-Light"/>
-                        </a:rPr>
-                        <a:t>x365</a:t>
-                      </a:r>
-                      <a:r>
-                        <a:rPr sz="900" spc="0" dirty="0">
-                          <a:solidFill>
-                            <a:srgbClr val="020302"/>
-                          </a:solidFill>
-                          <a:latin typeface="AdobeClean-Light"/>
-                          <a:cs typeface="AdobeClean-Light"/>
-                        </a:rPr>
-                        <a:t> P1 Issue Support</a:t>
-                      </a:r>
-                      <a:endParaRPr sz="900" spc="0" dirty="0">
-                        <a:latin typeface="AdobeClean-Light"/>
-                        <a:cs typeface="AdobeClean-Light"/>
-                      </a:endParaRPr>
                     </a:p>
                   </a:txBody>
                   <a:tcPr marL="0" marR="0" marT="57785" marB="0">
@@ -5784,7 +4796,7 @@
                         </a:spcBef>
                       </a:pPr>
                       <a:r>
-                        <a:rPr sz="900" dirty="0">
+                        <a:rPr lang="it-IT" sz="900">
                           <a:solidFill>
                             <a:srgbClr val="020302"/>
                           </a:solidFill>
@@ -5793,10 +4805,6 @@
                         </a:rPr>
                         <a:t></a:t>
                       </a:r>
-                      <a:endParaRPr sz="900" dirty="0">
-                        <a:latin typeface="Wingdings"/>
-                        <a:cs typeface="Wingdings"/>
-                      </a:endParaRPr>
                     </a:p>
                   </a:txBody>
                   <a:tcPr marL="0" marR="0" marT="58419" marB="0">
@@ -5826,7 +4834,7 @@
                         </a:spcBef>
                       </a:pPr>
                       <a:r>
-                        <a:rPr sz="900" dirty="0">
+                        <a:rPr lang="it-IT" sz="900">
                           <a:solidFill>
                             <a:srgbClr val="020302"/>
                           </a:solidFill>
@@ -5835,10 +4843,6 @@
                         </a:rPr>
                         <a:t></a:t>
                       </a:r>
-                      <a:endParaRPr sz="900" dirty="0">
-                        <a:latin typeface="Wingdings"/>
-                        <a:cs typeface="Wingdings"/>
-                      </a:endParaRPr>
                     </a:p>
                   </a:txBody>
                   <a:tcPr marL="0" marR="0" marT="58419" marB="0" anchor="ctr">
@@ -5861,7 +4865,7 @@
                     <a:bodyPr/>
                     <a:lstStyle/>
                     <a:p>
-                      <a:pPr marL="50800">
+                      <a:pPr marL="50800" algn="l" rtl="0">
                         <a:lnSpc>
                           <a:spcPct val="100000"/>
                         </a:lnSpc>
@@ -5919,19 +4923,15 @@
                         </a:spcBef>
                       </a:pPr>
                       <a:r>
-                        <a:rPr lang="en-US" sz="900" spc="0" dirty="0">
+                        <a:rPr lang="it-IT" sz="900">
                           <a:solidFill>
                             <a:srgbClr val="020302"/>
                           </a:solidFill>
                           <a:latin typeface="AdobeClean-Light"/>
                           <a:cs typeface="AdobeClean-Light"/>
                         </a:rPr>
-                        <a:t>Named Support Contacts (per product)</a:t>
+                        <a:t>Contatti interni per il supporto (per prodotto)</a:t>
                       </a:r>
-                      <a:endParaRPr sz="900" spc="0" dirty="0">
-                        <a:latin typeface="AdobeClean-Light"/>
-                        <a:cs typeface="AdobeClean-Light"/>
-                      </a:endParaRPr>
                     </a:p>
                   </a:txBody>
                   <a:tcPr marL="0" marR="0" marT="57785" marB="0">
@@ -5969,7 +4969,7 @@
                         </a:spcBef>
                       </a:pPr>
                       <a:r>
-                        <a:rPr sz="900" dirty="0">
+                        <a:rPr lang="it-IT" sz="900">
                           <a:solidFill>
                             <a:srgbClr val="020302"/>
                           </a:solidFill>
@@ -5978,10 +4978,6 @@
                         </a:rPr>
                         <a:t>4</a:t>
                       </a:r>
-                      <a:endParaRPr sz="900" dirty="0">
-                        <a:latin typeface="AdobeClean-Light"/>
-                        <a:cs typeface="AdobeClean-Light"/>
-                      </a:endParaRPr>
                     </a:p>
                   </a:txBody>
                   <a:tcPr marL="0" marR="0" marT="57785" marB="0">
@@ -6011,7 +5007,7 @@
                         </a:spcBef>
                       </a:pPr>
                       <a:r>
-                        <a:rPr lang="en-US" sz="900" dirty="0">
+                        <a:rPr lang="it-IT" sz="900">
                           <a:solidFill>
                             <a:srgbClr val="020302"/>
                           </a:solidFill>
@@ -6020,10 +5016,6 @@
                         </a:rPr>
                         <a:t>15</a:t>
                       </a:r>
-                      <a:endParaRPr sz="900" dirty="0">
-                        <a:latin typeface="AdobeClean-Light"/>
-                        <a:cs typeface="AdobeClean-Light"/>
-                      </a:endParaRPr>
                     </a:p>
                   </a:txBody>
                   <a:tcPr marL="0" marR="0" marT="57785" marB="0" anchor="ctr">
@@ -6046,7 +5038,7 @@
                     <a:bodyPr/>
                     <a:lstStyle/>
                     <a:p>
-                      <a:pPr marL="50800">
+                      <a:pPr marL="50800" algn="l" rtl="0">
                         <a:lnSpc>
                           <a:spcPct val="100000"/>
                         </a:lnSpc>
@@ -6095,19 +5087,15 @@
                         </a:spcBef>
                       </a:pPr>
                       <a:r>
-                        <a:rPr lang="en-US" sz="900" spc="0" dirty="0">
+                        <a:rPr lang="it-IT" sz="900">
                           <a:solidFill>
                             <a:srgbClr val="020302"/>
                           </a:solidFill>
                           <a:latin typeface="AdobeClean-Light"/>
                           <a:cs typeface="AdobeClean-Light"/>
                         </a:rPr>
-                        <a:t>Live Telephone Support</a:t>
+                        <a:t>Supporto telefonico in diretta</a:t>
                       </a:r>
-                      <a:endParaRPr sz="900" spc="0" dirty="0">
-                        <a:latin typeface="AdobeClean-Light"/>
-                        <a:cs typeface="AdobeClean-Light"/>
-                      </a:endParaRPr>
                     </a:p>
                   </a:txBody>
                   <a:tcPr marL="0" marR="0" marT="57785" marB="0">
@@ -6130,7 +5118,7 @@
                     <a:bodyPr/>
                     <a:lstStyle/>
                     <a:p>
-                      <a:pPr algn="ctr">
+                      <a:pPr algn="l" rtl="0">
                         <a:lnSpc>
                           <a:spcPct val="100000"/>
                         </a:lnSpc>
@@ -6171,7 +5159,7 @@
                         </a:spcBef>
                       </a:pPr>
                       <a:r>
-                        <a:rPr sz="900" dirty="0">
+                        <a:rPr lang="it-IT" sz="900">
                           <a:solidFill>
                             <a:srgbClr val="020302"/>
                           </a:solidFill>
@@ -6180,10 +5168,6 @@
                         </a:rPr>
                         <a:t></a:t>
                       </a:r>
-                      <a:endParaRPr sz="900" dirty="0">
-                        <a:latin typeface="Wingdings"/>
-                        <a:cs typeface="Wingdings"/>
-                      </a:endParaRPr>
                     </a:p>
                   </a:txBody>
                   <a:tcPr marL="0" marR="0" marT="59054" marB="0" anchor="ctr">
@@ -6206,7 +5190,7 @@
                     <a:bodyPr/>
                     <a:lstStyle/>
                     <a:p>
-                      <a:pPr marL="50800">
+                      <a:pPr marL="50800" algn="l" rtl="0">
                         <a:lnSpc>
                           <a:spcPct val="100000"/>
                         </a:lnSpc>
@@ -6255,19 +5239,15 @@
                         </a:spcBef>
                       </a:pPr>
                       <a:r>
-                        <a:rPr sz="900" spc="0" dirty="0">
+                        <a:rPr lang="it-IT" sz="900">
                           <a:solidFill>
                             <a:srgbClr val="020302"/>
                           </a:solidFill>
                           <a:latin typeface="AdobeClean-Light"/>
                           <a:cs typeface="AdobeClean-Light"/>
                         </a:rPr>
-                        <a:t>Escalation Management</a:t>
+                        <a:t>Gestione delle escalation</a:t>
                       </a:r>
-                      <a:endParaRPr sz="900" spc="0" dirty="0">
-                        <a:latin typeface="AdobeClean-Light"/>
-                        <a:cs typeface="AdobeClean-Light"/>
-                      </a:endParaRPr>
                     </a:p>
                   </a:txBody>
                   <a:tcPr marL="0" marR="0" marT="58419" marB="0">
@@ -6290,7 +5270,7 @@
                     <a:bodyPr/>
                     <a:lstStyle/>
                     <a:p>
-                      <a:pPr algn="ctr">
+                      <a:pPr algn="l" rtl="0">
                         <a:lnSpc>
                           <a:spcPct val="100000"/>
                         </a:lnSpc>
@@ -6331,7 +5311,7 @@
                         </a:spcBef>
                       </a:pPr>
                       <a:r>
-                        <a:rPr sz="900" dirty="0">
+                        <a:rPr lang="it-IT" sz="900">
                           <a:solidFill>
                             <a:srgbClr val="020302"/>
                           </a:solidFill>
@@ -6340,10 +5320,6 @@
                         </a:rPr>
                         <a:t></a:t>
                       </a:r>
-                      <a:endParaRPr sz="900" dirty="0">
-                        <a:latin typeface="Wingdings"/>
-                        <a:cs typeface="Wingdings"/>
-                      </a:endParaRPr>
                     </a:p>
                   </a:txBody>
                   <a:tcPr marL="0" marR="0" marT="59690" marB="0" anchor="ctr">
@@ -6366,7 +5342,7 @@
                     <a:bodyPr/>
                     <a:lstStyle/>
                     <a:p>
-                      <a:pPr marL="50800">
+                      <a:pPr marL="50800" algn="l" rtl="0">
                         <a:lnSpc>
                           <a:spcPct val="100000"/>
                         </a:lnSpc>
@@ -6415,29 +5391,15 @@
                         </a:spcBef>
                       </a:pPr>
                       <a:r>
-                        <a:rPr sz="900" spc="0" dirty="0">
+                        <a:rPr lang="it-IT" sz="900">
                           <a:solidFill>
                             <a:srgbClr val="020302"/>
                           </a:solidFill>
                           <a:latin typeface="AdobeClean-Light"/>
                           <a:cs typeface="AdobeClean-Light"/>
                         </a:rPr>
-                        <a:t>Service Reviews </a:t>
+                        <a:t>Valutazioni dei servizi all’anno</a:t>
                       </a:r>
-                      <a:r>
-                        <a:rPr lang="en-US" sz="900" spc="0" dirty="0">
-                          <a:solidFill>
-                            <a:srgbClr val="020302"/>
-                          </a:solidFill>
-                          <a:latin typeface="AdobeClean-Light"/>
-                          <a:cs typeface="AdobeClean-Light"/>
-                        </a:rPr>
-                        <a:t>per Year</a:t>
-                      </a:r>
-                      <a:endParaRPr sz="900" spc="0" dirty="0">
-                        <a:latin typeface="AdobeClean-Light"/>
-                        <a:cs typeface="AdobeClean-Light"/>
-                      </a:endParaRPr>
                     </a:p>
                   </a:txBody>
                   <a:tcPr marL="0" marR="0" marT="57150" marB="0">
@@ -6460,7 +5422,7 @@
                     <a:bodyPr/>
                     <a:lstStyle/>
                     <a:p>
-                      <a:pPr>
+                      <a:pPr algn="l" rtl="0">
                         <a:lnSpc>
                           <a:spcPct val="100000"/>
                         </a:lnSpc>
@@ -6495,16 +5457,12 @@
                         </a:lnSpc>
                       </a:pPr>
                       <a:r>
-                        <a:rPr lang="en-US" sz="900" dirty="0">
+                        <a:rPr lang="it-IT" sz="900">
                           <a:latin typeface="Times New Roman"/>
                           <a:cs typeface="Times New Roman"/>
                         </a:rPr>
                         <a:t>4</a:t>
                       </a:r>
-                      <a:endParaRPr sz="900" dirty="0">
-                        <a:latin typeface="Times New Roman"/>
-                        <a:cs typeface="Times New Roman"/>
-                      </a:endParaRPr>
                     </a:p>
                   </a:txBody>
                   <a:tcPr marL="0" marR="0" marT="0" marB="0" anchor="ctr">
@@ -6546,16 +5504,12 @@
                         </a:spcBef>
                       </a:pPr>
                       <a:r>
-                        <a:rPr lang="en-US" sz="900" spc="0" dirty="0">
+                        <a:rPr lang="it-IT" sz="900">
                           <a:latin typeface="AdobeClean-Light"/>
                           <a:cs typeface="AdobeClean-Light"/>
                         </a:rPr>
-                        <a:t>Expert Sessions per Year</a:t>
+                        <a:t>Sessioni con esperti all’anno</a:t>
                       </a:r>
-                      <a:endParaRPr sz="900" spc="0" dirty="0">
-                        <a:latin typeface="AdobeClean-Light"/>
-                        <a:cs typeface="AdobeClean-Light"/>
-                      </a:endParaRPr>
                     </a:p>
                   </a:txBody>
                   <a:tcPr marL="0" marR="0" marT="57150" marB="0">
@@ -6584,7 +5538,7 @@
                     <a:bodyPr/>
                     <a:lstStyle/>
                     <a:p>
-                      <a:pPr>
+                      <a:pPr algn="l" rtl="0">
                         <a:lnSpc>
                           <a:spcPct val="100000"/>
                         </a:lnSpc>
@@ -6619,16 +5573,12 @@
                         </a:lnSpc>
                       </a:pPr>
                       <a:r>
-                        <a:rPr lang="en-US" sz="900" dirty="0">
+                        <a:rPr lang="it-IT" sz="900">
                           <a:latin typeface="Times New Roman"/>
                           <a:cs typeface="Times New Roman"/>
                         </a:rPr>
                         <a:t>4</a:t>
                       </a:r>
-                      <a:endParaRPr sz="900" dirty="0">
-                        <a:latin typeface="Times New Roman"/>
-                        <a:cs typeface="Times New Roman"/>
-                      </a:endParaRPr>
                     </a:p>
                   </a:txBody>
                   <a:tcPr marL="0" marR="0" marT="0" marB="0" anchor="ctr">
@@ -6670,16 +5620,12 @@
                         </a:spcBef>
                       </a:pPr>
                       <a:r>
-                        <a:rPr lang="en-US" sz="900" spc="0" dirty="0">
+                        <a:rPr lang="it-IT" sz="900">
                           <a:latin typeface="AdobeClean-Light"/>
                           <a:cs typeface="AdobeClean-Light"/>
                         </a:rPr>
-                        <a:t>Case Reviews</a:t>
+                        <a:t>Valutazione dei casi</a:t>
                       </a:r>
-                      <a:endParaRPr sz="900" spc="0" dirty="0">
-                        <a:latin typeface="AdobeClean-Light"/>
-                        <a:cs typeface="AdobeClean-Light"/>
-                      </a:endParaRPr>
                     </a:p>
                   </a:txBody>
                   <a:tcPr marL="0" marR="0" marT="57150" marB="0">
@@ -6708,7 +5654,7 @@
                     <a:bodyPr/>
                     <a:lstStyle/>
                     <a:p>
-                      <a:pPr>
+                      <a:pPr algn="l" rtl="0">
                         <a:lnSpc>
                           <a:spcPct val="100000"/>
                         </a:lnSpc>
@@ -6755,7 +5701,7 @@
                         <a:defRPr/>
                       </a:pPr>
                       <a:r>
-                        <a:rPr lang="en-US" sz="900" dirty="0">
+                        <a:rPr lang="it-IT" sz="900">
                           <a:solidFill>
                             <a:srgbClr val="020302"/>
                           </a:solidFill>
@@ -6764,10 +5710,6 @@
                         </a:rPr>
                         <a:t></a:t>
                       </a:r>
-                      <a:endParaRPr lang="en-US" sz="900" dirty="0">
-                        <a:latin typeface="Wingdings"/>
-                        <a:cs typeface="Wingdings"/>
-                      </a:endParaRPr>
                     </a:p>
                   </a:txBody>
                   <a:tcPr marL="0" marR="0" marT="0" marB="0" anchor="ctr">
@@ -6790,7 +5732,7 @@
                     <a:bodyPr/>
                     <a:lstStyle/>
                     <a:p>
-                      <a:pPr marL="48895">
+                      <a:pPr marL="48895" algn="l" rtl="0">
                         <a:lnSpc>
                           <a:spcPct val="100000"/>
                         </a:lnSpc>
@@ -6848,29 +5790,15 @@
                         </a:spcBef>
                       </a:pPr>
                       <a:r>
-                        <a:rPr sz="900" spc="0" dirty="0">
+                        <a:rPr lang="it-IT" sz="900">
                           <a:solidFill>
                             <a:srgbClr val="020302"/>
                           </a:solidFill>
                           <a:latin typeface="AdobeClean-Light"/>
                           <a:cs typeface="AdobeClean-Light"/>
                         </a:rPr>
-                        <a:t>Event </a:t>
+                        <a:t>Gestione degli eventi</a:t>
                       </a:r>
-                      <a:r>
-                        <a:rPr lang="en-US" sz="900" spc="0" dirty="0">
-                          <a:solidFill>
-                            <a:srgbClr val="020302"/>
-                          </a:solidFill>
-                          <a:latin typeface="AdobeClean-Light"/>
-                          <a:cs typeface="AdobeClean-Light"/>
-                        </a:rPr>
-                        <a:t>Management</a:t>
-                      </a:r>
-                      <a:endParaRPr sz="900" spc="0" dirty="0">
-                        <a:latin typeface="AdobeClean-Light"/>
-                        <a:cs typeface="AdobeClean-Light"/>
-                      </a:endParaRPr>
                     </a:p>
                   </a:txBody>
                   <a:tcPr marL="0" marR="0" marT="58419" marB="0">
@@ -6899,7 +5827,7 @@
                     <a:bodyPr/>
                     <a:lstStyle/>
                     <a:p>
-                      <a:pPr>
+                      <a:pPr algn="l" rtl="0">
                         <a:lnSpc>
                           <a:spcPct val="100000"/>
                         </a:lnSpc>
@@ -6946,7 +5874,7 @@
                         <a:defRPr/>
                       </a:pPr>
                       <a:r>
-                        <a:rPr lang="en-US" sz="900" dirty="0">
+                        <a:rPr lang="it-IT" sz="900">
                           <a:solidFill>
                             <a:srgbClr val="020302"/>
                           </a:solidFill>
@@ -6955,10 +5883,6 @@
                         </a:rPr>
                         <a:t></a:t>
                       </a:r>
-                      <a:endParaRPr lang="en-US" sz="900" dirty="0">
-                        <a:latin typeface="Wingdings"/>
-                        <a:cs typeface="Wingdings"/>
-                      </a:endParaRPr>
                     </a:p>
                   </a:txBody>
                   <a:tcPr marL="0" marR="0" marT="0" marB="0" anchor="ctr">
@@ -6981,7 +5905,7 @@
                     <a:bodyPr/>
                     <a:lstStyle/>
                     <a:p>
-                      <a:pPr marL="48895">
+                      <a:pPr marL="48895" algn="l" rtl="0">
                         <a:lnSpc>
                           <a:spcPct val="100000"/>
                         </a:lnSpc>
@@ -7030,39 +5954,15 @@
                         </a:spcBef>
                       </a:pPr>
                       <a:r>
-                        <a:rPr sz="900" spc="0" dirty="0">
+                        <a:rPr lang="it-IT" sz="900">
                           <a:solidFill>
                             <a:srgbClr val="020302"/>
                           </a:solidFill>
                           <a:latin typeface="AdobeClean-Light"/>
                           <a:cs typeface="AdobeClean-Light"/>
                         </a:rPr>
-                        <a:t>Environment</a:t>
+                        <a:t>Valutazione ambiente, manutenzione e monitoraggio</a:t>
                       </a:r>
-                      <a:r>
-                        <a:rPr lang="en-US" sz="900" spc="0" dirty="0">
-                          <a:solidFill>
-                            <a:srgbClr val="020302"/>
-                          </a:solidFill>
-                          <a:latin typeface="AdobeClean-Light"/>
-                          <a:cs typeface="AdobeClean-Light"/>
-                        </a:rPr>
-                        <a:t> </a:t>
-                      </a:r>
-                      <a:r>
-                        <a:rPr sz="900" spc="0" dirty="0">
-                          <a:solidFill>
-                            <a:srgbClr val="020302"/>
-                          </a:solidFill>
-                          <a:latin typeface="AdobeClean-Light"/>
-                          <a:cs typeface="AdobeClean-Light"/>
-                        </a:rPr>
-                        <a:t>Review, Maintenance &amp; Monitoring</a:t>
-                      </a:r>
-                      <a:endParaRPr sz="900" spc="0" dirty="0">
-                        <a:latin typeface="AdobeClean-Light"/>
-                        <a:cs typeface="AdobeClean-Light"/>
-                      </a:endParaRPr>
                     </a:p>
                   </a:txBody>
                   <a:tcPr marL="0" marR="0" marT="59055" marB="0">
@@ -7085,7 +5985,7 @@
                     <a:bodyPr/>
                     <a:lstStyle/>
                     <a:p>
-                      <a:pPr>
+                      <a:pPr algn="l" rtl="0">
                         <a:lnSpc>
                           <a:spcPct val="100000"/>
                         </a:lnSpc>
@@ -7132,7 +6032,7 @@
                         <a:defRPr/>
                       </a:pPr>
                       <a:r>
-                        <a:rPr lang="en-US" sz="900" dirty="0">
+                        <a:rPr lang="it-IT" sz="900">
                           <a:solidFill>
                             <a:srgbClr val="020302"/>
                           </a:solidFill>
@@ -7141,10 +6041,6 @@
                         </a:rPr>
                         <a:t></a:t>
                       </a:r>
-                      <a:endParaRPr lang="en-US" sz="900" dirty="0">
-                        <a:latin typeface="Wingdings"/>
-                        <a:cs typeface="Wingdings"/>
-                      </a:endParaRPr>
                     </a:p>
                   </a:txBody>
                   <a:tcPr marL="0" marR="0" marT="0" marB="0" anchor="ctr">
@@ -7167,7 +6063,7 @@
                     <a:bodyPr/>
                     <a:lstStyle/>
                     <a:p>
-                      <a:pPr marL="49530">
+                      <a:pPr marL="49530" algn="l" rtl="0">
                         <a:lnSpc>
                           <a:spcPct val="100000"/>
                         </a:lnSpc>
@@ -7216,19 +6112,15 @@
                         </a:spcBef>
                       </a:pPr>
                       <a:r>
-                        <a:rPr sz="900" spc="0" dirty="0">
+                        <a:rPr lang="it-IT" sz="900">
                           <a:solidFill>
                             <a:srgbClr val="020302"/>
                           </a:solidFill>
                           <a:latin typeface="AdobeClean-Light"/>
                           <a:cs typeface="AdobeClean-Light"/>
                         </a:rPr>
-                        <a:t>Release, Migration, Upgrade &amp; Product Roadmap Review</a:t>
+                        <a:t>Valutazione della roadmap di prodotti, versioni, migrazione e aggiornamento</a:t>
                       </a:r>
-                      <a:endParaRPr sz="900" spc="0" dirty="0">
-                        <a:latin typeface="AdobeClean-Light"/>
-                        <a:cs typeface="AdobeClean-Light"/>
-                      </a:endParaRPr>
                     </a:p>
                   </a:txBody>
                   <a:tcPr marL="0" marR="0" marT="63500" marB="0">
@@ -7251,7 +6143,7 @@
                     <a:bodyPr/>
                     <a:lstStyle/>
                     <a:p>
-                      <a:pPr>
+                      <a:pPr algn="l" rtl="0">
                         <a:lnSpc>
                           <a:spcPct val="100000"/>
                         </a:lnSpc>
@@ -7298,7 +6190,7 @@
                         <a:defRPr/>
                       </a:pPr>
                       <a:r>
-                        <a:rPr lang="en-US" sz="900" dirty="0">
+                        <a:rPr lang="it-IT" sz="900">
                           <a:solidFill>
                             <a:srgbClr val="020302"/>
                           </a:solidFill>
@@ -7307,10 +6199,6 @@
                         </a:rPr>
                         <a:t></a:t>
                       </a:r>
-                      <a:endParaRPr lang="en-US" sz="900" dirty="0">
-                        <a:latin typeface="Wingdings"/>
-                        <a:cs typeface="Wingdings"/>
-                      </a:endParaRPr>
                     </a:p>
                   </a:txBody>
                   <a:tcPr marL="0" marR="0" marT="0" marB="0" anchor="ctr">
@@ -7333,7 +6221,7 @@
                     <a:bodyPr/>
                     <a:lstStyle/>
                     <a:p>
-                      <a:pPr marL="49530">
+                      <a:pPr marL="49530" algn="l" rtl="0">
                         <a:lnSpc>
                           <a:spcPct val="100000"/>
                         </a:lnSpc>
@@ -7391,11 +6279,11 @@
                         </a:spcBef>
                       </a:pPr>
                       <a:r>
-                        <a:rPr sz="900" spc="0" dirty="0">
+                        <a:rPr lang="it-IT" sz="900">
                           <a:latin typeface="AdobeClean-Light"/>
                           <a:cs typeface="AdobeClean-Light"/>
                         </a:rPr>
-                        <a:t>Cloud Support Activities – Experience Manager as Cloud</a:t>
+                        <a:t>Attività di supporto cloud - Experience Manager as Cloud</a:t>
                       </a:r>
                     </a:p>
                   </a:txBody>
@@ -7425,7 +6313,7 @@
                     <a:bodyPr/>
                     <a:lstStyle/>
                     <a:p>
-                      <a:pPr>
+                      <a:pPr algn="l" rtl="0">
                         <a:lnSpc>
                           <a:spcPct val="100000"/>
                         </a:lnSpc>
@@ -7481,7 +6369,7 @@
                         <a:defRPr/>
                       </a:pPr>
                       <a:r>
-                        <a:rPr lang="en-US" sz="900" dirty="0">
+                        <a:rPr lang="it-IT" sz="900">
                           <a:solidFill>
                             <a:srgbClr val="020302"/>
                           </a:solidFill>
@@ -7490,10 +6378,6 @@
                         </a:rPr>
                         <a:t></a:t>
                       </a:r>
-                      <a:endParaRPr lang="en-US" sz="900" dirty="0">
-                        <a:latin typeface="Wingdings"/>
-                        <a:cs typeface="Wingdings"/>
-                      </a:endParaRPr>
                     </a:p>
                   </a:txBody>
                   <a:tcPr marL="0" marR="0" marT="0" marB="0" anchor="ctr">
@@ -7534,22 +6418,15 @@
                         </a:spcBef>
                       </a:pPr>
                       <a:r>
-                        <a:rPr lang="en-US" sz="1000" b="1" i="0" spc="0" dirty="0">
+                        <a:rPr lang="it-IT" sz="1000" b="1" i="0">
                           <a:solidFill>
                             <a:schemeClr val="bg1"/>
                           </a:solidFill>
                           <a:latin typeface="Adobe Clean" panose="020B0503020404020204" pitchFamily="34" charset="0"/>
                           <a:cs typeface="AdobeClean-Light"/>
                         </a:rPr>
-                        <a:t>Field Services</a:t>
+                        <a:t>Servizi sul campo</a:t>
                       </a:r>
-                      <a:endParaRPr sz="1000" b="1" i="0" spc="0" dirty="0">
-                        <a:solidFill>
-                          <a:schemeClr val="bg1"/>
-                        </a:solidFill>
-                        <a:latin typeface="Adobe Clean" panose="020B0503020404020204" pitchFamily="34" charset="0"/>
-                        <a:cs typeface="AdobeClean-Light"/>
-                      </a:endParaRPr>
                     </a:p>
                   </a:txBody>
                   <a:tcPr marL="0" marR="0" marT="48260" marB="0" anchor="ctr">
@@ -7602,14 +6479,14 @@
                         </a:spcBef>
                       </a:pPr>
                       <a:r>
-                        <a:rPr sz="900" spc="0" dirty="0">
+                        <a:rPr lang="it-IT" sz="900">
                           <a:solidFill>
                             <a:srgbClr val="020302"/>
                           </a:solidFill>
                           <a:latin typeface="AdobeClean-Light"/>
                           <a:cs typeface="AdobeClean-Light"/>
                         </a:rPr>
-                        <a:t>Launch Advisory Services – First Year of new solution</a:t>
+                        <a:t>Launch Advisory - Nel primo anno di nuove soluzioni</a:t>
                       </a:r>
                     </a:p>
                   </a:txBody>
@@ -7649,7 +6526,7 @@
                     <a:bodyPr/>
                     <a:lstStyle/>
                     <a:p>
-                      <a:pPr>
+                      <a:pPr algn="l" rtl="0">
                         <a:lnSpc>
                           <a:spcPct val="100000"/>
                         </a:lnSpc>
@@ -7721,7 +6598,7 @@
                         <a:defRPr/>
                       </a:pPr>
                       <a:r>
-                        <a:rPr lang="en-US" sz="900" dirty="0">
+                        <a:rPr lang="it-IT" sz="900">
                           <a:solidFill>
                             <a:srgbClr val="020302"/>
                           </a:solidFill>
@@ -7730,10 +6607,6 @@
                         </a:rPr>
                         <a:t></a:t>
                       </a:r>
-                      <a:endParaRPr lang="en-US" sz="900" dirty="0">
-                        <a:latin typeface="Wingdings"/>
-                        <a:cs typeface="Wingdings"/>
-                      </a:endParaRPr>
                     </a:p>
                   </a:txBody>
                   <a:tcPr marL="0" marR="0" marT="0" marB="0" anchor="ctr">
@@ -7812,11 +6685,11 @@
                         <a:defRPr/>
                       </a:pPr>
                       <a:r>
-                        <a:rPr lang="en-US" sz="900" spc="0" dirty="0">
+                        <a:rPr lang="it-IT" sz="900" dirty="0">
                           <a:latin typeface="AdobeClean-Light"/>
                           <a:cs typeface="AdobeClean-Light"/>
                         </a:rPr>
-                        <a:t>Field Service Activities </a:t>
+                        <a:t>Attività di servizio sul campo </a:t>
                       </a:r>
                     </a:p>
                   </a:txBody>
@@ -7850,7 +6723,7 @@
                     <a:bodyPr/>
                     <a:lstStyle/>
                     <a:p>
-                      <a:pPr algn="ctr"/>
+                      <a:pPr algn="l" rtl="0"/>
                       <a:endParaRPr lang="en-US" dirty="0"/>
                     </a:p>
                   </a:txBody>
@@ -7899,13 +6772,12 @@
                     <a:p>
                       <a:pPr algn="ctr"/>
                       <a:r>
-                        <a:rPr lang="en-US" sz="900" dirty="0">
+                        <a:rPr lang="it-IT" sz="900" dirty="0">
                           <a:latin typeface="Times New Roman"/>
                           <a:cs typeface="Times New Roman"/>
                         </a:rPr>
                         <a:t>4</a:t>
                       </a:r>
-                      <a:endParaRPr lang="en-US" dirty="0"/>
                     </a:p>
                   </a:txBody>
                   <a:tcPr marL="0" marR="0" marT="0" marB="0" anchor="ctr">
@@ -7996,8 +6868,8 @@
         </p:nvSpPr>
         <p:spPr>
           <a:xfrm>
-            <a:off x="357339" y="897487"/>
-            <a:ext cx="1736725" cy="0"/>
+            <a:off x="357339" y="897486"/>
+            <a:ext cx="2434387" cy="45719"/>
           </a:xfrm>
           <a:custGeom>
             <a:avLst/>
@@ -8039,7 +6911,7 @@
         <p:spPr>
           <a:xfrm>
             <a:off x="357339" y="608961"/>
-            <a:ext cx="1647825" cy="238760"/>
+            <a:ext cx="2568314" cy="228268"/>
           </a:xfrm>
           <a:prstGeom prst="rect">
             <a:avLst/>
@@ -8060,59 +6932,15 @@
               </a:spcBef>
             </a:pPr>
             <a:r>
-              <a:rPr sz="1400" b="1" spc="-10" dirty="0">
+              <a:rPr lang="it-IT" sz="1400" b="1" dirty="0">
                 <a:solidFill>
                   <a:srgbClr val="020302"/>
                 </a:solidFill>
                 <a:latin typeface="Adobe Clean"/>
                 <a:cs typeface="Adobe Clean"/>
               </a:rPr>
-              <a:t>Elite</a:t>
-            </a:r>
-            <a:r>
-              <a:rPr sz="1400" b="1" spc="-50" dirty="0">
-                <a:solidFill>
-                  <a:srgbClr val="020302"/>
-                </a:solidFill>
-                <a:latin typeface="Adobe Clean"/>
-                <a:cs typeface="Adobe Clean"/>
-              </a:rPr>
-              <a:t> </a:t>
-            </a:r>
-            <a:r>
-              <a:rPr sz="1400" b="1" spc="-10" dirty="0">
-                <a:solidFill>
-                  <a:srgbClr val="020302"/>
-                </a:solidFill>
-                <a:latin typeface="Adobe Clean"/>
-                <a:cs typeface="Adobe Clean"/>
-              </a:rPr>
-              <a:t>Support</a:t>
-            </a:r>
-            <a:r>
-              <a:rPr sz="1400" b="1" spc="-45" dirty="0">
-                <a:solidFill>
-                  <a:srgbClr val="020302"/>
-                </a:solidFill>
-                <a:latin typeface="Adobe Clean"/>
-                <a:cs typeface="Adobe Clean"/>
-              </a:rPr>
-              <a:t> </a:t>
-            </a:r>
-            <a:r>
-              <a:rPr sz="1400" b="1" spc="-15" dirty="0">
-                <a:solidFill>
-                  <a:srgbClr val="020302"/>
-                </a:solidFill>
-                <a:latin typeface="Adobe Clean"/>
-                <a:cs typeface="Adobe Clean"/>
-              </a:rPr>
-              <a:t>Features</a:t>
-            </a:r>
-            <a:endParaRPr sz="1400" dirty="0">
-              <a:latin typeface="Adobe Clean"/>
-              <a:cs typeface="Adobe Clean"/>
-            </a:endParaRPr>
+              <a:t>Caratteristiche del supporto Elite</a:t>
+            </a:r>
           </a:p>
         </p:txBody>
       </p:sp>
@@ -8146,19 +6974,91 @@
               </a:spcBef>
             </a:pPr>
             <a:r>
-              <a:rPr sz="1000" dirty="0">
+              <a:rPr lang="it-IT" sz="1000" dirty="0">
                 <a:solidFill>
                   <a:srgbClr val="4B4B4B"/>
                 </a:solidFill>
                 <a:latin typeface="AdobeClean-Light"/>
                 <a:cs typeface="AdobeClean-Light"/>
               </a:rPr>
-              <a:t>A designated support engineer who  becomes familiar with your solution  environment and business goals. The NSE  is an experienced support engineer that  helps coordinate your Enterprise Support  experience..</a:t>
-            </a:r>
-            <a:endParaRPr sz="1000" dirty="0">
-              <a:latin typeface="AdobeClean-Light"/>
-              <a:cs typeface="AdobeClean-Light"/>
-            </a:endParaRPr>
+              <a:t>Un tecnico del supporto dedicato </a:t>
+            </a:r>
+            <a:br>
+              <a:rPr lang="sk-SK" sz="1000" dirty="0">
+                <a:solidFill>
+                  <a:srgbClr val="4B4B4B"/>
+                </a:solidFill>
+                <a:latin typeface="AdobeClean-Light"/>
+                <a:cs typeface="AdobeClean-Light"/>
+              </a:rPr>
+            </a:br>
+            <a:r>
+              <a:rPr lang="it-IT" sz="1000" dirty="0">
+                <a:solidFill>
+                  <a:srgbClr val="4B4B4B"/>
+                </a:solidFill>
+                <a:latin typeface="AdobeClean-Light"/>
+                <a:cs typeface="AdobeClean-Light"/>
+              </a:rPr>
+              <a:t>che acquisisce familiarità con l’ambiente della soluzione e gli obiettivi di business </a:t>
+            </a:r>
+            <a:br>
+              <a:rPr lang="sk-SK" sz="1000" dirty="0">
+                <a:solidFill>
+                  <a:srgbClr val="4B4B4B"/>
+                </a:solidFill>
+                <a:latin typeface="AdobeClean-Light"/>
+                <a:cs typeface="AdobeClean-Light"/>
+              </a:rPr>
+            </a:br>
+            <a:r>
+              <a:rPr lang="it-IT" sz="1000" dirty="0">
+                <a:solidFill>
+                  <a:srgbClr val="4B4B4B"/>
+                </a:solidFill>
+                <a:latin typeface="AdobeClean-Light"/>
+                <a:cs typeface="AdobeClean-Light"/>
+              </a:rPr>
+              <a:t>del cliente. Il Named Support Engineer </a:t>
+            </a:r>
+            <a:br>
+              <a:rPr lang="sk-SK" sz="1000" dirty="0">
+                <a:solidFill>
+                  <a:srgbClr val="4B4B4B"/>
+                </a:solidFill>
+                <a:latin typeface="AdobeClean-Light"/>
+                <a:cs typeface="AdobeClean-Light"/>
+              </a:rPr>
+            </a:br>
+            <a:r>
+              <a:rPr lang="it-IT" sz="1000" dirty="0">
+                <a:solidFill>
+                  <a:srgbClr val="4B4B4B"/>
+                </a:solidFill>
+                <a:latin typeface="AdobeClean-Light"/>
+                <a:cs typeface="AdobeClean-Light"/>
+              </a:rPr>
+              <a:t>è un tecnico esperto che aiuta a coordinare </a:t>
+            </a:r>
+            <a:br>
+              <a:rPr lang="sk-SK" sz="1000" dirty="0">
+                <a:solidFill>
+                  <a:srgbClr val="4B4B4B"/>
+                </a:solidFill>
+                <a:latin typeface="AdobeClean-Light"/>
+                <a:cs typeface="AdobeClean-Light"/>
+              </a:rPr>
+            </a:br>
+            <a:r>
+              <a:rPr lang="it-IT" sz="1000" dirty="0">
+                <a:solidFill>
+                  <a:srgbClr val="4B4B4B"/>
+                </a:solidFill>
+                <a:latin typeface="AdobeClean-Light"/>
+                <a:cs typeface="AdobeClean-Light"/>
+              </a:rPr>
+              <a:t>la tua esperienza di assistenza Enterprise.</a:t>
+            </a:r>
           </a:p>
         </p:txBody>
       </p:sp>
@@ -8218,8 +7118,8 @@
         </p:nvSpPr>
         <p:spPr>
           <a:xfrm>
-            <a:off x="5333365" y="1433668"/>
-            <a:ext cx="2194560" cy="936154"/>
+            <a:off x="5333364" y="1433668"/>
+            <a:ext cx="2292715" cy="936154"/>
           </a:xfrm>
           <a:prstGeom prst="rect">
             <a:avLst/>
@@ -8240,19 +7140,34 @@
               </a:spcBef>
             </a:pPr>
             <a:r>
-              <a:rPr sz="1000" dirty="0">
+              <a:rPr lang="it-IT" sz="1000" dirty="0">
                 <a:solidFill>
                   <a:srgbClr val="4B4B4B"/>
                 </a:solidFill>
                 <a:latin typeface="AdobeClean-Light"/>
                 <a:cs typeface="AdobeClean-Light"/>
               </a:rPr>
-              <a:t>Regular scheduled review of open  support requests, ensuring customer  alignment on case description, business  impact, status, priority and agreement on  next steps required to ensure an  expedient resolution.</a:t>
-            </a:r>
-            <a:endParaRPr sz="1000" dirty="0">
-              <a:latin typeface="AdobeClean-Light"/>
-              <a:cs typeface="AdobeClean-Light"/>
-            </a:endParaRPr>
+              <a:t>Valutazione periodica programmata delle richieste di supporto aperte, per garantirne l’allineamento in termini di descrizione dei casi, impatto sul business, stato, priorità </a:t>
+            </a:r>
+            <a:br>
+              <a:rPr lang="sk-SK" sz="1000" dirty="0">
+                <a:solidFill>
+                  <a:srgbClr val="4B4B4B"/>
+                </a:solidFill>
+                <a:latin typeface="AdobeClean-Light"/>
+                <a:cs typeface="AdobeClean-Light"/>
+              </a:rPr>
+            </a:br>
+            <a:r>
+              <a:rPr lang="it-IT" sz="1000" dirty="0">
+                <a:solidFill>
+                  <a:srgbClr val="4B4B4B"/>
+                </a:solidFill>
+                <a:latin typeface="AdobeClean-Light"/>
+                <a:cs typeface="AdobeClean-Light"/>
+              </a:rPr>
+              <a:t>e accordi sulle azioni successive necessarie a garantire una rapida risoluzione.</a:t>
+            </a:r>
           </a:p>
         </p:txBody>
       </p:sp>
@@ -8310,24 +7225,33 @@
               </a:spcBef>
             </a:pPr>
             <a:r>
-              <a:rPr sz="1000" dirty="0">
+              <a:rPr lang="it-IT" sz="1000" dirty="0">
                 <a:solidFill>
                   <a:srgbClr val="020302"/>
                 </a:solidFill>
                 <a:latin typeface="AdobeClean-Light"/>
                 <a:cs typeface="AdobeClean-Light"/>
               </a:rPr>
-              <a:t>A designated Technical Account Manager to  oversee your Elite experience, coordinate  the support and field services  engagements, and provide proactive services  to maximize your business valu</a:t>
-            </a:r>
-            <a:r>
-              <a:rPr lang="en-US" sz="1000" dirty="0">
+              <a:t>Un Technical Account Manager dedicato per monitorare l’esperienza Elite, coordinare le attività di supporto e servizi sul campo, e fornire servizi proattivi volti </a:t>
+            </a:r>
+            <a:br>
+              <a:rPr lang="sk-SK" sz="1000" dirty="0">
                 <a:solidFill>
                   <a:srgbClr val="020302"/>
                 </a:solidFill>
                 <a:latin typeface="AdobeClean-Light"/>
                 <a:cs typeface="AdobeClean-Light"/>
               </a:rPr>
-              <a:t>e.</a:t>
+            </a:br>
+            <a:r>
+              <a:rPr lang="it-IT" sz="1000" dirty="0">
+                <a:solidFill>
+                  <a:srgbClr val="020302"/>
+                </a:solidFill>
+                <a:latin typeface="AdobeClean-Light"/>
+                <a:cs typeface="AdobeClean-Light"/>
+              </a:rPr>
+              <a:t>a massimizzare il valore aziendale.</a:t>
             </a:r>
           </a:p>
         </p:txBody>
@@ -8362,7 +7286,7 @@
               </a:spcBef>
             </a:pPr>
             <a:r>
-              <a:rPr sz="1100" b="1" dirty="0">
+              <a:rPr lang="it-IT" sz="1100" b="1">
                 <a:solidFill>
                   <a:srgbClr val="020302"/>
                 </a:solidFill>
@@ -8371,10 +7295,6 @@
               </a:rPr>
               <a:t>Technical Account Manager</a:t>
             </a:r>
-            <a:endParaRPr sz="1100" dirty="0">
-              <a:latin typeface="Adobe Clean" panose="020B0503020404020204" pitchFamily="34" charset="0"/>
-              <a:cs typeface="Arial"/>
-            </a:endParaRPr>
           </a:p>
         </p:txBody>
       </p:sp>
@@ -8456,49 +7376,15 @@
               </a:spcBef>
             </a:pPr>
             <a:r>
-              <a:rPr sz="1000" dirty="0">
+              <a:rPr lang="it-IT" sz="1000">
                 <a:solidFill>
                   <a:srgbClr val="020302"/>
                 </a:solidFill>
                 <a:latin typeface="AdobeClean-Light"/>
                 <a:cs typeface="AdobeClean-Light"/>
               </a:rPr>
-              <a:t>Ongoing knowledge transfer from Adobe  </a:t>
-            </a:r>
-            <a:r>
-              <a:rPr lang="en-US" sz="1000" dirty="0">
-                <a:solidFill>
-                  <a:srgbClr val="020302"/>
-                </a:solidFill>
-                <a:latin typeface="AdobeClean-Light"/>
-                <a:cs typeface="AdobeClean-Light"/>
-              </a:rPr>
-              <a:t>Support team</a:t>
-            </a:r>
-            <a:r>
-              <a:rPr sz="1000" dirty="0">
-                <a:solidFill>
-                  <a:srgbClr val="020302"/>
-                </a:solidFill>
-                <a:latin typeface="AdobeClean-Light"/>
-                <a:cs typeface="AdobeClean-Light"/>
-              </a:rPr>
-              <a:t> to provide </a:t>
-            </a:r>
-            <a:r>
-              <a:rPr lang="en-US" sz="1000" dirty="0">
-                <a:solidFill>
-                  <a:srgbClr val="020302"/>
-                </a:solidFill>
-                <a:latin typeface="AdobeClean-Light"/>
-                <a:cs typeface="AdobeClean-Light"/>
-              </a:rPr>
-              <a:t>best practices around solution usage.</a:t>
-            </a:r>
-            <a:endParaRPr sz="1000" dirty="0">
-              <a:latin typeface="AdobeClean-Light"/>
-              <a:cs typeface="AdobeClean-Light"/>
-            </a:endParaRPr>
+              <a:t>Trasferimento continuo delle conoscenze dal team di supporto Adobe, per fornire best practice sull’utilizzo delle soluzioni.</a:t>
+            </a:r>
           </a:p>
         </p:txBody>
       </p:sp>
@@ -8532,19 +7418,15 @@
               </a:spcBef>
             </a:pPr>
             <a:r>
-              <a:rPr sz="1000" dirty="0">
+              <a:rPr lang="it-IT" sz="1000" dirty="0">
                 <a:solidFill>
                   <a:srgbClr val="020302"/>
                 </a:solidFill>
                 <a:latin typeface="AdobeClean-Light"/>
                 <a:cs typeface="AdobeClean-Light"/>
               </a:rPr>
-              <a:t>Manage key events to ensure you have the  right level of support, coverage, and  mitigation plan in place during those key  business and project milestones.</a:t>
-            </a:r>
-            <a:endParaRPr sz="1000" dirty="0">
-              <a:latin typeface="AdobeClean-Light"/>
-              <a:cs typeface="AdobeClean-Light"/>
-            </a:endParaRPr>
+              <a:t>Gestione degli eventi chiave per garantire il giusto livello di supporto, copertura e piano di mitigazione durante le fasi principali a livello di progetto e obiettivi di business.</a:t>
+            </a:r>
           </a:p>
         </p:txBody>
       </p:sp>
@@ -8556,8 +7438,8 @@
         </p:nvSpPr>
         <p:spPr>
           <a:xfrm>
-            <a:off x="324341" y="5262204"/>
-            <a:ext cx="2194560" cy="698781"/>
+            <a:off x="324340" y="5262204"/>
+            <a:ext cx="2237777" cy="698781"/>
           </a:xfrm>
           <a:prstGeom prst="rect">
             <a:avLst/>
@@ -8578,19 +7460,15 @@
               </a:spcBef>
             </a:pPr>
             <a:r>
-              <a:rPr sz="1000" dirty="0">
+              <a:rPr lang="it-IT" sz="1000" dirty="0">
                 <a:solidFill>
                   <a:srgbClr val="020302"/>
                 </a:solidFill>
                 <a:latin typeface="AdobeClean-Light"/>
                 <a:cs typeface="AdobeClean-Light"/>
               </a:rPr>
-              <a:t>Receive personalized guidance on new  product features to take advantage of  latest innovations, and have Adobe  experts review release and upgrade plan.</a:t>
-            </a:r>
-            <a:endParaRPr sz="1000" dirty="0">
-              <a:latin typeface="AdobeClean-Light"/>
-              <a:cs typeface="AdobeClean-Light"/>
-            </a:endParaRPr>
+              <a:t>Indicazioni personalizzate sulle nuove funzioni dei prodotti, per sfruttare le ultime innovazioni, con valutazione del piano di aggiornamento eseguita da esperti di Adobe.</a:t>
+            </a:r>
           </a:p>
         </p:txBody>
       </p:sp>
@@ -8603,7 +7481,7 @@
         <p:spPr>
           <a:xfrm>
             <a:off x="97787" y="9888626"/>
-            <a:ext cx="2202180" cy="149860"/>
+            <a:ext cx="2754640" cy="133370"/>
           </a:xfrm>
           <a:prstGeom prst="rect">
             <a:avLst/>
@@ -8624,99 +7502,15 @@
               </a:spcBef>
             </a:pPr>
             <a:r>
-              <a:rPr sz="800" spc="-15" dirty="0">
+              <a:rPr lang="it-IT" sz="800" dirty="0">
                 <a:solidFill>
                   <a:srgbClr val="6D6D6D"/>
                 </a:solidFill>
                 <a:latin typeface="Adobe Clean"/>
                 <a:cs typeface="Adobe Clean"/>
               </a:rPr>
-              <a:t>©2021 </a:t>
-            </a:r>
-            <a:r>
-              <a:rPr sz="800" spc="-5" dirty="0">
-                <a:solidFill>
-                  <a:srgbClr val="6D6D6D"/>
-                </a:solidFill>
-                <a:latin typeface="Adobe Clean"/>
-                <a:cs typeface="Adobe Clean"/>
-              </a:rPr>
-              <a:t>Adobe. All</a:t>
-            </a:r>
-            <a:r>
-              <a:rPr sz="800" spc="-15" dirty="0">
-                <a:solidFill>
-                  <a:srgbClr val="6D6D6D"/>
-                </a:solidFill>
-                <a:latin typeface="Adobe Clean"/>
-                <a:cs typeface="Adobe Clean"/>
-              </a:rPr>
-              <a:t> Rights</a:t>
-            </a:r>
-            <a:r>
-              <a:rPr sz="800" spc="-5" dirty="0">
-                <a:solidFill>
-                  <a:srgbClr val="6D6D6D"/>
-                </a:solidFill>
-                <a:latin typeface="Adobe Clean"/>
-                <a:cs typeface="Adobe Clean"/>
-              </a:rPr>
-              <a:t> </a:t>
-            </a:r>
-            <a:r>
-              <a:rPr sz="800" spc="-15" dirty="0">
-                <a:solidFill>
-                  <a:srgbClr val="6D6D6D"/>
-                </a:solidFill>
-                <a:latin typeface="Adobe Clean"/>
-                <a:cs typeface="Adobe Clean"/>
-              </a:rPr>
-              <a:t>Reserved.</a:t>
-            </a:r>
-            <a:r>
-              <a:rPr sz="800" spc="-10" dirty="0">
-                <a:solidFill>
-                  <a:srgbClr val="6D6D6D"/>
-                </a:solidFill>
-                <a:latin typeface="Adobe Clean"/>
-                <a:cs typeface="Adobe Clean"/>
-              </a:rPr>
-              <a:t> </a:t>
-            </a:r>
-            <a:r>
-              <a:rPr sz="800" spc="-5" dirty="0">
-                <a:solidFill>
-                  <a:srgbClr val="6D6D6D"/>
-                </a:solidFill>
-                <a:latin typeface="Adobe Clean"/>
-                <a:cs typeface="Adobe Clean"/>
-              </a:rPr>
-              <a:t>Adobe</a:t>
-            </a:r>
-            <a:r>
-              <a:rPr sz="800" spc="65" dirty="0">
-                <a:solidFill>
-                  <a:srgbClr val="6D6D6D"/>
-                </a:solidFill>
-                <a:latin typeface="Adobe Clean"/>
-                <a:cs typeface="Adobe Clean"/>
-              </a:rPr>
-              <a:t> </a:t>
-            </a:r>
-            <a:r>
-              <a:rPr sz="800" spc="-15" dirty="0">
-                <a:solidFill>
-                  <a:srgbClr val="6D6D6D"/>
-                </a:solidFill>
-                <a:latin typeface="Adobe Clean"/>
-                <a:cs typeface="Adobe Clean"/>
-              </a:rPr>
-              <a:t>Confidential.</a:t>
-            </a:r>
-            <a:endParaRPr sz="800">
-              <a:latin typeface="Adobe Clean"/>
-              <a:cs typeface="Adobe Clean"/>
-            </a:endParaRPr>
+              <a:t>©2021 Adobe. All Rights Reserved. Adobe Confidential.</a:t>
+            </a:r>
           </a:p>
         </p:txBody>
       </p:sp>
@@ -8773,7 +7567,7 @@
         </p:nvSpPr>
         <p:spPr>
           <a:xfrm>
-            <a:off x="2791726" y="9060487"/>
+            <a:off x="2910840" y="9060487"/>
             <a:ext cx="2194560" cy="487313"/>
           </a:xfrm>
           <a:prstGeom prst="rect">
@@ -8798,152 +7592,15 @@
               </a:tabLst>
             </a:pPr>
             <a:r>
-              <a:rPr sz="1000" spc="-20" dirty="0">
+              <a:rPr lang="it-IT" sz="1000" dirty="0">
                 <a:solidFill>
                   <a:srgbClr val="020302"/>
                 </a:solidFill>
                 <a:latin typeface="AdobeClean-Light"/>
                 <a:cs typeface="AdobeClean-Light"/>
               </a:rPr>
-              <a:t>Start </a:t>
-            </a:r>
-            <a:r>
-              <a:rPr sz="1000" dirty="0">
-                <a:solidFill>
-                  <a:srgbClr val="020302"/>
-                </a:solidFill>
-                <a:latin typeface="AdobeClean-Light"/>
-                <a:cs typeface="AdobeClean-Light"/>
-              </a:rPr>
-              <a:t>a </a:t>
-            </a:r>
-            <a:r>
-              <a:rPr sz="1000" spc="-15" dirty="0">
-                <a:solidFill>
-                  <a:srgbClr val="020302"/>
-                </a:solidFill>
-                <a:latin typeface="AdobeClean-Light"/>
-                <a:cs typeface="AdobeClean-Light"/>
-              </a:rPr>
-              <a:t>chat </a:t>
-            </a:r>
-            <a:r>
-              <a:rPr sz="1000" spc="-10" dirty="0">
-                <a:solidFill>
-                  <a:srgbClr val="020302"/>
-                </a:solidFill>
-                <a:latin typeface="AdobeClean-Light"/>
-                <a:cs typeface="AdobeClean-Light"/>
-              </a:rPr>
-              <a:t>session </a:t>
-            </a:r>
-            <a:r>
-              <a:rPr sz="1000" spc="-5" dirty="0">
-                <a:solidFill>
-                  <a:srgbClr val="020302"/>
-                </a:solidFill>
-                <a:latin typeface="AdobeClean-Light"/>
-                <a:cs typeface="AdobeClean-Light"/>
-              </a:rPr>
-              <a:t>to </a:t>
-            </a:r>
-            <a:r>
-              <a:rPr sz="1000" spc="-10" dirty="0">
-                <a:solidFill>
-                  <a:srgbClr val="020302"/>
-                </a:solidFill>
-                <a:latin typeface="AdobeClean-Light"/>
-                <a:cs typeface="AdobeClean-Light"/>
-              </a:rPr>
-              <a:t>get </a:t>
-            </a:r>
-            <a:r>
-              <a:rPr sz="1000" spc="-20" dirty="0">
-                <a:solidFill>
-                  <a:srgbClr val="020302"/>
-                </a:solidFill>
-                <a:latin typeface="AdobeClean-Light"/>
-                <a:cs typeface="AdobeClean-Light"/>
-              </a:rPr>
-              <a:t>answers</a:t>
-            </a:r>
-            <a:r>
-              <a:rPr lang="en-US" sz="1000" spc="-45" dirty="0">
-                <a:solidFill>
-                  <a:srgbClr val="020302"/>
-                </a:solidFill>
-                <a:latin typeface="AdobeClean-Light"/>
-                <a:cs typeface="AdobeClean-Light"/>
-              </a:rPr>
-              <a:t> </a:t>
-            </a:r>
-            <a:r>
-              <a:rPr lang="en-US" sz="1000" dirty="0">
-                <a:solidFill>
-                  <a:srgbClr val="020302"/>
-                </a:solidFill>
-                <a:latin typeface="AdobeClean-Light"/>
-                <a:cs typeface="AdobeClean-Light"/>
-              </a:rPr>
-              <a:t>&amp; </a:t>
-            </a:r>
-            <a:r>
-              <a:rPr sz="1000" spc="-15" dirty="0">
-                <a:solidFill>
-                  <a:srgbClr val="020302"/>
-                </a:solidFill>
-                <a:latin typeface="AdobeClean-Light"/>
-                <a:cs typeface="AdobeClean-Light"/>
-              </a:rPr>
-              <a:t>help </a:t>
-            </a:r>
-            <a:r>
-              <a:rPr sz="1000" spc="-10" dirty="0">
-                <a:solidFill>
-                  <a:srgbClr val="020302"/>
-                </a:solidFill>
-                <a:latin typeface="AdobeClean-Light"/>
-                <a:cs typeface="AdobeClean-Light"/>
-              </a:rPr>
-              <a:t>with</a:t>
-            </a:r>
-            <a:r>
-              <a:rPr sz="1000" spc="85" dirty="0">
-                <a:solidFill>
-                  <a:srgbClr val="020302"/>
-                </a:solidFill>
-                <a:latin typeface="AdobeClean-Light"/>
-                <a:cs typeface="AdobeClean-Light"/>
-              </a:rPr>
-              <a:t> </a:t>
-            </a:r>
-            <a:r>
-              <a:rPr sz="1000" spc="-10" dirty="0">
-                <a:solidFill>
-                  <a:srgbClr val="020302"/>
-                </a:solidFill>
-                <a:latin typeface="AdobeClean-Light"/>
-                <a:cs typeface="AdobeClean-Light"/>
-              </a:rPr>
-              <a:t>case </a:t>
-            </a:r>
-            <a:r>
-              <a:rPr sz="1000" spc="-20" dirty="0">
-                <a:solidFill>
-                  <a:srgbClr val="020302"/>
-                </a:solidFill>
-                <a:latin typeface="AdobeClean-Light"/>
-                <a:cs typeface="AdobeClean-Light"/>
-              </a:rPr>
-              <a:t>submission</a:t>
-            </a:r>
-            <a:endParaRPr lang="en-US" sz="1000" spc="-20" dirty="0">
-              <a:solidFill>
-                <a:srgbClr val="020302"/>
-              </a:solidFill>
-              <a:latin typeface="AdobeClean-Light"/>
-              <a:cs typeface="AdobeClean-Light"/>
-            </a:endParaRPr>
+              <a:t>Avvia una sessione di chat per ottenere risposte e assistenza nell’invio di un caso.</a:t>
+            </a:r>
           </a:p>
           <a:p>
             <a:pPr marL="33020" marR="159385">
@@ -8958,39 +7615,25 @@
               </a:tabLst>
             </a:pPr>
             <a:r>
-              <a:rPr sz="1000" i="1" spc="-10" dirty="0">
+              <a:rPr lang="it-IT" sz="1000" i="1" dirty="0">
                 <a:solidFill>
                   <a:srgbClr val="7A7A7A"/>
                 </a:solidFill>
                 <a:latin typeface="AdobeClean-LightIt"/>
                 <a:cs typeface="AdobeClean-LightIt"/>
               </a:rPr>
-              <a:t>*Not all </a:t>
-            </a:r>
-            <a:r>
-              <a:rPr sz="1000" i="1" spc="-20" dirty="0">
+              <a:t>* Il supporto chat in diretta non è disponibile per tutti i prodotti</a:t>
+            </a:r>
+            <a:r>
+              <a:rPr lang="it-IT" sz="900" i="1" dirty="0">
                 <a:solidFill>
                   <a:srgbClr val="7A7A7A"/>
                 </a:solidFill>
                 <a:latin typeface="AdobeClean-LightIt"/>
                 <a:cs typeface="AdobeClean-LightIt"/>
               </a:rPr>
-              <a:t>products have live chat support</a:t>
-            </a:r>
-            <a:r>
-              <a:rPr sz="900" i="1" spc="-20" dirty="0">
-                <a:solidFill>
-                  <a:srgbClr val="7A7A7A"/>
-                </a:solidFill>
-                <a:latin typeface="AdobeClean-LightIt"/>
-                <a:cs typeface="AdobeClean-LightIt"/>
-              </a:rPr>
               <a:t>.  </a:t>
             </a:r>
-            <a:endParaRPr sz="900" dirty="0">
-              <a:latin typeface="AdobeClean-Light"/>
-              <a:cs typeface="AdobeClean-Light"/>
-            </a:endParaRPr>
           </a:p>
         </p:txBody>
       </p:sp>
@@ -9037,12 +7680,12 @@
               <a:defRPr/>
             </a:pPr>
             <a:r>
-              <a:rPr lang="en-US" sz="1200" dirty="0">
+              <a:rPr lang="it-IT" sz="1200">
                 <a:solidFill>
                   <a:srgbClr val="000000"/>
                 </a:solidFill>
               </a:rPr>
-              <a:t>Community Forums</a:t>
+              <a:t>Forum della community</a:t>
             </a:r>
           </a:p>
         </p:txBody>
@@ -9085,12 +7728,12 @@
               </a:spcAft>
             </a:pPr>
             <a:r>
-              <a:rPr lang="en-US" sz="1200" b="1" dirty="0">
+              <a:rPr lang="it-IT" sz="1200" b="1">
                 <a:latin typeface="+mj-lt"/>
                 <a:ea typeface="Open Sans" pitchFamily="34" charset="0"/>
                 <a:cs typeface="Open Sans" pitchFamily="34" charset="0"/>
               </a:rPr>
-              <a:t>Online Forums</a:t>
+              <a:t>Forum online</a:t>
             </a:r>
           </a:p>
         </p:txBody>
@@ -9110,7 +7753,7 @@
         <p:spPr>
           <a:xfrm>
             <a:off x="324341" y="7152361"/>
-            <a:ext cx="2194560" cy="959237"/>
+            <a:ext cx="2194560" cy="1113125"/>
           </a:xfrm>
           <a:prstGeom prst="rect">
             <a:avLst/>
@@ -9123,13 +7766,47 @@
           <a:lstStyle/>
           <a:p>
             <a:r>
-              <a:rPr lang="en-US" sz="1000" dirty="0">
+              <a:rPr lang="it-IT" sz="1000" dirty="0">
                 <a:solidFill>
                   <a:srgbClr val="4B4B4B"/>
                 </a:solidFill>
                 <a:latin typeface="Adobe Clean Light" panose="020B0303020404020204" pitchFamily="34" charset="0"/>
               </a:rPr>
-              <a:t>Continuous online access to a growing database of technical solutions, product documentation, FAQs and more. Connect with practitioners and other customers on Adobe Community to share best practices and lessons learned</a:t>
+              <a:t>Accesso online continuo a un database </a:t>
+            </a:r>
+            <a:br>
+              <a:rPr lang="sk-SK" sz="1000" dirty="0">
+                <a:solidFill>
+                  <a:srgbClr val="4B4B4B"/>
+                </a:solidFill>
+                <a:latin typeface="Adobe Clean Light" panose="020B0303020404020204" pitchFamily="34" charset="0"/>
+              </a:rPr>
+            </a:br>
+            <a:r>
+              <a:rPr lang="it-IT" sz="1000" dirty="0">
+                <a:solidFill>
+                  <a:srgbClr val="4B4B4B"/>
+                </a:solidFill>
+                <a:latin typeface="Adobe Clean Light" panose="020B0303020404020204" pitchFamily="34" charset="0"/>
+              </a:rPr>
+              <a:t>in continua crescita di soluzioni tecniche, documentazione del prodotto, risposte alle domande più frequenti e altro ancora. Possibilità di relazionarsi con professionisti </a:t>
+            </a:r>
+            <a:br>
+              <a:rPr lang="sk-SK" sz="1000" dirty="0">
+                <a:solidFill>
+                  <a:srgbClr val="4B4B4B"/>
+                </a:solidFill>
+                <a:latin typeface="Adobe Clean Light" panose="020B0303020404020204" pitchFamily="34" charset="0"/>
+              </a:rPr>
+            </a:br>
+            <a:r>
+              <a:rPr lang="it-IT" sz="1000" dirty="0">
+                <a:solidFill>
+                  <a:srgbClr val="4B4B4B"/>
+                </a:solidFill>
+                <a:latin typeface="Adobe Clean Light" panose="020B0303020404020204" pitchFamily="34" charset="0"/>
+              </a:rPr>
+              <a:t>e altri clienti della Community Adobe per condividere best practice ed esperienze.</a:t>
             </a:r>
           </a:p>
         </p:txBody>
@@ -9177,7 +7854,7 @@
               <a:defRPr/>
             </a:pPr>
             <a:r>
-              <a:rPr lang="en-US" sz="1200" dirty="0">
+              <a:rPr lang="it-IT" sz="1200">
                 <a:solidFill>
                   <a:srgbClr val="000000"/>
                 </a:solidFill>
@@ -9225,12 +7902,12 @@
               </a:spcAft>
             </a:pPr>
             <a:r>
-              <a:rPr lang="en-US" sz="1200" b="1" dirty="0">
+              <a:rPr lang="it-IT" sz="1200" b="1">
                 <a:latin typeface="+mj-lt"/>
                 <a:ea typeface="Open Sans" pitchFamily="34" charset="0"/>
                 <a:cs typeface="Open Sans" pitchFamily="34" charset="0"/>
               </a:rPr>
-              <a:t>Self-guided Journeys</a:t>
+              <a:t>Percorsi autoguidati</a:t>
             </a:r>
           </a:p>
         </p:txBody>
@@ -9250,7 +7927,7 @@
         <p:spPr>
           <a:xfrm>
             <a:off x="5265661" y="7152361"/>
-            <a:ext cx="2194560" cy="1113125"/>
+            <a:ext cx="2360418" cy="1267014"/>
           </a:xfrm>
           <a:prstGeom prst="rect">
             <a:avLst/>
@@ -9263,13 +7940,13 @@
           <a:lstStyle/>
           <a:p>
             <a:r>
-              <a:rPr lang="en-US" sz="1000" dirty="0">
+              <a:rPr lang="it-IT" sz="1000" dirty="0">
                 <a:solidFill>
                   <a:srgbClr val="4B4B4B"/>
                 </a:solidFill>
                 <a:latin typeface="Adobe Clean Light" panose="020B0303020404020204" pitchFamily="34" charset="0"/>
               </a:rPr>
-              <a:t>Experience Makers are made with Experience League. Customers can kickstart their Customer Experience Management abilities with personalized learning to develop skills, engage with a global community of peers, and earn career advancing recognition</a:t>
+              <a:t>Diventa un Experience Maker con Experience League. Puoi acquisire rapidamente le capacità necessarie nella gestione della customer experience seguendo un percorso di apprendimento personalizzato per sviluppare nuove competenze, partecipare a una comunità globale di professionisti e guadagnare riconoscimenti di valore sul piano professionale.</a:t>
             </a:r>
           </a:p>
         </p:txBody>
@@ -9317,12 +7994,12 @@
               <a:defRPr/>
             </a:pPr>
             <a:r>
-              <a:rPr lang="en-US" sz="1200" dirty="0">
+              <a:rPr lang="it-IT" sz="1200">
                 <a:solidFill>
                   <a:srgbClr val="000000"/>
                 </a:solidFill>
               </a:rPr>
-              <a:t>Live Chat  Support*</a:t>
+              <a:t>Supporto chat in diretta*</a:t>
             </a:r>
           </a:p>
         </p:txBody>
@@ -9365,12 +8042,12 @@
               </a:spcAft>
             </a:pPr>
             <a:r>
-              <a:rPr lang="en-US" sz="1200" b="1" dirty="0">
+              <a:rPr lang="it-IT" sz="1200" b="1">
                 <a:latin typeface="+mj-lt"/>
                 <a:ea typeface="Open Sans" pitchFamily="34" charset="0"/>
                 <a:cs typeface="Open Sans" pitchFamily="34" charset="0"/>
               </a:rPr>
-              <a:t>Chat Support</a:t>
+              <a:t>Supporto chat</a:t>
             </a:r>
           </a:p>
         </p:txBody>
@@ -9418,12 +8095,12 @@
               <a:defRPr/>
             </a:pPr>
             <a:r>
-              <a:rPr lang="en-US" sz="1200" dirty="0">
+              <a:rPr lang="it-IT" sz="1200">
                 <a:solidFill>
                   <a:srgbClr val="000000"/>
                 </a:solidFill>
               </a:rPr>
-              <a:t>24X7 P1 </a:t>
+              <a:t>24x7 P1 </a:t>
             </a:r>
           </a:p>
         </p:txBody>
@@ -9466,12 +8143,12 @@
               </a:spcAft>
             </a:pPr>
             <a:r>
-              <a:rPr lang="en-US" sz="1200" b="1" dirty="0">
+              <a:rPr lang="it-IT" sz="1200" b="1">
                 <a:latin typeface="+mj-lt"/>
                 <a:ea typeface="Open Sans" pitchFamily="34" charset="0"/>
                 <a:cs typeface="Open Sans" pitchFamily="34" charset="0"/>
               </a:rPr>
-              <a:t>Phone  Support</a:t>
+              <a:t>Supporto telefonico</a:t>
             </a:r>
           </a:p>
         </p:txBody>
@@ -9491,7 +8168,7 @@
         <p:spPr>
           <a:xfrm>
             <a:off x="2791726" y="7152361"/>
-            <a:ext cx="2194560" cy="805349"/>
+            <a:ext cx="2194560" cy="959237"/>
           </a:xfrm>
           <a:prstGeom prst="rect">
             <a:avLst/>
@@ -9504,35 +8181,51 @@
           <a:lstStyle/>
           <a:p>
             <a:r>
-              <a:rPr lang="en-US" sz="1000" dirty="0">
+              <a:rPr lang="it-IT" sz="1000" dirty="0">
                 <a:solidFill>
                   <a:srgbClr val="020302"/>
                 </a:solidFill>
                 <a:latin typeface="AdobeClean-Light"/>
               </a:rPr>
-              <a:t>Authorized users or </a:t>
-            </a:r>
-            <a:r>
-              <a:rPr lang="en-US" sz="1000" b="1" dirty="0">
+              <a:t>Gli utenti autorizzati o i </a:t>
+            </a:r>
+            <a:r>
+              <a:rPr lang="it-IT" sz="1000" b="1" dirty="0">
                 <a:solidFill>
                   <a:srgbClr val="020302"/>
                 </a:solidFill>
                 <a:latin typeface="AdobeClean-Light"/>
               </a:rPr>
-              <a:t>Named Support Contacts </a:t>
-            </a:r>
-            <a:r>
-              <a:rPr lang="en-US" sz="1000" dirty="0">
+              <a:t>contatti interni per il supporto</a:t>
+            </a:r>
+            <a:r>
+              <a:rPr lang="it-IT" sz="1000" dirty="0">
                 <a:latin typeface="Adobe Clean Light" panose="020B0303020404020204" pitchFamily="34" charset="0"/>
               </a:rPr>
-              <a:t>can submit issues through all available  channels (including phone for P1) and interact with our technical support team on behalf of your company. </a:t>
-            </a:r>
-            <a:endParaRPr lang="en-US" sz="1000" dirty="0">
-              <a:solidFill>
-                <a:srgbClr val="000000"/>
-              </a:solidFill>
-              <a:latin typeface="Adobe Clean Light" panose="020B0303020404020204" pitchFamily="34" charset="0"/>
-            </a:endParaRPr>
+              <a:t> possono segnalare i problemi tramite tutti i canali disponibili (compreso </a:t>
+            </a:r>
+            <a:br>
+              <a:rPr lang="sk-SK" sz="1000" dirty="0">
+                <a:latin typeface="Adobe Clean Light" panose="020B0303020404020204" pitchFamily="34" charset="0"/>
+              </a:rPr>
+            </a:br>
+            <a:r>
+              <a:rPr lang="it-IT" sz="1000" dirty="0">
+                <a:latin typeface="Adobe Clean Light" panose="020B0303020404020204" pitchFamily="34" charset="0"/>
+              </a:rPr>
+              <a:t>il supporto telefonico per casi P1) e interagire con il team Adobe di assistenza tecnica </a:t>
+            </a:r>
+            <a:br>
+              <a:rPr lang="sk-SK" sz="1000" dirty="0">
+                <a:latin typeface="Adobe Clean Light" panose="020B0303020404020204" pitchFamily="34" charset="0"/>
+              </a:rPr>
+            </a:br>
+            <a:r>
+              <a:rPr lang="it-IT" sz="1000" dirty="0">
+                <a:latin typeface="Adobe Clean Light" panose="020B0303020404020204" pitchFamily="34" charset="0"/>
+              </a:rPr>
+              <a:t>per conto della tua azienda. </a:t>
+            </a:r>
           </a:p>
         </p:txBody>
       </p:sp>
@@ -9627,7 +8320,7 @@
               <a:defRPr/>
             </a:pPr>
             <a:r>
-              <a:rPr lang="en-US" sz="1200" dirty="0">
+              <a:rPr lang="it-IT" sz="1200">
                 <a:solidFill>
                   <a:srgbClr val="000000"/>
                 </a:solidFill>
@@ -9675,12 +8368,12 @@
               </a:spcAft>
             </a:pPr>
             <a:r>
-              <a:rPr lang="en-US" sz="1200" b="1" dirty="0">
+              <a:rPr lang="it-IT" sz="1200" b="1">
                 <a:latin typeface="+mj-lt"/>
                 <a:ea typeface="Open Sans" pitchFamily="34" charset="0"/>
                 <a:cs typeface="Open Sans" pitchFamily="34" charset="0"/>
               </a:rPr>
-              <a:t>Webinars</a:t>
+              <a:t>Webinar</a:t>
             </a:r>
           </a:p>
         </p:txBody>
@@ -9699,8 +8392,8 @@
         </p:nvSpPr>
         <p:spPr>
           <a:xfrm>
-            <a:off x="355868" y="9026059"/>
-            <a:ext cx="2194560" cy="805349"/>
+            <a:off x="355867" y="9026059"/>
+            <a:ext cx="2512299" cy="805349"/>
           </a:xfrm>
           <a:prstGeom prst="rect">
             <a:avLst/>
@@ -9713,13 +8406,13 @@
           <a:lstStyle/>
           <a:p>
             <a:r>
-              <a:rPr lang="en-US" sz="1000" dirty="0">
+              <a:rPr lang="it-IT" sz="1000" dirty="0">
                 <a:solidFill>
                   <a:srgbClr val="4B4B4B"/>
                 </a:solidFill>
                 <a:latin typeface="Adobe Clean Light" panose="020B0303020404020204" pitchFamily="34" charset="0"/>
               </a:rPr>
-              <a:t>Office Hours led by the Adobe Customer Support team includes sessions designed to inform as well as help participants troubleshoot problems and provide tips and tricks for success with Adobe solutions. </a:t>
+              <a:t>Le sessioni Office Hours, guidate dal team di Assistenza clienti di Adobe, sono pensate per informare e aiutare i partecipanti a risolvere eventuali problemi e forniscono suggerimenti utili per ottenere il massimo dalle soluzioni Adobe. </a:t>
             </a:r>
           </a:p>
         </p:txBody>
@@ -9767,12 +8460,12 @@
               <a:defRPr/>
             </a:pPr>
             <a:r>
-              <a:rPr lang="en-US" sz="1200" dirty="0">
+              <a:rPr lang="it-IT" sz="1200">
                 <a:solidFill>
                   <a:srgbClr val="000000"/>
                 </a:solidFill>
               </a:rPr>
-              <a:t>Self-help Portals</a:t>
+              <a:t>Portali di assistenza autonoma</a:t>
             </a:r>
           </a:p>
         </p:txBody>
@@ -9815,12 +8508,12 @@
               </a:spcAft>
             </a:pPr>
             <a:r>
-              <a:rPr lang="en-US" sz="1200" b="1" dirty="0">
+              <a:rPr lang="it-IT" sz="1200" b="1">
                 <a:latin typeface="+mj-lt"/>
                 <a:ea typeface="Open Sans" pitchFamily="34" charset="0"/>
                 <a:cs typeface="Open Sans" pitchFamily="34" charset="0"/>
               </a:rPr>
-              <a:t>24/7 Support Portal</a:t>
+              <a:t>Portale di supporto 24/7</a:t>
             </a:r>
           </a:p>
         </p:txBody>
@@ -9853,30 +8546,13 @@
           <a:lstStyle/>
           <a:p>
             <a:r>
-              <a:rPr lang="en-US" sz="1000" dirty="0">
+              <a:rPr lang="it-IT" sz="1000">
                 <a:solidFill>
                   <a:srgbClr val="4B4B4B"/>
                 </a:solidFill>
                 <a:latin typeface="Adobe Clean Light" panose="020B0303020404020204" pitchFamily="34" charset="0"/>
               </a:rPr>
-              <a:t>On-demand access to the online </a:t>
-            </a:r>
-            <a:br>
-              <a:rPr lang="en-US" sz="1000" dirty="0">
-                <a:solidFill>
-                  <a:srgbClr val="4B4B4B"/>
-                </a:solidFill>
-                <a:latin typeface="Adobe Clean Light" panose="020B0303020404020204" pitchFamily="34" charset="0"/>
-              </a:rPr>
-            </a:br>
-            <a:r>
-              <a:rPr lang="en-US" sz="1000" dirty="0">
-                <a:solidFill>
-                  <a:srgbClr val="4B4B4B"/>
-                </a:solidFill>
-                <a:latin typeface="Adobe Clean Light" panose="020B0303020404020204" pitchFamily="34" charset="0"/>
-              </a:rPr>
-              <a:t>Self-help Support Portal to submit support requests, review case status, and browse other resources, like our knowledgebase, news and alerts, featured tips, and more.</a:t>
+              <a:t>Accesso on-demand al portale di assistenza autonoma per inviare richieste di supporto, esaminare lo stato dei casi e sfogliare altre risorse, come la knowledge base, notizie e avvisi, suggerimenti e altro ancora.</a:t>
             </a:r>
           </a:p>
         </p:txBody>
@@ -10129,7 +8805,7 @@
         </p:nvSpPr>
         <p:spPr>
           <a:xfrm rot="5400000" flipH="1">
-            <a:off x="3863341" y="5600443"/>
+            <a:off x="3863341" y="5692140"/>
             <a:ext cx="45719" cy="5577840"/>
           </a:xfrm>
           <a:custGeom>
@@ -10206,19 +8882,15 @@
               </a:spcBef>
             </a:pPr>
             <a:r>
-              <a:rPr lang="en-US" sz="1400" b="1" dirty="0">
+              <a:rPr lang="it-IT" sz="1400" b="1">
                 <a:solidFill>
                   <a:srgbClr val="020302"/>
                 </a:solidFill>
                 <a:latin typeface="Adobe Clean"/>
                 <a:cs typeface="Adobe Clean"/>
               </a:rPr>
-              <a:t>Online Support Features</a:t>
-            </a:r>
-            <a:endParaRPr lang="en-US" sz="1400" dirty="0">
-              <a:latin typeface="Adobe Clean"/>
-              <a:cs typeface="Adobe Clean"/>
-            </a:endParaRPr>
+              <a:t>Caratteristiche del supporto online</a:t>
+            </a:r>
           </a:p>
         </p:txBody>
       </p:sp>
@@ -10418,15 +9090,15 @@
         </p:nvSpPr>
         <p:spPr>
           <a:xfrm>
-            <a:off x="324341" y="4031705"/>
-            <a:ext cx="2194560" cy="499111"/>
+            <a:off x="324340" y="4031705"/>
+            <a:ext cx="2467385" cy="672172"/>
           </a:xfrm>
           <a:prstGeom prst="rect">
             <a:avLst/>
           </a:prstGeom>
         </p:spPr>
         <p:txBody>
-          <a:bodyPr lIns="0" tIns="0" rIns="0" bIns="0">
+          <a:bodyPr wrap="square" lIns="0" tIns="0" rIns="0" bIns="0">
             <a:spAutoFit/>
           </a:bodyPr>
           <a:lstStyle/>
@@ -10440,22 +9112,15 @@
               </a:spcBef>
             </a:pPr>
             <a:r>
-              <a:rPr lang="en-US" sz="1000" dirty="0">
+              <a:rPr lang="it-IT" sz="1000" dirty="0">
                 <a:solidFill>
                   <a:srgbClr val="020302"/>
                 </a:solidFill>
                 <a:latin typeface="AdobeClean-Light"/>
                 <a:cs typeface="AdobeClean-Light"/>
               </a:rPr>
-              <a:t>Proactive review of your solution  deployment, configuration, and overall  architecture, including integrations.</a:t>
-            </a:r>
-            <a:endParaRPr lang="en-US" sz="1000" dirty="0">
-              <a:solidFill>
-                <a:prstClr val="black"/>
-              </a:solidFill>
-              <a:latin typeface="AdobeClean-Light"/>
-              <a:cs typeface="AdobeClean-Light"/>
-            </a:endParaRPr>
+              <a:t>Valutazione proattiva dell’implementazione, della configurazione e dell’architettura complessiva della soluzione, incluse le integrazioni.</a:t>
+            </a:r>
           </a:p>
         </p:txBody>
       </p:sp>
@@ -10495,22 +9160,34 @@
               </a:spcBef>
             </a:pPr>
             <a:r>
-              <a:rPr lang="en-US" sz="1000" dirty="0">
+              <a:rPr lang="it-IT" sz="1000" dirty="0">
                 <a:solidFill>
                   <a:srgbClr val="020302"/>
                 </a:solidFill>
                 <a:latin typeface="AdobeClean-Light"/>
                 <a:cs typeface="AdobeClean-Light"/>
               </a:rPr>
-              <a:t>Receive maintenance best practices and latest  fixes (SPs, MR, patches, FPs) to remain up-to-  date on all maintenance checks</a:t>
-            </a:r>
-            <a:endParaRPr lang="en-US" sz="1000" dirty="0">
-              <a:solidFill>
-                <a:prstClr val="black"/>
-              </a:solidFill>
-              <a:latin typeface="AdobeClean-Light"/>
-              <a:cs typeface="AdobeClean-Light"/>
-            </a:endParaRPr>
+              <a:t>Best practice di manutenzione e ultime correzioni (SP, MR, patch, FP) per rimanere sempre aggiornati su tutte le verifiche </a:t>
+            </a:r>
+            <a:br>
+              <a:rPr lang="sk-SK" sz="1000" dirty="0">
+                <a:solidFill>
+                  <a:srgbClr val="020302"/>
+                </a:solidFill>
+                <a:latin typeface="AdobeClean-Light"/>
+                <a:cs typeface="AdobeClean-Light"/>
+              </a:rPr>
+            </a:br>
+            <a:r>
+              <a:rPr lang="it-IT" sz="1000" dirty="0">
+                <a:solidFill>
+                  <a:srgbClr val="020302"/>
+                </a:solidFill>
+                <a:latin typeface="AdobeClean-Light"/>
+                <a:cs typeface="AdobeClean-Light"/>
+              </a:rPr>
+              <a:t>di manutenzione</a:t>
+            </a:r>
           </a:p>
         </p:txBody>
       </p:sp>
@@ -10547,22 +9224,15 @@
               </a:spcBef>
             </a:pPr>
             <a:r>
-              <a:rPr lang="en-US" sz="1000" dirty="0">
+              <a:rPr lang="it-IT" sz="1000">
                 <a:solidFill>
                   <a:srgbClr val="4B4B4B"/>
                 </a:solidFill>
                 <a:latin typeface="AdobeClean-Light"/>
                 <a:cs typeface="AdobeClean-Light"/>
               </a:rPr>
-              <a:t>A regular review of Elite program services, support metrics, and deliverables, including a forward-looking plan</a:t>
-            </a:r>
-            <a:endParaRPr lang="en-US" sz="1000" dirty="0">
-              <a:solidFill>
-                <a:prstClr val="black"/>
-              </a:solidFill>
-              <a:latin typeface="AdobeClean-Light"/>
-              <a:cs typeface="AdobeClean-Light"/>
-            </a:endParaRPr>
+              <a:t>Valutazione periodica dei servizi del programma Elite, delle metriche di supporto e dei materiali da consegnare, incluso un piano proattivo.</a:t>
+            </a:r>
           </a:p>
         </p:txBody>
       </p:sp>
@@ -10599,22 +9269,15 @@
               </a:spcBef>
             </a:pPr>
             <a:r>
-              <a:rPr lang="en-US" sz="1000" dirty="0">
+              <a:rPr lang="it-IT" sz="1000">
                 <a:solidFill>
                   <a:srgbClr val="4B4B4B"/>
                 </a:solidFill>
                 <a:latin typeface="AdobeClean-Light"/>
                 <a:cs typeface="AdobeClean-Light"/>
               </a:rPr>
-              <a:t>A 60-minute session focusing on a  specific product feature and how it can  be utilized to solve common business  problems.</a:t>
-            </a:r>
-            <a:endParaRPr lang="en-US" sz="1000" dirty="0">
-              <a:solidFill>
-                <a:prstClr val="black"/>
-              </a:solidFill>
-              <a:latin typeface="AdobeClean-Light"/>
-              <a:cs typeface="AdobeClean-Light"/>
-            </a:endParaRPr>
+              <a:t>Una sessione di 60 minuti incentrata su una specifica funzionalità di prodotto e come utilizzarla per risolvere le problematiche più comuni.</a:t>
+            </a:r>
           </a:p>
         </p:txBody>
       </p:sp>
@@ -10651,16 +9314,15 @@
               </a:spcBef>
             </a:pPr>
             <a:r>
-              <a:rPr lang="en-US" sz="1000" dirty="0">
+              <a:rPr lang="it-IT" sz="1000">
                 <a:solidFill>
                   <a:srgbClr val="4B4B4B"/>
                 </a:solidFill>
                 <a:latin typeface="AdobeClean-Light"/>
                 <a:cs typeface="AdobeClean-Light"/>
               </a:rPr>
-              <a:t>A designated point of contact within Adobe  who can provide escalation assistance,  regular updates and ensure priority is given  to your most critical open support requests.</a:t>
-            </a:r>
-            <a:endParaRPr lang="en-US" dirty="0"/>
+              <a:t>Un contatto Adobe dedicato che può fornire assistenza e aggiornamenti regolari in merito ai casi che richiedono escalation, e assicurarsi che venga data priorità alle richieste di supporto aperte più critiche.</a:t>
+            </a:r>
           </a:p>
         </p:txBody>
       </p:sp>
@@ -10697,7 +9359,7 @@
               </a:spcBef>
             </a:pPr>
             <a:r>
-              <a:rPr lang="en-US" sz="1100" b="1" dirty="0">
+              <a:rPr lang="it-IT" sz="1100" b="1">
                 <a:solidFill>
                   <a:srgbClr val="020302"/>
                 </a:solidFill>
@@ -10706,13 +9368,6 @@
               </a:rPr>
               <a:t>Named Support Engineer</a:t>
             </a:r>
-            <a:endParaRPr lang="en-US" sz="1100" dirty="0">
-              <a:solidFill>
-                <a:prstClr val="black"/>
-              </a:solidFill>
-              <a:latin typeface="Adobe Clean" panose="020B0503020404020204" pitchFamily="34" charset="0"/>
-              <a:cs typeface="Arial"/>
-            </a:endParaRPr>
           </a:p>
         </p:txBody>
       </p:sp>
@@ -10749,22 +9404,15 @@
               </a:spcBef>
             </a:pPr>
             <a:r>
-              <a:rPr lang="en-US" sz="1100" b="1" dirty="0">
+              <a:rPr lang="it-IT" sz="1100" b="1">
                 <a:solidFill>
                   <a:srgbClr val="020302"/>
                 </a:solidFill>
                 <a:latin typeface="Adobe Clean" panose="020B0503020404020204" pitchFamily="34" charset="0"/>
                 <a:cs typeface="Arial"/>
               </a:rPr>
-              <a:t>Case Reviews</a:t>
-            </a:r>
-            <a:endParaRPr lang="en-US" sz="1100" dirty="0">
-              <a:solidFill>
-                <a:prstClr val="black"/>
-              </a:solidFill>
-              <a:latin typeface="Adobe Clean" panose="020B0503020404020204" pitchFamily="34" charset="0"/>
-              <a:cs typeface="Arial"/>
-            </a:endParaRPr>
+              <a:t>Valutazione dei casi</a:t>
+            </a:r>
           </a:p>
         </p:txBody>
       </p:sp>
@@ -10801,22 +9449,15 @@
               </a:spcBef>
             </a:pPr>
             <a:r>
-              <a:rPr lang="en-US" sz="1100" b="1" dirty="0">
+              <a:rPr lang="it-IT" sz="1100" b="1">
                 <a:solidFill>
                   <a:srgbClr val="020302"/>
                 </a:solidFill>
                 <a:latin typeface="Adobe Clean" panose="020B0503020404020204" pitchFamily="34" charset="0"/>
                 <a:cs typeface="Adobe Clean"/>
               </a:rPr>
-              <a:t>Maintenance &amp; Monitoring</a:t>
-            </a:r>
-            <a:endParaRPr lang="en-US" sz="1100" dirty="0">
-              <a:solidFill>
-                <a:prstClr val="black"/>
-              </a:solidFill>
-              <a:latin typeface="Adobe Clean" panose="020B0503020404020204" pitchFamily="34" charset="0"/>
-              <a:cs typeface="Adobe Clean"/>
-            </a:endParaRPr>
+              <a:t>Manutenzione e monitoraggio</a:t>
+            </a:r>
           </a:p>
         </p:txBody>
       </p:sp>
@@ -10834,8 +9475,8 @@
         </p:nvSpPr>
         <p:spPr>
           <a:xfrm>
-            <a:off x="3138805" y="3778989"/>
-            <a:ext cx="2194560" cy="169277"/>
+            <a:off x="3138805" y="3700046"/>
+            <a:ext cx="2194560" cy="338554"/>
           </a:xfrm>
           <a:prstGeom prst="rect">
             <a:avLst/>
@@ -10853,22 +9494,34 @@
               </a:spcBef>
             </a:pPr>
             <a:r>
-              <a:rPr lang="en-US" sz="1100" b="1" dirty="0">
+              <a:rPr lang="it-IT" sz="1100" b="1" dirty="0">
                 <a:solidFill>
                   <a:srgbClr val="020302"/>
                 </a:solidFill>
                 <a:latin typeface="Adobe Clean" panose="020B0503020404020204" pitchFamily="34" charset="0"/>
                 <a:cs typeface="Adobe Clean"/>
               </a:rPr>
-              <a:t>Solution Roadmap Review</a:t>
-            </a:r>
-            <a:endParaRPr lang="en-US" sz="1100" dirty="0">
-              <a:solidFill>
-                <a:prstClr val="black"/>
-              </a:solidFill>
-              <a:latin typeface="Adobe Clean" panose="020B0503020404020204" pitchFamily="34" charset="0"/>
-              <a:cs typeface="Adobe Clean"/>
-            </a:endParaRPr>
+              <a:t>Valutazione della roadmap </a:t>
+            </a:r>
+            <a:br>
+              <a:rPr lang="sk-SK" sz="1100" b="1" dirty="0">
+                <a:solidFill>
+                  <a:srgbClr val="020302"/>
+                </a:solidFill>
+                <a:latin typeface="Adobe Clean" panose="020B0503020404020204" pitchFamily="34" charset="0"/>
+                <a:cs typeface="Adobe Clean"/>
+              </a:rPr>
+            </a:br>
+            <a:r>
+              <a:rPr lang="it-IT" sz="1100" b="1" dirty="0">
+                <a:solidFill>
+                  <a:srgbClr val="020302"/>
+                </a:solidFill>
+                <a:latin typeface="Adobe Clean" panose="020B0503020404020204" pitchFamily="34" charset="0"/>
+                <a:cs typeface="Adobe Clean"/>
+              </a:rPr>
+              <a:t>della soluzione</a:t>
+            </a:r>
           </a:p>
         </p:txBody>
       </p:sp>
@@ -10905,22 +9558,15 @@
               </a:spcBef>
             </a:pPr>
             <a:r>
-              <a:rPr lang="en-US" sz="1100" b="1" dirty="0">
+              <a:rPr lang="it-IT" sz="1100" b="1">
                 <a:solidFill>
                   <a:srgbClr val="020302"/>
                 </a:solidFill>
                 <a:latin typeface="Adobe Clean" panose="020B0503020404020204" pitchFamily="34" charset="0"/>
                 <a:cs typeface="Adobe Clean"/>
               </a:rPr>
-              <a:t>Environment Review</a:t>
-            </a:r>
-            <a:endParaRPr lang="en-US" sz="1100" dirty="0">
-              <a:solidFill>
-                <a:prstClr val="black"/>
-              </a:solidFill>
-              <a:latin typeface="Adobe Clean" panose="020B0503020404020204" pitchFamily="34" charset="0"/>
-              <a:cs typeface="Adobe Clean"/>
-            </a:endParaRPr>
+              <a:t>Valutazione dell’ambiente</a:t>
+            </a:r>
           </a:p>
         </p:txBody>
       </p:sp>
@@ -10957,22 +9603,15 @@
               </a:spcBef>
             </a:pPr>
             <a:r>
-              <a:rPr lang="en-US" sz="1100" b="1" dirty="0">
+              <a:rPr lang="it-IT" sz="1100" b="1">
                 <a:solidFill>
                   <a:srgbClr val="020302"/>
                 </a:solidFill>
                 <a:latin typeface="Adobe Clean" panose="020B0503020404020204" pitchFamily="34" charset="0"/>
                 <a:cs typeface="Adobe Clean"/>
               </a:rPr>
-              <a:t>Escalation Management</a:t>
-            </a:r>
-            <a:endParaRPr lang="en-US" sz="1100" dirty="0">
-              <a:solidFill>
-                <a:prstClr val="black"/>
-              </a:solidFill>
-              <a:latin typeface="Adobe Clean" panose="020B0503020404020204" pitchFamily="34" charset="0"/>
-              <a:cs typeface="Adobe Clean"/>
-            </a:endParaRPr>
+              <a:t>Gestione delle escalation</a:t>
+            </a:r>
           </a:p>
         </p:txBody>
       </p:sp>
@@ -11009,22 +9648,15 @@
               </a:spcBef>
             </a:pPr>
             <a:r>
-              <a:rPr lang="en-US" sz="1100" b="1" dirty="0">
+              <a:rPr lang="it-IT" sz="1100" b="1">
                 <a:solidFill>
                   <a:srgbClr val="020302"/>
                 </a:solidFill>
                 <a:latin typeface="Adobe Clean" panose="020B0503020404020204" pitchFamily="34" charset="0"/>
                 <a:cs typeface="Adobe Clean"/>
               </a:rPr>
-              <a:t>Service Reviews</a:t>
-            </a:r>
-            <a:endParaRPr lang="en-US" sz="1100" dirty="0">
-              <a:solidFill>
-                <a:prstClr val="black"/>
-              </a:solidFill>
-              <a:latin typeface="Adobe Clean" panose="020B0503020404020204" pitchFamily="34" charset="0"/>
-              <a:cs typeface="Adobe Clean"/>
-            </a:endParaRPr>
+              <a:t>Valutazione dei servizi</a:t>
+            </a:r>
           </a:p>
         </p:txBody>
       </p:sp>
@@ -11061,22 +9693,15 @@
               </a:spcBef>
             </a:pPr>
             <a:r>
-              <a:rPr lang="en-US" sz="1100" b="1" dirty="0">
+              <a:rPr lang="it-IT" sz="1100" b="1">
                 <a:solidFill>
                   <a:srgbClr val="020302"/>
                 </a:solidFill>
                 <a:latin typeface="Adobe Clean" panose="020B0503020404020204" pitchFamily="34" charset="0"/>
                 <a:cs typeface="Adobe Clean"/>
               </a:rPr>
-              <a:t>Expert Sessions</a:t>
-            </a:r>
-            <a:endParaRPr lang="en-US" sz="1100" dirty="0">
-              <a:solidFill>
-                <a:prstClr val="black"/>
-              </a:solidFill>
-              <a:latin typeface="Adobe Clean" panose="020B0503020404020204" pitchFamily="34" charset="0"/>
-              <a:cs typeface="Adobe Clean"/>
-            </a:endParaRPr>
+              <a:t>Sessioni con esperti</a:t>
+            </a:r>
           </a:p>
         </p:txBody>
       </p:sp>
@@ -11095,7 +9720,7 @@
         <p:spPr>
           <a:xfrm>
             <a:off x="689237" y="4935181"/>
-            <a:ext cx="2194560" cy="169277"/>
+            <a:ext cx="2194560" cy="338554"/>
           </a:xfrm>
           <a:prstGeom prst="rect">
             <a:avLst/>
@@ -11113,22 +9738,34 @@
               </a:spcBef>
             </a:pPr>
             <a:r>
-              <a:rPr lang="en-US" sz="1100" b="1" dirty="0">
+              <a:rPr lang="it-IT" sz="1100" b="1" dirty="0">
                 <a:solidFill>
                   <a:srgbClr val="020302"/>
                 </a:solidFill>
                 <a:latin typeface="Adobe Clean" panose="020B0503020404020204" pitchFamily="34" charset="0"/>
                 <a:cs typeface="Adobe Clean"/>
               </a:rPr>
-              <a:t>Release Preparation &amp; Review</a:t>
-            </a:r>
-            <a:endParaRPr lang="en-US" sz="1100" dirty="0">
-              <a:solidFill>
-                <a:prstClr val="black"/>
-              </a:solidFill>
-              <a:latin typeface="Adobe Clean" panose="020B0503020404020204" pitchFamily="34" charset="0"/>
-              <a:cs typeface="Adobe Clean"/>
-            </a:endParaRPr>
+              <a:t>Valutazione delle nuove </a:t>
+            </a:r>
+            <a:br>
+              <a:rPr lang="sk-SK" sz="1100" b="1" dirty="0">
+                <a:solidFill>
+                  <a:srgbClr val="020302"/>
+                </a:solidFill>
+                <a:latin typeface="Adobe Clean" panose="020B0503020404020204" pitchFamily="34" charset="0"/>
+                <a:cs typeface="Adobe Clean"/>
+              </a:rPr>
+            </a:br>
+            <a:r>
+              <a:rPr lang="it-IT" sz="1100" b="1" dirty="0">
+                <a:solidFill>
+                  <a:srgbClr val="020302"/>
+                </a:solidFill>
+                <a:latin typeface="Adobe Clean" panose="020B0503020404020204" pitchFamily="34" charset="0"/>
+                <a:cs typeface="Adobe Clean"/>
+              </a:rPr>
+              <a:t>versioni e preparazione</a:t>
+            </a:r>
           </a:p>
         </p:txBody>
       </p:sp>
@@ -11168,19 +9805,15 @@
               </a:spcBef>
             </a:pPr>
             <a:r>
-              <a:rPr lang="en-US" sz="1100" b="1" dirty="0">
+              <a:rPr lang="it-IT" sz="1100" b="1">
                 <a:solidFill>
                   <a:srgbClr val="020302"/>
                 </a:solidFill>
                 <a:latin typeface="Adobe Clean" panose="020B0503020404020204" pitchFamily="34" charset="0"/>
                 <a:cs typeface="Adobe Clean"/>
               </a:rPr>
-              <a:t>Knowledge Transfer</a:t>
-            </a:r>
-            <a:endParaRPr lang="en-US" sz="1100" dirty="0">
-              <a:latin typeface="Adobe Clean" panose="020B0503020404020204" pitchFamily="34" charset="0"/>
-              <a:cs typeface="Adobe Clean"/>
-            </a:endParaRPr>
+              <a:t>Trasferimento delle conoscenze</a:t>
+            </a:r>
           </a:p>
         </p:txBody>
       </p:sp>
@@ -11220,19 +9853,15 @@
               </a:spcBef>
             </a:pPr>
             <a:r>
-              <a:rPr lang="en-US" sz="1100" b="1" dirty="0">
+              <a:rPr lang="it-IT" sz="1100" b="1">
                 <a:solidFill>
                   <a:srgbClr val="020302"/>
                 </a:solidFill>
                 <a:latin typeface="Adobe Clean" panose="020B0503020404020204" pitchFamily="34" charset="0"/>
                 <a:cs typeface="Adobe Clean"/>
               </a:rPr>
-              <a:t>Event Management</a:t>
-            </a:r>
-            <a:endParaRPr lang="en-US" sz="1100" dirty="0">
-              <a:latin typeface="Adobe Clean" panose="020B0503020404020204" pitchFamily="34" charset="0"/>
-              <a:cs typeface="Adobe Clean"/>
-            </a:endParaRPr>
+              <a:t>Gestione degli eventi</a:t>
+            </a:r>
           </a:p>
         </p:txBody>
       </p:sp>
@@ -11559,7 +10188,7 @@
         <p:spPr>
           <a:xfrm>
             <a:off x="2764975" y="4039530"/>
-            <a:ext cx="2282011" cy="708399"/>
+            <a:ext cx="2467385" cy="881460"/>
           </a:xfrm>
           <a:prstGeom prst="rect">
             <a:avLst/>
@@ -11580,19 +10209,15 @@
               </a:spcBef>
             </a:pPr>
             <a:r>
-              <a:rPr lang="en-US" sz="1000" dirty="0">
+              <a:rPr lang="it-IT" sz="1000" dirty="0">
                 <a:solidFill>
                   <a:srgbClr val="020302"/>
                 </a:solidFill>
                 <a:latin typeface="AdobeClean-Light"/>
                 <a:cs typeface="AdobeClean-Light"/>
               </a:rPr>
-              <a:t>Compare and align Adobe solution  roadmap with your project roadmap to  mitigate risk and prepare for the future.</a:t>
-            </a:r>
-            <a:endParaRPr lang="en-US" sz="1000" dirty="0">
-              <a:latin typeface="AdobeClean-Light"/>
-              <a:cs typeface="AdobeClean-Light"/>
-            </a:endParaRPr>
+              <a:t>Confronta e allinea la roadmap della soluzione Adobe con quella del progetto del cliente, per mitigare i rischi e prepararsi per il futuro.</a:t>
+            </a:r>
           </a:p>
           <a:p>
             <a:pPr marL="18415" marR="262255" lvl="0">
@@ -11604,7 +10229,7 @@
               </a:spcBef>
             </a:pPr>
             <a:r>
-              <a:rPr lang="en-US" sz="1000" dirty="0">
+              <a:rPr lang="it-IT" sz="1000" dirty="0">
                 <a:solidFill>
                   <a:srgbClr val="020302"/>
                 </a:solidFill>
@@ -11613,13 +10238,6 @@
               </a:rPr>
               <a:t>.</a:t>
             </a:r>
-            <a:endParaRPr lang="en-US" sz="1000" dirty="0">
-              <a:solidFill>
-                <a:prstClr val="black"/>
-              </a:solidFill>
-              <a:latin typeface="AdobeClean-Light"/>
-              <a:cs typeface="AdobeClean-Light"/>
-            </a:endParaRPr>
           </a:p>
         </p:txBody>
       </p:sp>
@@ -11906,8 +10524,8 @@
         </p:nvSpPr>
         <p:spPr>
           <a:xfrm>
-            <a:off x="4724779" y="2654678"/>
-            <a:ext cx="1894205" cy="0"/>
+            <a:off x="4572000" y="2654677"/>
+            <a:ext cx="2194551" cy="45719"/>
           </a:xfrm>
           <a:custGeom>
             <a:avLst/>
@@ -11948,8 +10566,8 @@
         </p:nvSpPr>
         <p:spPr>
           <a:xfrm>
-            <a:off x="4843269" y="2329688"/>
-            <a:ext cx="1656080" cy="238760"/>
+            <a:off x="4572000" y="2329688"/>
+            <a:ext cx="2194551" cy="228268"/>
           </a:xfrm>
           <a:prstGeom prst="rect">
             <a:avLst/>
@@ -11970,179 +10588,15 @@
               </a:spcBef>
             </a:pPr>
             <a:r>
-              <a:rPr sz="1400" b="1" spc="-25" dirty="0">
+              <a:rPr lang="it-IT" sz="1400" b="1" dirty="0">
                 <a:solidFill>
                   <a:srgbClr val="020302"/>
                 </a:solidFill>
                 <a:latin typeface="Adobe Clean"/>
                 <a:cs typeface="Adobe Clean"/>
               </a:rPr>
-              <a:t>Fi</a:t>
-            </a:r>
-            <a:r>
-              <a:rPr sz="1400" b="1" spc="-35" dirty="0">
-                <a:solidFill>
-                  <a:srgbClr val="020302"/>
-                </a:solidFill>
-                <a:latin typeface="Adobe Clean"/>
-                <a:cs typeface="Adobe Clean"/>
-              </a:rPr>
-              <a:t>e</a:t>
-            </a:r>
-            <a:r>
-              <a:rPr sz="1400" b="1" spc="-25" dirty="0">
-                <a:solidFill>
-                  <a:srgbClr val="020302"/>
-                </a:solidFill>
-                <a:latin typeface="Adobe Clean"/>
-                <a:cs typeface="Adobe Clean"/>
-              </a:rPr>
-              <a:t>l</a:t>
-            </a:r>
-            <a:r>
-              <a:rPr sz="1400" b="1" dirty="0">
-                <a:solidFill>
-                  <a:srgbClr val="020302"/>
-                </a:solidFill>
-                <a:latin typeface="Adobe Clean"/>
-                <a:cs typeface="Adobe Clean"/>
-              </a:rPr>
-              <a:t>d</a:t>
-            </a:r>
-            <a:r>
-              <a:rPr sz="1400" b="1" spc="-40" dirty="0">
-                <a:solidFill>
-                  <a:srgbClr val="020302"/>
-                </a:solidFill>
-                <a:latin typeface="Adobe Clean"/>
-                <a:cs typeface="Adobe Clean"/>
-              </a:rPr>
-              <a:t> </a:t>
-            </a:r>
-            <a:r>
-              <a:rPr sz="1400" b="1" spc="25" dirty="0">
-                <a:solidFill>
-                  <a:srgbClr val="020302"/>
-                </a:solidFill>
-                <a:latin typeface="Adobe Clean"/>
-                <a:cs typeface="Adobe Clean"/>
-              </a:rPr>
-              <a:t>S</a:t>
-            </a:r>
-            <a:r>
-              <a:rPr sz="1400" b="1" spc="5" dirty="0">
-                <a:solidFill>
-                  <a:srgbClr val="020302"/>
-                </a:solidFill>
-                <a:latin typeface="Adobe Clean"/>
-                <a:cs typeface="Adobe Clean"/>
-              </a:rPr>
-              <a:t>e</a:t>
-            </a:r>
-            <a:r>
-              <a:rPr sz="1400" b="1" spc="15" dirty="0">
-                <a:solidFill>
-                  <a:srgbClr val="020302"/>
-                </a:solidFill>
-                <a:latin typeface="Adobe Clean"/>
-                <a:cs typeface="Adobe Clean"/>
-              </a:rPr>
-              <a:t>rvi</a:t>
-            </a:r>
-            <a:r>
-              <a:rPr sz="1400" b="1" spc="5" dirty="0">
-                <a:solidFill>
-                  <a:srgbClr val="020302"/>
-                </a:solidFill>
-                <a:latin typeface="Adobe Clean"/>
-                <a:cs typeface="Adobe Clean"/>
-              </a:rPr>
-              <a:t>c</a:t>
-            </a:r>
-            <a:r>
-              <a:rPr sz="1400" b="1" dirty="0">
-                <a:solidFill>
-                  <a:srgbClr val="020302"/>
-                </a:solidFill>
-                <a:latin typeface="Adobe Clean"/>
-                <a:cs typeface="Adobe Clean"/>
-              </a:rPr>
-              <a:t>e</a:t>
-            </a:r>
-            <a:r>
-              <a:rPr sz="1400" b="1" spc="-190" dirty="0">
-                <a:solidFill>
-                  <a:srgbClr val="020302"/>
-                </a:solidFill>
-                <a:latin typeface="Adobe Clean"/>
-                <a:cs typeface="Adobe Clean"/>
-              </a:rPr>
-              <a:t> </a:t>
-            </a:r>
-            <a:r>
-              <a:rPr sz="1400" b="1" spc="5" dirty="0">
-                <a:solidFill>
-                  <a:srgbClr val="020302"/>
-                </a:solidFill>
-                <a:latin typeface="Adobe Clean"/>
-                <a:cs typeface="Adobe Clean"/>
-              </a:rPr>
-              <a:t>A</a:t>
-            </a:r>
-            <a:r>
-              <a:rPr sz="1400" b="1" spc="-5" dirty="0">
-                <a:solidFill>
-                  <a:srgbClr val="020302"/>
-                </a:solidFill>
-                <a:latin typeface="Adobe Clean"/>
-                <a:cs typeface="Adobe Clean"/>
-              </a:rPr>
-              <a:t>ct</a:t>
-            </a:r>
-            <a:r>
-              <a:rPr sz="1400" b="1" spc="5" dirty="0">
-                <a:solidFill>
-                  <a:srgbClr val="020302"/>
-                </a:solidFill>
-                <a:latin typeface="Adobe Clean"/>
-                <a:cs typeface="Adobe Clean"/>
-              </a:rPr>
-              <a:t>ivi</a:t>
-            </a:r>
-            <a:r>
-              <a:rPr sz="1400" b="1" spc="-5" dirty="0">
-                <a:solidFill>
-                  <a:srgbClr val="020302"/>
-                </a:solidFill>
-                <a:latin typeface="Adobe Clean"/>
-                <a:cs typeface="Adobe Clean"/>
-              </a:rPr>
-              <a:t>t</a:t>
-            </a:r>
-            <a:r>
-              <a:rPr sz="1400" b="1" spc="5" dirty="0">
-                <a:solidFill>
-                  <a:srgbClr val="020302"/>
-                </a:solidFill>
-                <a:latin typeface="Adobe Clean"/>
-                <a:cs typeface="Adobe Clean"/>
-              </a:rPr>
-              <a:t>i</a:t>
-            </a:r>
-            <a:r>
-              <a:rPr sz="1400" b="1" spc="-5" dirty="0">
-                <a:solidFill>
-                  <a:srgbClr val="020302"/>
-                </a:solidFill>
-                <a:latin typeface="Adobe Clean"/>
-                <a:cs typeface="Adobe Clean"/>
-              </a:rPr>
-              <a:t>es</a:t>
-            </a:r>
-            <a:endParaRPr sz="1400">
-              <a:latin typeface="Adobe Clean"/>
-              <a:cs typeface="Adobe Clean"/>
-            </a:endParaRPr>
+              <a:t>Attività di servizio sul campo</a:t>
+            </a:r>
           </a:p>
         </p:txBody>
       </p:sp>
@@ -12154,8 +10608,8 @@
         </p:nvSpPr>
         <p:spPr>
           <a:xfrm>
-            <a:off x="914422" y="2342312"/>
-            <a:ext cx="1242060" cy="238760"/>
+            <a:off x="914421" y="2342311"/>
+            <a:ext cx="1465521" cy="228268"/>
           </a:xfrm>
           <a:prstGeom prst="rect">
             <a:avLst/>
@@ -12176,99 +10630,15 @@
               </a:spcBef>
             </a:pPr>
             <a:r>
-              <a:rPr sz="1400" b="1" spc="-25" dirty="0">
+              <a:rPr lang="it-IT" sz="1400" b="1" dirty="0">
                 <a:solidFill>
                   <a:srgbClr val="020302"/>
                 </a:solidFill>
                 <a:latin typeface="Adobe Clean"/>
                 <a:cs typeface="Adobe Clean"/>
               </a:rPr>
-              <a:t>L</a:t>
-            </a:r>
-            <a:r>
-              <a:rPr sz="1400" b="1" spc="-5" dirty="0">
-                <a:solidFill>
-                  <a:srgbClr val="020302"/>
-                </a:solidFill>
-                <a:latin typeface="Adobe Clean"/>
-                <a:cs typeface="Adobe Clean"/>
-              </a:rPr>
-              <a:t>a</a:t>
-            </a:r>
-            <a:r>
-              <a:rPr sz="1400" b="1" spc="-20" dirty="0">
-                <a:solidFill>
-                  <a:srgbClr val="020302"/>
-                </a:solidFill>
-                <a:latin typeface="Adobe Clean"/>
-                <a:cs typeface="Adobe Clean"/>
-              </a:rPr>
-              <a:t>u</a:t>
-            </a:r>
-            <a:r>
-              <a:rPr sz="1400" b="1" spc="-15" dirty="0">
-                <a:solidFill>
-                  <a:srgbClr val="020302"/>
-                </a:solidFill>
-                <a:latin typeface="Adobe Clean"/>
-                <a:cs typeface="Adobe Clean"/>
-              </a:rPr>
-              <a:t>n</a:t>
-            </a:r>
-            <a:r>
-              <a:rPr sz="1400" b="1" spc="-25" dirty="0">
-                <a:solidFill>
-                  <a:srgbClr val="020302"/>
-                </a:solidFill>
-                <a:latin typeface="Adobe Clean"/>
-                <a:cs typeface="Adobe Clean"/>
-              </a:rPr>
-              <a:t>c</a:t>
-            </a:r>
-            <a:r>
-              <a:rPr sz="1400" b="1" dirty="0">
-                <a:solidFill>
-                  <a:srgbClr val="020302"/>
-                </a:solidFill>
-                <a:latin typeface="Adobe Clean"/>
-                <a:cs typeface="Adobe Clean"/>
-              </a:rPr>
-              <a:t>h</a:t>
-            </a:r>
-            <a:r>
-              <a:rPr sz="1400" b="1" spc="-25" dirty="0">
-                <a:solidFill>
-                  <a:srgbClr val="020302"/>
-                </a:solidFill>
-                <a:latin typeface="Adobe Clean"/>
-                <a:cs typeface="Adobe Clean"/>
-              </a:rPr>
-              <a:t> </a:t>
-            </a:r>
-            <a:r>
-              <a:rPr sz="1400" b="1" spc="-10" dirty="0">
-                <a:solidFill>
-                  <a:srgbClr val="020302"/>
-                </a:solidFill>
-                <a:latin typeface="Adobe Clean"/>
-                <a:cs typeface="Adobe Clean"/>
-              </a:rPr>
-              <a:t>Advisor</a:t>
-            </a:r>
-            <a:r>
-              <a:rPr sz="1400" b="1" dirty="0">
-                <a:solidFill>
-                  <a:srgbClr val="020302"/>
-                </a:solidFill>
-                <a:latin typeface="Adobe Clean"/>
-                <a:cs typeface="Adobe Clean"/>
-              </a:rPr>
-              <a:t>y</a:t>
-            </a:r>
-            <a:endParaRPr sz="1400">
-              <a:latin typeface="Adobe Clean"/>
-              <a:cs typeface="Adobe Clean"/>
-            </a:endParaRPr>
+              <a:t>Launch Advisory</a:t>
+            </a:r>
           </a:p>
         </p:txBody>
       </p:sp>
@@ -12281,7 +10651,7 @@
         <p:spPr>
           <a:xfrm>
             <a:off x="242187" y="2787904"/>
-            <a:ext cx="3004185" cy="635000"/>
+            <a:ext cx="3134821" cy="628377"/>
           </a:xfrm>
           <a:prstGeom prst="rect">
             <a:avLst/>
@@ -12302,103 +10672,94 @@
               </a:spcBef>
             </a:pPr>
             <a:r>
-              <a:rPr sz="1000" dirty="0">
+              <a:rPr lang="it-IT" sz="1000" dirty="0">
                 <a:solidFill>
                   <a:srgbClr val="1F1F1F"/>
                 </a:solidFill>
                 <a:latin typeface="AdobeClean-Light"/>
                 <a:cs typeface="AdobeClean-Light"/>
               </a:rPr>
-              <a:t>For customers implementing a </a:t>
-            </a:r>
-            <a:r>
-              <a:rPr sz="1000" b="1" dirty="0">
+              <a:t>Per i clienti che implementano una </a:t>
+            </a:r>
+            <a:r>
+              <a:rPr lang="it-IT" sz="1000" b="1" dirty="0">
                 <a:solidFill>
                   <a:srgbClr val="1F1F1F"/>
                 </a:solidFill>
                 <a:latin typeface="Adobe Clean"/>
                 <a:cs typeface="Adobe Clean"/>
               </a:rPr>
-              <a:t>new Adobe Experience Cloud  solution, </a:t>
-            </a:r>
-            <a:r>
-              <a:rPr sz="1000" dirty="0">
+              <a:t>nuova soluzione Adobe Experience Cloud, </a:t>
+            </a:r>
+            <a:r>
+              <a:rPr lang="it-IT" sz="1000" dirty="0">
                 <a:latin typeface="AdobeClean-Light"/>
                 <a:cs typeface="AdobeClean-Light"/>
               </a:rPr>
               <a:t>Launch Advisory </a:t>
             </a:r>
             <a:r>
-              <a:rPr sz="1000" dirty="0">
+              <a:rPr lang="it-IT" sz="1000" dirty="0">
                 <a:latin typeface="AdobeClean-SemiLight"/>
                 <a:cs typeface="AdobeClean-SemiLight"/>
               </a:rPr>
-              <a:t>is a </a:t>
-            </a:r>
-            <a:r>
-              <a:rPr sz="950" dirty="0">
+              <a:t>offre un </a:t>
+            </a:r>
+            <a:r>
+              <a:rPr lang="it-IT" sz="950" dirty="0">
                 <a:latin typeface="AdobeClean-SemiLight"/>
                 <a:cs typeface="AdobeClean-SemiLight"/>
               </a:rPr>
-              <a:t>core set of advisory</a:t>
-            </a:r>
-            <a:endParaRPr sz="950">
-              <a:latin typeface="AdobeClean-SemiLight"/>
-              <a:cs typeface="AdobeClean-SemiLight"/>
-            </a:endParaRPr>
-          </a:p>
-          <a:p>
-            <a:pPr marL="12700" marR="86995" indent="-635">
-              <a:lnSpc>
-                <a:spcPct val="100000"/>
-              </a:lnSpc>
-            </a:pPr>
-            <a:r>
-              <a:rPr sz="950" dirty="0">
+              <a:t>set principale </a:t>
+            </a:r>
+            <a:br>
+              <a:rPr lang="sk-SK" sz="950" dirty="0">
                 <a:latin typeface="AdobeClean-SemiLight"/>
                 <a:cs typeface="AdobeClean-SemiLight"/>
               </a:rPr>
-              <a:t>services </a:t>
-            </a:r>
-            <a:r>
-              <a:rPr sz="1000" dirty="0">
+            </a:br>
+            <a:r>
+              <a:rPr lang="it-IT" sz="950" dirty="0">
+                <a:latin typeface="AdobeClean-SemiLight"/>
+                <a:cs typeface="AdobeClean-SemiLight"/>
+              </a:rPr>
+              <a:t>di servizi di consulenza </a:t>
+            </a:r>
+            <a:r>
+              <a:rPr lang="it-IT" sz="1000" dirty="0">
                 <a:latin typeface="AdobeClean-Light"/>
                 <a:cs typeface="AdobeClean-Light"/>
               </a:rPr>
-              <a:t>and recommendations that are proven to </a:t>
-            </a:r>
-            <a:r>
-              <a:rPr sz="950" dirty="0">
+              <a:t>e raccomandazioni consolidate, utili per </a:t>
+            </a:r>
+            <a:r>
+              <a:rPr lang="it-IT" sz="950" dirty="0">
                 <a:latin typeface="AdobeClean-Light"/>
                 <a:cs typeface="AdobeClean-Light"/>
               </a:rPr>
-              <a:t>support  successful deployments </a:t>
-            </a:r>
-            <a:r>
-              <a:rPr sz="1000" dirty="0">
+              <a:t>il successo dell’implementazione </a:t>
+            </a:r>
+            <a:r>
+              <a:rPr lang="it-IT" sz="1000" dirty="0">
                 <a:latin typeface="AdobeClean-Light"/>
                 <a:cs typeface="AdobeClean-Light"/>
               </a:rPr>
-              <a:t>and </a:t>
-            </a:r>
-            <a:r>
-              <a:rPr sz="950" dirty="0">
+              <a:t>e </a:t>
+            </a:r>
+            <a:r>
+              <a:rPr lang="it-IT" sz="950" dirty="0">
                 <a:latin typeface="AdobeClean-Light"/>
                 <a:cs typeface="AdobeClean-Light"/>
               </a:rPr>
-              <a:t>accelerate time-to-value</a:t>
-            </a:r>
-            <a:r>
-              <a:rPr sz="1000" dirty="0">
+              <a:t>per velocizzare il time-to-value</a:t>
+            </a:r>
+            <a:r>
+              <a:rPr lang="it-IT" sz="1000" dirty="0">
                 <a:latin typeface="AdobeClean-Light"/>
                 <a:cs typeface="AdobeClean-Light"/>
               </a:rPr>
               <a:t>.</a:t>
             </a:r>
-            <a:endParaRPr sz="1000">
-              <a:latin typeface="AdobeClean-Light"/>
-              <a:cs typeface="AdobeClean-Light"/>
-            </a:endParaRPr>
           </a:p>
         </p:txBody>
       </p:sp>
@@ -12490,7 +10851,7 @@
         <p:spPr>
           <a:xfrm>
             <a:off x="3976901" y="2790952"/>
-            <a:ext cx="3543300" cy="628377"/>
+            <a:ext cx="3543300" cy="782265"/>
           </a:xfrm>
           <a:prstGeom prst="rect">
             <a:avLst/>
@@ -12511,37 +10872,75 @@
               </a:spcBef>
             </a:pPr>
             <a:r>
-              <a:rPr sz="1000" dirty="0">
+              <a:rPr lang="it-IT" sz="1000" dirty="0">
                 <a:solidFill>
                   <a:srgbClr val="4B4B4B"/>
                 </a:solidFill>
                 <a:latin typeface="AdobeClean-Light"/>
                 <a:cs typeface="AdobeClean-Light"/>
               </a:rPr>
-              <a:t>Field Services are used for </a:t>
-            </a:r>
-            <a:r>
-              <a:rPr sz="1000" b="1" dirty="0">
+              <a:t>I servizi sul campo sono utilizzati per la </a:t>
+            </a:r>
+            <a:r>
+              <a:rPr lang="it-IT" sz="1000" b="1" dirty="0">
                 <a:solidFill>
                   <a:srgbClr val="4B4B4B"/>
                 </a:solidFill>
                 <a:latin typeface="Adobe Clean"/>
                 <a:cs typeface="Adobe Clean"/>
               </a:rPr>
-              <a:t>quick resolution</a:t>
-            </a:r>
-            <a:r>
-              <a:rPr sz="1000" dirty="0">
+              <a:t>risoluzione rapida</a:t>
+            </a:r>
+            <a:r>
+              <a:rPr lang="it-IT" sz="1000" dirty="0">
                 <a:solidFill>
                   <a:srgbClr val="4B4B4B"/>
                 </a:solidFill>
                 <a:latin typeface="AdobeClean-Light"/>
                 <a:cs typeface="AdobeClean-Light"/>
               </a:rPr>
-              <a:t>, focused customer success  and accelerated </a:t>
-            </a:r>
-            <a:r>
-              <a:rPr sz="1000" b="1" dirty="0">
+              <a:t> </a:t>
+            </a:r>
+            <a:br>
+              <a:rPr lang="sk-SK" sz="1000" dirty="0">
+                <a:solidFill>
+                  <a:srgbClr val="4B4B4B"/>
+                </a:solidFill>
+                <a:latin typeface="AdobeClean-Light"/>
+                <a:cs typeface="AdobeClean-Light"/>
+              </a:rPr>
+            </a:br>
+            <a:r>
+              <a:rPr lang="it-IT" sz="1000" dirty="0">
+                <a:solidFill>
+                  <a:srgbClr val="4B4B4B"/>
+                </a:solidFill>
+                <a:latin typeface="AdobeClean-Light"/>
+                <a:cs typeface="AdobeClean-Light"/>
+              </a:rPr>
+              <a:t>e si incentrano sul successo dei clienti e la velocizzazione </a:t>
+            </a:r>
+            <a:br>
+              <a:rPr lang="sk-SK" sz="1000" dirty="0">
+                <a:solidFill>
+                  <a:srgbClr val="4B4B4B"/>
+                </a:solidFill>
+                <a:latin typeface="AdobeClean-Light"/>
+                <a:cs typeface="AdobeClean-Light"/>
+              </a:rPr>
+            </a:br>
+            <a:r>
+              <a:rPr lang="it-IT" sz="1000" dirty="0">
+                <a:solidFill>
+                  <a:srgbClr val="4B4B4B"/>
+                </a:solidFill>
+                <a:latin typeface="AdobeClean-Light"/>
+                <a:cs typeface="AdobeClean-Light"/>
+              </a:rPr>
+              <a:t>del </a:t>
+            </a:r>
+            <a:r>
+              <a:rPr lang="it-IT" sz="1000" b="1" dirty="0">
                 <a:solidFill>
                   <a:srgbClr val="4B4B4B"/>
                 </a:solidFill>
@@ -12551,39 +10950,35 @@
               <a:t>time-to-value</a:t>
             </a:r>
             <a:r>
-              <a:rPr sz="1000" dirty="0">
+              <a:rPr lang="it-IT" sz="1000" dirty="0">
                 <a:solidFill>
                   <a:srgbClr val="4B4B4B"/>
                 </a:solidFill>
                 <a:latin typeface="AdobeClean-Light"/>
                 <a:cs typeface="AdobeClean-Light"/>
               </a:rPr>
-              <a:t>. If Launch advisory is active there will be  </a:t>
-            </a:r>
-            <a:r>
-              <a:rPr sz="1000" b="1" dirty="0">
+              <a:t>. Se Launch Advisory è attivo, </a:t>
+            </a:r>
+            <a:r>
+              <a:rPr lang="it-IT" sz="1000" b="1" dirty="0">
                 <a:solidFill>
                   <a:srgbClr val="4B4B4B"/>
                 </a:solidFill>
                 <a:latin typeface="Adobe Clean"/>
                 <a:cs typeface="Adobe Clean"/>
               </a:rPr>
-              <a:t>no Field Services in year 1 </a:t>
-            </a:r>
-            <a:r>
-              <a:rPr sz="1000" dirty="0">
+              <a:t>nel primo anno non sono previsti servizi sul campo</a:t>
+            </a:r>
+            <a:r>
+              <a:rPr lang="it-IT" sz="1000" dirty="0">
                 <a:solidFill>
                   <a:srgbClr val="4B4B4B"/>
                 </a:solidFill>
                 <a:latin typeface="AdobeClean-Light"/>
                 <a:cs typeface="AdobeClean-Light"/>
               </a:rPr>
-              <a:t>for any solution product covered by a  Support contract.</a:t>
-            </a:r>
-            <a:endParaRPr sz="1000" dirty="0">
-              <a:latin typeface="AdobeClean-Light"/>
-              <a:cs typeface="AdobeClean-Light"/>
-            </a:endParaRPr>
+              <a:t> per i prodotti coperti da un contratto di supporto Adobe.</a:t>
+            </a:r>
           </a:p>
         </p:txBody>
       </p:sp>
@@ -12679,8 +11074,8 @@
         </p:nvSpPr>
         <p:spPr>
           <a:xfrm>
-            <a:off x="263464" y="5348732"/>
-            <a:ext cx="3114040" cy="482600"/>
+            <a:off x="263463" y="5348732"/>
+            <a:ext cx="3335019" cy="628377"/>
           </a:xfrm>
           <a:prstGeom prst="rect">
             <a:avLst/>
@@ -12701,11 +11096,11 @@
               </a:spcBef>
             </a:pPr>
             <a:r>
-              <a:rPr sz="1000" dirty="0">
+              <a:rPr lang="it-IT" sz="1000" dirty="0">
                 <a:latin typeface="AdobeClean-Light"/>
                 <a:cs typeface="AdobeClean-Light"/>
               </a:rPr>
-              <a:t>Launch Advisory will align with your project schedule through  common milestones (Kickoff, Define, Design, Go-live and Post  Launch) to guide, validate, assess and make recommendations.</a:t>
+              <a:t>Launch Advisory si allinea alla pianificazione del progetto del cliente, con obiettivi intermedi comuni (avvio, definizione, progettazione, lancio e post-lancio) per guidare, convalidare, valutare e formulare raccomandazioni.</a:t>
             </a:r>
           </a:p>
         </p:txBody>
@@ -12740,16 +11135,12 @@
               </a:spcBef>
             </a:pPr>
             <a:r>
-              <a:rPr sz="1000" dirty="0">
+              <a:rPr lang="it-IT" sz="1000">
                 <a:latin typeface="AdobeClean-Light"/>
                 <a:cs typeface="AdobeClean-Light"/>
               </a:rPr>
-              <a:t>Key Deliverables include:</a:t>
-            </a:r>
-            <a:endParaRPr sz="1000">
-              <a:latin typeface="AdobeClean-Light"/>
-              <a:cs typeface="AdobeClean-Light"/>
-            </a:endParaRPr>
+              <a:t>Il servizio include i seguenti materiali:</a:t>
+            </a:r>
           </a:p>
         </p:txBody>
       </p:sp>
@@ -12762,7 +11153,7 @@
         <p:spPr>
           <a:xfrm>
             <a:off x="205422" y="6308299"/>
-            <a:ext cx="2745105" cy="592470"/>
+            <a:ext cx="3335019" cy="592470"/>
           </a:xfrm>
           <a:prstGeom prst="rect">
             <a:avLst/>
@@ -12782,12 +11173,12 @@
               <a:buChar char="•"/>
             </a:pPr>
             <a:r>
-              <a:rPr lang="en-US" sz="1000" dirty="0">
+              <a:rPr lang="it-IT" sz="1000" dirty="0">
                 <a:solidFill>
                   <a:prstClr val="black"/>
                 </a:solidFill>
               </a:rPr>
-              <a:t>Kickoff (including project collaboration plan) deck</a:t>
+              <a:t>Piano di lancio (incluso il piano di collaborazione al progetto)</a:t>
             </a:r>
           </a:p>
           <a:p>
@@ -12799,12 +11190,12 @@
               <a:buChar char="•"/>
             </a:pPr>
             <a:r>
-              <a:rPr lang="en-US" sz="1000" dirty="0">
+              <a:rPr lang="it-IT" sz="1000" dirty="0">
                 <a:solidFill>
                   <a:prstClr val="black"/>
                 </a:solidFill>
               </a:rPr>
-              <a:t>Assessment &amp; recommendations document(s)</a:t>
+              <a:t>Documentazione relativa a valutazione e raccomandazioni</a:t>
             </a:r>
           </a:p>
           <a:p>
@@ -12816,12 +11207,12 @@
               <a:buChar char="•"/>
             </a:pPr>
             <a:r>
-              <a:rPr lang="en-US" sz="1000" dirty="0">
+              <a:rPr lang="it-IT" sz="1000" dirty="0">
                 <a:solidFill>
                   <a:prstClr val="black"/>
                 </a:solidFill>
               </a:rPr>
-              <a:t>Engagement summary</a:t>
+              <a:t>Riepilogo dell’ambito delle attività di consulenza</a:t>
             </a:r>
           </a:p>
         </p:txBody>
@@ -12856,19 +11247,15 @@
               </a:spcBef>
             </a:pPr>
             <a:r>
-              <a:rPr sz="1600" dirty="0">
+              <a:rPr lang="it-IT" sz="1600" dirty="0">
                 <a:solidFill>
                   <a:srgbClr val="FFFFFF"/>
                 </a:solidFill>
                 <a:latin typeface="Arial"/>
                 <a:cs typeface="Arial"/>
               </a:rPr>
-              <a:t>Implementation</a:t>
-            </a:r>
-            <a:endParaRPr sz="1600" dirty="0">
-              <a:latin typeface="Arial"/>
-              <a:cs typeface="Arial"/>
-            </a:endParaRPr>
+              <a:t>Implementazione</a:t>
+            </a:r>
           </a:p>
           <a:p>
             <a:pPr marL="12700" marR="5080">
@@ -12880,32 +11267,71 @@
               </a:spcBef>
             </a:pPr>
             <a:r>
-              <a:rPr sz="1000" dirty="0">
+              <a:rPr lang="it-IT" sz="1000" dirty="0">
                 <a:latin typeface="AdobeClean-Light"/>
                 <a:cs typeface="AdobeClean-Light"/>
               </a:rPr>
-              <a:t>Adobe solution experts help validate requirements, architecture,  development process, and launch readiness reviews </a:t>
-            </a:r>
-            <a:r>
-              <a:rPr sz="1000" dirty="0">
+              <a:t>Gli esperti delle soluzioni Adobe aiutano a convalidare </a:t>
+            </a:r>
+            <a:br>
+              <a:rPr lang="sk-SK" sz="1000" dirty="0">
+                <a:latin typeface="AdobeClean-Light"/>
+                <a:cs typeface="AdobeClean-Light"/>
+              </a:rPr>
+            </a:br>
+            <a:r>
+              <a:rPr lang="it-IT" sz="1000" dirty="0">
+                <a:latin typeface="AdobeClean-Light"/>
+                <a:cs typeface="AdobeClean-Light"/>
+              </a:rPr>
+              <a:t>i requisiti, l’architettura, il processo di sviluppo e lo stato </a:t>
+            </a:r>
+            <a:br>
+              <a:rPr lang="sk-SK" sz="1000" dirty="0">
+                <a:latin typeface="AdobeClean-Light"/>
+                <a:cs typeface="AdobeClean-Light"/>
+              </a:rPr>
+            </a:br>
+            <a:r>
+              <a:rPr lang="it-IT" sz="1000" dirty="0">
+                <a:latin typeface="AdobeClean-Light"/>
+                <a:cs typeface="AdobeClean-Light"/>
+              </a:rPr>
+              <a:t>di preparazione, </a:t>
+            </a:r>
+            <a:r>
+              <a:rPr lang="it-IT" sz="1000" dirty="0">
                 <a:latin typeface="AdobeClean-SemiLight"/>
                 <a:cs typeface="AdobeClean-SemiLight"/>
               </a:rPr>
-              <a:t>with </a:t>
-            </a:r>
-            <a:r>
-              <a:rPr sz="950" dirty="0">
+              <a:t>con </a:t>
+            </a:r>
+            <a:r>
+              <a:rPr lang="it-IT" sz="950" dirty="0">
                 <a:latin typeface="AdobeClean-SemiLight"/>
                 <a:cs typeface="AdobeClean-SemiLight"/>
               </a:rPr>
-              <a:t>best  practice-based guidance </a:t>
-            </a:r>
-            <a:r>
-              <a:rPr sz="1000" dirty="0">
+              <a:t>indicazioni basate su best practice </a:t>
+            </a:r>
+            <a:r>
+              <a:rPr lang="it-IT" sz="1000" dirty="0">
                 <a:latin typeface="AdobeClean-SemiLight"/>
                 <a:cs typeface="AdobeClean-SemiLight"/>
               </a:rPr>
-              <a:t>to customers and implementation  partners.</a:t>
+              <a:t>rivolte </a:t>
+            </a:r>
+            <a:br>
+              <a:rPr lang="sk-SK" sz="1000" dirty="0">
+                <a:latin typeface="AdobeClean-SemiLight"/>
+                <a:cs typeface="AdobeClean-SemiLight"/>
+              </a:rPr>
+            </a:br>
+            <a:r>
+              <a:rPr lang="it-IT" sz="1000" dirty="0">
+                <a:latin typeface="AdobeClean-SemiLight"/>
+                <a:cs typeface="AdobeClean-SemiLight"/>
+              </a:rPr>
+              <a:t>ai clienti e ai partner di implementazione.</a:t>
             </a:r>
           </a:p>
         </p:txBody>
@@ -12917,15 +11343,20 @@
           <p:nvPr/>
         </p:nvPicPr>
         <p:blipFill>
-          <a:blip r:embed="rId3" cstate="print"/>
-          <a:stretch>
-            <a:fillRect/>
-          </a:stretch>
+          <a:blip r:embed="rId3">
+            <a:extLst>
+              <a:ext uri="{28A0092B-C50C-407E-A947-70E740481C1C}">
+                <a14:useLocalDpi xmlns:a14="http://schemas.microsoft.com/office/drawing/2010/main" val="0"/>
+              </a:ext>
+            </a:extLst>
+          </a:blip>
+          <a:srcRect/>
+          <a:stretch/>
         </p:blipFill>
         <p:spPr>
           <a:xfrm>
-            <a:off x="363328" y="6930985"/>
-            <a:ext cx="3053821" cy="2818913"/>
+            <a:off x="363328" y="6932449"/>
+            <a:ext cx="3053821" cy="2815984"/>
           </a:xfrm>
           <a:prstGeom prst="rect">
             <a:avLst/>
@@ -12940,8 +11371,8 @@
         </p:nvSpPr>
         <p:spPr>
           <a:xfrm>
-            <a:off x="3947346" y="5363972"/>
-            <a:ext cx="3335020" cy="659765"/>
+            <a:off x="3947345" y="5363972"/>
+            <a:ext cx="3572855" cy="659765"/>
           </a:xfrm>
           <a:prstGeom prst="rect">
             <a:avLst/>
@@ -12962,18 +11393,18 @@
               </a:spcBef>
             </a:pPr>
             <a:r>
-              <a:rPr sz="1000" b="1" dirty="0">
+              <a:rPr lang="it-IT" sz="1000" b="1" dirty="0">
                 <a:latin typeface="Arial"/>
                 <a:cs typeface="Arial"/>
               </a:rPr>
-              <a:t>Technical Track Activities </a:t>
-            </a:r>
-            <a:r>
-              <a:rPr sz="1000" dirty="0">
+              <a:t>Le attività tecniche</a:t>
+            </a:r>
+            <a:r>
+              <a:rPr lang="it-IT" sz="1000" dirty="0">
                 <a:latin typeface="AdobeClean-Light"/>
                 <a:cs typeface="AdobeClean-Light"/>
               </a:rPr>
-              <a:t>ensure customers are technically sound  and maximizing their tool adoption. Specifically, these types of  activities include support and recommendations related to platform  configurations, integrations and troubleshooting</a:t>
+              <a:t> supportano le competenze tecniche del clienti e sono volte a massimizzare l’adozione degli strumenti. In particolare, includono supporto e raccomandazioni in merito a configurazioni della piattaforma, integrazioni e risoluzione di problemi</a:t>
             </a:r>
           </a:p>
         </p:txBody>
@@ -12987,7 +11418,7 @@
         <p:spPr>
           <a:xfrm>
             <a:off x="3947346" y="6174740"/>
-            <a:ext cx="2099310" cy="1436291"/>
+            <a:ext cx="3053820" cy="1436291"/>
           </a:xfrm>
           <a:prstGeom prst="rect">
             <a:avLst/>
@@ -13008,11 +11439,11 @@
               </a:spcBef>
             </a:pPr>
             <a:r>
-              <a:rPr sz="1000" dirty="0">
+              <a:rPr lang="it-IT" sz="1000" dirty="0">
                 <a:latin typeface="AdobeClean-Light"/>
                 <a:cs typeface="AdobeClean-Light"/>
               </a:rPr>
-              <a:t>Types of technical activities available::</a:t>
+              <a:t>Attività tecniche disponibili:</a:t>
             </a:r>
           </a:p>
           <a:p>
@@ -13027,12 +11458,12 @@
               <a:buChar char="ü"/>
             </a:pPr>
             <a:r>
-              <a:rPr lang="en-US" sz="1000" dirty="0">
+              <a:rPr lang="it-IT" sz="1000" dirty="0">
                 <a:solidFill>
                   <a:prstClr val="black"/>
                 </a:solidFill>
               </a:rPr>
-              <a:t>Health audit</a:t>
+              <a:t>Audit sullo stato del sistema</a:t>
             </a:r>
           </a:p>
           <a:p>
@@ -13047,12 +11478,12 @@
               <a:buChar char="ü"/>
             </a:pPr>
             <a:r>
-              <a:rPr lang="en-US" sz="1000" dirty="0">
+              <a:rPr lang="it-IT" sz="1000" dirty="0">
                 <a:solidFill>
                   <a:prstClr val="black"/>
                 </a:solidFill>
               </a:rPr>
-              <a:t>Platform audit</a:t>
+              <a:t>Audit della piattaforma</a:t>
             </a:r>
           </a:p>
           <a:p>
@@ -13067,12 +11498,12 @@
               <a:buChar char="ü"/>
             </a:pPr>
             <a:r>
-              <a:rPr lang="en-US" sz="1000" dirty="0">
+              <a:rPr lang="it-IT" sz="1000" dirty="0">
                 <a:solidFill>
                   <a:prstClr val="black"/>
                 </a:solidFill>
               </a:rPr>
-              <a:t>Feature set enablement</a:t>
+              <a:t>Abilitazione del set di funzioni</a:t>
             </a:r>
           </a:p>
           <a:p>
@@ -13087,12 +11518,12 @@
               <a:buChar char="ü"/>
             </a:pPr>
             <a:r>
-              <a:rPr lang="en-US" sz="1000" dirty="0">
+              <a:rPr lang="it-IT" sz="1000" dirty="0">
                 <a:solidFill>
                   <a:prstClr val="black"/>
                 </a:solidFill>
               </a:rPr>
-              <a:t>Basic integrations and configurations</a:t>
+              <a:t>Integrazioni e configurazioni di base</a:t>
             </a:r>
           </a:p>
           <a:p>
@@ -13107,12 +11538,12 @@
               <a:buChar char="ü"/>
             </a:pPr>
             <a:r>
-              <a:rPr lang="en-US" sz="1000" dirty="0">
+              <a:rPr lang="it-IT" sz="1000" dirty="0">
                 <a:solidFill>
                   <a:prstClr val="black"/>
                 </a:solidFill>
               </a:rPr>
-              <a:t>Customer solution troubleshooting</a:t>
+              <a:t>Risoluzione di problemi inerenti la soluzione del cliente</a:t>
             </a:r>
           </a:p>
           <a:p>
@@ -13127,12 +11558,12 @@
               <a:buChar char="ü"/>
             </a:pPr>
             <a:r>
-              <a:rPr lang="en-US" sz="1000" dirty="0">
+              <a:rPr lang="it-IT" sz="1000" dirty="0">
                 <a:solidFill>
                   <a:prstClr val="black"/>
                 </a:solidFill>
               </a:rPr>
-              <a:t>Cloud service support</a:t>
+              <a:t>Supporto dei servizi cloud</a:t>
             </a:r>
           </a:p>
         </p:txBody>
@@ -13146,7 +11577,7 @@
         <p:spPr>
           <a:xfrm>
             <a:off x="3942774" y="7717028"/>
-            <a:ext cx="3208655" cy="1989006"/>
+            <a:ext cx="3466298" cy="1989006"/>
           </a:xfrm>
           <a:prstGeom prst="rect">
             <a:avLst/>
@@ -13167,18 +11598,31 @@
               </a:spcBef>
             </a:pPr>
             <a:r>
-              <a:rPr sz="1000" b="1" dirty="0">
+              <a:rPr lang="it-IT" sz="1000" b="1" dirty="0">
                 <a:latin typeface="Arial"/>
                 <a:cs typeface="Arial"/>
               </a:rPr>
-              <a:t>Strategic Track Activities </a:t>
-            </a:r>
-            <a:r>
-              <a:rPr sz="1000" dirty="0">
+              <a:t>Le attività strategiche</a:t>
+            </a:r>
+            <a:r>
+              <a:rPr lang="it-IT" sz="1000" dirty="0">
                 <a:latin typeface="AdobeClean-Light"/>
                 <a:cs typeface="AdobeClean-Light"/>
               </a:rPr>
-              <a:t>locate opportunities to ensure value is  being realized from a customer’s Adobe solutions. They include  support recommendations related to strategy, measurement and  maturity to drive value realization across one or more Adobe  solutions.</a:t>
+              <a:t> rilevano le opportunità che consentono </a:t>
+            </a:r>
+            <a:br>
+              <a:rPr lang="sk-SK" sz="1000" dirty="0">
+                <a:latin typeface="AdobeClean-Light"/>
+                <a:cs typeface="AdobeClean-Light"/>
+              </a:rPr>
+            </a:br>
+            <a:r>
+              <a:rPr lang="it-IT" sz="1000" dirty="0">
+                <a:latin typeface="AdobeClean-Light"/>
+                <a:cs typeface="AdobeClean-Light"/>
+              </a:rPr>
+              <a:t>di trarre maggior valore dalle soluzioni Adobe del cliente. Includono raccomandazioni di supporto relative a strategia, misurazione e livello di preparazione per favorire la realizzazione di valore tramite una o più soluzioni Adobe.</a:t>
             </a:r>
           </a:p>
           <a:p>
@@ -13202,11 +11646,11 @@
               </a:lnSpc>
             </a:pPr>
             <a:r>
-              <a:rPr sz="1000" dirty="0">
+              <a:rPr lang="it-IT" sz="1000" dirty="0">
                 <a:latin typeface="AdobeClean-Light"/>
                 <a:cs typeface="AdobeClean-Light"/>
               </a:rPr>
-              <a:t>Types of strategic activities available::</a:t>
+              <a:t>Attività strategiche disponibili:</a:t>
             </a:r>
           </a:p>
           <a:p>
@@ -13221,12 +11665,12 @@
               <a:buChar char="ü"/>
             </a:pPr>
             <a:r>
-              <a:rPr lang="en-US" sz="1000" dirty="0">
+              <a:rPr lang="it-IT" sz="1000" dirty="0">
                 <a:solidFill>
                   <a:prstClr val="black"/>
                 </a:solidFill>
               </a:rPr>
-              <a:t>Maturity Roadmap</a:t>
+              <a:t>Roadmap sul livello di preparazione</a:t>
             </a:r>
           </a:p>
           <a:p>
@@ -13241,12 +11685,12 @@
               <a:buChar char="ü"/>
             </a:pPr>
             <a:r>
-              <a:rPr lang="en-US" sz="1000" dirty="0">
+              <a:rPr lang="it-IT" sz="1000" dirty="0">
                 <a:solidFill>
                   <a:prstClr val="black"/>
                 </a:solidFill>
               </a:rPr>
-              <a:t>Use case development/measurement</a:t>
+              <a:t>Sviluppo e misurazione di casi d’uso</a:t>
             </a:r>
           </a:p>
           <a:p>
@@ -13261,12 +11705,12 @@
               <a:buChar char="ü"/>
             </a:pPr>
             <a:r>
-              <a:rPr lang="en-US" sz="1000" dirty="0">
+              <a:rPr lang="it-IT" sz="1000" dirty="0">
                 <a:solidFill>
                   <a:prstClr val="black"/>
                 </a:solidFill>
               </a:rPr>
-              <a:t>Reporting &amp; analysis</a:t>
+              <a:t>Reporting e analisi</a:t>
             </a:r>
           </a:p>
           <a:p>
@@ -13281,12 +11725,12 @@
               <a:buChar char="ü"/>
             </a:pPr>
             <a:r>
-              <a:rPr lang="en-US" sz="1000" dirty="0">
+              <a:rPr lang="it-IT" sz="1000" dirty="0">
                 <a:solidFill>
                   <a:prstClr val="black"/>
                 </a:solidFill>
               </a:rPr>
-              <a:t>Best practices enablement</a:t>
+              <a:t>Abilitazione delle best practice</a:t>
             </a:r>
           </a:p>
         </p:txBody>
@@ -13321,19 +11765,15 @@
               </a:spcBef>
             </a:pPr>
             <a:r>
-              <a:rPr sz="1600" dirty="0">
+              <a:rPr lang="it-IT" sz="1600">
                 <a:solidFill>
                   <a:srgbClr val="FFFFFF"/>
                 </a:solidFill>
                 <a:latin typeface="Arial"/>
                 <a:cs typeface="Arial"/>
               </a:rPr>
-              <a:t>Run &amp; Operate</a:t>
-            </a:r>
-            <a:endParaRPr sz="1600" dirty="0">
-              <a:latin typeface="Arial"/>
-              <a:cs typeface="Arial"/>
-            </a:endParaRPr>
+              <a:t>Esecuzione e utilizzo</a:t>
+            </a:r>
           </a:p>
           <a:p>
             <a:pPr marL="12700">
@@ -13345,37 +11785,17 @@
               </a:spcBef>
             </a:pPr>
             <a:r>
-              <a:rPr sz="1000" dirty="0">
+              <a:rPr lang="it-IT" sz="1000">
                 <a:solidFill>
                   <a:srgbClr val="1F1F1F"/>
                 </a:solidFill>
                 <a:latin typeface="Adobe Clean"/>
                 <a:cs typeface="Adobe Clean"/>
               </a:rPr>
-              <a:t>As an </a:t>
-            </a:r>
-            <a:r>
-              <a:rPr lang="en-US" sz="1000" dirty="0">
-                <a:solidFill>
-                  <a:srgbClr val="1F1F1F"/>
-                </a:solidFill>
-                <a:latin typeface="Adobe Clean"/>
-                <a:cs typeface="Adobe Clean"/>
-              </a:rPr>
-              <a:t>Elite</a:t>
-            </a:r>
-            <a:r>
-              <a:rPr sz="1000" dirty="0">
-                <a:solidFill>
-                  <a:srgbClr val="1F1F1F"/>
-                </a:solidFill>
-                <a:latin typeface="Adobe Clean"/>
-                <a:cs typeface="Adobe Clean"/>
-              </a:rPr>
-              <a:t> customer, you are  eligible for</a:t>
-            </a:r>
-            <a:r>
-              <a:rPr lang="en-US" sz="1200" dirty="0">
+              <a:t>I clienti Elite hanno diritto a </a:t>
+            </a:r>
+            <a:r>
+              <a:rPr lang="it-IT" sz="1200" u="sng">
                 <a:solidFill>
                   <a:srgbClr val="1F1F1F"/>
                 </a:solidFill>
@@ -13387,25 +11807,10 @@
                 <a:latin typeface="Times New Roman"/>
                 <a:cs typeface="Times New Roman"/>
               </a:rPr>
-              <a:t> </a:t>
-            </a:r>
-            <a:r>
-              <a:rPr lang="en-US" sz="1200" u="sng" dirty="0">
-                <a:solidFill>
-                  <a:srgbClr val="1F1F1F"/>
-                </a:solidFill>
-                <a:uFill>
-                  <a:solidFill>
-                    <a:srgbClr val="1F1F1F"/>
-                  </a:solidFill>
-                </a:uFill>
-                <a:latin typeface="Times New Roman"/>
-                <a:cs typeface="Times New Roman"/>
-              </a:rPr>
               <a:t>4</a:t>
             </a:r>
             <a:r>
-              <a:rPr sz="1200" b="1" dirty="0">
+              <a:rPr lang="it-IT" sz="1200" b="1">
                 <a:solidFill>
                   <a:srgbClr val="1F1F1F"/>
                 </a:solidFill>
@@ -13415,19 +11820,15 @@
               <a:t> </a:t>
             </a:r>
             <a:r>
-              <a:rPr sz="1000" b="1" dirty="0">
+              <a:rPr lang="it-IT" sz="1000" b="1">
                 <a:solidFill>
                   <a:srgbClr val="1F1F1F"/>
                 </a:solidFill>
                 <a:latin typeface="Arial"/>
                 <a:cs typeface="Arial"/>
               </a:rPr>
-              <a:t>activities per year</a:t>
-            </a:r>
-            <a:endParaRPr sz="1000" dirty="0">
-              <a:latin typeface="Arial"/>
-              <a:cs typeface="Arial"/>
-            </a:endParaRPr>
+              <a:t>attività all’anno</a:t>
+            </a:r>
           </a:p>
           <a:p>
             <a:pPr marL="12700">
@@ -13439,47 +11840,47 @@
               </a:spcBef>
             </a:pPr>
             <a:r>
-              <a:rPr sz="1000" dirty="0">
+              <a:rPr lang="it-IT" sz="1000">
                 <a:solidFill>
                   <a:srgbClr val="1F1F1F"/>
                 </a:solidFill>
                 <a:latin typeface="Adobe Clean"/>
                 <a:cs typeface="Adobe Clean"/>
               </a:rPr>
-              <a:t>from the following two tracks: </a:t>
-            </a:r>
-            <a:r>
-              <a:rPr sz="1000" b="1" dirty="0">
+              <a:t>di tipo </a:t>
+            </a:r>
+            <a:r>
+              <a:rPr lang="it-IT" sz="1000" b="1">
                 <a:solidFill>
                   <a:srgbClr val="1F1F1F"/>
                 </a:solidFill>
                 <a:latin typeface="Arial"/>
                 <a:cs typeface="Arial"/>
               </a:rPr>
-              <a:t>Technical </a:t>
-            </a:r>
-            <a:r>
-              <a:rPr sz="1000" dirty="0">
+              <a:t>tecnico </a:t>
+            </a:r>
+            <a:r>
+              <a:rPr lang="it-IT" sz="1000">
                 <a:solidFill>
                   <a:srgbClr val="1F1F1F"/>
                 </a:solidFill>
                 <a:latin typeface="Adobe Clean"/>
                 <a:cs typeface="Adobe Clean"/>
               </a:rPr>
-              <a:t>and/or </a:t>
-            </a:r>
-            <a:r>
-              <a:rPr sz="1000" b="1" dirty="0">
+              <a:t>e/o </a:t>
+            </a:r>
+            <a:r>
+              <a:rPr lang="it-IT" sz="1000" b="1">
                 <a:solidFill>
                   <a:srgbClr val="1F1F1F"/>
                 </a:solidFill>
                 <a:latin typeface="Arial"/>
                 <a:cs typeface="Arial"/>
               </a:rPr>
-              <a:t>Strategic</a:t>
-            </a:r>
-            <a:r>
-              <a:rPr sz="1000" dirty="0">
+              <a:t>strategico</a:t>
+            </a:r>
+            <a:r>
+              <a:rPr lang="it-IT" sz="1000">
                 <a:solidFill>
                   <a:srgbClr val="1F1F1F"/>
                 </a:solidFill>
@@ -13488,10 +11889,6 @@
               </a:rPr>
               <a:t>.</a:t>
             </a:r>
-            <a:endParaRPr sz="1000" dirty="0">
-              <a:latin typeface="AdobeClean-Light"/>
-              <a:cs typeface="AdobeClean-Light"/>
-            </a:endParaRPr>
           </a:p>
         </p:txBody>
       </p:sp>
@@ -13504,7 +11901,7 @@
         <p:spPr>
           <a:xfrm>
             <a:off x="923023" y="538480"/>
-            <a:ext cx="2323349" cy="228268"/>
+            <a:ext cx="2862083" cy="228268"/>
           </a:xfrm>
           <a:prstGeom prst="rect">
             <a:avLst/>
@@ -13525,69 +11922,15 @@
               </a:spcBef>
             </a:pPr>
             <a:r>
-              <a:rPr sz="1400" b="1" spc="-15" dirty="0">
+              <a:rPr lang="it-IT" sz="1400" b="1">
                 <a:solidFill>
                   <a:srgbClr val="020302"/>
                 </a:solidFill>
                 <a:latin typeface="Adobe Clean"/>
                 <a:cs typeface="Adobe Clean"/>
               </a:rPr>
-              <a:t>Cloud</a:t>
-            </a:r>
-            <a:r>
-              <a:rPr sz="1400" b="1" spc="-45" dirty="0">
-                <a:solidFill>
-                  <a:srgbClr val="020302"/>
-                </a:solidFill>
-                <a:latin typeface="Adobe Clean"/>
-                <a:cs typeface="Adobe Clean"/>
-              </a:rPr>
-              <a:t> </a:t>
-            </a:r>
-            <a:r>
-              <a:rPr sz="1400" b="1" spc="-15" dirty="0">
-                <a:solidFill>
-                  <a:srgbClr val="020302"/>
-                </a:solidFill>
-                <a:latin typeface="Adobe Clean"/>
-                <a:cs typeface="Adobe Clean"/>
-              </a:rPr>
-              <a:t>Support</a:t>
-            </a:r>
-            <a:r>
-              <a:rPr sz="1400" b="1" spc="-50" dirty="0">
-                <a:solidFill>
-                  <a:srgbClr val="020302"/>
-                </a:solidFill>
-                <a:latin typeface="Adobe Clean"/>
-                <a:cs typeface="Adobe Clean"/>
-              </a:rPr>
-              <a:t> </a:t>
-            </a:r>
-            <a:r>
-              <a:rPr sz="1400" b="1" spc="-15" dirty="0">
-                <a:solidFill>
-                  <a:srgbClr val="020302"/>
-                </a:solidFill>
-                <a:latin typeface="Adobe Clean"/>
-                <a:cs typeface="Adobe Clean"/>
-              </a:rPr>
-              <a:t>Activities</a:t>
-            </a:r>
-            <a:r>
-              <a:rPr lang="en-US" sz="1400" b="1" spc="-15" dirty="0">
-                <a:solidFill>
-                  <a:srgbClr val="020302"/>
-                </a:solidFill>
-                <a:latin typeface="Adobe Clean"/>
-                <a:cs typeface="Adobe Clean"/>
-              </a:rPr>
-              <a:t> - AEM</a:t>
-            </a:r>
-            <a:endParaRPr sz="1400" dirty="0">
-              <a:latin typeface="Adobe Clean"/>
-              <a:cs typeface="Adobe Clean"/>
-            </a:endParaRPr>
+              <a:t>Attività di supporto cloud - AEM</a:t>
+            </a:r>
           </a:p>
         </p:txBody>
       </p:sp>
@@ -13600,7 +11943,7 @@
         <p:spPr>
           <a:xfrm>
             <a:off x="924894" y="814263"/>
-            <a:ext cx="2321477" cy="45719"/>
+            <a:ext cx="2406393" cy="45719"/>
           </a:xfrm>
           <a:custGeom>
             <a:avLst/>
@@ -13703,6 +12046,10 @@
           </p:nvPr>
         </p:nvSpPr>
         <p:spPr>
+          <a:xfrm>
+            <a:off x="97787" y="9861194"/>
+            <a:ext cx="2964353" cy="133370"/>
+          </a:xfrm>
           <a:prstGeom prst="rect">
             <a:avLst/>
           </a:prstGeom>
@@ -13722,36 +12069,8 @@
               </a:spcBef>
             </a:pPr>
             <a:r>
-              <a:rPr spc="-5" dirty="0"/>
-              <a:t>©2021 Adobe. All</a:t>
-            </a:r>
-            <a:r>
-              <a:rPr spc="-15" dirty="0"/>
-              <a:t> Rights</a:t>
-            </a:r>
-            <a:r>
-              <a:rPr spc="-10" dirty="0"/>
-              <a:t> </a:t>
-            </a:r>
-            <a:r>
-              <a:rPr spc="-15" dirty="0"/>
-              <a:t>Reserved.</a:t>
-            </a:r>
-            <a:r>
-              <a:rPr spc="-10" dirty="0"/>
-              <a:t> </a:t>
-            </a:r>
-            <a:r>
-              <a:rPr spc="-5" dirty="0"/>
-              <a:t>Adobe</a:t>
-            </a:r>
-            <a:r>
-              <a:rPr spc="60" dirty="0"/>
-              <a:t> </a:t>
-            </a:r>
-            <a:r>
-              <a:rPr spc="-15" dirty="0"/>
-              <a:t>Confidential.</a:t>
+              <a:rPr lang="it-IT" dirty="0"/>
+              <a:t>©2021 Adobe. All Rights Reserved. Adobe Confidential.</a:t>
             </a:r>
           </a:p>
         </p:txBody>
@@ -13807,8 +12126,8 @@
           <a:p>
             <a:pPr algn="ctr"/>
             <a:r>
-              <a:rPr lang="en-US" sz="1600" dirty="0"/>
-              <a:t>Run &amp; Operate</a:t>
+              <a:rPr lang="it-IT" sz="1600"/>
+              <a:t>Esecuzione e utilizzo</a:t>
             </a:r>
           </a:p>
         </p:txBody>
@@ -13864,8 +12183,8 @@
           <a:p>
             <a:pPr algn="ctr"/>
             <a:r>
-              <a:rPr lang="en-US" sz="1600" dirty="0"/>
-              <a:t>Implementation</a:t>
+              <a:rPr lang="it-IT" sz="1600"/>
+              <a:t>Implementazione</a:t>
             </a:r>
           </a:p>
         </p:txBody>
@@ -13900,8 +12219,8 @@
           <a:p>
             <a:pPr algn="ctr"/>
             <a:r>
-              <a:rPr lang="en-US" sz="1100" dirty="0"/>
-              <a:t>Post Launch</a:t>
+              <a:rPr lang="it-IT" sz="1100"/>
+              <a:t>Post-lancio</a:t>
             </a:r>
           </a:p>
         </p:txBody>
@@ -13936,8 +12255,8 @@
           <a:p>
             <a:pPr algn="ctr"/>
             <a:r>
-              <a:rPr lang="en-US" sz="1100" dirty="0"/>
-              <a:t>Go-Live</a:t>
+              <a:rPr lang="it-IT" sz="1100"/>
+              <a:t>Lancio</a:t>
             </a:r>
           </a:p>
         </p:txBody>
@@ -13972,8 +12291,8 @@
           <a:p>
             <a:pPr algn="ctr"/>
             <a:r>
-              <a:rPr lang="en-US" sz="1100" dirty="0"/>
-              <a:t>Define</a:t>
+              <a:rPr lang="it-IT" sz="1100"/>
+              <a:t>Definizione</a:t>
             </a:r>
           </a:p>
         </p:txBody>
@@ -14008,8 +12327,8 @@
           <a:p>
             <a:pPr algn="ctr"/>
             <a:r>
-              <a:rPr lang="en-US" sz="1100" dirty="0"/>
-              <a:t>Kickoff</a:t>
+              <a:rPr lang="it-IT" sz="1100"/>
+              <a:t>Avvio</a:t>
             </a:r>
           </a:p>
         </p:txBody>
@@ -14028,7 +12347,7 @@
         </p:nvSpPr>
         <p:spPr>
           <a:xfrm>
-            <a:off x="1558548" y="3589913"/>
+            <a:off x="1558548" y="3505200"/>
             <a:ext cx="826006" cy="261610"/>
           </a:xfrm>
           <a:prstGeom prst="rect">
@@ -14044,8 +12363,8 @@
           <a:p>
             <a:pPr algn="ctr"/>
             <a:r>
-              <a:rPr lang="en-US" sz="1100" dirty="0"/>
-              <a:t>Design</a:t>
+              <a:rPr lang="it-IT" sz="1100" dirty="0"/>
+              <a:t>Progettazione</a:t>
             </a:r>
           </a:p>
         </p:txBody>
@@ -14102,14 +12421,14 @@
           <a:p>
             <a:pPr algn="ctr"/>
             <a:r>
-              <a:rPr lang="en-US" sz="1400" dirty="0">
+              <a:rPr lang="it-IT" sz="1400">
                 <a:solidFill>
                   <a:schemeClr val="accent1">
                     <a:lumMod val="50000"/>
                   </a:schemeClr>
                 </a:solidFill>
               </a:rPr>
-              <a:t>4 Activities per Year</a:t>
+              <a:t>4 attività all’anno</a:t>
             </a:r>
           </a:p>
         </p:txBody>
@@ -14128,7 +12447,7 @@
         </p:nvSpPr>
         <p:spPr>
           <a:xfrm>
-            <a:off x="5265661" y="1471646"/>
+            <a:off x="5265661" y="1596978"/>
             <a:ext cx="2194560" cy="536622"/>
           </a:xfrm>
           <a:prstGeom prst="rect">
@@ -14150,20 +12469,14 @@
               </a:spcBef>
             </a:pPr>
             <a:r>
-              <a:rPr lang="en-US" sz="1000" dirty="0">
+              <a:rPr lang="it-IT" sz="1000" dirty="0">
                 <a:solidFill>
                   <a:srgbClr val="4B4B4B"/>
                 </a:solidFill>
                 <a:latin typeface="Adobe Clean Light" panose="020B0303020404020204" pitchFamily="34" charset="0"/>
               </a:rPr>
-              <a:t>Drive adoption of customization best practices and core components in AEM as a Cloud Service</a:t>
-            </a:r>
-            <a:endParaRPr sz="1000" dirty="0">
-              <a:solidFill>
-                <a:srgbClr val="4B4B4B"/>
-              </a:solidFill>
-              <a:latin typeface="Adobe Clean Light" panose="020B0303020404020204" pitchFamily="34" charset="0"/>
-            </a:endParaRPr>
+              <a:t>Promuovere l’adozione di best practice per la personalizzazione e componenti core di AEM as a Cloud Service</a:t>
+            </a:r>
           </a:p>
         </p:txBody>
       </p:sp>
@@ -14203,20 +12516,14 @@
               </a:spcBef>
             </a:pPr>
             <a:r>
-              <a:rPr lang="en-US" sz="1000" dirty="0">
+              <a:rPr lang="it-IT" sz="1000">
                 <a:solidFill>
                   <a:srgbClr val="4B4B4B"/>
                 </a:solidFill>
                 <a:latin typeface="Adobe Clean Light" panose="020B0303020404020204" pitchFamily="34" charset="0"/>
               </a:rPr>
-              <a:t>Identify, review and provide recommendations on customized solution adoption areas that have opportunities for optimization</a:t>
-            </a:r>
-            <a:endParaRPr sz="1000" dirty="0">
-              <a:solidFill>
-                <a:srgbClr val="4B4B4B"/>
-              </a:solidFill>
-              <a:latin typeface="Adobe Clean Light" panose="020B0303020404020204" pitchFamily="34" charset="0"/>
-            </a:endParaRPr>
+              <a:t>Individuare, valutare e fornire raccomandazioni su aree specifiche, relative all’adozione delle soluzioni, che offrono opportunità di ottimizzazione</a:t>
+            </a:r>
           </a:p>
         </p:txBody>
       </p:sp>
@@ -14256,20 +12563,14 @@
               </a:spcBef>
             </a:pPr>
             <a:r>
-              <a:rPr lang="en-US" sz="1000" dirty="0">
+              <a:rPr lang="it-IT" sz="1000">
                 <a:solidFill>
                   <a:srgbClr val="4B4B4B"/>
                 </a:solidFill>
                 <a:latin typeface="Adobe Clean Light" panose="020B0303020404020204" pitchFamily="34" charset="0"/>
               </a:rPr>
-              <a:t>Technical &amp; operational governance to assist AEM as a Cloud Service Customers in adhering to industry standards and best practices for AEM as a Cloud Service</a:t>
-            </a:r>
-            <a:endParaRPr sz="1000" dirty="0">
-              <a:solidFill>
-                <a:srgbClr val="4B4B4B"/>
-              </a:solidFill>
-              <a:latin typeface="Adobe Clean Light" panose="020B0303020404020204" pitchFamily="34" charset="0"/>
-            </a:endParaRPr>
+              <a:t>Governance operativa e tecnica per assistere i clienti di AEM as a Cloud Service a rispettare gli standard di settore e le best practice per AEM as a Cloud Service</a:t>
+            </a:r>
           </a:p>
         </p:txBody>
       </p:sp>
@@ -14288,7 +12589,7 @@
         <p:spPr>
           <a:xfrm>
             <a:off x="5181600" y="936612"/>
-            <a:ext cx="1972258" cy="461665"/>
+            <a:ext cx="1972258" cy="646331"/>
           </a:xfrm>
           <a:prstGeom prst="rect">
             <a:avLst/>
@@ -14309,489 +12610,34 @@
               </a:spcBef>
             </a:pPr>
             <a:r>
-              <a:rPr lang="en-US" sz="1200" b="1" spc="-15" dirty="0">
+              <a:rPr lang="it-IT" sz="1200" b="1" dirty="0">
                 <a:solidFill>
                   <a:srgbClr val="020302"/>
                 </a:solidFill>
                 <a:latin typeface="Adobe Clean"/>
                 <a:cs typeface="Adobe Clean"/>
               </a:rPr>
-              <a:t>C</a:t>
-            </a:r>
-            <a:r>
-              <a:rPr lang="en-US" sz="1200" b="1" spc="-20" dirty="0">
+              <a:t>Best practice per </a:t>
+            </a:r>
+            <a:br>
+              <a:rPr lang="sk-SK" sz="1200" b="1" dirty="0">
                 <a:solidFill>
                   <a:srgbClr val="020302"/>
                 </a:solidFill>
                 <a:latin typeface="Adobe Clean"/>
                 <a:cs typeface="Adobe Clean"/>
               </a:rPr>
-              <a:t>u</a:t>
-            </a:r>
-            <a:r>
-              <a:rPr lang="en-US" sz="1200" b="1" spc="-25" dirty="0">
+            </a:br>
+            <a:r>
+              <a:rPr lang="it-IT" sz="1200" b="1" dirty="0">
                 <a:solidFill>
                   <a:srgbClr val="020302"/>
                 </a:solidFill>
                 <a:latin typeface="Adobe Clean"/>
                 <a:cs typeface="Adobe Clean"/>
               </a:rPr>
-              <a:t>st</a:t>
-            </a:r>
-            <a:r>
-              <a:rPr lang="en-US" sz="1200" b="1" spc="-15" dirty="0">
-                <a:solidFill>
-                  <a:srgbClr val="020302"/>
-                </a:solidFill>
-                <a:latin typeface="Adobe Clean"/>
-                <a:cs typeface="Adobe Clean"/>
-              </a:rPr>
-              <a:t>o</a:t>
-            </a:r>
-            <a:r>
-              <a:rPr lang="en-US" sz="1200" b="1" spc="-20" dirty="0">
-                <a:solidFill>
-                  <a:srgbClr val="020302"/>
-                </a:solidFill>
-                <a:latin typeface="Adobe Clean"/>
-                <a:cs typeface="Adobe Clean"/>
-              </a:rPr>
-              <a:t>miza</a:t>
-            </a:r>
-            <a:r>
-              <a:rPr lang="en-US" sz="1200" b="1" spc="-25" dirty="0">
-                <a:solidFill>
-                  <a:srgbClr val="020302"/>
-                </a:solidFill>
-                <a:latin typeface="Adobe Clean"/>
-                <a:cs typeface="Adobe Clean"/>
-              </a:rPr>
-              <a:t>t</a:t>
-            </a:r>
-            <a:r>
-              <a:rPr lang="en-US" sz="1200" b="1" spc="-20" dirty="0">
-                <a:solidFill>
-                  <a:srgbClr val="020302"/>
-                </a:solidFill>
-                <a:latin typeface="Adobe Clean"/>
-                <a:cs typeface="Adobe Clean"/>
-              </a:rPr>
-              <a:t>i</a:t>
-            </a:r>
-            <a:r>
-              <a:rPr lang="en-US" sz="1200" b="1" spc="-15" dirty="0">
-                <a:solidFill>
-                  <a:srgbClr val="020302"/>
-                </a:solidFill>
-                <a:latin typeface="Adobe Clean"/>
-                <a:cs typeface="Adobe Clean"/>
-              </a:rPr>
-              <a:t>o</a:t>
-            </a:r>
-            <a:r>
-              <a:rPr lang="en-US" sz="1200" b="1" dirty="0">
-                <a:solidFill>
-                  <a:srgbClr val="020302"/>
-                </a:solidFill>
-                <a:latin typeface="Adobe Clean"/>
-                <a:cs typeface="Adobe Clean"/>
-              </a:rPr>
-              <a:t>n</a:t>
-            </a:r>
-            <a:r>
-              <a:rPr lang="en-US" sz="1200" b="1" spc="-50" dirty="0">
-                <a:solidFill>
-                  <a:srgbClr val="020302"/>
-                </a:solidFill>
-                <a:latin typeface="Adobe Clean"/>
-                <a:cs typeface="Adobe Clean"/>
-              </a:rPr>
-              <a:t> </a:t>
-            </a:r>
-            <a:r>
-              <a:rPr lang="en-US" sz="1200" b="1" spc="-20" dirty="0">
-                <a:solidFill>
-                  <a:srgbClr val="020302"/>
-                </a:solidFill>
-                <a:latin typeface="Adobe Clean"/>
-                <a:cs typeface="Adobe Clean"/>
-              </a:rPr>
-              <a:t>B</a:t>
-            </a:r>
-            <a:r>
-              <a:rPr lang="en-US" sz="1200" b="1" spc="-25" dirty="0">
-                <a:solidFill>
-                  <a:srgbClr val="020302"/>
-                </a:solidFill>
-                <a:latin typeface="Adobe Clean"/>
-                <a:cs typeface="Adobe Clean"/>
-              </a:rPr>
-              <a:t>es</a:t>
-            </a:r>
-            <a:r>
-              <a:rPr lang="en-US" sz="1200" b="1" dirty="0">
-                <a:solidFill>
-                  <a:srgbClr val="020302"/>
-                </a:solidFill>
-                <a:latin typeface="Adobe Clean"/>
-                <a:cs typeface="Adobe Clean"/>
-              </a:rPr>
-              <a:t>t</a:t>
-            </a:r>
-            <a:r>
-              <a:rPr lang="en-US" sz="1200" b="1" spc="-50" dirty="0">
-                <a:solidFill>
-                  <a:srgbClr val="020302"/>
-                </a:solidFill>
-                <a:latin typeface="Adobe Clean"/>
-                <a:cs typeface="Adobe Clean"/>
-              </a:rPr>
-              <a:t> </a:t>
-            </a:r>
-            <a:r>
-              <a:rPr lang="en-US" sz="1200" b="1" spc="-25" dirty="0">
-                <a:solidFill>
-                  <a:srgbClr val="020302"/>
-                </a:solidFill>
-                <a:latin typeface="Adobe Clean"/>
-                <a:cs typeface="Adobe Clean"/>
-              </a:rPr>
-              <a:t>P</a:t>
-            </a:r>
-            <a:r>
-              <a:rPr lang="en-US" sz="1200" b="1" spc="-20" dirty="0">
-                <a:solidFill>
-                  <a:srgbClr val="020302"/>
-                </a:solidFill>
-                <a:latin typeface="Adobe Clean"/>
-                <a:cs typeface="Adobe Clean"/>
-              </a:rPr>
-              <a:t>ra</a:t>
-            </a:r>
-            <a:r>
-              <a:rPr lang="en-US" sz="1200" b="1" spc="-30" dirty="0">
-                <a:solidFill>
-                  <a:srgbClr val="020302"/>
-                </a:solidFill>
-                <a:latin typeface="Adobe Clean"/>
-                <a:cs typeface="Adobe Clean"/>
-              </a:rPr>
-              <a:t>c</a:t>
-            </a:r>
-            <a:r>
-              <a:rPr lang="en-US" sz="1200" b="1" spc="-25" dirty="0">
-                <a:solidFill>
-                  <a:srgbClr val="020302"/>
-                </a:solidFill>
-                <a:latin typeface="Adobe Clean"/>
-                <a:cs typeface="Adobe Clean"/>
-              </a:rPr>
-              <a:t>t</a:t>
-            </a:r>
-            <a:r>
-              <a:rPr lang="en-US" sz="1200" b="1" spc="-20" dirty="0">
-                <a:solidFill>
-                  <a:srgbClr val="020302"/>
-                </a:solidFill>
-                <a:latin typeface="Adobe Clean"/>
-                <a:cs typeface="Adobe Clean"/>
-              </a:rPr>
-              <a:t>i</a:t>
-            </a:r>
-            <a:r>
-              <a:rPr lang="en-US" sz="1200" b="1" spc="-30" dirty="0">
-                <a:solidFill>
-                  <a:srgbClr val="020302"/>
-                </a:solidFill>
-                <a:latin typeface="Adobe Clean"/>
-                <a:cs typeface="Adobe Clean"/>
-              </a:rPr>
-              <a:t>c</a:t>
-            </a:r>
-            <a:r>
-              <a:rPr lang="en-US" sz="1200" b="1" spc="-25" dirty="0">
-                <a:solidFill>
-                  <a:srgbClr val="020302"/>
-                </a:solidFill>
-                <a:latin typeface="Adobe Clean"/>
-                <a:cs typeface="Adobe Clean"/>
-              </a:rPr>
-              <a:t>e</a:t>
-            </a:r>
-            <a:r>
-              <a:rPr lang="en-US" sz="1200" b="1" dirty="0">
-                <a:solidFill>
-                  <a:srgbClr val="020302"/>
-                </a:solidFill>
-                <a:latin typeface="Adobe Clean"/>
-                <a:cs typeface="Adobe Clean"/>
-              </a:rPr>
-              <a:t>s</a:t>
-            </a:r>
-            <a:r>
-              <a:rPr lang="en-US" sz="1200" b="1" spc="-45" dirty="0">
-                <a:solidFill>
-                  <a:srgbClr val="020302"/>
-                </a:solidFill>
-                <a:latin typeface="Adobe Clean"/>
-                <a:cs typeface="Adobe Clean"/>
-              </a:rPr>
-              <a:t> </a:t>
-            </a:r>
-            <a:r>
-              <a:rPr lang="en-US" sz="1200" b="1" spc="-25" dirty="0">
-                <a:solidFill>
-                  <a:srgbClr val="020302"/>
-                </a:solidFill>
-                <a:latin typeface="Adobe Clean"/>
-                <a:cs typeface="Adobe Clean"/>
-              </a:rPr>
-              <a:t>f</a:t>
-            </a:r>
-            <a:r>
-              <a:rPr lang="en-US" sz="1200" b="1" spc="-15" dirty="0">
-                <a:solidFill>
-                  <a:srgbClr val="020302"/>
-                </a:solidFill>
-                <a:latin typeface="Adobe Clean"/>
-                <a:cs typeface="Adobe Clean"/>
-              </a:rPr>
-              <a:t>o</a:t>
-            </a:r>
-            <a:r>
-              <a:rPr lang="en-US" sz="1200" b="1" dirty="0">
-                <a:solidFill>
-                  <a:srgbClr val="020302"/>
-                </a:solidFill>
-                <a:latin typeface="Adobe Clean"/>
-                <a:cs typeface="Adobe Clean"/>
-              </a:rPr>
-              <a:t>r</a:t>
-            </a:r>
-            <a:r>
-              <a:rPr lang="en-US" sz="1200" b="1" spc="-45" dirty="0">
-                <a:solidFill>
-                  <a:srgbClr val="020302"/>
-                </a:solidFill>
-                <a:latin typeface="Adobe Clean"/>
-                <a:cs typeface="Adobe Clean"/>
-              </a:rPr>
-              <a:t> </a:t>
-            </a:r>
-            <a:r>
-              <a:rPr lang="en-US" sz="1200" b="1" spc="-30" dirty="0">
-                <a:solidFill>
-                  <a:srgbClr val="020302"/>
-                </a:solidFill>
-                <a:latin typeface="Adobe Clean"/>
-                <a:cs typeface="Adobe Clean"/>
-              </a:rPr>
-              <a:t>AE</a:t>
-            </a:r>
-            <a:r>
-              <a:rPr lang="en-US" sz="1200" b="1" dirty="0">
-                <a:solidFill>
-                  <a:srgbClr val="020302"/>
-                </a:solidFill>
-                <a:latin typeface="Adobe Clean"/>
-                <a:cs typeface="Adobe Clean"/>
-              </a:rPr>
-              <a:t>M</a:t>
-            </a:r>
-            <a:r>
-              <a:rPr lang="en-US" sz="1200" b="1" spc="-55" dirty="0">
-                <a:solidFill>
-                  <a:srgbClr val="020302"/>
-                </a:solidFill>
-                <a:latin typeface="Adobe Clean"/>
-                <a:cs typeface="Adobe Clean"/>
-              </a:rPr>
-              <a:t> </a:t>
-            </a:r>
-            <a:r>
-              <a:rPr lang="en-US" sz="1200" b="1" spc="-20" dirty="0">
-                <a:solidFill>
-                  <a:srgbClr val="020302"/>
-                </a:solidFill>
-                <a:latin typeface="Adobe Clean"/>
-                <a:cs typeface="Adobe Clean"/>
-              </a:rPr>
-              <a:t>a</a:t>
-            </a:r>
-            <a:r>
-              <a:rPr lang="en-US" sz="1200" b="1" dirty="0">
-                <a:solidFill>
-                  <a:srgbClr val="020302"/>
-                </a:solidFill>
-                <a:latin typeface="Adobe Clean"/>
-                <a:cs typeface="Adobe Clean"/>
-              </a:rPr>
-              <a:t>s</a:t>
-            </a:r>
-            <a:r>
-              <a:rPr lang="en-US" sz="1200" b="1" spc="-45" dirty="0">
-                <a:solidFill>
-                  <a:srgbClr val="020302"/>
-                </a:solidFill>
-                <a:latin typeface="Adobe Clean"/>
-                <a:cs typeface="Adobe Clean"/>
-              </a:rPr>
-              <a:t> </a:t>
-            </a:r>
-            <a:r>
-              <a:rPr lang="en-US" sz="1200" b="1" dirty="0">
-                <a:solidFill>
-                  <a:srgbClr val="020302"/>
-                </a:solidFill>
-                <a:latin typeface="Adobe Clean"/>
-                <a:cs typeface="Adobe Clean"/>
-              </a:rPr>
-              <a:t>a</a:t>
-            </a:r>
-            <a:r>
-              <a:rPr lang="en-US" sz="1200" b="1" spc="-45" dirty="0">
-                <a:solidFill>
-                  <a:srgbClr val="020302"/>
-                </a:solidFill>
-                <a:latin typeface="Adobe Clean"/>
-                <a:cs typeface="Adobe Clean"/>
-              </a:rPr>
-              <a:t> </a:t>
-            </a:r>
-            <a:r>
-              <a:rPr lang="en-US" sz="1200" b="1" spc="-15" dirty="0">
-                <a:solidFill>
-                  <a:srgbClr val="020302"/>
-                </a:solidFill>
-                <a:latin typeface="Adobe Clean"/>
-                <a:cs typeface="Adobe Clean"/>
-              </a:rPr>
-              <a:t>C</a:t>
-            </a:r>
-            <a:r>
-              <a:rPr lang="en-US" sz="1200" b="1" spc="-25" dirty="0">
-                <a:solidFill>
-                  <a:srgbClr val="020302"/>
-                </a:solidFill>
-                <a:latin typeface="Adobe Clean"/>
-                <a:cs typeface="Adobe Clean"/>
-              </a:rPr>
-              <a:t>l</a:t>
-            </a:r>
-            <a:r>
-              <a:rPr lang="en-US" sz="1200" b="1" spc="-15" dirty="0">
-                <a:solidFill>
-                  <a:srgbClr val="020302"/>
-                </a:solidFill>
-                <a:latin typeface="Adobe Clean"/>
-                <a:cs typeface="Adobe Clean"/>
-              </a:rPr>
-              <a:t>o</a:t>
-            </a:r>
-            <a:r>
-              <a:rPr lang="en-US" sz="1200" b="1" spc="-20" dirty="0">
-                <a:solidFill>
-                  <a:srgbClr val="020302"/>
-                </a:solidFill>
-                <a:latin typeface="Adobe Clean"/>
-                <a:cs typeface="Adobe Clean"/>
-              </a:rPr>
-              <a:t>u</a:t>
-            </a:r>
-            <a:r>
-              <a:rPr lang="en-US" sz="1200" b="1" dirty="0">
-                <a:solidFill>
-                  <a:srgbClr val="020302"/>
-                </a:solidFill>
-                <a:latin typeface="Adobe Clean"/>
-                <a:cs typeface="Adobe Clean"/>
-              </a:rPr>
-              <a:t>d</a:t>
-            </a:r>
-            <a:r>
-              <a:rPr lang="en-US" sz="1200" b="1" spc="-50" dirty="0">
-                <a:solidFill>
-                  <a:srgbClr val="020302"/>
-                </a:solidFill>
-                <a:latin typeface="Adobe Clean"/>
-                <a:cs typeface="Adobe Clean"/>
-              </a:rPr>
-              <a:t> </a:t>
-            </a:r>
-            <a:r>
-              <a:rPr lang="en-US" sz="1200" b="1" spc="-20" dirty="0">
-                <a:solidFill>
-                  <a:srgbClr val="020302"/>
-                </a:solidFill>
-                <a:latin typeface="Adobe Clean"/>
-                <a:cs typeface="Adobe Clean"/>
-              </a:rPr>
-              <a:t>S</a:t>
-            </a:r>
-            <a:r>
-              <a:rPr lang="en-US" sz="1200" b="1" spc="-25" dirty="0">
-                <a:solidFill>
-                  <a:srgbClr val="020302"/>
-                </a:solidFill>
-                <a:latin typeface="Adobe Clean"/>
-                <a:cs typeface="Adobe Clean"/>
-              </a:rPr>
-              <a:t>e</a:t>
-            </a:r>
-            <a:r>
-              <a:rPr lang="en-US" sz="1200" b="1" spc="-20" dirty="0">
-                <a:solidFill>
-                  <a:srgbClr val="020302"/>
-                </a:solidFill>
-                <a:latin typeface="Adobe Clean"/>
-                <a:cs typeface="Adobe Clean"/>
-              </a:rPr>
-              <a:t>r</a:t>
-            </a:r>
-            <a:r>
-              <a:rPr lang="en-US" sz="1200" b="1" spc="-30" dirty="0">
-                <a:solidFill>
-                  <a:srgbClr val="020302"/>
-                </a:solidFill>
-                <a:latin typeface="Adobe Clean"/>
-                <a:cs typeface="Adobe Clean"/>
-              </a:rPr>
-              <a:t>v</a:t>
-            </a:r>
-            <a:r>
-              <a:rPr lang="en-US" sz="1200" b="1" spc="-20" dirty="0">
-                <a:solidFill>
-                  <a:srgbClr val="020302"/>
-                </a:solidFill>
-                <a:latin typeface="Adobe Clean"/>
-                <a:cs typeface="Adobe Clean"/>
-              </a:rPr>
-              <a:t>i</a:t>
-            </a:r>
-            <a:r>
-              <a:rPr lang="en-US" sz="1200" b="1" spc="-30" dirty="0">
-                <a:solidFill>
-                  <a:srgbClr val="020302"/>
-                </a:solidFill>
-                <a:latin typeface="Adobe Clean"/>
-                <a:cs typeface="Adobe Clean"/>
-              </a:rPr>
-              <a:t>c</a:t>
-            </a:r>
-            <a:r>
-              <a:rPr lang="en-US" sz="1200" b="1" dirty="0">
-                <a:solidFill>
-                  <a:srgbClr val="020302"/>
-                </a:solidFill>
-                <a:latin typeface="Adobe Clean"/>
-                <a:cs typeface="Adobe Clean"/>
-              </a:rPr>
-              <a:t>e</a:t>
-            </a:r>
-            <a:endParaRPr lang="en-US" sz="1200" dirty="0">
-              <a:latin typeface="Adobe Clean"/>
-              <a:cs typeface="Adobe Clean"/>
-            </a:endParaRPr>
+              <a:t>la personalizzazione di AEM as a Cloud Service</a:t>
+            </a:r>
           </a:p>
         </p:txBody>
       </p:sp>
@@ -14810,7 +12656,7 @@
         <p:spPr>
           <a:xfrm>
             <a:off x="2752588" y="908302"/>
-            <a:ext cx="1708650" cy="461665"/>
+            <a:ext cx="1708650" cy="646331"/>
           </a:xfrm>
           <a:prstGeom prst="rect">
             <a:avLst/>
@@ -14831,19 +12677,34 @@
               </a:spcBef>
             </a:pPr>
             <a:r>
-              <a:rPr lang="en-US" sz="1200" b="1" spc="-25" dirty="0">
+              <a:rPr lang="it-IT" sz="1200" b="1" dirty="0">
                 <a:solidFill>
                   <a:srgbClr val="020302"/>
                 </a:solidFill>
                 <a:latin typeface="Adobe Clean"/>
                 <a:cs typeface="Adobe Clean"/>
               </a:rPr>
-              <a:t>Value-added Services for AEM as a Cloud Service</a:t>
-            </a:r>
-            <a:endParaRPr lang="en-US" sz="1200" dirty="0">
-              <a:latin typeface="Adobe Clean"/>
-              <a:cs typeface="Adobe Clean"/>
-            </a:endParaRPr>
+              <a:t>Servizi a valore aggiunto per AEM </a:t>
+            </a:r>
+            <a:br>
+              <a:rPr lang="sk-SK" sz="1200" b="1" dirty="0">
+                <a:solidFill>
+                  <a:srgbClr val="020302"/>
+                </a:solidFill>
+                <a:latin typeface="Adobe Clean"/>
+                <a:cs typeface="Adobe Clean"/>
+              </a:rPr>
+            </a:br>
+            <a:r>
+              <a:rPr lang="it-IT" sz="1200" b="1" dirty="0">
+                <a:solidFill>
+                  <a:srgbClr val="020302"/>
+                </a:solidFill>
+                <a:latin typeface="Adobe Clean"/>
+                <a:cs typeface="Adobe Clean"/>
+              </a:rPr>
+              <a:t>as a Cloud Service</a:t>
+            </a:r>
           </a:p>
         </p:txBody>
       </p:sp>
@@ -14883,359 +12744,34 @@
               </a:spcBef>
             </a:pPr>
             <a:r>
-              <a:rPr lang="en-US" sz="1200" b="1" spc="-20" dirty="0">
+              <a:rPr lang="it-IT" sz="1200" b="1" dirty="0">
                 <a:solidFill>
                   <a:srgbClr val="020302"/>
                 </a:solidFill>
                 <a:latin typeface="Adobe Clean"/>
                 <a:cs typeface="Adobe Clean"/>
               </a:rPr>
-              <a:t>G</a:t>
-            </a:r>
-            <a:r>
-              <a:rPr lang="en-US" sz="1200" b="1" spc="-15" dirty="0">
+              <a:t>Governance per AEM </a:t>
+            </a:r>
+            <a:br>
+              <a:rPr lang="sk-SK" sz="1200" b="1" dirty="0">
                 <a:solidFill>
                   <a:srgbClr val="020302"/>
                 </a:solidFill>
                 <a:latin typeface="Adobe Clean"/>
                 <a:cs typeface="Adobe Clean"/>
               </a:rPr>
-              <a:t>o</a:t>
-            </a:r>
-            <a:r>
-              <a:rPr lang="en-US" sz="1200" b="1" spc="-25" dirty="0">
+            </a:br>
+            <a:r>
+              <a:rPr lang="it-IT" sz="1200" b="1" dirty="0">
                 <a:solidFill>
                   <a:srgbClr val="020302"/>
                 </a:solidFill>
                 <a:latin typeface="Adobe Clean"/>
                 <a:cs typeface="Adobe Clean"/>
               </a:rPr>
-              <a:t>ve</a:t>
-            </a:r>
-            <a:r>
-              <a:rPr lang="en-US" sz="1200" b="1" spc="-20" dirty="0">
-                <a:solidFill>
-                  <a:srgbClr val="020302"/>
-                </a:solidFill>
-                <a:latin typeface="Adobe Clean"/>
-                <a:cs typeface="Adobe Clean"/>
-              </a:rPr>
-              <a:t>r</a:t>
-            </a:r>
-            <a:r>
-              <a:rPr lang="en-US" sz="1200" b="1" spc="-25" dirty="0">
-                <a:solidFill>
-                  <a:srgbClr val="020302"/>
-                </a:solidFill>
-                <a:latin typeface="Adobe Clean"/>
-                <a:cs typeface="Adobe Clean"/>
-              </a:rPr>
-              <a:t>n</a:t>
-            </a:r>
-            <a:r>
-              <a:rPr lang="en-US" sz="1200" b="1" spc="-20" dirty="0">
-                <a:solidFill>
-                  <a:srgbClr val="020302"/>
-                </a:solidFill>
-                <a:latin typeface="Adobe Clean"/>
-                <a:cs typeface="Adobe Clean"/>
-              </a:rPr>
-              <a:t>a</a:t>
-            </a:r>
-            <a:r>
-              <a:rPr lang="en-US" sz="1200" b="1" spc="-25" dirty="0">
-                <a:solidFill>
-                  <a:srgbClr val="020302"/>
-                </a:solidFill>
-                <a:latin typeface="Adobe Clean"/>
-                <a:cs typeface="Adobe Clean"/>
-              </a:rPr>
-              <a:t>n</a:t>
-            </a:r>
-            <a:r>
-              <a:rPr lang="en-US" sz="1200" b="1" spc="-30" dirty="0">
-                <a:solidFill>
-                  <a:srgbClr val="020302"/>
-                </a:solidFill>
-                <a:latin typeface="Adobe Clean"/>
-                <a:cs typeface="Adobe Clean"/>
-              </a:rPr>
-              <a:t>c</a:t>
-            </a:r>
-            <a:r>
-              <a:rPr lang="en-US" sz="1200" b="1" dirty="0">
-                <a:solidFill>
-                  <a:srgbClr val="020302"/>
-                </a:solidFill>
-                <a:latin typeface="Adobe Clean"/>
-                <a:cs typeface="Adobe Clean"/>
-              </a:rPr>
-              <a:t>e</a:t>
-            </a:r>
-            <a:r>
-              <a:rPr lang="en-US" sz="1200" b="1" spc="-50" dirty="0">
-                <a:solidFill>
-                  <a:srgbClr val="020302"/>
-                </a:solidFill>
-                <a:latin typeface="Adobe Clean"/>
-                <a:cs typeface="Adobe Clean"/>
-              </a:rPr>
-              <a:t> </a:t>
-            </a:r>
-            <a:r>
-              <a:rPr lang="en-US" sz="1200" b="1" spc="-25" dirty="0">
-                <a:solidFill>
-                  <a:srgbClr val="020302"/>
-                </a:solidFill>
-                <a:latin typeface="Adobe Clean"/>
-                <a:cs typeface="Adobe Clean"/>
-              </a:rPr>
-              <a:t>f</a:t>
-            </a:r>
-            <a:r>
-              <a:rPr lang="en-US" sz="1200" b="1" spc="-15" dirty="0">
-                <a:solidFill>
-                  <a:srgbClr val="020302"/>
-                </a:solidFill>
-                <a:latin typeface="Adobe Clean"/>
-                <a:cs typeface="Adobe Clean"/>
-              </a:rPr>
-              <a:t>o</a:t>
-            </a:r>
-            <a:r>
-              <a:rPr lang="en-US" sz="1200" b="1" dirty="0">
-                <a:solidFill>
-                  <a:srgbClr val="020302"/>
-                </a:solidFill>
-                <a:latin typeface="Adobe Clean"/>
-                <a:cs typeface="Adobe Clean"/>
-              </a:rPr>
-              <a:t>r</a:t>
-            </a:r>
-            <a:r>
-              <a:rPr lang="en-US" sz="1200" b="1" spc="-45" dirty="0">
-                <a:solidFill>
-                  <a:srgbClr val="020302"/>
-                </a:solidFill>
-                <a:latin typeface="Adobe Clean"/>
-                <a:cs typeface="Adobe Clean"/>
-              </a:rPr>
-              <a:t> </a:t>
-            </a:r>
-            <a:r>
-              <a:rPr lang="en-US" sz="1200" b="1" spc="-30" dirty="0">
-                <a:solidFill>
-                  <a:srgbClr val="020302"/>
-                </a:solidFill>
-                <a:latin typeface="Adobe Clean"/>
-                <a:cs typeface="Adobe Clean"/>
-              </a:rPr>
-              <a:t>A</a:t>
-            </a:r>
-            <a:r>
-              <a:rPr lang="en-US" sz="1200" b="1" spc="-25" dirty="0">
-                <a:solidFill>
-                  <a:srgbClr val="020302"/>
-                </a:solidFill>
-                <a:latin typeface="Adobe Clean"/>
-                <a:cs typeface="Adobe Clean"/>
-              </a:rPr>
-              <a:t>E</a:t>
-            </a:r>
-            <a:r>
-              <a:rPr lang="en-US" sz="1200" b="1" dirty="0">
-                <a:solidFill>
-                  <a:srgbClr val="020302"/>
-                </a:solidFill>
-                <a:latin typeface="Adobe Clean"/>
-                <a:cs typeface="Adobe Clean"/>
-              </a:rPr>
-              <a:t>M</a:t>
-            </a:r>
-            <a:r>
-              <a:rPr lang="en-US" sz="1200" b="1" spc="-50" dirty="0">
-                <a:solidFill>
-                  <a:srgbClr val="020302"/>
-                </a:solidFill>
-                <a:latin typeface="Adobe Clean"/>
-                <a:cs typeface="Adobe Clean"/>
-              </a:rPr>
-              <a:t> </a:t>
-            </a:r>
-            <a:r>
-              <a:rPr lang="en-US" sz="1200" b="1" spc="-20" dirty="0">
-                <a:solidFill>
-                  <a:srgbClr val="020302"/>
-                </a:solidFill>
-                <a:latin typeface="Adobe Clean"/>
-                <a:cs typeface="Adobe Clean"/>
-              </a:rPr>
-              <a:t>a</a:t>
-            </a:r>
-            <a:r>
-              <a:rPr lang="en-US" sz="1200" b="1" dirty="0">
-                <a:solidFill>
-                  <a:srgbClr val="020302"/>
-                </a:solidFill>
-                <a:latin typeface="Adobe Clean"/>
-                <a:cs typeface="Adobe Clean"/>
-              </a:rPr>
-              <a:t>s</a:t>
-            </a:r>
-            <a:r>
-              <a:rPr lang="en-US" sz="1200" b="1" spc="-45" dirty="0">
-                <a:solidFill>
-                  <a:srgbClr val="020302"/>
-                </a:solidFill>
-                <a:latin typeface="Adobe Clean"/>
-                <a:cs typeface="Adobe Clean"/>
-              </a:rPr>
-              <a:t> </a:t>
-            </a:r>
-            <a:r>
-              <a:rPr lang="en-US" sz="1200" b="1" dirty="0">
-                <a:solidFill>
-                  <a:srgbClr val="020302"/>
-                </a:solidFill>
-                <a:latin typeface="Adobe Clean"/>
-                <a:cs typeface="Adobe Clean"/>
-              </a:rPr>
-              <a:t>a</a:t>
-            </a:r>
-            <a:r>
-              <a:rPr lang="en-US" sz="1200" b="1" spc="-40" dirty="0">
-                <a:solidFill>
-                  <a:srgbClr val="020302"/>
-                </a:solidFill>
-                <a:latin typeface="Adobe Clean"/>
-                <a:cs typeface="Adobe Clean"/>
-              </a:rPr>
-              <a:t> </a:t>
-            </a:r>
-            <a:r>
-              <a:rPr lang="en-US" sz="1200" b="1" spc="-15" dirty="0">
-                <a:solidFill>
-                  <a:srgbClr val="020302"/>
-                </a:solidFill>
-                <a:latin typeface="Adobe Clean"/>
-                <a:cs typeface="Adobe Clean"/>
-              </a:rPr>
-              <a:t>C</a:t>
-            </a:r>
-            <a:r>
-              <a:rPr lang="en-US" sz="1200" b="1" spc="-25" dirty="0">
-                <a:solidFill>
-                  <a:srgbClr val="020302"/>
-                </a:solidFill>
-                <a:latin typeface="Adobe Clean"/>
-                <a:cs typeface="Adobe Clean"/>
-              </a:rPr>
-              <a:t>l</a:t>
-            </a:r>
-            <a:r>
-              <a:rPr lang="en-US" sz="1200" b="1" spc="-15" dirty="0">
-                <a:solidFill>
-                  <a:srgbClr val="020302"/>
-                </a:solidFill>
-                <a:latin typeface="Adobe Clean"/>
-                <a:cs typeface="Adobe Clean"/>
-              </a:rPr>
-              <a:t>ou</a:t>
-            </a:r>
-            <a:r>
-              <a:rPr lang="en-US" sz="1200" b="1" dirty="0">
-                <a:solidFill>
-                  <a:srgbClr val="020302"/>
-                </a:solidFill>
-                <a:latin typeface="Adobe Clean"/>
-                <a:cs typeface="Adobe Clean"/>
-              </a:rPr>
-              <a:t>d</a:t>
-            </a:r>
-            <a:r>
-              <a:rPr lang="en-US" sz="1200" b="1" spc="-50" dirty="0">
-                <a:solidFill>
-                  <a:srgbClr val="020302"/>
-                </a:solidFill>
-                <a:latin typeface="Adobe Clean"/>
-                <a:cs typeface="Adobe Clean"/>
-              </a:rPr>
-              <a:t> </a:t>
-            </a:r>
-            <a:r>
-              <a:rPr lang="en-US" sz="1200" b="1" spc="-20" dirty="0">
-                <a:solidFill>
-                  <a:srgbClr val="020302"/>
-                </a:solidFill>
-                <a:latin typeface="Adobe Clean"/>
-                <a:cs typeface="Adobe Clean"/>
-              </a:rPr>
-              <a:t>S</a:t>
-            </a:r>
-            <a:r>
-              <a:rPr lang="en-US" sz="1200" b="1" spc="-25" dirty="0">
-                <a:solidFill>
-                  <a:srgbClr val="020302"/>
-                </a:solidFill>
-                <a:latin typeface="Adobe Clean"/>
-                <a:cs typeface="Adobe Clean"/>
-              </a:rPr>
-              <a:t>e</a:t>
-            </a:r>
-            <a:r>
-              <a:rPr lang="en-US" sz="1200" b="1" spc="-20" dirty="0">
-                <a:solidFill>
-                  <a:srgbClr val="020302"/>
-                </a:solidFill>
-                <a:latin typeface="Adobe Clean"/>
-                <a:cs typeface="Adobe Clean"/>
-              </a:rPr>
-              <a:t>r</a:t>
-            </a:r>
-            <a:r>
-              <a:rPr lang="en-US" sz="1200" b="1" spc="-25" dirty="0">
-                <a:solidFill>
-                  <a:srgbClr val="020302"/>
-                </a:solidFill>
-                <a:latin typeface="Adobe Clean"/>
-                <a:cs typeface="Adobe Clean"/>
-              </a:rPr>
-              <a:t>v</a:t>
-            </a:r>
-            <a:r>
-              <a:rPr lang="en-US" sz="1200" b="1" spc="-20" dirty="0">
-                <a:solidFill>
-                  <a:srgbClr val="020302"/>
-                </a:solidFill>
-                <a:latin typeface="Adobe Clean"/>
-                <a:cs typeface="Adobe Clean"/>
-              </a:rPr>
-              <a:t>i</a:t>
-            </a:r>
-            <a:r>
-              <a:rPr lang="en-US" sz="1200" b="1" spc="-30" dirty="0">
-                <a:solidFill>
-                  <a:srgbClr val="020302"/>
-                </a:solidFill>
-                <a:latin typeface="Adobe Clean"/>
-                <a:cs typeface="Adobe Clean"/>
-              </a:rPr>
-              <a:t>c</a:t>
-            </a:r>
-            <a:r>
-              <a:rPr lang="en-US" sz="1200" b="1" dirty="0">
-                <a:solidFill>
-                  <a:srgbClr val="020302"/>
-                </a:solidFill>
-                <a:latin typeface="Adobe Clean"/>
-                <a:cs typeface="Adobe Clean"/>
-              </a:rPr>
-              <a:t>e</a:t>
-            </a:r>
-            <a:endParaRPr lang="en-US" sz="1200" dirty="0">
-              <a:latin typeface="Adobe Clean"/>
-              <a:cs typeface="Adobe Clean"/>
-            </a:endParaRPr>
+              <a:t>as a Cloud Service</a:t>
+            </a:r>
           </a:p>
         </p:txBody>
       </p:sp>
@@ -15296,49 +12832,15 @@
               </a:lnSpc>
             </a:pPr>
             <a:r>
-              <a:rPr sz="500" spc="-5" dirty="0">
+              <a:rPr lang="it-IT" sz="500">
                 <a:solidFill>
                   <a:srgbClr val="6C6C6C"/>
                 </a:solidFill>
                 <a:latin typeface="Adobe Clean"/>
                 <a:cs typeface="Adobe Clean"/>
               </a:rPr>
-              <a:t>©2020 Adobe. All Rights Reserved. </a:t>
-            </a:r>
-            <a:r>
-              <a:rPr sz="500" dirty="0">
-                <a:solidFill>
-                  <a:srgbClr val="6C6C6C"/>
-                </a:solidFill>
-                <a:latin typeface="Adobe Clean"/>
-                <a:cs typeface="Adobe Clean"/>
-              </a:rPr>
-              <a:t>Adobe</a:t>
-            </a:r>
-            <a:r>
-              <a:rPr sz="500" spc="5" dirty="0">
-                <a:solidFill>
-                  <a:srgbClr val="6C6C6C"/>
-                </a:solidFill>
-                <a:latin typeface="Adobe Clean"/>
-                <a:cs typeface="Adobe Clean"/>
-              </a:rPr>
-              <a:t> </a:t>
-            </a:r>
-            <a:r>
-              <a:rPr sz="500" spc="-5" dirty="0">
-                <a:solidFill>
-                  <a:srgbClr val="6C6C6C"/>
-                </a:solidFill>
-                <a:latin typeface="Adobe Clean"/>
-                <a:cs typeface="Adobe Clean"/>
-              </a:rPr>
-              <a:t>Confidential.</a:t>
-            </a:r>
-            <a:endParaRPr sz="500">
-              <a:latin typeface="Adobe Clean"/>
-              <a:cs typeface="Adobe Clean"/>
-            </a:endParaRPr>
+              <a:t>©2020 Adobe. All Rights Reserved. Adobe Confidential.</a:t>
+            </a:r>
           </a:p>
           <a:p>
             <a:pPr>
@@ -15364,39 +12866,15 @@
               </a:spcBef>
             </a:pPr>
             <a:r>
-              <a:rPr sz="800" spc="-5" dirty="0">
+              <a:rPr lang="it-IT" sz="800">
                 <a:solidFill>
                   <a:srgbClr val="6D6D6D"/>
                 </a:solidFill>
                 <a:latin typeface="Adobe Clean"/>
                 <a:cs typeface="Adobe Clean"/>
               </a:rPr>
-              <a:t>©2020 Adobe. All Rights Reserved. Adobe</a:t>
-            </a:r>
-            <a:r>
-              <a:rPr sz="800" spc="75" dirty="0">
-                <a:solidFill>
-                  <a:srgbClr val="6D6D6D"/>
-                </a:solidFill>
-                <a:latin typeface="Adobe Clean"/>
-                <a:cs typeface="Adobe Clean"/>
-              </a:rPr>
-              <a:t> </a:t>
-            </a:r>
-            <a:r>
-              <a:rPr sz="800" spc="-5" dirty="0">
-                <a:solidFill>
-                  <a:srgbClr val="6D6D6D"/>
-                </a:solidFill>
-                <a:latin typeface="Adobe Clean"/>
-                <a:cs typeface="Adobe Clean"/>
-              </a:rPr>
-              <a:t>Confidential.</a:t>
-            </a:r>
-            <a:endParaRPr sz="800">
-              <a:latin typeface="Adobe Clean"/>
-              <a:cs typeface="Adobe Clean"/>
-            </a:endParaRPr>
+              <a:t>©2020 Adobe. All Rights Reserved. Adobe Confidential.</a:t>
+            </a:r>
           </a:p>
         </p:txBody>
       </p:sp>
@@ -15480,19 +12958,15 @@
               </a:spcBef>
             </a:pPr>
             <a:r>
-              <a:rPr lang="en-US" sz="1400" b="1" spc="-15" dirty="0">
+              <a:rPr lang="it-IT" sz="1400" b="1">
                 <a:solidFill>
                   <a:srgbClr val="020302"/>
                 </a:solidFill>
                 <a:latin typeface="Adobe Clean"/>
                 <a:cs typeface="Adobe Clean"/>
               </a:rPr>
-              <a:t>Resources</a:t>
-            </a:r>
-            <a:endParaRPr sz="1400" dirty="0">
-              <a:latin typeface="Adobe Clean"/>
-              <a:cs typeface="Adobe Clean"/>
-            </a:endParaRPr>
+              <a:t>Risorse</a:t>
+            </a:r>
           </a:p>
         </p:txBody>
       </p:sp>
@@ -15526,7 +13000,7 @@
               </a:spcBef>
             </a:pPr>
             <a:r>
-              <a:rPr sz="800" spc="-15" dirty="0">
+              <a:rPr lang="it-IT" sz="800">
                 <a:solidFill>
                   <a:srgbClr val="777879"/>
                 </a:solidFill>
@@ -15535,10 +13009,6 @@
               </a:rPr>
               <a:t>Adobe</a:t>
             </a:r>
-            <a:endParaRPr sz="800">
-              <a:latin typeface="Adobe Clean"/>
-              <a:cs typeface="Adobe Clean"/>
-            </a:endParaRPr>
           </a:p>
           <a:p>
             <a:pPr marL="12700">
@@ -15547,39 +13017,15 @@
               </a:lnSpc>
             </a:pPr>
             <a:r>
-              <a:rPr sz="800" spc="-15" dirty="0">
+              <a:rPr lang="it-IT" sz="800">
                 <a:solidFill>
                   <a:srgbClr val="777879"/>
                 </a:solidFill>
                 <a:latin typeface="Adobe Clean"/>
                 <a:cs typeface="Adobe Clean"/>
               </a:rPr>
-              <a:t>345 Park</a:t>
-            </a:r>
-            <a:r>
-              <a:rPr sz="800" spc="-100" dirty="0">
-                <a:solidFill>
-                  <a:srgbClr val="777879"/>
-                </a:solidFill>
-                <a:latin typeface="Adobe Clean"/>
-                <a:cs typeface="Adobe Clean"/>
-              </a:rPr>
-              <a:t> </a:t>
-            </a:r>
-            <a:r>
-              <a:rPr sz="800" spc="-15" dirty="0">
-                <a:solidFill>
-                  <a:srgbClr val="777879"/>
-                </a:solidFill>
-                <a:latin typeface="Adobe Clean"/>
-                <a:cs typeface="Adobe Clean"/>
-              </a:rPr>
-              <a:t>Avenue</a:t>
-            </a:r>
-            <a:endParaRPr sz="800">
-              <a:latin typeface="Adobe Clean"/>
-              <a:cs typeface="Adobe Clean"/>
-            </a:endParaRPr>
+              <a:t>345 Park Avenue</a:t>
+            </a:r>
           </a:p>
           <a:p>
             <a:pPr marL="12700">
@@ -15588,49 +13034,15 @@
               </a:lnSpc>
             </a:pPr>
             <a:r>
-              <a:rPr sz="800" spc="-10" dirty="0">
+              <a:rPr lang="it-IT" sz="800">
                 <a:solidFill>
                   <a:srgbClr val="777879"/>
                 </a:solidFill>
                 <a:latin typeface="Adobe Clean"/>
                 <a:cs typeface="Adobe Clean"/>
               </a:rPr>
-              <a:t>San </a:t>
-            </a:r>
-            <a:r>
-              <a:rPr sz="800" spc="-15" dirty="0">
-                <a:solidFill>
-                  <a:srgbClr val="777879"/>
-                </a:solidFill>
-                <a:latin typeface="Adobe Clean"/>
-                <a:cs typeface="Adobe Clean"/>
-              </a:rPr>
-              <a:t>Jose,</a:t>
-            </a:r>
-            <a:r>
-              <a:rPr sz="800" spc="-140" dirty="0">
-                <a:solidFill>
-                  <a:srgbClr val="777879"/>
-                </a:solidFill>
-                <a:latin typeface="Adobe Clean"/>
-                <a:cs typeface="Adobe Clean"/>
-              </a:rPr>
-              <a:t> </a:t>
-            </a:r>
-            <a:r>
-              <a:rPr sz="800" spc="-20" dirty="0">
-                <a:solidFill>
-                  <a:srgbClr val="777879"/>
-                </a:solidFill>
-                <a:latin typeface="Adobe Clean"/>
-                <a:cs typeface="Adobe Clean"/>
-              </a:rPr>
-              <a:t>CA95110-2704</a:t>
-            </a:r>
-            <a:endParaRPr sz="800">
-              <a:latin typeface="Adobe Clean"/>
-              <a:cs typeface="Adobe Clean"/>
-            </a:endParaRPr>
+              <a:t>San Jose, CA 95110-2704</a:t>
+            </a:r>
           </a:p>
           <a:p>
             <a:pPr marL="12700">
@@ -15642,7 +13054,7 @@
               </a:spcBef>
             </a:pPr>
             <a:r>
-              <a:rPr sz="800" spc="-10" dirty="0">
+              <a:rPr lang="it-IT" sz="800">
                 <a:solidFill>
                   <a:srgbClr val="777879"/>
                 </a:solidFill>
@@ -15651,10 +13063,6 @@
               </a:rPr>
               <a:t>USA</a:t>
             </a:r>
-            <a:endParaRPr sz="800">
-              <a:latin typeface="Adobe Clean"/>
-              <a:cs typeface="Adobe Clean"/>
-            </a:endParaRPr>
           </a:p>
           <a:p>
             <a:pPr marL="12700">
@@ -15666,7 +13074,7 @@
               </a:spcBef>
             </a:pPr>
             <a:r>
-              <a:rPr sz="800" u="sng" spc="-25" dirty="0">
+              <a:rPr lang="it-IT" sz="800" u="sng">
                 <a:solidFill>
                   <a:srgbClr val="5F5F5F"/>
                 </a:solidFill>
@@ -15681,10 +13089,6 @@
               </a:rPr>
               <a:t>www.adobe.com</a:t>
             </a:r>
-            <a:endParaRPr sz="800">
-              <a:latin typeface="Adobe Clean"/>
-              <a:cs typeface="Adobe Clean"/>
-            </a:endParaRPr>
           </a:p>
         </p:txBody>
       </p:sp>
@@ -15859,409 +13263,15 @@
               </a:spcBef>
             </a:pPr>
             <a:r>
-              <a:rPr sz="1100" i="1" spc="-10" dirty="0">
+              <a:rPr lang="it-IT" sz="1100" i="1">
                 <a:solidFill>
                   <a:srgbClr val="777879"/>
                 </a:solidFill>
                 <a:latin typeface="AdobeClean-LightIt"/>
                 <a:cs typeface="AdobeClean-LightIt"/>
               </a:rPr>
-              <a:t>To</a:t>
-            </a:r>
-            <a:r>
-              <a:rPr sz="1100" i="1" spc="-50" dirty="0">
-                <a:solidFill>
-                  <a:srgbClr val="777879"/>
-                </a:solidFill>
-                <a:latin typeface="AdobeClean-LightIt"/>
-                <a:cs typeface="AdobeClean-LightIt"/>
-              </a:rPr>
-              <a:t> </a:t>
-            </a:r>
-            <a:r>
-              <a:rPr sz="1100" i="1" spc="-15" dirty="0">
-                <a:solidFill>
-                  <a:srgbClr val="777879"/>
-                </a:solidFill>
-                <a:latin typeface="AdobeClean-LightIt"/>
-                <a:cs typeface="AdobeClean-LightIt"/>
-              </a:rPr>
-              <a:t>learn</a:t>
-            </a:r>
-            <a:r>
-              <a:rPr sz="1100" i="1" spc="-40" dirty="0">
-                <a:solidFill>
-                  <a:srgbClr val="777879"/>
-                </a:solidFill>
-                <a:latin typeface="AdobeClean-LightIt"/>
-                <a:cs typeface="AdobeClean-LightIt"/>
-              </a:rPr>
-              <a:t> </a:t>
-            </a:r>
-            <a:r>
-              <a:rPr sz="1100" i="1" spc="-15" dirty="0">
-                <a:solidFill>
-                  <a:srgbClr val="777879"/>
-                </a:solidFill>
-                <a:latin typeface="AdobeClean-LightIt"/>
-                <a:cs typeface="AdobeClean-LightIt"/>
-              </a:rPr>
-              <a:t>more</a:t>
-            </a:r>
-            <a:r>
-              <a:rPr sz="1100" i="1" spc="-45" dirty="0">
-                <a:solidFill>
-                  <a:srgbClr val="777879"/>
-                </a:solidFill>
-                <a:latin typeface="AdobeClean-LightIt"/>
-                <a:cs typeface="AdobeClean-LightIt"/>
-              </a:rPr>
-              <a:t> </a:t>
-            </a:r>
-            <a:r>
-              <a:rPr sz="1100" i="1" spc="-15" dirty="0">
-                <a:solidFill>
-                  <a:srgbClr val="777879"/>
-                </a:solidFill>
-                <a:latin typeface="AdobeClean-LightIt"/>
-                <a:cs typeface="AdobeClean-LightIt"/>
-              </a:rPr>
-              <a:t>about</a:t>
-            </a:r>
-            <a:r>
-              <a:rPr sz="1100" i="1" spc="-45" dirty="0">
-                <a:solidFill>
-                  <a:srgbClr val="777879"/>
-                </a:solidFill>
-                <a:latin typeface="AdobeClean-LightIt"/>
-                <a:cs typeface="AdobeClean-LightIt"/>
-              </a:rPr>
-              <a:t> </a:t>
-            </a:r>
-            <a:r>
-              <a:rPr sz="1100" i="1" spc="-15" dirty="0">
-                <a:solidFill>
-                  <a:srgbClr val="777879"/>
-                </a:solidFill>
-                <a:latin typeface="AdobeClean-LightIt"/>
-                <a:cs typeface="AdobeClean-LightIt"/>
-              </a:rPr>
-              <a:t>Adobe</a:t>
-            </a:r>
-            <a:r>
-              <a:rPr sz="1100" i="1" spc="-60" dirty="0">
-                <a:solidFill>
-                  <a:srgbClr val="777879"/>
-                </a:solidFill>
-                <a:latin typeface="AdobeClean-LightIt"/>
-                <a:cs typeface="AdobeClean-LightIt"/>
-              </a:rPr>
-              <a:t> </a:t>
-            </a:r>
-            <a:r>
-              <a:rPr sz="1100" i="1" spc="-15" dirty="0">
-                <a:solidFill>
-                  <a:srgbClr val="777879"/>
-                </a:solidFill>
-                <a:latin typeface="AdobeClean-LightIt"/>
-                <a:cs typeface="AdobeClean-LightIt"/>
-              </a:rPr>
-              <a:t>Support</a:t>
-            </a:r>
-            <a:r>
-              <a:rPr lang="en-US" sz="1100" i="1" spc="-15" dirty="0">
-                <a:solidFill>
-                  <a:srgbClr val="777879"/>
-                </a:solidFill>
-                <a:latin typeface="AdobeClean-LightIt"/>
-                <a:cs typeface="AdobeClean-LightIt"/>
-              </a:rPr>
-              <a:t> Offerings</a:t>
-            </a:r>
-            <a:r>
-              <a:rPr sz="1100" i="1" spc="-75" dirty="0">
-                <a:solidFill>
-                  <a:srgbClr val="777879"/>
-                </a:solidFill>
-                <a:latin typeface="AdobeClean-LightIt"/>
-                <a:cs typeface="AdobeClean-LightIt"/>
-              </a:rPr>
-              <a:t> </a:t>
-            </a:r>
-            <a:r>
-              <a:rPr sz="1100" i="1" spc="-15" dirty="0">
-                <a:solidFill>
-                  <a:srgbClr val="777879"/>
-                </a:solidFill>
-                <a:latin typeface="AdobeClean-LightIt"/>
-                <a:cs typeface="AdobeClean-LightIt"/>
-              </a:rPr>
-              <a:t>and</a:t>
-            </a:r>
-            <a:r>
-              <a:rPr sz="1100" i="1" spc="-50" dirty="0">
-                <a:solidFill>
-                  <a:srgbClr val="777879"/>
-                </a:solidFill>
-                <a:latin typeface="AdobeClean-LightIt"/>
-                <a:cs typeface="AdobeClean-LightIt"/>
-              </a:rPr>
-              <a:t> </a:t>
-            </a:r>
-            <a:r>
-              <a:rPr sz="1100" i="1" spc="-15" dirty="0">
-                <a:solidFill>
-                  <a:srgbClr val="777879"/>
-                </a:solidFill>
-                <a:latin typeface="AdobeClean-LightIt"/>
-                <a:cs typeface="AdobeClean-LightIt"/>
-              </a:rPr>
-              <a:t>the</a:t>
-            </a:r>
-            <a:r>
-              <a:rPr sz="1100" i="1" spc="-55" dirty="0">
-                <a:solidFill>
-                  <a:srgbClr val="777879"/>
-                </a:solidFill>
-                <a:latin typeface="AdobeClean-LightIt"/>
-                <a:cs typeface="AdobeClean-LightIt"/>
-              </a:rPr>
-              <a:t> </a:t>
-            </a:r>
-            <a:r>
-              <a:rPr sz="1100" i="1" spc="-15" dirty="0">
-                <a:solidFill>
-                  <a:srgbClr val="777879"/>
-                </a:solidFill>
-                <a:latin typeface="AdobeClean-LightIt"/>
-                <a:cs typeface="AdobeClean-LightIt"/>
-              </a:rPr>
-              <a:t>right</a:t>
-            </a:r>
-            <a:r>
-              <a:rPr sz="1100" i="1" spc="-95" dirty="0">
-                <a:solidFill>
-                  <a:srgbClr val="777879"/>
-                </a:solidFill>
-                <a:latin typeface="AdobeClean-LightIt"/>
-                <a:cs typeface="AdobeClean-LightIt"/>
-              </a:rPr>
-              <a:t> </a:t>
-            </a:r>
-            <a:r>
-              <a:rPr sz="1100" i="1" spc="-15" dirty="0">
-                <a:solidFill>
-                  <a:srgbClr val="777879"/>
-                </a:solidFill>
-                <a:latin typeface="AdobeClean-LightIt"/>
-                <a:cs typeface="AdobeClean-LightIt"/>
-              </a:rPr>
-              <a:t>level</a:t>
-            </a:r>
-            <a:r>
-              <a:rPr sz="1100" i="1" spc="-55" dirty="0">
-                <a:solidFill>
-                  <a:srgbClr val="777879"/>
-                </a:solidFill>
-                <a:latin typeface="AdobeClean-LightIt"/>
-                <a:cs typeface="AdobeClean-LightIt"/>
-              </a:rPr>
-              <a:t> </a:t>
-            </a:r>
-            <a:r>
-              <a:rPr sz="1100" i="1" spc="-15" dirty="0">
-                <a:solidFill>
-                  <a:srgbClr val="777879"/>
-                </a:solidFill>
-                <a:latin typeface="AdobeClean-LightIt"/>
-                <a:cs typeface="AdobeClean-LightIt"/>
-              </a:rPr>
-              <a:t>for</a:t>
-            </a:r>
-            <a:r>
-              <a:rPr sz="1100" i="1" spc="-85" dirty="0">
-                <a:solidFill>
-                  <a:srgbClr val="777879"/>
-                </a:solidFill>
-                <a:latin typeface="AdobeClean-LightIt"/>
-                <a:cs typeface="AdobeClean-LightIt"/>
-              </a:rPr>
-              <a:t> </a:t>
-            </a:r>
-            <a:r>
-              <a:rPr sz="1100" i="1" spc="-15" dirty="0">
-                <a:solidFill>
-                  <a:srgbClr val="777879"/>
-                </a:solidFill>
-                <a:latin typeface="AdobeClean-LightIt"/>
-                <a:cs typeface="AdobeClean-LightIt"/>
-              </a:rPr>
-              <a:t>you,</a:t>
-            </a:r>
-            <a:r>
-              <a:rPr sz="1100" i="1" spc="-65" dirty="0">
-                <a:solidFill>
-                  <a:srgbClr val="777879"/>
-                </a:solidFill>
-                <a:latin typeface="AdobeClean-LightIt"/>
-                <a:cs typeface="AdobeClean-LightIt"/>
-              </a:rPr>
-              <a:t> </a:t>
-            </a:r>
-            <a:r>
-              <a:rPr sz="1100" i="1" spc="-15" dirty="0">
-                <a:solidFill>
-                  <a:srgbClr val="777879"/>
-                </a:solidFill>
-                <a:latin typeface="AdobeClean-LightIt"/>
-                <a:cs typeface="AdobeClean-LightIt"/>
-              </a:rPr>
-              <a:t>contact</a:t>
-            </a:r>
-            <a:r>
-              <a:rPr sz="1100" i="1" spc="-85" dirty="0">
-                <a:solidFill>
-                  <a:srgbClr val="777879"/>
-                </a:solidFill>
-                <a:latin typeface="AdobeClean-LightIt"/>
-                <a:cs typeface="AdobeClean-LightIt"/>
-              </a:rPr>
-              <a:t> </a:t>
-            </a:r>
-            <a:r>
-              <a:rPr sz="1100" i="1" spc="-15" dirty="0">
-                <a:solidFill>
-                  <a:srgbClr val="777879"/>
-                </a:solidFill>
-                <a:latin typeface="AdobeClean-LightIt"/>
-                <a:cs typeface="AdobeClean-LightIt"/>
-              </a:rPr>
-              <a:t>your</a:t>
-            </a:r>
-            <a:r>
-              <a:rPr sz="1100" i="1" spc="-70" dirty="0">
-                <a:solidFill>
-                  <a:srgbClr val="777879"/>
-                </a:solidFill>
-                <a:latin typeface="AdobeClean-LightIt"/>
-                <a:cs typeface="AdobeClean-LightIt"/>
-              </a:rPr>
-              <a:t> </a:t>
-            </a:r>
-            <a:r>
-              <a:rPr sz="1100" i="1" spc="-15" dirty="0">
-                <a:solidFill>
-                  <a:srgbClr val="777879"/>
-                </a:solidFill>
-                <a:latin typeface="AdobeClean-LightIt"/>
-                <a:cs typeface="AdobeClean-LightIt"/>
-              </a:rPr>
-              <a:t>Named</a:t>
-            </a:r>
-            <a:r>
-              <a:rPr sz="1100" i="1" spc="-55" dirty="0">
-                <a:solidFill>
-                  <a:srgbClr val="777879"/>
-                </a:solidFill>
-                <a:latin typeface="AdobeClean-LightIt"/>
-                <a:cs typeface="AdobeClean-LightIt"/>
-              </a:rPr>
-              <a:t> </a:t>
-            </a:r>
-            <a:r>
-              <a:rPr sz="1100" i="1" spc="-25" dirty="0">
-                <a:solidFill>
-                  <a:srgbClr val="777879"/>
-                </a:solidFill>
-                <a:latin typeface="AdobeClean-LightIt"/>
-                <a:cs typeface="AdobeClean-LightIt"/>
-              </a:rPr>
-              <a:t>Account</a:t>
-            </a:r>
-            <a:r>
-              <a:rPr sz="1100" i="1" spc="-120" dirty="0">
-                <a:solidFill>
-                  <a:srgbClr val="777879"/>
-                </a:solidFill>
-                <a:latin typeface="AdobeClean-LightIt"/>
-                <a:cs typeface="AdobeClean-LightIt"/>
-              </a:rPr>
-              <a:t> </a:t>
-            </a:r>
-            <a:r>
-              <a:rPr sz="1100" i="1" spc="-20" dirty="0">
-                <a:solidFill>
-                  <a:srgbClr val="777879"/>
-                </a:solidFill>
-                <a:latin typeface="AdobeClean-LightIt"/>
-                <a:cs typeface="AdobeClean-LightIt"/>
-              </a:rPr>
-              <a:t>Manager  </a:t>
-            </a:r>
-            <a:r>
-              <a:rPr sz="1100" i="1" spc="-15" dirty="0">
-                <a:solidFill>
-                  <a:srgbClr val="777879"/>
-                </a:solidFill>
-                <a:latin typeface="AdobeClean-LightIt"/>
-                <a:cs typeface="AdobeClean-LightIt"/>
-              </a:rPr>
-              <a:t>(NAM) </a:t>
-            </a:r>
-            <a:r>
-              <a:rPr sz="1100" i="1" spc="-10" dirty="0">
-                <a:solidFill>
-                  <a:srgbClr val="777879"/>
-                </a:solidFill>
-                <a:latin typeface="AdobeClean-LightIt"/>
-                <a:cs typeface="AdobeClean-LightIt"/>
-              </a:rPr>
-              <a:t>or </a:t>
-            </a:r>
-            <a:r>
-              <a:rPr sz="1100" i="1" spc="-15" dirty="0">
-                <a:solidFill>
-                  <a:srgbClr val="777879"/>
-                </a:solidFill>
-                <a:latin typeface="AdobeClean-LightIt"/>
-                <a:cs typeface="AdobeClean-LightIt"/>
-              </a:rPr>
-              <a:t>Customer </a:t>
-            </a:r>
-            <a:r>
-              <a:rPr sz="1100" i="1" spc="-20" dirty="0">
-                <a:solidFill>
-                  <a:srgbClr val="777879"/>
-                </a:solidFill>
-                <a:latin typeface="AdobeClean-LightIt"/>
-                <a:cs typeface="AdobeClean-LightIt"/>
-              </a:rPr>
-              <a:t>Success</a:t>
-            </a:r>
-            <a:r>
-              <a:rPr sz="1100" i="1" spc="-180" dirty="0">
-                <a:solidFill>
-                  <a:srgbClr val="777879"/>
-                </a:solidFill>
-                <a:latin typeface="AdobeClean-LightIt"/>
-                <a:cs typeface="AdobeClean-LightIt"/>
-              </a:rPr>
-              <a:t> </a:t>
-            </a:r>
-            <a:r>
-              <a:rPr sz="1100" i="1" spc="-15" dirty="0">
-                <a:solidFill>
-                  <a:srgbClr val="777879"/>
-                </a:solidFill>
-                <a:latin typeface="AdobeClean-LightIt"/>
-                <a:cs typeface="AdobeClean-LightIt"/>
-              </a:rPr>
-              <a:t>Manager(CSM)</a:t>
-            </a:r>
-            <a:endParaRPr sz="1100" dirty="0">
-              <a:latin typeface="AdobeClean-LightIt"/>
-              <a:cs typeface="AdobeClean-LightIt"/>
-            </a:endParaRPr>
+              <a:t>Per saperne di più sulle opzioni di Supporto Adobe e capire quale sia il livello più adatto alle tue esigenze, contatta il tuo Named Account Manager (NAM) o Customer Success Manager (CSM).</a:t>
+            </a:r>
           </a:p>
           <a:p>
             <a:pPr marL="34290">
@@ -16273,59 +13283,15 @@
               </a:spcBef>
             </a:pPr>
             <a:r>
-              <a:rPr sz="800" spc="-5" dirty="0">
+              <a:rPr lang="it-IT" sz="800">
                 <a:solidFill>
                   <a:srgbClr val="6D6D6D"/>
                 </a:solidFill>
                 <a:latin typeface="Adobe Clean"/>
                 <a:cs typeface="Adobe Clean"/>
               </a:rPr>
-              <a:t>©202</a:t>
-            </a:r>
-            <a:r>
-              <a:rPr lang="en-US" sz="800" spc="-5" dirty="0">
-                <a:solidFill>
-                  <a:srgbClr val="6D6D6D"/>
-                </a:solidFill>
-                <a:latin typeface="Adobe Clean"/>
-                <a:cs typeface="Adobe Clean"/>
-              </a:rPr>
-              <a:t>1</a:t>
-            </a:r>
-            <a:r>
-              <a:rPr sz="800" spc="-5" dirty="0">
-                <a:solidFill>
-                  <a:srgbClr val="6D6D6D"/>
-                </a:solidFill>
-                <a:latin typeface="Adobe Clean"/>
-                <a:cs typeface="Adobe Clean"/>
-              </a:rPr>
-              <a:t> Adobe. All Rights Reserved. Adobe</a:t>
-            </a:r>
-            <a:r>
-              <a:rPr sz="800" spc="75" dirty="0">
-                <a:solidFill>
-                  <a:srgbClr val="6D6D6D"/>
-                </a:solidFill>
-                <a:latin typeface="Adobe Clean"/>
-                <a:cs typeface="Adobe Clean"/>
-              </a:rPr>
-              <a:t> </a:t>
-            </a:r>
-            <a:r>
-              <a:rPr sz="800" spc="-5" dirty="0">
-                <a:solidFill>
-                  <a:srgbClr val="6D6D6D"/>
-                </a:solidFill>
-                <a:latin typeface="Adobe Clean"/>
-                <a:cs typeface="Adobe Clean"/>
-              </a:rPr>
-              <a:t>Confidential.</a:t>
-            </a:r>
-            <a:endParaRPr sz="800" dirty="0">
-              <a:latin typeface="Adobe Clean"/>
-              <a:cs typeface="Adobe Clean"/>
-            </a:endParaRPr>
+              <a:t>©2021 Adobe. All Rights Reserved. Adobe Confidential.</a:t>
+            </a:r>
           </a:p>
         </p:txBody>
       </p:sp>
@@ -16362,19 +13328,15 @@
               </a:spcBef>
             </a:pPr>
             <a:r>
-              <a:rPr lang="en-US" sz="1400" b="1" spc="-15" dirty="0">
+              <a:rPr lang="it-IT" sz="1400" b="1" dirty="0">
                 <a:solidFill>
                   <a:srgbClr val="020302"/>
                 </a:solidFill>
                 <a:latin typeface="Adobe Clean"/>
                 <a:cs typeface="Adobe Clean"/>
               </a:rPr>
-              <a:t>Regional scope of Adobe Support, Local Hours Of Operation And Language Support</a:t>
-            </a:r>
-            <a:endParaRPr lang="en-US" sz="1400" spc="-15" dirty="0">
-              <a:ea typeface="+mn-lt"/>
-              <a:cs typeface="+mn-lt"/>
-            </a:endParaRPr>
+              <a:t>Supporto Adobe: aree geografiche, orari operativi e lingue</a:t>
+            </a:r>
           </a:p>
           <a:p>
             <a:pPr>
@@ -16383,17 +13345,31 @@
               </a:spcBef>
             </a:pPr>
             <a:r>
-              <a:rPr lang="en-US" sz="1000" spc="-15" dirty="0">
+              <a:rPr lang="it-IT" sz="1000" dirty="0">
                 <a:solidFill>
                   <a:srgbClr val="1F1F1F"/>
                 </a:solidFill>
                 <a:latin typeface="AdobeClean-Light"/>
               </a:rPr>
-              <a:t>The regional scope of Adobe Support is established by aligning the customer's billing address (via the Sales Order or other Adobe Support purchasing document) to one of the following regions:</a:t>
-            </a:r>
-            <a:endParaRPr lang="en-US" sz="1000" dirty="0">
-              <a:latin typeface="AdobeClean-Light"/>
-            </a:endParaRPr>
+              <a:t>L’ambito del supporto Adobe è definito allineando l’indirizzo di fatturazione del cliente </a:t>
+            </a:r>
+            <a:br>
+              <a:rPr lang="sk-SK" sz="1000" dirty="0">
+                <a:solidFill>
+                  <a:srgbClr val="1F1F1F"/>
+                </a:solidFill>
+                <a:latin typeface="AdobeClean-Light"/>
+              </a:rPr>
+            </a:br>
+            <a:r>
+              <a:rPr lang="it-IT" sz="1000" dirty="0">
+                <a:solidFill>
+                  <a:srgbClr val="1F1F1F"/>
+                </a:solidFill>
+                <a:latin typeface="AdobeClean-Light"/>
+              </a:rPr>
+              <a:t>(in base all’ordine di vendita o altro documento di acquisto del servizio di supporto Adobe) a una delle seguenti aree geografiche:</a:t>
+            </a:r>
           </a:p>
         </p:txBody>
       </p:sp>
@@ -16465,13 +13441,13 @@
                     <a:p>
                       <a:pPr algn="ctr"/>
                       <a:r>
-                        <a:rPr lang="en-US" sz="1100" dirty="0">
+                        <a:rPr lang="it-IT" sz="1100">
                           <a:solidFill>
                             <a:schemeClr val="tx1"/>
                           </a:solidFill>
                           <a:latin typeface="Adobe Clean" panose="020B0503020404020204" pitchFamily="34" charset="0"/>
                         </a:rPr>
-                        <a:t>Americas</a:t>
+                        <a:t>Americhe</a:t>
                       </a:r>
                     </a:p>
                   </a:txBody>
@@ -16530,13 +13506,13 @@
                     <a:p>
                       <a:pPr algn="ctr"/>
                       <a:r>
-                        <a:rPr lang="en-US" sz="1100" dirty="0">
+                        <a:rPr lang="it-IT" sz="1100">
                           <a:solidFill>
                             <a:schemeClr val="tx1"/>
                           </a:solidFill>
                           <a:latin typeface="Adobe Clean" panose="020B0503020404020204" pitchFamily="34" charset="0"/>
                         </a:rPr>
-                        <a:t>Europe, Middle East &amp; Africa</a:t>
+                        <a:t>Europa, Medio Oriente e Africa</a:t>
                       </a:r>
                     </a:p>
                   </a:txBody>
@@ -16595,13 +13571,13 @@
                     <a:p>
                       <a:pPr algn="ctr"/>
                       <a:r>
-                        <a:rPr lang="en-US" sz="1100" dirty="0">
+                        <a:rPr lang="it-IT" sz="1100">
                           <a:solidFill>
                             <a:schemeClr val="tx1"/>
                           </a:solidFill>
                           <a:latin typeface="Adobe Clean" panose="020B0503020404020204" pitchFamily="34" charset="0"/>
                         </a:rPr>
-                        <a:t>Asia Pacific</a:t>
+                        <a:t>Asia-Pacifico</a:t>
                       </a:r>
                     </a:p>
                   </a:txBody>
@@ -16660,16 +13636,16 @@
                     <a:p>
                       <a:pPr algn="ctr"/>
                       <a:r>
-                        <a:rPr lang="en-US" sz="1100" dirty="0">
+                        <a:rPr lang="it-IT" sz="1100">
                           <a:solidFill>
                             <a:schemeClr val="tx1"/>
                           </a:solidFill>
                           <a:latin typeface="Adobe Clean" panose="020B0503020404020204" pitchFamily="34" charset="0"/>
                         </a:rPr>
-                        <a:t>Japan </a:t>
+                        <a:t>Giappone</a:t>
                       </a:r>
                       <a:r>
-                        <a:rPr lang="en-US" sz="1100" baseline="30000" dirty="0">
+                        <a:rPr lang="it-IT" sz="1100" baseline="30000">
                           <a:solidFill>
                             <a:schemeClr val="tx1"/>
                           </a:solidFill>
@@ -16677,12 +13653,6 @@
                         </a:rPr>
                         <a:t>1 </a:t>
                       </a:r>
-                      <a:endParaRPr lang="en-US" sz="1100" dirty="0">
-                        <a:solidFill>
-                          <a:schemeClr val="tx1"/>
-                        </a:solidFill>
-                        <a:latin typeface="Adobe Clean" panose="020B0503020404020204" pitchFamily="34" charset="0"/>
-                      </a:endParaRPr>
                     </a:p>
                   </a:txBody>
                   <a:tcPr anchor="ctr">
@@ -16747,13 +13717,13 @@
                     <a:p>
                       <a:pPr algn="ctr"/>
                       <a:r>
-                        <a:rPr lang="en-US" sz="1100" dirty="0">
+                        <a:rPr lang="it-IT" sz="1100">
                           <a:solidFill>
                             <a:schemeClr val="tx1"/>
                           </a:solidFill>
                           <a:latin typeface="Adobe Clean" panose="020B0503020404020204" pitchFamily="34" charset="0"/>
                         </a:rPr>
-                        <a:t>6 am – 5:30 pm</a:t>
+                        <a:t>06:00 – 17:30</a:t>
                       </a:r>
                     </a:p>
                   </a:txBody>
@@ -16812,13 +13782,13 @@
                     <a:p>
                       <a:pPr algn="ctr"/>
                       <a:r>
-                        <a:rPr lang="en-US" sz="1100" dirty="0">
+                        <a:rPr lang="it-IT" sz="1100">
                           <a:solidFill>
                             <a:schemeClr val="tx1"/>
                           </a:solidFill>
                           <a:latin typeface="Adobe Clean" panose="020B0503020404020204" pitchFamily="34" charset="0"/>
                         </a:rPr>
-                        <a:t>9 am – 5 pm</a:t>
+                        <a:t>09:00 – 17:00</a:t>
                       </a:r>
                     </a:p>
                   </a:txBody>
@@ -16877,13 +13847,13 @@
                     <a:p>
                       <a:pPr algn="ctr"/>
                       <a:r>
-                        <a:rPr lang="en-US" sz="1100" dirty="0">
+                        <a:rPr lang="it-IT" sz="1100">
                           <a:solidFill>
                             <a:schemeClr val="tx1"/>
                           </a:solidFill>
                           <a:latin typeface="Adobe Clean" panose="020B0503020404020204" pitchFamily="34" charset="0"/>
                         </a:rPr>
-                        <a:t>9 am – 5 pm</a:t>
+                        <a:t>09:00 – 17:00</a:t>
                       </a:r>
                     </a:p>
                   </a:txBody>
@@ -16942,13 +13912,13 @@
                     <a:p>
                       <a:pPr algn="ctr"/>
                       <a:r>
-                        <a:rPr lang="en-US" sz="1100" dirty="0">
+                        <a:rPr lang="it-IT" sz="1100">
                           <a:solidFill>
                             <a:schemeClr val="tx1"/>
                           </a:solidFill>
                           <a:latin typeface="Adobe Clean" panose="020B0503020404020204" pitchFamily="34" charset="0"/>
                         </a:rPr>
-                        <a:t>9 am – 5:30 pm</a:t>
+                        <a:t>09:00 – 17:30</a:t>
                       </a:r>
                     </a:p>
                   </a:txBody>
@@ -17028,23 +13998,17 @@
                         <a:buNone/>
                       </a:pPr>
                       <a:r>
-                        <a:rPr lang="en-US" sz="1100" dirty="0">
+                        <a:rPr lang="it-IT" sz="1100">
                           <a:solidFill>
                             <a:schemeClr val="tx1"/>
                           </a:solidFill>
                           <a:latin typeface="Adobe Clean"/>
                         </a:rPr>
-                        <a:t>Language support is only available in English and Japanese. </a:t>
+                        <a:t>Il supporto è disponibile solo in inglese e giapponese. </a:t>
                       </a:r>
-                      <a:endParaRPr lang="en-US" sz="1100" dirty="0">
-                        <a:solidFill>
-                          <a:schemeClr val="tx1"/>
-                        </a:solidFill>
-                        <a:latin typeface="Adobe Clean" panose="020B0503020404020204" pitchFamily="34" charset="0"/>
-                      </a:endParaRPr>
                     </a:p>
                     <a:p>
-                      <a:pPr marL="0" marR="0" lvl="0" indent="0" algn="ctr" defTabSz="914400" eaLnBrk="1" fontAlgn="auto" latinLnBrk="0" hangingPunct="1">
+                      <a:pPr marL="0" marR="0" lvl="0" indent="0" algn="l" defTabSz="914400" rtl="0" eaLnBrk="1" fontAlgn="auto" latinLnBrk="0" hangingPunct="1">
                         <a:lnSpc>
                           <a:spcPct val="100000"/>
                         </a:lnSpc>
@@ -17079,7 +14043,7 @@
                     <a:p>
                       <a:pPr algn="ctr"/>
                       <a:r>
-                        <a:rPr lang="en-US" sz="1100" i="0" dirty="0">
+                        <a:rPr lang="it-IT" sz="1100" i="0">
                           <a:solidFill>
                             <a:schemeClr val="tx1"/>
                           </a:solidFill>
@@ -17088,7 +14052,7 @@
                         <a:t> </a:t>
                       </a:r>
                       <a:r>
-                        <a:rPr lang="en-US" sz="1100" i="0" baseline="30000" dirty="0">
+                        <a:rPr lang="it-IT" sz="1100" i="0" baseline="30000">
                           <a:solidFill>
                             <a:schemeClr val="tx1"/>
                           </a:solidFill>
@@ -17097,20 +14061,14 @@
                         <a:t>1 </a:t>
                       </a:r>
                       <a:r>
-                        <a:rPr lang="en-US" sz="1100" i="0" dirty="0">
+                        <a:rPr lang="it-IT" sz="1100" i="0">
                           <a:solidFill>
                             <a:schemeClr val="tx1"/>
                           </a:solidFill>
                           <a:latin typeface="Adobe Clean"/>
                         </a:rPr>
-                        <a:t>P2, P3, P4 cases are limited to business hours only in Japan.</a:t>
+                        <a:t>In Giappone, i casi P2, P3 e P4 sono limitati al solo orario operativo.</a:t>
                       </a:r>
-                      <a:endParaRPr lang="en-US" sz="1100" b="1" i="0" dirty="0">
-                        <a:solidFill>
-                          <a:schemeClr val="tx1"/>
-                        </a:solidFill>
-                        <a:latin typeface="Adobe Clean"/>
-                      </a:endParaRPr>
                     </a:p>
                   </a:txBody>
                   <a:tcPr anchor="ctr">
@@ -17474,129 +14432,15 @@
               </a:spcBef>
             </a:pPr>
             <a:r>
-              <a:rPr sz="1200" b="1" spc="-15" dirty="0">
+              <a:rPr lang="it-IT" sz="1200" b="1">
                 <a:solidFill>
                   <a:srgbClr val="FFFFFF"/>
                 </a:solidFill>
                 <a:latin typeface="Adobe Clean"/>
                 <a:cs typeface="Adobe Clean"/>
               </a:rPr>
-              <a:t>U</a:t>
-            </a:r>
-            <a:r>
-              <a:rPr sz="1200" b="1" spc="-20" dirty="0">
-                <a:solidFill>
-                  <a:srgbClr val="FFFFFF"/>
-                </a:solidFill>
-                <a:latin typeface="Adobe Clean"/>
-                <a:cs typeface="Adobe Clean"/>
-              </a:rPr>
-              <a:t>n</a:t>
-            </a:r>
-            <a:r>
-              <a:rPr sz="1200" b="1" spc="-25" dirty="0">
-                <a:solidFill>
-                  <a:srgbClr val="FFFFFF"/>
-                </a:solidFill>
-                <a:latin typeface="Adobe Clean"/>
-                <a:cs typeface="Adobe Clean"/>
-              </a:rPr>
-              <a:t>p</a:t>
-            </a:r>
-            <a:r>
-              <a:rPr sz="1200" b="1" spc="-15" dirty="0">
-                <a:solidFill>
-                  <a:srgbClr val="FFFFFF"/>
-                </a:solidFill>
-                <a:latin typeface="Adobe Clean"/>
-                <a:cs typeface="Adobe Clean"/>
-              </a:rPr>
-              <a:t>a</a:t>
-            </a:r>
-            <a:r>
-              <a:rPr sz="1200" b="1" spc="-25" dirty="0">
-                <a:solidFill>
-                  <a:srgbClr val="FFFFFF"/>
-                </a:solidFill>
-                <a:latin typeface="Adobe Clean"/>
-                <a:cs typeface="Adobe Clean"/>
-              </a:rPr>
-              <a:t>r</a:t>
-            </a:r>
-            <a:r>
-              <a:rPr sz="1200" b="1" spc="-15" dirty="0">
-                <a:solidFill>
-                  <a:srgbClr val="FFFFFF"/>
-                </a:solidFill>
-                <a:latin typeface="Adobe Clean"/>
-                <a:cs typeface="Adobe Clean"/>
-              </a:rPr>
-              <a:t>a</a:t>
-            </a:r>
-            <a:r>
-              <a:rPr sz="1200" b="1" spc="-30" dirty="0">
-                <a:solidFill>
-                  <a:srgbClr val="FFFFFF"/>
-                </a:solidFill>
-                <a:latin typeface="Adobe Clean"/>
-                <a:cs typeface="Adobe Clean"/>
-              </a:rPr>
-              <a:t>ll</a:t>
-            </a:r>
-            <a:r>
-              <a:rPr sz="1200" b="1" spc="-25" dirty="0">
-                <a:solidFill>
-                  <a:srgbClr val="FFFFFF"/>
-                </a:solidFill>
-                <a:latin typeface="Adobe Clean"/>
-                <a:cs typeface="Adobe Clean"/>
-              </a:rPr>
-              <a:t>e</a:t>
-            </a:r>
-            <a:r>
-              <a:rPr sz="1200" b="1" spc="-30" dirty="0">
-                <a:solidFill>
-                  <a:srgbClr val="FFFFFF"/>
-                </a:solidFill>
-                <a:latin typeface="Adobe Clean"/>
-                <a:cs typeface="Adobe Clean"/>
-              </a:rPr>
-              <a:t>l</a:t>
-            </a:r>
-            <a:r>
-              <a:rPr sz="1200" b="1" spc="-25" dirty="0">
-                <a:solidFill>
-                  <a:srgbClr val="FFFFFF"/>
-                </a:solidFill>
-                <a:latin typeface="Adobe Clean"/>
-                <a:cs typeface="Adobe Clean"/>
-              </a:rPr>
-              <a:t>e</a:t>
-            </a:r>
-            <a:r>
-              <a:rPr sz="1200" b="1" dirty="0">
-                <a:solidFill>
-                  <a:srgbClr val="FFFFFF"/>
-                </a:solidFill>
-                <a:latin typeface="Adobe Clean"/>
-                <a:cs typeface="Adobe Clean"/>
-              </a:rPr>
-              <a:t>d  </a:t>
-            </a:r>
-            <a:r>
-              <a:rPr sz="1200" b="1" spc="-25" dirty="0">
-                <a:solidFill>
-                  <a:srgbClr val="FFFFFF"/>
-                </a:solidFill>
-                <a:latin typeface="Adobe Clean"/>
-                <a:cs typeface="Adobe Clean"/>
-              </a:rPr>
-              <a:t>Expertise</a:t>
-            </a:r>
-            <a:endParaRPr sz="1200" dirty="0">
-              <a:latin typeface="Adobe Clean"/>
-              <a:cs typeface="Adobe Clean"/>
-            </a:endParaRPr>
+              <a:t>Eccellenza tecnica</a:t>
+            </a:r>
           </a:p>
         </p:txBody>
       </p:sp>
@@ -17636,19 +14480,15 @@
               </a:spcBef>
             </a:pPr>
             <a:r>
-              <a:rPr lang="en-US" sz="1200" b="1" spc="-15" dirty="0">
+              <a:rPr lang="it-IT" sz="1200" b="1">
                 <a:solidFill>
                   <a:srgbClr val="FFFFFF"/>
                 </a:solidFill>
                 <a:latin typeface="Adobe Clean"/>
                 <a:cs typeface="Adobe Clean"/>
               </a:rPr>
-              <a:t>Accelerated Support</a:t>
-            </a:r>
-            <a:endParaRPr sz="1200" dirty="0">
-              <a:latin typeface="Adobe Clean"/>
-              <a:cs typeface="Adobe Clean"/>
-            </a:endParaRPr>
+              <a:t>Supporto rapido</a:t>
+            </a:r>
           </a:p>
         </p:txBody>
       </p:sp>
@@ -17666,8 +14506,8 @@
         </p:nvSpPr>
         <p:spPr>
           <a:xfrm>
-            <a:off x="6624119" y="8543943"/>
-            <a:ext cx="510540" cy="385445"/>
+            <a:off x="6477000" y="8543943"/>
+            <a:ext cx="810895" cy="385445"/>
           </a:xfrm>
           <a:prstGeom prst="rect">
             <a:avLst/>
@@ -17688,109 +14528,15 @@
               </a:spcBef>
             </a:pPr>
             <a:r>
-              <a:rPr sz="1200" b="1" spc="-50" dirty="0">
+              <a:rPr lang="it-IT" sz="1200" b="1" dirty="0">
                 <a:solidFill>
                   <a:srgbClr val="FFFFFF"/>
                 </a:solidFill>
                 <a:latin typeface="Adobe Clean"/>
                 <a:cs typeface="Adobe Clean"/>
               </a:rPr>
-              <a:t>S</a:t>
-            </a:r>
-            <a:r>
-              <a:rPr sz="1200" b="1" spc="-20" dirty="0">
-                <a:solidFill>
-                  <a:srgbClr val="FFFFFF"/>
-                </a:solidFill>
-                <a:latin typeface="Adobe Clean"/>
-                <a:cs typeface="Adobe Clean"/>
-              </a:rPr>
-              <a:t>t</a:t>
-            </a:r>
-            <a:r>
-              <a:rPr sz="1200" b="1" spc="-75" dirty="0">
-                <a:solidFill>
-                  <a:srgbClr val="FFFFFF"/>
-                </a:solidFill>
-                <a:latin typeface="Adobe Clean"/>
-                <a:cs typeface="Adobe Clean"/>
-              </a:rPr>
-              <a:t>r</a:t>
-            </a:r>
-            <a:r>
-              <a:rPr sz="1200" b="1" spc="-90" dirty="0">
-                <a:solidFill>
-                  <a:srgbClr val="FFFFFF"/>
-                </a:solidFill>
-                <a:latin typeface="Adobe Clean"/>
-                <a:cs typeface="Adobe Clean"/>
-              </a:rPr>
-              <a:t>a</a:t>
-            </a:r>
-            <a:r>
-              <a:rPr sz="1200" b="1" spc="-55" dirty="0">
-                <a:solidFill>
-                  <a:srgbClr val="FFFFFF"/>
-                </a:solidFill>
-                <a:latin typeface="Adobe Clean"/>
-                <a:cs typeface="Adobe Clean"/>
-              </a:rPr>
-              <a:t>t</a:t>
-            </a:r>
-            <a:r>
-              <a:rPr sz="1200" b="1" spc="-100" dirty="0">
-                <a:solidFill>
-                  <a:srgbClr val="FFFFFF"/>
-                </a:solidFill>
-                <a:latin typeface="Adobe Clean"/>
-                <a:cs typeface="Adobe Clean"/>
-              </a:rPr>
-              <a:t>e</a:t>
-            </a:r>
-            <a:r>
-              <a:rPr sz="1200" b="1" spc="-80" dirty="0">
-                <a:solidFill>
-                  <a:srgbClr val="FFFFFF"/>
-                </a:solidFill>
-                <a:latin typeface="Adobe Clean"/>
-                <a:cs typeface="Adobe Clean"/>
-              </a:rPr>
-              <a:t>g</a:t>
-            </a:r>
-            <a:r>
-              <a:rPr sz="1200" b="1" spc="-35" dirty="0">
-                <a:solidFill>
-                  <a:srgbClr val="FFFFFF"/>
-                </a:solidFill>
-                <a:latin typeface="Adobe Clean"/>
-                <a:cs typeface="Adobe Clean"/>
-              </a:rPr>
-              <a:t>i</a:t>
-            </a:r>
-            <a:r>
-              <a:rPr sz="1200" b="1" dirty="0">
-                <a:solidFill>
-                  <a:srgbClr val="FFFFFF"/>
-                </a:solidFill>
-                <a:latin typeface="Adobe Clean"/>
-                <a:cs typeface="Adobe Clean"/>
-              </a:rPr>
-              <a:t>c  </a:t>
-            </a:r>
-            <a:r>
-              <a:rPr sz="1200" b="1" spc="-45" dirty="0">
-                <a:solidFill>
-                  <a:srgbClr val="FFFFFF"/>
-                </a:solidFill>
-                <a:latin typeface="Adobe Clean"/>
-                <a:cs typeface="Adobe Clean"/>
-              </a:rPr>
-              <a:t>Advice</a:t>
-            </a:r>
-            <a:endParaRPr sz="1200" dirty="0">
-              <a:latin typeface="Adobe Clean"/>
-              <a:cs typeface="Adobe Clean"/>
-            </a:endParaRPr>
+              <a:t>Consulenza strategica</a:t>
+            </a:r>
           </a:p>
         </p:txBody>
       </p:sp>
@@ -17809,7 +14555,7 @@
           <p:nvPr>
             <p:extLst>
               <p:ext uri="{D42A27DB-BD31-4B8C-83A1-F6EECF244321}">
-                <p14:modId xmlns:p14="http://schemas.microsoft.com/office/powerpoint/2010/main" val="1493671087"/>
+                <p14:modId xmlns:p14="http://schemas.microsoft.com/office/powerpoint/2010/main" val="3712755428"/>
               </p:ext>
             </p:extLst>
           </p:nvPr>
@@ -17847,7 +14593,7 @@
                     <a:lstStyle/>
                     <a:p>
                       <a:r>
-                        <a:rPr lang="en-US" sz="1100" b="0" dirty="0">
+                        <a:rPr lang="it-IT" sz="1100" b="0">
                           <a:solidFill>
                             <a:schemeClr val="tx1"/>
                           </a:solidFill>
@@ -17858,14 +14604,6 @@
                         </a:rPr>
                         <a:t>Experience League</a:t>
                       </a:r>
-                      <a:endParaRPr lang="en-US" sz="1100" b="0" dirty="0">
-                        <a:solidFill>
-                          <a:schemeClr val="tx1"/>
-                        </a:solidFill>
-                        <a:latin typeface="Adobe Clean" panose="020B0503020404020204" pitchFamily="34" charset="0"/>
-                        <a:ea typeface="+mn-ea"/>
-                        <a:cs typeface="+mn-cs"/>
-                      </a:endParaRPr>
                     </a:p>
                   </a:txBody>
                   <a:tcPr marL="47625" marR="47625" marT="0" marB="0" anchor="ctr">
@@ -17939,7 +14677,7 @@
                         <a:defRPr/>
                       </a:pPr>
                       <a:r>
-                        <a:rPr lang="en-US" sz="1000" b="0" kern="1200" dirty="0">
+                        <a:rPr lang="it-IT" sz="1000" b="0" dirty="0">
                           <a:solidFill>
                             <a:srgbClr val="000000"/>
                           </a:solidFill>
@@ -17947,7 +14685,28 @@
                           <a:ea typeface="+mn-ea"/>
                           <a:cs typeface="+mn-cs"/>
                         </a:rPr>
-                        <a:t>Experience League is how Adobe helps businesses achieve the value they expect from their Adobe investment. It’s the unified place where customers can learn, connect, and grow along a personalized path to success that includes self-help tutorials, product documentation, instructor-led training, community and technical support. </a:t>
+                        <a:t>Con Experience League, Adobe aiuta le aziende a conseguire il valore che si aspettano dalle soluzioni Adobe in cui hanno investito. In questo portale unificato, puoi imparare, relazionarti con altri professionisti </a:t>
+                      </a:r>
+                      <a:br>
+                        <a:rPr lang="sk-SK" sz="1000" b="0" dirty="0">
+                          <a:solidFill>
+                            <a:srgbClr val="000000"/>
+                          </a:solidFill>
+                          <a:latin typeface="Adobe Clean Light" panose="020B0303020404020204" pitchFamily="34" charset="0"/>
+                          <a:ea typeface="+mn-ea"/>
+                          <a:cs typeface="+mn-cs"/>
+                        </a:rPr>
+                      </a:br>
+                      <a:r>
+                        <a:rPr lang="it-IT" sz="1000" b="0" dirty="0">
+                          <a:solidFill>
+                            <a:srgbClr val="000000"/>
+                          </a:solidFill>
+                          <a:latin typeface="Adobe Clean Light" panose="020B0303020404020204" pitchFamily="34" charset="0"/>
+                          <a:ea typeface="+mn-ea"/>
+                          <a:cs typeface="+mn-cs"/>
+                        </a:rPr>
+                        <a:t>e crescere seguendo un percorso personalizzato con tutorial, documentazione dei prodotti, formazione con istruttori, supporto tecnico e il sostegno dell’intera community. </a:t>
                       </a:r>
                     </a:p>
                   </a:txBody>
@@ -18029,39 +14788,28 @@
                         <a:defRPr/>
                       </a:pPr>
                       <a:r>
-                        <a:rPr lang="en-US" sz="1100" dirty="0">
+                        <a:rPr lang="it-IT" sz="1100">
                           <a:solidFill>
                             <a:schemeClr val="dk1"/>
                           </a:solidFill>
-                          <a:effectLst/>
                           <a:latin typeface="Adobe Clean" panose="020B0503020404020204" pitchFamily="34" charset="0"/>
                           <a:ea typeface="+mn-ea"/>
                           <a:cs typeface="+mn-cs"/>
                           <a:hlinkClick r:id="rId8"/>
                         </a:rPr>
-                        <a:t>Training</a:t>
+                        <a:t>Formazione</a:t>
                       </a:r>
                       <a:r>
-                        <a:rPr lang="en-US" sz="1100" dirty="0">
+                        <a:rPr lang="it-IT" sz="1100">
                           <a:solidFill>
                             <a:schemeClr val="dk1"/>
                           </a:solidFill>
-                          <a:effectLst/>
                           <a:latin typeface="Adobe Clean" panose="020B0503020404020204" pitchFamily="34" charset="0"/>
                           <a:ea typeface="+mn-ea"/>
                           <a:cs typeface="+mn-cs"/>
                         </a:rPr>
                         <a:t> </a:t>
                       </a:r>
-                      <a:endParaRPr lang="en-US" sz="1100" dirty="0">
-                        <a:solidFill>
-                          <a:schemeClr val="tx1"/>
-                        </a:solidFill>
-                        <a:effectLst/>
-                        <a:latin typeface="Adobe Clean" panose="020B0503020404020204" pitchFamily="34" charset="0"/>
-                        <a:ea typeface="+mn-ea"/>
-                        <a:cs typeface="+mn-cs"/>
-                      </a:endParaRPr>
                     </a:p>
                   </a:txBody>
                   <a:tcPr anchor="ctr">
@@ -18135,7 +14883,7 @@
                         <a:defRPr/>
                       </a:pPr>
                       <a:r>
-                        <a:rPr lang="en-US" sz="1000" kern="1200" dirty="0">
+                        <a:rPr lang="it-IT" sz="1000" dirty="0">
                           <a:solidFill>
                             <a:srgbClr val="000000"/>
                           </a:solidFill>
@@ -18143,7 +14891,28 @@
                           <a:ea typeface="+mn-ea"/>
                           <a:cs typeface="+mn-cs"/>
                         </a:rPr>
-                        <a:t>Adobe Digital Learning Services courses are accessible from Experience League. Learning courses integrate both on-demand and instructor-led lessons.  Here you can accrue skills that have recognized market value and position them to drive success in your organizations.</a:t>
+                        <a:t>I corsi Adobe Digital Learning Services sono accessibili da Experience League. I corsi di apprendimento comprendono lezioni sia on-demand che guidate da istruttori.  Potrai acquisire nuove competenze particolarmente ricercate nel settore e metterle in pratica nella </a:t>
+                      </a:r>
+                      <a:br>
+                        <a:rPr lang="sk-SK" sz="1000" dirty="0">
+                          <a:solidFill>
+                            <a:srgbClr val="000000"/>
+                          </a:solidFill>
+                          <a:latin typeface="Adobe Clean Light" panose="020B0303020404020204" pitchFamily="34" charset="0"/>
+                          <a:ea typeface="+mn-ea"/>
+                          <a:cs typeface="+mn-cs"/>
+                        </a:rPr>
+                      </a:br>
+                      <a:r>
+                        <a:rPr lang="it-IT" sz="1000" dirty="0">
+                          <a:solidFill>
+                            <a:srgbClr val="000000"/>
+                          </a:solidFill>
+                          <a:latin typeface="Adobe Clean Light" panose="020B0303020404020204" pitchFamily="34" charset="0"/>
+                          <a:ea typeface="+mn-ea"/>
+                          <a:cs typeface="+mn-cs"/>
+                        </a:rPr>
+                        <a:t>tua organizzazione, per favorirne il successo.</a:t>
                       </a:r>
                     </a:p>
                   </a:txBody>
@@ -18225,27 +14994,17 @@
                         <a:defRPr/>
                       </a:pPr>
                       <a:r>
-                        <a:rPr lang="en-US" sz="1100" dirty="0">
+                        <a:rPr lang="it-IT" sz="1100">
                           <a:solidFill>
                             <a:schemeClr val="tx1"/>
                           </a:solidFill>
-                          <a:effectLst/>
                           <a:latin typeface="Adobe Clean" panose="020B0503020404020204" pitchFamily="34" charset="0"/>
                           <a:ea typeface="+mn-ea"/>
                           <a:cs typeface="+mn-cs"/>
                           <a:hlinkClick r:id="rId9"/>
                         </a:rPr>
-                        <a:t>Production Issues &amp; System Outages</a:t>
+                        <a:t>Problemi di produzione e interruzioni del sistema</a:t>
                       </a:r>
-                      <a:endParaRPr lang="en-US" sz="1100" dirty="0">
-                        <a:solidFill>
-                          <a:schemeClr val="tx1"/>
-                        </a:solidFill>
-                        <a:effectLst/>
-                        <a:latin typeface="Adobe Clean" panose="020B0503020404020204" pitchFamily="34" charset="0"/>
-                        <a:ea typeface="+mn-ea"/>
-                        <a:cs typeface="+mn-cs"/>
-                      </a:endParaRPr>
                     </a:p>
                   </a:txBody>
                   <a:tcPr anchor="ctr">
@@ -18319,7 +15078,7 @@
                         <a:defRPr/>
                       </a:pPr>
                       <a:r>
-                        <a:rPr lang="en-US" sz="1000" kern="1200" dirty="0">
+                        <a:rPr lang="it-IT" sz="1000" dirty="0">
                           <a:solidFill>
                             <a:srgbClr val="000000"/>
                           </a:solidFill>
@@ -18327,7 +15086,91 @@
                           <a:ea typeface="+mn-ea"/>
                           <a:cs typeface="+mn-cs"/>
                         </a:rPr>
-                        <a:t>Status.adobe.com conveys the health information of all Adobe products and services that are deployed in multi-tenant environments. Customers can choose their subscription preferences to get email notifications whenever Adobe creates, updates or resolves a product event. This can include scheduled maintenance or service issues of varying levels of severity. </a:t>
+                        <a:t>Status.adobe.com trasmette informazioni sullo stato di tutti i prodotti</a:t>
+                      </a:r>
+                      <a:br>
+                        <a:rPr lang="sk-SK" sz="1000" dirty="0">
+                          <a:solidFill>
+                            <a:srgbClr val="000000"/>
+                          </a:solidFill>
+                          <a:latin typeface="Adobe Clean Light" panose="020B0303020404020204" pitchFamily="34" charset="0"/>
+                          <a:ea typeface="+mn-ea"/>
+                          <a:cs typeface="+mn-cs"/>
+                        </a:rPr>
+                      </a:br>
+                      <a:r>
+                        <a:rPr lang="it-IT" sz="1000" dirty="0">
+                          <a:solidFill>
+                            <a:srgbClr val="000000"/>
+                          </a:solidFill>
+                          <a:latin typeface="Adobe Clean Light" panose="020B0303020404020204" pitchFamily="34" charset="0"/>
+                          <a:ea typeface="+mn-ea"/>
+                          <a:cs typeface="+mn-cs"/>
+                        </a:rPr>
+                        <a:t>e i servizi Adobe implementati in ambienti multi-tenant. Puoi scegliere se ricevere notifiche e-mail ogni volta che Adobe segnala, aggiorna </a:t>
+                      </a:r>
+                      <a:br>
+                        <a:rPr lang="sk-SK" sz="1000" dirty="0">
+                          <a:solidFill>
+                            <a:srgbClr val="000000"/>
+                          </a:solidFill>
+                          <a:latin typeface="Adobe Clean Light" panose="020B0303020404020204" pitchFamily="34" charset="0"/>
+                          <a:ea typeface="+mn-ea"/>
+                          <a:cs typeface="+mn-cs"/>
+                        </a:rPr>
+                      </a:br>
+                      <a:r>
+                        <a:rPr lang="it-IT" sz="1000" dirty="0">
+                          <a:solidFill>
+                            <a:srgbClr val="000000"/>
+                          </a:solidFill>
+                          <a:latin typeface="Adobe Clean Light" panose="020B0303020404020204" pitchFamily="34" charset="0"/>
+                          <a:ea typeface="+mn-ea"/>
+                          <a:cs typeface="+mn-cs"/>
+                        </a:rPr>
+                        <a:t>o risolve un problema relativo a un prodotto. Vengono segnalate </a:t>
+                      </a:r>
+                      <a:br>
+                        <a:rPr lang="sk-SK" sz="1000" dirty="0">
+                          <a:solidFill>
+                            <a:srgbClr val="000000"/>
+                          </a:solidFill>
+                          <a:latin typeface="Adobe Clean Light" panose="020B0303020404020204" pitchFamily="34" charset="0"/>
+                          <a:ea typeface="+mn-ea"/>
+                          <a:cs typeface="+mn-cs"/>
+                        </a:rPr>
+                      </a:br>
+                      <a:r>
+                        <a:rPr lang="it-IT" sz="1000" dirty="0">
+                          <a:solidFill>
+                            <a:srgbClr val="000000"/>
+                          </a:solidFill>
+                          <a:latin typeface="Adobe Clean Light" panose="020B0303020404020204" pitchFamily="34" charset="0"/>
+                          <a:ea typeface="+mn-ea"/>
+                          <a:cs typeface="+mn-cs"/>
+                        </a:rPr>
+                        <a:t>ad esempio le interruzioni per manutenzione programmata </a:t>
+                      </a:r>
+                      <a:br>
+                        <a:rPr lang="sk-SK" sz="1000" dirty="0">
+                          <a:solidFill>
+                            <a:srgbClr val="000000"/>
+                          </a:solidFill>
+                          <a:latin typeface="Adobe Clean Light" panose="020B0303020404020204" pitchFamily="34" charset="0"/>
+                          <a:ea typeface="+mn-ea"/>
+                          <a:cs typeface="+mn-cs"/>
+                        </a:rPr>
+                      </a:br>
+                      <a:r>
+                        <a:rPr lang="it-IT" sz="1000" dirty="0">
+                          <a:solidFill>
+                            <a:srgbClr val="000000"/>
+                          </a:solidFill>
+                          <a:latin typeface="Adobe Clean Light" panose="020B0303020404020204" pitchFamily="34" charset="0"/>
+                          <a:ea typeface="+mn-ea"/>
+                          <a:cs typeface="+mn-cs"/>
+                        </a:rPr>
+                        <a:t>o problemi relativi ai servizi con diversi livelli di gravità. </a:t>
                       </a:r>
                     </a:p>
                   </a:txBody>
@@ -18409,27 +15252,17 @@
                         <a:defRPr/>
                       </a:pPr>
                       <a:r>
-                        <a:rPr lang="en-US" sz="1100" dirty="0">
+                        <a:rPr lang="it-IT" sz="1100">
                           <a:solidFill>
                             <a:schemeClr val="tx1"/>
                           </a:solidFill>
-                          <a:effectLst/>
                           <a:latin typeface="Adobe Clean" panose="020B0503020404020204" pitchFamily="34" charset="0"/>
                           <a:ea typeface="+mn-ea"/>
                           <a:cs typeface="+mn-cs"/>
                           <a:hlinkClick r:id="rId10"/>
                         </a:rPr>
-                        <a:t>Terms and Conditions</a:t>
+                        <a:t>Termini e condizioni</a:t>
                       </a:r>
-                      <a:endParaRPr lang="en-US" sz="1100" dirty="0">
-                        <a:solidFill>
-                          <a:schemeClr val="tx1"/>
-                        </a:solidFill>
-                        <a:effectLst/>
-                        <a:latin typeface="Adobe Clean" panose="020B0503020404020204" pitchFamily="34" charset="0"/>
-                        <a:ea typeface="+mn-ea"/>
-                        <a:cs typeface="+mn-cs"/>
-                      </a:endParaRPr>
                     </a:p>
                   </a:txBody>
                   <a:tcPr anchor="ctr">
@@ -18486,7 +15319,7 @@
                     <a:lstStyle/>
                     <a:p>
                       <a:r>
-                        <a:rPr lang="en-US" sz="1000" kern="1200" dirty="0">
+                        <a:rPr lang="it-IT" sz="1000" dirty="0">
                           <a:solidFill>
                             <a:srgbClr val="000000"/>
                           </a:solidFill>
@@ -18494,7 +15327,7 @@
                           <a:ea typeface="+mn-ea"/>
                           <a:cs typeface="+mn-cs"/>
                         </a:rPr>
-                        <a:t>Terms and conditions detailing Support Services offerings</a:t>
+                        <a:t>Termini e condizioni che descrivono i servizi di supporto disponibili</a:t>
                       </a:r>
                     </a:p>
                   </a:txBody>
@@ -19265,6 +16098,21 @@
 </file>
 
 <file path=customXml/item1.xml><?xml version="1.0" encoding="utf-8"?>
+<p:properties xmlns:p="http://schemas.microsoft.com/office/2006/metadata/properties" xmlns:xsi="http://www.w3.org/2001/XMLSchema-instance" xmlns:pc="http://schemas.microsoft.com/office/infopath/2007/PartnerControls">
+  <documentManagement/>
+</p:properties>
+</file>
+
+<file path=customXml/item2.xml><?xml version="1.0" encoding="utf-8"?>
+<?mso-contentType ?>
+<FormTemplates xmlns="http://schemas.microsoft.com/sharepoint/v3/contenttype/forms">
+  <Display>DocumentLibraryForm</Display>
+  <Edit>DocumentLibraryForm</Edit>
+  <New>DocumentLibraryForm</New>
+</FormTemplates>
+</file>
+
+<file path=customXml/item3.xml><?xml version="1.0" encoding="utf-8"?>
 <ct:contentTypeSchema xmlns:ct="http://schemas.microsoft.com/office/2006/metadata/contentType" xmlns:ma="http://schemas.microsoft.com/office/2006/metadata/properties/metaAttributes" ct:_="" ma:_="" ma:contentTypeName="Document" ma:contentTypeID="0x010100E783BF6876BCC646A459363AF21A7736" ma:contentTypeVersion="10" ma:contentTypeDescription="Create a new document." ma:contentTypeScope="" ma:versionID="c4ffda7f4f415767600769e454c2ea87">
   <xsd:schema xmlns:xsd="http://www.w3.org/2001/XMLSchema" xmlns:xs="http://www.w3.org/2001/XMLSchema" xmlns:p="http://schemas.microsoft.com/office/2006/metadata/properties" xmlns:ns2="8a053bff-88be-49e4-9a87-e748e18b8b62" xmlns:ns3="6c8368ec-3776-49b5-a5bb-90648cf9530f" targetNamespace="http://schemas.microsoft.com/office/2006/metadata/properties" ma:root="true" ma:fieldsID="df3ec33bccc23e23bce7bc897fad43d1" ns2:_="" ns3:_="">
     <xsd:import namespace="8a053bff-88be-49e4-9a87-e748e18b8b62"/>
@@ -19469,22 +16317,24 @@
 </ct:contentTypeSchema>
 </file>
 
-<file path=customXml/item2.xml><?xml version="1.0" encoding="utf-8"?>
-<?mso-contentType ?>
-<FormTemplates xmlns="http://schemas.microsoft.com/sharepoint/v3/contenttype/forms">
-  <Display>DocumentLibraryForm</Display>
-  <Edit>DocumentLibraryForm</Edit>
-  <New>DocumentLibraryForm</New>
-</FormTemplates>
+<file path=customXml/itemProps1.xml><?xml version="1.0" encoding="utf-8"?>
+<ds:datastoreItem xmlns:ds="http://schemas.openxmlformats.org/officeDocument/2006/customXml" ds:itemID="{CED41536-010B-47B1-9229-B72BE4090090}">
+  <ds:schemaRefs>
+    <ds:schemaRef ds:uri="http://schemas.microsoft.com/office/2006/metadata/properties"/>
+    <ds:schemaRef ds:uri="http://schemas.microsoft.com/office/infopath/2007/PartnerControls"/>
+  </ds:schemaRefs>
+</ds:datastoreItem>
 </file>
 
-<file path=customXml/item3.xml><?xml version="1.0" encoding="utf-8"?>
-<p:properties xmlns:p="http://schemas.microsoft.com/office/2006/metadata/properties" xmlns:xsi="http://www.w3.org/2001/XMLSchema-instance" xmlns:pc="http://schemas.microsoft.com/office/infopath/2007/PartnerControls">
-  <documentManagement/>
-</p:properties>
+<file path=customXml/itemProps2.xml><?xml version="1.0" encoding="utf-8"?>
+<ds:datastoreItem xmlns:ds="http://schemas.openxmlformats.org/officeDocument/2006/customXml" ds:itemID="{669D9D3B-3229-44EE-9964-24A06AE66887}">
+  <ds:schemaRefs>
+    <ds:schemaRef ds:uri="http://schemas.microsoft.com/sharepoint/v3/contenttype/forms"/>
+  </ds:schemaRefs>
+</ds:datastoreItem>
 </file>
 
-<file path=customXml/itemProps1.xml><?xml version="1.0" encoding="utf-8"?>
+<file path=customXml/itemProps3.xml><?xml version="1.0" encoding="utf-8"?>
 <ds:datastoreItem xmlns:ds="http://schemas.openxmlformats.org/officeDocument/2006/customXml" ds:itemID="{75C1A8FD-3884-41A0-BE37-D15776C885D1}">
   <ds:schemaRefs>
     <ds:schemaRef ds:uri="http://schemas.microsoft.com/office/2006/metadata/contentType"/>
@@ -19501,21 +16351,4 @@
     <ds:schemaRef ds:uri="http://schemas.microsoft.com/internal/obd"/>
   </ds:schemaRefs>
 </ds:datastoreItem>
-</file>
-
-<file path=customXml/itemProps2.xml><?xml version="1.0" encoding="utf-8"?>
-<ds:datastoreItem xmlns:ds="http://schemas.openxmlformats.org/officeDocument/2006/customXml" ds:itemID="{669D9D3B-3229-44EE-9964-24A06AE66887}">
-  <ds:schemaRefs>
-    <ds:schemaRef ds:uri="http://schemas.microsoft.com/sharepoint/v3/contenttype/forms"/>
-  </ds:schemaRefs>
-</ds:datastoreItem>
-</file>
-
-<file path=customXml/itemProps3.xml><?xml version="1.0" encoding="utf-8"?>
-<ds:datastoreItem xmlns:ds="http://schemas.openxmlformats.org/officeDocument/2006/customXml" ds:itemID="{CED41536-010B-47B1-9229-B72BE4090090}">
-  <ds:schemaRefs>
-    <ds:schemaRef ds:uri="http://schemas.microsoft.com/office/2006/metadata/properties"/>
-    <ds:schemaRef ds:uri="http://schemas.microsoft.com/office/infopath/2007/PartnerControls"/>
-  </ds:schemaRefs>
-</ds:datastoreItem>
 </file>
--- a/help/data-sheets/assets/EliteSupportDatasheet.pptx
+++ b/help/data-sheets/assets/EliteSupportDatasheet.pptx
@@ -151,9 +151,7 @@
 <file path=ppt/revisionInfo.xml><?xml version="1.0" encoding="utf-8"?>
 <p1510:revInfo xmlns:a="http://schemas.openxmlformats.org/drawingml/2006/main" xmlns:r="http://schemas.openxmlformats.org/officeDocument/2006/relationships" xmlns:p1510="http://schemas.microsoft.com/office/powerpoint/2015/10/main">
   <p1510:revLst>
-    <p1510:client id="{306579C9-8574-E621-57BF-C5D6F4C605CC}" v="6" dt="2021-09-22T22:58:26.163"/>
-    <p1510:client id="{86768B6F-E5DF-274A-B928-9320E1DF9962}" v="132" dt="2021-08-07T02:18:13.925"/>
-    <p1510:client id="{8C285145-5FF7-2B49-D44C-ABA3390CC068}" v="48" dt="2021-09-22T19:02:31.738"/>
+    <p1510:client id="{0BC4D7A0-4BBD-1B49-BE14-170949F0EA37}" v="4" dt="2021-10-13T19:10:14.670"/>
   </p1510:revLst>
 </p1510:revInfo>
 </file>
@@ -161,58 +159,26 @@
 <file path=ppt/changesInfos/changesInfo1.xml><?xml version="1.0" encoding="utf-8"?>
 <pc:chgInfo xmlns:a="http://schemas.openxmlformats.org/drawingml/2006/main" xmlns:r="http://schemas.openxmlformats.org/officeDocument/2006/relationships" xmlns:ac="http://schemas.microsoft.com/office/drawing/2013/main/command" xmlns:pc="http://schemas.microsoft.com/office/powerpoint/2013/main/command">
   <pc:docChgLst>
-    <pc:chgData name="Akilah Johnson" userId="S::akjohnso@adobe.com::2fa3aa60-0c9c-4d06-bae2-795983241227" providerId="AD" clId="Web-{306579C9-8574-E621-57BF-C5D6F4C605CC}"/>
+    <pc:chgData name="Lauren Schutte" userId="6e08b2d3-447a-4d66-86be-444d50df187f" providerId="ADAL" clId="{0BC4D7A0-4BBD-1B49-BE14-170949F0EA37}"/>
     <pc:docChg chg="modSld">
-      <pc:chgData name="Akilah Johnson" userId="S::akjohnso@adobe.com::2fa3aa60-0c9c-4d06-bae2-795983241227" providerId="AD" clId="Web-{306579C9-8574-E621-57BF-C5D6F4C605CC}" dt="2021-09-22T22:58:18.491" v="3"/>
+      <pc:chgData name="Lauren Schutte" userId="6e08b2d3-447a-4d66-86be-444d50df187f" providerId="ADAL" clId="{0BC4D7A0-4BBD-1B49-BE14-170949F0EA37}" dt="2021-10-13T19:10:14.671" v="3" actId="1035"/>
       <pc:docMkLst>
         <pc:docMk/>
       </pc:docMkLst>
-      <pc:sldChg chg="modSp">
-        <pc:chgData name="Akilah Johnson" userId="S::akjohnso@adobe.com::2fa3aa60-0c9c-4d06-bae2-795983241227" providerId="AD" clId="Web-{306579C9-8574-E621-57BF-C5D6F4C605CC}" dt="2021-09-22T22:58:18.491" v="3"/>
+      <pc:sldChg chg="modSp mod">
+        <pc:chgData name="Lauren Schutte" userId="6e08b2d3-447a-4d66-86be-444d50df187f" providerId="ADAL" clId="{0BC4D7A0-4BBD-1B49-BE14-170949F0EA37}" dt="2021-10-13T19:10:14.671" v="3" actId="1035"/>
         <pc:sldMkLst>
           <pc:docMk/>
-          <pc:sldMk cId="1050037809" sldId="261"/>
-        </pc:sldMkLst>
-        <pc:graphicFrameChg chg="mod modGraphic">
-          <ac:chgData name="Akilah Johnson" userId="S::akjohnso@adobe.com::2fa3aa60-0c9c-4d06-bae2-795983241227" providerId="AD" clId="Web-{306579C9-8574-E621-57BF-C5D6F4C605CC}" dt="2021-09-22T22:58:18.491" v="3"/>
-          <ac:graphicFrameMkLst>
-            <pc:docMk/>
-            <pc:sldMk cId="1050037809" sldId="261"/>
-            <ac:graphicFrameMk id="25" creationId="{3A91F5B0-3974-A14D-A146-FB590F2AAD18}"/>
-          </ac:graphicFrameMkLst>
-        </pc:graphicFrameChg>
-      </pc:sldChg>
-    </pc:docChg>
-  </pc:docChgLst>
-  <pc:docChgLst>
-    <pc:chgData name="Akilah Johnson" userId="S::akjohnso@adobe.com::2fa3aa60-0c9c-4d06-bae2-795983241227" providerId="AD" clId="Web-{8C285145-5FF7-2B49-D44C-ABA3390CC068}"/>
-    <pc:docChg chg="modSld">
-      <pc:chgData name="Akilah Johnson" userId="S::akjohnso@adobe.com::2fa3aa60-0c9c-4d06-bae2-795983241227" providerId="AD" clId="Web-{8C285145-5FF7-2B49-D44C-ABA3390CC068}" dt="2021-09-22T19:02:31.738" v="36" actId="1076"/>
-      <pc:docMkLst>
-        <pc:docMk/>
-      </pc:docMkLst>
-      <pc:sldChg chg="modSp">
-        <pc:chgData name="Akilah Johnson" userId="S::akjohnso@adobe.com::2fa3aa60-0c9c-4d06-bae2-795983241227" providerId="AD" clId="Web-{8C285145-5FF7-2B49-D44C-ABA3390CC068}" dt="2021-09-22T19:02:31.738" v="36" actId="1076"/>
-        <pc:sldMkLst>
-          <pc:docMk/>
-          <pc:sldMk cId="1050037809" sldId="261"/>
+          <pc:sldMk cId="0" sldId="256"/>
         </pc:sldMkLst>
         <pc:spChg chg="mod">
-          <ac:chgData name="Akilah Johnson" userId="S::akjohnso@adobe.com::2fa3aa60-0c9c-4d06-bae2-795983241227" providerId="AD" clId="Web-{8C285145-5FF7-2B49-D44C-ABA3390CC068}" dt="2021-09-22T19:02:31.738" v="36" actId="1076"/>
+          <ac:chgData name="Lauren Schutte" userId="6e08b2d3-447a-4d66-86be-444d50df187f" providerId="ADAL" clId="{0BC4D7A0-4BBD-1B49-BE14-170949F0EA37}" dt="2021-10-13T19:10:14.671" v="3" actId="1035"/>
           <ac:spMkLst>
             <pc:docMk/>
-            <pc:sldMk cId="1050037809" sldId="261"/>
-            <ac:spMk id="64" creationId="{41467BDC-3D83-D844-B922-CD07E94E5AAB}"/>
+            <pc:sldMk cId="0" sldId="256"/>
+            <ac:spMk id="4" creationId="{00000000-0000-0000-0000-000000000000}"/>
           </ac:spMkLst>
         </pc:spChg>
-        <pc:graphicFrameChg chg="mod modGraphic">
-          <ac:chgData name="Akilah Johnson" userId="S::akjohnso@adobe.com::2fa3aa60-0c9c-4d06-bae2-795983241227" providerId="AD" clId="Web-{8C285145-5FF7-2B49-D44C-ABA3390CC068}" dt="2021-09-22T18:59:49.504" v="34"/>
-          <ac:graphicFrameMkLst>
-            <pc:docMk/>
-            <pc:sldMk cId="1050037809" sldId="261"/>
-            <ac:graphicFrameMk id="25" creationId="{3A91F5B0-3974-A14D-A146-FB590F2AAD18}"/>
-          </ac:graphicFrameMkLst>
-        </pc:graphicFrameChg>
       </pc:sldChg>
     </pc:docChg>
   </pc:docChgLst>
@@ -301,7 +267,7 @@
           <a:p>
             <a:fld id="{C12E57D6-2086-AA47-A7A4-C0CDE7C14E44}" type="datetimeFigureOut">
               <a:rPr lang="en-US" smtClean="0"/>
-              <a:t>10/1/2021</a:t>
+              <a:t>10/13/2021</a:t>
             </a:fld>
             <a:endParaRPr lang="en-US"/>
           </a:p>
@@ -612,7 +578,7 @@
           <a:bodyPr/>
           <a:lstStyle/>
           <a:p>
-            <a:endParaRPr lang="en-US" dirty="0"/>
+            <a:endParaRPr lang="en-US"/>
           </a:p>
         </p:txBody>
       </p:sp>
@@ -696,7 +662,7 @@
           <a:bodyPr/>
           <a:lstStyle/>
           <a:p>
-            <a:endParaRPr lang="en-US" dirty="0"/>
+            <a:endParaRPr lang="en-US"/>
           </a:p>
         </p:txBody>
       </p:sp>
@@ -875,7 +841,7 @@
           <a:p>
             <a:fld id="{1D8BD707-D9CF-40AE-B4C6-C98DA3205C09}" type="datetimeFigureOut">
               <a:rPr lang="en-US"/>
-              <a:t>10/1/2021</a:t>
+              <a:t>10/13/2021</a:t>
             </a:fld>
             <a:endParaRPr lang="en-US"/>
           </a:p>
@@ -915,7 +881,7 @@
               </a:spcBef>
             </a:pPr>
             <a:r>
-              <a:rPr spc="-5" dirty="0"/>
+              <a:rPr spc="-5"/>
               <a:t>©</a:t>
             </a:r>
             <a:fld id="{81D60167-4931-47E6-BA6A-407CBD079E47}" type="slidenum">
@@ -923,35 +889,35 @@
               <a:t>‹#›</a:t>
             </a:fld>
             <a:r>
-              <a:rPr spc="-5" dirty="0"/>
+              <a:rPr spc="-5"/>
               <a:t> Adobe. All</a:t>
             </a:r>
             <a:r>
-              <a:rPr spc="-15" dirty="0"/>
+              <a:rPr spc="-15"/>
               <a:t> Rights</a:t>
             </a:r>
             <a:r>
-              <a:rPr spc="-10" dirty="0"/>
+              <a:rPr spc="-10"/>
               <a:t> </a:t>
             </a:r>
             <a:r>
-              <a:rPr spc="-15" dirty="0"/>
+              <a:rPr spc="-15"/>
               <a:t>Reserved.</a:t>
             </a:r>
             <a:r>
-              <a:rPr spc="-10" dirty="0"/>
+              <a:rPr spc="-10"/>
               <a:t> </a:t>
             </a:r>
             <a:r>
-              <a:rPr spc="-5" dirty="0"/>
+              <a:rPr spc="-5"/>
               <a:t>Adobe</a:t>
             </a:r>
             <a:r>
-              <a:rPr spc="60" dirty="0"/>
+              <a:rPr spc="60"/>
               <a:t> </a:t>
             </a:r>
             <a:r>
-              <a:rPr spc="-15" dirty="0"/>
+              <a:rPr spc="-15"/>
               <a:t>Confidential.</a:t>
             </a:r>
           </a:p>
@@ -1120,7 +1086,7 @@
           <a:p>
             <a:fld id="{1D8BD707-D9CF-40AE-B4C6-C98DA3205C09}" type="datetimeFigureOut">
               <a:rPr lang="en-US"/>
-              <a:t>10/1/2021</a:t>
+              <a:t>10/13/2021</a:t>
             </a:fld>
             <a:endParaRPr lang="en-US"/>
           </a:p>
@@ -1160,7 +1126,7 @@
               </a:spcBef>
             </a:pPr>
             <a:r>
-              <a:rPr spc="-5" dirty="0"/>
+              <a:rPr spc="-5"/>
               <a:t>©</a:t>
             </a:r>
             <a:fld id="{81D60167-4931-47E6-BA6A-407CBD079E47}" type="slidenum">
@@ -1168,35 +1134,35 @@
               <a:t>‹#›</a:t>
             </a:fld>
             <a:r>
-              <a:rPr spc="-5" dirty="0"/>
+              <a:rPr spc="-5"/>
               <a:t> Adobe. All</a:t>
             </a:r>
             <a:r>
-              <a:rPr spc="-15" dirty="0"/>
+              <a:rPr spc="-15"/>
               <a:t> Rights</a:t>
             </a:r>
             <a:r>
-              <a:rPr spc="-10" dirty="0"/>
+              <a:rPr spc="-10"/>
               <a:t> </a:t>
             </a:r>
             <a:r>
-              <a:rPr spc="-15" dirty="0"/>
+              <a:rPr spc="-15"/>
               <a:t>Reserved.</a:t>
             </a:r>
             <a:r>
-              <a:rPr spc="-10" dirty="0"/>
+              <a:rPr spc="-10"/>
               <a:t> </a:t>
             </a:r>
             <a:r>
-              <a:rPr spc="-5" dirty="0"/>
+              <a:rPr spc="-5"/>
               <a:t>Adobe</a:t>
             </a:r>
             <a:r>
-              <a:rPr spc="60" dirty="0"/>
+              <a:rPr spc="60"/>
               <a:t> </a:t>
             </a:r>
             <a:r>
-              <a:rPr spc="-15" dirty="0"/>
+              <a:rPr spc="-15"/>
               <a:t>Confidential.</a:t>
             </a:r>
           </a:p>
@@ -1378,7 +1344,7 @@
           <a:p>
             <a:fld id="{1D8BD707-D9CF-40AE-B4C6-C98DA3205C09}" type="datetimeFigureOut">
               <a:rPr lang="en-US"/>
-              <a:t>10/1/2021</a:t>
+              <a:t>10/13/2021</a:t>
             </a:fld>
             <a:endParaRPr lang="en-US"/>
           </a:p>
@@ -1418,7 +1384,7 @@
               </a:spcBef>
             </a:pPr>
             <a:r>
-              <a:rPr spc="-5" dirty="0"/>
+              <a:rPr spc="-5"/>
               <a:t>©</a:t>
             </a:r>
             <a:fld id="{81D60167-4931-47E6-BA6A-407CBD079E47}" type="slidenum">
@@ -1426,35 +1392,35 @@
               <a:t>‹#›</a:t>
             </a:fld>
             <a:r>
-              <a:rPr spc="-5" dirty="0"/>
+              <a:rPr spc="-5"/>
               <a:t> Adobe. All</a:t>
             </a:r>
             <a:r>
-              <a:rPr spc="-15" dirty="0"/>
+              <a:rPr spc="-15"/>
               <a:t> Rights</a:t>
             </a:r>
             <a:r>
-              <a:rPr spc="-10" dirty="0"/>
+              <a:rPr spc="-10"/>
               <a:t> </a:t>
             </a:r>
             <a:r>
-              <a:rPr spc="-15" dirty="0"/>
+              <a:rPr spc="-15"/>
               <a:t>Reserved.</a:t>
             </a:r>
             <a:r>
-              <a:rPr spc="-10" dirty="0"/>
+              <a:rPr spc="-10"/>
               <a:t> </a:t>
             </a:r>
             <a:r>
-              <a:rPr spc="-5" dirty="0"/>
+              <a:rPr spc="-5"/>
               <a:t>Adobe</a:t>
             </a:r>
             <a:r>
-              <a:rPr spc="60" dirty="0"/>
+              <a:rPr spc="60"/>
               <a:t> </a:t>
             </a:r>
             <a:r>
-              <a:rPr spc="-15" dirty="0"/>
+              <a:rPr spc="-15"/>
               <a:t>Confidential.</a:t>
             </a:r>
           </a:p>
@@ -1570,7 +1536,7 @@
           <a:p>
             <a:fld id="{1D8BD707-D9CF-40AE-B4C6-C98DA3205C09}" type="datetimeFigureOut">
               <a:rPr lang="en-US"/>
-              <a:t>10/1/2021</a:t>
+              <a:t>10/13/2021</a:t>
             </a:fld>
             <a:endParaRPr lang="en-US"/>
           </a:p>
@@ -1610,7 +1576,7 @@
               </a:spcBef>
             </a:pPr>
             <a:r>
-              <a:rPr spc="-5" dirty="0"/>
+              <a:rPr spc="-5"/>
               <a:t>©</a:t>
             </a:r>
             <a:fld id="{81D60167-4931-47E6-BA6A-407CBD079E47}" type="slidenum">
@@ -1618,35 +1584,35 @@
               <a:t>‹#›</a:t>
             </a:fld>
             <a:r>
-              <a:rPr spc="-5" dirty="0"/>
+              <a:rPr spc="-5"/>
               <a:t> Adobe. All</a:t>
             </a:r>
             <a:r>
-              <a:rPr spc="-15" dirty="0"/>
+              <a:rPr spc="-15"/>
               <a:t> Rights</a:t>
             </a:r>
             <a:r>
-              <a:rPr spc="-10" dirty="0"/>
+              <a:rPr spc="-10"/>
               <a:t> </a:t>
             </a:r>
             <a:r>
-              <a:rPr spc="-15" dirty="0"/>
+              <a:rPr spc="-15"/>
               <a:t>Reserved.</a:t>
             </a:r>
             <a:r>
-              <a:rPr spc="-10" dirty="0"/>
+              <a:rPr spc="-10"/>
               <a:t> </a:t>
             </a:r>
             <a:r>
-              <a:rPr spc="-5" dirty="0"/>
+              <a:rPr spc="-5"/>
               <a:t>Adobe</a:t>
             </a:r>
             <a:r>
-              <a:rPr spc="60" dirty="0"/>
+              <a:rPr spc="60"/>
               <a:t> </a:t>
             </a:r>
             <a:r>
-              <a:rPr spc="-15" dirty="0"/>
+              <a:rPr spc="-15"/>
               <a:t>Confidential.</a:t>
             </a:r>
           </a:p>
@@ -1733,7 +1699,7 @@
           <a:p>
             <a:fld id="{1D8BD707-D9CF-40AE-B4C6-C98DA3205C09}" type="datetimeFigureOut">
               <a:rPr lang="en-US"/>
-              <a:t>10/1/2021</a:t>
+              <a:t>10/13/2021</a:t>
             </a:fld>
             <a:endParaRPr lang="en-US"/>
           </a:p>
@@ -1773,7 +1739,7 @@
               </a:spcBef>
             </a:pPr>
             <a:r>
-              <a:rPr spc="-5" dirty="0"/>
+              <a:rPr spc="-5"/>
               <a:t>©</a:t>
             </a:r>
             <a:fld id="{81D60167-4931-47E6-BA6A-407CBD079E47}" type="slidenum">
@@ -1781,35 +1747,35 @@
               <a:t>‹#›</a:t>
             </a:fld>
             <a:r>
-              <a:rPr spc="-5" dirty="0"/>
+              <a:rPr spc="-5"/>
               <a:t> Adobe. All</a:t>
             </a:r>
             <a:r>
-              <a:rPr spc="-15" dirty="0"/>
+              <a:rPr spc="-15"/>
               <a:t> Rights</a:t>
             </a:r>
             <a:r>
-              <a:rPr spc="-10" dirty="0"/>
+              <a:rPr spc="-10"/>
               <a:t> </a:t>
             </a:r>
             <a:r>
-              <a:rPr spc="-15" dirty="0"/>
+              <a:rPr spc="-15"/>
               <a:t>Reserved.</a:t>
             </a:r>
             <a:r>
-              <a:rPr spc="-10" dirty="0"/>
+              <a:rPr spc="-10"/>
               <a:t> </a:t>
             </a:r>
             <a:r>
-              <a:rPr spc="-5" dirty="0"/>
+              <a:rPr spc="-5"/>
               <a:t>Adobe</a:t>
             </a:r>
             <a:r>
-              <a:rPr spc="60" dirty="0"/>
+              <a:rPr spc="60"/>
               <a:t> </a:t>
             </a:r>
             <a:r>
-              <a:rPr spc="-15" dirty="0"/>
+              <a:rPr spc="-15"/>
               <a:t>Confidential.</a:t>
             </a:r>
           </a:p>
@@ -1996,7 +1962,7 @@
           <a:p>
             <a:fld id="{1D8BD707-D9CF-40AE-B4C6-C98DA3205C09}" type="datetimeFigureOut">
               <a:rPr lang="en-US"/>
-              <a:t>10/1/2021</a:t>
+              <a:t>10/13/2021</a:t>
             </a:fld>
             <a:endParaRPr lang="en-US"/>
           </a:p>
@@ -2046,7 +2012,7 @@
               </a:spcBef>
             </a:pPr>
             <a:r>
-              <a:rPr spc="-5" dirty="0"/>
+              <a:rPr spc="-5"/>
               <a:t>©</a:t>
             </a:r>
             <a:fld id="{81D60167-4931-47E6-BA6A-407CBD079E47}" type="slidenum">
@@ -2054,35 +2020,35 @@
               <a:t>‹#›</a:t>
             </a:fld>
             <a:r>
-              <a:rPr spc="-5" dirty="0"/>
+              <a:rPr spc="-5"/>
               <a:t> Adobe. All</a:t>
             </a:r>
             <a:r>
-              <a:rPr spc="-15" dirty="0"/>
+              <a:rPr spc="-15"/>
               <a:t> Rights</a:t>
             </a:r>
             <a:r>
-              <a:rPr spc="-10" dirty="0"/>
+              <a:rPr spc="-10"/>
               <a:t> </a:t>
             </a:r>
             <a:r>
-              <a:rPr spc="-15" dirty="0"/>
+              <a:rPr spc="-15"/>
               <a:t>Reserved.</a:t>
             </a:r>
             <a:r>
-              <a:rPr spc="-10" dirty="0"/>
+              <a:rPr spc="-10"/>
               <a:t> </a:t>
             </a:r>
             <a:r>
-              <a:rPr spc="-5" dirty="0"/>
+              <a:rPr spc="-5"/>
               <a:t>Adobe</a:t>
             </a:r>
             <a:r>
-              <a:rPr spc="60" dirty="0"/>
+              <a:rPr spc="60"/>
               <a:t> </a:t>
             </a:r>
             <a:r>
-              <a:rPr spc="-15" dirty="0"/>
+              <a:rPr spc="-15"/>
               <a:t>Confidential.</a:t>
             </a:r>
           </a:p>
@@ -2271,8 +2237,217 @@
         </p:nvSpPr>
         <p:spPr>
           <a:xfrm>
-            <a:off x="502827" y="65103"/>
-            <a:ext cx="4725793" cy="366767"/>
+            <a:off x="502828" y="65103"/>
+            <a:ext cx="3840572" cy="366767"/>
+          </a:xfrm>
+          <a:prstGeom prst="rect">
+            <a:avLst/>
+          </a:prstGeom>
+        </p:spPr>
+        <p:txBody>
+          <a:bodyPr vert="horz" wrap="square" lIns="0" tIns="12700" rIns="0" bIns="0" rtlCol="0" anchor="t">
+            <a:spAutoFit/>
+          </a:bodyPr>
+          <a:lstStyle/>
+          <a:p>
+            <a:pPr marL="12700">
+              <a:spcBef>
+                <a:spcPts val="100"/>
+              </a:spcBef>
+            </a:pPr>
+            <a:r>
+              <a:rPr sz="2300"/>
+              <a:t>ADOBE </a:t>
+            </a:r>
+            <a:r>
+              <a:rPr lang="en-US" sz="2300"/>
+              <a:t>SUPPORT PLANS</a:t>
+            </a:r>
+            <a:endParaRPr sz="2300">
+              <a:latin typeface="Adobe Clean" panose="020B0503020404020204" pitchFamily="34" charset="0"/>
+            </a:endParaRPr>
+          </a:p>
+        </p:txBody>
+      </p:sp>
+      <p:sp>
+        <p:nvSpPr>
+          <p:cNvPr id="3" name="object 3"/>
+          <p:cNvSpPr txBox="1"/>
+          <p:nvPr/>
+        </p:nvSpPr>
+        <p:spPr>
+          <a:xfrm>
+            <a:off x="159522" y="560755"/>
+            <a:ext cx="7003277" cy="1466427"/>
+          </a:xfrm>
+          <a:prstGeom prst="rect">
+            <a:avLst/>
+          </a:prstGeom>
+        </p:spPr>
+        <p:txBody>
+          <a:bodyPr vert="horz" wrap="square" lIns="0" tIns="24765" rIns="0" bIns="0" rtlCol="0" anchor="t">
+            <a:spAutoFit/>
+          </a:bodyPr>
+          <a:lstStyle/>
+          <a:p>
+            <a:pPr marL="12700">
+              <a:lnSpc>
+                <a:spcPct val="100000"/>
+              </a:lnSpc>
+              <a:spcBef>
+                <a:spcPts val="195"/>
+              </a:spcBef>
+            </a:pPr>
+            <a:r>
+              <a:rPr sz="1100" spc="-5">
+                <a:solidFill>
+                  <a:srgbClr val="FFFFFF"/>
+                </a:solidFill>
+                <a:latin typeface="AdobeClean-Light"/>
+                <a:cs typeface="AdobeClean-Light"/>
+              </a:rPr>
+              <a:t>Online</a:t>
+            </a:r>
+            <a:r>
+              <a:rPr sz="1100">
+                <a:solidFill>
+                  <a:srgbClr val="FFFFFF"/>
+                </a:solidFill>
+                <a:latin typeface="AdobeClean-Light"/>
+                <a:cs typeface="AdobeClean-Light"/>
+              </a:rPr>
+              <a:t> |</a:t>
+            </a:r>
+            <a:r>
+              <a:rPr sz="1100" spc="5">
+                <a:solidFill>
+                  <a:srgbClr val="FFFFFF"/>
+                </a:solidFill>
+                <a:latin typeface="AdobeClean-Light"/>
+                <a:cs typeface="AdobeClean-Light"/>
+              </a:rPr>
+              <a:t> </a:t>
+            </a:r>
+            <a:r>
+              <a:rPr sz="1100" spc="-5">
+                <a:solidFill>
+                  <a:srgbClr val="FFFFFF"/>
+                </a:solidFill>
+                <a:latin typeface="AdobeClean-Light"/>
+                <a:cs typeface="AdobeClean-Light"/>
+              </a:rPr>
+              <a:t>Business</a:t>
+            </a:r>
+            <a:r>
+              <a:rPr sz="1100">
+                <a:solidFill>
+                  <a:srgbClr val="FFFFFF"/>
+                </a:solidFill>
+                <a:latin typeface="AdobeClean-Light"/>
+                <a:cs typeface="AdobeClean-Light"/>
+              </a:rPr>
+              <a:t> |</a:t>
+            </a:r>
+            <a:r>
+              <a:rPr sz="1100" spc="10">
+                <a:solidFill>
+                  <a:srgbClr val="FFFFFF"/>
+                </a:solidFill>
+                <a:latin typeface="AdobeClean-Light"/>
+                <a:cs typeface="AdobeClean-Light"/>
+              </a:rPr>
+              <a:t> </a:t>
+            </a:r>
+            <a:r>
+              <a:rPr sz="1100" spc="-5">
+                <a:solidFill>
+                  <a:srgbClr val="FFFFFF"/>
+                </a:solidFill>
+                <a:latin typeface="AdobeClean-Light"/>
+                <a:cs typeface="AdobeClean-Light"/>
+              </a:rPr>
+              <a:t>Enterprise</a:t>
+            </a:r>
+            <a:r>
+              <a:rPr sz="1100" spc="10">
+                <a:solidFill>
+                  <a:srgbClr val="FFFFFF"/>
+                </a:solidFill>
+                <a:latin typeface="AdobeClean-Light"/>
+                <a:cs typeface="AdobeClean-Light"/>
+              </a:rPr>
+              <a:t> </a:t>
+            </a:r>
+            <a:r>
+              <a:rPr sz="1100">
+                <a:solidFill>
+                  <a:srgbClr val="FFFFFF"/>
+                </a:solidFill>
+                <a:latin typeface="AdobeClean-Light"/>
+                <a:cs typeface="AdobeClean-Light"/>
+              </a:rPr>
+              <a:t>|</a:t>
+            </a:r>
+            <a:r>
+              <a:rPr sz="1100" spc="5">
+                <a:solidFill>
+                  <a:srgbClr val="FFFFFF"/>
+                </a:solidFill>
+                <a:latin typeface="AdobeClean-Light"/>
+                <a:cs typeface="AdobeClean-Light"/>
+              </a:rPr>
+              <a:t> </a:t>
+            </a:r>
+            <a:r>
+              <a:rPr sz="1100" b="1" spc="-65">
+                <a:solidFill>
+                  <a:srgbClr val="FFFFFF"/>
+                </a:solidFill>
+                <a:latin typeface="Arial"/>
+                <a:cs typeface="Arial"/>
+              </a:rPr>
+              <a:t>Elite</a:t>
+            </a:r>
+            <a:endParaRPr sz="1100">
+              <a:latin typeface="Arial"/>
+              <a:cs typeface="Arial"/>
+            </a:endParaRPr>
+          </a:p>
+          <a:p>
+            <a:pPr marL="12700" marR="1076325">
+              <a:spcBef>
+                <a:spcPts val="235"/>
+              </a:spcBef>
+            </a:pPr>
+            <a:r>
+              <a:rPr lang="en-US" sz="900">
+                <a:solidFill>
+                  <a:schemeClr val="bg1"/>
+                </a:solidFill>
+                <a:latin typeface="Adobe Clean SemiLight" panose="020B0403020404020204" pitchFamily="34" charset="0"/>
+              </a:rPr>
+              <a:t>Adobe provides a comprehensive range of technical resources to help support your business included as part of your Experience Cloud license subscription and further enhanced in the ELITE support package. ELITE support includes access to personalized learning paths and monitored community forums via the Adobe Experience League. You can also take advantage of our detailed and in-depth technical product documentation and current release notes. ELITE customers will also have access to a Named Support Engineer as well as a Technical Account Manager who combine and work in partnership with you to provide best in class proactive and reactive support while acting as your designated technical contacts in the Adobe Support Team. With deep experience in your designated Experience Cloud solutions, your support team work to ensure that no matter how complex your support needs are, the Adobe Support team will be there side by side with you throughout, to ensure you maximize your investment in the Adobe Experience Cloud solutions and to help you avoid problems before they happen.</a:t>
+            </a:r>
+            <a:endParaRPr sz="900">
+              <a:solidFill>
+                <a:schemeClr val="bg1"/>
+              </a:solidFill>
+              <a:latin typeface="AdobeClean-Light"/>
+              <a:cs typeface="AdobeClean-Light"/>
+            </a:endParaRPr>
+          </a:p>
+        </p:txBody>
+      </p:sp>
+      <p:sp>
+        <p:nvSpPr>
+          <p:cNvPr id="4" name="object 4"/>
+          <p:cNvSpPr txBox="1"/>
+          <p:nvPr/>
+        </p:nvSpPr>
+        <p:spPr>
+          <a:xfrm>
+            <a:off x="168564" y="7162800"/>
+            <a:ext cx="2780665" cy="238760"/>
           </a:xfrm>
           <a:prstGeom prst="rect">
             <a:avLst/>
@@ -2293,130 +2468,7 @@
               </a:spcBef>
             </a:pPr>
             <a:r>
-              <a:rPr lang="it-IT" sz="2300" dirty="0">
-                <a:latin typeface="Adobe Clean" panose="020B0503020404020204" pitchFamily="34" charset="0"/>
-              </a:rPr>
-              <a:t>OPZIONI DI SUPPORTO ADOBE</a:t>
-            </a:r>
-          </a:p>
-        </p:txBody>
-      </p:sp>
-      <p:sp>
-        <p:nvSpPr>
-          <p:cNvPr id="3" name="object 3"/>
-          <p:cNvSpPr txBox="1"/>
-          <p:nvPr/>
-        </p:nvSpPr>
-        <p:spPr>
-          <a:xfrm>
-            <a:off x="159522" y="560755"/>
-            <a:ext cx="7003277" cy="1327928"/>
-          </a:xfrm>
-          <a:prstGeom prst="rect">
-            <a:avLst/>
-          </a:prstGeom>
-        </p:spPr>
-        <p:txBody>
-          <a:bodyPr vert="horz" wrap="square" lIns="0" tIns="24765" rIns="0" bIns="0" rtlCol="0" anchor="t">
-            <a:spAutoFit/>
-          </a:bodyPr>
-          <a:lstStyle/>
-          <a:p>
-            <a:pPr marL="12700">
-              <a:lnSpc>
-                <a:spcPct val="100000"/>
-              </a:lnSpc>
-              <a:spcBef>
-                <a:spcPts val="195"/>
-              </a:spcBef>
-            </a:pPr>
-            <a:r>
-              <a:rPr lang="it-IT" sz="1100" dirty="0">
-                <a:solidFill>
-                  <a:srgbClr val="FFFFFF"/>
-                </a:solidFill>
-                <a:latin typeface="AdobeClean-Light"/>
-                <a:cs typeface="AdobeClean-Light"/>
-              </a:rPr>
-              <a:t>Online | Business | Enterprise | </a:t>
-            </a:r>
-            <a:r>
-              <a:rPr lang="it-IT" sz="1100" b="1" dirty="0">
-                <a:solidFill>
-                  <a:srgbClr val="FFFFFF"/>
-                </a:solidFill>
-                <a:latin typeface="Arial"/>
-                <a:cs typeface="Arial"/>
-              </a:rPr>
-              <a:t>Elite</a:t>
-            </a:r>
-          </a:p>
-          <a:p>
-            <a:pPr marL="12700" marR="1076325">
-              <a:spcBef>
-                <a:spcPts val="235"/>
-              </a:spcBef>
-            </a:pPr>
-            <a:r>
-              <a:rPr lang="it-IT" sz="900" dirty="0">
-                <a:solidFill>
-                  <a:schemeClr val="bg1"/>
-                </a:solidFill>
-                <a:latin typeface="Adobe Clean SemiLight" panose="020B0403020404020204" pitchFamily="34" charset="0"/>
-              </a:rPr>
-              <a:t>Adobe offre una gamma completa di risorse tecniche per assistere la tua azienda, incluse nell’abbonamento Experience Cloud e ampliabili ulteriormente con un pacchetto di supporto ELITE. Il supporto ELITE include l’accesso a percorsi di apprendimento personalizzati e forum della community monitorati tramite Adobe Experience League. Puoi inoltre usufruire di documentazione tecnica dettagliata e note sulla versione sempre aggiornate. Ai clienti ELITE vengono assegnati un Named Support Engineer e un Technical Account Manager che saranno i tuoi contatti di riferimento all’interno del team Adobe Support. Inoltre, insieme e in partnership con la tua azienda, ti offrono un servizio di supporto d’eccellenza, proattivo e reattivo. Conoscendo a fondo le tue specifiche soluzioni Experience Cloud, il team Adobe Support sarà sempre al tuo fianco per ogni esigenza di supporto, per aiutarti </a:t>
-            </a:r>
-            <a:br>
-              <a:rPr lang="sk-SK" sz="900" dirty="0">
-                <a:solidFill>
-                  <a:schemeClr val="bg1"/>
-                </a:solidFill>
-                <a:latin typeface="Adobe Clean SemiLight" panose="020B0403020404020204" pitchFamily="34" charset="0"/>
-              </a:rPr>
-            </a:br>
-            <a:r>
-              <a:rPr lang="it-IT" sz="900" dirty="0">
-                <a:solidFill>
-                  <a:schemeClr val="bg1"/>
-                </a:solidFill>
-                <a:latin typeface="Adobe Clean SemiLight" panose="020B0403020404020204" pitchFamily="34" charset="0"/>
-              </a:rPr>
-              <a:t>a trarre il massimo dalle soluzioni Adobe Experience Cloud in cui hai investito e prevenire eventuali problemi.</a:t>
-            </a:r>
-          </a:p>
-        </p:txBody>
-      </p:sp>
-      <p:sp>
-        <p:nvSpPr>
-          <p:cNvPr id="4" name="object 4"/>
-          <p:cNvSpPr txBox="1"/>
-          <p:nvPr/>
-        </p:nvSpPr>
-        <p:spPr>
-          <a:xfrm>
-            <a:off x="168564" y="7162800"/>
-            <a:ext cx="4022436" cy="228268"/>
-          </a:xfrm>
-          <a:prstGeom prst="rect">
-            <a:avLst/>
-          </a:prstGeom>
-        </p:spPr>
-        <p:txBody>
-          <a:bodyPr vert="horz" wrap="square" lIns="0" tIns="12700" rIns="0" bIns="0" rtlCol="0">
-            <a:spAutoFit/>
-          </a:bodyPr>
-          <a:lstStyle/>
-          <a:p>
-            <a:pPr marL="12700">
-              <a:lnSpc>
-                <a:spcPct val="100000"/>
-              </a:lnSpc>
-              <a:spcBef>
-                <a:spcPts val="100"/>
-              </a:spcBef>
-            </a:pPr>
-            <a:r>
-              <a:rPr lang="it-IT" sz="1400" b="1" u="heavy" dirty="0">
+              <a:rPr sz="1400" b="1" u="heavy" spc="20">
                 <a:solidFill>
                   <a:srgbClr val="020302"/>
                 </a:solidFill>
@@ -2428,8 +2480,447 @@
                 <a:latin typeface="Adobe Clean"/>
                 <a:cs typeface="Adobe Clean"/>
               </a:rPr>
-              <a:t>Obiettivi del livello di servizio: risposta iniziale</a:t>
-            </a:r>
+              <a:t>S</a:t>
+            </a:r>
+            <a:r>
+              <a:rPr sz="1400" b="1" u="heavy">
+                <a:solidFill>
+                  <a:srgbClr val="020302"/>
+                </a:solidFill>
+                <a:uFill>
+                  <a:solidFill>
+                    <a:srgbClr val="020302"/>
+                  </a:solidFill>
+                </a:uFill>
+                <a:latin typeface="Adobe Clean"/>
+                <a:cs typeface="Adobe Clean"/>
+              </a:rPr>
+              <a:t>er</a:t>
+            </a:r>
+            <a:r>
+              <a:rPr sz="1400" b="1" u="heavy" spc="10">
+                <a:solidFill>
+                  <a:srgbClr val="020302"/>
+                </a:solidFill>
+                <a:uFill>
+                  <a:solidFill>
+                    <a:srgbClr val="020302"/>
+                  </a:solidFill>
+                </a:uFill>
+                <a:latin typeface="Adobe Clean"/>
+                <a:cs typeface="Adobe Clean"/>
+              </a:rPr>
+              <a:t>vi</a:t>
+            </a:r>
+            <a:r>
+              <a:rPr sz="1400" b="1" u="heavy">
+                <a:solidFill>
+                  <a:srgbClr val="020302"/>
+                </a:solidFill>
+                <a:uFill>
+                  <a:solidFill>
+                    <a:srgbClr val="020302"/>
+                  </a:solidFill>
+                </a:uFill>
+                <a:latin typeface="Adobe Clean"/>
+                <a:cs typeface="Adobe Clean"/>
+              </a:rPr>
+              <a:t>ce</a:t>
+            </a:r>
+            <a:r>
+              <a:rPr sz="1400" b="1" u="heavy" spc="20">
+                <a:solidFill>
+                  <a:srgbClr val="020302"/>
+                </a:solidFill>
+                <a:uFill>
+                  <a:solidFill>
+                    <a:srgbClr val="020302"/>
+                  </a:solidFill>
+                </a:uFill>
+                <a:latin typeface="Adobe Clean"/>
+                <a:cs typeface="Adobe Clean"/>
+              </a:rPr>
+              <a:t> </a:t>
+            </a:r>
+            <a:r>
+              <a:rPr sz="1400" b="1" u="heavy" spc="-20">
+                <a:solidFill>
+                  <a:srgbClr val="020302"/>
+                </a:solidFill>
+                <a:uFill>
+                  <a:solidFill>
+                    <a:srgbClr val="020302"/>
+                  </a:solidFill>
+                </a:uFill>
+                <a:latin typeface="Adobe Clean"/>
+                <a:cs typeface="Adobe Clean"/>
+              </a:rPr>
+              <a:t>Le</a:t>
+            </a:r>
+            <a:r>
+              <a:rPr sz="1400" b="1" u="heavy" spc="-10">
+                <a:solidFill>
+                  <a:srgbClr val="020302"/>
+                </a:solidFill>
+                <a:uFill>
+                  <a:solidFill>
+                    <a:srgbClr val="020302"/>
+                  </a:solidFill>
+                </a:uFill>
+                <a:latin typeface="Adobe Clean"/>
+                <a:cs typeface="Adobe Clean"/>
+              </a:rPr>
+              <a:t>v</a:t>
+            </a:r>
+            <a:r>
+              <a:rPr sz="1400" b="1" u="heavy" spc="-20">
+                <a:solidFill>
+                  <a:srgbClr val="020302"/>
+                </a:solidFill>
+                <a:uFill>
+                  <a:solidFill>
+                    <a:srgbClr val="020302"/>
+                  </a:solidFill>
+                </a:uFill>
+                <a:latin typeface="Adobe Clean"/>
+                <a:cs typeface="Adobe Clean"/>
+              </a:rPr>
+              <a:t>e</a:t>
+            </a:r>
+            <a:r>
+              <a:rPr sz="1400" b="1" u="heavy">
+                <a:solidFill>
+                  <a:srgbClr val="020302"/>
+                </a:solidFill>
+                <a:uFill>
+                  <a:solidFill>
+                    <a:srgbClr val="020302"/>
+                  </a:solidFill>
+                </a:uFill>
+                <a:latin typeface="Adobe Clean"/>
+                <a:cs typeface="Adobe Clean"/>
+              </a:rPr>
+              <a:t>l</a:t>
+            </a:r>
+            <a:r>
+              <a:rPr sz="1400" b="1" u="heavy" spc="-10">
+                <a:solidFill>
+                  <a:srgbClr val="020302"/>
+                </a:solidFill>
+                <a:uFill>
+                  <a:solidFill>
+                    <a:srgbClr val="020302"/>
+                  </a:solidFill>
+                </a:uFill>
+                <a:latin typeface="Adobe Clean"/>
+                <a:cs typeface="Adobe Clean"/>
+              </a:rPr>
+              <a:t> </a:t>
+            </a:r>
+            <a:r>
+              <a:rPr sz="1400" b="1" u="heavy" spc="-65">
+                <a:solidFill>
+                  <a:srgbClr val="020302"/>
+                </a:solidFill>
+                <a:uFill>
+                  <a:solidFill>
+                    <a:srgbClr val="020302"/>
+                  </a:solidFill>
+                </a:uFill>
+                <a:latin typeface="Adobe Clean"/>
+                <a:cs typeface="Adobe Clean"/>
+              </a:rPr>
+              <a:t>T</a:t>
+            </a:r>
+            <a:r>
+              <a:rPr sz="1400" b="1" u="heavy" spc="-35">
+                <a:solidFill>
+                  <a:srgbClr val="020302"/>
+                </a:solidFill>
+                <a:uFill>
+                  <a:solidFill>
+                    <a:srgbClr val="020302"/>
+                  </a:solidFill>
+                </a:uFill>
+                <a:latin typeface="Adobe Clean"/>
+                <a:cs typeface="Adobe Clean"/>
+              </a:rPr>
+              <a:t>a</a:t>
+            </a:r>
+            <a:r>
+              <a:rPr sz="1400" b="1" u="heavy" spc="-45">
+                <a:solidFill>
+                  <a:srgbClr val="020302"/>
+                </a:solidFill>
+                <a:uFill>
+                  <a:solidFill>
+                    <a:srgbClr val="020302"/>
+                  </a:solidFill>
+                </a:uFill>
+                <a:latin typeface="Adobe Clean"/>
+                <a:cs typeface="Adobe Clean"/>
+              </a:rPr>
+              <a:t>r</a:t>
+            </a:r>
+            <a:r>
+              <a:rPr sz="1400" b="1" u="heavy" spc="-35">
+                <a:solidFill>
+                  <a:srgbClr val="020302"/>
+                </a:solidFill>
+                <a:uFill>
+                  <a:solidFill>
+                    <a:srgbClr val="020302"/>
+                  </a:solidFill>
+                </a:uFill>
+                <a:latin typeface="Adobe Clean"/>
+                <a:cs typeface="Adobe Clean"/>
+              </a:rPr>
+              <a:t>g</a:t>
+            </a:r>
+            <a:r>
+              <a:rPr sz="1400" b="1" u="heavy" spc="-55">
+                <a:solidFill>
+                  <a:srgbClr val="020302"/>
+                </a:solidFill>
+                <a:uFill>
+                  <a:solidFill>
+                    <a:srgbClr val="020302"/>
+                  </a:solidFill>
+                </a:uFill>
+                <a:latin typeface="Adobe Clean"/>
+                <a:cs typeface="Adobe Clean"/>
+              </a:rPr>
+              <a:t>et</a:t>
+            </a:r>
+            <a:r>
+              <a:rPr sz="1400" b="1" u="heavy" spc="-45">
+                <a:solidFill>
+                  <a:srgbClr val="020302"/>
+                </a:solidFill>
+                <a:uFill>
+                  <a:solidFill>
+                    <a:srgbClr val="020302"/>
+                  </a:solidFill>
+                </a:uFill>
+                <a:latin typeface="Adobe Clean"/>
+                <a:cs typeface="Adobe Clean"/>
+              </a:rPr>
+              <a:t>s</a:t>
+            </a:r>
+            <a:r>
+              <a:rPr sz="1400" b="1" u="heavy">
+                <a:solidFill>
+                  <a:srgbClr val="020302"/>
+                </a:solidFill>
+                <a:uFill>
+                  <a:solidFill>
+                    <a:srgbClr val="020302"/>
+                  </a:solidFill>
+                </a:uFill>
+                <a:latin typeface="Adobe Clean"/>
+                <a:cs typeface="Adobe Clean"/>
+              </a:rPr>
+              <a:t>:</a:t>
+            </a:r>
+            <a:r>
+              <a:rPr sz="1400" b="1" u="heavy" spc="-80">
+                <a:solidFill>
+                  <a:srgbClr val="020302"/>
+                </a:solidFill>
+                <a:uFill>
+                  <a:solidFill>
+                    <a:srgbClr val="020302"/>
+                  </a:solidFill>
+                </a:uFill>
+                <a:latin typeface="Adobe Clean"/>
+                <a:cs typeface="Adobe Clean"/>
+              </a:rPr>
+              <a:t> </a:t>
+            </a:r>
+            <a:r>
+              <a:rPr sz="1400" b="1" u="heavy" spc="-20">
+                <a:solidFill>
+                  <a:srgbClr val="020302"/>
+                </a:solidFill>
+                <a:uFill>
+                  <a:solidFill>
+                    <a:srgbClr val="020302"/>
+                  </a:solidFill>
+                </a:uFill>
+                <a:latin typeface="Adobe Clean"/>
+                <a:cs typeface="Adobe Clean"/>
+              </a:rPr>
+              <a:t>I</a:t>
+            </a:r>
+            <a:r>
+              <a:rPr sz="1400" b="1" u="heavy" spc="-10">
+                <a:solidFill>
+                  <a:srgbClr val="020302"/>
+                </a:solidFill>
+                <a:uFill>
+                  <a:solidFill>
+                    <a:srgbClr val="020302"/>
+                  </a:solidFill>
+                </a:uFill>
+                <a:latin typeface="Adobe Clean"/>
+                <a:cs typeface="Adobe Clean"/>
+              </a:rPr>
+              <a:t>ni</a:t>
+            </a:r>
+            <a:r>
+              <a:rPr sz="1400" b="1" u="heavy" spc="-20">
+                <a:solidFill>
+                  <a:srgbClr val="020302"/>
+                </a:solidFill>
+                <a:uFill>
+                  <a:solidFill>
+                    <a:srgbClr val="020302"/>
+                  </a:solidFill>
+                </a:uFill>
+                <a:latin typeface="Adobe Clean"/>
+                <a:cs typeface="Adobe Clean"/>
+              </a:rPr>
+              <a:t>t</a:t>
+            </a:r>
+            <a:r>
+              <a:rPr sz="1400" b="1" u="heavy" spc="-10">
+                <a:solidFill>
+                  <a:srgbClr val="020302"/>
+                </a:solidFill>
+                <a:uFill>
+                  <a:solidFill>
+                    <a:srgbClr val="020302"/>
+                  </a:solidFill>
+                </a:uFill>
+                <a:latin typeface="Adobe Clean"/>
+                <a:cs typeface="Adobe Clean"/>
+              </a:rPr>
+              <a:t>i</a:t>
+            </a:r>
+            <a:r>
+              <a:rPr sz="1400" b="1" u="heavy">
+                <a:solidFill>
+                  <a:srgbClr val="020302"/>
+                </a:solidFill>
+                <a:uFill>
+                  <a:solidFill>
+                    <a:srgbClr val="020302"/>
+                  </a:solidFill>
+                </a:uFill>
+                <a:latin typeface="Adobe Clean"/>
+                <a:cs typeface="Adobe Clean"/>
+              </a:rPr>
+              <a:t>al</a:t>
+            </a:r>
+            <a:r>
+              <a:rPr sz="1400" b="1" u="heavy" spc="-140">
+                <a:solidFill>
+                  <a:srgbClr val="020302"/>
+                </a:solidFill>
+                <a:uFill>
+                  <a:solidFill>
+                    <a:srgbClr val="020302"/>
+                  </a:solidFill>
+                </a:uFill>
+                <a:latin typeface="Adobe Clean"/>
+                <a:cs typeface="Adobe Clean"/>
+              </a:rPr>
+              <a:t> </a:t>
+            </a:r>
+            <a:r>
+              <a:rPr sz="1400" b="1" u="heavy" spc="-15">
+                <a:solidFill>
+                  <a:srgbClr val="020302"/>
+                </a:solidFill>
+                <a:uFill>
+                  <a:solidFill>
+                    <a:srgbClr val="020302"/>
+                  </a:solidFill>
+                </a:uFill>
+                <a:latin typeface="Adobe Clean"/>
+                <a:cs typeface="Adobe Clean"/>
+              </a:rPr>
+              <a:t>R</a:t>
+            </a:r>
+            <a:r>
+              <a:rPr sz="1400" b="1" u="heavy" spc="-25">
+                <a:solidFill>
+                  <a:srgbClr val="020302"/>
+                </a:solidFill>
+                <a:uFill>
+                  <a:solidFill>
+                    <a:srgbClr val="020302"/>
+                  </a:solidFill>
+                </a:uFill>
+                <a:latin typeface="Adobe Clean"/>
+                <a:cs typeface="Adobe Clean"/>
+              </a:rPr>
+              <a:t>e</a:t>
+            </a:r>
+            <a:r>
+              <a:rPr sz="1400" b="1" u="heavy" spc="-15">
+                <a:solidFill>
+                  <a:srgbClr val="020302"/>
+                </a:solidFill>
+                <a:uFill>
+                  <a:solidFill>
+                    <a:srgbClr val="020302"/>
+                  </a:solidFill>
+                </a:uFill>
+                <a:latin typeface="Adobe Clean"/>
+                <a:cs typeface="Adobe Clean"/>
+              </a:rPr>
+              <a:t>s</a:t>
+            </a:r>
+            <a:r>
+              <a:rPr sz="1400" b="1" u="heavy" spc="-25">
+                <a:solidFill>
+                  <a:srgbClr val="020302"/>
+                </a:solidFill>
+                <a:uFill>
+                  <a:solidFill>
+                    <a:srgbClr val="020302"/>
+                  </a:solidFill>
+                </a:uFill>
+                <a:latin typeface="Adobe Clean"/>
+                <a:cs typeface="Adobe Clean"/>
+              </a:rPr>
+              <a:t>p</a:t>
+            </a:r>
+            <a:r>
+              <a:rPr sz="1400" b="1" u="heavy" spc="-15">
+                <a:solidFill>
+                  <a:srgbClr val="020302"/>
+                </a:solidFill>
+                <a:uFill>
+                  <a:solidFill>
+                    <a:srgbClr val="020302"/>
+                  </a:solidFill>
+                </a:uFill>
+                <a:latin typeface="Adobe Clean"/>
+                <a:cs typeface="Adobe Clean"/>
+              </a:rPr>
+              <a:t>ons</a:t>
+            </a:r>
+            <a:r>
+              <a:rPr sz="1400" b="1" u="heavy">
+                <a:solidFill>
+                  <a:srgbClr val="020302"/>
+                </a:solidFill>
+                <a:uFill>
+                  <a:solidFill>
+                    <a:srgbClr val="020302"/>
+                  </a:solidFill>
+                </a:uFill>
+                <a:latin typeface="Adobe Clean"/>
+                <a:cs typeface="Adobe Clean"/>
+              </a:rPr>
+              <a:t>e</a:t>
+            </a:r>
+            <a:endParaRPr sz="1400">
+              <a:latin typeface="Adobe Clean"/>
+              <a:cs typeface="Adobe Clean"/>
+            </a:endParaRPr>
           </a:p>
         </p:txBody>
       </p:sp>
@@ -2442,14 +2933,14 @@
           <p:nvPr>
             <p:extLst>
               <p:ext uri="{D42A27DB-BD31-4B8C-83A1-F6EECF244321}">
-                <p14:modId xmlns:p14="http://schemas.microsoft.com/office/powerpoint/2010/main" val="3115713540"/>
+                <p14:modId xmlns:p14="http://schemas.microsoft.com/office/powerpoint/2010/main" val="101721845"/>
               </p:ext>
             </p:extLst>
           </p:nvPr>
         </p:nvGraphicFramePr>
         <p:xfrm>
           <a:off x="145668" y="7473158"/>
-          <a:ext cx="7409815" cy="2386721"/>
+          <a:ext cx="7409815" cy="2259721"/>
         </p:xfrm>
         <a:graphic>
           <a:graphicData uri="http://schemas.openxmlformats.org/drawingml/2006/table">
@@ -2495,15 +2986,19 @@
                         </a:spcBef>
                       </a:pPr>
                       <a:r>
-                        <a:rPr lang="it-IT" sz="900">
+                        <a:rPr sz="900" spc="0">
                           <a:solidFill>
                             <a:srgbClr val="020302"/>
                           </a:solidFill>
                           <a:latin typeface="Adobe Clean"/>
                           <a:cs typeface="Adobe Clean"/>
                         </a:rPr>
-                        <a:t>Priorità</a:t>
+                        <a:t>Priority</a:t>
                       </a:r>
+                      <a:endParaRPr sz="900" spc="0">
+                        <a:latin typeface="Adobe Clean"/>
+                        <a:cs typeface="Adobe Clean"/>
+                      </a:endParaRPr>
                     </a:p>
                   </a:txBody>
                   <a:tcPr marL="0" marR="0" marT="5715" marB="0" anchor="ctr">
@@ -2550,15 +3045,39 @@
                         </a:spcBef>
                       </a:pPr>
                       <a:r>
-                        <a:rPr lang="it-IT" sz="900">
+                        <a:rPr sz="900" spc="0">
                           <a:solidFill>
                             <a:srgbClr val="020302"/>
                           </a:solidFill>
                           <a:latin typeface="Adobe Clean"/>
                           <a:cs typeface="Adobe Clean"/>
                         </a:rPr>
-                        <a:t>Supporto Online</a:t>
+                        <a:t>Online</a:t>
                       </a:r>
+                      <a:r>
+                        <a:rPr lang="en-US" sz="900" spc="0">
+                          <a:solidFill>
+                            <a:srgbClr val="020302"/>
+                          </a:solidFill>
+                          <a:latin typeface="Adobe Clean"/>
+                          <a:cs typeface="Adobe Clean"/>
+                        </a:rPr>
+                        <a:t> </a:t>
+                      </a:r>
+                      <a:r>
+                        <a:rPr sz="900" spc="0">
+                          <a:solidFill>
+                            <a:srgbClr val="020302"/>
+                          </a:solidFill>
+                          <a:latin typeface="Adobe Clean"/>
+                          <a:cs typeface="Adobe Clean"/>
+                        </a:rPr>
+                        <a:t> Support</a:t>
+                      </a:r>
+                      <a:endParaRPr sz="900" spc="0">
+                        <a:latin typeface="Adobe Clean"/>
+                        <a:cs typeface="Adobe Clean"/>
+                      </a:endParaRPr>
                     </a:p>
                   </a:txBody>
                   <a:tcPr marL="0" marR="0" marT="5715" marB="0" anchor="ctr">
@@ -2608,15 +3127,39 @@
                         </a:spcBef>
                       </a:pPr>
                       <a:r>
-                        <a:rPr lang="it-IT" sz="900">
+                        <a:rPr sz="900" spc="0">
                           <a:solidFill>
                             <a:srgbClr val="FFFFFF"/>
                           </a:solidFill>
                           <a:latin typeface="Adobe Clean"/>
                           <a:cs typeface="Adobe Clean"/>
                         </a:rPr>
-                        <a:t>Supporto Elite</a:t>
+                        <a:t>Elite </a:t>
                       </a:r>
+                      <a:r>
+                        <a:rPr lang="en-US" sz="900" spc="0">
+                          <a:solidFill>
+                            <a:srgbClr val="FFFFFF"/>
+                          </a:solidFill>
+                          <a:latin typeface="Adobe Clean"/>
+                          <a:cs typeface="Adobe Clean"/>
+                        </a:rPr>
+                        <a:t> </a:t>
+                      </a:r>
+                      <a:r>
+                        <a:rPr sz="900" spc="0">
+                          <a:solidFill>
+                            <a:srgbClr val="FFFFFF"/>
+                          </a:solidFill>
+                          <a:latin typeface="Adobe Clean"/>
+                          <a:cs typeface="Adobe Clean"/>
+                        </a:rPr>
+                        <a:t>Support</a:t>
+                      </a:r>
+                      <a:endParaRPr sz="900" spc="0">
+                        <a:latin typeface="Adobe Clean"/>
+                        <a:cs typeface="Adobe Clean"/>
+                      </a:endParaRPr>
                     </a:p>
                   </a:txBody>
                   <a:tcPr marL="0" marR="0" marT="8255" marB="0" anchor="ctr">
@@ -2673,15 +3216,19 @@
                         </a:spcBef>
                       </a:pPr>
                       <a:r>
-                        <a:rPr lang="it-IT" sz="900" b="1">
+                        <a:rPr sz="900" b="1" spc="0">
                           <a:solidFill>
                             <a:srgbClr val="020302"/>
                           </a:solidFill>
                           <a:latin typeface="Adobe Clean"/>
                           <a:cs typeface="Adobe Clean"/>
                         </a:rPr>
-                        <a:t>PRIORITÀ 1 (P1)</a:t>
+                        <a:t>PRIORITY 1</a:t>
                       </a:r>
+                      <a:endParaRPr sz="900" spc="0">
+                        <a:latin typeface="Adobe Clean"/>
+                        <a:cs typeface="Adobe Clean"/>
+                      </a:endParaRPr>
                     </a:p>
                     <a:p>
                       <a:pPr marL="50165" marR="495934" algn="l">
@@ -2693,14 +3240,19 @@
                         </a:spcBef>
                       </a:pPr>
                       <a:r>
-                        <a:rPr lang="it-IT" sz="900" b="0" i="0" u="none" strike="noStrike">
+                        <a:rPr lang="en-US" sz="900" b="0" i="0" u="none" strike="noStrike" spc="0">
                           <a:solidFill>
                             <a:srgbClr val="000000"/>
                           </a:solidFill>
+                          <a:effectLst/>
                           <a:latin typeface="Adobe Clean Light" panose="020B0303020404020204" pitchFamily="34" charset="0"/>
                         </a:rPr>
-                        <a:t>Le funzioni operative nell’ambiente di produzione del cliente non sono disponibili oppure si verificano problemi significativi di perdita di dati o deterioramento del servizio ed è richiesto un intervento immediato per ripristinare funzionalità e usabilità.</a:t>
+                        <a:t>Customer's production business functions are down or have significant data loss or service degradation and immediate attention is required to restore functionality and usability</a:t>
                       </a:r>
+                      <a:endParaRPr sz="900" spc="0">
+                        <a:latin typeface="AdobeClean-Light"/>
+                        <a:cs typeface="AdobeClean-Light"/>
+                      </a:endParaRPr>
                     </a:p>
                   </a:txBody>
                   <a:tcPr marL="0" marR="0" marT="0" marB="0" anchor="ctr">
@@ -2738,21 +3290,85 @@
                     <a:bodyPr/>
                     <a:lstStyle/>
                     <a:p>
-                      <a:pPr marL="542925" marR="492125" algn="ctr">
+                      <a:pPr marL="542925" marR="492125" algn="l">
                         <a:lnSpc>
                           <a:spcPct val="102200"/>
                         </a:lnSpc>
                       </a:pPr>
                       <a:r>
-                        <a:rPr lang="it-IT" sz="900">
+                        <a:rPr sz="900" spc="0">
                           <a:solidFill>
                             <a:srgbClr val="020302"/>
                           </a:solidFill>
                           <a:latin typeface="AdobeClean-Light"/>
                           <a:cs typeface="AdobeClean-Light"/>
                         </a:rPr>
-                        <a:t>24x7 /           1 ora</a:t>
+                        <a:t>24x7</a:t>
                       </a:r>
+                      <a:r>
+                        <a:rPr lang="en-US" sz="900" spc="0">
+                          <a:solidFill>
+                            <a:srgbClr val="020302"/>
+                          </a:solidFill>
+                          <a:latin typeface="AdobeClean-Light"/>
+                          <a:cs typeface="AdobeClean-Light"/>
+                        </a:rPr>
+                        <a:t> </a:t>
+                      </a:r>
+                      <a:r>
+                        <a:rPr sz="900" spc="0">
+                          <a:solidFill>
+                            <a:srgbClr val="020302"/>
+                          </a:solidFill>
+                          <a:latin typeface="AdobeClean-Light"/>
+                          <a:cs typeface="AdobeClean-Light"/>
+                        </a:rPr>
+                        <a:t>/</a:t>
+                      </a:r>
+                      <a:r>
+                        <a:rPr lang="en-US" sz="900" spc="0">
+                          <a:solidFill>
+                            <a:srgbClr val="020302"/>
+                          </a:solidFill>
+                          <a:latin typeface="AdobeClean-Light"/>
+                          <a:cs typeface="AdobeClean-Light"/>
+                        </a:rPr>
+                        <a:t>         </a:t>
+                      </a:r>
+                      <a:r>
+                        <a:rPr sz="900" spc="0">
+                          <a:solidFill>
+                            <a:srgbClr val="020302"/>
+                          </a:solidFill>
+                          <a:latin typeface="AdobeClean-Light"/>
+                          <a:cs typeface="AdobeClean-Light"/>
+                        </a:rPr>
+                        <a:t>  1</a:t>
+                      </a:r>
+                      <a:r>
+                        <a:rPr lang="en-US" sz="900" spc="0">
+                          <a:solidFill>
+                            <a:srgbClr val="020302"/>
+                          </a:solidFill>
+                          <a:latin typeface="AdobeClean-Light"/>
+                          <a:cs typeface="AdobeClean-Light"/>
+                        </a:rPr>
+                        <a:t> </a:t>
+                      </a:r>
+                      <a:r>
+                        <a:rPr sz="900" spc="0">
+                          <a:solidFill>
+                            <a:srgbClr val="020302"/>
+                          </a:solidFill>
+                          <a:latin typeface="AdobeClean-Light"/>
+                          <a:cs typeface="AdobeClean-Light"/>
+                        </a:rPr>
+                        <a:t>hour</a:t>
+                      </a:r>
+                      <a:endParaRPr sz="900" spc="0">
+                        <a:latin typeface="AdobeClean-Light"/>
+                        <a:cs typeface="AdobeClean-Light"/>
+                      </a:endParaRPr>
                     </a:p>
                   </a:txBody>
                   <a:tcPr marL="0" marR="0" marT="0" marB="0" anchor="ctr">
@@ -2790,21 +3406,75 @@
                     <a:bodyPr/>
                     <a:lstStyle/>
                     <a:p>
-                      <a:pPr marL="405130" marR="459740" indent="92710" algn="ctr">
+                      <a:pPr marL="405130" marR="459740" indent="92710" algn="l">
                         <a:lnSpc>
                           <a:spcPct val="100000"/>
                         </a:lnSpc>
                       </a:pPr>
                       <a:r>
-                        <a:rPr lang="it-IT" sz="900">
+                        <a:rPr lang="en-US" sz="900" spc="0">
                           <a:solidFill>
                             <a:srgbClr val="020302"/>
                           </a:solidFill>
                           <a:latin typeface="AdobeClean-Light"/>
                           <a:cs typeface="AdobeClean-Light"/>
                         </a:rPr>
-                        <a:t>24x7 /   15 minuti</a:t>
+                        <a:t>2</a:t>
                       </a:r>
+                      <a:r>
+                        <a:rPr sz="900" spc="0">
+                          <a:solidFill>
+                            <a:srgbClr val="020302"/>
+                          </a:solidFill>
+                          <a:latin typeface="AdobeClean-Light"/>
+                          <a:cs typeface="AdobeClean-Light"/>
+                        </a:rPr>
+                        <a:t>4x7 / </a:t>
+                      </a:r>
+                      <a:r>
+                        <a:rPr lang="en-US" sz="900" spc="0">
+                          <a:solidFill>
+                            <a:srgbClr val="020302"/>
+                          </a:solidFill>
+                          <a:latin typeface="AdobeClean-Light"/>
+                          <a:cs typeface="AdobeClean-Light"/>
+                        </a:rPr>
+                        <a:t> </a:t>
+                      </a:r>
+                      <a:r>
+                        <a:rPr sz="900" spc="0">
+                          <a:solidFill>
+                            <a:srgbClr val="020302"/>
+                          </a:solidFill>
+                          <a:latin typeface="AdobeClean-Light"/>
+                          <a:cs typeface="AdobeClean-Light"/>
+                        </a:rPr>
+                        <a:t> 15</a:t>
+                      </a:r>
+                      <a:r>
+                        <a:rPr lang="en-US" sz="900" spc="0">
+                          <a:solidFill>
+                            <a:srgbClr val="020302"/>
+                          </a:solidFill>
+                          <a:latin typeface="AdobeClean-Light"/>
+                          <a:cs typeface="AdobeClean-Light"/>
+                        </a:rPr>
+                        <a:t> </a:t>
+                      </a:r>
+                      <a:r>
+                        <a:rPr sz="900" spc="0">
+                          <a:solidFill>
+                            <a:srgbClr val="020302"/>
+                          </a:solidFill>
+                          <a:latin typeface="AdobeClean-Light"/>
+                          <a:cs typeface="AdobeClean-Light"/>
+                        </a:rPr>
+                        <a:t>minutes</a:t>
+                      </a:r>
+                      <a:endParaRPr sz="900" spc="0">
+                        <a:latin typeface="AdobeClean-Light"/>
+                        <a:cs typeface="AdobeClean-Light"/>
+                      </a:endParaRPr>
                     </a:p>
                   </a:txBody>
                   <a:tcPr marL="0" marR="0" marT="2540" marB="0" anchor="ctr">
@@ -2866,15 +3536,19 @@
                         </a:spcBef>
                       </a:pPr>
                       <a:r>
-                        <a:rPr lang="it-IT" sz="900" b="1">
+                        <a:rPr sz="900" b="1" spc="0">
                           <a:solidFill>
                             <a:srgbClr val="020302"/>
                           </a:solidFill>
                           <a:latin typeface="Adobe Clean"/>
                           <a:cs typeface="Adobe Clean"/>
                         </a:rPr>
-                        <a:t>PRIORITÀ 2 (P2)</a:t>
+                        <a:t>PRIORITY 2</a:t>
                       </a:r>
+                      <a:endParaRPr sz="900" spc="0">
+                        <a:latin typeface="Adobe Clean"/>
+                        <a:cs typeface="Adobe Clean"/>
+                      </a:endParaRPr>
                     </a:p>
                     <a:p>
                       <a:pPr marL="49530" marR="719455" algn="l">
@@ -2886,14 +3560,19 @@
                         </a:spcBef>
                       </a:pPr>
                       <a:r>
-                        <a:rPr lang="it-IT" sz="900" b="0" i="0" u="none" strike="noStrike">
+                        <a:rPr lang="en-US" sz="900" b="0" i="0" u="none" strike="noStrike" spc="0">
                           <a:solidFill>
                             <a:srgbClr val="000000"/>
                           </a:solidFill>
+                          <a:effectLst/>
                           <a:latin typeface="Adobe Clean Light" panose="020B0303020404020204" pitchFamily="34" charset="0"/>
                         </a:rPr>
-                        <a:t>Le funzioni operative del cliente hanno subìto un notevole deterioramento del servizio o potenziale perdita di dati, oppure un problema interessa una funzione importante.</a:t>
+                        <a:t>Customer's business functions have major service degradation or potential data loss, or a major feature is impacted</a:t>
                       </a:r>
+                      <a:endParaRPr sz="900" spc="0">
+                        <a:latin typeface="AdobeClean-Light"/>
+                        <a:cs typeface="AdobeClean-Light"/>
+                      </a:endParaRPr>
                     </a:p>
                   </a:txBody>
                   <a:tcPr marL="0" marR="0" marT="0" marB="0" anchor="ctr">
@@ -2931,23 +3610,23 @@
                     <a:bodyPr/>
                     <a:lstStyle/>
                     <a:p>
-                      <a:pPr marL="284163" marR="343535" indent="-49213" algn="ctr">
+                      <a:pPr marL="473709" marR="343535" indent="-175895" algn="l">
                         <a:lnSpc>
                           <a:spcPct val="102200"/>
                         </a:lnSpc>
                       </a:pPr>
                       <a:r>
-                        <a:rPr lang="it-IT" sz="900" dirty="0">
+                        <a:rPr sz="900" spc="0">
                           <a:solidFill>
                             <a:srgbClr val="020302"/>
                           </a:solidFill>
                           <a:latin typeface="AdobeClean-Light"/>
                           <a:cs typeface="AdobeClean-Light"/>
                         </a:rPr>
-                        <a:t>Orario operativo /</a:t>
+                        <a:t>Business hours</a:t>
                       </a:r>
                       <a:r>
-                        <a:rPr lang="sk-SK" sz="900" dirty="0">
+                        <a:rPr lang="en-US" sz="900" spc="0">
                           <a:solidFill>
                             <a:srgbClr val="020302"/>
                           </a:solidFill>
@@ -2956,25 +3635,40 @@
                         </a:rPr>
                         <a:t> </a:t>
                       </a:r>
-                      <a:br>
-                        <a:rPr lang="sk-SK" sz="900" dirty="0">
+                      <a:r>
+                        <a:rPr sz="900" spc="0">
                           <a:solidFill>
                             <a:srgbClr val="020302"/>
                           </a:solidFill>
                           <a:latin typeface="AdobeClean-Light"/>
                           <a:cs typeface="AdobeClean-Light"/>
                         </a:rPr>
-                      </a:br>
+                        <a:t>/  </a:t>
+                      </a:r>
                       <a:r>
-                        <a:rPr lang="it-IT" sz="900" dirty="0">
+                        <a:rPr lang="en-US" sz="900" spc="0">
                           <a:solidFill>
                             <a:srgbClr val="020302"/>
                           </a:solidFill>
                           <a:latin typeface="AdobeClean-Light"/>
                           <a:cs typeface="AdobeClean-Light"/>
                         </a:rPr>
-                        <a:t>4 ore</a:t>
+                        <a:t>     </a:t>
                       </a:r>
+                      <a:r>
+                        <a:rPr sz="900" spc="0">
+                          <a:solidFill>
+                            <a:srgbClr val="020302"/>
+                          </a:solidFill>
+                          <a:latin typeface="AdobeClean-Light"/>
+                          <a:cs typeface="AdobeClean-Light"/>
+                        </a:rPr>
+                        <a:t>4 hours</a:t>
+                      </a:r>
+                      <a:endParaRPr sz="900" spc="0">
+                        <a:latin typeface="AdobeClean-Light"/>
+                        <a:cs typeface="AdobeClean-Light"/>
+                      </a:endParaRPr>
                     </a:p>
                   </a:txBody>
                   <a:tcPr marL="0" marR="0" marT="0" marB="0" anchor="ctr">
@@ -3009,21 +3703,45 @@
                     <a:bodyPr/>
                     <a:lstStyle/>
                     <a:p>
-                      <a:pPr marL="351790" marR="481330" indent="144145" algn="ctr">
+                      <a:pPr marL="351790" marR="481330" indent="144145" algn="l">
                         <a:lnSpc>
                           <a:spcPct val="102299"/>
                         </a:lnSpc>
                       </a:pPr>
                       <a:r>
-                        <a:rPr lang="it-IT" sz="900">
+                        <a:rPr sz="900" spc="0">
                           <a:solidFill>
                             <a:srgbClr val="020302"/>
                           </a:solidFill>
                           <a:latin typeface="AdobeClean-Light"/>
                           <a:cs typeface="AdobeClean-Light"/>
                         </a:rPr>
-                        <a:t>24x5 /  30 minuti</a:t>
+                        <a:t>24x5 /  30</a:t>
                       </a:r>
+                      <a:r>
+                        <a:rPr lang="en-US" sz="900" spc="0">
+                          <a:solidFill>
+                            <a:srgbClr val="020302"/>
+                          </a:solidFill>
+                          <a:latin typeface="AdobeClean-Light"/>
+                          <a:cs typeface="AdobeClean-Light"/>
+                        </a:rPr>
+                        <a:t> m</a:t>
+                      </a:r>
+                      <a:r>
+                        <a:rPr sz="900" spc="0">
+                          <a:solidFill>
+                            <a:srgbClr val="020302"/>
+                          </a:solidFill>
+                          <a:latin typeface="AdobeClean-Light"/>
+                          <a:cs typeface="AdobeClean-Light"/>
+                        </a:rPr>
+                        <a:t>inutes</a:t>
+                      </a:r>
+                      <a:endParaRPr sz="900" spc="0">
+                        <a:latin typeface="AdobeClean-Light"/>
+                        <a:cs typeface="AdobeClean-Light"/>
+                      </a:endParaRPr>
                     </a:p>
                   </a:txBody>
                   <a:tcPr marL="0" marR="0" marT="5080" marB="0" anchor="ctr">
@@ -3082,15 +3800,19 @@
                         </a:spcBef>
                       </a:pPr>
                       <a:r>
-                        <a:rPr lang="it-IT" sz="900" b="1" dirty="0">
+                        <a:rPr sz="900" b="1" spc="0">
                           <a:solidFill>
                             <a:srgbClr val="020302"/>
                           </a:solidFill>
                           <a:latin typeface="Adobe Clean"/>
                           <a:cs typeface="Adobe Clean"/>
                         </a:rPr>
-                        <a:t>PRIORITÀ 3 (P3)</a:t>
+                        <a:t>PRIORITY 3</a:t>
                       </a:r>
+                      <a:endParaRPr sz="900" spc="0">
+                        <a:latin typeface="Adobe Clean"/>
+                        <a:cs typeface="Adobe Clean"/>
+                      </a:endParaRPr>
                     </a:p>
                     <a:p>
                       <a:pPr marL="48895" marR="387985" indent="-2540" algn="l">
@@ -3102,31 +3824,19 @@
                         </a:spcBef>
                       </a:pPr>
                       <a:r>
-                        <a:rPr lang="it-IT" sz="900" b="0" i="0" u="none" strike="noStrike" dirty="0">
+                        <a:rPr lang="en-US" sz="900" b="0" i="0" u="none" strike="noStrike" spc="0">
                           <a:solidFill>
                             <a:srgbClr val="000000"/>
                           </a:solidFill>
+                          <a:effectLst/>
                           <a:latin typeface="Adobe Clean Light" panose="020B0303020404020204" pitchFamily="34" charset="0"/>
                         </a:rPr>
-                        <a:t>Le funzioni operative del cliente sono interessate da deterioramento lieve del servizio </a:t>
+                        <a:t>Customer’s business functions has minor to no service degradation but there exists a solution/workaround allowing business functions to continue normally</a:t>
                       </a:r>
-                      <a:br>
-                        <a:rPr lang="sk-SK" sz="900" b="0" i="0" u="none" strike="noStrike" dirty="0">
-                          <a:solidFill>
-                            <a:srgbClr val="000000"/>
-                          </a:solidFill>
-                          <a:latin typeface="Adobe Clean Light" panose="020B0303020404020204" pitchFamily="34" charset="0"/>
-                        </a:rPr>
-                      </a:br>
-                      <a:r>
-                        <a:rPr lang="it-IT" sz="900" b="0" i="0" u="none" strike="noStrike" dirty="0">
-                          <a:solidFill>
-                            <a:srgbClr val="000000"/>
-                          </a:solidFill>
-                          <a:latin typeface="Adobe Clean Light" panose="020B0303020404020204" pitchFamily="34" charset="0"/>
-                        </a:rPr>
-                        <a:t>(o nessun deterioramento), tuttavia è possibile procedere normalmente mediante una soluzione temporanea.</a:t>
-                      </a:r>
+                      <a:endParaRPr sz="900" spc="0">
+                        <a:latin typeface="AdobeClean-Light"/>
+                        <a:cs typeface="AdobeClean-Light"/>
+                      </a:endParaRPr>
                     </a:p>
                   </a:txBody>
                   <a:tcPr marL="0" marR="0" marT="0" marB="0" anchor="ctr">
@@ -3164,40 +3874,25 @@
                     <a:bodyPr/>
                     <a:lstStyle/>
                     <a:p>
-                      <a:pPr marL="284163" marR="343535" indent="-49213" algn="ctr">
+                      <a:pPr marL="473709" marR="343535" indent="-175895" algn="l">
                         <a:lnSpc>
                           <a:spcPct val="102200"/>
                         </a:lnSpc>
                       </a:pPr>
                       <a:r>
-                        <a:rPr lang="it-IT" sz="900" dirty="0">
+                        <a:rPr lang="en-US" sz="900" spc="0">
                           <a:solidFill>
                             <a:srgbClr val="020302"/>
                           </a:solidFill>
                           <a:latin typeface="AdobeClean-Light"/>
                           <a:cs typeface="AdobeClean-Light"/>
                         </a:rPr>
-                        <a:t>Orario operativo / </a:t>
+                        <a:t>Business hours /       6 hours</a:t>
                       </a:r>
-                      <a:br>
-                        <a:rPr lang="sk-SK" sz="900" dirty="0">
-                          <a:solidFill>
-                            <a:srgbClr val="020302"/>
-                          </a:solidFill>
-                          <a:latin typeface="AdobeClean-Light"/>
-                          <a:cs typeface="AdobeClean-Light"/>
-                        </a:rPr>
-                      </a:br>
-                      <a:r>
-                        <a:rPr lang="it-IT" sz="900" dirty="0">
-                          <a:solidFill>
-                            <a:srgbClr val="020302"/>
-                          </a:solidFill>
-                          <a:latin typeface="AdobeClean-Light"/>
-                          <a:cs typeface="AdobeClean-Light"/>
-                        </a:rPr>
-                        <a:t>6 ore</a:t>
-                      </a:r>
+                      <a:endParaRPr lang="en-US" sz="900" spc="0">
+                        <a:latin typeface="AdobeClean-Light"/>
+                        <a:cs typeface="AdobeClean-Light"/>
+                      </a:endParaRPr>
                     </a:p>
                   </a:txBody>
                   <a:tcPr marL="0" marR="0" marT="0" marB="0" anchor="ctr">
@@ -3232,13 +3927,13 @@
                     <a:bodyPr/>
                     <a:lstStyle/>
                     <a:p>
-                      <a:pPr marL="508000" marR="531495" indent="1270" algn="ctr">
+                      <a:pPr marL="508000" marR="531495" indent="1270" algn="l">
                         <a:lnSpc>
                           <a:spcPct val="102200"/>
                         </a:lnSpc>
                       </a:pPr>
                       <a:r>
-                        <a:rPr lang="it-IT" sz="900">
+                        <a:rPr lang="en-US" sz="900" spc="0">
                           <a:solidFill>
                             <a:srgbClr val="020302"/>
                           </a:solidFill>
@@ -3249,7 +3944,7 @@
                         <a:t>2</a:t>
                       </a:r>
                       <a:r>
-                        <a:rPr lang="it-IT" sz="900">
+                        <a:rPr sz="900" spc="0">
                           <a:solidFill>
                             <a:srgbClr val="020302"/>
                           </a:solidFill>
@@ -3257,7 +3952,29 @@
                           <a:ea typeface="+mn-ea"/>
                           <a:cs typeface="AdobeClean-Light"/>
                         </a:rPr>
-                        <a:t>4x5 /   1 ora</a:t>
+                        <a:t>4x5/  </a:t>
+                      </a:r>
+                      <a:r>
+                        <a:rPr lang="en-US" sz="900" spc="0">
+                          <a:solidFill>
+                            <a:srgbClr val="020302"/>
+                          </a:solidFill>
+                          <a:latin typeface="AdobeClean-Light"/>
+                          <a:ea typeface="+mn-ea"/>
+                          <a:cs typeface="AdobeClean-Light"/>
+                        </a:rPr>
+                        <a:t> </a:t>
+                      </a:r>
+                      <a:r>
+                        <a:rPr sz="900" spc="0">
+                          <a:solidFill>
+                            <a:srgbClr val="020302"/>
+                          </a:solidFill>
+                          <a:latin typeface="AdobeClean-Light"/>
+                          <a:ea typeface="+mn-ea"/>
+                          <a:cs typeface="AdobeClean-Light"/>
+                        </a:rPr>
+                        <a:t>1 hour</a:t>
                       </a:r>
                     </a:p>
                   </a:txBody>
@@ -3317,15 +4034,19 @@
                         </a:spcBef>
                       </a:pPr>
                       <a:r>
-                        <a:rPr lang="it-IT" sz="900" b="1" dirty="0">
+                        <a:rPr sz="900" b="1" spc="0">
                           <a:solidFill>
                             <a:srgbClr val="020302"/>
                           </a:solidFill>
                           <a:latin typeface="Adobe Clean"/>
                           <a:cs typeface="Adobe Clean"/>
                         </a:rPr>
-                        <a:t>PRIORITÀ 4 (P4)</a:t>
+                        <a:t>PRIORITY 4</a:t>
                       </a:r>
+                      <a:endParaRPr sz="900" spc="0">
+                        <a:latin typeface="Adobe Clean"/>
+                        <a:cs typeface="Adobe Clean"/>
+                      </a:endParaRPr>
                     </a:p>
                     <a:p>
                       <a:pPr marL="62230" algn="l">
@@ -3337,14 +4058,19 @@
                         </a:spcBef>
                       </a:pPr>
                       <a:r>
-                        <a:rPr lang="it-IT" sz="900" b="0" i="0" u="none" strike="noStrike" dirty="0">
+                        <a:rPr lang="en-US" sz="900" b="0" i="0" u="none" strike="noStrike" spc="0">
                           <a:solidFill>
                             <a:srgbClr val="000000"/>
                           </a:solidFill>
+                          <a:effectLst/>
                           <a:latin typeface="Adobe Clean Light" panose="020B0303020404020204" pitchFamily="34" charset="0"/>
                         </a:rPr>
-                        <a:t>Domande generali sulle attuali funzionalità del prodotto o su una richiesta di miglioramento</a:t>
+                        <a:t>General question regarding current product functionality or an enhancement request</a:t>
                       </a:r>
+                      <a:endParaRPr sz="900" spc="0">
+                        <a:latin typeface="AdobeClean-Light"/>
+                        <a:cs typeface="AdobeClean-Light"/>
+                      </a:endParaRPr>
                     </a:p>
                   </a:txBody>
                   <a:tcPr marL="0" marR="0" marT="0" marB="0" anchor="ctr">
@@ -3382,21 +4108,25 @@
                     <a:bodyPr/>
                     <a:lstStyle/>
                     <a:p>
-                      <a:pPr marL="284163" marR="343535" indent="-49213" algn="ctr">
+                      <a:pPr marL="473709" marR="343535" indent="-175895" algn="l">
                         <a:lnSpc>
                           <a:spcPct val="102200"/>
                         </a:lnSpc>
                       </a:pPr>
                       <a:r>
-                        <a:rPr lang="it-IT" sz="900" dirty="0">
+                        <a:rPr lang="en-US" sz="900" spc="0">
                           <a:solidFill>
                             <a:srgbClr val="020302"/>
                           </a:solidFill>
                           <a:latin typeface="AdobeClean-Light"/>
                           <a:cs typeface="AdobeClean-Light"/>
                         </a:rPr>
-                        <a:t>Giorni lavorativi /  3 giorni</a:t>
+                        <a:t>Business days /       3 days</a:t>
                       </a:r>
+                      <a:endParaRPr lang="en-US" sz="900" spc="0">
+                        <a:latin typeface="AdobeClean-Light"/>
+                        <a:cs typeface="AdobeClean-Light"/>
+                      </a:endParaRPr>
                     </a:p>
                   </a:txBody>
                   <a:tcPr marL="0" marR="0" marT="0" marB="0" anchor="ctr">
@@ -3431,21 +4161,25 @@
                     <a:bodyPr/>
                     <a:lstStyle/>
                     <a:p>
-                      <a:pPr marL="284163" marR="343535" indent="-49213" algn="ctr">
+                      <a:pPr marL="473709" marR="343535" indent="-175895" algn="l">
                         <a:lnSpc>
                           <a:spcPct val="102200"/>
                         </a:lnSpc>
                       </a:pPr>
                       <a:r>
-                        <a:rPr lang="it-IT" sz="900" dirty="0">
+                        <a:rPr lang="en-US" sz="900" spc="0">
                           <a:solidFill>
                             <a:srgbClr val="020302"/>
                           </a:solidFill>
                           <a:latin typeface="AdobeClean-Light"/>
                           <a:cs typeface="AdobeClean-Light"/>
                         </a:rPr>
-                        <a:t>Giorni lavorativi /  1 giorno</a:t>
+                        <a:t>Business days /       1 day</a:t>
                       </a:r>
+                      <a:endParaRPr lang="en-US" sz="900" spc="0">
+                        <a:latin typeface="AdobeClean-Light"/>
+                        <a:cs typeface="AdobeClean-Light"/>
+                      </a:endParaRPr>
                     </a:p>
                   </a:txBody>
                   <a:tcPr marL="0" marR="0" marT="27940" marB="0" anchor="ctr">
@@ -3523,8 +4257,8 @@
         </p:nvSpPr>
         <p:spPr>
           <a:xfrm>
-            <a:off x="97786" y="9888626"/>
-            <a:ext cx="2950213" cy="133370"/>
+            <a:off x="97787" y="9888626"/>
+            <a:ext cx="2202180" cy="149860"/>
           </a:xfrm>
           <a:prstGeom prst="rect">
             <a:avLst/>
@@ -3545,15 +4279,99 @@
               </a:spcBef>
             </a:pPr>
             <a:r>
-              <a:rPr lang="it-IT" sz="800" dirty="0">
+              <a:rPr sz="800" spc="-15">
                 <a:solidFill>
                   <a:srgbClr val="6D6D6D"/>
                 </a:solidFill>
                 <a:latin typeface="Adobe Clean"/>
                 <a:cs typeface="Adobe Clean"/>
               </a:rPr>
-              <a:t>©2021 Adobe. All Rights Reserved. Adobe Confidential.</a:t>
-            </a:r>
+              <a:t>©2021 </a:t>
+            </a:r>
+            <a:r>
+              <a:rPr sz="800" spc="-5">
+                <a:solidFill>
+                  <a:srgbClr val="6D6D6D"/>
+                </a:solidFill>
+                <a:latin typeface="Adobe Clean"/>
+                <a:cs typeface="Adobe Clean"/>
+              </a:rPr>
+              <a:t>Adobe. All</a:t>
+            </a:r>
+            <a:r>
+              <a:rPr sz="800" spc="-15">
+                <a:solidFill>
+                  <a:srgbClr val="6D6D6D"/>
+                </a:solidFill>
+                <a:latin typeface="Adobe Clean"/>
+                <a:cs typeface="Adobe Clean"/>
+              </a:rPr>
+              <a:t> Rights</a:t>
+            </a:r>
+            <a:r>
+              <a:rPr sz="800" spc="-5">
+                <a:solidFill>
+                  <a:srgbClr val="6D6D6D"/>
+                </a:solidFill>
+                <a:latin typeface="Adobe Clean"/>
+                <a:cs typeface="Adobe Clean"/>
+              </a:rPr>
+              <a:t> </a:t>
+            </a:r>
+            <a:r>
+              <a:rPr sz="800" spc="-15">
+                <a:solidFill>
+                  <a:srgbClr val="6D6D6D"/>
+                </a:solidFill>
+                <a:latin typeface="Adobe Clean"/>
+                <a:cs typeface="Adobe Clean"/>
+              </a:rPr>
+              <a:t>Reserved.</a:t>
+            </a:r>
+            <a:r>
+              <a:rPr sz="800" spc="-10">
+                <a:solidFill>
+                  <a:srgbClr val="6D6D6D"/>
+                </a:solidFill>
+                <a:latin typeface="Adobe Clean"/>
+                <a:cs typeface="Adobe Clean"/>
+              </a:rPr>
+              <a:t> </a:t>
+            </a:r>
+            <a:r>
+              <a:rPr sz="800" spc="-5">
+                <a:solidFill>
+                  <a:srgbClr val="6D6D6D"/>
+                </a:solidFill>
+                <a:latin typeface="Adobe Clean"/>
+                <a:cs typeface="Adobe Clean"/>
+              </a:rPr>
+              <a:t>Adobe</a:t>
+            </a:r>
+            <a:r>
+              <a:rPr sz="800" spc="65">
+                <a:solidFill>
+                  <a:srgbClr val="6D6D6D"/>
+                </a:solidFill>
+                <a:latin typeface="Adobe Clean"/>
+                <a:cs typeface="Adobe Clean"/>
+              </a:rPr>
+              <a:t> </a:t>
+            </a:r>
+            <a:r>
+              <a:rPr sz="800" spc="-15">
+                <a:solidFill>
+                  <a:srgbClr val="6D6D6D"/>
+                </a:solidFill>
+                <a:latin typeface="Adobe Clean"/>
+                <a:cs typeface="Adobe Clean"/>
+              </a:rPr>
+              <a:t>Confidential.</a:t>
+            </a:r>
+            <a:endParaRPr sz="800">
+              <a:latin typeface="Adobe Clean"/>
+              <a:cs typeface="Adobe Clean"/>
+            </a:endParaRPr>
           </a:p>
         </p:txBody>
       </p:sp>
@@ -3586,7 +4404,7 @@
           <a:lstStyle/>
           <a:p>
             <a:r>
-              <a:rPr lang="it-IT" sz="700" i="1">
+              <a:rPr lang="en-US" sz="700" i="1">
                 <a:solidFill>
                   <a:schemeClr val="bg1"/>
                 </a:solidFill>
@@ -3618,7 +4436,7 @@
         </p:nvGraphicFramePr>
         <p:xfrm>
           <a:off x="273550" y="2258474"/>
-          <a:ext cx="7281935" cy="4839582"/>
+          <a:ext cx="7281935" cy="4738570"/>
         </p:xfrm>
         <a:graphic>
           <a:graphicData uri="http://schemas.openxmlformats.org/drawingml/2006/table">
@@ -3662,7 +4480,7 @@
                     <a:bodyPr/>
                     <a:lstStyle/>
                     <a:p>
-                      <a:endParaRPr lang="en-US" dirty="0"/>
+                      <a:endParaRPr lang="en-US"/>
                     </a:p>
                   </a:txBody>
                   <a:tcPr/>
@@ -3700,15 +4518,39 @@
                         <a:defRPr/>
                       </a:pPr>
                       <a:r>
-                        <a:rPr lang="it-IT" sz="900">
+                        <a:rPr lang="en-US" sz="900" spc="-20">
                           <a:solidFill>
                             <a:srgbClr val="404040"/>
                           </a:solidFill>
                           <a:latin typeface="Adobe Clean"/>
                           <a:cs typeface="Adobe Clean"/>
                         </a:rPr>
-                        <a:t>Supporto Online</a:t>
+                        <a:t>Online </a:t>
                       </a:r>
+                      <a:r>
+                        <a:rPr lang="en-US" sz="900" spc="-135">
+                          <a:solidFill>
+                            <a:srgbClr val="404040"/>
+                          </a:solidFill>
+                          <a:latin typeface="Adobe Clean"/>
+                          <a:cs typeface="Adobe Clean"/>
+                        </a:rPr>
+                        <a:t> </a:t>
+                      </a:r>
+                      <a:r>
+                        <a:rPr lang="en-US" sz="900" spc="-20">
+                          <a:solidFill>
+                            <a:srgbClr val="404040"/>
+                          </a:solidFill>
+                          <a:latin typeface="Adobe Clean"/>
+                          <a:cs typeface="Adobe Clean"/>
+                        </a:rPr>
+                        <a:t>Support</a:t>
+                      </a:r>
+                      <a:endParaRPr lang="en-US" sz="900">
+                        <a:latin typeface="Adobe Clean"/>
+                        <a:cs typeface="Adobe Clean"/>
+                      </a:endParaRPr>
                     </a:p>
                   </a:txBody>
                   <a:tcPr marL="0" marR="0" marT="7620" marB="0" anchor="ctr">
@@ -3749,15 +4591,29 @@
                         </a:spcBef>
                       </a:pPr>
                       <a:r>
-                        <a:rPr lang="it-IT" sz="900">
+                        <a:rPr lang="en-US" sz="900" spc="-20">
                           <a:solidFill>
                             <a:srgbClr val="FFFFFF"/>
                           </a:solidFill>
                           <a:latin typeface="Adobe Clean"/>
                           <a:cs typeface="Adobe Clean"/>
                         </a:rPr>
-                        <a:t>Supporto Elite</a:t>
+                        <a:t>Elite </a:t>
                       </a:r>
+                      <a:r>
+                        <a:rPr sz="900" spc="-20">
+                          <a:solidFill>
+                            <a:srgbClr val="FFFFFF"/>
+                          </a:solidFill>
+                          <a:latin typeface="Adobe Clean"/>
+                          <a:cs typeface="Adobe Clean"/>
+                        </a:rPr>
+                        <a:t>Support</a:t>
+                      </a:r>
+                      <a:endParaRPr sz="900">
+                        <a:latin typeface="Adobe Clean"/>
+                        <a:cs typeface="Adobe Clean"/>
+                      </a:endParaRPr>
                     </a:p>
                   </a:txBody>
                   <a:tcPr marL="0" marR="0" marT="7620" marB="0" anchor="ctr">
@@ -3802,7 +4658,7 @@
                     <a:bodyPr/>
                     <a:lstStyle/>
                     <a:p>
-                      <a:endParaRPr lang="en-US" dirty="0"/>
+                      <a:endParaRPr lang="en-US"/>
                     </a:p>
                   </a:txBody>
                   <a:tcPr/>
@@ -3822,7 +4678,7 @@
                     <a:bodyPr/>
                     <a:lstStyle/>
                     <a:p>
-                      <a:pPr marL="0" marR="0" lvl="0" indent="0" algn="l" defTabSz="914400" rtl="0" eaLnBrk="1" fontAlgn="auto" latinLnBrk="0" hangingPunct="1">
+                      <a:pPr marL="0" marR="0" lvl="0" indent="0" algn="ctr" defTabSz="914400" eaLnBrk="1" fontAlgn="auto" latinLnBrk="0" hangingPunct="1">
                         <a:lnSpc>
                           <a:spcPct val="100000"/>
                         </a:lnSpc>
@@ -3839,7 +4695,7 @@
                         <a:tabLst/>
                         <a:defRPr/>
                       </a:pPr>
-                      <a:endParaRPr lang="en-US" sz="800" i="1" dirty="0">
+                      <a:endParaRPr lang="en-US" sz="800" i="1">
                         <a:solidFill>
                           <a:sysClr val="windowText" lastClr="000000"/>
                         </a:solidFill>
@@ -3903,13 +4759,13 @@
                         <a:defRPr/>
                       </a:pPr>
                       <a:r>
-                        <a:rPr lang="it-IT" sz="800" i="1">
+                        <a:rPr lang="en-US" sz="800" i="1">
                           <a:solidFill>
                             <a:schemeClr val="bg1"/>
                           </a:solidFill>
                           <a:latin typeface="Adobe Clean Light" panose="020B0303020404020204" pitchFamily="34" charset="0"/>
                         </a:rPr>
-                        <a:t>Supporto a pagamento ($)</a:t>
+                        <a:t>Paid Support ($)</a:t>
                       </a:r>
                     </a:p>
                   </a:txBody>
@@ -3973,15 +4829,22 @@
                         </a:spcBef>
                       </a:pPr>
                       <a:r>
-                        <a:rPr lang="it-IT" sz="1000" b="1" i="0">
+                        <a:rPr lang="en-US" sz="1000" b="1" i="0" spc="0">
                           <a:solidFill>
                             <a:schemeClr val="bg1"/>
                           </a:solidFill>
                           <a:latin typeface="Adobe Clean" panose="020B0503020404020204" pitchFamily="34" charset="0"/>
                           <a:cs typeface="AdobeClean-Light"/>
                         </a:rPr>
-                        <a:t>Esperti assegnati</a:t>
+                        <a:t>Assigned Experts</a:t>
                       </a:r>
+                      <a:endParaRPr sz="1000" b="1" i="0" spc="0">
+                        <a:solidFill>
+                          <a:schemeClr val="bg1"/>
+                        </a:solidFill>
+                        <a:latin typeface="Adobe Clean" panose="020B0503020404020204" pitchFamily="34" charset="0"/>
+                        <a:cs typeface="AdobeClean-Light"/>
+                      </a:endParaRPr>
                     </a:p>
                   </a:txBody>
                   <a:tcPr marL="0" marR="0" marT="58419" marB="0" anchor="ctr">
@@ -4028,7 +4891,7 @@
                         </a:spcBef>
                       </a:pPr>
                       <a:r>
-                        <a:rPr lang="it-IT" sz="900">
+                        <a:rPr sz="900" spc="0">
                           <a:solidFill>
                             <a:srgbClr val="020302"/>
                           </a:solidFill>
@@ -4037,6 +4900,10 @@
                         </a:rPr>
                         <a:t>Account Support Lead</a:t>
                       </a:r>
+                      <a:endParaRPr sz="900" spc="0">
+                        <a:latin typeface="AdobeClean-Light"/>
+                        <a:cs typeface="AdobeClean-Light"/>
+                      </a:endParaRPr>
                     </a:p>
                   </a:txBody>
                   <a:tcPr marL="0" marR="0" marT="58419" marB="0">
@@ -4071,7 +4938,7 @@
                     <a:bodyPr/>
                     <a:lstStyle/>
                     <a:p>
-                      <a:pPr algn="l" rtl="0">
+                      <a:pPr algn="ctr">
                         <a:lnSpc>
                           <a:spcPct val="100000"/>
                         </a:lnSpc>
@@ -4079,7 +4946,7 @@
                           <a:spcPts val="470"/>
                         </a:spcBef>
                       </a:pPr>
-                      <a:endParaRPr sz="900" dirty="0">
+                      <a:endParaRPr sz="900">
                         <a:latin typeface="Wingdings"/>
                         <a:cs typeface="Wingdings"/>
                       </a:endParaRPr>
@@ -4112,7 +4979,7 @@
                     <a:bodyPr/>
                     <a:lstStyle/>
                     <a:p>
-                      <a:pPr algn="l" rtl="0">
+                      <a:pPr algn="ctr">
                         <a:lnSpc>
                           <a:spcPct val="100000"/>
                         </a:lnSpc>
@@ -4120,7 +4987,7 @@
                           <a:spcPts val="470"/>
                         </a:spcBef>
                       </a:pPr>
-                      <a:endParaRPr sz="900" dirty="0">
+                      <a:endParaRPr sz="900">
                         <a:latin typeface="Wingdings"/>
                         <a:cs typeface="Wingdings"/>
                       </a:endParaRPr>
@@ -4155,7 +5022,7 @@
                     <a:bodyPr/>
                     <a:lstStyle/>
                     <a:p>
-                      <a:pPr marL="50800" algn="l" rtl="0">
+                      <a:pPr marL="50800">
                         <a:lnSpc>
                           <a:spcPct val="100000"/>
                         </a:lnSpc>
@@ -4163,7 +5030,7 @@
                           <a:spcPts val="459"/>
                         </a:spcBef>
                       </a:pPr>
-                      <a:endParaRPr sz="900" dirty="0">
+                      <a:endParaRPr sz="900">
                         <a:latin typeface="AdobeClean-Light"/>
                         <a:cs typeface="AdobeClean-Light"/>
                       </a:endParaRPr>
@@ -4201,7 +5068,7 @@
                         </a:spcBef>
                       </a:pPr>
                       <a:r>
-                        <a:rPr lang="it-IT" sz="900">
+                        <a:rPr sz="900" spc="0">
                           <a:solidFill>
                             <a:srgbClr val="020302"/>
                           </a:solidFill>
@@ -4210,6 +5077,10 @@
                         </a:rPr>
                         <a:t>Named Support Engineer</a:t>
                       </a:r>
+                      <a:endParaRPr sz="900" spc="0">
+                        <a:latin typeface="AdobeClean-Light"/>
+                        <a:cs typeface="AdobeClean-Light"/>
+                      </a:endParaRPr>
                     </a:p>
                   </a:txBody>
                   <a:tcPr marL="0" marR="0" marT="58419" marB="0">
@@ -4232,12 +5103,12 @@
                     <a:bodyPr/>
                     <a:lstStyle/>
                     <a:p>
-                      <a:pPr algn="l" rtl="0">
+                      <a:pPr algn="ctr">
                         <a:lnSpc>
                           <a:spcPct val="100000"/>
                         </a:lnSpc>
                       </a:pPr>
-                      <a:endParaRPr sz="900" dirty="0">
+                      <a:endParaRPr sz="900">
                         <a:latin typeface="Times New Roman"/>
                         <a:cs typeface="Times New Roman"/>
                       </a:endParaRPr>
@@ -4279,7 +5150,7 @@
                         <a:defRPr/>
                       </a:pPr>
                       <a:r>
-                        <a:rPr lang="it-IT" sz="900">
+                        <a:rPr lang="en-US" sz="900">
                           <a:solidFill>
                             <a:srgbClr val="020302"/>
                           </a:solidFill>
@@ -4288,6 +5159,10 @@
                         </a:rPr>
                         <a:t></a:t>
                       </a:r>
+                      <a:endParaRPr lang="en-US" sz="900">
+                        <a:latin typeface="Wingdings"/>
+                        <a:cs typeface="Wingdings"/>
+                      </a:endParaRPr>
                     </a:p>
                   </a:txBody>
                   <a:tcPr marL="0" marR="0" marT="0" marB="0" anchor="ctr">
@@ -4310,7 +5185,7 @@
                     <a:bodyPr/>
                     <a:lstStyle/>
                     <a:p>
-                      <a:pPr marL="50800" algn="l" rtl="0">
+                      <a:pPr marL="50800">
                         <a:lnSpc>
                           <a:spcPct val="100000"/>
                         </a:lnSpc>
@@ -4318,7 +5193,7 @@
                           <a:spcPts val="500"/>
                         </a:spcBef>
                       </a:pPr>
-                      <a:endParaRPr sz="900" dirty="0">
+                      <a:endParaRPr sz="900">
                         <a:latin typeface="AdobeClean-Light"/>
                         <a:cs typeface="AdobeClean-Light"/>
                       </a:endParaRPr>
@@ -4368,7 +5243,7 @@
                         </a:spcBef>
                       </a:pPr>
                       <a:r>
-                        <a:rPr lang="it-IT" sz="900">
+                        <a:rPr sz="900" spc="0">
                           <a:solidFill>
                             <a:srgbClr val="020302"/>
                           </a:solidFill>
@@ -4377,6 +5252,10 @@
                         </a:rPr>
                         <a:t>Technical Account Manager</a:t>
                       </a:r>
+                      <a:endParaRPr sz="900" spc="0">
+                        <a:latin typeface="AdobeClean-Light"/>
+                        <a:cs typeface="AdobeClean-Light"/>
+                      </a:endParaRPr>
                     </a:p>
                   </a:txBody>
                   <a:tcPr marL="0" marR="0" marT="63500" marB="0">
@@ -4405,12 +5284,12 @@
                     <a:bodyPr/>
                     <a:lstStyle/>
                     <a:p>
-                      <a:pPr algn="l" rtl="0">
+                      <a:pPr algn="ctr">
                         <a:lnSpc>
                           <a:spcPct val="100000"/>
                         </a:lnSpc>
                       </a:pPr>
-                      <a:endParaRPr sz="900" dirty="0">
+                      <a:endParaRPr sz="900">
                         <a:latin typeface="Times New Roman"/>
                         <a:cs typeface="Times New Roman"/>
                       </a:endParaRPr>
@@ -4461,7 +5340,7 @@
                         <a:defRPr/>
                       </a:pPr>
                       <a:r>
-                        <a:rPr lang="it-IT" sz="900">
+                        <a:rPr lang="en-US" sz="900">
                           <a:solidFill>
                             <a:srgbClr val="020302"/>
                           </a:solidFill>
@@ -4470,6 +5349,10 @@
                         </a:rPr>
                         <a:t></a:t>
                       </a:r>
+                      <a:endParaRPr lang="en-US" sz="900">
+                        <a:latin typeface="Wingdings"/>
+                        <a:cs typeface="Wingdings"/>
+                      </a:endParaRPr>
                     </a:p>
                   </a:txBody>
                   <a:tcPr marL="0" marR="0" marT="0" marB="0" anchor="ctr">
@@ -4510,15 +5393,22 @@
                         </a:spcBef>
                       </a:pPr>
                       <a:r>
-                        <a:rPr lang="it-IT" sz="1000" b="1" i="0">
+                        <a:rPr lang="en-US" sz="1000" b="1" i="0" spc="0">
                           <a:solidFill>
                             <a:schemeClr val="bg1"/>
                           </a:solidFill>
                           <a:latin typeface="Adobe Clean" panose="020B0503020404020204" pitchFamily="34" charset="0"/>
                           <a:cs typeface="AdobeClean-Light"/>
                         </a:rPr>
-                        <a:t>Servizi di assistenza</a:t>
+                        <a:t>Support Services</a:t>
                       </a:r>
+                      <a:endParaRPr sz="1000" b="1" i="0" spc="0">
+                        <a:solidFill>
+                          <a:schemeClr val="bg1"/>
+                        </a:solidFill>
+                        <a:latin typeface="Adobe Clean" panose="020B0503020404020204" pitchFamily="34" charset="0"/>
+                        <a:cs typeface="AdobeClean-Light"/>
+                      </a:endParaRPr>
                     </a:p>
                   </a:txBody>
                   <a:tcPr marL="0" marR="0" marT="57150" marB="0" anchor="ctr">
@@ -4574,15 +5464,29 @@
                         </a:spcBef>
                       </a:pPr>
                       <a:r>
-                        <a:rPr lang="it-IT" sz="900">
+                        <a:rPr lang="en-US" sz="900" spc="0">
                           <a:solidFill>
                             <a:srgbClr val="020302"/>
                           </a:solidFill>
                           <a:latin typeface="AdobeClean-Light"/>
                           <a:cs typeface="AdobeClean-Light"/>
                         </a:rPr>
-                        <a:t>Supporto Online</a:t>
+                        <a:t>Online</a:t>
                       </a:r>
+                      <a:r>
+                        <a:rPr sz="900" spc="0">
+                          <a:solidFill>
+                            <a:srgbClr val="020302"/>
+                          </a:solidFill>
+                          <a:latin typeface="AdobeClean-Light"/>
+                          <a:cs typeface="AdobeClean-Light"/>
+                        </a:rPr>
+                        <a:t> Support</a:t>
+                      </a:r>
+                      <a:endParaRPr sz="900" spc="0">
+                        <a:latin typeface="AdobeClean-Light"/>
+                        <a:cs typeface="AdobeClean-Light"/>
+                      </a:endParaRPr>
                     </a:p>
                   </a:txBody>
                   <a:tcPr marL="0" marR="0" marT="57150" marB="0">
@@ -4620,15 +5524,39 @@
                         </a:spcBef>
                       </a:pPr>
                       <a:r>
-                        <a:rPr lang="it-IT" sz="900">
+                        <a:rPr sz="900" spc="-25">
                           <a:solidFill>
                             <a:srgbClr val="020302"/>
                           </a:solidFill>
                           <a:latin typeface="AdobeClean-Light"/>
                           <a:cs typeface="AdobeClean-Light"/>
                         </a:rPr>
-                        <a:t>Orario operativo</a:t>
+                        <a:t>Business</a:t>
                       </a:r>
+                      <a:r>
+                        <a:rPr sz="900" spc="-15">
+                          <a:solidFill>
+                            <a:srgbClr val="020302"/>
+                          </a:solidFill>
+                          <a:latin typeface="AdobeClean-Light"/>
+                          <a:cs typeface="AdobeClean-Light"/>
+                        </a:rPr>
+                        <a:t> </a:t>
+                      </a:r>
+                      <a:r>
+                        <a:rPr sz="900" spc="-30">
+                          <a:solidFill>
+                            <a:srgbClr val="020302"/>
+                          </a:solidFill>
+                          <a:latin typeface="AdobeClean-Light"/>
+                          <a:cs typeface="AdobeClean-Light"/>
+                        </a:rPr>
+                        <a:t>hours</a:t>
+                      </a:r>
+                      <a:endParaRPr sz="900">
+                        <a:latin typeface="AdobeClean-Light"/>
+                        <a:cs typeface="AdobeClean-Light"/>
+                      </a:endParaRPr>
                     </a:p>
                   </a:txBody>
                   <a:tcPr marL="0" marR="0" marT="67945" marB="0">
@@ -4667,7 +5595,7 @@
                         </a:spcBef>
                       </a:pPr>
                       <a:r>
-                        <a:rPr lang="it-IT" sz="900">
+                        <a:rPr lang="en-US" sz="900" spc="-25">
                           <a:solidFill>
                             <a:srgbClr val="020302"/>
                           </a:solidFill>
@@ -4676,6 +5604,10 @@
                         </a:rPr>
                         <a:t>24x5</a:t>
                       </a:r>
+                      <a:endParaRPr sz="900">
+                        <a:latin typeface="AdobeClean-Light"/>
+                        <a:cs typeface="AdobeClean-Light"/>
+                      </a:endParaRPr>
                     </a:p>
                   </a:txBody>
                   <a:tcPr marL="0" marR="0" marT="67945" marB="0" anchor="ctr">
@@ -4707,7 +5639,7 @@
                     <a:bodyPr/>
                     <a:lstStyle/>
                     <a:p>
-                      <a:pPr marL="50800" algn="l" rtl="0">
+                      <a:pPr marL="50800">
                         <a:lnSpc>
                           <a:spcPct val="100000"/>
                         </a:lnSpc>
@@ -4715,7 +5647,7 @@
                           <a:spcPts val="455"/>
                         </a:spcBef>
                       </a:pPr>
-                      <a:endParaRPr sz="900" dirty="0">
+                      <a:endParaRPr sz="900">
                         <a:latin typeface="AdobeClean-Light"/>
                         <a:cs typeface="AdobeClean-Light"/>
                       </a:endParaRPr>
@@ -4756,15 +5688,39 @@
                         </a:spcBef>
                       </a:pPr>
                       <a:r>
-                        <a:rPr lang="it-IT" sz="900">
+                        <a:rPr sz="900" spc="0">
                           <a:solidFill>
                             <a:srgbClr val="020302"/>
                           </a:solidFill>
                           <a:latin typeface="AdobeClean-Light"/>
                           <a:cs typeface="AdobeClean-Light"/>
                         </a:rPr>
-                        <a:t>Supporto per problemi P1 24x7x365</a:t>
+                        <a:t>24x7</a:t>
                       </a:r>
+                      <a:r>
+                        <a:rPr lang="en-US" sz="900" spc="0">
+                          <a:solidFill>
+                            <a:srgbClr val="020302"/>
+                          </a:solidFill>
+                          <a:latin typeface="AdobeClean-Light"/>
+                          <a:cs typeface="AdobeClean-Light"/>
+                        </a:rPr>
+                        <a:t>x365</a:t>
+                      </a:r>
+                      <a:r>
+                        <a:rPr sz="900" spc="0">
+                          <a:solidFill>
+                            <a:srgbClr val="020302"/>
+                          </a:solidFill>
+                          <a:latin typeface="AdobeClean-Light"/>
+                          <a:cs typeface="AdobeClean-Light"/>
+                        </a:rPr>
+                        <a:t> P1 Issue Support</a:t>
+                      </a:r>
+                      <a:endParaRPr sz="900" spc="0">
+                        <a:latin typeface="AdobeClean-Light"/>
+                        <a:cs typeface="AdobeClean-Light"/>
+                      </a:endParaRPr>
                     </a:p>
                   </a:txBody>
                   <a:tcPr marL="0" marR="0" marT="57785" marB="0">
@@ -4796,7 +5752,7 @@
                         </a:spcBef>
                       </a:pPr>
                       <a:r>
-                        <a:rPr lang="it-IT" sz="900">
+                        <a:rPr sz="900">
                           <a:solidFill>
                             <a:srgbClr val="020302"/>
                           </a:solidFill>
@@ -4805,6 +5761,10 @@
                         </a:rPr>
                         <a:t></a:t>
                       </a:r>
+                      <a:endParaRPr sz="900">
+                        <a:latin typeface="Wingdings"/>
+                        <a:cs typeface="Wingdings"/>
+                      </a:endParaRPr>
                     </a:p>
                   </a:txBody>
                   <a:tcPr marL="0" marR="0" marT="58419" marB="0">
@@ -4834,7 +5794,7 @@
                         </a:spcBef>
                       </a:pPr>
                       <a:r>
-                        <a:rPr lang="it-IT" sz="900">
+                        <a:rPr sz="900">
                           <a:solidFill>
                             <a:srgbClr val="020302"/>
                           </a:solidFill>
@@ -4843,6 +5803,10 @@
                         </a:rPr>
                         <a:t></a:t>
                       </a:r>
+                      <a:endParaRPr sz="900">
+                        <a:latin typeface="Wingdings"/>
+                        <a:cs typeface="Wingdings"/>
+                      </a:endParaRPr>
                     </a:p>
                   </a:txBody>
                   <a:tcPr marL="0" marR="0" marT="58419" marB="0" anchor="ctr">
@@ -4865,7 +5829,7 @@
                     <a:bodyPr/>
                     <a:lstStyle/>
                     <a:p>
-                      <a:pPr marL="50800" algn="l" rtl="0">
+                      <a:pPr marL="50800">
                         <a:lnSpc>
                           <a:spcPct val="100000"/>
                         </a:lnSpc>
@@ -4873,7 +5837,7 @@
                           <a:spcPts val="455"/>
                         </a:spcBef>
                       </a:pPr>
-                      <a:endParaRPr sz="900" dirty="0">
+                      <a:endParaRPr sz="900">
                         <a:latin typeface="AdobeClean-Light"/>
                         <a:cs typeface="AdobeClean-Light"/>
                       </a:endParaRPr>
@@ -4923,15 +5887,19 @@
                         </a:spcBef>
                       </a:pPr>
                       <a:r>
-                        <a:rPr lang="it-IT" sz="900">
+                        <a:rPr lang="en-US" sz="900" spc="0">
                           <a:solidFill>
                             <a:srgbClr val="020302"/>
                           </a:solidFill>
                           <a:latin typeface="AdobeClean-Light"/>
                           <a:cs typeface="AdobeClean-Light"/>
                         </a:rPr>
-                        <a:t>Contatti interni per il supporto (per prodotto)</a:t>
+                        <a:t>Named Support Contacts (per product)</a:t>
                       </a:r>
+                      <a:endParaRPr sz="900" spc="0">
+                        <a:latin typeface="AdobeClean-Light"/>
+                        <a:cs typeface="AdobeClean-Light"/>
+                      </a:endParaRPr>
                     </a:p>
                   </a:txBody>
                   <a:tcPr marL="0" marR="0" marT="57785" marB="0">
@@ -4969,7 +5937,7 @@
                         </a:spcBef>
                       </a:pPr>
                       <a:r>
-                        <a:rPr lang="it-IT" sz="900">
+                        <a:rPr sz="900">
                           <a:solidFill>
                             <a:srgbClr val="020302"/>
                           </a:solidFill>
@@ -4978,6 +5946,10 @@
                         </a:rPr>
                         <a:t>4</a:t>
                       </a:r>
+                      <a:endParaRPr sz="900">
+                        <a:latin typeface="AdobeClean-Light"/>
+                        <a:cs typeface="AdobeClean-Light"/>
+                      </a:endParaRPr>
                     </a:p>
                   </a:txBody>
                   <a:tcPr marL="0" marR="0" marT="57785" marB="0">
@@ -5007,7 +5979,7 @@
                         </a:spcBef>
                       </a:pPr>
                       <a:r>
-                        <a:rPr lang="it-IT" sz="900">
+                        <a:rPr lang="en-US" sz="900">
                           <a:solidFill>
                             <a:srgbClr val="020302"/>
                           </a:solidFill>
@@ -5016,6 +5988,10 @@
                         </a:rPr>
                         <a:t>15</a:t>
                       </a:r>
+                      <a:endParaRPr sz="900">
+                        <a:latin typeface="AdobeClean-Light"/>
+                        <a:cs typeface="AdobeClean-Light"/>
+                      </a:endParaRPr>
                     </a:p>
                   </a:txBody>
                   <a:tcPr marL="0" marR="0" marT="57785" marB="0" anchor="ctr">
@@ -5038,7 +6014,7 @@
                     <a:bodyPr/>
                     <a:lstStyle/>
                     <a:p>
-                      <a:pPr marL="50800" algn="l" rtl="0">
+                      <a:pPr marL="50800">
                         <a:lnSpc>
                           <a:spcPct val="100000"/>
                         </a:lnSpc>
@@ -5046,7 +6022,7 @@
                           <a:spcPts val="455"/>
                         </a:spcBef>
                       </a:pPr>
-                      <a:endParaRPr sz="900" dirty="0">
+                      <a:endParaRPr sz="900">
                         <a:latin typeface="AdobeClean-Light"/>
                         <a:cs typeface="AdobeClean-Light"/>
                       </a:endParaRPr>
@@ -5087,15 +6063,19 @@
                         </a:spcBef>
                       </a:pPr>
                       <a:r>
-                        <a:rPr lang="it-IT" sz="900">
+                        <a:rPr lang="en-US" sz="900" spc="0">
                           <a:solidFill>
                             <a:srgbClr val="020302"/>
                           </a:solidFill>
                           <a:latin typeface="AdobeClean-Light"/>
                           <a:cs typeface="AdobeClean-Light"/>
                         </a:rPr>
-                        <a:t>Supporto telefonico in diretta</a:t>
+                        <a:t>Live Telephone Support</a:t>
                       </a:r>
+                      <a:endParaRPr sz="900" spc="0">
+                        <a:latin typeface="AdobeClean-Light"/>
+                        <a:cs typeface="AdobeClean-Light"/>
+                      </a:endParaRPr>
                     </a:p>
                   </a:txBody>
                   <a:tcPr marL="0" marR="0" marT="57785" marB="0">
@@ -5118,7 +6098,7 @@
                     <a:bodyPr/>
                     <a:lstStyle/>
                     <a:p>
-                      <a:pPr algn="l" rtl="0">
+                      <a:pPr algn="ctr">
                         <a:lnSpc>
                           <a:spcPct val="100000"/>
                         </a:lnSpc>
@@ -5126,7 +6106,7 @@
                           <a:spcPts val="464"/>
                         </a:spcBef>
                       </a:pPr>
-                      <a:endParaRPr sz="900" dirty="0">
+                      <a:endParaRPr sz="900">
                         <a:latin typeface="Wingdings"/>
                         <a:cs typeface="Wingdings"/>
                       </a:endParaRPr>
@@ -5159,7 +6139,7 @@
                         </a:spcBef>
                       </a:pPr>
                       <a:r>
-                        <a:rPr lang="it-IT" sz="900">
+                        <a:rPr sz="900">
                           <a:solidFill>
                             <a:srgbClr val="020302"/>
                           </a:solidFill>
@@ -5168,6 +6148,10 @@
                         </a:rPr>
                         <a:t></a:t>
                       </a:r>
+                      <a:endParaRPr sz="900">
+                        <a:latin typeface="Wingdings"/>
+                        <a:cs typeface="Wingdings"/>
+                      </a:endParaRPr>
                     </a:p>
                   </a:txBody>
                   <a:tcPr marL="0" marR="0" marT="59054" marB="0" anchor="ctr">
@@ -5190,7 +6174,7 @@
                     <a:bodyPr/>
                     <a:lstStyle/>
                     <a:p>
-                      <a:pPr marL="50800" algn="l" rtl="0">
+                      <a:pPr marL="50800">
                         <a:lnSpc>
                           <a:spcPct val="100000"/>
                         </a:lnSpc>
@@ -5198,7 +6182,7 @@
                           <a:spcPts val="459"/>
                         </a:spcBef>
                       </a:pPr>
-                      <a:endParaRPr sz="900" dirty="0">
+                      <a:endParaRPr sz="900">
                         <a:latin typeface="AdobeClean-Light"/>
                         <a:cs typeface="AdobeClean-Light"/>
                       </a:endParaRPr>
@@ -5239,15 +6223,19 @@
                         </a:spcBef>
                       </a:pPr>
                       <a:r>
-                        <a:rPr lang="it-IT" sz="900">
+                        <a:rPr sz="900" spc="0">
                           <a:solidFill>
                             <a:srgbClr val="020302"/>
                           </a:solidFill>
                           <a:latin typeface="AdobeClean-Light"/>
                           <a:cs typeface="AdobeClean-Light"/>
                         </a:rPr>
-                        <a:t>Gestione delle escalation</a:t>
+                        <a:t>Escalation Management</a:t>
                       </a:r>
+                      <a:endParaRPr sz="900" spc="0">
+                        <a:latin typeface="AdobeClean-Light"/>
+                        <a:cs typeface="AdobeClean-Light"/>
+                      </a:endParaRPr>
                     </a:p>
                   </a:txBody>
                   <a:tcPr marL="0" marR="0" marT="58419" marB="0">
@@ -5270,7 +6258,7 @@
                     <a:bodyPr/>
                     <a:lstStyle/>
                     <a:p>
-                      <a:pPr algn="l" rtl="0">
+                      <a:pPr algn="ctr">
                         <a:lnSpc>
                           <a:spcPct val="100000"/>
                         </a:lnSpc>
@@ -5278,7 +6266,7 @@
                           <a:spcPts val="470"/>
                         </a:spcBef>
                       </a:pPr>
-                      <a:endParaRPr sz="900" dirty="0">
+                      <a:endParaRPr sz="900">
                         <a:latin typeface="Wingdings"/>
                         <a:cs typeface="Wingdings"/>
                       </a:endParaRPr>
@@ -5311,7 +6299,7 @@
                         </a:spcBef>
                       </a:pPr>
                       <a:r>
-                        <a:rPr lang="it-IT" sz="900">
+                        <a:rPr sz="900">
                           <a:solidFill>
                             <a:srgbClr val="020302"/>
                           </a:solidFill>
@@ -5320,6 +6308,10 @@
                         </a:rPr>
                         <a:t></a:t>
                       </a:r>
+                      <a:endParaRPr sz="900">
+                        <a:latin typeface="Wingdings"/>
+                        <a:cs typeface="Wingdings"/>
+                      </a:endParaRPr>
                     </a:p>
                   </a:txBody>
                   <a:tcPr marL="0" marR="0" marT="59690" marB="0" anchor="ctr">
@@ -5342,7 +6334,7 @@
                     <a:bodyPr/>
                     <a:lstStyle/>
                     <a:p>
-                      <a:pPr marL="50800" algn="l" rtl="0">
+                      <a:pPr marL="50800">
                         <a:lnSpc>
                           <a:spcPct val="100000"/>
                         </a:lnSpc>
@@ -5350,7 +6342,7 @@
                           <a:spcPts val="450"/>
                         </a:spcBef>
                       </a:pPr>
-                      <a:endParaRPr sz="900" dirty="0">
+                      <a:endParaRPr sz="900">
                         <a:latin typeface="AdobeClean-Light"/>
                         <a:cs typeface="AdobeClean-Light"/>
                       </a:endParaRPr>
@@ -5391,15 +6383,29 @@
                         </a:spcBef>
                       </a:pPr>
                       <a:r>
-                        <a:rPr lang="it-IT" sz="900">
+                        <a:rPr sz="900" spc="0">
                           <a:solidFill>
                             <a:srgbClr val="020302"/>
                           </a:solidFill>
                           <a:latin typeface="AdobeClean-Light"/>
                           <a:cs typeface="AdobeClean-Light"/>
                         </a:rPr>
-                        <a:t>Valutazioni dei servizi all’anno</a:t>
+                        <a:t>Service Reviews </a:t>
                       </a:r>
+                      <a:r>
+                        <a:rPr lang="en-US" sz="900" spc="0">
+                          <a:solidFill>
+                            <a:srgbClr val="020302"/>
+                          </a:solidFill>
+                          <a:latin typeface="AdobeClean-Light"/>
+                          <a:cs typeface="AdobeClean-Light"/>
+                        </a:rPr>
+                        <a:t>per Year</a:t>
+                      </a:r>
+                      <a:endParaRPr sz="900" spc="0">
+                        <a:latin typeface="AdobeClean-Light"/>
+                        <a:cs typeface="AdobeClean-Light"/>
+                      </a:endParaRPr>
                     </a:p>
                   </a:txBody>
                   <a:tcPr marL="0" marR="0" marT="57150" marB="0">
@@ -5422,12 +6428,12 @@
                     <a:bodyPr/>
                     <a:lstStyle/>
                     <a:p>
-                      <a:pPr algn="l" rtl="0">
+                      <a:pPr>
                         <a:lnSpc>
                           <a:spcPct val="100000"/>
                         </a:lnSpc>
                       </a:pPr>
-                      <a:endParaRPr sz="900" dirty="0">
+                      <a:endParaRPr sz="900">
                         <a:latin typeface="Times New Roman"/>
                         <a:cs typeface="Times New Roman"/>
                       </a:endParaRPr>
@@ -5457,12 +6463,16 @@
                         </a:lnSpc>
                       </a:pPr>
                       <a:r>
-                        <a:rPr lang="it-IT" sz="900">
+                        <a:rPr lang="en-US" sz="900">
                           <a:latin typeface="Times New Roman"/>
                           <a:cs typeface="Times New Roman"/>
                         </a:rPr>
                         <a:t>4</a:t>
                       </a:r>
+                      <a:endParaRPr sz="900">
+                        <a:latin typeface="Times New Roman"/>
+                        <a:cs typeface="Times New Roman"/>
+                      </a:endParaRPr>
                     </a:p>
                   </a:txBody>
                   <a:tcPr marL="0" marR="0" marT="0" marB="0" anchor="ctr">
@@ -5504,12 +6514,16 @@
                         </a:spcBef>
                       </a:pPr>
                       <a:r>
-                        <a:rPr lang="it-IT" sz="900">
+                        <a:rPr lang="en-US" sz="900" spc="0">
                           <a:latin typeface="AdobeClean-Light"/>
                           <a:cs typeface="AdobeClean-Light"/>
                         </a:rPr>
-                        <a:t>Sessioni con esperti all’anno</a:t>
+                        <a:t>Expert Sessions per Year</a:t>
                       </a:r>
+                      <a:endParaRPr sz="900" spc="0">
+                        <a:latin typeface="AdobeClean-Light"/>
+                        <a:cs typeface="AdobeClean-Light"/>
+                      </a:endParaRPr>
                     </a:p>
                   </a:txBody>
                   <a:tcPr marL="0" marR="0" marT="57150" marB="0">
@@ -5538,12 +6552,12 @@
                     <a:bodyPr/>
                     <a:lstStyle/>
                     <a:p>
-                      <a:pPr algn="l" rtl="0">
+                      <a:pPr>
                         <a:lnSpc>
                           <a:spcPct val="100000"/>
                         </a:lnSpc>
                       </a:pPr>
-                      <a:endParaRPr sz="900" dirty="0">
+                      <a:endParaRPr sz="900">
                         <a:latin typeface="Times New Roman"/>
                         <a:cs typeface="Times New Roman"/>
                       </a:endParaRPr>
@@ -5573,12 +6587,16 @@
                         </a:lnSpc>
                       </a:pPr>
                       <a:r>
-                        <a:rPr lang="it-IT" sz="900">
+                        <a:rPr lang="en-US" sz="900">
                           <a:latin typeface="Times New Roman"/>
                           <a:cs typeface="Times New Roman"/>
                         </a:rPr>
                         <a:t>4</a:t>
                       </a:r>
+                      <a:endParaRPr sz="900">
+                        <a:latin typeface="Times New Roman"/>
+                        <a:cs typeface="Times New Roman"/>
+                      </a:endParaRPr>
                     </a:p>
                   </a:txBody>
                   <a:tcPr marL="0" marR="0" marT="0" marB="0" anchor="ctr">
@@ -5620,12 +6638,16 @@
                         </a:spcBef>
                       </a:pPr>
                       <a:r>
-                        <a:rPr lang="it-IT" sz="900">
+                        <a:rPr lang="en-US" sz="900" spc="0">
                           <a:latin typeface="AdobeClean-Light"/>
                           <a:cs typeface="AdobeClean-Light"/>
                         </a:rPr>
-                        <a:t>Valutazione dei casi</a:t>
+                        <a:t>Case Reviews</a:t>
                       </a:r>
+                      <a:endParaRPr sz="900" spc="0">
+                        <a:latin typeface="AdobeClean-Light"/>
+                        <a:cs typeface="AdobeClean-Light"/>
+                      </a:endParaRPr>
                     </a:p>
                   </a:txBody>
                   <a:tcPr marL="0" marR="0" marT="57150" marB="0">
@@ -5654,12 +6676,12 @@
                     <a:bodyPr/>
                     <a:lstStyle/>
                     <a:p>
-                      <a:pPr algn="l" rtl="0">
+                      <a:pPr>
                         <a:lnSpc>
                           <a:spcPct val="100000"/>
                         </a:lnSpc>
                       </a:pPr>
-                      <a:endParaRPr sz="900" dirty="0">
+                      <a:endParaRPr sz="900">
                         <a:latin typeface="Times New Roman"/>
                         <a:cs typeface="Times New Roman"/>
                       </a:endParaRPr>
@@ -5701,7 +6723,7 @@
                         <a:defRPr/>
                       </a:pPr>
                       <a:r>
-                        <a:rPr lang="it-IT" sz="900">
+                        <a:rPr lang="en-US" sz="900">
                           <a:solidFill>
                             <a:srgbClr val="020302"/>
                           </a:solidFill>
@@ -5710,6 +6732,10 @@
                         </a:rPr>
                         <a:t></a:t>
                       </a:r>
+                      <a:endParaRPr lang="en-US" sz="900">
+                        <a:latin typeface="Wingdings"/>
+                        <a:cs typeface="Wingdings"/>
+                      </a:endParaRPr>
                     </a:p>
                   </a:txBody>
                   <a:tcPr marL="0" marR="0" marT="0" marB="0" anchor="ctr">
@@ -5732,7 +6758,7 @@
                     <a:bodyPr/>
                     <a:lstStyle/>
                     <a:p>
-                      <a:pPr marL="48895" algn="l" rtl="0">
+                      <a:pPr marL="48895">
                         <a:lnSpc>
                           <a:spcPct val="100000"/>
                         </a:lnSpc>
@@ -5740,7 +6766,7 @@
                           <a:spcPts val="459"/>
                         </a:spcBef>
                       </a:pPr>
-                      <a:endParaRPr sz="900" dirty="0">
+                      <a:endParaRPr sz="900">
                         <a:latin typeface="AdobeClean-Light"/>
                         <a:cs typeface="AdobeClean-Light"/>
                       </a:endParaRPr>
@@ -5790,15 +6816,29 @@
                         </a:spcBef>
                       </a:pPr>
                       <a:r>
-                        <a:rPr lang="it-IT" sz="900">
+                        <a:rPr sz="900" spc="0">
                           <a:solidFill>
                             <a:srgbClr val="020302"/>
                           </a:solidFill>
                           <a:latin typeface="AdobeClean-Light"/>
                           <a:cs typeface="AdobeClean-Light"/>
                         </a:rPr>
-                        <a:t>Gestione degli eventi</a:t>
+                        <a:t>Event </a:t>
                       </a:r>
+                      <a:r>
+                        <a:rPr lang="en-US" sz="900" spc="0">
+                          <a:solidFill>
+                            <a:srgbClr val="020302"/>
+                          </a:solidFill>
+                          <a:latin typeface="AdobeClean-Light"/>
+                          <a:cs typeface="AdobeClean-Light"/>
+                        </a:rPr>
+                        <a:t>Management</a:t>
+                      </a:r>
+                      <a:endParaRPr sz="900" spc="0">
+                        <a:latin typeface="AdobeClean-Light"/>
+                        <a:cs typeface="AdobeClean-Light"/>
+                      </a:endParaRPr>
                     </a:p>
                   </a:txBody>
                   <a:tcPr marL="0" marR="0" marT="58419" marB="0">
@@ -5827,12 +6867,12 @@
                     <a:bodyPr/>
                     <a:lstStyle/>
                     <a:p>
-                      <a:pPr algn="l" rtl="0">
+                      <a:pPr>
                         <a:lnSpc>
                           <a:spcPct val="100000"/>
                         </a:lnSpc>
                       </a:pPr>
-                      <a:endParaRPr sz="900" dirty="0">
+                      <a:endParaRPr sz="900">
                         <a:latin typeface="Times New Roman"/>
                         <a:cs typeface="Times New Roman"/>
                       </a:endParaRPr>
@@ -5874,7 +6914,7 @@
                         <a:defRPr/>
                       </a:pPr>
                       <a:r>
-                        <a:rPr lang="it-IT" sz="900">
+                        <a:rPr lang="en-US" sz="900">
                           <a:solidFill>
                             <a:srgbClr val="020302"/>
                           </a:solidFill>
@@ -5883,6 +6923,10 @@
                         </a:rPr>
                         <a:t></a:t>
                       </a:r>
+                      <a:endParaRPr lang="en-US" sz="900">
+                        <a:latin typeface="Wingdings"/>
+                        <a:cs typeface="Wingdings"/>
+                      </a:endParaRPr>
                     </a:p>
                   </a:txBody>
                   <a:tcPr marL="0" marR="0" marT="0" marB="0" anchor="ctr">
@@ -5905,7 +6949,7 @@
                     <a:bodyPr/>
                     <a:lstStyle/>
                     <a:p>
-                      <a:pPr marL="48895" algn="l" rtl="0">
+                      <a:pPr marL="48895">
                         <a:lnSpc>
                           <a:spcPct val="100000"/>
                         </a:lnSpc>
@@ -5913,7 +6957,7 @@
                           <a:spcPts val="465"/>
                         </a:spcBef>
                       </a:pPr>
-                      <a:endParaRPr sz="900" dirty="0">
+                      <a:endParaRPr sz="900">
                         <a:latin typeface="AdobeClean-Light"/>
                         <a:cs typeface="AdobeClean-Light"/>
                       </a:endParaRPr>
@@ -5954,15 +6998,39 @@
                         </a:spcBef>
                       </a:pPr>
                       <a:r>
-                        <a:rPr lang="it-IT" sz="900">
+                        <a:rPr sz="900" spc="0">
                           <a:solidFill>
                             <a:srgbClr val="020302"/>
                           </a:solidFill>
                           <a:latin typeface="AdobeClean-Light"/>
                           <a:cs typeface="AdobeClean-Light"/>
                         </a:rPr>
-                        <a:t>Valutazione ambiente, manutenzione e monitoraggio</a:t>
+                        <a:t>Environment</a:t>
                       </a:r>
+                      <a:r>
+                        <a:rPr lang="en-US" sz="900" spc="0">
+                          <a:solidFill>
+                            <a:srgbClr val="020302"/>
+                          </a:solidFill>
+                          <a:latin typeface="AdobeClean-Light"/>
+                          <a:cs typeface="AdobeClean-Light"/>
+                        </a:rPr>
+                        <a:t> </a:t>
+                      </a:r>
+                      <a:r>
+                        <a:rPr sz="900" spc="0">
+                          <a:solidFill>
+                            <a:srgbClr val="020302"/>
+                          </a:solidFill>
+                          <a:latin typeface="AdobeClean-Light"/>
+                          <a:cs typeface="AdobeClean-Light"/>
+                        </a:rPr>
+                        <a:t>Review, Maintenance &amp; Monitoring</a:t>
+                      </a:r>
+                      <a:endParaRPr sz="900" spc="0">
+                        <a:latin typeface="AdobeClean-Light"/>
+                        <a:cs typeface="AdobeClean-Light"/>
+                      </a:endParaRPr>
                     </a:p>
                   </a:txBody>
                   <a:tcPr marL="0" marR="0" marT="59055" marB="0">
@@ -5985,12 +7053,12 @@
                     <a:bodyPr/>
                     <a:lstStyle/>
                     <a:p>
-                      <a:pPr algn="l" rtl="0">
+                      <a:pPr>
                         <a:lnSpc>
                           <a:spcPct val="100000"/>
                         </a:lnSpc>
                       </a:pPr>
-                      <a:endParaRPr sz="900" dirty="0">
+                      <a:endParaRPr sz="900">
                         <a:latin typeface="Times New Roman"/>
                         <a:cs typeface="Times New Roman"/>
                       </a:endParaRPr>
@@ -6032,7 +7100,7 @@
                         <a:defRPr/>
                       </a:pPr>
                       <a:r>
-                        <a:rPr lang="it-IT" sz="900">
+                        <a:rPr lang="en-US" sz="900">
                           <a:solidFill>
                             <a:srgbClr val="020302"/>
                           </a:solidFill>
@@ -6041,6 +7109,10 @@
                         </a:rPr>
                         <a:t></a:t>
                       </a:r>
+                      <a:endParaRPr lang="en-US" sz="900">
+                        <a:latin typeface="Wingdings"/>
+                        <a:cs typeface="Wingdings"/>
+                      </a:endParaRPr>
                     </a:p>
                   </a:txBody>
                   <a:tcPr marL="0" marR="0" marT="0" marB="0" anchor="ctr">
@@ -6063,7 +7135,7 @@
                     <a:bodyPr/>
                     <a:lstStyle/>
                     <a:p>
-                      <a:pPr marL="49530" algn="l" rtl="0">
+                      <a:pPr marL="49530">
                         <a:lnSpc>
                           <a:spcPct val="100000"/>
                         </a:lnSpc>
@@ -6071,7 +7143,7 @@
                           <a:spcPts val="500"/>
                         </a:spcBef>
                       </a:pPr>
-                      <a:endParaRPr sz="900" dirty="0">
+                      <a:endParaRPr sz="900">
                         <a:latin typeface="AdobeClean-Light"/>
                         <a:cs typeface="AdobeClean-Light"/>
                       </a:endParaRPr>
@@ -6112,15 +7184,19 @@
                         </a:spcBef>
                       </a:pPr>
                       <a:r>
-                        <a:rPr lang="it-IT" sz="900">
+                        <a:rPr sz="900" spc="0">
                           <a:solidFill>
                             <a:srgbClr val="020302"/>
                           </a:solidFill>
                           <a:latin typeface="AdobeClean-Light"/>
                           <a:cs typeface="AdobeClean-Light"/>
                         </a:rPr>
-                        <a:t>Valutazione della roadmap di prodotti, versioni, migrazione e aggiornamento</a:t>
+                        <a:t>Release, Migration, Upgrade &amp; Product Roadmap Review</a:t>
                       </a:r>
+                      <a:endParaRPr sz="900" spc="0">
+                        <a:latin typeface="AdobeClean-Light"/>
+                        <a:cs typeface="AdobeClean-Light"/>
+                      </a:endParaRPr>
                     </a:p>
                   </a:txBody>
                   <a:tcPr marL="0" marR="0" marT="63500" marB="0">
@@ -6143,12 +7219,12 @@
                     <a:bodyPr/>
                     <a:lstStyle/>
                     <a:p>
-                      <a:pPr algn="l" rtl="0">
+                      <a:pPr>
                         <a:lnSpc>
                           <a:spcPct val="100000"/>
                         </a:lnSpc>
                       </a:pPr>
-                      <a:endParaRPr sz="900" dirty="0">
+                      <a:endParaRPr sz="900">
                         <a:latin typeface="Times New Roman"/>
                         <a:cs typeface="Times New Roman"/>
                       </a:endParaRPr>
@@ -6190,7 +7266,7 @@
                         <a:defRPr/>
                       </a:pPr>
                       <a:r>
-                        <a:rPr lang="it-IT" sz="900">
+                        <a:rPr lang="en-US" sz="900">
                           <a:solidFill>
                             <a:srgbClr val="020302"/>
                           </a:solidFill>
@@ -6199,6 +7275,10 @@
                         </a:rPr>
                         <a:t></a:t>
                       </a:r>
+                      <a:endParaRPr lang="en-US" sz="900">
+                        <a:latin typeface="Wingdings"/>
+                        <a:cs typeface="Wingdings"/>
+                      </a:endParaRPr>
                     </a:p>
                   </a:txBody>
                   <a:tcPr marL="0" marR="0" marT="0" marB="0" anchor="ctr">
@@ -6221,7 +7301,7 @@
                     <a:bodyPr/>
                     <a:lstStyle/>
                     <a:p>
-                      <a:pPr marL="49530" algn="l" rtl="0">
+                      <a:pPr marL="49530">
                         <a:lnSpc>
                           <a:spcPct val="100000"/>
                         </a:lnSpc>
@@ -6229,7 +7309,7 @@
                           <a:spcPts val="530"/>
                         </a:spcBef>
                       </a:pPr>
-                      <a:endParaRPr sz="900" dirty="0">
+                      <a:endParaRPr sz="900">
                         <a:latin typeface="AdobeClean-Light"/>
                         <a:cs typeface="AdobeClean-Light"/>
                       </a:endParaRPr>
@@ -6279,11 +7359,11 @@
                         </a:spcBef>
                       </a:pPr>
                       <a:r>
-                        <a:rPr lang="it-IT" sz="900">
+                        <a:rPr sz="900" spc="0">
                           <a:latin typeface="AdobeClean-Light"/>
                           <a:cs typeface="AdobeClean-Light"/>
                         </a:rPr>
-                        <a:t>Attività di supporto cloud - Experience Manager as Cloud</a:t>
+                        <a:t>Cloud Support Activities – Experience Manager as Cloud</a:t>
                       </a:r>
                     </a:p>
                   </a:txBody>
@@ -6313,12 +7393,12 @@
                     <a:bodyPr/>
                     <a:lstStyle/>
                     <a:p>
-                      <a:pPr algn="l" rtl="0">
+                      <a:pPr>
                         <a:lnSpc>
                           <a:spcPct val="100000"/>
                         </a:lnSpc>
                       </a:pPr>
-                      <a:endParaRPr sz="900" dirty="0">
+                      <a:endParaRPr sz="900">
                         <a:latin typeface="Times New Roman"/>
                         <a:cs typeface="Times New Roman"/>
                       </a:endParaRPr>
@@ -6369,7 +7449,7 @@
                         <a:defRPr/>
                       </a:pPr>
                       <a:r>
-                        <a:rPr lang="it-IT" sz="900">
+                        <a:rPr lang="en-US" sz="900">
                           <a:solidFill>
                             <a:srgbClr val="020302"/>
                           </a:solidFill>
@@ -6378,6 +7458,10 @@
                         </a:rPr>
                         <a:t></a:t>
                       </a:r>
+                      <a:endParaRPr lang="en-US" sz="900">
+                        <a:latin typeface="Wingdings"/>
+                        <a:cs typeface="Wingdings"/>
+                      </a:endParaRPr>
                     </a:p>
                   </a:txBody>
                   <a:tcPr marL="0" marR="0" marT="0" marB="0" anchor="ctr">
@@ -6418,15 +7502,22 @@
                         </a:spcBef>
                       </a:pPr>
                       <a:r>
-                        <a:rPr lang="it-IT" sz="1000" b="1" i="0">
+                        <a:rPr lang="en-US" sz="1000" b="1" i="0" spc="0">
                           <a:solidFill>
                             <a:schemeClr val="bg1"/>
                           </a:solidFill>
                           <a:latin typeface="Adobe Clean" panose="020B0503020404020204" pitchFamily="34" charset="0"/>
                           <a:cs typeface="AdobeClean-Light"/>
                         </a:rPr>
-                        <a:t>Servizi sul campo</a:t>
+                        <a:t>Field Services</a:t>
                       </a:r>
+                      <a:endParaRPr sz="1000" b="1" i="0" spc="0">
+                        <a:solidFill>
+                          <a:schemeClr val="bg1"/>
+                        </a:solidFill>
+                        <a:latin typeface="Adobe Clean" panose="020B0503020404020204" pitchFamily="34" charset="0"/>
+                        <a:cs typeface="AdobeClean-Light"/>
+                      </a:endParaRPr>
                     </a:p>
                   </a:txBody>
                   <a:tcPr marL="0" marR="0" marT="48260" marB="0" anchor="ctr">
@@ -6479,14 +7570,14 @@
                         </a:spcBef>
                       </a:pPr>
                       <a:r>
-                        <a:rPr lang="it-IT" sz="900">
+                        <a:rPr sz="900" spc="0">
                           <a:solidFill>
                             <a:srgbClr val="020302"/>
                           </a:solidFill>
                           <a:latin typeface="AdobeClean-Light"/>
                           <a:cs typeface="AdobeClean-Light"/>
                         </a:rPr>
-                        <a:t>Launch Advisory - Nel primo anno di nuove soluzioni</a:t>
+                        <a:t>Launch Advisory Services – First Year of new solution</a:t>
                       </a:r>
                     </a:p>
                   </a:txBody>
@@ -6526,12 +7617,12 @@
                     <a:bodyPr/>
                     <a:lstStyle/>
                     <a:p>
-                      <a:pPr algn="l" rtl="0">
+                      <a:pPr>
                         <a:lnSpc>
                           <a:spcPct val="100000"/>
                         </a:lnSpc>
                       </a:pPr>
-                      <a:endParaRPr sz="900" dirty="0">
+                      <a:endParaRPr sz="900">
                         <a:latin typeface="Times New Roman"/>
                         <a:cs typeface="Times New Roman"/>
                       </a:endParaRPr>
@@ -6598,7 +7689,7 @@
                         <a:defRPr/>
                       </a:pPr>
                       <a:r>
-                        <a:rPr lang="it-IT" sz="900">
+                        <a:rPr lang="en-US" sz="900">
                           <a:solidFill>
                             <a:srgbClr val="020302"/>
                           </a:solidFill>
@@ -6607,6 +7698,10 @@
                         </a:rPr>
                         <a:t></a:t>
                       </a:r>
+                      <a:endParaRPr lang="en-US" sz="900">
+                        <a:latin typeface="Wingdings"/>
+                        <a:cs typeface="Wingdings"/>
+                      </a:endParaRPr>
                     </a:p>
                   </a:txBody>
                   <a:tcPr marL="0" marR="0" marT="0" marB="0" anchor="ctr">
@@ -6685,11 +7780,11 @@
                         <a:defRPr/>
                       </a:pPr>
                       <a:r>
-                        <a:rPr lang="it-IT" sz="900" dirty="0">
+                        <a:rPr lang="en-US" sz="900" spc="0">
                           <a:latin typeface="AdobeClean-Light"/>
                           <a:cs typeface="AdobeClean-Light"/>
                         </a:rPr>
-                        <a:t>Attività di servizio sul campo </a:t>
+                        <a:t>Field Service Activities </a:t>
                       </a:r>
                     </a:p>
                   </a:txBody>
@@ -6723,8 +7818,8 @@
                     <a:bodyPr/>
                     <a:lstStyle/>
                     <a:p>
-                      <a:pPr algn="l" rtl="0"/>
-                      <a:endParaRPr lang="en-US" dirty="0"/>
+                      <a:pPr algn="ctr"/>
+                      <a:endParaRPr lang="en-US"/>
                     </a:p>
                   </a:txBody>
                   <a:tcPr marL="0" marR="0" marT="0" marB="0">
@@ -6772,12 +7867,13 @@
                     <a:p>
                       <a:pPr algn="ctr"/>
                       <a:r>
-                        <a:rPr lang="it-IT" sz="900" dirty="0">
+                        <a:rPr lang="en-US" sz="900">
                           <a:latin typeface="Times New Roman"/>
                           <a:cs typeface="Times New Roman"/>
                         </a:rPr>
                         <a:t>4</a:t>
                       </a:r>
+                      <a:endParaRPr lang="en-US"/>
                     </a:p>
                   </a:txBody>
                   <a:tcPr marL="0" marR="0" marT="0" marB="0" anchor="ctr">
@@ -6868,8 +7964,8 @@
         </p:nvSpPr>
         <p:spPr>
           <a:xfrm>
-            <a:off x="357339" y="897486"/>
-            <a:ext cx="2434387" cy="45719"/>
+            <a:off x="357339" y="897487"/>
+            <a:ext cx="1736725" cy="0"/>
           </a:xfrm>
           <a:custGeom>
             <a:avLst/>
@@ -6911,7 +8007,7 @@
         <p:spPr>
           <a:xfrm>
             <a:off x="357339" y="608961"/>
-            <a:ext cx="2568314" cy="228268"/>
+            <a:ext cx="1647825" cy="238760"/>
           </a:xfrm>
           <a:prstGeom prst="rect">
             <a:avLst/>
@@ -6932,15 +8028,59 @@
               </a:spcBef>
             </a:pPr>
             <a:r>
-              <a:rPr lang="it-IT" sz="1400" b="1" dirty="0">
+              <a:rPr sz="1400" b="1" spc="-10">
                 <a:solidFill>
                   <a:srgbClr val="020302"/>
                 </a:solidFill>
                 <a:latin typeface="Adobe Clean"/>
                 <a:cs typeface="Adobe Clean"/>
               </a:rPr>
-              <a:t>Caratteristiche del supporto Elite</a:t>
-            </a:r>
+              <a:t>Elite</a:t>
+            </a:r>
+            <a:r>
+              <a:rPr sz="1400" b="1" spc="-50">
+                <a:solidFill>
+                  <a:srgbClr val="020302"/>
+                </a:solidFill>
+                <a:latin typeface="Adobe Clean"/>
+                <a:cs typeface="Adobe Clean"/>
+              </a:rPr>
+              <a:t> </a:t>
+            </a:r>
+            <a:r>
+              <a:rPr sz="1400" b="1" spc="-10">
+                <a:solidFill>
+                  <a:srgbClr val="020302"/>
+                </a:solidFill>
+                <a:latin typeface="Adobe Clean"/>
+                <a:cs typeface="Adobe Clean"/>
+              </a:rPr>
+              <a:t>Support</a:t>
+            </a:r>
+            <a:r>
+              <a:rPr sz="1400" b="1" spc="-45">
+                <a:solidFill>
+                  <a:srgbClr val="020302"/>
+                </a:solidFill>
+                <a:latin typeface="Adobe Clean"/>
+                <a:cs typeface="Adobe Clean"/>
+              </a:rPr>
+              <a:t> </a:t>
+            </a:r>
+            <a:r>
+              <a:rPr sz="1400" b="1" spc="-15">
+                <a:solidFill>
+                  <a:srgbClr val="020302"/>
+                </a:solidFill>
+                <a:latin typeface="Adobe Clean"/>
+                <a:cs typeface="Adobe Clean"/>
+              </a:rPr>
+              <a:t>Features</a:t>
+            </a:r>
+            <a:endParaRPr sz="1400">
+              <a:latin typeface="Adobe Clean"/>
+              <a:cs typeface="Adobe Clean"/>
+            </a:endParaRPr>
           </a:p>
         </p:txBody>
       </p:sp>
@@ -6974,91 +8114,19 @@
               </a:spcBef>
             </a:pPr>
             <a:r>
-              <a:rPr lang="it-IT" sz="1000" dirty="0">
+              <a:rPr sz="1000">
                 <a:solidFill>
                   <a:srgbClr val="4B4B4B"/>
                 </a:solidFill>
                 <a:latin typeface="AdobeClean-Light"/>
                 <a:cs typeface="AdobeClean-Light"/>
               </a:rPr>
-              <a:t>Un tecnico del supporto dedicato </a:t>
-            </a:r>
-            <a:br>
-              <a:rPr lang="sk-SK" sz="1000" dirty="0">
-                <a:solidFill>
-                  <a:srgbClr val="4B4B4B"/>
-                </a:solidFill>
-                <a:latin typeface="AdobeClean-Light"/>
-                <a:cs typeface="AdobeClean-Light"/>
-              </a:rPr>
-            </a:br>
-            <a:r>
-              <a:rPr lang="it-IT" sz="1000" dirty="0">
-                <a:solidFill>
-                  <a:srgbClr val="4B4B4B"/>
-                </a:solidFill>
-                <a:latin typeface="AdobeClean-Light"/>
-                <a:cs typeface="AdobeClean-Light"/>
-              </a:rPr>
-              <a:t>che acquisisce familiarità con l’ambiente della soluzione e gli obiettivi di business </a:t>
-            </a:r>
-            <a:br>
-              <a:rPr lang="sk-SK" sz="1000" dirty="0">
-                <a:solidFill>
-                  <a:srgbClr val="4B4B4B"/>
-                </a:solidFill>
-                <a:latin typeface="AdobeClean-Light"/>
-                <a:cs typeface="AdobeClean-Light"/>
-              </a:rPr>
-            </a:br>
-            <a:r>
-              <a:rPr lang="it-IT" sz="1000" dirty="0">
-                <a:solidFill>
-                  <a:srgbClr val="4B4B4B"/>
-                </a:solidFill>
-                <a:latin typeface="AdobeClean-Light"/>
-                <a:cs typeface="AdobeClean-Light"/>
-              </a:rPr>
-              <a:t>del cliente. Il Named Support Engineer </a:t>
-            </a:r>
-            <a:br>
-              <a:rPr lang="sk-SK" sz="1000" dirty="0">
-                <a:solidFill>
-                  <a:srgbClr val="4B4B4B"/>
-                </a:solidFill>
-                <a:latin typeface="AdobeClean-Light"/>
-                <a:cs typeface="AdobeClean-Light"/>
-              </a:rPr>
-            </a:br>
-            <a:r>
-              <a:rPr lang="it-IT" sz="1000" dirty="0">
-                <a:solidFill>
-                  <a:srgbClr val="4B4B4B"/>
-                </a:solidFill>
-                <a:latin typeface="AdobeClean-Light"/>
-                <a:cs typeface="AdobeClean-Light"/>
-              </a:rPr>
-              <a:t>è un tecnico esperto che aiuta a coordinare </a:t>
-            </a:r>
-            <a:br>
-              <a:rPr lang="sk-SK" sz="1000" dirty="0">
-                <a:solidFill>
-                  <a:srgbClr val="4B4B4B"/>
-                </a:solidFill>
-                <a:latin typeface="AdobeClean-Light"/>
-                <a:cs typeface="AdobeClean-Light"/>
-              </a:rPr>
-            </a:br>
-            <a:r>
-              <a:rPr lang="it-IT" sz="1000" dirty="0">
-                <a:solidFill>
-                  <a:srgbClr val="4B4B4B"/>
-                </a:solidFill>
-                <a:latin typeface="AdobeClean-Light"/>
-                <a:cs typeface="AdobeClean-Light"/>
-              </a:rPr>
-              <a:t>la tua esperienza di assistenza Enterprise.</a:t>
-            </a:r>
+              <a:t>A designated support engineer who  becomes familiar with your solution  environment and business goals. The NSE  is an experienced support engineer that  helps coordinate your Enterprise Support  experience.</a:t>
+            </a:r>
+            <a:endParaRPr sz="1000">
+              <a:latin typeface="AdobeClean-Light"/>
+              <a:cs typeface="AdobeClean-Light"/>
+            </a:endParaRPr>
           </a:p>
         </p:txBody>
       </p:sp>
@@ -7118,8 +8186,8 @@
         </p:nvSpPr>
         <p:spPr>
           <a:xfrm>
-            <a:off x="5333364" y="1433668"/>
-            <a:ext cx="2292715" cy="936154"/>
+            <a:off x="5333365" y="1433668"/>
+            <a:ext cx="2194560" cy="936154"/>
           </a:xfrm>
           <a:prstGeom prst="rect">
             <a:avLst/>
@@ -7140,34 +8208,19 @@
               </a:spcBef>
             </a:pPr>
             <a:r>
-              <a:rPr lang="it-IT" sz="1000" dirty="0">
+              <a:rPr sz="1000">
                 <a:solidFill>
                   <a:srgbClr val="4B4B4B"/>
                 </a:solidFill>
                 <a:latin typeface="AdobeClean-Light"/>
                 <a:cs typeface="AdobeClean-Light"/>
               </a:rPr>
-              <a:t>Valutazione periodica programmata delle richieste di supporto aperte, per garantirne l’allineamento in termini di descrizione dei casi, impatto sul business, stato, priorità </a:t>
-            </a:r>
-            <a:br>
-              <a:rPr lang="sk-SK" sz="1000" dirty="0">
-                <a:solidFill>
-                  <a:srgbClr val="4B4B4B"/>
-                </a:solidFill>
-                <a:latin typeface="AdobeClean-Light"/>
-                <a:cs typeface="AdobeClean-Light"/>
-              </a:rPr>
-            </a:br>
-            <a:r>
-              <a:rPr lang="it-IT" sz="1000" dirty="0">
-                <a:solidFill>
-                  <a:srgbClr val="4B4B4B"/>
-                </a:solidFill>
-                <a:latin typeface="AdobeClean-Light"/>
-                <a:cs typeface="AdobeClean-Light"/>
-              </a:rPr>
-              <a:t>e accordi sulle azioni successive necessarie a garantire una rapida risoluzione.</a:t>
-            </a:r>
+              <a:t>Regular scheduled review of open  support requests, ensuring customer  alignment on case description, business  impact, status, priority and agreement on  next steps required to ensure an  expedient resolution.</a:t>
+            </a:r>
+            <a:endParaRPr sz="1000">
+              <a:latin typeface="AdobeClean-Light"/>
+              <a:cs typeface="AdobeClean-Light"/>
+            </a:endParaRPr>
           </a:p>
         </p:txBody>
       </p:sp>
@@ -7225,33 +8278,24 @@
               </a:spcBef>
             </a:pPr>
             <a:r>
-              <a:rPr lang="it-IT" sz="1000" dirty="0">
+              <a:rPr sz="1000">
                 <a:solidFill>
                   <a:srgbClr val="020302"/>
                 </a:solidFill>
                 <a:latin typeface="AdobeClean-Light"/>
                 <a:cs typeface="AdobeClean-Light"/>
               </a:rPr>
-              <a:t>Un Technical Account Manager dedicato per monitorare l’esperienza Elite, coordinare le attività di supporto e servizi sul campo, e fornire servizi proattivi volti </a:t>
-            </a:r>
-            <a:br>
-              <a:rPr lang="sk-SK" sz="1000" dirty="0">
+              <a:t>A designated Technical Account Manager to  oversee your Elite experience, coordinate  the support and field services  engagements, and provide proactive services  to maximize your business valu</a:t>
+            </a:r>
+            <a:r>
+              <a:rPr lang="en-US" sz="1000">
                 <a:solidFill>
                   <a:srgbClr val="020302"/>
                 </a:solidFill>
                 <a:latin typeface="AdobeClean-Light"/>
                 <a:cs typeface="AdobeClean-Light"/>
               </a:rPr>
-            </a:br>
-            <a:r>
-              <a:rPr lang="it-IT" sz="1000" dirty="0">
-                <a:solidFill>
-                  <a:srgbClr val="020302"/>
-                </a:solidFill>
-                <a:latin typeface="AdobeClean-Light"/>
-                <a:cs typeface="AdobeClean-Light"/>
-              </a:rPr>
-              <a:t>a massimizzare il valore aziendale.</a:t>
+              <a:t>e.</a:t>
             </a:r>
           </a:p>
         </p:txBody>
@@ -7286,7 +8330,7 @@
               </a:spcBef>
             </a:pPr>
             <a:r>
-              <a:rPr lang="it-IT" sz="1100" b="1">
+              <a:rPr sz="1100" b="1">
                 <a:solidFill>
                   <a:srgbClr val="020302"/>
                 </a:solidFill>
@@ -7295,6 +8339,10 @@
               </a:rPr>
               <a:t>Technical Account Manager</a:t>
             </a:r>
+            <a:endParaRPr sz="1100">
+              <a:latin typeface="Adobe Clean" panose="020B0503020404020204" pitchFamily="34" charset="0"/>
+              <a:cs typeface="Arial"/>
+            </a:endParaRPr>
           </a:p>
         </p:txBody>
       </p:sp>
@@ -7376,15 +8424,49 @@
               </a:spcBef>
             </a:pPr>
             <a:r>
-              <a:rPr lang="it-IT" sz="1000">
+              <a:rPr sz="1000">
                 <a:solidFill>
                   <a:srgbClr val="020302"/>
                 </a:solidFill>
                 <a:latin typeface="AdobeClean-Light"/>
                 <a:cs typeface="AdobeClean-Light"/>
               </a:rPr>
-              <a:t>Trasferimento continuo delle conoscenze dal team di supporto Adobe, per fornire best practice sull’utilizzo delle soluzioni.</a:t>
-            </a:r>
+              <a:t>Ongoing knowledge transfer from Adobe  </a:t>
+            </a:r>
+            <a:r>
+              <a:rPr lang="en-US" sz="1000">
+                <a:solidFill>
+                  <a:srgbClr val="020302"/>
+                </a:solidFill>
+                <a:latin typeface="AdobeClean-Light"/>
+                <a:cs typeface="AdobeClean-Light"/>
+              </a:rPr>
+              <a:t>Support team</a:t>
+            </a:r>
+            <a:r>
+              <a:rPr sz="1000">
+                <a:solidFill>
+                  <a:srgbClr val="020302"/>
+                </a:solidFill>
+                <a:latin typeface="AdobeClean-Light"/>
+                <a:cs typeface="AdobeClean-Light"/>
+              </a:rPr>
+              <a:t> to provide </a:t>
+            </a:r>
+            <a:r>
+              <a:rPr lang="en-US" sz="1000">
+                <a:solidFill>
+                  <a:srgbClr val="020302"/>
+                </a:solidFill>
+                <a:latin typeface="AdobeClean-Light"/>
+                <a:cs typeface="AdobeClean-Light"/>
+              </a:rPr>
+              <a:t>best practices around solution usage.</a:t>
+            </a:r>
+            <a:endParaRPr sz="1000">
+              <a:latin typeface="AdobeClean-Light"/>
+              <a:cs typeface="AdobeClean-Light"/>
+            </a:endParaRPr>
           </a:p>
         </p:txBody>
       </p:sp>
@@ -7418,15 +8500,19 @@
               </a:spcBef>
             </a:pPr>
             <a:r>
-              <a:rPr lang="it-IT" sz="1000" dirty="0">
+              <a:rPr sz="1000">
                 <a:solidFill>
                   <a:srgbClr val="020302"/>
                 </a:solidFill>
                 <a:latin typeface="AdobeClean-Light"/>
                 <a:cs typeface="AdobeClean-Light"/>
               </a:rPr>
-              <a:t>Gestione degli eventi chiave per garantire il giusto livello di supporto, copertura e piano di mitigazione durante le fasi principali a livello di progetto e obiettivi di business.</a:t>
-            </a:r>
+              <a:t>Manage key events to ensure you have the  right level of support, coverage, and  mitigation plan in place during those key  business and project milestones.</a:t>
+            </a:r>
+            <a:endParaRPr sz="1000">
+              <a:latin typeface="AdobeClean-Light"/>
+              <a:cs typeface="AdobeClean-Light"/>
+            </a:endParaRPr>
           </a:p>
         </p:txBody>
       </p:sp>
@@ -7438,8 +8524,8 @@
         </p:nvSpPr>
         <p:spPr>
           <a:xfrm>
-            <a:off x="324340" y="5262204"/>
-            <a:ext cx="2237777" cy="698781"/>
+            <a:off x="324341" y="5262204"/>
+            <a:ext cx="2194560" cy="698781"/>
           </a:xfrm>
           <a:prstGeom prst="rect">
             <a:avLst/>
@@ -7460,15 +8546,19 @@
               </a:spcBef>
             </a:pPr>
             <a:r>
-              <a:rPr lang="it-IT" sz="1000" dirty="0">
+              <a:rPr sz="1000">
                 <a:solidFill>
                   <a:srgbClr val="020302"/>
                 </a:solidFill>
                 <a:latin typeface="AdobeClean-Light"/>
                 <a:cs typeface="AdobeClean-Light"/>
               </a:rPr>
-              <a:t>Indicazioni personalizzate sulle nuove funzioni dei prodotti, per sfruttare le ultime innovazioni, con valutazione del piano di aggiornamento eseguita da esperti di Adobe.</a:t>
-            </a:r>
+              <a:t>Receive personalized guidance on new  product features to take advantage of  latest innovations, and have Adobe  experts review release and upgrade plan.</a:t>
+            </a:r>
+            <a:endParaRPr sz="1000">
+              <a:latin typeface="AdobeClean-Light"/>
+              <a:cs typeface="AdobeClean-Light"/>
+            </a:endParaRPr>
           </a:p>
         </p:txBody>
       </p:sp>
@@ -7481,7 +8571,7 @@
         <p:spPr>
           <a:xfrm>
             <a:off x="97787" y="9888626"/>
-            <a:ext cx="2754640" cy="133370"/>
+            <a:ext cx="2202180" cy="149860"/>
           </a:xfrm>
           <a:prstGeom prst="rect">
             <a:avLst/>
@@ -7502,15 +8592,99 @@
               </a:spcBef>
             </a:pPr>
             <a:r>
-              <a:rPr lang="it-IT" sz="800" dirty="0">
+              <a:rPr sz="800" spc="-15">
                 <a:solidFill>
                   <a:srgbClr val="6D6D6D"/>
                 </a:solidFill>
                 <a:latin typeface="Adobe Clean"/>
                 <a:cs typeface="Adobe Clean"/>
               </a:rPr>
-              <a:t>©2021 Adobe. All Rights Reserved. Adobe Confidential.</a:t>
-            </a:r>
+              <a:t>©2021 </a:t>
+            </a:r>
+            <a:r>
+              <a:rPr sz="800" spc="-5">
+                <a:solidFill>
+                  <a:srgbClr val="6D6D6D"/>
+                </a:solidFill>
+                <a:latin typeface="Adobe Clean"/>
+                <a:cs typeface="Adobe Clean"/>
+              </a:rPr>
+              <a:t>Adobe. All</a:t>
+            </a:r>
+            <a:r>
+              <a:rPr sz="800" spc="-15">
+                <a:solidFill>
+                  <a:srgbClr val="6D6D6D"/>
+                </a:solidFill>
+                <a:latin typeface="Adobe Clean"/>
+                <a:cs typeface="Adobe Clean"/>
+              </a:rPr>
+              <a:t> Rights</a:t>
+            </a:r>
+            <a:r>
+              <a:rPr sz="800" spc="-5">
+                <a:solidFill>
+                  <a:srgbClr val="6D6D6D"/>
+                </a:solidFill>
+                <a:latin typeface="Adobe Clean"/>
+                <a:cs typeface="Adobe Clean"/>
+              </a:rPr>
+              <a:t> </a:t>
+            </a:r>
+            <a:r>
+              <a:rPr sz="800" spc="-15">
+                <a:solidFill>
+                  <a:srgbClr val="6D6D6D"/>
+                </a:solidFill>
+                <a:latin typeface="Adobe Clean"/>
+                <a:cs typeface="Adobe Clean"/>
+              </a:rPr>
+              <a:t>Reserved.</a:t>
+            </a:r>
+            <a:r>
+              <a:rPr sz="800" spc="-10">
+                <a:solidFill>
+                  <a:srgbClr val="6D6D6D"/>
+                </a:solidFill>
+                <a:latin typeface="Adobe Clean"/>
+                <a:cs typeface="Adobe Clean"/>
+              </a:rPr>
+              <a:t> </a:t>
+            </a:r>
+            <a:r>
+              <a:rPr sz="800" spc="-5">
+                <a:solidFill>
+                  <a:srgbClr val="6D6D6D"/>
+                </a:solidFill>
+                <a:latin typeface="Adobe Clean"/>
+                <a:cs typeface="Adobe Clean"/>
+              </a:rPr>
+              <a:t>Adobe</a:t>
+            </a:r>
+            <a:r>
+              <a:rPr sz="800" spc="65">
+                <a:solidFill>
+                  <a:srgbClr val="6D6D6D"/>
+                </a:solidFill>
+                <a:latin typeface="Adobe Clean"/>
+                <a:cs typeface="Adobe Clean"/>
+              </a:rPr>
+              <a:t> </a:t>
+            </a:r>
+            <a:r>
+              <a:rPr sz="800" spc="-15">
+                <a:solidFill>
+                  <a:srgbClr val="6D6D6D"/>
+                </a:solidFill>
+                <a:latin typeface="Adobe Clean"/>
+                <a:cs typeface="Adobe Clean"/>
+              </a:rPr>
+              <a:t>Confidential.</a:t>
+            </a:r>
+            <a:endParaRPr sz="800">
+              <a:latin typeface="Adobe Clean"/>
+              <a:cs typeface="Adobe Clean"/>
+            </a:endParaRPr>
           </a:p>
         </p:txBody>
       </p:sp>
@@ -7567,7 +8741,7 @@
         </p:nvSpPr>
         <p:spPr>
           <a:xfrm>
-            <a:off x="2910840" y="9060487"/>
+            <a:off x="2791726" y="9060487"/>
             <a:ext cx="2194560" cy="487313"/>
           </a:xfrm>
           <a:prstGeom prst="rect">
@@ -7592,14 +8766,154 @@
               </a:tabLst>
             </a:pPr>
             <a:r>
-              <a:rPr lang="it-IT" sz="1000" dirty="0">
+              <a:rPr sz="1000" spc="-20">
                 <a:solidFill>
                   <a:srgbClr val="020302"/>
                 </a:solidFill>
                 <a:latin typeface="AdobeClean-Light"/>
                 <a:cs typeface="AdobeClean-Light"/>
               </a:rPr>
-              <a:t>Avvia una sessione di chat per ottenere risposte e assistenza nell’invio di un caso.</a:t>
+              <a:t>Start </a:t>
+            </a:r>
+            <a:r>
+              <a:rPr sz="1000">
+                <a:solidFill>
+                  <a:srgbClr val="020302"/>
+                </a:solidFill>
+                <a:latin typeface="AdobeClean-Light"/>
+                <a:cs typeface="AdobeClean-Light"/>
+              </a:rPr>
+              <a:t>a </a:t>
+            </a:r>
+            <a:r>
+              <a:rPr sz="1000" spc="-15">
+                <a:solidFill>
+                  <a:srgbClr val="020302"/>
+                </a:solidFill>
+                <a:latin typeface="AdobeClean-Light"/>
+                <a:cs typeface="AdobeClean-Light"/>
+              </a:rPr>
+              <a:t>chat </a:t>
+            </a:r>
+            <a:r>
+              <a:rPr sz="1000" spc="-10">
+                <a:solidFill>
+                  <a:srgbClr val="020302"/>
+                </a:solidFill>
+                <a:latin typeface="AdobeClean-Light"/>
+                <a:cs typeface="AdobeClean-Light"/>
+              </a:rPr>
+              <a:t>session </a:t>
+            </a:r>
+            <a:r>
+              <a:rPr sz="1000" spc="-5">
+                <a:solidFill>
+                  <a:srgbClr val="020302"/>
+                </a:solidFill>
+                <a:latin typeface="AdobeClean-Light"/>
+                <a:cs typeface="AdobeClean-Light"/>
+              </a:rPr>
+              <a:t>to </a:t>
+            </a:r>
+            <a:r>
+              <a:rPr sz="1000" spc="-10">
+                <a:solidFill>
+                  <a:srgbClr val="020302"/>
+                </a:solidFill>
+                <a:latin typeface="AdobeClean-Light"/>
+                <a:cs typeface="AdobeClean-Light"/>
+              </a:rPr>
+              <a:t>get </a:t>
+            </a:r>
+            <a:r>
+              <a:rPr sz="1000" spc="-20">
+                <a:solidFill>
+                  <a:srgbClr val="020302"/>
+                </a:solidFill>
+                <a:latin typeface="AdobeClean-Light"/>
+                <a:cs typeface="AdobeClean-Light"/>
+              </a:rPr>
+              <a:t>answers</a:t>
+            </a:r>
+            <a:r>
+              <a:rPr lang="en-US" sz="1000" spc="-45">
+                <a:solidFill>
+                  <a:srgbClr val="020302"/>
+                </a:solidFill>
+                <a:latin typeface="AdobeClean-Light"/>
+                <a:cs typeface="AdobeClean-Light"/>
+              </a:rPr>
+              <a:t> </a:t>
+            </a:r>
+            <a:r>
+              <a:rPr lang="en-US" sz="1000">
+                <a:solidFill>
+                  <a:srgbClr val="020302"/>
+                </a:solidFill>
+                <a:latin typeface="AdobeClean-Light"/>
+                <a:cs typeface="AdobeClean-Light"/>
+              </a:rPr>
+              <a:t>&amp; </a:t>
+            </a:r>
+            <a:r>
+              <a:rPr sz="1000" spc="-15">
+                <a:solidFill>
+                  <a:srgbClr val="020302"/>
+                </a:solidFill>
+                <a:latin typeface="AdobeClean-Light"/>
+                <a:cs typeface="AdobeClean-Light"/>
+              </a:rPr>
+              <a:t>help </a:t>
+            </a:r>
+            <a:r>
+              <a:rPr sz="1000" spc="-10">
+                <a:solidFill>
+                  <a:srgbClr val="020302"/>
+                </a:solidFill>
+                <a:latin typeface="AdobeClean-Light"/>
+                <a:cs typeface="AdobeClean-Light"/>
+              </a:rPr>
+              <a:t>with</a:t>
+            </a:r>
+            <a:r>
+              <a:rPr sz="1000" spc="85">
+                <a:solidFill>
+                  <a:srgbClr val="020302"/>
+                </a:solidFill>
+                <a:latin typeface="AdobeClean-Light"/>
+                <a:cs typeface="AdobeClean-Light"/>
+              </a:rPr>
+              <a:t> </a:t>
+            </a:r>
+            <a:r>
+              <a:rPr sz="1000" spc="-10">
+                <a:solidFill>
+                  <a:srgbClr val="020302"/>
+                </a:solidFill>
+                <a:latin typeface="AdobeClean-Light"/>
+                <a:cs typeface="AdobeClean-Light"/>
+              </a:rPr>
+              <a:t>case </a:t>
+            </a:r>
+            <a:r>
+              <a:rPr sz="1000" spc="-20">
+                <a:solidFill>
+                  <a:srgbClr val="020302"/>
+                </a:solidFill>
+                <a:latin typeface="AdobeClean-Light"/>
+                <a:cs typeface="AdobeClean-Light"/>
+              </a:rPr>
+              <a:t>submission</a:t>
+            </a:r>
+            <a:r>
+              <a:rPr lang="en-US" sz="1000" spc="-20">
+                <a:solidFill>
+                  <a:srgbClr val="020302"/>
+                </a:solidFill>
+                <a:latin typeface="AdobeClean-Light"/>
+                <a:cs typeface="AdobeClean-Light"/>
+              </a:rPr>
+              <a:t>.</a:t>
             </a:r>
           </a:p>
           <a:p>
@@ -7615,25 +8929,39 @@
               </a:tabLst>
             </a:pPr>
             <a:r>
-              <a:rPr lang="it-IT" sz="1000" i="1" dirty="0">
+              <a:rPr sz="1000" i="1" spc="-10">
                 <a:solidFill>
                   <a:srgbClr val="7A7A7A"/>
                 </a:solidFill>
                 <a:latin typeface="AdobeClean-LightIt"/>
                 <a:cs typeface="AdobeClean-LightIt"/>
               </a:rPr>
-              <a:t>* Il supporto chat in diretta non è disponibile per tutti i prodotti</a:t>
-            </a:r>
-            <a:r>
-              <a:rPr lang="it-IT" sz="900" i="1" dirty="0">
+              <a:t>*Not all </a:t>
+            </a:r>
+            <a:r>
+              <a:rPr sz="1000" i="1" spc="-20">
                 <a:solidFill>
                   <a:srgbClr val="7A7A7A"/>
                 </a:solidFill>
                 <a:latin typeface="AdobeClean-LightIt"/>
                 <a:cs typeface="AdobeClean-LightIt"/>
               </a:rPr>
+              <a:t>products have live chat support</a:t>
+            </a:r>
+            <a:r>
+              <a:rPr sz="900" i="1" spc="-20">
+                <a:solidFill>
+                  <a:srgbClr val="7A7A7A"/>
+                </a:solidFill>
+                <a:latin typeface="AdobeClean-LightIt"/>
+                <a:cs typeface="AdobeClean-LightIt"/>
+              </a:rPr>
               <a:t>.  </a:t>
             </a:r>
+            <a:endParaRPr sz="900">
+              <a:latin typeface="AdobeClean-Light"/>
+              <a:cs typeface="AdobeClean-Light"/>
+            </a:endParaRPr>
           </a:p>
         </p:txBody>
       </p:sp>
@@ -7680,12 +9008,12 @@
               <a:defRPr/>
             </a:pPr>
             <a:r>
-              <a:rPr lang="it-IT" sz="1200">
+              <a:rPr lang="en-US" sz="1200">
                 <a:solidFill>
                   <a:srgbClr val="000000"/>
                 </a:solidFill>
               </a:rPr>
-              <a:t>Forum della community</a:t>
+              <a:t>Community Forums</a:t>
             </a:r>
           </a:p>
         </p:txBody>
@@ -7728,12 +9056,12 @@
               </a:spcAft>
             </a:pPr>
             <a:r>
-              <a:rPr lang="it-IT" sz="1200" b="1">
+              <a:rPr lang="en-US" sz="1200" b="1">
                 <a:latin typeface="+mj-lt"/>
                 <a:ea typeface="Open Sans" pitchFamily="34" charset="0"/>
                 <a:cs typeface="Open Sans" pitchFamily="34" charset="0"/>
               </a:rPr>
-              <a:t>Forum online</a:t>
+              <a:t>Online Forums</a:t>
             </a:r>
           </a:p>
         </p:txBody>
@@ -7753,7 +9081,7 @@
         <p:spPr>
           <a:xfrm>
             <a:off x="324341" y="7152361"/>
-            <a:ext cx="2194560" cy="1113125"/>
+            <a:ext cx="2194560" cy="959237"/>
           </a:xfrm>
           <a:prstGeom prst="rect">
             <a:avLst/>
@@ -7766,47 +9094,13 @@
           <a:lstStyle/>
           <a:p>
             <a:r>
-              <a:rPr lang="it-IT" sz="1000" dirty="0">
+              <a:rPr lang="en-US" sz="1000">
                 <a:solidFill>
                   <a:srgbClr val="4B4B4B"/>
                 </a:solidFill>
                 <a:latin typeface="Adobe Clean Light" panose="020B0303020404020204" pitchFamily="34" charset="0"/>
               </a:rPr>
-              <a:t>Accesso online continuo a un database </a:t>
-            </a:r>
-            <a:br>
-              <a:rPr lang="sk-SK" sz="1000" dirty="0">
-                <a:solidFill>
-                  <a:srgbClr val="4B4B4B"/>
-                </a:solidFill>
-                <a:latin typeface="Adobe Clean Light" panose="020B0303020404020204" pitchFamily="34" charset="0"/>
-              </a:rPr>
-            </a:br>
-            <a:r>
-              <a:rPr lang="it-IT" sz="1000" dirty="0">
-                <a:solidFill>
-                  <a:srgbClr val="4B4B4B"/>
-                </a:solidFill>
-                <a:latin typeface="Adobe Clean Light" panose="020B0303020404020204" pitchFamily="34" charset="0"/>
-              </a:rPr>
-              <a:t>in continua crescita di soluzioni tecniche, documentazione del prodotto, risposte alle domande più frequenti e altro ancora. Possibilità di relazionarsi con professionisti </a:t>
-            </a:r>
-            <a:br>
-              <a:rPr lang="sk-SK" sz="1000" dirty="0">
-                <a:solidFill>
-                  <a:srgbClr val="4B4B4B"/>
-                </a:solidFill>
-                <a:latin typeface="Adobe Clean Light" panose="020B0303020404020204" pitchFamily="34" charset="0"/>
-              </a:rPr>
-            </a:br>
-            <a:r>
-              <a:rPr lang="it-IT" sz="1000" dirty="0">
-                <a:solidFill>
-                  <a:srgbClr val="4B4B4B"/>
-                </a:solidFill>
-                <a:latin typeface="Adobe Clean Light" panose="020B0303020404020204" pitchFamily="34" charset="0"/>
-              </a:rPr>
-              <a:t>e altri clienti della Community Adobe per condividere best practice ed esperienze.</a:t>
+              <a:t>Continuous online access to a growing database of technical solutions, product documentation, FAQs and more. Connect with practitioners and other customers on Adobe Community to share best practices and lessons learned.</a:t>
             </a:r>
           </a:p>
         </p:txBody>
@@ -7854,7 +9148,7 @@
               <a:defRPr/>
             </a:pPr>
             <a:r>
-              <a:rPr lang="it-IT" sz="1200">
+              <a:rPr lang="en-US" sz="1200">
                 <a:solidFill>
                   <a:srgbClr val="000000"/>
                 </a:solidFill>
@@ -7902,12 +9196,12 @@
               </a:spcAft>
             </a:pPr>
             <a:r>
-              <a:rPr lang="it-IT" sz="1200" b="1">
+              <a:rPr lang="en-US" sz="1200" b="1">
                 <a:latin typeface="+mj-lt"/>
                 <a:ea typeface="Open Sans" pitchFamily="34" charset="0"/>
                 <a:cs typeface="Open Sans" pitchFamily="34" charset="0"/>
               </a:rPr>
-              <a:t>Percorsi autoguidati</a:t>
+              <a:t>Self-guided Journeys</a:t>
             </a:r>
           </a:p>
         </p:txBody>
@@ -7927,7 +9221,7 @@
         <p:spPr>
           <a:xfrm>
             <a:off x="5265661" y="7152361"/>
-            <a:ext cx="2360418" cy="1267014"/>
+            <a:ext cx="2194560" cy="1113125"/>
           </a:xfrm>
           <a:prstGeom prst="rect">
             <a:avLst/>
@@ -7940,13 +9234,13 @@
           <a:lstStyle/>
           <a:p>
             <a:r>
-              <a:rPr lang="it-IT" sz="1000" dirty="0">
+              <a:rPr lang="en-US" sz="1000">
                 <a:solidFill>
                   <a:srgbClr val="4B4B4B"/>
                 </a:solidFill>
                 <a:latin typeface="Adobe Clean Light" panose="020B0303020404020204" pitchFamily="34" charset="0"/>
               </a:rPr>
-              <a:t>Diventa un Experience Maker con Experience League. Puoi acquisire rapidamente le capacità necessarie nella gestione della customer experience seguendo un percorso di apprendimento personalizzato per sviluppare nuove competenze, partecipare a una comunità globale di professionisti e guadagnare riconoscimenti di valore sul piano professionale.</a:t>
+              <a:t>Experience Makers are made with Experience League. Customers can kickstart their Customer Experience Management abilities with personalized learning to develop skills, engage with a global community of peers, and earn career advancing recognition.</a:t>
             </a:r>
           </a:p>
         </p:txBody>
@@ -7994,12 +9288,12 @@
               <a:defRPr/>
             </a:pPr>
             <a:r>
-              <a:rPr lang="it-IT" sz="1200">
+              <a:rPr lang="en-US" sz="1200">
                 <a:solidFill>
                   <a:srgbClr val="000000"/>
                 </a:solidFill>
               </a:rPr>
-              <a:t>Supporto chat in diretta*</a:t>
+              <a:t>Live Chat  Support*</a:t>
             </a:r>
           </a:p>
         </p:txBody>
@@ -8042,12 +9336,12 @@
               </a:spcAft>
             </a:pPr>
             <a:r>
-              <a:rPr lang="it-IT" sz="1200" b="1">
+              <a:rPr lang="en-US" sz="1200" b="1">
                 <a:latin typeface="+mj-lt"/>
                 <a:ea typeface="Open Sans" pitchFamily="34" charset="0"/>
                 <a:cs typeface="Open Sans" pitchFamily="34" charset="0"/>
               </a:rPr>
-              <a:t>Supporto chat</a:t>
+              <a:t>Chat Support</a:t>
             </a:r>
           </a:p>
         </p:txBody>
@@ -8095,12 +9389,12 @@
               <a:defRPr/>
             </a:pPr>
             <a:r>
-              <a:rPr lang="it-IT" sz="1200">
+              <a:rPr lang="en-US" sz="1200">
                 <a:solidFill>
                   <a:srgbClr val="000000"/>
                 </a:solidFill>
               </a:rPr>
-              <a:t>24x7 P1 </a:t>
+              <a:t>24X7 P1 </a:t>
             </a:r>
           </a:p>
         </p:txBody>
@@ -8143,12 +9437,12 @@
               </a:spcAft>
             </a:pPr>
             <a:r>
-              <a:rPr lang="it-IT" sz="1200" b="1">
+              <a:rPr lang="en-US" sz="1200" b="1">
                 <a:latin typeface="+mj-lt"/>
                 <a:ea typeface="Open Sans" pitchFamily="34" charset="0"/>
                 <a:cs typeface="Open Sans" pitchFamily="34" charset="0"/>
               </a:rPr>
-              <a:t>Supporto telefonico</a:t>
+              <a:t>Phone  Support</a:t>
             </a:r>
           </a:p>
         </p:txBody>
@@ -8168,7 +9462,7 @@
         <p:spPr>
           <a:xfrm>
             <a:off x="2791726" y="7152361"/>
-            <a:ext cx="2194560" cy="959237"/>
+            <a:ext cx="2194560" cy="805349"/>
           </a:xfrm>
           <a:prstGeom prst="rect">
             <a:avLst/>
@@ -8181,51 +9475,35 @@
           <a:lstStyle/>
           <a:p>
             <a:r>
-              <a:rPr lang="it-IT" sz="1000" dirty="0">
+              <a:rPr lang="en-US" sz="1000">
                 <a:solidFill>
                   <a:srgbClr val="020302"/>
                 </a:solidFill>
                 <a:latin typeface="AdobeClean-Light"/>
               </a:rPr>
-              <a:t>Gli utenti autorizzati o i </a:t>
-            </a:r>
-            <a:r>
-              <a:rPr lang="it-IT" sz="1000" b="1" dirty="0">
+              <a:t>Authorized users or </a:t>
+            </a:r>
+            <a:r>
+              <a:rPr lang="en-US" sz="1000" b="1">
                 <a:solidFill>
                   <a:srgbClr val="020302"/>
                 </a:solidFill>
                 <a:latin typeface="AdobeClean-Light"/>
               </a:rPr>
-              <a:t>contatti interni per il supporto</a:t>
-            </a:r>
-            <a:r>
-              <a:rPr lang="it-IT" sz="1000" dirty="0">
+              <a:t>Named Support Contacts </a:t>
+            </a:r>
+            <a:r>
+              <a:rPr lang="en-US" sz="1000">
                 <a:latin typeface="Adobe Clean Light" panose="020B0303020404020204" pitchFamily="34" charset="0"/>
               </a:rPr>
-              <a:t> possono segnalare i problemi tramite tutti i canali disponibili (compreso </a:t>
-            </a:r>
-            <a:br>
-              <a:rPr lang="sk-SK" sz="1000" dirty="0">
-                <a:latin typeface="Adobe Clean Light" panose="020B0303020404020204" pitchFamily="34" charset="0"/>
-              </a:rPr>
-            </a:br>
-            <a:r>
-              <a:rPr lang="it-IT" sz="1000" dirty="0">
-                <a:latin typeface="Adobe Clean Light" panose="020B0303020404020204" pitchFamily="34" charset="0"/>
-              </a:rPr>
-              <a:t>il supporto telefonico per casi P1) e interagire con il team Adobe di assistenza tecnica </a:t>
-            </a:r>
-            <a:br>
-              <a:rPr lang="sk-SK" sz="1000" dirty="0">
-                <a:latin typeface="Adobe Clean Light" panose="020B0303020404020204" pitchFamily="34" charset="0"/>
-              </a:rPr>
-            </a:br>
-            <a:r>
-              <a:rPr lang="it-IT" sz="1000" dirty="0">
-                <a:latin typeface="Adobe Clean Light" panose="020B0303020404020204" pitchFamily="34" charset="0"/>
-              </a:rPr>
-              <a:t>per conto della tua azienda. </a:t>
-            </a:r>
+              <a:t>can submit issues through all available  channels (including phone for P1) and interact with our technical support team on behalf of your company. </a:t>
+            </a:r>
+            <a:endParaRPr lang="en-US" sz="1000">
+              <a:solidFill>
+                <a:srgbClr val="000000"/>
+              </a:solidFill>
+              <a:latin typeface="Adobe Clean Light" panose="020B0303020404020204" pitchFamily="34" charset="0"/>
+            </a:endParaRPr>
           </a:p>
         </p:txBody>
       </p:sp>
@@ -8320,7 +9598,7 @@
               <a:defRPr/>
             </a:pPr>
             <a:r>
-              <a:rPr lang="it-IT" sz="1200">
+              <a:rPr lang="en-US" sz="1200">
                 <a:solidFill>
                   <a:srgbClr val="000000"/>
                 </a:solidFill>
@@ -8368,12 +9646,12 @@
               </a:spcAft>
             </a:pPr>
             <a:r>
-              <a:rPr lang="it-IT" sz="1200" b="1">
+              <a:rPr lang="en-US" sz="1200" b="1">
                 <a:latin typeface="+mj-lt"/>
                 <a:ea typeface="Open Sans" pitchFamily="34" charset="0"/>
                 <a:cs typeface="Open Sans" pitchFamily="34" charset="0"/>
               </a:rPr>
-              <a:t>Webinar</a:t>
+              <a:t>Webinars</a:t>
             </a:r>
           </a:p>
         </p:txBody>
@@ -8392,8 +9670,8 @@
         </p:nvSpPr>
         <p:spPr>
           <a:xfrm>
-            <a:off x="355867" y="9026059"/>
-            <a:ext cx="2512299" cy="805349"/>
+            <a:off x="355868" y="9026059"/>
+            <a:ext cx="2194560" cy="805349"/>
           </a:xfrm>
           <a:prstGeom prst="rect">
             <a:avLst/>
@@ -8406,13 +9684,13 @@
           <a:lstStyle/>
           <a:p>
             <a:r>
-              <a:rPr lang="it-IT" sz="1000" dirty="0">
+              <a:rPr lang="en-US" sz="1000">
                 <a:solidFill>
                   <a:srgbClr val="4B4B4B"/>
                 </a:solidFill>
                 <a:latin typeface="Adobe Clean Light" panose="020B0303020404020204" pitchFamily="34" charset="0"/>
               </a:rPr>
-              <a:t>Le sessioni Office Hours, guidate dal team di Assistenza clienti di Adobe, sono pensate per informare e aiutare i partecipanti a risolvere eventuali problemi e forniscono suggerimenti utili per ottenere il massimo dalle soluzioni Adobe. </a:t>
+              <a:t>Office Hours led by the Adobe Customer Support team includes sessions designed to inform as well as help participants troubleshoot problems and provide tips and tricks for success with Adobe solutions. </a:t>
             </a:r>
           </a:p>
         </p:txBody>
@@ -8460,12 +9738,12 @@
               <a:defRPr/>
             </a:pPr>
             <a:r>
-              <a:rPr lang="it-IT" sz="1200">
+              <a:rPr lang="en-US" sz="1200">
                 <a:solidFill>
                   <a:srgbClr val="000000"/>
                 </a:solidFill>
               </a:rPr>
-              <a:t>Portali di assistenza autonoma</a:t>
+              <a:t>Self-help Portals</a:t>
             </a:r>
           </a:p>
         </p:txBody>
@@ -8508,12 +9786,12 @@
               </a:spcAft>
             </a:pPr>
             <a:r>
-              <a:rPr lang="it-IT" sz="1200" b="1">
+              <a:rPr lang="en-US" sz="1200" b="1">
                 <a:latin typeface="+mj-lt"/>
                 <a:ea typeface="Open Sans" pitchFamily="34" charset="0"/>
                 <a:cs typeface="Open Sans" pitchFamily="34" charset="0"/>
               </a:rPr>
-              <a:t>Portale di supporto 24/7</a:t>
+              <a:t>24/7 Support Portal</a:t>
             </a:r>
           </a:p>
         </p:txBody>
@@ -8546,13 +9824,30 @@
           <a:lstStyle/>
           <a:p>
             <a:r>
-              <a:rPr lang="it-IT" sz="1000">
+              <a:rPr lang="en-US" sz="1000">
                 <a:solidFill>
                   <a:srgbClr val="4B4B4B"/>
                 </a:solidFill>
                 <a:latin typeface="Adobe Clean Light" panose="020B0303020404020204" pitchFamily="34" charset="0"/>
               </a:rPr>
-              <a:t>Accesso on-demand al portale di assistenza autonoma per inviare richieste di supporto, esaminare lo stato dei casi e sfogliare altre risorse, come la knowledge base, notizie e avvisi, suggerimenti e altro ancora.</a:t>
+              <a:t>On-demand access to the online </a:t>
+            </a:r>
+            <a:br>
+              <a:rPr lang="en-US" sz="1000">
+                <a:solidFill>
+                  <a:srgbClr val="4B4B4B"/>
+                </a:solidFill>
+                <a:latin typeface="Adobe Clean Light" panose="020B0303020404020204" pitchFamily="34" charset="0"/>
+              </a:rPr>
+            </a:br>
+            <a:r>
+              <a:rPr lang="en-US" sz="1000">
+                <a:solidFill>
+                  <a:srgbClr val="4B4B4B"/>
+                </a:solidFill>
+                <a:latin typeface="Adobe Clean Light" panose="020B0303020404020204" pitchFamily="34" charset="0"/>
+              </a:rPr>
+              <a:t>Self-help Support Portal to submit support requests, review case status, and browse other resources, like our knowledgebase, news and alerts, featured tips, and more.</a:t>
             </a:r>
           </a:p>
         </p:txBody>
@@ -8805,7 +10100,7 @@
         </p:nvSpPr>
         <p:spPr>
           <a:xfrm rot="5400000" flipH="1">
-            <a:off x="3863341" y="5692140"/>
+            <a:off x="3863341" y="5600443"/>
             <a:ext cx="45719" cy="5577840"/>
           </a:xfrm>
           <a:custGeom>
@@ -8882,15 +10177,19 @@
               </a:spcBef>
             </a:pPr>
             <a:r>
-              <a:rPr lang="it-IT" sz="1400" b="1">
+              <a:rPr lang="en-US" sz="1400" b="1">
                 <a:solidFill>
                   <a:srgbClr val="020302"/>
                 </a:solidFill>
                 <a:latin typeface="Adobe Clean"/>
                 <a:cs typeface="Adobe Clean"/>
               </a:rPr>
-              <a:t>Caratteristiche del supporto online</a:t>
-            </a:r>
+              <a:t>Online Support Features</a:t>
+            </a:r>
+            <a:endParaRPr lang="en-US" sz="1400">
+              <a:latin typeface="Adobe Clean"/>
+              <a:cs typeface="Adobe Clean"/>
+            </a:endParaRPr>
           </a:p>
         </p:txBody>
       </p:sp>
@@ -9090,15 +10389,15 @@
         </p:nvSpPr>
         <p:spPr>
           <a:xfrm>
-            <a:off x="324340" y="4031705"/>
-            <a:ext cx="2467385" cy="672172"/>
+            <a:off x="324341" y="4031705"/>
+            <a:ext cx="2194560" cy="499111"/>
           </a:xfrm>
           <a:prstGeom prst="rect">
             <a:avLst/>
           </a:prstGeom>
         </p:spPr>
         <p:txBody>
-          <a:bodyPr wrap="square" lIns="0" tIns="0" rIns="0" bIns="0">
+          <a:bodyPr lIns="0" tIns="0" rIns="0" bIns="0">
             <a:spAutoFit/>
           </a:bodyPr>
           <a:lstStyle/>
@@ -9112,15 +10411,22 @@
               </a:spcBef>
             </a:pPr>
             <a:r>
-              <a:rPr lang="it-IT" sz="1000" dirty="0">
+              <a:rPr lang="en-US" sz="1000">
                 <a:solidFill>
                   <a:srgbClr val="020302"/>
                 </a:solidFill>
                 <a:latin typeface="AdobeClean-Light"/>
                 <a:cs typeface="AdobeClean-Light"/>
               </a:rPr>
-              <a:t>Valutazione proattiva dell’implementazione, della configurazione e dell’architettura complessiva della soluzione, incluse le integrazioni.</a:t>
-            </a:r>
+              <a:t>Proactive review of your solution  deployment, configuration, and overall  architecture, including integrations.</a:t>
+            </a:r>
+            <a:endParaRPr lang="en-US" sz="1000">
+              <a:solidFill>
+                <a:prstClr val="black"/>
+              </a:solidFill>
+              <a:latin typeface="AdobeClean-Light"/>
+              <a:cs typeface="AdobeClean-Light"/>
+            </a:endParaRPr>
           </a:p>
         </p:txBody>
       </p:sp>
@@ -9160,34 +10466,22 @@
               </a:spcBef>
             </a:pPr>
             <a:r>
-              <a:rPr lang="it-IT" sz="1000" dirty="0">
+              <a:rPr lang="en-US" sz="1000">
                 <a:solidFill>
                   <a:srgbClr val="020302"/>
                 </a:solidFill>
                 <a:latin typeface="AdobeClean-Light"/>
                 <a:cs typeface="AdobeClean-Light"/>
               </a:rPr>
-              <a:t>Best practice di manutenzione e ultime correzioni (SP, MR, patch, FP) per rimanere sempre aggiornati su tutte le verifiche </a:t>
-            </a:r>
-            <a:br>
-              <a:rPr lang="sk-SK" sz="1000" dirty="0">
-                <a:solidFill>
-                  <a:srgbClr val="020302"/>
-                </a:solidFill>
-                <a:latin typeface="AdobeClean-Light"/>
-                <a:cs typeface="AdobeClean-Light"/>
-              </a:rPr>
-            </a:br>
-            <a:r>
-              <a:rPr lang="it-IT" sz="1000" dirty="0">
-                <a:solidFill>
-                  <a:srgbClr val="020302"/>
-                </a:solidFill>
-                <a:latin typeface="AdobeClean-Light"/>
-                <a:cs typeface="AdobeClean-Light"/>
-              </a:rPr>
-              <a:t>di manutenzione</a:t>
-            </a:r>
+              <a:t>Receive maintenance best practices and latest  fixes (SPs, MR, patches, FPs) to remain up-to-  date on all maintenance checks.</a:t>
+            </a:r>
+            <a:endParaRPr lang="en-US" sz="1000">
+              <a:solidFill>
+                <a:prstClr val="black"/>
+              </a:solidFill>
+              <a:latin typeface="AdobeClean-Light"/>
+              <a:cs typeface="AdobeClean-Light"/>
+            </a:endParaRPr>
           </a:p>
         </p:txBody>
       </p:sp>
@@ -9224,15 +10518,22 @@
               </a:spcBef>
             </a:pPr>
             <a:r>
-              <a:rPr lang="it-IT" sz="1000">
+              <a:rPr lang="en-US" sz="1000">
                 <a:solidFill>
                   <a:srgbClr val="4B4B4B"/>
                 </a:solidFill>
                 <a:latin typeface="AdobeClean-Light"/>
                 <a:cs typeface="AdobeClean-Light"/>
               </a:rPr>
-              <a:t>Valutazione periodica dei servizi del programma Elite, delle metriche di supporto e dei materiali da consegnare, incluso un piano proattivo.</a:t>
-            </a:r>
+              <a:t>A regular review of Elite program services, support metrics, and deliverables, including a forward-looking plan</a:t>
+            </a:r>
+            <a:endParaRPr lang="en-US" sz="1000">
+              <a:solidFill>
+                <a:prstClr val="black"/>
+              </a:solidFill>
+              <a:latin typeface="AdobeClean-Light"/>
+              <a:cs typeface="AdobeClean-Light"/>
+            </a:endParaRPr>
           </a:p>
         </p:txBody>
       </p:sp>
@@ -9269,15 +10570,22 @@
               </a:spcBef>
             </a:pPr>
             <a:r>
-              <a:rPr lang="it-IT" sz="1000">
+              <a:rPr lang="en-US" sz="1000">
                 <a:solidFill>
                   <a:srgbClr val="4B4B4B"/>
                 </a:solidFill>
                 <a:latin typeface="AdobeClean-Light"/>
                 <a:cs typeface="AdobeClean-Light"/>
               </a:rPr>
-              <a:t>Una sessione di 60 minuti incentrata su una specifica funzionalità di prodotto e come utilizzarla per risolvere le problematiche più comuni.</a:t>
-            </a:r>
+              <a:t>A 60-minute session focusing on a  specific product feature and how it can  be utilized to solve common business  problems.</a:t>
+            </a:r>
+            <a:endParaRPr lang="en-US" sz="1000">
+              <a:solidFill>
+                <a:prstClr val="black"/>
+              </a:solidFill>
+              <a:latin typeface="AdobeClean-Light"/>
+              <a:cs typeface="AdobeClean-Light"/>
+            </a:endParaRPr>
           </a:p>
         </p:txBody>
       </p:sp>
@@ -9314,15 +10622,16 @@
               </a:spcBef>
             </a:pPr>
             <a:r>
-              <a:rPr lang="it-IT" sz="1000">
+              <a:rPr lang="en-US" sz="1000">
                 <a:solidFill>
                   <a:srgbClr val="4B4B4B"/>
                 </a:solidFill>
                 <a:latin typeface="AdobeClean-Light"/>
                 <a:cs typeface="AdobeClean-Light"/>
               </a:rPr>
-              <a:t>Un contatto Adobe dedicato che può fornire assistenza e aggiornamenti regolari in merito ai casi che richiedono escalation, e assicurarsi che venga data priorità alle richieste di supporto aperte più critiche.</a:t>
-            </a:r>
+              <a:t>A designated point of contact within Adobe  who can provide escalation assistance,  regular updates and ensure priority is given  to your most critical open support requests.</a:t>
+            </a:r>
+            <a:endParaRPr lang="en-US"/>
           </a:p>
         </p:txBody>
       </p:sp>
@@ -9359,7 +10668,7 @@
               </a:spcBef>
             </a:pPr>
             <a:r>
-              <a:rPr lang="it-IT" sz="1100" b="1">
+              <a:rPr lang="en-US" sz="1100" b="1">
                 <a:solidFill>
                   <a:srgbClr val="020302"/>
                 </a:solidFill>
@@ -9368,6 +10677,13 @@
               </a:rPr>
               <a:t>Named Support Engineer</a:t>
             </a:r>
+            <a:endParaRPr lang="en-US" sz="1100">
+              <a:solidFill>
+                <a:prstClr val="black"/>
+              </a:solidFill>
+              <a:latin typeface="Adobe Clean" panose="020B0503020404020204" pitchFamily="34" charset="0"/>
+              <a:cs typeface="Arial"/>
+            </a:endParaRPr>
           </a:p>
         </p:txBody>
       </p:sp>
@@ -9404,15 +10720,22 @@
               </a:spcBef>
             </a:pPr>
             <a:r>
-              <a:rPr lang="it-IT" sz="1100" b="1">
+              <a:rPr lang="en-US" sz="1100" b="1">
                 <a:solidFill>
                   <a:srgbClr val="020302"/>
                 </a:solidFill>
                 <a:latin typeface="Adobe Clean" panose="020B0503020404020204" pitchFamily="34" charset="0"/>
                 <a:cs typeface="Arial"/>
               </a:rPr>
-              <a:t>Valutazione dei casi</a:t>
-            </a:r>
+              <a:t>Case Reviews</a:t>
+            </a:r>
+            <a:endParaRPr lang="en-US" sz="1100">
+              <a:solidFill>
+                <a:prstClr val="black"/>
+              </a:solidFill>
+              <a:latin typeface="Adobe Clean" panose="020B0503020404020204" pitchFamily="34" charset="0"/>
+              <a:cs typeface="Arial"/>
+            </a:endParaRPr>
           </a:p>
         </p:txBody>
       </p:sp>
@@ -9449,15 +10772,22 @@
               </a:spcBef>
             </a:pPr>
             <a:r>
-              <a:rPr lang="it-IT" sz="1100" b="1">
+              <a:rPr lang="en-US" sz="1100" b="1">
                 <a:solidFill>
                   <a:srgbClr val="020302"/>
                 </a:solidFill>
                 <a:latin typeface="Adobe Clean" panose="020B0503020404020204" pitchFamily="34" charset="0"/>
                 <a:cs typeface="Adobe Clean"/>
               </a:rPr>
-              <a:t>Manutenzione e monitoraggio</a:t>
-            </a:r>
+              <a:t>Maintenance &amp; Monitoring</a:t>
+            </a:r>
+            <a:endParaRPr lang="en-US" sz="1100">
+              <a:solidFill>
+                <a:prstClr val="black"/>
+              </a:solidFill>
+              <a:latin typeface="Adobe Clean" panose="020B0503020404020204" pitchFamily="34" charset="0"/>
+              <a:cs typeface="Adobe Clean"/>
+            </a:endParaRPr>
           </a:p>
         </p:txBody>
       </p:sp>
@@ -9475,8 +10805,8 @@
         </p:nvSpPr>
         <p:spPr>
           <a:xfrm>
-            <a:off x="3138805" y="3700046"/>
-            <a:ext cx="2194560" cy="338554"/>
+            <a:off x="3138805" y="3778989"/>
+            <a:ext cx="2194560" cy="169277"/>
           </a:xfrm>
           <a:prstGeom prst="rect">
             <a:avLst/>
@@ -9494,34 +10824,22 @@
               </a:spcBef>
             </a:pPr>
             <a:r>
-              <a:rPr lang="it-IT" sz="1100" b="1" dirty="0">
+              <a:rPr lang="en-US" sz="1100" b="1">
                 <a:solidFill>
                   <a:srgbClr val="020302"/>
                 </a:solidFill>
                 <a:latin typeface="Adobe Clean" panose="020B0503020404020204" pitchFamily="34" charset="0"/>
                 <a:cs typeface="Adobe Clean"/>
               </a:rPr>
-              <a:t>Valutazione della roadmap </a:t>
-            </a:r>
-            <a:br>
-              <a:rPr lang="sk-SK" sz="1100" b="1" dirty="0">
-                <a:solidFill>
-                  <a:srgbClr val="020302"/>
-                </a:solidFill>
-                <a:latin typeface="Adobe Clean" panose="020B0503020404020204" pitchFamily="34" charset="0"/>
-                <a:cs typeface="Adobe Clean"/>
-              </a:rPr>
-            </a:br>
-            <a:r>
-              <a:rPr lang="it-IT" sz="1100" b="1" dirty="0">
-                <a:solidFill>
-                  <a:srgbClr val="020302"/>
-                </a:solidFill>
-                <a:latin typeface="Adobe Clean" panose="020B0503020404020204" pitchFamily="34" charset="0"/>
-                <a:cs typeface="Adobe Clean"/>
-              </a:rPr>
-              <a:t>della soluzione</a:t>
-            </a:r>
+              <a:t>Solution Roadmap Review</a:t>
+            </a:r>
+            <a:endParaRPr lang="en-US" sz="1100">
+              <a:solidFill>
+                <a:prstClr val="black"/>
+              </a:solidFill>
+              <a:latin typeface="Adobe Clean" panose="020B0503020404020204" pitchFamily="34" charset="0"/>
+              <a:cs typeface="Adobe Clean"/>
+            </a:endParaRPr>
           </a:p>
         </p:txBody>
       </p:sp>
@@ -9558,15 +10876,22 @@
               </a:spcBef>
             </a:pPr>
             <a:r>
-              <a:rPr lang="it-IT" sz="1100" b="1">
+              <a:rPr lang="en-US" sz="1100" b="1">
                 <a:solidFill>
                   <a:srgbClr val="020302"/>
                 </a:solidFill>
                 <a:latin typeface="Adobe Clean" panose="020B0503020404020204" pitchFamily="34" charset="0"/>
                 <a:cs typeface="Adobe Clean"/>
               </a:rPr>
-              <a:t>Valutazione dell’ambiente</a:t>
-            </a:r>
+              <a:t>Environment Review</a:t>
+            </a:r>
+            <a:endParaRPr lang="en-US" sz="1100">
+              <a:solidFill>
+                <a:prstClr val="black"/>
+              </a:solidFill>
+              <a:latin typeface="Adobe Clean" panose="020B0503020404020204" pitchFamily="34" charset="0"/>
+              <a:cs typeface="Adobe Clean"/>
+            </a:endParaRPr>
           </a:p>
         </p:txBody>
       </p:sp>
@@ -9603,15 +10928,22 @@
               </a:spcBef>
             </a:pPr>
             <a:r>
-              <a:rPr lang="it-IT" sz="1100" b="1">
+              <a:rPr lang="en-US" sz="1100" b="1">
                 <a:solidFill>
                   <a:srgbClr val="020302"/>
                 </a:solidFill>
                 <a:latin typeface="Adobe Clean" panose="020B0503020404020204" pitchFamily="34" charset="0"/>
                 <a:cs typeface="Adobe Clean"/>
               </a:rPr>
-              <a:t>Gestione delle escalation</a:t>
-            </a:r>
+              <a:t>Escalation Management</a:t>
+            </a:r>
+            <a:endParaRPr lang="en-US" sz="1100">
+              <a:solidFill>
+                <a:prstClr val="black"/>
+              </a:solidFill>
+              <a:latin typeface="Adobe Clean" panose="020B0503020404020204" pitchFamily="34" charset="0"/>
+              <a:cs typeface="Adobe Clean"/>
+            </a:endParaRPr>
           </a:p>
         </p:txBody>
       </p:sp>
@@ -9648,15 +10980,22 @@
               </a:spcBef>
             </a:pPr>
             <a:r>
-              <a:rPr lang="it-IT" sz="1100" b="1">
+              <a:rPr lang="en-US" sz="1100" b="1">
                 <a:solidFill>
                   <a:srgbClr val="020302"/>
                 </a:solidFill>
                 <a:latin typeface="Adobe Clean" panose="020B0503020404020204" pitchFamily="34" charset="0"/>
                 <a:cs typeface="Adobe Clean"/>
               </a:rPr>
-              <a:t>Valutazione dei servizi</a:t>
-            </a:r>
+              <a:t>Service Reviews</a:t>
+            </a:r>
+            <a:endParaRPr lang="en-US" sz="1100">
+              <a:solidFill>
+                <a:prstClr val="black"/>
+              </a:solidFill>
+              <a:latin typeface="Adobe Clean" panose="020B0503020404020204" pitchFamily="34" charset="0"/>
+              <a:cs typeface="Adobe Clean"/>
+            </a:endParaRPr>
           </a:p>
         </p:txBody>
       </p:sp>
@@ -9693,15 +11032,22 @@
               </a:spcBef>
             </a:pPr>
             <a:r>
-              <a:rPr lang="it-IT" sz="1100" b="1">
+              <a:rPr lang="en-US" sz="1100" b="1">
                 <a:solidFill>
                   <a:srgbClr val="020302"/>
                 </a:solidFill>
                 <a:latin typeface="Adobe Clean" panose="020B0503020404020204" pitchFamily="34" charset="0"/>
                 <a:cs typeface="Adobe Clean"/>
               </a:rPr>
-              <a:t>Sessioni con esperti</a:t>
-            </a:r>
+              <a:t>Expert Sessions</a:t>
+            </a:r>
+            <a:endParaRPr lang="en-US" sz="1100">
+              <a:solidFill>
+                <a:prstClr val="black"/>
+              </a:solidFill>
+              <a:latin typeface="Adobe Clean" panose="020B0503020404020204" pitchFamily="34" charset="0"/>
+              <a:cs typeface="Adobe Clean"/>
+            </a:endParaRPr>
           </a:p>
         </p:txBody>
       </p:sp>
@@ -9720,7 +11066,7 @@
         <p:spPr>
           <a:xfrm>
             <a:off x="689237" y="4935181"/>
-            <a:ext cx="2194560" cy="338554"/>
+            <a:ext cx="2194560" cy="169277"/>
           </a:xfrm>
           <a:prstGeom prst="rect">
             <a:avLst/>
@@ -9738,34 +11084,22 @@
               </a:spcBef>
             </a:pPr>
             <a:r>
-              <a:rPr lang="it-IT" sz="1100" b="1" dirty="0">
+              <a:rPr lang="en-US" sz="1100" b="1">
                 <a:solidFill>
                   <a:srgbClr val="020302"/>
                 </a:solidFill>
                 <a:latin typeface="Adobe Clean" panose="020B0503020404020204" pitchFamily="34" charset="0"/>
                 <a:cs typeface="Adobe Clean"/>
               </a:rPr>
-              <a:t>Valutazione delle nuove </a:t>
-            </a:r>
-            <a:br>
-              <a:rPr lang="sk-SK" sz="1100" b="1" dirty="0">
-                <a:solidFill>
-                  <a:srgbClr val="020302"/>
-                </a:solidFill>
-                <a:latin typeface="Adobe Clean" panose="020B0503020404020204" pitchFamily="34" charset="0"/>
-                <a:cs typeface="Adobe Clean"/>
-              </a:rPr>
-            </a:br>
-            <a:r>
-              <a:rPr lang="it-IT" sz="1100" b="1" dirty="0">
-                <a:solidFill>
-                  <a:srgbClr val="020302"/>
-                </a:solidFill>
-                <a:latin typeface="Adobe Clean" panose="020B0503020404020204" pitchFamily="34" charset="0"/>
-                <a:cs typeface="Adobe Clean"/>
-              </a:rPr>
-              <a:t>versioni e preparazione</a:t>
-            </a:r>
+              <a:t>Release Preparation &amp; Review</a:t>
+            </a:r>
+            <a:endParaRPr lang="en-US" sz="1100">
+              <a:solidFill>
+                <a:prstClr val="black"/>
+              </a:solidFill>
+              <a:latin typeface="Adobe Clean" panose="020B0503020404020204" pitchFamily="34" charset="0"/>
+              <a:cs typeface="Adobe Clean"/>
+            </a:endParaRPr>
           </a:p>
         </p:txBody>
       </p:sp>
@@ -9805,15 +11139,19 @@
               </a:spcBef>
             </a:pPr>
             <a:r>
-              <a:rPr lang="it-IT" sz="1100" b="1">
+              <a:rPr lang="en-US" sz="1100" b="1">
                 <a:solidFill>
                   <a:srgbClr val="020302"/>
                 </a:solidFill>
                 <a:latin typeface="Adobe Clean" panose="020B0503020404020204" pitchFamily="34" charset="0"/>
                 <a:cs typeface="Adobe Clean"/>
               </a:rPr>
-              <a:t>Trasferimento delle conoscenze</a:t>
-            </a:r>
+              <a:t>Knowledge Transfer</a:t>
+            </a:r>
+            <a:endParaRPr lang="en-US" sz="1100">
+              <a:latin typeface="Adobe Clean" panose="020B0503020404020204" pitchFamily="34" charset="0"/>
+              <a:cs typeface="Adobe Clean"/>
+            </a:endParaRPr>
           </a:p>
         </p:txBody>
       </p:sp>
@@ -9853,15 +11191,19 @@
               </a:spcBef>
             </a:pPr>
             <a:r>
-              <a:rPr lang="it-IT" sz="1100" b="1">
+              <a:rPr lang="en-US" sz="1100" b="1">
                 <a:solidFill>
                   <a:srgbClr val="020302"/>
                 </a:solidFill>
                 <a:latin typeface="Adobe Clean" panose="020B0503020404020204" pitchFamily="34" charset="0"/>
                 <a:cs typeface="Adobe Clean"/>
               </a:rPr>
-              <a:t>Gestione degli eventi</a:t>
-            </a:r>
+              <a:t>Event Management</a:t>
+            </a:r>
+            <a:endParaRPr lang="en-US" sz="1100">
+              <a:latin typeface="Adobe Clean" panose="020B0503020404020204" pitchFamily="34" charset="0"/>
+              <a:cs typeface="Adobe Clean"/>
+            </a:endParaRPr>
           </a:p>
         </p:txBody>
       </p:sp>
@@ -10188,7 +11530,7 @@
         <p:spPr>
           <a:xfrm>
             <a:off x="2764975" y="4039530"/>
-            <a:ext cx="2467385" cy="881460"/>
+            <a:ext cx="2282011" cy="708399"/>
           </a:xfrm>
           <a:prstGeom prst="rect">
             <a:avLst/>
@@ -10209,15 +11551,19 @@
               </a:spcBef>
             </a:pPr>
             <a:r>
-              <a:rPr lang="it-IT" sz="1000" dirty="0">
+              <a:rPr lang="en-US" sz="1000">
                 <a:solidFill>
                   <a:srgbClr val="020302"/>
                 </a:solidFill>
                 <a:latin typeface="AdobeClean-Light"/>
                 <a:cs typeface="AdobeClean-Light"/>
               </a:rPr>
-              <a:t>Confronta e allinea la roadmap della soluzione Adobe con quella del progetto del cliente, per mitigare i rischi e prepararsi per il futuro.</a:t>
-            </a:r>
+              <a:t>Compare and align Adobe solution  roadmap with your project roadmap to  mitigate risk and prepare for the future.</a:t>
+            </a:r>
+            <a:endParaRPr lang="en-US" sz="1000">
+              <a:latin typeface="AdobeClean-Light"/>
+              <a:cs typeface="AdobeClean-Light"/>
+            </a:endParaRPr>
           </a:p>
           <a:p>
             <a:pPr marL="18415" marR="262255" lvl="0">
@@ -10229,7 +11575,7 @@
               </a:spcBef>
             </a:pPr>
             <a:r>
-              <a:rPr lang="it-IT" sz="1000" dirty="0">
+              <a:rPr lang="en-US" sz="1000">
                 <a:solidFill>
                   <a:srgbClr val="020302"/>
                 </a:solidFill>
@@ -10238,6 +11584,13 @@
               </a:rPr>
               <a:t>.</a:t>
             </a:r>
+            <a:endParaRPr lang="en-US" sz="1000">
+              <a:solidFill>
+                <a:prstClr val="black"/>
+              </a:solidFill>
+              <a:latin typeface="AdobeClean-Light"/>
+              <a:cs typeface="AdobeClean-Light"/>
+            </a:endParaRPr>
           </a:p>
         </p:txBody>
       </p:sp>
@@ -10524,8 +11877,8 @@
         </p:nvSpPr>
         <p:spPr>
           <a:xfrm>
-            <a:off x="4572000" y="2654677"/>
-            <a:ext cx="2194551" cy="45719"/>
+            <a:off x="4724779" y="2654678"/>
+            <a:ext cx="1894205" cy="0"/>
           </a:xfrm>
           <a:custGeom>
             <a:avLst/>
@@ -10566,8 +11919,8 @@
         </p:nvSpPr>
         <p:spPr>
           <a:xfrm>
-            <a:off x="4572000" y="2329688"/>
-            <a:ext cx="2194551" cy="228268"/>
+            <a:off x="4843269" y="2329688"/>
+            <a:ext cx="1656080" cy="238760"/>
           </a:xfrm>
           <a:prstGeom prst="rect">
             <a:avLst/>
@@ -10588,15 +11941,179 @@
               </a:spcBef>
             </a:pPr>
             <a:r>
-              <a:rPr lang="it-IT" sz="1400" b="1" dirty="0">
+              <a:rPr sz="1400" b="1" spc="-25">
                 <a:solidFill>
                   <a:srgbClr val="020302"/>
                 </a:solidFill>
                 <a:latin typeface="Adobe Clean"/>
                 <a:cs typeface="Adobe Clean"/>
               </a:rPr>
-              <a:t>Attività di servizio sul campo</a:t>
-            </a:r>
+              <a:t>Fi</a:t>
+            </a:r>
+            <a:r>
+              <a:rPr sz="1400" b="1" spc="-35">
+                <a:solidFill>
+                  <a:srgbClr val="020302"/>
+                </a:solidFill>
+                <a:latin typeface="Adobe Clean"/>
+                <a:cs typeface="Adobe Clean"/>
+              </a:rPr>
+              <a:t>e</a:t>
+            </a:r>
+            <a:r>
+              <a:rPr sz="1400" b="1" spc="-25">
+                <a:solidFill>
+                  <a:srgbClr val="020302"/>
+                </a:solidFill>
+                <a:latin typeface="Adobe Clean"/>
+                <a:cs typeface="Adobe Clean"/>
+              </a:rPr>
+              <a:t>l</a:t>
+            </a:r>
+            <a:r>
+              <a:rPr sz="1400" b="1">
+                <a:solidFill>
+                  <a:srgbClr val="020302"/>
+                </a:solidFill>
+                <a:latin typeface="Adobe Clean"/>
+                <a:cs typeface="Adobe Clean"/>
+              </a:rPr>
+              <a:t>d</a:t>
+            </a:r>
+            <a:r>
+              <a:rPr sz="1400" b="1" spc="-40">
+                <a:solidFill>
+                  <a:srgbClr val="020302"/>
+                </a:solidFill>
+                <a:latin typeface="Adobe Clean"/>
+                <a:cs typeface="Adobe Clean"/>
+              </a:rPr>
+              <a:t> </a:t>
+            </a:r>
+            <a:r>
+              <a:rPr sz="1400" b="1" spc="25">
+                <a:solidFill>
+                  <a:srgbClr val="020302"/>
+                </a:solidFill>
+                <a:latin typeface="Adobe Clean"/>
+                <a:cs typeface="Adobe Clean"/>
+              </a:rPr>
+              <a:t>S</a:t>
+            </a:r>
+            <a:r>
+              <a:rPr sz="1400" b="1" spc="5">
+                <a:solidFill>
+                  <a:srgbClr val="020302"/>
+                </a:solidFill>
+                <a:latin typeface="Adobe Clean"/>
+                <a:cs typeface="Adobe Clean"/>
+              </a:rPr>
+              <a:t>e</a:t>
+            </a:r>
+            <a:r>
+              <a:rPr sz="1400" b="1" spc="15">
+                <a:solidFill>
+                  <a:srgbClr val="020302"/>
+                </a:solidFill>
+                <a:latin typeface="Adobe Clean"/>
+                <a:cs typeface="Adobe Clean"/>
+              </a:rPr>
+              <a:t>rvi</a:t>
+            </a:r>
+            <a:r>
+              <a:rPr sz="1400" b="1" spc="5">
+                <a:solidFill>
+                  <a:srgbClr val="020302"/>
+                </a:solidFill>
+                <a:latin typeface="Adobe Clean"/>
+                <a:cs typeface="Adobe Clean"/>
+              </a:rPr>
+              <a:t>c</a:t>
+            </a:r>
+            <a:r>
+              <a:rPr sz="1400" b="1">
+                <a:solidFill>
+                  <a:srgbClr val="020302"/>
+                </a:solidFill>
+                <a:latin typeface="Adobe Clean"/>
+                <a:cs typeface="Adobe Clean"/>
+              </a:rPr>
+              <a:t>e</a:t>
+            </a:r>
+            <a:r>
+              <a:rPr sz="1400" b="1" spc="-190">
+                <a:solidFill>
+                  <a:srgbClr val="020302"/>
+                </a:solidFill>
+                <a:latin typeface="Adobe Clean"/>
+                <a:cs typeface="Adobe Clean"/>
+              </a:rPr>
+              <a:t> </a:t>
+            </a:r>
+            <a:r>
+              <a:rPr sz="1400" b="1" spc="5">
+                <a:solidFill>
+                  <a:srgbClr val="020302"/>
+                </a:solidFill>
+                <a:latin typeface="Adobe Clean"/>
+                <a:cs typeface="Adobe Clean"/>
+              </a:rPr>
+              <a:t>A</a:t>
+            </a:r>
+            <a:r>
+              <a:rPr sz="1400" b="1" spc="-5">
+                <a:solidFill>
+                  <a:srgbClr val="020302"/>
+                </a:solidFill>
+                <a:latin typeface="Adobe Clean"/>
+                <a:cs typeface="Adobe Clean"/>
+              </a:rPr>
+              <a:t>ct</a:t>
+            </a:r>
+            <a:r>
+              <a:rPr sz="1400" b="1" spc="5">
+                <a:solidFill>
+                  <a:srgbClr val="020302"/>
+                </a:solidFill>
+                <a:latin typeface="Adobe Clean"/>
+                <a:cs typeface="Adobe Clean"/>
+              </a:rPr>
+              <a:t>ivi</a:t>
+            </a:r>
+            <a:r>
+              <a:rPr sz="1400" b="1" spc="-5">
+                <a:solidFill>
+                  <a:srgbClr val="020302"/>
+                </a:solidFill>
+                <a:latin typeface="Adobe Clean"/>
+                <a:cs typeface="Adobe Clean"/>
+              </a:rPr>
+              <a:t>t</a:t>
+            </a:r>
+            <a:r>
+              <a:rPr sz="1400" b="1" spc="5">
+                <a:solidFill>
+                  <a:srgbClr val="020302"/>
+                </a:solidFill>
+                <a:latin typeface="Adobe Clean"/>
+                <a:cs typeface="Adobe Clean"/>
+              </a:rPr>
+              <a:t>i</a:t>
+            </a:r>
+            <a:r>
+              <a:rPr sz="1400" b="1" spc="-5">
+                <a:solidFill>
+                  <a:srgbClr val="020302"/>
+                </a:solidFill>
+                <a:latin typeface="Adobe Clean"/>
+                <a:cs typeface="Adobe Clean"/>
+              </a:rPr>
+              <a:t>es</a:t>
+            </a:r>
+            <a:endParaRPr sz="1400">
+              <a:latin typeface="Adobe Clean"/>
+              <a:cs typeface="Adobe Clean"/>
+            </a:endParaRPr>
           </a:p>
         </p:txBody>
       </p:sp>
@@ -10608,8 +12125,8 @@
         </p:nvSpPr>
         <p:spPr>
           <a:xfrm>
-            <a:off x="914421" y="2342311"/>
-            <a:ext cx="1465521" cy="228268"/>
+            <a:off x="914422" y="2342312"/>
+            <a:ext cx="1242060" cy="238760"/>
           </a:xfrm>
           <a:prstGeom prst="rect">
             <a:avLst/>
@@ -10630,15 +12147,99 @@
               </a:spcBef>
             </a:pPr>
             <a:r>
-              <a:rPr lang="it-IT" sz="1400" b="1" dirty="0">
+              <a:rPr sz="1400" b="1" spc="-25">
                 <a:solidFill>
                   <a:srgbClr val="020302"/>
                 </a:solidFill>
                 <a:latin typeface="Adobe Clean"/>
                 <a:cs typeface="Adobe Clean"/>
               </a:rPr>
-              <a:t>Launch Advisory</a:t>
-            </a:r>
+              <a:t>L</a:t>
+            </a:r>
+            <a:r>
+              <a:rPr sz="1400" b="1" spc="-5">
+                <a:solidFill>
+                  <a:srgbClr val="020302"/>
+                </a:solidFill>
+                <a:latin typeface="Adobe Clean"/>
+                <a:cs typeface="Adobe Clean"/>
+              </a:rPr>
+              <a:t>a</a:t>
+            </a:r>
+            <a:r>
+              <a:rPr sz="1400" b="1" spc="-20">
+                <a:solidFill>
+                  <a:srgbClr val="020302"/>
+                </a:solidFill>
+                <a:latin typeface="Adobe Clean"/>
+                <a:cs typeface="Adobe Clean"/>
+              </a:rPr>
+              <a:t>u</a:t>
+            </a:r>
+            <a:r>
+              <a:rPr sz="1400" b="1" spc="-15">
+                <a:solidFill>
+                  <a:srgbClr val="020302"/>
+                </a:solidFill>
+                <a:latin typeface="Adobe Clean"/>
+                <a:cs typeface="Adobe Clean"/>
+              </a:rPr>
+              <a:t>n</a:t>
+            </a:r>
+            <a:r>
+              <a:rPr sz="1400" b="1" spc="-25">
+                <a:solidFill>
+                  <a:srgbClr val="020302"/>
+                </a:solidFill>
+                <a:latin typeface="Adobe Clean"/>
+                <a:cs typeface="Adobe Clean"/>
+              </a:rPr>
+              <a:t>c</a:t>
+            </a:r>
+            <a:r>
+              <a:rPr sz="1400" b="1">
+                <a:solidFill>
+                  <a:srgbClr val="020302"/>
+                </a:solidFill>
+                <a:latin typeface="Adobe Clean"/>
+                <a:cs typeface="Adobe Clean"/>
+              </a:rPr>
+              <a:t>h</a:t>
+            </a:r>
+            <a:r>
+              <a:rPr sz="1400" b="1" spc="-25">
+                <a:solidFill>
+                  <a:srgbClr val="020302"/>
+                </a:solidFill>
+                <a:latin typeface="Adobe Clean"/>
+                <a:cs typeface="Adobe Clean"/>
+              </a:rPr>
+              <a:t> </a:t>
+            </a:r>
+            <a:r>
+              <a:rPr sz="1400" b="1" spc="-10">
+                <a:solidFill>
+                  <a:srgbClr val="020302"/>
+                </a:solidFill>
+                <a:latin typeface="Adobe Clean"/>
+                <a:cs typeface="Adobe Clean"/>
+              </a:rPr>
+              <a:t>Advisor</a:t>
+            </a:r>
+            <a:r>
+              <a:rPr sz="1400" b="1">
+                <a:solidFill>
+                  <a:srgbClr val="020302"/>
+                </a:solidFill>
+                <a:latin typeface="Adobe Clean"/>
+                <a:cs typeface="Adobe Clean"/>
+              </a:rPr>
+              <a:t>y</a:t>
+            </a:r>
+            <a:endParaRPr sz="1400">
+              <a:latin typeface="Adobe Clean"/>
+              <a:cs typeface="Adobe Clean"/>
+            </a:endParaRPr>
           </a:p>
         </p:txBody>
       </p:sp>
@@ -10651,7 +12252,7 @@
         <p:spPr>
           <a:xfrm>
             <a:off x="242187" y="2787904"/>
-            <a:ext cx="3134821" cy="628377"/>
+            <a:ext cx="3004185" cy="635000"/>
           </a:xfrm>
           <a:prstGeom prst="rect">
             <a:avLst/>
@@ -10672,89 +12273,90 @@
               </a:spcBef>
             </a:pPr>
             <a:r>
-              <a:rPr lang="it-IT" sz="1000" dirty="0">
+              <a:rPr sz="1000">
                 <a:solidFill>
                   <a:srgbClr val="1F1F1F"/>
                 </a:solidFill>
                 <a:latin typeface="AdobeClean-Light"/>
                 <a:cs typeface="AdobeClean-Light"/>
               </a:rPr>
-              <a:t>Per i clienti che implementano una </a:t>
-            </a:r>
-            <a:r>
-              <a:rPr lang="it-IT" sz="1000" b="1" dirty="0">
+              <a:t>For customers implementing a </a:t>
+            </a:r>
+            <a:r>
+              <a:rPr sz="1000" b="1">
                 <a:solidFill>
                   <a:srgbClr val="1F1F1F"/>
                 </a:solidFill>
                 <a:latin typeface="Adobe Clean"/>
                 <a:cs typeface="Adobe Clean"/>
               </a:rPr>
-              <a:t>nuova soluzione Adobe Experience Cloud, </a:t>
-            </a:r>
-            <a:r>
-              <a:rPr lang="it-IT" sz="1000" dirty="0">
+              <a:t>new Adobe Experience Cloud  solution, </a:t>
+            </a:r>
+            <a:r>
+              <a:rPr sz="1000">
                 <a:latin typeface="AdobeClean-Light"/>
                 <a:cs typeface="AdobeClean-Light"/>
               </a:rPr>
               <a:t>Launch Advisory </a:t>
             </a:r>
             <a:r>
-              <a:rPr lang="it-IT" sz="1000" dirty="0">
+              <a:rPr sz="1000">
                 <a:latin typeface="AdobeClean-SemiLight"/>
                 <a:cs typeface="AdobeClean-SemiLight"/>
               </a:rPr>
-              <a:t>offre un </a:t>
-            </a:r>
-            <a:r>
-              <a:rPr lang="it-IT" sz="950" dirty="0">
+              <a:t>is a </a:t>
+            </a:r>
+            <a:r>
+              <a:rPr sz="950">
                 <a:latin typeface="AdobeClean-SemiLight"/>
                 <a:cs typeface="AdobeClean-SemiLight"/>
               </a:rPr>
-              <a:t>set principale </a:t>
-            </a:r>
-            <a:br>
-              <a:rPr lang="sk-SK" sz="950" dirty="0">
+              <a:t>core set of advisory</a:t>
+            </a:r>
+          </a:p>
+          <a:p>
+            <a:pPr marL="12700" marR="86995" indent="-635">
+              <a:lnSpc>
+                <a:spcPct val="100000"/>
+              </a:lnSpc>
+            </a:pPr>
+            <a:r>
+              <a:rPr sz="950">
                 <a:latin typeface="AdobeClean-SemiLight"/>
                 <a:cs typeface="AdobeClean-SemiLight"/>
               </a:rPr>
-            </a:br>
-            <a:r>
-              <a:rPr lang="it-IT" sz="950" dirty="0">
-                <a:latin typeface="AdobeClean-SemiLight"/>
-                <a:cs typeface="AdobeClean-SemiLight"/>
-              </a:rPr>
-              <a:t>di servizi di consulenza </a:t>
-            </a:r>
-            <a:r>
-              <a:rPr lang="it-IT" sz="1000" dirty="0">
+              <a:t>services </a:t>
+            </a:r>
+            <a:r>
+              <a:rPr sz="1000">
                 <a:latin typeface="AdobeClean-Light"/>
                 <a:cs typeface="AdobeClean-Light"/>
               </a:rPr>
-              <a:t>e raccomandazioni consolidate, utili per </a:t>
-            </a:r>
-            <a:r>
-              <a:rPr lang="it-IT" sz="950" dirty="0">
+              <a:t>and recommendations that are proven to </a:t>
+            </a:r>
+            <a:r>
+              <a:rPr sz="950">
                 <a:latin typeface="AdobeClean-Light"/>
                 <a:cs typeface="AdobeClean-Light"/>
               </a:rPr>
-              <a:t>il successo dell’implementazione </a:t>
-            </a:r>
-            <a:r>
-              <a:rPr lang="it-IT" sz="1000" dirty="0">
+              <a:t>support  successful deployments </a:t>
+            </a:r>
+            <a:r>
+              <a:rPr sz="1000">
                 <a:latin typeface="AdobeClean-Light"/>
                 <a:cs typeface="AdobeClean-Light"/>
               </a:rPr>
-              <a:t>e </a:t>
-            </a:r>
-            <a:r>
-              <a:rPr lang="it-IT" sz="950" dirty="0">
+              <a:t>and </a:t>
+            </a:r>
+            <a:r>
+              <a:rPr sz="950">
                 <a:latin typeface="AdobeClean-Light"/>
                 <a:cs typeface="AdobeClean-Light"/>
               </a:rPr>
-              <a:t>per velocizzare il time-to-value</a:t>
-            </a:r>
-            <a:r>
-              <a:rPr lang="it-IT" sz="1000" dirty="0">
+              <a:t>accelerate time-to-value</a:t>
+            </a:r>
+            <a:r>
+              <a:rPr sz="1000">
                 <a:latin typeface="AdobeClean-Light"/>
                 <a:cs typeface="AdobeClean-Light"/>
               </a:rPr>
@@ -10851,7 +12453,7 @@
         <p:spPr>
           <a:xfrm>
             <a:off x="3976901" y="2790952"/>
-            <a:ext cx="3543300" cy="782265"/>
+            <a:ext cx="3543300" cy="628377"/>
           </a:xfrm>
           <a:prstGeom prst="rect">
             <a:avLst/>
@@ -10872,113 +12474,79 @@
               </a:spcBef>
             </a:pPr>
             <a:r>
-              <a:rPr lang="it-IT" sz="1000" dirty="0">
+              <a:rPr sz="1000">
                 <a:solidFill>
                   <a:srgbClr val="4B4B4B"/>
                 </a:solidFill>
                 <a:latin typeface="AdobeClean-Light"/>
                 <a:cs typeface="AdobeClean-Light"/>
               </a:rPr>
-              <a:t>I servizi sul campo sono utilizzati per la </a:t>
-            </a:r>
-            <a:r>
-              <a:rPr lang="it-IT" sz="1000" b="1" dirty="0">
+              <a:t>Field Services are used for </a:t>
+            </a:r>
+            <a:r>
+              <a:rPr sz="1000" b="1">
                 <a:solidFill>
                   <a:srgbClr val="4B4B4B"/>
                 </a:solidFill>
                 <a:latin typeface="Adobe Clean"/>
                 <a:cs typeface="Adobe Clean"/>
               </a:rPr>
-              <a:t>risoluzione rapida</a:t>
-            </a:r>
-            <a:r>
-              <a:rPr lang="it-IT" sz="1000" dirty="0">
+              <a:t>quick resolution</a:t>
+            </a:r>
+            <a:r>
+              <a:rPr sz="1000">
                 <a:solidFill>
                   <a:srgbClr val="4B4B4B"/>
                 </a:solidFill>
                 <a:latin typeface="AdobeClean-Light"/>
                 <a:cs typeface="AdobeClean-Light"/>
               </a:rPr>
-              <a:t> </a:t>
-            </a:r>
-            <a:br>
-              <a:rPr lang="sk-SK" sz="1000" dirty="0">
+              <a:t>, focused customer success  and accelerated </a:t>
+            </a:r>
+            <a:r>
+              <a:rPr sz="1000" b="1">
+                <a:solidFill>
+                  <a:srgbClr val="4B4B4B"/>
+                </a:solidFill>
+                <a:latin typeface="Adobe Clean"/>
+                <a:cs typeface="Adobe Clean"/>
+              </a:rPr>
+              <a:t>time-to-value</a:t>
+            </a:r>
+            <a:r>
+              <a:rPr sz="1000">
                 <a:solidFill>
                   <a:srgbClr val="4B4B4B"/>
                 </a:solidFill>
                 <a:latin typeface="AdobeClean-Light"/>
                 <a:cs typeface="AdobeClean-Light"/>
               </a:rPr>
-            </a:br>
-            <a:r>
-              <a:rPr lang="it-IT" sz="1000" dirty="0">
+              <a:t>. If Launch advisory is active there will be  </a:t>
+            </a:r>
+            <a:r>
+              <a:rPr sz="1000" b="1">
+                <a:solidFill>
+                  <a:srgbClr val="4B4B4B"/>
+                </a:solidFill>
+                <a:latin typeface="Adobe Clean"/>
+                <a:cs typeface="Adobe Clean"/>
+              </a:rPr>
+              <a:t>no Field Services in year 1 </a:t>
+            </a:r>
+            <a:r>
+              <a:rPr sz="1000">
                 <a:solidFill>
                   <a:srgbClr val="4B4B4B"/>
                 </a:solidFill>
                 <a:latin typeface="AdobeClean-Light"/>
                 <a:cs typeface="AdobeClean-Light"/>
               </a:rPr>
-              <a:t>e si incentrano sul successo dei clienti e la velocizzazione </a:t>
-            </a:r>
-            <a:br>
-              <a:rPr lang="sk-SK" sz="1000" dirty="0">
-                <a:solidFill>
-                  <a:srgbClr val="4B4B4B"/>
-                </a:solidFill>
-                <a:latin typeface="AdobeClean-Light"/>
-                <a:cs typeface="AdobeClean-Light"/>
-              </a:rPr>
-            </a:br>
-            <a:r>
-              <a:rPr lang="it-IT" sz="1000" dirty="0">
-                <a:solidFill>
-                  <a:srgbClr val="4B4B4B"/>
-                </a:solidFill>
-                <a:latin typeface="AdobeClean-Light"/>
-                <a:cs typeface="AdobeClean-Light"/>
-              </a:rPr>
-              <a:t>del </a:t>
-            </a:r>
-            <a:r>
-              <a:rPr lang="it-IT" sz="1000" b="1" dirty="0">
-                <a:solidFill>
-                  <a:srgbClr val="4B4B4B"/>
-                </a:solidFill>
-                <a:latin typeface="Adobe Clean"/>
-                <a:cs typeface="Adobe Clean"/>
-              </a:rPr>
-              <a:t>time-to-value</a:t>
-            </a:r>
-            <a:r>
-              <a:rPr lang="it-IT" sz="1000" dirty="0">
-                <a:solidFill>
-                  <a:srgbClr val="4B4B4B"/>
-                </a:solidFill>
-                <a:latin typeface="AdobeClean-Light"/>
-                <a:cs typeface="AdobeClean-Light"/>
-              </a:rPr>
-              <a:t>. Se Launch Advisory è attivo, </a:t>
-            </a:r>
-            <a:r>
-              <a:rPr lang="it-IT" sz="1000" b="1" dirty="0">
-                <a:solidFill>
-                  <a:srgbClr val="4B4B4B"/>
-                </a:solidFill>
-                <a:latin typeface="Adobe Clean"/>
-                <a:cs typeface="Adobe Clean"/>
-              </a:rPr>
-              <a:t>nel primo anno non sono previsti servizi sul campo</a:t>
-            </a:r>
-            <a:r>
-              <a:rPr lang="it-IT" sz="1000" dirty="0">
-                <a:solidFill>
-                  <a:srgbClr val="4B4B4B"/>
-                </a:solidFill>
-                <a:latin typeface="AdobeClean-Light"/>
-                <a:cs typeface="AdobeClean-Light"/>
-              </a:rPr>
-              <a:t> per i prodotti coperti da un contratto di supporto Adobe.</a:t>
-            </a:r>
+              <a:t>for any solution product covered by a  Support contract.</a:t>
+            </a:r>
+            <a:endParaRPr sz="1000">
+              <a:latin typeface="AdobeClean-Light"/>
+              <a:cs typeface="AdobeClean-Light"/>
+            </a:endParaRPr>
           </a:p>
         </p:txBody>
       </p:sp>
@@ -11074,8 +12642,8 @@
         </p:nvSpPr>
         <p:spPr>
           <a:xfrm>
-            <a:off x="263463" y="5348732"/>
-            <a:ext cx="3335019" cy="628377"/>
+            <a:off x="263464" y="5348732"/>
+            <a:ext cx="3114040" cy="482600"/>
           </a:xfrm>
           <a:prstGeom prst="rect">
             <a:avLst/>
@@ -11096,11 +12664,11 @@
               </a:spcBef>
             </a:pPr>
             <a:r>
-              <a:rPr lang="it-IT" sz="1000" dirty="0">
+              <a:rPr sz="1000">
                 <a:latin typeface="AdobeClean-Light"/>
                 <a:cs typeface="AdobeClean-Light"/>
               </a:rPr>
-              <a:t>Launch Advisory si allinea alla pianificazione del progetto del cliente, con obiettivi intermedi comuni (avvio, definizione, progettazione, lancio e post-lancio) per guidare, convalidare, valutare e formulare raccomandazioni.</a:t>
+              <a:t>Launch Advisory will align with your project schedule through  common milestones (Kickoff, Define, Design, Go-live and Post  Launch) to guide, validate, assess and make recommendations.</a:t>
             </a:r>
           </a:p>
         </p:txBody>
@@ -11135,11 +12703,11 @@
               </a:spcBef>
             </a:pPr>
             <a:r>
-              <a:rPr lang="it-IT" sz="1000">
+              <a:rPr sz="1000">
                 <a:latin typeface="AdobeClean-Light"/>
                 <a:cs typeface="AdobeClean-Light"/>
               </a:rPr>
-              <a:t>Il servizio include i seguenti materiali:</a:t>
+              <a:t>Key Deliverables include:</a:t>
             </a:r>
           </a:p>
         </p:txBody>
@@ -11153,7 +12721,7 @@
         <p:spPr>
           <a:xfrm>
             <a:off x="205422" y="6308299"/>
-            <a:ext cx="3335019" cy="592470"/>
+            <a:ext cx="2745105" cy="592470"/>
           </a:xfrm>
           <a:prstGeom prst="rect">
             <a:avLst/>
@@ -11173,12 +12741,12 @@
               <a:buChar char="•"/>
             </a:pPr>
             <a:r>
-              <a:rPr lang="it-IT" sz="1000" dirty="0">
+              <a:rPr lang="en-US" sz="1000">
                 <a:solidFill>
                   <a:prstClr val="black"/>
                 </a:solidFill>
               </a:rPr>
-              <a:t>Piano di lancio (incluso il piano di collaborazione al progetto)</a:t>
+              <a:t>Kickoff (including project collaboration plan) deck</a:t>
             </a:r>
           </a:p>
           <a:p>
@@ -11190,12 +12758,12 @@
               <a:buChar char="•"/>
             </a:pPr>
             <a:r>
-              <a:rPr lang="it-IT" sz="1000" dirty="0">
+              <a:rPr lang="en-US" sz="1000">
                 <a:solidFill>
                   <a:prstClr val="black"/>
                 </a:solidFill>
               </a:rPr>
-              <a:t>Documentazione relativa a valutazione e raccomandazioni</a:t>
+              <a:t>Assessment &amp; recommendations document(s)</a:t>
             </a:r>
           </a:p>
           <a:p>
@@ -11207,12 +12775,12 @@
               <a:buChar char="•"/>
             </a:pPr>
             <a:r>
-              <a:rPr lang="it-IT" sz="1000" dirty="0">
+              <a:rPr lang="en-US" sz="1000">
                 <a:solidFill>
                   <a:prstClr val="black"/>
                 </a:solidFill>
               </a:rPr>
-              <a:t>Riepilogo dell’ambito delle attività di consulenza</a:t>
+              <a:t>Engagement summary</a:t>
             </a:r>
           </a:p>
         </p:txBody>
@@ -11247,15 +12815,19 @@
               </a:spcBef>
             </a:pPr>
             <a:r>
-              <a:rPr lang="it-IT" sz="1600" dirty="0">
+              <a:rPr sz="1600">
                 <a:solidFill>
                   <a:srgbClr val="FFFFFF"/>
                 </a:solidFill>
                 <a:latin typeface="Arial"/>
                 <a:cs typeface="Arial"/>
               </a:rPr>
-              <a:t>Implementazione</a:t>
-            </a:r>
+              <a:t>Implementation</a:t>
+            </a:r>
+            <a:endParaRPr sz="1600">
+              <a:latin typeface="Arial"/>
+              <a:cs typeface="Arial"/>
+            </a:endParaRPr>
           </a:p>
           <a:p>
             <a:pPr marL="12700" marR="5080">
@@ -11267,71 +12839,32 @@
               </a:spcBef>
             </a:pPr>
             <a:r>
-              <a:rPr lang="it-IT" sz="1000" dirty="0">
+              <a:rPr sz="1000">
                 <a:latin typeface="AdobeClean-Light"/>
                 <a:cs typeface="AdobeClean-Light"/>
               </a:rPr>
-              <a:t>Gli esperti delle soluzioni Adobe aiutano a convalidare </a:t>
-            </a:r>
-            <a:br>
-              <a:rPr lang="sk-SK" sz="1000" dirty="0">
-                <a:latin typeface="AdobeClean-Light"/>
-                <a:cs typeface="AdobeClean-Light"/>
-              </a:rPr>
-            </a:br>
-            <a:r>
-              <a:rPr lang="it-IT" sz="1000" dirty="0">
-                <a:latin typeface="AdobeClean-Light"/>
-                <a:cs typeface="AdobeClean-Light"/>
-              </a:rPr>
-              <a:t>i requisiti, l’architettura, il processo di sviluppo e lo stato </a:t>
-            </a:r>
-            <a:br>
-              <a:rPr lang="sk-SK" sz="1000" dirty="0">
-                <a:latin typeface="AdobeClean-Light"/>
-                <a:cs typeface="AdobeClean-Light"/>
-              </a:rPr>
-            </a:br>
-            <a:r>
-              <a:rPr lang="it-IT" sz="1000" dirty="0">
-                <a:latin typeface="AdobeClean-Light"/>
-                <a:cs typeface="AdobeClean-Light"/>
-              </a:rPr>
-              <a:t>di preparazione, </a:t>
-            </a:r>
-            <a:r>
-              <a:rPr lang="it-IT" sz="1000" dirty="0">
+              <a:t>Adobe solution experts help validate requirements, architecture,  development process, and launch readiness reviews </a:t>
+            </a:r>
+            <a:r>
+              <a:rPr sz="1000">
                 <a:latin typeface="AdobeClean-SemiLight"/>
                 <a:cs typeface="AdobeClean-SemiLight"/>
               </a:rPr>
-              <a:t>con </a:t>
-            </a:r>
-            <a:r>
-              <a:rPr lang="it-IT" sz="950" dirty="0">
+              <a:t>with </a:t>
+            </a:r>
+            <a:r>
+              <a:rPr sz="950">
                 <a:latin typeface="AdobeClean-SemiLight"/>
                 <a:cs typeface="AdobeClean-SemiLight"/>
               </a:rPr>
-              <a:t>indicazioni basate su best practice </a:t>
-            </a:r>
-            <a:r>
-              <a:rPr lang="it-IT" sz="1000" dirty="0">
+              <a:t>best  practice-based guidance </a:t>
+            </a:r>
+            <a:r>
+              <a:rPr sz="1000">
                 <a:latin typeface="AdobeClean-SemiLight"/>
                 <a:cs typeface="AdobeClean-SemiLight"/>
               </a:rPr>
-              <a:t>rivolte </a:t>
-            </a:r>
-            <a:br>
-              <a:rPr lang="sk-SK" sz="1000" dirty="0">
-                <a:latin typeface="AdobeClean-SemiLight"/>
-                <a:cs typeface="AdobeClean-SemiLight"/>
-              </a:rPr>
-            </a:br>
-            <a:r>
-              <a:rPr lang="it-IT" sz="1000" dirty="0">
-                <a:latin typeface="AdobeClean-SemiLight"/>
-                <a:cs typeface="AdobeClean-SemiLight"/>
-              </a:rPr>
-              <a:t>ai clienti e ai partner di implementazione.</a:t>
+              <a:t>to customers and implementation  partners.</a:t>
             </a:r>
           </a:p>
         </p:txBody>
@@ -11343,20 +12876,15 @@
           <p:nvPr/>
         </p:nvPicPr>
         <p:blipFill>
-          <a:blip r:embed="rId3">
-            <a:extLst>
-              <a:ext uri="{28A0092B-C50C-407E-A947-70E740481C1C}">
-                <a14:useLocalDpi xmlns:a14="http://schemas.microsoft.com/office/drawing/2010/main" val="0"/>
-              </a:ext>
-            </a:extLst>
-          </a:blip>
-          <a:srcRect/>
-          <a:stretch/>
+          <a:blip r:embed="rId3" cstate="print"/>
+          <a:stretch>
+            <a:fillRect/>
+          </a:stretch>
         </p:blipFill>
         <p:spPr>
           <a:xfrm>
-            <a:off x="363328" y="6932449"/>
-            <a:ext cx="3053821" cy="2815984"/>
+            <a:off x="363328" y="6930985"/>
+            <a:ext cx="3053821" cy="2818913"/>
           </a:xfrm>
           <a:prstGeom prst="rect">
             <a:avLst/>
@@ -11371,8 +12899,8 @@
         </p:nvSpPr>
         <p:spPr>
           <a:xfrm>
-            <a:off x="3947345" y="5363972"/>
-            <a:ext cx="3572855" cy="659765"/>
+            <a:off x="3947346" y="5363972"/>
+            <a:ext cx="3335020" cy="659765"/>
           </a:xfrm>
           <a:prstGeom prst="rect">
             <a:avLst/>
@@ -11393,19 +12921,30 @@
               </a:spcBef>
             </a:pPr>
             <a:r>
-              <a:rPr lang="it-IT" sz="1000" b="1" dirty="0">
+              <a:rPr sz="1000" b="1">
                 <a:latin typeface="Arial"/>
                 <a:cs typeface="Arial"/>
               </a:rPr>
-              <a:t>Le attività tecniche</a:t>
-            </a:r>
-            <a:r>
-              <a:rPr lang="it-IT" sz="1000" dirty="0">
+              <a:t>Technical Track Activities </a:t>
+            </a:r>
+            <a:r>
+              <a:rPr sz="1000">
                 <a:latin typeface="AdobeClean-Light"/>
                 <a:cs typeface="AdobeClean-Light"/>
               </a:rPr>
-              <a:t> supportano le competenze tecniche del clienti e sono volte a massimizzare l’adozione degli strumenti. In particolare, includono supporto e raccomandazioni in merito a configurazioni della piattaforma, integrazioni e risoluzione di problemi</a:t>
-            </a:r>
+              <a:t>ensure customers are technically sound  and maximizing their tool adoption. Specifically, these types of  activities include support and recommendations related to platform  configurations, integrations and troubleshooting</a:t>
+            </a:r>
+            <a:r>
+              <a:rPr lang="en-US" sz="1000">
+                <a:latin typeface="AdobeClean-Light"/>
+                <a:cs typeface="AdobeClean-Light"/>
+              </a:rPr>
+              <a:t>.</a:t>
+            </a:r>
+            <a:endParaRPr sz="1000">
+              <a:latin typeface="AdobeClean-Light"/>
+              <a:cs typeface="AdobeClean-Light"/>
+            </a:endParaRPr>
           </a:p>
         </p:txBody>
       </p:sp>
@@ -11418,7 +12957,7 @@
         <p:spPr>
           <a:xfrm>
             <a:off x="3947346" y="6174740"/>
-            <a:ext cx="3053820" cy="1436291"/>
+            <a:ext cx="2099310" cy="1436291"/>
           </a:xfrm>
           <a:prstGeom prst="rect">
             <a:avLst/>
@@ -11439,11 +12978,11 @@
               </a:spcBef>
             </a:pPr>
             <a:r>
-              <a:rPr lang="it-IT" sz="1000" dirty="0">
+              <a:rPr sz="1000">
                 <a:latin typeface="AdobeClean-Light"/>
                 <a:cs typeface="AdobeClean-Light"/>
               </a:rPr>
-              <a:t>Attività tecniche disponibili:</a:t>
+              <a:t>Types of technical activities available::</a:t>
             </a:r>
           </a:p>
           <a:p>
@@ -11458,12 +12997,12 @@
               <a:buChar char="ü"/>
             </a:pPr>
             <a:r>
-              <a:rPr lang="it-IT" sz="1000" dirty="0">
+              <a:rPr lang="en-US" sz="1000">
                 <a:solidFill>
                   <a:prstClr val="black"/>
                 </a:solidFill>
               </a:rPr>
-              <a:t>Audit sullo stato del sistema</a:t>
+              <a:t>Health audit</a:t>
             </a:r>
           </a:p>
           <a:p>
@@ -11478,12 +13017,12 @@
               <a:buChar char="ü"/>
             </a:pPr>
             <a:r>
-              <a:rPr lang="it-IT" sz="1000" dirty="0">
+              <a:rPr lang="en-US" sz="1000">
                 <a:solidFill>
                   <a:prstClr val="black"/>
                 </a:solidFill>
               </a:rPr>
-              <a:t>Audit della piattaforma</a:t>
+              <a:t>Platform audit</a:t>
             </a:r>
           </a:p>
           <a:p>
@@ -11498,12 +13037,12 @@
               <a:buChar char="ü"/>
             </a:pPr>
             <a:r>
-              <a:rPr lang="it-IT" sz="1000" dirty="0">
+              <a:rPr lang="en-US" sz="1000">
                 <a:solidFill>
                   <a:prstClr val="black"/>
                 </a:solidFill>
               </a:rPr>
-              <a:t>Abilitazione del set di funzioni</a:t>
+              <a:t>Feature set enablement</a:t>
             </a:r>
           </a:p>
           <a:p>
@@ -11518,12 +13057,12 @@
               <a:buChar char="ü"/>
             </a:pPr>
             <a:r>
-              <a:rPr lang="it-IT" sz="1000" dirty="0">
+              <a:rPr lang="en-US" sz="1000">
                 <a:solidFill>
                   <a:prstClr val="black"/>
                 </a:solidFill>
               </a:rPr>
-              <a:t>Integrazioni e configurazioni di base</a:t>
+              <a:t>Basic integrations and configurations</a:t>
             </a:r>
           </a:p>
           <a:p>
@@ -11538,12 +13077,12 @@
               <a:buChar char="ü"/>
             </a:pPr>
             <a:r>
-              <a:rPr lang="it-IT" sz="1000" dirty="0">
+              <a:rPr lang="en-US" sz="1000">
                 <a:solidFill>
                   <a:prstClr val="black"/>
                 </a:solidFill>
               </a:rPr>
-              <a:t>Risoluzione di problemi inerenti la soluzione del cliente</a:t>
+              <a:t>Customer solution troubleshooting</a:t>
             </a:r>
           </a:p>
           <a:p>
@@ -11558,12 +13097,12 @@
               <a:buChar char="ü"/>
             </a:pPr>
             <a:r>
-              <a:rPr lang="it-IT" sz="1000" dirty="0">
+              <a:rPr lang="en-US" sz="1000">
                 <a:solidFill>
                   <a:prstClr val="black"/>
                 </a:solidFill>
               </a:rPr>
-              <a:t>Supporto dei servizi cloud</a:t>
+              <a:t>Cloud service support</a:t>
             </a:r>
           </a:p>
         </p:txBody>
@@ -11577,7 +13116,7 @@
         <p:spPr>
           <a:xfrm>
             <a:off x="3942774" y="7717028"/>
-            <a:ext cx="3466298" cy="1989006"/>
+            <a:ext cx="3208655" cy="1989006"/>
           </a:xfrm>
           <a:prstGeom prst="rect">
             <a:avLst/>
@@ -11598,31 +13137,18 @@
               </a:spcBef>
             </a:pPr>
             <a:r>
-              <a:rPr lang="it-IT" sz="1000" b="1" dirty="0">
+              <a:rPr sz="1000" b="1">
                 <a:latin typeface="Arial"/>
                 <a:cs typeface="Arial"/>
               </a:rPr>
-              <a:t>Le attività strategiche</a:t>
-            </a:r>
-            <a:r>
-              <a:rPr lang="it-IT" sz="1000" dirty="0">
+              <a:t>Strategic Track Activities </a:t>
+            </a:r>
+            <a:r>
+              <a:rPr sz="1000">
                 <a:latin typeface="AdobeClean-Light"/>
                 <a:cs typeface="AdobeClean-Light"/>
               </a:rPr>
-              <a:t> rilevano le opportunità che consentono </a:t>
-            </a:r>
-            <a:br>
-              <a:rPr lang="sk-SK" sz="1000" dirty="0">
-                <a:latin typeface="AdobeClean-Light"/>
-                <a:cs typeface="AdobeClean-Light"/>
-              </a:rPr>
-            </a:br>
-            <a:r>
-              <a:rPr lang="it-IT" sz="1000" dirty="0">
-                <a:latin typeface="AdobeClean-Light"/>
-                <a:cs typeface="AdobeClean-Light"/>
-              </a:rPr>
-              <a:t>di trarre maggior valore dalle soluzioni Adobe del cliente. Includono raccomandazioni di supporto relative a strategia, misurazione e livello di preparazione per favorire la realizzazione di valore tramite una o più soluzioni Adobe.</a:t>
+              <a:t>locate opportunities to ensure value is  being realized from a customer’s Adobe solutions. They include  support recommendations related to strategy, measurement and  maturity to drive value realization across one or more Adobe  solutions.</a:t>
             </a:r>
           </a:p>
           <a:p>
@@ -11634,7 +13160,7 @@
                 <a:spcPts val="40"/>
               </a:spcBef>
             </a:pPr>
-            <a:endParaRPr sz="1100" dirty="0">
+            <a:endParaRPr sz="1100">
               <a:latin typeface="AdobeClean-Light"/>
               <a:cs typeface="AdobeClean-Light"/>
             </a:endParaRPr>
@@ -11646,11 +13172,11 @@
               </a:lnSpc>
             </a:pPr>
             <a:r>
-              <a:rPr lang="it-IT" sz="1000" dirty="0">
+              <a:rPr sz="1000">
                 <a:latin typeface="AdobeClean-Light"/>
                 <a:cs typeface="AdobeClean-Light"/>
               </a:rPr>
-              <a:t>Attività strategiche disponibili:</a:t>
+              <a:t>Types of strategic activities available::</a:t>
             </a:r>
           </a:p>
           <a:p>
@@ -11665,12 +13191,12 @@
               <a:buChar char="ü"/>
             </a:pPr>
             <a:r>
-              <a:rPr lang="it-IT" sz="1000" dirty="0">
+              <a:rPr lang="en-US" sz="1000">
                 <a:solidFill>
                   <a:prstClr val="black"/>
                 </a:solidFill>
               </a:rPr>
-              <a:t>Roadmap sul livello di preparazione</a:t>
+              <a:t>Maturity Roadmap</a:t>
             </a:r>
           </a:p>
           <a:p>
@@ -11685,12 +13211,12 @@
               <a:buChar char="ü"/>
             </a:pPr>
             <a:r>
-              <a:rPr lang="it-IT" sz="1000" dirty="0">
+              <a:rPr lang="en-US" sz="1000">
                 <a:solidFill>
                   <a:prstClr val="black"/>
                 </a:solidFill>
               </a:rPr>
-              <a:t>Sviluppo e misurazione di casi d’uso</a:t>
+              <a:t>Use case development/measurement</a:t>
             </a:r>
           </a:p>
           <a:p>
@@ -11705,12 +13231,12 @@
               <a:buChar char="ü"/>
             </a:pPr>
             <a:r>
-              <a:rPr lang="it-IT" sz="1000" dirty="0">
+              <a:rPr lang="en-US" sz="1000">
                 <a:solidFill>
                   <a:prstClr val="black"/>
                 </a:solidFill>
               </a:rPr>
-              <a:t>Reporting e analisi</a:t>
+              <a:t>Reporting &amp; analysis</a:t>
             </a:r>
           </a:p>
           <a:p>
@@ -11725,12 +13251,12 @@
               <a:buChar char="ü"/>
             </a:pPr>
             <a:r>
-              <a:rPr lang="it-IT" sz="1000" dirty="0">
+              <a:rPr lang="en-US" sz="1000">
                 <a:solidFill>
                   <a:prstClr val="black"/>
                 </a:solidFill>
               </a:rPr>
-              <a:t>Abilitazione delle best practice</a:t>
+              <a:t>Best practices enablement</a:t>
             </a:r>
           </a:p>
         </p:txBody>
@@ -11751,7 +13277,7 @@
           </a:prstGeom>
         </p:spPr>
         <p:txBody>
-          <a:bodyPr vert="horz" wrap="square" lIns="0" tIns="12700" rIns="0" bIns="0" rtlCol="0">
+          <a:bodyPr vert="horz" wrap="square" lIns="0" tIns="12700" rIns="0" bIns="0" rtlCol="0" anchor="t">
             <a:spAutoFit/>
           </a:bodyPr>
           <a:lstStyle/>
@@ -11765,37 +13291,78 @@
               </a:spcBef>
             </a:pPr>
             <a:r>
-              <a:rPr lang="it-IT" sz="1600">
+              <a:rPr sz="1600">
                 <a:solidFill>
                   <a:srgbClr val="FFFFFF"/>
                 </a:solidFill>
                 <a:latin typeface="Arial"/>
                 <a:cs typeface="Arial"/>
               </a:rPr>
-              <a:t>Esecuzione e utilizzo</a:t>
-            </a:r>
+              <a:t>Run &amp; Operate</a:t>
+            </a:r>
+            <a:endParaRPr sz="1600">
+              <a:latin typeface="Arial"/>
+              <a:cs typeface="Arial"/>
+            </a:endParaRPr>
           </a:p>
           <a:p>
             <a:pPr marL="12700">
-              <a:lnSpc>
-                <a:spcPct val="100000"/>
-              </a:lnSpc>
               <a:spcBef>
                 <a:spcPts val="1595"/>
               </a:spcBef>
             </a:pPr>
             <a:r>
-              <a:rPr lang="it-IT" sz="1000">
+              <a:rPr sz="1000">
                 <a:solidFill>
                   <a:srgbClr val="1F1F1F"/>
                 </a:solidFill>
                 <a:latin typeface="Adobe Clean"/>
                 <a:cs typeface="Adobe Clean"/>
               </a:rPr>
-              <a:t>I clienti Elite hanno diritto a </a:t>
-            </a:r>
-            <a:r>
-              <a:rPr lang="it-IT" sz="1200" u="sng">
+              <a:t>As an </a:t>
+            </a:r>
+            <a:r>
+              <a:rPr lang="en-US" sz="1000">
+                <a:solidFill>
+                  <a:srgbClr val="1F1F1F"/>
+                </a:solidFill>
+                <a:latin typeface="Adobe Clean"/>
+                <a:cs typeface="Adobe Clean"/>
+              </a:rPr>
+              <a:t>Elite</a:t>
+            </a:r>
+            <a:r>
+              <a:rPr sz="1000">
+                <a:solidFill>
+                  <a:srgbClr val="1F1F1F"/>
+                </a:solidFill>
+                <a:latin typeface="Adobe Clean"/>
+                <a:cs typeface="Adobe Clean"/>
+              </a:rPr>
+              <a:t> customer, you are</a:t>
+            </a:r>
+            <a:r>
+              <a:rPr lang="en-US" sz="1000">
+                <a:solidFill>
+                  <a:srgbClr val="1F1F1F"/>
+                </a:solidFill>
+                <a:latin typeface="Adobe Clean"/>
+                <a:cs typeface="Adobe Clean"/>
+              </a:rPr>
+              <a:t> </a:t>
+            </a:r>
+            <a:r>
+              <a:rPr sz="1000">
+                <a:solidFill>
+                  <a:srgbClr val="1F1F1F"/>
+                </a:solidFill>
+                <a:latin typeface="Adobe Clean"/>
+                <a:cs typeface="Adobe Clean"/>
+              </a:rPr>
+              <a:t> eligible for</a:t>
+            </a:r>
+            <a:r>
+              <a:rPr lang="en-US" sz="1200">
                 <a:solidFill>
                   <a:srgbClr val="1F1F1F"/>
                 </a:solidFill>
@@ -11807,10 +13374,25 @@
                 <a:latin typeface="Times New Roman"/>
                 <a:cs typeface="Times New Roman"/>
               </a:rPr>
+              <a:t> </a:t>
+            </a:r>
+            <a:r>
+              <a:rPr lang="en-US" sz="1200" u="sng">
+                <a:solidFill>
+                  <a:srgbClr val="1F1F1F"/>
+                </a:solidFill>
+                <a:uFill>
+                  <a:solidFill>
+                    <a:srgbClr val="1F1F1F"/>
+                  </a:solidFill>
+                </a:uFill>
+                <a:latin typeface="Times New Roman"/>
+                <a:cs typeface="Times New Roman"/>
+              </a:rPr>
               <a:t>4</a:t>
             </a:r>
             <a:r>
-              <a:rPr lang="it-IT" sz="1200" b="1">
+              <a:rPr sz="1200" b="1">
                 <a:solidFill>
                   <a:srgbClr val="1F1F1F"/>
                 </a:solidFill>
@@ -11820,75 +13402,89 @@
               <a:t> </a:t>
             </a:r>
             <a:r>
-              <a:rPr lang="it-IT" sz="1000" b="1">
+              <a:rPr sz="1000" b="1">
                 <a:solidFill>
                   <a:srgbClr val="1F1F1F"/>
                 </a:solidFill>
                 <a:latin typeface="Arial"/>
                 <a:cs typeface="Arial"/>
               </a:rPr>
-              <a:t>attività all’anno</a:t>
-            </a:r>
-          </a:p>
-          <a:p>
-            <a:pPr marL="12700">
-              <a:lnSpc>
-                <a:spcPct val="100000"/>
-              </a:lnSpc>
-              <a:spcBef>
-                <a:spcPts val="55"/>
-              </a:spcBef>
-            </a:pPr>
-            <a:r>
-              <a:rPr lang="it-IT" sz="1000">
-                <a:solidFill>
-                  <a:srgbClr val="1F1F1F"/>
-                </a:solidFill>
-                <a:latin typeface="Adobe Clean"/>
-                <a:cs typeface="Adobe Clean"/>
-              </a:rPr>
-              <a:t>di tipo </a:t>
-            </a:r>
-            <a:r>
-              <a:rPr lang="it-IT" sz="1000" b="1">
+              <a:t>activities per </a:t>
+            </a:r>
+            <a:r>
+              <a:rPr lang="en-US" sz="1000" b="1">
                 <a:solidFill>
                   <a:srgbClr val="1F1F1F"/>
                 </a:solidFill>
                 <a:latin typeface="Arial"/>
                 <a:cs typeface="Arial"/>
               </a:rPr>
-              <a:t>tecnico </a:t>
-            </a:r>
-            <a:r>
-              <a:rPr lang="it-IT" sz="1000">
+              <a:t>year </a:t>
+            </a:r>
+            <a:r>
+              <a:rPr lang="en-US" sz="1000">
                 <a:solidFill>
                   <a:srgbClr val="1F1F1F"/>
                 </a:solidFill>
                 <a:latin typeface="Adobe Clean"/>
-                <a:cs typeface="Adobe Clean"/>
-              </a:rPr>
-              <a:t>e/o </a:t>
-            </a:r>
-            <a:r>
-              <a:rPr lang="it-IT" sz="1000" b="1">
+                <a:cs typeface="Arial"/>
+              </a:rPr>
+              <a:t>from</a:t>
+            </a:r>
+            <a:r>
+              <a:rPr sz="1000">
+                <a:solidFill>
+                  <a:srgbClr val="1F1F1F"/>
+                </a:solidFill>
+                <a:latin typeface="Adobe Clean"/>
+                <a:cs typeface="Adobe Clean"/>
+              </a:rPr>
+              <a:t> the following two tracks: </a:t>
+            </a:r>
+            <a:r>
+              <a:rPr sz="1000" b="1">
                 <a:solidFill>
                   <a:srgbClr val="1F1F1F"/>
                 </a:solidFill>
                 <a:latin typeface="Arial"/>
                 <a:cs typeface="Arial"/>
               </a:rPr>
-              <a:t>strategico</a:t>
-            </a:r>
-            <a:r>
-              <a:rPr lang="it-IT" sz="1000">
+              <a:t>Technical </a:t>
+            </a:r>
+            <a:r>
+              <a:rPr sz="1000">
                 <a:solidFill>
                   <a:srgbClr val="1F1F1F"/>
                 </a:solidFill>
+                <a:latin typeface="Adobe Clean"/>
+                <a:cs typeface="Adobe Clean"/>
+              </a:rPr>
+              <a:t>and/or </a:t>
+            </a:r>
+            <a:r>
+              <a:rPr sz="1000" b="1">
+                <a:solidFill>
+                  <a:srgbClr val="1F1F1F"/>
+                </a:solidFill>
+                <a:latin typeface="Arial"/>
+                <a:cs typeface="Arial"/>
+              </a:rPr>
+              <a:t>Strategic</a:t>
+            </a:r>
+            <a:r>
+              <a:rPr lang="en-US" sz="1000" b="1">
+                <a:solidFill>
+                  <a:srgbClr val="1F1F1F"/>
+                </a:solidFill>
                 <a:latin typeface="AdobeClean-Light"/>
-                <a:cs typeface="AdobeClean-Light"/>
+                <a:cs typeface="Arial"/>
               </a:rPr>
               <a:t>.</a:t>
             </a:r>
+            <a:endParaRPr sz="1000">
+              <a:latin typeface="AdobeClean-Light"/>
+              <a:cs typeface="AdobeClean-Light"/>
+            </a:endParaRPr>
           </a:p>
         </p:txBody>
       </p:sp>
@@ -11901,7 +13497,7 @@
         <p:spPr>
           <a:xfrm>
             <a:off x="923023" y="538480"/>
-            <a:ext cx="2862083" cy="228268"/>
+            <a:ext cx="2323349" cy="228268"/>
           </a:xfrm>
           <a:prstGeom prst="rect">
             <a:avLst/>
@@ -11922,15 +13518,69 @@
               </a:spcBef>
             </a:pPr>
             <a:r>
-              <a:rPr lang="it-IT" sz="1400" b="1">
+              <a:rPr sz="1400" b="1" spc="-15">
                 <a:solidFill>
                   <a:srgbClr val="020302"/>
                 </a:solidFill>
                 <a:latin typeface="Adobe Clean"/>
                 <a:cs typeface="Adobe Clean"/>
               </a:rPr>
-              <a:t>Attività di supporto cloud - AEM</a:t>
-            </a:r>
+              <a:t>Cloud</a:t>
+            </a:r>
+            <a:r>
+              <a:rPr sz="1400" b="1" spc="-45">
+                <a:solidFill>
+                  <a:srgbClr val="020302"/>
+                </a:solidFill>
+                <a:latin typeface="Adobe Clean"/>
+                <a:cs typeface="Adobe Clean"/>
+              </a:rPr>
+              <a:t> </a:t>
+            </a:r>
+            <a:r>
+              <a:rPr sz="1400" b="1" spc="-15">
+                <a:solidFill>
+                  <a:srgbClr val="020302"/>
+                </a:solidFill>
+                <a:latin typeface="Adobe Clean"/>
+                <a:cs typeface="Adobe Clean"/>
+              </a:rPr>
+              <a:t>Support</a:t>
+            </a:r>
+            <a:r>
+              <a:rPr sz="1400" b="1" spc="-50">
+                <a:solidFill>
+                  <a:srgbClr val="020302"/>
+                </a:solidFill>
+                <a:latin typeface="Adobe Clean"/>
+                <a:cs typeface="Adobe Clean"/>
+              </a:rPr>
+              <a:t> </a:t>
+            </a:r>
+            <a:r>
+              <a:rPr sz="1400" b="1" spc="-15">
+                <a:solidFill>
+                  <a:srgbClr val="020302"/>
+                </a:solidFill>
+                <a:latin typeface="Adobe Clean"/>
+                <a:cs typeface="Adobe Clean"/>
+              </a:rPr>
+              <a:t>Activities</a:t>
+            </a:r>
+            <a:r>
+              <a:rPr lang="en-US" sz="1400" b="1" spc="-15">
+                <a:solidFill>
+                  <a:srgbClr val="020302"/>
+                </a:solidFill>
+                <a:latin typeface="Adobe Clean"/>
+                <a:cs typeface="Adobe Clean"/>
+              </a:rPr>
+              <a:t> - AEM</a:t>
+            </a:r>
+            <a:endParaRPr sz="1400">
+              <a:latin typeface="Adobe Clean"/>
+              <a:cs typeface="Adobe Clean"/>
+            </a:endParaRPr>
           </a:p>
         </p:txBody>
       </p:sp>
@@ -11943,7 +13593,7 @@
         <p:spPr>
           <a:xfrm>
             <a:off x="924894" y="814263"/>
-            <a:ext cx="2406393" cy="45719"/>
+            <a:ext cx="2321477" cy="45719"/>
           </a:xfrm>
           <a:custGeom>
             <a:avLst/>
@@ -12046,10 +13696,6 @@
           </p:nvPr>
         </p:nvSpPr>
         <p:spPr>
-          <a:xfrm>
-            <a:off x="97787" y="9861194"/>
-            <a:ext cx="2964353" cy="133370"/>
-          </a:xfrm>
           <a:prstGeom prst="rect">
             <a:avLst/>
           </a:prstGeom>
@@ -12069,8 +13715,36 @@
               </a:spcBef>
             </a:pPr>
             <a:r>
-              <a:rPr lang="it-IT" dirty="0"/>
-              <a:t>©2021 Adobe. All Rights Reserved. Adobe Confidential.</a:t>
+              <a:rPr spc="-5"/>
+              <a:t>©2021 Adobe. All</a:t>
+            </a:r>
+            <a:r>
+              <a:rPr spc="-15"/>
+              <a:t> Rights</a:t>
+            </a:r>
+            <a:r>
+              <a:rPr spc="-10"/>
+              <a:t> </a:t>
+            </a:r>
+            <a:r>
+              <a:rPr spc="-15"/>
+              <a:t>Reserved.</a:t>
+            </a:r>
+            <a:r>
+              <a:rPr spc="-10"/>
+              <a:t> </a:t>
+            </a:r>
+            <a:r>
+              <a:rPr spc="-5"/>
+              <a:t>Adobe</a:t>
+            </a:r>
+            <a:r>
+              <a:rPr spc="60"/>
+              <a:t> </a:t>
+            </a:r>
+            <a:r>
+              <a:rPr spc="-15"/>
+              <a:t>Confidential.</a:t>
             </a:r>
           </a:p>
         </p:txBody>
@@ -12126,8 +13800,8 @@
           <a:p>
             <a:pPr algn="ctr"/>
             <a:r>
-              <a:rPr lang="it-IT" sz="1600"/>
-              <a:t>Esecuzione e utilizzo</a:t>
+              <a:rPr lang="en-US" sz="1600"/>
+              <a:t>Run &amp; Operate</a:t>
             </a:r>
           </a:p>
         </p:txBody>
@@ -12183,8 +13857,8 @@
           <a:p>
             <a:pPr algn="ctr"/>
             <a:r>
-              <a:rPr lang="it-IT" sz="1600"/>
-              <a:t>Implementazione</a:t>
+              <a:rPr lang="en-US" sz="1600"/>
+              <a:t>Implementation</a:t>
             </a:r>
           </a:p>
         </p:txBody>
@@ -12219,8 +13893,8 @@
           <a:p>
             <a:pPr algn="ctr"/>
             <a:r>
-              <a:rPr lang="it-IT" sz="1100"/>
-              <a:t>Post-lancio</a:t>
+              <a:rPr lang="en-US" sz="1100"/>
+              <a:t>Post Launch</a:t>
             </a:r>
           </a:p>
         </p:txBody>
@@ -12255,8 +13929,8 @@
           <a:p>
             <a:pPr algn="ctr"/>
             <a:r>
-              <a:rPr lang="it-IT" sz="1100"/>
-              <a:t>Lancio</a:t>
+              <a:rPr lang="en-US" sz="1100"/>
+              <a:t>Go-Live</a:t>
             </a:r>
           </a:p>
         </p:txBody>
@@ -12291,8 +13965,8 @@
           <a:p>
             <a:pPr algn="ctr"/>
             <a:r>
-              <a:rPr lang="it-IT" sz="1100"/>
-              <a:t>Definizione</a:t>
+              <a:rPr lang="en-US" sz="1100"/>
+              <a:t>Define</a:t>
             </a:r>
           </a:p>
         </p:txBody>
@@ -12327,8 +14001,8 @@
           <a:p>
             <a:pPr algn="ctr"/>
             <a:r>
-              <a:rPr lang="it-IT" sz="1100"/>
-              <a:t>Avvio</a:t>
+              <a:rPr lang="en-US" sz="1100"/>
+              <a:t>Kickoff</a:t>
             </a:r>
           </a:p>
         </p:txBody>
@@ -12347,7 +14021,7 @@
         </p:nvSpPr>
         <p:spPr>
           <a:xfrm>
-            <a:off x="1558548" y="3505200"/>
+            <a:off x="1558548" y="3589913"/>
             <a:ext cx="826006" cy="261610"/>
           </a:xfrm>
           <a:prstGeom prst="rect">
@@ -12363,8 +14037,8 @@
           <a:p>
             <a:pPr algn="ctr"/>
             <a:r>
-              <a:rPr lang="it-IT" sz="1100" dirty="0"/>
-              <a:t>Progettazione</a:t>
+              <a:rPr lang="en-US" sz="1100"/>
+              <a:t>Design</a:t>
             </a:r>
           </a:p>
         </p:txBody>
@@ -12421,14 +14095,14 @@
           <a:p>
             <a:pPr algn="ctr"/>
             <a:r>
-              <a:rPr lang="it-IT" sz="1400">
+              <a:rPr lang="en-US" sz="1400">
                 <a:solidFill>
                   <a:schemeClr val="accent1">
                     <a:lumMod val="50000"/>
                   </a:schemeClr>
                 </a:solidFill>
               </a:rPr>
-              <a:t>4 attività all’anno</a:t>
+              <a:t>4 Activities per Year</a:t>
             </a:r>
           </a:p>
         </p:txBody>
@@ -12447,7 +14121,7 @@
         </p:nvSpPr>
         <p:spPr>
           <a:xfrm>
-            <a:off x="5265661" y="1596978"/>
+            <a:off x="5265661" y="1471646"/>
             <a:ext cx="2194560" cy="536622"/>
           </a:xfrm>
           <a:prstGeom prst="rect">
@@ -12469,14 +14143,20 @@
               </a:spcBef>
             </a:pPr>
             <a:r>
-              <a:rPr lang="it-IT" sz="1000" dirty="0">
+              <a:rPr lang="en-US" sz="1000">
                 <a:solidFill>
                   <a:srgbClr val="4B4B4B"/>
                 </a:solidFill>
                 <a:latin typeface="Adobe Clean Light" panose="020B0303020404020204" pitchFamily="34" charset="0"/>
               </a:rPr>
-              <a:t>Promuovere l’adozione di best practice per la personalizzazione e componenti core di AEM as a Cloud Service</a:t>
-            </a:r>
+              <a:t>Drive adoption of customization best practices and core components in AEM as a Cloud Service.</a:t>
+            </a:r>
+            <a:endParaRPr sz="1000">
+              <a:solidFill>
+                <a:srgbClr val="4B4B4B"/>
+              </a:solidFill>
+              <a:latin typeface="Adobe Clean Light" panose="020B0303020404020204" pitchFamily="34" charset="0"/>
+            </a:endParaRPr>
           </a:p>
         </p:txBody>
       </p:sp>
@@ -12516,14 +14196,20 @@
               </a:spcBef>
             </a:pPr>
             <a:r>
-              <a:rPr lang="it-IT" sz="1000">
+              <a:rPr lang="en-US" sz="1000">
                 <a:solidFill>
                   <a:srgbClr val="4B4B4B"/>
                 </a:solidFill>
                 <a:latin typeface="Adobe Clean Light" panose="020B0303020404020204" pitchFamily="34" charset="0"/>
               </a:rPr>
-              <a:t>Individuare, valutare e fornire raccomandazioni su aree specifiche, relative all’adozione delle soluzioni, che offrono opportunità di ottimizzazione</a:t>
-            </a:r>
+              <a:t>Identify, review and provide recommendations on customized solution adoption areas that have opportunities for optimization.</a:t>
+            </a:r>
+            <a:endParaRPr sz="1000">
+              <a:solidFill>
+                <a:srgbClr val="4B4B4B"/>
+              </a:solidFill>
+              <a:latin typeface="Adobe Clean Light" panose="020B0303020404020204" pitchFamily="34" charset="0"/>
+            </a:endParaRPr>
           </a:p>
         </p:txBody>
       </p:sp>
@@ -12563,14 +14249,20 @@
               </a:spcBef>
             </a:pPr>
             <a:r>
-              <a:rPr lang="it-IT" sz="1000">
+              <a:rPr lang="en-US" sz="1000">
                 <a:solidFill>
                   <a:srgbClr val="4B4B4B"/>
                 </a:solidFill>
                 <a:latin typeface="Adobe Clean Light" panose="020B0303020404020204" pitchFamily="34" charset="0"/>
               </a:rPr>
-              <a:t>Governance operativa e tecnica per assistere i clienti di AEM as a Cloud Service a rispettare gli standard di settore e le best practice per AEM as a Cloud Service</a:t>
-            </a:r>
+              <a:t>Technical &amp; operational governance to assist AEM as a Cloud Service Customers in adhering to industry standards and best practices for AEM as a Cloud Service.</a:t>
+            </a:r>
+            <a:endParaRPr sz="1000">
+              <a:solidFill>
+                <a:srgbClr val="4B4B4B"/>
+              </a:solidFill>
+              <a:latin typeface="Adobe Clean Light" panose="020B0303020404020204" pitchFamily="34" charset="0"/>
+            </a:endParaRPr>
           </a:p>
         </p:txBody>
       </p:sp>
@@ -12589,7 +14281,7 @@
         <p:spPr>
           <a:xfrm>
             <a:off x="5181600" y="936612"/>
-            <a:ext cx="1972258" cy="646331"/>
+            <a:ext cx="1972258" cy="461665"/>
           </a:xfrm>
           <a:prstGeom prst="rect">
             <a:avLst/>
@@ -12610,34 +14302,489 @@
               </a:spcBef>
             </a:pPr>
             <a:r>
-              <a:rPr lang="it-IT" sz="1200" b="1" dirty="0">
+              <a:rPr lang="en-US" sz="1200" b="1" spc="-15">
                 <a:solidFill>
                   <a:srgbClr val="020302"/>
                 </a:solidFill>
                 <a:latin typeface="Adobe Clean"/>
                 <a:cs typeface="Adobe Clean"/>
               </a:rPr>
-              <a:t>Best practice per </a:t>
-            </a:r>
-            <a:br>
-              <a:rPr lang="sk-SK" sz="1200" b="1" dirty="0">
+              <a:t>C</a:t>
+            </a:r>
+            <a:r>
+              <a:rPr lang="en-US" sz="1200" b="1" spc="-20">
                 <a:solidFill>
                   <a:srgbClr val="020302"/>
                 </a:solidFill>
                 <a:latin typeface="Adobe Clean"/>
                 <a:cs typeface="Adobe Clean"/>
               </a:rPr>
-            </a:br>
-            <a:r>
-              <a:rPr lang="it-IT" sz="1200" b="1" dirty="0">
+              <a:t>u</a:t>
+            </a:r>
+            <a:r>
+              <a:rPr lang="en-US" sz="1200" b="1" spc="-25">
                 <a:solidFill>
                   <a:srgbClr val="020302"/>
                 </a:solidFill>
                 <a:latin typeface="Adobe Clean"/>
                 <a:cs typeface="Adobe Clean"/>
               </a:rPr>
-              <a:t>la personalizzazione di AEM as a Cloud Service</a:t>
-            </a:r>
+              <a:t>st</a:t>
+            </a:r>
+            <a:r>
+              <a:rPr lang="en-US" sz="1200" b="1" spc="-15">
+                <a:solidFill>
+                  <a:srgbClr val="020302"/>
+                </a:solidFill>
+                <a:latin typeface="Adobe Clean"/>
+                <a:cs typeface="Adobe Clean"/>
+              </a:rPr>
+              <a:t>o</a:t>
+            </a:r>
+            <a:r>
+              <a:rPr lang="en-US" sz="1200" b="1" spc="-20">
+                <a:solidFill>
+                  <a:srgbClr val="020302"/>
+                </a:solidFill>
+                <a:latin typeface="Adobe Clean"/>
+                <a:cs typeface="Adobe Clean"/>
+              </a:rPr>
+              <a:t>miza</a:t>
+            </a:r>
+            <a:r>
+              <a:rPr lang="en-US" sz="1200" b="1" spc="-25">
+                <a:solidFill>
+                  <a:srgbClr val="020302"/>
+                </a:solidFill>
+                <a:latin typeface="Adobe Clean"/>
+                <a:cs typeface="Adobe Clean"/>
+              </a:rPr>
+              <a:t>t</a:t>
+            </a:r>
+            <a:r>
+              <a:rPr lang="en-US" sz="1200" b="1" spc="-20">
+                <a:solidFill>
+                  <a:srgbClr val="020302"/>
+                </a:solidFill>
+                <a:latin typeface="Adobe Clean"/>
+                <a:cs typeface="Adobe Clean"/>
+              </a:rPr>
+              <a:t>i</a:t>
+            </a:r>
+            <a:r>
+              <a:rPr lang="en-US" sz="1200" b="1" spc="-15">
+                <a:solidFill>
+                  <a:srgbClr val="020302"/>
+                </a:solidFill>
+                <a:latin typeface="Adobe Clean"/>
+                <a:cs typeface="Adobe Clean"/>
+              </a:rPr>
+              <a:t>o</a:t>
+            </a:r>
+            <a:r>
+              <a:rPr lang="en-US" sz="1200" b="1">
+                <a:solidFill>
+                  <a:srgbClr val="020302"/>
+                </a:solidFill>
+                <a:latin typeface="Adobe Clean"/>
+                <a:cs typeface="Adobe Clean"/>
+              </a:rPr>
+              <a:t>n</a:t>
+            </a:r>
+            <a:r>
+              <a:rPr lang="en-US" sz="1200" b="1" spc="-50">
+                <a:solidFill>
+                  <a:srgbClr val="020302"/>
+                </a:solidFill>
+                <a:latin typeface="Adobe Clean"/>
+                <a:cs typeface="Adobe Clean"/>
+              </a:rPr>
+              <a:t> </a:t>
+            </a:r>
+            <a:r>
+              <a:rPr lang="en-US" sz="1200" b="1" spc="-20">
+                <a:solidFill>
+                  <a:srgbClr val="020302"/>
+                </a:solidFill>
+                <a:latin typeface="Adobe Clean"/>
+                <a:cs typeface="Adobe Clean"/>
+              </a:rPr>
+              <a:t>B</a:t>
+            </a:r>
+            <a:r>
+              <a:rPr lang="en-US" sz="1200" b="1" spc="-25">
+                <a:solidFill>
+                  <a:srgbClr val="020302"/>
+                </a:solidFill>
+                <a:latin typeface="Adobe Clean"/>
+                <a:cs typeface="Adobe Clean"/>
+              </a:rPr>
+              <a:t>es</a:t>
+            </a:r>
+            <a:r>
+              <a:rPr lang="en-US" sz="1200" b="1">
+                <a:solidFill>
+                  <a:srgbClr val="020302"/>
+                </a:solidFill>
+                <a:latin typeface="Adobe Clean"/>
+                <a:cs typeface="Adobe Clean"/>
+              </a:rPr>
+              <a:t>t</a:t>
+            </a:r>
+            <a:r>
+              <a:rPr lang="en-US" sz="1200" b="1" spc="-50">
+                <a:solidFill>
+                  <a:srgbClr val="020302"/>
+                </a:solidFill>
+                <a:latin typeface="Adobe Clean"/>
+                <a:cs typeface="Adobe Clean"/>
+              </a:rPr>
+              <a:t> </a:t>
+            </a:r>
+            <a:r>
+              <a:rPr lang="en-US" sz="1200" b="1" spc="-25">
+                <a:solidFill>
+                  <a:srgbClr val="020302"/>
+                </a:solidFill>
+                <a:latin typeface="Adobe Clean"/>
+                <a:cs typeface="Adobe Clean"/>
+              </a:rPr>
+              <a:t>P</a:t>
+            </a:r>
+            <a:r>
+              <a:rPr lang="en-US" sz="1200" b="1" spc="-20">
+                <a:solidFill>
+                  <a:srgbClr val="020302"/>
+                </a:solidFill>
+                <a:latin typeface="Adobe Clean"/>
+                <a:cs typeface="Adobe Clean"/>
+              </a:rPr>
+              <a:t>ra</a:t>
+            </a:r>
+            <a:r>
+              <a:rPr lang="en-US" sz="1200" b="1" spc="-30">
+                <a:solidFill>
+                  <a:srgbClr val="020302"/>
+                </a:solidFill>
+                <a:latin typeface="Adobe Clean"/>
+                <a:cs typeface="Adobe Clean"/>
+              </a:rPr>
+              <a:t>c</a:t>
+            </a:r>
+            <a:r>
+              <a:rPr lang="en-US" sz="1200" b="1" spc="-25">
+                <a:solidFill>
+                  <a:srgbClr val="020302"/>
+                </a:solidFill>
+                <a:latin typeface="Adobe Clean"/>
+                <a:cs typeface="Adobe Clean"/>
+              </a:rPr>
+              <a:t>t</a:t>
+            </a:r>
+            <a:r>
+              <a:rPr lang="en-US" sz="1200" b="1" spc="-20">
+                <a:solidFill>
+                  <a:srgbClr val="020302"/>
+                </a:solidFill>
+                <a:latin typeface="Adobe Clean"/>
+                <a:cs typeface="Adobe Clean"/>
+              </a:rPr>
+              <a:t>i</a:t>
+            </a:r>
+            <a:r>
+              <a:rPr lang="en-US" sz="1200" b="1" spc="-30">
+                <a:solidFill>
+                  <a:srgbClr val="020302"/>
+                </a:solidFill>
+                <a:latin typeface="Adobe Clean"/>
+                <a:cs typeface="Adobe Clean"/>
+              </a:rPr>
+              <a:t>c</a:t>
+            </a:r>
+            <a:r>
+              <a:rPr lang="en-US" sz="1200" b="1" spc="-25">
+                <a:solidFill>
+                  <a:srgbClr val="020302"/>
+                </a:solidFill>
+                <a:latin typeface="Adobe Clean"/>
+                <a:cs typeface="Adobe Clean"/>
+              </a:rPr>
+              <a:t>e</a:t>
+            </a:r>
+            <a:r>
+              <a:rPr lang="en-US" sz="1200" b="1">
+                <a:solidFill>
+                  <a:srgbClr val="020302"/>
+                </a:solidFill>
+                <a:latin typeface="Adobe Clean"/>
+                <a:cs typeface="Adobe Clean"/>
+              </a:rPr>
+              <a:t>s</a:t>
+            </a:r>
+            <a:r>
+              <a:rPr lang="en-US" sz="1200" b="1" spc="-45">
+                <a:solidFill>
+                  <a:srgbClr val="020302"/>
+                </a:solidFill>
+                <a:latin typeface="Adobe Clean"/>
+                <a:cs typeface="Adobe Clean"/>
+              </a:rPr>
+              <a:t> </a:t>
+            </a:r>
+            <a:r>
+              <a:rPr lang="en-US" sz="1200" b="1" spc="-25">
+                <a:solidFill>
+                  <a:srgbClr val="020302"/>
+                </a:solidFill>
+                <a:latin typeface="Adobe Clean"/>
+                <a:cs typeface="Adobe Clean"/>
+              </a:rPr>
+              <a:t>f</a:t>
+            </a:r>
+            <a:r>
+              <a:rPr lang="en-US" sz="1200" b="1" spc="-15">
+                <a:solidFill>
+                  <a:srgbClr val="020302"/>
+                </a:solidFill>
+                <a:latin typeface="Adobe Clean"/>
+                <a:cs typeface="Adobe Clean"/>
+              </a:rPr>
+              <a:t>o</a:t>
+            </a:r>
+            <a:r>
+              <a:rPr lang="en-US" sz="1200" b="1">
+                <a:solidFill>
+                  <a:srgbClr val="020302"/>
+                </a:solidFill>
+                <a:latin typeface="Adobe Clean"/>
+                <a:cs typeface="Adobe Clean"/>
+              </a:rPr>
+              <a:t>r</a:t>
+            </a:r>
+            <a:r>
+              <a:rPr lang="en-US" sz="1200" b="1" spc="-45">
+                <a:solidFill>
+                  <a:srgbClr val="020302"/>
+                </a:solidFill>
+                <a:latin typeface="Adobe Clean"/>
+                <a:cs typeface="Adobe Clean"/>
+              </a:rPr>
+              <a:t> </a:t>
+            </a:r>
+            <a:r>
+              <a:rPr lang="en-US" sz="1200" b="1" spc="-30">
+                <a:solidFill>
+                  <a:srgbClr val="020302"/>
+                </a:solidFill>
+                <a:latin typeface="Adobe Clean"/>
+                <a:cs typeface="Adobe Clean"/>
+              </a:rPr>
+              <a:t>AE</a:t>
+            </a:r>
+            <a:r>
+              <a:rPr lang="en-US" sz="1200" b="1">
+                <a:solidFill>
+                  <a:srgbClr val="020302"/>
+                </a:solidFill>
+                <a:latin typeface="Adobe Clean"/>
+                <a:cs typeface="Adobe Clean"/>
+              </a:rPr>
+              <a:t>M</a:t>
+            </a:r>
+            <a:r>
+              <a:rPr lang="en-US" sz="1200" b="1" spc="-55">
+                <a:solidFill>
+                  <a:srgbClr val="020302"/>
+                </a:solidFill>
+                <a:latin typeface="Adobe Clean"/>
+                <a:cs typeface="Adobe Clean"/>
+              </a:rPr>
+              <a:t> </a:t>
+            </a:r>
+            <a:r>
+              <a:rPr lang="en-US" sz="1200" b="1" spc="-20">
+                <a:solidFill>
+                  <a:srgbClr val="020302"/>
+                </a:solidFill>
+                <a:latin typeface="Adobe Clean"/>
+                <a:cs typeface="Adobe Clean"/>
+              </a:rPr>
+              <a:t>a</a:t>
+            </a:r>
+            <a:r>
+              <a:rPr lang="en-US" sz="1200" b="1">
+                <a:solidFill>
+                  <a:srgbClr val="020302"/>
+                </a:solidFill>
+                <a:latin typeface="Adobe Clean"/>
+                <a:cs typeface="Adobe Clean"/>
+              </a:rPr>
+              <a:t>s</a:t>
+            </a:r>
+            <a:r>
+              <a:rPr lang="en-US" sz="1200" b="1" spc="-45">
+                <a:solidFill>
+                  <a:srgbClr val="020302"/>
+                </a:solidFill>
+                <a:latin typeface="Adobe Clean"/>
+                <a:cs typeface="Adobe Clean"/>
+              </a:rPr>
+              <a:t> </a:t>
+            </a:r>
+            <a:r>
+              <a:rPr lang="en-US" sz="1200" b="1">
+                <a:solidFill>
+                  <a:srgbClr val="020302"/>
+                </a:solidFill>
+                <a:latin typeface="Adobe Clean"/>
+                <a:cs typeface="Adobe Clean"/>
+              </a:rPr>
+              <a:t>a</a:t>
+            </a:r>
+            <a:r>
+              <a:rPr lang="en-US" sz="1200" b="1" spc="-45">
+                <a:solidFill>
+                  <a:srgbClr val="020302"/>
+                </a:solidFill>
+                <a:latin typeface="Adobe Clean"/>
+                <a:cs typeface="Adobe Clean"/>
+              </a:rPr>
+              <a:t> </a:t>
+            </a:r>
+            <a:r>
+              <a:rPr lang="en-US" sz="1200" b="1" spc="-15">
+                <a:solidFill>
+                  <a:srgbClr val="020302"/>
+                </a:solidFill>
+                <a:latin typeface="Adobe Clean"/>
+                <a:cs typeface="Adobe Clean"/>
+              </a:rPr>
+              <a:t>C</a:t>
+            </a:r>
+            <a:r>
+              <a:rPr lang="en-US" sz="1200" b="1" spc="-25">
+                <a:solidFill>
+                  <a:srgbClr val="020302"/>
+                </a:solidFill>
+                <a:latin typeface="Adobe Clean"/>
+                <a:cs typeface="Adobe Clean"/>
+              </a:rPr>
+              <a:t>l</a:t>
+            </a:r>
+            <a:r>
+              <a:rPr lang="en-US" sz="1200" b="1" spc="-15">
+                <a:solidFill>
+                  <a:srgbClr val="020302"/>
+                </a:solidFill>
+                <a:latin typeface="Adobe Clean"/>
+                <a:cs typeface="Adobe Clean"/>
+              </a:rPr>
+              <a:t>o</a:t>
+            </a:r>
+            <a:r>
+              <a:rPr lang="en-US" sz="1200" b="1" spc="-20">
+                <a:solidFill>
+                  <a:srgbClr val="020302"/>
+                </a:solidFill>
+                <a:latin typeface="Adobe Clean"/>
+                <a:cs typeface="Adobe Clean"/>
+              </a:rPr>
+              <a:t>u</a:t>
+            </a:r>
+            <a:r>
+              <a:rPr lang="en-US" sz="1200" b="1">
+                <a:solidFill>
+                  <a:srgbClr val="020302"/>
+                </a:solidFill>
+                <a:latin typeface="Adobe Clean"/>
+                <a:cs typeface="Adobe Clean"/>
+              </a:rPr>
+              <a:t>d</a:t>
+            </a:r>
+            <a:r>
+              <a:rPr lang="en-US" sz="1200" b="1" spc="-50">
+                <a:solidFill>
+                  <a:srgbClr val="020302"/>
+                </a:solidFill>
+                <a:latin typeface="Adobe Clean"/>
+                <a:cs typeface="Adobe Clean"/>
+              </a:rPr>
+              <a:t> </a:t>
+            </a:r>
+            <a:r>
+              <a:rPr lang="en-US" sz="1200" b="1" spc="-20">
+                <a:solidFill>
+                  <a:srgbClr val="020302"/>
+                </a:solidFill>
+                <a:latin typeface="Adobe Clean"/>
+                <a:cs typeface="Adobe Clean"/>
+              </a:rPr>
+              <a:t>S</a:t>
+            </a:r>
+            <a:r>
+              <a:rPr lang="en-US" sz="1200" b="1" spc="-25">
+                <a:solidFill>
+                  <a:srgbClr val="020302"/>
+                </a:solidFill>
+                <a:latin typeface="Adobe Clean"/>
+                <a:cs typeface="Adobe Clean"/>
+              </a:rPr>
+              <a:t>e</a:t>
+            </a:r>
+            <a:r>
+              <a:rPr lang="en-US" sz="1200" b="1" spc="-20">
+                <a:solidFill>
+                  <a:srgbClr val="020302"/>
+                </a:solidFill>
+                <a:latin typeface="Adobe Clean"/>
+                <a:cs typeface="Adobe Clean"/>
+              </a:rPr>
+              <a:t>r</a:t>
+            </a:r>
+            <a:r>
+              <a:rPr lang="en-US" sz="1200" b="1" spc="-30">
+                <a:solidFill>
+                  <a:srgbClr val="020302"/>
+                </a:solidFill>
+                <a:latin typeface="Adobe Clean"/>
+                <a:cs typeface="Adobe Clean"/>
+              </a:rPr>
+              <a:t>v</a:t>
+            </a:r>
+            <a:r>
+              <a:rPr lang="en-US" sz="1200" b="1" spc="-20">
+                <a:solidFill>
+                  <a:srgbClr val="020302"/>
+                </a:solidFill>
+                <a:latin typeface="Adobe Clean"/>
+                <a:cs typeface="Adobe Clean"/>
+              </a:rPr>
+              <a:t>i</a:t>
+            </a:r>
+            <a:r>
+              <a:rPr lang="en-US" sz="1200" b="1" spc="-30">
+                <a:solidFill>
+                  <a:srgbClr val="020302"/>
+                </a:solidFill>
+                <a:latin typeface="Adobe Clean"/>
+                <a:cs typeface="Adobe Clean"/>
+              </a:rPr>
+              <a:t>c</a:t>
+            </a:r>
+            <a:r>
+              <a:rPr lang="en-US" sz="1200" b="1">
+                <a:solidFill>
+                  <a:srgbClr val="020302"/>
+                </a:solidFill>
+                <a:latin typeface="Adobe Clean"/>
+                <a:cs typeface="Adobe Clean"/>
+              </a:rPr>
+              <a:t>e</a:t>
+            </a:r>
+            <a:endParaRPr lang="en-US" sz="1200">
+              <a:latin typeface="Adobe Clean"/>
+              <a:cs typeface="Adobe Clean"/>
+            </a:endParaRPr>
           </a:p>
         </p:txBody>
       </p:sp>
@@ -12656,7 +14803,7 @@
         <p:spPr>
           <a:xfrm>
             <a:off x="2752588" y="908302"/>
-            <a:ext cx="1708650" cy="646331"/>
+            <a:ext cx="1708650" cy="461665"/>
           </a:xfrm>
           <a:prstGeom prst="rect">
             <a:avLst/>
@@ -12677,34 +14824,19 @@
               </a:spcBef>
             </a:pPr>
             <a:r>
-              <a:rPr lang="it-IT" sz="1200" b="1" dirty="0">
+              <a:rPr lang="en-US" sz="1200" b="1" spc="-25">
                 <a:solidFill>
                   <a:srgbClr val="020302"/>
                 </a:solidFill>
                 <a:latin typeface="Adobe Clean"/>
                 <a:cs typeface="Adobe Clean"/>
               </a:rPr>
-              <a:t>Servizi a valore aggiunto per AEM </a:t>
-            </a:r>
-            <a:br>
-              <a:rPr lang="sk-SK" sz="1200" b="1" dirty="0">
-                <a:solidFill>
-                  <a:srgbClr val="020302"/>
-                </a:solidFill>
-                <a:latin typeface="Adobe Clean"/>
-                <a:cs typeface="Adobe Clean"/>
-              </a:rPr>
-            </a:br>
-            <a:r>
-              <a:rPr lang="it-IT" sz="1200" b="1" dirty="0">
-                <a:solidFill>
-                  <a:srgbClr val="020302"/>
-                </a:solidFill>
-                <a:latin typeface="Adobe Clean"/>
-                <a:cs typeface="Adobe Clean"/>
-              </a:rPr>
-              <a:t>as a Cloud Service</a:t>
-            </a:r>
+              <a:t>Value-added Services for AEM as a Cloud Service</a:t>
+            </a:r>
+            <a:endParaRPr lang="en-US" sz="1200">
+              <a:latin typeface="Adobe Clean"/>
+              <a:cs typeface="Adobe Clean"/>
+            </a:endParaRPr>
           </a:p>
         </p:txBody>
       </p:sp>
@@ -12744,34 +14876,359 @@
               </a:spcBef>
             </a:pPr>
             <a:r>
-              <a:rPr lang="it-IT" sz="1200" b="1" dirty="0">
+              <a:rPr lang="en-US" sz="1200" b="1" spc="-20">
                 <a:solidFill>
                   <a:srgbClr val="020302"/>
                 </a:solidFill>
                 <a:latin typeface="Adobe Clean"/>
                 <a:cs typeface="Adobe Clean"/>
               </a:rPr>
-              <a:t>Governance per AEM </a:t>
-            </a:r>
-            <a:br>
-              <a:rPr lang="sk-SK" sz="1200" b="1" dirty="0">
+              <a:t>G</a:t>
+            </a:r>
+            <a:r>
+              <a:rPr lang="en-US" sz="1200" b="1" spc="-15">
                 <a:solidFill>
                   <a:srgbClr val="020302"/>
                 </a:solidFill>
                 <a:latin typeface="Adobe Clean"/>
                 <a:cs typeface="Adobe Clean"/>
               </a:rPr>
-            </a:br>
-            <a:r>
-              <a:rPr lang="it-IT" sz="1200" b="1" dirty="0">
+              <a:t>o</a:t>
+            </a:r>
+            <a:r>
+              <a:rPr lang="en-US" sz="1200" b="1" spc="-25">
                 <a:solidFill>
                   <a:srgbClr val="020302"/>
                 </a:solidFill>
                 <a:latin typeface="Adobe Clean"/>
                 <a:cs typeface="Adobe Clean"/>
               </a:rPr>
-              <a:t>as a Cloud Service</a:t>
-            </a:r>
+              <a:t>ve</a:t>
+            </a:r>
+            <a:r>
+              <a:rPr lang="en-US" sz="1200" b="1" spc="-20">
+                <a:solidFill>
+                  <a:srgbClr val="020302"/>
+                </a:solidFill>
+                <a:latin typeface="Adobe Clean"/>
+                <a:cs typeface="Adobe Clean"/>
+              </a:rPr>
+              <a:t>r</a:t>
+            </a:r>
+            <a:r>
+              <a:rPr lang="en-US" sz="1200" b="1" spc="-25">
+                <a:solidFill>
+                  <a:srgbClr val="020302"/>
+                </a:solidFill>
+                <a:latin typeface="Adobe Clean"/>
+                <a:cs typeface="Adobe Clean"/>
+              </a:rPr>
+              <a:t>n</a:t>
+            </a:r>
+            <a:r>
+              <a:rPr lang="en-US" sz="1200" b="1" spc="-20">
+                <a:solidFill>
+                  <a:srgbClr val="020302"/>
+                </a:solidFill>
+                <a:latin typeface="Adobe Clean"/>
+                <a:cs typeface="Adobe Clean"/>
+              </a:rPr>
+              <a:t>a</a:t>
+            </a:r>
+            <a:r>
+              <a:rPr lang="en-US" sz="1200" b="1" spc="-25">
+                <a:solidFill>
+                  <a:srgbClr val="020302"/>
+                </a:solidFill>
+                <a:latin typeface="Adobe Clean"/>
+                <a:cs typeface="Adobe Clean"/>
+              </a:rPr>
+              <a:t>n</a:t>
+            </a:r>
+            <a:r>
+              <a:rPr lang="en-US" sz="1200" b="1" spc="-30">
+                <a:solidFill>
+                  <a:srgbClr val="020302"/>
+                </a:solidFill>
+                <a:latin typeface="Adobe Clean"/>
+                <a:cs typeface="Adobe Clean"/>
+              </a:rPr>
+              <a:t>c</a:t>
+            </a:r>
+            <a:r>
+              <a:rPr lang="en-US" sz="1200" b="1">
+                <a:solidFill>
+                  <a:srgbClr val="020302"/>
+                </a:solidFill>
+                <a:latin typeface="Adobe Clean"/>
+                <a:cs typeface="Adobe Clean"/>
+              </a:rPr>
+              <a:t>e</a:t>
+            </a:r>
+            <a:r>
+              <a:rPr lang="en-US" sz="1200" b="1" spc="-50">
+                <a:solidFill>
+                  <a:srgbClr val="020302"/>
+                </a:solidFill>
+                <a:latin typeface="Adobe Clean"/>
+                <a:cs typeface="Adobe Clean"/>
+              </a:rPr>
+              <a:t> </a:t>
+            </a:r>
+            <a:r>
+              <a:rPr lang="en-US" sz="1200" b="1" spc="-25">
+                <a:solidFill>
+                  <a:srgbClr val="020302"/>
+                </a:solidFill>
+                <a:latin typeface="Adobe Clean"/>
+                <a:cs typeface="Adobe Clean"/>
+              </a:rPr>
+              <a:t>f</a:t>
+            </a:r>
+            <a:r>
+              <a:rPr lang="en-US" sz="1200" b="1" spc="-15">
+                <a:solidFill>
+                  <a:srgbClr val="020302"/>
+                </a:solidFill>
+                <a:latin typeface="Adobe Clean"/>
+                <a:cs typeface="Adobe Clean"/>
+              </a:rPr>
+              <a:t>o</a:t>
+            </a:r>
+            <a:r>
+              <a:rPr lang="en-US" sz="1200" b="1">
+                <a:solidFill>
+                  <a:srgbClr val="020302"/>
+                </a:solidFill>
+                <a:latin typeface="Adobe Clean"/>
+                <a:cs typeface="Adobe Clean"/>
+              </a:rPr>
+              <a:t>r</a:t>
+            </a:r>
+            <a:r>
+              <a:rPr lang="en-US" sz="1200" b="1" spc="-45">
+                <a:solidFill>
+                  <a:srgbClr val="020302"/>
+                </a:solidFill>
+                <a:latin typeface="Adobe Clean"/>
+                <a:cs typeface="Adobe Clean"/>
+              </a:rPr>
+              <a:t> </a:t>
+            </a:r>
+            <a:r>
+              <a:rPr lang="en-US" sz="1200" b="1" spc="-30">
+                <a:solidFill>
+                  <a:srgbClr val="020302"/>
+                </a:solidFill>
+                <a:latin typeface="Adobe Clean"/>
+                <a:cs typeface="Adobe Clean"/>
+              </a:rPr>
+              <a:t>A</a:t>
+            </a:r>
+            <a:r>
+              <a:rPr lang="en-US" sz="1200" b="1" spc="-25">
+                <a:solidFill>
+                  <a:srgbClr val="020302"/>
+                </a:solidFill>
+                <a:latin typeface="Adobe Clean"/>
+                <a:cs typeface="Adobe Clean"/>
+              </a:rPr>
+              <a:t>E</a:t>
+            </a:r>
+            <a:r>
+              <a:rPr lang="en-US" sz="1200" b="1">
+                <a:solidFill>
+                  <a:srgbClr val="020302"/>
+                </a:solidFill>
+                <a:latin typeface="Adobe Clean"/>
+                <a:cs typeface="Adobe Clean"/>
+              </a:rPr>
+              <a:t>M</a:t>
+            </a:r>
+            <a:r>
+              <a:rPr lang="en-US" sz="1200" b="1" spc="-50">
+                <a:solidFill>
+                  <a:srgbClr val="020302"/>
+                </a:solidFill>
+                <a:latin typeface="Adobe Clean"/>
+                <a:cs typeface="Adobe Clean"/>
+              </a:rPr>
+              <a:t> </a:t>
+            </a:r>
+            <a:r>
+              <a:rPr lang="en-US" sz="1200" b="1" spc="-20">
+                <a:solidFill>
+                  <a:srgbClr val="020302"/>
+                </a:solidFill>
+                <a:latin typeface="Adobe Clean"/>
+                <a:cs typeface="Adobe Clean"/>
+              </a:rPr>
+              <a:t>a</a:t>
+            </a:r>
+            <a:r>
+              <a:rPr lang="en-US" sz="1200" b="1">
+                <a:solidFill>
+                  <a:srgbClr val="020302"/>
+                </a:solidFill>
+                <a:latin typeface="Adobe Clean"/>
+                <a:cs typeface="Adobe Clean"/>
+              </a:rPr>
+              <a:t>s</a:t>
+            </a:r>
+            <a:r>
+              <a:rPr lang="en-US" sz="1200" b="1" spc="-45">
+                <a:solidFill>
+                  <a:srgbClr val="020302"/>
+                </a:solidFill>
+                <a:latin typeface="Adobe Clean"/>
+                <a:cs typeface="Adobe Clean"/>
+              </a:rPr>
+              <a:t> </a:t>
+            </a:r>
+            <a:r>
+              <a:rPr lang="en-US" sz="1200" b="1">
+                <a:solidFill>
+                  <a:srgbClr val="020302"/>
+                </a:solidFill>
+                <a:latin typeface="Adobe Clean"/>
+                <a:cs typeface="Adobe Clean"/>
+              </a:rPr>
+              <a:t>a</a:t>
+            </a:r>
+            <a:r>
+              <a:rPr lang="en-US" sz="1200" b="1" spc="-40">
+                <a:solidFill>
+                  <a:srgbClr val="020302"/>
+                </a:solidFill>
+                <a:latin typeface="Adobe Clean"/>
+                <a:cs typeface="Adobe Clean"/>
+              </a:rPr>
+              <a:t> </a:t>
+            </a:r>
+            <a:r>
+              <a:rPr lang="en-US" sz="1200" b="1" spc="-15">
+                <a:solidFill>
+                  <a:srgbClr val="020302"/>
+                </a:solidFill>
+                <a:latin typeface="Adobe Clean"/>
+                <a:cs typeface="Adobe Clean"/>
+              </a:rPr>
+              <a:t>C</a:t>
+            </a:r>
+            <a:r>
+              <a:rPr lang="en-US" sz="1200" b="1" spc="-25">
+                <a:solidFill>
+                  <a:srgbClr val="020302"/>
+                </a:solidFill>
+                <a:latin typeface="Adobe Clean"/>
+                <a:cs typeface="Adobe Clean"/>
+              </a:rPr>
+              <a:t>l</a:t>
+            </a:r>
+            <a:r>
+              <a:rPr lang="en-US" sz="1200" b="1" spc="-15">
+                <a:solidFill>
+                  <a:srgbClr val="020302"/>
+                </a:solidFill>
+                <a:latin typeface="Adobe Clean"/>
+                <a:cs typeface="Adobe Clean"/>
+              </a:rPr>
+              <a:t>ou</a:t>
+            </a:r>
+            <a:r>
+              <a:rPr lang="en-US" sz="1200" b="1">
+                <a:solidFill>
+                  <a:srgbClr val="020302"/>
+                </a:solidFill>
+                <a:latin typeface="Adobe Clean"/>
+                <a:cs typeface="Adobe Clean"/>
+              </a:rPr>
+              <a:t>d</a:t>
+            </a:r>
+            <a:r>
+              <a:rPr lang="en-US" sz="1200" b="1" spc="-50">
+                <a:solidFill>
+                  <a:srgbClr val="020302"/>
+                </a:solidFill>
+                <a:latin typeface="Adobe Clean"/>
+                <a:cs typeface="Adobe Clean"/>
+              </a:rPr>
+              <a:t> </a:t>
+            </a:r>
+            <a:r>
+              <a:rPr lang="en-US" sz="1200" b="1" spc="-20">
+                <a:solidFill>
+                  <a:srgbClr val="020302"/>
+                </a:solidFill>
+                <a:latin typeface="Adobe Clean"/>
+                <a:cs typeface="Adobe Clean"/>
+              </a:rPr>
+              <a:t>S</a:t>
+            </a:r>
+            <a:r>
+              <a:rPr lang="en-US" sz="1200" b="1" spc="-25">
+                <a:solidFill>
+                  <a:srgbClr val="020302"/>
+                </a:solidFill>
+                <a:latin typeface="Adobe Clean"/>
+                <a:cs typeface="Adobe Clean"/>
+              </a:rPr>
+              <a:t>e</a:t>
+            </a:r>
+            <a:r>
+              <a:rPr lang="en-US" sz="1200" b="1" spc="-20">
+                <a:solidFill>
+                  <a:srgbClr val="020302"/>
+                </a:solidFill>
+                <a:latin typeface="Adobe Clean"/>
+                <a:cs typeface="Adobe Clean"/>
+              </a:rPr>
+              <a:t>r</a:t>
+            </a:r>
+            <a:r>
+              <a:rPr lang="en-US" sz="1200" b="1" spc="-25">
+                <a:solidFill>
+                  <a:srgbClr val="020302"/>
+                </a:solidFill>
+                <a:latin typeface="Adobe Clean"/>
+                <a:cs typeface="Adobe Clean"/>
+              </a:rPr>
+              <a:t>v</a:t>
+            </a:r>
+            <a:r>
+              <a:rPr lang="en-US" sz="1200" b="1" spc="-20">
+                <a:solidFill>
+                  <a:srgbClr val="020302"/>
+                </a:solidFill>
+                <a:latin typeface="Adobe Clean"/>
+                <a:cs typeface="Adobe Clean"/>
+              </a:rPr>
+              <a:t>i</a:t>
+            </a:r>
+            <a:r>
+              <a:rPr lang="en-US" sz="1200" b="1" spc="-30">
+                <a:solidFill>
+                  <a:srgbClr val="020302"/>
+                </a:solidFill>
+                <a:latin typeface="Adobe Clean"/>
+                <a:cs typeface="Adobe Clean"/>
+              </a:rPr>
+              <a:t>c</a:t>
+            </a:r>
+            <a:r>
+              <a:rPr lang="en-US" sz="1200" b="1">
+                <a:solidFill>
+                  <a:srgbClr val="020302"/>
+                </a:solidFill>
+                <a:latin typeface="Adobe Clean"/>
+                <a:cs typeface="Adobe Clean"/>
+              </a:rPr>
+              <a:t>e</a:t>
+            </a:r>
+            <a:endParaRPr lang="en-US" sz="1200">
+              <a:latin typeface="Adobe Clean"/>
+              <a:cs typeface="Adobe Clean"/>
+            </a:endParaRPr>
           </a:p>
         </p:txBody>
       </p:sp>
@@ -12832,15 +15289,49 @@
               </a:lnSpc>
             </a:pPr>
             <a:r>
-              <a:rPr lang="it-IT" sz="500">
+              <a:rPr sz="500" spc="-5">
                 <a:solidFill>
                   <a:srgbClr val="6C6C6C"/>
                 </a:solidFill>
                 <a:latin typeface="Adobe Clean"/>
                 <a:cs typeface="Adobe Clean"/>
               </a:rPr>
-              <a:t>©2020 Adobe. All Rights Reserved. Adobe Confidential.</a:t>
-            </a:r>
+              <a:t>©2020 Adobe. All Rights Reserved. </a:t>
+            </a:r>
+            <a:r>
+              <a:rPr sz="500">
+                <a:solidFill>
+                  <a:srgbClr val="6C6C6C"/>
+                </a:solidFill>
+                <a:latin typeface="Adobe Clean"/>
+                <a:cs typeface="Adobe Clean"/>
+              </a:rPr>
+              <a:t>Adobe</a:t>
+            </a:r>
+            <a:r>
+              <a:rPr sz="500" spc="5">
+                <a:solidFill>
+                  <a:srgbClr val="6C6C6C"/>
+                </a:solidFill>
+                <a:latin typeface="Adobe Clean"/>
+                <a:cs typeface="Adobe Clean"/>
+              </a:rPr>
+              <a:t> </a:t>
+            </a:r>
+            <a:r>
+              <a:rPr sz="500" spc="-5">
+                <a:solidFill>
+                  <a:srgbClr val="6C6C6C"/>
+                </a:solidFill>
+                <a:latin typeface="Adobe Clean"/>
+                <a:cs typeface="Adobe Clean"/>
+              </a:rPr>
+              <a:t>Confidential.</a:t>
+            </a:r>
+            <a:endParaRPr sz="500">
+              <a:latin typeface="Adobe Clean"/>
+              <a:cs typeface="Adobe Clean"/>
+            </a:endParaRPr>
           </a:p>
           <a:p>
             <a:pPr>
@@ -12866,15 +15357,39 @@
               </a:spcBef>
             </a:pPr>
             <a:r>
-              <a:rPr lang="it-IT" sz="800">
+              <a:rPr sz="800" spc="-5">
                 <a:solidFill>
                   <a:srgbClr val="6D6D6D"/>
                 </a:solidFill>
                 <a:latin typeface="Adobe Clean"/>
                 <a:cs typeface="Adobe Clean"/>
               </a:rPr>
-              <a:t>©2020 Adobe. All Rights Reserved. Adobe Confidential.</a:t>
-            </a:r>
+              <a:t>©2020 Adobe. All Rights Reserved. Adobe</a:t>
+            </a:r>
+            <a:r>
+              <a:rPr sz="800" spc="75">
+                <a:solidFill>
+                  <a:srgbClr val="6D6D6D"/>
+                </a:solidFill>
+                <a:latin typeface="Adobe Clean"/>
+                <a:cs typeface="Adobe Clean"/>
+              </a:rPr>
+              <a:t> </a:t>
+            </a:r>
+            <a:r>
+              <a:rPr sz="800" spc="-5">
+                <a:solidFill>
+                  <a:srgbClr val="6D6D6D"/>
+                </a:solidFill>
+                <a:latin typeface="Adobe Clean"/>
+                <a:cs typeface="Adobe Clean"/>
+              </a:rPr>
+              <a:t>Confidential.</a:t>
+            </a:r>
+            <a:endParaRPr sz="800">
+              <a:latin typeface="Adobe Clean"/>
+              <a:cs typeface="Adobe Clean"/>
+            </a:endParaRPr>
           </a:p>
         </p:txBody>
       </p:sp>
@@ -12958,15 +15473,19 @@
               </a:spcBef>
             </a:pPr>
             <a:r>
-              <a:rPr lang="it-IT" sz="1400" b="1">
+              <a:rPr lang="en-US" sz="1400" b="1" spc="-15">
                 <a:solidFill>
                   <a:srgbClr val="020302"/>
                 </a:solidFill>
                 <a:latin typeface="Adobe Clean"/>
                 <a:cs typeface="Adobe Clean"/>
               </a:rPr>
-              <a:t>Risorse</a:t>
-            </a:r>
+              <a:t>Resources</a:t>
+            </a:r>
+            <a:endParaRPr sz="1400">
+              <a:latin typeface="Adobe Clean"/>
+              <a:cs typeface="Adobe Clean"/>
+            </a:endParaRPr>
           </a:p>
         </p:txBody>
       </p:sp>
@@ -13000,7 +15519,7 @@
               </a:spcBef>
             </a:pPr>
             <a:r>
-              <a:rPr lang="it-IT" sz="800">
+              <a:rPr sz="800" spc="-15">
                 <a:solidFill>
                   <a:srgbClr val="777879"/>
                 </a:solidFill>
@@ -13009,6 +15528,10 @@
               </a:rPr>
               <a:t>Adobe</a:t>
             </a:r>
+            <a:endParaRPr sz="800">
+              <a:latin typeface="Adobe Clean"/>
+              <a:cs typeface="Adobe Clean"/>
+            </a:endParaRPr>
           </a:p>
           <a:p>
             <a:pPr marL="12700">
@@ -13017,15 +15540,39 @@
               </a:lnSpc>
             </a:pPr>
             <a:r>
-              <a:rPr lang="it-IT" sz="800">
+              <a:rPr sz="800" spc="-15">
                 <a:solidFill>
                   <a:srgbClr val="777879"/>
                 </a:solidFill>
                 <a:latin typeface="Adobe Clean"/>
                 <a:cs typeface="Adobe Clean"/>
               </a:rPr>
-              <a:t>345 Park Avenue</a:t>
-            </a:r>
+              <a:t>345 Park</a:t>
+            </a:r>
+            <a:r>
+              <a:rPr sz="800" spc="-100">
+                <a:solidFill>
+                  <a:srgbClr val="777879"/>
+                </a:solidFill>
+                <a:latin typeface="Adobe Clean"/>
+                <a:cs typeface="Adobe Clean"/>
+              </a:rPr>
+              <a:t> </a:t>
+            </a:r>
+            <a:r>
+              <a:rPr sz="800" spc="-15">
+                <a:solidFill>
+                  <a:srgbClr val="777879"/>
+                </a:solidFill>
+                <a:latin typeface="Adobe Clean"/>
+                <a:cs typeface="Adobe Clean"/>
+              </a:rPr>
+              <a:t>Avenue</a:t>
+            </a:r>
+            <a:endParaRPr sz="800">
+              <a:latin typeface="Adobe Clean"/>
+              <a:cs typeface="Adobe Clean"/>
+            </a:endParaRPr>
           </a:p>
           <a:p>
             <a:pPr marL="12700">
@@ -13034,15 +15581,49 @@
               </a:lnSpc>
             </a:pPr>
             <a:r>
-              <a:rPr lang="it-IT" sz="800">
+              <a:rPr sz="800" spc="-10">
                 <a:solidFill>
                   <a:srgbClr val="777879"/>
                 </a:solidFill>
                 <a:latin typeface="Adobe Clean"/>
                 <a:cs typeface="Adobe Clean"/>
               </a:rPr>
-              <a:t>San Jose, CA 95110-2704</a:t>
-            </a:r>
+              <a:t>San </a:t>
+            </a:r>
+            <a:r>
+              <a:rPr sz="800" spc="-15">
+                <a:solidFill>
+                  <a:srgbClr val="777879"/>
+                </a:solidFill>
+                <a:latin typeface="Adobe Clean"/>
+                <a:cs typeface="Adobe Clean"/>
+              </a:rPr>
+              <a:t>Jose,</a:t>
+            </a:r>
+            <a:r>
+              <a:rPr sz="800" spc="-140">
+                <a:solidFill>
+                  <a:srgbClr val="777879"/>
+                </a:solidFill>
+                <a:latin typeface="Adobe Clean"/>
+                <a:cs typeface="Adobe Clean"/>
+              </a:rPr>
+              <a:t> </a:t>
+            </a:r>
+            <a:r>
+              <a:rPr sz="800" spc="-20">
+                <a:solidFill>
+                  <a:srgbClr val="777879"/>
+                </a:solidFill>
+                <a:latin typeface="Adobe Clean"/>
+                <a:cs typeface="Adobe Clean"/>
+              </a:rPr>
+              <a:t>CA95110-2704</a:t>
+            </a:r>
+            <a:endParaRPr sz="800">
+              <a:latin typeface="Adobe Clean"/>
+              <a:cs typeface="Adobe Clean"/>
+            </a:endParaRPr>
           </a:p>
           <a:p>
             <a:pPr marL="12700">
@@ -13054,7 +15635,7 @@
               </a:spcBef>
             </a:pPr>
             <a:r>
-              <a:rPr lang="it-IT" sz="800">
+              <a:rPr sz="800" spc="-10">
                 <a:solidFill>
                   <a:srgbClr val="777879"/>
                 </a:solidFill>
@@ -13063,6 +15644,10 @@
               </a:rPr>
               <a:t>USA</a:t>
             </a:r>
+            <a:endParaRPr sz="800">
+              <a:latin typeface="Adobe Clean"/>
+              <a:cs typeface="Adobe Clean"/>
+            </a:endParaRPr>
           </a:p>
           <a:p>
             <a:pPr marL="12700">
@@ -13074,7 +15659,7 @@
               </a:spcBef>
             </a:pPr>
             <a:r>
-              <a:rPr lang="it-IT" sz="800" u="sng">
+              <a:rPr sz="800" u="sng" spc="-25">
                 <a:solidFill>
                   <a:srgbClr val="5F5F5F"/>
                 </a:solidFill>
@@ -13089,6 +15674,10 @@
               </a:rPr>
               <a:t>www.adobe.com</a:t>
             </a:r>
+            <a:endParaRPr sz="800">
+              <a:latin typeface="Adobe Clean"/>
+              <a:cs typeface="Adobe Clean"/>
+            </a:endParaRPr>
           </a:p>
         </p:txBody>
       </p:sp>
@@ -13263,15 +15852,429 @@
               </a:spcBef>
             </a:pPr>
             <a:r>
-              <a:rPr lang="it-IT" sz="1100" i="1">
+              <a:rPr sz="1100" i="1" spc="-10">
                 <a:solidFill>
                   <a:srgbClr val="777879"/>
                 </a:solidFill>
                 <a:latin typeface="AdobeClean-LightIt"/>
                 <a:cs typeface="AdobeClean-LightIt"/>
               </a:rPr>
-              <a:t>Per saperne di più sulle opzioni di Supporto Adobe e capire quale sia il livello più adatto alle tue esigenze, contatta il tuo Named Account Manager (NAM) o Customer Success Manager (CSM).</a:t>
-            </a:r>
+              <a:t>To</a:t>
+            </a:r>
+            <a:r>
+              <a:rPr sz="1100" i="1" spc="-50">
+                <a:solidFill>
+                  <a:srgbClr val="777879"/>
+                </a:solidFill>
+                <a:latin typeface="AdobeClean-LightIt"/>
+                <a:cs typeface="AdobeClean-LightIt"/>
+              </a:rPr>
+              <a:t> </a:t>
+            </a:r>
+            <a:r>
+              <a:rPr sz="1100" i="1" spc="-15">
+                <a:solidFill>
+                  <a:srgbClr val="777879"/>
+                </a:solidFill>
+                <a:latin typeface="AdobeClean-LightIt"/>
+                <a:cs typeface="AdobeClean-LightIt"/>
+              </a:rPr>
+              <a:t>learn</a:t>
+            </a:r>
+            <a:r>
+              <a:rPr sz="1100" i="1" spc="-40">
+                <a:solidFill>
+                  <a:srgbClr val="777879"/>
+                </a:solidFill>
+                <a:latin typeface="AdobeClean-LightIt"/>
+                <a:cs typeface="AdobeClean-LightIt"/>
+              </a:rPr>
+              <a:t> </a:t>
+            </a:r>
+            <a:r>
+              <a:rPr sz="1100" i="1" spc="-15">
+                <a:solidFill>
+                  <a:srgbClr val="777879"/>
+                </a:solidFill>
+                <a:latin typeface="AdobeClean-LightIt"/>
+                <a:cs typeface="AdobeClean-LightIt"/>
+              </a:rPr>
+              <a:t>more</a:t>
+            </a:r>
+            <a:r>
+              <a:rPr sz="1100" i="1" spc="-45">
+                <a:solidFill>
+                  <a:srgbClr val="777879"/>
+                </a:solidFill>
+                <a:latin typeface="AdobeClean-LightIt"/>
+                <a:cs typeface="AdobeClean-LightIt"/>
+              </a:rPr>
+              <a:t> </a:t>
+            </a:r>
+            <a:r>
+              <a:rPr sz="1100" i="1" spc="-15">
+                <a:solidFill>
+                  <a:srgbClr val="777879"/>
+                </a:solidFill>
+                <a:latin typeface="AdobeClean-LightIt"/>
+                <a:cs typeface="AdobeClean-LightIt"/>
+              </a:rPr>
+              <a:t>about</a:t>
+            </a:r>
+            <a:r>
+              <a:rPr sz="1100" i="1" spc="-45">
+                <a:solidFill>
+                  <a:srgbClr val="777879"/>
+                </a:solidFill>
+                <a:latin typeface="AdobeClean-LightIt"/>
+                <a:cs typeface="AdobeClean-LightIt"/>
+              </a:rPr>
+              <a:t> </a:t>
+            </a:r>
+            <a:r>
+              <a:rPr sz="1100" i="1" spc="-15">
+                <a:solidFill>
+                  <a:srgbClr val="777879"/>
+                </a:solidFill>
+                <a:latin typeface="AdobeClean-LightIt"/>
+                <a:cs typeface="AdobeClean-LightIt"/>
+              </a:rPr>
+              <a:t>Adobe</a:t>
+            </a:r>
+            <a:r>
+              <a:rPr sz="1100" i="1" spc="-60">
+                <a:solidFill>
+                  <a:srgbClr val="777879"/>
+                </a:solidFill>
+                <a:latin typeface="AdobeClean-LightIt"/>
+                <a:cs typeface="AdobeClean-LightIt"/>
+              </a:rPr>
+              <a:t> </a:t>
+            </a:r>
+            <a:r>
+              <a:rPr sz="1100" i="1" spc="-15">
+                <a:solidFill>
+                  <a:srgbClr val="777879"/>
+                </a:solidFill>
+                <a:latin typeface="AdobeClean-LightIt"/>
+                <a:cs typeface="AdobeClean-LightIt"/>
+              </a:rPr>
+              <a:t>Support</a:t>
+            </a:r>
+            <a:r>
+              <a:rPr lang="en-US" sz="1100" i="1" spc="-15">
+                <a:solidFill>
+                  <a:srgbClr val="777879"/>
+                </a:solidFill>
+                <a:latin typeface="AdobeClean-LightIt"/>
+                <a:cs typeface="AdobeClean-LightIt"/>
+              </a:rPr>
+              <a:t> Offerings</a:t>
+            </a:r>
+            <a:r>
+              <a:rPr sz="1100" i="1" spc="-75">
+                <a:solidFill>
+                  <a:srgbClr val="777879"/>
+                </a:solidFill>
+                <a:latin typeface="AdobeClean-LightIt"/>
+                <a:cs typeface="AdobeClean-LightIt"/>
+              </a:rPr>
+              <a:t> </a:t>
+            </a:r>
+            <a:r>
+              <a:rPr sz="1100" i="1" spc="-15">
+                <a:solidFill>
+                  <a:srgbClr val="777879"/>
+                </a:solidFill>
+                <a:latin typeface="AdobeClean-LightIt"/>
+                <a:cs typeface="AdobeClean-LightIt"/>
+              </a:rPr>
+              <a:t>and</a:t>
+            </a:r>
+            <a:r>
+              <a:rPr sz="1100" i="1" spc="-50">
+                <a:solidFill>
+                  <a:srgbClr val="777879"/>
+                </a:solidFill>
+                <a:latin typeface="AdobeClean-LightIt"/>
+                <a:cs typeface="AdobeClean-LightIt"/>
+              </a:rPr>
+              <a:t> </a:t>
+            </a:r>
+            <a:r>
+              <a:rPr sz="1100" i="1" spc="-15">
+                <a:solidFill>
+                  <a:srgbClr val="777879"/>
+                </a:solidFill>
+                <a:latin typeface="AdobeClean-LightIt"/>
+                <a:cs typeface="AdobeClean-LightIt"/>
+              </a:rPr>
+              <a:t>the</a:t>
+            </a:r>
+            <a:r>
+              <a:rPr sz="1100" i="1" spc="-55">
+                <a:solidFill>
+                  <a:srgbClr val="777879"/>
+                </a:solidFill>
+                <a:latin typeface="AdobeClean-LightIt"/>
+                <a:cs typeface="AdobeClean-LightIt"/>
+              </a:rPr>
+              <a:t> </a:t>
+            </a:r>
+            <a:r>
+              <a:rPr sz="1100" i="1" spc="-15">
+                <a:solidFill>
+                  <a:srgbClr val="777879"/>
+                </a:solidFill>
+                <a:latin typeface="AdobeClean-LightIt"/>
+                <a:cs typeface="AdobeClean-LightIt"/>
+              </a:rPr>
+              <a:t>right</a:t>
+            </a:r>
+            <a:r>
+              <a:rPr sz="1100" i="1" spc="-95">
+                <a:solidFill>
+                  <a:srgbClr val="777879"/>
+                </a:solidFill>
+                <a:latin typeface="AdobeClean-LightIt"/>
+                <a:cs typeface="AdobeClean-LightIt"/>
+              </a:rPr>
+              <a:t> </a:t>
+            </a:r>
+            <a:r>
+              <a:rPr sz="1100" i="1" spc="-15">
+                <a:solidFill>
+                  <a:srgbClr val="777879"/>
+                </a:solidFill>
+                <a:latin typeface="AdobeClean-LightIt"/>
+                <a:cs typeface="AdobeClean-LightIt"/>
+              </a:rPr>
+              <a:t>level</a:t>
+            </a:r>
+            <a:r>
+              <a:rPr sz="1100" i="1" spc="-55">
+                <a:solidFill>
+                  <a:srgbClr val="777879"/>
+                </a:solidFill>
+                <a:latin typeface="AdobeClean-LightIt"/>
+                <a:cs typeface="AdobeClean-LightIt"/>
+              </a:rPr>
+              <a:t> </a:t>
+            </a:r>
+            <a:r>
+              <a:rPr sz="1100" i="1" spc="-15">
+                <a:solidFill>
+                  <a:srgbClr val="777879"/>
+                </a:solidFill>
+                <a:latin typeface="AdobeClean-LightIt"/>
+                <a:cs typeface="AdobeClean-LightIt"/>
+              </a:rPr>
+              <a:t>for</a:t>
+            </a:r>
+            <a:r>
+              <a:rPr sz="1100" i="1" spc="-85">
+                <a:solidFill>
+                  <a:srgbClr val="777879"/>
+                </a:solidFill>
+                <a:latin typeface="AdobeClean-LightIt"/>
+                <a:cs typeface="AdobeClean-LightIt"/>
+              </a:rPr>
+              <a:t> </a:t>
+            </a:r>
+            <a:r>
+              <a:rPr sz="1100" i="1" spc="-15">
+                <a:solidFill>
+                  <a:srgbClr val="777879"/>
+                </a:solidFill>
+                <a:latin typeface="AdobeClean-LightIt"/>
+                <a:cs typeface="AdobeClean-LightIt"/>
+              </a:rPr>
+              <a:t>you,</a:t>
+            </a:r>
+            <a:r>
+              <a:rPr sz="1100" i="1" spc="-65">
+                <a:solidFill>
+                  <a:srgbClr val="777879"/>
+                </a:solidFill>
+                <a:latin typeface="AdobeClean-LightIt"/>
+                <a:cs typeface="AdobeClean-LightIt"/>
+              </a:rPr>
+              <a:t> </a:t>
+            </a:r>
+            <a:r>
+              <a:rPr sz="1100" i="1" spc="-15">
+                <a:solidFill>
+                  <a:srgbClr val="777879"/>
+                </a:solidFill>
+                <a:latin typeface="AdobeClean-LightIt"/>
+                <a:cs typeface="AdobeClean-LightIt"/>
+              </a:rPr>
+              <a:t>contact</a:t>
+            </a:r>
+            <a:r>
+              <a:rPr sz="1100" i="1" spc="-85">
+                <a:solidFill>
+                  <a:srgbClr val="777879"/>
+                </a:solidFill>
+                <a:latin typeface="AdobeClean-LightIt"/>
+                <a:cs typeface="AdobeClean-LightIt"/>
+              </a:rPr>
+              <a:t> </a:t>
+            </a:r>
+            <a:r>
+              <a:rPr sz="1100" i="1" spc="-15">
+                <a:solidFill>
+                  <a:srgbClr val="777879"/>
+                </a:solidFill>
+                <a:latin typeface="AdobeClean-LightIt"/>
+                <a:cs typeface="AdobeClean-LightIt"/>
+              </a:rPr>
+              <a:t>your</a:t>
+            </a:r>
+            <a:r>
+              <a:rPr sz="1100" i="1" spc="-70">
+                <a:solidFill>
+                  <a:srgbClr val="777879"/>
+                </a:solidFill>
+                <a:latin typeface="AdobeClean-LightIt"/>
+                <a:cs typeface="AdobeClean-LightIt"/>
+              </a:rPr>
+              <a:t> </a:t>
+            </a:r>
+            <a:r>
+              <a:rPr sz="1100" i="1" spc="-15">
+                <a:solidFill>
+                  <a:srgbClr val="777879"/>
+                </a:solidFill>
+                <a:latin typeface="AdobeClean-LightIt"/>
+                <a:cs typeface="AdobeClean-LightIt"/>
+              </a:rPr>
+              <a:t>Named</a:t>
+            </a:r>
+            <a:r>
+              <a:rPr sz="1100" i="1" spc="-55">
+                <a:solidFill>
+                  <a:srgbClr val="777879"/>
+                </a:solidFill>
+                <a:latin typeface="AdobeClean-LightIt"/>
+                <a:cs typeface="AdobeClean-LightIt"/>
+              </a:rPr>
+              <a:t> </a:t>
+            </a:r>
+            <a:r>
+              <a:rPr sz="1100" i="1" spc="-25">
+                <a:solidFill>
+                  <a:srgbClr val="777879"/>
+                </a:solidFill>
+                <a:latin typeface="AdobeClean-LightIt"/>
+                <a:cs typeface="AdobeClean-LightIt"/>
+              </a:rPr>
+              <a:t>Account</a:t>
+            </a:r>
+            <a:r>
+              <a:rPr sz="1100" i="1" spc="-120">
+                <a:solidFill>
+                  <a:srgbClr val="777879"/>
+                </a:solidFill>
+                <a:latin typeface="AdobeClean-LightIt"/>
+                <a:cs typeface="AdobeClean-LightIt"/>
+              </a:rPr>
+              <a:t> </a:t>
+            </a:r>
+            <a:r>
+              <a:rPr sz="1100" i="1" spc="-20">
+                <a:solidFill>
+                  <a:srgbClr val="777879"/>
+                </a:solidFill>
+                <a:latin typeface="AdobeClean-LightIt"/>
+                <a:cs typeface="AdobeClean-LightIt"/>
+              </a:rPr>
+              <a:t>Manager  </a:t>
+            </a:r>
+            <a:r>
+              <a:rPr sz="1100" i="1" spc="-15">
+                <a:solidFill>
+                  <a:srgbClr val="777879"/>
+                </a:solidFill>
+                <a:latin typeface="AdobeClean-LightIt"/>
+                <a:cs typeface="AdobeClean-LightIt"/>
+              </a:rPr>
+              <a:t>(NAM) </a:t>
+            </a:r>
+            <a:r>
+              <a:rPr sz="1100" i="1" spc="-10">
+                <a:solidFill>
+                  <a:srgbClr val="777879"/>
+                </a:solidFill>
+                <a:latin typeface="AdobeClean-LightIt"/>
+                <a:cs typeface="AdobeClean-LightIt"/>
+              </a:rPr>
+              <a:t>or </a:t>
+            </a:r>
+            <a:r>
+              <a:rPr sz="1100" i="1" spc="-15">
+                <a:solidFill>
+                  <a:srgbClr val="777879"/>
+                </a:solidFill>
+                <a:latin typeface="AdobeClean-LightIt"/>
+                <a:cs typeface="AdobeClean-LightIt"/>
+              </a:rPr>
+              <a:t>Customer </a:t>
+            </a:r>
+            <a:r>
+              <a:rPr sz="1100" i="1" spc="-20">
+                <a:solidFill>
+                  <a:srgbClr val="777879"/>
+                </a:solidFill>
+                <a:latin typeface="AdobeClean-LightIt"/>
+                <a:cs typeface="AdobeClean-LightIt"/>
+              </a:rPr>
+              <a:t>Success</a:t>
+            </a:r>
+            <a:r>
+              <a:rPr sz="1100" i="1" spc="-180">
+                <a:solidFill>
+                  <a:srgbClr val="777879"/>
+                </a:solidFill>
+                <a:latin typeface="AdobeClean-LightIt"/>
+                <a:cs typeface="AdobeClean-LightIt"/>
+              </a:rPr>
+              <a:t> </a:t>
+            </a:r>
+            <a:r>
+              <a:rPr sz="1100" i="1" spc="-15">
+                <a:solidFill>
+                  <a:srgbClr val="777879"/>
+                </a:solidFill>
+                <a:latin typeface="AdobeClean-LightIt"/>
+                <a:cs typeface="AdobeClean-LightIt"/>
+              </a:rPr>
+              <a:t>Manager</a:t>
+            </a:r>
+            <a:r>
+              <a:rPr lang="en-US" sz="1100" i="1" spc="-15">
+                <a:solidFill>
+                  <a:srgbClr val="777879"/>
+                </a:solidFill>
+                <a:latin typeface="AdobeClean-LightIt"/>
+                <a:cs typeface="AdobeClean-LightIt"/>
+              </a:rPr>
+              <a:t> </a:t>
+            </a:r>
+            <a:r>
+              <a:rPr sz="1100" i="1" spc="-15">
+                <a:solidFill>
+                  <a:srgbClr val="777879"/>
+                </a:solidFill>
+                <a:latin typeface="AdobeClean-LightIt"/>
+                <a:cs typeface="AdobeClean-LightIt"/>
+              </a:rPr>
+              <a:t>(CSM)</a:t>
+            </a:r>
+            <a:endParaRPr sz="1100">
+              <a:latin typeface="AdobeClean-LightIt"/>
+              <a:cs typeface="AdobeClean-LightIt"/>
+            </a:endParaRPr>
           </a:p>
           <a:p>
             <a:pPr marL="34290">
@@ -13283,15 +16286,59 @@
               </a:spcBef>
             </a:pPr>
             <a:r>
-              <a:rPr lang="it-IT" sz="800">
+              <a:rPr sz="800" spc="-5">
                 <a:solidFill>
                   <a:srgbClr val="6D6D6D"/>
                 </a:solidFill>
                 <a:latin typeface="Adobe Clean"/>
                 <a:cs typeface="Adobe Clean"/>
               </a:rPr>
-              <a:t>©2021 Adobe. All Rights Reserved. Adobe Confidential.</a:t>
-            </a:r>
+              <a:t>©202</a:t>
+            </a:r>
+            <a:r>
+              <a:rPr lang="en-US" sz="800" spc="-5">
+                <a:solidFill>
+                  <a:srgbClr val="6D6D6D"/>
+                </a:solidFill>
+                <a:latin typeface="Adobe Clean"/>
+                <a:cs typeface="Adobe Clean"/>
+              </a:rPr>
+              <a:t>1</a:t>
+            </a:r>
+            <a:r>
+              <a:rPr sz="800" spc="-5">
+                <a:solidFill>
+                  <a:srgbClr val="6D6D6D"/>
+                </a:solidFill>
+                <a:latin typeface="Adobe Clean"/>
+                <a:cs typeface="Adobe Clean"/>
+              </a:rPr>
+              <a:t> Adobe. All Rights Reserved. Adobe</a:t>
+            </a:r>
+            <a:r>
+              <a:rPr sz="800" spc="75">
+                <a:solidFill>
+                  <a:srgbClr val="6D6D6D"/>
+                </a:solidFill>
+                <a:latin typeface="Adobe Clean"/>
+                <a:cs typeface="Adobe Clean"/>
+              </a:rPr>
+              <a:t> </a:t>
+            </a:r>
+            <a:r>
+              <a:rPr sz="800" spc="-5">
+                <a:solidFill>
+                  <a:srgbClr val="6D6D6D"/>
+                </a:solidFill>
+                <a:latin typeface="Adobe Clean"/>
+                <a:cs typeface="Adobe Clean"/>
+              </a:rPr>
+              <a:t>Confidential.</a:t>
+            </a:r>
+            <a:endParaRPr sz="800">
+              <a:latin typeface="Adobe Clean"/>
+              <a:cs typeface="Adobe Clean"/>
+            </a:endParaRPr>
           </a:p>
         </p:txBody>
       </p:sp>
@@ -13328,15 +16375,19 @@
               </a:spcBef>
             </a:pPr>
             <a:r>
-              <a:rPr lang="it-IT" sz="1400" b="1" dirty="0">
+              <a:rPr lang="en-US" sz="1400" b="1" spc="-15">
                 <a:solidFill>
                   <a:srgbClr val="020302"/>
                 </a:solidFill>
                 <a:latin typeface="Adobe Clean"/>
                 <a:cs typeface="Adobe Clean"/>
               </a:rPr>
-              <a:t>Supporto Adobe: aree geografiche, orari operativi e lingue</a:t>
-            </a:r>
+              <a:t>Regional scope of Adobe Support, Local Hours Of Operation And Language Support</a:t>
+            </a:r>
+            <a:endParaRPr lang="en-US" sz="1400" spc="-15">
+              <a:ea typeface="+mn-lt"/>
+              <a:cs typeface="+mn-lt"/>
+            </a:endParaRPr>
           </a:p>
           <a:p>
             <a:pPr>
@@ -13345,31 +16396,17 @@
               </a:spcBef>
             </a:pPr>
             <a:r>
-              <a:rPr lang="it-IT" sz="1000" dirty="0">
+              <a:rPr lang="en-US" sz="1000" spc="-15">
                 <a:solidFill>
                   <a:srgbClr val="1F1F1F"/>
                 </a:solidFill>
                 <a:latin typeface="AdobeClean-Light"/>
               </a:rPr>
-              <a:t>L’ambito del supporto Adobe è definito allineando l’indirizzo di fatturazione del cliente </a:t>
-            </a:r>
-            <a:br>
-              <a:rPr lang="sk-SK" sz="1000" dirty="0">
-                <a:solidFill>
-                  <a:srgbClr val="1F1F1F"/>
-                </a:solidFill>
-                <a:latin typeface="AdobeClean-Light"/>
-              </a:rPr>
-            </a:br>
-            <a:r>
-              <a:rPr lang="it-IT" sz="1000" dirty="0">
-                <a:solidFill>
-                  <a:srgbClr val="1F1F1F"/>
-                </a:solidFill>
-                <a:latin typeface="AdobeClean-Light"/>
-              </a:rPr>
-              <a:t>(in base all’ordine di vendita o altro documento di acquisto del servizio di supporto Adobe) a una delle seguenti aree geografiche:</a:t>
-            </a:r>
+              <a:t>The regional scope of Adobe Support is established by aligning the customer's billing address (via the Sales Order or other Adobe Support purchasing document) to one of the following regions:</a:t>
+            </a:r>
+            <a:endParaRPr lang="en-US" sz="1000">
+              <a:latin typeface="AdobeClean-Light"/>
+            </a:endParaRPr>
           </a:p>
         </p:txBody>
       </p:sp>
@@ -13441,13 +16478,13 @@
                     <a:p>
                       <a:pPr algn="ctr"/>
                       <a:r>
-                        <a:rPr lang="it-IT" sz="1100">
+                        <a:rPr lang="en-US" sz="1100">
                           <a:solidFill>
                             <a:schemeClr val="tx1"/>
                           </a:solidFill>
                           <a:latin typeface="Adobe Clean" panose="020B0503020404020204" pitchFamily="34" charset="0"/>
                         </a:rPr>
-                        <a:t>Americhe</a:t>
+                        <a:t>Americas</a:t>
                       </a:r>
                     </a:p>
                   </a:txBody>
@@ -13506,13 +16543,13 @@
                     <a:p>
                       <a:pPr algn="ctr"/>
                       <a:r>
-                        <a:rPr lang="it-IT" sz="1100">
+                        <a:rPr lang="en-US" sz="1100">
                           <a:solidFill>
                             <a:schemeClr val="tx1"/>
                           </a:solidFill>
                           <a:latin typeface="Adobe Clean" panose="020B0503020404020204" pitchFamily="34" charset="0"/>
                         </a:rPr>
-                        <a:t>Europa, Medio Oriente e Africa</a:t>
+                        <a:t>Europe, Middle East &amp; Africa</a:t>
                       </a:r>
                     </a:p>
                   </a:txBody>
@@ -13571,13 +16608,13 @@
                     <a:p>
                       <a:pPr algn="ctr"/>
                       <a:r>
-                        <a:rPr lang="it-IT" sz="1100">
+                        <a:rPr lang="en-US" sz="1100">
                           <a:solidFill>
                             <a:schemeClr val="tx1"/>
                           </a:solidFill>
                           <a:latin typeface="Adobe Clean" panose="020B0503020404020204" pitchFamily="34" charset="0"/>
                         </a:rPr>
-                        <a:t>Asia-Pacifico</a:t>
+                        <a:t>Asia Pacific</a:t>
                       </a:r>
                     </a:p>
                   </a:txBody>
@@ -13636,16 +16673,16 @@
                     <a:p>
                       <a:pPr algn="ctr"/>
                       <a:r>
-                        <a:rPr lang="it-IT" sz="1100">
+                        <a:rPr lang="en-US" sz="1100">
                           <a:solidFill>
                             <a:schemeClr val="tx1"/>
                           </a:solidFill>
                           <a:latin typeface="Adobe Clean" panose="020B0503020404020204" pitchFamily="34" charset="0"/>
                         </a:rPr>
-                        <a:t>Giappone</a:t>
+                        <a:t>Japan </a:t>
                       </a:r>
                       <a:r>
-                        <a:rPr lang="it-IT" sz="1100" baseline="30000">
+                        <a:rPr lang="en-US" sz="1100" baseline="30000">
                           <a:solidFill>
                             <a:schemeClr val="tx1"/>
                           </a:solidFill>
@@ -13653,6 +16690,12 @@
                         </a:rPr>
                         <a:t>1 </a:t>
                       </a:r>
+                      <a:endParaRPr lang="en-US" sz="1100">
+                        <a:solidFill>
+                          <a:schemeClr val="tx1"/>
+                        </a:solidFill>
+                        <a:latin typeface="Adobe Clean" panose="020B0503020404020204" pitchFamily="34" charset="0"/>
+                      </a:endParaRPr>
                     </a:p>
                   </a:txBody>
                   <a:tcPr anchor="ctr">
@@ -13717,13 +16760,13 @@
                     <a:p>
                       <a:pPr algn="ctr"/>
                       <a:r>
-                        <a:rPr lang="it-IT" sz="1100">
+                        <a:rPr lang="en-US" sz="1100">
                           <a:solidFill>
                             <a:schemeClr val="tx1"/>
                           </a:solidFill>
                           <a:latin typeface="Adobe Clean" panose="020B0503020404020204" pitchFamily="34" charset="0"/>
                         </a:rPr>
-                        <a:t>06:00 – 17:30</a:t>
+                        <a:t>6 am – 5:30 pm</a:t>
                       </a:r>
                     </a:p>
                   </a:txBody>
@@ -13782,13 +16825,13 @@
                     <a:p>
                       <a:pPr algn="ctr"/>
                       <a:r>
-                        <a:rPr lang="it-IT" sz="1100">
+                        <a:rPr lang="en-US" sz="1100">
                           <a:solidFill>
                             <a:schemeClr val="tx1"/>
                           </a:solidFill>
                           <a:latin typeface="Adobe Clean" panose="020B0503020404020204" pitchFamily="34" charset="0"/>
                         </a:rPr>
-                        <a:t>09:00 – 17:00</a:t>
+                        <a:t>9 am – 5 pm</a:t>
                       </a:r>
                     </a:p>
                   </a:txBody>
@@ -13847,13 +16890,13 @@
                     <a:p>
                       <a:pPr algn="ctr"/>
                       <a:r>
-                        <a:rPr lang="it-IT" sz="1100">
+                        <a:rPr lang="en-US" sz="1100">
                           <a:solidFill>
                             <a:schemeClr val="tx1"/>
                           </a:solidFill>
                           <a:latin typeface="Adobe Clean" panose="020B0503020404020204" pitchFamily="34" charset="0"/>
                         </a:rPr>
-                        <a:t>09:00 – 17:00</a:t>
+                        <a:t>9 am – 5 pm</a:t>
                       </a:r>
                     </a:p>
                   </a:txBody>
@@ -13912,13 +16955,13 @@
                     <a:p>
                       <a:pPr algn="ctr"/>
                       <a:r>
-                        <a:rPr lang="it-IT" sz="1100">
+                        <a:rPr lang="en-US" sz="1100">
                           <a:solidFill>
                             <a:schemeClr val="tx1"/>
                           </a:solidFill>
                           <a:latin typeface="Adobe Clean" panose="020B0503020404020204" pitchFamily="34" charset="0"/>
                         </a:rPr>
-                        <a:t>09:00 – 17:30</a:t>
+                        <a:t>9 am – 5:30 pm</a:t>
                       </a:r>
                     </a:p>
                   </a:txBody>
@@ -13998,17 +17041,23 @@
                         <a:buNone/>
                       </a:pPr>
                       <a:r>
-                        <a:rPr lang="it-IT" sz="1100">
+                        <a:rPr lang="en-US" sz="1100">
                           <a:solidFill>
                             <a:schemeClr val="tx1"/>
                           </a:solidFill>
                           <a:latin typeface="Adobe Clean"/>
                         </a:rPr>
-                        <a:t>Il supporto è disponibile solo in inglese e giapponese. </a:t>
+                        <a:t>Language support is only available in English and Japanese. </a:t>
                       </a:r>
+                      <a:endParaRPr lang="en-US" sz="1100">
+                        <a:solidFill>
+                          <a:schemeClr val="tx1"/>
+                        </a:solidFill>
+                        <a:latin typeface="Adobe Clean" panose="020B0503020404020204" pitchFamily="34" charset="0"/>
+                      </a:endParaRPr>
                     </a:p>
                     <a:p>
-                      <a:pPr marL="0" marR="0" lvl="0" indent="0" algn="l" defTabSz="914400" rtl="0" eaLnBrk="1" fontAlgn="auto" latinLnBrk="0" hangingPunct="1">
+                      <a:pPr marL="0" marR="0" lvl="0" indent="0" algn="ctr" defTabSz="914400" eaLnBrk="1" fontAlgn="auto" latinLnBrk="0" hangingPunct="1">
                         <a:lnSpc>
                           <a:spcPct val="100000"/>
                         </a:lnSpc>
@@ -14025,7 +17074,7 @@
                         <a:tabLst/>
                         <a:defRPr/>
                       </a:pPr>
-                      <a:endParaRPr kumimoji="0" lang="en-US" sz="1100" b="1" i="0" u="none" strike="noStrike" kern="0" cap="none" spc="0" normalizeH="0" baseline="30000" noProof="0" dirty="0">
+                      <a:endParaRPr kumimoji="0" lang="en-US" sz="1100" b="1" i="0" u="none" strike="noStrike" kern="0" cap="none" spc="0" normalizeH="0" baseline="30000" noProof="0">
                         <a:ln>
                           <a:noFill/>
                         </a:ln>
@@ -14043,7 +17092,7 @@
                     <a:p>
                       <a:pPr algn="ctr"/>
                       <a:r>
-                        <a:rPr lang="it-IT" sz="1100" i="0">
+                        <a:rPr lang="en-US" sz="1100" i="0">
                           <a:solidFill>
                             <a:schemeClr val="tx1"/>
                           </a:solidFill>
@@ -14052,7 +17101,7 @@
                         <a:t> </a:t>
                       </a:r>
                       <a:r>
-                        <a:rPr lang="it-IT" sz="1100" i="0" baseline="30000">
+                        <a:rPr lang="en-US" sz="1100" i="0" baseline="30000">
                           <a:solidFill>
                             <a:schemeClr val="tx1"/>
                           </a:solidFill>
@@ -14061,14 +17110,20 @@
                         <a:t>1 </a:t>
                       </a:r>
                       <a:r>
-                        <a:rPr lang="it-IT" sz="1100" i="0">
+                        <a:rPr lang="en-US" sz="1100" i="0">
                           <a:solidFill>
                             <a:schemeClr val="tx1"/>
                           </a:solidFill>
                           <a:latin typeface="Adobe Clean"/>
                         </a:rPr>
-                        <a:t>In Giappone, i casi P2, P3 e P4 sono limitati al solo orario operativo.</a:t>
+                        <a:t>P2, P3, P4 cases are limited to business hours only in Japan.</a:t>
                       </a:r>
+                      <a:endParaRPr lang="en-US" sz="1100" b="1" i="0">
+                        <a:solidFill>
+                          <a:schemeClr val="tx1"/>
+                        </a:solidFill>
+                        <a:latin typeface="Adobe Clean"/>
+                      </a:endParaRPr>
                     </a:p>
                   </a:txBody>
                   <a:tcPr anchor="ctr">
@@ -14124,7 +17179,7 @@
                     <a:bodyPr/>
                     <a:lstStyle/>
                     <a:p>
-                      <a:endParaRPr lang="en-US" sz="1100" dirty="0">
+                      <a:endParaRPr lang="en-US" sz="1100">
                         <a:solidFill>
                           <a:schemeClr val="tx1"/>
                         </a:solidFill>
@@ -14185,7 +17240,7 @@
                     <a:bodyPr/>
                     <a:lstStyle/>
                     <a:p>
-                      <a:endParaRPr lang="en-US" sz="1100" dirty="0">
+                      <a:endParaRPr lang="en-US" sz="1100">
                         <a:solidFill>
                           <a:schemeClr val="tx1"/>
                         </a:solidFill>
@@ -14246,7 +17301,7 @@
                     <a:bodyPr/>
                     <a:lstStyle/>
                     <a:p>
-                      <a:endParaRPr lang="en-US" sz="1100" dirty="0">
+                      <a:endParaRPr lang="en-US" sz="1100">
                         <a:solidFill>
                           <a:schemeClr val="tx1"/>
                         </a:solidFill>
@@ -14432,15 +17487,129 @@
               </a:spcBef>
             </a:pPr>
             <a:r>
-              <a:rPr lang="it-IT" sz="1200" b="1">
+              <a:rPr sz="1200" b="1" spc="-15">
                 <a:solidFill>
                   <a:srgbClr val="FFFFFF"/>
                 </a:solidFill>
                 <a:latin typeface="Adobe Clean"/>
                 <a:cs typeface="Adobe Clean"/>
               </a:rPr>
-              <a:t>Eccellenza tecnica</a:t>
-            </a:r>
+              <a:t>U</a:t>
+            </a:r>
+            <a:r>
+              <a:rPr sz="1200" b="1" spc="-20">
+                <a:solidFill>
+                  <a:srgbClr val="FFFFFF"/>
+                </a:solidFill>
+                <a:latin typeface="Adobe Clean"/>
+                <a:cs typeface="Adobe Clean"/>
+              </a:rPr>
+              <a:t>n</a:t>
+            </a:r>
+            <a:r>
+              <a:rPr sz="1200" b="1" spc="-25">
+                <a:solidFill>
+                  <a:srgbClr val="FFFFFF"/>
+                </a:solidFill>
+                <a:latin typeface="Adobe Clean"/>
+                <a:cs typeface="Adobe Clean"/>
+              </a:rPr>
+              <a:t>p</a:t>
+            </a:r>
+            <a:r>
+              <a:rPr sz="1200" b="1" spc="-15">
+                <a:solidFill>
+                  <a:srgbClr val="FFFFFF"/>
+                </a:solidFill>
+                <a:latin typeface="Adobe Clean"/>
+                <a:cs typeface="Adobe Clean"/>
+              </a:rPr>
+              <a:t>a</a:t>
+            </a:r>
+            <a:r>
+              <a:rPr sz="1200" b="1" spc="-25">
+                <a:solidFill>
+                  <a:srgbClr val="FFFFFF"/>
+                </a:solidFill>
+                <a:latin typeface="Adobe Clean"/>
+                <a:cs typeface="Adobe Clean"/>
+              </a:rPr>
+              <a:t>r</a:t>
+            </a:r>
+            <a:r>
+              <a:rPr sz="1200" b="1" spc="-15">
+                <a:solidFill>
+                  <a:srgbClr val="FFFFFF"/>
+                </a:solidFill>
+                <a:latin typeface="Adobe Clean"/>
+                <a:cs typeface="Adobe Clean"/>
+              </a:rPr>
+              <a:t>a</a:t>
+            </a:r>
+            <a:r>
+              <a:rPr sz="1200" b="1" spc="-30">
+                <a:solidFill>
+                  <a:srgbClr val="FFFFFF"/>
+                </a:solidFill>
+                <a:latin typeface="Adobe Clean"/>
+                <a:cs typeface="Adobe Clean"/>
+              </a:rPr>
+              <a:t>ll</a:t>
+            </a:r>
+            <a:r>
+              <a:rPr sz="1200" b="1" spc="-25">
+                <a:solidFill>
+                  <a:srgbClr val="FFFFFF"/>
+                </a:solidFill>
+                <a:latin typeface="Adobe Clean"/>
+                <a:cs typeface="Adobe Clean"/>
+              </a:rPr>
+              <a:t>e</a:t>
+            </a:r>
+            <a:r>
+              <a:rPr sz="1200" b="1" spc="-30">
+                <a:solidFill>
+                  <a:srgbClr val="FFFFFF"/>
+                </a:solidFill>
+                <a:latin typeface="Adobe Clean"/>
+                <a:cs typeface="Adobe Clean"/>
+              </a:rPr>
+              <a:t>l</a:t>
+            </a:r>
+            <a:r>
+              <a:rPr sz="1200" b="1" spc="-25">
+                <a:solidFill>
+                  <a:srgbClr val="FFFFFF"/>
+                </a:solidFill>
+                <a:latin typeface="Adobe Clean"/>
+                <a:cs typeface="Adobe Clean"/>
+              </a:rPr>
+              <a:t>e</a:t>
+            </a:r>
+            <a:r>
+              <a:rPr sz="1200" b="1">
+                <a:solidFill>
+                  <a:srgbClr val="FFFFFF"/>
+                </a:solidFill>
+                <a:latin typeface="Adobe Clean"/>
+                <a:cs typeface="Adobe Clean"/>
+              </a:rPr>
+              <a:t>d  </a:t>
+            </a:r>
+            <a:r>
+              <a:rPr sz="1200" b="1" spc="-25">
+                <a:solidFill>
+                  <a:srgbClr val="FFFFFF"/>
+                </a:solidFill>
+                <a:latin typeface="Adobe Clean"/>
+                <a:cs typeface="Adobe Clean"/>
+              </a:rPr>
+              <a:t>Expertise</a:t>
+            </a:r>
+            <a:endParaRPr sz="1200">
+              <a:latin typeface="Adobe Clean"/>
+              <a:cs typeface="Adobe Clean"/>
+            </a:endParaRPr>
           </a:p>
         </p:txBody>
       </p:sp>
@@ -14480,15 +17649,19 @@
               </a:spcBef>
             </a:pPr>
             <a:r>
-              <a:rPr lang="it-IT" sz="1200" b="1">
+              <a:rPr lang="en-US" sz="1200" b="1" spc="-15">
                 <a:solidFill>
                   <a:srgbClr val="FFFFFF"/>
                 </a:solidFill>
                 <a:latin typeface="Adobe Clean"/>
                 <a:cs typeface="Adobe Clean"/>
               </a:rPr>
-              <a:t>Supporto rapido</a:t>
-            </a:r>
+              <a:t>Accelerated Support</a:t>
+            </a:r>
+            <a:endParaRPr sz="1200">
+              <a:latin typeface="Adobe Clean"/>
+              <a:cs typeface="Adobe Clean"/>
+            </a:endParaRPr>
           </a:p>
         </p:txBody>
       </p:sp>
@@ -14506,8 +17679,8 @@
         </p:nvSpPr>
         <p:spPr>
           <a:xfrm>
-            <a:off x="6477000" y="8543943"/>
-            <a:ext cx="810895" cy="385445"/>
+            <a:off x="6624119" y="8543943"/>
+            <a:ext cx="510540" cy="385445"/>
           </a:xfrm>
           <a:prstGeom prst="rect">
             <a:avLst/>
@@ -14528,15 +17701,109 @@
               </a:spcBef>
             </a:pPr>
             <a:r>
-              <a:rPr lang="it-IT" sz="1200" b="1" dirty="0">
+              <a:rPr sz="1200" b="1" spc="-50">
                 <a:solidFill>
                   <a:srgbClr val="FFFFFF"/>
                 </a:solidFill>
                 <a:latin typeface="Adobe Clean"/>
                 <a:cs typeface="Adobe Clean"/>
               </a:rPr>
-              <a:t>Consulenza strategica</a:t>
-            </a:r>
+              <a:t>S</a:t>
+            </a:r>
+            <a:r>
+              <a:rPr sz="1200" b="1" spc="-20">
+                <a:solidFill>
+                  <a:srgbClr val="FFFFFF"/>
+                </a:solidFill>
+                <a:latin typeface="Adobe Clean"/>
+                <a:cs typeface="Adobe Clean"/>
+              </a:rPr>
+              <a:t>t</a:t>
+            </a:r>
+            <a:r>
+              <a:rPr sz="1200" b="1" spc="-75">
+                <a:solidFill>
+                  <a:srgbClr val="FFFFFF"/>
+                </a:solidFill>
+                <a:latin typeface="Adobe Clean"/>
+                <a:cs typeface="Adobe Clean"/>
+              </a:rPr>
+              <a:t>r</a:t>
+            </a:r>
+            <a:r>
+              <a:rPr sz="1200" b="1" spc="-90">
+                <a:solidFill>
+                  <a:srgbClr val="FFFFFF"/>
+                </a:solidFill>
+                <a:latin typeface="Adobe Clean"/>
+                <a:cs typeface="Adobe Clean"/>
+              </a:rPr>
+              <a:t>a</a:t>
+            </a:r>
+            <a:r>
+              <a:rPr sz="1200" b="1" spc="-55">
+                <a:solidFill>
+                  <a:srgbClr val="FFFFFF"/>
+                </a:solidFill>
+                <a:latin typeface="Adobe Clean"/>
+                <a:cs typeface="Adobe Clean"/>
+              </a:rPr>
+              <a:t>t</a:t>
+            </a:r>
+            <a:r>
+              <a:rPr sz="1200" b="1" spc="-100">
+                <a:solidFill>
+                  <a:srgbClr val="FFFFFF"/>
+                </a:solidFill>
+                <a:latin typeface="Adobe Clean"/>
+                <a:cs typeface="Adobe Clean"/>
+              </a:rPr>
+              <a:t>e</a:t>
+            </a:r>
+            <a:r>
+              <a:rPr sz="1200" b="1" spc="-80">
+                <a:solidFill>
+                  <a:srgbClr val="FFFFFF"/>
+                </a:solidFill>
+                <a:latin typeface="Adobe Clean"/>
+                <a:cs typeface="Adobe Clean"/>
+              </a:rPr>
+              <a:t>g</a:t>
+            </a:r>
+            <a:r>
+              <a:rPr sz="1200" b="1" spc="-35">
+                <a:solidFill>
+                  <a:srgbClr val="FFFFFF"/>
+                </a:solidFill>
+                <a:latin typeface="Adobe Clean"/>
+                <a:cs typeface="Adobe Clean"/>
+              </a:rPr>
+              <a:t>i</a:t>
+            </a:r>
+            <a:r>
+              <a:rPr sz="1200" b="1">
+                <a:solidFill>
+                  <a:srgbClr val="FFFFFF"/>
+                </a:solidFill>
+                <a:latin typeface="Adobe Clean"/>
+                <a:cs typeface="Adobe Clean"/>
+              </a:rPr>
+              <a:t>c  </a:t>
+            </a:r>
+            <a:r>
+              <a:rPr sz="1200" b="1" spc="-45">
+                <a:solidFill>
+                  <a:srgbClr val="FFFFFF"/>
+                </a:solidFill>
+                <a:latin typeface="Adobe Clean"/>
+                <a:cs typeface="Adobe Clean"/>
+              </a:rPr>
+              <a:t>Advice</a:t>
+            </a:r>
+            <a:endParaRPr sz="1200">
+              <a:latin typeface="Adobe Clean"/>
+              <a:cs typeface="Adobe Clean"/>
+            </a:endParaRPr>
           </a:p>
         </p:txBody>
       </p:sp>
@@ -14555,14 +17822,14 @@
           <p:nvPr>
             <p:extLst>
               <p:ext uri="{D42A27DB-BD31-4B8C-83A1-F6EECF244321}">
-                <p14:modId xmlns:p14="http://schemas.microsoft.com/office/powerpoint/2010/main" val="3712755428"/>
+                <p14:modId xmlns:p14="http://schemas.microsoft.com/office/powerpoint/2010/main" val="1493671087"/>
               </p:ext>
             </p:extLst>
           </p:nvPr>
         </p:nvGraphicFramePr>
         <p:xfrm>
           <a:off x="194236" y="1059345"/>
-          <a:ext cx="7368291" cy="3235960"/>
+          <a:ext cx="7368291" cy="2931160"/>
         </p:xfrm>
         <a:graphic>
           <a:graphicData uri="http://schemas.openxmlformats.org/drawingml/2006/table">
@@ -14593,7 +17860,7 @@
                     <a:lstStyle/>
                     <a:p>
                       <a:r>
-                        <a:rPr lang="it-IT" sz="1100" b="0">
+                        <a:rPr lang="en-US" sz="1100" b="0">
                           <a:solidFill>
                             <a:schemeClr val="tx1"/>
                           </a:solidFill>
@@ -14604,6 +17871,14 @@
                         </a:rPr>
                         <a:t>Experience League</a:t>
                       </a:r>
+                      <a:endParaRPr lang="en-US" sz="1100" b="0">
+                        <a:solidFill>
+                          <a:schemeClr val="tx1"/>
+                        </a:solidFill>
+                        <a:latin typeface="Adobe Clean" panose="020B0503020404020204" pitchFamily="34" charset="0"/>
+                        <a:ea typeface="+mn-ea"/>
+                        <a:cs typeface="+mn-cs"/>
+                      </a:endParaRPr>
                     </a:p>
                   </a:txBody>
                   <a:tcPr marL="47625" marR="47625" marT="0" marB="0" anchor="ctr">
@@ -14677,7 +17952,7 @@
                         <a:defRPr/>
                       </a:pPr>
                       <a:r>
-                        <a:rPr lang="it-IT" sz="1000" b="0" dirty="0">
+                        <a:rPr lang="en-US" sz="1000" b="0" kern="1200">
                           <a:solidFill>
                             <a:srgbClr val="000000"/>
                           </a:solidFill>
@@ -14685,28 +17960,7 @@
                           <a:ea typeface="+mn-ea"/>
                           <a:cs typeface="+mn-cs"/>
                         </a:rPr>
-                        <a:t>Con Experience League, Adobe aiuta le aziende a conseguire il valore che si aspettano dalle soluzioni Adobe in cui hanno investito. In questo portale unificato, puoi imparare, relazionarti con altri professionisti </a:t>
-                      </a:r>
-                      <a:br>
-                        <a:rPr lang="sk-SK" sz="1000" b="0" dirty="0">
-                          <a:solidFill>
-                            <a:srgbClr val="000000"/>
-                          </a:solidFill>
-                          <a:latin typeface="Adobe Clean Light" panose="020B0303020404020204" pitchFamily="34" charset="0"/>
-                          <a:ea typeface="+mn-ea"/>
-                          <a:cs typeface="+mn-cs"/>
-                        </a:rPr>
-                      </a:br>
-                      <a:r>
-                        <a:rPr lang="it-IT" sz="1000" b="0" dirty="0">
-                          <a:solidFill>
-                            <a:srgbClr val="000000"/>
-                          </a:solidFill>
-                          <a:latin typeface="Adobe Clean Light" panose="020B0303020404020204" pitchFamily="34" charset="0"/>
-                          <a:ea typeface="+mn-ea"/>
-                          <a:cs typeface="+mn-cs"/>
-                        </a:rPr>
-                        <a:t>e crescere seguendo un percorso personalizzato con tutorial, documentazione dei prodotti, formazione con istruttori, supporto tecnico e il sostegno dell’intera community. </a:t>
+                        <a:t>Experience League is how Adobe helps businesses achieve the value they expect from their Adobe investment. It’s the unified place where customers can learn, connect, and grow along a personalized path to success that includes self-help tutorials, product documentation, instructor-led training, community and technical support. </a:t>
                       </a:r>
                     </a:p>
                   </a:txBody>
@@ -14788,28 +18042,39 @@
                         <a:defRPr/>
                       </a:pPr>
                       <a:r>
-                        <a:rPr lang="it-IT" sz="1100">
+                        <a:rPr lang="en-US" sz="1100">
                           <a:solidFill>
                             <a:schemeClr val="dk1"/>
                           </a:solidFill>
+                          <a:effectLst/>
                           <a:latin typeface="Adobe Clean" panose="020B0503020404020204" pitchFamily="34" charset="0"/>
                           <a:ea typeface="+mn-ea"/>
                           <a:cs typeface="+mn-cs"/>
                           <a:hlinkClick r:id="rId8"/>
                         </a:rPr>
-                        <a:t>Formazione</a:t>
+                        <a:t>Training</a:t>
                       </a:r>
                       <a:r>
-                        <a:rPr lang="it-IT" sz="1100">
+                        <a:rPr lang="en-US" sz="1100">
                           <a:solidFill>
                             <a:schemeClr val="dk1"/>
                           </a:solidFill>
+                          <a:effectLst/>
                           <a:latin typeface="Adobe Clean" panose="020B0503020404020204" pitchFamily="34" charset="0"/>
                           <a:ea typeface="+mn-ea"/>
                           <a:cs typeface="+mn-cs"/>
                         </a:rPr>
                         <a:t> </a:t>
                       </a:r>
+                      <a:endParaRPr lang="en-US" sz="1100">
+                        <a:solidFill>
+                          <a:schemeClr val="tx1"/>
+                        </a:solidFill>
+                        <a:effectLst/>
+                        <a:latin typeface="Adobe Clean" panose="020B0503020404020204" pitchFamily="34" charset="0"/>
+                        <a:ea typeface="+mn-ea"/>
+                        <a:cs typeface="+mn-cs"/>
+                      </a:endParaRPr>
                     </a:p>
                   </a:txBody>
                   <a:tcPr anchor="ctr">
@@ -14883,7 +18148,7 @@
                         <a:defRPr/>
                       </a:pPr>
                       <a:r>
-                        <a:rPr lang="it-IT" sz="1000" dirty="0">
+                        <a:rPr lang="en-US" sz="1000" kern="1200">
                           <a:solidFill>
                             <a:srgbClr val="000000"/>
                           </a:solidFill>
@@ -14891,28 +18156,7 @@
                           <a:ea typeface="+mn-ea"/>
                           <a:cs typeface="+mn-cs"/>
                         </a:rPr>
-                        <a:t>I corsi Adobe Digital Learning Services sono accessibili da Experience League. I corsi di apprendimento comprendono lezioni sia on-demand che guidate da istruttori.  Potrai acquisire nuove competenze particolarmente ricercate nel settore e metterle in pratica nella </a:t>
-                      </a:r>
-                      <a:br>
-                        <a:rPr lang="sk-SK" sz="1000" dirty="0">
-                          <a:solidFill>
-                            <a:srgbClr val="000000"/>
-                          </a:solidFill>
-                          <a:latin typeface="Adobe Clean Light" panose="020B0303020404020204" pitchFamily="34" charset="0"/>
-                          <a:ea typeface="+mn-ea"/>
-                          <a:cs typeface="+mn-cs"/>
-                        </a:rPr>
-                      </a:br>
-                      <a:r>
-                        <a:rPr lang="it-IT" sz="1000" dirty="0">
-                          <a:solidFill>
-                            <a:srgbClr val="000000"/>
-                          </a:solidFill>
-                          <a:latin typeface="Adobe Clean Light" panose="020B0303020404020204" pitchFamily="34" charset="0"/>
-                          <a:ea typeface="+mn-ea"/>
-                          <a:cs typeface="+mn-cs"/>
-                        </a:rPr>
-                        <a:t>tua organizzazione, per favorirne il successo.</a:t>
+                        <a:t>Adobe Digital Learning Services courses are accessible from Experience League. Learning courses integrate both on-demand and instructor-led lessons.  Here you can accrue skills that have recognized market value and position them to drive success in your organizations.</a:t>
                       </a:r>
                     </a:p>
                   </a:txBody>
@@ -14994,17 +18238,27 @@
                         <a:defRPr/>
                       </a:pPr>
                       <a:r>
-                        <a:rPr lang="it-IT" sz="1100">
+                        <a:rPr lang="en-US" sz="1100">
                           <a:solidFill>
                             <a:schemeClr val="tx1"/>
                           </a:solidFill>
+                          <a:effectLst/>
                           <a:latin typeface="Adobe Clean" panose="020B0503020404020204" pitchFamily="34" charset="0"/>
                           <a:ea typeface="+mn-ea"/>
                           <a:cs typeface="+mn-cs"/>
                           <a:hlinkClick r:id="rId9"/>
                         </a:rPr>
-                        <a:t>Problemi di produzione e interruzioni del sistema</a:t>
+                        <a:t>Production Issues &amp; System Outages</a:t>
                       </a:r>
+                      <a:endParaRPr lang="en-US" sz="1100">
+                        <a:solidFill>
+                          <a:schemeClr val="tx1"/>
+                        </a:solidFill>
+                        <a:effectLst/>
+                        <a:latin typeface="Adobe Clean" panose="020B0503020404020204" pitchFamily="34" charset="0"/>
+                        <a:ea typeface="+mn-ea"/>
+                        <a:cs typeface="+mn-cs"/>
+                      </a:endParaRPr>
                     </a:p>
                   </a:txBody>
                   <a:tcPr anchor="ctr">
@@ -15078,7 +18332,7 @@
                         <a:defRPr/>
                       </a:pPr>
                       <a:r>
-                        <a:rPr lang="it-IT" sz="1000" dirty="0">
+                        <a:rPr lang="en-US" sz="1000" kern="1200">
                           <a:solidFill>
                             <a:srgbClr val="000000"/>
                           </a:solidFill>
@@ -15086,91 +18340,7 @@
                           <a:ea typeface="+mn-ea"/>
                           <a:cs typeface="+mn-cs"/>
                         </a:rPr>
-                        <a:t>Status.adobe.com trasmette informazioni sullo stato di tutti i prodotti</a:t>
-                      </a:r>
-                      <a:br>
-                        <a:rPr lang="sk-SK" sz="1000" dirty="0">
-                          <a:solidFill>
-                            <a:srgbClr val="000000"/>
-                          </a:solidFill>
-                          <a:latin typeface="Adobe Clean Light" panose="020B0303020404020204" pitchFamily="34" charset="0"/>
-                          <a:ea typeface="+mn-ea"/>
-                          <a:cs typeface="+mn-cs"/>
-                        </a:rPr>
-                      </a:br>
-                      <a:r>
-                        <a:rPr lang="it-IT" sz="1000" dirty="0">
-                          <a:solidFill>
-                            <a:srgbClr val="000000"/>
-                          </a:solidFill>
-                          <a:latin typeface="Adobe Clean Light" panose="020B0303020404020204" pitchFamily="34" charset="0"/>
-                          <a:ea typeface="+mn-ea"/>
-                          <a:cs typeface="+mn-cs"/>
-                        </a:rPr>
-                        <a:t>e i servizi Adobe implementati in ambienti multi-tenant. Puoi scegliere se ricevere notifiche e-mail ogni volta che Adobe segnala, aggiorna </a:t>
-                      </a:r>
-                      <a:br>
-                        <a:rPr lang="sk-SK" sz="1000" dirty="0">
-                          <a:solidFill>
-                            <a:srgbClr val="000000"/>
-                          </a:solidFill>
-                          <a:latin typeface="Adobe Clean Light" panose="020B0303020404020204" pitchFamily="34" charset="0"/>
-                          <a:ea typeface="+mn-ea"/>
-                          <a:cs typeface="+mn-cs"/>
-                        </a:rPr>
-                      </a:br>
-                      <a:r>
-                        <a:rPr lang="it-IT" sz="1000" dirty="0">
-                          <a:solidFill>
-                            <a:srgbClr val="000000"/>
-                          </a:solidFill>
-                          <a:latin typeface="Adobe Clean Light" panose="020B0303020404020204" pitchFamily="34" charset="0"/>
-                          <a:ea typeface="+mn-ea"/>
-                          <a:cs typeface="+mn-cs"/>
-                        </a:rPr>
-                        <a:t>o risolve un problema relativo a un prodotto. Vengono segnalate </a:t>
-                      </a:r>
-                      <a:br>
-                        <a:rPr lang="sk-SK" sz="1000" dirty="0">
-                          <a:solidFill>
-                            <a:srgbClr val="000000"/>
-                          </a:solidFill>
-                          <a:latin typeface="Adobe Clean Light" panose="020B0303020404020204" pitchFamily="34" charset="0"/>
-                          <a:ea typeface="+mn-ea"/>
-                          <a:cs typeface="+mn-cs"/>
-                        </a:rPr>
-                      </a:br>
-                      <a:r>
-                        <a:rPr lang="it-IT" sz="1000" dirty="0">
-                          <a:solidFill>
-                            <a:srgbClr val="000000"/>
-                          </a:solidFill>
-                          <a:latin typeface="Adobe Clean Light" panose="020B0303020404020204" pitchFamily="34" charset="0"/>
-                          <a:ea typeface="+mn-ea"/>
-                          <a:cs typeface="+mn-cs"/>
-                        </a:rPr>
-                        <a:t>ad esempio le interruzioni per manutenzione programmata </a:t>
-                      </a:r>
-                      <a:br>
-                        <a:rPr lang="sk-SK" sz="1000" dirty="0">
-                          <a:solidFill>
-                            <a:srgbClr val="000000"/>
-                          </a:solidFill>
-                          <a:latin typeface="Adobe Clean Light" panose="020B0303020404020204" pitchFamily="34" charset="0"/>
-                          <a:ea typeface="+mn-ea"/>
-                          <a:cs typeface="+mn-cs"/>
-                        </a:rPr>
-                      </a:br>
-                      <a:r>
-                        <a:rPr lang="it-IT" sz="1000" dirty="0">
-                          <a:solidFill>
-                            <a:srgbClr val="000000"/>
-                          </a:solidFill>
-                          <a:latin typeface="Adobe Clean Light" panose="020B0303020404020204" pitchFamily="34" charset="0"/>
-                          <a:ea typeface="+mn-ea"/>
-                          <a:cs typeface="+mn-cs"/>
-                        </a:rPr>
-                        <a:t>o problemi relativi ai servizi con diversi livelli di gravità. </a:t>
+                        <a:t>Status.adobe.com conveys the health information of all Adobe products and services that are deployed in multi-tenant environments. Customers can choose their subscription preferences to get email notifications whenever Adobe creates, updates or resolves a product event. This can include scheduled maintenance or service issues of varying levels of severity. </a:t>
                       </a:r>
                     </a:p>
                   </a:txBody>
@@ -15252,17 +18422,27 @@
                         <a:defRPr/>
                       </a:pPr>
                       <a:r>
-                        <a:rPr lang="it-IT" sz="1100">
+                        <a:rPr lang="en-US" sz="1100">
                           <a:solidFill>
                             <a:schemeClr val="tx1"/>
                           </a:solidFill>
+                          <a:effectLst/>
                           <a:latin typeface="Adobe Clean" panose="020B0503020404020204" pitchFamily="34" charset="0"/>
                           <a:ea typeface="+mn-ea"/>
                           <a:cs typeface="+mn-cs"/>
                           <a:hlinkClick r:id="rId10"/>
                         </a:rPr>
-                        <a:t>Termini e condizioni</a:t>
+                        <a:t>Terms and Conditions</a:t>
                       </a:r>
+                      <a:endParaRPr lang="en-US" sz="1100">
+                        <a:solidFill>
+                          <a:schemeClr val="tx1"/>
+                        </a:solidFill>
+                        <a:effectLst/>
+                        <a:latin typeface="Adobe Clean" panose="020B0503020404020204" pitchFamily="34" charset="0"/>
+                        <a:ea typeface="+mn-ea"/>
+                        <a:cs typeface="+mn-cs"/>
+                      </a:endParaRPr>
                     </a:p>
                   </a:txBody>
                   <a:tcPr anchor="ctr">
@@ -15319,7 +18499,7 @@
                     <a:lstStyle/>
                     <a:p>
                       <a:r>
-                        <a:rPr lang="it-IT" sz="1000" dirty="0">
+                        <a:rPr lang="en-US" sz="1000" kern="1200">
                           <a:solidFill>
                             <a:srgbClr val="000000"/>
                           </a:solidFill>
@@ -15327,7 +18507,7 @@
                           <a:ea typeface="+mn-ea"/>
                           <a:cs typeface="+mn-cs"/>
                         </a:rPr>
-                        <a:t>Termini e condizioni che descrivono i servizi di supporto disponibili</a:t>
+                        <a:t>Terms and conditions detailing Support Services offerings</a:t>
                       </a:r>
                     </a:p>
                   </a:txBody>
@@ -16104,15 +19284,6 @@
 </file>
 
 <file path=customXml/item2.xml><?xml version="1.0" encoding="utf-8"?>
-<?mso-contentType ?>
-<FormTemplates xmlns="http://schemas.microsoft.com/sharepoint/v3/contenttype/forms">
-  <Display>DocumentLibraryForm</Display>
-  <Edit>DocumentLibraryForm</Edit>
-  <New>DocumentLibraryForm</New>
-</FormTemplates>
-</file>
-
-<file path=customXml/item3.xml><?xml version="1.0" encoding="utf-8"?>
 <ct:contentTypeSchema xmlns:ct="http://schemas.microsoft.com/office/2006/metadata/contentType" xmlns:ma="http://schemas.microsoft.com/office/2006/metadata/properties/metaAttributes" ct:_="" ma:_="" ma:contentTypeName="Document" ma:contentTypeID="0x010100E783BF6876BCC646A459363AF21A7736" ma:contentTypeVersion="10" ma:contentTypeDescription="Create a new document." ma:contentTypeScope="" ma:versionID="c4ffda7f4f415767600769e454c2ea87">
   <xsd:schema xmlns:xsd="http://www.w3.org/2001/XMLSchema" xmlns:xs="http://www.w3.org/2001/XMLSchema" xmlns:p="http://schemas.microsoft.com/office/2006/metadata/properties" xmlns:ns2="8a053bff-88be-49e4-9a87-e748e18b8b62" xmlns:ns3="6c8368ec-3776-49b5-a5bb-90648cf9530f" targetNamespace="http://schemas.microsoft.com/office/2006/metadata/properties" ma:root="true" ma:fieldsID="df3ec33bccc23e23bce7bc897fad43d1" ns2:_="" ns3:_="">
     <xsd:import namespace="8a053bff-88be-49e4-9a87-e748e18b8b62"/>
@@ -16317,6 +19488,15 @@
 </ct:contentTypeSchema>
 </file>
 
+<file path=customXml/item3.xml><?xml version="1.0" encoding="utf-8"?>
+<?mso-contentType ?>
+<FormTemplates xmlns="http://schemas.microsoft.com/sharepoint/v3/contenttype/forms">
+  <Display>DocumentLibraryForm</Display>
+  <Edit>DocumentLibraryForm</Edit>
+  <New>DocumentLibraryForm</New>
+</FormTemplates>
+</file>
+
 <file path=customXml/itemProps1.xml><?xml version="1.0" encoding="utf-8"?>
 <ds:datastoreItem xmlns:ds="http://schemas.openxmlformats.org/officeDocument/2006/customXml" ds:itemID="{CED41536-010B-47B1-9229-B72BE4090090}">
   <ds:schemaRefs>
@@ -16327,28 +19507,28 @@
 </file>
 
 <file path=customXml/itemProps2.xml><?xml version="1.0" encoding="utf-8"?>
+<ds:datastoreItem xmlns:ds="http://schemas.openxmlformats.org/officeDocument/2006/customXml" ds:itemID="{75C1A8FD-3884-41A0-BE37-D15776C885D1}">
+  <ds:schemaRefs>
+    <ds:schemaRef ds:uri="6c8368ec-3776-49b5-a5bb-90648cf9530f"/>
+    <ds:schemaRef ds:uri="8a053bff-88be-49e4-9a87-e748e18b8b62"/>
+    <ds:schemaRef ds:uri="http://purl.org/dc/elements/1.1/"/>
+    <ds:schemaRef ds:uri="http://purl.org/dc/terms/"/>
+    <ds:schemaRef ds:uri="http://schemas.microsoft.com/internal/obd"/>
+    <ds:schemaRef ds:uri="http://schemas.microsoft.com/office/2006/documentManagement/types"/>
+    <ds:schemaRef ds:uri="http://schemas.microsoft.com/office/2006/metadata/contentType"/>
+    <ds:schemaRef ds:uri="http://schemas.microsoft.com/office/2006/metadata/properties"/>
+    <ds:schemaRef ds:uri="http://schemas.microsoft.com/office/2006/metadata/properties/metaAttributes"/>
+    <ds:schemaRef ds:uri="http://schemas.microsoft.com/office/infopath/2007/PartnerControls"/>
+    <ds:schemaRef ds:uri="http://schemas.openxmlformats.org/package/2006/metadata/core-properties"/>
+    <ds:schemaRef ds:uri="http://www.w3.org/2001/XMLSchema"/>
+  </ds:schemaRefs>
+</ds:datastoreItem>
+</file>
+
+<file path=customXml/itemProps3.xml><?xml version="1.0" encoding="utf-8"?>
 <ds:datastoreItem xmlns:ds="http://schemas.openxmlformats.org/officeDocument/2006/customXml" ds:itemID="{669D9D3B-3229-44EE-9964-24A06AE66887}">
   <ds:schemaRefs>
     <ds:schemaRef ds:uri="http://schemas.microsoft.com/sharepoint/v3/contenttype/forms"/>
   </ds:schemaRefs>
 </ds:datastoreItem>
-</file>
-
-<file path=customXml/itemProps3.xml><?xml version="1.0" encoding="utf-8"?>
-<ds:datastoreItem xmlns:ds="http://schemas.openxmlformats.org/officeDocument/2006/customXml" ds:itemID="{75C1A8FD-3884-41A0-BE37-D15776C885D1}">
-  <ds:schemaRefs>
-    <ds:schemaRef ds:uri="http://schemas.microsoft.com/office/2006/metadata/contentType"/>
-    <ds:schemaRef ds:uri="http://schemas.microsoft.com/office/2006/metadata/properties/metaAttributes"/>
-    <ds:schemaRef ds:uri="http://www.w3.org/2001/XMLSchema"/>
-    <ds:schemaRef ds:uri="http://schemas.microsoft.com/office/2006/metadata/properties"/>
-    <ds:schemaRef ds:uri="8a053bff-88be-49e4-9a87-e748e18b8b62"/>
-    <ds:schemaRef ds:uri="6c8368ec-3776-49b5-a5bb-90648cf9530f"/>
-    <ds:schemaRef ds:uri="http://schemas.microsoft.com/office/2006/documentManagement/types"/>
-    <ds:schemaRef ds:uri="http://schemas.microsoft.com/office/infopath/2007/PartnerControls"/>
-    <ds:schemaRef ds:uri="http://schemas.openxmlformats.org/package/2006/metadata/core-properties"/>
-    <ds:schemaRef ds:uri="http://purl.org/dc/elements/1.1/"/>
-    <ds:schemaRef ds:uri="http://purl.org/dc/terms/"/>
-    <ds:schemaRef ds:uri="http://schemas.microsoft.com/internal/obd"/>
-  </ds:schemaRefs>
-</ds:datastoreItem>
 </file>
--- a/help/data-sheets/assets/EliteSupportDatasheet.pptx
+++ b/help/data-sheets/assets/EliteSupportDatasheet.pptx
@@ -151,7 +151,9 @@
 <file path=ppt/revisionInfo.xml><?xml version="1.0" encoding="utf-8"?>
 <p1510:revInfo xmlns:a="http://schemas.openxmlformats.org/drawingml/2006/main" xmlns:r="http://schemas.openxmlformats.org/officeDocument/2006/relationships" xmlns:p1510="http://schemas.microsoft.com/office/powerpoint/2015/10/main">
   <p1510:revLst>
-    <p1510:client id="{0BC4D7A0-4BBD-1B49-BE14-170949F0EA37}" v="4" dt="2021-10-13T19:10:14.670"/>
+    <p1510:client id="{306579C9-8574-E621-57BF-C5D6F4C605CC}" v="6" dt="2021-09-22T22:58:26.163"/>
+    <p1510:client id="{86768B6F-E5DF-274A-B928-9320E1DF9962}" v="132" dt="2021-08-07T02:18:13.925"/>
+    <p1510:client id="{8C285145-5FF7-2B49-D44C-ABA3390CC068}" v="48" dt="2021-09-22T19:02:31.738"/>
   </p1510:revLst>
 </p1510:revInfo>
 </file>
@@ -159,26 +161,58 @@
 <file path=ppt/changesInfos/changesInfo1.xml><?xml version="1.0" encoding="utf-8"?>
 <pc:chgInfo xmlns:a="http://schemas.openxmlformats.org/drawingml/2006/main" xmlns:r="http://schemas.openxmlformats.org/officeDocument/2006/relationships" xmlns:ac="http://schemas.microsoft.com/office/drawing/2013/main/command" xmlns:pc="http://schemas.microsoft.com/office/powerpoint/2013/main/command">
   <pc:docChgLst>
-    <pc:chgData name="Lauren Schutte" userId="6e08b2d3-447a-4d66-86be-444d50df187f" providerId="ADAL" clId="{0BC4D7A0-4BBD-1B49-BE14-170949F0EA37}"/>
+    <pc:chgData name="Akilah Johnson" userId="S::akjohnso@adobe.com::2fa3aa60-0c9c-4d06-bae2-795983241227" providerId="AD" clId="Web-{306579C9-8574-E621-57BF-C5D6F4C605CC}"/>
     <pc:docChg chg="modSld">
-      <pc:chgData name="Lauren Schutte" userId="6e08b2d3-447a-4d66-86be-444d50df187f" providerId="ADAL" clId="{0BC4D7A0-4BBD-1B49-BE14-170949F0EA37}" dt="2021-10-13T19:10:14.671" v="3" actId="1035"/>
+      <pc:chgData name="Akilah Johnson" userId="S::akjohnso@adobe.com::2fa3aa60-0c9c-4d06-bae2-795983241227" providerId="AD" clId="Web-{306579C9-8574-E621-57BF-C5D6F4C605CC}" dt="2021-09-22T22:58:18.491" v="3"/>
       <pc:docMkLst>
         <pc:docMk/>
       </pc:docMkLst>
-      <pc:sldChg chg="modSp mod">
-        <pc:chgData name="Lauren Schutte" userId="6e08b2d3-447a-4d66-86be-444d50df187f" providerId="ADAL" clId="{0BC4D7A0-4BBD-1B49-BE14-170949F0EA37}" dt="2021-10-13T19:10:14.671" v="3" actId="1035"/>
+      <pc:sldChg chg="modSp">
+        <pc:chgData name="Akilah Johnson" userId="S::akjohnso@adobe.com::2fa3aa60-0c9c-4d06-bae2-795983241227" providerId="AD" clId="Web-{306579C9-8574-E621-57BF-C5D6F4C605CC}" dt="2021-09-22T22:58:18.491" v="3"/>
         <pc:sldMkLst>
           <pc:docMk/>
-          <pc:sldMk cId="0" sldId="256"/>
+          <pc:sldMk cId="1050037809" sldId="261"/>
+        </pc:sldMkLst>
+        <pc:graphicFrameChg chg="mod modGraphic">
+          <ac:chgData name="Akilah Johnson" userId="S::akjohnso@adobe.com::2fa3aa60-0c9c-4d06-bae2-795983241227" providerId="AD" clId="Web-{306579C9-8574-E621-57BF-C5D6F4C605CC}" dt="2021-09-22T22:58:18.491" v="3"/>
+          <ac:graphicFrameMkLst>
+            <pc:docMk/>
+            <pc:sldMk cId="1050037809" sldId="261"/>
+            <ac:graphicFrameMk id="25" creationId="{3A91F5B0-3974-A14D-A146-FB590F2AAD18}"/>
+          </ac:graphicFrameMkLst>
+        </pc:graphicFrameChg>
+      </pc:sldChg>
+    </pc:docChg>
+  </pc:docChgLst>
+  <pc:docChgLst>
+    <pc:chgData name="Akilah Johnson" userId="S::akjohnso@adobe.com::2fa3aa60-0c9c-4d06-bae2-795983241227" providerId="AD" clId="Web-{8C285145-5FF7-2B49-D44C-ABA3390CC068}"/>
+    <pc:docChg chg="modSld">
+      <pc:chgData name="Akilah Johnson" userId="S::akjohnso@adobe.com::2fa3aa60-0c9c-4d06-bae2-795983241227" providerId="AD" clId="Web-{8C285145-5FF7-2B49-D44C-ABA3390CC068}" dt="2021-09-22T19:02:31.738" v="36" actId="1076"/>
+      <pc:docMkLst>
+        <pc:docMk/>
+      </pc:docMkLst>
+      <pc:sldChg chg="modSp">
+        <pc:chgData name="Akilah Johnson" userId="S::akjohnso@adobe.com::2fa3aa60-0c9c-4d06-bae2-795983241227" providerId="AD" clId="Web-{8C285145-5FF7-2B49-D44C-ABA3390CC068}" dt="2021-09-22T19:02:31.738" v="36" actId="1076"/>
+        <pc:sldMkLst>
+          <pc:docMk/>
+          <pc:sldMk cId="1050037809" sldId="261"/>
         </pc:sldMkLst>
         <pc:spChg chg="mod">
-          <ac:chgData name="Lauren Schutte" userId="6e08b2d3-447a-4d66-86be-444d50df187f" providerId="ADAL" clId="{0BC4D7A0-4BBD-1B49-BE14-170949F0EA37}" dt="2021-10-13T19:10:14.671" v="3" actId="1035"/>
+          <ac:chgData name="Akilah Johnson" userId="S::akjohnso@adobe.com::2fa3aa60-0c9c-4d06-bae2-795983241227" providerId="AD" clId="Web-{8C285145-5FF7-2B49-D44C-ABA3390CC068}" dt="2021-09-22T19:02:31.738" v="36" actId="1076"/>
           <ac:spMkLst>
             <pc:docMk/>
-            <pc:sldMk cId="0" sldId="256"/>
-            <ac:spMk id="4" creationId="{00000000-0000-0000-0000-000000000000}"/>
+            <pc:sldMk cId="1050037809" sldId="261"/>
+            <ac:spMk id="64" creationId="{41467BDC-3D83-D844-B922-CD07E94E5AAB}"/>
           </ac:spMkLst>
         </pc:spChg>
+        <pc:graphicFrameChg chg="mod modGraphic">
+          <ac:chgData name="Akilah Johnson" userId="S::akjohnso@adobe.com::2fa3aa60-0c9c-4d06-bae2-795983241227" providerId="AD" clId="Web-{8C285145-5FF7-2B49-D44C-ABA3390CC068}" dt="2021-09-22T18:59:49.504" v="34"/>
+          <ac:graphicFrameMkLst>
+            <pc:docMk/>
+            <pc:sldMk cId="1050037809" sldId="261"/>
+            <ac:graphicFrameMk id="25" creationId="{3A91F5B0-3974-A14D-A146-FB590F2AAD18}"/>
+          </ac:graphicFrameMkLst>
+        </pc:graphicFrameChg>
       </pc:sldChg>
     </pc:docChg>
   </pc:docChgLst>
@@ -267,7 +301,7 @@
           <a:p>
             <a:fld id="{C12E57D6-2086-AA47-A7A4-C0CDE7C14E44}" type="datetimeFigureOut">
               <a:rPr lang="en-US" smtClean="0"/>
-              <a:t>10/13/2021</a:t>
+              <a:t>10/1/2021</a:t>
             </a:fld>
             <a:endParaRPr lang="en-US"/>
           </a:p>
@@ -578,7 +612,7 @@
           <a:bodyPr/>
           <a:lstStyle/>
           <a:p>
-            <a:endParaRPr lang="en-US"/>
+            <a:endParaRPr lang="en-US" dirty="0"/>
           </a:p>
         </p:txBody>
       </p:sp>
@@ -662,7 +696,7 @@
           <a:bodyPr/>
           <a:lstStyle/>
           <a:p>
-            <a:endParaRPr lang="en-US"/>
+            <a:endParaRPr lang="en-US" dirty="0"/>
           </a:p>
         </p:txBody>
       </p:sp>
@@ -841,7 +875,7 @@
           <a:p>
             <a:fld id="{1D8BD707-D9CF-40AE-B4C6-C98DA3205C09}" type="datetimeFigureOut">
               <a:rPr lang="en-US"/>
-              <a:t>10/13/2021</a:t>
+              <a:t>10/1/2021</a:t>
             </a:fld>
             <a:endParaRPr lang="en-US"/>
           </a:p>
@@ -881,7 +915,7 @@
               </a:spcBef>
             </a:pPr>
             <a:r>
-              <a:rPr spc="-5"/>
+              <a:rPr spc="-5" dirty="0"/>
               <a:t>©</a:t>
             </a:r>
             <a:fld id="{81D60167-4931-47E6-BA6A-407CBD079E47}" type="slidenum">
@@ -889,35 +923,35 @@
               <a:t>‹#›</a:t>
             </a:fld>
             <a:r>
-              <a:rPr spc="-5"/>
+              <a:rPr spc="-5" dirty="0"/>
               <a:t> Adobe. All</a:t>
             </a:r>
             <a:r>
-              <a:rPr spc="-15"/>
+              <a:rPr spc="-15" dirty="0"/>
               <a:t> Rights</a:t>
             </a:r>
             <a:r>
-              <a:rPr spc="-10"/>
+              <a:rPr spc="-10" dirty="0"/>
               <a:t> </a:t>
             </a:r>
             <a:r>
-              <a:rPr spc="-15"/>
+              <a:rPr spc="-15" dirty="0"/>
               <a:t>Reserved.</a:t>
             </a:r>
             <a:r>
-              <a:rPr spc="-10"/>
+              <a:rPr spc="-10" dirty="0"/>
               <a:t> </a:t>
             </a:r>
             <a:r>
-              <a:rPr spc="-5"/>
+              <a:rPr spc="-5" dirty="0"/>
               <a:t>Adobe</a:t>
             </a:r>
             <a:r>
-              <a:rPr spc="60"/>
+              <a:rPr spc="60" dirty="0"/>
               <a:t> </a:t>
             </a:r>
             <a:r>
-              <a:rPr spc="-15"/>
+              <a:rPr spc="-15" dirty="0"/>
               <a:t>Confidential.</a:t>
             </a:r>
           </a:p>
@@ -1086,7 +1120,7 @@
           <a:p>
             <a:fld id="{1D8BD707-D9CF-40AE-B4C6-C98DA3205C09}" type="datetimeFigureOut">
               <a:rPr lang="en-US"/>
-              <a:t>10/13/2021</a:t>
+              <a:t>10/1/2021</a:t>
             </a:fld>
             <a:endParaRPr lang="en-US"/>
           </a:p>
@@ -1126,7 +1160,7 @@
               </a:spcBef>
             </a:pPr>
             <a:r>
-              <a:rPr spc="-5"/>
+              <a:rPr spc="-5" dirty="0"/>
               <a:t>©</a:t>
             </a:r>
             <a:fld id="{81D60167-4931-47E6-BA6A-407CBD079E47}" type="slidenum">
@@ -1134,35 +1168,35 @@
               <a:t>‹#›</a:t>
             </a:fld>
             <a:r>
-              <a:rPr spc="-5"/>
+              <a:rPr spc="-5" dirty="0"/>
               <a:t> Adobe. All</a:t>
             </a:r>
             <a:r>
-              <a:rPr spc="-15"/>
+              <a:rPr spc="-15" dirty="0"/>
               <a:t> Rights</a:t>
             </a:r>
             <a:r>
-              <a:rPr spc="-10"/>
+              <a:rPr spc="-10" dirty="0"/>
               <a:t> </a:t>
             </a:r>
             <a:r>
-              <a:rPr spc="-15"/>
+              <a:rPr spc="-15" dirty="0"/>
               <a:t>Reserved.</a:t>
             </a:r>
             <a:r>
-              <a:rPr spc="-10"/>
+              <a:rPr spc="-10" dirty="0"/>
               <a:t> </a:t>
             </a:r>
             <a:r>
-              <a:rPr spc="-5"/>
+              <a:rPr spc="-5" dirty="0"/>
               <a:t>Adobe</a:t>
             </a:r>
             <a:r>
-              <a:rPr spc="60"/>
+              <a:rPr spc="60" dirty="0"/>
               <a:t> </a:t>
             </a:r>
             <a:r>
-              <a:rPr spc="-15"/>
+              <a:rPr spc="-15" dirty="0"/>
               <a:t>Confidential.</a:t>
             </a:r>
           </a:p>
@@ -1344,7 +1378,7 @@
           <a:p>
             <a:fld id="{1D8BD707-D9CF-40AE-B4C6-C98DA3205C09}" type="datetimeFigureOut">
               <a:rPr lang="en-US"/>
-              <a:t>10/13/2021</a:t>
+              <a:t>10/1/2021</a:t>
             </a:fld>
             <a:endParaRPr lang="en-US"/>
           </a:p>
@@ -1384,7 +1418,7 @@
               </a:spcBef>
             </a:pPr>
             <a:r>
-              <a:rPr spc="-5"/>
+              <a:rPr spc="-5" dirty="0"/>
               <a:t>©</a:t>
             </a:r>
             <a:fld id="{81D60167-4931-47E6-BA6A-407CBD079E47}" type="slidenum">
@@ -1392,35 +1426,35 @@
               <a:t>‹#›</a:t>
             </a:fld>
             <a:r>
-              <a:rPr spc="-5"/>
+              <a:rPr spc="-5" dirty="0"/>
               <a:t> Adobe. All</a:t>
             </a:r>
             <a:r>
-              <a:rPr spc="-15"/>
+              <a:rPr spc="-15" dirty="0"/>
               <a:t> Rights</a:t>
             </a:r>
             <a:r>
-              <a:rPr spc="-10"/>
+              <a:rPr spc="-10" dirty="0"/>
               <a:t> </a:t>
             </a:r>
             <a:r>
-              <a:rPr spc="-15"/>
+              <a:rPr spc="-15" dirty="0"/>
               <a:t>Reserved.</a:t>
             </a:r>
             <a:r>
-              <a:rPr spc="-10"/>
+              <a:rPr spc="-10" dirty="0"/>
               <a:t> </a:t>
             </a:r>
             <a:r>
-              <a:rPr spc="-5"/>
+              <a:rPr spc="-5" dirty="0"/>
               <a:t>Adobe</a:t>
             </a:r>
             <a:r>
-              <a:rPr spc="60"/>
+              <a:rPr spc="60" dirty="0"/>
               <a:t> </a:t>
             </a:r>
             <a:r>
-              <a:rPr spc="-15"/>
+              <a:rPr spc="-15" dirty="0"/>
               <a:t>Confidential.</a:t>
             </a:r>
           </a:p>
@@ -1536,7 +1570,7 @@
           <a:p>
             <a:fld id="{1D8BD707-D9CF-40AE-B4C6-C98DA3205C09}" type="datetimeFigureOut">
               <a:rPr lang="en-US"/>
-              <a:t>10/13/2021</a:t>
+              <a:t>10/1/2021</a:t>
             </a:fld>
             <a:endParaRPr lang="en-US"/>
           </a:p>
@@ -1576,7 +1610,7 @@
               </a:spcBef>
             </a:pPr>
             <a:r>
-              <a:rPr spc="-5"/>
+              <a:rPr spc="-5" dirty="0"/>
               <a:t>©</a:t>
             </a:r>
             <a:fld id="{81D60167-4931-47E6-BA6A-407CBD079E47}" type="slidenum">
@@ -1584,35 +1618,35 @@
               <a:t>‹#›</a:t>
             </a:fld>
             <a:r>
-              <a:rPr spc="-5"/>
+              <a:rPr spc="-5" dirty="0"/>
               <a:t> Adobe. All</a:t>
             </a:r>
             <a:r>
-              <a:rPr spc="-15"/>
+              <a:rPr spc="-15" dirty="0"/>
               <a:t> Rights</a:t>
             </a:r>
             <a:r>
-              <a:rPr spc="-10"/>
+              <a:rPr spc="-10" dirty="0"/>
               <a:t> </a:t>
             </a:r>
             <a:r>
-              <a:rPr spc="-15"/>
+              <a:rPr spc="-15" dirty="0"/>
               <a:t>Reserved.</a:t>
             </a:r>
             <a:r>
-              <a:rPr spc="-10"/>
+              <a:rPr spc="-10" dirty="0"/>
               <a:t> </a:t>
             </a:r>
             <a:r>
-              <a:rPr spc="-5"/>
+              <a:rPr spc="-5" dirty="0"/>
               <a:t>Adobe</a:t>
             </a:r>
             <a:r>
-              <a:rPr spc="60"/>
+              <a:rPr spc="60" dirty="0"/>
               <a:t> </a:t>
             </a:r>
             <a:r>
-              <a:rPr spc="-15"/>
+              <a:rPr spc="-15" dirty="0"/>
               <a:t>Confidential.</a:t>
             </a:r>
           </a:p>
@@ -1699,7 +1733,7 @@
           <a:p>
             <a:fld id="{1D8BD707-D9CF-40AE-B4C6-C98DA3205C09}" type="datetimeFigureOut">
               <a:rPr lang="en-US"/>
-              <a:t>10/13/2021</a:t>
+              <a:t>10/1/2021</a:t>
             </a:fld>
             <a:endParaRPr lang="en-US"/>
           </a:p>
@@ -1739,7 +1773,7 @@
               </a:spcBef>
             </a:pPr>
             <a:r>
-              <a:rPr spc="-5"/>
+              <a:rPr spc="-5" dirty="0"/>
               <a:t>©</a:t>
             </a:r>
             <a:fld id="{81D60167-4931-47E6-BA6A-407CBD079E47}" type="slidenum">
@@ -1747,35 +1781,35 @@
               <a:t>‹#›</a:t>
             </a:fld>
             <a:r>
-              <a:rPr spc="-5"/>
+              <a:rPr spc="-5" dirty="0"/>
               <a:t> Adobe. All</a:t>
             </a:r>
             <a:r>
-              <a:rPr spc="-15"/>
+              <a:rPr spc="-15" dirty="0"/>
               <a:t> Rights</a:t>
             </a:r>
             <a:r>
-              <a:rPr spc="-10"/>
+              <a:rPr spc="-10" dirty="0"/>
               <a:t> </a:t>
             </a:r>
             <a:r>
-              <a:rPr spc="-15"/>
+              <a:rPr spc="-15" dirty="0"/>
               <a:t>Reserved.</a:t>
             </a:r>
             <a:r>
-              <a:rPr spc="-10"/>
+              <a:rPr spc="-10" dirty="0"/>
               <a:t> </a:t>
             </a:r>
             <a:r>
-              <a:rPr spc="-5"/>
+              <a:rPr spc="-5" dirty="0"/>
               <a:t>Adobe</a:t>
             </a:r>
             <a:r>
-              <a:rPr spc="60"/>
+              <a:rPr spc="60" dirty="0"/>
               <a:t> </a:t>
             </a:r>
             <a:r>
-              <a:rPr spc="-15"/>
+              <a:rPr spc="-15" dirty="0"/>
               <a:t>Confidential.</a:t>
             </a:r>
           </a:p>
@@ -1962,7 +1996,7 @@
           <a:p>
             <a:fld id="{1D8BD707-D9CF-40AE-B4C6-C98DA3205C09}" type="datetimeFigureOut">
               <a:rPr lang="en-US"/>
-              <a:t>10/13/2021</a:t>
+              <a:t>10/1/2021</a:t>
             </a:fld>
             <a:endParaRPr lang="en-US"/>
           </a:p>
@@ -2012,7 +2046,7 @@
               </a:spcBef>
             </a:pPr>
             <a:r>
-              <a:rPr spc="-5"/>
+              <a:rPr spc="-5" dirty="0"/>
               <a:t>©</a:t>
             </a:r>
             <a:fld id="{81D60167-4931-47E6-BA6A-407CBD079E47}" type="slidenum">
@@ -2020,35 +2054,35 @@
               <a:t>‹#›</a:t>
             </a:fld>
             <a:r>
-              <a:rPr spc="-5"/>
+              <a:rPr spc="-5" dirty="0"/>
               <a:t> Adobe. All</a:t>
             </a:r>
             <a:r>
-              <a:rPr spc="-15"/>
+              <a:rPr spc="-15" dirty="0"/>
               <a:t> Rights</a:t>
             </a:r>
             <a:r>
-              <a:rPr spc="-10"/>
+              <a:rPr spc="-10" dirty="0"/>
               <a:t> </a:t>
             </a:r>
             <a:r>
-              <a:rPr spc="-15"/>
+              <a:rPr spc="-15" dirty="0"/>
               <a:t>Reserved.</a:t>
             </a:r>
             <a:r>
-              <a:rPr spc="-10"/>
+              <a:rPr spc="-10" dirty="0"/>
               <a:t> </a:t>
             </a:r>
             <a:r>
-              <a:rPr spc="-5"/>
+              <a:rPr spc="-5" dirty="0"/>
               <a:t>Adobe</a:t>
             </a:r>
             <a:r>
-              <a:rPr spc="60"/>
+              <a:rPr spc="60" dirty="0"/>
               <a:t> </a:t>
             </a:r>
             <a:r>
-              <a:rPr spc="-15"/>
+              <a:rPr spc="-15" dirty="0"/>
               <a:t>Confidential.</a:t>
             </a:r>
           </a:p>
@@ -2237,35 +2271,33 @@
         </p:nvSpPr>
         <p:spPr>
           <a:xfrm>
-            <a:off x="502828" y="65103"/>
-            <a:ext cx="3840572" cy="366767"/>
+            <a:off x="502827" y="65103"/>
+            <a:ext cx="4725793" cy="366767"/>
           </a:xfrm>
           <a:prstGeom prst="rect">
             <a:avLst/>
           </a:prstGeom>
         </p:spPr>
         <p:txBody>
-          <a:bodyPr vert="horz" wrap="square" lIns="0" tIns="12700" rIns="0" bIns="0" rtlCol="0" anchor="t">
+          <a:bodyPr vert="horz" wrap="square" lIns="0" tIns="12700" rIns="0" bIns="0" rtlCol="0">
             <a:spAutoFit/>
           </a:bodyPr>
           <a:lstStyle/>
           <a:p>
             <a:pPr marL="12700">
+              <a:lnSpc>
+                <a:spcPct val="100000"/>
+              </a:lnSpc>
               <a:spcBef>
                 <a:spcPts val="100"/>
               </a:spcBef>
             </a:pPr>
             <a:r>
-              <a:rPr sz="2300"/>
-              <a:t>ADOBE </a:t>
-            </a:r>
-            <a:r>
-              <a:rPr lang="en-US" sz="2300"/>
-              <a:t>SUPPORT PLANS</a:t>
-            </a:r>
-            <a:endParaRPr sz="2300">
-              <a:latin typeface="Adobe Clean" panose="020B0503020404020204" pitchFamily="34" charset="0"/>
-            </a:endParaRPr>
+              <a:rPr lang="it-IT" sz="2300" dirty="0">
+                <a:latin typeface="Adobe Clean" panose="020B0503020404020204" pitchFamily="34" charset="0"/>
+              </a:rPr>
+              <a:t>OPZIONI DI SUPPORTO ADOBE</a:t>
+            </a:r>
           </a:p>
         </p:txBody>
       </p:sp>
@@ -2278,7 +2310,7 @@
         <p:spPr>
           <a:xfrm>
             <a:off x="159522" y="560755"/>
-            <a:ext cx="7003277" cy="1466427"/>
+            <a:ext cx="7003277" cy="1327928"/>
           </a:xfrm>
           <a:prstGeom prst="rect">
             <a:avLst/>
@@ -2299,107 +2331,17 @@
               </a:spcBef>
             </a:pPr>
             <a:r>
-              <a:rPr sz="1100" spc="-5">
+              <a:rPr lang="it-IT" sz="1100" dirty="0">
                 <a:solidFill>
                   <a:srgbClr val="FFFFFF"/>
                 </a:solidFill>
                 <a:latin typeface="AdobeClean-Light"/>
                 <a:cs typeface="AdobeClean-Light"/>
               </a:rPr>
-              <a:t>Online</a:t>
-            </a:r>
-            <a:r>
-              <a:rPr sz="1100">
-                <a:solidFill>
-                  <a:srgbClr val="FFFFFF"/>
-                </a:solidFill>
-                <a:latin typeface="AdobeClean-Light"/>
-                <a:cs typeface="AdobeClean-Light"/>
-              </a:rPr>
-              <a:t> |</a:t>
-            </a:r>
-            <a:r>
-              <a:rPr sz="1100" spc="5">
-                <a:solidFill>
-                  <a:srgbClr val="FFFFFF"/>
-                </a:solidFill>
-                <a:latin typeface="AdobeClean-Light"/>
-                <a:cs typeface="AdobeClean-Light"/>
-              </a:rPr>
-              <a:t> </a:t>
-            </a:r>
-            <a:r>
-              <a:rPr sz="1100" spc="-5">
-                <a:solidFill>
-                  <a:srgbClr val="FFFFFF"/>
-                </a:solidFill>
-                <a:latin typeface="AdobeClean-Light"/>
-                <a:cs typeface="AdobeClean-Light"/>
-              </a:rPr>
-              <a:t>Business</a:t>
-            </a:r>
-            <a:r>
-              <a:rPr sz="1100">
-                <a:solidFill>
-                  <a:srgbClr val="FFFFFF"/>
-                </a:solidFill>
-                <a:latin typeface="AdobeClean-Light"/>
-                <a:cs typeface="AdobeClean-Light"/>
-              </a:rPr>
-              <a:t> |</a:t>
-            </a:r>
-            <a:r>
-              <a:rPr sz="1100" spc="10">
-                <a:solidFill>
-                  <a:srgbClr val="FFFFFF"/>
-                </a:solidFill>
-                <a:latin typeface="AdobeClean-Light"/>
-                <a:cs typeface="AdobeClean-Light"/>
-              </a:rPr>
-              <a:t> </a:t>
-            </a:r>
-            <a:r>
-              <a:rPr sz="1100" spc="-5">
-                <a:solidFill>
-                  <a:srgbClr val="FFFFFF"/>
-                </a:solidFill>
-                <a:latin typeface="AdobeClean-Light"/>
-                <a:cs typeface="AdobeClean-Light"/>
-              </a:rPr>
-              <a:t>Enterprise</a:t>
-            </a:r>
-            <a:r>
-              <a:rPr sz="1100" spc="10">
-                <a:solidFill>
-                  <a:srgbClr val="FFFFFF"/>
-                </a:solidFill>
-                <a:latin typeface="AdobeClean-Light"/>
-                <a:cs typeface="AdobeClean-Light"/>
-              </a:rPr>
-              <a:t> </a:t>
-            </a:r>
-            <a:r>
-              <a:rPr sz="1100">
-                <a:solidFill>
-                  <a:srgbClr val="FFFFFF"/>
-                </a:solidFill>
-                <a:latin typeface="AdobeClean-Light"/>
-                <a:cs typeface="AdobeClean-Light"/>
-              </a:rPr>
-              <a:t>|</a:t>
-            </a:r>
-            <a:r>
-              <a:rPr sz="1100" spc="5">
-                <a:solidFill>
-                  <a:srgbClr val="FFFFFF"/>
-                </a:solidFill>
-                <a:latin typeface="AdobeClean-Light"/>
-                <a:cs typeface="AdobeClean-Light"/>
-              </a:rPr>
-              <a:t> </a:t>
-            </a:r>
-            <a:r>
-              <a:rPr sz="1100" b="1" spc="-65">
+              <a:t>Online | Business | Enterprise | </a:t>
+            </a:r>
+            <a:r>
+              <a:rPr lang="it-IT" sz="1100" b="1" dirty="0">
                 <a:solidFill>
                   <a:srgbClr val="FFFFFF"/>
                 </a:solidFill>
@@ -2408,10 +2350,6 @@
               </a:rPr>
               <a:t>Elite</a:t>
             </a:r>
-            <a:endParaRPr sz="1100">
-              <a:latin typeface="Arial"/>
-              <a:cs typeface="Arial"/>
-            </a:endParaRPr>
           </a:p>
           <a:p>
             <a:pPr marL="12700" marR="1076325">
@@ -2420,21 +2358,31 @@
               </a:spcBef>
             </a:pPr>
             <a:r>
-              <a:rPr lang="en-US" sz="900">
+              <a:rPr lang="it-IT" sz="900" dirty="0">
                 <a:solidFill>
                   <a:schemeClr val="bg1"/>
                 </a:solidFill>
                 <a:latin typeface="Adobe Clean SemiLight" panose="020B0403020404020204" pitchFamily="34" charset="0"/>
               </a:rPr>
-              <a:t>Adobe provides a comprehensive range of technical resources to help support your business included as part of your Experience Cloud license subscription and further enhanced in the ELITE support package. ELITE support includes access to personalized learning paths and monitored community forums via the Adobe Experience League. You can also take advantage of our detailed and in-depth technical product documentation and current release notes. ELITE customers will also have access to a Named Support Engineer as well as a Technical Account Manager who combine and work in partnership with you to provide best in class proactive and reactive support while acting as your designated technical contacts in the Adobe Support Team. With deep experience in your designated Experience Cloud solutions, your support team work to ensure that no matter how complex your support needs are, the Adobe Support team will be there side by side with you throughout, to ensure you maximize your investment in the Adobe Experience Cloud solutions and to help you avoid problems before they happen.</a:t>
-            </a:r>
-            <a:endParaRPr sz="900">
-              <a:solidFill>
-                <a:schemeClr val="bg1"/>
-              </a:solidFill>
-              <a:latin typeface="AdobeClean-Light"/>
-              <a:cs typeface="AdobeClean-Light"/>
-            </a:endParaRPr>
+              <a:t>Adobe offre una gamma completa di risorse tecniche per assistere la tua azienda, incluse nell’abbonamento Experience Cloud e ampliabili ulteriormente con un pacchetto di supporto ELITE. Il supporto ELITE include l’accesso a percorsi di apprendimento personalizzati e forum della community monitorati tramite Adobe Experience League. Puoi inoltre usufruire di documentazione tecnica dettagliata e note sulla versione sempre aggiornate. Ai clienti ELITE vengono assegnati un Named Support Engineer e un Technical Account Manager che saranno i tuoi contatti di riferimento all’interno del team Adobe Support. Inoltre, insieme e in partnership con la tua azienda, ti offrono un servizio di supporto d’eccellenza, proattivo e reattivo. Conoscendo a fondo le tue specifiche soluzioni Experience Cloud, il team Adobe Support sarà sempre al tuo fianco per ogni esigenza di supporto, per aiutarti </a:t>
+            </a:r>
+            <a:br>
+              <a:rPr lang="sk-SK" sz="900" dirty="0">
+                <a:solidFill>
+                  <a:schemeClr val="bg1"/>
+                </a:solidFill>
+                <a:latin typeface="Adobe Clean SemiLight" panose="020B0403020404020204" pitchFamily="34" charset="0"/>
+              </a:rPr>
+            </a:br>
+            <a:r>
+              <a:rPr lang="it-IT" sz="900" dirty="0">
+                <a:solidFill>
+                  <a:schemeClr val="bg1"/>
+                </a:solidFill>
+                <a:latin typeface="Adobe Clean SemiLight" panose="020B0403020404020204" pitchFamily="34" charset="0"/>
+              </a:rPr>
+              <a:t>a trarre il massimo dalle soluzioni Adobe Experience Cloud in cui hai investito e prevenire eventuali problemi.</a:t>
+            </a:r>
           </a:p>
         </p:txBody>
       </p:sp>
@@ -2447,7 +2395,7 @@
         <p:spPr>
           <a:xfrm>
             <a:off x="168564" y="7162800"/>
-            <a:ext cx="2780665" cy="238760"/>
+            <a:ext cx="4022436" cy="228268"/>
           </a:xfrm>
           <a:prstGeom prst="rect">
             <a:avLst/>
@@ -2468,7 +2416,7 @@
               </a:spcBef>
             </a:pPr>
             <a:r>
-              <a:rPr sz="1400" b="1" u="heavy" spc="20">
+              <a:rPr lang="it-IT" sz="1400" b="1" u="heavy" dirty="0">
                 <a:solidFill>
                   <a:srgbClr val="020302"/>
                 </a:solidFill>
@@ -2480,447 +2428,8 @@
                 <a:latin typeface="Adobe Clean"/>
                 <a:cs typeface="Adobe Clean"/>
               </a:rPr>
-              <a:t>S</a:t>
-            </a:r>
-            <a:r>
-              <a:rPr sz="1400" b="1" u="heavy">
-                <a:solidFill>
-                  <a:srgbClr val="020302"/>
-                </a:solidFill>
-                <a:uFill>
-                  <a:solidFill>
-                    <a:srgbClr val="020302"/>
-                  </a:solidFill>
-                </a:uFill>
-                <a:latin typeface="Adobe Clean"/>
-                <a:cs typeface="Adobe Clean"/>
-              </a:rPr>
-              <a:t>er</a:t>
-            </a:r>
-            <a:r>
-              <a:rPr sz="1400" b="1" u="heavy" spc="10">
-                <a:solidFill>
-                  <a:srgbClr val="020302"/>
-                </a:solidFill>
-                <a:uFill>
-                  <a:solidFill>
-                    <a:srgbClr val="020302"/>
-                  </a:solidFill>
-                </a:uFill>
-                <a:latin typeface="Adobe Clean"/>
-                <a:cs typeface="Adobe Clean"/>
-              </a:rPr>
-              <a:t>vi</a:t>
-            </a:r>
-            <a:r>
-              <a:rPr sz="1400" b="1" u="heavy">
-                <a:solidFill>
-                  <a:srgbClr val="020302"/>
-                </a:solidFill>
-                <a:uFill>
-                  <a:solidFill>
-                    <a:srgbClr val="020302"/>
-                  </a:solidFill>
-                </a:uFill>
-                <a:latin typeface="Adobe Clean"/>
-                <a:cs typeface="Adobe Clean"/>
-              </a:rPr>
-              <a:t>ce</a:t>
-            </a:r>
-            <a:r>
-              <a:rPr sz="1400" b="1" u="heavy" spc="20">
-                <a:solidFill>
-                  <a:srgbClr val="020302"/>
-                </a:solidFill>
-                <a:uFill>
-                  <a:solidFill>
-                    <a:srgbClr val="020302"/>
-                  </a:solidFill>
-                </a:uFill>
-                <a:latin typeface="Adobe Clean"/>
-                <a:cs typeface="Adobe Clean"/>
-              </a:rPr>
-              <a:t> </a:t>
-            </a:r>
-            <a:r>
-              <a:rPr sz="1400" b="1" u="heavy" spc="-20">
-                <a:solidFill>
-                  <a:srgbClr val="020302"/>
-                </a:solidFill>
-                <a:uFill>
-                  <a:solidFill>
-                    <a:srgbClr val="020302"/>
-                  </a:solidFill>
-                </a:uFill>
-                <a:latin typeface="Adobe Clean"/>
-                <a:cs typeface="Adobe Clean"/>
-              </a:rPr>
-              <a:t>Le</a:t>
-            </a:r>
-            <a:r>
-              <a:rPr sz="1400" b="1" u="heavy" spc="-10">
-                <a:solidFill>
-                  <a:srgbClr val="020302"/>
-                </a:solidFill>
-                <a:uFill>
-                  <a:solidFill>
-                    <a:srgbClr val="020302"/>
-                  </a:solidFill>
-                </a:uFill>
-                <a:latin typeface="Adobe Clean"/>
-                <a:cs typeface="Adobe Clean"/>
-              </a:rPr>
-              <a:t>v</a:t>
-            </a:r>
-            <a:r>
-              <a:rPr sz="1400" b="1" u="heavy" spc="-20">
-                <a:solidFill>
-                  <a:srgbClr val="020302"/>
-                </a:solidFill>
-                <a:uFill>
-                  <a:solidFill>
-                    <a:srgbClr val="020302"/>
-                  </a:solidFill>
-                </a:uFill>
-                <a:latin typeface="Adobe Clean"/>
-                <a:cs typeface="Adobe Clean"/>
-              </a:rPr>
-              <a:t>e</a:t>
-            </a:r>
-            <a:r>
-              <a:rPr sz="1400" b="1" u="heavy">
-                <a:solidFill>
-                  <a:srgbClr val="020302"/>
-                </a:solidFill>
-                <a:uFill>
-                  <a:solidFill>
-                    <a:srgbClr val="020302"/>
-                  </a:solidFill>
-                </a:uFill>
-                <a:latin typeface="Adobe Clean"/>
-                <a:cs typeface="Adobe Clean"/>
-              </a:rPr>
-              <a:t>l</a:t>
-            </a:r>
-            <a:r>
-              <a:rPr sz="1400" b="1" u="heavy" spc="-10">
-                <a:solidFill>
-                  <a:srgbClr val="020302"/>
-                </a:solidFill>
-                <a:uFill>
-                  <a:solidFill>
-                    <a:srgbClr val="020302"/>
-                  </a:solidFill>
-                </a:uFill>
-                <a:latin typeface="Adobe Clean"/>
-                <a:cs typeface="Adobe Clean"/>
-              </a:rPr>
-              <a:t> </a:t>
-            </a:r>
-            <a:r>
-              <a:rPr sz="1400" b="1" u="heavy" spc="-65">
-                <a:solidFill>
-                  <a:srgbClr val="020302"/>
-                </a:solidFill>
-                <a:uFill>
-                  <a:solidFill>
-                    <a:srgbClr val="020302"/>
-                  </a:solidFill>
-                </a:uFill>
-                <a:latin typeface="Adobe Clean"/>
-                <a:cs typeface="Adobe Clean"/>
-              </a:rPr>
-              <a:t>T</a:t>
-            </a:r>
-            <a:r>
-              <a:rPr sz="1400" b="1" u="heavy" spc="-35">
-                <a:solidFill>
-                  <a:srgbClr val="020302"/>
-                </a:solidFill>
-                <a:uFill>
-                  <a:solidFill>
-                    <a:srgbClr val="020302"/>
-                  </a:solidFill>
-                </a:uFill>
-                <a:latin typeface="Adobe Clean"/>
-                <a:cs typeface="Adobe Clean"/>
-              </a:rPr>
-              <a:t>a</a:t>
-            </a:r>
-            <a:r>
-              <a:rPr sz="1400" b="1" u="heavy" spc="-45">
-                <a:solidFill>
-                  <a:srgbClr val="020302"/>
-                </a:solidFill>
-                <a:uFill>
-                  <a:solidFill>
-                    <a:srgbClr val="020302"/>
-                  </a:solidFill>
-                </a:uFill>
-                <a:latin typeface="Adobe Clean"/>
-                <a:cs typeface="Adobe Clean"/>
-              </a:rPr>
-              <a:t>r</a:t>
-            </a:r>
-            <a:r>
-              <a:rPr sz="1400" b="1" u="heavy" spc="-35">
-                <a:solidFill>
-                  <a:srgbClr val="020302"/>
-                </a:solidFill>
-                <a:uFill>
-                  <a:solidFill>
-                    <a:srgbClr val="020302"/>
-                  </a:solidFill>
-                </a:uFill>
-                <a:latin typeface="Adobe Clean"/>
-                <a:cs typeface="Adobe Clean"/>
-              </a:rPr>
-              <a:t>g</a:t>
-            </a:r>
-            <a:r>
-              <a:rPr sz="1400" b="1" u="heavy" spc="-55">
-                <a:solidFill>
-                  <a:srgbClr val="020302"/>
-                </a:solidFill>
-                <a:uFill>
-                  <a:solidFill>
-                    <a:srgbClr val="020302"/>
-                  </a:solidFill>
-                </a:uFill>
-                <a:latin typeface="Adobe Clean"/>
-                <a:cs typeface="Adobe Clean"/>
-              </a:rPr>
-              <a:t>et</a:t>
-            </a:r>
-            <a:r>
-              <a:rPr sz="1400" b="1" u="heavy" spc="-45">
-                <a:solidFill>
-                  <a:srgbClr val="020302"/>
-                </a:solidFill>
-                <a:uFill>
-                  <a:solidFill>
-                    <a:srgbClr val="020302"/>
-                  </a:solidFill>
-                </a:uFill>
-                <a:latin typeface="Adobe Clean"/>
-                <a:cs typeface="Adobe Clean"/>
-              </a:rPr>
-              <a:t>s</a:t>
-            </a:r>
-            <a:r>
-              <a:rPr sz="1400" b="1" u="heavy">
-                <a:solidFill>
-                  <a:srgbClr val="020302"/>
-                </a:solidFill>
-                <a:uFill>
-                  <a:solidFill>
-                    <a:srgbClr val="020302"/>
-                  </a:solidFill>
-                </a:uFill>
-                <a:latin typeface="Adobe Clean"/>
-                <a:cs typeface="Adobe Clean"/>
-              </a:rPr>
-              <a:t>:</a:t>
-            </a:r>
-            <a:r>
-              <a:rPr sz="1400" b="1" u="heavy" spc="-80">
-                <a:solidFill>
-                  <a:srgbClr val="020302"/>
-                </a:solidFill>
-                <a:uFill>
-                  <a:solidFill>
-                    <a:srgbClr val="020302"/>
-                  </a:solidFill>
-                </a:uFill>
-                <a:latin typeface="Adobe Clean"/>
-                <a:cs typeface="Adobe Clean"/>
-              </a:rPr>
-              <a:t> </a:t>
-            </a:r>
-            <a:r>
-              <a:rPr sz="1400" b="1" u="heavy" spc="-20">
-                <a:solidFill>
-                  <a:srgbClr val="020302"/>
-                </a:solidFill>
-                <a:uFill>
-                  <a:solidFill>
-                    <a:srgbClr val="020302"/>
-                  </a:solidFill>
-                </a:uFill>
-                <a:latin typeface="Adobe Clean"/>
-                <a:cs typeface="Adobe Clean"/>
-              </a:rPr>
-              <a:t>I</a:t>
-            </a:r>
-            <a:r>
-              <a:rPr sz="1400" b="1" u="heavy" spc="-10">
-                <a:solidFill>
-                  <a:srgbClr val="020302"/>
-                </a:solidFill>
-                <a:uFill>
-                  <a:solidFill>
-                    <a:srgbClr val="020302"/>
-                  </a:solidFill>
-                </a:uFill>
-                <a:latin typeface="Adobe Clean"/>
-                <a:cs typeface="Adobe Clean"/>
-              </a:rPr>
-              <a:t>ni</a:t>
-            </a:r>
-            <a:r>
-              <a:rPr sz="1400" b="1" u="heavy" spc="-20">
-                <a:solidFill>
-                  <a:srgbClr val="020302"/>
-                </a:solidFill>
-                <a:uFill>
-                  <a:solidFill>
-                    <a:srgbClr val="020302"/>
-                  </a:solidFill>
-                </a:uFill>
-                <a:latin typeface="Adobe Clean"/>
-                <a:cs typeface="Adobe Clean"/>
-              </a:rPr>
-              <a:t>t</a:t>
-            </a:r>
-            <a:r>
-              <a:rPr sz="1400" b="1" u="heavy" spc="-10">
-                <a:solidFill>
-                  <a:srgbClr val="020302"/>
-                </a:solidFill>
-                <a:uFill>
-                  <a:solidFill>
-                    <a:srgbClr val="020302"/>
-                  </a:solidFill>
-                </a:uFill>
-                <a:latin typeface="Adobe Clean"/>
-                <a:cs typeface="Adobe Clean"/>
-              </a:rPr>
-              <a:t>i</a:t>
-            </a:r>
-            <a:r>
-              <a:rPr sz="1400" b="1" u="heavy">
-                <a:solidFill>
-                  <a:srgbClr val="020302"/>
-                </a:solidFill>
-                <a:uFill>
-                  <a:solidFill>
-                    <a:srgbClr val="020302"/>
-                  </a:solidFill>
-                </a:uFill>
-                <a:latin typeface="Adobe Clean"/>
-                <a:cs typeface="Adobe Clean"/>
-              </a:rPr>
-              <a:t>al</a:t>
-            </a:r>
-            <a:r>
-              <a:rPr sz="1400" b="1" u="heavy" spc="-140">
-                <a:solidFill>
-                  <a:srgbClr val="020302"/>
-                </a:solidFill>
-                <a:uFill>
-                  <a:solidFill>
-                    <a:srgbClr val="020302"/>
-                  </a:solidFill>
-                </a:uFill>
-                <a:latin typeface="Adobe Clean"/>
-                <a:cs typeface="Adobe Clean"/>
-              </a:rPr>
-              <a:t> </a:t>
-            </a:r>
-            <a:r>
-              <a:rPr sz="1400" b="1" u="heavy" spc="-15">
-                <a:solidFill>
-                  <a:srgbClr val="020302"/>
-                </a:solidFill>
-                <a:uFill>
-                  <a:solidFill>
-                    <a:srgbClr val="020302"/>
-                  </a:solidFill>
-                </a:uFill>
-                <a:latin typeface="Adobe Clean"/>
-                <a:cs typeface="Adobe Clean"/>
-              </a:rPr>
-              <a:t>R</a:t>
-            </a:r>
-            <a:r>
-              <a:rPr sz="1400" b="1" u="heavy" spc="-25">
-                <a:solidFill>
-                  <a:srgbClr val="020302"/>
-                </a:solidFill>
-                <a:uFill>
-                  <a:solidFill>
-                    <a:srgbClr val="020302"/>
-                  </a:solidFill>
-                </a:uFill>
-                <a:latin typeface="Adobe Clean"/>
-                <a:cs typeface="Adobe Clean"/>
-              </a:rPr>
-              <a:t>e</a:t>
-            </a:r>
-            <a:r>
-              <a:rPr sz="1400" b="1" u="heavy" spc="-15">
-                <a:solidFill>
-                  <a:srgbClr val="020302"/>
-                </a:solidFill>
-                <a:uFill>
-                  <a:solidFill>
-                    <a:srgbClr val="020302"/>
-                  </a:solidFill>
-                </a:uFill>
-                <a:latin typeface="Adobe Clean"/>
-                <a:cs typeface="Adobe Clean"/>
-              </a:rPr>
-              <a:t>s</a:t>
-            </a:r>
-            <a:r>
-              <a:rPr sz="1400" b="1" u="heavy" spc="-25">
-                <a:solidFill>
-                  <a:srgbClr val="020302"/>
-                </a:solidFill>
-                <a:uFill>
-                  <a:solidFill>
-                    <a:srgbClr val="020302"/>
-                  </a:solidFill>
-                </a:uFill>
-                <a:latin typeface="Adobe Clean"/>
-                <a:cs typeface="Adobe Clean"/>
-              </a:rPr>
-              <a:t>p</a:t>
-            </a:r>
-            <a:r>
-              <a:rPr sz="1400" b="1" u="heavy" spc="-15">
-                <a:solidFill>
-                  <a:srgbClr val="020302"/>
-                </a:solidFill>
-                <a:uFill>
-                  <a:solidFill>
-                    <a:srgbClr val="020302"/>
-                  </a:solidFill>
-                </a:uFill>
-                <a:latin typeface="Adobe Clean"/>
-                <a:cs typeface="Adobe Clean"/>
-              </a:rPr>
-              <a:t>ons</a:t>
-            </a:r>
-            <a:r>
-              <a:rPr sz="1400" b="1" u="heavy">
-                <a:solidFill>
-                  <a:srgbClr val="020302"/>
-                </a:solidFill>
-                <a:uFill>
-                  <a:solidFill>
-                    <a:srgbClr val="020302"/>
-                  </a:solidFill>
-                </a:uFill>
-                <a:latin typeface="Adobe Clean"/>
-                <a:cs typeface="Adobe Clean"/>
-              </a:rPr>
-              <a:t>e</a:t>
-            </a:r>
-            <a:endParaRPr sz="1400">
-              <a:latin typeface="Adobe Clean"/>
-              <a:cs typeface="Adobe Clean"/>
-            </a:endParaRPr>
+              <a:t>Obiettivi del livello di servizio: risposta iniziale</a:t>
+            </a:r>
           </a:p>
         </p:txBody>
       </p:sp>
@@ -2933,14 +2442,14 @@
           <p:nvPr>
             <p:extLst>
               <p:ext uri="{D42A27DB-BD31-4B8C-83A1-F6EECF244321}">
-                <p14:modId xmlns:p14="http://schemas.microsoft.com/office/powerpoint/2010/main" val="101721845"/>
+                <p14:modId xmlns:p14="http://schemas.microsoft.com/office/powerpoint/2010/main" val="3115713540"/>
               </p:ext>
             </p:extLst>
           </p:nvPr>
         </p:nvGraphicFramePr>
         <p:xfrm>
           <a:off x="145668" y="7473158"/>
-          <a:ext cx="7409815" cy="2259721"/>
+          <a:ext cx="7409815" cy="2386721"/>
         </p:xfrm>
         <a:graphic>
           <a:graphicData uri="http://schemas.openxmlformats.org/drawingml/2006/table">
@@ -2986,19 +2495,15 @@
                         </a:spcBef>
                       </a:pPr>
                       <a:r>
-                        <a:rPr sz="900" spc="0">
+                        <a:rPr lang="it-IT" sz="900">
                           <a:solidFill>
                             <a:srgbClr val="020302"/>
                           </a:solidFill>
                           <a:latin typeface="Adobe Clean"/>
                           <a:cs typeface="Adobe Clean"/>
                         </a:rPr>
-                        <a:t>Priority</a:t>
+                        <a:t>Priorità</a:t>
                       </a:r>
-                      <a:endParaRPr sz="900" spc="0">
-                        <a:latin typeface="Adobe Clean"/>
-                        <a:cs typeface="Adobe Clean"/>
-                      </a:endParaRPr>
                     </a:p>
                   </a:txBody>
                   <a:tcPr marL="0" marR="0" marT="5715" marB="0" anchor="ctr">
@@ -3045,39 +2550,15 @@
                         </a:spcBef>
                       </a:pPr>
                       <a:r>
-                        <a:rPr sz="900" spc="0">
+                        <a:rPr lang="it-IT" sz="900">
                           <a:solidFill>
                             <a:srgbClr val="020302"/>
                           </a:solidFill>
                           <a:latin typeface="Adobe Clean"/>
                           <a:cs typeface="Adobe Clean"/>
                         </a:rPr>
-                        <a:t>Online</a:t>
+                        <a:t>Supporto Online</a:t>
                       </a:r>
-                      <a:r>
-                        <a:rPr lang="en-US" sz="900" spc="0">
-                          <a:solidFill>
-                            <a:srgbClr val="020302"/>
-                          </a:solidFill>
-                          <a:latin typeface="Adobe Clean"/>
-                          <a:cs typeface="Adobe Clean"/>
-                        </a:rPr>
-                        <a:t> </a:t>
-                      </a:r>
-                      <a:r>
-                        <a:rPr sz="900" spc="0">
-                          <a:solidFill>
-                            <a:srgbClr val="020302"/>
-                          </a:solidFill>
-                          <a:latin typeface="Adobe Clean"/>
-                          <a:cs typeface="Adobe Clean"/>
-                        </a:rPr>
-                        <a:t> Support</a:t>
-                      </a:r>
-                      <a:endParaRPr sz="900" spc="0">
-                        <a:latin typeface="Adobe Clean"/>
-                        <a:cs typeface="Adobe Clean"/>
-                      </a:endParaRPr>
                     </a:p>
                   </a:txBody>
                   <a:tcPr marL="0" marR="0" marT="5715" marB="0" anchor="ctr">
@@ -3127,39 +2608,15 @@
                         </a:spcBef>
                       </a:pPr>
                       <a:r>
-                        <a:rPr sz="900" spc="0">
+                        <a:rPr lang="it-IT" sz="900">
                           <a:solidFill>
                             <a:srgbClr val="FFFFFF"/>
                           </a:solidFill>
                           <a:latin typeface="Adobe Clean"/>
                           <a:cs typeface="Adobe Clean"/>
                         </a:rPr>
-                        <a:t>Elite </a:t>
+                        <a:t>Supporto Elite</a:t>
                       </a:r>
-                      <a:r>
-                        <a:rPr lang="en-US" sz="900" spc="0">
-                          <a:solidFill>
-                            <a:srgbClr val="FFFFFF"/>
-                          </a:solidFill>
-                          <a:latin typeface="Adobe Clean"/>
-                          <a:cs typeface="Adobe Clean"/>
-                        </a:rPr>
-                        <a:t> </a:t>
-                      </a:r>
-                      <a:r>
-                        <a:rPr sz="900" spc="0">
-                          <a:solidFill>
-                            <a:srgbClr val="FFFFFF"/>
-                          </a:solidFill>
-                          <a:latin typeface="Adobe Clean"/>
-                          <a:cs typeface="Adobe Clean"/>
-                        </a:rPr>
-                        <a:t>Support</a:t>
-                      </a:r>
-                      <a:endParaRPr sz="900" spc="0">
-                        <a:latin typeface="Adobe Clean"/>
-                        <a:cs typeface="Adobe Clean"/>
-                      </a:endParaRPr>
                     </a:p>
                   </a:txBody>
                   <a:tcPr marL="0" marR="0" marT="8255" marB="0" anchor="ctr">
@@ -3216,19 +2673,15 @@
                         </a:spcBef>
                       </a:pPr>
                       <a:r>
-                        <a:rPr sz="900" b="1" spc="0">
+                        <a:rPr lang="it-IT" sz="900" b="1">
                           <a:solidFill>
                             <a:srgbClr val="020302"/>
                           </a:solidFill>
                           <a:latin typeface="Adobe Clean"/>
                           <a:cs typeface="Adobe Clean"/>
                         </a:rPr>
-                        <a:t>PRIORITY 1</a:t>
+                        <a:t>PRIORITÀ 1 (P1)</a:t>
                       </a:r>
-                      <a:endParaRPr sz="900" spc="0">
-                        <a:latin typeface="Adobe Clean"/>
-                        <a:cs typeface="Adobe Clean"/>
-                      </a:endParaRPr>
                     </a:p>
                     <a:p>
                       <a:pPr marL="50165" marR="495934" algn="l">
@@ -3240,19 +2693,14 @@
                         </a:spcBef>
                       </a:pPr>
                       <a:r>
-                        <a:rPr lang="en-US" sz="900" b="0" i="0" u="none" strike="noStrike" spc="0">
+                        <a:rPr lang="it-IT" sz="900" b="0" i="0" u="none" strike="noStrike">
                           <a:solidFill>
                             <a:srgbClr val="000000"/>
                           </a:solidFill>
-                          <a:effectLst/>
                           <a:latin typeface="Adobe Clean Light" panose="020B0303020404020204" pitchFamily="34" charset="0"/>
                         </a:rPr>
-                        <a:t>Customer's production business functions are down or have significant data loss or service degradation and immediate attention is required to restore functionality and usability</a:t>
+                        <a:t>Le funzioni operative nell’ambiente di produzione del cliente non sono disponibili oppure si verificano problemi significativi di perdita di dati o deterioramento del servizio ed è richiesto un intervento immediato per ripristinare funzionalità e usabilità.</a:t>
                       </a:r>
-                      <a:endParaRPr sz="900" spc="0">
-                        <a:latin typeface="AdobeClean-Light"/>
-                        <a:cs typeface="AdobeClean-Light"/>
-                      </a:endParaRPr>
                     </a:p>
                   </a:txBody>
                   <a:tcPr marL="0" marR="0" marT="0" marB="0" anchor="ctr">
@@ -3290,85 +2738,21 @@
                     <a:bodyPr/>
                     <a:lstStyle/>
                     <a:p>
-                      <a:pPr marL="542925" marR="492125" algn="l">
+                      <a:pPr marL="542925" marR="492125" algn="ctr">
                         <a:lnSpc>
                           <a:spcPct val="102200"/>
                         </a:lnSpc>
                       </a:pPr>
                       <a:r>
-                        <a:rPr sz="900" spc="0">
+                        <a:rPr lang="it-IT" sz="900">
                           <a:solidFill>
                             <a:srgbClr val="020302"/>
                           </a:solidFill>
                           <a:latin typeface="AdobeClean-Light"/>
                           <a:cs typeface="AdobeClean-Light"/>
                         </a:rPr>
-                        <a:t>24x7</a:t>
+                        <a:t>24x7 /           1 ora</a:t>
                       </a:r>
-                      <a:r>
-                        <a:rPr lang="en-US" sz="900" spc="0">
-                          <a:solidFill>
-                            <a:srgbClr val="020302"/>
-                          </a:solidFill>
-                          <a:latin typeface="AdobeClean-Light"/>
-                          <a:cs typeface="AdobeClean-Light"/>
-                        </a:rPr>
-                        <a:t> </a:t>
-                      </a:r>
-                      <a:r>
-                        <a:rPr sz="900" spc="0">
-                          <a:solidFill>
-                            <a:srgbClr val="020302"/>
-                          </a:solidFill>
-                          <a:latin typeface="AdobeClean-Light"/>
-                          <a:cs typeface="AdobeClean-Light"/>
-                        </a:rPr>
-                        <a:t>/</a:t>
-                      </a:r>
-                      <a:r>
-                        <a:rPr lang="en-US" sz="900" spc="0">
-                          <a:solidFill>
-                            <a:srgbClr val="020302"/>
-                          </a:solidFill>
-                          <a:latin typeface="AdobeClean-Light"/>
-                          <a:cs typeface="AdobeClean-Light"/>
-                        </a:rPr>
-                        <a:t>         </a:t>
-                      </a:r>
-                      <a:r>
-                        <a:rPr sz="900" spc="0">
-                          <a:solidFill>
-                            <a:srgbClr val="020302"/>
-                          </a:solidFill>
-                          <a:latin typeface="AdobeClean-Light"/>
-                          <a:cs typeface="AdobeClean-Light"/>
-                        </a:rPr>
-                        <a:t>  1</a:t>
-                      </a:r>
-                      <a:r>
-                        <a:rPr lang="en-US" sz="900" spc="0">
-                          <a:solidFill>
-                            <a:srgbClr val="020302"/>
-                          </a:solidFill>
-                          <a:latin typeface="AdobeClean-Light"/>
-                          <a:cs typeface="AdobeClean-Light"/>
-                        </a:rPr>
-                        <a:t> </a:t>
-                      </a:r>
-                      <a:r>
-                        <a:rPr sz="900" spc="0">
-                          <a:solidFill>
-                            <a:srgbClr val="020302"/>
-                          </a:solidFill>
-                          <a:latin typeface="AdobeClean-Light"/>
-                          <a:cs typeface="AdobeClean-Light"/>
-                        </a:rPr>
-                        <a:t>hour</a:t>
-                      </a:r>
-                      <a:endParaRPr sz="900" spc="0">
-                        <a:latin typeface="AdobeClean-Light"/>
-                        <a:cs typeface="AdobeClean-Light"/>
-                      </a:endParaRPr>
                     </a:p>
                   </a:txBody>
                   <a:tcPr marL="0" marR="0" marT="0" marB="0" anchor="ctr">
@@ -3406,75 +2790,21 @@
                     <a:bodyPr/>
                     <a:lstStyle/>
                     <a:p>
-                      <a:pPr marL="405130" marR="459740" indent="92710" algn="l">
+                      <a:pPr marL="405130" marR="459740" indent="92710" algn="ctr">
                         <a:lnSpc>
                           <a:spcPct val="100000"/>
                         </a:lnSpc>
                       </a:pPr>
                       <a:r>
-                        <a:rPr lang="en-US" sz="900" spc="0">
+                        <a:rPr lang="it-IT" sz="900">
                           <a:solidFill>
                             <a:srgbClr val="020302"/>
                           </a:solidFill>
                           <a:latin typeface="AdobeClean-Light"/>
                           <a:cs typeface="AdobeClean-Light"/>
                         </a:rPr>
-                        <a:t>2</a:t>
+                        <a:t>24x7 /   15 minuti</a:t>
                       </a:r>
-                      <a:r>
-                        <a:rPr sz="900" spc="0">
-                          <a:solidFill>
-                            <a:srgbClr val="020302"/>
-                          </a:solidFill>
-                          <a:latin typeface="AdobeClean-Light"/>
-                          <a:cs typeface="AdobeClean-Light"/>
-                        </a:rPr>
-                        <a:t>4x7 / </a:t>
-                      </a:r>
-                      <a:r>
-                        <a:rPr lang="en-US" sz="900" spc="0">
-                          <a:solidFill>
-                            <a:srgbClr val="020302"/>
-                          </a:solidFill>
-                          <a:latin typeface="AdobeClean-Light"/>
-                          <a:cs typeface="AdobeClean-Light"/>
-                        </a:rPr>
-                        <a:t> </a:t>
-                      </a:r>
-                      <a:r>
-                        <a:rPr sz="900" spc="0">
-                          <a:solidFill>
-                            <a:srgbClr val="020302"/>
-                          </a:solidFill>
-                          <a:latin typeface="AdobeClean-Light"/>
-                          <a:cs typeface="AdobeClean-Light"/>
-                        </a:rPr>
-                        <a:t> 15</a:t>
-                      </a:r>
-                      <a:r>
-                        <a:rPr lang="en-US" sz="900" spc="0">
-                          <a:solidFill>
-                            <a:srgbClr val="020302"/>
-                          </a:solidFill>
-                          <a:latin typeface="AdobeClean-Light"/>
-                          <a:cs typeface="AdobeClean-Light"/>
-                        </a:rPr>
-                        <a:t> </a:t>
-                      </a:r>
-                      <a:r>
-                        <a:rPr sz="900" spc="0">
-                          <a:solidFill>
-                            <a:srgbClr val="020302"/>
-                          </a:solidFill>
-                          <a:latin typeface="AdobeClean-Light"/>
-                          <a:cs typeface="AdobeClean-Light"/>
-                        </a:rPr>
-                        <a:t>minutes</a:t>
-                      </a:r>
-                      <a:endParaRPr sz="900" spc="0">
-                        <a:latin typeface="AdobeClean-Light"/>
-                        <a:cs typeface="AdobeClean-Light"/>
-                      </a:endParaRPr>
                     </a:p>
                   </a:txBody>
                   <a:tcPr marL="0" marR="0" marT="2540" marB="0" anchor="ctr">
@@ -3536,19 +2866,15 @@
                         </a:spcBef>
                       </a:pPr>
                       <a:r>
-                        <a:rPr sz="900" b="1" spc="0">
+                        <a:rPr lang="it-IT" sz="900" b="1">
                           <a:solidFill>
                             <a:srgbClr val="020302"/>
                           </a:solidFill>
                           <a:latin typeface="Adobe Clean"/>
                           <a:cs typeface="Adobe Clean"/>
                         </a:rPr>
-                        <a:t>PRIORITY 2</a:t>
+                        <a:t>PRIORITÀ 2 (P2)</a:t>
                       </a:r>
-                      <a:endParaRPr sz="900" spc="0">
-                        <a:latin typeface="Adobe Clean"/>
-                        <a:cs typeface="Adobe Clean"/>
-                      </a:endParaRPr>
                     </a:p>
                     <a:p>
                       <a:pPr marL="49530" marR="719455" algn="l">
@@ -3560,19 +2886,14 @@
                         </a:spcBef>
                       </a:pPr>
                       <a:r>
-                        <a:rPr lang="en-US" sz="900" b="0" i="0" u="none" strike="noStrike" spc="0">
+                        <a:rPr lang="it-IT" sz="900" b="0" i="0" u="none" strike="noStrike">
                           <a:solidFill>
                             <a:srgbClr val="000000"/>
                           </a:solidFill>
-                          <a:effectLst/>
                           <a:latin typeface="Adobe Clean Light" panose="020B0303020404020204" pitchFamily="34" charset="0"/>
                         </a:rPr>
-                        <a:t>Customer's business functions have major service degradation or potential data loss, or a major feature is impacted</a:t>
+                        <a:t>Le funzioni operative del cliente hanno subìto un notevole deterioramento del servizio o potenziale perdita di dati, oppure un problema interessa una funzione importante.</a:t>
                       </a:r>
-                      <a:endParaRPr sz="900" spc="0">
-                        <a:latin typeface="AdobeClean-Light"/>
-                        <a:cs typeface="AdobeClean-Light"/>
-                      </a:endParaRPr>
                     </a:p>
                   </a:txBody>
                   <a:tcPr marL="0" marR="0" marT="0" marB="0" anchor="ctr">
@@ -3610,23 +2931,23 @@
                     <a:bodyPr/>
                     <a:lstStyle/>
                     <a:p>
-                      <a:pPr marL="473709" marR="343535" indent="-175895" algn="l">
+                      <a:pPr marL="284163" marR="343535" indent="-49213" algn="ctr">
                         <a:lnSpc>
                           <a:spcPct val="102200"/>
                         </a:lnSpc>
                       </a:pPr>
                       <a:r>
-                        <a:rPr sz="900" spc="0">
+                        <a:rPr lang="it-IT" sz="900" dirty="0">
                           <a:solidFill>
                             <a:srgbClr val="020302"/>
                           </a:solidFill>
                           <a:latin typeface="AdobeClean-Light"/>
                           <a:cs typeface="AdobeClean-Light"/>
                         </a:rPr>
-                        <a:t>Business hours</a:t>
+                        <a:t>Orario operativo /</a:t>
                       </a:r>
                       <a:r>
-                        <a:rPr lang="en-US" sz="900" spc="0">
+                        <a:rPr lang="sk-SK" sz="900" dirty="0">
                           <a:solidFill>
                             <a:srgbClr val="020302"/>
                           </a:solidFill>
@@ -3635,40 +2956,25 @@
                         </a:rPr>
                         <a:t> </a:t>
                       </a:r>
-                      <a:r>
-                        <a:rPr sz="900" spc="0">
+                      <a:br>
+                        <a:rPr lang="sk-SK" sz="900" dirty="0">
                           <a:solidFill>
                             <a:srgbClr val="020302"/>
                           </a:solidFill>
                           <a:latin typeface="AdobeClean-Light"/>
                           <a:cs typeface="AdobeClean-Light"/>
                         </a:rPr>
-                        <a:t>/  </a:t>
-                      </a:r>
+                      </a:br>
                       <a:r>
-                        <a:rPr lang="en-US" sz="900" spc="0">
+                        <a:rPr lang="it-IT" sz="900" dirty="0">
                           <a:solidFill>
                             <a:srgbClr val="020302"/>
                           </a:solidFill>
                           <a:latin typeface="AdobeClean-Light"/>
                           <a:cs typeface="AdobeClean-Light"/>
                         </a:rPr>
-                        <a:t>     </a:t>
+                        <a:t>4 ore</a:t>
                       </a:r>
-                      <a:r>
-                        <a:rPr sz="900" spc="0">
-                          <a:solidFill>
-                            <a:srgbClr val="020302"/>
-                          </a:solidFill>
-                          <a:latin typeface="AdobeClean-Light"/>
-                          <a:cs typeface="AdobeClean-Light"/>
-                        </a:rPr>
-                        <a:t>4 hours</a:t>
-                      </a:r>
-                      <a:endParaRPr sz="900" spc="0">
-                        <a:latin typeface="AdobeClean-Light"/>
-                        <a:cs typeface="AdobeClean-Light"/>
-                      </a:endParaRPr>
                     </a:p>
                   </a:txBody>
                   <a:tcPr marL="0" marR="0" marT="0" marB="0" anchor="ctr">
@@ -3703,45 +3009,21 @@
                     <a:bodyPr/>
                     <a:lstStyle/>
                     <a:p>
-                      <a:pPr marL="351790" marR="481330" indent="144145" algn="l">
+                      <a:pPr marL="351790" marR="481330" indent="144145" algn="ctr">
                         <a:lnSpc>
                           <a:spcPct val="102299"/>
                         </a:lnSpc>
                       </a:pPr>
                       <a:r>
-                        <a:rPr sz="900" spc="0">
+                        <a:rPr lang="it-IT" sz="900">
                           <a:solidFill>
                             <a:srgbClr val="020302"/>
                           </a:solidFill>
                           <a:latin typeface="AdobeClean-Light"/>
                           <a:cs typeface="AdobeClean-Light"/>
                         </a:rPr>
-                        <a:t>24x5 /  30</a:t>
+                        <a:t>24x5 /  30 minuti</a:t>
                       </a:r>
-                      <a:r>
-                        <a:rPr lang="en-US" sz="900" spc="0">
-                          <a:solidFill>
-                            <a:srgbClr val="020302"/>
-                          </a:solidFill>
-                          <a:latin typeface="AdobeClean-Light"/>
-                          <a:cs typeface="AdobeClean-Light"/>
-                        </a:rPr>
-                        <a:t> m</a:t>
-                      </a:r>
-                      <a:r>
-                        <a:rPr sz="900" spc="0">
-                          <a:solidFill>
-                            <a:srgbClr val="020302"/>
-                          </a:solidFill>
-                          <a:latin typeface="AdobeClean-Light"/>
-                          <a:cs typeface="AdobeClean-Light"/>
-                        </a:rPr>
-                        <a:t>inutes</a:t>
-                      </a:r>
-                      <a:endParaRPr sz="900" spc="0">
-                        <a:latin typeface="AdobeClean-Light"/>
-                        <a:cs typeface="AdobeClean-Light"/>
-                      </a:endParaRPr>
                     </a:p>
                   </a:txBody>
                   <a:tcPr marL="0" marR="0" marT="5080" marB="0" anchor="ctr">
@@ -3800,19 +3082,15 @@
                         </a:spcBef>
                       </a:pPr>
                       <a:r>
-                        <a:rPr sz="900" b="1" spc="0">
+                        <a:rPr lang="it-IT" sz="900" b="1" dirty="0">
                           <a:solidFill>
                             <a:srgbClr val="020302"/>
                           </a:solidFill>
                           <a:latin typeface="Adobe Clean"/>
                           <a:cs typeface="Adobe Clean"/>
                         </a:rPr>
-                        <a:t>PRIORITY 3</a:t>
+                        <a:t>PRIORITÀ 3 (P3)</a:t>
                       </a:r>
-                      <a:endParaRPr sz="900" spc="0">
-                        <a:latin typeface="Adobe Clean"/>
-                        <a:cs typeface="Adobe Clean"/>
-                      </a:endParaRPr>
                     </a:p>
                     <a:p>
                       <a:pPr marL="48895" marR="387985" indent="-2540" algn="l">
@@ -3824,19 +3102,31 @@
                         </a:spcBef>
                       </a:pPr>
                       <a:r>
-                        <a:rPr lang="en-US" sz="900" b="0" i="0" u="none" strike="noStrike" spc="0">
+                        <a:rPr lang="it-IT" sz="900" b="0" i="0" u="none" strike="noStrike" dirty="0">
                           <a:solidFill>
                             <a:srgbClr val="000000"/>
                           </a:solidFill>
-                          <a:effectLst/>
                           <a:latin typeface="Adobe Clean Light" panose="020B0303020404020204" pitchFamily="34" charset="0"/>
                         </a:rPr>
-                        <a:t>Customer’s business functions has minor to no service degradation but there exists a solution/workaround allowing business functions to continue normally</a:t>
+                        <a:t>Le funzioni operative del cliente sono interessate da deterioramento lieve del servizio </a:t>
                       </a:r>
-                      <a:endParaRPr sz="900" spc="0">
-                        <a:latin typeface="AdobeClean-Light"/>
-                        <a:cs typeface="AdobeClean-Light"/>
-                      </a:endParaRPr>
+                      <a:br>
+                        <a:rPr lang="sk-SK" sz="900" b="0" i="0" u="none" strike="noStrike" dirty="0">
+                          <a:solidFill>
+                            <a:srgbClr val="000000"/>
+                          </a:solidFill>
+                          <a:latin typeface="Adobe Clean Light" panose="020B0303020404020204" pitchFamily="34" charset="0"/>
+                        </a:rPr>
+                      </a:br>
+                      <a:r>
+                        <a:rPr lang="it-IT" sz="900" b="0" i="0" u="none" strike="noStrike" dirty="0">
+                          <a:solidFill>
+                            <a:srgbClr val="000000"/>
+                          </a:solidFill>
+                          <a:latin typeface="Adobe Clean Light" panose="020B0303020404020204" pitchFamily="34" charset="0"/>
+                        </a:rPr>
+                        <a:t>(o nessun deterioramento), tuttavia è possibile procedere normalmente mediante una soluzione temporanea.</a:t>
+                      </a:r>
                     </a:p>
                   </a:txBody>
                   <a:tcPr marL="0" marR="0" marT="0" marB="0" anchor="ctr">
@@ -3874,25 +3164,40 @@
                     <a:bodyPr/>
                     <a:lstStyle/>
                     <a:p>
-                      <a:pPr marL="473709" marR="343535" indent="-175895" algn="l">
+                      <a:pPr marL="284163" marR="343535" indent="-49213" algn="ctr">
                         <a:lnSpc>
                           <a:spcPct val="102200"/>
                         </a:lnSpc>
                       </a:pPr>
                       <a:r>
-                        <a:rPr lang="en-US" sz="900" spc="0">
+                        <a:rPr lang="it-IT" sz="900" dirty="0">
                           <a:solidFill>
                             <a:srgbClr val="020302"/>
                           </a:solidFill>
                           <a:latin typeface="AdobeClean-Light"/>
                           <a:cs typeface="AdobeClean-Light"/>
                         </a:rPr>
-                        <a:t>Business hours /       6 hours</a:t>
+                        <a:t>Orario operativo / </a:t>
                       </a:r>
-                      <a:endParaRPr lang="en-US" sz="900" spc="0">
-                        <a:latin typeface="AdobeClean-Light"/>
-                        <a:cs typeface="AdobeClean-Light"/>
-                      </a:endParaRPr>
+                      <a:br>
+                        <a:rPr lang="sk-SK" sz="900" dirty="0">
+                          <a:solidFill>
+                            <a:srgbClr val="020302"/>
+                          </a:solidFill>
+                          <a:latin typeface="AdobeClean-Light"/>
+                          <a:cs typeface="AdobeClean-Light"/>
+                        </a:rPr>
+                      </a:br>
+                      <a:r>
+                        <a:rPr lang="it-IT" sz="900" dirty="0">
+                          <a:solidFill>
+                            <a:srgbClr val="020302"/>
+                          </a:solidFill>
+                          <a:latin typeface="AdobeClean-Light"/>
+                          <a:cs typeface="AdobeClean-Light"/>
+                        </a:rPr>
+                        <a:t>6 ore</a:t>
+                      </a:r>
                     </a:p>
                   </a:txBody>
                   <a:tcPr marL="0" marR="0" marT="0" marB="0" anchor="ctr">
@@ -3927,13 +3232,13 @@
                     <a:bodyPr/>
                     <a:lstStyle/>
                     <a:p>
-                      <a:pPr marL="508000" marR="531495" indent="1270" algn="l">
+                      <a:pPr marL="508000" marR="531495" indent="1270" algn="ctr">
                         <a:lnSpc>
                           <a:spcPct val="102200"/>
                         </a:lnSpc>
                       </a:pPr>
                       <a:r>
-                        <a:rPr lang="en-US" sz="900" spc="0">
+                        <a:rPr lang="it-IT" sz="900">
                           <a:solidFill>
                             <a:srgbClr val="020302"/>
                           </a:solidFill>
@@ -3944,7 +3249,7 @@
                         <a:t>2</a:t>
                       </a:r>
                       <a:r>
-                        <a:rPr sz="900" spc="0">
+                        <a:rPr lang="it-IT" sz="900">
                           <a:solidFill>
                             <a:srgbClr val="020302"/>
                           </a:solidFill>
@@ -3952,29 +3257,7 @@
                           <a:ea typeface="+mn-ea"/>
                           <a:cs typeface="AdobeClean-Light"/>
                         </a:rPr>
-                        <a:t>4x5/  </a:t>
-                      </a:r>
-                      <a:r>
-                        <a:rPr lang="en-US" sz="900" spc="0">
-                          <a:solidFill>
-                            <a:srgbClr val="020302"/>
-                          </a:solidFill>
-                          <a:latin typeface="AdobeClean-Light"/>
-                          <a:ea typeface="+mn-ea"/>
-                          <a:cs typeface="AdobeClean-Light"/>
-                        </a:rPr>
-                        <a:t> </a:t>
-                      </a:r>
-                      <a:r>
-                        <a:rPr sz="900" spc="0">
-                          <a:solidFill>
-                            <a:srgbClr val="020302"/>
-                          </a:solidFill>
-                          <a:latin typeface="AdobeClean-Light"/>
-                          <a:ea typeface="+mn-ea"/>
-                          <a:cs typeface="AdobeClean-Light"/>
-                        </a:rPr>
-                        <a:t>1 hour</a:t>
+                        <a:t>4x5 /   1 ora</a:t>
                       </a:r>
                     </a:p>
                   </a:txBody>
@@ -4034,19 +3317,15 @@
                         </a:spcBef>
                       </a:pPr>
                       <a:r>
-                        <a:rPr sz="900" b="1" spc="0">
+                        <a:rPr lang="it-IT" sz="900" b="1" dirty="0">
                           <a:solidFill>
                             <a:srgbClr val="020302"/>
                           </a:solidFill>
                           <a:latin typeface="Adobe Clean"/>
                           <a:cs typeface="Adobe Clean"/>
                         </a:rPr>
-                        <a:t>PRIORITY 4</a:t>
+                        <a:t>PRIORITÀ 4 (P4)</a:t>
                       </a:r>
-                      <a:endParaRPr sz="900" spc="0">
-                        <a:latin typeface="Adobe Clean"/>
-                        <a:cs typeface="Adobe Clean"/>
-                      </a:endParaRPr>
                     </a:p>
                     <a:p>
                       <a:pPr marL="62230" algn="l">
@@ -4058,19 +3337,14 @@
                         </a:spcBef>
                       </a:pPr>
                       <a:r>
-                        <a:rPr lang="en-US" sz="900" b="0" i="0" u="none" strike="noStrike" spc="0">
+                        <a:rPr lang="it-IT" sz="900" b="0" i="0" u="none" strike="noStrike" dirty="0">
                           <a:solidFill>
                             <a:srgbClr val="000000"/>
                           </a:solidFill>
-                          <a:effectLst/>
                           <a:latin typeface="Adobe Clean Light" panose="020B0303020404020204" pitchFamily="34" charset="0"/>
                         </a:rPr>
-                        <a:t>General question regarding current product functionality or an enhancement request</a:t>
+                        <a:t>Domande generali sulle attuali funzionalità del prodotto o su una richiesta di miglioramento</a:t>
                       </a:r>
-                      <a:endParaRPr sz="900" spc="0">
-                        <a:latin typeface="AdobeClean-Light"/>
-                        <a:cs typeface="AdobeClean-Light"/>
-                      </a:endParaRPr>
                     </a:p>
                   </a:txBody>
                   <a:tcPr marL="0" marR="0" marT="0" marB="0" anchor="ctr">
@@ -4108,25 +3382,21 @@
                     <a:bodyPr/>
                     <a:lstStyle/>
                     <a:p>
-                      <a:pPr marL="473709" marR="343535" indent="-175895" algn="l">
+                      <a:pPr marL="284163" marR="343535" indent="-49213" algn="ctr">
                         <a:lnSpc>
                           <a:spcPct val="102200"/>
                         </a:lnSpc>
                       </a:pPr>
                       <a:r>
-                        <a:rPr lang="en-US" sz="900" spc="0">
+                        <a:rPr lang="it-IT" sz="900" dirty="0">
                           <a:solidFill>
                             <a:srgbClr val="020302"/>
                           </a:solidFill>
                           <a:latin typeface="AdobeClean-Light"/>
                           <a:cs typeface="AdobeClean-Light"/>
                         </a:rPr>
-                        <a:t>Business days /       3 days</a:t>
+                        <a:t>Giorni lavorativi /  3 giorni</a:t>
                       </a:r>
-                      <a:endParaRPr lang="en-US" sz="900" spc="0">
-                        <a:latin typeface="AdobeClean-Light"/>
-                        <a:cs typeface="AdobeClean-Light"/>
-                      </a:endParaRPr>
                     </a:p>
                   </a:txBody>
                   <a:tcPr marL="0" marR="0" marT="0" marB="0" anchor="ctr">
@@ -4161,25 +3431,21 @@
                     <a:bodyPr/>
                     <a:lstStyle/>
                     <a:p>
-                      <a:pPr marL="473709" marR="343535" indent="-175895" algn="l">
+                      <a:pPr marL="284163" marR="343535" indent="-49213" algn="ctr">
                         <a:lnSpc>
                           <a:spcPct val="102200"/>
                         </a:lnSpc>
                       </a:pPr>
                       <a:r>
-                        <a:rPr lang="en-US" sz="900" spc="0">
+                        <a:rPr lang="it-IT" sz="900" dirty="0">
                           <a:solidFill>
                             <a:srgbClr val="020302"/>
                           </a:solidFill>
                           <a:latin typeface="AdobeClean-Light"/>
                           <a:cs typeface="AdobeClean-Light"/>
                         </a:rPr>
-                        <a:t>Business days /       1 day</a:t>
+                        <a:t>Giorni lavorativi /  1 giorno</a:t>
                       </a:r>
-                      <a:endParaRPr lang="en-US" sz="900" spc="0">
-                        <a:latin typeface="AdobeClean-Light"/>
-                        <a:cs typeface="AdobeClean-Light"/>
-                      </a:endParaRPr>
                     </a:p>
                   </a:txBody>
                   <a:tcPr marL="0" marR="0" marT="27940" marB="0" anchor="ctr">
@@ -4257,8 +3523,8 @@
         </p:nvSpPr>
         <p:spPr>
           <a:xfrm>
-            <a:off x="97787" y="9888626"/>
-            <a:ext cx="2202180" cy="149860"/>
+            <a:off x="97786" y="9888626"/>
+            <a:ext cx="2950213" cy="133370"/>
           </a:xfrm>
           <a:prstGeom prst="rect">
             <a:avLst/>
@@ -4279,99 +3545,15 @@
               </a:spcBef>
             </a:pPr>
             <a:r>
-              <a:rPr sz="800" spc="-15">
+              <a:rPr lang="it-IT" sz="800" dirty="0">
                 <a:solidFill>
                   <a:srgbClr val="6D6D6D"/>
                 </a:solidFill>
                 <a:latin typeface="Adobe Clean"/>
                 <a:cs typeface="Adobe Clean"/>
               </a:rPr>
-              <a:t>©2021 </a:t>
-            </a:r>
-            <a:r>
-              <a:rPr sz="800" spc="-5">
-                <a:solidFill>
-                  <a:srgbClr val="6D6D6D"/>
-                </a:solidFill>
-                <a:latin typeface="Adobe Clean"/>
-                <a:cs typeface="Adobe Clean"/>
-              </a:rPr>
-              <a:t>Adobe. All</a:t>
-            </a:r>
-            <a:r>
-              <a:rPr sz="800" spc="-15">
-                <a:solidFill>
-                  <a:srgbClr val="6D6D6D"/>
-                </a:solidFill>
-                <a:latin typeface="Adobe Clean"/>
-                <a:cs typeface="Adobe Clean"/>
-              </a:rPr>
-              <a:t> Rights</a:t>
-            </a:r>
-            <a:r>
-              <a:rPr sz="800" spc="-5">
-                <a:solidFill>
-                  <a:srgbClr val="6D6D6D"/>
-                </a:solidFill>
-                <a:latin typeface="Adobe Clean"/>
-                <a:cs typeface="Adobe Clean"/>
-              </a:rPr>
-              <a:t> </a:t>
-            </a:r>
-            <a:r>
-              <a:rPr sz="800" spc="-15">
-                <a:solidFill>
-                  <a:srgbClr val="6D6D6D"/>
-                </a:solidFill>
-                <a:latin typeface="Adobe Clean"/>
-                <a:cs typeface="Adobe Clean"/>
-              </a:rPr>
-              <a:t>Reserved.</a:t>
-            </a:r>
-            <a:r>
-              <a:rPr sz="800" spc="-10">
-                <a:solidFill>
-                  <a:srgbClr val="6D6D6D"/>
-                </a:solidFill>
-                <a:latin typeface="Adobe Clean"/>
-                <a:cs typeface="Adobe Clean"/>
-              </a:rPr>
-              <a:t> </a:t>
-            </a:r>
-            <a:r>
-              <a:rPr sz="800" spc="-5">
-                <a:solidFill>
-                  <a:srgbClr val="6D6D6D"/>
-                </a:solidFill>
-                <a:latin typeface="Adobe Clean"/>
-                <a:cs typeface="Adobe Clean"/>
-              </a:rPr>
-              <a:t>Adobe</a:t>
-            </a:r>
-            <a:r>
-              <a:rPr sz="800" spc="65">
-                <a:solidFill>
-                  <a:srgbClr val="6D6D6D"/>
-                </a:solidFill>
-                <a:latin typeface="Adobe Clean"/>
-                <a:cs typeface="Adobe Clean"/>
-              </a:rPr>
-              <a:t> </a:t>
-            </a:r>
-            <a:r>
-              <a:rPr sz="800" spc="-15">
-                <a:solidFill>
-                  <a:srgbClr val="6D6D6D"/>
-                </a:solidFill>
-                <a:latin typeface="Adobe Clean"/>
-                <a:cs typeface="Adobe Clean"/>
-              </a:rPr>
-              <a:t>Confidential.</a:t>
-            </a:r>
-            <a:endParaRPr sz="800">
-              <a:latin typeface="Adobe Clean"/>
-              <a:cs typeface="Adobe Clean"/>
-            </a:endParaRPr>
+              <a:t>©2021 Adobe. All Rights Reserved. Adobe Confidential.</a:t>
+            </a:r>
           </a:p>
         </p:txBody>
       </p:sp>
@@ -4404,7 +3586,7 @@
           <a:lstStyle/>
           <a:p>
             <a:r>
-              <a:rPr lang="en-US" sz="700" i="1">
+              <a:rPr lang="it-IT" sz="700" i="1">
                 <a:solidFill>
                   <a:schemeClr val="bg1"/>
                 </a:solidFill>
@@ -4436,7 +3618,7 @@
         </p:nvGraphicFramePr>
         <p:xfrm>
           <a:off x="273550" y="2258474"/>
-          <a:ext cx="7281935" cy="4738570"/>
+          <a:ext cx="7281935" cy="4839582"/>
         </p:xfrm>
         <a:graphic>
           <a:graphicData uri="http://schemas.openxmlformats.org/drawingml/2006/table">
@@ -4480,7 +3662,7 @@
                     <a:bodyPr/>
                     <a:lstStyle/>
                     <a:p>
-                      <a:endParaRPr lang="en-US"/>
+                      <a:endParaRPr lang="en-US" dirty="0"/>
                     </a:p>
                   </a:txBody>
                   <a:tcPr/>
@@ -4518,39 +3700,15 @@
                         <a:defRPr/>
                       </a:pPr>
                       <a:r>
-                        <a:rPr lang="en-US" sz="900" spc="-20">
+                        <a:rPr lang="it-IT" sz="900">
                           <a:solidFill>
                             <a:srgbClr val="404040"/>
                           </a:solidFill>
                           <a:latin typeface="Adobe Clean"/>
                           <a:cs typeface="Adobe Clean"/>
                         </a:rPr>
-                        <a:t>Online </a:t>
+                        <a:t>Supporto Online</a:t>
                       </a:r>
-                      <a:r>
-                        <a:rPr lang="en-US" sz="900" spc="-135">
-                          <a:solidFill>
-                            <a:srgbClr val="404040"/>
-                          </a:solidFill>
-                          <a:latin typeface="Adobe Clean"/>
-                          <a:cs typeface="Adobe Clean"/>
-                        </a:rPr>
-                        <a:t> </a:t>
-                      </a:r>
-                      <a:r>
-                        <a:rPr lang="en-US" sz="900" spc="-20">
-                          <a:solidFill>
-                            <a:srgbClr val="404040"/>
-                          </a:solidFill>
-                          <a:latin typeface="Adobe Clean"/>
-                          <a:cs typeface="Adobe Clean"/>
-                        </a:rPr>
-                        <a:t>Support</a:t>
-                      </a:r>
-                      <a:endParaRPr lang="en-US" sz="900">
-                        <a:latin typeface="Adobe Clean"/>
-                        <a:cs typeface="Adobe Clean"/>
-                      </a:endParaRPr>
                     </a:p>
                   </a:txBody>
                   <a:tcPr marL="0" marR="0" marT="7620" marB="0" anchor="ctr">
@@ -4591,29 +3749,15 @@
                         </a:spcBef>
                       </a:pPr>
                       <a:r>
-                        <a:rPr lang="en-US" sz="900" spc="-20">
+                        <a:rPr lang="it-IT" sz="900">
                           <a:solidFill>
                             <a:srgbClr val="FFFFFF"/>
                           </a:solidFill>
                           <a:latin typeface="Adobe Clean"/>
                           <a:cs typeface="Adobe Clean"/>
                         </a:rPr>
-                        <a:t>Elite </a:t>
+                        <a:t>Supporto Elite</a:t>
                       </a:r>
-                      <a:r>
-                        <a:rPr sz="900" spc="-20">
-                          <a:solidFill>
-                            <a:srgbClr val="FFFFFF"/>
-                          </a:solidFill>
-                          <a:latin typeface="Adobe Clean"/>
-                          <a:cs typeface="Adobe Clean"/>
-                        </a:rPr>
-                        <a:t>Support</a:t>
-                      </a:r>
-                      <a:endParaRPr sz="900">
-                        <a:latin typeface="Adobe Clean"/>
-                        <a:cs typeface="Adobe Clean"/>
-                      </a:endParaRPr>
                     </a:p>
                   </a:txBody>
                   <a:tcPr marL="0" marR="0" marT="7620" marB="0" anchor="ctr">
@@ -4658,7 +3802,7 @@
                     <a:bodyPr/>
                     <a:lstStyle/>
                     <a:p>
-                      <a:endParaRPr lang="en-US"/>
+                      <a:endParaRPr lang="en-US" dirty="0"/>
                     </a:p>
                   </a:txBody>
                   <a:tcPr/>
@@ -4678,7 +3822,7 @@
                     <a:bodyPr/>
                     <a:lstStyle/>
                     <a:p>
-                      <a:pPr marL="0" marR="0" lvl="0" indent="0" algn="ctr" defTabSz="914400" eaLnBrk="1" fontAlgn="auto" latinLnBrk="0" hangingPunct="1">
+                      <a:pPr marL="0" marR="0" lvl="0" indent="0" algn="l" defTabSz="914400" rtl="0" eaLnBrk="1" fontAlgn="auto" latinLnBrk="0" hangingPunct="1">
                         <a:lnSpc>
                           <a:spcPct val="100000"/>
                         </a:lnSpc>
@@ -4695,7 +3839,7 @@
                         <a:tabLst/>
                         <a:defRPr/>
                       </a:pPr>
-                      <a:endParaRPr lang="en-US" sz="800" i="1">
+                      <a:endParaRPr lang="en-US" sz="800" i="1" dirty="0">
                         <a:solidFill>
                           <a:sysClr val="windowText" lastClr="000000"/>
                         </a:solidFill>
@@ -4759,13 +3903,13 @@
                         <a:defRPr/>
                       </a:pPr>
                       <a:r>
-                        <a:rPr lang="en-US" sz="800" i="1">
+                        <a:rPr lang="it-IT" sz="800" i="1">
                           <a:solidFill>
                             <a:schemeClr val="bg1"/>
                           </a:solidFill>
                           <a:latin typeface="Adobe Clean Light" panose="020B0303020404020204" pitchFamily="34" charset="0"/>
                         </a:rPr>
-                        <a:t>Paid Support ($)</a:t>
+                        <a:t>Supporto a pagamento ($)</a:t>
                       </a:r>
                     </a:p>
                   </a:txBody>
@@ -4829,22 +3973,15 @@
                         </a:spcBef>
                       </a:pPr>
                       <a:r>
-                        <a:rPr lang="en-US" sz="1000" b="1" i="0" spc="0">
+                        <a:rPr lang="it-IT" sz="1000" b="1" i="0">
                           <a:solidFill>
                             <a:schemeClr val="bg1"/>
                           </a:solidFill>
                           <a:latin typeface="Adobe Clean" panose="020B0503020404020204" pitchFamily="34" charset="0"/>
                           <a:cs typeface="AdobeClean-Light"/>
                         </a:rPr>
-                        <a:t>Assigned Experts</a:t>
+                        <a:t>Esperti assegnati</a:t>
                       </a:r>
-                      <a:endParaRPr sz="1000" b="1" i="0" spc="0">
-                        <a:solidFill>
-                          <a:schemeClr val="bg1"/>
-                        </a:solidFill>
-                        <a:latin typeface="Adobe Clean" panose="020B0503020404020204" pitchFamily="34" charset="0"/>
-                        <a:cs typeface="AdobeClean-Light"/>
-                      </a:endParaRPr>
                     </a:p>
                   </a:txBody>
                   <a:tcPr marL="0" marR="0" marT="58419" marB="0" anchor="ctr">
@@ -4891,7 +4028,7 @@
                         </a:spcBef>
                       </a:pPr>
                       <a:r>
-                        <a:rPr sz="900" spc="0">
+                        <a:rPr lang="it-IT" sz="900">
                           <a:solidFill>
                             <a:srgbClr val="020302"/>
                           </a:solidFill>
@@ -4900,10 +4037,6 @@
                         </a:rPr>
                         <a:t>Account Support Lead</a:t>
                       </a:r>
-                      <a:endParaRPr sz="900" spc="0">
-                        <a:latin typeface="AdobeClean-Light"/>
-                        <a:cs typeface="AdobeClean-Light"/>
-                      </a:endParaRPr>
                     </a:p>
                   </a:txBody>
                   <a:tcPr marL="0" marR="0" marT="58419" marB="0">
@@ -4938,7 +4071,7 @@
                     <a:bodyPr/>
                     <a:lstStyle/>
                     <a:p>
-                      <a:pPr algn="ctr">
+                      <a:pPr algn="l" rtl="0">
                         <a:lnSpc>
                           <a:spcPct val="100000"/>
                         </a:lnSpc>
@@ -4946,7 +4079,7 @@
                           <a:spcPts val="470"/>
                         </a:spcBef>
                       </a:pPr>
-                      <a:endParaRPr sz="900">
+                      <a:endParaRPr sz="900" dirty="0">
                         <a:latin typeface="Wingdings"/>
                         <a:cs typeface="Wingdings"/>
                       </a:endParaRPr>
@@ -4979,7 +4112,7 @@
                     <a:bodyPr/>
                     <a:lstStyle/>
                     <a:p>
-                      <a:pPr algn="ctr">
+                      <a:pPr algn="l" rtl="0">
                         <a:lnSpc>
                           <a:spcPct val="100000"/>
                         </a:lnSpc>
@@ -4987,7 +4120,7 @@
                           <a:spcPts val="470"/>
                         </a:spcBef>
                       </a:pPr>
-                      <a:endParaRPr sz="900">
+                      <a:endParaRPr sz="900" dirty="0">
                         <a:latin typeface="Wingdings"/>
                         <a:cs typeface="Wingdings"/>
                       </a:endParaRPr>
@@ -5022,7 +4155,7 @@
                     <a:bodyPr/>
                     <a:lstStyle/>
                     <a:p>
-                      <a:pPr marL="50800">
+                      <a:pPr marL="50800" algn="l" rtl="0">
                         <a:lnSpc>
                           <a:spcPct val="100000"/>
                         </a:lnSpc>
@@ -5030,7 +4163,7 @@
                           <a:spcPts val="459"/>
                         </a:spcBef>
                       </a:pPr>
-                      <a:endParaRPr sz="900">
+                      <a:endParaRPr sz="900" dirty="0">
                         <a:latin typeface="AdobeClean-Light"/>
                         <a:cs typeface="AdobeClean-Light"/>
                       </a:endParaRPr>
@@ -5068,7 +4201,7 @@
                         </a:spcBef>
                       </a:pPr>
                       <a:r>
-                        <a:rPr sz="900" spc="0">
+                        <a:rPr lang="it-IT" sz="900">
                           <a:solidFill>
                             <a:srgbClr val="020302"/>
                           </a:solidFill>
@@ -5077,10 +4210,6 @@
                         </a:rPr>
                         <a:t>Named Support Engineer</a:t>
                       </a:r>
-                      <a:endParaRPr sz="900" spc="0">
-                        <a:latin typeface="AdobeClean-Light"/>
-                        <a:cs typeface="AdobeClean-Light"/>
-                      </a:endParaRPr>
                     </a:p>
                   </a:txBody>
                   <a:tcPr marL="0" marR="0" marT="58419" marB="0">
@@ -5103,12 +4232,12 @@
                     <a:bodyPr/>
                     <a:lstStyle/>
                     <a:p>
-                      <a:pPr algn="ctr">
+                      <a:pPr algn="l" rtl="0">
                         <a:lnSpc>
                           <a:spcPct val="100000"/>
                         </a:lnSpc>
                       </a:pPr>
-                      <a:endParaRPr sz="900">
+                      <a:endParaRPr sz="900" dirty="0">
                         <a:latin typeface="Times New Roman"/>
                         <a:cs typeface="Times New Roman"/>
                       </a:endParaRPr>
@@ -5150,7 +4279,7 @@
                         <a:defRPr/>
                       </a:pPr>
                       <a:r>
-                        <a:rPr lang="en-US" sz="900">
+                        <a:rPr lang="it-IT" sz="900">
                           <a:solidFill>
                             <a:srgbClr val="020302"/>
                           </a:solidFill>
@@ -5159,10 +4288,6 @@
                         </a:rPr>
                         <a:t></a:t>
                       </a:r>
-                      <a:endParaRPr lang="en-US" sz="900">
-                        <a:latin typeface="Wingdings"/>
-                        <a:cs typeface="Wingdings"/>
-                      </a:endParaRPr>
                     </a:p>
                   </a:txBody>
                   <a:tcPr marL="0" marR="0" marT="0" marB="0" anchor="ctr">
@@ -5185,7 +4310,7 @@
                     <a:bodyPr/>
                     <a:lstStyle/>
                     <a:p>
-                      <a:pPr marL="50800">
+                      <a:pPr marL="50800" algn="l" rtl="0">
                         <a:lnSpc>
                           <a:spcPct val="100000"/>
                         </a:lnSpc>
@@ -5193,7 +4318,7 @@
                           <a:spcPts val="500"/>
                         </a:spcBef>
                       </a:pPr>
-                      <a:endParaRPr sz="900">
+                      <a:endParaRPr sz="900" dirty="0">
                         <a:latin typeface="AdobeClean-Light"/>
                         <a:cs typeface="AdobeClean-Light"/>
                       </a:endParaRPr>
@@ -5243,7 +4368,7 @@
                         </a:spcBef>
                       </a:pPr>
                       <a:r>
-                        <a:rPr sz="900" spc="0">
+                        <a:rPr lang="it-IT" sz="900">
                           <a:solidFill>
                             <a:srgbClr val="020302"/>
                           </a:solidFill>
@@ -5252,10 +4377,6 @@
                         </a:rPr>
                         <a:t>Technical Account Manager</a:t>
                       </a:r>
-                      <a:endParaRPr sz="900" spc="0">
-                        <a:latin typeface="AdobeClean-Light"/>
-                        <a:cs typeface="AdobeClean-Light"/>
-                      </a:endParaRPr>
                     </a:p>
                   </a:txBody>
                   <a:tcPr marL="0" marR="0" marT="63500" marB="0">
@@ -5284,12 +4405,12 @@
                     <a:bodyPr/>
                     <a:lstStyle/>
                     <a:p>
-                      <a:pPr algn="ctr">
+                      <a:pPr algn="l" rtl="0">
                         <a:lnSpc>
                           <a:spcPct val="100000"/>
                         </a:lnSpc>
                       </a:pPr>
-                      <a:endParaRPr sz="900">
+                      <a:endParaRPr sz="900" dirty="0">
                         <a:latin typeface="Times New Roman"/>
                         <a:cs typeface="Times New Roman"/>
                       </a:endParaRPr>
@@ -5340,7 +4461,7 @@
                         <a:defRPr/>
                       </a:pPr>
                       <a:r>
-                        <a:rPr lang="en-US" sz="900">
+                        <a:rPr lang="it-IT" sz="900">
                           <a:solidFill>
                             <a:srgbClr val="020302"/>
                           </a:solidFill>
@@ -5349,10 +4470,6 @@
                         </a:rPr>
                         <a:t></a:t>
                       </a:r>
-                      <a:endParaRPr lang="en-US" sz="900">
-                        <a:latin typeface="Wingdings"/>
-                        <a:cs typeface="Wingdings"/>
-                      </a:endParaRPr>
                     </a:p>
                   </a:txBody>
                   <a:tcPr marL="0" marR="0" marT="0" marB="0" anchor="ctr">
@@ -5393,22 +4510,15 @@
                         </a:spcBef>
                       </a:pPr>
                       <a:r>
-                        <a:rPr lang="en-US" sz="1000" b="1" i="0" spc="0">
+                        <a:rPr lang="it-IT" sz="1000" b="1" i="0">
                           <a:solidFill>
                             <a:schemeClr val="bg1"/>
                           </a:solidFill>
                           <a:latin typeface="Adobe Clean" panose="020B0503020404020204" pitchFamily="34" charset="0"/>
                           <a:cs typeface="AdobeClean-Light"/>
                         </a:rPr>
-                        <a:t>Support Services</a:t>
+                        <a:t>Servizi di assistenza</a:t>
                       </a:r>
-                      <a:endParaRPr sz="1000" b="1" i="0" spc="0">
-                        <a:solidFill>
-                          <a:schemeClr val="bg1"/>
-                        </a:solidFill>
-                        <a:latin typeface="Adobe Clean" panose="020B0503020404020204" pitchFamily="34" charset="0"/>
-                        <a:cs typeface="AdobeClean-Light"/>
-                      </a:endParaRPr>
                     </a:p>
                   </a:txBody>
                   <a:tcPr marL="0" marR="0" marT="57150" marB="0" anchor="ctr">
@@ -5464,29 +4574,15 @@
                         </a:spcBef>
                       </a:pPr>
                       <a:r>
-                        <a:rPr lang="en-US" sz="900" spc="0">
+                        <a:rPr lang="it-IT" sz="900">
                           <a:solidFill>
                             <a:srgbClr val="020302"/>
                           </a:solidFill>
                           <a:latin typeface="AdobeClean-Light"/>
                           <a:cs typeface="AdobeClean-Light"/>
                         </a:rPr>
-                        <a:t>Online</a:t>
+                        <a:t>Supporto Online</a:t>
                       </a:r>
-                      <a:r>
-                        <a:rPr sz="900" spc="0">
-                          <a:solidFill>
-                            <a:srgbClr val="020302"/>
-                          </a:solidFill>
-                          <a:latin typeface="AdobeClean-Light"/>
-                          <a:cs typeface="AdobeClean-Light"/>
-                        </a:rPr>
-                        <a:t> Support</a:t>
-                      </a:r>
-                      <a:endParaRPr sz="900" spc="0">
-                        <a:latin typeface="AdobeClean-Light"/>
-                        <a:cs typeface="AdobeClean-Light"/>
-                      </a:endParaRPr>
                     </a:p>
                   </a:txBody>
                   <a:tcPr marL="0" marR="0" marT="57150" marB="0">
@@ -5524,39 +4620,15 @@
                         </a:spcBef>
                       </a:pPr>
                       <a:r>
-                        <a:rPr sz="900" spc="-25">
+                        <a:rPr lang="it-IT" sz="900">
                           <a:solidFill>
                             <a:srgbClr val="020302"/>
                           </a:solidFill>
                           <a:latin typeface="AdobeClean-Light"/>
                           <a:cs typeface="AdobeClean-Light"/>
                         </a:rPr>
-                        <a:t>Business</a:t>
+                        <a:t>Orario operativo</a:t>
                       </a:r>
-                      <a:r>
-                        <a:rPr sz="900" spc="-15">
-                          <a:solidFill>
-                            <a:srgbClr val="020302"/>
-                          </a:solidFill>
-                          <a:latin typeface="AdobeClean-Light"/>
-                          <a:cs typeface="AdobeClean-Light"/>
-                        </a:rPr>
-                        <a:t> </a:t>
-                      </a:r>
-                      <a:r>
-                        <a:rPr sz="900" spc="-30">
-                          <a:solidFill>
-                            <a:srgbClr val="020302"/>
-                          </a:solidFill>
-                          <a:latin typeface="AdobeClean-Light"/>
-                          <a:cs typeface="AdobeClean-Light"/>
-                        </a:rPr>
-                        <a:t>hours</a:t>
-                      </a:r>
-                      <a:endParaRPr sz="900">
-                        <a:latin typeface="AdobeClean-Light"/>
-                        <a:cs typeface="AdobeClean-Light"/>
-                      </a:endParaRPr>
                     </a:p>
                   </a:txBody>
                   <a:tcPr marL="0" marR="0" marT="67945" marB="0">
@@ -5595,7 +4667,7 @@
                         </a:spcBef>
                       </a:pPr>
                       <a:r>
-                        <a:rPr lang="en-US" sz="900" spc="-25">
+                        <a:rPr lang="it-IT" sz="900">
                           <a:solidFill>
                             <a:srgbClr val="020302"/>
                           </a:solidFill>
@@ -5604,10 +4676,6 @@
                         </a:rPr>
                         <a:t>24x5</a:t>
                       </a:r>
-                      <a:endParaRPr sz="900">
-                        <a:latin typeface="AdobeClean-Light"/>
-                        <a:cs typeface="AdobeClean-Light"/>
-                      </a:endParaRPr>
                     </a:p>
                   </a:txBody>
                   <a:tcPr marL="0" marR="0" marT="67945" marB="0" anchor="ctr">
@@ -5639,7 +4707,7 @@
                     <a:bodyPr/>
                     <a:lstStyle/>
                     <a:p>
-                      <a:pPr marL="50800">
+                      <a:pPr marL="50800" algn="l" rtl="0">
                         <a:lnSpc>
                           <a:spcPct val="100000"/>
                         </a:lnSpc>
@@ -5647,7 +4715,7 @@
                           <a:spcPts val="455"/>
                         </a:spcBef>
                       </a:pPr>
-                      <a:endParaRPr sz="900">
+                      <a:endParaRPr sz="900" dirty="0">
                         <a:latin typeface="AdobeClean-Light"/>
                         <a:cs typeface="AdobeClean-Light"/>
                       </a:endParaRPr>
@@ -5688,39 +4756,15 @@
                         </a:spcBef>
                       </a:pPr>
                       <a:r>
-                        <a:rPr sz="900" spc="0">
+                        <a:rPr lang="it-IT" sz="900">
                           <a:solidFill>
                             <a:srgbClr val="020302"/>
                           </a:solidFill>
                           <a:latin typeface="AdobeClean-Light"/>
                           <a:cs typeface="AdobeClean-Light"/>
                         </a:rPr>
-                        <a:t>24x7</a:t>
+                        <a:t>Supporto per problemi P1 24x7x365</a:t>
                       </a:r>
-                      <a:r>
-                        <a:rPr lang="en-US" sz="900" spc="0">
-                          <a:solidFill>
-                            <a:srgbClr val="020302"/>
-                          </a:solidFill>
-                          <a:latin typeface="AdobeClean-Light"/>
-                          <a:cs typeface="AdobeClean-Light"/>
-                        </a:rPr>
-                        <a:t>x365</a:t>
-                      </a:r>
-                      <a:r>
-                        <a:rPr sz="900" spc="0">
-                          <a:solidFill>
-                            <a:srgbClr val="020302"/>
-                          </a:solidFill>
-                          <a:latin typeface="AdobeClean-Light"/>
-                          <a:cs typeface="AdobeClean-Light"/>
-                        </a:rPr>
-                        <a:t> P1 Issue Support</a:t>
-                      </a:r>
-                      <a:endParaRPr sz="900" spc="0">
-                        <a:latin typeface="AdobeClean-Light"/>
-                        <a:cs typeface="AdobeClean-Light"/>
-                      </a:endParaRPr>
                     </a:p>
                   </a:txBody>
                   <a:tcPr marL="0" marR="0" marT="57785" marB="0">
@@ -5752,7 +4796,7 @@
                         </a:spcBef>
                       </a:pPr>
                       <a:r>
-                        <a:rPr sz="900">
+                        <a:rPr lang="it-IT" sz="900">
                           <a:solidFill>
                             <a:srgbClr val="020302"/>
                           </a:solidFill>
@@ -5761,10 +4805,6 @@
                         </a:rPr>
                         <a:t></a:t>
                       </a:r>
-                      <a:endParaRPr sz="900">
-                        <a:latin typeface="Wingdings"/>
-                        <a:cs typeface="Wingdings"/>
-                      </a:endParaRPr>
                     </a:p>
                   </a:txBody>
                   <a:tcPr marL="0" marR="0" marT="58419" marB="0">
@@ -5794,7 +4834,7 @@
                         </a:spcBef>
                       </a:pPr>
                       <a:r>
-                        <a:rPr sz="900">
+                        <a:rPr lang="it-IT" sz="900">
                           <a:solidFill>
                             <a:srgbClr val="020302"/>
                           </a:solidFill>
@@ -5803,10 +4843,6 @@
                         </a:rPr>
                         <a:t></a:t>
                       </a:r>
-                      <a:endParaRPr sz="900">
-                        <a:latin typeface="Wingdings"/>
-                        <a:cs typeface="Wingdings"/>
-                      </a:endParaRPr>
                     </a:p>
                   </a:txBody>
                   <a:tcPr marL="0" marR="0" marT="58419" marB="0" anchor="ctr">
@@ -5829,7 +4865,7 @@
                     <a:bodyPr/>
                     <a:lstStyle/>
                     <a:p>
-                      <a:pPr marL="50800">
+                      <a:pPr marL="50800" algn="l" rtl="0">
                         <a:lnSpc>
                           <a:spcPct val="100000"/>
                         </a:lnSpc>
@@ -5837,7 +4873,7 @@
                           <a:spcPts val="455"/>
                         </a:spcBef>
                       </a:pPr>
-                      <a:endParaRPr sz="900">
+                      <a:endParaRPr sz="900" dirty="0">
                         <a:latin typeface="AdobeClean-Light"/>
                         <a:cs typeface="AdobeClean-Light"/>
                       </a:endParaRPr>
@@ -5887,19 +4923,15 @@
                         </a:spcBef>
                       </a:pPr>
                       <a:r>
-                        <a:rPr lang="en-US" sz="900" spc="0">
+                        <a:rPr lang="it-IT" sz="900">
                           <a:solidFill>
                             <a:srgbClr val="020302"/>
                           </a:solidFill>
                           <a:latin typeface="AdobeClean-Light"/>
                           <a:cs typeface="AdobeClean-Light"/>
                         </a:rPr>
-                        <a:t>Named Support Contacts (per product)</a:t>
+                        <a:t>Contatti interni per il supporto (per prodotto)</a:t>
                       </a:r>
-                      <a:endParaRPr sz="900" spc="0">
-                        <a:latin typeface="AdobeClean-Light"/>
-                        <a:cs typeface="AdobeClean-Light"/>
-                      </a:endParaRPr>
                     </a:p>
                   </a:txBody>
                   <a:tcPr marL="0" marR="0" marT="57785" marB="0">
@@ -5937,7 +4969,7 @@
                         </a:spcBef>
                       </a:pPr>
                       <a:r>
-                        <a:rPr sz="900">
+                        <a:rPr lang="it-IT" sz="900">
                           <a:solidFill>
                             <a:srgbClr val="020302"/>
                           </a:solidFill>
@@ -5946,10 +4978,6 @@
                         </a:rPr>
                         <a:t>4</a:t>
                       </a:r>
-                      <a:endParaRPr sz="900">
-                        <a:latin typeface="AdobeClean-Light"/>
-                        <a:cs typeface="AdobeClean-Light"/>
-                      </a:endParaRPr>
                     </a:p>
                   </a:txBody>
                   <a:tcPr marL="0" marR="0" marT="57785" marB="0">
@@ -5979,7 +5007,7 @@
                         </a:spcBef>
                       </a:pPr>
                       <a:r>
-                        <a:rPr lang="en-US" sz="900">
+                        <a:rPr lang="it-IT" sz="900">
                           <a:solidFill>
                             <a:srgbClr val="020302"/>
                           </a:solidFill>
@@ -5988,10 +5016,6 @@
                         </a:rPr>
                         <a:t>15</a:t>
                       </a:r>
-                      <a:endParaRPr sz="900">
-                        <a:latin typeface="AdobeClean-Light"/>
-                        <a:cs typeface="AdobeClean-Light"/>
-                      </a:endParaRPr>
                     </a:p>
                   </a:txBody>
                   <a:tcPr marL="0" marR="0" marT="57785" marB="0" anchor="ctr">
@@ -6014,7 +5038,7 @@
                     <a:bodyPr/>
                     <a:lstStyle/>
                     <a:p>
-                      <a:pPr marL="50800">
+                      <a:pPr marL="50800" algn="l" rtl="0">
                         <a:lnSpc>
                           <a:spcPct val="100000"/>
                         </a:lnSpc>
@@ -6022,7 +5046,7 @@
                           <a:spcPts val="455"/>
                         </a:spcBef>
                       </a:pPr>
-                      <a:endParaRPr sz="900">
+                      <a:endParaRPr sz="900" dirty="0">
                         <a:latin typeface="AdobeClean-Light"/>
                         <a:cs typeface="AdobeClean-Light"/>
                       </a:endParaRPr>
@@ -6063,19 +5087,15 @@
                         </a:spcBef>
                       </a:pPr>
                       <a:r>
-                        <a:rPr lang="en-US" sz="900" spc="0">
+                        <a:rPr lang="it-IT" sz="900">
                           <a:solidFill>
                             <a:srgbClr val="020302"/>
                           </a:solidFill>
                           <a:latin typeface="AdobeClean-Light"/>
                           <a:cs typeface="AdobeClean-Light"/>
                         </a:rPr>
-                        <a:t>Live Telephone Support</a:t>
+                        <a:t>Supporto telefonico in diretta</a:t>
                       </a:r>
-                      <a:endParaRPr sz="900" spc="0">
-                        <a:latin typeface="AdobeClean-Light"/>
-                        <a:cs typeface="AdobeClean-Light"/>
-                      </a:endParaRPr>
                     </a:p>
                   </a:txBody>
                   <a:tcPr marL="0" marR="0" marT="57785" marB="0">
@@ -6098,7 +5118,7 @@
                     <a:bodyPr/>
                     <a:lstStyle/>
                     <a:p>
-                      <a:pPr algn="ctr">
+                      <a:pPr algn="l" rtl="0">
                         <a:lnSpc>
                           <a:spcPct val="100000"/>
                         </a:lnSpc>
@@ -6106,7 +5126,7 @@
                           <a:spcPts val="464"/>
                         </a:spcBef>
                       </a:pPr>
-                      <a:endParaRPr sz="900">
+                      <a:endParaRPr sz="900" dirty="0">
                         <a:latin typeface="Wingdings"/>
                         <a:cs typeface="Wingdings"/>
                       </a:endParaRPr>
@@ -6139,7 +5159,7 @@
                         </a:spcBef>
                       </a:pPr>
                       <a:r>
-                        <a:rPr sz="900">
+                        <a:rPr lang="it-IT" sz="900">
                           <a:solidFill>
                             <a:srgbClr val="020302"/>
                           </a:solidFill>
@@ -6148,10 +5168,6 @@
                         </a:rPr>
                         <a:t></a:t>
                       </a:r>
-                      <a:endParaRPr sz="900">
-                        <a:latin typeface="Wingdings"/>
-                        <a:cs typeface="Wingdings"/>
-                      </a:endParaRPr>
                     </a:p>
                   </a:txBody>
                   <a:tcPr marL="0" marR="0" marT="59054" marB="0" anchor="ctr">
@@ -6174,7 +5190,7 @@
                     <a:bodyPr/>
                     <a:lstStyle/>
                     <a:p>
-                      <a:pPr marL="50800">
+                      <a:pPr marL="50800" algn="l" rtl="0">
                         <a:lnSpc>
                           <a:spcPct val="100000"/>
                         </a:lnSpc>
@@ -6182,7 +5198,7 @@
                           <a:spcPts val="459"/>
                         </a:spcBef>
                       </a:pPr>
-                      <a:endParaRPr sz="900">
+                      <a:endParaRPr sz="900" dirty="0">
                         <a:latin typeface="AdobeClean-Light"/>
                         <a:cs typeface="AdobeClean-Light"/>
                       </a:endParaRPr>
@@ -6223,19 +5239,15 @@
                         </a:spcBef>
                       </a:pPr>
                       <a:r>
-                        <a:rPr sz="900" spc="0">
+                        <a:rPr lang="it-IT" sz="900">
                           <a:solidFill>
                             <a:srgbClr val="020302"/>
                           </a:solidFill>
                           <a:latin typeface="AdobeClean-Light"/>
                           <a:cs typeface="AdobeClean-Light"/>
                         </a:rPr>
-                        <a:t>Escalation Management</a:t>
+                        <a:t>Gestione delle escalation</a:t>
                       </a:r>
-                      <a:endParaRPr sz="900" spc="0">
-                        <a:latin typeface="AdobeClean-Light"/>
-                        <a:cs typeface="AdobeClean-Light"/>
-                      </a:endParaRPr>
                     </a:p>
                   </a:txBody>
                   <a:tcPr marL="0" marR="0" marT="58419" marB="0">
@@ -6258,7 +5270,7 @@
                     <a:bodyPr/>
                     <a:lstStyle/>
                     <a:p>
-                      <a:pPr algn="ctr">
+                      <a:pPr algn="l" rtl="0">
                         <a:lnSpc>
                           <a:spcPct val="100000"/>
                         </a:lnSpc>
@@ -6266,7 +5278,7 @@
                           <a:spcPts val="470"/>
                         </a:spcBef>
                       </a:pPr>
-                      <a:endParaRPr sz="900">
+                      <a:endParaRPr sz="900" dirty="0">
                         <a:latin typeface="Wingdings"/>
                         <a:cs typeface="Wingdings"/>
                       </a:endParaRPr>
@@ -6299,7 +5311,7 @@
                         </a:spcBef>
                       </a:pPr>
                       <a:r>
-                        <a:rPr sz="900">
+                        <a:rPr lang="it-IT" sz="900">
                           <a:solidFill>
                             <a:srgbClr val="020302"/>
                           </a:solidFill>
@@ -6308,10 +5320,6 @@
                         </a:rPr>
                         <a:t></a:t>
                       </a:r>
-                      <a:endParaRPr sz="900">
-                        <a:latin typeface="Wingdings"/>
-                        <a:cs typeface="Wingdings"/>
-                      </a:endParaRPr>
                     </a:p>
                   </a:txBody>
                   <a:tcPr marL="0" marR="0" marT="59690" marB="0" anchor="ctr">
@@ -6334,7 +5342,7 @@
                     <a:bodyPr/>
                     <a:lstStyle/>
                     <a:p>
-                      <a:pPr marL="50800">
+                      <a:pPr marL="50800" algn="l" rtl="0">
                         <a:lnSpc>
                           <a:spcPct val="100000"/>
                         </a:lnSpc>
@@ -6342,7 +5350,7 @@
                           <a:spcPts val="450"/>
                         </a:spcBef>
                       </a:pPr>
-                      <a:endParaRPr sz="900">
+                      <a:endParaRPr sz="900" dirty="0">
                         <a:latin typeface="AdobeClean-Light"/>
                         <a:cs typeface="AdobeClean-Light"/>
                       </a:endParaRPr>
@@ -6383,29 +5391,15 @@
                         </a:spcBef>
                       </a:pPr>
                       <a:r>
-                        <a:rPr sz="900" spc="0">
+                        <a:rPr lang="it-IT" sz="900">
                           <a:solidFill>
                             <a:srgbClr val="020302"/>
                           </a:solidFill>
                           <a:latin typeface="AdobeClean-Light"/>
                           <a:cs typeface="AdobeClean-Light"/>
                         </a:rPr>
-                        <a:t>Service Reviews </a:t>
+                        <a:t>Valutazioni dei servizi all’anno</a:t>
                       </a:r>
-                      <a:r>
-                        <a:rPr lang="en-US" sz="900" spc="0">
-                          <a:solidFill>
-                            <a:srgbClr val="020302"/>
-                          </a:solidFill>
-                          <a:latin typeface="AdobeClean-Light"/>
-                          <a:cs typeface="AdobeClean-Light"/>
-                        </a:rPr>
-                        <a:t>per Year</a:t>
-                      </a:r>
-                      <a:endParaRPr sz="900" spc="0">
-                        <a:latin typeface="AdobeClean-Light"/>
-                        <a:cs typeface="AdobeClean-Light"/>
-                      </a:endParaRPr>
                     </a:p>
                   </a:txBody>
                   <a:tcPr marL="0" marR="0" marT="57150" marB="0">
@@ -6428,12 +5422,12 @@
                     <a:bodyPr/>
                     <a:lstStyle/>
                     <a:p>
-                      <a:pPr>
+                      <a:pPr algn="l" rtl="0">
                         <a:lnSpc>
                           <a:spcPct val="100000"/>
                         </a:lnSpc>
                       </a:pPr>
-                      <a:endParaRPr sz="900">
+                      <a:endParaRPr sz="900" dirty="0">
                         <a:latin typeface="Times New Roman"/>
                         <a:cs typeface="Times New Roman"/>
                       </a:endParaRPr>
@@ -6463,16 +5457,12 @@
                         </a:lnSpc>
                       </a:pPr>
                       <a:r>
-                        <a:rPr lang="en-US" sz="900">
+                        <a:rPr lang="it-IT" sz="900">
                           <a:latin typeface="Times New Roman"/>
                           <a:cs typeface="Times New Roman"/>
                         </a:rPr>
                         <a:t>4</a:t>
                       </a:r>
-                      <a:endParaRPr sz="900">
-                        <a:latin typeface="Times New Roman"/>
-                        <a:cs typeface="Times New Roman"/>
-                      </a:endParaRPr>
                     </a:p>
                   </a:txBody>
                   <a:tcPr marL="0" marR="0" marT="0" marB="0" anchor="ctr">
@@ -6514,16 +5504,12 @@
                         </a:spcBef>
                       </a:pPr>
                       <a:r>
-                        <a:rPr lang="en-US" sz="900" spc="0">
+                        <a:rPr lang="it-IT" sz="900">
                           <a:latin typeface="AdobeClean-Light"/>
                           <a:cs typeface="AdobeClean-Light"/>
                         </a:rPr>
-                        <a:t>Expert Sessions per Year</a:t>
+                        <a:t>Sessioni con esperti all’anno</a:t>
                       </a:r>
-                      <a:endParaRPr sz="900" spc="0">
-                        <a:latin typeface="AdobeClean-Light"/>
-                        <a:cs typeface="AdobeClean-Light"/>
-                      </a:endParaRPr>
                     </a:p>
                   </a:txBody>
                   <a:tcPr marL="0" marR="0" marT="57150" marB="0">
@@ -6552,12 +5538,12 @@
                     <a:bodyPr/>
                     <a:lstStyle/>
                     <a:p>
-                      <a:pPr>
+                      <a:pPr algn="l" rtl="0">
                         <a:lnSpc>
                           <a:spcPct val="100000"/>
                         </a:lnSpc>
                       </a:pPr>
-                      <a:endParaRPr sz="900">
+                      <a:endParaRPr sz="900" dirty="0">
                         <a:latin typeface="Times New Roman"/>
                         <a:cs typeface="Times New Roman"/>
                       </a:endParaRPr>
@@ -6587,16 +5573,12 @@
                         </a:lnSpc>
                       </a:pPr>
                       <a:r>
-                        <a:rPr lang="en-US" sz="900">
+                        <a:rPr lang="it-IT" sz="900">
                           <a:latin typeface="Times New Roman"/>
                           <a:cs typeface="Times New Roman"/>
                         </a:rPr>
                         <a:t>4</a:t>
                       </a:r>
-                      <a:endParaRPr sz="900">
-                        <a:latin typeface="Times New Roman"/>
-                        <a:cs typeface="Times New Roman"/>
-                      </a:endParaRPr>
                     </a:p>
                   </a:txBody>
                   <a:tcPr marL="0" marR="0" marT="0" marB="0" anchor="ctr">
@@ -6638,16 +5620,12 @@
                         </a:spcBef>
                       </a:pPr>
                       <a:r>
-                        <a:rPr lang="en-US" sz="900" spc="0">
+                        <a:rPr lang="it-IT" sz="900">
                           <a:latin typeface="AdobeClean-Light"/>
                           <a:cs typeface="AdobeClean-Light"/>
                         </a:rPr>
-                        <a:t>Case Reviews</a:t>
+                        <a:t>Valutazione dei casi</a:t>
                       </a:r>
-                      <a:endParaRPr sz="900" spc="0">
-                        <a:latin typeface="AdobeClean-Light"/>
-                        <a:cs typeface="AdobeClean-Light"/>
-                      </a:endParaRPr>
                     </a:p>
                   </a:txBody>
                   <a:tcPr marL="0" marR="0" marT="57150" marB="0">
@@ -6676,12 +5654,12 @@
                     <a:bodyPr/>
                     <a:lstStyle/>
                     <a:p>
-                      <a:pPr>
+                      <a:pPr algn="l" rtl="0">
                         <a:lnSpc>
                           <a:spcPct val="100000"/>
                         </a:lnSpc>
                       </a:pPr>
-                      <a:endParaRPr sz="900">
+                      <a:endParaRPr sz="900" dirty="0">
                         <a:latin typeface="Times New Roman"/>
                         <a:cs typeface="Times New Roman"/>
                       </a:endParaRPr>
@@ -6723,7 +5701,7 @@
                         <a:defRPr/>
                       </a:pPr>
                       <a:r>
-                        <a:rPr lang="en-US" sz="900">
+                        <a:rPr lang="it-IT" sz="900">
                           <a:solidFill>
                             <a:srgbClr val="020302"/>
                           </a:solidFill>
@@ -6732,10 +5710,6 @@
                         </a:rPr>
                         <a:t></a:t>
                       </a:r>
-                      <a:endParaRPr lang="en-US" sz="900">
-                        <a:latin typeface="Wingdings"/>
-                        <a:cs typeface="Wingdings"/>
-                      </a:endParaRPr>
                     </a:p>
                   </a:txBody>
                   <a:tcPr marL="0" marR="0" marT="0" marB="0" anchor="ctr">
@@ -6758,7 +5732,7 @@
                     <a:bodyPr/>
                     <a:lstStyle/>
                     <a:p>
-                      <a:pPr marL="48895">
+                      <a:pPr marL="48895" algn="l" rtl="0">
                         <a:lnSpc>
                           <a:spcPct val="100000"/>
                         </a:lnSpc>
@@ -6766,7 +5740,7 @@
                           <a:spcPts val="459"/>
                         </a:spcBef>
                       </a:pPr>
-                      <a:endParaRPr sz="900">
+                      <a:endParaRPr sz="900" dirty="0">
                         <a:latin typeface="AdobeClean-Light"/>
                         <a:cs typeface="AdobeClean-Light"/>
                       </a:endParaRPr>
@@ -6816,29 +5790,15 @@
                         </a:spcBef>
                       </a:pPr>
                       <a:r>
-                        <a:rPr sz="900" spc="0">
+                        <a:rPr lang="it-IT" sz="900">
                           <a:solidFill>
                             <a:srgbClr val="020302"/>
                           </a:solidFill>
                           <a:latin typeface="AdobeClean-Light"/>
                           <a:cs typeface="AdobeClean-Light"/>
                         </a:rPr>
-                        <a:t>Event </a:t>
+                        <a:t>Gestione degli eventi</a:t>
                       </a:r>
-                      <a:r>
-                        <a:rPr lang="en-US" sz="900" spc="0">
-                          <a:solidFill>
-                            <a:srgbClr val="020302"/>
-                          </a:solidFill>
-                          <a:latin typeface="AdobeClean-Light"/>
-                          <a:cs typeface="AdobeClean-Light"/>
-                        </a:rPr>
-                        <a:t>Management</a:t>
-                      </a:r>
-                      <a:endParaRPr sz="900" spc="0">
-                        <a:latin typeface="AdobeClean-Light"/>
-                        <a:cs typeface="AdobeClean-Light"/>
-                      </a:endParaRPr>
                     </a:p>
                   </a:txBody>
                   <a:tcPr marL="0" marR="0" marT="58419" marB="0">
@@ -6867,12 +5827,12 @@
                     <a:bodyPr/>
                     <a:lstStyle/>
                     <a:p>
-                      <a:pPr>
+                      <a:pPr algn="l" rtl="0">
                         <a:lnSpc>
                           <a:spcPct val="100000"/>
                         </a:lnSpc>
                       </a:pPr>
-                      <a:endParaRPr sz="900">
+                      <a:endParaRPr sz="900" dirty="0">
                         <a:latin typeface="Times New Roman"/>
                         <a:cs typeface="Times New Roman"/>
                       </a:endParaRPr>
@@ -6914,7 +5874,7 @@
                         <a:defRPr/>
                       </a:pPr>
                       <a:r>
-                        <a:rPr lang="en-US" sz="900">
+                        <a:rPr lang="it-IT" sz="900">
                           <a:solidFill>
                             <a:srgbClr val="020302"/>
                           </a:solidFill>
@@ -6923,10 +5883,6 @@
                         </a:rPr>
                         <a:t></a:t>
                       </a:r>
-                      <a:endParaRPr lang="en-US" sz="900">
-                        <a:latin typeface="Wingdings"/>
-                        <a:cs typeface="Wingdings"/>
-                      </a:endParaRPr>
                     </a:p>
                   </a:txBody>
                   <a:tcPr marL="0" marR="0" marT="0" marB="0" anchor="ctr">
@@ -6949,7 +5905,7 @@
                     <a:bodyPr/>
                     <a:lstStyle/>
                     <a:p>
-                      <a:pPr marL="48895">
+                      <a:pPr marL="48895" algn="l" rtl="0">
                         <a:lnSpc>
                           <a:spcPct val="100000"/>
                         </a:lnSpc>
@@ -6957,7 +5913,7 @@
                           <a:spcPts val="465"/>
                         </a:spcBef>
                       </a:pPr>
-                      <a:endParaRPr sz="900">
+                      <a:endParaRPr sz="900" dirty="0">
                         <a:latin typeface="AdobeClean-Light"/>
                         <a:cs typeface="AdobeClean-Light"/>
                       </a:endParaRPr>
@@ -6998,39 +5954,15 @@
                         </a:spcBef>
                       </a:pPr>
                       <a:r>
-                        <a:rPr sz="900" spc="0">
+                        <a:rPr lang="it-IT" sz="900">
                           <a:solidFill>
                             <a:srgbClr val="020302"/>
                           </a:solidFill>
                           <a:latin typeface="AdobeClean-Light"/>
                           <a:cs typeface="AdobeClean-Light"/>
                         </a:rPr>
-                        <a:t>Environment</a:t>
+                        <a:t>Valutazione ambiente, manutenzione e monitoraggio</a:t>
                       </a:r>
-                      <a:r>
-                        <a:rPr lang="en-US" sz="900" spc="0">
-                          <a:solidFill>
-                            <a:srgbClr val="020302"/>
-                          </a:solidFill>
-                          <a:latin typeface="AdobeClean-Light"/>
-                          <a:cs typeface="AdobeClean-Light"/>
-                        </a:rPr>
-                        <a:t> </a:t>
-                      </a:r>
-                      <a:r>
-                        <a:rPr sz="900" spc="0">
-                          <a:solidFill>
-                            <a:srgbClr val="020302"/>
-                          </a:solidFill>
-                          <a:latin typeface="AdobeClean-Light"/>
-                          <a:cs typeface="AdobeClean-Light"/>
-                        </a:rPr>
-                        <a:t>Review, Maintenance &amp; Monitoring</a:t>
-                      </a:r>
-                      <a:endParaRPr sz="900" spc="0">
-                        <a:latin typeface="AdobeClean-Light"/>
-                        <a:cs typeface="AdobeClean-Light"/>
-                      </a:endParaRPr>
                     </a:p>
                   </a:txBody>
                   <a:tcPr marL="0" marR="0" marT="59055" marB="0">
@@ -7053,12 +5985,12 @@
                     <a:bodyPr/>
                     <a:lstStyle/>
                     <a:p>
-                      <a:pPr>
+                      <a:pPr algn="l" rtl="0">
                         <a:lnSpc>
                           <a:spcPct val="100000"/>
                         </a:lnSpc>
                       </a:pPr>
-                      <a:endParaRPr sz="900">
+                      <a:endParaRPr sz="900" dirty="0">
                         <a:latin typeface="Times New Roman"/>
                         <a:cs typeface="Times New Roman"/>
                       </a:endParaRPr>
@@ -7100,7 +6032,7 @@
                         <a:defRPr/>
                       </a:pPr>
                       <a:r>
-                        <a:rPr lang="en-US" sz="900">
+                        <a:rPr lang="it-IT" sz="900">
                           <a:solidFill>
                             <a:srgbClr val="020302"/>
                           </a:solidFill>
@@ -7109,10 +6041,6 @@
                         </a:rPr>
                         <a:t></a:t>
                       </a:r>
-                      <a:endParaRPr lang="en-US" sz="900">
-                        <a:latin typeface="Wingdings"/>
-                        <a:cs typeface="Wingdings"/>
-                      </a:endParaRPr>
                     </a:p>
                   </a:txBody>
                   <a:tcPr marL="0" marR="0" marT="0" marB="0" anchor="ctr">
@@ -7135,7 +6063,7 @@
                     <a:bodyPr/>
                     <a:lstStyle/>
                     <a:p>
-                      <a:pPr marL="49530">
+                      <a:pPr marL="49530" algn="l" rtl="0">
                         <a:lnSpc>
                           <a:spcPct val="100000"/>
                         </a:lnSpc>
@@ -7143,7 +6071,7 @@
                           <a:spcPts val="500"/>
                         </a:spcBef>
                       </a:pPr>
-                      <a:endParaRPr sz="900">
+                      <a:endParaRPr sz="900" dirty="0">
                         <a:latin typeface="AdobeClean-Light"/>
                         <a:cs typeface="AdobeClean-Light"/>
                       </a:endParaRPr>
@@ -7184,19 +6112,15 @@
                         </a:spcBef>
                       </a:pPr>
                       <a:r>
-                        <a:rPr sz="900" spc="0">
+                        <a:rPr lang="it-IT" sz="900">
                           <a:solidFill>
                             <a:srgbClr val="020302"/>
                           </a:solidFill>
                           <a:latin typeface="AdobeClean-Light"/>
                           <a:cs typeface="AdobeClean-Light"/>
                         </a:rPr>
-                        <a:t>Release, Migration, Upgrade &amp; Product Roadmap Review</a:t>
+                        <a:t>Valutazione della roadmap di prodotti, versioni, migrazione e aggiornamento</a:t>
                       </a:r>
-                      <a:endParaRPr sz="900" spc="0">
-                        <a:latin typeface="AdobeClean-Light"/>
-                        <a:cs typeface="AdobeClean-Light"/>
-                      </a:endParaRPr>
                     </a:p>
                   </a:txBody>
                   <a:tcPr marL="0" marR="0" marT="63500" marB="0">
@@ -7219,12 +6143,12 @@
                     <a:bodyPr/>
                     <a:lstStyle/>
                     <a:p>
-                      <a:pPr>
+                      <a:pPr algn="l" rtl="0">
                         <a:lnSpc>
                           <a:spcPct val="100000"/>
                         </a:lnSpc>
                       </a:pPr>
-                      <a:endParaRPr sz="900">
+                      <a:endParaRPr sz="900" dirty="0">
                         <a:latin typeface="Times New Roman"/>
                         <a:cs typeface="Times New Roman"/>
                       </a:endParaRPr>
@@ -7266,7 +6190,7 @@
                         <a:defRPr/>
                       </a:pPr>
                       <a:r>
-                        <a:rPr lang="en-US" sz="900">
+                        <a:rPr lang="it-IT" sz="900">
                           <a:solidFill>
                             <a:srgbClr val="020302"/>
                           </a:solidFill>
@@ -7275,10 +6199,6 @@
                         </a:rPr>
                         <a:t></a:t>
                       </a:r>
-                      <a:endParaRPr lang="en-US" sz="900">
-                        <a:latin typeface="Wingdings"/>
-                        <a:cs typeface="Wingdings"/>
-                      </a:endParaRPr>
                     </a:p>
                   </a:txBody>
                   <a:tcPr marL="0" marR="0" marT="0" marB="0" anchor="ctr">
@@ -7301,7 +6221,7 @@
                     <a:bodyPr/>
                     <a:lstStyle/>
                     <a:p>
-                      <a:pPr marL="49530">
+                      <a:pPr marL="49530" algn="l" rtl="0">
                         <a:lnSpc>
                           <a:spcPct val="100000"/>
                         </a:lnSpc>
@@ -7309,7 +6229,7 @@
                           <a:spcPts val="530"/>
                         </a:spcBef>
                       </a:pPr>
-                      <a:endParaRPr sz="900">
+                      <a:endParaRPr sz="900" dirty="0">
                         <a:latin typeface="AdobeClean-Light"/>
                         <a:cs typeface="AdobeClean-Light"/>
                       </a:endParaRPr>
@@ -7359,11 +6279,11 @@
                         </a:spcBef>
                       </a:pPr>
                       <a:r>
-                        <a:rPr sz="900" spc="0">
+                        <a:rPr lang="it-IT" sz="900">
                           <a:latin typeface="AdobeClean-Light"/>
                           <a:cs typeface="AdobeClean-Light"/>
                         </a:rPr>
-                        <a:t>Cloud Support Activities – Experience Manager as Cloud</a:t>
+                        <a:t>Attività di supporto cloud - Experience Manager as Cloud</a:t>
                       </a:r>
                     </a:p>
                   </a:txBody>
@@ -7393,12 +6313,12 @@
                     <a:bodyPr/>
                     <a:lstStyle/>
                     <a:p>
-                      <a:pPr>
+                      <a:pPr algn="l" rtl="0">
                         <a:lnSpc>
                           <a:spcPct val="100000"/>
                         </a:lnSpc>
                       </a:pPr>
-                      <a:endParaRPr sz="900">
+                      <a:endParaRPr sz="900" dirty="0">
                         <a:latin typeface="Times New Roman"/>
                         <a:cs typeface="Times New Roman"/>
                       </a:endParaRPr>
@@ -7449,7 +6369,7 @@
                         <a:defRPr/>
                       </a:pPr>
                       <a:r>
-                        <a:rPr lang="en-US" sz="900">
+                        <a:rPr lang="it-IT" sz="900">
                           <a:solidFill>
                             <a:srgbClr val="020302"/>
                           </a:solidFill>
@@ -7458,10 +6378,6 @@
                         </a:rPr>
                         <a:t></a:t>
                       </a:r>
-                      <a:endParaRPr lang="en-US" sz="900">
-                        <a:latin typeface="Wingdings"/>
-                        <a:cs typeface="Wingdings"/>
-                      </a:endParaRPr>
                     </a:p>
                   </a:txBody>
                   <a:tcPr marL="0" marR="0" marT="0" marB="0" anchor="ctr">
@@ -7502,22 +6418,15 @@
                         </a:spcBef>
                       </a:pPr>
                       <a:r>
-                        <a:rPr lang="en-US" sz="1000" b="1" i="0" spc="0">
+                        <a:rPr lang="it-IT" sz="1000" b="1" i="0">
                           <a:solidFill>
                             <a:schemeClr val="bg1"/>
                           </a:solidFill>
                           <a:latin typeface="Adobe Clean" panose="020B0503020404020204" pitchFamily="34" charset="0"/>
                           <a:cs typeface="AdobeClean-Light"/>
                         </a:rPr>
-                        <a:t>Field Services</a:t>
+                        <a:t>Servizi sul campo</a:t>
                       </a:r>
-                      <a:endParaRPr sz="1000" b="1" i="0" spc="0">
-                        <a:solidFill>
-                          <a:schemeClr val="bg1"/>
-                        </a:solidFill>
-                        <a:latin typeface="Adobe Clean" panose="020B0503020404020204" pitchFamily="34" charset="0"/>
-                        <a:cs typeface="AdobeClean-Light"/>
-                      </a:endParaRPr>
                     </a:p>
                   </a:txBody>
                   <a:tcPr marL="0" marR="0" marT="48260" marB="0" anchor="ctr">
@@ -7570,14 +6479,14 @@
                         </a:spcBef>
                       </a:pPr>
                       <a:r>
-                        <a:rPr sz="900" spc="0">
+                        <a:rPr lang="it-IT" sz="900">
                           <a:solidFill>
                             <a:srgbClr val="020302"/>
                           </a:solidFill>
                           <a:latin typeface="AdobeClean-Light"/>
                           <a:cs typeface="AdobeClean-Light"/>
                         </a:rPr>
-                        <a:t>Launch Advisory Services – First Year of new solution</a:t>
+                        <a:t>Launch Advisory - Nel primo anno di nuove soluzioni</a:t>
                       </a:r>
                     </a:p>
                   </a:txBody>
@@ -7617,12 +6526,12 @@
                     <a:bodyPr/>
                     <a:lstStyle/>
                     <a:p>
-                      <a:pPr>
+                      <a:pPr algn="l" rtl="0">
                         <a:lnSpc>
                           <a:spcPct val="100000"/>
                         </a:lnSpc>
                       </a:pPr>
-                      <a:endParaRPr sz="900">
+                      <a:endParaRPr sz="900" dirty="0">
                         <a:latin typeface="Times New Roman"/>
                         <a:cs typeface="Times New Roman"/>
                       </a:endParaRPr>
@@ -7689,7 +6598,7 @@
                         <a:defRPr/>
                       </a:pPr>
                       <a:r>
-                        <a:rPr lang="en-US" sz="900">
+                        <a:rPr lang="it-IT" sz="900">
                           <a:solidFill>
                             <a:srgbClr val="020302"/>
                           </a:solidFill>
@@ -7698,10 +6607,6 @@
                         </a:rPr>
                         <a:t></a:t>
                       </a:r>
-                      <a:endParaRPr lang="en-US" sz="900">
-                        <a:latin typeface="Wingdings"/>
-                        <a:cs typeface="Wingdings"/>
-                      </a:endParaRPr>
                     </a:p>
                   </a:txBody>
                   <a:tcPr marL="0" marR="0" marT="0" marB="0" anchor="ctr">
@@ -7780,11 +6685,11 @@
                         <a:defRPr/>
                       </a:pPr>
                       <a:r>
-                        <a:rPr lang="en-US" sz="900" spc="0">
+                        <a:rPr lang="it-IT" sz="900" dirty="0">
                           <a:latin typeface="AdobeClean-Light"/>
                           <a:cs typeface="AdobeClean-Light"/>
                         </a:rPr>
-                        <a:t>Field Service Activities </a:t>
+                        <a:t>Attività di servizio sul campo </a:t>
                       </a:r>
                     </a:p>
                   </a:txBody>
@@ -7818,8 +6723,8 @@
                     <a:bodyPr/>
                     <a:lstStyle/>
                     <a:p>
-                      <a:pPr algn="ctr"/>
-                      <a:endParaRPr lang="en-US"/>
+                      <a:pPr algn="l" rtl="0"/>
+                      <a:endParaRPr lang="en-US" dirty="0"/>
                     </a:p>
                   </a:txBody>
                   <a:tcPr marL="0" marR="0" marT="0" marB="0">
@@ -7867,13 +6772,12 @@
                     <a:p>
                       <a:pPr algn="ctr"/>
                       <a:r>
-                        <a:rPr lang="en-US" sz="900">
+                        <a:rPr lang="it-IT" sz="900" dirty="0">
                           <a:latin typeface="Times New Roman"/>
                           <a:cs typeface="Times New Roman"/>
                         </a:rPr>
                         <a:t>4</a:t>
                       </a:r>
-                      <a:endParaRPr lang="en-US"/>
                     </a:p>
                   </a:txBody>
                   <a:tcPr marL="0" marR="0" marT="0" marB="0" anchor="ctr">
@@ -7964,8 +6868,8 @@
         </p:nvSpPr>
         <p:spPr>
           <a:xfrm>
-            <a:off x="357339" y="897487"/>
-            <a:ext cx="1736725" cy="0"/>
+            <a:off x="357339" y="897486"/>
+            <a:ext cx="2434387" cy="45719"/>
           </a:xfrm>
           <a:custGeom>
             <a:avLst/>
@@ -8007,7 +6911,7 @@
         <p:spPr>
           <a:xfrm>
             <a:off x="357339" y="608961"/>
-            <a:ext cx="1647825" cy="238760"/>
+            <a:ext cx="2568314" cy="228268"/>
           </a:xfrm>
           <a:prstGeom prst="rect">
             <a:avLst/>
@@ -8028,59 +6932,15 @@
               </a:spcBef>
             </a:pPr>
             <a:r>
-              <a:rPr sz="1400" b="1" spc="-10">
+              <a:rPr lang="it-IT" sz="1400" b="1" dirty="0">
                 <a:solidFill>
                   <a:srgbClr val="020302"/>
                 </a:solidFill>
                 <a:latin typeface="Adobe Clean"/>
                 <a:cs typeface="Adobe Clean"/>
               </a:rPr>
-              <a:t>Elite</a:t>
-            </a:r>
-            <a:r>
-              <a:rPr sz="1400" b="1" spc="-50">
-                <a:solidFill>
-                  <a:srgbClr val="020302"/>
-                </a:solidFill>
-                <a:latin typeface="Adobe Clean"/>
-                <a:cs typeface="Adobe Clean"/>
-              </a:rPr>
-              <a:t> </a:t>
-            </a:r>
-            <a:r>
-              <a:rPr sz="1400" b="1" spc="-10">
-                <a:solidFill>
-                  <a:srgbClr val="020302"/>
-                </a:solidFill>
-                <a:latin typeface="Adobe Clean"/>
-                <a:cs typeface="Adobe Clean"/>
-              </a:rPr>
-              <a:t>Support</a:t>
-            </a:r>
-            <a:r>
-              <a:rPr sz="1400" b="1" spc="-45">
-                <a:solidFill>
-                  <a:srgbClr val="020302"/>
-                </a:solidFill>
-                <a:latin typeface="Adobe Clean"/>
-                <a:cs typeface="Adobe Clean"/>
-              </a:rPr>
-              <a:t> </a:t>
-            </a:r>
-            <a:r>
-              <a:rPr sz="1400" b="1" spc="-15">
-                <a:solidFill>
-                  <a:srgbClr val="020302"/>
-                </a:solidFill>
-                <a:latin typeface="Adobe Clean"/>
-                <a:cs typeface="Adobe Clean"/>
-              </a:rPr>
-              <a:t>Features</a:t>
-            </a:r>
-            <a:endParaRPr sz="1400">
-              <a:latin typeface="Adobe Clean"/>
-              <a:cs typeface="Adobe Clean"/>
-            </a:endParaRPr>
+              <a:t>Caratteristiche del supporto Elite</a:t>
+            </a:r>
           </a:p>
         </p:txBody>
       </p:sp>
@@ -8114,19 +6974,91 @@
               </a:spcBef>
             </a:pPr>
             <a:r>
-              <a:rPr sz="1000">
+              <a:rPr lang="it-IT" sz="1000" dirty="0">
                 <a:solidFill>
                   <a:srgbClr val="4B4B4B"/>
                 </a:solidFill>
                 <a:latin typeface="AdobeClean-Light"/>
                 <a:cs typeface="AdobeClean-Light"/>
               </a:rPr>
-              <a:t>A designated support engineer who  becomes familiar with your solution  environment and business goals. The NSE  is an experienced support engineer that  helps coordinate your Enterprise Support  experience.</a:t>
-            </a:r>
-            <a:endParaRPr sz="1000">
-              <a:latin typeface="AdobeClean-Light"/>
-              <a:cs typeface="AdobeClean-Light"/>
-            </a:endParaRPr>
+              <a:t>Un tecnico del supporto dedicato </a:t>
+            </a:r>
+            <a:br>
+              <a:rPr lang="sk-SK" sz="1000" dirty="0">
+                <a:solidFill>
+                  <a:srgbClr val="4B4B4B"/>
+                </a:solidFill>
+                <a:latin typeface="AdobeClean-Light"/>
+                <a:cs typeface="AdobeClean-Light"/>
+              </a:rPr>
+            </a:br>
+            <a:r>
+              <a:rPr lang="it-IT" sz="1000" dirty="0">
+                <a:solidFill>
+                  <a:srgbClr val="4B4B4B"/>
+                </a:solidFill>
+                <a:latin typeface="AdobeClean-Light"/>
+                <a:cs typeface="AdobeClean-Light"/>
+              </a:rPr>
+              <a:t>che acquisisce familiarità con l’ambiente della soluzione e gli obiettivi di business </a:t>
+            </a:r>
+            <a:br>
+              <a:rPr lang="sk-SK" sz="1000" dirty="0">
+                <a:solidFill>
+                  <a:srgbClr val="4B4B4B"/>
+                </a:solidFill>
+                <a:latin typeface="AdobeClean-Light"/>
+                <a:cs typeface="AdobeClean-Light"/>
+              </a:rPr>
+            </a:br>
+            <a:r>
+              <a:rPr lang="it-IT" sz="1000" dirty="0">
+                <a:solidFill>
+                  <a:srgbClr val="4B4B4B"/>
+                </a:solidFill>
+                <a:latin typeface="AdobeClean-Light"/>
+                <a:cs typeface="AdobeClean-Light"/>
+              </a:rPr>
+              <a:t>del cliente. Il Named Support Engineer </a:t>
+            </a:r>
+            <a:br>
+              <a:rPr lang="sk-SK" sz="1000" dirty="0">
+                <a:solidFill>
+                  <a:srgbClr val="4B4B4B"/>
+                </a:solidFill>
+                <a:latin typeface="AdobeClean-Light"/>
+                <a:cs typeface="AdobeClean-Light"/>
+              </a:rPr>
+            </a:br>
+            <a:r>
+              <a:rPr lang="it-IT" sz="1000" dirty="0">
+                <a:solidFill>
+                  <a:srgbClr val="4B4B4B"/>
+                </a:solidFill>
+                <a:latin typeface="AdobeClean-Light"/>
+                <a:cs typeface="AdobeClean-Light"/>
+              </a:rPr>
+              <a:t>è un tecnico esperto che aiuta a coordinare </a:t>
+            </a:r>
+            <a:br>
+              <a:rPr lang="sk-SK" sz="1000" dirty="0">
+                <a:solidFill>
+                  <a:srgbClr val="4B4B4B"/>
+                </a:solidFill>
+                <a:latin typeface="AdobeClean-Light"/>
+                <a:cs typeface="AdobeClean-Light"/>
+              </a:rPr>
+            </a:br>
+            <a:r>
+              <a:rPr lang="it-IT" sz="1000" dirty="0">
+                <a:solidFill>
+                  <a:srgbClr val="4B4B4B"/>
+                </a:solidFill>
+                <a:latin typeface="AdobeClean-Light"/>
+                <a:cs typeface="AdobeClean-Light"/>
+              </a:rPr>
+              <a:t>la tua esperienza di assistenza Enterprise.</a:t>
+            </a:r>
           </a:p>
         </p:txBody>
       </p:sp>
@@ -8186,8 +7118,8 @@
         </p:nvSpPr>
         <p:spPr>
           <a:xfrm>
-            <a:off x="5333365" y="1433668"/>
-            <a:ext cx="2194560" cy="936154"/>
+            <a:off x="5333364" y="1433668"/>
+            <a:ext cx="2292715" cy="936154"/>
           </a:xfrm>
           <a:prstGeom prst="rect">
             <a:avLst/>
@@ -8208,19 +7140,34 @@
               </a:spcBef>
             </a:pPr>
             <a:r>
-              <a:rPr sz="1000">
+              <a:rPr lang="it-IT" sz="1000" dirty="0">
                 <a:solidFill>
                   <a:srgbClr val="4B4B4B"/>
                 </a:solidFill>
                 <a:latin typeface="AdobeClean-Light"/>
                 <a:cs typeface="AdobeClean-Light"/>
               </a:rPr>
-              <a:t>Regular scheduled review of open  support requests, ensuring customer  alignment on case description, business  impact, status, priority and agreement on  next steps required to ensure an  expedient resolution.</a:t>
-            </a:r>
-            <a:endParaRPr sz="1000">
-              <a:latin typeface="AdobeClean-Light"/>
-              <a:cs typeface="AdobeClean-Light"/>
-            </a:endParaRPr>
+              <a:t>Valutazione periodica programmata delle richieste di supporto aperte, per garantirne l’allineamento in termini di descrizione dei casi, impatto sul business, stato, priorità </a:t>
+            </a:r>
+            <a:br>
+              <a:rPr lang="sk-SK" sz="1000" dirty="0">
+                <a:solidFill>
+                  <a:srgbClr val="4B4B4B"/>
+                </a:solidFill>
+                <a:latin typeface="AdobeClean-Light"/>
+                <a:cs typeface="AdobeClean-Light"/>
+              </a:rPr>
+            </a:br>
+            <a:r>
+              <a:rPr lang="it-IT" sz="1000" dirty="0">
+                <a:solidFill>
+                  <a:srgbClr val="4B4B4B"/>
+                </a:solidFill>
+                <a:latin typeface="AdobeClean-Light"/>
+                <a:cs typeface="AdobeClean-Light"/>
+              </a:rPr>
+              <a:t>e accordi sulle azioni successive necessarie a garantire una rapida risoluzione.</a:t>
+            </a:r>
           </a:p>
         </p:txBody>
       </p:sp>
@@ -8278,24 +7225,33 @@
               </a:spcBef>
             </a:pPr>
             <a:r>
-              <a:rPr sz="1000">
+              <a:rPr lang="it-IT" sz="1000" dirty="0">
                 <a:solidFill>
                   <a:srgbClr val="020302"/>
                 </a:solidFill>
                 <a:latin typeface="AdobeClean-Light"/>
                 <a:cs typeface="AdobeClean-Light"/>
               </a:rPr>
-              <a:t>A designated Technical Account Manager to  oversee your Elite experience, coordinate  the support and field services  engagements, and provide proactive services  to maximize your business valu</a:t>
-            </a:r>
-            <a:r>
-              <a:rPr lang="en-US" sz="1000">
+              <a:t>Un Technical Account Manager dedicato per monitorare l’esperienza Elite, coordinare le attività di supporto e servizi sul campo, e fornire servizi proattivi volti </a:t>
+            </a:r>
+            <a:br>
+              <a:rPr lang="sk-SK" sz="1000" dirty="0">
                 <a:solidFill>
                   <a:srgbClr val="020302"/>
                 </a:solidFill>
                 <a:latin typeface="AdobeClean-Light"/>
                 <a:cs typeface="AdobeClean-Light"/>
               </a:rPr>
-              <a:t>e.</a:t>
+            </a:br>
+            <a:r>
+              <a:rPr lang="it-IT" sz="1000" dirty="0">
+                <a:solidFill>
+                  <a:srgbClr val="020302"/>
+                </a:solidFill>
+                <a:latin typeface="AdobeClean-Light"/>
+                <a:cs typeface="AdobeClean-Light"/>
+              </a:rPr>
+              <a:t>a massimizzare il valore aziendale.</a:t>
             </a:r>
           </a:p>
         </p:txBody>
@@ -8330,7 +7286,7 @@
               </a:spcBef>
             </a:pPr>
             <a:r>
-              <a:rPr sz="1100" b="1">
+              <a:rPr lang="it-IT" sz="1100" b="1">
                 <a:solidFill>
                   <a:srgbClr val="020302"/>
                 </a:solidFill>
@@ -8339,10 +7295,6 @@
               </a:rPr>
               <a:t>Technical Account Manager</a:t>
             </a:r>
-            <a:endParaRPr sz="1100">
-              <a:latin typeface="Adobe Clean" panose="020B0503020404020204" pitchFamily="34" charset="0"/>
-              <a:cs typeface="Arial"/>
-            </a:endParaRPr>
           </a:p>
         </p:txBody>
       </p:sp>
@@ -8424,49 +7376,15 @@
               </a:spcBef>
             </a:pPr>
             <a:r>
-              <a:rPr sz="1000">
+              <a:rPr lang="it-IT" sz="1000">
                 <a:solidFill>
                   <a:srgbClr val="020302"/>
                 </a:solidFill>
                 <a:latin typeface="AdobeClean-Light"/>
                 <a:cs typeface="AdobeClean-Light"/>
               </a:rPr>
-              <a:t>Ongoing knowledge transfer from Adobe  </a:t>
-            </a:r>
-            <a:r>
-              <a:rPr lang="en-US" sz="1000">
-                <a:solidFill>
-                  <a:srgbClr val="020302"/>
-                </a:solidFill>
-                <a:latin typeface="AdobeClean-Light"/>
-                <a:cs typeface="AdobeClean-Light"/>
-              </a:rPr>
-              <a:t>Support team</a:t>
-            </a:r>
-            <a:r>
-              <a:rPr sz="1000">
-                <a:solidFill>
-                  <a:srgbClr val="020302"/>
-                </a:solidFill>
-                <a:latin typeface="AdobeClean-Light"/>
-                <a:cs typeface="AdobeClean-Light"/>
-              </a:rPr>
-              <a:t> to provide </a:t>
-            </a:r>
-            <a:r>
-              <a:rPr lang="en-US" sz="1000">
-                <a:solidFill>
-                  <a:srgbClr val="020302"/>
-                </a:solidFill>
-                <a:latin typeface="AdobeClean-Light"/>
-                <a:cs typeface="AdobeClean-Light"/>
-              </a:rPr>
-              <a:t>best practices around solution usage.</a:t>
-            </a:r>
-            <a:endParaRPr sz="1000">
-              <a:latin typeface="AdobeClean-Light"/>
-              <a:cs typeface="AdobeClean-Light"/>
-            </a:endParaRPr>
+              <a:t>Trasferimento continuo delle conoscenze dal team di supporto Adobe, per fornire best practice sull’utilizzo delle soluzioni.</a:t>
+            </a:r>
           </a:p>
         </p:txBody>
       </p:sp>
@@ -8500,19 +7418,15 @@
               </a:spcBef>
             </a:pPr>
             <a:r>
-              <a:rPr sz="1000">
+              <a:rPr lang="it-IT" sz="1000" dirty="0">
                 <a:solidFill>
                   <a:srgbClr val="020302"/>
                 </a:solidFill>
                 <a:latin typeface="AdobeClean-Light"/>
                 <a:cs typeface="AdobeClean-Light"/>
               </a:rPr>
-              <a:t>Manage key events to ensure you have the  right level of support, coverage, and  mitigation plan in place during those key  business and project milestones.</a:t>
-            </a:r>
-            <a:endParaRPr sz="1000">
-              <a:latin typeface="AdobeClean-Light"/>
-              <a:cs typeface="AdobeClean-Light"/>
-            </a:endParaRPr>
+              <a:t>Gestione degli eventi chiave per garantire il giusto livello di supporto, copertura e piano di mitigazione durante le fasi principali a livello di progetto e obiettivi di business.</a:t>
+            </a:r>
           </a:p>
         </p:txBody>
       </p:sp>
@@ -8524,8 +7438,8 @@
         </p:nvSpPr>
         <p:spPr>
           <a:xfrm>
-            <a:off x="324341" y="5262204"/>
-            <a:ext cx="2194560" cy="698781"/>
+            <a:off x="324340" y="5262204"/>
+            <a:ext cx="2237777" cy="698781"/>
           </a:xfrm>
           <a:prstGeom prst="rect">
             <a:avLst/>
@@ -8546,19 +7460,15 @@
               </a:spcBef>
             </a:pPr>
             <a:r>
-              <a:rPr sz="1000">
+              <a:rPr lang="it-IT" sz="1000" dirty="0">
                 <a:solidFill>
                   <a:srgbClr val="020302"/>
                 </a:solidFill>
                 <a:latin typeface="AdobeClean-Light"/>
                 <a:cs typeface="AdobeClean-Light"/>
               </a:rPr>
-              <a:t>Receive personalized guidance on new  product features to take advantage of  latest innovations, and have Adobe  experts review release and upgrade plan.</a:t>
-            </a:r>
-            <a:endParaRPr sz="1000">
-              <a:latin typeface="AdobeClean-Light"/>
-              <a:cs typeface="AdobeClean-Light"/>
-            </a:endParaRPr>
+              <a:t>Indicazioni personalizzate sulle nuove funzioni dei prodotti, per sfruttare le ultime innovazioni, con valutazione del piano di aggiornamento eseguita da esperti di Adobe.</a:t>
+            </a:r>
           </a:p>
         </p:txBody>
       </p:sp>
@@ -8571,7 +7481,7 @@
         <p:spPr>
           <a:xfrm>
             <a:off x="97787" y="9888626"/>
-            <a:ext cx="2202180" cy="149860"/>
+            <a:ext cx="2754640" cy="133370"/>
           </a:xfrm>
           <a:prstGeom prst="rect">
             <a:avLst/>
@@ -8592,99 +7502,15 @@
               </a:spcBef>
             </a:pPr>
             <a:r>
-              <a:rPr sz="800" spc="-15">
+              <a:rPr lang="it-IT" sz="800" dirty="0">
                 <a:solidFill>
                   <a:srgbClr val="6D6D6D"/>
                 </a:solidFill>
                 <a:latin typeface="Adobe Clean"/>
                 <a:cs typeface="Adobe Clean"/>
               </a:rPr>
-              <a:t>©2021 </a:t>
-            </a:r>
-            <a:r>
-              <a:rPr sz="800" spc="-5">
-                <a:solidFill>
-                  <a:srgbClr val="6D6D6D"/>
-                </a:solidFill>
-                <a:latin typeface="Adobe Clean"/>
-                <a:cs typeface="Adobe Clean"/>
-              </a:rPr>
-              <a:t>Adobe. All</a:t>
-            </a:r>
-            <a:r>
-              <a:rPr sz="800" spc="-15">
-                <a:solidFill>
-                  <a:srgbClr val="6D6D6D"/>
-                </a:solidFill>
-                <a:latin typeface="Adobe Clean"/>
-                <a:cs typeface="Adobe Clean"/>
-              </a:rPr>
-              <a:t> Rights</a:t>
-            </a:r>
-            <a:r>
-              <a:rPr sz="800" spc="-5">
-                <a:solidFill>
-                  <a:srgbClr val="6D6D6D"/>
-                </a:solidFill>
-                <a:latin typeface="Adobe Clean"/>
-                <a:cs typeface="Adobe Clean"/>
-              </a:rPr>
-              <a:t> </a:t>
-            </a:r>
-            <a:r>
-              <a:rPr sz="800" spc="-15">
-                <a:solidFill>
-                  <a:srgbClr val="6D6D6D"/>
-                </a:solidFill>
-                <a:latin typeface="Adobe Clean"/>
-                <a:cs typeface="Adobe Clean"/>
-              </a:rPr>
-              <a:t>Reserved.</a:t>
-            </a:r>
-            <a:r>
-              <a:rPr sz="800" spc="-10">
-                <a:solidFill>
-                  <a:srgbClr val="6D6D6D"/>
-                </a:solidFill>
-                <a:latin typeface="Adobe Clean"/>
-                <a:cs typeface="Adobe Clean"/>
-              </a:rPr>
-              <a:t> </a:t>
-            </a:r>
-            <a:r>
-              <a:rPr sz="800" spc="-5">
-                <a:solidFill>
-                  <a:srgbClr val="6D6D6D"/>
-                </a:solidFill>
-                <a:latin typeface="Adobe Clean"/>
-                <a:cs typeface="Adobe Clean"/>
-              </a:rPr>
-              <a:t>Adobe</a:t>
-            </a:r>
-            <a:r>
-              <a:rPr sz="800" spc="65">
-                <a:solidFill>
-                  <a:srgbClr val="6D6D6D"/>
-                </a:solidFill>
-                <a:latin typeface="Adobe Clean"/>
-                <a:cs typeface="Adobe Clean"/>
-              </a:rPr>
-              <a:t> </a:t>
-            </a:r>
-            <a:r>
-              <a:rPr sz="800" spc="-15">
-                <a:solidFill>
-                  <a:srgbClr val="6D6D6D"/>
-                </a:solidFill>
-                <a:latin typeface="Adobe Clean"/>
-                <a:cs typeface="Adobe Clean"/>
-              </a:rPr>
-              <a:t>Confidential.</a:t>
-            </a:r>
-            <a:endParaRPr sz="800">
-              <a:latin typeface="Adobe Clean"/>
-              <a:cs typeface="Adobe Clean"/>
-            </a:endParaRPr>
+              <a:t>©2021 Adobe. All Rights Reserved. Adobe Confidential.</a:t>
+            </a:r>
           </a:p>
         </p:txBody>
       </p:sp>
@@ -8741,7 +7567,7 @@
         </p:nvSpPr>
         <p:spPr>
           <a:xfrm>
-            <a:off x="2791726" y="9060487"/>
+            <a:off x="2910840" y="9060487"/>
             <a:ext cx="2194560" cy="487313"/>
           </a:xfrm>
           <a:prstGeom prst="rect">
@@ -8766,154 +7592,14 @@
               </a:tabLst>
             </a:pPr>
             <a:r>
-              <a:rPr sz="1000" spc="-20">
+              <a:rPr lang="it-IT" sz="1000" dirty="0">
                 <a:solidFill>
                   <a:srgbClr val="020302"/>
                 </a:solidFill>
                 <a:latin typeface="AdobeClean-Light"/>
                 <a:cs typeface="AdobeClean-Light"/>
               </a:rPr>
-              <a:t>Start </a:t>
-            </a:r>
-            <a:r>
-              <a:rPr sz="1000">
-                <a:solidFill>
-                  <a:srgbClr val="020302"/>
-                </a:solidFill>
-                <a:latin typeface="AdobeClean-Light"/>
-                <a:cs typeface="AdobeClean-Light"/>
-              </a:rPr>
-              <a:t>a </a:t>
-            </a:r>
-            <a:r>
-              <a:rPr sz="1000" spc="-15">
-                <a:solidFill>
-                  <a:srgbClr val="020302"/>
-                </a:solidFill>
-                <a:latin typeface="AdobeClean-Light"/>
-                <a:cs typeface="AdobeClean-Light"/>
-              </a:rPr>
-              <a:t>chat </a:t>
-            </a:r>
-            <a:r>
-              <a:rPr sz="1000" spc="-10">
-                <a:solidFill>
-                  <a:srgbClr val="020302"/>
-                </a:solidFill>
-                <a:latin typeface="AdobeClean-Light"/>
-                <a:cs typeface="AdobeClean-Light"/>
-              </a:rPr>
-              <a:t>session </a:t>
-            </a:r>
-            <a:r>
-              <a:rPr sz="1000" spc="-5">
-                <a:solidFill>
-                  <a:srgbClr val="020302"/>
-                </a:solidFill>
-                <a:latin typeface="AdobeClean-Light"/>
-                <a:cs typeface="AdobeClean-Light"/>
-              </a:rPr>
-              <a:t>to </a:t>
-            </a:r>
-            <a:r>
-              <a:rPr sz="1000" spc="-10">
-                <a:solidFill>
-                  <a:srgbClr val="020302"/>
-                </a:solidFill>
-                <a:latin typeface="AdobeClean-Light"/>
-                <a:cs typeface="AdobeClean-Light"/>
-              </a:rPr>
-              <a:t>get </a:t>
-            </a:r>
-            <a:r>
-              <a:rPr sz="1000" spc="-20">
-                <a:solidFill>
-                  <a:srgbClr val="020302"/>
-                </a:solidFill>
-                <a:latin typeface="AdobeClean-Light"/>
-                <a:cs typeface="AdobeClean-Light"/>
-              </a:rPr>
-              <a:t>answers</a:t>
-            </a:r>
-            <a:r>
-              <a:rPr lang="en-US" sz="1000" spc="-45">
-                <a:solidFill>
-                  <a:srgbClr val="020302"/>
-                </a:solidFill>
-                <a:latin typeface="AdobeClean-Light"/>
-                <a:cs typeface="AdobeClean-Light"/>
-              </a:rPr>
-              <a:t> </a:t>
-            </a:r>
-            <a:r>
-              <a:rPr lang="en-US" sz="1000">
-                <a:solidFill>
-                  <a:srgbClr val="020302"/>
-                </a:solidFill>
-                <a:latin typeface="AdobeClean-Light"/>
-                <a:cs typeface="AdobeClean-Light"/>
-              </a:rPr>
-              <a:t>&amp; </a:t>
-            </a:r>
-            <a:r>
-              <a:rPr sz="1000" spc="-15">
-                <a:solidFill>
-                  <a:srgbClr val="020302"/>
-                </a:solidFill>
-                <a:latin typeface="AdobeClean-Light"/>
-                <a:cs typeface="AdobeClean-Light"/>
-              </a:rPr>
-              <a:t>help </a:t>
-            </a:r>
-            <a:r>
-              <a:rPr sz="1000" spc="-10">
-                <a:solidFill>
-                  <a:srgbClr val="020302"/>
-                </a:solidFill>
-                <a:latin typeface="AdobeClean-Light"/>
-                <a:cs typeface="AdobeClean-Light"/>
-              </a:rPr>
-              <a:t>with</a:t>
-            </a:r>
-            <a:r>
-              <a:rPr sz="1000" spc="85">
-                <a:solidFill>
-                  <a:srgbClr val="020302"/>
-                </a:solidFill>
-                <a:latin typeface="AdobeClean-Light"/>
-                <a:cs typeface="AdobeClean-Light"/>
-              </a:rPr>
-              <a:t> </a:t>
-            </a:r>
-            <a:r>
-              <a:rPr sz="1000" spc="-10">
-                <a:solidFill>
-                  <a:srgbClr val="020302"/>
-                </a:solidFill>
-                <a:latin typeface="AdobeClean-Light"/>
-                <a:cs typeface="AdobeClean-Light"/>
-              </a:rPr>
-              <a:t>case </a:t>
-            </a:r>
-            <a:r>
-              <a:rPr sz="1000" spc="-20">
-                <a:solidFill>
-                  <a:srgbClr val="020302"/>
-                </a:solidFill>
-                <a:latin typeface="AdobeClean-Light"/>
-                <a:cs typeface="AdobeClean-Light"/>
-              </a:rPr>
-              <a:t>submission</a:t>
-            </a:r>
-            <a:r>
-              <a:rPr lang="en-US" sz="1000" spc="-20">
-                <a:solidFill>
-                  <a:srgbClr val="020302"/>
-                </a:solidFill>
-                <a:latin typeface="AdobeClean-Light"/>
-                <a:cs typeface="AdobeClean-Light"/>
-              </a:rPr>
-              <a:t>.</a:t>
+              <a:t>Avvia una sessione di chat per ottenere risposte e assistenza nell’invio di un caso.</a:t>
             </a:r>
           </a:p>
           <a:p>
@@ -8929,39 +7615,25 @@
               </a:tabLst>
             </a:pPr>
             <a:r>
-              <a:rPr sz="1000" i="1" spc="-10">
+              <a:rPr lang="it-IT" sz="1000" i="1" dirty="0">
                 <a:solidFill>
                   <a:srgbClr val="7A7A7A"/>
                 </a:solidFill>
                 <a:latin typeface="AdobeClean-LightIt"/>
                 <a:cs typeface="AdobeClean-LightIt"/>
               </a:rPr>
-              <a:t>*Not all </a:t>
-            </a:r>
-            <a:r>
-              <a:rPr sz="1000" i="1" spc="-20">
+              <a:t>* Il supporto chat in diretta non è disponibile per tutti i prodotti</a:t>
+            </a:r>
+            <a:r>
+              <a:rPr lang="it-IT" sz="900" i="1" dirty="0">
                 <a:solidFill>
                   <a:srgbClr val="7A7A7A"/>
                 </a:solidFill>
                 <a:latin typeface="AdobeClean-LightIt"/>
                 <a:cs typeface="AdobeClean-LightIt"/>
               </a:rPr>
-              <a:t>products have live chat support</a:t>
-            </a:r>
-            <a:r>
-              <a:rPr sz="900" i="1" spc="-20">
-                <a:solidFill>
-                  <a:srgbClr val="7A7A7A"/>
-                </a:solidFill>
-                <a:latin typeface="AdobeClean-LightIt"/>
-                <a:cs typeface="AdobeClean-LightIt"/>
-              </a:rPr>
               <a:t>.  </a:t>
             </a:r>
-            <a:endParaRPr sz="900">
-              <a:latin typeface="AdobeClean-Light"/>
-              <a:cs typeface="AdobeClean-Light"/>
-            </a:endParaRPr>
           </a:p>
         </p:txBody>
       </p:sp>
@@ -9008,12 +7680,12 @@
               <a:defRPr/>
             </a:pPr>
             <a:r>
-              <a:rPr lang="en-US" sz="1200">
+              <a:rPr lang="it-IT" sz="1200">
                 <a:solidFill>
                   <a:srgbClr val="000000"/>
                 </a:solidFill>
               </a:rPr>
-              <a:t>Community Forums</a:t>
+              <a:t>Forum della community</a:t>
             </a:r>
           </a:p>
         </p:txBody>
@@ -9056,12 +7728,12 @@
               </a:spcAft>
             </a:pPr>
             <a:r>
-              <a:rPr lang="en-US" sz="1200" b="1">
+              <a:rPr lang="it-IT" sz="1200" b="1">
                 <a:latin typeface="+mj-lt"/>
                 <a:ea typeface="Open Sans" pitchFamily="34" charset="0"/>
                 <a:cs typeface="Open Sans" pitchFamily="34" charset="0"/>
               </a:rPr>
-              <a:t>Online Forums</a:t>
+              <a:t>Forum online</a:t>
             </a:r>
           </a:p>
         </p:txBody>
@@ -9081,7 +7753,7 @@
         <p:spPr>
           <a:xfrm>
             <a:off x="324341" y="7152361"/>
-            <a:ext cx="2194560" cy="959237"/>
+            <a:ext cx="2194560" cy="1113125"/>
           </a:xfrm>
           <a:prstGeom prst="rect">
             <a:avLst/>
@@ -9094,13 +7766,47 @@
           <a:lstStyle/>
           <a:p>
             <a:r>
-              <a:rPr lang="en-US" sz="1000">
+              <a:rPr lang="it-IT" sz="1000" dirty="0">
                 <a:solidFill>
                   <a:srgbClr val="4B4B4B"/>
                 </a:solidFill>
                 <a:latin typeface="Adobe Clean Light" panose="020B0303020404020204" pitchFamily="34" charset="0"/>
               </a:rPr>
-              <a:t>Continuous online access to a growing database of technical solutions, product documentation, FAQs and more. Connect with practitioners and other customers on Adobe Community to share best practices and lessons learned.</a:t>
+              <a:t>Accesso online continuo a un database </a:t>
+            </a:r>
+            <a:br>
+              <a:rPr lang="sk-SK" sz="1000" dirty="0">
+                <a:solidFill>
+                  <a:srgbClr val="4B4B4B"/>
+                </a:solidFill>
+                <a:latin typeface="Adobe Clean Light" panose="020B0303020404020204" pitchFamily="34" charset="0"/>
+              </a:rPr>
+            </a:br>
+            <a:r>
+              <a:rPr lang="it-IT" sz="1000" dirty="0">
+                <a:solidFill>
+                  <a:srgbClr val="4B4B4B"/>
+                </a:solidFill>
+                <a:latin typeface="Adobe Clean Light" panose="020B0303020404020204" pitchFamily="34" charset="0"/>
+              </a:rPr>
+              <a:t>in continua crescita di soluzioni tecniche, documentazione del prodotto, risposte alle domande più frequenti e altro ancora. Possibilità di relazionarsi con professionisti </a:t>
+            </a:r>
+            <a:br>
+              <a:rPr lang="sk-SK" sz="1000" dirty="0">
+                <a:solidFill>
+                  <a:srgbClr val="4B4B4B"/>
+                </a:solidFill>
+                <a:latin typeface="Adobe Clean Light" panose="020B0303020404020204" pitchFamily="34" charset="0"/>
+              </a:rPr>
+            </a:br>
+            <a:r>
+              <a:rPr lang="it-IT" sz="1000" dirty="0">
+                <a:solidFill>
+                  <a:srgbClr val="4B4B4B"/>
+                </a:solidFill>
+                <a:latin typeface="Adobe Clean Light" panose="020B0303020404020204" pitchFamily="34" charset="0"/>
+              </a:rPr>
+              <a:t>e altri clienti della Community Adobe per condividere best practice ed esperienze.</a:t>
             </a:r>
           </a:p>
         </p:txBody>
@@ -9148,7 +7854,7 @@
               <a:defRPr/>
             </a:pPr>
             <a:r>
-              <a:rPr lang="en-US" sz="1200">
+              <a:rPr lang="it-IT" sz="1200">
                 <a:solidFill>
                   <a:srgbClr val="000000"/>
                 </a:solidFill>
@@ -9196,12 +7902,12 @@
               </a:spcAft>
             </a:pPr>
             <a:r>
-              <a:rPr lang="en-US" sz="1200" b="1">
+              <a:rPr lang="it-IT" sz="1200" b="1">
                 <a:latin typeface="+mj-lt"/>
                 <a:ea typeface="Open Sans" pitchFamily="34" charset="0"/>
                 <a:cs typeface="Open Sans" pitchFamily="34" charset="0"/>
               </a:rPr>
-              <a:t>Self-guided Journeys</a:t>
+              <a:t>Percorsi autoguidati</a:t>
             </a:r>
           </a:p>
         </p:txBody>
@@ -9221,7 +7927,7 @@
         <p:spPr>
           <a:xfrm>
             <a:off x="5265661" y="7152361"/>
-            <a:ext cx="2194560" cy="1113125"/>
+            <a:ext cx="2360418" cy="1267014"/>
           </a:xfrm>
           <a:prstGeom prst="rect">
             <a:avLst/>
@@ -9234,13 +7940,13 @@
           <a:lstStyle/>
           <a:p>
             <a:r>
-              <a:rPr lang="en-US" sz="1000">
+              <a:rPr lang="it-IT" sz="1000" dirty="0">
                 <a:solidFill>
                   <a:srgbClr val="4B4B4B"/>
                 </a:solidFill>
                 <a:latin typeface="Adobe Clean Light" panose="020B0303020404020204" pitchFamily="34" charset="0"/>
               </a:rPr>
-              <a:t>Experience Makers are made with Experience League. Customers can kickstart their Customer Experience Management abilities with personalized learning to develop skills, engage with a global community of peers, and earn career advancing recognition.</a:t>
+              <a:t>Diventa un Experience Maker con Experience League. Puoi acquisire rapidamente le capacità necessarie nella gestione della customer experience seguendo un percorso di apprendimento personalizzato per sviluppare nuove competenze, partecipare a una comunità globale di professionisti e guadagnare riconoscimenti di valore sul piano professionale.</a:t>
             </a:r>
           </a:p>
         </p:txBody>
@@ -9288,12 +7994,12 @@
               <a:defRPr/>
             </a:pPr>
             <a:r>
-              <a:rPr lang="en-US" sz="1200">
+              <a:rPr lang="it-IT" sz="1200">
                 <a:solidFill>
                   <a:srgbClr val="000000"/>
                 </a:solidFill>
               </a:rPr>
-              <a:t>Live Chat  Support*</a:t>
+              <a:t>Supporto chat in diretta*</a:t>
             </a:r>
           </a:p>
         </p:txBody>
@@ -9336,12 +8042,12 @@
               </a:spcAft>
             </a:pPr>
             <a:r>
-              <a:rPr lang="en-US" sz="1200" b="1">
+              <a:rPr lang="it-IT" sz="1200" b="1">
                 <a:latin typeface="+mj-lt"/>
                 <a:ea typeface="Open Sans" pitchFamily="34" charset="0"/>
                 <a:cs typeface="Open Sans" pitchFamily="34" charset="0"/>
               </a:rPr>
-              <a:t>Chat Support</a:t>
+              <a:t>Supporto chat</a:t>
             </a:r>
           </a:p>
         </p:txBody>
@@ -9389,12 +8095,12 @@
               <a:defRPr/>
             </a:pPr>
             <a:r>
-              <a:rPr lang="en-US" sz="1200">
+              <a:rPr lang="it-IT" sz="1200">
                 <a:solidFill>
                   <a:srgbClr val="000000"/>
                 </a:solidFill>
               </a:rPr>
-              <a:t>24X7 P1 </a:t>
+              <a:t>24x7 P1 </a:t>
             </a:r>
           </a:p>
         </p:txBody>
@@ -9437,12 +8143,12 @@
               </a:spcAft>
             </a:pPr>
             <a:r>
-              <a:rPr lang="en-US" sz="1200" b="1">
+              <a:rPr lang="it-IT" sz="1200" b="1">
                 <a:latin typeface="+mj-lt"/>
                 <a:ea typeface="Open Sans" pitchFamily="34" charset="0"/>
                 <a:cs typeface="Open Sans" pitchFamily="34" charset="0"/>
               </a:rPr>
-              <a:t>Phone  Support</a:t>
+              <a:t>Supporto telefonico</a:t>
             </a:r>
           </a:p>
         </p:txBody>
@@ -9462,7 +8168,7 @@
         <p:spPr>
           <a:xfrm>
             <a:off x="2791726" y="7152361"/>
-            <a:ext cx="2194560" cy="805349"/>
+            <a:ext cx="2194560" cy="959237"/>
           </a:xfrm>
           <a:prstGeom prst="rect">
             <a:avLst/>
@@ -9475,35 +8181,51 @@
           <a:lstStyle/>
           <a:p>
             <a:r>
-              <a:rPr lang="en-US" sz="1000">
+              <a:rPr lang="it-IT" sz="1000" dirty="0">
                 <a:solidFill>
                   <a:srgbClr val="020302"/>
                 </a:solidFill>
                 <a:latin typeface="AdobeClean-Light"/>
               </a:rPr>
-              <a:t>Authorized users or </a:t>
-            </a:r>
-            <a:r>
-              <a:rPr lang="en-US" sz="1000" b="1">
+              <a:t>Gli utenti autorizzati o i </a:t>
+            </a:r>
+            <a:r>
+              <a:rPr lang="it-IT" sz="1000" b="1" dirty="0">
                 <a:solidFill>
                   <a:srgbClr val="020302"/>
                 </a:solidFill>
                 <a:latin typeface="AdobeClean-Light"/>
               </a:rPr>
-              <a:t>Named Support Contacts </a:t>
-            </a:r>
-            <a:r>
-              <a:rPr lang="en-US" sz="1000">
+              <a:t>contatti interni per il supporto</a:t>
+            </a:r>
+            <a:r>
+              <a:rPr lang="it-IT" sz="1000" dirty="0">
                 <a:latin typeface="Adobe Clean Light" panose="020B0303020404020204" pitchFamily="34" charset="0"/>
               </a:rPr>
-              <a:t>can submit issues through all available  channels (including phone for P1) and interact with our technical support team on behalf of your company. </a:t>
-            </a:r>
-            <a:endParaRPr lang="en-US" sz="1000">
-              <a:solidFill>
-                <a:srgbClr val="000000"/>
-              </a:solidFill>
-              <a:latin typeface="Adobe Clean Light" panose="020B0303020404020204" pitchFamily="34" charset="0"/>
-            </a:endParaRPr>
+              <a:t> possono segnalare i problemi tramite tutti i canali disponibili (compreso </a:t>
+            </a:r>
+            <a:br>
+              <a:rPr lang="sk-SK" sz="1000" dirty="0">
+                <a:latin typeface="Adobe Clean Light" panose="020B0303020404020204" pitchFamily="34" charset="0"/>
+              </a:rPr>
+            </a:br>
+            <a:r>
+              <a:rPr lang="it-IT" sz="1000" dirty="0">
+                <a:latin typeface="Adobe Clean Light" panose="020B0303020404020204" pitchFamily="34" charset="0"/>
+              </a:rPr>
+              <a:t>il supporto telefonico per casi P1) e interagire con il team Adobe di assistenza tecnica </a:t>
+            </a:r>
+            <a:br>
+              <a:rPr lang="sk-SK" sz="1000" dirty="0">
+                <a:latin typeface="Adobe Clean Light" panose="020B0303020404020204" pitchFamily="34" charset="0"/>
+              </a:rPr>
+            </a:br>
+            <a:r>
+              <a:rPr lang="it-IT" sz="1000" dirty="0">
+                <a:latin typeface="Adobe Clean Light" panose="020B0303020404020204" pitchFamily="34" charset="0"/>
+              </a:rPr>
+              <a:t>per conto della tua azienda. </a:t>
+            </a:r>
           </a:p>
         </p:txBody>
       </p:sp>
@@ -9598,7 +8320,7 @@
               <a:defRPr/>
             </a:pPr>
             <a:r>
-              <a:rPr lang="en-US" sz="1200">
+              <a:rPr lang="it-IT" sz="1200">
                 <a:solidFill>
                   <a:srgbClr val="000000"/>
                 </a:solidFill>
@@ -9646,12 +8368,12 @@
               </a:spcAft>
             </a:pPr>
             <a:r>
-              <a:rPr lang="en-US" sz="1200" b="1">
+              <a:rPr lang="it-IT" sz="1200" b="1">
                 <a:latin typeface="+mj-lt"/>
                 <a:ea typeface="Open Sans" pitchFamily="34" charset="0"/>
                 <a:cs typeface="Open Sans" pitchFamily="34" charset="0"/>
               </a:rPr>
-              <a:t>Webinars</a:t>
+              <a:t>Webinar</a:t>
             </a:r>
           </a:p>
         </p:txBody>
@@ -9670,8 +8392,8 @@
         </p:nvSpPr>
         <p:spPr>
           <a:xfrm>
-            <a:off x="355868" y="9026059"/>
-            <a:ext cx="2194560" cy="805349"/>
+            <a:off x="355867" y="9026059"/>
+            <a:ext cx="2512299" cy="805349"/>
           </a:xfrm>
           <a:prstGeom prst="rect">
             <a:avLst/>
@@ -9684,13 +8406,13 @@
           <a:lstStyle/>
           <a:p>
             <a:r>
-              <a:rPr lang="en-US" sz="1000">
+              <a:rPr lang="it-IT" sz="1000" dirty="0">
                 <a:solidFill>
                   <a:srgbClr val="4B4B4B"/>
                 </a:solidFill>
                 <a:latin typeface="Adobe Clean Light" panose="020B0303020404020204" pitchFamily="34" charset="0"/>
               </a:rPr>
-              <a:t>Office Hours led by the Adobe Customer Support team includes sessions designed to inform as well as help participants troubleshoot problems and provide tips and tricks for success with Adobe solutions. </a:t>
+              <a:t>Le sessioni Office Hours, guidate dal team di Assistenza clienti di Adobe, sono pensate per informare e aiutare i partecipanti a risolvere eventuali problemi e forniscono suggerimenti utili per ottenere il massimo dalle soluzioni Adobe. </a:t>
             </a:r>
           </a:p>
         </p:txBody>
@@ -9738,12 +8460,12 @@
               <a:defRPr/>
             </a:pPr>
             <a:r>
-              <a:rPr lang="en-US" sz="1200">
+              <a:rPr lang="it-IT" sz="1200">
                 <a:solidFill>
                   <a:srgbClr val="000000"/>
                 </a:solidFill>
               </a:rPr>
-              <a:t>Self-help Portals</a:t>
+              <a:t>Portali di assistenza autonoma</a:t>
             </a:r>
           </a:p>
         </p:txBody>
@@ -9786,12 +8508,12 @@
               </a:spcAft>
             </a:pPr>
             <a:r>
-              <a:rPr lang="en-US" sz="1200" b="1">
+              <a:rPr lang="it-IT" sz="1200" b="1">
                 <a:latin typeface="+mj-lt"/>
                 <a:ea typeface="Open Sans" pitchFamily="34" charset="0"/>
                 <a:cs typeface="Open Sans" pitchFamily="34" charset="0"/>
               </a:rPr>
-              <a:t>24/7 Support Portal</a:t>
+              <a:t>Portale di supporto 24/7</a:t>
             </a:r>
           </a:p>
         </p:txBody>
@@ -9824,30 +8546,13 @@
           <a:lstStyle/>
           <a:p>
             <a:r>
-              <a:rPr lang="en-US" sz="1000">
+              <a:rPr lang="it-IT" sz="1000">
                 <a:solidFill>
                   <a:srgbClr val="4B4B4B"/>
                 </a:solidFill>
                 <a:latin typeface="Adobe Clean Light" panose="020B0303020404020204" pitchFamily="34" charset="0"/>
               </a:rPr>
-              <a:t>On-demand access to the online </a:t>
-            </a:r>
-            <a:br>
-              <a:rPr lang="en-US" sz="1000">
-                <a:solidFill>
-                  <a:srgbClr val="4B4B4B"/>
-                </a:solidFill>
-                <a:latin typeface="Adobe Clean Light" panose="020B0303020404020204" pitchFamily="34" charset="0"/>
-              </a:rPr>
-            </a:br>
-            <a:r>
-              <a:rPr lang="en-US" sz="1000">
-                <a:solidFill>
-                  <a:srgbClr val="4B4B4B"/>
-                </a:solidFill>
-                <a:latin typeface="Adobe Clean Light" panose="020B0303020404020204" pitchFamily="34" charset="0"/>
-              </a:rPr>
-              <a:t>Self-help Support Portal to submit support requests, review case status, and browse other resources, like our knowledgebase, news and alerts, featured tips, and more.</a:t>
+              <a:t>Accesso on-demand al portale di assistenza autonoma per inviare richieste di supporto, esaminare lo stato dei casi e sfogliare altre risorse, come la knowledge base, notizie e avvisi, suggerimenti e altro ancora.</a:t>
             </a:r>
           </a:p>
         </p:txBody>
@@ -10100,7 +8805,7 @@
         </p:nvSpPr>
         <p:spPr>
           <a:xfrm rot="5400000" flipH="1">
-            <a:off x="3863341" y="5600443"/>
+            <a:off x="3863341" y="5692140"/>
             <a:ext cx="45719" cy="5577840"/>
           </a:xfrm>
           <a:custGeom>
@@ -10177,19 +8882,15 @@
               </a:spcBef>
             </a:pPr>
             <a:r>
-              <a:rPr lang="en-US" sz="1400" b="1">
+              <a:rPr lang="it-IT" sz="1400" b="1">
                 <a:solidFill>
                   <a:srgbClr val="020302"/>
                 </a:solidFill>
                 <a:latin typeface="Adobe Clean"/>
                 <a:cs typeface="Adobe Clean"/>
               </a:rPr>
-              <a:t>Online Support Features</a:t>
-            </a:r>
-            <a:endParaRPr lang="en-US" sz="1400">
-              <a:latin typeface="Adobe Clean"/>
-              <a:cs typeface="Adobe Clean"/>
-            </a:endParaRPr>
+              <a:t>Caratteristiche del supporto online</a:t>
+            </a:r>
           </a:p>
         </p:txBody>
       </p:sp>
@@ -10389,15 +9090,15 @@
         </p:nvSpPr>
         <p:spPr>
           <a:xfrm>
-            <a:off x="324341" y="4031705"/>
-            <a:ext cx="2194560" cy="499111"/>
+            <a:off x="324340" y="4031705"/>
+            <a:ext cx="2467385" cy="672172"/>
           </a:xfrm>
           <a:prstGeom prst="rect">
             <a:avLst/>
           </a:prstGeom>
         </p:spPr>
         <p:txBody>
-          <a:bodyPr lIns="0" tIns="0" rIns="0" bIns="0">
+          <a:bodyPr wrap="square" lIns="0" tIns="0" rIns="0" bIns="0">
             <a:spAutoFit/>
           </a:bodyPr>
           <a:lstStyle/>
@@ -10411,22 +9112,15 @@
               </a:spcBef>
             </a:pPr>
             <a:r>
-              <a:rPr lang="en-US" sz="1000">
+              <a:rPr lang="it-IT" sz="1000" dirty="0">
                 <a:solidFill>
                   <a:srgbClr val="020302"/>
                 </a:solidFill>
                 <a:latin typeface="AdobeClean-Light"/>
                 <a:cs typeface="AdobeClean-Light"/>
               </a:rPr>
-              <a:t>Proactive review of your solution  deployment, configuration, and overall  architecture, including integrations.</a:t>
-            </a:r>
-            <a:endParaRPr lang="en-US" sz="1000">
-              <a:solidFill>
-                <a:prstClr val="black"/>
-              </a:solidFill>
-              <a:latin typeface="AdobeClean-Light"/>
-              <a:cs typeface="AdobeClean-Light"/>
-            </a:endParaRPr>
+              <a:t>Valutazione proattiva dell’implementazione, della configurazione e dell’architettura complessiva della soluzione, incluse le integrazioni.</a:t>
+            </a:r>
           </a:p>
         </p:txBody>
       </p:sp>
@@ -10466,22 +9160,34 @@
               </a:spcBef>
             </a:pPr>
             <a:r>
-              <a:rPr lang="en-US" sz="1000">
+              <a:rPr lang="it-IT" sz="1000" dirty="0">
                 <a:solidFill>
                   <a:srgbClr val="020302"/>
                 </a:solidFill>
                 <a:latin typeface="AdobeClean-Light"/>
                 <a:cs typeface="AdobeClean-Light"/>
               </a:rPr>
-              <a:t>Receive maintenance best practices and latest  fixes (SPs, MR, patches, FPs) to remain up-to-  date on all maintenance checks.</a:t>
-            </a:r>
-            <a:endParaRPr lang="en-US" sz="1000">
-              <a:solidFill>
-                <a:prstClr val="black"/>
-              </a:solidFill>
-              <a:latin typeface="AdobeClean-Light"/>
-              <a:cs typeface="AdobeClean-Light"/>
-            </a:endParaRPr>
+              <a:t>Best practice di manutenzione e ultime correzioni (SP, MR, patch, FP) per rimanere sempre aggiornati su tutte le verifiche </a:t>
+            </a:r>
+            <a:br>
+              <a:rPr lang="sk-SK" sz="1000" dirty="0">
+                <a:solidFill>
+                  <a:srgbClr val="020302"/>
+                </a:solidFill>
+                <a:latin typeface="AdobeClean-Light"/>
+                <a:cs typeface="AdobeClean-Light"/>
+              </a:rPr>
+            </a:br>
+            <a:r>
+              <a:rPr lang="it-IT" sz="1000" dirty="0">
+                <a:solidFill>
+                  <a:srgbClr val="020302"/>
+                </a:solidFill>
+                <a:latin typeface="AdobeClean-Light"/>
+                <a:cs typeface="AdobeClean-Light"/>
+              </a:rPr>
+              <a:t>di manutenzione</a:t>
+            </a:r>
           </a:p>
         </p:txBody>
       </p:sp>
@@ -10518,22 +9224,15 @@
               </a:spcBef>
             </a:pPr>
             <a:r>
-              <a:rPr lang="en-US" sz="1000">
+              <a:rPr lang="it-IT" sz="1000">
                 <a:solidFill>
                   <a:srgbClr val="4B4B4B"/>
                 </a:solidFill>
                 <a:latin typeface="AdobeClean-Light"/>
                 <a:cs typeface="AdobeClean-Light"/>
               </a:rPr>
-              <a:t>A regular review of Elite program services, support metrics, and deliverables, including a forward-looking plan</a:t>
-            </a:r>
-            <a:endParaRPr lang="en-US" sz="1000">
-              <a:solidFill>
-                <a:prstClr val="black"/>
-              </a:solidFill>
-              <a:latin typeface="AdobeClean-Light"/>
-              <a:cs typeface="AdobeClean-Light"/>
-            </a:endParaRPr>
+              <a:t>Valutazione periodica dei servizi del programma Elite, delle metriche di supporto e dei materiali da consegnare, incluso un piano proattivo.</a:t>
+            </a:r>
           </a:p>
         </p:txBody>
       </p:sp>
@@ -10570,22 +9269,15 @@
               </a:spcBef>
             </a:pPr>
             <a:r>
-              <a:rPr lang="en-US" sz="1000">
+              <a:rPr lang="it-IT" sz="1000">
                 <a:solidFill>
                   <a:srgbClr val="4B4B4B"/>
                 </a:solidFill>
                 <a:latin typeface="AdobeClean-Light"/>
                 <a:cs typeface="AdobeClean-Light"/>
               </a:rPr>
-              <a:t>A 60-minute session focusing on a  specific product feature and how it can  be utilized to solve common business  problems.</a:t>
-            </a:r>
-            <a:endParaRPr lang="en-US" sz="1000">
-              <a:solidFill>
-                <a:prstClr val="black"/>
-              </a:solidFill>
-              <a:latin typeface="AdobeClean-Light"/>
-              <a:cs typeface="AdobeClean-Light"/>
-            </a:endParaRPr>
+              <a:t>Una sessione di 60 minuti incentrata su una specifica funzionalità di prodotto e come utilizzarla per risolvere le problematiche più comuni.</a:t>
+            </a:r>
           </a:p>
         </p:txBody>
       </p:sp>
@@ -10622,16 +9314,15 @@
               </a:spcBef>
             </a:pPr>
             <a:r>
-              <a:rPr lang="en-US" sz="1000">
+              <a:rPr lang="it-IT" sz="1000">
                 <a:solidFill>
                   <a:srgbClr val="4B4B4B"/>
                 </a:solidFill>
                 <a:latin typeface="AdobeClean-Light"/>
                 <a:cs typeface="AdobeClean-Light"/>
               </a:rPr>
-              <a:t>A designated point of contact within Adobe  who can provide escalation assistance,  regular updates and ensure priority is given  to your most critical open support requests.</a:t>
-            </a:r>
-            <a:endParaRPr lang="en-US"/>
+              <a:t>Un contatto Adobe dedicato che può fornire assistenza e aggiornamenti regolari in merito ai casi che richiedono escalation, e assicurarsi che venga data priorità alle richieste di supporto aperte più critiche.</a:t>
+            </a:r>
           </a:p>
         </p:txBody>
       </p:sp>
@@ -10668,7 +9359,7 @@
               </a:spcBef>
             </a:pPr>
             <a:r>
-              <a:rPr lang="en-US" sz="1100" b="1">
+              <a:rPr lang="it-IT" sz="1100" b="1">
                 <a:solidFill>
                   <a:srgbClr val="020302"/>
                 </a:solidFill>
@@ -10677,13 +9368,6 @@
               </a:rPr>
               <a:t>Named Support Engineer</a:t>
             </a:r>
-            <a:endParaRPr lang="en-US" sz="1100">
-              <a:solidFill>
-                <a:prstClr val="black"/>
-              </a:solidFill>
-              <a:latin typeface="Adobe Clean" panose="020B0503020404020204" pitchFamily="34" charset="0"/>
-              <a:cs typeface="Arial"/>
-            </a:endParaRPr>
           </a:p>
         </p:txBody>
       </p:sp>
@@ -10720,22 +9404,15 @@
               </a:spcBef>
             </a:pPr>
             <a:r>
-              <a:rPr lang="en-US" sz="1100" b="1">
+              <a:rPr lang="it-IT" sz="1100" b="1">
                 <a:solidFill>
                   <a:srgbClr val="020302"/>
                 </a:solidFill>
                 <a:latin typeface="Adobe Clean" panose="020B0503020404020204" pitchFamily="34" charset="0"/>
                 <a:cs typeface="Arial"/>
               </a:rPr>
-              <a:t>Case Reviews</a:t>
-            </a:r>
-            <a:endParaRPr lang="en-US" sz="1100">
-              <a:solidFill>
-                <a:prstClr val="black"/>
-              </a:solidFill>
-              <a:latin typeface="Adobe Clean" panose="020B0503020404020204" pitchFamily="34" charset="0"/>
-              <a:cs typeface="Arial"/>
-            </a:endParaRPr>
+              <a:t>Valutazione dei casi</a:t>
+            </a:r>
           </a:p>
         </p:txBody>
       </p:sp>
@@ -10772,22 +9449,15 @@
               </a:spcBef>
             </a:pPr>
             <a:r>
-              <a:rPr lang="en-US" sz="1100" b="1">
+              <a:rPr lang="it-IT" sz="1100" b="1">
                 <a:solidFill>
                   <a:srgbClr val="020302"/>
                 </a:solidFill>
                 <a:latin typeface="Adobe Clean" panose="020B0503020404020204" pitchFamily="34" charset="0"/>
                 <a:cs typeface="Adobe Clean"/>
               </a:rPr>
-              <a:t>Maintenance &amp; Monitoring</a:t>
-            </a:r>
-            <a:endParaRPr lang="en-US" sz="1100">
-              <a:solidFill>
-                <a:prstClr val="black"/>
-              </a:solidFill>
-              <a:latin typeface="Adobe Clean" panose="020B0503020404020204" pitchFamily="34" charset="0"/>
-              <a:cs typeface="Adobe Clean"/>
-            </a:endParaRPr>
+              <a:t>Manutenzione e monitoraggio</a:t>
+            </a:r>
           </a:p>
         </p:txBody>
       </p:sp>
@@ -10805,8 +9475,8 @@
         </p:nvSpPr>
         <p:spPr>
           <a:xfrm>
-            <a:off x="3138805" y="3778989"/>
-            <a:ext cx="2194560" cy="169277"/>
+            <a:off x="3138805" y="3700046"/>
+            <a:ext cx="2194560" cy="338554"/>
           </a:xfrm>
           <a:prstGeom prst="rect">
             <a:avLst/>
@@ -10824,22 +9494,34 @@
               </a:spcBef>
             </a:pPr>
             <a:r>
-              <a:rPr lang="en-US" sz="1100" b="1">
+              <a:rPr lang="it-IT" sz="1100" b="1" dirty="0">
                 <a:solidFill>
                   <a:srgbClr val="020302"/>
                 </a:solidFill>
                 <a:latin typeface="Adobe Clean" panose="020B0503020404020204" pitchFamily="34" charset="0"/>
                 <a:cs typeface="Adobe Clean"/>
               </a:rPr>
-              <a:t>Solution Roadmap Review</a:t>
-            </a:r>
-            <a:endParaRPr lang="en-US" sz="1100">
-              <a:solidFill>
-                <a:prstClr val="black"/>
-              </a:solidFill>
-              <a:latin typeface="Adobe Clean" panose="020B0503020404020204" pitchFamily="34" charset="0"/>
-              <a:cs typeface="Adobe Clean"/>
-            </a:endParaRPr>
+              <a:t>Valutazione della roadmap </a:t>
+            </a:r>
+            <a:br>
+              <a:rPr lang="sk-SK" sz="1100" b="1" dirty="0">
+                <a:solidFill>
+                  <a:srgbClr val="020302"/>
+                </a:solidFill>
+                <a:latin typeface="Adobe Clean" panose="020B0503020404020204" pitchFamily="34" charset="0"/>
+                <a:cs typeface="Adobe Clean"/>
+              </a:rPr>
+            </a:br>
+            <a:r>
+              <a:rPr lang="it-IT" sz="1100" b="1" dirty="0">
+                <a:solidFill>
+                  <a:srgbClr val="020302"/>
+                </a:solidFill>
+                <a:latin typeface="Adobe Clean" panose="020B0503020404020204" pitchFamily="34" charset="0"/>
+                <a:cs typeface="Adobe Clean"/>
+              </a:rPr>
+              <a:t>della soluzione</a:t>
+            </a:r>
           </a:p>
         </p:txBody>
       </p:sp>
@@ -10876,22 +9558,15 @@
               </a:spcBef>
             </a:pPr>
             <a:r>
-              <a:rPr lang="en-US" sz="1100" b="1">
+              <a:rPr lang="it-IT" sz="1100" b="1">
                 <a:solidFill>
                   <a:srgbClr val="020302"/>
                 </a:solidFill>
                 <a:latin typeface="Adobe Clean" panose="020B0503020404020204" pitchFamily="34" charset="0"/>
                 <a:cs typeface="Adobe Clean"/>
               </a:rPr>
-              <a:t>Environment Review</a:t>
-            </a:r>
-            <a:endParaRPr lang="en-US" sz="1100">
-              <a:solidFill>
-                <a:prstClr val="black"/>
-              </a:solidFill>
-              <a:latin typeface="Adobe Clean" panose="020B0503020404020204" pitchFamily="34" charset="0"/>
-              <a:cs typeface="Adobe Clean"/>
-            </a:endParaRPr>
+              <a:t>Valutazione dell’ambiente</a:t>
+            </a:r>
           </a:p>
         </p:txBody>
       </p:sp>
@@ -10928,22 +9603,15 @@
               </a:spcBef>
             </a:pPr>
             <a:r>
-              <a:rPr lang="en-US" sz="1100" b="1">
+              <a:rPr lang="it-IT" sz="1100" b="1">
                 <a:solidFill>
                   <a:srgbClr val="020302"/>
                 </a:solidFill>
                 <a:latin typeface="Adobe Clean" panose="020B0503020404020204" pitchFamily="34" charset="0"/>
                 <a:cs typeface="Adobe Clean"/>
               </a:rPr>
-              <a:t>Escalation Management</a:t>
-            </a:r>
-            <a:endParaRPr lang="en-US" sz="1100">
-              <a:solidFill>
-                <a:prstClr val="black"/>
-              </a:solidFill>
-              <a:latin typeface="Adobe Clean" panose="020B0503020404020204" pitchFamily="34" charset="0"/>
-              <a:cs typeface="Adobe Clean"/>
-            </a:endParaRPr>
+              <a:t>Gestione delle escalation</a:t>
+            </a:r>
           </a:p>
         </p:txBody>
       </p:sp>
@@ -10980,22 +9648,15 @@
               </a:spcBef>
             </a:pPr>
             <a:r>
-              <a:rPr lang="en-US" sz="1100" b="1">
+              <a:rPr lang="it-IT" sz="1100" b="1">
                 <a:solidFill>
                   <a:srgbClr val="020302"/>
                 </a:solidFill>
                 <a:latin typeface="Adobe Clean" panose="020B0503020404020204" pitchFamily="34" charset="0"/>
                 <a:cs typeface="Adobe Clean"/>
               </a:rPr>
-              <a:t>Service Reviews</a:t>
-            </a:r>
-            <a:endParaRPr lang="en-US" sz="1100">
-              <a:solidFill>
-                <a:prstClr val="black"/>
-              </a:solidFill>
-              <a:latin typeface="Adobe Clean" panose="020B0503020404020204" pitchFamily="34" charset="0"/>
-              <a:cs typeface="Adobe Clean"/>
-            </a:endParaRPr>
+              <a:t>Valutazione dei servizi</a:t>
+            </a:r>
           </a:p>
         </p:txBody>
       </p:sp>
@@ -11032,22 +9693,15 @@
               </a:spcBef>
             </a:pPr>
             <a:r>
-              <a:rPr lang="en-US" sz="1100" b="1">
+              <a:rPr lang="it-IT" sz="1100" b="1">
                 <a:solidFill>
                   <a:srgbClr val="020302"/>
                 </a:solidFill>
                 <a:latin typeface="Adobe Clean" panose="020B0503020404020204" pitchFamily="34" charset="0"/>
                 <a:cs typeface="Adobe Clean"/>
               </a:rPr>
-              <a:t>Expert Sessions</a:t>
-            </a:r>
-            <a:endParaRPr lang="en-US" sz="1100">
-              <a:solidFill>
-                <a:prstClr val="black"/>
-              </a:solidFill>
-              <a:latin typeface="Adobe Clean" panose="020B0503020404020204" pitchFamily="34" charset="0"/>
-              <a:cs typeface="Adobe Clean"/>
-            </a:endParaRPr>
+              <a:t>Sessioni con esperti</a:t>
+            </a:r>
           </a:p>
         </p:txBody>
       </p:sp>
@@ -11066,7 +9720,7 @@
         <p:spPr>
           <a:xfrm>
             <a:off x="689237" y="4935181"/>
-            <a:ext cx="2194560" cy="169277"/>
+            <a:ext cx="2194560" cy="338554"/>
           </a:xfrm>
           <a:prstGeom prst="rect">
             <a:avLst/>
@@ -11084,22 +9738,34 @@
               </a:spcBef>
             </a:pPr>
             <a:r>
-              <a:rPr lang="en-US" sz="1100" b="1">
+              <a:rPr lang="it-IT" sz="1100" b="1" dirty="0">
                 <a:solidFill>
                   <a:srgbClr val="020302"/>
                 </a:solidFill>
                 <a:latin typeface="Adobe Clean" panose="020B0503020404020204" pitchFamily="34" charset="0"/>
                 <a:cs typeface="Adobe Clean"/>
               </a:rPr>
-              <a:t>Release Preparation &amp; Review</a:t>
-            </a:r>
-            <a:endParaRPr lang="en-US" sz="1100">
-              <a:solidFill>
-                <a:prstClr val="black"/>
-              </a:solidFill>
-              <a:latin typeface="Adobe Clean" panose="020B0503020404020204" pitchFamily="34" charset="0"/>
-              <a:cs typeface="Adobe Clean"/>
-            </a:endParaRPr>
+              <a:t>Valutazione delle nuove </a:t>
+            </a:r>
+            <a:br>
+              <a:rPr lang="sk-SK" sz="1100" b="1" dirty="0">
+                <a:solidFill>
+                  <a:srgbClr val="020302"/>
+                </a:solidFill>
+                <a:latin typeface="Adobe Clean" panose="020B0503020404020204" pitchFamily="34" charset="0"/>
+                <a:cs typeface="Adobe Clean"/>
+              </a:rPr>
+            </a:br>
+            <a:r>
+              <a:rPr lang="it-IT" sz="1100" b="1" dirty="0">
+                <a:solidFill>
+                  <a:srgbClr val="020302"/>
+                </a:solidFill>
+                <a:latin typeface="Adobe Clean" panose="020B0503020404020204" pitchFamily="34" charset="0"/>
+                <a:cs typeface="Adobe Clean"/>
+              </a:rPr>
+              <a:t>versioni e preparazione</a:t>
+            </a:r>
           </a:p>
         </p:txBody>
       </p:sp>
@@ -11139,19 +9805,15 @@
               </a:spcBef>
             </a:pPr>
             <a:r>
-              <a:rPr lang="en-US" sz="1100" b="1">
+              <a:rPr lang="it-IT" sz="1100" b="1">
                 <a:solidFill>
                   <a:srgbClr val="020302"/>
                 </a:solidFill>
                 <a:latin typeface="Adobe Clean" panose="020B0503020404020204" pitchFamily="34" charset="0"/>
                 <a:cs typeface="Adobe Clean"/>
               </a:rPr>
-              <a:t>Knowledge Transfer</a:t>
-            </a:r>
-            <a:endParaRPr lang="en-US" sz="1100">
-              <a:latin typeface="Adobe Clean" panose="020B0503020404020204" pitchFamily="34" charset="0"/>
-              <a:cs typeface="Adobe Clean"/>
-            </a:endParaRPr>
+              <a:t>Trasferimento delle conoscenze</a:t>
+            </a:r>
           </a:p>
         </p:txBody>
       </p:sp>
@@ -11191,19 +9853,15 @@
               </a:spcBef>
             </a:pPr>
             <a:r>
-              <a:rPr lang="en-US" sz="1100" b="1">
+              <a:rPr lang="it-IT" sz="1100" b="1">
                 <a:solidFill>
                   <a:srgbClr val="020302"/>
                 </a:solidFill>
                 <a:latin typeface="Adobe Clean" panose="020B0503020404020204" pitchFamily="34" charset="0"/>
                 <a:cs typeface="Adobe Clean"/>
               </a:rPr>
-              <a:t>Event Management</a:t>
-            </a:r>
-            <a:endParaRPr lang="en-US" sz="1100">
-              <a:latin typeface="Adobe Clean" panose="020B0503020404020204" pitchFamily="34" charset="0"/>
-              <a:cs typeface="Adobe Clean"/>
-            </a:endParaRPr>
+              <a:t>Gestione degli eventi</a:t>
+            </a:r>
           </a:p>
         </p:txBody>
       </p:sp>
@@ -11530,7 +10188,7 @@
         <p:spPr>
           <a:xfrm>
             <a:off x="2764975" y="4039530"/>
-            <a:ext cx="2282011" cy="708399"/>
+            <a:ext cx="2467385" cy="881460"/>
           </a:xfrm>
           <a:prstGeom prst="rect">
             <a:avLst/>
@@ -11551,19 +10209,15 @@
               </a:spcBef>
             </a:pPr>
             <a:r>
-              <a:rPr lang="en-US" sz="1000">
+              <a:rPr lang="it-IT" sz="1000" dirty="0">
                 <a:solidFill>
                   <a:srgbClr val="020302"/>
                 </a:solidFill>
                 <a:latin typeface="AdobeClean-Light"/>
                 <a:cs typeface="AdobeClean-Light"/>
               </a:rPr>
-              <a:t>Compare and align Adobe solution  roadmap with your project roadmap to  mitigate risk and prepare for the future.</a:t>
-            </a:r>
-            <a:endParaRPr lang="en-US" sz="1000">
-              <a:latin typeface="AdobeClean-Light"/>
-              <a:cs typeface="AdobeClean-Light"/>
-            </a:endParaRPr>
+              <a:t>Confronta e allinea la roadmap della soluzione Adobe con quella del progetto del cliente, per mitigare i rischi e prepararsi per il futuro.</a:t>
+            </a:r>
           </a:p>
           <a:p>
             <a:pPr marL="18415" marR="262255" lvl="0">
@@ -11575,7 +10229,7 @@
               </a:spcBef>
             </a:pPr>
             <a:r>
-              <a:rPr lang="en-US" sz="1000">
+              <a:rPr lang="it-IT" sz="1000" dirty="0">
                 <a:solidFill>
                   <a:srgbClr val="020302"/>
                 </a:solidFill>
@@ -11584,13 +10238,6 @@
               </a:rPr>
               <a:t>.</a:t>
             </a:r>
-            <a:endParaRPr lang="en-US" sz="1000">
-              <a:solidFill>
-                <a:prstClr val="black"/>
-              </a:solidFill>
-              <a:latin typeface="AdobeClean-Light"/>
-              <a:cs typeface="AdobeClean-Light"/>
-            </a:endParaRPr>
           </a:p>
         </p:txBody>
       </p:sp>
@@ -11877,8 +10524,8 @@
         </p:nvSpPr>
         <p:spPr>
           <a:xfrm>
-            <a:off x="4724779" y="2654678"/>
-            <a:ext cx="1894205" cy="0"/>
+            <a:off x="4572000" y="2654677"/>
+            <a:ext cx="2194551" cy="45719"/>
           </a:xfrm>
           <a:custGeom>
             <a:avLst/>
@@ -11919,8 +10566,8 @@
         </p:nvSpPr>
         <p:spPr>
           <a:xfrm>
-            <a:off x="4843269" y="2329688"/>
-            <a:ext cx="1656080" cy="238760"/>
+            <a:off x="4572000" y="2329688"/>
+            <a:ext cx="2194551" cy="228268"/>
           </a:xfrm>
           <a:prstGeom prst="rect">
             <a:avLst/>
@@ -11941,179 +10588,15 @@
               </a:spcBef>
             </a:pPr>
             <a:r>
-              <a:rPr sz="1400" b="1" spc="-25">
+              <a:rPr lang="it-IT" sz="1400" b="1" dirty="0">
                 <a:solidFill>
                   <a:srgbClr val="020302"/>
                 </a:solidFill>
                 <a:latin typeface="Adobe Clean"/>
                 <a:cs typeface="Adobe Clean"/>
               </a:rPr>
-              <a:t>Fi</a:t>
-            </a:r>
-            <a:r>
-              <a:rPr sz="1400" b="1" spc="-35">
-                <a:solidFill>
-                  <a:srgbClr val="020302"/>
-                </a:solidFill>
-                <a:latin typeface="Adobe Clean"/>
-                <a:cs typeface="Adobe Clean"/>
-              </a:rPr>
-              <a:t>e</a:t>
-            </a:r>
-            <a:r>
-              <a:rPr sz="1400" b="1" spc="-25">
-                <a:solidFill>
-                  <a:srgbClr val="020302"/>
-                </a:solidFill>
-                <a:latin typeface="Adobe Clean"/>
-                <a:cs typeface="Adobe Clean"/>
-              </a:rPr>
-              <a:t>l</a:t>
-            </a:r>
-            <a:r>
-              <a:rPr sz="1400" b="1">
-                <a:solidFill>
-                  <a:srgbClr val="020302"/>
-                </a:solidFill>
-                <a:latin typeface="Adobe Clean"/>
-                <a:cs typeface="Adobe Clean"/>
-              </a:rPr>
-              <a:t>d</a:t>
-            </a:r>
-            <a:r>
-              <a:rPr sz="1400" b="1" spc="-40">
-                <a:solidFill>
-                  <a:srgbClr val="020302"/>
-                </a:solidFill>
-                <a:latin typeface="Adobe Clean"/>
-                <a:cs typeface="Adobe Clean"/>
-              </a:rPr>
-              <a:t> </a:t>
-            </a:r>
-            <a:r>
-              <a:rPr sz="1400" b="1" spc="25">
-                <a:solidFill>
-                  <a:srgbClr val="020302"/>
-                </a:solidFill>
-                <a:latin typeface="Adobe Clean"/>
-                <a:cs typeface="Adobe Clean"/>
-              </a:rPr>
-              <a:t>S</a:t>
-            </a:r>
-            <a:r>
-              <a:rPr sz="1400" b="1" spc="5">
-                <a:solidFill>
-                  <a:srgbClr val="020302"/>
-                </a:solidFill>
-                <a:latin typeface="Adobe Clean"/>
-                <a:cs typeface="Adobe Clean"/>
-              </a:rPr>
-              <a:t>e</a:t>
-            </a:r>
-            <a:r>
-              <a:rPr sz="1400" b="1" spc="15">
-                <a:solidFill>
-                  <a:srgbClr val="020302"/>
-                </a:solidFill>
-                <a:latin typeface="Adobe Clean"/>
-                <a:cs typeface="Adobe Clean"/>
-              </a:rPr>
-              <a:t>rvi</a:t>
-            </a:r>
-            <a:r>
-              <a:rPr sz="1400" b="1" spc="5">
-                <a:solidFill>
-                  <a:srgbClr val="020302"/>
-                </a:solidFill>
-                <a:latin typeface="Adobe Clean"/>
-                <a:cs typeface="Adobe Clean"/>
-              </a:rPr>
-              <a:t>c</a:t>
-            </a:r>
-            <a:r>
-              <a:rPr sz="1400" b="1">
-                <a:solidFill>
-                  <a:srgbClr val="020302"/>
-                </a:solidFill>
-                <a:latin typeface="Adobe Clean"/>
-                <a:cs typeface="Adobe Clean"/>
-              </a:rPr>
-              <a:t>e</a:t>
-            </a:r>
-            <a:r>
-              <a:rPr sz="1400" b="1" spc="-190">
-                <a:solidFill>
-                  <a:srgbClr val="020302"/>
-                </a:solidFill>
-                <a:latin typeface="Adobe Clean"/>
-                <a:cs typeface="Adobe Clean"/>
-              </a:rPr>
-              <a:t> </a:t>
-            </a:r>
-            <a:r>
-              <a:rPr sz="1400" b="1" spc="5">
-                <a:solidFill>
-                  <a:srgbClr val="020302"/>
-                </a:solidFill>
-                <a:latin typeface="Adobe Clean"/>
-                <a:cs typeface="Adobe Clean"/>
-              </a:rPr>
-              <a:t>A</a:t>
-            </a:r>
-            <a:r>
-              <a:rPr sz="1400" b="1" spc="-5">
-                <a:solidFill>
-                  <a:srgbClr val="020302"/>
-                </a:solidFill>
-                <a:latin typeface="Adobe Clean"/>
-                <a:cs typeface="Adobe Clean"/>
-              </a:rPr>
-              <a:t>ct</a:t>
-            </a:r>
-            <a:r>
-              <a:rPr sz="1400" b="1" spc="5">
-                <a:solidFill>
-                  <a:srgbClr val="020302"/>
-                </a:solidFill>
-                <a:latin typeface="Adobe Clean"/>
-                <a:cs typeface="Adobe Clean"/>
-              </a:rPr>
-              <a:t>ivi</a:t>
-            </a:r>
-            <a:r>
-              <a:rPr sz="1400" b="1" spc="-5">
-                <a:solidFill>
-                  <a:srgbClr val="020302"/>
-                </a:solidFill>
-                <a:latin typeface="Adobe Clean"/>
-                <a:cs typeface="Adobe Clean"/>
-              </a:rPr>
-              <a:t>t</a:t>
-            </a:r>
-            <a:r>
-              <a:rPr sz="1400" b="1" spc="5">
-                <a:solidFill>
-                  <a:srgbClr val="020302"/>
-                </a:solidFill>
-                <a:latin typeface="Adobe Clean"/>
-                <a:cs typeface="Adobe Clean"/>
-              </a:rPr>
-              <a:t>i</a:t>
-            </a:r>
-            <a:r>
-              <a:rPr sz="1400" b="1" spc="-5">
-                <a:solidFill>
-                  <a:srgbClr val="020302"/>
-                </a:solidFill>
-                <a:latin typeface="Adobe Clean"/>
-                <a:cs typeface="Adobe Clean"/>
-              </a:rPr>
-              <a:t>es</a:t>
-            </a:r>
-            <a:endParaRPr sz="1400">
-              <a:latin typeface="Adobe Clean"/>
-              <a:cs typeface="Adobe Clean"/>
-            </a:endParaRPr>
+              <a:t>Attività di servizio sul campo</a:t>
+            </a:r>
           </a:p>
         </p:txBody>
       </p:sp>
@@ -12125,8 +10608,8 @@
         </p:nvSpPr>
         <p:spPr>
           <a:xfrm>
-            <a:off x="914422" y="2342312"/>
-            <a:ext cx="1242060" cy="238760"/>
+            <a:off x="914421" y="2342311"/>
+            <a:ext cx="1465521" cy="228268"/>
           </a:xfrm>
           <a:prstGeom prst="rect">
             <a:avLst/>
@@ -12147,99 +10630,15 @@
               </a:spcBef>
             </a:pPr>
             <a:r>
-              <a:rPr sz="1400" b="1" spc="-25">
+              <a:rPr lang="it-IT" sz="1400" b="1" dirty="0">
                 <a:solidFill>
                   <a:srgbClr val="020302"/>
                 </a:solidFill>
                 <a:latin typeface="Adobe Clean"/>
                 <a:cs typeface="Adobe Clean"/>
               </a:rPr>
-              <a:t>L</a:t>
-            </a:r>
-            <a:r>
-              <a:rPr sz="1400" b="1" spc="-5">
-                <a:solidFill>
-                  <a:srgbClr val="020302"/>
-                </a:solidFill>
-                <a:latin typeface="Adobe Clean"/>
-                <a:cs typeface="Adobe Clean"/>
-              </a:rPr>
-              <a:t>a</a:t>
-            </a:r>
-            <a:r>
-              <a:rPr sz="1400" b="1" spc="-20">
-                <a:solidFill>
-                  <a:srgbClr val="020302"/>
-                </a:solidFill>
-                <a:latin typeface="Adobe Clean"/>
-                <a:cs typeface="Adobe Clean"/>
-              </a:rPr>
-              <a:t>u</a:t>
-            </a:r>
-            <a:r>
-              <a:rPr sz="1400" b="1" spc="-15">
-                <a:solidFill>
-                  <a:srgbClr val="020302"/>
-                </a:solidFill>
-                <a:latin typeface="Adobe Clean"/>
-                <a:cs typeface="Adobe Clean"/>
-              </a:rPr>
-              <a:t>n</a:t>
-            </a:r>
-            <a:r>
-              <a:rPr sz="1400" b="1" spc="-25">
-                <a:solidFill>
-                  <a:srgbClr val="020302"/>
-                </a:solidFill>
-                <a:latin typeface="Adobe Clean"/>
-                <a:cs typeface="Adobe Clean"/>
-              </a:rPr>
-              <a:t>c</a:t>
-            </a:r>
-            <a:r>
-              <a:rPr sz="1400" b="1">
-                <a:solidFill>
-                  <a:srgbClr val="020302"/>
-                </a:solidFill>
-                <a:latin typeface="Adobe Clean"/>
-                <a:cs typeface="Adobe Clean"/>
-              </a:rPr>
-              <a:t>h</a:t>
-            </a:r>
-            <a:r>
-              <a:rPr sz="1400" b="1" spc="-25">
-                <a:solidFill>
-                  <a:srgbClr val="020302"/>
-                </a:solidFill>
-                <a:latin typeface="Adobe Clean"/>
-                <a:cs typeface="Adobe Clean"/>
-              </a:rPr>
-              <a:t> </a:t>
-            </a:r>
-            <a:r>
-              <a:rPr sz="1400" b="1" spc="-10">
-                <a:solidFill>
-                  <a:srgbClr val="020302"/>
-                </a:solidFill>
-                <a:latin typeface="Adobe Clean"/>
-                <a:cs typeface="Adobe Clean"/>
-              </a:rPr>
-              <a:t>Advisor</a:t>
-            </a:r>
-            <a:r>
-              <a:rPr sz="1400" b="1">
-                <a:solidFill>
-                  <a:srgbClr val="020302"/>
-                </a:solidFill>
-                <a:latin typeface="Adobe Clean"/>
-                <a:cs typeface="Adobe Clean"/>
-              </a:rPr>
-              <a:t>y</a:t>
-            </a:r>
-            <a:endParaRPr sz="1400">
-              <a:latin typeface="Adobe Clean"/>
-              <a:cs typeface="Adobe Clean"/>
-            </a:endParaRPr>
+              <a:t>Launch Advisory</a:t>
+            </a:r>
           </a:p>
         </p:txBody>
       </p:sp>
@@ -12252,7 +10651,7 @@
         <p:spPr>
           <a:xfrm>
             <a:off x="242187" y="2787904"/>
-            <a:ext cx="3004185" cy="635000"/>
+            <a:ext cx="3134821" cy="628377"/>
           </a:xfrm>
           <a:prstGeom prst="rect">
             <a:avLst/>
@@ -12273,90 +10672,89 @@
               </a:spcBef>
             </a:pPr>
             <a:r>
-              <a:rPr sz="1000">
+              <a:rPr lang="it-IT" sz="1000" dirty="0">
                 <a:solidFill>
                   <a:srgbClr val="1F1F1F"/>
                 </a:solidFill>
                 <a:latin typeface="AdobeClean-Light"/>
                 <a:cs typeface="AdobeClean-Light"/>
               </a:rPr>
-              <a:t>For customers implementing a </a:t>
-            </a:r>
-            <a:r>
-              <a:rPr sz="1000" b="1">
+              <a:t>Per i clienti che implementano una </a:t>
+            </a:r>
+            <a:r>
+              <a:rPr lang="it-IT" sz="1000" b="1" dirty="0">
                 <a:solidFill>
                   <a:srgbClr val="1F1F1F"/>
                 </a:solidFill>
                 <a:latin typeface="Adobe Clean"/>
                 <a:cs typeface="Adobe Clean"/>
               </a:rPr>
-              <a:t>new Adobe Experience Cloud  solution, </a:t>
-            </a:r>
-            <a:r>
-              <a:rPr sz="1000">
+              <a:t>nuova soluzione Adobe Experience Cloud, </a:t>
+            </a:r>
+            <a:r>
+              <a:rPr lang="it-IT" sz="1000" dirty="0">
                 <a:latin typeface="AdobeClean-Light"/>
                 <a:cs typeface="AdobeClean-Light"/>
               </a:rPr>
               <a:t>Launch Advisory </a:t>
             </a:r>
             <a:r>
-              <a:rPr sz="1000">
+              <a:rPr lang="it-IT" sz="1000" dirty="0">
                 <a:latin typeface="AdobeClean-SemiLight"/>
                 <a:cs typeface="AdobeClean-SemiLight"/>
               </a:rPr>
-              <a:t>is a </a:t>
-            </a:r>
-            <a:r>
-              <a:rPr sz="950">
+              <a:t>offre un </a:t>
+            </a:r>
+            <a:r>
+              <a:rPr lang="it-IT" sz="950" dirty="0">
                 <a:latin typeface="AdobeClean-SemiLight"/>
                 <a:cs typeface="AdobeClean-SemiLight"/>
               </a:rPr>
-              <a:t>core set of advisory</a:t>
-            </a:r>
-          </a:p>
-          <a:p>
-            <a:pPr marL="12700" marR="86995" indent="-635">
-              <a:lnSpc>
-                <a:spcPct val="100000"/>
-              </a:lnSpc>
-            </a:pPr>
-            <a:r>
-              <a:rPr sz="950">
+              <a:t>set principale </a:t>
+            </a:r>
+            <a:br>
+              <a:rPr lang="sk-SK" sz="950" dirty="0">
                 <a:latin typeface="AdobeClean-SemiLight"/>
                 <a:cs typeface="AdobeClean-SemiLight"/>
               </a:rPr>
-              <a:t>services </a:t>
-            </a:r>
-            <a:r>
-              <a:rPr sz="1000">
+            </a:br>
+            <a:r>
+              <a:rPr lang="it-IT" sz="950" dirty="0">
+                <a:latin typeface="AdobeClean-SemiLight"/>
+                <a:cs typeface="AdobeClean-SemiLight"/>
+              </a:rPr>
+              <a:t>di servizi di consulenza </a:t>
+            </a:r>
+            <a:r>
+              <a:rPr lang="it-IT" sz="1000" dirty="0">
                 <a:latin typeface="AdobeClean-Light"/>
                 <a:cs typeface="AdobeClean-Light"/>
               </a:rPr>
-              <a:t>and recommendations that are proven to </a:t>
-            </a:r>
-            <a:r>
-              <a:rPr sz="950">
+              <a:t>e raccomandazioni consolidate, utili per </a:t>
+            </a:r>
+            <a:r>
+              <a:rPr lang="it-IT" sz="950" dirty="0">
                 <a:latin typeface="AdobeClean-Light"/>
                 <a:cs typeface="AdobeClean-Light"/>
               </a:rPr>
-              <a:t>support  successful deployments </a:t>
-            </a:r>
-            <a:r>
-              <a:rPr sz="1000">
+              <a:t>il successo dell’implementazione </a:t>
+            </a:r>
+            <a:r>
+              <a:rPr lang="it-IT" sz="1000" dirty="0">
                 <a:latin typeface="AdobeClean-Light"/>
                 <a:cs typeface="AdobeClean-Light"/>
               </a:rPr>
-              <a:t>and </a:t>
-            </a:r>
-            <a:r>
-              <a:rPr sz="950">
+              <a:t>e </a:t>
+            </a:r>
+            <a:r>
+              <a:rPr lang="it-IT" sz="950" dirty="0">
                 <a:latin typeface="AdobeClean-Light"/>
                 <a:cs typeface="AdobeClean-Light"/>
               </a:rPr>
-              <a:t>accelerate time-to-value</a:t>
-            </a:r>
-            <a:r>
-              <a:rPr sz="1000">
+              <a:t>per velocizzare il time-to-value</a:t>
+            </a:r>
+            <a:r>
+              <a:rPr lang="it-IT" sz="1000" dirty="0">
                 <a:latin typeface="AdobeClean-Light"/>
                 <a:cs typeface="AdobeClean-Light"/>
               </a:rPr>
@@ -12453,7 +10851,7 @@
         <p:spPr>
           <a:xfrm>
             <a:off x="3976901" y="2790952"/>
-            <a:ext cx="3543300" cy="628377"/>
+            <a:ext cx="3543300" cy="782265"/>
           </a:xfrm>
           <a:prstGeom prst="rect">
             <a:avLst/>
@@ -12474,37 +10872,75 @@
               </a:spcBef>
             </a:pPr>
             <a:r>
-              <a:rPr sz="1000">
+              <a:rPr lang="it-IT" sz="1000" dirty="0">
                 <a:solidFill>
                   <a:srgbClr val="4B4B4B"/>
                 </a:solidFill>
                 <a:latin typeface="AdobeClean-Light"/>
                 <a:cs typeface="AdobeClean-Light"/>
               </a:rPr>
-              <a:t>Field Services are used for </a:t>
-            </a:r>
-            <a:r>
-              <a:rPr sz="1000" b="1">
+              <a:t>I servizi sul campo sono utilizzati per la </a:t>
+            </a:r>
+            <a:r>
+              <a:rPr lang="it-IT" sz="1000" b="1" dirty="0">
                 <a:solidFill>
                   <a:srgbClr val="4B4B4B"/>
                 </a:solidFill>
                 <a:latin typeface="Adobe Clean"/>
                 <a:cs typeface="Adobe Clean"/>
               </a:rPr>
-              <a:t>quick resolution</a:t>
-            </a:r>
-            <a:r>
-              <a:rPr sz="1000">
+              <a:t>risoluzione rapida</a:t>
+            </a:r>
+            <a:r>
+              <a:rPr lang="it-IT" sz="1000" dirty="0">
                 <a:solidFill>
                   <a:srgbClr val="4B4B4B"/>
                 </a:solidFill>
                 <a:latin typeface="AdobeClean-Light"/>
                 <a:cs typeface="AdobeClean-Light"/>
               </a:rPr>
-              <a:t>, focused customer success  and accelerated </a:t>
-            </a:r>
-            <a:r>
-              <a:rPr sz="1000" b="1">
+              <a:t> </a:t>
+            </a:r>
+            <a:br>
+              <a:rPr lang="sk-SK" sz="1000" dirty="0">
+                <a:solidFill>
+                  <a:srgbClr val="4B4B4B"/>
+                </a:solidFill>
+                <a:latin typeface="AdobeClean-Light"/>
+                <a:cs typeface="AdobeClean-Light"/>
+              </a:rPr>
+            </a:br>
+            <a:r>
+              <a:rPr lang="it-IT" sz="1000" dirty="0">
+                <a:solidFill>
+                  <a:srgbClr val="4B4B4B"/>
+                </a:solidFill>
+                <a:latin typeface="AdobeClean-Light"/>
+                <a:cs typeface="AdobeClean-Light"/>
+              </a:rPr>
+              <a:t>e si incentrano sul successo dei clienti e la velocizzazione </a:t>
+            </a:r>
+            <a:br>
+              <a:rPr lang="sk-SK" sz="1000" dirty="0">
+                <a:solidFill>
+                  <a:srgbClr val="4B4B4B"/>
+                </a:solidFill>
+                <a:latin typeface="AdobeClean-Light"/>
+                <a:cs typeface="AdobeClean-Light"/>
+              </a:rPr>
+            </a:br>
+            <a:r>
+              <a:rPr lang="it-IT" sz="1000" dirty="0">
+                <a:solidFill>
+                  <a:srgbClr val="4B4B4B"/>
+                </a:solidFill>
+                <a:latin typeface="AdobeClean-Light"/>
+                <a:cs typeface="AdobeClean-Light"/>
+              </a:rPr>
+              <a:t>del </a:t>
+            </a:r>
+            <a:r>
+              <a:rPr lang="it-IT" sz="1000" b="1" dirty="0">
                 <a:solidFill>
                   <a:srgbClr val="4B4B4B"/>
                 </a:solidFill>
@@ -12514,39 +10950,35 @@
               <a:t>time-to-value</a:t>
             </a:r>
             <a:r>
-              <a:rPr sz="1000">
+              <a:rPr lang="it-IT" sz="1000" dirty="0">
                 <a:solidFill>
                   <a:srgbClr val="4B4B4B"/>
                 </a:solidFill>
                 <a:latin typeface="AdobeClean-Light"/>
                 <a:cs typeface="AdobeClean-Light"/>
               </a:rPr>
-              <a:t>. If Launch advisory is active there will be  </a:t>
-            </a:r>
-            <a:r>
-              <a:rPr sz="1000" b="1">
+              <a:t>. Se Launch Advisory è attivo, </a:t>
+            </a:r>
+            <a:r>
+              <a:rPr lang="it-IT" sz="1000" b="1" dirty="0">
                 <a:solidFill>
                   <a:srgbClr val="4B4B4B"/>
                 </a:solidFill>
                 <a:latin typeface="Adobe Clean"/>
                 <a:cs typeface="Adobe Clean"/>
               </a:rPr>
-              <a:t>no Field Services in year 1 </a:t>
-            </a:r>
-            <a:r>
-              <a:rPr sz="1000">
+              <a:t>nel primo anno non sono previsti servizi sul campo</a:t>
+            </a:r>
+            <a:r>
+              <a:rPr lang="it-IT" sz="1000" dirty="0">
                 <a:solidFill>
                   <a:srgbClr val="4B4B4B"/>
                 </a:solidFill>
                 <a:latin typeface="AdobeClean-Light"/>
                 <a:cs typeface="AdobeClean-Light"/>
               </a:rPr>
-              <a:t>for any solution product covered by a  Support contract.</a:t>
-            </a:r>
-            <a:endParaRPr sz="1000">
-              <a:latin typeface="AdobeClean-Light"/>
-              <a:cs typeface="AdobeClean-Light"/>
-            </a:endParaRPr>
+              <a:t> per i prodotti coperti da un contratto di supporto Adobe.</a:t>
+            </a:r>
           </a:p>
         </p:txBody>
       </p:sp>
@@ -12642,8 +11074,8 @@
         </p:nvSpPr>
         <p:spPr>
           <a:xfrm>
-            <a:off x="263464" y="5348732"/>
-            <a:ext cx="3114040" cy="482600"/>
+            <a:off x="263463" y="5348732"/>
+            <a:ext cx="3335019" cy="628377"/>
           </a:xfrm>
           <a:prstGeom prst="rect">
             <a:avLst/>
@@ -12664,11 +11096,11 @@
               </a:spcBef>
             </a:pPr>
             <a:r>
-              <a:rPr sz="1000">
+              <a:rPr lang="it-IT" sz="1000" dirty="0">
                 <a:latin typeface="AdobeClean-Light"/>
                 <a:cs typeface="AdobeClean-Light"/>
               </a:rPr>
-              <a:t>Launch Advisory will align with your project schedule through  common milestones (Kickoff, Define, Design, Go-live and Post  Launch) to guide, validate, assess and make recommendations.</a:t>
+              <a:t>Launch Advisory si allinea alla pianificazione del progetto del cliente, con obiettivi intermedi comuni (avvio, definizione, progettazione, lancio e post-lancio) per guidare, convalidare, valutare e formulare raccomandazioni.</a:t>
             </a:r>
           </a:p>
         </p:txBody>
@@ -12703,11 +11135,11 @@
               </a:spcBef>
             </a:pPr>
             <a:r>
-              <a:rPr sz="1000">
+              <a:rPr lang="it-IT" sz="1000">
                 <a:latin typeface="AdobeClean-Light"/>
                 <a:cs typeface="AdobeClean-Light"/>
               </a:rPr>
-              <a:t>Key Deliverables include:</a:t>
+              <a:t>Il servizio include i seguenti materiali:</a:t>
             </a:r>
           </a:p>
         </p:txBody>
@@ -12721,7 +11153,7 @@
         <p:spPr>
           <a:xfrm>
             <a:off x="205422" y="6308299"/>
-            <a:ext cx="2745105" cy="592470"/>
+            <a:ext cx="3335019" cy="592470"/>
           </a:xfrm>
           <a:prstGeom prst="rect">
             <a:avLst/>
@@ -12741,12 +11173,12 @@
               <a:buChar char="•"/>
             </a:pPr>
             <a:r>
-              <a:rPr lang="en-US" sz="1000">
+              <a:rPr lang="it-IT" sz="1000" dirty="0">
                 <a:solidFill>
                   <a:prstClr val="black"/>
                 </a:solidFill>
               </a:rPr>
-              <a:t>Kickoff (including project collaboration plan) deck</a:t>
+              <a:t>Piano di lancio (incluso il piano di collaborazione al progetto)</a:t>
             </a:r>
           </a:p>
           <a:p>
@@ -12758,12 +11190,12 @@
               <a:buChar char="•"/>
             </a:pPr>
             <a:r>
-              <a:rPr lang="en-US" sz="1000">
+              <a:rPr lang="it-IT" sz="1000" dirty="0">
                 <a:solidFill>
                   <a:prstClr val="black"/>
                 </a:solidFill>
               </a:rPr>
-              <a:t>Assessment &amp; recommendations document(s)</a:t>
+              <a:t>Documentazione relativa a valutazione e raccomandazioni</a:t>
             </a:r>
           </a:p>
           <a:p>
@@ -12775,12 +11207,12 @@
               <a:buChar char="•"/>
             </a:pPr>
             <a:r>
-              <a:rPr lang="en-US" sz="1000">
+              <a:rPr lang="it-IT" sz="1000" dirty="0">
                 <a:solidFill>
                   <a:prstClr val="black"/>
                 </a:solidFill>
               </a:rPr>
-              <a:t>Engagement summary</a:t>
+              <a:t>Riepilogo dell’ambito delle attività di consulenza</a:t>
             </a:r>
           </a:p>
         </p:txBody>
@@ -12815,19 +11247,15 @@
               </a:spcBef>
             </a:pPr>
             <a:r>
-              <a:rPr sz="1600">
+              <a:rPr lang="it-IT" sz="1600" dirty="0">
                 <a:solidFill>
                   <a:srgbClr val="FFFFFF"/>
                 </a:solidFill>
                 <a:latin typeface="Arial"/>
                 <a:cs typeface="Arial"/>
               </a:rPr>
-              <a:t>Implementation</a:t>
-            </a:r>
-            <a:endParaRPr sz="1600">
-              <a:latin typeface="Arial"/>
-              <a:cs typeface="Arial"/>
-            </a:endParaRPr>
+              <a:t>Implementazione</a:t>
+            </a:r>
           </a:p>
           <a:p>
             <a:pPr marL="12700" marR="5080">
@@ -12839,32 +11267,71 @@
               </a:spcBef>
             </a:pPr>
             <a:r>
-              <a:rPr sz="1000">
+              <a:rPr lang="it-IT" sz="1000" dirty="0">
                 <a:latin typeface="AdobeClean-Light"/>
                 <a:cs typeface="AdobeClean-Light"/>
               </a:rPr>
-              <a:t>Adobe solution experts help validate requirements, architecture,  development process, and launch readiness reviews </a:t>
-            </a:r>
-            <a:r>
-              <a:rPr sz="1000">
+              <a:t>Gli esperti delle soluzioni Adobe aiutano a convalidare </a:t>
+            </a:r>
+            <a:br>
+              <a:rPr lang="sk-SK" sz="1000" dirty="0">
+                <a:latin typeface="AdobeClean-Light"/>
+                <a:cs typeface="AdobeClean-Light"/>
+              </a:rPr>
+            </a:br>
+            <a:r>
+              <a:rPr lang="it-IT" sz="1000" dirty="0">
+                <a:latin typeface="AdobeClean-Light"/>
+                <a:cs typeface="AdobeClean-Light"/>
+              </a:rPr>
+              <a:t>i requisiti, l’architettura, il processo di sviluppo e lo stato </a:t>
+            </a:r>
+            <a:br>
+              <a:rPr lang="sk-SK" sz="1000" dirty="0">
+                <a:latin typeface="AdobeClean-Light"/>
+                <a:cs typeface="AdobeClean-Light"/>
+              </a:rPr>
+            </a:br>
+            <a:r>
+              <a:rPr lang="it-IT" sz="1000" dirty="0">
+                <a:latin typeface="AdobeClean-Light"/>
+                <a:cs typeface="AdobeClean-Light"/>
+              </a:rPr>
+              <a:t>di preparazione, </a:t>
+            </a:r>
+            <a:r>
+              <a:rPr lang="it-IT" sz="1000" dirty="0">
                 <a:latin typeface="AdobeClean-SemiLight"/>
                 <a:cs typeface="AdobeClean-SemiLight"/>
               </a:rPr>
-              <a:t>with </a:t>
-            </a:r>
-            <a:r>
-              <a:rPr sz="950">
+              <a:t>con </a:t>
+            </a:r>
+            <a:r>
+              <a:rPr lang="it-IT" sz="950" dirty="0">
                 <a:latin typeface="AdobeClean-SemiLight"/>
                 <a:cs typeface="AdobeClean-SemiLight"/>
               </a:rPr>
-              <a:t>best  practice-based guidance </a:t>
-            </a:r>
-            <a:r>
-              <a:rPr sz="1000">
+              <a:t>indicazioni basate su best practice </a:t>
+            </a:r>
+            <a:r>
+              <a:rPr lang="it-IT" sz="1000" dirty="0">
                 <a:latin typeface="AdobeClean-SemiLight"/>
                 <a:cs typeface="AdobeClean-SemiLight"/>
               </a:rPr>
-              <a:t>to customers and implementation  partners.</a:t>
+              <a:t>rivolte </a:t>
+            </a:r>
+            <a:br>
+              <a:rPr lang="sk-SK" sz="1000" dirty="0">
+                <a:latin typeface="AdobeClean-SemiLight"/>
+                <a:cs typeface="AdobeClean-SemiLight"/>
+              </a:rPr>
+            </a:br>
+            <a:r>
+              <a:rPr lang="it-IT" sz="1000" dirty="0">
+                <a:latin typeface="AdobeClean-SemiLight"/>
+                <a:cs typeface="AdobeClean-SemiLight"/>
+              </a:rPr>
+              <a:t>ai clienti e ai partner di implementazione.</a:t>
             </a:r>
           </a:p>
         </p:txBody>
@@ -12876,15 +11343,20 @@
           <p:nvPr/>
         </p:nvPicPr>
         <p:blipFill>
-          <a:blip r:embed="rId3" cstate="print"/>
-          <a:stretch>
-            <a:fillRect/>
-          </a:stretch>
+          <a:blip r:embed="rId3">
+            <a:extLst>
+              <a:ext uri="{28A0092B-C50C-407E-A947-70E740481C1C}">
+                <a14:useLocalDpi xmlns:a14="http://schemas.microsoft.com/office/drawing/2010/main" val="0"/>
+              </a:ext>
+            </a:extLst>
+          </a:blip>
+          <a:srcRect/>
+          <a:stretch/>
         </p:blipFill>
         <p:spPr>
           <a:xfrm>
-            <a:off x="363328" y="6930985"/>
-            <a:ext cx="3053821" cy="2818913"/>
+            <a:off x="363328" y="6932449"/>
+            <a:ext cx="3053821" cy="2815984"/>
           </a:xfrm>
           <a:prstGeom prst="rect">
             <a:avLst/>
@@ -12899,8 +11371,8 @@
         </p:nvSpPr>
         <p:spPr>
           <a:xfrm>
-            <a:off x="3947346" y="5363972"/>
-            <a:ext cx="3335020" cy="659765"/>
+            <a:off x="3947345" y="5363972"/>
+            <a:ext cx="3572855" cy="659765"/>
           </a:xfrm>
           <a:prstGeom prst="rect">
             <a:avLst/>
@@ -12921,30 +11393,19 @@
               </a:spcBef>
             </a:pPr>
             <a:r>
-              <a:rPr sz="1000" b="1">
+              <a:rPr lang="it-IT" sz="1000" b="1" dirty="0">
                 <a:latin typeface="Arial"/>
                 <a:cs typeface="Arial"/>
               </a:rPr>
-              <a:t>Technical Track Activities </a:t>
-            </a:r>
-            <a:r>
-              <a:rPr sz="1000">
+              <a:t>Le attività tecniche</a:t>
+            </a:r>
+            <a:r>
+              <a:rPr lang="it-IT" sz="1000" dirty="0">
                 <a:latin typeface="AdobeClean-Light"/>
                 <a:cs typeface="AdobeClean-Light"/>
               </a:rPr>
-              <a:t>ensure customers are technically sound  and maximizing their tool adoption. Specifically, these types of  activities include support and recommendations related to platform  configurations, integrations and troubleshooting</a:t>
-            </a:r>
-            <a:r>
-              <a:rPr lang="en-US" sz="1000">
-                <a:latin typeface="AdobeClean-Light"/>
-                <a:cs typeface="AdobeClean-Light"/>
-              </a:rPr>
-              <a:t>.</a:t>
-            </a:r>
-            <a:endParaRPr sz="1000">
-              <a:latin typeface="AdobeClean-Light"/>
-              <a:cs typeface="AdobeClean-Light"/>
-            </a:endParaRPr>
+              <a:t> supportano le competenze tecniche del clienti e sono volte a massimizzare l’adozione degli strumenti. In particolare, includono supporto e raccomandazioni in merito a configurazioni della piattaforma, integrazioni e risoluzione di problemi</a:t>
+            </a:r>
           </a:p>
         </p:txBody>
       </p:sp>
@@ -12957,7 +11418,7 @@
         <p:spPr>
           <a:xfrm>
             <a:off x="3947346" y="6174740"/>
-            <a:ext cx="2099310" cy="1436291"/>
+            <a:ext cx="3053820" cy="1436291"/>
           </a:xfrm>
           <a:prstGeom prst="rect">
             <a:avLst/>
@@ -12978,11 +11439,11 @@
               </a:spcBef>
             </a:pPr>
             <a:r>
-              <a:rPr sz="1000">
+              <a:rPr lang="it-IT" sz="1000" dirty="0">
                 <a:latin typeface="AdobeClean-Light"/>
                 <a:cs typeface="AdobeClean-Light"/>
               </a:rPr>
-              <a:t>Types of technical activities available::</a:t>
+              <a:t>Attività tecniche disponibili:</a:t>
             </a:r>
           </a:p>
           <a:p>
@@ -12997,12 +11458,12 @@
               <a:buChar char="ü"/>
             </a:pPr>
             <a:r>
-              <a:rPr lang="en-US" sz="1000">
+              <a:rPr lang="it-IT" sz="1000" dirty="0">
                 <a:solidFill>
                   <a:prstClr val="black"/>
                 </a:solidFill>
               </a:rPr>
-              <a:t>Health audit</a:t>
+              <a:t>Audit sullo stato del sistema</a:t>
             </a:r>
           </a:p>
           <a:p>
@@ -13017,12 +11478,12 @@
               <a:buChar char="ü"/>
             </a:pPr>
             <a:r>
-              <a:rPr lang="en-US" sz="1000">
+              <a:rPr lang="it-IT" sz="1000" dirty="0">
                 <a:solidFill>
                   <a:prstClr val="black"/>
                 </a:solidFill>
               </a:rPr>
-              <a:t>Platform audit</a:t>
+              <a:t>Audit della piattaforma</a:t>
             </a:r>
           </a:p>
           <a:p>
@@ -13037,12 +11498,12 @@
               <a:buChar char="ü"/>
             </a:pPr>
             <a:r>
-              <a:rPr lang="en-US" sz="1000">
+              <a:rPr lang="it-IT" sz="1000" dirty="0">
                 <a:solidFill>
                   <a:prstClr val="black"/>
                 </a:solidFill>
               </a:rPr>
-              <a:t>Feature set enablement</a:t>
+              <a:t>Abilitazione del set di funzioni</a:t>
             </a:r>
           </a:p>
           <a:p>
@@ -13057,12 +11518,12 @@
               <a:buChar char="ü"/>
             </a:pPr>
             <a:r>
-              <a:rPr lang="en-US" sz="1000">
+              <a:rPr lang="it-IT" sz="1000" dirty="0">
                 <a:solidFill>
                   <a:prstClr val="black"/>
                 </a:solidFill>
               </a:rPr>
-              <a:t>Basic integrations and configurations</a:t>
+              <a:t>Integrazioni e configurazioni di base</a:t>
             </a:r>
           </a:p>
           <a:p>
@@ -13077,12 +11538,12 @@
               <a:buChar char="ü"/>
             </a:pPr>
             <a:r>
-              <a:rPr lang="en-US" sz="1000">
+              <a:rPr lang="it-IT" sz="1000" dirty="0">
                 <a:solidFill>
                   <a:prstClr val="black"/>
                 </a:solidFill>
               </a:rPr>
-              <a:t>Customer solution troubleshooting</a:t>
+              <a:t>Risoluzione di problemi inerenti la soluzione del cliente</a:t>
             </a:r>
           </a:p>
           <a:p>
@@ -13097,12 +11558,12 @@
               <a:buChar char="ü"/>
             </a:pPr>
             <a:r>
-              <a:rPr lang="en-US" sz="1000">
+              <a:rPr lang="it-IT" sz="1000" dirty="0">
                 <a:solidFill>
                   <a:prstClr val="black"/>
                 </a:solidFill>
               </a:rPr>
-              <a:t>Cloud service support</a:t>
+              <a:t>Supporto dei servizi cloud</a:t>
             </a:r>
           </a:p>
         </p:txBody>
@@ -13116,7 +11577,7 @@
         <p:spPr>
           <a:xfrm>
             <a:off x="3942774" y="7717028"/>
-            <a:ext cx="3208655" cy="1989006"/>
+            <a:ext cx="3466298" cy="1989006"/>
           </a:xfrm>
           <a:prstGeom prst="rect">
             <a:avLst/>
@@ -13137,18 +11598,31 @@
               </a:spcBef>
             </a:pPr>
             <a:r>
-              <a:rPr sz="1000" b="1">
+              <a:rPr lang="it-IT" sz="1000" b="1" dirty="0">
                 <a:latin typeface="Arial"/>
                 <a:cs typeface="Arial"/>
               </a:rPr>
-              <a:t>Strategic Track Activities </a:t>
-            </a:r>
-            <a:r>
-              <a:rPr sz="1000">
+              <a:t>Le attività strategiche</a:t>
+            </a:r>
+            <a:r>
+              <a:rPr lang="it-IT" sz="1000" dirty="0">
                 <a:latin typeface="AdobeClean-Light"/>
                 <a:cs typeface="AdobeClean-Light"/>
               </a:rPr>
-              <a:t>locate opportunities to ensure value is  being realized from a customer’s Adobe solutions. They include  support recommendations related to strategy, measurement and  maturity to drive value realization across one or more Adobe  solutions.</a:t>
+              <a:t> rilevano le opportunità che consentono </a:t>
+            </a:r>
+            <a:br>
+              <a:rPr lang="sk-SK" sz="1000" dirty="0">
+                <a:latin typeface="AdobeClean-Light"/>
+                <a:cs typeface="AdobeClean-Light"/>
+              </a:rPr>
+            </a:br>
+            <a:r>
+              <a:rPr lang="it-IT" sz="1000" dirty="0">
+                <a:latin typeface="AdobeClean-Light"/>
+                <a:cs typeface="AdobeClean-Light"/>
+              </a:rPr>
+              <a:t>di trarre maggior valore dalle soluzioni Adobe del cliente. Includono raccomandazioni di supporto relative a strategia, misurazione e livello di preparazione per favorire la realizzazione di valore tramite una o più soluzioni Adobe.</a:t>
             </a:r>
           </a:p>
           <a:p>
@@ -13160,7 +11634,7 @@
                 <a:spcPts val="40"/>
               </a:spcBef>
             </a:pPr>
-            <a:endParaRPr sz="1100">
+            <a:endParaRPr sz="1100" dirty="0">
               <a:latin typeface="AdobeClean-Light"/>
               <a:cs typeface="AdobeClean-Light"/>
             </a:endParaRPr>
@@ -13172,11 +11646,11 @@
               </a:lnSpc>
             </a:pPr>
             <a:r>
-              <a:rPr sz="1000">
+              <a:rPr lang="it-IT" sz="1000" dirty="0">
                 <a:latin typeface="AdobeClean-Light"/>
                 <a:cs typeface="AdobeClean-Light"/>
               </a:rPr>
-              <a:t>Types of strategic activities available::</a:t>
+              <a:t>Attività strategiche disponibili:</a:t>
             </a:r>
           </a:p>
           <a:p>
@@ -13191,12 +11665,12 @@
               <a:buChar char="ü"/>
             </a:pPr>
             <a:r>
-              <a:rPr lang="en-US" sz="1000">
+              <a:rPr lang="it-IT" sz="1000" dirty="0">
                 <a:solidFill>
                   <a:prstClr val="black"/>
                 </a:solidFill>
               </a:rPr>
-              <a:t>Maturity Roadmap</a:t>
+              <a:t>Roadmap sul livello di preparazione</a:t>
             </a:r>
           </a:p>
           <a:p>
@@ -13211,12 +11685,12 @@
               <a:buChar char="ü"/>
             </a:pPr>
             <a:r>
-              <a:rPr lang="en-US" sz="1000">
+              <a:rPr lang="it-IT" sz="1000" dirty="0">
                 <a:solidFill>
                   <a:prstClr val="black"/>
                 </a:solidFill>
               </a:rPr>
-              <a:t>Use case development/measurement</a:t>
+              <a:t>Sviluppo e misurazione di casi d’uso</a:t>
             </a:r>
           </a:p>
           <a:p>
@@ -13231,12 +11705,12 @@
               <a:buChar char="ü"/>
             </a:pPr>
             <a:r>
-              <a:rPr lang="en-US" sz="1000">
+              <a:rPr lang="it-IT" sz="1000" dirty="0">
                 <a:solidFill>
                   <a:prstClr val="black"/>
                 </a:solidFill>
               </a:rPr>
-              <a:t>Reporting &amp; analysis</a:t>
+              <a:t>Reporting e analisi</a:t>
             </a:r>
           </a:p>
           <a:p>
@@ -13251,12 +11725,12 @@
               <a:buChar char="ü"/>
             </a:pPr>
             <a:r>
-              <a:rPr lang="en-US" sz="1000">
+              <a:rPr lang="it-IT" sz="1000" dirty="0">
                 <a:solidFill>
                   <a:prstClr val="black"/>
                 </a:solidFill>
               </a:rPr>
-              <a:t>Best practices enablement</a:t>
+              <a:t>Abilitazione delle best practice</a:t>
             </a:r>
           </a:p>
         </p:txBody>
@@ -13277,7 +11751,7 @@
           </a:prstGeom>
         </p:spPr>
         <p:txBody>
-          <a:bodyPr vert="horz" wrap="square" lIns="0" tIns="12700" rIns="0" bIns="0" rtlCol="0" anchor="t">
+          <a:bodyPr vert="horz" wrap="square" lIns="0" tIns="12700" rIns="0" bIns="0" rtlCol="0">
             <a:spAutoFit/>
           </a:bodyPr>
           <a:lstStyle/>
@@ -13291,78 +11765,37 @@
               </a:spcBef>
             </a:pPr>
             <a:r>
-              <a:rPr sz="1600">
+              <a:rPr lang="it-IT" sz="1600">
                 <a:solidFill>
                   <a:srgbClr val="FFFFFF"/>
                 </a:solidFill>
                 <a:latin typeface="Arial"/>
                 <a:cs typeface="Arial"/>
               </a:rPr>
-              <a:t>Run &amp; Operate</a:t>
-            </a:r>
-            <a:endParaRPr sz="1600">
-              <a:latin typeface="Arial"/>
-              <a:cs typeface="Arial"/>
-            </a:endParaRPr>
+              <a:t>Esecuzione e utilizzo</a:t>
+            </a:r>
           </a:p>
           <a:p>
             <a:pPr marL="12700">
+              <a:lnSpc>
+                <a:spcPct val="100000"/>
+              </a:lnSpc>
               <a:spcBef>
                 <a:spcPts val="1595"/>
               </a:spcBef>
             </a:pPr>
             <a:r>
-              <a:rPr sz="1000">
+              <a:rPr lang="it-IT" sz="1000">
                 <a:solidFill>
                   <a:srgbClr val="1F1F1F"/>
                 </a:solidFill>
                 <a:latin typeface="Adobe Clean"/>
                 <a:cs typeface="Adobe Clean"/>
               </a:rPr>
-              <a:t>As an </a:t>
-            </a:r>
-            <a:r>
-              <a:rPr lang="en-US" sz="1000">
-                <a:solidFill>
-                  <a:srgbClr val="1F1F1F"/>
-                </a:solidFill>
-                <a:latin typeface="Adobe Clean"/>
-                <a:cs typeface="Adobe Clean"/>
-              </a:rPr>
-              <a:t>Elite</a:t>
-            </a:r>
-            <a:r>
-              <a:rPr sz="1000">
-                <a:solidFill>
-                  <a:srgbClr val="1F1F1F"/>
-                </a:solidFill>
-                <a:latin typeface="Adobe Clean"/>
-                <a:cs typeface="Adobe Clean"/>
-              </a:rPr>
-              <a:t> customer, you are</a:t>
-            </a:r>
-            <a:r>
-              <a:rPr lang="en-US" sz="1000">
-                <a:solidFill>
-                  <a:srgbClr val="1F1F1F"/>
-                </a:solidFill>
-                <a:latin typeface="Adobe Clean"/>
-                <a:cs typeface="Adobe Clean"/>
-              </a:rPr>
-              <a:t> </a:t>
-            </a:r>
-            <a:r>
-              <a:rPr sz="1000">
-                <a:solidFill>
-                  <a:srgbClr val="1F1F1F"/>
-                </a:solidFill>
-                <a:latin typeface="Adobe Clean"/>
-                <a:cs typeface="Adobe Clean"/>
-              </a:rPr>
-              <a:t> eligible for</a:t>
-            </a:r>
-            <a:r>
-              <a:rPr lang="en-US" sz="1200">
+              <a:t>I clienti Elite hanno diritto a </a:t>
+            </a:r>
+            <a:r>
+              <a:rPr lang="it-IT" sz="1200" u="sng">
                 <a:solidFill>
                   <a:srgbClr val="1F1F1F"/>
                 </a:solidFill>
@@ -13374,25 +11807,10 @@
                 <a:latin typeface="Times New Roman"/>
                 <a:cs typeface="Times New Roman"/>
               </a:rPr>
-              <a:t> </a:t>
-            </a:r>
-            <a:r>
-              <a:rPr lang="en-US" sz="1200" u="sng">
-                <a:solidFill>
-                  <a:srgbClr val="1F1F1F"/>
-                </a:solidFill>
-                <a:uFill>
-                  <a:solidFill>
-                    <a:srgbClr val="1F1F1F"/>
-                  </a:solidFill>
-                </a:uFill>
-                <a:latin typeface="Times New Roman"/>
-                <a:cs typeface="Times New Roman"/>
-              </a:rPr>
               <a:t>4</a:t>
             </a:r>
             <a:r>
-              <a:rPr sz="1200" b="1">
+              <a:rPr lang="it-IT" sz="1200" b="1">
                 <a:solidFill>
                   <a:srgbClr val="1F1F1F"/>
                 </a:solidFill>
@@ -13402,89 +11820,75 @@
               <a:t> </a:t>
             </a:r>
             <a:r>
-              <a:rPr sz="1000" b="1">
+              <a:rPr lang="it-IT" sz="1000" b="1">
                 <a:solidFill>
                   <a:srgbClr val="1F1F1F"/>
                 </a:solidFill>
                 <a:latin typeface="Arial"/>
                 <a:cs typeface="Arial"/>
               </a:rPr>
-              <a:t>activities per </a:t>
-            </a:r>
-            <a:r>
-              <a:rPr lang="en-US" sz="1000" b="1">
+              <a:t>attività all’anno</a:t>
+            </a:r>
+          </a:p>
+          <a:p>
+            <a:pPr marL="12700">
+              <a:lnSpc>
+                <a:spcPct val="100000"/>
+              </a:lnSpc>
+              <a:spcBef>
+                <a:spcPts val="55"/>
+              </a:spcBef>
+            </a:pPr>
+            <a:r>
+              <a:rPr lang="it-IT" sz="1000">
+                <a:solidFill>
+                  <a:srgbClr val="1F1F1F"/>
+                </a:solidFill>
+                <a:latin typeface="Adobe Clean"/>
+                <a:cs typeface="Adobe Clean"/>
+              </a:rPr>
+              <a:t>di tipo </a:t>
+            </a:r>
+            <a:r>
+              <a:rPr lang="it-IT" sz="1000" b="1">
                 <a:solidFill>
                   <a:srgbClr val="1F1F1F"/>
                 </a:solidFill>
                 <a:latin typeface="Arial"/>
                 <a:cs typeface="Arial"/>
               </a:rPr>
-              <a:t>year </a:t>
-            </a:r>
-            <a:r>
-              <a:rPr lang="en-US" sz="1000">
-                <a:solidFill>
-                  <a:srgbClr val="1F1F1F"/>
-                </a:solidFill>
-                <a:latin typeface="Adobe Clean"/>
-                <a:cs typeface="Arial"/>
-              </a:rPr>
-              <a:t>from</a:t>
-            </a:r>
-            <a:r>
-              <a:rPr sz="1000">
+              <a:t>tecnico </a:t>
+            </a:r>
+            <a:r>
+              <a:rPr lang="it-IT" sz="1000">
                 <a:solidFill>
                   <a:srgbClr val="1F1F1F"/>
                 </a:solidFill>
                 <a:latin typeface="Adobe Clean"/>
                 <a:cs typeface="Adobe Clean"/>
               </a:rPr>
-              <a:t> the following two tracks: </a:t>
-            </a:r>
-            <a:r>
-              <a:rPr sz="1000" b="1">
+              <a:t>e/o </a:t>
+            </a:r>
+            <a:r>
+              <a:rPr lang="it-IT" sz="1000" b="1">
                 <a:solidFill>
                   <a:srgbClr val="1F1F1F"/>
                 </a:solidFill>
                 <a:latin typeface="Arial"/>
                 <a:cs typeface="Arial"/>
               </a:rPr>
-              <a:t>Technical </a:t>
-            </a:r>
-            <a:r>
-              <a:rPr sz="1000">
+              <a:t>strategico</a:t>
+            </a:r>
+            <a:r>
+              <a:rPr lang="it-IT" sz="1000">
                 <a:solidFill>
                   <a:srgbClr val="1F1F1F"/>
                 </a:solidFill>
-                <a:latin typeface="Adobe Clean"/>
-                <a:cs typeface="Adobe Clean"/>
-              </a:rPr>
-              <a:t>and/or </a:t>
-            </a:r>
-            <a:r>
-              <a:rPr sz="1000" b="1">
-                <a:solidFill>
-                  <a:srgbClr val="1F1F1F"/>
-                </a:solidFill>
-                <a:latin typeface="Arial"/>
-                <a:cs typeface="Arial"/>
-              </a:rPr>
-              <a:t>Strategic</a:t>
-            </a:r>
-            <a:r>
-              <a:rPr lang="en-US" sz="1000" b="1">
-                <a:solidFill>
-                  <a:srgbClr val="1F1F1F"/>
-                </a:solidFill>
                 <a:latin typeface="AdobeClean-Light"/>
-                <a:cs typeface="Arial"/>
+                <a:cs typeface="AdobeClean-Light"/>
               </a:rPr>
               <a:t>.</a:t>
             </a:r>
-            <a:endParaRPr sz="1000">
-              <a:latin typeface="AdobeClean-Light"/>
-              <a:cs typeface="AdobeClean-Light"/>
-            </a:endParaRPr>
           </a:p>
         </p:txBody>
       </p:sp>
@@ -13497,7 +11901,7 @@
         <p:spPr>
           <a:xfrm>
             <a:off x="923023" y="538480"/>
-            <a:ext cx="2323349" cy="228268"/>
+            <a:ext cx="2862083" cy="228268"/>
           </a:xfrm>
           <a:prstGeom prst="rect">
             <a:avLst/>
@@ -13518,69 +11922,15 @@
               </a:spcBef>
             </a:pPr>
             <a:r>
-              <a:rPr sz="1400" b="1" spc="-15">
+              <a:rPr lang="it-IT" sz="1400" b="1">
                 <a:solidFill>
                   <a:srgbClr val="020302"/>
                 </a:solidFill>
                 <a:latin typeface="Adobe Clean"/>
                 <a:cs typeface="Adobe Clean"/>
               </a:rPr>
-              <a:t>Cloud</a:t>
-            </a:r>
-            <a:r>
-              <a:rPr sz="1400" b="1" spc="-45">
-                <a:solidFill>
-                  <a:srgbClr val="020302"/>
-                </a:solidFill>
-                <a:latin typeface="Adobe Clean"/>
-                <a:cs typeface="Adobe Clean"/>
-              </a:rPr>
-              <a:t> </a:t>
-            </a:r>
-            <a:r>
-              <a:rPr sz="1400" b="1" spc="-15">
-                <a:solidFill>
-                  <a:srgbClr val="020302"/>
-                </a:solidFill>
-                <a:latin typeface="Adobe Clean"/>
-                <a:cs typeface="Adobe Clean"/>
-              </a:rPr>
-              <a:t>Support</a:t>
-            </a:r>
-            <a:r>
-              <a:rPr sz="1400" b="1" spc="-50">
-                <a:solidFill>
-                  <a:srgbClr val="020302"/>
-                </a:solidFill>
-                <a:latin typeface="Adobe Clean"/>
-                <a:cs typeface="Adobe Clean"/>
-              </a:rPr>
-              <a:t> </a:t>
-            </a:r>
-            <a:r>
-              <a:rPr sz="1400" b="1" spc="-15">
-                <a:solidFill>
-                  <a:srgbClr val="020302"/>
-                </a:solidFill>
-                <a:latin typeface="Adobe Clean"/>
-                <a:cs typeface="Adobe Clean"/>
-              </a:rPr>
-              <a:t>Activities</a:t>
-            </a:r>
-            <a:r>
-              <a:rPr lang="en-US" sz="1400" b="1" spc="-15">
-                <a:solidFill>
-                  <a:srgbClr val="020302"/>
-                </a:solidFill>
-                <a:latin typeface="Adobe Clean"/>
-                <a:cs typeface="Adobe Clean"/>
-              </a:rPr>
-              <a:t> - AEM</a:t>
-            </a:r>
-            <a:endParaRPr sz="1400">
-              <a:latin typeface="Adobe Clean"/>
-              <a:cs typeface="Adobe Clean"/>
-            </a:endParaRPr>
+              <a:t>Attività di supporto cloud - AEM</a:t>
+            </a:r>
           </a:p>
         </p:txBody>
       </p:sp>
@@ -13593,7 +11943,7 @@
         <p:spPr>
           <a:xfrm>
             <a:off x="924894" y="814263"/>
-            <a:ext cx="2321477" cy="45719"/>
+            <a:ext cx="2406393" cy="45719"/>
           </a:xfrm>
           <a:custGeom>
             <a:avLst/>
@@ -13696,6 +12046,10 @@
           </p:nvPr>
         </p:nvSpPr>
         <p:spPr>
+          <a:xfrm>
+            <a:off x="97787" y="9861194"/>
+            <a:ext cx="2964353" cy="133370"/>
+          </a:xfrm>
           <a:prstGeom prst="rect">
             <a:avLst/>
           </a:prstGeom>
@@ -13715,36 +12069,8 @@
               </a:spcBef>
             </a:pPr>
             <a:r>
-              <a:rPr spc="-5"/>
-              <a:t>©2021 Adobe. All</a:t>
-            </a:r>
-            <a:r>
-              <a:rPr spc="-15"/>
-              <a:t> Rights</a:t>
-            </a:r>
-            <a:r>
-              <a:rPr spc="-10"/>
-              <a:t> </a:t>
-            </a:r>
-            <a:r>
-              <a:rPr spc="-15"/>
-              <a:t>Reserved.</a:t>
-            </a:r>
-            <a:r>
-              <a:rPr spc="-10"/>
-              <a:t> </a:t>
-            </a:r>
-            <a:r>
-              <a:rPr spc="-5"/>
-              <a:t>Adobe</a:t>
-            </a:r>
-            <a:r>
-              <a:rPr spc="60"/>
-              <a:t> </a:t>
-            </a:r>
-            <a:r>
-              <a:rPr spc="-15"/>
-              <a:t>Confidential.</a:t>
+              <a:rPr lang="it-IT" dirty="0"/>
+              <a:t>©2021 Adobe. All Rights Reserved. Adobe Confidential.</a:t>
             </a:r>
           </a:p>
         </p:txBody>
@@ -13800,8 +12126,8 @@
           <a:p>
             <a:pPr algn="ctr"/>
             <a:r>
-              <a:rPr lang="en-US" sz="1600"/>
-              <a:t>Run &amp; Operate</a:t>
+              <a:rPr lang="it-IT" sz="1600"/>
+              <a:t>Esecuzione e utilizzo</a:t>
             </a:r>
           </a:p>
         </p:txBody>
@@ -13857,8 +12183,8 @@
           <a:p>
             <a:pPr algn="ctr"/>
             <a:r>
-              <a:rPr lang="en-US" sz="1600"/>
-              <a:t>Implementation</a:t>
+              <a:rPr lang="it-IT" sz="1600"/>
+              <a:t>Implementazione</a:t>
             </a:r>
           </a:p>
         </p:txBody>
@@ -13893,8 +12219,8 @@
           <a:p>
             <a:pPr algn="ctr"/>
             <a:r>
-              <a:rPr lang="en-US" sz="1100"/>
-              <a:t>Post Launch</a:t>
+              <a:rPr lang="it-IT" sz="1100"/>
+              <a:t>Post-lancio</a:t>
             </a:r>
           </a:p>
         </p:txBody>
@@ -13929,8 +12255,8 @@
           <a:p>
             <a:pPr algn="ctr"/>
             <a:r>
-              <a:rPr lang="en-US" sz="1100"/>
-              <a:t>Go-Live</a:t>
+              <a:rPr lang="it-IT" sz="1100"/>
+              <a:t>Lancio</a:t>
             </a:r>
           </a:p>
         </p:txBody>
@@ -13965,8 +12291,8 @@
           <a:p>
             <a:pPr algn="ctr"/>
             <a:r>
-              <a:rPr lang="en-US" sz="1100"/>
-              <a:t>Define</a:t>
+              <a:rPr lang="it-IT" sz="1100"/>
+              <a:t>Definizione</a:t>
             </a:r>
           </a:p>
         </p:txBody>
@@ -14001,8 +12327,8 @@
           <a:p>
             <a:pPr algn="ctr"/>
             <a:r>
-              <a:rPr lang="en-US" sz="1100"/>
-              <a:t>Kickoff</a:t>
+              <a:rPr lang="it-IT" sz="1100"/>
+              <a:t>Avvio</a:t>
             </a:r>
           </a:p>
         </p:txBody>
@@ -14021,7 +12347,7 @@
         </p:nvSpPr>
         <p:spPr>
           <a:xfrm>
-            <a:off x="1558548" y="3589913"/>
+            <a:off x="1558548" y="3505200"/>
             <a:ext cx="826006" cy="261610"/>
           </a:xfrm>
           <a:prstGeom prst="rect">
@@ -14037,8 +12363,8 @@
           <a:p>
             <a:pPr algn="ctr"/>
             <a:r>
-              <a:rPr lang="en-US" sz="1100"/>
-              <a:t>Design</a:t>
+              <a:rPr lang="it-IT" sz="1100" dirty="0"/>
+              <a:t>Progettazione</a:t>
             </a:r>
           </a:p>
         </p:txBody>
@@ -14095,14 +12421,14 @@
           <a:p>
             <a:pPr algn="ctr"/>
             <a:r>
-              <a:rPr lang="en-US" sz="1400">
+              <a:rPr lang="it-IT" sz="1400">
                 <a:solidFill>
                   <a:schemeClr val="accent1">
                     <a:lumMod val="50000"/>
                   </a:schemeClr>
                 </a:solidFill>
               </a:rPr>
-              <a:t>4 Activities per Year</a:t>
+              <a:t>4 attività all’anno</a:t>
             </a:r>
           </a:p>
         </p:txBody>
@@ -14121,7 +12447,7 @@
         </p:nvSpPr>
         <p:spPr>
           <a:xfrm>
-            <a:off x="5265661" y="1471646"/>
+            <a:off x="5265661" y="1596978"/>
             <a:ext cx="2194560" cy="536622"/>
           </a:xfrm>
           <a:prstGeom prst="rect">
@@ -14143,20 +12469,14 @@
               </a:spcBef>
             </a:pPr>
             <a:r>
-              <a:rPr lang="en-US" sz="1000">
+              <a:rPr lang="it-IT" sz="1000" dirty="0">
                 <a:solidFill>
                   <a:srgbClr val="4B4B4B"/>
                 </a:solidFill>
                 <a:latin typeface="Adobe Clean Light" panose="020B0303020404020204" pitchFamily="34" charset="0"/>
               </a:rPr>
-              <a:t>Drive adoption of customization best practices and core components in AEM as a Cloud Service.</a:t>
-            </a:r>
-            <a:endParaRPr sz="1000">
-              <a:solidFill>
-                <a:srgbClr val="4B4B4B"/>
-              </a:solidFill>
-              <a:latin typeface="Adobe Clean Light" panose="020B0303020404020204" pitchFamily="34" charset="0"/>
-            </a:endParaRPr>
+              <a:t>Promuovere l’adozione di best practice per la personalizzazione e componenti core di AEM as a Cloud Service</a:t>
+            </a:r>
           </a:p>
         </p:txBody>
       </p:sp>
@@ -14196,20 +12516,14 @@
               </a:spcBef>
             </a:pPr>
             <a:r>
-              <a:rPr lang="en-US" sz="1000">
+              <a:rPr lang="it-IT" sz="1000">
                 <a:solidFill>
                   <a:srgbClr val="4B4B4B"/>
                 </a:solidFill>
                 <a:latin typeface="Adobe Clean Light" panose="020B0303020404020204" pitchFamily="34" charset="0"/>
               </a:rPr>
-              <a:t>Identify, review and provide recommendations on customized solution adoption areas that have opportunities for optimization.</a:t>
-            </a:r>
-            <a:endParaRPr sz="1000">
-              <a:solidFill>
-                <a:srgbClr val="4B4B4B"/>
-              </a:solidFill>
-              <a:latin typeface="Adobe Clean Light" panose="020B0303020404020204" pitchFamily="34" charset="0"/>
-            </a:endParaRPr>
+              <a:t>Individuare, valutare e fornire raccomandazioni su aree specifiche, relative all’adozione delle soluzioni, che offrono opportunità di ottimizzazione</a:t>
+            </a:r>
           </a:p>
         </p:txBody>
       </p:sp>
@@ -14249,20 +12563,14 @@
               </a:spcBef>
             </a:pPr>
             <a:r>
-              <a:rPr lang="en-US" sz="1000">
+              <a:rPr lang="it-IT" sz="1000">
                 <a:solidFill>
                   <a:srgbClr val="4B4B4B"/>
                 </a:solidFill>
                 <a:latin typeface="Adobe Clean Light" panose="020B0303020404020204" pitchFamily="34" charset="0"/>
               </a:rPr>
-              <a:t>Technical &amp; operational governance to assist AEM as a Cloud Service Customers in adhering to industry standards and best practices for AEM as a Cloud Service.</a:t>
-            </a:r>
-            <a:endParaRPr sz="1000">
-              <a:solidFill>
-                <a:srgbClr val="4B4B4B"/>
-              </a:solidFill>
-              <a:latin typeface="Adobe Clean Light" panose="020B0303020404020204" pitchFamily="34" charset="0"/>
-            </a:endParaRPr>
+              <a:t>Governance operativa e tecnica per assistere i clienti di AEM as a Cloud Service a rispettare gli standard di settore e le best practice per AEM as a Cloud Service</a:t>
+            </a:r>
           </a:p>
         </p:txBody>
       </p:sp>
@@ -14281,7 +12589,7 @@
         <p:spPr>
           <a:xfrm>
             <a:off x="5181600" y="936612"/>
-            <a:ext cx="1972258" cy="461665"/>
+            <a:ext cx="1972258" cy="646331"/>
           </a:xfrm>
           <a:prstGeom prst="rect">
             <a:avLst/>
@@ -14302,489 +12610,34 @@
               </a:spcBef>
             </a:pPr>
             <a:r>
-              <a:rPr lang="en-US" sz="1200" b="1" spc="-15">
+              <a:rPr lang="it-IT" sz="1200" b="1" dirty="0">
                 <a:solidFill>
                   <a:srgbClr val="020302"/>
                 </a:solidFill>
                 <a:latin typeface="Adobe Clean"/>
                 <a:cs typeface="Adobe Clean"/>
               </a:rPr>
-              <a:t>C</a:t>
-            </a:r>
-            <a:r>
-              <a:rPr lang="en-US" sz="1200" b="1" spc="-20">
+              <a:t>Best practice per </a:t>
+            </a:r>
+            <a:br>
+              <a:rPr lang="sk-SK" sz="1200" b="1" dirty="0">
                 <a:solidFill>
                   <a:srgbClr val="020302"/>
                 </a:solidFill>
                 <a:latin typeface="Adobe Clean"/>
                 <a:cs typeface="Adobe Clean"/>
               </a:rPr>
-              <a:t>u</a:t>
-            </a:r>
-            <a:r>
-              <a:rPr lang="en-US" sz="1200" b="1" spc="-25">
+            </a:br>
+            <a:r>
+              <a:rPr lang="it-IT" sz="1200" b="1" dirty="0">
                 <a:solidFill>
                   <a:srgbClr val="020302"/>
                 </a:solidFill>
                 <a:latin typeface="Adobe Clean"/>
                 <a:cs typeface="Adobe Clean"/>
               </a:rPr>
-              <a:t>st</a:t>
-            </a:r>
-            <a:r>
-              <a:rPr lang="en-US" sz="1200" b="1" spc="-15">
-                <a:solidFill>
-                  <a:srgbClr val="020302"/>
-                </a:solidFill>
-                <a:latin typeface="Adobe Clean"/>
-                <a:cs typeface="Adobe Clean"/>
-              </a:rPr>
-              <a:t>o</a:t>
-            </a:r>
-            <a:r>
-              <a:rPr lang="en-US" sz="1200" b="1" spc="-20">
-                <a:solidFill>
-                  <a:srgbClr val="020302"/>
-                </a:solidFill>
-                <a:latin typeface="Adobe Clean"/>
-                <a:cs typeface="Adobe Clean"/>
-              </a:rPr>
-              <a:t>miza</a:t>
-            </a:r>
-            <a:r>
-              <a:rPr lang="en-US" sz="1200" b="1" spc="-25">
-                <a:solidFill>
-                  <a:srgbClr val="020302"/>
-                </a:solidFill>
-                <a:latin typeface="Adobe Clean"/>
-                <a:cs typeface="Adobe Clean"/>
-              </a:rPr>
-              <a:t>t</a:t>
-            </a:r>
-            <a:r>
-              <a:rPr lang="en-US" sz="1200" b="1" spc="-20">
-                <a:solidFill>
-                  <a:srgbClr val="020302"/>
-                </a:solidFill>
-                <a:latin typeface="Adobe Clean"/>
-                <a:cs typeface="Adobe Clean"/>
-              </a:rPr>
-              <a:t>i</a:t>
-            </a:r>
-            <a:r>
-              <a:rPr lang="en-US" sz="1200" b="1" spc="-15">
-                <a:solidFill>
-                  <a:srgbClr val="020302"/>
-                </a:solidFill>
-                <a:latin typeface="Adobe Clean"/>
-                <a:cs typeface="Adobe Clean"/>
-              </a:rPr>
-              <a:t>o</a:t>
-            </a:r>
-            <a:r>
-              <a:rPr lang="en-US" sz="1200" b="1">
-                <a:solidFill>
-                  <a:srgbClr val="020302"/>
-                </a:solidFill>
-                <a:latin typeface="Adobe Clean"/>
-                <a:cs typeface="Adobe Clean"/>
-              </a:rPr>
-              <a:t>n</a:t>
-            </a:r>
-            <a:r>
-              <a:rPr lang="en-US" sz="1200" b="1" spc="-50">
-                <a:solidFill>
-                  <a:srgbClr val="020302"/>
-                </a:solidFill>
-                <a:latin typeface="Adobe Clean"/>
-                <a:cs typeface="Adobe Clean"/>
-              </a:rPr>
-              <a:t> </a:t>
-            </a:r>
-            <a:r>
-              <a:rPr lang="en-US" sz="1200" b="1" spc="-20">
-                <a:solidFill>
-                  <a:srgbClr val="020302"/>
-                </a:solidFill>
-                <a:latin typeface="Adobe Clean"/>
-                <a:cs typeface="Adobe Clean"/>
-              </a:rPr>
-              <a:t>B</a:t>
-            </a:r>
-            <a:r>
-              <a:rPr lang="en-US" sz="1200" b="1" spc="-25">
-                <a:solidFill>
-                  <a:srgbClr val="020302"/>
-                </a:solidFill>
-                <a:latin typeface="Adobe Clean"/>
-                <a:cs typeface="Adobe Clean"/>
-              </a:rPr>
-              <a:t>es</a:t>
-            </a:r>
-            <a:r>
-              <a:rPr lang="en-US" sz="1200" b="1">
-                <a:solidFill>
-                  <a:srgbClr val="020302"/>
-                </a:solidFill>
-                <a:latin typeface="Adobe Clean"/>
-                <a:cs typeface="Adobe Clean"/>
-              </a:rPr>
-              <a:t>t</a:t>
-            </a:r>
-            <a:r>
-              <a:rPr lang="en-US" sz="1200" b="1" spc="-50">
-                <a:solidFill>
-                  <a:srgbClr val="020302"/>
-                </a:solidFill>
-                <a:latin typeface="Adobe Clean"/>
-                <a:cs typeface="Adobe Clean"/>
-              </a:rPr>
-              <a:t> </a:t>
-            </a:r>
-            <a:r>
-              <a:rPr lang="en-US" sz="1200" b="1" spc="-25">
-                <a:solidFill>
-                  <a:srgbClr val="020302"/>
-                </a:solidFill>
-                <a:latin typeface="Adobe Clean"/>
-                <a:cs typeface="Adobe Clean"/>
-              </a:rPr>
-              <a:t>P</a:t>
-            </a:r>
-            <a:r>
-              <a:rPr lang="en-US" sz="1200" b="1" spc="-20">
-                <a:solidFill>
-                  <a:srgbClr val="020302"/>
-                </a:solidFill>
-                <a:latin typeface="Adobe Clean"/>
-                <a:cs typeface="Adobe Clean"/>
-              </a:rPr>
-              <a:t>ra</a:t>
-            </a:r>
-            <a:r>
-              <a:rPr lang="en-US" sz="1200" b="1" spc="-30">
-                <a:solidFill>
-                  <a:srgbClr val="020302"/>
-                </a:solidFill>
-                <a:latin typeface="Adobe Clean"/>
-                <a:cs typeface="Adobe Clean"/>
-              </a:rPr>
-              <a:t>c</a:t>
-            </a:r>
-            <a:r>
-              <a:rPr lang="en-US" sz="1200" b="1" spc="-25">
-                <a:solidFill>
-                  <a:srgbClr val="020302"/>
-                </a:solidFill>
-                <a:latin typeface="Adobe Clean"/>
-                <a:cs typeface="Adobe Clean"/>
-              </a:rPr>
-              <a:t>t</a:t>
-            </a:r>
-            <a:r>
-              <a:rPr lang="en-US" sz="1200" b="1" spc="-20">
-                <a:solidFill>
-                  <a:srgbClr val="020302"/>
-                </a:solidFill>
-                <a:latin typeface="Adobe Clean"/>
-                <a:cs typeface="Adobe Clean"/>
-              </a:rPr>
-              <a:t>i</a:t>
-            </a:r>
-            <a:r>
-              <a:rPr lang="en-US" sz="1200" b="1" spc="-30">
-                <a:solidFill>
-                  <a:srgbClr val="020302"/>
-                </a:solidFill>
-                <a:latin typeface="Adobe Clean"/>
-                <a:cs typeface="Adobe Clean"/>
-              </a:rPr>
-              <a:t>c</a:t>
-            </a:r>
-            <a:r>
-              <a:rPr lang="en-US" sz="1200" b="1" spc="-25">
-                <a:solidFill>
-                  <a:srgbClr val="020302"/>
-                </a:solidFill>
-                <a:latin typeface="Adobe Clean"/>
-                <a:cs typeface="Adobe Clean"/>
-              </a:rPr>
-              <a:t>e</a:t>
-            </a:r>
-            <a:r>
-              <a:rPr lang="en-US" sz="1200" b="1">
-                <a:solidFill>
-                  <a:srgbClr val="020302"/>
-                </a:solidFill>
-                <a:latin typeface="Adobe Clean"/>
-                <a:cs typeface="Adobe Clean"/>
-              </a:rPr>
-              <a:t>s</a:t>
-            </a:r>
-            <a:r>
-              <a:rPr lang="en-US" sz="1200" b="1" spc="-45">
-                <a:solidFill>
-                  <a:srgbClr val="020302"/>
-                </a:solidFill>
-                <a:latin typeface="Adobe Clean"/>
-                <a:cs typeface="Adobe Clean"/>
-              </a:rPr>
-              <a:t> </a:t>
-            </a:r>
-            <a:r>
-              <a:rPr lang="en-US" sz="1200" b="1" spc="-25">
-                <a:solidFill>
-                  <a:srgbClr val="020302"/>
-                </a:solidFill>
-                <a:latin typeface="Adobe Clean"/>
-                <a:cs typeface="Adobe Clean"/>
-              </a:rPr>
-              <a:t>f</a:t>
-            </a:r>
-            <a:r>
-              <a:rPr lang="en-US" sz="1200" b="1" spc="-15">
-                <a:solidFill>
-                  <a:srgbClr val="020302"/>
-                </a:solidFill>
-                <a:latin typeface="Adobe Clean"/>
-                <a:cs typeface="Adobe Clean"/>
-              </a:rPr>
-              <a:t>o</a:t>
-            </a:r>
-            <a:r>
-              <a:rPr lang="en-US" sz="1200" b="1">
-                <a:solidFill>
-                  <a:srgbClr val="020302"/>
-                </a:solidFill>
-                <a:latin typeface="Adobe Clean"/>
-                <a:cs typeface="Adobe Clean"/>
-              </a:rPr>
-              <a:t>r</a:t>
-            </a:r>
-            <a:r>
-              <a:rPr lang="en-US" sz="1200" b="1" spc="-45">
-                <a:solidFill>
-                  <a:srgbClr val="020302"/>
-                </a:solidFill>
-                <a:latin typeface="Adobe Clean"/>
-                <a:cs typeface="Adobe Clean"/>
-              </a:rPr>
-              <a:t> </a:t>
-            </a:r>
-            <a:r>
-              <a:rPr lang="en-US" sz="1200" b="1" spc="-30">
-                <a:solidFill>
-                  <a:srgbClr val="020302"/>
-                </a:solidFill>
-                <a:latin typeface="Adobe Clean"/>
-                <a:cs typeface="Adobe Clean"/>
-              </a:rPr>
-              <a:t>AE</a:t>
-            </a:r>
-            <a:r>
-              <a:rPr lang="en-US" sz="1200" b="1">
-                <a:solidFill>
-                  <a:srgbClr val="020302"/>
-                </a:solidFill>
-                <a:latin typeface="Adobe Clean"/>
-                <a:cs typeface="Adobe Clean"/>
-              </a:rPr>
-              <a:t>M</a:t>
-            </a:r>
-            <a:r>
-              <a:rPr lang="en-US" sz="1200" b="1" spc="-55">
-                <a:solidFill>
-                  <a:srgbClr val="020302"/>
-                </a:solidFill>
-                <a:latin typeface="Adobe Clean"/>
-                <a:cs typeface="Adobe Clean"/>
-              </a:rPr>
-              <a:t> </a:t>
-            </a:r>
-            <a:r>
-              <a:rPr lang="en-US" sz="1200" b="1" spc="-20">
-                <a:solidFill>
-                  <a:srgbClr val="020302"/>
-                </a:solidFill>
-                <a:latin typeface="Adobe Clean"/>
-                <a:cs typeface="Adobe Clean"/>
-              </a:rPr>
-              <a:t>a</a:t>
-            </a:r>
-            <a:r>
-              <a:rPr lang="en-US" sz="1200" b="1">
-                <a:solidFill>
-                  <a:srgbClr val="020302"/>
-                </a:solidFill>
-                <a:latin typeface="Adobe Clean"/>
-                <a:cs typeface="Adobe Clean"/>
-              </a:rPr>
-              <a:t>s</a:t>
-            </a:r>
-            <a:r>
-              <a:rPr lang="en-US" sz="1200" b="1" spc="-45">
-                <a:solidFill>
-                  <a:srgbClr val="020302"/>
-                </a:solidFill>
-                <a:latin typeface="Adobe Clean"/>
-                <a:cs typeface="Adobe Clean"/>
-              </a:rPr>
-              <a:t> </a:t>
-            </a:r>
-            <a:r>
-              <a:rPr lang="en-US" sz="1200" b="1">
-                <a:solidFill>
-                  <a:srgbClr val="020302"/>
-                </a:solidFill>
-                <a:latin typeface="Adobe Clean"/>
-                <a:cs typeface="Adobe Clean"/>
-              </a:rPr>
-              <a:t>a</a:t>
-            </a:r>
-            <a:r>
-              <a:rPr lang="en-US" sz="1200" b="1" spc="-45">
-                <a:solidFill>
-                  <a:srgbClr val="020302"/>
-                </a:solidFill>
-                <a:latin typeface="Adobe Clean"/>
-                <a:cs typeface="Adobe Clean"/>
-              </a:rPr>
-              <a:t> </a:t>
-            </a:r>
-            <a:r>
-              <a:rPr lang="en-US" sz="1200" b="1" spc="-15">
-                <a:solidFill>
-                  <a:srgbClr val="020302"/>
-                </a:solidFill>
-                <a:latin typeface="Adobe Clean"/>
-                <a:cs typeface="Adobe Clean"/>
-              </a:rPr>
-              <a:t>C</a:t>
-            </a:r>
-            <a:r>
-              <a:rPr lang="en-US" sz="1200" b="1" spc="-25">
-                <a:solidFill>
-                  <a:srgbClr val="020302"/>
-                </a:solidFill>
-                <a:latin typeface="Adobe Clean"/>
-                <a:cs typeface="Adobe Clean"/>
-              </a:rPr>
-              <a:t>l</a:t>
-            </a:r>
-            <a:r>
-              <a:rPr lang="en-US" sz="1200" b="1" spc="-15">
-                <a:solidFill>
-                  <a:srgbClr val="020302"/>
-                </a:solidFill>
-                <a:latin typeface="Adobe Clean"/>
-                <a:cs typeface="Adobe Clean"/>
-              </a:rPr>
-              <a:t>o</a:t>
-            </a:r>
-            <a:r>
-              <a:rPr lang="en-US" sz="1200" b="1" spc="-20">
-                <a:solidFill>
-                  <a:srgbClr val="020302"/>
-                </a:solidFill>
-                <a:latin typeface="Adobe Clean"/>
-                <a:cs typeface="Adobe Clean"/>
-              </a:rPr>
-              <a:t>u</a:t>
-            </a:r>
-            <a:r>
-              <a:rPr lang="en-US" sz="1200" b="1">
-                <a:solidFill>
-                  <a:srgbClr val="020302"/>
-                </a:solidFill>
-                <a:latin typeface="Adobe Clean"/>
-                <a:cs typeface="Adobe Clean"/>
-              </a:rPr>
-              <a:t>d</a:t>
-            </a:r>
-            <a:r>
-              <a:rPr lang="en-US" sz="1200" b="1" spc="-50">
-                <a:solidFill>
-                  <a:srgbClr val="020302"/>
-                </a:solidFill>
-                <a:latin typeface="Adobe Clean"/>
-                <a:cs typeface="Adobe Clean"/>
-              </a:rPr>
-              <a:t> </a:t>
-            </a:r>
-            <a:r>
-              <a:rPr lang="en-US" sz="1200" b="1" spc="-20">
-                <a:solidFill>
-                  <a:srgbClr val="020302"/>
-                </a:solidFill>
-                <a:latin typeface="Adobe Clean"/>
-                <a:cs typeface="Adobe Clean"/>
-              </a:rPr>
-              <a:t>S</a:t>
-            </a:r>
-            <a:r>
-              <a:rPr lang="en-US" sz="1200" b="1" spc="-25">
-                <a:solidFill>
-                  <a:srgbClr val="020302"/>
-                </a:solidFill>
-                <a:latin typeface="Adobe Clean"/>
-                <a:cs typeface="Adobe Clean"/>
-              </a:rPr>
-              <a:t>e</a:t>
-            </a:r>
-            <a:r>
-              <a:rPr lang="en-US" sz="1200" b="1" spc="-20">
-                <a:solidFill>
-                  <a:srgbClr val="020302"/>
-                </a:solidFill>
-                <a:latin typeface="Adobe Clean"/>
-                <a:cs typeface="Adobe Clean"/>
-              </a:rPr>
-              <a:t>r</a:t>
-            </a:r>
-            <a:r>
-              <a:rPr lang="en-US" sz="1200" b="1" spc="-30">
-                <a:solidFill>
-                  <a:srgbClr val="020302"/>
-                </a:solidFill>
-                <a:latin typeface="Adobe Clean"/>
-                <a:cs typeface="Adobe Clean"/>
-              </a:rPr>
-              <a:t>v</a:t>
-            </a:r>
-            <a:r>
-              <a:rPr lang="en-US" sz="1200" b="1" spc="-20">
-                <a:solidFill>
-                  <a:srgbClr val="020302"/>
-                </a:solidFill>
-                <a:latin typeface="Adobe Clean"/>
-                <a:cs typeface="Adobe Clean"/>
-              </a:rPr>
-              <a:t>i</a:t>
-            </a:r>
-            <a:r>
-              <a:rPr lang="en-US" sz="1200" b="1" spc="-30">
-                <a:solidFill>
-                  <a:srgbClr val="020302"/>
-                </a:solidFill>
-                <a:latin typeface="Adobe Clean"/>
-                <a:cs typeface="Adobe Clean"/>
-              </a:rPr>
-              <a:t>c</a:t>
-            </a:r>
-            <a:r>
-              <a:rPr lang="en-US" sz="1200" b="1">
-                <a:solidFill>
-                  <a:srgbClr val="020302"/>
-                </a:solidFill>
-                <a:latin typeface="Adobe Clean"/>
-                <a:cs typeface="Adobe Clean"/>
-              </a:rPr>
-              <a:t>e</a:t>
-            </a:r>
-            <a:endParaRPr lang="en-US" sz="1200">
-              <a:latin typeface="Adobe Clean"/>
-              <a:cs typeface="Adobe Clean"/>
-            </a:endParaRPr>
+              <a:t>la personalizzazione di AEM as a Cloud Service</a:t>
+            </a:r>
           </a:p>
         </p:txBody>
       </p:sp>
@@ -14803,7 +12656,7 @@
         <p:spPr>
           <a:xfrm>
             <a:off x="2752588" y="908302"/>
-            <a:ext cx="1708650" cy="461665"/>
+            <a:ext cx="1708650" cy="646331"/>
           </a:xfrm>
           <a:prstGeom prst="rect">
             <a:avLst/>
@@ -14824,19 +12677,34 @@
               </a:spcBef>
             </a:pPr>
             <a:r>
-              <a:rPr lang="en-US" sz="1200" b="1" spc="-25">
+              <a:rPr lang="it-IT" sz="1200" b="1" dirty="0">
                 <a:solidFill>
                   <a:srgbClr val="020302"/>
                 </a:solidFill>
                 <a:latin typeface="Adobe Clean"/>
                 <a:cs typeface="Adobe Clean"/>
               </a:rPr>
-              <a:t>Value-added Services for AEM as a Cloud Service</a:t>
-            </a:r>
-            <a:endParaRPr lang="en-US" sz="1200">
-              <a:latin typeface="Adobe Clean"/>
-              <a:cs typeface="Adobe Clean"/>
-            </a:endParaRPr>
+              <a:t>Servizi a valore aggiunto per AEM </a:t>
+            </a:r>
+            <a:br>
+              <a:rPr lang="sk-SK" sz="1200" b="1" dirty="0">
+                <a:solidFill>
+                  <a:srgbClr val="020302"/>
+                </a:solidFill>
+                <a:latin typeface="Adobe Clean"/>
+                <a:cs typeface="Adobe Clean"/>
+              </a:rPr>
+            </a:br>
+            <a:r>
+              <a:rPr lang="it-IT" sz="1200" b="1" dirty="0">
+                <a:solidFill>
+                  <a:srgbClr val="020302"/>
+                </a:solidFill>
+                <a:latin typeface="Adobe Clean"/>
+                <a:cs typeface="Adobe Clean"/>
+              </a:rPr>
+              <a:t>as a Cloud Service</a:t>
+            </a:r>
           </a:p>
         </p:txBody>
       </p:sp>
@@ -14876,359 +12744,34 @@
               </a:spcBef>
             </a:pPr>
             <a:r>
-              <a:rPr lang="en-US" sz="1200" b="1" spc="-20">
+              <a:rPr lang="it-IT" sz="1200" b="1" dirty="0">
                 <a:solidFill>
                   <a:srgbClr val="020302"/>
                 </a:solidFill>
                 <a:latin typeface="Adobe Clean"/>
                 <a:cs typeface="Adobe Clean"/>
               </a:rPr>
-              <a:t>G</a:t>
-            </a:r>
-            <a:r>
-              <a:rPr lang="en-US" sz="1200" b="1" spc="-15">
+              <a:t>Governance per AEM </a:t>
+            </a:r>
+            <a:br>
+              <a:rPr lang="sk-SK" sz="1200" b="1" dirty="0">
                 <a:solidFill>
                   <a:srgbClr val="020302"/>
                 </a:solidFill>
                 <a:latin typeface="Adobe Clean"/>
                 <a:cs typeface="Adobe Clean"/>
               </a:rPr>
-              <a:t>o</a:t>
-            </a:r>
-            <a:r>
-              <a:rPr lang="en-US" sz="1200" b="1" spc="-25">
+            </a:br>
+            <a:r>
+              <a:rPr lang="it-IT" sz="1200" b="1" dirty="0">
                 <a:solidFill>
                   <a:srgbClr val="020302"/>
                 </a:solidFill>
                 <a:latin typeface="Adobe Clean"/>
                 <a:cs typeface="Adobe Clean"/>
               </a:rPr>
-              <a:t>ve</a:t>
-            </a:r>
-            <a:r>
-              <a:rPr lang="en-US" sz="1200" b="1" spc="-20">
-                <a:solidFill>
-                  <a:srgbClr val="020302"/>
-                </a:solidFill>
-                <a:latin typeface="Adobe Clean"/>
-                <a:cs typeface="Adobe Clean"/>
-              </a:rPr>
-              <a:t>r</a:t>
-            </a:r>
-            <a:r>
-              <a:rPr lang="en-US" sz="1200" b="1" spc="-25">
-                <a:solidFill>
-                  <a:srgbClr val="020302"/>
-                </a:solidFill>
-                <a:latin typeface="Adobe Clean"/>
-                <a:cs typeface="Adobe Clean"/>
-              </a:rPr>
-              <a:t>n</a:t>
-            </a:r>
-            <a:r>
-              <a:rPr lang="en-US" sz="1200" b="1" spc="-20">
-                <a:solidFill>
-                  <a:srgbClr val="020302"/>
-                </a:solidFill>
-                <a:latin typeface="Adobe Clean"/>
-                <a:cs typeface="Adobe Clean"/>
-              </a:rPr>
-              <a:t>a</a:t>
-            </a:r>
-            <a:r>
-              <a:rPr lang="en-US" sz="1200" b="1" spc="-25">
-                <a:solidFill>
-                  <a:srgbClr val="020302"/>
-                </a:solidFill>
-                <a:latin typeface="Adobe Clean"/>
-                <a:cs typeface="Adobe Clean"/>
-              </a:rPr>
-              <a:t>n</a:t>
-            </a:r>
-            <a:r>
-              <a:rPr lang="en-US" sz="1200" b="1" spc="-30">
-                <a:solidFill>
-                  <a:srgbClr val="020302"/>
-                </a:solidFill>
-                <a:latin typeface="Adobe Clean"/>
-                <a:cs typeface="Adobe Clean"/>
-              </a:rPr>
-              <a:t>c</a:t>
-            </a:r>
-            <a:r>
-              <a:rPr lang="en-US" sz="1200" b="1">
-                <a:solidFill>
-                  <a:srgbClr val="020302"/>
-                </a:solidFill>
-                <a:latin typeface="Adobe Clean"/>
-                <a:cs typeface="Adobe Clean"/>
-              </a:rPr>
-              <a:t>e</a:t>
-            </a:r>
-            <a:r>
-              <a:rPr lang="en-US" sz="1200" b="1" spc="-50">
-                <a:solidFill>
-                  <a:srgbClr val="020302"/>
-                </a:solidFill>
-                <a:latin typeface="Adobe Clean"/>
-                <a:cs typeface="Adobe Clean"/>
-              </a:rPr>
-              <a:t> </a:t>
-            </a:r>
-            <a:r>
-              <a:rPr lang="en-US" sz="1200" b="1" spc="-25">
-                <a:solidFill>
-                  <a:srgbClr val="020302"/>
-                </a:solidFill>
-                <a:latin typeface="Adobe Clean"/>
-                <a:cs typeface="Adobe Clean"/>
-              </a:rPr>
-              <a:t>f</a:t>
-            </a:r>
-            <a:r>
-              <a:rPr lang="en-US" sz="1200" b="1" spc="-15">
-                <a:solidFill>
-                  <a:srgbClr val="020302"/>
-                </a:solidFill>
-                <a:latin typeface="Adobe Clean"/>
-                <a:cs typeface="Adobe Clean"/>
-              </a:rPr>
-              <a:t>o</a:t>
-            </a:r>
-            <a:r>
-              <a:rPr lang="en-US" sz="1200" b="1">
-                <a:solidFill>
-                  <a:srgbClr val="020302"/>
-                </a:solidFill>
-                <a:latin typeface="Adobe Clean"/>
-                <a:cs typeface="Adobe Clean"/>
-              </a:rPr>
-              <a:t>r</a:t>
-            </a:r>
-            <a:r>
-              <a:rPr lang="en-US" sz="1200" b="1" spc="-45">
-                <a:solidFill>
-                  <a:srgbClr val="020302"/>
-                </a:solidFill>
-                <a:latin typeface="Adobe Clean"/>
-                <a:cs typeface="Adobe Clean"/>
-              </a:rPr>
-              <a:t> </a:t>
-            </a:r>
-            <a:r>
-              <a:rPr lang="en-US" sz="1200" b="1" spc="-30">
-                <a:solidFill>
-                  <a:srgbClr val="020302"/>
-                </a:solidFill>
-                <a:latin typeface="Adobe Clean"/>
-                <a:cs typeface="Adobe Clean"/>
-              </a:rPr>
-              <a:t>A</a:t>
-            </a:r>
-            <a:r>
-              <a:rPr lang="en-US" sz="1200" b="1" spc="-25">
-                <a:solidFill>
-                  <a:srgbClr val="020302"/>
-                </a:solidFill>
-                <a:latin typeface="Adobe Clean"/>
-                <a:cs typeface="Adobe Clean"/>
-              </a:rPr>
-              <a:t>E</a:t>
-            </a:r>
-            <a:r>
-              <a:rPr lang="en-US" sz="1200" b="1">
-                <a:solidFill>
-                  <a:srgbClr val="020302"/>
-                </a:solidFill>
-                <a:latin typeface="Adobe Clean"/>
-                <a:cs typeface="Adobe Clean"/>
-              </a:rPr>
-              <a:t>M</a:t>
-            </a:r>
-            <a:r>
-              <a:rPr lang="en-US" sz="1200" b="1" spc="-50">
-                <a:solidFill>
-                  <a:srgbClr val="020302"/>
-                </a:solidFill>
-                <a:latin typeface="Adobe Clean"/>
-                <a:cs typeface="Adobe Clean"/>
-              </a:rPr>
-              <a:t> </a:t>
-            </a:r>
-            <a:r>
-              <a:rPr lang="en-US" sz="1200" b="1" spc="-20">
-                <a:solidFill>
-                  <a:srgbClr val="020302"/>
-                </a:solidFill>
-                <a:latin typeface="Adobe Clean"/>
-                <a:cs typeface="Adobe Clean"/>
-              </a:rPr>
-              <a:t>a</a:t>
-            </a:r>
-            <a:r>
-              <a:rPr lang="en-US" sz="1200" b="1">
-                <a:solidFill>
-                  <a:srgbClr val="020302"/>
-                </a:solidFill>
-                <a:latin typeface="Adobe Clean"/>
-                <a:cs typeface="Adobe Clean"/>
-              </a:rPr>
-              <a:t>s</a:t>
-            </a:r>
-            <a:r>
-              <a:rPr lang="en-US" sz="1200" b="1" spc="-45">
-                <a:solidFill>
-                  <a:srgbClr val="020302"/>
-                </a:solidFill>
-                <a:latin typeface="Adobe Clean"/>
-                <a:cs typeface="Adobe Clean"/>
-              </a:rPr>
-              <a:t> </a:t>
-            </a:r>
-            <a:r>
-              <a:rPr lang="en-US" sz="1200" b="1">
-                <a:solidFill>
-                  <a:srgbClr val="020302"/>
-                </a:solidFill>
-                <a:latin typeface="Adobe Clean"/>
-                <a:cs typeface="Adobe Clean"/>
-              </a:rPr>
-              <a:t>a</a:t>
-            </a:r>
-            <a:r>
-              <a:rPr lang="en-US" sz="1200" b="1" spc="-40">
-                <a:solidFill>
-                  <a:srgbClr val="020302"/>
-                </a:solidFill>
-                <a:latin typeface="Adobe Clean"/>
-                <a:cs typeface="Adobe Clean"/>
-              </a:rPr>
-              <a:t> </a:t>
-            </a:r>
-            <a:r>
-              <a:rPr lang="en-US" sz="1200" b="1" spc="-15">
-                <a:solidFill>
-                  <a:srgbClr val="020302"/>
-                </a:solidFill>
-                <a:latin typeface="Adobe Clean"/>
-                <a:cs typeface="Adobe Clean"/>
-              </a:rPr>
-              <a:t>C</a:t>
-            </a:r>
-            <a:r>
-              <a:rPr lang="en-US" sz="1200" b="1" spc="-25">
-                <a:solidFill>
-                  <a:srgbClr val="020302"/>
-                </a:solidFill>
-                <a:latin typeface="Adobe Clean"/>
-                <a:cs typeface="Adobe Clean"/>
-              </a:rPr>
-              <a:t>l</a:t>
-            </a:r>
-            <a:r>
-              <a:rPr lang="en-US" sz="1200" b="1" spc="-15">
-                <a:solidFill>
-                  <a:srgbClr val="020302"/>
-                </a:solidFill>
-                <a:latin typeface="Adobe Clean"/>
-                <a:cs typeface="Adobe Clean"/>
-              </a:rPr>
-              <a:t>ou</a:t>
-            </a:r>
-            <a:r>
-              <a:rPr lang="en-US" sz="1200" b="1">
-                <a:solidFill>
-                  <a:srgbClr val="020302"/>
-                </a:solidFill>
-                <a:latin typeface="Adobe Clean"/>
-                <a:cs typeface="Adobe Clean"/>
-              </a:rPr>
-              <a:t>d</a:t>
-            </a:r>
-            <a:r>
-              <a:rPr lang="en-US" sz="1200" b="1" spc="-50">
-                <a:solidFill>
-                  <a:srgbClr val="020302"/>
-                </a:solidFill>
-                <a:latin typeface="Adobe Clean"/>
-                <a:cs typeface="Adobe Clean"/>
-              </a:rPr>
-              <a:t> </a:t>
-            </a:r>
-            <a:r>
-              <a:rPr lang="en-US" sz="1200" b="1" spc="-20">
-                <a:solidFill>
-                  <a:srgbClr val="020302"/>
-                </a:solidFill>
-                <a:latin typeface="Adobe Clean"/>
-                <a:cs typeface="Adobe Clean"/>
-              </a:rPr>
-              <a:t>S</a:t>
-            </a:r>
-            <a:r>
-              <a:rPr lang="en-US" sz="1200" b="1" spc="-25">
-                <a:solidFill>
-                  <a:srgbClr val="020302"/>
-                </a:solidFill>
-                <a:latin typeface="Adobe Clean"/>
-                <a:cs typeface="Adobe Clean"/>
-              </a:rPr>
-              <a:t>e</a:t>
-            </a:r>
-            <a:r>
-              <a:rPr lang="en-US" sz="1200" b="1" spc="-20">
-                <a:solidFill>
-                  <a:srgbClr val="020302"/>
-                </a:solidFill>
-                <a:latin typeface="Adobe Clean"/>
-                <a:cs typeface="Adobe Clean"/>
-              </a:rPr>
-              <a:t>r</a:t>
-            </a:r>
-            <a:r>
-              <a:rPr lang="en-US" sz="1200" b="1" spc="-25">
-                <a:solidFill>
-                  <a:srgbClr val="020302"/>
-                </a:solidFill>
-                <a:latin typeface="Adobe Clean"/>
-                <a:cs typeface="Adobe Clean"/>
-              </a:rPr>
-              <a:t>v</a:t>
-            </a:r>
-            <a:r>
-              <a:rPr lang="en-US" sz="1200" b="1" spc="-20">
-                <a:solidFill>
-                  <a:srgbClr val="020302"/>
-                </a:solidFill>
-                <a:latin typeface="Adobe Clean"/>
-                <a:cs typeface="Adobe Clean"/>
-              </a:rPr>
-              <a:t>i</a:t>
-            </a:r>
-            <a:r>
-              <a:rPr lang="en-US" sz="1200" b="1" spc="-30">
-                <a:solidFill>
-                  <a:srgbClr val="020302"/>
-                </a:solidFill>
-                <a:latin typeface="Adobe Clean"/>
-                <a:cs typeface="Adobe Clean"/>
-              </a:rPr>
-              <a:t>c</a:t>
-            </a:r>
-            <a:r>
-              <a:rPr lang="en-US" sz="1200" b="1">
-                <a:solidFill>
-                  <a:srgbClr val="020302"/>
-                </a:solidFill>
-                <a:latin typeface="Adobe Clean"/>
-                <a:cs typeface="Adobe Clean"/>
-              </a:rPr>
-              <a:t>e</a:t>
-            </a:r>
-            <a:endParaRPr lang="en-US" sz="1200">
-              <a:latin typeface="Adobe Clean"/>
-              <a:cs typeface="Adobe Clean"/>
-            </a:endParaRPr>
+              <a:t>as a Cloud Service</a:t>
+            </a:r>
           </a:p>
         </p:txBody>
       </p:sp>
@@ -15289,49 +12832,15 @@
               </a:lnSpc>
             </a:pPr>
             <a:r>
-              <a:rPr sz="500" spc="-5">
+              <a:rPr lang="it-IT" sz="500">
                 <a:solidFill>
                   <a:srgbClr val="6C6C6C"/>
                 </a:solidFill>
                 <a:latin typeface="Adobe Clean"/>
                 <a:cs typeface="Adobe Clean"/>
               </a:rPr>
-              <a:t>©2020 Adobe. All Rights Reserved. </a:t>
-            </a:r>
-            <a:r>
-              <a:rPr sz="500">
-                <a:solidFill>
-                  <a:srgbClr val="6C6C6C"/>
-                </a:solidFill>
-                <a:latin typeface="Adobe Clean"/>
-                <a:cs typeface="Adobe Clean"/>
-              </a:rPr>
-              <a:t>Adobe</a:t>
-            </a:r>
-            <a:r>
-              <a:rPr sz="500" spc="5">
-                <a:solidFill>
-                  <a:srgbClr val="6C6C6C"/>
-                </a:solidFill>
-                <a:latin typeface="Adobe Clean"/>
-                <a:cs typeface="Adobe Clean"/>
-              </a:rPr>
-              <a:t> </a:t>
-            </a:r>
-            <a:r>
-              <a:rPr sz="500" spc="-5">
-                <a:solidFill>
-                  <a:srgbClr val="6C6C6C"/>
-                </a:solidFill>
-                <a:latin typeface="Adobe Clean"/>
-                <a:cs typeface="Adobe Clean"/>
-              </a:rPr>
-              <a:t>Confidential.</a:t>
-            </a:r>
-            <a:endParaRPr sz="500">
-              <a:latin typeface="Adobe Clean"/>
-              <a:cs typeface="Adobe Clean"/>
-            </a:endParaRPr>
+              <a:t>©2020 Adobe. All Rights Reserved. Adobe Confidential.</a:t>
+            </a:r>
           </a:p>
           <a:p>
             <a:pPr>
@@ -15357,39 +12866,15 @@
               </a:spcBef>
             </a:pPr>
             <a:r>
-              <a:rPr sz="800" spc="-5">
+              <a:rPr lang="it-IT" sz="800">
                 <a:solidFill>
                   <a:srgbClr val="6D6D6D"/>
                 </a:solidFill>
                 <a:latin typeface="Adobe Clean"/>
                 <a:cs typeface="Adobe Clean"/>
               </a:rPr>
-              <a:t>©2020 Adobe. All Rights Reserved. Adobe</a:t>
-            </a:r>
-            <a:r>
-              <a:rPr sz="800" spc="75">
-                <a:solidFill>
-                  <a:srgbClr val="6D6D6D"/>
-                </a:solidFill>
-                <a:latin typeface="Adobe Clean"/>
-                <a:cs typeface="Adobe Clean"/>
-              </a:rPr>
-              <a:t> </a:t>
-            </a:r>
-            <a:r>
-              <a:rPr sz="800" spc="-5">
-                <a:solidFill>
-                  <a:srgbClr val="6D6D6D"/>
-                </a:solidFill>
-                <a:latin typeface="Adobe Clean"/>
-                <a:cs typeface="Adobe Clean"/>
-              </a:rPr>
-              <a:t>Confidential.</a:t>
-            </a:r>
-            <a:endParaRPr sz="800">
-              <a:latin typeface="Adobe Clean"/>
-              <a:cs typeface="Adobe Clean"/>
-            </a:endParaRPr>
+              <a:t>©2020 Adobe. All Rights Reserved. Adobe Confidential.</a:t>
+            </a:r>
           </a:p>
         </p:txBody>
       </p:sp>
@@ -15473,19 +12958,15 @@
               </a:spcBef>
             </a:pPr>
             <a:r>
-              <a:rPr lang="en-US" sz="1400" b="1" spc="-15">
+              <a:rPr lang="it-IT" sz="1400" b="1">
                 <a:solidFill>
                   <a:srgbClr val="020302"/>
                 </a:solidFill>
                 <a:latin typeface="Adobe Clean"/>
                 <a:cs typeface="Adobe Clean"/>
               </a:rPr>
-              <a:t>Resources</a:t>
-            </a:r>
-            <a:endParaRPr sz="1400">
-              <a:latin typeface="Adobe Clean"/>
-              <a:cs typeface="Adobe Clean"/>
-            </a:endParaRPr>
+              <a:t>Risorse</a:t>
+            </a:r>
           </a:p>
         </p:txBody>
       </p:sp>
@@ -15519,7 +13000,7 @@
               </a:spcBef>
             </a:pPr>
             <a:r>
-              <a:rPr sz="800" spc="-15">
+              <a:rPr lang="it-IT" sz="800">
                 <a:solidFill>
                   <a:srgbClr val="777879"/>
                 </a:solidFill>
@@ -15528,10 +13009,6 @@
               </a:rPr>
               <a:t>Adobe</a:t>
             </a:r>
-            <a:endParaRPr sz="800">
-              <a:latin typeface="Adobe Clean"/>
-              <a:cs typeface="Adobe Clean"/>
-            </a:endParaRPr>
           </a:p>
           <a:p>
             <a:pPr marL="12700">
@@ -15540,39 +13017,15 @@
               </a:lnSpc>
             </a:pPr>
             <a:r>
-              <a:rPr sz="800" spc="-15">
+              <a:rPr lang="it-IT" sz="800">
                 <a:solidFill>
                   <a:srgbClr val="777879"/>
                 </a:solidFill>
                 <a:latin typeface="Adobe Clean"/>
                 <a:cs typeface="Adobe Clean"/>
               </a:rPr>
-              <a:t>345 Park</a:t>
-            </a:r>
-            <a:r>
-              <a:rPr sz="800" spc="-100">
-                <a:solidFill>
-                  <a:srgbClr val="777879"/>
-                </a:solidFill>
-                <a:latin typeface="Adobe Clean"/>
-                <a:cs typeface="Adobe Clean"/>
-              </a:rPr>
-              <a:t> </a:t>
-            </a:r>
-            <a:r>
-              <a:rPr sz="800" spc="-15">
-                <a:solidFill>
-                  <a:srgbClr val="777879"/>
-                </a:solidFill>
-                <a:latin typeface="Adobe Clean"/>
-                <a:cs typeface="Adobe Clean"/>
-              </a:rPr>
-              <a:t>Avenue</a:t>
-            </a:r>
-            <a:endParaRPr sz="800">
-              <a:latin typeface="Adobe Clean"/>
-              <a:cs typeface="Adobe Clean"/>
-            </a:endParaRPr>
+              <a:t>345 Park Avenue</a:t>
+            </a:r>
           </a:p>
           <a:p>
             <a:pPr marL="12700">
@@ -15581,49 +13034,15 @@
               </a:lnSpc>
             </a:pPr>
             <a:r>
-              <a:rPr sz="800" spc="-10">
+              <a:rPr lang="it-IT" sz="800">
                 <a:solidFill>
                   <a:srgbClr val="777879"/>
                 </a:solidFill>
                 <a:latin typeface="Adobe Clean"/>
                 <a:cs typeface="Adobe Clean"/>
               </a:rPr>
-              <a:t>San </a:t>
-            </a:r>
-            <a:r>
-              <a:rPr sz="800" spc="-15">
-                <a:solidFill>
-                  <a:srgbClr val="777879"/>
-                </a:solidFill>
-                <a:latin typeface="Adobe Clean"/>
-                <a:cs typeface="Adobe Clean"/>
-              </a:rPr>
-              <a:t>Jose,</a:t>
-            </a:r>
-            <a:r>
-              <a:rPr sz="800" spc="-140">
-                <a:solidFill>
-                  <a:srgbClr val="777879"/>
-                </a:solidFill>
-                <a:latin typeface="Adobe Clean"/>
-                <a:cs typeface="Adobe Clean"/>
-              </a:rPr>
-              <a:t> </a:t>
-            </a:r>
-            <a:r>
-              <a:rPr sz="800" spc="-20">
-                <a:solidFill>
-                  <a:srgbClr val="777879"/>
-                </a:solidFill>
-                <a:latin typeface="Adobe Clean"/>
-                <a:cs typeface="Adobe Clean"/>
-              </a:rPr>
-              <a:t>CA95110-2704</a:t>
-            </a:r>
-            <a:endParaRPr sz="800">
-              <a:latin typeface="Adobe Clean"/>
-              <a:cs typeface="Adobe Clean"/>
-            </a:endParaRPr>
+              <a:t>San Jose, CA 95110-2704</a:t>
+            </a:r>
           </a:p>
           <a:p>
             <a:pPr marL="12700">
@@ -15635,7 +13054,7 @@
               </a:spcBef>
             </a:pPr>
             <a:r>
-              <a:rPr sz="800" spc="-10">
+              <a:rPr lang="it-IT" sz="800">
                 <a:solidFill>
                   <a:srgbClr val="777879"/>
                 </a:solidFill>
@@ -15644,10 +13063,6 @@
               </a:rPr>
               <a:t>USA</a:t>
             </a:r>
-            <a:endParaRPr sz="800">
-              <a:latin typeface="Adobe Clean"/>
-              <a:cs typeface="Adobe Clean"/>
-            </a:endParaRPr>
           </a:p>
           <a:p>
             <a:pPr marL="12700">
@@ -15659,7 +13074,7 @@
               </a:spcBef>
             </a:pPr>
             <a:r>
-              <a:rPr sz="800" u="sng" spc="-25">
+              <a:rPr lang="it-IT" sz="800" u="sng">
                 <a:solidFill>
                   <a:srgbClr val="5F5F5F"/>
                 </a:solidFill>
@@ -15674,10 +13089,6 @@
               </a:rPr>
               <a:t>www.adobe.com</a:t>
             </a:r>
-            <a:endParaRPr sz="800">
-              <a:latin typeface="Adobe Clean"/>
-              <a:cs typeface="Adobe Clean"/>
-            </a:endParaRPr>
           </a:p>
         </p:txBody>
       </p:sp>
@@ -15852,429 +13263,15 @@
               </a:spcBef>
             </a:pPr>
             <a:r>
-              <a:rPr sz="1100" i="1" spc="-10">
+              <a:rPr lang="it-IT" sz="1100" i="1">
                 <a:solidFill>
                   <a:srgbClr val="777879"/>
                 </a:solidFill>
                 <a:latin typeface="AdobeClean-LightIt"/>
                 <a:cs typeface="AdobeClean-LightIt"/>
               </a:rPr>
-              <a:t>To</a:t>
-            </a:r>
-            <a:r>
-              <a:rPr sz="1100" i="1" spc="-50">
-                <a:solidFill>
-                  <a:srgbClr val="777879"/>
-                </a:solidFill>
-                <a:latin typeface="AdobeClean-LightIt"/>
-                <a:cs typeface="AdobeClean-LightIt"/>
-              </a:rPr>
-              <a:t> </a:t>
-            </a:r>
-            <a:r>
-              <a:rPr sz="1100" i="1" spc="-15">
-                <a:solidFill>
-                  <a:srgbClr val="777879"/>
-                </a:solidFill>
-                <a:latin typeface="AdobeClean-LightIt"/>
-                <a:cs typeface="AdobeClean-LightIt"/>
-              </a:rPr>
-              <a:t>learn</a:t>
-            </a:r>
-            <a:r>
-              <a:rPr sz="1100" i="1" spc="-40">
-                <a:solidFill>
-                  <a:srgbClr val="777879"/>
-                </a:solidFill>
-                <a:latin typeface="AdobeClean-LightIt"/>
-                <a:cs typeface="AdobeClean-LightIt"/>
-              </a:rPr>
-              <a:t> </a:t>
-            </a:r>
-            <a:r>
-              <a:rPr sz="1100" i="1" spc="-15">
-                <a:solidFill>
-                  <a:srgbClr val="777879"/>
-                </a:solidFill>
-                <a:latin typeface="AdobeClean-LightIt"/>
-                <a:cs typeface="AdobeClean-LightIt"/>
-              </a:rPr>
-              <a:t>more</a:t>
-            </a:r>
-            <a:r>
-              <a:rPr sz="1100" i="1" spc="-45">
-                <a:solidFill>
-                  <a:srgbClr val="777879"/>
-                </a:solidFill>
-                <a:latin typeface="AdobeClean-LightIt"/>
-                <a:cs typeface="AdobeClean-LightIt"/>
-              </a:rPr>
-              <a:t> </a:t>
-            </a:r>
-            <a:r>
-              <a:rPr sz="1100" i="1" spc="-15">
-                <a:solidFill>
-                  <a:srgbClr val="777879"/>
-                </a:solidFill>
-                <a:latin typeface="AdobeClean-LightIt"/>
-                <a:cs typeface="AdobeClean-LightIt"/>
-              </a:rPr>
-              <a:t>about</a:t>
-            </a:r>
-            <a:r>
-              <a:rPr sz="1100" i="1" spc="-45">
-                <a:solidFill>
-                  <a:srgbClr val="777879"/>
-                </a:solidFill>
-                <a:latin typeface="AdobeClean-LightIt"/>
-                <a:cs typeface="AdobeClean-LightIt"/>
-              </a:rPr>
-              <a:t> </a:t>
-            </a:r>
-            <a:r>
-              <a:rPr sz="1100" i="1" spc="-15">
-                <a:solidFill>
-                  <a:srgbClr val="777879"/>
-                </a:solidFill>
-                <a:latin typeface="AdobeClean-LightIt"/>
-                <a:cs typeface="AdobeClean-LightIt"/>
-              </a:rPr>
-              <a:t>Adobe</a:t>
-            </a:r>
-            <a:r>
-              <a:rPr sz="1100" i="1" spc="-60">
-                <a:solidFill>
-                  <a:srgbClr val="777879"/>
-                </a:solidFill>
-                <a:latin typeface="AdobeClean-LightIt"/>
-                <a:cs typeface="AdobeClean-LightIt"/>
-              </a:rPr>
-              <a:t> </a:t>
-            </a:r>
-            <a:r>
-              <a:rPr sz="1100" i="1" spc="-15">
-                <a:solidFill>
-                  <a:srgbClr val="777879"/>
-                </a:solidFill>
-                <a:latin typeface="AdobeClean-LightIt"/>
-                <a:cs typeface="AdobeClean-LightIt"/>
-              </a:rPr>
-              <a:t>Support</a:t>
-            </a:r>
-            <a:r>
-              <a:rPr lang="en-US" sz="1100" i="1" spc="-15">
-                <a:solidFill>
-                  <a:srgbClr val="777879"/>
-                </a:solidFill>
-                <a:latin typeface="AdobeClean-LightIt"/>
-                <a:cs typeface="AdobeClean-LightIt"/>
-              </a:rPr>
-              <a:t> Offerings</a:t>
-            </a:r>
-            <a:r>
-              <a:rPr sz="1100" i="1" spc="-75">
-                <a:solidFill>
-                  <a:srgbClr val="777879"/>
-                </a:solidFill>
-                <a:latin typeface="AdobeClean-LightIt"/>
-                <a:cs typeface="AdobeClean-LightIt"/>
-              </a:rPr>
-              <a:t> </a:t>
-            </a:r>
-            <a:r>
-              <a:rPr sz="1100" i="1" spc="-15">
-                <a:solidFill>
-                  <a:srgbClr val="777879"/>
-                </a:solidFill>
-                <a:latin typeface="AdobeClean-LightIt"/>
-                <a:cs typeface="AdobeClean-LightIt"/>
-              </a:rPr>
-              <a:t>and</a:t>
-            </a:r>
-            <a:r>
-              <a:rPr sz="1100" i="1" spc="-50">
-                <a:solidFill>
-                  <a:srgbClr val="777879"/>
-                </a:solidFill>
-                <a:latin typeface="AdobeClean-LightIt"/>
-                <a:cs typeface="AdobeClean-LightIt"/>
-              </a:rPr>
-              <a:t> </a:t>
-            </a:r>
-            <a:r>
-              <a:rPr sz="1100" i="1" spc="-15">
-                <a:solidFill>
-                  <a:srgbClr val="777879"/>
-                </a:solidFill>
-                <a:latin typeface="AdobeClean-LightIt"/>
-                <a:cs typeface="AdobeClean-LightIt"/>
-              </a:rPr>
-              <a:t>the</a:t>
-            </a:r>
-            <a:r>
-              <a:rPr sz="1100" i="1" spc="-55">
-                <a:solidFill>
-                  <a:srgbClr val="777879"/>
-                </a:solidFill>
-                <a:latin typeface="AdobeClean-LightIt"/>
-                <a:cs typeface="AdobeClean-LightIt"/>
-              </a:rPr>
-              <a:t> </a:t>
-            </a:r>
-            <a:r>
-              <a:rPr sz="1100" i="1" spc="-15">
-                <a:solidFill>
-                  <a:srgbClr val="777879"/>
-                </a:solidFill>
-                <a:latin typeface="AdobeClean-LightIt"/>
-                <a:cs typeface="AdobeClean-LightIt"/>
-              </a:rPr>
-              <a:t>right</a:t>
-            </a:r>
-            <a:r>
-              <a:rPr sz="1100" i="1" spc="-95">
-                <a:solidFill>
-                  <a:srgbClr val="777879"/>
-                </a:solidFill>
-                <a:latin typeface="AdobeClean-LightIt"/>
-                <a:cs typeface="AdobeClean-LightIt"/>
-              </a:rPr>
-              <a:t> </a:t>
-            </a:r>
-            <a:r>
-              <a:rPr sz="1100" i="1" spc="-15">
-                <a:solidFill>
-                  <a:srgbClr val="777879"/>
-                </a:solidFill>
-                <a:latin typeface="AdobeClean-LightIt"/>
-                <a:cs typeface="AdobeClean-LightIt"/>
-              </a:rPr>
-              <a:t>level</a:t>
-            </a:r>
-            <a:r>
-              <a:rPr sz="1100" i="1" spc="-55">
-                <a:solidFill>
-                  <a:srgbClr val="777879"/>
-                </a:solidFill>
-                <a:latin typeface="AdobeClean-LightIt"/>
-                <a:cs typeface="AdobeClean-LightIt"/>
-              </a:rPr>
-              <a:t> </a:t>
-            </a:r>
-            <a:r>
-              <a:rPr sz="1100" i="1" spc="-15">
-                <a:solidFill>
-                  <a:srgbClr val="777879"/>
-                </a:solidFill>
-                <a:latin typeface="AdobeClean-LightIt"/>
-                <a:cs typeface="AdobeClean-LightIt"/>
-              </a:rPr>
-              <a:t>for</a:t>
-            </a:r>
-            <a:r>
-              <a:rPr sz="1100" i="1" spc="-85">
-                <a:solidFill>
-                  <a:srgbClr val="777879"/>
-                </a:solidFill>
-                <a:latin typeface="AdobeClean-LightIt"/>
-                <a:cs typeface="AdobeClean-LightIt"/>
-              </a:rPr>
-              <a:t> </a:t>
-            </a:r>
-            <a:r>
-              <a:rPr sz="1100" i="1" spc="-15">
-                <a:solidFill>
-                  <a:srgbClr val="777879"/>
-                </a:solidFill>
-                <a:latin typeface="AdobeClean-LightIt"/>
-                <a:cs typeface="AdobeClean-LightIt"/>
-              </a:rPr>
-              <a:t>you,</a:t>
-            </a:r>
-            <a:r>
-              <a:rPr sz="1100" i="1" spc="-65">
-                <a:solidFill>
-                  <a:srgbClr val="777879"/>
-                </a:solidFill>
-                <a:latin typeface="AdobeClean-LightIt"/>
-                <a:cs typeface="AdobeClean-LightIt"/>
-              </a:rPr>
-              <a:t> </a:t>
-            </a:r>
-            <a:r>
-              <a:rPr sz="1100" i="1" spc="-15">
-                <a:solidFill>
-                  <a:srgbClr val="777879"/>
-                </a:solidFill>
-                <a:latin typeface="AdobeClean-LightIt"/>
-                <a:cs typeface="AdobeClean-LightIt"/>
-              </a:rPr>
-              <a:t>contact</a:t>
-            </a:r>
-            <a:r>
-              <a:rPr sz="1100" i="1" spc="-85">
-                <a:solidFill>
-                  <a:srgbClr val="777879"/>
-                </a:solidFill>
-                <a:latin typeface="AdobeClean-LightIt"/>
-                <a:cs typeface="AdobeClean-LightIt"/>
-              </a:rPr>
-              <a:t> </a:t>
-            </a:r>
-            <a:r>
-              <a:rPr sz="1100" i="1" spc="-15">
-                <a:solidFill>
-                  <a:srgbClr val="777879"/>
-                </a:solidFill>
-                <a:latin typeface="AdobeClean-LightIt"/>
-                <a:cs typeface="AdobeClean-LightIt"/>
-              </a:rPr>
-              <a:t>your</a:t>
-            </a:r>
-            <a:r>
-              <a:rPr sz="1100" i="1" spc="-70">
-                <a:solidFill>
-                  <a:srgbClr val="777879"/>
-                </a:solidFill>
-                <a:latin typeface="AdobeClean-LightIt"/>
-                <a:cs typeface="AdobeClean-LightIt"/>
-              </a:rPr>
-              <a:t> </a:t>
-            </a:r>
-            <a:r>
-              <a:rPr sz="1100" i="1" spc="-15">
-                <a:solidFill>
-                  <a:srgbClr val="777879"/>
-                </a:solidFill>
-                <a:latin typeface="AdobeClean-LightIt"/>
-                <a:cs typeface="AdobeClean-LightIt"/>
-              </a:rPr>
-              <a:t>Named</a:t>
-            </a:r>
-            <a:r>
-              <a:rPr sz="1100" i="1" spc="-55">
-                <a:solidFill>
-                  <a:srgbClr val="777879"/>
-                </a:solidFill>
-                <a:latin typeface="AdobeClean-LightIt"/>
-                <a:cs typeface="AdobeClean-LightIt"/>
-              </a:rPr>
-              <a:t> </a:t>
-            </a:r>
-            <a:r>
-              <a:rPr sz="1100" i="1" spc="-25">
-                <a:solidFill>
-                  <a:srgbClr val="777879"/>
-                </a:solidFill>
-                <a:latin typeface="AdobeClean-LightIt"/>
-                <a:cs typeface="AdobeClean-LightIt"/>
-              </a:rPr>
-              <a:t>Account</a:t>
-            </a:r>
-            <a:r>
-              <a:rPr sz="1100" i="1" spc="-120">
-                <a:solidFill>
-                  <a:srgbClr val="777879"/>
-                </a:solidFill>
-                <a:latin typeface="AdobeClean-LightIt"/>
-                <a:cs typeface="AdobeClean-LightIt"/>
-              </a:rPr>
-              <a:t> </a:t>
-            </a:r>
-            <a:r>
-              <a:rPr sz="1100" i="1" spc="-20">
-                <a:solidFill>
-                  <a:srgbClr val="777879"/>
-                </a:solidFill>
-                <a:latin typeface="AdobeClean-LightIt"/>
-                <a:cs typeface="AdobeClean-LightIt"/>
-              </a:rPr>
-              <a:t>Manager  </a:t>
-            </a:r>
-            <a:r>
-              <a:rPr sz="1100" i="1" spc="-15">
-                <a:solidFill>
-                  <a:srgbClr val="777879"/>
-                </a:solidFill>
-                <a:latin typeface="AdobeClean-LightIt"/>
-                <a:cs typeface="AdobeClean-LightIt"/>
-              </a:rPr>
-              <a:t>(NAM) </a:t>
-            </a:r>
-            <a:r>
-              <a:rPr sz="1100" i="1" spc="-10">
-                <a:solidFill>
-                  <a:srgbClr val="777879"/>
-                </a:solidFill>
-                <a:latin typeface="AdobeClean-LightIt"/>
-                <a:cs typeface="AdobeClean-LightIt"/>
-              </a:rPr>
-              <a:t>or </a:t>
-            </a:r>
-            <a:r>
-              <a:rPr sz="1100" i="1" spc="-15">
-                <a:solidFill>
-                  <a:srgbClr val="777879"/>
-                </a:solidFill>
-                <a:latin typeface="AdobeClean-LightIt"/>
-                <a:cs typeface="AdobeClean-LightIt"/>
-              </a:rPr>
-              <a:t>Customer </a:t>
-            </a:r>
-            <a:r>
-              <a:rPr sz="1100" i="1" spc="-20">
-                <a:solidFill>
-                  <a:srgbClr val="777879"/>
-                </a:solidFill>
-                <a:latin typeface="AdobeClean-LightIt"/>
-                <a:cs typeface="AdobeClean-LightIt"/>
-              </a:rPr>
-              <a:t>Success</a:t>
-            </a:r>
-            <a:r>
-              <a:rPr sz="1100" i="1" spc="-180">
-                <a:solidFill>
-                  <a:srgbClr val="777879"/>
-                </a:solidFill>
-                <a:latin typeface="AdobeClean-LightIt"/>
-                <a:cs typeface="AdobeClean-LightIt"/>
-              </a:rPr>
-              <a:t> </a:t>
-            </a:r>
-            <a:r>
-              <a:rPr sz="1100" i="1" spc="-15">
-                <a:solidFill>
-                  <a:srgbClr val="777879"/>
-                </a:solidFill>
-                <a:latin typeface="AdobeClean-LightIt"/>
-                <a:cs typeface="AdobeClean-LightIt"/>
-              </a:rPr>
-              <a:t>Manager</a:t>
-            </a:r>
-            <a:r>
-              <a:rPr lang="en-US" sz="1100" i="1" spc="-15">
-                <a:solidFill>
-                  <a:srgbClr val="777879"/>
-                </a:solidFill>
-                <a:latin typeface="AdobeClean-LightIt"/>
-                <a:cs typeface="AdobeClean-LightIt"/>
-              </a:rPr>
-              <a:t> </a:t>
-            </a:r>
-            <a:r>
-              <a:rPr sz="1100" i="1" spc="-15">
-                <a:solidFill>
-                  <a:srgbClr val="777879"/>
-                </a:solidFill>
-                <a:latin typeface="AdobeClean-LightIt"/>
-                <a:cs typeface="AdobeClean-LightIt"/>
-              </a:rPr>
-              <a:t>(CSM)</a:t>
-            </a:r>
-            <a:endParaRPr sz="1100">
-              <a:latin typeface="AdobeClean-LightIt"/>
-              <a:cs typeface="AdobeClean-LightIt"/>
-            </a:endParaRPr>
+              <a:t>Per saperne di più sulle opzioni di Supporto Adobe e capire quale sia il livello più adatto alle tue esigenze, contatta il tuo Named Account Manager (NAM) o Customer Success Manager (CSM).</a:t>
+            </a:r>
           </a:p>
           <a:p>
             <a:pPr marL="34290">
@@ -16286,59 +13283,15 @@
               </a:spcBef>
             </a:pPr>
             <a:r>
-              <a:rPr sz="800" spc="-5">
+              <a:rPr lang="it-IT" sz="800">
                 <a:solidFill>
                   <a:srgbClr val="6D6D6D"/>
                 </a:solidFill>
                 <a:latin typeface="Adobe Clean"/>
                 <a:cs typeface="Adobe Clean"/>
               </a:rPr>
-              <a:t>©202</a:t>
-            </a:r>
-            <a:r>
-              <a:rPr lang="en-US" sz="800" spc="-5">
-                <a:solidFill>
-                  <a:srgbClr val="6D6D6D"/>
-                </a:solidFill>
-                <a:latin typeface="Adobe Clean"/>
-                <a:cs typeface="Adobe Clean"/>
-              </a:rPr>
-              <a:t>1</a:t>
-            </a:r>
-            <a:r>
-              <a:rPr sz="800" spc="-5">
-                <a:solidFill>
-                  <a:srgbClr val="6D6D6D"/>
-                </a:solidFill>
-                <a:latin typeface="Adobe Clean"/>
-                <a:cs typeface="Adobe Clean"/>
-              </a:rPr>
-              <a:t> Adobe. All Rights Reserved. Adobe</a:t>
-            </a:r>
-            <a:r>
-              <a:rPr sz="800" spc="75">
-                <a:solidFill>
-                  <a:srgbClr val="6D6D6D"/>
-                </a:solidFill>
-                <a:latin typeface="Adobe Clean"/>
-                <a:cs typeface="Adobe Clean"/>
-              </a:rPr>
-              <a:t> </a:t>
-            </a:r>
-            <a:r>
-              <a:rPr sz="800" spc="-5">
-                <a:solidFill>
-                  <a:srgbClr val="6D6D6D"/>
-                </a:solidFill>
-                <a:latin typeface="Adobe Clean"/>
-                <a:cs typeface="Adobe Clean"/>
-              </a:rPr>
-              <a:t>Confidential.</a:t>
-            </a:r>
-            <a:endParaRPr sz="800">
-              <a:latin typeface="Adobe Clean"/>
-              <a:cs typeface="Adobe Clean"/>
-            </a:endParaRPr>
+              <a:t>©2021 Adobe. All Rights Reserved. Adobe Confidential.</a:t>
+            </a:r>
           </a:p>
         </p:txBody>
       </p:sp>
@@ -16375,19 +13328,15 @@
               </a:spcBef>
             </a:pPr>
             <a:r>
-              <a:rPr lang="en-US" sz="1400" b="1" spc="-15">
+              <a:rPr lang="it-IT" sz="1400" b="1" dirty="0">
                 <a:solidFill>
                   <a:srgbClr val="020302"/>
                 </a:solidFill>
                 <a:latin typeface="Adobe Clean"/>
                 <a:cs typeface="Adobe Clean"/>
               </a:rPr>
-              <a:t>Regional scope of Adobe Support, Local Hours Of Operation And Language Support</a:t>
-            </a:r>
-            <a:endParaRPr lang="en-US" sz="1400" spc="-15">
-              <a:ea typeface="+mn-lt"/>
-              <a:cs typeface="+mn-lt"/>
-            </a:endParaRPr>
+              <a:t>Supporto Adobe: aree geografiche, orari operativi e lingue</a:t>
+            </a:r>
           </a:p>
           <a:p>
             <a:pPr>
@@ -16396,17 +13345,31 @@
               </a:spcBef>
             </a:pPr>
             <a:r>
-              <a:rPr lang="en-US" sz="1000" spc="-15">
+              <a:rPr lang="it-IT" sz="1000" dirty="0">
                 <a:solidFill>
                   <a:srgbClr val="1F1F1F"/>
                 </a:solidFill>
                 <a:latin typeface="AdobeClean-Light"/>
               </a:rPr>
-              <a:t>The regional scope of Adobe Support is established by aligning the customer's billing address (via the Sales Order or other Adobe Support purchasing document) to one of the following regions:</a:t>
-            </a:r>
-            <a:endParaRPr lang="en-US" sz="1000">
-              <a:latin typeface="AdobeClean-Light"/>
-            </a:endParaRPr>
+              <a:t>L’ambito del supporto Adobe è definito allineando l’indirizzo di fatturazione del cliente </a:t>
+            </a:r>
+            <a:br>
+              <a:rPr lang="sk-SK" sz="1000" dirty="0">
+                <a:solidFill>
+                  <a:srgbClr val="1F1F1F"/>
+                </a:solidFill>
+                <a:latin typeface="AdobeClean-Light"/>
+              </a:rPr>
+            </a:br>
+            <a:r>
+              <a:rPr lang="it-IT" sz="1000" dirty="0">
+                <a:solidFill>
+                  <a:srgbClr val="1F1F1F"/>
+                </a:solidFill>
+                <a:latin typeface="AdobeClean-Light"/>
+              </a:rPr>
+              <a:t>(in base all’ordine di vendita o altro documento di acquisto del servizio di supporto Adobe) a una delle seguenti aree geografiche:</a:t>
+            </a:r>
           </a:p>
         </p:txBody>
       </p:sp>
@@ -16478,13 +13441,13 @@
                     <a:p>
                       <a:pPr algn="ctr"/>
                       <a:r>
-                        <a:rPr lang="en-US" sz="1100">
+                        <a:rPr lang="it-IT" sz="1100">
                           <a:solidFill>
                             <a:schemeClr val="tx1"/>
                           </a:solidFill>
                           <a:latin typeface="Adobe Clean" panose="020B0503020404020204" pitchFamily="34" charset="0"/>
                         </a:rPr>
-                        <a:t>Americas</a:t>
+                        <a:t>Americhe</a:t>
                       </a:r>
                     </a:p>
                   </a:txBody>
@@ -16543,13 +13506,13 @@
                     <a:p>
                       <a:pPr algn="ctr"/>
                       <a:r>
-                        <a:rPr lang="en-US" sz="1100">
+                        <a:rPr lang="it-IT" sz="1100">
                           <a:solidFill>
                             <a:schemeClr val="tx1"/>
                           </a:solidFill>
                           <a:latin typeface="Adobe Clean" panose="020B0503020404020204" pitchFamily="34" charset="0"/>
                         </a:rPr>
-                        <a:t>Europe, Middle East &amp; Africa</a:t>
+                        <a:t>Europa, Medio Oriente e Africa</a:t>
                       </a:r>
                     </a:p>
                   </a:txBody>
@@ -16608,13 +13571,13 @@
                     <a:p>
                       <a:pPr algn="ctr"/>
                       <a:r>
-                        <a:rPr lang="en-US" sz="1100">
+                        <a:rPr lang="it-IT" sz="1100">
                           <a:solidFill>
                             <a:schemeClr val="tx1"/>
                           </a:solidFill>
                           <a:latin typeface="Adobe Clean" panose="020B0503020404020204" pitchFamily="34" charset="0"/>
                         </a:rPr>
-                        <a:t>Asia Pacific</a:t>
+                        <a:t>Asia-Pacifico</a:t>
                       </a:r>
                     </a:p>
                   </a:txBody>
@@ -16673,16 +13636,16 @@
                     <a:p>
                       <a:pPr algn="ctr"/>
                       <a:r>
-                        <a:rPr lang="en-US" sz="1100">
+                        <a:rPr lang="it-IT" sz="1100">
                           <a:solidFill>
                             <a:schemeClr val="tx1"/>
                           </a:solidFill>
                           <a:latin typeface="Adobe Clean" panose="020B0503020404020204" pitchFamily="34" charset="0"/>
                         </a:rPr>
-                        <a:t>Japan </a:t>
+                        <a:t>Giappone</a:t>
                       </a:r>
                       <a:r>
-                        <a:rPr lang="en-US" sz="1100" baseline="30000">
+                        <a:rPr lang="it-IT" sz="1100" baseline="30000">
                           <a:solidFill>
                             <a:schemeClr val="tx1"/>
                           </a:solidFill>
@@ -16690,12 +13653,6 @@
                         </a:rPr>
                         <a:t>1 </a:t>
                       </a:r>
-                      <a:endParaRPr lang="en-US" sz="1100">
-                        <a:solidFill>
-                          <a:schemeClr val="tx1"/>
-                        </a:solidFill>
-                        <a:latin typeface="Adobe Clean" panose="020B0503020404020204" pitchFamily="34" charset="0"/>
-                      </a:endParaRPr>
                     </a:p>
                   </a:txBody>
                   <a:tcPr anchor="ctr">
@@ -16760,13 +13717,13 @@
                     <a:p>
                       <a:pPr algn="ctr"/>
                       <a:r>
-                        <a:rPr lang="en-US" sz="1100">
+                        <a:rPr lang="it-IT" sz="1100">
                           <a:solidFill>
                             <a:schemeClr val="tx1"/>
                           </a:solidFill>
                           <a:latin typeface="Adobe Clean" panose="020B0503020404020204" pitchFamily="34" charset="0"/>
                         </a:rPr>
-                        <a:t>6 am – 5:30 pm</a:t>
+                        <a:t>06:00 – 17:30</a:t>
                       </a:r>
                     </a:p>
                   </a:txBody>
@@ -16825,13 +13782,13 @@
                     <a:p>
                       <a:pPr algn="ctr"/>
                       <a:r>
-                        <a:rPr lang="en-US" sz="1100">
+                        <a:rPr lang="it-IT" sz="1100">
                           <a:solidFill>
                             <a:schemeClr val="tx1"/>
                           </a:solidFill>
                           <a:latin typeface="Adobe Clean" panose="020B0503020404020204" pitchFamily="34" charset="0"/>
                         </a:rPr>
-                        <a:t>9 am – 5 pm</a:t>
+                        <a:t>09:00 – 17:00</a:t>
                       </a:r>
                     </a:p>
                   </a:txBody>
@@ -16890,13 +13847,13 @@
                     <a:p>
                       <a:pPr algn="ctr"/>
                       <a:r>
-                        <a:rPr lang="en-US" sz="1100">
+                        <a:rPr lang="it-IT" sz="1100">
                           <a:solidFill>
                             <a:schemeClr val="tx1"/>
                           </a:solidFill>
                           <a:latin typeface="Adobe Clean" panose="020B0503020404020204" pitchFamily="34" charset="0"/>
                         </a:rPr>
-                        <a:t>9 am – 5 pm</a:t>
+                        <a:t>09:00 – 17:00</a:t>
                       </a:r>
                     </a:p>
                   </a:txBody>
@@ -16955,13 +13912,13 @@
                     <a:p>
                       <a:pPr algn="ctr"/>
                       <a:r>
-                        <a:rPr lang="en-US" sz="1100">
+                        <a:rPr lang="it-IT" sz="1100">
                           <a:solidFill>
                             <a:schemeClr val="tx1"/>
                           </a:solidFill>
                           <a:latin typeface="Adobe Clean" panose="020B0503020404020204" pitchFamily="34" charset="0"/>
                         </a:rPr>
-                        <a:t>9 am – 5:30 pm</a:t>
+                        <a:t>09:00 – 17:30</a:t>
                       </a:r>
                     </a:p>
                   </a:txBody>
@@ -17041,23 +13998,17 @@
                         <a:buNone/>
                       </a:pPr>
                       <a:r>
-                        <a:rPr lang="en-US" sz="1100">
+                        <a:rPr lang="it-IT" sz="1100">
                           <a:solidFill>
                             <a:schemeClr val="tx1"/>
                           </a:solidFill>
                           <a:latin typeface="Adobe Clean"/>
                         </a:rPr>
-                        <a:t>Language support is only available in English and Japanese. </a:t>
+                        <a:t>Il supporto è disponibile solo in inglese e giapponese. </a:t>
                       </a:r>
-                      <a:endParaRPr lang="en-US" sz="1100">
-                        <a:solidFill>
-                          <a:schemeClr val="tx1"/>
-                        </a:solidFill>
-                        <a:latin typeface="Adobe Clean" panose="020B0503020404020204" pitchFamily="34" charset="0"/>
-                      </a:endParaRPr>
                     </a:p>
                     <a:p>
-                      <a:pPr marL="0" marR="0" lvl="0" indent="0" algn="ctr" defTabSz="914400" eaLnBrk="1" fontAlgn="auto" latinLnBrk="0" hangingPunct="1">
+                      <a:pPr marL="0" marR="0" lvl="0" indent="0" algn="l" defTabSz="914400" rtl="0" eaLnBrk="1" fontAlgn="auto" latinLnBrk="0" hangingPunct="1">
                         <a:lnSpc>
                           <a:spcPct val="100000"/>
                         </a:lnSpc>
@@ -17074,7 +14025,7 @@
                         <a:tabLst/>
                         <a:defRPr/>
                       </a:pPr>
-                      <a:endParaRPr kumimoji="0" lang="en-US" sz="1100" b="1" i="0" u="none" strike="noStrike" kern="0" cap="none" spc="0" normalizeH="0" baseline="30000" noProof="0">
+                      <a:endParaRPr kumimoji="0" lang="en-US" sz="1100" b="1" i="0" u="none" strike="noStrike" kern="0" cap="none" spc="0" normalizeH="0" baseline="30000" noProof="0" dirty="0">
                         <a:ln>
                           <a:noFill/>
                         </a:ln>
@@ -17092,7 +14043,7 @@
                     <a:p>
                       <a:pPr algn="ctr"/>
                       <a:r>
-                        <a:rPr lang="en-US" sz="1100" i="0">
+                        <a:rPr lang="it-IT" sz="1100" i="0">
                           <a:solidFill>
                             <a:schemeClr val="tx1"/>
                           </a:solidFill>
@@ -17101,7 +14052,7 @@
                         <a:t> </a:t>
                       </a:r>
                       <a:r>
-                        <a:rPr lang="en-US" sz="1100" i="0" baseline="30000">
+                        <a:rPr lang="it-IT" sz="1100" i="0" baseline="30000">
                           <a:solidFill>
                             <a:schemeClr val="tx1"/>
                           </a:solidFill>
@@ -17110,20 +14061,14 @@
                         <a:t>1 </a:t>
                       </a:r>
                       <a:r>
-                        <a:rPr lang="en-US" sz="1100" i="0">
+                        <a:rPr lang="it-IT" sz="1100" i="0">
                           <a:solidFill>
                             <a:schemeClr val="tx1"/>
                           </a:solidFill>
                           <a:latin typeface="Adobe Clean"/>
                         </a:rPr>
-                        <a:t>P2, P3, P4 cases are limited to business hours only in Japan.</a:t>
+                        <a:t>In Giappone, i casi P2, P3 e P4 sono limitati al solo orario operativo.</a:t>
                       </a:r>
-                      <a:endParaRPr lang="en-US" sz="1100" b="1" i="0">
-                        <a:solidFill>
-                          <a:schemeClr val="tx1"/>
-                        </a:solidFill>
-                        <a:latin typeface="Adobe Clean"/>
-                      </a:endParaRPr>
                     </a:p>
                   </a:txBody>
                   <a:tcPr anchor="ctr">
@@ -17179,7 +14124,7 @@
                     <a:bodyPr/>
                     <a:lstStyle/>
                     <a:p>
-                      <a:endParaRPr lang="en-US" sz="1100">
+                      <a:endParaRPr lang="en-US" sz="1100" dirty="0">
                         <a:solidFill>
                           <a:schemeClr val="tx1"/>
                         </a:solidFill>
@@ -17240,7 +14185,7 @@
                     <a:bodyPr/>
                     <a:lstStyle/>
                     <a:p>
-                      <a:endParaRPr lang="en-US" sz="1100">
+                      <a:endParaRPr lang="en-US" sz="1100" dirty="0">
                         <a:solidFill>
                           <a:schemeClr val="tx1"/>
                         </a:solidFill>
@@ -17301,7 +14246,7 @@
                     <a:bodyPr/>
                     <a:lstStyle/>
                     <a:p>
-                      <a:endParaRPr lang="en-US" sz="1100">
+                      <a:endParaRPr lang="en-US" sz="1100" dirty="0">
                         <a:solidFill>
                           <a:schemeClr val="tx1"/>
                         </a:solidFill>
@@ -17487,129 +14432,15 @@
               </a:spcBef>
             </a:pPr>
             <a:r>
-              <a:rPr sz="1200" b="1" spc="-15">
+              <a:rPr lang="it-IT" sz="1200" b="1">
                 <a:solidFill>
                   <a:srgbClr val="FFFFFF"/>
                 </a:solidFill>
                 <a:latin typeface="Adobe Clean"/>
                 <a:cs typeface="Adobe Clean"/>
               </a:rPr>
-              <a:t>U</a:t>
-            </a:r>
-            <a:r>
-              <a:rPr sz="1200" b="1" spc="-20">
-                <a:solidFill>
-                  <a:srgbClr val="FFFFFF"/>
-                </a:solidFill>
-                <a:latin typeface="Adobe Clean"/>
-                <a:cs typeface="Adobe Clean"/>
-              </a:rPr>
-              <a:t>n</a:t>
-            </a:r>
-            <a:r>
-              <a:rPr sz="1200" b="1" spc="-25">
-                <a:solidFill>
-                  <a:srgbClr val="FFFFFF"/>
-                </a:solidFill>
-                <a:latin typeface="Adobe Clean"/>
-                <a:cs typeface="Adobe Clean"/>
-              </a:rPr>
-              <a:t>p</a:t>
-            </a:r>
-            <a:r>
-              <a:rPr sz="1200" b="1" spc="-15">
-                <a:solidFill>
-                  <a:srgbClr val="FFFFFF"/>
-                </a:solidFill>
-                <a:latin typeface="Adobe Clean"/>
-                <a:cs typeface="Adobe Clean"/>
-              </a:rPr>
-              <a:t>a</a:t>
-            </a:r>
-            <a:r>
-              <a:rPr sz="1200" b="1" spc="-25">
-                <a:solidFill>
-                  <a:srgbClr val="FFFFFF"/>
-                </a:solidFill>
-                <a:latin typeface="Adobe Clean"/>
-                <a:cs typeface="Adobe Clean"/>
-              </a:rPr>
-              <a:t>r</a:t>
-            </a:r>
-            <a:r>
-              <a:rPr sz="1200" b="1" spc="-15">
-                <a:solidFill>
-                  <a:srgbClr val="FFFFFF"/>
-                </a:solidFill>
-                <a:latin typeface="Adobe Clean"/>
-                <a:cs typeface="Adobe Clean"/>
-              </a:rPr>
-              <a:t>a</a:t>
-            </a:r>
-            <a:r>
-              <a:rPr sz="1200" b="1" spc="-30">
-                <a:solidFill>
-                  <a:srgbClr val="FFFFFF"/>
-                </a:solidFill>
-                <a:latin typeface="Adobe Clean"/>
-                <a:cs typeface="Adobe Clean"/>
-              </a:rPr>
-              <a:t>ll</a:t>
-            </a:r>
-            <a:r>
-              <a:rPr sz="1200" b="1" spc="-25">
-                <a:solidFill>
-                  <a:srgbClr val="FFFFFF"/>
-                </a:solidFill>
-                <a:latin typeface="Adobe Clean"/>
-                <a:cs typeface="Adobe Clean"/>
-              </a:rPr>
-              <a:t>e</a:t>
-            </a:r>
-            <a:r>
-              <a:rPr sz="1200" b="1" spc="-30">
-                <a:solidFill>
-                  <a:srgbClr val="FFFFFF"/>
-                </a:solidFill>
-                <a:latin typeface="Adobe Clean"/>
-                <a:cs typeface="Adobe Clean"/>
-              </a:rPr>
-              <a:t>l</a:t>
-            </a:r>
-            <a:r>
-              <a:rPr sz="1200" b="1" spc="-25">
-                <a:solidFill>
-                  <a:srgbClr val="FFFFFF"/>
-                </a:solidFill>
-                <a:latin typeface="Adobe Clean"/>
-                <a:cs typeface="Adobe Clean"/>
-              </a:rPr>
-              <a:t>e</a:t>
-            </a:r>
-            <a:r>
-              <a:rPr sz="1200" b="1">
-                <a:solidFill>
-                  <a:srgbClr val="FFFFFF"/>
-                </a:solidFill>
-                <a:latin typeface="Adobe Clean"/>
-                <a:cs typeface="Adobe Clean"/>
-              </a:rPr>
-              <a:t>d  </a:t>
-            </a:r>
-            <a:r>
-              <a:rPr sz="1200" b="1" spc="-25">
-                <a:solidFill>
-                  <a:srgbClr val="FFFFFF"/>
-                </a:solidFill>
-                <a:latin typeface="Adobe Clean"/>
-                <a:cs typeface="Adobe Clean"/>
-              </a:rPr>
-              <a:t>Expertise</a:t>
-            </a:r>
-            <a:endParaRPr sz="1200">
-              <a:latin typeface="Adobe Clean"/>
-              <a:cs typeface="Adobe Clean"/>
-            </a:endParaRPr>
+              <a:t>Eccellenza tecnica</a:t>
+            </a:r>
           </a:p>
         </p:txBody>
       </p:sp>
@@ -17649,19 +14480,15 @@
               </a:spcBef>
             </a:pPr>
             <a:r>
-              <a:rPr lang="en-US" sz="1200" b="1" spc="-15">
+              <a:rPr lang="it-IT" sz="1200" b="1">
                 <a:solidFill>
                   <a:srgbClr val="FFFFFF"/>
                 </a:solidFill>
                 <a:latin typeface="Adobe Clean"/>
                 <a:cs typeface="Adobe Clean"/>
               </a:rPr>
-              <a:t>Accelerated Support</a:t>
-            </a:r>
-            <a:endParaRPr sz="1200">
-              <a:latin typeface="Adobe Clean"/>
-              <a:cs typeface="Adobe Clean"/>
-            </a:endParaRPr>
+              <a:t>Supporto rapido</a:t>
+            </a:r>
           </a:p>
         </p:txBody>
       </p:sp>
@@ -17679,8 +14506,8 @@
         </p:nvSpPr>
         <p:spPr>
           <a:xfrm>
-            <a:off x="6624119" y="8543943"/>
-            <a:ext cx="510540" cy="385445"/>
+            <a:off x="6477000" y="8543943"/>
+            <a:ext cx="810895" cy="385445"/>
           </a:xfrm>
           <a:prstGeom prst="rect">
             <a:avLst/>
@@ -17701,109 +14528,15 @@
               </a:spcBef>
             </a:pPr>
             <a:r>
-              <a:rPr sz="1200" b="1" spc="-50">
+              <a:rPr lang="it-IT" sz="1200" b="1" dirty="0">
                 <a:solidFill>
                   <a:srgbClr val="FFFFFF"/>
                 </a:solidFill>
                 <a:latin typeface="Adobe Clean"/>
                 <a:cs typeface="Adobe Clean"/>
               </a:rPr>
-              <a:t>S</a:t>
-            </a:r>
-            <a:r>
-              <a:rPr sz="1200" b="1" spc="-20">
-                <a:solidFill>
-                  <a:srgbClr val="FFFFFF"/>
-                </a:solidFill>
-                <a:latin typeface="Adobe Clean"/>
-                <a:cs typeface="Adobe Clean"/>
-              </a:rPr>
-              <a:t>t</a:t>
-            </a:r>
-            <a:r>
-              <a:rPr sz="1200" b="1" spc="-75">
-                <a:solidFill>
-                  <a:srgbClr val="FFFFFF"/>
-                </a:solidFill>
-                <a:latin typeface="Adobe Clean"/>
-                <a:cs typeface="Adobe Clean"/>
-              </a:rPr>
-              <a:t>r</a:t>
-            </a:r>
-            <a:r>
-              <a:rPr sz="1200" b="1" spc="-90">
-                <a:solidFill>
-                  <a:srgbClr val="FFFFFF"/>
-                </a:solidFill>
-                <a:latin typeface="Adobe Clean"/>
-                <a:cs typeface="Adobe Clean"/>
-              </a:rPr>
-              <a:t>a</a:t>
-            </a:r>
-            <a:r>
-              <a:rPr sz="1200" b="1" spc="-55">
-                <a:solidFill>
-                  <a:srgbClr val="FFFFFF"/>
-                </a:solidFill>
-                <a:latin typeface="Adobe Clean"/>
-                <a:cs typeface="Adobe Clean"/>
-              </a:rPr>
-              <a:t>t</a:t>
-            </a:r>
-            <a:r>
-              <a:rPr sz="1200" b="1" spc="-100">
-                <a:solidFill>
-                  <a:srgbClr val="FFFFFF"/>
-                </a:solidFill>
-                <a:latin typeface="Adobe Clean"/>
-                <a:cs typeface="Adobe Clean"/>
-              </a:rPr>
-              <a:t>e</a:t>
-            </a:r>
-            <a:r>
-              <a:rPr sz="1200" b="1" spc="-80">
-                <a:solidFill>
-                  <a:srgbClr val="FFFFFF"/>
-                </a:solidFill>
-                <a:latin typeface="Adobe Clean"/>
-                <a:cs typeface="Adobe Clean"/>
-              </a:rPr>
-              <a:t>g</a:t>
-            </a:r>
-            <a:r>
-              <a:rPr sz="1200" b="1" spc="-35">
-                <a:solidFill>
-                  <a:srgbClr val="FFFFFF"/>
-                </a:solidFill>
-                <a:latin typeface="Adobe Clean"/>
-                <a:cs typeface="Adobe Clean"/>
-              </a:rPr>
-              <a:t>i</a:t>
-            </a:r>
-            <a:r>
-              <a:rPr sz="1200" b="1">
-                <a:solidFill>
-                  <a:srgbClr val="FFFFFF"/>
-                </a:solidFill>
-                <a:latin typeface="Adobe Clean"/>
-                <a:cs typeface="Adobe Clean"/>
-              </a:rPr>
-              <a:t>c  </a:t>
-            </a:r>
-            <a:r>
-              <a:rPr sz="1200" b="1" spc="-45">
-                <a:solidFill>
-                  <a:srgbClr val="FFFFFF"/>
-                </a:solidFill>
-                <a:latin typeface="Adobe Clean"/>
-                <a:cs typeface="Adobe Clean"/>
-              </a:rPr>
-              <a:t>Advice</a:t>
-            </a:r>
-            <a:endParaRPr sz="1200">
-              <a:latin typeface="Adobe Clean"/>
-              <a:cs typeface="Adobe Clean"/>
-            </a:endParaRPr>
+              <a:t>Consulenza strategica</a:t>
+            </a:r>
           </a:p>
         </p:txBody>
       </p:sp>
@@ -17822,14 +14555,14 @@
           <p:nvPr>
             <p:extLst>
               <p:ext uri="{D42A27DB-BD31-4B8C-83A1-F6EECF244321}">
-                <p14:modId xmlns:p14="http://schemas.microsoft.com/office/powerpoint/2010/main" val="1493671087"/>
+                <p14:modId xmlns:p14="http://schemas.microsoft.com/office/powerpoint/2010/main" val="3712755428"/>
               </p:ext>
             </p:extLst>
           </p:nvPr>
         </p:nvGraphicFramePr>
         <p:xfrm>
           <a:off x="194236" y="1059345"/>
-          <a:ext cx="7368291" cy="2931160"/>
+          <a:ext cx="7368291" cy="3235960"/>
         </p:xfrm>
         <a:graphic>
           <a:graphicData uri="http://schemas.openxmlformats.org/drawingml/2006/table">
@@ -17860,7 +14593,7 @@
                     <a:lstStyle/>
                     <a:p>
                       <a:r>
-                        <a:rPr lang="en-US" sz="1100" b="0">
+                        <a:rPr lang="it-IT" sz="1100" b="0">
                           <a:solidFill>
                             <a:schemeClr val="tx1"/>
                           </a:solidFill>
@@ -17871,14 +14604,6 @@
                         </a:rPr>
                         <a:t>Experience League</a:t>
                       </a:r>
-                      <a:endParaRPr lang="en-US" sz="1100" b="0">
-                        <a:solidFill>
-                          <a:schemeClr val="tx1"/>
-                        </a:solidFill>
-                        <a:latin typeface="Adobe Clean" panose="020B0503020404020204" pitchFamily="34" charset="0"/>
-                        <a:ea typeface="+mn-ea"/>
-                        <a:cs typeface="+mn-cs"/>
-                      </a:endParaRPr>
                     </a:p>
                   </a:txBody>
                   <a:tcPr marL="47625" marR="47625" marT="0" marB="0" anchor="ctr">
@@ -17952,7 +14677,7 @@
                         <a:defRPr/>
                       </a:pPr>
                       <a:r>
-                        <a:rPr lang="en-US" sz="1000" b="0" kern="1200">
+                        <a:rPr lang="it-IT" sz="1000" b="0" dirty="0">
                           <a:solidFill>
                             <a:srgbClr val="000000"/>
                           </a:solidFill>
@@ -17960,7 +14685,28 @@
                           <a:ea typeface="+mn-ea"/>
                           <a:cs typeface="+mn-cs"/>
                         </a:rPr>
-                        <a:t>Experience League is how Adobe helps businesses achieve the value they expect from their Adobe investment. It’s the unified place where customers can learn, connect, and grow along a personalized path to success that includes self-help tutorials, product documentation, instructor-led training, community and technical support. </a:t>
+                        <a:t>Con Experience League, Adobe aiuta le aziende a conseguire il valore che si aspettano dalle soluzioni Adobe in cui hanno investito. In questo portale unificato, puoi imparare, relazionarti con altri professionisti </a:t>
+                      </a:r>
+                      <a:br>
+                        <a:rPr lang="sk-SK" sz="1000" b="0" dirty="0">
+                          <a:solidFill>
+                            <a:srgbClr val="000000"/>
+                          </a:solidFill>
+                          <a:latin typeface="Adobe Clean Light" panose="020B0303020404020204" pitchFamily="34" charset="0"/>
+                          <a:ea typeface="+mn-ea"/>
+                          <a:cs typeface="+mn-cs"/>
+                        </a:rPr>
+                      </a:br>
+                      <a:r>
+                        <a:rPr lang="it-IT" sz="1000" b="0" dirty="0">
+                          <a:solidFill>
+                            <a:srgbClr val="000000"/>
+                          </a:solidFill>
+                          <a:latin typeface="Adobe Clean Light" panose="020B0303020404020204" pitchFamily="34" charset="0"/>
+                          <a:ea typeface="+mn-ea"/>
+                          <a:cs typeface="+mn-cs"/>
+                        </a:rPr>
+                        <a:t>e crescere seguendo un percorso personalizzato con tutorial, documentazione dei prodotti, formazione con istruttori, supporto tecnico e il sostegno dell’intera community. </a:t>
                       </a:r>
                     </a:p>
                   </a:txBody>
@@ -18042,39 +14788,28 @@
                         <a:defRPr/>
                       </a:pPr>
                       <a:r>
-                        <a:rPr lang="en-US" sz="1100">
+                        <a:rPr lang="it-IT" sz="1100">
                           <a:solidFill>
                             <a:schemeClr val="dk1"/>
                           </a:solidFill>
-                          <a:effectLst/>
                           <a:latin typeface="Adobe Clean" panose="020B0503020404020204" pitchFamily="34" charset="0"/>
                           <a:ea typeface="+mn-ea"/>
                           <a:cs typeface="+mn-cs"/>
                           <a:hlinkClick r:id="rId8"/>
                         </a:rPr>
-                        <a:t>Training</a:t>
+                        <a:t>Formazione</a:t>
                       </a:r>
                       <a:r>
-                        <a:rPr lang="en-US" sz="1100">
+                        <a:rPr lang="it-IT" sz="1100">
                           <a:solidFill>
                             <a:schemeClr val="dk1"/>
                           </a:solidFill>
-                          <a:effectLst/>
                           <a:latin typeface="Adobe Clean" panose="020B0503020404020204" pitchFamily="34" charset="0"/>
                           <a:ea typeface="+mn-ea"/>
                           <a:cs typeface="+mn-cs"/>
                         </a:rPr>
                         <a:t> </a:t>
                       </a:r>
-                      <a:endParaRPr lang="en-US" sz="1100">
-                        <a:solidFill>
-                          <a:schemeClr val="tx1"/>
-                        </a:solidFill>
-                        <a:effectLst/>
-                        <a:latin typeface="Adobe Clean" panose="020B0503020404020204" pitchFamily="34" charset="0"/>
-                        <a:ea typeface="+mn-ea"/>
-                        <a:cs typeface="+mn-cs"/>
-                      </a:endParaRPr>
                     </a:p>
                   </a:txBody>
                   <a:tcPr anchor="ctr">
@@ -18148,7 +14883,7 @@
                         <a:defRPr/>
                       </a:pPr>
                       <a:r>
-                        <a:rPr lang="en-US" sz="1000" kern="1200">
+                        <a:rPr lang="it-IT" sz="1000" dirty="0">
                           <a:solidFill>
                             <a:srgbClr val="000000"/>
                           </a:solidFill>
@@ -18156,7 +14891,28 @@
                           <a:ea typeface="+mn-ea"/>
                           <a:cs typeface="+mn-cs"/>
                         </a:rPr>
-                        <a:t>Adobe Digital Learning Services courses are accessible from Experience League. Learning courses integrate both on-demand and instructor-led lessons.  Here you can accrue skills that have recognized market value and position them to drive success in your organizations.</a:t>
+                        <a:t>I corsi Adobe Digital Learning Services sono accessibili da Experience League. I corsi di apprendimento comprendono lezioni sia on-demand che guidate da istruttori.  Potrai acquisire nuove competenze particolarmente ricercate nel settore e metterle in pratica nella </a:t>
+                      </a:r>
+                      <a:br>
+                        <a:rPr lang="sk-SK" sz="1000" dirty="0">
+                          <a:solidFill>
+                            <a:srgbClr val="000000"/>
+                          </a:solidFill>
+                          <a:latin typeface="Adobe Clean Light" panose="020B0303020404020204" pitchFamily="34" charset="0"/>
+                          <a:ea typeface="+mn-ea"/>
+                          <a:cs typeface="+mn-cs"/>
+                        </a:rPr>
+                      </a:br>
+                      <a:r>
+                        <a:rPr lang="it-IT" sz="1000" dirty="0">
+                          <a:solidFill>
+                            <a:srgbClr val="000000"/>
+                          </a:solidFill>
+                          <a:latin typeface="Adobe Clean Light" panose="020B0303020404020204" pitchFamily="34" charset="0"/>
+                          <a:ea typeface="+mn-ea"/>
+                          <a:cs typeface="+mn-cs"/>
+                        </a:rPr>
+                        <a:t>tua organizzazione, per favorirne il successo.</a:t>
                       </a:r>
                     </a:p>
                   </a:txBody>
@@ -18238,27 +14994,17 @@
                         <a:defRPr/>
                       </a:pPr>
                       <a:r>
-                        <a:rPr lang="en-US" sz="1100">
+                        <a:rPr lang="it-IT" sz="1100">
                           <a:solidFill>
                             <a:schemeClr val="tx1"/>
                           </a:solidFill>
-                          <a:effectLst/>
                           <a:latin typeface="Adobe Clean" panose="020B0503020404020204" pitchFamily="34" charset="0"/>
                           <a:ea typeface="+mn-ea"/>
                           <a:cs typeface="+mn-cs"/>
                           <a:hlinkClick r:id="rId9"/>
                         </a:rPr>
-                        <a:t>Production Issues &amp; System Outages</a:t>
+                        <a:t>Problemi di produzione e interruzioni del sistema</a:t>
                       </a:r>
-                      <a:endParaRPr lang="en-US" sz="1100">
-                        <a:solidFill>
-                          <a:schemeClr val="tx1"/>
-                        </a:solidFill>
-                        <a:effectLst/>
-                        <a:latin typeface="Adobe Clean" panose="020B0503020404020204" pitchFamily="34" charset="0"/>
-                        <a:ea typeface="+mn-ea"/>
-                        <a:cs typeface="+mn-cs"/>
-                      </a:endParaRPr>
                     </a:p>
                   </a:txBody>
                   <a:tcPr anchor="ctr">
@@ -18332,7 +15078,7 @@
                         <a:defRPr/>
                       </a:pPr>
                       <a:r>
-                        <a:rPr lang="en-US" sz="1000" kern="1200">
+                        <a:rPr lang="it-IT" sz="1000" dirty="0">
                           <a:solidFill>
                             <a:srgbClr val="000000"/>
                           </a:solidFill>
@@ -18340,7 +15086,91 @@
                           <a:ea typeface="+mn-ea"/>
                           <a:cs typeface="+mn-cs"/>
                         </a:rPr>
-                        <a:t>Status.adobe.com conveys the health information of all Adobe products and services that are deployed in multi-tenant environments. Customers can choose their subscription preferences to get email notifications whenever Adobe creates, updates or resolves a product event. This can include scheduled maintenance or service issues of varying levels of severity. </a:t>
+                        <a:t>Status.adobe.com trasmette informazioni sullo stato di tutti i prodotti</a:t>
+                      </a:r>
+                      <a:br>
+                        <a:rPr lang="sk-SK" sz="1000" dirty="0">
+                          <a:solidFill>
+                            <a:srgbClr val="000000"/>
+                          </a:solidFill>
+                          <a:latin typeface="Adobe Clean Light" panose="020B0303020404020204" pitchFamily="34" charset="0"/>
+                          <a:ea typeface="+mn-ea"/>
+                          <a:cs typeface="+mn-cs"/>
+                        </a:rPr>
+                      </a:br>
+                      <a:r>
+                        <a:rPr lang="it-IT" sz="1000" dirty="0">
+                          <a:solidFill>
+                            <a:srgbClr val="000000"/>
+                          </a:solidFill>
+                          <a:latin typeface="Adobe Clean Light" panose="020B0303020404020204" pitchFamily="34" charset="0"/>
+                          <a:ea typeface="+mn-ea"/>
+                          <a:cs typeface="+mn-cs"/>
+                        </a:rPr>
+                        <a:t>e i servizi Adobe implementati in ambienti multi-tenant. Puoi scegliere se ricevere notifiche e-mail ogni volta che Adobe segnala, aggiorna </a:t>
+                      </a:r>
+                      <a:br>
+                        <a:rPr lang="sk-SK" sz="1000" dirty="0">
+                          <a:solidFill>
+                            <a:srgbClr val="000000"/>
+                          </a:solidFill>
+                          <a:latin typeface="Adobe Clean Light" panose="020B0303020404020204" pitchFamily="34" charset="0"/>
+                          <a:ea typeface="+mn-ea"/>
+                          <a:cs typeface="+mn-cs"/>
+                        </a:rPr>
+                      </a:br>
+                      <a:r>
+                        <a:rPr lang="it-IT" sz="1000" dirty="0">
+                          <a:solidFill>
+                            <a:srgbClr val="000000"/>
+                          </a:solidFill>
+                          <a:latin typeface="Adobe Clean Light" panose="020B0303020404020204" pitchFamily="34" charset="0"/>
+                          <a:ea typeface="+mn-ea"/>
+                          <a:cs typeface="+mn-cs"/>
+                        </a:rPr>
+                        <a:t>o risolve un problema relativo a un prodotto. Vengono segnalate </a:t>
+                      </a:r>
+                      <a:br>
+                        <a:rPr lang="sk-SK" sz="1000" dirty="0">
+                          <a:solidFill>
+                            <a:srgbClr val="000000"/>
+                          </a:solidFill>
+                          <a:latin typeface="Adobe Clean Light" panose="020B0303020404020204" pitchFamily="34" charset="0"/>
+                          <a:ea typeface="+mn-ea"/>
+                          <a:cs typeface="+mn-cs"/>
+                        </a:rPr>
+                      </a:br>
+                      <a:r>
+                        <a:rPr lang="it-IT" sz="1000" dirty="0">
+                          <a:solidFill>
+                            <a:srgbClr val="000000"/>
+                          </a:solidFill>
+                          <a:latin typeface="Adobe Clean Light" panose="020B0303020404020204" pitchFamily="34" charset="0"/>
+                          <a:ea typeface="+mn-ea"/>
+                          <a:cs typeface="+mn-cs"/>
+                        </a:rPr>
+                        <a:t>ad esempio le interruzioni per manutenzione programmata </a:t>
+                      </a:r>
+                      <a:br>
+                        <a:rPr lang="sk-SK" sz="1000" dirty="0">
+                          <a:solidFill>
+                            <a:srgbClr val="000000"/>
+                          </a:solidFill>
+                          <a:latin typeface="Adobe Clean Light" panose="020B0303020404020204" pitchFamily="34" charset="0"/>
+                          <a:ea typeface="+mn-ea"/>
+                          <a:cs typeface="+mn-cs"/>
+                        </a:rPr>
+                      </a:br>
+                      <a:r>
+                        <a:rPr lang="it-IT" sz="1000" dirty="0">
+                          <a:solidFill>
+                            <a:srgbClr val="000000"/>
+                          </a:solidFill>
+                          <a:latin typeface="Adobe Clean Light" panose="020B0303020404020204" pitchFamily="34" charset="0"/>
+                          <a:ea typeface="+mn-ea"/>
+                          <a:cs typeface="+mn-cs"/>
+                        </a:rPr>
+                        <a:t>o problemi relativi ai servizi con diversi livelli di gravità. </a:t>
                       </a:r>
                     </a:p>
                   </a:txBody>
@@ -18422,27 +15252,17 @@
                         <a:defRPr/>
                       </a:pPr>
                       <a:r>
-                        <a:rPr lang="en-US" sz="1100">
+                        <a:rPr lang="it-IT" sz="1100">
                           <a:solidFill>
                             <a:schemeClr val="tx1"/>
                           </a:solidFill>
-                          <a:effectLst/>
                           <a:latin typeface="Adobe Clean" panose="020B0503020404020204" pitchFamily="34" charset="0"/>
                           <a:ea typeface="+mn-ea"/>
                           <a:cs typeface="+mn-cs"/>
                           <a:hlinkClick r:id="rId10"/>
                         </a:rPr>
-                        <a:t>Terms and Conditions</a:t>
+                        <a:t>Termini e condizioni</a:t>
                       </a:r>
-                      <a:endParaRPr lang="en-US" sz="1100">
-                        <a:solidFill>
-                          <a:schemeClr val="tx1"/>
-                        </a:solidFill>
-                        <a:effectLst/>
-                        <a:latin typeface="Adobe Clean" panose="020B0503020404020204" pitchFamily="34" charset="0"/>
-                        <a:ea typeface="+mn-ea"/>
-                        <a:cs typeface="+mn-cs"/>
-                      </a:endParaRPr>
                     </a:p>
                   </a:txBody>
                   <a:tcPr anchor="ctr">
@@ -18499,7 +15319,7 @@
                     <a:lstStyle/>
                     <a:p>
                       <a:r>
-                        <a:rPr lang="en-US" sz="1000" kern="1200">
+                        <a:rPr lang="it-IT" sz="1000" dirty="0">
                           <a:solidFill>
                             <a:srgbClr val="000000"/>
                           </a:solidFill>
@@ -18507,7 +15327,7 @@
                           <a:ea typeface="+mn-ea"/>
                           <a:cs typeface="+mn-cs"/>
                         </a:rPr>
-                        <a:t>Terms and conditions detailing Support Services offerings</a:t>
+                        <a:t>Termini e condizioni che descrivono i servizi di supporto disponibili</a:t>
                       </a:r>
                     </a:p>
                   </a:txBody>
@@ -19284,6 +16104,15 @@
 </file>
 
 <file path=customXml/item2.xml><?xml version="1.0" encoding="utf-8"?>
+<?mso-contentType ?>
+<FormTemplates xmlns="http://schemas.microsoft.com/sharepoint/v3/contenttype/forms">
+  <Display>DocumentLibraryForm</Display>
+  <Edit>DocumentLibraryForm</Edit>
+  <New>DocumentLibraryForm</New>
+</FormTemplates>
+</file>
+
+<file path=customXml/item3.xml><?xml version="1.0" encoding="utf-8"?>
 <ct:contentTypeSchema xmlns:ct="http://schemas.microsoft.com/office/2006/metadata/contentType" xmlns:ma="http://schemas.microsoft.com/office/2006/metadata/properties/metaAttributes" ct:_="" ma:_="" ma:contentTypeName="Document" ma:contentTypeID="0x010100E783BF6876BCC646A459363AF21A7736" ma:contentTypeVersion="10" ma:contentTypeDescription="Create a new document." ma:contentTypeScope="" ma:versionID="c4ffda7f4f415767600769e454c2ea87">
   <xsd:schema xmlns:xsd="http://www.w3.org/2001/XMLSchema" xmlns:xs="http://www.w3.org/2001/XMLSchema" xmlns:p="http://schemas.microsoft.com/office/2006/metadata/properties" xmlns:ns2="8a053bff-88be-49e4-9a87-e748e18b8b62" xmlns:ns3="6c8368ec-3776-49b5-a5bb-90648cf9530f" targetNamespace="http://schemas.microsoft.com/office/2006/metadata/properties" ma:root="true" ma:fieldsID="df3ec33bccc23e23bce7bc897fad43d1" ns2:_="" ns3:_="">
     <xsd:import namespace="8a053bff-88be-49e4-9a87-e748e18b8b62"/>
@@ -19488,15 +16317,6 @@
 </ct:contentTypeSchema>
 </file>
 
-<file path=customXml/item3.xml><?xml version="1.0" encoding="utf-8"?>
-<?mso-contentType ?>
-<FormTemplates xmlns="http://schemas.microsoft.com/sharepoint/v3/contenttype/forms">
-  <Display>DocumentLibraryForm</Display>
-  <Edit>DocumentLibraryForm</Edit>
-  <New>DocumentLibraryForm</New>
-</FormTemplates>
-</file>
-
 <file path=customXml/itemProps1.xml><?xml version="1.0" encoding="utf-8"?>
 <ds:datastoreItem xmlns:ds="http://schemas.openxmlformats.org/officeDocument/2006/customXml" ds:itemID="{CED41536-010B-47B1-9229-B72BE4090090}">
   <ds:schemaRefs>
@@ -19507,28 +16327,28 @@
 </file>
 
 <file path=customXml/itemProps2.xml><?xml version="1.0" encoding="utf-8"?>
-<ds:datastoreItem xmlns:ds="http://schemas.openxmlformats.org/officeDocument/2006/customXml" ds:itemID="{75C1A8FD-3884-41A0-BE37-D15776C885D1}">
+<ds:datastoreItem xmlns:ds="http://schemas.openxmlformats.org/officeDocument/2006/customXml" ds:itemID="{669D9D3B-3229-44EE-9964-24A06AE66887}">
   <ds:schemaRefs>
-    <ds:schemaRef ds:uri="6c8368ec-3776-49b5-a5bb-90648cf9530f"/>
-    <ds:schemaRef ds:uri="8a053bff-88be-49e4-9a87-e748e18b8b62"/>
-    <ds:schemaRef ds:uri="http://purl.org/dc/elements/1.1/"/>
-    <ds:schemaRef ds:uri="http://purl.org/dc/terms/"/>
-    <ds:schemaRef ds:uri="http://schemas.microsoft.com/internal/obd"/>
-    <ds:schemaRef ds:uri="http://schemas.microsoft.com/office/2006/documentManagement/types"/>
-    <ds:schemaRef ds:uri="http://schemas.microsoft.com/office/2006/metadata/contentType"/>
-    <ds:schemaRef ds:uri="http://schemas.microsoft.com/office/2006/metadata/properties"/>
-    <ds:schemaRef ds:uri="http://schemas.microsoft.com/office/2006/metadata/properties/metaAttributes"/>
-    <ds:schemaRef ds:uri="http://schemas.microsoft.com/office/infopath/2007/PartnerControls"/>
-    <ds:schemaRef ds:uri="http://schemas.openxmlformats.org/package/2006/metadata/core-properties"/>
-    <ds:schemaRef ds:uri="http://www.w3.org/2001/XMLSchema"/>
+    <ds:schemaRef ds:uri="http://schemas.microsoft.com/sharepoint/v3/contenttype/forms"/>
   </ds:schemaRefs>
 </ds:datastoreItem>
 </file>
 
 <file path=customXml/itemProps3.xml><?xml version="1.0" encoding="utf-8"?>
-<ds:datastoreItem xmlns:ds="http://schemas.openxmlformats.org/officeDocument/2006/customXml" ds:itemID="{669D9D3B-3229-44EE-9964-24A06AE66887}">
+<ds:datastoreItem xmlns:ds="http://schemas.openxmlformats.org/officeDocument/2006/customXml" ds:itemID="{75C1A8FD-3884-41A0-BE37-D15776C885D1}">
   <ds:schemaRefs>
-    <ds:schemaRef ds:uri="http://schemas.microsoft.com/sharepoint/v3/contenttype/forms"/>
+    <ds:schemaRef ds:uri="http://schemas.microsoft.com/office/2006/metadata/contentType"/>
+    <ds:schemaRef ds:uri="http://schemas.microsoft.com/office/2006/metadata/properties/metaAttributes"/>
+    <ds:schemaRef ds:uri="http://www.w3.org/2001/XMLSchema"/>
+    <ds:schemaRef ds:uri="http://schemas.microsoft.com/office/2006/metadata/properties"/>
+    <ds:schemaRef ds:uri="8a053bff-88be-49e4-9a87-e748e18b8b62"/>
+    <ds:schemaRef ds:uri="6c8368ec-3776-49b5-a5bb-90648cf9530f"/>
+    <ds:schemaRef ds:uri="http://schemas.microsoft.com/office/2006/documentManagement/types"/>
+    <ds:schemaRef ds:uri="http://schemas.microsoft.com/office/infopath/2007/PartnerControls"/>
+    <ds:schemaRef ds:uri="http://schemas.openxmlformats.org/package/2006/metadata/core-properties"/>
+    <ds:schemaRef ds:uri="http://purl.org/dc/elements/1.1/"/>
+    <ds:schemaRef ds:uri="http://purl.org/dc/terms/"/>
+    <ds:schemaRef ds:uri="http://schemas.microsoft.com/internal/obd"/>
   </ds:schemaRefs>
 </ds:datastoreItem>
 </file>
--- a/help/data-sheets/assets/EliteSupportDatasheet.pptx
+++ b/help/data-sheets/assets/EliteSupportDatasheet.pptx
@@ -151,9 +151,7 @@
 <file path=ppt/revisionInfo.xml><?xml version="1.0" encoding="utf-8"?>
 <p1510:revInfo xmlns:a="http://schemas.openxmlformats.org/drawingml/2006/main" xmlns:r="http://schemas.openxmlformats.org/officeDocument/2006/relationships" xmlns:p1510="http://schemas.microsoft.com/office/powerpoint/2015/10/main">
   <p1510:revLst>
-    <p1510:client id="{306579C9-8574-E621-57BF-C5D6F4C605CC}" v="6" dt="2021-09-22T22:58:26.163"/>
-    <p1510:client id="{86768B6F-E5DF-274A-B928-9320E1DF9962}" v="132" dt="2021-08-07T02:18:13.925"/>
-    <p1510:client id="{8C285145-5FF7-2B49-D44C-ABA3390CC068}" v="48" dt="2021-09-22T19:02:31.738"/>
+    <p1510:client id="{0BC4D7A0-4BBD-1B49-BE14-170949F0EA37}" v="4" dt="2021-10-13T19:10:14.670"/>
   </p1510:revLst>
 </p1510:revInfo>
 </file>
@@ -161,58 +159,26 @@
 <file path=ppt/changesInfos/changesInfo1.xml><?xml version="1.0" encoding="utf-8"?>
 <pc:chgInfo xmlns:a="http://schemas.openxmlformats.org/drawingml/2006/main" xmlns:r="http://schemas.openxmlformats.org/officeDocument/2006/relationships" xmlns:ac="http://schemas.microsoft.com/office/drawing/2013/main/command" xmlns:pc="http://schemas.microsoft.com/office/powerpoint/2013/main/command">
   <pc:docChgLst>
-    <pc:chgData name="Akilah Johnson" userId="S::akjohnso@adobe.com::2fa3aa60-0c9c-4d06-bae2-795983241227" providerId="AD" clId="Web-{306579C9-8574-E621-57BF-C5D6F4C605CC}"/>
+    <pc:chgData name="Lauren Schutte" userId="6e08b2d3-447a-4d66-86be-444d50df187f" providerId="ADAL" clId="{0BC4D7A0-4BBD-1B49-BE14-170949F0EA37}"/>
     <pc:docChg chg="modSld">
-      <pc:chgData name="Akilah Johnson" userId="S::akjohnso@adobe.com::2fa3aa60-0c9c-4d06-bae2-795983241227" providerId="AD" clId="Web-{306579C9-8574-E621-57BF-C5D6F4C605CC}" dt="2021-09-22T22:58:18.491" v="3"/>
+      <pc:chgData name="Lauren Schutte" userId="6e08b2d3-447a-4d66-86be-444d50df187f" providerId="ADAL" clId="{0BC4D7A0-4BBD-1B49-BE14-170949F0EA37}" dt="2021-10-13T19:10:14.671" v="3" actId="1035"/>
       <pc:docMkLst>
         <pc:docMk/>
       </pc:docMkLst>
-      <pc:sldChg chg="modSp">
-        <pc:chgData name="Akilah Johnson" userId="S::akjohnso@adobe.com::2fa3aa60-0c9c-4d06-bae2-795983241227" providerId="AD" clId="Web-{306579C9-8574-E621-57BF-C5D6F4C605CC}" dt="2021-09-22T22:58:18.491" v="3"/>
+      <pc:sldChg chg="modSp mod">
+        <pc:chgData name="Lauren Schutte" userId="6e08b2d3-447a-4d66-86be-444d50df187f" providerId="ADAL" clId="{0BC4D7A0-4BBD-1B49-BE14-170949F0EA37}" dt="2021-10-13T19:10:14.671" v="3" actId="1035"/>
         <pc:sldMkLst>
           <pc:docMk/>
-          <pc:sldMk cId="1050037809" sldId="261"/>
-        </pc:sldMkLst>
-        <pc:graphicFrameChg chg="mod modGraphic">
-          <ac:chgData name="Akilah Johnson" userId="S::akjohnso@adobe.com::2fa3aa60-0c9c-4d06-bae2-795983241227" providerId="AD" clId="Web-{306579C9-8574-E621-57BF-C5D6F4C605CC}" dt="2021-09-22T22:58:18.491" v="3"/>
-          <ac:graphicFrameMkLst>
-            <pc:docMk/>
-            <pc:sldMk cId="1050037809" sldId="261"/>
-            <ac:graphicFrameMk id="25" creationId="{3A91F5B0-3974-A14D-A146-FB590F2AAD18}"/>
-          </ac:graphicFrameMkLst>
-        </pc:graphicFrameChg>
-      </pc:sldChg>
-    </pc:docChg>
-  </pc:docChgLst>
-  <pc:docChgLst>
-    <pc:chgData name="Akilah Johnson" userId="S::akjohnso@adobe.com::2fa3aa60-0c9c-4d06-bae2-795983241227" providerId="AD" clId="Web-{8C285145-5FF7-2B49-D44C-ABA3390CC068}"/>
-    <pc:docChg chg="modSld">
-      <pc:chgData name="Akilah Johnson" userId="S::akjohnso@adobe.com::2fa3aa60-0c9c-4d06-bae2-795983241227" providerId="AD" clId="Web-{8C285145-5FF7-2B49-D44C-ABA3390CC068}" dt="2021-09-22T19:02:31.738" v="36" actId="1076"/>
-      <pc:docMkLst>
-        <pc:docMk/>
-      </pc:docMkLst>
-      <pc:sldChg chg="modSp">
-        <pc:chgData name="Akilah Johnson" userId="S::akjohnso@adobe.com::2fa3aa60-0c9c-4d06-bae2-795983241227" providerId="AD" clId="Web-{8C285145-5FF7-2B49-D44C-ABA3390CC068}" dt="2021-09-22T19:02:31.738" v="36" actId="1076"/>
-        <pc:sldMkLst>
-          <pc:docMk/>
-          <pc:sldMk cId="1050037809" sldId="261"/>
+          <pc:sldMk cId="0" sldId="256"/>
         </pc:sldMkLst>
         <pc:spChg chg="mod">
-          <ac:chgData name="Akilah Johnson" userId="S::akjohnso@adobe.com::2fa3aa60-0c9c-4d06-bae2-795983241227" providerId="AD" clId="Web-{8C285145-5FF7-2B49-D44C-ABA3390CC068}" dt="2021-09-22T19:02:31.738" v="36" actId="1076"/>
+          <ac:chgData name="Lauren Schutte" userId="6e08b2d3-447a-4d66-86be-444d50df187f" providerId="ADAL" clId="{0BC4D7A0-4BBD-1B49-BE14-170949F0EA37}" dt="2021-10-13T19:10:14.671" v="3" actId="1035"/>
           <ac:spMkLst>
             <pc:docMk/>
-            <pc:sldMk cId="1050037809" sldId="261"/>
-            <ac:spMk id="64" creationId="{41467BDC-3D83-D844-B922-CD07E94E5AAB}"/>
+            <pc:sldMk cId="0" sldId="256"/>
+            <ac:spMk id="4" creationId="{00000000-0000-0000-0000-000000000000}"/>
           </ac:spMkLst>
         </pc:spChg>
-        <pc:graphicFrameChg chg="mod modGraphic">
-          <ac:chgData name="Akilah Johnson" userId="S::akjohnso@adobe.com::2fa3aa60-0c9c-4d06-bae2-795983241227" providerId="AD" clId="Web-{8C285145-5FF7-2B49-D44C-ABA3390CC068}" dt="2021-09-22T18:59:49.504" v="34"/>
-          <ac:graphicFrameMkLst>
-            <pc:docMk/>
-            <pc:sldMk cId="1050037809" sldId="261"/>
-            <ac:graphicFrameMk id="25" creationId="{3A91F5B0-3974-A14D-A146-FB590F2AAD18}"/>
-          </ac:graphicFrameMkLst>
-        </pc:graphicFrameChg>
       </pc:sldChg>
     </pc:docChg>
   </pc:docChgLst>
@@ -301,7 +267,7 @@
           <a:p>
             <a:fld id="{C12E57D6-2086-AA47-A7A4-C0CDE7C14E44}" type="datetimeFigureOut">
               <a:rPr lang="en-US" smtClean="0"/>
-              <a:t>10/1/2021</a:t>
+              <a:t>11/12/2021</a:t>
             </a:fld>
             <a:endParaRPr lang="en-US"/>
           </a:p>
@@ -696,7 +662,7 @@
           <a:bodyPr/>
           <a:lstStyle/>
           <a:p>
-            <a:endParaRPr lang="en-US" dirty="0"/>
+            <a:endParaRPr lang="en-US"/>
           </a:p>
         </p:txBody>
       </p:sp>
@@ -875,7 +841,7 @@
           <a:p>
             <a:fld id="{1D8BD707-D9CF-40AE-B4C6-C98DA3205C09}" type="datetimeFigureOut">
               <a:rPr lang="en-US"/>
-              <a:t>10/1/2021</a:t>
+              <a:t>11/12/2021</a:t>
             </a:fld>
             <a:endParaRPr lang="en-US"/>
           </a:p>
@@ -915,7 +881,7 @@
               </a:spcBef>
             </a:pPr>
             <a:r>
-              <a:rPr spc="-5" dirty="0"/>
+              <a:rPr spc="-5"/>
               <a:t>©</a:t>
             </a:r>
             <a:fld id="{81D60167-4931-47E6-BA6A-407CBD079E47}" type="slidenum">
@@ -923,35 +889,35 @@
               <a:t>‹#›</a:t>
             </a:fld>
             <a:r>
-              <a:rPr spc="-5" dirty="0"/>
+              <a:rPr spc="-5"/>
               <a:t> Adobe. All</a:t>
             </a:r>
             <a:r>
-              <a:rPr spc="-15" dirty="0"/>
+              <a:rPr spc="-15"/>
               <a:t> Rights</a:t>
             </a:r>
             <a:r>
-              <a:rPr spc="-10" dirty="0"/>
+              <a:rPr spc="-10"/>
               <a:t> </a:t>
             </a:r>
             <a:r>
-              <a:rPr spc="-15" dirty="0"/>
+              <a:rPr spc="-15"/>
               <a:t>Reserved.</a:t>
             </a:r>
             <a:r>
-              <a:rPr spc="-10" dirty="0"/>
+              <a:rPr spc="-10"/>
               <a:t> </a:t>
             </a:r>
             <a:r>
-              <a:rPr spc="-5" dirty="0"/>
+              <a:rPr spc="-5"/>
               <a:t>Adobe</a:t>
             </a:r>
             <a:r>
-              <a:rPr spc="60" dirty="0"/>
+              <a:rPr spc="60"/>
               <a:t> </a:t>
             </a:r>
             <a:r>
-              <a:rPr spc="-15" dirty="0"/>
+              <a:rPr spc="-15"/>
               <a:t>Confidential.</a:t>
             </a:r>
           </a:p>
@@ -1120,7 +1086,7 @@
           <a:p>
             <a:fld id="{1D8BD707-D9CF-40AE-B4C6-C98DA3205C09}" type="datetimeFigureOut">
               <a:rPr lang="en-US"/>
-              <a:t>10/1/2021</a:t>
+              <a:t>11/12/2021</a:t>
             </a:fld>
             <a:endParaRPr lang="en-US"/>
           </a:p>
@@ -1160,7 +1126,7 @@
               </a:spcBef>
             </a:pPr>
             <a:r>
-              <a:rPr spc="-5" dirty="0"/>
+              <a:rPr spc="-5"/>
               <a:t>©</a:t>
             </a:r>
             <a:fld id="{81D60167-4931-47E6-BA6A-407CBD079E47}" type="slidenum">
@@ -1168,35 +1134,35 @@
               <a:t>‹#›</a:t>
             </a:fld>
             <a:r>
-              <a:rPr spc="-5" dirty="0"/>
+              <a:rPr spc="-5"/>
               <a:t> Adobe. All</a:t>
             </a:r>
             <a:r>
-              <a:rPr spc="-15" dirty="0"/>
+              <a:rPr spc="-15"/>
               <a:t> Rights</a:t>
             </a:r>
             <a:r>
-              <a:rPr spc="-10" dirty="0"/>
+              <a:rPr spc="-10"/>
               <a:t> </a:t>
             </a:r>
             <a:r>
-              <a:rPr spc="-15" dirty="0"/>
+              <a:rPr spc="-15"/>
               <a:t>Reserved.</a:t>
             </a:r>
             <a:r>
-              <a:rPr spc="-10" dirty="0"/>
+              <a:rPr spc="-10"/>
               <a:t> </a:t>
             </a:r>
             <a:r>
-              <a:rPr spc="-5" dirty="0"/>
+              <a:rPr spc="-5"/>
               <a:t>Adobe</a:t>
             </a:r>
             <a:r>
-              <a:rPr spc="60" dirty="0"/>
+              <a:rPr spc="60"/>
               <a:t> </a:t>
             </a:r>
             <a:r>
-              <a:rPr spc="-15" dirty="0"/>
+              <a:rPr spc="-15"/>
               <a:t>Confidential.</a:t>
             </a:r>
           </a:p>
@@ -1378,7 +1344,7 @@
           <a:p>
             <a:fld id="{1D8BD707-D9CF-40AE-B4C6-C98DA3205C09}" type="datetimeFigureOut">
               <a:rPr lang="en-US"/>
-              <a:t>10/1/2021</a:t>
+              <a:t>11/12/2021</a:t>
             </a:fld>
             <a:endParaRPr lang="en-US"/>
           </a:p>
@@ -1418,7 +1384,7 @@
               </a:spcBef>
             </a:pPr>
             <a:r>
-              <a:rPr spc="-5" dirty="0"/>
+              <a:rPr spc="-5"/>
               <a:t>©</a:t>
             </a:r>
             <a:fld id="{81D60167-4931-47E6-BA6A-407CBD079E47}" type="slidenum">
@@ -1426,35 +1392,35 @@
               <a:t>‹#›</a:t>
             </a:fld>
             <a:r>
-              <a:rPr spc="-5" dirty="0"/>
+              <a:rPr spc="-5"/>
               <a:t> Adobe. All</a:t>
             </a:r>
             <a:r>
-              <a:rPr spc="-15" dirty="0"/>
+              <a:rPr spc="-15"/>
               <a:t> Rights</a:t>
             </a:r>
             <a:r>
-              <a:rPr spc="-10" dirty="0"/>
+              <a:rPr spc="-10"/>
               <a:t> </a:t>
             </a:r>
             <a:r>
-              <a:rPr spc="-15" dirty="0"/>
+              <a:rPr spc="-15"/>
               <a:t>Reserved.</a:t>
             </a:r>
             <a:r>
-              <a:rPr spc="-10" dirty="0"/>
+              <a:rPr spc="-10"/>
               <a:t> </a:t>
             </a:r>
             <a:r>
-              <a:rPr spc="-5" dirty="0"/>
+              <a:rPr spc="-5"/>
               <a:t>Adobe</a:t>
             </a:r>
             <a:r>
-              <a:rPr spc="60" dirty="0"/>
+              <a:rPr spc="60"/>
               <a:t> </a:t>
             </a:r>
             <a:r>
-              <a:rPr spc="-15" dirty="0"/>
+              <a:rPr spc="-15"/>
               <a:t>Confidential.</a:t>
             </a:r>
           </a:p>
@@ -1570,7 +1536,7 @@
           <a:p>
             <a:fld id="{1D8BD707-D9CF-40AE-B4C6-C98DA3205C09}" type="datetimeFigureOut">
               <a:rPr lang="en-US"/>
-              <a:t>10/1/2021</a:t>
+              <a:t>11/12/2021</a:t>
             </a:fld>
             <a:endParaRPr lang="en-US"/>
           </a:p>
@@ -1610,7 +1576,7 @@
               </a:spcBef>
             </a:pPr>
             <a:r>
-              <a:rPr spc="-5" dirty="0"/>
+              <a:rPr spc="-5"/>
               <a:t>©</a:t>
             </a:r>
             <a:fld id="{81D60167-4931-47E6-BA6A-407CBD079E47}" type="slidenum">
@@ -1618,35 +1584,35 @@
               <a:t>‹#›</a:t>
             </a:fld>
             <a:r>
-              <a:rPr spc="-5" dirty="0"/>
+              <a:rPr spc="-5"/>
               <a:t> Adobe. All</a:t>
             </a:r>
             <a:r>
-              <a:rPr spc="-15" dirty="0"/>
+              <a:rPr spc="-15"/>
               <a:t> Rights</a:t>
             </a:r>
             <a:r>
-              <a:rPr spc="-10" dirty="0"/>
+              <a:rPr spc="-10"/>
               <a:t> </a:t>
             </a:r>
             <a:r>
-              <a:rPr spc="-15" dirty="0"/>
+              <a:rPr spc="-15"/>
               <a:t>Reserved.</a:t>
             </a:r>
             <a:r>
-              <a:rPr spc="-10" dirty="0"/>
+              <a:rPr spc="-10"/>
               <a:t> </a:t>
             </a:r>
             <a:r>
-              <a:rPr spc="-5" dirty="0"/>
+              <a:rPr spc="-5"/>
               <a:t>Adobe</a:t>
             </a:r>
             <a:r>
-              <a:rPr spc="60" dirty="0"/>
+              <a:rPr spc="60"/>
               <a:t> </a:t>
             </a:r>
             <a:r>
-              <a:rPr spc="-15" dirty="0"/>
+              <a:rPr spc="-15"/>
               <a:t>Confidential.</a:t>
             </a:r>
           </a:p>
@@ -1733,7 +1699,7 @@
           <a:p>
             <a:fld id="{1D8BD707-D9CF-40AE-B4C6-C98DA3205C09}" type="datetimeFigureOut">
               <a:rPr lang="en-US"/>
-              <a:t>10/1/2021</a:t>
+              <a:t>11/12/2021</a:t>
             </a:fld>
             <a:endParaRPr lang="en-US"/>
           </a:p>
@@ -1773,7 +1739,7 @@
               </a:spcBef>
             </a:pPr>
             <a:r>
-              <a:rPr spc="-5" dirty="0"/>
+              <a:rPr spc="-5"/>
               <a:t>©</a:t>
             </a:r>
             <a:fld id="{81D60167-4931-47E6-BA6A-407CBD079E47}" type="slidenum">
@@ -1781,35 +1747,35 @@
               <a:t>‹#›</a:t>
             </a:fld>
             <a:r>
-              <a:rPr spc="-5" dirty="0"/>
+              <a:rPr spc="-5"/>
               <a:t> Adobe. All</a:t>
             </a:r>
             <a:r>
-              <a:rPr spc="-15" dirty="0"/>
+              <a:rPr spc="-15"/>
               <a:t> Rights</a:t>
             </a:r>
             <a:r>
-              <a:rPr spc="-10" dirty="0"/>
+              <a:rPr spc="-10"/>
               <a:t> </a:t>
             </a:r>
             <a:r>
-              <a:rPr spc="-15" dirty="0"/>
+              <a:rPr spc="-15"/>
               <a:t>Reserved.</a:t>
             </a:r>
             <a:r>
-              <a:rPr spc="-10" dirty="0"/>
+              <a:rPr spc="-10"/>
               <a:t> </a:t>
             </a:r>
             <a:r>
-              <a:rPr spc="-5" dirty="0"/>
+              <a:rPr spc="-5"/>
               <a:t>Adobe</a:t>
             </a:r>
             <a:r>
-              <a:rPr spc="60" dirty="0"/>
+              <a:rPr spc="60"/>
               <a:t> </a:t>
             </a:r>
             <a:r>
-              <a:rPr spc="-15" dirty="0"/>
+              <a:rPr spc="-15"/>
               <a:t>Confidential.</a:t>
             </a:r>
           </a:p>
@@ -1996,7 +1962,7 @@
           <a:p>
             <a:fld id="{1D8BD707-D9CF-40AE-B4C6-C98DA3205C09}" type="datetimeFigureOut">
               <a:rPr lang="en-US"/>
-              <a:t>10/1/2021</a:t>
+              <a:t>11/12/2021</a:t>
             </a:fld>
             <a:endParaRPr lang="en-US"/>
           </a:p>
@@ -2046,7 +2012,7 @@
               </a:spcBef>
             </a:pPr>
             <a:r>
-              <a:rPr spc="-5" dirty="0"/>
+              <a:rPr spc="-5"/>
               <a:t>©</a:t>
             </a:r>
             <a:fld id="{81D60167-4931-47E6-BA6A-407CBD079E47}" type="slidenum">
@@ -2054,35 +2020,35 @@
               <a:t>‹#›</a:t>
             </a:fld>
             <a:r>
-              <a:rPr spc="-5" dirty="0"/>
+              <a:rPr spc="-5"/>
               <a:t> Adobe. All</a:t>
             </a:r>
             <a:r>
-              <a:rPr spc="-15" dirty="0"/>
+              <a:rPr spc="-15"/>
               <a:t> Rights</a:t>
             </a:r>
             <a:r>
-              <a:rPr spc="-10" dirty="0"/>
+              <a:rPr spc="-10"/>
               <a:t> </a:t>
             </a:r>
             <a:r>
-              <a:rPr spc="-15" dirty="0"/>
+              <a:rPr spc="-15"/>
               <a:t>Reserved.</a:t>
             </a:r>
             <a:r>
-              <a:rPr spc="-10" dirty="0"/>
+              <a:rPr spc="-10"/>
               <a:t> </a:t>
             </a:r>
             <a:r>
-              <a:rPr spc="-5" dirty="0"/>
+              <a:rPr spc="-5"/>
               <a:t>Adobe</a:t>
             </a:r>
             <a:r>
-              <a:rPr spc="60" dirty="0"/>
+              <a:rPr spc="60"/>
               <a:t> </a:t>
             </a:r>
             <a:r>
-              <a:rPr spc="-15" dirty="0"/>
+              <a:rPr spc="-15"/>
               <a:t>Confidential.</a:t>
             </a:r>
           </a:p>
@@ -2271,32 +2237,27 @@
         </p:nvSpPr>
         <p:spPr>
           <a:xfrm>
-            <a:off x="502827" y="65103"/>
-            <a:ext cx="4725793" cy="366767"/>
+            <a:off x="502828" y="65103"/>
+            <a:ext cx="3840572" cy="366767"/>
           </a:xfrm>
           <a:prstGeom prst="rect">
             <a:avLst/>
           </a:prstGeom>
         </p:spPr>
         <p:txBody>
-          <a:bodyPr vert="horz" wrap="square" lIns="0" tIns="12700" rIns="0" bIns="0" rtlCol="0">
+          <a:bodyPr vert="horz" wrap="square" lIns="0" tIns="12700" rIns="0" bIns="0" rtlCol="0" anchor="t">
             <a:spAutoFit/>
           </a:bodyPr>
           <a:lstStyle/>
           <a:p>
             <a:pPr marL="12700">
-              <a:lnSpc>
-                <a:spcPct val="100000"/>
-              </a:lnSpc>
               <a:spcBef>
                 <a:spcPts val="100"/>
               </a:spcBef>
             </a:pPr>
             <a:r>
-              <a:rPr lang="it-IT" sz="2300" dirty="0">
-                <a:latin typeface="Adobe Clean" panose="020B0503020404020204" pitchFamily="34" charset="0"/>
-              </a:rPr>
-              <a:t>OPZIONI DI SUPPORTO ADOBE</a:t>
+              <a:rPr lang="it-IT" sz="2300"/>
+              <a:t>PIANI DI SUPPORTO ADOBE</a:t>
             </a:r>
           </a:p>
         </p:txBody>
@@ -2345,7 +2306,7 @@
                 <a:solidFill>
                   <a:srgbClr val="FFFFFF"/>
                 </a:solidFill>
-                <a:latin typeface="Arial"/>
+                <a:latin typeface="Adobe Clean" panose="020B0503020404020204" pitchFamily="34" charset="0"/>
                 <a:cs typeface="Arial"/>
               </a:rPr>
               <a:t>Elite</a:t>
@@ -2364,10 +2325,61 @@
                 </a:solidFill>
                 <a:latin typeface="Adobe Clean SemiLight" panose="020B0403020404020204" pitchFamily="34" charset="0"/>
               </a:rPr>
-              <a:t>Adobe offre una gamma completa di risorse tecniche per assistere la tua azienda, incluse nell’abbonamento Experience Cloud e ampliabili ulteriormente con un pacchetto di supporto ELITE. Il supporto ELITE include l’accesso a percorsi di apprendimento personalizzati e forum della community monitorati tramite Adobe Experience League. Puoi inoltre usufruire di documentazione tecnica dettagliata e note sulla versione sempre aggiornate. Ai clienti ELITE vengono assegnati un Named Support Engineer e un Technical Account Manager che saranno i tuoi contatti di riferimento all’interno del team Adobe Support. Inoltre, insieme e in partnership con la tua azienda, ti offrono un servizio di supporto d’eccellenza, proattivo e reattivo. Conoscendo a fondo le tue specifiche soluzioni Experience Cloud, il team Adobe Support sarà sempre al tuo fianco per ogni esigenza di supporto, per aiutarti </a:t>
+              <a:t>Adobe offre una gamma completa di risorse tecniche per assistere la tua azienda, incluse nell’abbonamento Experience Cloud </a:t>
             </a:r>
             <a:br>
-              <a:rPr lang="sk-SK" sz="900" dirty="0">
+              <a:rPr lang="it-IT" sz="900" dirty="0">
+                <a:solidFill>
+                  <a:schemeClr val="bg1"/>
+                </a:solidFill>
+                <a:latin typeface="Adobe Clean SemiLight" panose="020B0403020404020204" pitchFamily="34" charset="0"/>
+              </a:rPr>
+            </a:br>
+            <a:r>
+              <a:rPr lang="it-IT" sz="900" dirty="0">
+                <a:solidFill>
+                  <a:schemeClr val="bg1"/>
+                </a:solidFill>
+                <a:latin typeface="Adobe Clean SemiLight" panose="020B0403020404020204" pitchFamily="34" charset="0"/>
+              </a:rPr>
+              <a:t>e ampliabili ulteriormente con un pacchetto di supporto ELITE. Il supporto ELITE include l’accesso a percorsi di apprendimento personalizzati e forum della community monitorati tramite Adobe Experience League. Puoi inoltre usufruire di documentazione tecnica dettagliata e note sulla versione sempre aggiornate. Ai clienti ELITE vengono assegnati un Named Support Engineer </a:t>
+            </a:r>
+            <a:br>
+              <a:rPr lang="it-IT" sz="900" dirty="0">
+                <a:solidFill>
+                  <a:schemeClr val="bg1"/>
+                </a:solidFill>
+                <a:latin typeface="Adobe Clean SemiLight" panose="020B0403020404020204" pitchFamily="34" charset="0"/>
+              </a:rPr>
+            </a:br>
+            <a:r>
+              <a:rPr lang="it-IT" sz="900" dirty="0">
+                <a:solidFill>
+                  <a:schemeClr val="bg1"/>
+                </a:solidFill>
+                <a:latin typeface="Adobe Clean SemiLight" panose="020B0403020404020204" pitchFamily="34" charset="0"/>
+              </a:rPr>
+              <a:t>e un Technical Account Manager che saranno i tuoi contatti di riferimento all’interno del team Adobe Support. Inoltre, insieme </a:t>
+            </a:r>
+            <a:br>
+              <a:rPr lang="it-IT" sz="900" dirty="0">
+                <a:solidFill>
+                  <a:schemeClr val="bg1"/>
+                </a:solidFill>
+                <a:latin typeface="Adobe Clean SemiLight" panose="020B0403020404020204" pitchFamily="34" charset="0"/>
+              </a:rPr>
+            </a:br>
+            <a:r>
+              <a:rPr lang="it-IT" sz="900" dirty="0">
+                <a:solidFill>
+                  <a:schemeClr val="bg1"/>
+                </a:solidFill>
+                <a:latin typeface="Adobe Clean SemiLight" panose="020B0403020404020204" pitchFamily="34" charset="0"/>
+              </a:rPr>
+              <a:t>e in partnership con la tua azienda, ti offrono un servizio di supporto d’eccellenza, proattivo e reattivo. Conoscendo a fondo le tue specifiche soluzioni Experience Cloud, il team Adobe Support sarà sempre al tuo fianco per ogni esigenza di supporto, per aiutarti </a:t>
+            </a:r>
+            <a:br>
+              <a:rPr lang="it-IT" sz="900" dirty="0">
                 <a:solidFill>
                   <a:schemeClr val="bg1"/>
                 </a:solidFill>
@@ -2394,8 +2406,8 @@
         </p:nvSpPr>
         <p:spPr>
           <a:xfrm>
-            <a:off x="168564" y="7162800"/>
-            <a:ext cx="4022436" cy="228268"/>
+            <a:off x="168564" y="7075170"/>
+            <a:ext cx="4174836" cy="228268"/>
           </a:xfrm>
           <a:prstGeom prst="rect">
             <a:avLst/>
@@ -2442,14 +2454,14 @@
           <p:nvPr>
             <p:extLst>
               <p:ext uri="{D42A27DB-BD31-4B8C-83A1-F6EECF244321}">
-                <p14:modId xmlns:p14="http://schemas.microsoft.com/office/powerpoint/2010/main" val="3115713540"/>
+                <p14:modId xmlns:p14="http://schemas.microsoft.com/office/powerpoint/2010/main" val="1545145549"/>
               </p:ext>
             </p:extLst>
           </p:nvPr>
         </p:nvGraphicFramePr>
         <p:xfrm>
-          <a:off x="145668" y="7473158"/>
-          <a:ext cx="7409815" cy="2386721"/>
+          <a:off x="145668" y="7335998"/>
+          <a:ext cx="7409815" cy="2458721"/>
         </p:xfrm>
         <a:graphic>
           <a:graphicData uri="http://schemas.openxmlformats.org/drawingml/2006/table">
@@ -2495,7 +2507,7 @@
                         </a:spcBef>
                       </a:pPr>
                       <a:r>
-                        <a:rPr lang="it-IT" sz="900">
+                        <a:rPr lang="it-IT" sz="900" dirty="0">
                           <a:solidFill>
                             <a:srgbClr val="020302"/>
                           </a:solidFill>
@@ -2541,20 +2553,30 @@
                     <a:bodyPr/>
                     <a:lstStyle/>
                     <a:p>
-                      <a:pPr marL="382905" algn="l">
+                      <a:pPr marL="2540" marR="0" lvl="0" indent="0" algn="ctr" defTabSz="914400" eaLnBrk="1" fontAlgn="auto" latinLnBrk="0" hangingPunct="1">
                         <a:lnSpc>
                           <a:spcPct val="100000"/>
                         </a:lnSpc>
                         <a:spcBef>
-                          <a:spcPts val="45"/>
+                          <a:spcPts val="60"/>
                         </a:spcBef>
+                        <a:spcAft>
+                          <a:spcPts val="0"/>
+                        </a:spcAft>
+                        <a:buClrTx/>
+                        <a:buSzTx/>
+                        <a:buFontTx/>
+                        <a:buNone/>
+                        <a:tabLst/>
+                        <a:defRPr/>
                       </a:pPr>
                       <a:r>
-                        <a:rPr lang="it-IT" sz="900">
+                        <a:rPr lang="it-IT" sz="900" dirty="0">
                           <a:solidFill>
-                            <a:srgbClr val="020302"/>
+                            <a:srgbClr val="404040"/>
                           </a:solidFill>
                           <a:latin typeface="Adobe Clean"/>
+                          <a:ea typeface="+mn-ea"/>
                           <a:cs typeface="Adobe Clean"/>
                         </a:rPr>
                         <a:t>Supporto Online</a:t>
@@ -2599,20 +2621,21 @@
                     <a:bodyPr/>
                     <a:lstStyle/>
                     <a:p>
-                      <a:pPr marL="263525" algn="l">
+                      <a:pPr marL="2540" algn="ctr">
                         <a:lnSpc>
                           <a:spcPct val="100000"/>
                         </a:lnSpc>
                         <a:spcBef>
-                          <a:spcPts val="65"/>
+                          <a:spcPts val="60"/>
                         </a:spcBef>
                       </a:pPr>
                       <a:r>
-                        <a:rPr lang="it-IT" sz="900">
+                        <a:rPr lang="it-IT" sz="900" dirty="0">
                           <a:solidFill>
                             <a:srgbClr val="FFFFFF"/>
                           </a:solidFill>
                           <a:latin typeface="Adobe Clean"/>
+                          <a:ea typeface="+mn-ea"/>
                           <a:cs typeface="Adobe Clean"/>
                         </a:rPr>
                         <a:t>Supporto Elite</a:t>
@@ -2673,7 +2696,7 @@
                         </a:spcBef>
                       </a:pPr>
                       <a:r>
-                        <a:rPr lang="it-IT" sz="900" b="1">
+                        <a:rPr lang="it-IT" sz="900" b="1" dirty="0">
                           <a:solidFill>
                             <a:srgbClr val="020302"/>
                           </a:solidFill>
@@ -2693,7 +2716,7 @@
                         </a:spcBef>
                       </a:pPr>
                       <a:r>
-                        <a:rPr lang="it-IT" sz="900" b="0" i="0" u="none" strike="noStrike">
+                        <a:rPr lang="it-IT" sz="900" b="0" i="0" u="none" strike="noStrike" dirty="0">
                           <a:solidFill>
                             <a:srgbClr val="000000"/>
                           </a:solidFill>
@@ -2703,7 +2726,7 @@
                       </a:r>
                     </a:p>
                   </a:txBody>
-                  <a:tcPr marL="0" marR="0" marT="0" marB="0" anchor="ctr">
+                  <a:tcPr marL="0" marR="0" marT="0" marB="36000" anchor="ctr">
                     <a:lnL w="6350">
                       <a:solidFill>
                         <a:srgbClr val="B7B8B8"/>
@@ -2738,20 +2761,20 @@
                     <a:bodyPr/>
                     <a:lstStyle/>
                     <a:p>
-                      <a:pPr marL="542925" marR="492125" algn="ctr">
+                      <a:pPr marL="358775" marR="492125" indent="0" algn="ctr">
                         <a:lnSpc>
                           <a:spcPct val="102200"/>
                         </a:lnSpc>
                       </a:pPr>
                       <a:r>
-                        <a:rPr lang="it-IT" sz="900">
+                        <a:rPr lang="it-IT" sz="900" dirty="0">
                           <a:solidFill>
                             <a:srgbClr val="020302"/>
                           </a:solidFill>
                           <a:latin typeface="AdobeClean-Light"/>
                           <a:cs typeface="AdobeClean-Light"/>
                         </a:rPr>
-                        <a:t>24x7 /           1 ora</a:t>
+                        <a:t>24x7 / 1 ora</a:t>
                       </a:r>
                     </a:p>
                   </a:txBody>
@@ -2790,20 +2813,21 @@
                     <a:bodyPr/>
                     <a:lstStyle/>
                     <a:p>
-                      <a:pPr marL="405130" marR="459740" indent="92710" algn="ctr">
+                      <a:pPr marL="266700" marR="343535" indent="-3175" algn="ctr">
                         <a:lnSpc>
-                          <a:spcPct val="100000"/>
+                          <a:spcPct val="102200"/>
                         </a:lnSpc>
                       </a:pPr>
                       <a:r>
-                        <a:rPr lang="it-IT" sz="900">
+                        <a:rPr lang="it-IT" sz="900" dirty="0">
                           <a:solidFill>
                             <a:srgbClr val="020302"/>
                           </a:solidFill>
                           <a:latin typeface="AdobeClean-Light"/>
-                          <a:cs typeface="AdobeClean-Light"/>
+                          <a:ea typeface="+mn-ea"/>
+                          <a:cs typeface="Times New Roman"/>
                         </a:rPr>
-                        <a:t>24x7 /   15 minuti</a:t>
+                        <a:t>24x7 / 15 minuti</a:t>
                       </a:r>
                     </a:p>
                   </a:txBody>
@@ -2931,7 +2955,7 @@
                     <a:bodyPr/>
                     <a:lstStyle/>
                     <a:p>
-                      <a:pPr marL="284163" marR="343535" indent="-49213" algn="ctr">
+                      <a:pPr marL="220663" marR="343535" indent="-3175" algn="ctr">
                         <a:lnSpc>
                           <a:spcPct val="102200"/>
                         </a:lnSpc>
@@ -2944,36 +2968,7 @@
                           <a:latin typeface="AdobeClean-Light"/>
                           <a:cs typeface="AdobeClean-Light"/>
                         </a:rPr>
-                        <a:t>Orario operativo /</a:t>
-                      </a:r>
-                      <a:r>
-                        <a:rPr lang="sk-SK" sz="900" dirty="0">
-                          <a:solidFill>
-                            <a:srgbClr val="020302"/>
-                          </a:solidFill>
-                          <a:latin typeface="AdobeClean-Light"/>
-                          <a:cs typeface="AdobeClean-Light"/>
-                        </a:rPr>
-                        <a:t> </a:t>
-                      </a:r>
-                      <a:br>
-                        <a:rPr lang="sk-SK" sz="900" dirty="0">
-                          <a:solidFill>
-                            <a:srgbClr val="020302"/>
-                          </a:solidFill>
-                          <a:latin typeface="AdobeClean-Light"/>
-                          <a:cs typeface="AdobeClean-Light"/>
-                        </a:rPr>
-                      </a:br>
-                      <a:r>
-                        <a:rPr lang="it-IT" sz="900" dirty="0">
-                          <a:solidFill>
-                            <a:srgbClr val="020302"/>
-                          </a:solidFill>
-                          <a:latin typeface="AdobeClean-Light"/>
-                          <a:cs typeface="AdobeClean-Light"/>
-                        </a:rPr>
-                        <a:t>4 ore</a:t>
+                        <a:t>Orario operativo / 4 ore</a:t>
                       </a:r>
                     </a:p>
                   </a:txBody>
@@ -3009,20 +3004,21 @@
                     <a:bodyPr/>
                     <a:lstStyle/>
                     <a:p>
-                      <a:pPr marL="351790" marR="481330" indent="144145" algn="ctr">
+                      <a:pPr marL="307975" marR="343535" indent="-3175" algn="ctr">
                         <a:lnSpc>
-                          <a:spcPct val="102299"/>
+                          <a:spcPct val="102200"/>
                         </a:lnSpc>
                       </a:pPr>
                       <a:r>
-                        <a:rPr lang="it-IT" sz="900">
+                        <a:rPr lang="it-IT" sz="900" dirty="0">
                           <a:solidFill>
                             <a:srgbClr val="020302"/>
                           </a:solidFill>
                           <a:latin typeface="AdobeClean-Light"/>
-                          <a:cs typeface="AdobeClean-Light"/>
+                          <a:ea typeface="+mn-ea"/>
+                          <a:cs typeface="Times New Roman"/>
                         </a:rPr>
-                        <a:t>24x5 /  30 minuti</a:t>
+                        <a:t>24x5 / 30 minuti</a:t>
                       </a:r>
                     </a:p>
                   </a:txBody>
@@ -3108,28 +3104,11 @@
                           </a:solidFill>
                           <a:latin typeface="Adobe Clean Light" panose="020B0303020404020204" pitchFamily="34" charset="0"/>
                         </a:rPr>
-                        <a:t>Le funzioni operative del cliente sono interessate da deterioramento lieve del servizio </a:t>
-                      </a:r>
-                      <a:br>
-                        <a:rPr lang="sk-SK" sz="900" b="0" i="0" u="none" strike="noStrike" dirty="0">
-                          <a:solidFill>
-                            <a:srgbClr val="000000"/>
-                          </a:solidFill>
-                          <a:latin typeface="Adobe Clean Light" panose="020B0303020404020204" pitchFamily="34" charset="0"/>
-                        </a:rPr>
-                      </a:br>
-                      <a:r>
-                        <a:rPr lang="it-IT" sz="900" b="0" i="0" u="none" strike="noStrike" dirty="0">
-                          <a:solidFill>
-                            <a:srgbClr val="000000"/>
-                          </a:solidFill>
-                          <a:latin typeface="Adobe Clean Light" panose="020B0303020404020204" pitchFamily="34" charset="0"/>
-                        </a:rPr>
-                        <a:t>(o nessun deterioramento), tuttavia è possibile procedere normalmente mediante una soluzione temporanea.</a:t>
+                        <a:t>Le funzioni operative del cliente sono interessate da deterioramento lieve del servizio (o nessun deterioramento), tuttavia è possibile procedere normalmente mediante una soluzione temporanea.</a:t>
                       </a:r>
                     </a:p>
                   </a:txBody>
-                  <a:tcPr marL="0" marR="0" marT="0" marB="0" anchor="ctr">
+                  <a:tcPr marL="0" marR="0" marT="0" marB="36000" anchor="ctr">
                     <a:lnL w="6350">
                       <a:solidFill>
                         <a:srgbClr val="B7B8B8"/>
@@ -3164,7 +3143,7 @@
                     <a:bodyPr/>
                     <a:lstStyle/>
                     <a:p>
-                      <a:pPr marL="284163" marR="343535" indent="-49213" algn="ctr">
+                      <a:pPr marL="220663" marR="343535" indent="-3175" algn="ctr">
                         <a:lnSpc>
                           <a:spcPct val="102200"/>
                         </a:lnSpc>
@@ -3175,28 +3154,10 @@
                             <a:srgbClr val="020302"/>
                           </a:solidFill>
                           <a:latin typeface="AdobeClean-Light"/>
+                          <a:ea typeface="+mn-ea"/>
                           <a:cs typeface="AdobeClean-Light"/>
                         </a:rPr>
-                        <a:t>Orario operativo / </a:t>
-                      </a:r>
-                      <a:br>
-                        <a:rPr lang="sk-SK" sz="900" dirty="0">
-                          <a:solidFill>
-                            <a:srgbClr val="020302"/>
-                          </a:solidFill>
-                          <a:latin typeface="AdobeClean-Light"/>
-                          <a:cs typeface="AdobeClean-Light"/>
-                        </a:rPr>
-                      </a:br>
-                      <a:r>
-                        <a:rPr lang="it-IT" sz="900" dirty="0">
-                          <a:solidFill>
-                            <a:srgbClr val="020302"/>
-                          </a:solidFill>
-                          <a:latin typeface="AdobeClean-Light"/>
-                          <a:cs typeface="AdobeClean-Light"/>
-                        </a:rPr>
-                        <a:t>6 ore</a:t>
+                        <a:t>Orario operativo / 6 ore</a:t>
                       </a:r>
                     </a:p>
                   </a:txBody>
@@ -3232,13 +3193,13 @@
                     <a:bodyPr/>
                     <a:lstStyle/>
                     <a:p>
-                      <a:pPr marL="508000" marR="531495" indent="1270" algn="ctr">
+                      <a:pPr marL="331788" marR="343535" indent="-3175" algn="ctr">
                         <a:lnSpc>
                           <a:spcPct val="102200"/>
                         </a:lnSpc>
                       </a:pPr>
                       <a:r>
-                        <a:rPr lang="it-IT" sz="900">
+                        <a:rPr lang="it-IT" sz="900" dirty="0">
                           <a:solidFill>
                             <a:srgbClr val="020302"/>
                           </a:solidFill>
@@ -3249,7 +3210,7 @@
                         <a:t>2</a:t>
                       </a:r>
                       <a:r>
-                        <a:rPr lang="it-IT" sz="900">
+                        <a:rPr lang="it-IT" sz="900" dirty="0">
                           <a:solidFill>
                             <a:srgbClr val="020302"/>
                           </a:solidFill>
@@ -3257,7 +3218,7 @@
                           <a:ea typeface="+mn-ea"/>
                           <a:cs typeface="AdobeClean-Light"/>
                         </a:rPr>
-                        <a:t>4x5 /   1 ora</a:t>
+                        <a:t>4x5 / 1 ora</a:t>
                       </a:r>
                     </a:p>
                   </a:txBody>
@@ -3382,7 +3343,7 @@
                     <a:bodyPr/>
                     <a:lstStyle/>
                     <a:p>
-                      <a:pPr marL="284163" marR="343535" indent="-49213" algn="ctr">
+                      <a:pPr marL="220663" marR="343535" indent="-3175" algn="ctr">
                         <a:lnSpc>
                           <a:spcPct val="102200"/>
                         </a:lnSpc>
@@ -3393,9 +3354,10 @@
                             <a:srgbClr val="020302"/>
                           </a:solidFill>
                           <a:latin typeface="AdobeClean-Light"/>
+                          <a:ea typeface="+mn-ea"/>
                           <a:cs typeface="AdobeClean-Light"/>
                         </a:rPr>
-                        <a:t>Giorni lavorativi /  3 giorni</a:t>
+                        <a:t>Giorni lavorativi / 3 giorni</a:t>
                       </a:r>
                     </a:p>
                   </a:txBody>
@@ -3431,7 +3393,7 @@
                     <a:bodyPr/>
                     <a:lstStyle/>
                     <a:p>
-                      <a:pPr marL="284163" marR="343535" indent="-49213" algn="ctr">
+                      <a:pPr marL="266700" marR="343535" indent="-3175" algn="ctr">
                         <a:lnSpc>
                           <a:spcPct val="102200"/>
                         </a:lnSpc>
@@ -3442,9 +3404,10 @@
                             <a:srgbClr val="020302"/>
                           </a:solidFill>
                           <a:latin typeface="AdobeClean-Light"/>
+                          <a:ea typeface="+mn-ea"/>
                           <a:cs typeface="AdobeClean-Light"/>
                         </a:rPr>
-                        <a:t>Giorni lavorativi /  1 giorno</a:t>
+                        <a:t>Giorni lavorativi / 1 giorno</a:t>
                       </a:r>
                     </a:p>
                   </a:txBody>
@@ -3524,7 +3487,7 @@
         <p:spPr>
           <a:xfrm>
             <a:off x="97786" y="9888626"/>
-            <a:ext cx="2950213" cy="133370"/>
+            <a:ext cx="3030223" cy="133370"/>
           </a:xfrm>
           <a:prstGeom prst="rect">
             <a:avLst/>
@@ -3611,13 +3574,13 @@
           <p:nvPr>
             <p:extLst>
               <p:ext uri="{D42A27DB-BD31-4B8C-83A1-F6EECF244321}">
-                <p14:modId xmlns:p14="http://schemas.microsoft.com/office/powerpoint/2010/main" val="1734001763"/>
+                <p14:modId xmlns:p14="http://schemas.microsoft.com/office/powerpoint/2010/main" val="1814077619"/>
               </p:ext>
             </p:extLst>
           </p:nvPr>
         </p:nvGraphicFramePr>
         <p:xfrm>
-          <a:off x="273550" y="2258474"/>
+          <a:off x="273550" y="2186084"/>
           <a:ext cx="7281935" cy="4839582"/>
         </p:xfrm>
         <a:graphic>
@@ -3700,7 +3663,7 @@
                         <a:defRPr/>
                       </a:pPr>
                       <a:r>
-                        <a:rPr lang="it-IT" sz="900">
+                        <a:rPr lang="it-IT" sz="900" dirty="0">
                           <a:solidFill>
                             <a:srgbClr val="404040"/>
                           </a:solidFill>
@@ -3749,7 +3712,7 @@
                         </a:spcBef>
                       </a:pPr>
                       <a:r>
-                        <a:rPr lang="it-IT" sz="900">
+                        <a:rPr lang="it-IT" sz="900" dirty="0">
                           <a:solidFill>
                             <a:srgbClr val="FFFFFF"/>
                           </a:solidFill>
@@ -3839,7 +3802,7 @@
                         <a:tabLst/>
                         <a:defRPr/>
                       </a:pPr>
-                      <a:endParaRPr lang="en-US" sz="800" i="1" dirty="0">
+                      <a:endParaRPr lang="en-US" sz="800" i="1">
                         <a:solidFill>
                           <a:sysClr val="windowText" lastClr="000000"/>
                         </a:solidFill>
@@ -3973,7 +3936,7 @@
                         </a:spcBef>
                       </a:pPr>
                       <a:r>
-                        <a:rPr lang="it-IT" sz="1000" b="1" i="0">
+                        <a:rPr lang="it-IT" sz="1000" b="1" i="0" dirty="0">
                           <a:solidFill>
                             <a:schemeClr val="bg1"/>
                           </a:solidFill>
@@ -4079,7 +4042,7 @@
                           <a:spcPts val="470"/>
                         </a:spcBef>
                       </a:pPr>
-                      <a:endParaRPr sz="900" dirty="0">
+                      <a:endParaRPr sz="900">
                         <a:latin typeface="Wingdings"/>
                         <a:cs typeface="Wingdings"/>
                       </a:endParaRPr>
@@ -4120,7 +4083,7 @@
                           <a:spcPts val="470"/>
                         </a:spcBef>
                       </a:pPr>
-                      <a:endParaRPr sz="900" dirty="0">
+                      <a:endParaRPr sz="900">
                         <a:latin typeface="Wingdings"/>
                         <a:cs typeface="Wingdings"/>
                       </a:endParaRPr>
@@ -4163,7 +4126,7 @@
                           <a:spcPts val="459"/>
                         </a:spcBef>
                       </a:pPr>
-                      <a:endParaRPr sz="900" dirty="0">
+                      <a:endParaRPr sz="900">
                         <a:latin typeface="AdobeClean-Light"/>
                         <a:cs typeface="AdobeClean-Light"/>
                       </a:endParaRPr>
@@ -4237,7 +4200,7 @@
                           <a:spcPct val="100000"/>
                         </a:lnSpc>
                       </a:pPr>
-                      <a:endParaRPr sz="900" dirty="0">
+                      <a:endParaRPr sz="900">
                         <a:latin typeface="Times New Roman"/>
                         <a:cs typeface="Times New Roman"/>
                       </a:endParaRPr>
@@ -4318,7 +4281,7 @@
                           <a:spcPts val="500"/>
                         </a:spcBef>
                       </a:pPr>
-                      <a:endParaRPr sz="900" dirty="0">
+                      <a:endParaRPr sz="900">
                         <a:latin typeface="AdobeClean-Light"/>
                         <a:cs typeface="AdobeClean-Light"/>
                       </a:endParaRPr>
@@ -4410,7 +4373,7 @@
                           <a:spcPct val="100000"/>
                         </a:lnSpc>
                       </a:pPr>
-                      <a:endParaRPr sz="900" dirty="0">
+                      <a:endParaRPr sz="900">
                         <a:latin typeface="Times New Roman"/>
                         <a:cs typeface="Times New Roman"/>
                       </a:endParaRPr>
@@ -4510,7 +4473,7 @@
                         </a:spcBef>
                       </a:pPr>
                       <a:r>
-                        <a:rPr lang="it-IT" sz="1000" b="1" i="0">
+                        <a:rPr lang="it-IT" sz="1000" b="1" i="0" dirty="0">
                           <a:solidFill>
                             <a:schemeClr val="bg1"/>
                           </a:solidFill>
@@ -4715,7 +4678,7 @@
                           <a:spcPts val="455"/>
                         </a:spcBef>
                       </a:pPr>
-                      <a:endParaRPr sz="900" dirty="0">
+                      <a:endParaRPr sz="900">
                         <a:latin typeface="AdobeClean-Light"/>
                         <a:cs typeface="AdobeClean-Light"/>
                       </a:endParaRPr>
@@ -4873,7 +4836,7 @@
                           <a:spcPts val="455"/>
                         </a:spcBef>
                       </a:pPr>
-                      <a:endParaRPr sz="900" dirty="0">
+                      <a:endParaRPr sz="900">
                         <a:latin typeface="AdobeClean-Light"/>
                         <a:cs typeface="AdobeClean-Light"/>
                       </a:endParaRPr>
@@ -5046,7 +5009,7 @@
                           <a:spcPts val="455"/>
                         </a:spcBef>
                       </a:pPr>
-                      <a:endParaRPr sz="900" dirty="0">
+                      <a:endParaRPr sz="900">
                         <a:latin typeface="AdobeClean-Light"/>
                         <a:cs typeface="AdobeClean-Light"/>
                       </a:endParaRPr>
@@ -5126,7 +5089,7 @@
                           <a:spcPts val="464"/>
                         </a:spcBef>
                       </a:pPr>
-                      <a:endParaRPr sz="900" dirty="0">
+                      <a:endParaRPr sz="900">
                         <a:latin typeface="Wingdings"/>
                         <a:cs typeface="Wingdings"/>
                       </a:endParaRPr>
@@ -5198,7 +5161,7 @@
                           <a:spcPts val="459"/>
                         </a:spcBef>
                       </a:pPr>
-                      <a:endParaRPr sz="900" dirty="0">
+                      <a:endParaRPr sz="900">
                         <a:latin typeface="AdobeClean-Light"/>
                         <a:cs typeface="AdobeClean-Light"/>
                       </a:endParaRPr>
@@ -5278,7 +5241,7 @@
                           <a:spcPts val="470"/>
                         </a:spcBef>
                       </a:pPr>
-                      <a:endParaRPr sz="900" dirty="0">
+                      <a:endParaRPr sz="900">
                         <a:latin typeface="Wingdings"/>
                         <a:cs typeface="Wingdings"/>
                       </a:endParaRPr>
@@ -5350,7 +5313,7 @@
                           <a:spcPts val="450"/>
                         </a:spcBef>
                       </a:pPr>
-                      <a:endParaRPr sz="900" dirty="0">
+                      <a:endParaRPr sz="900">
                         <a:latin typeface="AdobeClean-Light"/>
                         <a:cs typeface="AdobeClean-Light"/>
                       </a:endParaRPr>
@@ -5427,7 +5390,7 @@
                           <a:spcPct val="100000"/>
                         </a:lnSpc>
                       </a:pPr>
-                      <a:endParaRPr sz="900" dirty="0">
+                      <a:endParaRPr sz="900">
                         <a:latin typeface="Times New Roman"/>
                         <a:cs typeface="Times New Roman"/>
                       </a:endParaRPr>
@@ -5543,7 +5506,7 @@
                           <a:spcPct val="100000"/>
                         </a:lnSpc>
                       </a:pPr>
-                      <a:endParaRPr sz="900" dirty="0">
+                      <a:endParaRPr sz="900">
                         <a:latin typeface="Times New Roman"/>
                         <a:cs typeface="Times New Roman"/>
                       </a:endParaRPr>
@@ -5659,7 +5622,7 @@
                           <a:spcPct val="100000"/>
                         </a:lnSpc>
                       </a:pPr>
-                      <a:endParaRPr sz="900" dirty="0">
+                      <a:endParaRPr sz="900">
                         <a:latin typeface="Times New Roman"/>
                         <a:cs typeface="Times New Roman"/>
                       </a:endParaRPr>
@@ -5740,7 +5703,7 @@
                           <a:spcPts val="459"/>
                         </a:spcBef>
                       </a:pPr>
-                      <a:endParaRPr sz="900" dirty="0">
+                      <a:endParaRPr sz="900">
                         <a:latin typeface="AdobeClean-Light"/>
                         <a:cs typeface="AdobeClean-Light"/>
                       </a:endParaRPr>
@@ -5832,7 +5795,7 @@
                           <a:spcPct val="100000"/>
                         </a:lnSpc>
                       </a:pPr>
-                      <a:endParaRPr sz="900" dirty="0">
+                      <a:endParaRPr sz="900">
                         <a:latin typeface="Times New Roman"/>
                         <a:cs typeface="Times New Roman"/>
                       </a:endParaRPr>
@@ -5913,7 +5876,7 @@
                           <a:spcPts val="465"/>
                         </a:spcBef>
                       </a:pPr>
-                      <a:endParaRPr sz="900" dirty="0">
+                      <a:endParaRPr sz="900">
                         <a:latin typeface="AdobeClean-Light"/>
                         <a:cs typeface="AdobeClean-Light"/>
                       </a:endParaRPr>
@@ -5990,7 +5953,7 @@
                           <a:spcPct val="100000"/>
                         </a:lnSpc>
                       </a:pPr>
-                      <a:endParaRPr sz="900" dirty="0">
+                      <a:endParaRPr sz="900">
                         <a:latin typeface="Times New Roman"/>
                         <a:cs typeface="Times New Roman"/>
                       </a:endParaRPr>
@@ -6071,7 +6034,7 @@
                           <a:spcPts val="500"/>
                         </a:spcBef>
                       </a:pPr>
-                      <a:endParaRPr sz="900" dirty="0">
+                      <a:endParaRPr sz="900">
                         <a:latin typeface="AdobeClean-Light"/>
                         <a:cs typeface="AdobeClean-Light"/>
                       </a:endParaRPr>
@@ -6112,14 +6075,33 @@
                         </a:spcBef>
                       </a:pPr>
                       <a:r>
-                        <a:rPr lang="it-IT" sz="900">
+                        <a:rPr lang="it-IT" sz="900" dirty="0">
                           <a:solidFill>
                             <a:srgbClr val="020302"/>
                           </a:solidFill>
                           <a:latin typeface="AdobeClean-Light"/>
                           <a:cs typeface="AdobeClean-Light"/>
                         </a:rPr>
-                        <a:t>Valutazione della roadmap di prodotti, versioni, migrazione e aggiornamento</a:t>
+                        <a:t>Valutazione della roadmap di prodotti, versioni, migrazione </a:t>
+                      </a:r>
+                      <a:br>
+                        <a:rPr lang="it-IT" sz="900" dirty="0">
+                          <a:solidFill>
+                            <a:srgbClr val="020302"/>
+                          </a:solidFill>
+                          <a:latin typeface="AdobeClean-Light"/>
+                          <a:cs typeface="AdobeClean-Light"/>
+                        </a:rPr>
+                      </a:br>
+                      <a:r>
+                        <a:rPr lang="it-IT" sz="900" dirty="0">
+                          <a:solidFill>
+                            <a:srgbClr val="020302"/>
+                          </a:solidFill>
+                          <a:latin typeface="AdobeClean-Light"/>
+                          <a:cs typeface="AdobeClean-Light"/>
+                        </a:rPr>
+                        <a:t>e aggiornamento</a:t>
                       </a:r>
                     </a:p>
                   </a:txBody>
@@ -6148,7 +6130,7 @@
                           <a:spcPct val="100000"/>
                         </a:lnSpc>
                       </a:pPr>
-                      <a:endParaRPr sz="900" dirty="0">
+                      <a:endParaRPr sz="900">
                         <a:latin typeface="Times New Roman"/>
                         <a:cs typeface="Times New Roman"/>
                       </a:endParaRPr>
@@ -6229,7 +6211,7 @@
                           <a:spcPts val="530"/>
                         </a:spcBef>
                       </a:pPr>
-                      <a:endParaRPr sz="900" dirty="0">
+                      <a:endParaRPr sz="900">
                         <a:latin typeface="AdobeClean-Light"/>
                         <a:cs typeface="AdobeClean-Light"/>
                       </a:endParaRPr>
@@ -6318,7 +6300,7 @@
                           <a:spcPct val="100000"/>
                         </a:lnSpc>
                       </a:pPr>
-                      <a:endParaRPr sz="900" dirty="0">
+                      <a:endParaRPr sz="900">
                         <a:latin typeface="Times New Roman"/>
                         <a:cs typeface="Times New Roman"/>
                       </a:endParaRPr>
@@ -6531,7 +6513,7 @@
                           <a:spcPct val="100000"/>
                         </a:lnSpc>
                       </a:pPr>
-                      <a:endParaRPr sz="900" dirty="0">
+                      <a:endParaRPr sz="900">
                         <a:latin typeface="Times New Roman"/>
                         <a:cs typeface="Times New Roman"/>
                       </a:endParaRPr>
@@ -6685,7 +6667,7 @@
                         <a:defRPr/>
                       </a:pPr>
                       <a:r>
-                        <a:rPr lang="it-IT" sz="900" dirty="0">
+                        <a:rPr lang="it-IT" sz="900">
                           <a:latin typeface="AdobeClean-Light"/>
                           <a:cs typeface="AdobeClean-Light"/>
                         </a:rPr>
@@ -6724,7 +6706,7 @@
                     <a:lstStyle/>
                     <a:p>
                       <a:pPr algn="l" rtl="0"/>
-                      <a:endParaRPr lang="en-US" dirty="0"/>
+                      <a:endParaRPr lang="en-US"/>
                     </a:p>
                   </a:txBody>
                   <a:tcPr marL="0" marR="0" marT="0" marB="0">
@@ -6869,7 +6851,7 @@
         <p:spPr>
           <a:xfrm>
             <a:off x="357339" y="897486"/>
-            <a:ext cx="2434387" cy="45719"/>
+            <a:ext cx="2495088" cy="45719"/>
           </a:xfrm>
           <a:custGeom>
             <a:avLst/>
@@ -6911,7 +6893,7 @@
         <p:spPr>
           <a:xfrm>
             <a:off x="357339" y="608961"/>
-            <a:ext cx="2568314" cy="228268"/>
+            <a:ext cx="3345981" cy="228268"/>
           </a:xfrm>
           <a:prstGeom prst="rect">
             <a:avLst/>
@@ -6952,8 +6934,8 @@
         </p:nvSpPr>
         <p:spPr>
           <a:xfrm>
-            <a:off x="2868167" y="1433668"/>
-            <a:ext cx="2194560" cy="936154"/>
+            <a:off x="2868167" y="1372708"/>
+            <a:ext cx="2194559" cy="936154"/>
           </a:xfrm>
           <a:prstGeom prst="rect">
             <a:avLst/>
@@ -6981,10 +6963,10 @@
                 <a:latin typeface="AdobeClean-Light"/>
                 <a:cs typeface="AdobeClean-Light"/>
               </a:rPr>
-              <a:t>Un tecnico del supporto dedicato </a:t>
+              <a:t>Un tecnico del supporto dedicato che acquisisce familiarità con l’ambiente della soluzione e gli obiettivi di business </a:t>
             </a:r>
             <a:br>
-              <a:rPr lang="sk-SK" sz="1000" dirty="0">
+              <a:rPr lang="it-IT" sz="1000" dirty="0">
                 <a:solidFill>
                   <a:srgbClr val="4B4B4B"/>
                 </a:solidFill>
@@ -7000,10 +6982,10 @@
                 <a:latin typeface="AdobeClean-Light"/>
                 <a:cs typeface="AdobeClean-Light"/>
               </a:rPr>
-              <a:t>che acquisisce familiarità con l’ambiente della soluzione e gli obiettivi di business </a:t>
+              <a:t>del cliente. Il Named Support Engineer </a:t>
             </a:r>
             <a:br>
-              <a:rPr lang="sk-SK" sz="1000" dirty="0">
+              <a:rPr lang="it-IT" sz="1000" dirty="0">
                 <a:solidFill>
                   <a:srgbClr val="4B4B4B"/>
                 </a:solidFill>
@@ -7019,45 +7001,7 @@
                 <a:latin typeface="AdobeClean-Light"/>
                 <a:cs typeface="AdobeClean-Light"/>
               </a:rPr>
-              <a:t>del cliente. Il Named Support Engineer </a:t>
-            </a:r>
-            <a:br>
-              <a:rPr lang="sk-SK" sz="1000" dirty="0">
-                <a:solidFill>
-                  <a:srgbClr val="4B4B4B"/>
-                </a:solidFill>
-                <a:latin typeface="AdobeClean-Light"/>
-                <a:cs typeface="AdobeClean-Light"/>
-              </a:rPr>
-            </a:br>
-            <a:r>
-              <a:rPr lang="it-IT" sz="1000" dirty="0">
-                <a:solidFill>
-                  <a:srgbClr val="4B4B4B"/>
-                </a:solidFill>
-                <a:latin typeface="AdobeClean-Light"/>
-                <a:cs typeface="AdobeClean-Light"/>
-              </a:rPr>
-              <a:t>è un tecnico esperto che aiuta a coordinare </a:t>
-            </a:r>
-            <a:br>
-              <a:rPr lang="sk-SK" sz="1000" dirty="0">
-                <a:solidFill>
-                  <a:srgbClr val="4B4B4B"/>
-                </a:solidFill>
-                <a:latin typeface="AdobeClean-Light"/>
-                <a:cs typeface="AdobeClean-Light"/>
-              </a:rPr>
-            </a:br>
-            <a:r>
-              <a:rPr lang="it-IT" sz="1000" dirty="0">
-                <a:solidFill>
-                  <a:srgbClr val="4B4B4B"/>
-                </a:solidFill>
-                <a:latin typeface="AdobeClean-Light"/>
-                <a:cs typeface="AdobeClean-Light"/>
-              </a:rPr>
-              <a:t>la tua esperienza di assistenza Enterprise.</a:t>
+              <a:t>è un tecnico esperto che aiuta a coordinare la tua esperienza di assistenza Enterprise.</a:t>
             </a:r>
           </a:p>
         </p:txBody>
@@ -7078,7 +7022,7 @@
         </p:blipFill>
         <p:spPr>
           <a:xfrm>
-            <a:off x="2768925" y="1066800"/>
+            <a:off x="2768925" y="1005840"/>
             <a:ext cx="365760" cy="365760"/>
           </a:xfrm>
           <a:prstGeom prst="rect">
@@ -7102,8 +7046,8 @@
         </p:blipFill>
         <p:spPr>
           <a:xfrm>
-            <a:off x="5257800" y="2561747"/>
-            <a:ext cx="365760" cy="365760"/>
+            <a:off x="5287464" y="2473301"/>
+            <a:ext cx="314052" cy="314052"/>
           </a:xfrm>
           <a:prstGeom prst="rect">
             <a:avLst/>
@@ -7118,8 +7062,8 @@
         </p:nvSpPr>
         <p:spPr>
           <a:xfrm>
-            <a:off x="5333364" y="1433668"/>
-            <a:ext cx="2292715" cy="936154"/>
+            <a:off x="5333365" y="1372708"/>
+            <a:ext cx="2273188" cy="936154"/>
           </a:xfrm>
           <a:prstGeom prst="rect">
             <a:avLst/>
@@ -7147,10 +7091,10 @@
                 <a:latin typeface="AdobeClean-Light"/>
                 <a:cs typeface="AdobeClean-Light"/>
               </a:rPr>
-              <a:t>Valutazione periodica programmata delle richieste di supporto aperte, per garantirne l’allineamento in termini di descrizione dei casi, impatto sul business, stato, priorità </a:t>
+              <a:t>Valutazione periodica programmata delle richieste di supporto aperte, per garantirne l’allineamento in termini di descrizione </a:t>
             </a:r>
             <a:br>
-              <a:rPr lang="sk-SK" sz="1000" dirty="0">
+              <a:rPr lang="it-IT" sz="1000" dirty="0">
                 <a:solidFill>
                   <a:srgbClr val="4B4B4B"/>
                 </a:solidFill>
@@ -7166,7 +7110,7 @@
                 <a:latin typeface="AdobeClean-Light"/>
                 <a:cs typeface="AdobeClean-Light"/>
               </a:rPr>
-              <a:t>e accordi sulle azioni successive necessarie a garantire una rapida risoluzione.</a:t>
+              <a:t>dei casi, impatto sul business, stato, priorità e accordi sulle azioni successive necessarie a garantire una rapida risoluzione.</a:t>
             </a:r>
           </a:p>
         </p:txBody>
@@ -7187,7 +7131,7 @@
         </p:blipFill>
         <p:spPr>
           <a:xfrm>
-            <a:off x="2768925" y="2500787"/>
+            <a:off x="2768925" y="2401727"/>
             <a:ext cx="241555" cy="365760"/>
           </a:xfrm>
           <a:prstGeom prst="rect">
@@ -7203,8 +7147,8 @@
         </p:nvSpPr>
         <p:spPr>
           <a:xfrm>
-            <a:off x="324341" y="1433668"/>
-            <a:ext cx="2194560" cy="782265"/>
+            <a:off x="324340" y="1372708"/>
+            <a:ext cx="2273189" cy="782265"/>
           </a:xfrm>
           <a:prstGeom prst="rect">
             <a:avLst/>
@@ -7232,10 +7176,10 @@
                 <a:latin typeface="AdobeClean-Light"/>
                 <a:cs typeface="AdobeClean-Light"/>
               </a:rPr>
-              <a:t>Un Technical Account Manager dedicato per monitorare l’esperienza Elite, coordinare le attività di supporto e servizi sul campo, e fornire servizi proattivi volti </a:t>
+              <a:t>Un Technical Account Manager dedicato per monitorare l’esperienza Elite, coordinare le attività di supporto e servizi sul campo, </a:t>
             </a:r>
             <a:br>
-              <a:rPr lang="sk-SK" sz="1000" dirty="0">
+              <a:rPr lang="it-IT" sz="1000" dirty="0">
                 <a:solidFill>
                   <a:srgbClr val="020302"/>
                 </a:solidFill>
@@ -7251,7 +7195,7 @@
                 <a:latin typeface="AdobeClean-Light"/>
                 <a:cs typeface="AdobeClean-Light"/>
               </a:rPr>
-              <a:t>a massimizzare il valore aziendale.</a:t>
+              <a:t>e fornire servizi proattivi volti a massimizzare il valore aziendale.</a:t>
             </a:r>
           </a:p>
         </p:txBody>
@@ -7264,7 +7208,7 @@
         </p:nvSpPr>
         <p:spPr>
           <a:xfrm>
-            <a:off x="689237" y="1126245"/>
+            <a:off x="689237" y="1065285"/>
             <a:ext cx="2194560" cy="169277"/>
           </a:xfrm>
           <a:prstGeom prst="rect">
@@ -7314,7 +7258,7 @@
         </p:blipFill>
         <p:spPr>
           <a:xfrm>
-            <a:off x="228600" y="1066800"/>
+            <a:off x="228600" y="1005840"/>
             <a:ext cx="365760" cy="365760"/>
           </a:xfrm>
           <a:prstGeom prst="rect">
@@ -7338,7 +7282,7 @@
         </p:blipFill>
         <p:spPr>
           <a:xfrm>
-            <a:off x="5257800" y="1066800"/>
+            <a:off x="5257800" y="1005840"/>
             <a:ext cx="365760" cy="365760"/>
           </a:xfrm>
           <a:prstGeom prst="rect">
@@ -7376,14 +7320,33 @@
               </a:spcBef>
             </a:pPr>
             <a:r>
-              <a:rPr lang="it-IT" sz="1000">
+              <a:rPr lang="it-IT" sz="1000" dirty="0">
                 <a:solidFill>
                   <a:srgbClr val="020302"/>
                 </a:solidFill>
                 <a:latin typeface="AdobeClean-Light"/>
                 <a:cs typeface="AdobeClean-Light"/>
               </a:rPr>
-              <a:t>Trasferimento continuo delle conoscenze dal team di supporto Adobe, per fornire best practice sull’utilizzo delle soluzioni.</a:t>
+              <a:t>Trasferimento continuo delle conoscenze dal team di supporto Adobe, per fornire </a:t>
+            </a:r>
+            <a:br>
+              <a:rPr lang="it-IT" sz="1000" dirty="0">
+                <a:solidFill>
+                  <a:srgbClr val="020302"/>
+                </a:solidFill>
+                <a:latin typeface="AdobeClean-Light"/>
+                <a:cs typeface="AdobeClean-Light"/>
+              </a:rPr>
+            </a:br>
+            <a:r>
+              <a:rPr lang="it-IT" sz="1000" dirty="0">
+                <a:solidFill>
+                  <a:srgbClr val="020302"/>
+                </a:solidFill>
+                <a:latin typeface="AdobeClean-Light"/>
+                <a:cs typeface="AdobeClean-Light"/>
+              </a:rPr>
+              <a:t>best practice sull’utilizzo delle soluzioni.</a:t>
             </a:r>
           </a:p>
         </p:txBody>
@@ -7396,8 +7359,8 @@
         </p:nvSpPr>
         <p:spPr>
           <a:xfrm>
-            <a:off x="5265661" y="5243920"/>
-            <a:ext cx="2194560" cy="669927"/>
+            <a:off x="5265660" y="5243920"/>
+            <a:ext cx="2228609" cy="669927"/>
           </a:xfrm>
           <a:prstGeom prst="rect">
             <a:avLst/>
@@ -7438,8 +7401,8 @@
         </p:nvSpPr>
         <p:spPr>
           <a:xfrm>
-            <a:off x="324340" y="5262204"/>
-            <a:ext cx="2237777" cy="698781"/>
+            <a:off x="324341" y="5262204"/>
+            <a:ext cx="2273188" cy="698781"/>
           </a:xfrm>
           <a:prstGeom prst="rect">
             <a:avLst/>
@@ -7480,8 +7443,8 @@
         </p:nvSpPr>
         <p:spPr>
           <a:xfrm>
-            <a:off x="97787" y="9888626"/>
-            <a:ext cx="2754640" cy="133370"/>
+            <a:off x="97787" y="9888625"/>
+            <a:ext cx="3015618" cy="133370"/>
           </a:xfrm>
           <a:prstGeom prst="rect">
             <a:avLst/>
@@ -7545,7 +7508,7 @@
         </p:blipFill>
         <p:spPr>
           <a:xfrm>
-            <a:off x="228599" y="2472569"/>
+            <a:off x="228599" y="2373509"/>
             <a:ext cx="365760" cy="365760"/>
           </a:xfrm>
           <a:prstGeom prst="rect">
@@ -7567,8 +7530,8 @@
         </p:nvSpPr>
         <p:spPr>
           <a:xfrm>
-            <a:off x="2910840" y="9060487"/>
-            <a:ext cx="2194560" cy="487313"/>
+            <a:off x="2791725" y="8911897"/>
+            <a:ext cx="2246651" cy="641201"/>
           </a:xfrm>
           <a:prstGeom prst="rect">
             <a:avLst/>
@@ -7622,7 +7585,26 @@
                 <a:latin typeface="AdobeClean-LightIt"/>
                 <a:cs typeface="AdobeClean-LightIt"/>
               </a:rPr>
-              <a:t>* Il supporto chat in diretta non è disponibile per tutti i prodotti</a:t>
+              <a:t>* Il supporto chat in diretta non </a:t>
+            </a:r>
+            <a:br>
+              <a:rPr lang="it-IT" sz="1000" i="1" dirty="0">
+                <a:solidFill>
+                  <a:srgbClr val="7A7A7A"/>
+                </a:solidFill>
+                <a:latin typeface="AdobeClean-LightIt"/>
+                <a:cs typeface="AdobeClean-LightIt"/>
+              </a:rPr>
+            </a:br>
+            <a:r>
+              <a:rPr lang="it-IT" sz="1000" i="1" dirty="0">
+                <a:solidFill>
+                  <a:srgbClr val="7A7A7A"/>
+                </a:solidFill>
+                <a:latin typeface="AdobeClean-LightIt"/>
+                <a:cs typeface="AdobeClean-LightIt"/>
+              </a:rPr>
+              <a:t>è disponibile per tutti i prodotti</a:t>
             </a:r>
             <a:r>
               <a:rPr lang="it-IT" sz="900" i="1" dirty="0">
@@ -7653,7 +7635,7 @@
         </p:nvSpPr>
         <p:spPr>
           <a:xfrm>
-            <a:off x="689237" y="6756914"/>
+            <a:off x="689237" y="6562604"/>
             <a:ext cx="1568246" cy="184666"/>
           </a:xfrm>
           <a:prstGeom prst="rect">
@@ -7706,7 +7688,7 @@
         </p:nvSpPr>
         <p:spPr>
           <a:xfrm>
-            <a:off x="689237" y="6960100"/>
+            <a:off x="689237" y="6765790"/>
             <a:ext cx="959314" cy="184666"/>
           </a:xfrm>
           <a:prstGeom prst="rect">
@@ -7752,7 +7734,7 @@
         </p:nvSpPr>
         <p:spPr>
           <a:xfrm>
-            <a:off x="324341" y="7152361"/>
+            <a:off x="324341" y="6958051"/>
             <a:ext cx="2194560" cy="1113125"/>
           </a:xfrm>
           <a:prstGeom prst="rect">
@@ -7775,7 +7757,7 @@
               <a:t>Accesso online continuo a un database </a:t>
             </a:r>
             <a:br>
-              <a:rPr lang="sk-SK" sz="1000" dirty="0">
+              <a:rPr lang="it-IT" sz="1000" dirty="0">
                 <a:solidFill>
                   <a:srgbClr val="4B4B4B"/>
                 </a:solidFill>
@@ -7789,10 +7771,27 @@
                 </a:solidFill>
                 <a:latin typeface="Adobe Clean Light" panose="020B0303020404020204" pitchFamily="34" charset="0"/>
               </a:rPr>
-              <a:t>in continua crescita di soluzioni tecniche, documentazione del prodotto, risposte alle domande più frequenti e altro ancora. Possibilità di relazionarsi con professionisti </a:t>
+              <a:t>in continua crescita di soluzioni tecniche, documentazione del prodotto, risposte </a:t>
             </a:r>
             <a:br>
-              <a:rPr lang="sk-SK" sz="1000" dirty="0">
+              <a:rPr lang="it-IT" sz="1000" dirty="0">
+                <a:solidFill>
+                  <a:srgbClr val="4B4B4B"/>
+                </a:solidFill>
+                <a:latin typeface="Adobe Clean Light" panose="020B0303020404020204" pitchFamily="34" charset="0"/>
+              </a:rPr>
+            </a:br>
+            <a:r>
+              <a:rPr lang="it-IT" sz="1000" dirty="0">
+                <a:solidFill>
+                  <a:srgbClr val="4B4B4B"/>
+                </a:solidFill>
+                <a:latin typeface="Adobe Clean Light" panose="020B0303020404020204" pitchFamily="34" charset="0"/>
+              </a:rPr>
+              <a:t>alle domande più frequenti e altro ancora. Possibilità di relazionarsi con professionisti </a:t>
+            </a:r>
+            <a:br>
+              <a:rPr lang="it-IT" sz="1000" dirty="0">
                 <a:solidFill>
                   <a:srgbClr val="4B4B4B"/>
                 </a:solidFill>
@@ -7827,7 +7826,7 @@
         </p:nvSpPr>
         <p:spPr>
           <a:xfrm>
-            <a:off x="5723508" y="6756914"/>
+            <a:off x="5723508" y="6562604"/>
             <a:ext cx="1463040" cy="184666"/>
           </a:xfrm>
           <a:prstGeom prst="rect">
@@ -7880,7 +7879,7 @@
         </p:nvSpPr>
         <p:spPr>
           <a:xfrm>
-            <a:off x="5723508" y="6960100"/>
+            <a:off x="5723508" y="6765790"/>
             <a:ext cx="1316707" cy="184666"/>
           </a:xfrm>
           <a:prstGeom prst="rect">
@@ -7926,8 +7925,8 @@
         </p:nvSpPr>
         <p:spPr>
           <a:xfrm>
-            <a:off x="5265661" y="7152361"/>
-            <a:ext cx="2360418" cy="1267014"/>
+            <a:off x="5265660" y="6958051"/>
+            <a:ext cx="2392439" cy="1267014"/>
           </a:xfrm>
           <a:prstGeom prst="rect">
             <a:avLst/>
@@ -7940,7 +7939,7 @@
           <a:lstStyle/>
           <a:p>
             <a:r>
-              <a:rPr lang="it-IT" sz="1000" dirty="0">
+              <a:rPr lang="it-IT" sz="1000" spc="-10" dirty="0">
                 <a:solidFill>
                   <a:srgbClr val="4B4B4B"/>
                 </a:solidFill>
@@ -7967,7 +7966,7 @@
         </p:nvSpPr>
         <p:spPr>
           <a:xfrm>
-            <a:off x="3201544" y="8560230"/>
+            <a:off x="3201544" y="8411640"/>
             <a:ext cx="1543003" cy="184666"/>
           </a:xfrm>
           <a:prstGeom prst="rect">
@@ -8020,7 +8019,7 @@
         </p:nvSpPr>
         <p:spPr>
           <a:xfrm>
-            <a:off x="3201544" y="8741449"/>
+            <a:off x="3201544" y="8592859"/>
             <a:ext cx="840166" cy="184666"/>
           </a:xfrm>
           <a:prstGeom prst="rect">
@@ -8068,7 +8067,7 @@
         </p:nvSpPr>
         <p:spPr>
           <a:xfrm>
-            <a:off x="3201544" y="6756914"/>
+            <a:off x="3201544" y="6562604"/>
             <a:ext cx="2520000" cy="184666"/>
           </a:xfrm>
           <a:prstGeom prst="rect">
@@ -8121,7 +8120,7 @@
         </p:nvSpPr>
         <p:spPr>
           <a:xfrm>
-            <a:off x="3201544" y="6960100"/>
+            <a:off x="3201544" y="6765790"/>
             <a:ext cx="992259" cy="184666"/>
           </a:xfrm>
           <a:prstGeom prst="rect">
@@ -8167,7 +8166,7 @@
         </p:nvSpPr>
         <p:spPr>
           <a:xfrm>
-            <a:off x="2791726" y="7152361"/>
+            <a:off x="2791726" y="6958051"/>
             <a:ext cx="2194560" cy="959237"/>
           </a:xfrm>
           <a:prstGeom prst="rect">
@@ -8205,18 +8204,18 @@
               <a:t> possono segnalare i problemi tramite tutti i canali disponibili (compreso </a:t>
             </a:r>
             <a:br>
-              <a:rPr lang="sk-SK" sz="1000" dirty="0">
-                <a:latin typeface="Adobe Clean Light" panose="020B0303020404020204" pitchFamily="34" charset="0"/>
-              </a:rPr>
-            </a:br>
-            <a:r>
               <a:rPr lang="it-IT" sz="1000" dirty="0">
                 <a:latin typeface="Adobe Clean Light" panose="020B0303020404020204" pitchFamily="34" charset="0"/>
               </a:rPr>
+            </a:br>
+            <a:r>
+              <a:rPr lang="it-IT" sz="1000" dirty="0">
+                <a:latin typeface="Adobe Clean Light" panose="020B0303020404020204" pitchFamily="34" charset="0"/>
+              </a:rPr>
               <a:t>il supporto telefonico per casi P1) e interagire con il team Adobe di assistenza tecnica </a:t>
             </a:r>
             <a:br>
-              <a:rPr lang="sk-SK" sz="1000" dirty="0">
+              <a:rPr lang="it-IT" sz="1000" dirty="0">
                 <a:latin typeface="Adobe Clean Light" panose="020B0303020404020204" pitchFamily="34" charset="0"/>
               </a:rPr>
             </a:br>
@@ -8244,7 +8243,7 @@
         <p:spPr>
           <a:xfrm>
             <a:off x="214971" y="6447157"/>
-            <a:ext cx="1848207" cy="45719"/>
+            <a:ext cx="2608239" cy="45719"/>
           </a:xfrm>
           <a:custGeom>
             <a:avLst/>
@@ -8293,7 +8292,7 @@
         </p:nvSpPr>
         <p:spPr>
           <a:xfrm>
-            <a:off x="689237" y="8560230"/>
+            <a:off x="689237" y="8411640"/>
             <a:ext cx="991521" cy="184666"/>
           </a:xfrm>
           <a:prstGeom prst="rect">
@@ -8346,7 +8345,7 @@
         </p:nvSpPr>
         <p:spPr>
           <a:xfrm>
-            <a:off x="689237" y="8741449"/>
+            <a:off x="689237" y="8592859"/>
             <a:ext cx="604974" cy="184666"/>
           </a:xfrm>
           <a:prstGeom prst="rect">
@@ -8392,8 +8391,8 @@
         </p:nvSpPr>
         <p:spPr>
           <a:xfrm>
-            <a:off x="355867" y="9026059"/>
-            <a:ext cx="2512299" cy="805349"/>
+            <a:off x="355868" y="8877469"/>
+            <a:ext cx="2322562" cy="959237"/>
           </a:xfrm>
           <a:prstGeom prst="rect">
             <a:avLst/>
@@ -8412,7 +8411,58 @@
                 </a:solidFill>
                 <a:latin typeface="Adobe Clean Light" panose="020B0303020404020204" pitchFamily="34" charset="0"/>
               </a:rPr>
-              <a:t>Le sessioni Office Hours, guidate dal team di Assistenza clienti di Adobe, sono pensate per informare e aiutare i partecipanti a risolvere eventuali problemi e forniscono suggerimenti utili per ottenere il massimo dalle soluzioni Adobe. </a:t>
+              <a:t>Le sessioni Office Hours, guidate dal team </a:t>
+            </a:r>
+            <a:br>
+              <a:rPr lang="it-IT" sz="1000" dirty="0">
+                <a:solidFill>
+                  <a:srgbClr val="4B4B4B"/>
+                </a:solidFill>
+                <a:latin typeface="Adobe Clean Light" panose="020B0303020404020204" pitchFamily="34" charset="0"/>
+              </a:rPr>
+            </a:br>
+            <a:r>
+              <a:rPr lang="it-IT" sz="1000" dirty="0">
+                <a:solidFill>
+                  <a:srgbClr val="4B4B4B"/>
+                </a:solidFill>
+                <a:latin typeface="Adobe Clean Light" panose="020B0303020404020204" pitchFamily="34" charset="0"/>
+              </a:rPr>
+              <a:t>di Assistenza clienti di Adobe, sono pensate </a:t>
+            </a:r>
+            <a:br>
+              <a:rPr lang="it-IT" sz="1000" dirty="0">
+                <a:solidFill>
+                  <a:srgbClr val="4B4B4B"/>
+                </a:solidFill>
+                <a:latin typeface="Adobe Clean Light" panose="020B0303020404020204" pitchFamily="34" charset="0"/>
+              </a:rPr>
+            </a:br>
+            <a:r>
+              <a:rPr lang="it-IT" sz="1000" dirty="0">
+                <a:solidFill>
+                  <a:srgbClr val="4B4B4B"/>
+                </a:solidFill>
+                <a:latin typeface="Adobe Clean Light" panose="020B0303020404020204" pitchFamily="34" charset="0"/>
+              </a:rPr>
+              <a:t>per informare e aiutare i partecipanti a risolvere eventuali problemi e forniscono suggerimenti utili per ottenere il massimo dalle </a:t>
+            </a:r>
+            <a:br>
+              <a:rPr lang="it-IT" sz="1000" dirty="0">
+                <a:solidFill>
+                  <a:srgbClr val="4B4B4B"/>
+                </a:solidFill>
+                <a:latin typeface="Adobe Clean Light" panose="020B0303020404020204" pitchFamily="34" charset="0"/>
+              </a:rPr>
+            </a:br>
+            <a:r>
+              <a:rPr lang="it-IT" sz="1000" dirty="0">
+                <a:solidFill>
+                  <a:srgbClr val="4B4B4B"/>
+                </a:solidFill>
+                <a:latin typeface="Adobe Clean Light" panose="020B0303020404020204" pitchFamily="34" charset="0"/>
+              </a:rPr>
+              <a:t>soluzioni Adobe. </a:t>
             </a:r>
           </a:p>
         </p:txBody>
@@ -8433,8 +8483,8 @@
         </p:nvSpPr>
         <p:spPr>
           <a:xfrm>
-            <a:off x="5723508" y="8560230"/>
-            <a:ext cx="1303746" cy="184666"/>
+            <a:off x="5723507" y="8411640"/>
+            <a:ext cx="1883045" cy="184666"/>
           </a:xfrm>
           <a:prstGeom prst="rect">
             <a:avLst/>
@@ -8460,7 +8510,7 @@
               <a:defRPr/>
             </a:pPr>
             <a:r>
-              <a:rPr lang="it-IT" sz="1200">
+              <a:rPr lang="it-IT" sz="1200" dirty="0">
                 <a:solidFill>
                   <a:srgbClr val="000000"/>
                 </a:solidFill>
@@ -8486,7 +8536,7 @@
         </p:nvSpPr>
         <p:spPr>
           <a:xfrm>
-            <a:off x="5723508" y="8741449"/>
+            <a:off x="5723508" y="8592859"/>
             <a:ext cx="1267206" cy="184666"/>
           </a:xfrm>
           <a:prstGeom prst="rect">
@@ -8532,7 +8582,7 @@
         </p:nvSpPr>
         <p:spPr>
           <a:xfrm>
-            <a:off x="5265661" y="8987081"/>
+            <a:off x="5265661" y="8838491"/>
             <a:ext cx="2194560" cy="805349"/>
           </a:xfrm>
           <a:prstGeom prst="rect">
@@ -8546,13 +8596,30 @@
           <a:lstStyle/>
           <a:p>
             <a:r>
-              <a:rPr lang="it-IT" sz="1000">
+              <a:rPr lang="it-IT" sz="1000" dirty="0">
                 <a:solidFill>
                   <a:srgbClr val="4B4B4B"/>
                 </a:solidFill>
                 <a:latin typeface="Adobe Clean Light" panose="020B0303020404020204" pitchFamily="34" charset="0"/>
               </a:rPr>
-              <a:t>Accesso on-demand al portale di assistenza autonoma per inviare richieste di supporto, esaminare lo stato dei casi e sfogliare altre risorse, come la knowledge base, notizie e avvisi, suggerimenti e altro ancora.</a:t>
+              <a:t>Accesso on-demand al portale di assistenza autonoma per inviare richieste di supporto, esaminare lo stato dei casi e sfogliare altre risorse, come la knowledge base, notizie </a:t>
+            </a:r>
+            <a:br>
+              <a:rPr lang="it-IT" sz="1000" dirty="0">
+                <a:solidFill>
+                  <a:srgbClr val="4B4B4B"/>
+                </a:solidFill>
+                <a:latin typeface="Adobe Clean Light" panose="020B0303020404020204" pitchFamily="34" charset="0"/>
+              </a:rPr>
+            </a:br>
+            <a:r>
+              <a:rPr lang="it-IT" sz="1000" dirty="0">
+                <a:solidFill>
+                  <a:srgbClr val="4B4B4B"/>
+                </a:solidFill>
+                <a:latin typeface="Adobe Clean Light" panose="020B0303020404020204" pitchFamily="34" charset="0"/>
+              </a:rPr>
+              <a:t>e avvisi, suggerimenti e altro ancora.</a:t>
             </a:r>
           </a:p>
         </p:txBody>
@@ -8588,7 +8655,7 @@
         </p:blipFill>
         <p:spPr>
           <a:xfrm>
-            <a:off x="2768925" y="6771954"/>
+            <a:off x="2768925" y="6577644"/>
             <a:ext cx="411480" cy="411480"/>
           </a:xfrm>
           <a:prstGeom prst="rect">
@@ -8627,7 +8694,7 @@
         </p:blipFill>
         <p:spPr>
           <a:xfrm>
-            <a:off x="228600" y="8560230"/>
+            <a:off x="228600" y="8453550"/>
             <a:ext cx="411480" cy="411480"/>
           </a:xfrm>
           <a:prstGeom prst="rect">
@@ -8666,7 +8733,7 @@
         </p:blipFill>
         <p:spPr>
           <a:xfrm>
-            <a:off x="228600" y="6733286"/>
+            <a:off x="228600" y="6538976"/>
             <a:ext cx="411480" cy="411480"/>
           </a:xfrm>
           <a:prstGeom prst="rect">
@@ -8705,7 +8772,7 @@
         </p:blipFill>
         <p:spPr>
           <a:xfrm>
-            <a:off x="5257800" y="6721476"/>
+            <a:off x="5257800" y="6527166"/>
             <a:ext cx="411480" cy="411480"/>
           </a:xfrm>
           <a:prstGeom prst="rect">
@@ -8744,7 +8811,7 @@
         </p:blipFill>
         <p:spPr>
           <a:xfrm>
-            <a:off x="5257800" y="8560230"/>
+            <a:off x="5257800" y="8404020"/>
             <a:ext cx="411480" cy="411480"/>
           </a:xfrm>
           <a:prstGeom prst="rect">
@@ -8783,7 +8850,7 @@
         </p:blipFill>
         <p:spPr>
           <a:xfrm>
-            <a:off x="2776853" y="8560230"/>
+            <a:off x="2776853" y="8453550"/>
             <a:ext cx="411480" cy="411480"/>
           </a:xfrm>
           <a:prstGeom prst="rect">
@@ -8805,7 +8872,7 @@
         </p:nvSpPr>
         <p:spPr>
           <a:xfrm rot="5400000" flipH="1">
-            <a:off x="3863341" y="5692140"/>
+            <a:off x="3863341" y="5493763"/>
             <a:ext cx="45719" cy="5577840"/>
           </a:xfrm>
           <a:custGeom>
@@ -9035,7 +9102,7 @@
         </p:nvSpPr>
         <p:spPr>
           <a:xfrm rot="5400000" flipH="1">
-            <a:off x="3863341" y="1912620"/>
+            <a:off x="3863341" y="1939124"/>
             <a:ext cx="45719" cy="5577840"/>
           </a:xfrm>
           <a:custGeom>
@@ -9090,8 +9157,8 @@
         </p:nvSpPr>
         <p:spPr>
           <a:xfrm>
-            <a:off x="324340" y="4031705"/>
-            <a:ext cx="2467385" cy="672172"/>
+            <a:off x="324341" y="4031705"/>
+            <a:ext cx="2440634" cy="672172"/>
           </a:xfrm>
           <a:prstGeom prst="rect">
             <a:avLst/>
@@ -9119,7 +9186,26 @@
                 <a:latin typeface="AdobeClean-Light"/>
                 <a:cs typeface="AdobeClean-Light"/>
               </a:rPr>
-              <a:t>Valutazione proattiva dell’implementazione, della configurazione e dell’architettura complessiva della soluzione, incluse le integrazioni.</a:t>
+              <a:t>Valutazione proattiva dell’implementazione, della configurazione e dell’architettura complessiva della soluzione, incluse </a:t>
+            </a:r>
+            <a:br>
+              <a:rPr lang="it-IT" sz="1000" dirty="0">
+                <a:solidFill>
+                  <a:srgbClr val="020302"/>
+                </a:solidFill>
+                <a:latin typeface="AdobeClean-Light"/>
+                <a:cs typeface="AdobeClean-Light"/>
+              </a:rPr>
+            </a:br>
+            <a:r>
+              <a:rPr lang="it-IT" sz="1000" dirty="0">
+                <a:solidFill>
+                  <a:srgbClr val="020302"/>
+                </a:solidFill>
+                <a:latin typeface="AdobeClean-Light"/>
+                <a:cs typeface="AdobeClean-Light"/>
+              </a:rPr>
+              <a:t>le integrazioni.</a:t>
             </a:r>
           </a:p>
         </p:txBody>
@@ -9170,7 +9256,7 @@
               <a:t>Best practice di manutenzione e ultime correzioni (SP, MR, patch, FP) per rimanere sempre aggiornati su tutte le verifiche </a:t>
             </a:r>
             <a:br>
-              <a:rPr lang="sk-SK" sz="1000" dirty="0">
+              <a:rPr lang="it-IT" sz="1000" dirty="0">
                 <a:solidFill>
                   <a:srgbClr val="020302"/>
                 </a:solidFill>
@@ -9186,7 +9272,7 @@
                 <a:latin typeface="AdobeClean-Light"/>
                 <a:cs typeface="AdobeClean-Light"/>
               </a:rPr>
-              <a:t>di manutenzione</a:t>
+              <a:t>di manutenzione.</a:t>
             </a:r>
           </a:p>
         </p:txBody>
@@ -9205,15 +9291,15 @@
         </p:nvSpPr>
         <p:spPr>
           <a:xfrm>
-            <a:off x="2852427" y="2847845"/>
-            <a:ext cx="2194560" cy="615553"/>
+            <a:off x="2852427" y="2748785"/>
+            <a:ext cx="2185950" cy="615553"/>
           </a:xfrm>
           <a:prstGeom prst="rect">
             <a:avLst/>
           </a:prstGeom>
         </p:spPr>
         <p:txBody>
-          <a:bodyPr lIns="0" tIns="0" rIns="0" bIns="0">
+          <a:bodyPr wrap="square" lIns="0" tIns="0" rIns="0" bIns="0">
             <a:spAutoFit/>
           </a:bodyPr>
           <a:lstStyle/>
@@ -9224,14 +9310,52 @@
               </a:spcBef>
             </a:pPr>
             <a:r>
-              <a:rPr lang="it-IT" sz="1000">
+              <a:rPr lang="it-IT" sz="1000" dirty="0">
                 <a:solidFill>
                   <a:srgbClr val="4B4B4B"/>
                 </a:solidFill>
                 <a:latin typeface="AdobeClean-Light"/>
                 <a:cs typeface="AdobeClean-Light"/>
               </a:rPr>
-              <a:t>Valutazione periodica dei servizi del programma Elite, delle metriche di supporto e dei materiali da consegnare, incluso un piano proattivo.</a:t>
+              <a:t>Valutazione periodica dei servizi</a:t>
+            </a:r>
+            <a:br>
+              <a:rPr lang="it-IT" sz="1000" dirty="0">
+                <a:solidFill>
+                  <a:srgbClr val="4B4B4B"/>
+                </a:solidFill>
+                <a:latin typeface="AdobeClean-Light"/>
+                <a:cs typeface="AdobeClean-Light"/>
+              </a:rPr>
+            </a:br>
+            <a:r>
+              <a:rPr lang="it-IT" sz="1000" dirty="0">
+                <a:solidFill>
+                  <a:srgbClr val="4B4B4B"/>
+                </a:solidFill>
+                <a:latin typeface="AdobeClean-Light"/>
+                <a:cs typeface="AdobeClean-Light"/>
+              </a:rPr>
+              <a:t>del programma Elite, delle metriche </a:t>
+            </a:r>
+            <a:br>
+              <a:rPr lang="it-IT" sz="1000" dirty="0">
+                <a:solidFill>
+                  <a:srgbClr val="4B4B4B"/>
+                </a:solidFill>
+                <a:latin typeface="AdobeClean-Light"/>
+                <a:cs typeface="AdobeClean-Light"/>
+              </a:rPr>
+            </a:br>
+            <a:r>
+              <a:rPr lang="it-IT" sz="1000" dirty="0">
+                <a:solidFill>
+                  <a:srgbClr val="4B4B4B"/>
+                </a:solidFill>
+                <a:latin typeface="AdobeClean-Light"/>
+                <a:cs typeface="AdobeClean-Light"/>
+              </a:rPr>
+              <a:t>di supporto e dei materiali da consegnare, incluso un piano proattivo.</a:t>
             </a:r>
           </a:p>
         </p:txBody>
@@ -9250,15 +9374,15 @@
         </p:nvSpPr>
         <p:spPr>
           <a:xfrm>
-            <a:off x="5431520" y="2854370"/>
-            <a:ext cx="2194560" cy="615553"/>
+            <a:off x="5431519" y="2755310"/>
+            <a:ext cx="2275101" cy="615553"/>
           </a:xfrm>
           <a:prstGeom prst="rect">
             <a:avLst/>
           </a:prstGeom>
         </p:spPr>
         <p:txBody>
-          <a:bodyPr lIns="0" tIns="0" rIns="0" bIns="0">
+          <a:bodyPr wrap="square" lIns="0" tIns="0" rIns="0" bIns="0">
             <a:spAutoFit/>
           </a:bodyPr>
           <a:lstStyle/>
@@ -9269,14 +9393,52 @@
               </a:spcBef>
             </a:pPr>
             <a:r>
-              <a:rPr lang="it-IT" sz="1000">
+              <a:rPr lang="it-IT" sz="1000" dirty="0">
                 <a:solidFill>
                   <a:srgbClr val="4B4B4B"/>
                 </a:solidFill>
                 <a:latin typeface="AdobeClean-Light"/>
                 <a:cs typeface="AdobeClean-Light"/>
               </a:rPr>
-              <a:t>Una sessione di 60 minuti incentrata su una specifica funzionalità di prodotto e come utilizzarla per risolvere le problematiche più comuni.</a:t>
+              <a:t>Una sessione di 60 minuti incentrata </a:t>
+            </a:r>
+            <a:br>
+              <a:rPr lang="it-IT" sz="1000" dirty="0">
+                <a:solidFill>
+                  <a:srgbClr val="4B4B4B"/>
+                </a:solidFill>
+                <a:latin typeface="AdobeClean-Light"/>
+                <a:cs typeface="AdobeClean-Light"/>
+              </a:rPr>
+            </a:br>
+            <a:r>
+              <a:rPr lang="it-IT" sz="1000" dirty="0">
+                <a:solidFill>
+                  <a:srgbClr val="4B4B4B"/>
+                </a:solidFill>
+                <a:latin typeface="AdobeClean-Light"/>
+                <a:cs typeface="AdobeClean-Light"/>
+              </a:rPr>
+              <a:t>su una specifica funzionalità di </a:t>
+            </a:r>
+            <a:br>
+              <a:rPr lang="it-IT" sz="1000" dirty="0">
+                <a:solidFill>
+                  <a:srgbClr val="4B4B4B"/>
+                </a:solidFill>
+                <a:latin typeface="AdobeClean-Light"/>
+                <a:cs typeface="AdobeClean-Light"/>
+              </a:rPr>
+            </a:br>
+            <a:r>
+              <a:rPr lang="it-IT" sz="1000" dirty="0">
+                <a:solidFill>
+                  <a:srgbClr val="4B4B4B"/>
+                </a:solidFill>
+                <a:latin typeface="AdobeClean-Light"/>
+                <a:cs typeface="AdobeClean-Light"/>
+              </a:rPr>
+              <a:t>prodotto e come utilizzarla per risolvere le problematiche più comuni.</a:t>
             </a:r>
           </a:p>
         </p:txBody>
@@ -9295,15 +9457,15 @@
         </p:nvSpPr>
         <p:spPr>
           <a:xfrm>
-            <a:off x="324341" y="2842848"/>
-            <a:ext cx="2194560" cy="615553"/>
+            <a:off x="324340" y="2743788"/>
+            <a:ext cx="2226087" cy="769441"/>
           </a:xfrm>
           <a:prstGeom prst="rect">
             <a:avLst/>
           </a:prstGeom>
         </p:spPr>
         <p:txBody>
-          <a:bodyPr lIns="0" tIns="0" rIns="0" bIns="0">
+          <a:bodyPr wrap="square" lIns="0" tIns="0" rIns="0" bIns="0">
             <a:spAutoFit/>
           </a:bodyPr>
           <a:lstStyle/>
@@ -9314,14 +9476,33 @@
               </a:spcBef>
             </a:pPr>
             <a:r>
-              <a:rPr lang="it-IT" sz="1000">
+              <a:rPr lang="it-IT" sz="1000" dirty="0">
                 <a:solidFill>
                   <a:srgbClr val="4B4B4B"/>
                 </a:solidFill>
                 <a:latin typeface="AdobeClean-Light"/>
                 <a:cs typeface="AdobeClean-Light"/>
               </a:rPr>
-              <a:t>Un contatto Adobe dedicato che può fornire assistenza e aggiornamenti regolari in merito ai casi che richiedono escalation, e assicurarsi che venga data priorità alle richieste di supporto aperte più critiche.</a:t>
+              <a:t>Un contatto Adobe dedicato che può fornire assistenza e aggiornamenti regolari in merito ai casi che richiedono escalation, </a:t>
+            </a:r>
+            <a:br>
+              <a:rPr lang="it-IT" sz="1000" dirty="0">
+                <a:solidFill>
+                  <a:srgbClr val="4B4B4B"/>
+                </a:solidFill>
+                <a:latin typeface="AdobeClean-Light"/>
+                <a:cs typeface="AdobeClean-Light"/>
+              </a:rPr>
+            </a:br>
+            <a:r>
+              <a:rPr lang="it-IT" sz="1000" dirty="0">
+                <a:solidFill>
+                  <a:srgbClr val="4B4B4B"/>
+                </a:solidFill>
+                <a:latin typeface="AdobeClean-Light"/>
+                <a:cs typeface="AdobeClean-Light"/>
+              </a:rPr>
+              <a:t>e assicurarsi che venga data priorità alle richieste di supporto aperte più critiche.</a:t>
             </a:r>
           </a:p>
         </p:txBody>
@@ -9340,7 +9521,7 @@
         </p:nvSpPr>
         <p:spPr>
           <a:xfrm>
-            <a:off x="3153726" y="1126245"/>
+            <a:off x="3153726" y="1065285"/>
             <a:ext cx="2194560" cy="169277"/>
           </a:xfrm>
           <a:prstGeom prst="rect">
@@ -9385,7 +9566,7 @@
         </p:nvSpPr>
         <p:spPr>
           <a:xfrm>
-            <a:off x="5723508" y="1126245"/>
+            <a:off x="5723508" y="1065285"/>
             <a:ext cx="2194560" cy="169277"/>
           </a:xfrm>
           <a:prstGeom prst="rect">
@@ -9475,7 +9656,7 @@
         </p:nvSpPr>
         <p:spPr>
           <a:xfrm>
-            <a:off x="3138805" y="3700046"/>
+            <a:off x="3138805" y="3683739"/>
             <a:ext cx="2194560" cy="338554"/>
           </a:xfrm>
           <a:prstGeom prst="rect">
@@ -9504,7 +9685,7 @@
               <a:t>Valutazione della roadmap </a:t>
             </a:r>
             <a:br>
-              <a:rPr lang="sk-SK" sz="1100" b="1" dirty="0">
+              <a:rPr lang="it-IT" sz="1100" b="1" dirty="0">
                 <a:solidFill>
                   <a:srgbClr val="020302"/>
                 </a:solidFill>
@@ -9584,7 +9765,7 @@
         </p:nvSpPr>
         <p:spPr>
           <a:xfrm>
-            <a:off x="689237" y="2599639"/>
+            <a:off x="689237" y="2500579"/>
             <a:ext cx="2194560" cy="169277"/>
           </a:xfrm>
           <a:prstGeom prst="rect">
@@ -9629,7 +9810,7 @@
         </p:nvSpPr>
         <p:spPr>
           <a:xfrm>
-            <a:off x="3153726" y="2599639"/>
+            <a:off x="3153726" y="2500579"/>
             <a:ext cx="2194560" cy="169277"/>
           </a:xfrm>
           <a:prstGeom prst="rect">
@@ -9674,7 +9855,7 @@
         </p:nvSpPr>
         <p:spPr>
           <a:xfrm>
-            <a:off x="5723508" y="2599639"/>
+            <a:off x="5723508" y="2500579"/>
             <a:ext cx="2194560" cy="169277"/>
           </a:xfrm>
           <a:prstGeom prst="rect">
@@ -9719,7 +9900,7 @@
         </p:nvSpPr>
         <p:spPr>
           <a:xfrm>
-            <a:off x="689237" y="4935181"/>
+            <a:off x="689237" y="4866601"/>
             <a:ext cx="2194560" cy="338554"/>
           </a:xfrm>
           <a:prstGeom prst="rect">
@@ -9748,7 +9929,7 @@
               <a:t>Valutazione delle nuove </a:t>
             </a:r>
             <a:br>
-              <a:rPr lang="sk-SK" sz="1100" b="1" dirty="0">
+              <a:rPr lang="it-IT" sz="1100" b="1" dirty="0">
                 <a:solidFill>
                   <a:srgbClr val="020302"/>
                 </a:solidFill>
@@ -9934,7 +10115,7 @@
         </p:nvSpPr>
         <p:spPr>
           <a:xfrm rot="5400000" flipH="1">
-            <a:off x="3863341" y="-322580"/>
+            <a:off x="3863341" y="-421640"/>
             <a:ext cx="45719" cy="5577840"/>
           </a:xfrm>
           <a:custGeom>
@@ -10188,7 +10369,7 @@
         <p:spPr>
           <a:xfrm>
             <a:off x="2764975" y="4039530"/>
-            <a:ext cx="2467385" cy="881460"/>
+            <a:ext cx="2355665" cy="881460"/>
           </a:xfrm>
           <a:prstGeom prst="rect">
             <a:avLst/>
@@ -10524,8 +10705,8 @@
         </p:nvSpPr>
         <p:spPr>
           <a:xfrm>
-            <a:off x="4572000" y="2654677"/>
-            <a:ext cx="2194551" cy="45719"/>
+            <a:off x="4724779" y="2654677"/>
+            <a:ext cx="2190371" cy="105091"/>
           </a:xfrm>
           <a:custGeom>
             <a:avLst/>
@@ -10566,8 +10747,8 @@
         </p:nvSpPr>
         <p:spPr>
           <a:xfrm>
-            <a:off x="4572000" y="2329688"/>
-            <a:ext cx="2194551" cy="228268"/>
+            <a:off x="4719441" y="2329688"/>
+            <a:ext cx="2308160" cy="228268"/>
           </a:xfrm>
           <a:prstGeom prst="rect">
             <a:avLst/>
@@ -10608,8 +10789,8 @@
         </p:nvSpPr>
         <p:spPr>
           <a:xfrm>
-            <a:off x="914421" y="2342311"/>
-            <a:ext cx="1465521" cy="228268"/>
+            <a:off x="914422" y="2342312"/>
+            <a:ext cx="1881166" cy="228268"/>
           </a:xfrm>
           <a:prstGeom prst="rect">
             <a:avLst/>
@@ -10651,7 +10832,7 @@
         <p:spPr>
           <a:xfrm>
             <a:off x="242187" y="2787904"/>
-            <a:ext cx="3134821" cy="628377"/>
+            <a:ext cx="3174962" cy="628377"/>
           </a:xfrm>
           <a:prstGeom prst="rect">
             <a:avLst/>
@@ -10713,16 +10894,16 @@
               <a:t>set principale </a:t>
             </a:r>
             <a:br>
-              <a:rPr lang="sk-SK" sz="950" dirty="0">
-                <a:latin typeface="AdobeClean-SemiLight"/>
-                <a:cs typeface="AdobeClean-SemiLight"/>
-              </a:rPr>
-            </a:br>
-            <a:r>
               <a:rPr lang="it-IT" sz="950" dirty="0">
                 <a:latin typeface="AdobeClean-SemiLight"/>
                 <a:cs typeface="AdobeClean-SemiLight"/>
               </a:rPr>
+            </a:br>
+            <a:r>
+              <a:rPr lang="it-IT" sz="950" dirty="0">
+                <a:latin typeface="AdobeClean-SemiLight"/>
+                <a:cs typeface="AdobeClean-SemiLight"/>
+              </a:rPr>
               <a:t>di servizi di consulenza </a:t>
             </a:r>
             <a:r>
@@ -10730,7 +10911,7 @@
                 <a:latin typeface="AdobeClean-Light"/>
                 <a:cs typeface="AdobeClean-Light"/>
               </a:rPr>
-              <a:t>e raccomandazioni consolidate, utili per </a:t>
+              <a:t>e raccomandazioni consolidate, utili per |</a:t>
             </a:r>
             <a:r>
               <a:rPr lang="it-IT" sz="950" dirty="0">
@@ -10850,8 +11031,8 @@
         </p:nvSpPr>
         <p:spPr>
           <a:xfrm>
-            <a:off x="3976901" y="2790952"/>
-            <a:ext cx="3543300" cy="782265"/>
+            <a:off x="3976900" y="2790952"/>
+            <a:ext cx="3633571" cy="782265"/>
           </a:xfrm>
           <a:prstGeom prst="rect">
             <a:avLst/>
@@ -10902,7 +11083,7 @@
               <a:t> </a:t>
             </a:r>
             <a:br>
-              <a:rPr lang="sk-SK" sz="1000" dirty="0">
+              <a:rPr lang="it-IT" sz="1000" dirty="0">
                 <a:solidFill>
                   <a:srgbClr val="4B4B4B"/>
                 </a:solidFill>
@@ -10921,7 +11102,7 @@
               <a:t>e si incentrano sul successo dei clienti e la velocizzazione </a:t>
             </a:r>
             <a:br>
-              <a:rPr lang="sk-SK" sz="1000" dirty="0">
+              <a:rPr lang="it-IT" sz="1000" dirty="0">
                 <a:solidFill>
                   <a:srgbClr val="4B4B4B"/>
                 </a:solidFill>
@@ -10967,7 +11148,26 @@
                 <a:latin typeface="Adobe Clean"/>
                 <a:cs typeface="Adobe Clean"/>
               </a:rPr>
-              <a:t>nel primo anno non sono previsti servizi sul campo</a:t>
+              <a:t>nel primo </a:t>
+            </a:r>
+            <a:br>
+              <a:rPr lang="it-IT" sz="1000" b="1" dirty="0">
+                <a:solidFill>
+                  <a:srgbClr val="4B4B4B"/>
+                </a:solidFill>
+                <a:latin typeface="Adobe Clean"/>
+                <a:cs typeface="Adobe Clean"/>
+              </a:rPr>
+            </a:br>
+            <a:r>
+              <a:rPr lang="it-IT" sz="1000" b="1" dirty="0">
+                <a:solidFill>
+                  <a:srgbClr val="4B4B4B"/>
+                </a:solidFill>
+                <a:latin typeface="Adobe Clean"/>
+                <a:cs typeface="Adobe Clean"/>
+              </a:rPr>
+              <a:t>anno non sono previsti servizi sul campo</a:t>
             </a:r>
             <a:r>
               <a:rPr lang="it-IT" sz="1000" dirty="0">
@@ -10977,7 +11177,26 @@
                 <a:latin typeface="AdobeClean-Light"/>
                 <a:cs typeface="AdobeClean-Light"/>
               </a:rPr>
-              <a:t> per i prodotti coperti da un contratto di supporto Adobe.</a:t>
+              <a:t> per i prodotti </a:t>
+            </a:r>
+            <a:br>
+              <a:rPr lang="it-IT" sz="1000" dirty="0">
+                <a:solidFill>
+                  <a:srgbClr val="4B4B4B"/>
+                </a:solidFill>
+                <a:latin typeface="AdobeClean-Light"/>
+                <a:cs typeface="AdobeClean-Light"/>
+              </a:rPr>
+            </a:br>
+            <a:r>
+              <a:rPr lang="it-IT" sz="1000" dirty="0">
+                <a:solidFill>
+                  <a:srgbClr val="4B4B4B"/>
+                </a:solidFill>
+                <a:latin typeface="AdobeClean-Light"/>
+                <a:cs typeface="AdobeClean-Light"/>
+              </a:rPr>
+              <a:t>coperti da un contratto di supporto Adobe.</a:t>
             </a:r>
           </a:p>
         </p:txBody>
@@ -11074,8 +11293,8 @@
         </p:nvSpPr>
         <p:spPr>
           <a:xfrm>
-            <a:off x="263463" y="5348732"/>
-            <a:ext cx="3335019" cy="628377"/>
+            <a:off x="263464" y="5348732"/>
+            <a:ext cx="3114040" cy="628377"/>
           </a:xfrm>
           <a:prstGeom prst="rect">
             <a:avLst/>
@@ -11100,7 +11319,20 @@
                 <a:latin typeface="AdobeClean-Light"/>
                 <a:cs typeface="AdobeClean-Light"/>
               </a:rPr>
-              <a:t>Launch Advisory si allinea alla pianificazione del progetto del cliente, con obiettivi intermedi comuni (avvio, definizione, progettazione, lancio e post-lancio) per guidare, convalidare, valutare e formulare raccomandazioni.</a:t>
+              <a:t>Launch Advisory si allinea alla pianificazione del progetto </a:t>
+            </a:r>
+            <a:br>
+              <a:rPr lang="it-IT" sz="1000" dirty="0">
+                <a:latin typeface="AdobeClean-Light"/>
+                <a:cs typeface="AdobeClean-Light"/>
+              </a:rPr>
+            </a:br>
+            <a:r>
+              <a:rPr lang="it-IT" sz="1000" dirty="0">
+                <a:latin typeface="AdobeClean-Light"/>
+                <a:cs typeface="AdobeClean-Light"/>
+              </a:rPr>
+              <a:t>del cliente, con obiettivi intermedi comuni (avvio, definizione, progettazione, lancio e post-lancio) per guidare, convalidare, valutare e formulare raccomandazioni.</a:t>
             </a:r>
           </a:p>
         </p:txBody>
@@ -11113,8 +11345,8 @@
         </p:nvSpPr>
         <p:spPr>
           <a:xfrm>
-            <a:off x="263464" y="5982715"/>
-            <a:ext cx="1247140" cy="166712"/>
+            <a:off x="263464" y="6063680"/>
+            <a:ext cx="2532124" cy="166712"/>
           </a:xfrm>
           <a:prstGeom prst="rect">
             <a:avLst/>
@@ -11135,7 +11367,7 @@
               </a:spcBef>
             </a:pPr>
             <a:r>
-              <a:rPr lang="it-IT" sz="1000">
+              <a:rPr lang="it-IT" sz="1000" dirty="0">
                 <a:latin typeface="AdobeClean-Light"/>
                 <a:cs typeface="AdobeClean-Light"/>
               </a:rPr>
@@ -11153,7 +11385,7 @@
         <p:spPr>
           <a:xfrm>
             <a:off x="205422" y="6308299"/>
-            <a:ext cx="3335019" cy="592470"/>
+            <a:ext cx="3474720" cy="592470"/>
           </a:xfrm>
           <a:prstGeom prst="rect">
             <a:avLst/>
@@ -11225,8 +11457,8 @@
         </p:nvSpPr>
         <p:spPr>
           <a:xfrm>
-            <a:off x="263464" y="4126991"/>
-            <a:ext cx="3141980" cy="1070610"/>
+            <a:off x="263463" y="4126991"/>
+            <a:ext cx="3177459" cy="1070610"/>
           </a:xfrm>
           <a:prstGeom prst="rect">
             <a:avLst/>
@@ -11271,33 +11503,7 @@
                 <a:latin typeface="AdobeClean-Light"/>
                 <a:cs typeface="AdobeClean-Light"/>
               </a:rPr>
-              <a:t>Gli esperti delle soluzioni Adobe aiutano a convalidare </a:t>
-            </a:r>
-            <a:br>
-              <a:rPr lang="sk-SK" sz="1000" dirty="0">
-                <a:latin typeface="AdobeClean-Light"/>
-                <a:cs typeface="AdobeClean-Light"/>
-              </a:rPr>
-            </a:br>
-            <a:r>
-              <a:rPr lang="it-IT" sz="1000" dirty="0">
-                <a:latin typeface="AdobeClean-Light"/>
-                <a:cs typeface="AdobeClean-Light"/>
-              </a:rPr>
-              <a:t>i requisiti, l’architettura, il processo di sviluppo e lo stato </a:t>
-            </a:r>
-            <a:br>
-              <a:rPr lang="sk-SK" sz="1000" dirty="0">
-                <a:latin typeface="AdobeClean-Light"/>
-                <a:cs typeface="AdobeClean-Light"/>
-              </a:rPr>
-            </a:br>
-            <a:r>
-              <a:rPr lang="it-IT" sz="1000" dirty="0">
-                <a:latin typeface="AdobeClean-Light"/>
-                <a:cs typeface="AdobeClean-Light"/>
-              </a:rPr>
-              <a:t>di preparazione, </a:t>
+              <a:t>Gli esperti delle soluzioni Adobe aiutano a convalidare i requisiti, l’architettura, il processo di sviluppo e lo stato di preparazione, </a:t>
             </a:r>
             <a:r>
               <a:rPr lang="it-IT" sz="1000" dirty="0">
@@ -11318,20 +11524,20 @@
                 <a:latin typeface="AdobeClean-SemiLight"/>
                 <a:cs typeface="AdobeClean-SemiLight"/>
               </a:rPr>
-              <a:t>rivolte </a:t>
+              <a:t>rivolte ai clienti </a:t>
             </a:r>
             <a:br>
-              <a:rPr lang="sk-SK" sz="1000" dirty="0">
-                <a:latin typeface="AdobeClean-SemiLight"/>
-                <a:cs typeface="AdobeClean-SemiLight"/>
-              </a:rPr>
-            </a:br>
-            <a:r>
               <a:rPr lang="it-IT" sz="1000" dirty="0">
                 <a:latin typeface="AdobeClean-SemiLight"/>
                 <a:cs typeface="AdobeClean-SemiLight"/>
               </a:rPr>
-              <a:t>ai clienti e ai partner di implementazione.</a:t>
+            </a:br>
+            <a:r>
+              <a:rPr lang="it-IT" sz="1000" dirty="0">
+                <a:latin typeface="AdobeClean-SemiLight"/>
+                <a:cs typeface="AdobeClean-SemiLight"/>
+              </a:rPr>
+              <a:t>e ai partner di implementazione.</a:t>
             </a:r>
           </a:p>
         </p:txBody>
@@ -11343,7 +11549,7 @@
           <p:nvPr/>
         </p:nvPicPr>
         <p:blipFill>
-          <a:blip r:embed="rId3">
+          <a:blip r:embed="rId3" cstate="print">
             <a:extLst>
               <a:ext uri="{28A0092B-C50C-407E-A947-70E740481C1C}">
                 <a14:useLocalDpi xmlns:a14="http://schemas.microsoft.com/office/drawing/2010/main" val="0"/>
@@ -11355,8 +11561,8 @@
         </p:blipFill>
         <p:spPr>
           <a:xfrm>
-            <a:off x="363328" y="6932449"/>
-            <a:ext cx="3053821" cy="2815984"/>
+            <a:off x="363328" y="6945275"/>
+            <a:ext cx="3053821" cy="2818911"/>
           </a:xfrm>
           <a:prstGeom prst="rect">
             <a:avLst/>
@@ -11371,8 +11577,8 @@
         </p:nvSpPr>
         <p:spPr>
           <a:xfrm>
-            <a:off x="3947345" y="5363972"/>
-            <a:ext cx="3572855" cy="659765"/>
+            <a:off x="3947346" y="5106792"/>
+            <a:ext cx="3463104" cy="646524"/>
           </a:xfrm>
           <a:prstGeom prst="rect">
             <a:avLst/>
@@ -11394,17 +11600,37 @@
             </a:pPr>
             <a:r>
               <a:rPr lang="it-IT" sz="1000" b="1" dirty="0">
-                <a:latin typeface="Arial"/>
+                <a:latin typeface="Adobe Clean" panose="020B0503020404020204" pitchFamily="34" charset="0"/>
                 <a:cs typeface="Arial"/>
               </a:rPr>
               <a:t>Le attività tecniche</a:t>
+            </a:r>
+            <a:r>
+              <a:rPr lang="it-IT" sz="1000" dirty="0">
+                <a:latin typeface="Adobe Clean" panose="020B0503020404020204" pitchFamily="34" charset="0"/>
+                <a:cs typeface="AdobeClean-Light"/>
+              </a:rPr>
+              <a:t> </a:t>
             </a:r>
             <a:r>
               <a:rPr lang="it-IT" sz="1000" dirty="0">
                 <a:latin typeface="AdobeClean-Light"/>
                 <a:cs typeface="AdobeClean-Light"/>
               </a:rPr>
-              <a:t> supportano le competenze tecniche del clienti e sono volte a massimizzare l’adozione degli strumenti. In particolare, includono supporto e raccomandazioni in merito a configurazioni della piattaforma, integrazioni e risoluzione di problemi</a:t>
+              <a:t>supportano le competenze tecniche del clienti </a:t>
+            </a:r>
+            <a:br>
+              <a:rPr lang="it-IT" sz="1000" dirty="0">
+                <a:latin typeface="AdobeClean-Light"/>
+                <a:cs typeface="AdobeClean-Light"/>
+              </a:rPr>
+            </a:br>
+            <a:r>
+              <a:rPr lang="it-IT" sz="1000" dirty="0">
+                <a:latin typeface="AdobeClean-Light"/>
+                <a:cs typeface="AdobeClean-Light"/>
+              </a:rPr>
+              <a:t>e sono volte a massimizzare l’adozione degli strumenti. In particolare, includono supporto e raccomandazioni in merito a configurazioni della piattaforma, integrazioni e risoluzione di problemi.</a:t>
             </a:r>
           </a:p>
         </p:txBody>
@@ -11417,8 +11643,8 @@
         </p:nvSpPr>
         <p:spPr>
           <a:xfrm>
-            <a:off x="3947346" y="6174740"/>
-            <a:ext cx="3053820" cy="1436291"/>
+            <a:off x="3947345" y="5917560"/>
+            <a:ext cx="3429519" cy="1436291"/>
           </a:xfrm>
           <a:prstGeom prst="rect">
             <a:avLst/>
@@ -11576,8 +11802,8 @@
         </p:nvSpPr>
         <p:spPr>
           <a:xfrm>
-            <a:off x="3942774" y="7717028"/>
-            <a:ext cx="3466298" cy="1989006"/>
+            <a:off x="3942774" y="7459848"/>
+            <a:ext cx="3429519" cy="1989006"/>
           </a:xfrm>
           <a:prstGeom prst="rect">
             <a:avLst/>
@@ -11599,30 +11825,63 @@
             </a:pPr>
             <a:r>
               <a:rPr lang="it-IT" sz="1000" b="1" dirty="0">
-                <a:latin typeface="Arial"/>
+                <a:latin typeface="Adobe Clean" panose="020B0503020404020204" pitchFamily="34" charset="0"/>
                 <a:cs typeface="Arial"/>
               </a:rPr>
               <a:t>Le attività strategiche</a:t>
+            </a:r>
+            <a:r>
+              <a:rPr lang="it-IT" sz="1000" dirty="0">
+                <a:latin typeface="Adobe Clean" panose="020B0503020404020204" pitchFamily="34" charset="0"/>
+                <a:cs typeface="AdobeClean-Light"/>
+              </a:rPr>
+              <a:t> </a:t>
             </a:r>
             <a:r>
               <a:rPr lang="it-IT" sz="1000" dirty="0">
                 <a:latin typeface="AdobeClean-Light"/>
                 <a:cs typeface="AdobeClean-Light"/>
               </a:rPr>
-              <a:t> rilevano le opportunità che consentono </a:t>
+              <a:t>rilevano le opportunità che consentono </a:t>
             </a:r>
             <a:br>
-              <a:rPr lang="sk-SK" sz="1000" dirty="0">
-                <a:latin typeface="AdobeClean-Light"/>
-                <a:cs typeface="AdobeClean-Light"/>
-              </a:rPr>
-            </a:br>
-            <a:r>
               <a:rPr lang="it-IT" sz="1000" dirty="0">
                 <a:latin typeface="AdobeClean-Light"/>
                 <a:cs typeface="AdobeClean-Light"/>
               </a:rPr>
-              <a:t>di trarre maggior valore dalle soluzioni Adobe del cliente. Includono raccomandazioni di supporto relative a strategia, misurazione e livello di preparazione per favorire la realizzazione di valore tramite una o più soluzioni Adobe.</a:t>
+            </a:br>
+            <a:r>
+              <a:rPr lang="it-IT" sz="1000" dirty="0">
+                <a:latin typeface="AdobeClean-Light"/>
+                <a:cs typeface="AdobeClean-Light"/>
+              </a:rPr>
+              <a:t>di trarre maggior valore dalle soluzioni Adobe del cliente. </a:t>
+            </a:r>
+            <a:br>
+              <a:rPr lang="it-IT" sz="1000" dirty="0">
+                <a:latin typeface="AdobeClean-Light"/>
+                <a:cs typeface="AdobeClean-Light"/>
+              </a:rPr>
+            </a:br>
+            <a:r>
+              <a:rPr lang="it-IT" sz="1000" dirty="0">
+                <a:latin typeface="AdobeClean-Light"/>
+                <a:cs typeface="AdobeClean-Light"/>
+              </a:rPr>
+              <a:t>Includono raccomandazioni di supporto relative a strategia, misurazione e livello di preparazione per favorire la realizzazione </a:t>
+            </a:r>
+            <a:br>
+              <a:rPr lang="it-IT" sz="1000" dirty="0">
+                <a:latin typeface="AdobeClean-Light"/>
+                <a:cs typeface="AdobeClean-Light"/>
+              </a:rPr>
+            </a:br>
+            <a:r>
+              <a:rPr lang="it-IT" sz="1000" dirty="0">
+                <a:latin typeface="AdobeClean-Light"/>
+                <a:cs typeface="AdobeClean-Light"/>
+              </a:rPr>
+              <a:t>di valore tramite una o più soluzioni Adobe.</a:t>
             </a:r>
           </a:p>
           <a:p>
@@ -11744,7 +12003,136 @@
         <p:spPr>
           <a:xfrm>
             <a:off x="3942773" y="4126991"/>
-            <a:ext cx="3275329" cy="969496"/>
+            <a:ext cx="3275329" cy="772006"/>
+          </a:xfrm>
+          <a:prstGeom prst="rect">
+            <a:avLst/>
+          </a:prstGeom>
+        </p:spPr>
+        <p:txBody>
+          <a:bodyPr vert="horz" wrap="square" lIns="0" tIns="12700" rIns="0" bIns="0" rtlCol="0" anchor="t">
+            <a:spAutoFit/>
+          </a:bodyPr>
+          <a:lstStyle/>
+          <a:p>
+            <a:pPr marL="908685">
+              <a:lnSpc>
+                <a:spcPct val="100000"/>
+              </a:lnSpc>
+              <a:spcBef>
+                <a:spcPts val="100"/>
+              </a:spcBef>
+            </a:pPr>
+            <a:r>
+              <a:rPr lang="it-IT" sz="1600" dirty="0">
+                <a:solidFill>
+                  <a:srgbClr val="FFFFFF"/>
+                </a:solidFill>
+                <a:latin typeface="Arial"/>
+                <a:cs typeface="Arial"/>
+              </a:rPr>
+              <a:t>Esecuzione e utilizzo</a:t>
+            </a:r>
+          </a:p>
+          <a:p>
+            <a:pPr marL="12700">
+              <a:spcBef>
+                <a:spcPts val="1595"/>
+              </a:spcBef>
+            </a:pPr>
+            <a:r>
+              <a:rPr lang="it-IT" sz="1000" dirty="0">
+                <a:solidFill>
+                  <a:srgbClr val="1F1F1F"/>
+                </a:solidFill>
+                <a:latin typeface="Adobe Clean" panose="020B0503020404020204" pitchFamily="34" charset="0"/>
+                <a:cs typeface="Adobe Clean"/>
+              </a:rPr>
+              <a:t>I clienti Elite hanno diritto a </a:t>
+            </a:r>
+            <a:r>
+              <a:rPr lang="it-IT" sz="1000" b="1" dirty="0">
+                <a:solidFill>
+                  <a:srgbClr val="1F1F1F"/>
+                </a:solidFill>
+                <a:latin typeface="Adobe Clean" panose="020B0503020404020204" pitchFamily="34" charset="0"/>
+                <a:cs typeface="Adobe Clean"/>
+              </a:rPr>
+              <a:t>4 </a:t>
+            </a:r>
+            <a:r>
+              <a:rPr lang="it-IT" sz="1000" b="1" u="sng" dirty="0">
+                <a:solidFill>
+                  <a:srgbClr val="1F1F1F"/>
+                </a:solidFill>
+                <a:latin typeface="Adobe Clean" panose="020B0503020404020204" pitchFamily="34" charset="0"/>
+                <a:cs typeface="Adobe Clean"/>
+              </a:rPr>
+              <a:t>attività all’anno</a:t>
+            </a:r>
+            <a:r>
+              <a:rPr lang="it-IT" sz="1000" dirty="0">
+                <a:solidFill>
+                  <a:srgbClr val="1F1F1F"/>
+                </a:solidFill>
+                <a:latin typeface="Adobe Clean" panose="020B0503020404020204" pitchFamily="34" charset="0"/>
+                <a:cs typeface="Adobe Clean"/>
+              </a:rPr>
+              <a:t> di tipo </a:t>
+            </a:r>
+            <a:r>
+              <a:rPr lang="it-IT" sz="1000" b="1" dirty="0">
+                <a:solidFill>
+                  <a:srgbClr val="1F1F1F"/>
+                </a:solidFill>
+                <a:latin typeface="Adobe Clean" panose="020B0503020404020204" pitchFamily="34" charset="0"/>
+                <a:cs typeface="Arial"/>
+              </a:rPr>
+              <a:t>tecnico </a:t>
+            </a:r>
+            <a:r>
+              <a:rPr lang="it-IT" sz="1000" dirty="0">
+                <a:solidFill>
+                  <a:srgbClr val="1F1F1F"/>
+                </a:solidFill>
+                <a:latin typeface="Adobe Clean" panose="020B0503020404020204" pitchFamily="34" charset="0"/>
+                <a:cs typeface="Adobe Clean"/>
+              </a:rPr>
+              <a:t>e/o </a:t>
+            </a:r>
+            <a:r>
+              <a:rPr lang="it-IT" sz="1000" b="1" dirty="0">
+                <a:solidFill>
+                  <a:srgbClr val="1F1F1F"/>
+                </a:solidFill>
+                <a:latin typeface="Adobe Clean" panose="020B0503020404020204" pitchFamily="34" charset="0"/>
+                <a:cs typeface="Arial"/>
+              </a:rPr>
+              <a:t>strategico</a:t>
+            </a:r>
+            <a:r>
+              <a:rPr lang="it-IT" sz="1000" dirty="0">
+                <a:solidFill>
+                  <a:srgbClr val="1F1F1F"/>
+                </a:solidFill>
+                <a:latin typeface="Adobe Clean" panose="020B0503020404020204" pitchFamily="34" charset="0"/>
+                <a:cs typeface="Arial"/>
+              </a:rPr>
+              <a:t>.</a:t>
+            </a:r>
+          </a:p>
+        </p:txBody>
+      </p:sp>
+      <p:sp>
+        <p:nvSpPr>
+          <p:cNvPr id="34" name="object 34"/>
+          <p:cNvSpPr txBox="1"/>
+          <p:nvPr/>
+        </p:nvSpPr>
+        <p:spPr>
+          <a:xfrm>
+            <a:off x="923023" y="538479"/>
+            <a:ext cx="2963177" cy="228268"/>
           </a:xfrm>
           <a:prstGeom prst="rect">
             <a:avLst/>
@@ -11756,163 +12144,6 @@
           </a:bodyPr>
           <a:lstStyle/>
           <a:p>
-            <a:pPr marL="908685">
-              <a:lnSpc>
-                <a:spcPct val="100000"/>
-              </a:lnSpc>
-              <a:spcBef>
-                <a:spcPts val="100"/>
-              </a:spcBef>
-            </a:pPr>
-            <a:r>
-              <a:rPr lang="it-IT" sz="1600">
-                <a:solidFill>
-                  <a:srgbClr val="FFFFFF"/>
-                </a:solidFill>
-                <a:latin typeface="Arial"/>
-                <a:cs typeface="Arial"/>
-              </a:rPr>
-              <a:t>Esecuzione e utilizzo</a:t>
-            </a:r>
-          </a:p>
-          <a:p>
-            <a:pPr marL="12700">
-              <a:lnSpc>
-                <a:spcPct val="100000"/>
-              </a:lnSpc>
-              <a:spcBef>
-                <a:spcPts val="1595"/>
-              </a:spcBef>
-            </a:pPr>
-            <a:r>
-              <a:rPr lang="it-IT" sz="1000">
-                <a:solidFill>
-                  <a:srgbClr val="1F1F1F"/>
-                </a:solidFill>
-                <a:latin typeface="Adobe Clean"/>
-                <a:cs typeface="Adobe Clean"/>
-              </a:rPr>
-              <a:t>I clienti Elite hanno diritto a </a:t>
-            </a:r>
-            <a:r>
-              <a:rPr lang="it-IT" sz="1200" u="sng">
-                <a:solidFill>
-                  <a:srgbClr val="1F1F1F"/>
-                </a:solidFill>
-                <a:uFill>
-                  <a:solidFill>
-                    <a:srgbClr val="1F1F1F"/>
-                  </a:solidFill>
-                </a:uFill>
-                <a:latin typeface="Times New Roman"/>
-                <a:cs typeface="Times New Roman"/>
-              </a:rPr>
-              <a:t>4</a:t>
-            </a:r>
-            <a:r>
-              <a:rPr lang="it-IT" sz="1200" b="1">
-                <a:solidFill>
-                  <a:srgbClr val="1F1F1F"/>
-                </a:solidFill>
-                <a:latin typeface="Arial"/>
-                <a:cs typeface="Arial"/>
-              </a:rPr>
-              <a:t> </a:t>
-            </a:r>
-            <a:r>
-              <a:rPr lang="it-IT" sz="1000" b="1">
-                <a:solidFill>
-                  <a:srgbClr val="1F1F1F"/>
-                </a:solidFill>
-                <a:latin typeface="Arial"/>
-                <a:cs typeface="Arial"/>
-              </a:rPr>
-              <a:t>attività all’anno</a:t>
-            </a:r>
-          </a:p>
-          <a:p>
-            <a:pPr marL="12700">
-              <a:lnSpc>
-                <a:spcPct val="100000"/>
-              </a:lnSpc>
-              <a:spcBef>
-                <a:spcPts val="55"/>
-              </a:spcBef>
-            </a:pPr>
-            <a:r>
-              <a:rPr lang="it-IT" sz="1000">
-                <a:solidFill>
-                  <a:srgbClr val="1F1F1F"/>
-                </a:solidFill>
-                <a:latin typeface="Adobe Clean"/>
-                <a:cs typeface="Adobe Clean"/>
-              </a:rPr>
-              <a:t>di tipo </a:t>
-            </a:r>
-            <a:r>
-              <a:rPr lang="it-IT" sz="1000" b="1">
-                <a:solidFill>
-                  <a:srgbClr val="1F1F1F"/>
-                </a:solidFill>
-                <a:latin typeface="Arial"/>
-                <a:cs typeface="Arial"/>
-              </a:rPr>
-              <a:t>tecnico </a:t>
-            </a:r>
-            <a:r>
-              <a:rPr lang="it-IT" sz="1000">
-                <a:solidFill>
-                  <a:srgbClr val="1F1F1F"/>
-                </a:solidFill>
-                <a:latin typeface="Adobe Clean"/>
-                <a:cs typeface="Adobe Clean"/>
-              </a:rPr>
-              <a:t>e/o </a:t>
-            </a:r>
-            <a:r>
-              <a:rPr lang="it-IT" sz="1000" b="1">
-                <a:solidFill>
-                  <a:srgbClr val="1F1F1F"/>
-                </a:solidFill>
-                <a:latin typeface="Arial"/>
-                <a:cs typeface="Arial"/>
-              </a:rPr>
-              <a:t>strategico</a:t>
-            </a:r>
-            <a:r>
-              <a:rPr lang="it-IT" sz="1000">
-                <a:solidFill>
-                  <a:srgbClr val="1F1F1F"/>
-                </a:solidFill>
-                <a:latin typeface="AdobeClean-Light"/>
-                <a:cs typeface="AdobeClean-Light"/>
-              </a:rPr>
-              <a:t>.</a:t>
-            </a:r>
-          </a:p>
-        </p:txBody>
-      </p:sp>
-      <p:sp>
-        <p:nvSpPr>
-          <p:cNvPr id="34" name="object 34"/>
-          <p:cNvSpPr txBox="1"/>
-          <p:nvPr/>
-        </p:nvSpPr>
-        <p:spPr>
-          <a:xfrm>
-            <a:off x="923023" y="538480"/>
-            <a:ext cx="2862083" cy="228268"/>
-          </a:xfrm>
-          <a:prstGeom prst="rect">
-            <a:avLst/>
-          </a:prstGeom>
-        </p:spPr>
-        <p:txBody>
-          <a:bodyPr vert="horz" wrap="square" lIns="0" tIns="12700" rIns="0" bIns="0" rtlCol="0">
-            <a:spAutoFit/>
-          </a:bodyPr>
-          <a:lstStyle/>
-          <a:p>
             <a:pPr marL="12700">
               <a:lnSpc>
                 <a:spcPct val="100000"/>
@@ -11922,7 +12153,7 @@
               </a:spcBef>
             </a:pPr>
             <a:r>
-              <a:rPr lang="it-IT" sz="1400" b="1">
+              <a:rPr lang="it-IT" sz="1400" b="1" dirty="0">
                 <a:solidFill>
                   <a:srgbClr val="020302"/>
                 </a:solidFill>
@@ -11943,7 +12174,7 @@
         <p:spPr>
           <a:xfrm>
             <a:off x="924894" y="814263"/>
-            <a:ext cx="2406393" cy="45719"/>
+            <a:ext cx="2406393" cy="63780"/>
           </a:xfrm>
           <a:custGeom>
             <a:avLst/>
@@ -12048,7 +12279,7 @@
         <p:spPr>
           <a:xfrm>
             <a:off x="97787" y="9861194"/>
-            <a:ext cx="2964353" cy="133370"/>
+            <a:ext cx="2657241" cy="133370"/>
           </a:xfrm>
           <a:prstGeom prst="rect">
             <a:avLst/>
@@ -12204,7 +12435,7 @@
         <p:spPr>
           <a:xfrm>
             <a:off x="2918286" y="3586760"/>
-            <a:ext cx="933111" cy="261610"/>
+            <a:ext cx="933111" cy="246221"/>
           </a:xfrm>
           <a:prstGeom prst="rect">
             <a:avLst/>
@@ -12219,7 +12450,7 @@
           <a:p>
             <a:pPr algn="ctr"/>
             <a:r>
-              <a:rPr lang="it-IT" sz="1100"/>
+              <a:rPr lang="it-IT" sz="1000"/>
               <a:t>Post-lancio</a:t>
             </a:r>
           </a:p>
@@ -12240,7 +12471,7 @@
         <p:spPr>
           <a:xfrm>
             <a:off x="2236134" y="3586760"/>
-            <a:ext cx="826006" cy="261610"/>
+            <a:ext cx="826006" cy="246221"/>
           </a:xfrm>
           <a:prstGeom prst="rect">
             <a:avLst/>
@@ -12255,7 +12486,7 @@
           <a:p>
             <a:pPr algn="ctr"/>
             <a:r>
-              <a:rPr lang="it-IT" sz="1100"/>
+              <a:rPr lang="it-IT" sz="1000"/>
               <a:t>Lancio</a:t>
             </a:r>
           </a:p>
@@ -12275,8 +12506,8 @@
         </p:nvSpPr>
         <p:spPr>
           <a:xfrm>
-            <a:off x="878679" y="3589913"/>
-            <a:ext cx="826006" cy="261610"/>
+            <a:off x="854864" y="3589913"/>
+            <a:ext cx="826006" cy="246221"/>
           </a:xfrm>
           <a:prstGeom prst="rect">
             <a:avLst/>
@@ -12291,7 +12522,7 @@
           <a:p>
             <a:pPr algn="ctr"/>
             <a:r>
-              <a:rPr lang="it-IT" sz="1100"/>
+              <a:rPr lang="it-IT" sz="1000" dirty="0"/>
               <a:t>Definizione</a:t>
             </a:r>
           </a:p>
@@ -12312,7 +12543,7 @@
         <p:spPr>
           <a:xfrm>
             <a:off x="205422" y="3599713"/>
-            <a:ext cx="826006" cy="261610"/>
+            <a:ext cx="826006" cy="246221"/>
           </a:xfrm>
           <a:prstGeom prst="rect">
             <a:avLst/>
@@ -12327,7 +12558,7 @@
           <a:p>
             <a:pPr algn="ctr"/>
             <a:r>
-              <a:rPr lang="it-IT" sz="1100"/>
+              <a:rPr lang="it-IT" sz="1000" dirty="0"/>
               <a:t>Avvio</a:t>
             </a:r>
           </a:p>
@@ -12347,8 +12578,8 @@
         </p:nvSpPr>
         <p:spPr>
           <a:xfrm>
-            <a:off x="1558548" y="3505200"/>
-            <a:ext cx="826006" cy="261610"/>
+            <a:off x="1504705" y="3589913"/>
+            <a:ext cx="1000374" cy="246221"/>
           </a:xfrm>
           <a:prstGeom prst="rect">
             <a:avLst/>
@@ -12363,7 +12594,7 @@
           <a:p>
             <a:pPr algn="ctr"/>
             <a:r>
-              <a:rPr lang="it-IT" sz="1100" dirty="0"/>
+              <a:rPr lang="it-IT" sz="1000" dirty="0"/>
               <a:t>Progettazione</a:t>
             </a:r>
           </a:p>
@@ -12447,8 +12678,8 @@
         </p:nvSpPr>
         <p:spPr>
           <a:xfrm>
-            <a:off x="5265661" y="1596978"/>
-            <a:ext cx="2194560" cy="536622"/>
+            <a:off x="5265660" y="1400205"/>
+            <a:ext cx="2265945" cy="536622"/>
           </a:xfrm>
           <a:prstGeom prst="rect">
             <a:avLst/>
@@ -12475,7 +12706,7 @@
                 </a:solidFill>
                 <a:latin typeface="Adobe Clean Light" panose="020B0303020404020204" pitchFamily="34" charset="0"/>
               </a:rPr>
-              <a:t>Promuovere l’adozione di best practice per la personalizzazione e componenti core di AEM as a Cloud Service</a:t>
+              <a:t>Promuovere l’adozione di best practice per la personalizzazione e componenti core di AEM as a Cloud Service.</a:t>
             </a:r>
           </a:p>
         </p:txBody>
@@ -12494,8 +12725,8 @@
         </p:nvSpPr>
         <p:spPr>
           <a:xfrm>
-            <a:off x="2835999" y="1464006"/>
-            <a:ext cx="2194560" cy="717376"/>
+            <a:off x="2755028" y="1392565"/>
+            <a:ext cx="2335501" cy="717376"/>
           </a:xfrm>
           <a:prstGeom prst="rect">
             <a:avLst/>
@@ -12516,13 +12747,47 @@
               </a:spcBef>
             </a:pPr>
             <a:r>
-              <a:rPr lang="it-IT" sz="1000">
+              <a:rPr lang="it-IT" sz="1000" dirty="0">
                 <a:solidFill>
                   <a:srgbClr val="4B4B4B"/>
                 </a:solidFill>
                 <a:latin typeface="Adobe Clean Light" panose="020B0303020404020204" pitchFamily="34" charset="0"/>
               </a:rPr>
-              <a:t>Individuare, valutare e fornire raccomandazioni su aree specifiche, relative all’adozione delle soluzioni, che offrono opportunità di ottimizzazione</a:t>
+              <a:t>Individuare, valutare e fornire raccomandazioni su aree specifiche, relative all’adozione </a:t>
+            </a:r>
+            <a:br>
+              <a:rPr lang="it-IT" sz="1000" dirty="0">
+                <a:solidFill>
+                  <a:srgbClr val="4B4B4B"/>
+                </a:solidFill>
+                <a:latin typeface="Adobe Clean Light" panose="020B0303020404020204" pitchFamily="34" charset="0"/>
+              </a:rPr>
+            </a:br>
+            <a:r>
+              <a:rPr lang="it-IT" sz="1000" dirty="0">
+                <a:solidFill>
+                  <a:srgbClr val="4B4B4B"/>
+                </a:solidFill>
+                <a:latin typeface="Adobe Clean Light" panose="020B0303020404020204" pitchFamily="34" charset="0"/>
+              </a:rPr>
+              <a:t>delle soluzioni, che offrono opportunità </a:t>
+            </a:r>
+            <a:br>
+              <a:rPr lang="it-IT" sz="1000" dirty="0">
+                <a:solidFill>
+                  <a:srgbClr val="4B4B4B"/>
+                </a:solidFill>
+                <a:latin typeface="Adobe Clean Light" panose="020B0303020404020204" pitchFamily="34" charset="0"/>
+              </a:rPr>
+            </a:br>
+            <a:r>
+              <a:rPr lang="it-IT" sz="1000" dirty="0">
+                <a:solidFill>
+                  <a:srgbClr val="4B4B4B"/>
+                </a:solidFill>
+                <a:latin typeface="Adobe Clean Light" panose="020B0303020404020204" pitchFamily="34" charset="0"/>
+              </a:rPr>
+              <a:t>di ottimizzazione.</a:t>
             </a:r>
           </a:p>
         </p:txBody>
@@ -12541,8 +12806,8 @@
         </p:nvSpPr>
         <p:spPr>
           <a:xfrm>
-            <a:off x="355868" y="1417898"/>
-            <a:ext cx="2194560" cy="717376"/>
+            <a:off x="355867" y="1398847"/>
+            <a:ext cx="2245029" cy="717376"/>
           </a:xfrm>
           <a:prstGeom prst="rect">
             <a:avLst/>
@@ -12563,13 +12828,13 @@
               </a:spcBef>
             </a:pPr>
             <a:r>
-              <a:rPr lang="it-IT" sz="1000">
+              <a:rPr lang="it-IT" sz="1000" dirty="0">
                 <a:solidFill>
                   <a:srgbClr val="4B4B4B"/>
                 </a:solidFill>
                 <a:latin typeface="Adobe Clean Light" panose="020B0303020404020204" pitchFamily="34" charset="0"/>
               </a:rPr>
-              <a:t>Governance operativa e tecnica per assistere i clienti di AEM as a Cloud Service a rispettare gli standard di settore e le best practice per AEM as a Cloud Service</a:t>
+              <a:t>Governance operativa e tecnica per assistere i clienti di AEM as a Cloud Service a rispettare gli standard di settore e le best practice per AEM as a Cloud Service.</a:t>
             </a:r>
           </a:p>
         </p:txBody>
@@ -12588,8 +12853,8 @@
         </p:nvSpPr>
         <p:spPr>
           <a:xfrm>
-            <a:off x="5181600" y="936612"/>
-            <a:ext cx="1972258" cy="646331"/>
+            <a:off x="5181599" y="936612"/>
+            <a:ext cx="2643189" cy="430887"/>
           </a:xfrm>
           <a:prstGeom prst="rect">
             <a:avLst/>
@@ -12610,17 +12875,17 @@
               </a:spcBef>
             </a:pPr>
             <a:r>
-              <a:rPr lang="it-IT" sz="1200" b="1" dirty="0">
+              <a:rPr lang="it-IT" sz="1100" b="1" dirty="0">
                 <a:solidFill>
                   <a:srgbClr val="020302"/>
                 </a:solidFill>
                 <a:latin typeface="Adobe Clean"/>
                 <a:cs typeface="Adobe Clean"/>
               </a:rPr>
-              <a:t>Best practice per </a:t>
+              <a:t>Best practice per la personalizzazione </a:t>
             </a:r>
             <a:br>
-              <a:rPr lang="sk-SK" sz="1200" b="1" dirty="0">
+              <a:rPr lang="it-IT" sz="1100" b="1" dirty="0">
                 <a:solidFill>
                   <a:srgbClr val="020302"/>
                 </a:solidFill>
@@ -12629,14 +12894,14 @@
               </a:rPr>
             </a:br>
             <a:r>
-              <a:rPr lang="it-IT" sz="1200" b="1" dirty="0">
+              <a:rPr lang="it-IT" sz="1100" b="1" dirty="0">
                 <a:solidFill>
                   <a:srgbClr val="020302"/>
                 </a:solidFill>
                 <a:latin typeface="Adobe Clean"/>
                 <a:cs typeface="Adobe Clean"/>
               </a:rPr>
-              <a:t>la personalizzazione di AEM as a Cloud Service</a:t>
+              <a:t>di AEM as a Cloud Service</a:t>
             </a:r>
           </a:p>
         </p:txBody>
@@ -12655,8 +12920,8 @@
         </p:nvSpPr>
         <p:spPr>
           <a:xfrm>
-            <a:off x="2752588" y="908302"/>
-            <a:ext cx="1708650" cy="646331"/>
+            <a:off x="2671617" y="908302"/>
+            <a:ext cx="1988197" cy="430887"/>
           </a:xfrm>
           <a:prstGeom prst="rect">
             <a:avLst/>
@@ -12677,17 +12942,17 @@
               </a:spcBef>
             </a:pPr>
             <a:r>
-              <a:rPr lang="it-IT" sz="1200" b="1" dirty="0">
+              <a:rPr lang="it-IT" sz="1100" b="1" dirty="0">
                 <a:solidFill>
                   <a:srgbClr val="020302"/>
                 </a:solidFill>
                 <a:latin typeface="Adobe Clean"/>
                 <a:cs typeface="Adobe Clean"/>
               </a:rPr>
-              <a:t>Servizi a valore aggiunto per AEM </a:t>
+              <a:t>Servizi a valore aggiunto </a:t>
             </a:r>
             <a:br>
-              <a:rPr lang="sk-SK" sz="1200" b="1" dirty="0">
+              <a:rPr lang="it-IT" sz="1100" b="1" dirty="0">
                 <a:solidFill>
                   <a:srgbClr val="020302"/>
                 </a:solidFill>
@@ -12696,14 +12961,14 @@
               </a:rPr>
             </a:br>
             <a:r>
-              <a:rPr lang="it-IT" sz="1200" b="1" dirty="0">
+              <a:rPr lang="it-IT" sz="1100" b="1" dirty="0">
                 <a:solidFill>
                   <a:srgbClr val="020302"/>
                 </a:solidFill>
                 <a:latin typeface="Adobe Clean"/>
                 <a:cs typeface="Adobe Clean"/>
               </a:rPr>
-              <a:t>as a Cloud Service</a:t>
+              <a:t>per AEM as a Cloud Service</a:t>
             </a:r>
           </a:p>
         </p:txBody>
@@ -12723,7 +12988,7 @@
         <p:spPr>
           <a:xfrm>
             <a:off x="381000" y="908303"/>
-            <a:ext cx="1998943" cy="461665"/>
+            <a:ext cx="1988197" cy="430887"/>
           </a:xfrm>
           <a:prstGeom prst="rect">
             <a:avLst/>
@@ -12744,7 +13009,7 @@
               </a:spcBef>
             </a:pPr>
             <a:r>
-              <a:rPr lang="it-IT" sz="1200" b="1" dirty="0">
+              <a:rPr lang="it-IT" sz="1100" b="1" dirty="0">
                 <a:solidFill>
                   <a:srgbClr val="020302"/>
                 </a:solidFill>
@@ -12754,7 +13019,7 @@
               <a:t>Governance per AEM </a:t>
             </a:r>
             <a:br>
-              <a:rPr lang="sk-SK" sz="1200" b="1" dirty="0">
+              <a:rPr lang="it-IT" sz="1100" b="1" dirty="0">
                 <a:solidFill>
                   <a:srgbClr val="020302"/>
                 </a:solidFill>
@@ -12763,7 +13028,7 @@
               </a:rPr>
             </a:br>
             <a:r>
-              <a:rPr lang="it-IT" sz="1200" b="1" dirty="0">
+              <a:rPr lang="it-IT" sz="1100" b="1" dirty="0">
                 <a:solidFill>
                   <a:srgbClr val="020302"/>
                 </a:solidFill>
@@ -12979,7 +13244,7 @@
         <p:spPr>
           <a:xfrm>
             <a:off x="6754821" y="9283729"/>
-            <a:ext cx="930275" cy="662305"/>
+            <a:ext cx="1017579" cy="662305"/>
           </a:xfrm>
           <a:prstGeom prst="rect">
             <a:avLst/>
@@ -13000,7 +13265,7 @@
               </a:spcBef>
             </a:pPr>
             <a:r>
-              <a:rPr lang="it-IT" sz="800">
+              <a:rPr lang="it-IT" sz="800" dirty="0">
                 <a:solidFill>
                   <a:srgbClr val="777879"/>
                 </a:solidFill>
@@ -13017,7 +13282,7 @@
               </a:lnSpc>
             </a:pPr>
             <a:r>
-              <a:rPr lang="it-IT" sz="800">
+              <a:rPr lang="it-IT" sz="800" dirty="0">
                 <a:solidFill>
                   <a:srgbClr val="777879"/>
                 </a:solidFill>
@@ -13034,7 +13299,7 @@
               </a:lnSpc>
             </a:pPr>
             <a:r>
-              <a:rPr lang="it-IT" sz="800">
+              <a:rPr lang="it-IT" sz="800" dirty="0">
                 <a:solidFill>
                   <a:srgbClr val="777879"/>
                 </a:solidFill>
@@ -13054,7 +13319,7 @@
               </a:spcBef>
             </a:pPr>
             <a:r>
-              <a:rPr lang="it-IT" sz="800">
+              <a:rPr lang="it-IT" sz="800" dirty="0">
                 <a:solidFill>
                   <a:srgbClr val="777879"/>
                 </a:solidFill>
@@ -13074,7 +13339,7 @@
               </a:spcBef>
             </a:pPr>
             <a:r>
-              <a:rPr lang="it-IT" sz="800" u="sng">
+              <a:rPr lang="it-IT" sz="800" u="sng" dirty="0">
                 <a:solidFill>
                   <a:srgbClr val="5F5F5F"/>
                 </a:solidFill>
@@ -13351,10 +13616,10 @@
                 </a:solidFill>
                 <a:latin typeface="AdobeClean-Light"/>
               </a:rPr>
-              <a:t>L’ambito del supporto Adobe è definito allineando l’indirizzo di fatturazione del cliente </a:t>
+              <a:t>L’ambito del supporto Adobe è definito allineando l’indirizzo di fatturazione del cliente (in base all’ordine di vendita o altro documento </a:t>
             </a:r>
             <a:br>
-              <a:rPr lang="sk-SK" sz="1000" dirty="0">
+              <a:rPr lang="it-IT" sz="1000" dirty="0">
                 <a:solidFill>
                   <a:srgbClr val="1F1F1F"/>
                 </a:solidFill>
@@ -13368,7 +13633,7 @@
                 </a:solidFill>
                 <a:latin typeface="AdobeClean-Light"/>
               </a:rPr>
-              <a:t>(in base all’ordine di vendita o altro documento di acquisto del servizio di supporto Adobe) a una delle seguenti aree geografiche:</a:t>
+              <a:t>di acquisto del servizio di supporto Adobe) a una delle seguenti aree geografiche:</a:t>
             </a:r>
           </a:p>
         </p:txBody>
@@ -13388,7 +13653,7 @@
           <p:nvPr>
             <p:extLst>
               <p:ext uri="{D42A27DB-BD31-4B8C-83A1-F6EECF244321}">
-                <p14:modId xmlns:p14="http://schemas.microsoft.com/office/powerpoint/2010/main" val="3975465108"/>
+                <p14:modId xmlns:p14="http://schemas.microsoft.com/office/powerpoint/2010/main" val="1639582195"/>
               </p:ext>
             </p:extLst>
           </p:nvPr>
@@ -13506,13 +13771,30 @@
                     <a:p>
                       <a:pPr algn="ctr"/>
                       <a:r>
-                        <a:rPr lang="it-IT" sz="1100">
+                        <a:rPr lang="it-IT" sz="1100" dirty="0">
                           <a:solidFill>
                             <a:schemeClr val="tx1"/>
                           </a:solidFill>
                           <a:latin typeface="Adobe Clean" panose="020B0503020404020204" pitchFamily="34" charset="0"/>
                         </a:rPr>
-                        <a:t>Europa, Medio Oriente e Africa</a:t>
+                        <a:t>Europa, Medio Oriente </a:t>
+                      </a:r>
+                      <a:br>
+                        <a:rPr lang="it-IT" sz="1100" dirty="0">
+                          <a:solidFill>
+                            <a:schemeClr val="tx1"/>
+                          </a:solidFill>
+                          <a:latin typeface="Adobe Clean" panose="020B0503020404020204" pitchFamily="34" charset="0"/>
+                        </a:rPr>
+                      </a:br>
+                      <a:r>
+                        <a:rPr lang="it-IT" sz="1100" dirty="0">
+                          <a:solidFill>
+                            <a:schemeClr val="tx1"/>
+                          </a:solidFill>
+                          <a:latin typeface="Adobe Clean" panose="020B0503020404020204" pitchFamily="34" charset="0"/>
+                        </a:rPr>
+                        <a:t>e Africa</a:t>
                       </a:r>
                     </a:p>
                   </a:txBody>
@@ -13998,7 +14280,7 @@
                         <a:buNone/>
                       </a:pPr>
                       <a:r>
-                        <a:rPr lang="it-IT" sz="1100">
+                        <a:rPr lang="it-IT" sz="1100" dirty="0">
                           <a:solidFill>
                             <a:schemeClr val="tx1"/>
                           </a:solidFill>
@@ -14043,7 +14325,7 @@
                     <a:p>
                       <a:pPr algn="ctr"/>
                       <a:r>
-                        <a:rPr lang="it-IT" sz="1100" i="0">
+                        <a:rPr lang="it-IT" sz="1100" i="0" dirty="0">
                           <a:solidFill>
                             <a:schemeClr val="tx1"/>
                           </a:solidFill>
@@ -14052,7 +14334,7 @@
                         <a:t> </a:t>
                       </a:r>
                       <a:r>
-                        <a:rPr lang="it-IT" sz="1100" i="0" baseline="30000">
+                        <a:rPr lang="it-IT" sz="1100" i="0" baseline="30000" dirty="0">
                           <a:solidFill>
                             <a:schemeClr val="tx1"/>
                           </a:solidFill>
@@ -14061,7 +14343,7 @@
                         <a:t>1 </a:t>
                       </a:r>
                       <a:r>
-                        <a:rPr lang="it-IT" sz="1100" i="0">
+                        <a:rPr lang="it-IT" sz="1100" i="0" dirty="0">
                           <a:solidFill>
                             <a:schemeClr val="tx1"/>
                           </a:solidFill>
@@ -14124,7 +14406,7 @@
                     <a:bodyPr/>
                     <a:lstStyle/>
                     <a:p>
-                      <a:endParaRPr lang="en-US" sz="1100" dirty="0">
+                      <a:endParaRPr lang="en-US" sz="1100">
                         <a:solidFill>
                           <a:schemeClr val="tx1"/>
                         </a:solidFill>
@@ -14185,7 +14467,7 @@
                     <a:bodyPr/>
                     <a:lstStyle/>
                     <a:p>
-                      <a:endParaRPr lang="en-US" sz="1100" dirty="0">
+                      <a:endParaRPr lang="en-US" sz="1100">
                         <a:solidFill>
                           <a:schemeClr val="tx1"/>
                         </a:solidFill>
@@ -14246,7 +14528,7 @@
                     <a:bodyPr/>
                     <a:lstStyle/>
                     <a:p>
-                      <a:endParaRPr lang="en-US" sz="1100" dirty="0">
+                      <a:endParaRPr lang="en-US" sz="1100">
                         <a:solidFill>
                           <a:schemeClr val="tx1"/>
                         </a:solidFill>
@@ -14410,8 +14692,8 @@
         </p:nvSpPr>
         <p:spPr>
           <a:xfrm>
-            <a:off x="2840871" y="8528519"/>
-            <a:ext cx="810895" cy="385445"/>
+            <a:off x="2758837" y="8528519"/>
+            <a:ext cx="974964" cy="385445"/>
           </a:xfrm>
           <a:prstGeom prst="rect">
             <a:avLst/>
@@ -14423,7 +14705,7 @@
           </a:bodyPr>
           <a:lstStyle/>
           <a:p>
-            <a:pPr marL="139065" marR="5080" indent="-139065">
+            <a:pPr marR="5080" algn="ctr">
               <a:lnSpc>
                 <a:spcPts val="1390"/>
               </a:lnSpc>
@@ -14432,7 +14714,7 @@
               </a:spcBef>
             </a:pPr>
             <a:r>
-              <a:rPr lang="it-IT" sz="1200" b="1">
+              <a:rPr lang="it-IT" sz="1200" b="1" dirty="0">
                 <a:solidFill>
                   <a:srgbClr val="FFFFFF"/>
                 </a:solidFill>
@@ -14458,8 +14740,8 @@
         </p:nvSpPr>
         <p:spPr>
           <a:xfrm>
-            <a:off x="4732495" y="8541244"/>
-            <a:ext cx="810895" cy="382797"/>
+            <a:off x="4687886" y="8541244"/>
+            <a:ext cx="900114" cy="382797"/>
           </a:xfrm>
           <a:prstGeom prst="rect">
             <a:avLst/>
@@ -14471,7 +14753,7 @@
           </a:bodyPr>
           <a:lstStyle/>
           <a:p>
-            <a:pPr marL="139065" marR="5080" indent="-139065">
+            <a:pPr marR="5080" algn="ctr">
               <a:lnSpc>
                 <a:spcPts val="1390"/>
               </a:lnSpc>
@@ -14480,7 +14762,7 @@
               </a:spcBef>
             </a:pPr>
             <a:r>
-              <a:rPr lang="it-IT" sz="1200" b="1">
+              <a:rPr lang="it-IT" sz="1200" b="1" dirty="0">
                 <a:solidFill>
                   <a:srgbClr val="FFFFFF"/>
                 </a:solidFill>
@@ -14506,8 +14788,8 @@
         </p:nvSpPr>
         <p:spPr>
           <a:xfrm>
-            <a:off x="6477000" y="8543943"/>
-            <a:ext cx="810895" cy="385445"/>
+            <a:off x="6343650" y="8543943"/>
+            <a:ext cx="1071478" cy="385445"/>
           </a:xfrm>
           <a:prstGeom prst="rect">
             <a:avLst/>
@@ -14519,7 +14801,7 @@
           </a:bodyPr>
           <a:lstStyle/>
           <a:p>
-            <a:pPr marL="50800" marR="5080" indent="-51435">
+            <a:pPr marR="5080" algn="ctr">
               <a:lnSpc>
                 <a:spcPts val="1390"/>
               </a:lnSpc>
@@ -14555,7 +14837,7 @@
           <p:nvPr>
             <p:extLst>
               <p:ext uri="{D42A27DB-BD31-4B8C-83A1-F6EECF244321}">
-                <p14:modId xmlns:p14="http://schemas.microsoft.com/office/powerpoint/2010/main" val="3712755428"/>
+                <p14:modId xmlns:p14="http://schemas.microsoft.com/office/powerpoint/2010/main" val="3834492231"/>
               </p:ext>
             </p:extLst>
           </p:nvPr>
@@ -14688,7 +14970,7 @@
                         <a:t>Con Experience League, Adobe aiuta le aziende a conseguire il valore che si aspettano dalle soluzioni Adobe in cui hanno investito. In questo portale unificato, puoi imparare, relazionarti con altri professionisti </a:t>
                       </a:r>
                       <a:br>
-                        <a:rPr lang="sk-SK" sz="1000" b="0" dirty="0">
+                        <a:rPr lang="it-IT" sz="1000" b="0" dirty="0">
                           <a:solidFill>
                             <a:srgbClr val="000000"/>
                           </a:solidFill>
@@ -14891,28 +15173,7 @@
                           <a:ea typeface="+mn-ea"/>
                           <a:cs typeface="+mn-cs"/>
                         </a:rPr>
-                        <a:t>I corsi Adobe Digital Learning Services sono accessibili da Experience League. I corsi di apprendimento comprendono lezioni sia on-demand che guidate da istruttori.  Potrai acquisire nuove competenze particolarmente ricercate nel settore e metterle in pratica nella </a:t>
-                      </a:r>
-                      <a:br>
-                        <a:rPr lang="sk-SK" sz="1000" dirty="0">
-                          <a:solidFill>
-                            <a:srgbClr val="000000"/>
-                          </a:solidFill>
-                          <a:latin typeface="Adobe Clean Light" panose="020B0303020404020204" pitchFamily="34" charset="0"/>
-                          <a:ea typeface="+mn-ea"/>
-                          <a:cs typeface="+mn-cs"/>
-                        </a:rPr>
-                      </a:br>
-                      <a:r>
-                        <a:rPr lang="it-IT" sz="1000" dirty="0">
-                          <a:solidFill>
-                            <a:srgbClr val="000000"/>
-                          </a:solidFill>
-                          <a:latin typeface="Adobe Clean Light" panose="020B0303020404020204" pitchFamily="34" charset="0"/>
-                          <a:ea typeface="+mn-ea"/>
-                          <a:cs typeface="+mn-cs"/>
-                        </a:rPr>
-                        <a:t>tua organizzazione, per favorirne il successo.</a:t>
+                        <a:t>I corsi Adobe Digital Learning Services sono accessibili da Experience League. I corsi di apprendimento comprendono lezioni sia on-demand che guidate da istruttori.  Potrai acquisire nuove competenze particolarmente ricercate nel settore e metterle in pratica nella tua organizzazione, per favorirne il successo.</a:t>
                       </a:r>
                     </a:p>
                   </a:txBody>
@@ -15086,10 +15347,10 @@
                           <a:ea typeface="+mn-ea"/>
                           <a:cs typeface="+mn-cs"/>
                         </a:rPr>
-                        <a:t>Status.adobe.com trasmette informazioni sullo stato di tutti i prodotti</a:t>
+                        <a:t>Status.adobe.com trasmette informazioni sullo stato di tutti i prodotti </a:t>
                       </a:r>
                       <a:br>
-                        <a:rPr lang="sk-SK" sz="1000" dirty="0">
+                        <a:rPr lang="it-IT" sz="1000" dirty="0">
                           <a:solidFill>
                             <a:srgbClr val="000000"/>
                           </a:solidFill>
@@ -15110,7 +15371,7 @@
                         <a:t>e i servizi Adobe implementati in ambienti multi-tenant. Puoi scegliere se ricevere notifiche e-mail ogni volta che Adobe segnala, aggiorna </a:t>
                       </a:r>
                       <a:br>
-                        <a:rPr lang="sk-SK" sz="1000" dirty="0">
+                        <a:rPr lang="it-IT" sz="1000" dirty="0">
                           <a:solidFill>
                             <a:srgbClr val="000000"/>
                           </a:solidFill>
@@ -15128,49 +15389,7 @@
                           <a:ea typeface="+mn-ea"/>
                           <a:cs typeface="+mn-cs"/>
                         </a:rPr>
-                        <a:t>o risolve un problema relativo a un prodotto. Vengono segnalate </a:t>
-                      </a:r>
-                      <a:br>
-                        <a:rPr lang="sk-SK" sz="1000" dirty="0">
-                          <a:solidFill>
-                            <a:srgbClr val="000000"/>
-                          </a:solidFill>
-                          <a:latin typeface="Adobe Clean Light" panose="020B0303020404020204" pitchFamily="34" charset="0"/>
-                          <a:ea typeface="+mn-ea"/>
-                          <a:cs typeface="+mn-cs"/>
-                        </a:rPr>
-                      </a:br>
-                      <a:r>
-                        <a:rPr lang="it-IT" sz="1000" dirty="0">
-                          <a:solidFill>
-                            <a:srgbClr val="000000"/>
-                          </a:solidFill>
-                          <a:latin typeface="Adobe Clean Light" panose="020B0303020404020204" pitchFamily="34" charset="0"/>
-                          <a:ea typeface="+mn-ea"/>
-                          <a:cs typeface="+mn-cs"/>
-                        </a:rPr>
-                        <a:t>ad esempio le interruzioni per manutenzione programmata </a:t>
-                      </a:r>
-                      <a:br>
-                        <a:rPr lang="sk-SK" sz="1000" dirty="0">
-                          <a:solidFill>
-                            <a:srgbClr val="000000"/>
-                          </a:solidFill>
-                          <a:latin typeface="Adobe Clean Light" panose="020B0303020404020204" pitchFamily="34" charset="0"/>
-                          <a:ea typeface="+mn-ea"/>
-                          <a:cs typeface="+mn-cs"/>
-                        </a:rPr>
-                      </a:br>
-                      <a:r>
-                        <a:rPr lang="it-IT" sz="1000" dirty="0">
-                          <a:solidFill>
-                            <a:srgbClr val="000000"/>
-                          </a:solidFill>
-                          <a:latin typeface="Adobe Clean Light" panose="020B0303020404020204" pitchFamily="34" charset="0"/>
-                          <a:ea typeface="+mn-ea"/>
-                          <a:cs typeface="+mn-cs"/>
-                        </a:rPr>
-                        <a:t>o problemi relativi ai servizi con diversi livelli di gravità. </a:t>
+                        <a:t>o risolve un problema relativo a un prodotto. Vengono segnalate ad esempio le interruzioni per manutenzione programmata o problemi relativi ai servizi con diversi livelli di gravità. </a:t>
                       </a:r>
                     </a:p>
                   </a:txBody>
@@ -16104,15 +16323,6 @@
 </file>
 
 <file path=customXml/item2.xml><?xml version="1.0" encoding="utf-8"?>
-<?mso-contentType ?>
-<FormTemplates xmlns="http://schemas.microsoft.com/sharepoint/v3/contenttype/forms">
-  <Display>DocumentLibraryForm</Display>
-  <Edit>DocumentLibraryForm</Edit>
-  <New>DocumentLibraryForm</New>
-</FormTemplates>
-</file>
-
-<file path=customXml/item3.xml><?xml version="1.0" encoding="utf-8"?>
 <ct:contentTypeSchema xmlns:ct="http://schemas.microsoft.com/office/2006/metadata/contentType" xmlns:ma="http://schemas.microsoft.com/office/2006/metadata/properties/metaAttributes" ct:_="" ma:_="" ma:contentTypeName="Document" ma:contentTypeID="0x010100E783BF6876BCC646A459363AF21A7736" ma:contentTypeVersion="10" ma:contentTypeDescription="Create a new document." ma:contentTypeScope="" ma:versionID="c4ffda7f4f415767600769e454c2ea87">
   <xsd:schema xmlns:xsd="http://www.w3.org/2001/XMLSchema" xmlns:xs="http://www.w3.org/2001/XMLSchema" xmlns:p="http://schemas.microsoft.com/office/2006/metadata/properties" xmlns:ns2="8a053bff-88be-49e4-9a87-e748e18b8b62" xmlns:ns3="6c8368ec-3776-49b5-a5bb-90648cf9530f" targetNamespace="http://schemas.microsoft.com/office/2006/metadata/properties" ma:root="true" ma:fieldsID="df3ec33bccc23e23bce7bc897fad43d1" ns2:_="" ns3:_="">
     <xsd:import namespace="8a053bff-88be-49e4-9a87-e748e18b8b62"/>
@@ -16317,6 +16527,15 @@
 </ct:contentTypeSchema>
 </file>
 
+<file path=customXml/item3.xml><?xml version="1.0" encoding="utf-8"?>
+<?mso-contentType ?>
+<FormTemplates xmlns="http://schemas.microsoft.com/sharepoint/v3/contenttype/forms">
+  <Display>DocumentLibraryForm</Display>
+  <Edit>DocumentLibraryForm</Edit>
+  <New>DocumentLibraryForm</New>
+</FormTemplates>
+</file>
+
 <file path=customXml/itemProps1.xml><?xml version="1.0" encoding="utf-8"?>
 <ds:datastoreItem xmlns:ds="http://schemas.openxmlformats.org/officeDocument/2006/customXml" ds:itemID="{CED41536-010B-47B1-9229-B72BE4090090}">
   <ds:schemaRefs>
@@ -16327,28 +16546,28 @@
 </file>
 
 <file path=customXml/itemProps2.xml><?xml version="1.0" encoding="utf-8"?>
+<ds:datastoreItem xmlns:ds="http://schemas.openxmlformats.org/officeDocument/2006/customXml" ds:itemID="{75C1A8FD-3884-41A0-BE37-D15776C885D1}">
+  <ds:schemaRefs>
+    <ds:schemaRef ds:uri="6c8368ec-3776-49b5-a5bb-90648cf9530f"/>
+    <ds:schemaRef ds:uri="8a053bff-88be-49e4-9a87-e748e18b8b62"/>
+    <ds:schemaRef ds:uri="http://purl.org/dc/elements/1.1/"/>
+    <ds:schemaRef ds:uri="http://purl.org/dc/terms/"/>
+    <ds:schemaRef ds:uri="http://schemas.microsoft.com/internal/obd"/>
+    <ds:schemaRef ds:uri="http://schemas.microsoft.com/office/2006/documentManagement/types"/>
+    <ds:schemaRef ds:uri="http://schemas.microsoft.com/office/2006/metadata/contentType"/>
+    <ds:schemaRef ds:uri="http://schemas.microsoft.com/office/2006/metadata/properties"/>
+    <ds:schemaRef ds:uri="http://schemas.microsoft.com/office/2006/metadata/properties/metaAttributes"/>
+    <ds:schemaRef ds:uri="http://schemas.microsoft.com/office/infopath/2007/PartnerControls"/>
+    <ds:schemaRef ds:uri="http://schemas.openxmlformats.org/package/2006/metadata/core-properties"/>
+    <ds:schemaRef ds:uri="http://www.w3.org/2001/XMLSchema"/>
+  </ds:schemaRefs>
+</ds:datastoreItem>
+</file>
+
+<file path=customXml/itemProps3.xml><?xml version="1.0" encoding="utf-8"?>
 <ds:datastoreItem xmlns:ds="http://schemas.openxmlformats.org/officeDocument/2006/customXml" ds:itemID="{669D9D3B-3229-44EE-9964-24A06AE66887}">
   <ds:schemaRefs>
     <ds:schemaRef ds:uri="http://schemas.microsoft.com/sharepoint/v3/contenttype/forms"/>
   </ds:schemaRefs>
 </ds:datastoreItem>
-</file>
-
-<file path=customXml/itemProps3.xml><?xml version="1.0" encoding="utf-8"?>
-<ds:datastoreItem xmlns:ds="http://schemas.openxmlformats.org/officeDocument/2006/customXml" ds:itemID="{75C1A8FD-3884-41A0-BE37-D15776C885D1}">
-  <ds:schemaRefs>
-    <ds:schemaRef ds:uri="http://schemas.microsoft.com/office/2006/metadata/contentType"/>
-    <ds:schemaRef ds:uri="http://schemas.microsoft.com/office/2006/metadata/properties/metaAttributes"/>
-    <ds:schemaRef ds:uri="http://www.w3.org/2001/XMLSchema"/>
-    <ds:schemaRef ds:uri="http://schemas.microsoft.com/office/2006/metadata/properties"/>
-    <ds:schemaRef ds:uri="8a053bff-88be-49e4-9a87-e748e18b8b62"/>
-    <ds:schemaRef ds:uri="6c8368ec-3776-49b5-a5bb-90648cf9530f"/>
-    <ds:schemaRef ds:uri="http://schemas.microsoft.com/office/2006/documentManagement/types"/>
-    <ds:schemaRef ds:uri="http://schemas.microsoft.com/office/infopath/2007/PartnerControls"/>
-    <ds:schemaRef ds:uri="http://schemas.openxmlformats.org/package/2006/metadata/core-properties"/>
-    <ds:schemaRef ds:uri="http://purl.org/dc/elements/1.1/"/>
-    <ds:schemaRef ds:uri="http://purl.org/dc/terms/"/>
-    <ds:schemaRef ds:uri="http://schemas.microsoft.com/internal/obd"/>
-  </ds:schemaRefs>
-</ds:datastoreItem>
 </file>
--- a/help/data-sheets/assets/EliteSupportDatasheet.pptx
+++ b/help/data-sheets/assets/EliteSupportDatasheet.pptx
@@ -151,7 +151,7 @@
 <file path=ppt/revisionInfo.xml><?xml version="1.0" encoding="utf-8"?>
 <p1510:revInfo xmlns:a="http://schemas.openxmlformats.org/drawingml/2006/main" xmlns:r="http://schemas.openxmlformats.org/officeDocument/2006/relationships" xmlns:p1510="http://schemas.microsoft.com/office/powerpoint/2015/10/main">
   <p1510:revLst>
-    <p1510:client id="{0BC4D7A0-4BBD-1B49-BE14-170949F0EA37}" v="4" dt="2021-10-13T19:10:14.670"/>
+    <p1510:client id="{1E4B2740-C02D-6848-8C88-402A980B28DC}" v="27" dt="2022-01-20T17:33:40.354"/>
   </p1510:revLst>
 </p1510:revInfo>
 </file>
@@ -179,6 +179,109 @@
             <ac:spMk id="4" creationId="{00000000-0000-0000-0000-000000000000}"/>
           </ac:spMkLst>
         </pc:spChg>
+      </pc:sldChg>
+    </pc:docChg>
+  </pc:docChgLst>
+  <pc:docChgLst>
+    <pc:chgData name="Akilah Johnson" userId="S::akjohnso@adobe.com::2fa3aa60-0c9c-4d06-bae2-795983241227" providerId="AD" clId="Web-{6321287A-37E3-E99F-4766-DFF993179103}"/>
+    <pc:docChg chg="modSld">
+      <pc:chgData name="Akilah Johnson" userId="S::akjohnso@adobe.com::2fa3aa60-0c9c-4d06-bae2-795983241227" providerId="AD" clId="Web-{6321287A-37E3-E99F-4766-DFF993179103}" dt="2021-11-24T00:05:14.840" v="5"/>
+      <pc:docMkLst>
+        <pc:docMk/>
+      </pc:docMkLst>
+      <pc:sldChg chg="modSp">
+        <pc:chgData name="Akilah Johnson" userId="S::akjohnso@adobe.com::2fa3aa60-0c9c-4d06-bae2-795983241227" providerId="AD" clId="Web-{6321287A-37E3-E99F-4766-DFF993179103}" dt="2021-11-24T00:05:14.840" v="5"/>
+        <pc:sldMkLst>
+          <pc:docMk/>
+          <pc:sldMk cId="0" sldId="256"/>
+        </pc:sldMkLst>
+        <pc:graphicFrameChg chg="mod modGraphic">
+          <ac:chgData name="Akilah Johnson" userId="S::akjohnso@adobe.com::2fa3aa60-0c9c-4d06-bae2-795983241227" providerId="AD" clId="Web-{6321287A-37E3-E99F-4766-DFF993179103}" dt="2021-11-24T00:05:14.840" v="5"/>
+          <ac:graphicFrameMkLst>
+            <pc:docMk/>
+            <pc:sldMk cId="0" sldId="256"/>
+            <ac:graphicFrameMk id="7" creationId="{00000000-0000-0000-0000-000000000000}"/>
+          </ac:graphicFrameMkLst>
+        </pc:graphicFrameChg>
+      </pc:sldChg>
+    </pc:docChg>
+  </pc:docChgLst>
+  <pc:docChgLst>
+    <pc:chgData name="Ankita Sood" userId="c93a62e3-2a47-429d-82c6-c2a8fd110ae7" providerId="ADAL" clId="{1E4B2740-C02D-6848-8C88-402A980B28DC}"/>
+    <pc:docChg chg="modSld">
+      <pc:chgData name="Ankita Sood" userId="c93a62e3-2a47-429d-82c6-c2a8fd110ae7" providerId="ADAL" clId="{1E4B2740-C02D-6848-8C88-402A980B28DC}" dt="2022-01-20T19:39:05.294" v="34" actId="20577"/>
+      <pc:docMkLst>
+        <pc:docMk/>
+      </pc:docMkLst>
+      <pc:sldChg chg="modSp mod">
+        <pc:chgData name="Ankita Sood" userId="c93a62e3-2a47-429d-82c6-c2a8fd110ae7" providerId="ADAL" clId="{1E4B2740-C02D-6848-8C88-402A980B28DC}" dt="2022-01-20T19:39:05.294" v="34" actId="20577"/>
+        <pc:sldMkLst>
+          <pc:docMk/>
+          <pc:sldMk cId="0" sldId="256"/>
+        </pc:sldMkLst>
+        <pc:spChg chg="mod">
+          <ac:chgData name="Ankita Sood" userId="c93a62e3-2a47-429d-82c6-c2a8fd110ae7" providerId="ADAL" clId="{1E4B2740-C02D-6848-8C88-402A980B28DC}" dt="2022-01-20T19:39:05.294" v="34" actId="20577"/>
+          <ac:spMkLst>
+            <pc:docMk/>
+            <pc:sldMk cId="0" sldId="256"/>
+            <ac:spMk id="3" creationId="{00000000-0000-0000-0000-000000000000}"/>
+          </ac:spMkLst>
+        </pc:spChg>
+        <pc:graphicFrameChg chg="modGraphic">
+          <ac:chgData name="Ankita Sood" userId="c93a62e3-2a47-429d-82c6-c2a8fd110ae7" providerId="ADAL" clId="{1E4B2740-C02D-6848-8C88-402A980B28DC}" dt="2022-01-20T17:33:31.472" v="18" actId="20577"/>
+          <ac:graphicFrameMkLst>
+            <pc:docMk/>
+            <pc:sldMk cId="0" sldId="256"/>
+            <ac:graphicFrameMk id="7" creationId="{00000000-0000-0000-0000-000000000000}"/>
+          </ac:graphicFrameMkLst>
+        </pc:graphicFrameChg>
+        <pc:graphicFrameChg chg="modGraphic">
+          <ac:chgData name="Ankita Sood" userId="c93a62e3-2a47-429d-82c6-c2a8fd110ae7" providerId="ADAL" clId="{1E4B2740-C02D-6848-8C88-402A980B28DC}" dt="2022-01-20T17:33:27.794" v="10" actId="20577"/>
+          <ac:graphicFrameMkLst>
+            <pc:docMk/>
+            <pc:sldMk cId="0" sldId="256"/>
+            <ac:graphicFrameMk id="13" creationId="{8FC06D05-42C7-D14C-86E4-0F01711669B9}"/>
+          </ac:graphicFrameMkLst>
+        </pc:graphicFrameChg>
+      </pc:sldChg>
+      <pc:sldChg chg="modSp mod">
+        <pc:chgData name="Ankita Sood" userId="c93a62e3-2a47-429d-82c6-c2a8fd110ae7" providerId="ADAL" clId="{1E4B2740-C02D-6848-8C88-402A980B28DC}" dt="2022-01-20T17:33:40.355" v="26" actId="20577"/>
+        <pc:sldMkLst>
+          <pc:docMk/>
+          <pc:sldMk cId="3982262141" sldId="262"/>
+        </pc:sldMkLst>
+        <pc:spChg chg="mod">
+          <ac:chgData name="Ankita Sood" userId="c93a62e3-2a47-429d-82c6-c2a8fd110ae7" providerId="ADAL" clId="{1E4B2740-C02D-6848-8C88-402A980B28DC}" dt="2022-01-20T17:33:40.355" v="26" actId="20577"/>
+          <ac:spMkLst>
+            <pc:docMk/>
+            <pc:sldMk cId="3982262141" sldId="262"/>
+            <ac:spMk id="81" creationId="{68CE4601-87A9-E645-841C-EE142932AEED}"/>
+          </ac:spMkLst>
+        </pc:spChg>
+      </pc:sldChg>
+    </pc:docChg>
+  </pc:docChgLst>
+  <pc:docChgLst>
+    <pc:chgData name="Akilah Johnson" userId="2fa3aa60-0c9c-4d06-bae2-795983241227" providerId="ADAL" clId="{4F9F8D59-37FF-0B43-9EF5-31D48C73FC8D}"/>
+    <pc:docChg chg="modSld">
+      <pc:chgData name="Akilah Johnson" userId="2fa3aa60-0c9c-4d06-bae2-795983241227" providerId="ADAL" clId="{4F9F8D59-37FF-0B43-9EF5-31D48C73FC8D}" dt="2021-11-24T00:07:01.857" v="8" actId="20577"/>
+      <pc:docMkLst>
+        <pc:docMk/>
+      </pc:docMkLst>
+      <pc:sldChg chg="modSp mod">
+        <pc:chgData name="Akilah Johnson" userId="2fa3aa60-0c9c-4d06-bae2-795983241227" providerId="ADAL" clId="{4F9F8D59-37FF-0B43-9EF5-31D48C73FC8D}" dt="2021-11-24T00:07:01.857" v="8" actId="20577"/>
+        <pc:sldMkLst>
+          <pc:docMk/>
+          <pc:sldMk cId="0" sldId="256"/>
+        </pc:sldMkLst>
+        <pc:graphicFrameChg chg="modGraphic">
+          <ac:chgData name="Akilah Johnson" userId="2fa3aa60-0c9c-4d06-bae2-795983241227" providerId="ADAL" clId="{4F9F8D59-37FF-0B43-9EF5-31D48C73FC8D}" dt="2021-11-24T00:07:01.857" v="8" actId="20577"/>
+          <ac:graphicFrameMkLst>
+            <pc:docMk/>
+            <pc:sldMk cId="0" sldId="256"/>
+            <ac:graphicFrameMk id="7" creationId="{00000000-0000-0000-0000-000000000000}"/>
+          </ac:graphicFrameMkLst>
+        </pc:graphicFrameChg>
       </pc:sldChg>
     </pc:docChg>
   </pc:docChgLst>
@@ -267,7 +370,7 @@
           <a:p>
             <a:fld id="{C12E57D6-2086-AA47-A7A4-C0CDE7C14E44}" type="datetimeFigureOut">
               <a:rPr lang="en-US" smtClean="0"/>
-              <a:t>11/12/2021</a:t>
+              <a:t>1/20/22</a:t>
             </a:fld>
             <a:endParaRPr lang="en-US"/>
           </a:p>
@@ -578,7 +681,7 @@
           <a:bodyPr/>
           <a:lstStyle/>
           <a:p>
-            <a:endParaRPr lang="en-US" dirty="0"/>
+            <a:endParaRPr lang="en-US"/>
           </a:p>
         </p:txBody>
       </p:sp>
@@ -841,7 +944,7 @@
           <a:p>
             <a:fld id="{1D8BD707-D9CF-40AE-B4C6-C98DA3205C09}" type="datetimeFigureOut">
               <a:rPr lang="en-US"/>
-              <a:t>11/12/2021</a:t>
+              <a:t>1/20/22</a:t>
             </a:fld>
             <a:endParaRPr lang="en-US"/>
           </a:p>
@@ -1086,7 +1189,7 @@
           <a:p>
             <a:fld id="{1D8BD707-D9CF-40AE-B4C6-C98DA3205C09}" type="datetimeFigureOut">
               <a:rPr lang="en-US"/>
-              <a:t>11/12/2021</a:t>
+              <a:t>1/20/22</a:t>
             </a:fld>
             <a:endParaRPr lang="en-US"/>
           </a:p>
@@ -1344,7 +1447,7 @@
           <a:p>
             <a:fld id="{1D8BD707-D9CF-40AE-B4C6-C98DA3205C09}" type="datetimeFigureOut">
               <a:rPr lang="en-US"/>
-              <a:t>11/12/2021</a:t>
+              <a:t>1/20/22</a:t>
             </a:fld>
             <a:endParaRPr lang="en-US"/>
           </a:p>
@@ -1536,7 +1639,7 @@
           <a:p>
             <a:fld id="{1D8BD707-D9CF-40AE-B4C6-C98DA3205C09}" type="datetimeFigureOut">
               <a:rPr lang="en-US"/>
-              <a:t>11/12/2021</a:t>
+              <a:t>1/20/22</a:t>
             </a:fld>
             <a:endParaRPr lang="en-US"/>
           </a:p>
@@ -1699,7 +1802,7 @@
           <a:p>
             <a:fld id="{1D8BD707-D9CF-40AE-B4C6-C98DA3205C09}" type="datetimeFigureOut">
               <a:rPr lang="en-US"/>
-              <a:t>11/12/2021</a:t>
+              <a:t>1/20/22</a:t>
             </a:fld>
             <a:endParaRPr lang="en-US"/>
           </a:p>
@@ -1962,7 +2065,7 @@
           <a:p>
             <a:fld id="{1D8BD707-D9CF-40AE-B4C6-C98DA3205C09}" type="datetimeFigureOut">
               <a:rPr lang="en-US"/>
-              <a:t>11/12/2021</a:t>
+              <a:t>1/20/22</a:t>
             </a:fld>
             <a:endParaRPr lang="en-US"/>
           </a:p>
@@ -2256,9 +2359,16 @@
               </a:spcBef>
             </a:pPr>
             <a:r>
-              <a:rPr lang="it-IT" sz="2300"/>
-              <a:t>PIANI DI SUPPORTO ADOBE</a:t>
-            </a:r>
+              <a:rPr sz="2300"/>
+              <a:t>ADOBE </a:t>
+            </a:r>
+            <a:r>
+              <a:rPr lang="en-US" sz="2300"/>
+              <a:t>SUPPORT PLANS</a:t>
+            </a:r>
+            <a:endParaRPr sz="2300">
+              <a:latin typeface="Adobe Clean" panose="020B0503020404020204" pitchFamily="34" charset="0"/>
+            </a:endParaRPr>
           </a:p>
         </p:txBody>
       </p:sp>
@@ -2271,7 +2381,7 @@
         <p:spPr>
           <a:xfrm>
             <a:off x="159522" y="560755"/>
-            <a:ext cx="7003277" cy="1327928"/>
+            <a:ext cx="7003277" cy="1466427"/>
           </a:xfrm>
           <a:prstGeom prst="rect">
             <a:avLst/>
@@ -2292,25 +2402,89 @@
               </a:spcBef>
             </a:pPr>
             <a:r>
-              <a:rPr lang="it-IT" sz="1100" dirty="0">
+              <a:rPr lang="en-US" sz="1100" spc="-5" dirty="0">
                 <a:solidFill>
                   <a:srgbClr val="FFFFFF"/>
                 </a:solidFill>
                 <a:latin typeface="AdobeClean-Light"/>
                 <a:cs typeface="AdobeClean-Light"/>
               </a:rPr>
-              <a:t>Online | Business | Enterprise | </a:t>
-            </a:r>
-            <a:r>
-              <a:rPr lang="it-IT" sz="1100" b="1" dirty="0">
+              <a:t>Standard</a:t>
+            </a:r>
+            <a:r>
+              <a:rPr sz="1100" dirty="0">
                 <a:solidFill>
                   <a:srgbClr val="FFFFFF"/>
                 </a:solidFill>
-                <a:latin typeface="Adobe Clean" panose="020B0503020404020204" pitchFamily="34" charset="0"/>
+                <a:latin typeface="AdobeClean-Light"/>
+                <a:cs typeface="AdobeClean-Light"/>
+              </a:rPr>
+              <a:t> |</a:t>
+            </a:r>
+            <a:r>
+              <a:rPr sz="1100" spc="10" dirty="0">
+                <a:solidFill>
+                  <a:srgbClr val="FFFFFF"/>
+                </a:solidFill>
+                <a:latin typeface="AdobeClean-Light"/>
+                <a:cs typeface="AdobeClean-Light"/>
+              </a:rPr>
+              <a:t> </a:t>
+            </a:r>
+            <a:r>
+              <a:rPr sz="1100" spc="-5" dirty="0">
+                <a:solidFill>
+                  <a:srgbClr val="FFFFFF"/>
+                </a:solidFill>
+                <a:latin typeface="AdobeClean-Light"/>
+                <a:cs typeface="AdobeClean-Light"/>
+              </a:rPr>
+              <a:t>Enterprise</a:t>
+            </a:r>
+            <a:r>
+              <a:rPr sz="1100" spc="10" dirty="0">
+                <a:solidFill>
+                  <a:srgbClr val="FFFFFF"/>
+                </a:solidFill>
+                <a:latin typeface="AdobeClean-Light"/>
+                <a:cs typeface="AdobeClean-Light"/>
+              </a:rPr>
+              <a:t> </a:t>
+            </a:r>
+            <a:r>
+              <a:rPr sz="1100" dirty="0">
+                <a:solidFill>
+                  <a:srgbClr val="FFFFFF"/>
+                </a:solidFill>
+                <a:latin typeface="AdobeClean-Light"/>
+                <a:cs typeface="AdobeClean-Light"/>
+              </a:rPr>
+              <a:t>|</a:t>
+            </a:r>
+            <a:r>
+              <a:rPr sz="1100" spc="5" dirty="0">
+                <a:solidFill>
+                  <a:srgbClr val="FFFFFF"/>
+                </a:solidFill>
+                <a:latin typeface="AdobeClean-Light"/>
+                <a:cs typeface="AdobeClean-Light"/>
+              </a:rPr>
+              <a:t> </a:t>
+            </a:r>
+            <a:r>
+              <a:rPr sz="1100" b="1" spc="-65" dirty="0">
+                <a:solidFill>
+                  <a:srgbClr val="FFFFFF"/>
+                </a:solidFill>
+                <a:latin typeface="Arial"/>
                 <a:cs typeface="Arial"/>
               </a:rPr>
               <a:t>Elite</a:t>
             </a:r>
+            <a:endParaRPr sz="1100" dirty="0">
+              <a:latin typeface="Arial"/>
+              <a:cs typeface="Arial"/>
+            </a:endParaRPr>
           </a:p>
           <a:p>
             <a:pPr marL="12700" marR="1076325">
@@ -2319,82 +2493,21 @@
               </a:spcBef>
             </a:pPr>
             <a:r>
-              <a:rPr lang="it-IT" sz="900" dirty="0">
+              <a:rPr lang="en-US" sz="900" dirty="0">
                 <a:solidFill>
                   <a:schemeClr val="bg1"/>
                 </a:solidFill>
                 <a:latin typeface="Adobe Clean SemiLight" panose="020B0403020404020204" pitchFamily="34" charset="0"/>
               </a:rPr>
-              <a:t>Adobe offre una gamma completa di risorse tecniche per assistere la tua azienda, incluse nell’abbonamento Experience Cloud </a:t>
-            </a:r>
-            <a:br>
-              <a:rPr lang="it-IT" sz="900" dirty="0">
-                <a:solidFill>
-                  <a:schemeClr val="bg1"/>
-                </a:solidFill>
-                <a:latin typeface="Adobe Clean SemiLight" panose="020B0403020404020204" pitchFamily="34" charset="0"/>
-              </a:rPr>
-            </a:br>
-            <a:r>
-              <a:rPr lang="it-IT" sz="900" dirty="0">
-                <a:solidFill>
-                  <a:schemeClr val="bg1"/>
-                </a:solidFill>
-                <a:latin typeface="Adobe Clean SemiLight" panose="020B0403020404020204" pitchFamily="34" charset="0"/>
-              </a:rPr>
-              <a:t>e ampliabili ulteriormente con un pacchetto di supporto ELITE. Il supporto ELITE include l’accesso a percorsi di apprendimento personalizzati e forum della community monitorati tramite Adobe Experience League. Puoi inoltre usufruire di documentazione tecnica dettagliata e note sulla versione sempre aggiornate. Ai clienti ELITE vengono assegnati un Named Support Engineer </a:t>
-            </a:r>
-            <a:br>
-              <a:rPr lang="it-IT" sz="900" dirty="0">
-                <a:solidFill>
-                  <a:schemeClr val="bg1"/>
-                </a:solidFill>
-                <a:latin typeface="Adobe Clean SemiLight" panose="020B0403020404020204" pitchFamily="34" charset="0"/>
-              </a:rPr>
-            </a:br>
-            <a:r>
-              <a:rPr lang="it-IT" sz="900" dirty="0">
-                <a:solidFill>
-                  <a:schemeClr val="bg1"/>
-                </a:solidFill>
-                <a:latin typeface="Adobe Clean SemiLight" panose="020B0403020404020204" pitchFamily="34" charset="0"/>
-              </a:rPr>
-              <a:t>e un Technical Account Manager che saranno i tuoi contatti di riferimento all’interno del team Adobe Support. Inoltre, insieme </a:t>
-            </a:r>
-            <a:br>
-              <a:rPr lang="it-IT" sz="900" dirty="0">
-                <a:solidFill>
-                  <a:schemeClr val="bg1"/>
-                </a:solidFill>
-                <a:latin typeface="Adobe Clean SemiLight" panose="020B0403020404020204" pitchFamily="34" charset="0"/>
-              </a:rPr>
-            </a:br>
-            <a:r>
-              <a:rPr lang="it-IT" sz="900" dirty="0">
-                <a:solidFill>
-                  <a:schemeClr val="bg1"/>
-                </a:solidFill>
-                <a:latin typeface="Adobe Clean SemiLight" panose="020B0403020404020204" pitchFamily="34" charset="0"/>
-              </a:rPr>
-              <a:t>e in partnership con la tua azienda, ti offrono un servizio di supporto d’eccellenza, proattivo e reattivo. Conoscendo a fondo le tue specifiche soluzioni Experience Cloud, il team Adobe Support sarà sempre al tuo fianco per ogni esigenza di supporto, per aiutarti </a:t>
-            </a:r>
-            <a:br>
-              <a:rPr lang="it-IT" sz="900" dirty="0">
-                <a:solidFill>
-                  <a:schemeClr val="bg1"/>
-                </a:solidFill>
-                <a:latin typeface="Adobe Clean SemiLight" panose="020B0403020404020204" pitchFamily="34" charset="0"/>
-              </a:rPr>
-            </a:br>
-            <a:r>
-              <a:rPr lang="it-IT" sz="900" dirty="0">
-                <a:solidFill>
-                  <a:schemeClr val="bg1"/>
-                </a:solidFill>
-                <a:latin typeface="Adobe Clean SemiLight" panose="020B0403020404020204" pitchFamily="34" charset="0"/>
-              </a:rPr>
-              <a:t>a trarre il massimo dalle soluzioni Adobe Experience Cloud in cui hai investito e prevenire eventuali problemi.</a:t>
-            </a:r>
+              <a:t>Adobe provides a comprehensive range of technical resources to help support your business included as part of your Experience Cloud license subscription and further enhanced in the ELITE support package. ELITE support includes access to personalized learning paths and monitored community forums via the Adobe Experience League. You can also take advantage of our detailed and in-depth technical product documentation and current release notes. ELITE customers will also have access to a Named Support Engineer as well as a Technical Account Manager who combine and work in partnership with you to provide best in class proactive and reactive support while acting as your designated technical contacts in the Adobe Support Team. With deep experience in your designated Experience Cloud solutions, your support team work to ensure that no matter how complex your support needs are, the Adobe Support team will be there side by side with you throughout, to ensure you maximize your investment in the Adobe Experience Cloud solutions and to help you avoid problems before they happen.</a:t>
+            </a:r>
+            <a:endParaRPr sz="900" dirty="0">
+              <a:solidFill>
+                <a:schemeClr val="bg1"/>
+              </a:solidFill>
+              <a:latin typeface="AdobeClean-Light"/>
+              <a:cs typeface="AdobeClean-Light"/>
+            </a:endParaRPr>
           </a:p>
         </p:txBody>
       </p:sp>
@@ -2406,8 +2519,8 @@
         </p:nvSpPr>
         <p:spPr>
           <a:xfrm>
-            <a:off x="168564" y="7075170"/>
-            <a:ext cx="4174836" cy="228268"/>
+            <a:off x="168564" y="7162800"/>
+            <a:ext cx="2780665" cy="238760"/>
           </a:xfrm>
           <a:prstGeom prst="rect">
             <a:avLst/>
@@ -2428,7 +2541,7 @@
               </a:spcBef>
             </a:pPr>
             <a:r>
-              <a:rPr lang="it-IT" sz="1400" b="1" u="heavy" dirty="0">
+              <a:rPr sz="1400" b="1" u="heavy" spc="20">
                 <a:solidFill>
                   <a:srgbClr val="020302"/>
                 </a:solidFill>
@@ -2440,8 +2553,447 @@
                 <a:latin typeface="Adobe Clean"/>
                 <a:cs typeface="Adobe Clean"/>
               </a:rPr>
-              <a:t>Obiettivi del livello di servizio: risposta iniziale</a:t>
-            </a:r>
+              <a:t>S</a:t>
+            </a:r>
+            <a:r>
+              <a:rPr sz="1400" b="1" u="heavy">
+                <a:solidFill>
+                  <a:srgbClr val="020302"/>
+                </a:solidFill>
+                <a:uFill>
+                  <a:solidFill>
+                    <a:srgbClr val="020302"/>
+                  </a:solidFill>
+                </a:uFill>
+                <a:latin typeface="Adobe Clean"/>
+                <a:cs typeface="Adobe Clean"/>
+              </a:rPr>
+              <a:t>er</a:t>
+            </a:r>
+            <a:r>
+              <a:rPr sz="1400" b="1" u="heavy" spc="10">
+                <a:solidFill>
+                  <a:srgbClr val="020302"/>
+                </a:solidFill>
+                <a:uFill>
+                  <a:solidFill>
+                    <a:srgbClr val="020302"/>
+                  </a:solidFill>
+                </a:uFill>
+                <a:latin typeface="Adobe Clean"/>
+                <a:cs typeface="Adobe Clean"/>
+              </a:rPr>
+              <a:t>vi</a:t>
+            </a:r>
+            <a:r>
+              <a:rPr sz="1400" b="1" u="heavy">
+                <a:solidFill>
+                  <a:srgbClr val="020302"/>
+                </a:solidFill>
+                <a:uFill>
+                  <a:solidFill>
+                    <a:srgbClr val="020302"/>
+                  </a:solidFill>
+                </a:uFill>
+                <a:latin typeface="Adobe Clean"/>
+                <a:cs typeface="Adobe Clean"/>
+              </a:rPr>
+              <a:t>ce</a:t>
+            </a:r>
+            <a:r>
+              <a:rPr sz="1400" b="1" u="heavy" spc="20">
+                <a:solidFill>
+                  <a:srgbClr val="020302"/>
+                </a:solidFill>
+                <a:uFill>
+                  <a:solidFill>
+                    <a:srgbClr val="020302"/>
+                  </a:solidFill>
+                </a:uFill>
+                <a:latin typeface="Adobe Clean"/>
+                <a:cs typeface="Adobe Clean"/>
+              </a:rPr>
+              <a:t> </a:t>
+            </a:r>
+            <a:r>
+              <a:rPr sz="1400" b="1" u="heavy" spc="-20">
+                <a:solidFill>
+                  <a:srgbClr val="020302"/>
+                </a:solidFill>
+                <a:uFill>
+                  <a:solidFill>
+                    <a:srgbClr val="020302"/>
+                  </a:solidFill>
+                </a:uFill>
+                <a:latin typeface="Adobe Clean"/>
+                <a:cs typeface="Adobe Clean"/>
+              </a:rPr>
+              <a:t>Le</a:t>
+            </a:r>
+            <a:r>
+              <a:rPr sz="1400" b="1" u="heavy" spc="-10">
+                <a:solidFill>
+                  <a:srgbClr val="020302"/>
+                </a:solidFill>
+                <a:uFill>
+                  <a:solidFill>
+                    <a:srgbClr val="020302"/>
+                  </a:solidFill>
+                </a:uFill>
+                <a:latin typeface="Adobe Clean"/>
+                <a:cs typeface="Adobe Clean"/>
+              </a:rPr>
+              <a:t>v</a:t>
+            </a:r>
+            <a:r>
+              <a:rPr sz="1400" b="1" u="heavy" spc="-20">
+                <a:solidFill>
+                  <a:srgbClr val="020302"/>
+                </a:solidFill>
+                <a:uFill>
+                  <a:solidFill>
+                    <a:srgbClr val="020302"/>
+                  </a:solidFill>
+                </a:uFill>
+                <a:latin typeface="Adobe Clean"/>
+                <a:cs typeface="Adobe Clean"/>
+              </a:rPr>
+              <a:t>e</a:t>
+            </a:r>
+            <a:r>
+              <a:rPr sz="1400" b="1" u="heavy">
+                <a:solidFill>
+                  <a:srgbClr val="020302"/>
+                </a:solidFill>
+                <a:uFill>
+                  <a:solidFill>
+                    <a:srgbClr val="020302"/>
+                  </a:solidFill>
+                </a:uFill>
+                <a:latin typeface="Adobe Clean"/>
+                <a:cs typeface="Adobe Clean"/>
+              </a:rPr>
+              <a:t>l</a:t>
+            </a:r>
+            <a:r>
+              <a:rPr sz="1400" b="1" u="heavy" spc="-10">
+                <a:solidFill>
+                  <a:srgbClr val="020302"/>
+                </a:solidFill>
+                <a:uFill>
+                  <a:solidFill>
+                    <a:srgbClr val="020302"/>
+                  </a:solidFill>
+                </a:uFill>
+                <a:latin typeface="Adobe Clean"/>
+                <a:cs typeface="Adobe Clean"/>
+              </a:rPr>
+              <a:t> </a:t>
+            </a:r>
+            <a:r>
+              <a:rPr sz="1400" b="1" u="heavy" spc="-65">
+                <a:solidFill>
+                  <a:srgbClr val="020302"/>
+                </a:solidFill>
+                <a:uFill>
+                  <a:solidFill>
+                    <a:srgbClr val="020302"/>
+                  </a:solidFill>
+                </a:uFill>
+                <a:latin typeface="Adobe Clean"/>
+                <a:cs typeface="Adobe Clean"/>
+              </a:rPr>
+              <a:t>T</a:t>
+            </a:r>
+            <a:r>
+              <a:rPr sz="1400" b="1" u="heavy" spc="-35">
+                <a:solidFill>
+                  <a:srgbClr val="020302"/>
+                </a:solidFill>
+                <a:uFill>
+                  <a:solidFill>
+                    <a:srgbClr val="020302"/>
+                  </a:solidFill>
+                </a:uFill>
+                <a:latin typeface="Adobe Clean"/>
+                <a:cs typeface="Adobe Clean"/>
+              </a:rPr>
+              <a:t>a</a:t>
+            </a:r>
+            <a:r>
+              <a:rPr sz="1400" b="1" u="heavy" spc="-45">
+                <a:solidFill>
+                  <a:srgbClr val="020302"/>
+                </a:solidFill>
+                <a:uFill>
+                  <a:solidFill>
+                    <a:srgbClr val="020302"/>
+                  </a:solidFill>
+                </a:uFill>
+                <a:latin typeface="Adobe Clean"/>
+                <a:cs typeface="Adobe Clean"/>
+              </a:rPr>
+              <a:t>r</a:t>
+            </a:r>
+            <a:r>
+              <a:rPr sz="1400" b="1" u="heavy" spc="-35">
+                <a:solidFill>
+                  <a:srgbClr val="020302"/>
+                </a:solidFill>
+                <a:uFill>
+                  <a:solidFill>
+                    <a:srgbClr val="020302"/>
+                  </a:solidFill>
+                </a:uFill>
+                <a:latin typeface="Adobe Clean"/>
+                <a:cs typeface="Adobe Clean"/>
+              </a:rPr>
+              <a:t>g</a:t>
+            </a:r>
+            <a:r>
+              <a:rPr sz="1400" b="1" u="heavy" spc="-55">
+                <a:solidFill>
+                  <a:srgbClr val="020302"/>
+                </a:solidFill>
+                <a:uFill>
+                  <a:solidFill>
+                    <a:srgbClr val="020302"/>
+                  </a:solidFill>
+                </a:uFill>
+                <a:latin typeface="Adobe Clean"/>
+                <a:cs typeface="Adobe Clean"/>
+              </a:rPr>
+              <a:t>et</a:t>
+            </a:r>
+            <a:r>
+              <a:rPr sz="1400" b="1" u="heavy" spc="-45">
+                <a:solidFill>
+                  <a:srgbClr val="020302"/>
+                </a:solidFill>
+                <a:uFill>
+                  <a:solidFill>
+                    <a:srgbClr val="020302"/>
+                  </a:solidFill>
+                </a:uFill>
+                <a:latin typeface="Adobe Clean"/>
+                <a:cs typeface="Adobe Clean"/>
+              </a:rPr>
+              <a:t>s</a:t>
+            </a:r>
+            <a:r>
+              <a:rPr sz="1400" b="1" u="heavy">
+                <a:solidFill>
+                  <a:srgbClr val="020302"/>
+                </a:solidFill>
+                <a:uFill>
+                  <a:solidFill>
+                    <a:srgbClr val="020302"/>
+                  </a:solidFill>
+                </a:uFill>
+                <a:latin typeface="Adobe Clean"/>
+                <a:cs typeface="Adobe Clean"/>
+              </a:rPr>
+              <a:t>:</a:t>
+            </a:r>
+            <a:r>
+              <a:rPr sz="1400" b="1" u="heavy" spc="-80">
+                <a:solidFill>
+                  <a:srgbClr val="020302"/>
+                </a:solidFill>
+                <a:uFill>
+                  <a:solidFill>
+                    <a:srgbClr val="020302"/>
+                  </a:solidFill>
+                </a:uFill>
+                <a:latin typeface="Adobe Clean"/>
+                <a:cs typeface="Adobe Clean"/>
+              </a:rPr>
+              <a:t> </a:t>
+            </a:r>
+            <a:r>
+              <a:rPr sz="1400" b="1" u="heavy" spc="-20">
+                <a:solidFill>
+                  <a:srgbClr val="020302"/>
+                </a:solidFill>
+                <a:uFill>
+                  <a:solidFill>
+                    <a:srgbClr val="020302"/>
+                  </a:solidFill>
+                </a:uFill>
+                <a:latin typeface="Adobe Clean"/>
+                <a:cs typeface="Adobe Clean"/>
+              </a:rPr>
+              <a:t>I</a:t>
+            </a:r>
+            <a:r>
+              <a:rPr sz="1400" b="1" u="heavy" spc="-10">
+                <a:solidFill>
+                  <a:srgbClr val="020302"/>
+                </a:solidFill>
+                <a:uFill>
+                  <a:solidFill>
+                    <a:srgbClr val="020302"/>
+                  </a:solidFill>
+                </a:uFill>
+                <a:latin typeface="Adobe Clean"/>
+                <a:cs typeface="Adobe Clean"/>
+              </a:rPr>
+              <a:t>ni</a:t>
+            </a:r>
+            <a:r>
+              <a:rPr sz="1400" b="1" u="heavy" spc="-20">
+                <a:solidFill>
+                  <a:srgbClr val="020302"/>
+                </a:solidFill>
+                <a:uFill>
+                  <a:solidFill>
+                    <a:srgbClr val="020302"/>
+                  </a:solidFill>
+                </a:uFill>
+                <a:latin typeface="Adobe Clean"/>
+                <a:cs typeface="Adobe Clean"/>
+              </a:rPr>
+              <a:t>t</a:t>
+            </a:r>
+            <a:r>
+              <a:rPr sz="1400" b="1" u="heavy" spc="-10">
+                <a:solidFill>
+                  <a:srgbClr val="020302"/>
+                </a:solidFill>
+                <a:uFill>
+                  <a:solidFill>
+                    <a:srgbClr val="020302"/>
+                  </a:solidFill>
+                </a:uFill>
+                <a:latin typeface="Adobe Clean"/>
+                <a:cs typeface="Adobe Clean"/>
+              </a:rPr>
+              <a:t>i</a:t>
+            </a:r>
+            <a:r>
+              <a:rPr sz="1400" b="1" u="heavy">
+                <a:solidFill>
+                  <a:srgbClr val="020302"/>
+                </a:solidFill>
+                <a:uFill>
+                  <a:solidFill>
+                    <a:srgbClr val="020302"/>
+                  </a:solidFill>
+                </a:uFill>
+                <a:latin typeface="Adobe Clean"/>
+                <a:cs typeface="Adobe Clean"/>
+              </a:rPr>
+              <a:t>al</a:t>
+            </a:r>
+            <a:r>
+              <a:rPr sz="1400" b="1" u="heavy" spc="-140">
+                <a:solidFill>
+                  <a:srgbClr val="020302"/>
+                </a:solidFill>
+                <a:uFill>
+                  <a:solidFill>
+                    <a:srgbClr val="020302"/>
+                  </a:solidFill>
+                </a:uFill>
+                <a:latin typeface="Adobe Clean"/>
+                <a:cs typeface="Adobe Clean"/>
+              </a:rPr>
+              <a:t> </a:t>
+            </a:r>
+            <a:r>
+              <a:rPr sz="1400" b="1" u="heavy" spc="-15">
+                <a:solidFill>
+                  <a:srgbClr val="020302"/>
+                </a:solidFill>
+                <a:uFill>
+                  <a:solidFill>
+                    <a:srgbClr val="020302"/>
+                  </a:solidFill>
+                </a:uFill>
+                <a:latin typeface="Adobe Clean"/>
+                <a:cs typeface="Adobe Clean"/>
+              </a:rPr>
+              <a:t>R</a:t>
+            </a:r>
+            <a:r>
+              <a:rPr sz="1400" b="1" u="heavy" spc="-25">
+                <a:solidFill>
+                  <a:srgbClr val="020302"/>
+                </a:solidFill>
+                <a:uFill>
+                  <a:solidFill>
+                    <a:srgbClr val="020302"/>
+                  </a:solidFill>
+                </a:uFill>
+                <a:latin typeface="Adobe Clean"/>
+                <a:cs typeface="Adobe Clean"/>
+              </a:rPr>
+              <a:t>e</a:t>
+            </a:r>
+            <a:r>
+              <a:rPr sz="1400" b="1" u="heavy" spc="-15">
+                <a:solidFill>
+                  <a:srgbClr val="020302"/>
+                </a:solidFill>
+                <a:uFill>
+                  <a:solidFill>
+                    <a:srgbClr val="020302"/>
+                  </a:solidFill>
+                </a:uFill>
+                <a:latin typeface="Adobe Clean"/>
+                <a:cs typeface="Adobe Clean"/>
+              </a:rPr>
+              <a:t>s</a:t>
+            </a:r>
+            <a:r>
+              <a:rPr sz="1400" b="1" u="heavy" spc="-25">
+                <a:solidFill>
+                  <a:srgbClr val="020302"/>
+                </a:solidFill>
+                <a:uFill>
+                  <a:solidFill>
+                    <a:srgbClr val="020302"/>
+                  </a:solidFill>
+                </a:uFill>
+                <a:latin typeface="Adobe Clean"/>
+                <a:cs typeface="Adobe Clean"/>
+              </a:rPr>
+              <a:t>p</a:t>
+            </a:r>
+            <a:r>
+              <a:rPr sz="1400" b="1" u="heavy" spc="-15">
+                <a:solidFill>
+                  <a:srgbClr val="020302"/>
+                </a:solidFill>
+                <a:uFill>
+                  <a:solidFill>
+                    <a:srgbClr val="020302"/>
+                  </a:solidFill>
+                </a:uFill>
+                <a:latin typeface="Adobe Clean"/>
+                <a:cs typeface="Adobe Clean"/>
+              </a:rPr>
+              <a:t>ons</a:t>
+            </a:r>
+            <a:r>
+              <a:rPr sz="1400" b="1" u="heavy">
+                <a:solidFill>
+                  <a:srgbClr val="020302"/>
+                </a:solidFill>
+                <a:uFill>
+                  <a:solidFill>
+                    <a:srgbClr val="020302"/>
+                  </a:solidFill>
+                </a:uFill>
+                <a:latin typeface="Adobe Clean"/>
+                <a:cs typeface="Adobe Clean"/>
+              </a:rPr>
+              <a:t>e</a:t>
+            </a:r>
+            <a:endParaRPr sz="1400">
+              <a:latin typeface="Adobe Clean"/>
+              <a:cs typeface="Adobe Clean"/>
+            </a:endParaRPr>
           </a:p>
         </p:txBody>
       </p:sp>
@@ -2454,14 +3006,14 @@
           <p:nvPr>
             <p:extLst>
               <p:ext uri="{D42A27DB-BD31-4B8C-83A1-F6EECF244321}">
-                <p14:modId xmlns:p14="http://schemas.microsoft.com/office/powerpoint/2010/main" val="1545145549"/>
+                <p14:modId xmlns:p14="http://schemas.microsoft.com/office/powerpoint/2010/main" val="3940642931"/>
               </p:ext>
             </p:extLst>
           </p:nvPr>
         </p:nvGraphicFramePr>
         <p:xfrm>
-          <a:off x="145668" y="7335998"/>
-          <a:ext cx="7409815" cy="2458721"/>
+          <a:off x="145668" y="7473158"/>
+          <a:ext cx="7409815" cy="2259721"/>
         </p:xfrm>
         <a:graphic>
           <a:graphicData uri="http://schemas.openxmlformats.org/drawingml/2006/table">
@@ -2507,15 +3059,19 @@
                         </a:spcBef>
                       </a:pPr>
                       <a:r>
-                        <a:rPr lang="it-IT" sz="900" dirty="0">
+                        <a:rPr sz="900" spc="0">
                           <a:solidFill>
                             <a:srgbClr val="020302"/>
                           </a:solidFill>
                           <a:latin typeface="Adobe Clean"/>
                           <a:cs typeface="Adobe Clean"/>
                         </a:rPr>
-                        <a:t>Priorità</a:t>
+                        <a:t>Priority</a:t>
                       </a:r>
+                      <a:endParaRPr sz="900" spc="0">
+                        <a:latin typeface="Adobe Clean"/>
+                        <a:cs typeface="Adobe Clean"/>
+                      </a:endParaRPr>
                     </a:p>
                   </a:txBody>
                   <a:tcPr marL="0" marR="0" marT="5715" marB="0" anchor="ctr">
@@ -2553,34 +3109,38 @@
                     <a:bodyPr/>
                     <a:lstStyle/>
                     <a:p>
-                      <a:pPr marL="2540" marR="0" lvl="0" indent="0" algn="ctr" defTabSz="914400" eaLnBrk="1" fontAlgn="auto" latinLnBrk="0" hangingPunct="1">
+                      <a:pPr marL="382905" algn="l">
                         <a:lnSpc>
                           <a:spcPct val="100000"/>
                         </a:lnSpc>
                         <a:spcBef>
-                          <a:spcPts val="60"/>
+                          <a:spcPts val="45"/>
                         </a:spcBef>
-                        <a:spcAft>
-                          <a:spcPts val="0"/>
-                        </a:spcAft>
-                        <a:buClrTx/>
-                        <a:buSzTx/>
-                        <a:buFontTx/>
-                        <a:buNone/>
-                        <a:tabLst/>
-                        <a:defRPr/>
                       </a:pPr>
                       <a:r>
-                        <a:rPr lang="it-IT" sz="900" dirty="0">
+                        <a:rPr lang="en-US" sz="900" spc="0" dirty="0">
                           <a:solidFill>
-                            <a:srgbClr val="404040"/>
+                            <a:srgbClr val="020302"/>
                           </a:solidFill>
                           <a:latin typeface="Adobe Clean"/>
-                          <a:ea typeface="+mn-ea"/>
                           <a:cs typeface="Adobe Clean"/>
                         </a:rPr>
-                        <a:t>Supporto Online</a:t>
+                        <a:t>Standard </a:t>
                       </a:r>
+                      <a:r>
+                        <a:rPr sz="900" spc="0" dirty="0">
+                          <a:solidFill>
+                            <a:srgbClr val="020302"/>
+                          </a:solidFill>
+                          <a:latin typeface="Adobe Clean"/>
+                          <a:cs typeface="Adobe Clean"/>
+                        </a:rPr>
+                        <a:t> Support</a:t>
+                      </a:r>
+                      <a:endParaRPr sz="900" spc="0" dirty="0">
+                        <a:latin typeface="Adobe Clean"/>
+                        <a:cs typeface="Adobe Clean"/>
+                      </a:endParaRPr>
                     </a:p>
                   </a:txBody>
                   <a:tcPr marL="0" marR="0" marT="5715" marB="0" anchor="ctr">
@@ -2621,25 +3181,48 @@
                     <a:bodyPr/>
                     <a:lstStyle/>
                     <a:p>
-                      <a:pPr marL="2540" algn="ctr">
+                      <a:pPr marL="263525" algn="l">
                         <a:lnSpc>
                           <a:spcPct val="100000"/>
                         </a:lnSpc>
                         <a:spcBef>
-                          <a:spcPts val="60"/>
+                          <a:spcPts val="65"/>
                         </a:spcBef>
                       </a:pPr>
                       <a:r>
-                        <a:rPr lang="it-IT" sz="900" dirty="0">
+                        <a:rPr sz="900" spc="0">
                           <a:solidFill>
                             <a:srgbClr val="FFFFFF"/>
                           </a:solidFill>
                           <a:latin typeface="Adobe Clean"/>
-                          <a:ea typeface="+mn-ea"/>
                           <a:cs typeface="Adobe Clean"/>
                         </a:rPr>
-                        <a:t>Supporto Elite</a:t>
+                        <a:t>Elite</a:t>
                       </a:r>
+                      <a:r>
+                        <a:rPr lang="en-US" sz="900" spc="0">
+                          <a:solidFill>
+                            <a:srgbClr val="FFFFFF"/>
+                          </a:solidFill>
+                          <a:latin typeface="Adobe Clean"/>
+                          <a:cs typeface="Adobe Clean"/>
+                        </a:rPr>
+                        <a:t>  </a:t>
+                      </a:r>
+                      <a:r>
+                        <a:rPr sz="900" spc="0">
+                          <a:solidFill>
+                            <a:srgbClr val="FFFFFF"/>
+                          </a:solidFill>
+                          <a:latin typeface="Adobe Clean"/>
+                          <a:cs typeface="Adobe Clean"/>
+                        </a:rPr>
+                        <a:t>Support</a:t>
+                      </a:r>
+                      <a:endParaRPr sz="900" spc="0">
+                        <a:latin typeface="Adobe Clean"/>
+                        <a:cs typeface="Adobe Clean"/>
+                      </a:endParaRPr>
                     </a:p>
                   </a:txBody>
                   <a:tcPr marL="0" marR="0" marT="8255" marB="0" anchor="ctr">
@@ -2696,18 +3279,22 @@
                         </a:spcBef>
                       </a:pPr>
                       <a:r>
-                        <a:rPr lang="it-IT" sz="900" b="1" dirty="0">
+                        <a:rPr sz="900" b="1" spc="0">
                           <a:solidFill>
                             <a:srgbClr val="020302"/>
                           </a:solidFill>
                           <a:latin typeface="Adobe Clean"/>
                           <a:cs typeface="Adobe Clean"/>
                         </a:rPr>
-                        <a:t>PRIORITÀ 1 (P1)</a:t>
+                        <a:t>PRIORITY 1</a:t>
                       </a:r>
+                      <a:endParaRPr sz="900" spc="0">
+                        <a:latin typeface="Adobe Clean"/>
+                        <a:cs typeface="Adobe Clean"/>
+                      </a:endParaRPr>
                     </a:p>
                     <a:p>
-                      <a:pPr marL="50165" marR="495934" algn="l">
+                      <a:pPr marL="50165" marR="495300" algn="l">
                         <a:lnSpc>
                           <a:spcPts val="1010"/>
                         </a:lnSpc>
@@ -2716,17 +3303,22 @@
                         </a:spcBef>
                       </a:pPr>
                       <a:r>
-                        <a:rPr lang="it-IT" sz="900" b="0" i="0" u="none" strike="noStrike" dirty="0">
+                        <a:rPr lang="en-US" sz="900" b="0" i="0" u="none" strike="noStrike" spc="0">
                           <a:solidFill>
                             <a:srgbClr val="000000"/>
                           </a:solidFill>
-                          <a:latin typeface="Adobe Clean Light" panose="020B0303020404020204" pitchFamily="34" charset="0"/>
+                          <a:effectLst/>
+                          <a:latin typeface="Adobe Clean Light"/>
                         </a:rPr>
-                        <a:t>Le funzioni operative nell’ambiente di produzione del cliente non sono disponibili oppure si verificano problemi significativi di perdita di dati o deterioramento del servizio ed è richiesto un intervento immediato per ripristinare funzionalità e usabilità.</a:t>
+                        <a:t>Customer's production business functions are down or have significant data loss or service degradation and immediate attention is required to restore functionality and usability</a:t>
                       </a:r>
+                      <a:endParaRPr sz="900" spc="0">
+                        <a:latin typeface="Adobe Clean Light"/>
+                        <a:cs typeface="AdobeClean-Light"/>
+                      </a:endParaRPr>
                     </a:p>
                   </a:txBody>
-                  <a:tcPr marL="0" marR="0" marT="0" marB="36000" anchor="ctr">
+                  <a:tcPr marL="0" marR="0" marT="0" marB="0" anchor="ctr">
                     <a:lnL w="6350">
                       <a:solidFill>
                         <a:srgbClr val="B7B8B8"/>
@@ -2761,21 +3353,65 @@
                     <a:bodyPr/>
                     <a:lstStyle/>
                     <a:p>
-                      <a:pPr marL="358775" marR="492125" indent="0" algn="ctr">
+                      <a:pPr marL="542925" marR="492125" algn="ctr">
                         <a:lnSpc>
                           <a:spcPct val="102200"/>
                         </a:lnSpc>
                       </a:pPr>
                       <a:r>
-                        <a:rPr lang="it-IT" sz="900" dirty="0">
+                        <a:rPr sz="900" spc="0">
                           <a:solidFill>
                             <a:srgbClr val="020302"/>
                           </a:solidFill>
                           <a:latin typeface="AdobeClean-Light"/>
                           <a:cs typeface="AdobeClean-Light"/>
                         </a:rPr>
-                        <a:t>24x7 / 1 ora</a:t>
+                        <a:t>24x7/</a:t>
                       </a:r>
+                      <a:r>
+                        <a:rPr lang="en-US" sz="900" spc="0">
+                          <a:solidFill>
+                            <a:srgbClr val="020302"/>
+                          </a:solidFill>
+                          <a:latin typeface="AdobeClean-Light"/>
+                          <a:cs typeface="AdobeClean-Light"/>
+                        </a:rPr>
+                        <a:t>          </a:t>
+                      </a:r>
+                      <a:r>
+                        <a:rPr sz="900" spc="0">
+                          <a:solidFill>
+                            <a:srgbClr val="020302"/>
+                          </a:solidFill>
+                          <a:latin typeface="AdobeClean-Light"/>
+                          <a:cs typeface="AdobeClean-Light"/>
+                        </a:rPr>
+                        <a:t> 1</a:t>
+                      </a:r>
+                      <a:r>
+                        <a:rPr lang="en-US" sz="900" spc="0">
+                          <a:solidFill>
+                            <a:srgbClr val="020302"/>
+                          </a:solidFill>
+                          <a:latin typeface="AdobeClean-Light"/>
+                          <a:cs typeface="AdobeClean-Light"/>
+                        </a:rPr>
+                        <a:t> </a:t>
+                      </a:r>
+                      <a:r>
+                        <a:rPr sz="900" spc="0">
+                          <a:solidFill>
+                            <a:srgbClr val="020302"/>
+                          </a:solidFill>
+                          <a:latin typeface="AdobeClean-Light"/>
+                          <a:cs typeface="AdobeClean-Light"/>
+                        </a:rPr>
+                        <a:t>hour</a:t>
+                      </a:r>
+                      <a:endParaRPr sz="900" spc="0">
+                        <a:latin typeface="AdobeClean-Light"/>
+                        <a:cs typeface="AdobeClean-Light"/>
+                      </a:endParaRPr>
                     </a:p>
                   </a:txBody>
                   <a:tcPr marL="0" marR="0" marT="0" marB="0" anchor="ctr">
@@ -2813,22 +3449,75 @@
                     <a:bodyPr/>
                     <a:lstStyle/>
                     <a:p>
-                      <a:pPr marL="266700" marR="343535" indent="-3175" algn="ctr">
+                      <a:pPr marL="405130" marR="459740" indent="92710" algn="l">
                         <a:lnSpc>
-                          <a:spcPct val="102200"/>
+                          <a:spcPct val="100000"/>
                         </a:lnSpc>
                       </a:pPr>
                       <a:r>
-                        <a:rPr lang="it-IT" sz="900" dirty="0">
+                        <a:rPr lang="en-US" sz="900" spc="0">
                           <a:solidFill>
                             <a:srgbClr val="020302"/>
                           </a:solidFill>
                           <a:latin typeface="AdobeClean-Light"/>
-                          <a:ea typeface="+mn-ea"/>
-                          <a:cs typeface="Times New Roman"/>
+                          <a:cs typeface="AdobeClean-Light"/>
                         </a:rPr>
-                        <a:t>24x7 / 15 minuti</a:t>
+                        <a:t>2</a:t>
                       </a:r>
+                      <a:r>
+                        <a:rPr sz="900" spc="0">
+                          <a:solidFill>
+                            <a:srgbClr val="020302"/>
+                          </a:solidFill>
+                          <a:latin typeface="AdobeClean-Light"/>
+                          <a:cs typeface="AdobeClean-Light"/>
+                        </a:rPr>
+                        <a:t>4x7 /</a:t>
+                      </a:r>
+                      <a:r>
+                        <a:rPr lang="en-US" sz="900" spc="0">
+                          <a:solidFill>
+                            <a:srgbClr val="020302"/>
+                          </a:solidFill>
+                          <a:latin typeface="AdobeClean-Light"/>
+                          <a:cs typeface="AdobeClean-Light"/>
+                        </a:rPr>
+                        <a:t>  </a:t>
+                      </a:r>
+                      <a:r>
+                        <a:rPr sz="900" spc="0">
+                          <a:solidFill>
+                            <a:srgbClr val="020302"/>
+                          </a:solidFill>
+                          <a:latin typeface="AdobeClean-Light"/>
+                          <a:cs typeface="AdobeClean-Light"/>
+                        </a:rPr>
+                        <a:t> 15</a:t>
+                      </a:r>
+                      <a:r>
+                        <a:rPr lang="en-US" sz="900" spc="0">
+                          <a:solidFill>
+                            <a:srgbClr val="020302"/>
+                          </a:solidFill>
+                          <a:latin typeface="AdobeClean-Light"/>
+                          <a:cs typeface="AdobeClean-Light"/>
+                        </a:rPr>
+                        <a:t> </a:t>
+                      </a:r>
+                      <a:r>
+                        <a:rPr sz="900" spc="0">
+                          <a:solidFill>
+                            <a:srgbClr val="020302"/>
+                          </a:solidFill>
+                          <a:latin typeface="AdobeClean-Light"/>
+                          <a:cs typeface="AdobeClean-Light"/>
+                        </a:rPr>
+                        <a:t>minutes</a:t>
+                      </a:r>
+                      <a:endParaRPr sz="900" spc="0">
+                        <a:latin typeface="AdobeClean-Light"/>
+                        <a:cs typeface="AdobeClean-Light"/>
+                      </a:endParaRPr>
                     </a:p>
                   </a:txBody>
                   <a:tcPr marL="0" marR="0" marT="2540" marB="0" anchor="ctr">
@@ -2890,15 +3579,19 @@
                         </a:spcBef>
                       </a:pPr>
                       <a:r>
-                        <a:rPr lang="it-IT" sz="900" b="1">
+                        <a:rPr sz="900" b="1" spc="0">
                           <a:solidFill>
                             <a:srgbClr val="020302"/>
                           </a:solidFill>
                           <a:latin typeface="Adobe Clean"/>
                           <a:cs typeface="Adobe Clean"/>
                         </a:rPr>
-                        <a:t>PRIORITÀ 2 (P2)</a:t>
+                        <a:t>PRIORITY 2</a:t>
                       </a:r>
+                      <a:endParaRPr sz="900" spc="0">
+                        <a:latin typeface="Adobe Clean"/>
+                        <a:cs typeface="Adobe Clean"/>
+                      </a:endParaRPr>
                     </a:p>
                     <a:p>
                       <a:pPr marL="49530" marR="719455" algn="l">
@@ -2910,14 +3603,19 @@
                         </a:spcBef>
                       </a:pPr>
                       <a:r>
-                        <a:rPr lang="it-IT" sz="900" b="0" i="0" u="none" strike="noStrike">
+                        <a:rPr lang="en-US" sz="900" b="0" i="0" u="none" strike="noStrike" spc="0">
                           <a:solidFill>
                             <a:srgbClr val="000000"/>
                           </a:solidFill>
-                          <a:latin typeface="Adobe Clean Light" panose="020B0303020404020204" pitchFamily="34" charset="0"/>
+                          <a:effectLst/>
+                          <a:latin typeface="Adobe Clean Light"/>
                         </a:rPr>
-                        <a:t>Le funzioni operative del cliente hanno subìto un notevole deterioramento del servizio o potenziale perdita di dati, oppure un problema interessa una funzione importante.</a:t>
+                        <a:t>Customer's business functions have major service degradation or potential data loss, or a major feature is impacted</a:t>
                       </a:r>
+                      <a:endParaRPr sz="900" spc="0">
+                        <a:latin typeface="Adobe Clean Light"/>
+                        <a:cs typeface="AdobeClean-Light"/>
+                      </a:endParaRPr>
                     </a:p>
                   </a:txBody>
                   <a:tcPr marL="0" marR="0" marT="0" marB="0" anchor="ctr">
@@ -2955,21 +3653,65 @@
                     <a:bodyPr/>
                     <a:lstStyle/>
                     <a:p>
-                      <a:pPr marL="220663" marR="343535" indent="-3175" algn="ctr">
+                      <a:pPr marL="473075" marR="343535" indent="-175895" algn="l">
                         <a:lnSpc>
                           <a:spcPct val="102200"/>
                         </a:lnSpc>
                       </a:pPr>
                       <a:r>
-                        <a:rPr lang="it-IT" sz="900" dirty="0">
+                        <a:rPr sz="900" spc="0">
                           <a:solidFill>
                             <a:srgbClr val="020302"/>
                           </a:solidFill>
                           <a:latin typeface="AdobeClean-Light"/>
                           <a:cs typeface="AdobeClean-Light"/>
                         </a:rPr>
-                        <a:t>Orario operativo / 4 ore</a:t>
+                        <a:t>Business hours</a:t>
                       </a:r>
+                      <a:r>
+                        <a:rPr lang="en-US" sz="900" spc="0">
+                          <a:solidFill>
+                            <a:srgbClr val="020302"/>
+                          </a:solidFill>
+                          <a:latin typeface="AdobeClean-Light"/>
+                          <a:cs typeface="AdobeClean-Light"/>
+                        </a:rPr>
+                        <a:t> </a:t>
+                      </a:r>
+                      <a:r>
+                        <a:rPr sz="900" spc="0">
+                          <a:solidFill>
+                            <a:srgbClr val="020302"/>
+                          </a:solidFill>
+                          <a:latin typeface="AdobeClean-Light"/>
+                          <a:cs typeface="AdobeClean-Light"/>
+                        </a:rPr>
+                        <a:t>/</a:t>
+                      </a:r>
+                      <a:r>
+                        <a:rPr lang="en-US" sz="900" spc="0">
+                          <a:solidFill>
+                            <a:srgbClr val="020302"/>
+                          </a:solidFill>
+                          <a:latin typeface="AdobeClean-Light"/>
+                          <a:cs typeface="AdobeClean-Light"/>
+                        </a:rPr>
+                        <a:t>       </a:t>
+                      </a:r>
+                      <a:r>
+                        <a:rPr sz="900" spc="0">
+                          <a:solidFill>
+                            <a:srgbClr val="020302"/>
+                          </a:solidFill>
+                          <a:latin typeface="AdobeClean-Light"/>
+                          <a:cs typeface="AdobeClean-Light"/>
+                        </a:rPr>
+                        <a:t>4 hours</a:t>
+                      </a:r>
+                      <a:endParaRPr sz="900" spc="0">
+                        <a:latin typeface="AdobeClean-Light"/>
+                        <a:cs typeface="AdobeClean-Light"/>
+                      </a:endParaRPr>
                     </a:p>
                   </a:txBody>
                   <a:tcPr marL="0" marR="0" marT="0" marB="0" anchor="ctr">
@@ -3004,22 +3746,65 @@
                     <a:bodyPr/>
                     <a:lstStyle/>
                     <a:p>
-                      <a:pPr marL="307975" marR="343535" indent="-3175" algn="ctr">
+                      <a:pPr marL="351790" marR="481330" indent="144145" algn="l">
                         <a:lnSpc>
-                          <a:spcPct val="102200"/>
+                          <a:spcPct val="102299"/>
                         </a:lnSpc>
                       </a:pPr>
                       <a:r>
-                        <a:rPr lang="it-IT" sz="900" dirty="0">
+                        <a:rPr sz="900" spc="0">
                           <a:solidFill>
                             <a:srgbClr val="020302"/>
                           </a:solidFill>
                           <a:latin typeface="AdobeClean-Light"/>
-                          <a:ea typeface="+mn-ea"/>
-                          <a:cs typeface="Times New Roman"/>
+                          <a:cs typeface="AdobeClean-Light"/>
                         </a:rPr>
-                        <a:t>24x5 / 30 minuti</a:t>
+                        <a:t>24x5 /</a:t>
                       </a:r>
+                      <a:r>
+                        <a:rPr lang="en-US" sz="900" spc="0">
+                          <a:solidFill>
+                            <a:srgbClr val="020302"/>
+                          </a:solidFill>
+                          <a:latin typeface="AdobeClean-Light"/>
+                          <a:cs typeface="AdobeClean-Light"/>
+                        </a:rPr>
+                        <a:t> </a:t>
+                      </a:r>
+                      <a:r>
+                        <a:rPr sz="900" spc="0">
+                          <a:solidFill>
+                            <a:srgbClr val="020302"/>
+                          </a:solidFill>
+                          <a:latin typeface="AdobeClean-Light"/>
+                          <a:cs typeface="AdobeClean-Light"/>
+                        </a:rPr>
+                        <a:t> 30</a:t>
+                      </a:r>
+                      <a:r>
+                        <a:rPr lang="en-US" sz="900" spc="0">
+                          <a:solidFill>
+                            <a:srgbClr val="020302"/>
+                          </a:solidFill>
+                          <a:latin typeface="AdobeClean-Light"/>
+                          <a:cs typeface="AdobeClean-Light"/>
+                        </a:rPr>
+                        <a:t> m</a:t>
+                      </a:r>
+                      <a:r>
+                        <a:rPr sz="900" spc="0">
+                          <a:solidFill>
+                            <a:srgbClr val="020302"/>
+                          </a:solidFill>
+                          <a:latin typeface="AdobeClean-Light"/>
+                          <a:cs typeface="AdobeClean-Light"/>
+                        </a:rPr>
+                        <a:t>inutes</a:t>
+                      </a:r>
+                      <a:endParaRPr sz="900" spc="0">
+                        <a:latin typeface="AdobeClean-Light"/>
+                        <a:cs typeface="AdobeClean-Light"/>
+                      </a:endParaRPr>
                     </a:p>
                   </a:txBody>
                   <a:tcPr marL="0" marR="0" marT="5080" marB="0" anchor="ctr">
@@ -3078,15 +3863,19 @@
                         </a:spcBef>
                       </a:pPr>
                       <a:r>
-                        <a:rPr lang="it-IT" sz="900" b="1" dirty="0">
+                        <a:rPr sz="900" b="1" spc="0">
                           <a:solidFill>
                             <a:srgbClr val="020302"/>
                           </a:solidFill>
                           <a:latin typeface="Adobe Clean"/>
                           <a:cs typeface="Adobe Clean"/>
                         </a:rPr>
-                        <a:t>PRIORITÀ 3 (P3)</a:t>
+                        <a:t>PRIORITY 3</a:t>
                       </a:r>
+                      <a:endParaRPr sz="900" spc="0">
+                        <a:latin typeface="Adobe Clean"/>
+                        <a:cs typeface="Adobe Clean"/>
+                      </a:endParaRPr>
                     </a:p>
                     <a:p>
                       <a:pPr marL="48895" marR="387985" indent="-2540" algn="l">
@@ -3098,17 +3887,22 @@
                         </a:spcBef>
                       </a:pPr>
                       <a:r>
-                        <a:rPr lang="it-IT" sz="900" b="0" i="0" u="none" strike="noStrike" dirty="0">
+                        <a:rPr lang="en-US" sz="900" b="0" i="0" u="none" strike="noStrike" spc="0">
                           <a:solidFill>
                             <a:srgbClr val="000000"/>
                           </a:solidFill>
-                          <a:latin typeface="Adobe Clean Light" panose="020B0303020404020204" pitchFamily="34" charset="0"/>
+                          <a:effectLst/>
+                          <a:latin typeface="Adobe Clean Light"/>
                         </a:rPr>
-                        <a:t>Le funzioni operative del cliente sono interessate da deterioramento lieve del servizio (o nessun deterioramento), tuttavia è possibile procedere normalmente mediante una soluzione temporanea.</a:t>
+                        <a:t>Customer’s business functions have minor to no service degradation but there exists a solution/workaround allowing business functions to continue normally</a:t>
                       </a:r>
+                      <a:endParaRPr sz="900" spc="0">
+                        <a:latin typeface="AdobeClean-Light"/>
+                        <a:cs typeface="AdobeClean-Light"/>
+                      </a:endParaRPr>
                     </a:p>
                   </a:txBody>
-                  <a:tcPr marL="0" marR="0" marT="0" marB="36000" anchor="ctr">
+                  <a:tcPr marL="0" marR="0" marT="0" marB="0" anchor="ctr">
                     <a:lnL w="6350">
                       <a:solidFill>
                         <a:srgbClr val="B7B8B8"/>
@@ -3143,22 +3937,25 @@
                     <a:bodyPr/>
                     <a:lstStyle/>
                     <a:p>
-                      <a:pPr marL="220663" marR="343535" indent="-3175" algn="ctr">
+                      <a:pPr marL="473075" marR="343535" indent="-175895" algn="l">
                         <a:lnSpc>
                           <a:spcPct val="102200"/>
                         </a:lnSpc>
                       </a:pPr>
                       <a:r>
-                        <a:rPr lang="it-IT" sz="900" dirty="0">
+                        <a:rPr lang="en-US" sz="900" spc="0">
                           <a:solidFill>
                             <a:srgbClr val="020302"/>
                           </a:solidFill>
                           <a:latin typeface="AdobeClean-Light"/>
-                          <a:ea typeface="+mn-ea"/>
                           <a:cs typeface="AdobeClean-Light"/>
                         </a:rPr>
-                        <a:t>Orario operativo / 6 ore</a:t>
+                        <a:t>Business hours /       6 hours</a:t>
                       </a:r>
+                      <a:endParaRPr lang="en-US" sz="900" spc="0">
+                        <a:latin typeface="AdobeClean-Light"/>
+                        <a:cs typeface="AdobeClean-Light"/>
+                      </a:endParaRPr>
                     </a:p>
                   </a:txBody>
                   <a:tcPr marL="0" marR="0" marT="0" marB="0" anchor="ctr">
@@ -3193,13 +3990,13 @@
                     <a:bodyPr/>
                     <a:lstStyle/>
                     <a:p>
-                      <a:pPr marL="331788" marR="343535" indent="-3175" algn="ctr">
+                      <a:pPr marL="508000" marR="531495" indent="1270" algn="l">
                         <a:lnSpc>
                           <a:spcPct val="102200"/>
                         </a:lnSpc>
                       </a:pPr>
                       <a:r>
-                        <a:rPr lang="it-IT" sz="900" dirty="0">
+                        <a:rPr lang="en-US" sz="900" spc="0">
                           <a:solidFill>
                             <a:srgbClr val="020302"/>
                           </a:solidFill>
@@ -3210,7 +4007,7 @@
                         <a:t>2</a:t>
                       </a:r>
                       <a:r>
-                        <a:rPr lang="it-IT" sz="900" dirty="0">
+                        <a:rPr sz="900" spc="0">
                           <a:solidFill>
                             <a:srgbClr val="020302"/>
                           </a:solidFill>
@@ -3218,7 +4015,29 @@
                           <a:ea typeface="+mn-ea"/>
                           <a:cs typeface="AdobeClean-Light"/>
                         </a:rPr>
-                        <a:t>4x5 / 1 ora</a:t>
+                        <a:t>4x5/</a:t>
+                      </a:r>
+                      <a:r>
+                        <a:rPr lang="en-US" sz="900" spc="0">
+                          <a:solidFill>
+                            <a:srgbClr val="020302"/>
+                          </a:solidFill>
+                          <a:latin typeface="AdobeClean-Light"/>
+                          <a:ea typeface="+mn-ea"/>
+                          <a:cs typeface="AdobeClean-Light"/>
+                        </a:rPr>
+                        <a:t>   </a:t>
+                      </a:r>
+                      <a:r>
+                        <a:rPr sz="900" spc="0">
+                          <a:solidFill>
+                            <a:srgbClr val="020302"/>
+                          </a:solidFill>
+                          <a:latin typeface="AdobeClean-Light"/>
+                          <a:ea typeface="+mn-ea"/>
+                          <a:cs typeface="AdobeClean-Light"/>
+                        </a:rPr>
+                        <a:t>1 hour</a:t>
                       </a:r>
                     </a:p>
                   </a:txBody>
@@ -3278,15 +4097,19 @@
                         </a:spcBef>
                       </a:pPr>
                       <a:r>
-                        <a:rPr lang="it-IT" sz="900" b="1" dirty="0">
+                        <a:rPr sz="900" b="1" spc="0">
                           <a:solidFill>
                             <a:srgbClr val="020302"/>
                           </a:solidFill>
                           <a:latin typeface="Adobe Clean"/>
                           <a:cs typeface="Adobe Clean"/>
                         </a:rPr>
-                        <a:t>PRIORITÀ 4 (P4)</a:t>
+                        <a:t>PRIORITY 4</a:t>
                       </a:r>
+                      <a:endParaRPr sz="900" spc="0">
+                        <a:latin typeface="Adobe Clean"/>
+                        <a:cs typeface="Adobe Clean"/>
+                      </a:endParaRPr>
                     </a:p>
                     <a:p>
                       <a:pPr marL="62230" algn="l">
@@ -3298,14 +4121,19 @@
                         </a:spcBef>
                       </a:pPr>
                       <a:r>
-                        <a:rPr lang="it-IT" sz="900" b="0" i="0" u="none" strike="noStrike" dirty="0">
+                        <a:rPr lang="en-US" sz="900" b="0" i="0" u="none" strike="noStrike" spc="0">
                           <a:solidFill>
                             <a:srgbClr val="000000"/>
                           </a:solidFill>
-                          <a:latin typeface="Adobe Clean Light" panose="020B0303020404020204" pitchFamily="34" charset="0"/>
+                          <a:effectLst/>
+                          <a:latin typeface="Adobe Clean Light"/>
                         </a:rPr>
-                        <a:t>Domande generali sulle attuali funzionalità del prodotto o su una richiesta di miglioramento</a:t>
+                        <a:t>General question regarding current product functionality or an enhancement request</a:t>
                       </a:r>
+                      <a:endParaRPr sz="900" spc="0">
+                        <a:latin typeface="Adobe Clean Light"/>
+                        <a:cs typeface="AdobeClean-Light"/>
+                      </a:endParaRPr>
                     </a:p>
                   </a:txBody>
                   <a:tcPr marL="0" marR="0" marT="0" marB="0" anchor="ctr">
@@ -3343,22 +4171,25 @@
                     <a:bodyPr/>
                     <a:lstStyle/>
                     <a:p>
-                      <a:pPr marL="220663" marR="343535" indent="-3175" algn="ctr">
+                      <a:pPr marL="473075" marR="343535" indent="-175895" algn="l">
                         <a:lnSpc>
                           <a:spcPct val="102200"/>
                         </a:lnSpc>
                       </a:pPr>
                       <a:r>
-                        <a:rPr lang="it-IT" sz="900" dirty="0">
+                        <a:rPr lang="en-US" sz="900" spc="0">
                           <a:solidFill>
                             <a:srgbClr val="020302"/>
                           </a:solidFill>
                           <a:latin typeface="AdobeClean-Light"/>
-                          <a:ea typeface="+mn-ea"/>
                           <a:cs typeface="AdobeClean-Light"/>
                         </a:rPr>
-                        <a:t>Giorni lavorativi / 3 giorni</a:t>
+                        <a:t>Business days /       3 days</a:t>
                       </a:r>
+                      <a:endParaRPr lang="en-US" sz="900" spc="0">
+                        <a:latin typeface="AdobeClean-Light"/>
+                        <a:cs typeface="AdobeClean-Light"/>
+                      </a:endParaRPr>
                     </a:p>
                   </a:txBody>
                   <a:tcPr marL="0" marR="0" marT="0" marB="0" anchor="ctr">
@@ -3393,22 +4224,25 @@
                     <a:bodyPr/>
                     <a:lstStyle/>
                     <a:p>
-                      <a:pPr marL="266700" marR="343535" indent="-3175" algn="ctr">
+                      <a:pPr marL="473075" marR="343535" indent="-175895" algn="l">
                         <a:lnSpc>
                           <a:spcPct val="102200"/>
                         </a:lnSpc>
                       </a:pPr>
                       <a:r>
-                        <a:rPr lang="it-IT" sz="900" dirty="0">
+                        <a:rPr lang="en-US" sz="900" spc="0" dirty="0">
                           <a:solidFill>
                             <a:srgbClr val="020302"/>
                           </a:solidFill>
                           <a:latin typeface="AdobeClean-Light"/>
-                          <a:ea typeface="+mn-ea"/>
                           <a:cs typeface="AdobeClean-Light"/>
                         </a:rPr>
-                        <a:t>Giorni lavorativi / 1 giorno</a:t>
+                        <a:t>Business days /       1 day</a:t>
                       </a:r>
+                      <a:endParaRPr lang="en-US" sz="900" spc="0" dirty="0">
+                        <a:latin typeface="AdobeClean-Light"/>
+                        <a:cs typeface="AdobeClean-Light"/>
+                      </a:endParaRPr>
                     </a:p>
                   </a:txBody>
                   <a:tcPr marL="0" marR="0" marT="27940" marB="0" anchor="ctr">
@@ -3486,8 +4320,8 @@
         </p:nvSpPr>
         <p:spPr>
           <a:xfrm>
-            <a:off x="97786" y="9888626"/>
-            <a:ext cx="3030223" cy="133370"/>
+            <a:off x="97787" y="9888626"/>
+            <a:ext cx="2202180" cy="149860"/>
           </a:xfrm>
           <a:prstGeom prst="rect">
             <a:avLst/>
@@ -3508,15 +4342,99 @@
               </a:spcBef>
             </a:pPr>
             <a:r>
-              <a:rPr lang="it-IT" sz="800" dirty="0">
+              <a:rPr sz="800" spc="-15">
                 <a:solidFill>
                   <a:srgbClr val="6D6D6D"/>
                 </a:solidFill>
                 <a:latin typeface="Adobe Clean"/>
                 <a:cs typeface="Adobe Clean"/>
               </a:rPr>
-              <a:t>©2021 Adobe. All Rights Reserved. Adobe Confidential.</a:t>
-            </a:r>
+              <a:t>©2021 </a:t>
+            </a:r>
+            <a:r>
+              <a:rPr sz="800" spc="-5">
+                <a:solidFill>
+                  <a:srgbClr val="6D6D6D"/>
+                </a:solidFill>
+                <a:latin typeface="Adobe Clean"/>
+                <a:cs typeface="Adobe Clean"/>
+              </a:rPr>
+              <a:t>Adobe. All</a:t>
+            </a:r>
+            <a:r>
+              <a:rPr sz="800" spc="-15">
+                <a:solidFill>
+                  <a:srgbClr val="6D6D6D"/>
+                </a:solidFill>
+                <a:latin typeface="Adobe Clean"/>
+                <a:cs typeface="Adobe Clean"/>
+              </a:rPr>
+              <a:t> Rights</a:t>
+            </a:r>
+            <a:r>
+              <a:rPr sz="800" spc="-5">
+                <a:solidFill>
+                  <a:srgbClr val="6D6D6D"/>
+                </a:solidFill>
+                <a:latin typeface="Adobe Clean"/>
+                <a:cs typeface="Adobe Clean"/>
+              </a:rPr>
+              <a:t> </a:t>
+            </a:r>
+            <a:r>
+              <a:rPr sz="800" spc="-15">
+                <a:solidFill>
+                  <a:srgbClr val="6D6D6D"/>
+                </a:solidFill>
+                <a:latin typeface="Adobe Clean"/>
+                <a:cs typeface="Adobe Clean"/>
+              </a:rPr>
+              <a:t>Reserved.</a:t>
+            </a:r>
+            <a:r>
+              <a:rPr sz="800" spc="-10">
+                <a:solidFill>
+                  <a:srgbClr val="6D6D6D"/>
+                </a:solidFill>
+                <a:latin typeface="Adobe Clean"/>
+                <a:cs typeface="Adobe Clean"/>
+              </a:rPr>
+              <a:t> </a:t>
+            </a:r>
+            <a:r>
+              <a:rPr sz="800" spc="-5">
+                <a:solidFill>
+                  <a:srgbClr val="6D6D6D"/>
+                </a:solidFill>
+                <a:latin typeface="Adobe Clean"/>
+                <a:cs typeface="Adobe Clean"/>
+              </a:rPr>
+              <a:t>Adobe</a:t>
+            </a:r>
+            <a:r>
+              <a:rPr sz="800" spc="65">
+                <a:solidFill>
+                  <a:srgbClr val="6D6D6D"/>
+                </a:solidFill>
+                <a:latin typeface="Adobe Clean"/>
+                <a:cs typeface="Adobe Clean"/>
+              </a:rPr>
+              <a:t> </a:t>
+            </a:r>
+            <a:r>
+              <a:rPr sz="800" spc="-15">
+                <a:solidFill>
+                  <a:srgbClr val="6D6D6D"/>
+                </a:solidFill>
+                <a:latin typeface="Adobe Clean"/>
+                <a:cs typeface="Adobe Clean"/>
+              </a:rPr>
+              <a:t>Confidential.</a:t>
+            </a:r>
+            <a:endParaRPr sz="800">
+              <a:latin typeface="Adobe Clean"/>
+              <a:cs typeface="Adobe Clean"/>
+            </a:endParaRPr>
           </a:p>
         </p:txBody>
       </p:sp>
@@ -3549,7 +4467,7 @@
           <a:lstStyle/>
           <a:p>
             <a:r>
-              <a:rPr lang="it-IT" sz="700" i="1">
+              <a:rPr lang="en-US" sz="700" i="1">
                 <a:solidFill>
                   <a:schemeClr val="bg1"/>
                 </a:solidFill>
@@ -3574,14 +4492,14 @@
           <p:nvPr>
             <p:extLst>
               <p:ext uri="{D42A27DB-BD31-4B8C-83A1-F6EECF244321}">
-                <p14:modId xmlns:p14="http://schemas.microsoft.com/office/powerpoint/2010/main" val="1814077619"/>
+                <p14:modId xmlns:p14="http://schemas.microsoft.com/office/powerpoint/2010/main" val="2453616751"/>
               </p:ext>
             </p:extLst>
           </p:nvPr>
         </p:nvGraphicFramePr>
         <p:xfrm>
-          <a:off x="273550" y="2186084"/>
-          <a:ext cx="7281935" cy="4839582"/>
+          <a:off x="273550" y="2258474"/>
+          <a:ext cx="7281935" cy="4738570"/>
         </p:xfrm>
         <a:graphic>
           <a:graphicData uri="http://schemas.openxmlformats.org/drawingml/2006/table">
@@ -3625,7 +4543,7 @@
                     <a:bodyPr/>
                     <a:lstStyle/>
                     <a:p>
-                      <a:endParaRPr lang="en-US" dirty="0"/>
+                      <a:endParaRPr lang="en-US"/>
                     </a:p>
                   </a:txBody>
                   <a:tcPr/>
@@ -3663,15 +4581,39 @@
                         <a:defRPr/>
                       </a:pPr>
                       <a:r>
-                        <a:rPr lang="it-IT" sz="900" dirty="0">
+                        <a:rPr lang="en-US" sz="900" spc="-20" dirty="0">
                           <a:solidFill>
                             <a:srgbClr val="404040"/>
                           </a:solidFill>
                           <a:latin typeface="Adobe Clean"/>
                           <a:cs typeface="Adobe Clean"/>
                         </a:rPr>
-                        <a:t>Supporto Online</a:t>
+                        <a:t>Standard </a:t>
                       </a:r>
+                      <a:r>
+                        <a:rPr lang="en-US" sz="900" spc="-135" dirty="0">
+                          <a:solidFill>
+                            <a:srgbClr val="404040"/>
+                          </a:solidFill>
+                          <a:latin typeface="Adobe Clean"/>
+                          <a:cs typeface="Adobe Clean"/>
+                        </a:rPr>
+                        <a:t> </a:t>
+                      </a:r>
+                      <a:r>
+                        <a:rPr lang="en-US" sz="900" spc="-20" dirty="0">
+                          <a:solidFill>
+                            <a:srgbClr val="404040"/>
+                          </a:solidFill>
+                          <a:latin typeface="Adobe Clean"/>
+                          <a:cs typeface="Adobe Clean"/>
+                        </a:rPr>
+                        <a:t>Support</a:t>
+                      </a:r>
+                      <a:endParaRPr lang="en-US" sz="900" dirty="0">
+                        <a:latin typeface="Adobe Clean"/>
+                        <a:cs typeface="Adobe Clean"/>
+                      </a:endParaRPr>
                     </a:p>
                   </a:txBody>
                   <a:tcPr marL="0" marR="0" marT="7620" marB="0" anchor="ctr">
@@ -3712,15 +4654,29 @@
                         </a:spcBef>
                       </a:pPr>
                       <a:r>
-                        <a:rPr lang="it-IT" sz="900" dirty="0">
+                        <a:rPr lang="en-US" sz="900" spc="-20">
                           <a:solidFill>
                             <a:srgbClr val="FFFFFF"/>
                           </a:solidFill>
                           <a:latin typeface="Adobe Clean"/>
                           <a:cs typeface="Adobe Clean"/>
                         </a:rPr>
-                        <a:t>Supporto Elite</a:t>
+                        <a:t>Elite </a:t>
                       </a:r>
+                      <a:r>
+                        <a:rPr sz="900" spc="-20">
+                          <a:solidFill>
+                            <a:srgbClr val="FFFFFF"/>
+                          </a:solidFill>
+                          <a:latin typeface="Adobe Clean"/>
+                          <a:cs typeface="Adobe Clean"/>
+                        </a:rPr>
+                        <a:t>Support</a:t>
+                      </a:r>
+                      <a:endParaRPr sz="900">
+                        <a:latin typeface="Adobe Clean"/>
+                        <a:cs typeface="Adobe Clean"/>
+                      </a:endParaRPr>
                     </a:p>
                   </a:txBody>
                   <a:tcPr marL="0" marR="0" marT="7620" marB="0" anchor="ctr">
@@ -3765,7 +4721,7 @@
                     <a:bodyPr/>
                     <a:lstStyle/>
                     <a:p>
-                      <a:endParaRPr lang="en-US" dirty="0"/>
+                      <a:endParaRPr lang="en-US"/>
                     </a:p>
                   </a:txBody>
                   <a:tcPr/>
@@ -3785,7 +4741,7 @@
                     <a:bodyPr/>
                     <a:lstStyle/>
                     <a:p>
-                      <a:pPr marL="0" marR="0" lvl="0" indent="0" algn="l" defTabSz="914400" rtl="0" eaLnBrk="1" fontAlgn="auto" latinLnBrk="0" hangingPunct="1">
+                      <a:pPr marL="0" marR="0" lvl="0" indent="0" algn="ctr" defTabSz="914400" eaLnBrk="1" fontAlgn="auto" latinLnBrk="0" hangingPunct="1">
                         <a:lnSpc>
                           <a:spcPct val="100000"/>
                         </a:lnSpc>
@@ -3866,13 +4822,13 @@
                         <a:defRPr/>
                       </a:pPr>
                       <a:r>
-                        <a:rPr lang="it-IT" sz="800" i="1">
+                        <a:rPr lang="en-US" sz="800" i="1">
                           <a:solidFill>
                             <a:schemeClr val="bg1"/>
                           </a:solidFill>
                           <a:latin typeface="Adobe Clean Light" panose="020B0303020404020204" pitchFamily="34" charset="0"/>
                         </a:rPr>
-                        <a:t>Supporto a pagamento ($)</a:t>
+                        <a:t>Paid Support ($)</a:t>
                       </a:r>
                     </a:p>
                   </a:txBody>
@@ -3936,15 +4892,22 @@
                         </a:spcBef>
                       </a:pPr>
                       <a:r>
-                        <a:rPr lang="it-IT" sz="1000" b="1" i="0" dirty="0">
+                        <a:rPr lang="en-US" sz="1000" b="1" i="0" spc="0">
                           <a:solidFill>
                             <a:schemeClr val="bg1"/>
                           </a:solidFill>
                           <a:latin typeface="Adobe Clean" panose="020B0503020404020204" pitchFamily="34" charset="0"/>
                           <a:cs typeface="AdobeClean-Light"/>
                         </a:rPr>
-                        <a:t>Esperti assegnati</a:t>
+                        <a:t>Assigned Experts</a:t>
                       </a:r>
+                      <a:endParaRPr sz="1000" b="1" i="0" spc="0">
+                        <a:solidFill>
+                          <a:schemeClr val="bg1"/>
+                        </a:solidFill>
+                        <a:latin typeface="Adobe Clean" panose="020B0503020404020204" pitchFamily="34" charset="0"/>
+                        <a:cs typeface="AdobeClean-Light"/>
+                      </a:endParaRPr>
                     </a:p>
                   </a:txBody>
                   <a:tcPr marL="0" marR="0" marT="58419" marB="0" anchor="ctr">
@@ -3991,7 +4954,7 @@
                         </a:spcBef>
                       </a:pPr>
                       <a:r>
-                        <a:rPr lang="it-IT" sz="900">
+                        <a:rPr sz="900" spc="0">
                           <a:solidFill>
                             <a:srgbClr val="020302"/>
                           </a:solidFill>
@@ -4000,6 +4963,10 @@
                         </a:rPr>
                         <a:t>Account Support Lead</a:t>
                       </a:r>
+                      <a:endParaRPr sz="900" spc="0">
+                        <a:latin typeface="AdobeClean-Light"/>
+                        <a:cs typeface="AdobeClean-Light"/>
+                      </a:endParaRPr>
                     </a:p>
                   </a:txBody>
                   <a:tcPr marL="0" marR="0" marT="58419" marB="0">
@@ -4034,7 +5001,7 @@
                     <a:bodyPr/>
                     <a:lstStyle/>
                     <a:p>
-                      <a:pPr algn="l" rtl="0">
+                      <a:pPr algn="ctr">
                         <a:lnSpc>
                           <a:spcPct val="100000"/>
                         </a:lnSpc>
@@ -4075,7 +5042,7 @@
                     <a:bodyPr/>
                     <a:lstStyle/>
                     <a:p>
-                      <a:pPr algn="l" rtl="0">
+                      <a:pPr algn="ctr">
                         <a:lnSpc>
                           <a:spcPct val="100000"/>
                         </a:lnSpc>
@@ -4118,7 +5085,7 @@
                     <a:bodyPr/>
                     <a:lstStyle/>
                     <a:p>
-                      <a:pPr marL="50800" algn="l" rtl="0">
+                      <a:pPr marL="50800">
                         <a:lnSpc>
                           <a:spcPct val="100000"/>
                         </a:lnSpc>
@@ -4164,7 +5131,7 @@
                         </a:spcBef>
                       </a:pPr>
                       <a:r>
-                        <a:rPr lang="it-IT" sz="900">
+                        <a:rPr sz="900" spc="0">
                           <a:solidFill>
                             <a:srgbClr val="020302"/>
                           </a:solidFill>
@@ -4173,6 +5140,10 @@
                         </a:rPr>
                         <a:t>Named Support Engineer</a:t>
                       </a:r>
+                      <a:endParaRPr sz="900" spc="0">
+                        <a:latin typeface="AdobeClean-Light"/>
+                        <a:cs typeface="AdobeClean-Light"/>
+                      </a:endParaRPr>
                     </a:p>
                   </a:txBody>
                   <a:tcPr marL="0" marR="0" marT="58419" marB="0">
@@ -4195,7 +5166,7 @@
                     <a:bodyPr/>
                     <a:lstStyle/>
                     <a:p>
-                      <a:pPr algn="l" rtl="0">
+                      <a:pPr algn="ctr">
                         <a:lnSpc>
                           <a:spcPct val="100000"/>
                         </a:lnSpc>
@@ -4242,7 +5213,7 @@
                         <a:defRPr/>
                       </a:pPr>
                       <a:r>
-                        <a:rPr lang="it-IT" sz="900">
+                        <a:rPr lang="en-US" sz="900">
                           <a:solidFill>
                             <a:srgbClr val="020302"/>
                           </a:solidFill>
@@ -4251,6 +5222,10 @@
                         </a:rPr>
                         <a:t></a:t>
                       </a:r>
+                      <a:endParaRPr lang="en-US" sz="900">
+                        <a:latin typeface="Wingdings"/>
+                        <a:cs typeface="Wingdings"/>
+                      </a:endParaRPr>
                     </a:p>
                   </a:txBody>
                   <a:tcPr marL="0" marR="0" marT="0" marB="0" anchor="ctr">
@@ -4273,7 +5248,7 @@
                     <a:bodyPr/>
                     <a:lstStyle/>
                     <a:p>
-                      <a:pPr marL="50800" algn="l" rtl="0">
+                      <a:pPr marL="50800">
                         <a:lnSpc>
                           <a:spcPct val="100000"/>
                         </a:lnSpc>
@@ -4331,7 +5306,7 @@
                         </a:spcBef>
                       </a:pPr>
                       <a:r>
-                        <a:rPr lang="it-IT" sz="900">
+                        <a:rPr sz="900" spc="0">
                           <a:solidFill>
                             <a:srgbClr val="020302"/>
                           </a:solidFill>
@@ -4340,6 +5315,10 @@
                         </a:rPr>
                         <a:t>Technical Account Manager</a:t>
                       </a:r>
+                      <a:endParaRPr sz="900" spc="0">
+                        <a:latin typeface="AdobeClean-Light"/>
+                        <a:cs typeface="AdobeClean-Light"/>
+                      </a:endParaRPr>
                     </a:p>
                   </a:txBody>
                   <a:tcPr marL="0" marR="0" marT="63500" marB="0">
@@ -4368,7 +5347,7 @@
                     <a:bodyPr/>
                     <a:lstStyle/>
                     <a:p>
-                      <a:pPr algn="l" rtl="0">
+                      <a:pPr algn="ctr">
                         <a:lnSpc>
                           <a:spcPct val="100000"/>
                         </a:lnSpc>
@@ -4424,7 +5403,7 @@
                         <a:defRPr/>
                       </a:pPr>
                       <a:r>
-                        <a:rPr lang="it-IT" sz="900">
+                        <a:rPr lang="en-US" sz="900">
                           <a:solidFill>
                             <a:srgbClr val="020302"/>
                           </a:solidFill>
@@ -4433,6 +5412,10 @@
                         </a:rPr>
                         <a:t></a:t>
                       </a:r>
+                      <a:endParaRPr lang="en-US" sz="900">
+                        <a:latin typeface="Wingdings"/>
+                        <a:cs typeface="Wingdings"/>
+                      </a:endParaRPr>
                     </a:p>
                   </a:txBody>
                   <a:tcPr marL="0" marR="0" marT="0" marB="0" anchor="ctr">
@@ -4473,15 +5456,22 @@
                         </a:spcBef>
                       </a:pPr>
                       <a:r>
-                        <a:rPr lang="it-IT" sz="1000" b="1" i="0" dirty="0">
+                        <a:rPr lang="en-US" sz="1000" b="1" i="0" spc="0">
                           <a:solidFill>
                             <a:schemeClr val="bg1"/>
                           </a:solidFill>
                           <a:latin typeface="Adobe Clean" panose="020B0503020404020204" pitchFamily="34" charset="0"/>
                           <a:cs typeface="AdobeClean-Light"/>
                         </a:rPr>
-                        <a:t>Servizi di assistenza</a:t>
+                        <a:t>Support Services</a:t>
                       </a:r>
+                      <a:endParaRPr sz="1000" b="1" i="0" spc="0">
+                        <a:solidFill>
+                          <a:schemeClr val="bg1"/>
+                        </a:solidFill>
+                        <a:latin typeface="Adobe Clean" panose="020B0503020404020204" pitchFamily="34" charset="0"/>
+                        <a:cs typeface="AdobeClean-Light"/>
+                      </a:endParaRPr>
                     </a:p>
                   </a:txBody>
                   <a:tcPr marL="0" marR="0" marT="57150" marB="0" anchor="ctr">
@@ -4537,15 +5527,29 @@
                         </a:spcBef>
                       </a:pPr>
                       <a:r>
-                        <a:rPr lang="it-IT" sz="900">
+                        <a:rPr lang="en-US" sz="900" spc="0">
                           <a:solidFill>
                             <a:srgbClr val="020302"/>
                           </a:solidFill>
                           <a:latin typeface="AdobeClean-Light"/>
                           <a:cs typeface="AdobeClean-Light"/>
                         </a:rPr>
-                        <a:t>Supporto Online</a:t>
+                        <a:t>Online</a:t>
                       </a:r>
+                      <a:r>
+                        <a:rPr sz="900" spc="0">
+                          <a:solidFill>
+                            <a:srgbClr val="020302"/>
+                          </a:solidFill>
+                          <a:latin typeface="AdobeClean-Light"/>
+                          <a:cs typeface="AdobeClean-Light"/>
+                        </a:rPr>
+                        <a:t> Support</a:t>
+                      </a:r>
+                      <a:endParaRPr sz="900" spc="0">
+                        <a:latin typeface="AdobeClean-Light"/>
+                        <a:cs typeface="AdobeClean-Light"/>
+                      </a:endParaRPr>
                     </a:p>
                   </a:txBody>
                   <a:tcPr marL="0" marR="0" marT="57150" marB="0">
@@ -4583,15 +5587,39 @@
                         </a:spcBef>
                       </a:pPr>
                       <a:r>
-                        <a:rPr lang="it-IT" sz="900">
+                        <a:rPr sz="900" spc="-25">
                           <a:solidFill>
                             <a:srgbClr val="020302"/>
                           </a:solidFill>
                           <a:latin typeface="AdobeClean-Light"/>
                           <a:cs typeface="AdobeClean-Light"/>
                         </a:rPr>
-                        <a:t>Orario operativo</a:t>
+                        <a:t>Business</a:t>
                       </a:r>
+                      <a:r>
+                        <a:rPr sz="900" spc="-15">
+                          <a:solidFill>
+                            <a:srgbClr val="020302"/>
+                          </a:solidFill>
+                          <a:latin typeface="AdobeClean-Light"/>
+                          <a:cs typeface="AdobeClean-Light"/>
+                        </a:rPr>
+                        <a:t> </a:t>
+                      </a:r>
+                      <a:r>
+                        <a:rPr sz="900" spc="-30">
+                          <a:solidFill>
+                            <a:srgbClr val="020302"/>
+                          </a:solidFill>
+                          <a:latin typeface="AdobeClean-Light"/>
+                          <a:cs typeface="AdobeClean-Light"/>
+                        </a:rPr>
+                        <a:t>hours</a:t>
+                      </a:r>
+                      <a:endParaRPr sz="900">
+                        <a:latin typeface="AdobeClean-Light"/>
+                        <a:cs typeface="AdobeClean-Light"/>
+                      </a:endParaRPr>
                     </a:p>
                   </a:txBody>
                   <a:tcPr marL="0" marR="0" marT="67945" marB="0">
@@ -4630,7 +5658,7 @@
                         </a:spcBef>
                       </a:pPr>
                       <a:r>
-                        <a:rPr lang="it-IT" sz="900">
+                        <a:rPr lang="en-US" sz="900" spc="-25">
                           <a:solidFill>
                             <a:srgbClr val="020302"/>
                           </a:solidFill>
@@ -4639,6 +5667,10 @@
                         </a:rPr>
                         <a:t>24x5</a:t>
                       </a:r>
+                      <a:endParaRPr sz="900">
+                        <a:latin typeface="AdobeClean-Light"/>
+                        <a:cs typeface="AdobeClean-Light"/>
+                      </a:endParaRPr>
                     </a:p>
                   </a:txBody>
                   <a:tcPr marL="0" marR="0" marT="67945" marB="0" anchor="ctr">
@@ -4670,7 +5702,7 @@
                     <a:bodyPr/>
                     <a:lstStyle/>
                     <a:p>
-                      <a:pPr marL="50800" algn="l" rtl="0">
+                      <a:pPr marL="50800">
                         <a:lnSpc>
                           <a:spcPct val="100000"/>
                         </a:lnSpc>
@@ -4719,15 +5751,39 @@
                         </a:spcBef>
                       </a:pPr>
                       <a:r>
-                        <a:rPr lang="it-IT" sz="900">
+                        <a:rPr sz="900" spc="0">
                           <a:solidFill>
                             <a:srgbClr val="020302"/>
                           </a:solidFill>
                           <a:latin typeface="AdobeClean-Light"/>
                           <a:cs typeface="AdobeClean-Light"/>
                         </a:rPr>
-                        <a:t>Supporto per problemi P1 24x7x365</a:t>
+                        <a:t>24x7</a:t>
                       </a:r>
+                      <a:r>
+                        <a:rPr lang="en-US" sz="900" spc="0">
+                          <a:solidFill>
+                            <a:srgbClr val="020302"/>
+                          </a:solidFill>
+                          <a:latin typeface="AdobeClean-Light"/>
+                          <a:cs typeface="AdobeClean-Light"/>
+                        </a:rPr>
+                        <a:t>x365</a:t>
+                      </a:r>
+                      <a:r>
+                        <a:rPr sz="900" spc="0">
+                          <a:solidFill>
+                            <a:srgbClr val="020302"/>
+                          </a:solidFill>
+                          <a:latin typeface="AdobeClean-Light"/>
+                          <a:cs typeface="AdobeClean-Light"/>
+                        </a:rPr>
+                        <a:t> P1 Issue Support</a:t>
+                      </a:r>
+                      <a:endParaRPr sz="900" spc="0">
+                        <a:latin typeface="AdobeClean-Light"/>
+                        <a:cs typeface="AdobeClean-Light"/>
+                      </a:endParaRPr>
                     </a:p>
                   </a:txBody>
                   <a:tcPr marL="0" marR="0" marT="57785" marB="0">
@@ -4759,7 +5815,7 @@
                         </a:spcBef>
                       </a:pPr>
                       <a:r>
-                        <a:rPr lang="it-IT" sz="900">
+                        <a:rPr sz="900">
                           <a:solidFill>
                             <a:srgbClr val="020302"/>
                           </a:solidFill>
@@ -4768,6 +5824,10 @@
                         </a:rPr>
                         <a:t></a:t>
                       </a:r>
+                      <a:endParaRPr sz="900">
+                        <a:latin typeface="Wingdings"/>
+                        <a:cs typeface="Wingdings"/>
+                      </a:endParaRPr>
                     </a:p>
                   </a:txBody>
                   <a:tcPr marL="0" marR="0" marT="58419" marB="0">
@@ -4797,7 +5857,7 @@
                         </a:spcBef>
                       </a:pPr>
                       <a:r>
-                        <a:rPr lang="it-IT" sz="900">
+                        <a:rPr sz="900">
                           <a:solidFill>
                             <a:srgbClr val="020302"/>
                           </a:solidFill>
@@ -4806,6 +5866,10 @@
                         </a:rPr>
                         <a:t></a:t>
                       </a:r>
+                      <a:endParaRPr sz="900">
+                        <a:latin typeface="Wingdings"/>
+                        <a:cs typeface="Wingdings"/>
+                      </a:endParaRPr>
                     </a:p>
                   </a:txBody>
                   <a:tcPr marL="0" marR="0" marT="58419" marB="0" anchor="ctr">
@@ -4828,7 +5892,7 @@
                     <a:bodyPr/>
                     <a:lstStyle/>
                     <a:p>
-                      <a:pPr marL="50800" algn="l" rtl="0">
+                      <a:pPr marL="50800">
                         <a:lnSpc>
                           <a:spcPct val="100000"/>
                         </a:lnSpc>
@@ -4886,15 +5950,19 @@
                         </a:spcBef>
                       </a:pPr>
                       <a:r>
-                        <a:rPr lang="it-IT" sz="900">
+                        <a:rPr lang="en-US" sz="900" spc="0">
                           <a:solidFill>
                             <a:srgbClr val="020302"/>
                           </a:solidFill>
                           <a:latin typeface="AdobeClean-Light"/>
                           <a:cs typeface="AdobeClean-Light"/>
                         </a:rPr>
-                        <a:t>Contatti interni per il supporto (per prodotto)</a:t>
+                        <a:t>Named Support Contacts (per product)</a:t>
                       </a:r>
+                      <a:endParaRPr sz="900" spc="0">
+                        <a:latin typeface="AdobeClean-Light"/>
+                        <a:cs typeface="AdobeClean-Light"/>
+                      </a:endParaRPr>
                     </a:p>
                   </a:txBody>
                   <a:tcPr marL="0" marR="0" marT="57785" marB="0">
@@ -4932,7 +6000,7 @@
                         </a:spcBef>
                       </a:pPr>
                       <a:r>
-                        <a:rPr lang="it-IT" sz="900">
+                        <a:rPr sz="900">
                           <a:solidFill>
                             <a:srgbClr val="020302"/>
                           </a:solidFill>
@@ -4941,6 +6009,10 @@
                         </a:rPr>
                         <a:t>4</a:t>
                       </a:r>
+                      <a:endParaRPr sz="900">
+                        <a:latin typeface="AdobeClean-Light"/>
+                        <a:cs typeface="AdobeClean-Light"/>
+                      </a:endParaRPr>
                     </a:p>
                   </a:txBody>
                   <a:tcPr marL="0" marR="0" marT="57785" marB="0">
@@ -4970,7 +6042,7 @@
                         </a:spcBef>
                       </a:pPr>
                       <a:r>
-                        <a:rPr lang="it-IT" sz="900">
+                        <a:rPr lang="en-US" sz="900">
                           <a:solidFill>
                             <a:srgbClr val="020302"/>
                           </a:solidFill>
@@ -4979,6 +6051,10 @@
                         </a:rPr>
                         <a:t>15</a:t>
                       </a:r>
+                      <a:endParaRPr sz="900">
+                        <a:latin typeface="AdobeClean-Light"/>
+                        <a:cs typeface="AdobeClean-Light"/>
+                      </a:endParaRPr>
                     </a:p>
                   </a:txBody>
                   <a:tcPr marL="0" marR="0" marT="57785" marB="0" anchor="ctr">
@@ -5001,7 +6077,7 @@
                     <a:bodyPr/>
                     <a:lstStyle/>
                     <a:p>
-                      <a:pPr marL="50800" algn="l" rtl="0">
+                      <a:pPr marL="50800">
                         <a:lnSpc>
                           <a:spcPct val="100000"/>
                         </a:lnSpc>
@@ -5050,15 +6126,19 @@
                         </a:spcBef>
                       </a:pPr>
                       <a:r>
-                        <a:rPr lang="it-IT" sz="900">
+                        <a:rPr lang="en-US" sz="900" spc="0">
                           <a:solidFill>
                             <a:srgbClr val="020302"/>
                           </a:solidFill>
                           <a:latin typeface="AdobeClean-Light"/>
                           <a:cs typeface="AdobeClean-Light"/>
                         </a:rPr>
-                        <a:t>Supporto telefonico in diretta</a:t>
+                        <a:t>Live Telephone Support</a:t>
                       </a:r>
+                      <a:endParaRPr sz="900" spc="0">
+                        <a:latin typeface="AdobeClean-Light"/>
+                        <a:cs typeface="AdobeClean-Light"/>
+                      </a:endParaRPr>
                     </a:p>
                   </a:txBody>
                   <a:tcPr marL="0" marR="0" marT="57785" marB="0">
@@ -5081,7 +6161,7 @@
                     <a:bodyPr/>
                     <a:lstStyle/>
                     <a:p>
-                      <a:pPr algn="l" rtl="0">
+                      <a:pPr algn="ctr">
                         <a:lnSpc>
                           <a:spcPct val="100000"/>
                         </a:lnSpc>
@@ -5122,7 +6202,7 @@
                         </a:spcBef>
                       </a:pPr>
                       <a:r>
-                        <a:rPr lang="it-IT" sz="900">
+                        <a:rPr sz="900">
                           <a:solidFill>
                             <a:srgbClr val="020302"/>
                           </a:solidFill>
@@ -5131,6 +6211,10 @@
                         </a:rPr>
                         <a:t></a:t>
                       </a:r>
+                      <a:endParaRPr sz="900">
+                        <a:latin typeface="Wingdings"/>
+                        <a:cs typeface="Wingdings"/>
+                      </a:endParaRPr>
                     </a:p>
                   </a:txBody>
                   <a:tcPr marL="0" marR="0" marT="59054" marB="0" anchor="ctr">
@@ -5153,7 +6237,7 @@
                     <a:bodyPr/>
                     <a:lstStyle/>
                     <a:p>
-                      <a:pPr marL="50800" algn="l" rtl="0">
+                      <a:pPr marL="50800">
                         <a:lnSpc>
                           <a:spcPct val="100000"/>
                         </a:lnSpc>
@@ -5202,15 +6286,19 @@
                         </a:spcBef>
                       </a:pPr>
                       <a:r>
-                        <a:rPr lang="it-IT" sz="900">
+                        <a:rPr sz="900" spc="0">
                           <a:solidFill>
                             <a:srgbClr val="020302"/>
                           </a:solidFill>
                           <a:latin typeface="AdobeClean-Light"/>
                           <a:cs typeface="AdobeClean-Light"/>
                         </a:rPr>
-                        <a:t>Gestione delle escalation</a:t>
+                        <a:t>Escalation Management</a:t>
                       </a:r>
+                      <a:endParaRPr sz="900" spc="0">
+                        <a:latin typeface="AdobeClean-Light"/>
+                        <a:cs typeface="AdobeClean-Light"/>
+                      </a:endParaRPr>
                     </a:p>
                   </a:txBody>
                   <a:tcPr marL="0" marR="0" marT="58419" marB="0">
@@ -5233,7 +6321,7 @@
                     <a:bodyPr/>
                     <a:lstStyle/>
                     <a:p>
-                      <a:pPr algn="l" rtl="0">
+                      <a:pPr algn="ctr">
                         <a:lnSpc>
                           <a:spcPct val="100000"/>
                         </a:lnSpc>
@@ -5274,7 +6362,7 @@
                         </a:spcBef>
                       </a:pPr>
                       <a:r>
-                        <a:rPr lang="it-IT" sz="900">
+                        <a:rPr sz="900">
                           <a:solidFill>
                             <a:srgbClr val="020302"/>
                           </a:solidFill>
@@ -5283,6 +6371,10 @@
                         </a:rPr>
                         <a:t></a:t>
                       </a:r>
+                      <a:endParaRPr sz="900">
+                        <a:latin typeface="Wingdings"/>
+                        <a:cs typeface="Wingdings"/>
+                      </a:endParaRPr>
                     </a:p>
                   </a:txBody>
                   <a:tcPr marL="0" marR="0" marT="59690" marB="0" anchor="ctr">
@@ -5305,7 +6397,7 @@
                     <a:bodyPr/>
                     <a:lstStyle/>
                     <a:p>
-                      <a:pPr marL="50800" algn="l" rtl="0">
+                      <a:pPr marL="50800">
                         <a:lnSpc>
                           <a:spcPct val="100000"/>
                         </a:lnSpc>
@@ -5354,15 +6446,29 @@
                         </a:spcBef>
                       </a:pPr>
                       <a:r>
-                        <a:rPr lang="it-IT" sz="900">
+                        <a:rPr sz="900" spc="0">
                           <a:solidFill>
                             <a:srgbClr val="020302"/>
                           </a:solidFill>
                           <a:latin typeface="AdobeClean-Light"/>
                           <a:cs typeface="AdobeClean-Light"/>
                         </a:rPr>
-                        <a:t>Valutazioni dei servizi all’anno</a:t>
+                        <a:t>Service Reviews </a:t>
                       </a:r>
+                      <a:r>
+                        <a:rPr lang="en-US" sz="900" spc="0">
+                          <a:solidFill>
+                            <a:srgbClr val="020302"/>
+                          </a:solidFill>
+                          <a:latin typeface="AdobeClean-Light"/>
+                          <a:cs typeface="AdobeClean-Light"/>
+                        </a:rPr>
+                        <a:t>per Year</a:t>
+                      </a:r>
+                      <a:endParaRPr sz="900" spc="0">
+                        <a:latin typeface="AdobeClean-Light"/>
+                        <a:cs typeface="AdobeClean-Light"/>
+                      </a:endParaRPr>
                     </a:p>
                   </a:txBody>
                   <a:tcPr marL="0" marR="0" marT="57150" marB="0">
@@ -5385,7 +6491,7 @@
                     <a:bodyPr/>
                     <a:lstStyle/>
                     <a:p>
-                      <a:pPr algn="l" rtl="0">
+                      <a:pPr>
                         <a:lnSpc>
                           <a:spcPct val="100000"/>
                         </a:lnSpc>
@@ -5420,12 +6526,16 @@
                         </a:lnSpc>
                       </a:pPr>
                       <a:r>
-                        <a:rPr lang="it-IT" sz="900">
+                        <a:rPr lang="en-US" sz="900">
                           <a:latin typeface="Times New Roman"/>
                           <a:cs typeface="Times New Roman"/>
                         </a:rPr>
                         <a:t>4</a:t>
                       </a:r>
+                      <a:endParaRPr sz="900">
+                        <a:latin typeface="Times New Roman"/>
+                        <a:cs typeface="Times New Roman"/>
+                      </a:endParaRPr>
                     </a:p>
                   </a:txBody>
                   <a:tcPr marL="0" marR="0" marT="0" marB="0" anchor="ctr">
@@ -5467,12 +6577,16 @@
                         </a:spcBef>
                       </a:pPr>
                       <a:r>
-                        <a:rPr lang="it-IT" sz="900">
+                        <a:rPr lang="en-US" sz="900" spc="0">
                           <a:latin typeface="AdobeClean-Light"/>
                           <a:cs typeface="AdobeClean-Light"/>
                         </a:rPr>
-                        <a:t>Sessioni con esperti all’anno</a:t>
+                        <a:t>Expert Sessions per Year</a:t>
                       </a:r>
+                      <a:endParaRPr sz="900" spc="0">
+                        <a:latin typeface="AdobeClean-Light"/>
+                        <a:cs typeface="AdobeClean-Light"/>
+                      </a:endParaRPr>
                     </a:p>
                   </a:txBody>
                   <a:tcPr marL="0" marR="0" marT="57150" marB="0">
@@ -5501,7 +6615,7 @@
                     <a:bodyPr/>
                     <a:lstStyle/>
                     <a:p>
-                      <a:pPr algn="l" rtl="0">
+                      <a:pPr>
                         <a:lnSpc>
                           <a:spcPct val="100000"/>
                         </a:lnSpc>
@@ -5536,12 +6650,16 @@
                         </a:lnSpc>
                       </a:pPr>
                       <a:r>
-                        <a:rPr lang="it-IT" sz="900">
+                        <a:rPr lang="en-US" sz="900">
                           <a:latin typeface="Times New Roman"/>
                           <a:cs typeface="Times New Roman"/>
                         </a:rPr>
                         <a:t>4</a:t>
                       </a:r>
+                      <a:endParaRPr sz="900">
+                        <a:latin typeface="Times New Roman"/>
+                        <a:cs typeface="Times New Roman"/>
+                      </a:endParaRPr>
                     </a:p>
                   </a:txBody>
                   <a:tcPr marL="0" marR="0" marT="0" marB="0" anchor="ctr">
@@ -5583,12 +6701,16 @@
                         </a:spcBef>
                       </a:pPr>
                       <a:r>
-                        <a:rPr lang="it-IT" sz="900">
+                        <a:rPr lang="en-US" sz="900" spc="0">
                           <a:latin typeface="AdobeClean-Light"/>
                           <a:cs typeface="AdobeClean-Light"/>
                         </a:rPr>
-                        <a:t>Valutazione dei casi</a:t>
+                        <a:t>Case Reviews</a:t>
                       </a:r>
+                      <a:endParaRPr sz="900" spc="0">
+                        <a:latin typeface="AdobeClean-Light"/>
+                        <a:cs typeface="AdobeClean-Light"/>
+                      </a:endParaRPr>
                     </a:p>
                   </a:txBody>
                   <a:tcPr marL="0" marR="0" marT="57150" marB="0">
@@ -5617,7 +6739,7 @@
                     <a:bodyPr/>
                     <a:lstStyle/>
                     <a:p>
-                      <a:pPr algn="l" rtl="0">
+                      <a:pPr>
                         <a:lnSpc>
                           <a:spcPct val="100000"/>
                         </a:lnSpc>
@@ -5664,7 +6786,7 @@
                         <a:defRPr/>
                       </a:pPr>
                       <a:r>
-                        <a:rPr lang="it-IT" sz="900">
+                        <a:rPr lang="en-US" sz="900">
                           <a:solidFill>
                             <a:srgbClr val="020302"/>
                           </a:solidFill>
@@ -5673,6 +6795,10 @@
                         </a:rPr>
                         <a:t></a:t>
                       </a:r>
+                      <a:endParaRPr lang="en-US" sz="900">
+                        <a:latin typeface="Wingdings"/>
+                        <a:cs typeface="Wingdings"/>
+                      </a:endParaRPr>
                     </a:p>
                   </a:txBody>
                   <a:tcPr marL="0" marR="0" marT="0" marB="0" anchor="ctr">
@@ -5695,7 +6821,7 @@
                     <a:bodyPr/>
                     <a:lstStyle/>
                     <a:p>
-                      <a:pPr marL="48895" algn="l" rtl="0">
+                      <a:pPr marL="48895">
                         <a:lnSpc>
                           <a:spcPct val="100000"/>
                         </a:lnSpc>
@@ -5753,15 +6879,29 @@
                         </a:spcBef>
                       </a:pPr>
                       <a:r>
-                        <a:rPr lang="it-IT" sz="900">
+                        <a:rPr sz="900" spc="0">
                           <a:solidFill>
                             <a:srgbClr val="020302"/>
                           </a:solidFill>
                           <a:latin typeface="AdobeClean-Light"/>
                           <a:cs typeface="AdobeClean-Light"/>
                         </a:rPr>
-                        <a:t>Gestione degli eventi</a:t>
+                        <a:t>Event </a:t>
                       </a:r>
+                      <a:r>
+                        <a:rPr lang="en-US" sz="900" spc="0">
+                          <a:solidFill>
+                            <a:srgbClr val="020302"/>
+                          </a:solidFill>
+                          <a:latin typeface="AdobeClean-Light"/>
+                          <a:cs typeface="AdobeClean-Light"/>
+                        </a:rPr>
+                        <a:t>Management</a:t>
+                      </a:r>
+                      <a:endParaRPr sz="900" spc="0">
+                        <a:latin typeface="AdobeClean-Light"/>
+                        <a:cs typeface="AdobeClean-Light"/>
+                      </a:endParaRPr>
                     </a:p>
                   </a:txBody>
                   <a:tcPr marL="0" marR="0" marT="58419" marB="0">
@@ -5790,7 +6930,7 @@
                     <a:bodyPr/>
                     <a:lstStyle/>
                     <a:p>
-                      <a:pPr algn="l" rtl="0">
+                      <a:pPr>
                         <a:lnSpc>
                           <a:spcPct val="100000"/>
                         </a:lnSpc>
@@ -5837,7 +6977,7 @@
                         <a:defRPr/>
                       </a:pPr>
                       <a:r>
-                        <a:rPr lang="it-IT" sz="900">
+                        <a:rPr lang="en-US" sz="900">
                           <a:solidFill>
                             <a:srgbClr val="020302"/>
                           </a:solidFill>
@@ -5846,6 +6986,10 @@
                         </a:rPr>
                         <a:t></a:t>
                       </a:r>
+                      <a:endParaRPr lang="en-US" sz="900">
+                        <a:latin typeface="Wingdings"/>
+                        <a:cs typeface="Wingdings"/>
+                      </a:endParaRPr>
                     </a:p>
                   </a:txBody>
                   <a:tcPr marL="0" marR="0" marT="0" marB="0" anchor="ctr">
@@ -5868,7 +7012,7 @@
                     <a:bodyPr/>
                     <a:lstStyle/>
                     <a:p>
-                      <a:pPr marL="48895" algn="l" rtl="0">
+                      <a:pPr marL="48895">
                         <a:lnSpc>
                           <a:spcPct val="100000"/>
                         </a:lnSpc>
@@ -5917,15 +7061,39 @@
                         </a:spcBef>
                       </a:pPr>
                       <a:r>
-                        <a:rPr lang="it-IT" sz="900">
+                        <a:rPr sz="900" spc="0">
                           <a:solidFill>
                             <a:srgbClr val="020302"/>
                           </a:solidFill>
                           <a:latin typeface="AdobeClean-Light"/>
                           <a:cs typeface="AdobeClean-Light"/>
                         </a:rPr>
-                        <a:t>Valutazione ambiente, manutenzione e monitoraggio</a:t>
+                        <a:t>Environment</a:t>
                       </a:r>
+                      <a:r>
+                        <a:rPr lang="en-US" sz="900" spc="0">
+                          <a:solidFill>
+                            <a:srgbClr val="020302"/>
+                          </a:solidFill>
+                          <a:latin typeface="AdobeClean-Light"/>
+                          <a:cs typeface="AdobeClean-Light"/>
+                        </a:rPr>
+                        <a:t> </a:t>
+                      </a:r>
+                      <a:r>
+                        <a:rPr sz="900" spc="0">
+                          <a:solidFill>
+                            <a:srgbClr val="020302"/>
+                          </a:solidFill>
+                          <a:latin typeface="AdobeClean-Light"/>
+                          <a:cs typeface="AdobeClean-Light"/>
+                        </a:rPr>
+                        <a:t>Review, Maintenance &amp; Monitoring</a:t>
+                      </a:r>
+                      <a:endParaRPr sz="900" spc="0">
+                        <a:latin typeface="AdobeClean-Light"/>
+                        <a:cs typeface="AdobeClean-Light"/>
+                      </a:endParaRPr>
                     </a:p>
                   </a:txBody>
                   <a:tcPr marL="0" marR="0" marT="59055" marB="0">
@@ -5948,7 +7116,7 @@
                     <a:bodyPr/>
                     <a:lstStyle/>
                     <a:p>
-                      <a:pPr algn="l" rtl="0">
+                      <a:pPr>
                         <a:lnSpc>
                           <a:spcPct val="100000"/>
                         </a:lnSpc>
@@ -5995,7 +7163,7 @@
                         <a:defRPr/>
                       </a:pPr>
                       <a:r>
-                        <a:rPr lang="it-IT" sz="900">
+                        <a:rPr lang="en-US" sz="900">
                           <a:solidFill>
                             <a:srgbClr val="020302"/>
                           </a:solidFill>
@@ -6004,6 +7172,10 @@
                         </a:rPr>
                         <a:t></a:t>
                       </a:r>
+                      <a:endParaRPr lang="en-US" sz="900">
+                        <a:latin typeface="Wingdings"/>
+                        <a:cs typeface="Wingdings"/>
+                      </a:endParaRPr>
                     </a:p>
                   </a:txBody>
                   <a:tcPr marL="0" marR="0" marT="0" marB="0" anchor="ctr">
@@ -6026,7 +7198,7 @@
                     <a:bodyPr/>
                     <a:lstStyle/>
                     <a:p>
-                      <a:pPr marL="49530" algn="l" rtl="0">
+                      <a:pPr marL="49530">
                         <a:lnSpc>
                           <a:spcPct val="100000"/>
                         </a:lnSpc>
@@ -6075,34 +7247,19 @@
                         </a:spcBef>
                       </a:pPr>
                       <a:r>
-                        <a:rPr lang="it-IT" sz="900" dirty="0">
+                        <a:rPr sz="900" spc="0">
                           <a:solidFill>
                             <a:srgbClr val="020302"/>
                           </a:solidFill>
                           <a:latin typeface="AdobeClean-Light"/>
                           <a:cs typeface="AdobeClean-Light"/>
                         </a:rPr>
-                        <a:t>Valutazione della roadmap di prodotti, versioni, migrazione </a:t>
+                        <a:t>Release, Migration, Upgrade &amp; Product Roadmap Review</a:t>
                       </a:r>
-                      <a:br>
-                        <a:rPr lang="it-IT" sz="900" dirty="0">
-                          <a:solidFill>
-                            <a:srgbClr val="020302"/>
-                          </a:solidFill>
-                          <a:latin typeface="AdobeClean-Light"/>
-                          <a:cs typeface="AdobeClean-Light"/>
-                        </a:rPr>
-                      </a:br>
-                      <a:r>
-                        <a:rPr lang="it-IT" sz="900" dirty="0">
-                          <a:solidFill>
-                            <a:srgbClr val="020302"/>
-                          </a:solidFill>
-                          <a:latin typeface="AdobeClean-Light"/>
-                          <a:cs typeface="AdobeClean-Light"/>
-                        </a:rPr>
-                        <a:t>e aggiornamento</a:t>
-                      </a:r>
+                      <a:endParaRPr sz="900" spc="0">
+                        <a:latin typeface="AdobeClean-Light"/>
+                        <a:cs typeface="AdobeClean-Light"/>
+                      </a:endParaRPr>
                     </a:p>
                   </a:txBody>
                   <a:tcPr marL="0" marR="0" marT="63500" marB="0">
@@ -6125,7 +7282,7 @@
                     <a:bodyPr/>
                     <a:lstStyle/>
                     <a:p>
-                      <a:pPr algn="l" rtl="0">
+                      <a:pPr>
                         <a:lnSpc>
                           <a:spcPct val="100000"/>
                         </a:lnSpc>
@@ -6172,7 +7329,7 @@
                         <a:defRPr/>
                       </a:pPr>
                       <a:r>
-                        <a:rPr lang="it-IT" sz="900">
+                        <a:rPr lang="en-US" sz="900">
                           <a:solidFill>
                             <a:srgbClr val="020302"/>
                           </a:solidFill>
@@ -6181,6 +7338,10 @@
                         </a:rPr>
                         <a:t></a:t>
                       </a:r>
+                      <a:endParaRPr lang="en-US" sz="900">
+                        <a:latin typeface="Wingdings"/>
+                        <a:cs typeface="Wingdings"/>
+                      </a:endParaRPr>
                     </a:p>
                   </a:txBody>
                   <a:tcPr marL="0" marR="0" marT="0" marB="0" anchor="ctr">
@@ -6203,7 +7364,7 @@
                     <a:bodyPr/>
                     <a:lstStyle/>
                     <a:p>
-                      <a:pPr marL="49530" algn="l" rtl="0">
+                      <a:pPr marL="49530">
                         <a:lnSpc>
                           <a:spcPct val="100000"/>
                         </a:lnSpc>
@@ -6261,11 +7422,11 @@
                         </a:spcBef>
                       </a:pPr>
                       <a:r>
-                        <a:rPr lang="it-IT" sz="900">
+                        <a:rPr sz="900" spc="0">
                           <a:latin typeface="AdobeClean-Light"/>
                           <a:cs typeface="AdobeClean-Light"/>
                         </a:rPr>
-                        <a:t>Attività di supporto cloud - Experience Manager as Cloud</a:t>
+                        <a:t>Cloud Support Activities – Experience Manager as Cloud</a:t>
                       </a:r>
                     </a:p>
                   </a:txBody>
@@ -6295,7 +7456,7 @@
                     <a:bodyPr/>
                     <a:lstStyle/>
                     <a:p>
-                      <a:pPr algn="l" rtl="0">
+                      <a:pPr>
                         <a:lnSpc>
                           <a:spcPct val="100000"/>
                         </a:lnSpc>
@@ -6351,7 +7512,7 @@
                         <a:defRPr/>
                       </a:pPr>
                       <a:r>
-                        <a:rPr lang="it-IT" sz="900">
+                        <a:rPr lang="en-US" sz="900">
                           <a:solidFill>
                             <a:srgbClr val="020302"/>
                           </a:solidFill>
@@ -6360,6 +7521,10 @@
                         </a:rPr>
                         <a:t></a:t>
                       </a:r>
+                      <a:endParaRPr lang="en-US" sz="900">
+                        <a:latin typeface="Wingdings"/>
+                        <a:cs typeface="Wingdings"/>
+                      </a:endParaRPr>
                     </a:p>
                   </a:txBody>
                   <a:tcPr marL="0" marR="0" marT="0" marB="0" anchor="ctr">
@@ -6400,15 +7565,22 @@
                         </a:spcBef>
                       </a:pPr>
                       <a:r>
-                        <a:rPr lang="it-IT" sz="1000" b="1" i="0">
+                        <a:rPr lang="en-US" sz="1000" b="1" i="0" spc="0">
                           <a:solidFill>
                             <a:schemeClr val="bg1"/>
                           </a:solidFill>
                           <a:latin typeface="Adobe Clean" panose="020B0503020404020204" pitchFamily="34" charset="0"/>
                           <a:cs typeface="AdobeClean-Light"/>
                         </a:rPr>
-                        <a:t>Servizi sul campo</a:t>
+                        <a:t>Field Services</a:t>
                       </a:r>
+                      <a:endParaRPr sz="1000" b="1" i="0" spc="0">
+                        <a:solidFill>
+                          <a:schemeClr val="bg1"/>
+                        </a:solidFill>
+                        <a:latin typeface="Adobe Clean" panose="020B0503020404020204" pitchFamily="34" charset="0"/>
+                        <a:cs typeface="AdobeClean-Light"/>
+                      </a:endParaRPr>
                     </a:p>
                   </a:txBody>
                   <a:tcPr marL="0" marR="0" marT="48260" marB="0" anchor="ctr">
@@ -6461,14 +7633,14 @@
                         </a:spcBef>
                       </a:pPr>
                       <a:r>
-                        <a:rPr lang="it-IT" sz="900">
+                        <a:rPr sz="900" spc="0">
                           <a:solidFill>
                             <a:srgbClr val="020302"/>
                           </a:solidFill>
                           <a:latin typeface="AdobeClean-Light"/>
                           <a:cs typeface="AdobeClean-Light"/>
                         </a:rPr>
-                        <a:t>Launch Advisory - Nel primo anno di nuove soluzioni</a:t>
+                        <a:t>Launch Advisory Services – First Year of new solution</a:t>
                       </a:r>
                     </a:p>
                   </a:txBody>
@@ -6508,7 +7680,7 @@
                     <a:bodyPr/>
                     <a:lstStyle/>
                     <a:p>
-                      <a:pPr algn="l" rtl="0">
+                      <a:pPr>
                         <a:lnSpc>
                           <a:spcPct val="100000"/>
                         </a:lnSpc>
@@ -6580,7 +7752,7 @@
                         <a:defRPr/>
                       </a:pPr>
                       <a:r>
-                        <a:rPr lang="it-IT" sz="900">
+                        <a:rPr lang="en-US" sz="900">
                           <a:solidFill>
                             <a:srgbClr val="020302"/>
                           </a:solidFill>
@@ -6589,6 +7761,10 @@
                         </a:rPr>
                         <a:t></a:t>
                       </a:r>
+                      <a:endParaRPr lang="en-US" sz="900">
+                        <a:latin typeface="Wingdings"/>
+                        <a:cs typeface="Wingdings"/>
+                      </a:endParaRPr>
                     </a:p>
                   </a:txBody>
                   <a:tcPr marL="0" marR="0" marT="0" marB="0" anchor="ctr">
@@ -6667,11 +7843,11 @@
                         <a:defRPr/>
                       </a:pPr>
                       <a:r>
-                        <a:rPr lang="it-IT" sz="900">
+                        <a:rPr lang="en-US" sz="900" spc="0">
                           <a:latin typeface="AdobeClean-Light"/>
                           <a:cs typeface="AdobeClean-Light"/>
                         </a:rPr>
-                        <a:t>Attività di servizio sul campo </a:t>
+                        <a:t>Field Service Activities </a:t>
                       </a:r>
                     </a:p>
                   </a:txBody>
@@ -6705,7 +7881,7 @@
                     <a:bodyPr/>
                     <a:lstStyle/>
                     <a:p>
-                      <a:pPr algn="l" rtl="0"/>
+                      <a:pPr algn="ctr"/>
                       <a:endParaRPr lang="en-US"/>
                     </a:p>
                   </a:txBody>
@@ -6754,12 +7930,13 @@
                     <a:p>
                       <a:pPr algn="ctr"/>
                       <a:r>
-                        <a:rPr lang="it-IT" sz="900" dirty="0">
+                        <a:rPr lang="en-US" sz="900" dirty="0">
                           <a:latin typeface="Times New Roman"/>
                           <a:cs typeface="Times New Roman"/>
                         </a:rPr>
                         <a:t>4</a:t>
                       </a:r>
+                      <a:endParaRPr lang="en-US" dirty="0"/>
                     </a:p>
                   </a:txBody>
                   <a:tcPr marL="0" marR="0" marT="0" marB="0" anchor="ctr">
@@ -6850,8 +8027,8 @@
         </p:nvSpPr>
         <p:spPr>
           <a:xfrm>
-            <a:off x="357339" y="897486"/>
-            <a:ext cx="2495088" cy="45719"/>
+            <a:off x="357339" y="897487"/>
+            <a:ext cx="1736725" cy="0"/>
           </a:xfrm>
           <a:custGeom>
             <a:avLst/>
@@ -6893,7 +8070,7 @@
         <p:spPr>
           <a:xfrm>
             <a:off x="357339" y="608961"/>
-            <a:ext cx="3345981" cy="228268"/>
+            <a:ext cx="1647825" cy="238760"/>
           </a:xfrm>
           <a:prstGeom prst="rect">
             <a:avLst/>
@@ -6914,15 +8091,59 @@
               </a:spcBef>
             </a:pPr>
             <a:r>
-              <a:rPr lang="it-IT" sz="1400" b="1" dirty="0">
+              <a:rPr sz="1400" b="1" spc="-10">
                 <a:solidFill>
                   <a:srgbClr val="020302"/>
                 </a:solidFill>
                 <a:latin typeface="Adobe Clean"/>
                 <a:cs typeface="Adobe Clean"/>
               </a:rPr>
-              <a:t>Caratteristiche del supporto Elite</a:t>
-            </a:r>
+              <a:t>Elite</a:t>
+            </a:r>
+            <a:r>
+              <a:rPr sz="1400" b="1" spc="-50">
+                <a:solidFill>
+                  <a:srgbClr val="020302"/>
+                </a:solidFill>
+                <a:latin typeface="Adobe Clean"/>
+                <a:cs typeface="Adobe Clean"/>
+              </a:rPr>
+              <a:t> </a:t>
+            </a:r>
+            <a:r>
+              <a:rPr sz="1400" b="1" spc="-10">
+                <a:solidFill>
+                  <a:srgbClr val="020302"/>
+                </a:solidFill>
+                <a:latin typeface="Adobe Clean"/>
+                <a:cs typeface="Adobe Clean"/>
+              </a:rPr>
+              <a:t>Support</a:t>
+            </a:r>
+            <a:r>
+              <a:rPr sz="1400" b="1" spc="-45">
+                <a:solidFill>
+                  <a:srgbClr val="020302"/>
+                </a:solidFill>
+                <a:latin typeface="Adobe Clean"/>
+                <a:cs typeface="Adobe Clean"/>
+              </a:rPr>
+              <a:t> </a:t>
+            </a:r>
+            <a:r>
+              <a:rPr sz="1400" b="1" spc="-15">
+                <a:solidFill>
+                  <a:srgbClr val="020302"/>
+                </a:solidFill>
+                <a:latin typeface="Adobe Clean"/>
+                <a:cs typeface="Adobe Clean"/>
+              </a:rPr>
+              <a:t>Features</a:t>
+            </a:r>
+            <a:endParaRPr sz="1400">
+              <a:latin typeface="Adobe Clean"/>
+              <a:cs typeface="Adobe Clean"/>
+            </a:endParaRPr>
           </a:p>
         </p:txBody>
       </p:sp>
@@ -6934,8 +8155,8 @@
         </p:nvSpPr>
         <p:spPr>
           <a:xfrm>
-            <a:off x="2868167" y="1372708"/>
-            <a:ext cx="2194559" cy="936154"/>
+            <a:off x="2868167" y="1433668"/>
+            <a:ext cx="2194560" cy="936154"/>
           </a:xfrm>
           <a:prstGeom prst="rect">
             <a:avLst/>
@@ -6956,53 +8177,19 @@
               </a:spcBef>
             </a:pPr>
             <a:r>
-              <a:rPr lang="it-IT" sz="1000" dirty="0">
+              <a:rPr sz="1000">
                 <a:solidFill>
                   <a:srgbClr val="4B4B4B"/>
                 </a:solidFill>
                 <a:latin typeface="AdobeClean-Light"/>
                 <a:cs typeface="AdobeClean-Light"/>
               </a:rPr>
-              <a:t>Un tecnico del supporto dedicato che acquisisce familiarità con l’ambiente della soluzione e gli obiettivi di business </a:t>
-            </a:r>
-            <a:br>
-              <a:rPr lang="it-IT" sz="1000" dirty="0">
-                <a:solidFill>
-                  <a:srgbClr val="4B4B4B"/>
-                </a:solidFill>
-                <a:latin typeface="AdobeClean-Light"/>
-                <a:cs typeface="AdobeClean-Light"/>
-              </a:rPr>
-            </a:br>
-            <a:r>
-              <a:rPr lang="it-IT" sz="1000" dirty="0">
-                <a:solidFill>
-                  <a:srgbClr val="4B4B4B"/>
-                </a:solidFill>
-                <a:latin typeface="AdobeClean-Light"/>
-                <a:cs typeface="AdobeClean-Light"/>
-              </a:rPr>
-              <a:t>del cliente. Il Named Support Engineer </a:t>
-            </a:r>
-            <a:br>
-              <a:rPr lang="it-IT" sz="1000" dirty="0">
-                <a:solidFill>
-                  <a:srgbClr val="4B4B4B"/>
-                </a:solidFill>
-                <a:latin typeface="AdobeClean-Light"/>
-                <a:cs typeface="AdobeClean-Light"/>
-              </a:rPr>
-            </a:br>
-            <a:r>
-              <a:rPr lang="it-IT" sz="1000" dirty="0">
-                <a:solidFill>
-                  <a:srgbClr val="4B4B4B"/>
-                </a:solidFill>
-                <a:latin typeface="AdobeClean-Light"/>
-                <a:cs typeface="AdobeClean-Light"/>
-              </a:rPr>
-              <a:t>è un tecnico esperto che aiuta a coordinare la tua esperienza di assistenza Enterprise.</a:t>
-            </a:r>
+              <a:t>A designated support engineer who  becomes familiar with your solution  environment and business goals. The NSE  is an experienced support engineer that  helps coordinate your Enterprise Support  experience.</a:t>
+            </a:r>
+            <a:endParaRPr sz="1000">
+              <a:latin typeface="AdobeClean-Light"/>
+              <a:cs typeface="AdobeClean-Light"/>
+            </a:endParaRPr>
           </a:p>
         </p:txBody>
       </p:sp>
@@ -7022,7 +8209,7 @@
         </p:blipFill>
         <p:spPr>
           <a:xfrm>
-            <a:off x="2768925" y="1005840"/>
+            <a:off x="2768925" y="1066800"/>
             <a:ext cx="365760" cy="365760"/>
           </a:xfrm>
           <a:prstGeom prst="rect">
@@ -7046,8 +8233,8 @@
         </p:blipFill>
         <p:spPr>
           <a:xfrm>
-            <a:off x="5287464" y="2473301"/>
-            <a:ext cx="314052" cy="314052"/>
+            <a:off x="5257800" y="2561747"/>
+            <a:ext cx="365760" cy="365760"/>
           </a:xfrm>
           <a:prstGeom prst="rect">
             <a:avLst/>
@@ -7062,8 +8249,8 @@
         </p:nvSpPr>
         <p:spPr>
           <a:xfrm>
-            <a:off x="5333365" y="1372708"/>
-            <a:ext cx="2273188" cy="936154"/>
+            <a:off x="5333365" y="1433668"/>
+            <a:ext cx="2194560" cy="936154"/>
           </a:xfrm>
           <a:prstGeom prst="rect">
             <a:avLst/>
@@ -7084,34 +8271,19 @@
               </a:spcBef>
             </a:pPr>
             <a:r>
-              <a:rPr lang="it-IT" sz="1000" dirty="0">
+              <a:rPr sz="1000">
                 <a:solidFill>
                   <a:srgbClr val="4B4B4B"/>
                 </a:solidFill>
                 <a:latin typeface="AdobeClean-Light"/>
                 <a:cs typeface="AdobeClean-Light"/>
               </a:rPr>
-              <a:t>Valutazione periodica programmata delle richieste di supporto aperte, per garantirne l’allineamento in termini di descrizione </a:t>
-            </a:r>
-            <a:br>
-              <a:rPr lang="it-IT" sz="1000" dirty="0">
-                <a:solidFill>
-                  <a:srgbClr val="4B4B4B"/>
-                </a:solidFill>
-                <a:latin typeface="AdobeClean-Light"/>
-                <a:cs typeface="AdobeClean-Light"/>
-              </a:rPr>
-            </a:br>
-            <a:r>
-              <a:rPr lang="it-IT" sz="1000" dirty="0">
-                <a:solidFill>
-                  <a:srgbClr val="4B4B4B"/>
-                </a:solidFill>
-                <a:latin typeface="AdobeClean-Light"/>
-                <a:cs typeface="AdobeClean-Light"/>
-              </a:rPr>
-              <a:t>dei casi, impatto sul business, stato, priorità e accordi sulle azioni successive necessarie a garantire una rapida risoluzione.</a:t>
-            </a:r>
+              <a:t>Regular scheduled review of open  support requests, ensuring customer  alignment on case description, business  impact, status, priority and agreement on  next steps required to ensure an  expedient resolution.</a:t>
+            </a:r>
+            <a:endParaRPr sz="1000">
+              <a:latin typeface="AdobeClean-Light"/>
+              <a:cs typeface="AdobeClean-Light"/>
+            </a:endParaRPr>
           </a:p>
         </p:txBody>
       </p:sp>
@@ -7131,7 +8303,7 @@
         </p:blipFill>
         <p:spPr>
           <a:xfrm>
-            <a:off x="2768925" y="2401727"/>
+            <a:off x="2768925" y="2500787"/>
             <a:ext cx="241555" cy="365760"/>
           </a:xfrm>
           <a:prstGeom prst="rect">
@@ -7147,8 +8319,8 @@
         </p:nvSpPr>
         <p:spPr>
           <a:xfrm>
-            <a:off x="324340" y="1372708"/>
-            <a:ext cx="2273189" cy="782265"/>
+            <a:off x="324341" y="1433668"/>
+            <a:ext cx="2194560" cy="782265"/>
           </a:xfrm>
           <a:prstGeom prst="rect">
             <a:avLst/>
@@ -7169,33 +8341,24 @@
               </a:spcBef>
             </a:pPr>
             <a:r>
-              <a:rPr lang="it-IT" sz="1000" dirty="0">
+              <a:rPr sz="1000">
                 <a:solidFill>
                   <a:srgbClr val="020302"/>
                 </a:solidFill>
                 <a:latin typeface="AdobeClean-Light"/>
                 <a:cs typeface="AdobeClean-Light"/>
               </a:rPr>
-              <a:t>Un Technical Account Manager dedicato per monitorare l’esperienza Elite, coordinare le attività di supporto e servizi sul campo, </a:t>
-            </a:r>
-            <a:br>
-              <a:rPr lang="it-IT" sz="1000" dirty="0">
+              <a:t>A designated Technical Account Manager to  oversee your Elite experience, coordinate  the support and field services  engagements, and provide proactive services  to maximize your business valu</a:t>
+            </a:r>
+            <a:r>
+              <a:rPr lang="en-US" sz="1000">
                 <a:solidFill>
                   <a:srgbClr val="020302"/>
                 </a:solidFill>
                 <a:latin typeface="AdobeClean-Light"/>
                 <a:cs typeface="AdobeClean-Light"/>
               </a:rPr>
-            </a:br>
-            <a:r>
-              <a:rPr lang="it-IT" sz="1000" dirty="0">
-                <a:solidFill>
-                  <a:srgbClr val="020302"/>
-                </a:solidFill>
-                <a:latin typeface="AdobeClean-Light"/>
-                <a:cs typeface="AdobeClean-Light"/>
-              </a:rPr>
-              <a:t>e fornire servizi proattivi volti a massimizzare il valore aziendale.</a:t>
+              <a:t>e.</a:t>
             </a:r>
           </a:p>
         </p:txBody>
@@ -7208,7 +8371,7 @@
         </p:nvSpPr>
         <p:spPr>
           <a:xfrm>
-            <a:off x="689237" y="1065285"/>
+            <a:off x="689237" y="1126245"/>
             <a:ext cx="2194560" cy="169277"/>
           </a:xfrm>
           <a:prstGeom prst="rect">
@@ -7230,7 +8393,7 @@
               </a:spcBef>
             </a:pPr>
             <a:r>
-              <a:rPr lang="it-IT" sz="1100" b="1">
+              <a:rPr sz="1100" b="1">
                 <a:solidFill>
                   <a:srgbClr val="020302"/>
                 </a:solidFill>
@@ -7239,6 +8402,10 @@
               </a:rPr>
               <a:t>Technical Account Manager</a:t>
             </a:r>
+            <a:endParaRPr sz="1100">
+              <a:latin typeface="Adobe Clean" panose="020B0503020404020204" pitchFamily="34" charset="0"/>
+              <a:cs typeface="Arial"/>
+            </a:endParaRPr>
           </a:p>
         </p:txBody>
       </p:sp>
@@ -7258,7 +8425,7 @@
         </p:blipFill>
         <p:spPr>
           <a:xfrm>
-            <a:off x="228600" y="1005840"/>
+            <a:off x="228600" y="1066800"/>
             <a:ext cx="365760" cy="365760"/>
           </a:xfrm>
           <a:prstGeom prst="rect">
@@ -7282,7 +8449,7 @@
         </p:blipFill>
         <p:spPr>
           <a:xfrm>
-            <a:off x="5257800" y="1005840"/>
+            <a:off x="5257800" y="1066800"/>
             <a:ext cx="365760" cy="365760"/>
           </a:xfrm>
           <a:prstGeom prst="rect">
@@ -7320,34 +8487,49 @@
               </a:spcBef>
             </a:pPr>
             <a:r>
-              <a:rPr lang="it-IT" sz="1000" dirty="0">
+              <a:rPr sz="1000">
                 <a:solidFill>
                   <a:srgbClr val="020302"/>
                 </a:solidFill>
                 <a:latin typeface="AdobeClean-Light"/>
                 <a:cs typeface="AdobeClean-Light"/>
               </a:rPr>
-              <a:t>Trasferimento continuo delle conoscenze dal team di supporto Adobe, per fornire </a:t>
-            </a:r>
-            <a:br>
-              <a:rPr lang="it-IT" sz="1000" dirty="0">
+              <a:t>Ongoing knowledge transfer from Adobe  </a:t>
+            </a:r>
+            <a:r>
+              <a:rPr lang="en-US" sz="1000">
                 <a:solidFill>
                   <a:srgbClr val="020302"/>
                 </a:solidFill>
                 <a:latin typeface="AdobeClean-Light"/>
                 <a:cs typeface="AdobeClean-Light"/>
               </a:rPr>
-            </a:br>
-            <a:r>
-              <a:rPr lang="it-IT" sz="1000" dirty="0">
+              <a:t>Support team</a:t>
+            </a:r>
+            <a:r>
+              <a:rPr sz="1000">
                 <a:solidFill>
                   <a:srgbClr val="020302"/>
                 </a:solidFill>
                 <a:latin typeface="AdobeClean-Light"/>
                 <a:cs typeface="AdobeClean-Light"/>
               </a:rPr>
-              <a:t>best practice sull’utilizzo delle soluzioni.</a:t>
-            </a:r>
+              <a:t> to provide </a:t>
+            </a:r>
+            <a:r>
+              <a:rPr lang="en-US" sz="1000">
+                <a:solidFill>
+                  <a:srgbClr val="020302"/>
+                </a:solidFill>
+                <a:latin typeface="AdobeClean-Light"/>
+                <a:cs typeface="AdobeClean-Light"/>
+              </a:rPr>
+              <a:t>best practices around solution usage.</a:t>
+            </a:r>
+            <a:endParaRPr sz="1000">
+              <a:latin typeface="AdobeClean-Light"/>
+              <a:cs typeface="AdobeClean-Light"/>
+            </a:endParaRPr>
           </a:p>
         </p:txBody>
       </p:sp>
@@ -7359,8 +8541,8 @@
         </p:nvSpPr>
         <p:spPr>
           <a:xfrm>
-            <a:off x="5265660" y="5243920"/>
-            <a:ext cx="2228609" cy="669927"/>
+            <a:off x="5265661" y="5243920"/>
+            <a:ext cx="2194560" cy="669927"/>
           </a:xfrm>
           <a:prstGeom prst="rect">
             <a:avLst/>
@@ -7381,15 +8563,19 @@
               </a:spcBef>
             </a:pPr>
             <a:r>
-              <a:rPr lang="it-IT" sz="1000" dirty="0">
+              <a:rPr sz="1000">
                 <a:solidFill>
                   <a:srgbClr val="020302"/>
                 </a:solidFill>
                 <a:latin typeface="AdobeClean-Light"/>
                 <a:cs typeface="AdobeClean-Light"/>
               </a:rPr>
-              <a:t>Gestione degli eventi chiave per garantire il giusto livello di supporto, copertura e piano di mitigazione durante le fasi principali a livello di progetto e obiettivi di business.</a:t>
-            </a:r>
+              <a:t>Manage key events to ensure you have the  right level of support, coverage, and  mitigation plan in place during those key  business and project milestones.</a:t>
+            </a:r>
+            <a:endParaRPr sz="1000">
+              <a:latin typeface="AdobeClean-Light"/>
+              <a:cs typeface="AdobeClean-Light"/>
+            </a:endParaRPr>
           </a:p>
         </p:txBody>
       </p:sp>
@@ -7402,7 +8588,7 @@
         <p:spPr>
           <a:xfrm>
             <a:off x="324341" y="5262204"/>
-            <a:ext cx="2273188" cy="698781"/>
+            <a:ext cx="2194560" cy="698781"/>
           </a:xfrm>
           <a:prstGeom prst="rect">
             <a:avLst/>
@@ -7423,15 +8609,19 @@
               </a:spcBef>
             </a:pPr>
             <a:r>
-              <a:rPr lang="it-IT" sz="1000" dirty="0">
+              <a:rPr sz="1000">
                 <a:solidFill>
                   <a:srgbClr val="020302"/>
                 </a:solidFill>
                 <a:latin typeface="AdobeClean-Light"/>
                 <a:cs typeface="AdobeClean-Light"/>
               </a:rPr>
-              <a:t>Indicazioni personalizzate sulle nuove funzioni dei prodotti, per sfruttare le ultime innovazioni, con valutazione del piano di aggiornamento eseguita da esperti di Adobe.</a:t>
-            </a:r>
+              <a:t>Receive personalized guidance on new  product features to take advantage of  latest innovations, and have Adobe  experts review release and upgrade plan.</a:t>
+            </a:r>
+            <a:endParaRPr sz="1000">
+              <a:latin typeface="AdobeClean-Light"/>
+              <a:cs typeface="AdobeClean-Light"/>
+            </a:endParaRPr>
           </a:p>
         </p:txBody>
       </p:sp>
@@ -7443,8 +8633,8 @@
         </p:nvSpPr>
         <p:spPr>
           <a:xfrm>
-            <a:off x="97787" y="9888625"/>
-            <a:ext cx="3015618" cy="133370"/>
+            <a:off x="97787" y="9888626"/>
+            <a:ext cx="2202180" cy="149860"/>
           </a:xfrm>
           <a:prstGeom prst="rect">
             <a:avLst/>
@@ -7465,15 +8655,99 @@
               </a:spcBef>
             </a:pPr>
             <a:r>
-              <a:rPr lang="it-IT" sz="800" dirty="0">
+              <a:rPr sz="800" spc="-15">
                 <a:solidFill>
                   <a:srgbClr val="6D6D6D"/>
                 </a:solidFill>
                 <a:latin typeface="Adobe Clean"/>
                 <a:cs typeface="Adobe Clean"/>
               </a:rPr>
-              <a:t>©2021 Adobe. All Rights Reserved. Adobe Confidential.</a:t>
-            </a:r>
+              <a:t>©2021 </a:t>
+            </a:r>
+            <a:r>
+              <a:rPr sz="800" spc="-5">
+                <a:solidFill>
+                  <a:srgbClr val="6D6D6D"/>
+                </a:solidFill>
+                <a:latin typeface="Adobe Clean"/>
+                <a:cs typeface="Adobe Clean"/>
+              </a:rPr>
+              <a:t>Adobe. All</a:t>
+            </a:r>
+            <a:r>
+              <a:rPr sz="800" spc="-15">
+                <a:solidFill>
+                  <a:srgbClr val="6D6D6D"/>
+                </a:solidFill>
+                <a:latin typeface="Adobe Clean"/>
+                <a:cs typeface="Adobe Clean"/>
+              </a:rPr>
+              <a:t> Rights</a:t>
+            </a:r>
+            <a:r>
+              <a:rPr sz="800" spc="-5">
+                <a:solidFill>
+                  <a:srgbClr val="6D6D6D"/>
+                </a:solidFill>
+                <a:latin typeface="Adobe Clean"/>
+                <a:cs typeface="Adobe Clean"/>
+              </a:rPr>
+              <a:t> </a:t>
+            </a:r>
+            <a:r>
+              <a:rPr sz="800" spc="-15">
+                <a:solidFill>
+                  <a:srgbClr val="6D6D6D"/>
+                </a:solidFill>
+                <a:latin typeface="Adobe Clean"/>
+                <a:cs typeface="Adobe Clean"/>
+              </a:rPr>
+              <a:t>Reserved.</a:t>
+            </a:r>
+            <a:r>
+              <a:rPr sz="800" spc="-10">
+                <a:solidFill>
+                  <a:srgbClr val="6D6D6D"/>
+                </a:solidFill>
+                <a:latin typeface="Adobe Clean"/>
+                <a:cs typeface="Adobe Clean"/>
+              </a:rPr>
+              <a:t> </a:t>
+            </a:r>
+            <a:r>
+              <a:rPr sz="800" spc="-5">
+                <a:solidFill>
+                  <a:srgbClr val="6D6D6D"/>
+                </a:solidFill>
+                <a:latin typeface="Adobe Clean"/>
+                <a:cs typeface="Adobe Clean"/>
+              </a:rPr>
+              <a:t>Adobe</a:t>
+            </a:r>
+            <a:r>
+              <a:rPr sz="800" spc="65">
+                <a:solidFill>
+                  <a:srgbClr val="6D6D6D"/>
+                </a:solidFill>
+                <a:latin typeface="Adobe Clean"/>
+                <a:cs typeface="Adobe Clean"/>
+              </a:rPr>
+              <a:t> </a:t>
+            </a:r>
+            <a:r>
+              <a:rPr sz="800" spc="-15">
+                <a:solidFill>
+                  <a:srgbClr val="6D6D6D"/>
+                </a:solidFill>
+                <a:latin typeface="Adobe Clean"/>
+                <a:cs typeface="Adobe Clean"/>
+              </a:rPr>
+              <a:t>Confidential.</a:t>
+            </a:r>
+            <a:endParaRPr sz="800">
+              <a:latin typeface="Adobe Clean"/>
+              <a:cs typeface="Adobe Clean"/>
+            </a:endParaRPr>
           </a:p>
         </p:txBody>
       </p:sp>
@@ -7508,7 +8782,7 @@
         </p:blipFill>
         <p:spPr>
           <a:xfrm>
-            <a:off x="228599" y="2373509"/>
+            <a:off x="228599" y="2472569"/>
             <a:ext cx="365760" cy="365760"/>
           </a:xfrm>
           <a:prstGeom prst="rect">
@@ -7530,8 +8804,8 @@
         </p:nvSpPr>
         <p:spPr>
           <a:xfrm>
-            <a:off x="2791725" y="8911897"/>
-            <a:ext cx="2246651" cy="641201"/>
+            <a:off x="2791726" y="9060487"/>
+            <a:ext cx="2194560" cy="487313"/>
           </a:xfrm>
           <a:prstGeom prst="rect">
             <a:avLst/>
@@ -7555,14 +8829,154 @@
               </a:tabLst>
             </a:pPr>
             <a:r>
-              <a:rPr lang="it-IT" sz="1000" dirty="0">
+              <a:rPr sz="1000" spc="-20">
                 <a:solidFill>
                   <a:srgbClr val="020302"/>
                 </a:solidFill>
                 <a:latin typeface="AdobeClean-Light"/>
                 <a:cs typeface="AdobeClean-Light"/>
               </a:rPr>
-              <a:t>Avvia una sessione di chat per ottenere risposte e assistenza nell’invio di un caso.</a:t>
+              <a:t>Start </a:t>
+            </a:r>
+            <a:r>
+              <a:rPr sz="1000">
+                <a:solidFill>
+                  <a:srgbClr val="020302"/>
+                </a:solidFill>
+                <a:latin typeface="AdobeClean-Light"/>
+                <a:cs typeface="AdobeClean-Light"/>
+              </a:rPr>
+              <a:t>a </a:t>
+            </a:r>
+            <a:r>
+              <a:rPr sz="1000" spc="-15">
+                <a:solidFill>
+                  <a:srgbClr val="020302"/>
+                </a:solidFill>
+                <a:latin typeface="AdobeClean-Light"/>
+                <a:cs typeface="AdobeClean-Light"/>
+              </a:rPr>
+              <a:t>chat </a:t>
+            </a:r>
+            <a:r>
+              <a:rPr sz="1000" spc="-10">
+                <a:solidFill>
+                  <a:srgbClr val="020302"/>
+                </a:solidFill>
+                <a:latin typeface="AdobeClean-Light"/>
+                <a:cs typeface="AdobeClean-Light"/>
+              </a:rPr>
+              <a:t>session </a:t>
+            </a:r>
+            <a:r>
+              <a:rPr sz="1000" spc="-5">
+                <a:solidFill>
+                  <a:srgbClr val="020302"/>
+                </a:solidFill>
+                <a:latin typeface="AdobeClean-Light"/>
+                <a:cs typeface="AdobeClean-Light"/>
+              </a:rPr>
+              <a:t>to </a:t>
+            </a:r>
+            <a:r>
+              <a:rPr sz="1000" spc="-10">
+                <a:solidFill>
+                  <a:srgbClr val="020302"/>
+                </a:solidFill>
+                <a:latin typeface="AdobeClean-Light"/>
+                <a:cs typeface="AdobeClean-Light"/>
+              </a:rPr>
+              <a:t>get </a:t>
+            </a:r>
+            <a:r>
+              <a:rPr sz="1000" spc="-20">
+                <a:solidFill>
+                  <a:srgbClr val="020302"/>
+                </a:solidFill>
+                <a:latin typeface="AdobeClean-Light"/>
+                <a:cs typeface="AdobeClean-Light"/>
+              </a:rPr>
+              <a:t>answers</a:t>
+            </a:r>
+            <a:r>
+              <a:rPr lang="en-US" sz="1000" spc="-45">
+                <a:solidFill>
+                  <a:srgbClr val="020302"/>
+                </a:solidFill>
+                <a:latin typeface="AdobeClean-Light"/>
+                <a:cs typeface="AdobeClean-Light"/>
+              </a:rPr>
+              <a:t> </a:t>
+            </a:r>
+            <a:r>
+              <a:rPr lang="en-US" sz="1000">
+                <a:solidFill>
+                  <a:srgbClr val="020302"/>
+                </a:solidFill>
+                <a:latin typeface="AdobeClean-Light"/>
+                <a:cs typeface="AdobeClean-Light"/>
+              </a:rPr>
+              <a:t>&amp; </a:t>
+            </a:r>
+            <a:r>
+              <a:rPr sz="1000" spc="-15">
+                <a:solidFill>
+                  <a:srgbClr val="020302"/>
+                </a:solidFill>
+                <a:latin typeface="AdobeClean-Light"/>
+                <a:cs typeface="AdobeClean-Light"/>
+              </a:rPr>
+              <a:t>help </a:t>
+            </a:r>
+            <a:r>
+              <a:rPr sz="1000" spc="-10">
+                <a:solidFill>
+                  <a:srgbClr val="020302"/>
+                </a:solidFill>
+                <a:latin typeface="AdobeClean-Light"/>
+                <a:cs typeface="AdobeClean-Light"/>
+              </a:rPr>
+              <a:t>with</a:t>
+            </a:r>
+            <a:r>
+              <a:rPr sz="1000" spc="85">
+                <a:solidFill>
+                  <a:srgbClr val="020302"/>
+                </a:solidFill>
+                <a:latin typeface="AdobeClean-Light"/>
+                <a:cs typeface="AdobeClean-Light"/>
+              </a:rPr>
+              <a:t> </a:t>
+            </a:r>
+            <a:r>
+              <a:rPr sz="1000" spc="-10">
+                <a:solidFill>
+                  <a:srgbClr val="020302"/>
+                </a:solidFill>
+                <a:latin typeface="AdobeClean-Light"/>
+                <a:cs typeface="AdobeClean-Light"/>
+              </a:rPr>
+              <a:t>case </a:t>
+            </a:r>
+            <a:r>
+              <a:rPr sz="1000" spc="-20">
+                <a:solidFill>
+                  <a:srgbClr val="020302"/>
+                </a:solidFill>
+                <a:latin typeface="AdobeClean-Light"/>
+                <a:cs typeface="AdobeClean-Light"/>
+              </a:rPr>
+              <a:t>submission</a:t>
+            </a:r>
+            <a:r>
+              <a:rPr lang="en-US" sz="1000" spc="-20">
+                <a:solidFill>
+                  <a:srgbClr val="020302"/>
+                </a:solidFill>
+                <a:latin typeface="AdobeClean-Light"/>
+                <a:cs typeface="AdobeClean-Light"/>
+              </a:rPr>
+              <a:t>.</a:t>
             </a:r>
           </a:p>
           <a:p>
@@ -7578,44 +8992,39 @@
               </a:tabLst>
             </a:pPr>
             <a:r>
-              <a:rPr lang="it-IT" sz="1000" i="1" dirty="0">
+              <a:rPr sz="1000" i="1" spc="-10">
                 <a:solidFill>
                   <a:srgbClr val="7A7A7A"/>
                 </a:solidFill>
                 <a:latin typeface="AdobeClean-LightIt"/>
                 <a:cs typeface="AdobeClean-LightIt"/>
               </a:rPr>
-              <a:t>* Il supporto chat in diretta non </a:t>
-            </a:r>
-            <a:br>
-              <a:rPr lang="it-IT" sz="1000" i="1" dirty="0">
+              <a:t>*Not all </a:t>
+            </a:r>
+            <a:r>
+              <a:rPr sz="1000" i="1" spc="-20">
                 <a:solidFill>
                   <a:srgbClr val="7A7A7A"/>
                 </a:solidFill>
                 <a:latin typeface="AdobeClean-LightIt"/>
                 <a:cs typeface="AdobeClean-LightIt"/>
               </a:rPr>
-            </a:br>
-            <a:r>
-              <a:rPr lang="it-IT" sz="1000" i="1" dirty="0">
+              <a:t>products have live chat support</a:t>
+            </a:r>
+            <a:r>
+              <a:rPr sz="900" i="1" spc="-20">
                 <a:solidFill>
                   <a:srgbClr val="7A7A7A"/>
                 </a:solidFill>
                 <a:latin typeface="AdobeClean-LightIt"/>
                 <a:cs typeface="AdobeClean-LightIt"/>
               </a:rPr>
-              <a:t>è disponibile per tutti i prodotti</a:t>
-            </a:r>
-            <a:r>
-              <a:rPr lang="it-IT" sz="900" i="1" dirty="0">
-                <a:solidFill>
-                  <a:srgbClr val="7A7A7A"/>
-                </a:solidFill>
-                <a:latin typeface="AdobeClean-LightIt"/>
-                <a:cs typeface="AdobeClean-LightIt"/>
-              </a:rPr>
               <a:t>.  </a:t>
             </a:r>
+            <a:endParaRPr sz="900">
+              <a:latin typeface="AdobeClean-Light"/>
+              <a:cs typeface="AdobeClean-Light"/>
+            </a:endParaRPr>
           </a:p>
         </p:txBody>
       </p:sp>
@@ -7635,7 +9044,7 @@
         </p:nvSpPr>
         <p:spPr>
           <a:xfrm>
-            <a:off x="689237" y="6562604"/>
+            <a:off x="689237" y="6756914"/>
             <a:ext cx="1568246" cy="184666"/>
           </a:xfrm>
           <a:prstGeom prst="rect">
@@ -7662,12 +9071,12 @@
               <a:defRPr/>
             </a:pPr>
             <a:r>
-              <a:rPr lang="it-IT" sz="1200">
+              <a:rPr lang="en-US" sz="1200">
                 <a:solidFill>
                   <a:srgbClr val="000000"/>
                 </a:solidFill>
               </a:rPr>
-              <a:t>Forum della community</a:t>
+              <a:t>Community Forums</a:t>
             </a:r>
           </a:p>
         </p:txBody>
@@ -7688,7 +9097,7 @@
         </p:nvSpPr>
         <p:spPr>
           <a:xfrm>
-            <a:off x="689237" y="6765790"/>
+            <a:off x="689237" y="6960100"/>
             <a:ext cx="959314" cy="184666"/>
           </a:xfrm>
           <a:prstGeom prst="rect">
@@ -7710,12 +9119,12 @@
               </a:spcAft>
             </a:pPr>
             <a:r>
-              <a:rPr lang="it-IT" sz="1200" b="1">
+              <a:rPr lang="en-US" sz="1200" b="1">
                 <a:latin typeface="+mj-lt"/>
                 <a:ea typeface="Open Sans" pitchFamily="34" charset="0"/>
                 <a:cs typeface="Open Sans" pitchFamily="34" charset="0"/>
               </a:rPr>
-              <a:t>Forum online</a:t>
+              <a:t>Online Forums</a:t>
             </a:r>
           </a:p>
         </p:txBody>
@@ -7734,8 +9143,8 @@
         </p:nvSpPr>
         <p:spPr>
           <a:xfrm>
-            <a:off x="324341" y="6958051"/>
-            <a:ext cx="2194560" cy="1113125"/>
+            <a:off x="324341" y="7152361"/>
+            <a:ext cx="2194560" cy="959237"/>
           </a:xfrm>
           <a:prstGeom prst="rect">
             <a:avLst/>
@@ -7748,64 +9157,13 @@
           <a:lstStyle/>
           <a:p>
             <a:r>
-              <a:rPr lang="it-IT" sz="1000" dirty="0">
+              <a:rPr lang="en-US" sz="1000">
                 <a:solidFill>
                   <a:srgbClr val="4B4B4B"/>
                 </a:solidFill>
                 <a:latin typeface="Adobe Clean Light" panose="020B0303020404020204" pitchFamily="34" charset="0"/>
               </a:rPr>
-              <a:t>Accesso online continuo a un database </a:t>
-            </a:r>
-            <a:br>
-              <a:rPr lang="it-IT" sz="1000" dirty="0">
-                <a:solidFill>
-                  <a:srgbClr val="4B4B4B"/>
-                </a:solidFill>
-                <a:latin typeface="Adobe Clean Light" panose="020B0303020404020204" pitchFamily="34" charset="0"/>
-              </a:rPr>
-            </a:br>
-            <a:r>
-              <a:rPr lang="it-IT" sz="1000" dirty="0">
-                <a:solidFill>
-                  <a:srgbClr val="4B4B4B"/>
-                </a:solidFill>
-                <a:latin typeface="Adobe Clean Light" panose="020B0303020404020204" pitchFamily="34" charset="0"/>
-              </a:rPr>
-              <a:t>in continua crescita di soluzioni tecniche, documentazione del prodotto, risposte </a:t>
-            </a:r>
-            <a:br>
-              <a:rPr lang="it-IT" sz="1000" dirty="0">
-                <a:solidFill>
-                  <a:srgbClr val="4B4B4B"/>
-                </a:solidFill>
-                <a:latin typeface="Adobe Clean Light" panose="020B0303020404020204" pitchFamily="34" charset="0"/>
-              </a:rPr>
-            </a:br>
-            <a:r>
-              <a:rPr lang="it-IT" sz="1000" dirty="0">
-                <a:solidFill>
-                  <a:srgbClr val="4B4B4B"/>
-                </a:solidFill>
-                <a:latin typeface="Adobe Clean Light" panose="020B0303020404020204" pitchFamily="34" charset="0"/>
-              </a:rPr>
-              <a:t>alle domande più frequenti e altro ancora. Possibilità di relazionarsi con professionisti </a:t>
-            </a:r>
-            <a:br>
-              <a:rPr lang="it-IT" sz="1000" dirty="0">
-                <a:solidFill>
-                  <a:srgbClr val="4B4B4B"/>
-                </a:solidFill>
-                <a:latin typeface="Adobe Clean Light" panose="020B0303020404020204" pitchFamily="34" charset="0"/>
-              </a:rPr>
-            </a:br>
-            <a:r>
-              <a:rPr lang="it-IT" sz="1000" dirty="0">
-                <a:solidFill>
-                  <a:srgbClr val="4B4B4B"/>
-                </a:solidFill>
-                <a:latin typeface="Adobe Clean Light" panose="020B0303020404020204" pitchFamily="34" charset="0"/>
-              </a:rPr>
-              <a:t>e altri clienti della Community Adobe per condividere best practice ed esperienze.</a:t>
+              <a:t>Continuous online access to a growing database of technical solutions, product documentation, FAQs and more. Connect with practitioners and other customers on Adobe Community to share best practices and lessons learned.</a:t>
             </a:r>
           </a:p>
         </p:txBody>
@@ -7826,7 +9184,7 @@
         </p:nvSpPr>
         <p:spPr>
           <a:xfrm>
-            <a:off x="5723508" y="6562604"/>
+            <a:off x="5723508" y="6756914"/>
             <a:ext cx="1463040" cy="184666"/>
           </a:xfrm>
           <a:prstGeom prst="rect">
@@ -7853,7 +9211,7 @@
               <a:defRPr/>
             </a:pPr>
             <a:r>
-              <a:rPr lang="it-IT" sz="1200">
+              <a:rPr lang="en-US" sz="1200">
                 <a:solidFill>
                   <a:srgbClr val="000000"/>
                 </a:solidFill>
@@ -7879,7 +9237,7 @@
         </p:nvSpPr>
         <p:spPr>
           <a:xfrm>
-            <a:off x="5723508" y="6765790"/>
+            <a:off x="5723508" y="6960100"/>
             <a:ext cx="1316707" cy="184666"/>
           </a:xfrm>
           <a:prstGeom prst="rect">
@@ -7901,12 +9259,12 @@
               </a:spcAft>
             </a:pPr>
             <a:r>
-              <a:rPr lang="it-IT" sz="1200" b="1">
+              <a:rPr lang="en-US" sz="1200" b="1">
                 <a:latin typeface="+mj-lt"/>
                 <a:ea typeface="Open Sans" pitchFamily="34" charset="0"/>
                 <a:cs typeface="Open Sans" pitchFamily="34" charset="0"/>
               </a:rPr>
-              <a:t>Percorsi autoguidati</a:t>
+              <a:t>Self-guided Journeys</a:t>
             </a:r>
           </a:p>
         </p:txBody>
@@ -7925,8 +9283,8 @@
         </p:nvSpPr>
         <p:spPr>
           <a:xfrm>
-            <a:off x="5265660" y="6958051"/>
-            <a:ext cx="2392439" cy="1267014"/>
+            <a:off x="5265661" y="7152361"/>
+            <a:ext cx="2194560" cy="1113125"/>
           </a:xfrm>
           <a:prstGeom prst="rect">
             <a:avLst/>
@@ -7939,13 +9297,13 @@
           <a:lstStyle/>
           <a:p>
             <a:r>
-              <a:rPr lang="it-IT" sz="1000" spc="-10" dirty="0">
+              <a:rPr lang="en-US" sz="1000">
                 <a:solidFill>
                   <a:srgbClr val="4B4B4B"/>
                 </a:solidFill>
                 <a:latin typeface="Adobe Clean Light" panose="020B0303020404020204" pitchFamily="34" charset="0"/>
               </a:rPr>
-              <a:t>Diventa un Experience Maker con Experience League. Puoi acquisire rapidamente le capacità necessarie nella gestione della customer experience seguendo un percorso di apprendimento personalizzato per sviluppare nuove competenze, partecipare a una comunità globale di professionisti e guadagnare riconoscimenti di valore sul piano professionale.</a:t>
+              <a:t>Experience Makers are made with Experience League. Customers can kickstart their Customer Experience Management abilities with personalized learning to develop skills, engage with a global community of peers, and earn career advancing recognition.</a:t>
             </a:r>
           </a:p>
         </p:txBody>
@@ -7966,7 +9324,7 @@
         </p:nvSpPr>
         <p:spPr>
           <a:xfrm>
-            <a:off x="3201544" y="8411640"/>
+            <a:off x="3201544" y="8560230"/>
             <a:ext cx="1543003" cy="184666"/>
           </a:xfrm>
           <a:prstGeom prst="rect">
@@ -7993,12 +9351,12 @@
               <a:defRPr/>
             </a:pPr>
             <a:r>
-              <a:rPr lang="it-IT" sz="1200">
+              <a:rPr lang="en-US" sz="1200">
                 <a:solidFill>
                   <a:srgbClr val="000000"/>
                 </a:solidFill>
               </a:rPr>
-              <a:t>Supporto chat in diretta*</a:t>
+              <a:t>Live Chat  Support*</a:t>
             </a:r>
           </a:p>
         </p:txBody>
@@ -8019,7 +9377,7 @@
         </p:nvSpPr>
         <p:spPr>
           <a:xfrm>
-            <a:off x="3201544" y="8592859"/>
+            <a:off x="3201544" y="8741449"/>
             <a:ext cx="840166" cy="184666"/>
           </a:xfrm>
           <a:prstGeom prst="rect">
@@ -8041,12 +9399,12 @@
               </a:spcAft>
             </a:pPr>
             <a:r>
-              <a:rPr lang="it-IT" sz="1200" b="1">
+              <a:rPr lang="en-US" sz="1200" b="1">
                 <a:latin typeface="+mj-lt"/>
                 <a:ea typeface="Open Sans" pitchFamily="34" charset="0"/>
                 <a:cs typeface="Open Sans" pitchFamily="34" charset="0"/>
               </a:rPr>
-              <a:t>Supporto chat</a:t>
+              <a:t>Chat Support</a:t>
             </a:r>
           </a:p>
         </p:txBody>
@@ -8067,7 +9425,7 @@
         </p:nvSpPr>
         <p:spPr>
           <a:xfrm>
-            <a:off x="3201544" y="6562604"/>
+            <a:off x="3201544" y="6756914"/>
             <a:ext cx="2520000" cy="184666"/>
           </a:xfrm>
           <a:prstGeom prst="rect">
@@ -8094,12 +9452,12 @@
               <a:defRPr/>
             </a:pPr>
             <a:r>
-              <a:rPr lang="it-IT" sz="1200">
+              <a:rPr lang="en-US" sz="1200">
                 <a:solidFill>
                   <a:srgbClr val="000000"/>
                 </a:solidFill>
               </a:rPr>
-              <a:t>24x7 P1 </a:t>
+              <a:t>24X7 P1 </a:t>
             </a:r>
           </a:p>
         </p:txBody>
@@ -8120,7 +9478,7 @@
         </p:nvSpPr>
         <p:spPr>
           <a:xfrm>
-            <a:off x="3201544" y="6765790"/>
+            <a:off x="3201544" y="6960100"/>
             <a:ext cx="992259" cy="184666"/>
           </a:xfrm>
           <a:prstGeom prst="rect">
@@ -8142,12 +9500,12 @@
               </a:spcAft>
             </a:pPr>
             <a:r>
-              <a:rPr lang="it-IT" sz="1200" b="1">
+              <a:rPr lang="en-US" sz="1200" b="1">
                 <a:latin typeface="+mj-lt"/>
                 <a:ea typeface="Open Sans" pitchFamily="34" charset="0"/>
                 <a:cs typeface="Open Sans" pitchFamily="34" charset="0"/>
               </a:rPr>
-              <a:t>Supporto telefonico</a:t>
+              <a:t>Phone  Support</a:t>
             </a:r>
           </a:p>
         </p:txBody>
@@ -8166,8 +9524,8 @@
         </p:nvSpPr>
         <p:spPr>
           <a:xfrm>
-            <a:off x="2791726" y="6958051"/>
-            <a:ext cx="2194560" cy="959237"/>
+            <a:off x="2791726" y="7152361"/>
+            <a:ext cx="2194560" cy="805349"/>
           </a:xfrm>
           <a:prstGeom prst="rect">
             <a:avLst/>
@@ -8180,51 +9538,35 @@
           <a:lstStyle/>
           <a:p>
             <a:r>
-              <a:rPr lang="it-IT" sz="1000" dirty="0">
+              <a:rPr lang="en-US" sz="1000">
                 <a:solidFill>
                   <a:srgbClr val="020302"/>
                 </a:solidFill>
                 <a:latin typeface="AdobeClean-Light"/>
               </a:rPr>
-              <a:t>Gli utenti autorizzati o i </a:t>
-            </a:r>
-            <a:r>
-              <a:rPr lang="it-IT" sz="1000" b="1" dirty="0">
+              <a:t>Authorized users or </a:t>
+            </a:r>
+            <a:r>
+              <a:rPr lang="en-US" sz="1000" b="1">
                 <a:solidFill>
                   <a:srgbClr val="020302"/>
                 </a:solidFill>
                 <a:latin typeface="AdobeClean-Light"/>
               </a:rPr>
-              <a:t>contatti interni per il supporto</a:t>
-            </a:r>
-            <a:r>
-              <a:rPr lang="it-IT" sz="1000" dirty="0">
+              <a:t>Named Support Contacts </a:t>
+            </a:r>
+            <a:r>
+              <a:rPr lang="en-US" sz="1000">
                 <a:latin typeface="Adobe Clean Light" panose="020B0303020404020204" pitchFamily="34" charset="0"/>
               </a:rPr>
-              <a:t> possono segnalare i problemi tramite tutti i canali disponibili (compreso </a:t>
-            </a:r>
-            <a:br>
-              <a:rPr lang="it-IT" sz="1000" dirty="0">
-                <a:latin typeface="Adobe Clean Light" panose="020B0303020404020204" pitchFamily="34" charset="0"/>
-              </a:rPr>
-            </a:br>
-            <a:r>
-              <a:rPr lang="it-IT" sz="1000" dirty="0">
-                <a:latin typeface="Adobe Clean Light" panose="020B0303020404020204" pitchFamily="34" charset="0"/>
-              </a:rPr>
-              <a:t>il supporto telefonico per casi P1) e interagire con il team Adobe di assistenza tecnica </a:t>
-            </a:r>
-            <a:br>
-              <a:rPr lang="it-IT" sz="1000" dirty="0">
-                <a:latin typeface="Adobe Clean Light" panose="020B0303020404020204" pitchFamily="34" charset="0"/>
-              </a:rPr>
-            </a:br>
-            <a:r>
-              <a:rPr lang="it-IT" sz="1000" dirty="0">
-                <a:latin typeface="Adobe Clean Light" panose="020B0303020404020204" pitchFamily="34" charset="0"/>
-              </a:rPr>
-              <a:t>per conto della tua azienda. </a:t>
-            </a:r>
+              <a:t>can submit issues through all available  channels (including phone for P1) and interact with our technical support team on behalf of your company. </a:t>
+            </a:r>
+            <a:endParaRPr lang="en-US" sz="1000">
+              <a:solidFill>
+                <a:srgbClr val="000000"/>
+              </a:solidFill>
+              <a:latin typeface="Adobe Clean Light" panose="020B0303020404020204" pitchFamily="34" charset="0"/>
+            </a:endParaRPr>
           </a:p>
         </p:txBody>
       </p:sp>
@@ -8243,7 +9585,7 @@
         <p:spPr>
           <a:xfrm>
             <a:off x="214971" y="6447157"/>
-            <a:ext cx="2608239" cy="45719"/>
+            <a:ext cx="1848207" cy="45719"/>
           </a:xfrm>
           <a:custGeom>
             <a:avLst/>
@@ -8292,7 +9634,7 @@
         </p:nvSpPr>
         <p:spPr>
           <a:xfrm>
-            <a:off x="689237" y="8411640"/>
+            <a:off x="689237" y="8560230"/>
             <a:ext cx="991521" cy="184666"/>
           </a:xfrm>
           <a:prstGeom prst="rect">
@@ -8319,7 +9661,7 @@
               <a:defRPr/>
             </a:pPr>
             <a:r>
-              <a:rPr lang="it-IT" sz="1200">
+              <a:rPr lang="en-US" sz="1200">
                 <a:solidFill>
                   <a:srgbClr val="000000"/>
                 </a:solidFill>
@@ -8345,7 +9687,7 @@
         </p:nvSpPr>
         <p:spPr>
           <a:xfrm>
-            <a:off x="689237" y="8592859"/>
+            <a:off x="689237" y="8741449"/>
             <a:ext cx="604974" cy="184666"/>
           </a:xfrm>
           <a:prstGeom prst="rect">
@@ -8367,12 +9709,12 @@
               </a:spcAft>
             </a:pPr>
             <a:r>
-              <a:rPr lang="it-IT" sz="1200" b="1">
+              <a:rPr lang="en-US" sz="1200" b="1">
                 <a:latin typeface="+mj-lt"/>
                 <a:ea typeface="Open Sans" pitchFamily="34" charset="0"/>
                 <a:cs typeface="Open Sans" pitchFamily="34" charset="0"/>
               </a:rPr>
-              <a:t>Webinar</a:t>
+              <a:t>Webinars</a:t>
             </a:r>
           </a:p>
         </p:txBody>
@@ -8391,8 +9733,8 @@
         </p:nvSpPr>
         <p:spPr>
           <a:xfrm>
-            <a:off x="355868" y="8877469"/>
-            <a:ext cx="2322562" cy="959237"/>
+            <a:off x="355868" y="9026059"/>
+            <a:ext cx="2194560" cy="805349"/>
           </a:xfrm>
           <a:prstGeom prst="rect">
             <a:avLst/>
@@ -8405,64 +9747,13 @@
           <a:lstStyle/>
           <a:p>
             <a:r>
-              <a:rPr lang="it-IT" sz="1000" dirty="0">
+              <a:rPr lang="en-US" sz="1000">
                 <a:solidFill>
                   <a:srgbClr val="4B4B4B"/>
                 </a:solidFill>
                 <a:latin typeface="Adobe Clean Light" panose="020B0303020404020204" pitchFamily="34" charset="0"/>
               </a:rPr>
-              <a:t>Le sessioni Office Hours, guidate dal team </a:t>
-            </a:r>
-            <a:br>
-              <a:rPr lang="it-IT" sz="1000" dirty="0">
-                <a:solidFill>
-                  <a:srgbClr val="4B4B4B"/>
-                </a:solidFill>
-                <a:latin typeface="Adobe Clean Light" panose="020B0303020404020204" pitchFamily="34" charset="0"/>
-              </a:rPr>
-            </a:br>
-            <a:r>
-              <a:rPr lang="it-IT" sz="1000" dirty="0">
-                <a:solidFill>
-                  <a:srgbClr val="4B4B4B"/>
-                </a:solidFill>
-                <a:latin typeface="Adobe Clean Light" panose="020B0303020404020204" pitchFamily="34" charset="0"/>
-              </a:rPr>
-              <a:t>di Assistenza clienti di Adobe, sono pensate </a:t>
-            </a:r>
-            <a:br>
-              <a:rPr lang="it-IT" sz="1000" dirty="0">
-                <a:solidFill>
-                  <a:srgbClr val="4B4B4B"/>
-                </a:solidFill>
-                <a:latin typeface="Adobe Clean Light" panose="020B0303020404020204" pitchFamily="34" charset="0"/>
-              </a:rPr>
-            </a:br>
-            <a:r>
-              <a:rPr lang="it-IT" sz="1000" dirty="0">
-                <a:solidFill>
-                  <a:srgbClr val="4B4B4B"/>
-                </a:solidFill>
-                <a:latin typeface="Adobe Clean Light" panose="020B0303020404020204" pitchFamily="34" charset="0"/>
-              </a:rPr>
-              <a:t>per informare e aiutare i partecipanti a risolvere eventuali problemi e forniscono suggerimenti utili per ottenere il massimo dalle </a:t>
-            </a:r>
-            <a:br>
-              <a:rPr lang="it-IT" sz="1000" dirty="0">
-                <a:solidFill>
-                  <a:srgbClr val="4B4B4B"/>
-                </a:solidFill>
-                <a:latin typeface="Adobe Clean Light" panose="020B0303020404020204" pitchFamily="34" charset="0"/>
-              </a:rPr>
-            </a:br>
-            <a:r>
-              <a:rPr lang="it-IT" sz="1000" dirty="0">
-                <a:solidFill>
-                  <a:srgbClr val="4B4B4B"/>
-                </a:solidFill>
-                <a:latin typeface="Adobe Clean Light" panose="020B0303020404020204" pitchFamily="34" charset="0"/>
-              </a:rPr>
-              <a:t>soluzioni Adobe. </a:t>
+              <a:t>Office Hours led by the Adobe Customer Support team includes sessions designed to inform as well as help participants troubleshoot problems and provide tips and tricks for success with Adobe solutions. </a:t>
             </a:r>
           </a:p>
         </p:txBody>
@@ -8483,8 +9774,8 @@
         </p:nvSpPr>
         <p:spPr>
           <a:xfrm>
-            <a:off x="5723507" y="8411640"/>
-            <a:ext cx="1883045" cy="184666"/>
+            <a:off x="5723508" y="8560230"/>
+            <a:ext cx="1303746" cy="184666"/>
           </a:xfrm>
           <a:prstGeom prst="rect">
             <a:avLst/>
@@ -8510,12 +9801,12 @@
               <a:defRPr/>
             </a:pPr>
             <a:r>
-              <a:rPr lang="it-IT" sz="1200" dirty="0">
+              <a:rPr lang="en-US" sz="1200">
                 <a:solidFill>
                   <a:srgbClr val="000000"/>
                 </a:solidFill>
               </a:rPr>
-              <a:t>Portali di assistenza autonoma</a:t>
+              <a:t>Self-help Portals</a:t>
             </a:r>
           </a:p>
         </p:txBody>
@@ -8536,7 +9827,7 @@
         </p:nvSpPr>
         <p:spPr>
           <a:xfrm>
-            <a:off x="5723508" y="8592859"/>
+            <a:off x="5723508" y="8741449"/>
             <a:ext cx="1267206" cy="184666"/>
           </a:xfrm>
           <a:prstGeom prst="rect">
@@ -8558,12 +9849,12 @@
               </a:spcAft>
             </a:pPr>
             <a:r>
-              <a:rPr lang="it-IT" sz="1200" b="1">
+              <a:rPr lang="en-US" sz="1200" b="1">
                 <a:latin typeface="+mj-lt"/>
                 <a:ea typeface="Open Sans" pitchFamily="34" charset="0"/>
                 <a:cs typeface="Open Sans" pitchFamily="34" charset="0"/>
               </a:rPr>
-              <a:t>Portale di supporto 24/7</a:t>
+              <a:t>24/7 Support Portal</a:t>
             </a:r>
           </a:p>
         </p:txBody>
@@ -8582,7 +9873,7 @@
         </p:nvSpPr>
         <p:spPr>
           <a:xfrm>
-            <a:off x="5265661" y="8838491"/>
+            <a:off x="5265661" y="8987081"/>
             <a:ext cx="2194560" cy="805349"/>
           </a:xfrm>
           <a:prstGeom prst="rect">
@@ -8596,16 +9887,16 @@
           <a:lstStyle/>
           <a:p>
             <a:r>
-              <a:rPr lang="it-IT" sz="1000" dirty="0">
+              <a:rPr lang="en-US" sz="1000">
                 <a:solidFill>
                   <a:srgbClr val="4B4B4B"/>
                 </a:solidFill>
                 <a:latin typeface="Adobe Clean Light" panose="020B0303020404020204" pitchFamily="34" charset="0"/>
               </a:rPr>
-              <a:t>Accesso on-demand al portale di assistenza autonoma per inviare richieste di supporto, esaminare lo stato dei casi e sfogliare altre risorse, come la knowledge base, notizie </a:t>
+              <a:t>On-demand access to the online </a:t>
             </a:r>
             <a:br>
-              <a:rPr lang="it-IT" sz="1000" dirty="0">
+              <a:rPr lang="en-US" sz="1000">
                 <a:solidFill>
                   <a:srgbClr val="4B4B4B"/>
                 </a:solidFill>
@@ -8613,13 +9904,13 @@
               </a:rPr>
             </a:br>
             <a:r>
-              <a:rPr lang="it-IT" sz="1000" dirty="0">
+              <a:rPr lang="en-US" sz="1000">
                 <a:solidFill>
                   <a:srgbClr val="4B4B4B"/>
                 </a:solidFill>
                 <a:latin typeface="Adobe Clean Light" panose="020B0303020404020204" pitchFamily="34" charset="0"/>
               </a:rPr>
-              <a:t>e avvisi, suggerimenti e altro ancora.</a:t>
+              <a:t>Self-help Support Portal to submit support requests, review case status, and browse other resources, like our knowledgebase, news and alerts, featured tips, and more.</a:t>
             </a:r>
           </a:p>
         </p:txBody>
@@ -8655,7 +9946,7 @@
         </p:blipFill>
         <p:spPr>
           <a:xfrm>
-            <a:off x="2768925" y="6577644"/>
+            <a:off x="2768925" y="6771954"/>
             <a:ext cx="411480" cy="411480"/>
           </a:xfrm>
           <a:prstGeom prst="rect">
@@ -8694,7 +9985,7 @@
         </p:blipFill>
         <p:spPr>
           <a:xfrm>
-            <a:off x="228600" y="8453550"/>
+            <a:off x="228600" y="8560230"/>
             <a:ext cx="411480" cy="411480"/>
           </a:xfrm>
           <a:prstGeom prst="rect">
@@ -8733,7 +10024,7 @@
         </p:blipFill>
         <p:spPr>
           <a:xfrm>
-            <a:off x="228600" y="6538976"/>
+            <a:off x="228600" y="6733286"/>
             <a:ext cx="411480" cy="411480"/>
           </a:xfrm>
           <a:prstGeom prst="rect">
@@ -8772,7 +10063,7 @@
         </p:blipFill>
         <p:spPr>
           <a:xfrm>
-            <a:off x="5257800" y="6527166"/>
+            <a:off x="5257800" y="6721476"/>
             <a:ext cx="411480" cy="411480"/>
           </a:xfrm>
           <a:prstGeom prst="rect">
@@ -8811,7 +10102,7 @@
         </p:blipFill>
         <p:spPr>
           <a:xfrm>
-            <a:off x="5257800" y="8404020"/>
+            <a:off x="5257800" y="8560230"/>
             <a:ext cx="411480" cy="411480"/>
           </a:xfrm>
           <a:prstGeom prst="rect">
@@ -8850,7 +10141,7 @@
         </p:blipFill>
         <p:spPr>
           <a:xfrm>
-            <a:off x="2776853" y="8453550"/>
+            <a:off x="2776853" y="8560230"/>
             <a:ext cx="411480" cy="411480"/>
           </a:xfrm>
           <a:prstGeom prst="rect">
@@ -8872,7 +10163,7 @@
         </p:nvSpPr>
         <p:spPr>
           <a:xfrm rot="5400000" flipH="1">
-            <a:off x="3863341" y="5493763"/>
+            <a:off x="3863341" y="5600443"/>
             <a:ext cx="45719" cy="5577840"/>
           </a:xfrm>
           <a:custGeom>
@@ -8928,7 +10219,7 @@
         <p:spPr>
           <a:xfrm>
             <a:off x="214971" y="6124178"/>
-            <a:ext cx="1930978" cy="307777"/>
+            <a:ext cx="2107308" cy="307777"/>
           </a:xfrm>
           <a:prstGeom prst="rect">
             <a:avLst/>
@@ -8949,15 +10240,19 @@
               </a:spcBef>
             </a:pPr>
             <a:r>
-              <a:rPr lang="it-IT" sz="1400" b="1">
+              <a:rPr lang="en-US" sz="1400" b="1" dirty="0">
                 <a:solidFill>
                   <a:srgbClr val="020302"/>
                 </a:solidFill>
                 <a:latin typeface="Adobe Clean"/>
                 <a:cs typeface="Adobe Clean"/>
               </a:rPr>
-              <a:t>Caratteristiche del supporto online</a:t>
-            </a:r>
+              <a:t>Standard Support Features</a:t>
+            </a:r>
+            <a:endParaRPr lang="en-US" sz="1400" dirty="0">
+              <a:latin typeface="Adobe Clean"/>
+              <a:cs typeface="Adobe Clean"/>
+            </a:endParaRPr>
           </a:p>
         </p:txBody>
       </p:sp>
@@ -9102,7 +10397,7 @@
         </p:nvSpPr>
         <p:spPr>
           <a:xfrm rot="5400000" flipH="1">
-            <a:off x="3863341" y="1939124"/>
+            <a:off x="3863341" y="1912620"/>
             <a:ext cx="45719" cy="5577840"/>
           </a:xfrm>
           <a:custGeom>
@@ -9158,14 +10453,14 @@
         <p:spPr>
           <a:xfrm>
             <a:off x="324341" y="4031705"/>
-            <a:ext cx="2440634" cy="672172"/>
+            <a:ext cx="2194560" cy="499111"/>
           </a:xfrm>
           <a:prstGeom prst="rect">
             <a:avLst/>
           </a:prstGeom>
         </p:spPr>
         <p:txBody>
-          <a:bodyPr wrap="square" lIns="0" tIns="0" rIns="0" bIns="0">
+          <a:bodyPr lIns="0" tIns="0" rIns="0" bIns="0">
             <a:spAutoFit/>
           </a:bodyPr>
           <a:lstStyle/>
@@ -9179,34 +10474,22 @@
               </a:spcBef>
             </a:pPr>
             <a:r>
-              <a:rPr lang="it-IT" sz="1000" dirty="0">
+              <a:rPr lang="en-US" sz="1000">
                 <a:solidFill>
                   <a:srgbClr val="020302"/>
                 </a:solidFill>
                 <a:latin typeface="AdobeClean-Light"/>
                 <a:cs typeface="AdobeClean-Light"/>
               </a:rPr>
-              <a:t>Valutazione proattiva dell’implementazione, della configurazione e dell’architettura complessiva della soluzione, incluse </a:t>
-            </a:r>
-            <a:br>
-              <a:rPr lang="it-IT" sz="1000" dirty="0">
-                <a:solidFill>
-                  <a:srgbClr val="020302"/>
-                </a:solidFill>
-                <a:latin typeface="AdobeClean-Light"/>
-                <a:cs typeface="AdobeClean-Light"/>
-              </a:rPr>
-            </a:br>
-            <a:r>
-              <a:rPr lang="it-IT" sz="1000" dirty="0">
-                <a:solidFill>
-                  <a:srgbClr val="020302"/>
-                </a:solidFill>
-                <a:latin typeface="AdobeClean-Light"/>
-                <a:cs typeface="AdobeClean-Light"/>
-              </a:rPr>
-              <a:t>le integrazioni.</a:t>
-            </a:r>
+              <a:t>Proactive review of your solution  deployment, configuration, and overall  architecture, including integrations.</a:t>
+            </a:r>
+            <a:endParaRPr lang="en-US" sz="1000">
+              <a:solidFill>
+                <a:prstClr val="black"/>
+              </a:solidFill>
+              <a:latin typeface="AdobeClean-Light"/>
+              <a:cs typeface="AdobeClean-Light"/>
+            </a:endParaRPr>
           </a:p>
         </p:txBody>
       </p:sp>
@@ -9246,34 +10529,22 @@
               </a:spcBef>
             </a:pPr>
             <a:r>
-              <a:rPr lang="it-IT" sz="1000" dirty="0">
+              <a:rPr lang="en-US" sz="1000">
                 <a:solidFill>
                   <a:srgbClr val="020302"/>
                 </a:solidFill>
                 <a:latin typeface="AdobeClean-Light"/>
                 <a:cs typeface="AdobeClean-Light"/>
               </a:rPr>
-              <a:t>Best practice di manutenzione e ultime correzioni (SP, MR, patch, FP) per rimanere sempre aggiornati su tutte le verifiche </a:t>
-            </a:r>
-            <a:br>
-              <a:rPr lang="it-IT" sz="1000" dirty="0">
-                <a:solidFill>
-                  <a:srgbClr val="020302"/>
-                </a:solidFill>
-                <a:latin typeface="AdobeClean-Light"/>
-                <a:cs typeface="AdobeClean-Light"/>
-              </a:rPr>
-            </a:br>
-            <a:r>
-              <a:rPr lang="it-IT" sz="1000" dirty="0">
-                <a:solidFill>
-                  <a:srgbClr val="020302"/>
-                </a:solidFill>
-                <a:latin typeface="AdobeClean-Light"/>
-                <a:cs typeface="AdobeClean-Light"/>
-              </a:rPr>
-              <a:t>di manutenzione.</a:t>
-            </a:r>
+              <a:t>Receive maintenance best practices and latest  fixes (SPs, MR, patches, FPs) to remain up-to-  date on all maintenance checks.</a:t>
+            </a:r>
+            <a:endParaRPr lang="en-US" sz="1000">
+              <a:solidFill>
+                <a:prstClr val="black"/>
+              </a:solidFill>
+              <a:latin typeface="AdobeClean-Light"/>
+              <a:cs typeface="AdobeClean-Light"/>
+            </a:endParaRPr>
           </a:p>
         </p:txBody>
       </p:sp>
@@ -9291,15 +10562,15 @@
         </p:nvSpPr>
         <p:spPr>
           <a:xfrm>
-            <a:off x="2852427" y="2748785"/>
-            <a:ext cx="2185950" cy="615553"/>
+            <a:off x="2852427" y="2847845"/>
+            <a:ext cx="2194560" cy="615553"/>
           </a:xfrm>
           <a:prstGeom prst="rect">
             <a:avLst/>
           </a:prstGeom>
         </p:spPr>
         <p:txBody>
-          <a:bodyPr wrap="square" lIns="0" tIns="0" rIns="0" bIns="0">
+          <a:bodyPr lIns="0" tIns="0" rIns="0" bIns="0">
             <a:spAutoFit/>
           </a:bodyPr>
           <a:lstStyle/>
@@ -9310,53 +10581,22 @@
               </a:spcBef>
             </a:pPr>
             <a:r>
-              <a:rPr lang="it-IT" sz="1000" dirty="0">
+              <a:rPr lang="en-US" sz="1000">
                 <a:solidFill>
                   <a:srgbClr val="4B4B4B"/>
                 </a:solidFill>
                 <a:latin typeface="AdobeClean-Light"/>
                 <a:cs typeface="AdobeClean-Light"/>
               </a:rPr>
-              <a:t>Valutazione periodica dei servizi</a:t>
-            </a:r>
-            <a:br>
-              <a:rPr lang="it-IT" sz="1000" dirty="0">
-                <a:solidFill>
-                  <a:srgbClr val="4B4B4B"/>
-                </a:solidFill>
-                <a:latin typeface="AdobeClean-Light"/>
-                <a:cs typeface="AdobeClean-Light"/>
-              </a:rPr>
-            </a:br>
-            <a:r>
-              <a:rPr lang="it-IT" sz="1000" dirty="0">
-                <a:solidFill>
-                  <a:srgbClr val="4B4B4B"/>
-                </a:solidFill>
-                <a:latin typeface="AdobeClean-Light"/>
-                <a:cs typeface="AdobeClean-Light"/>
-              </a:rPr>
-              <a:t>del programma Elite, delle metriche </a:t>
-            </a:r>
-            <a:br>
-              <a:rPr lang="it-IT" sz="1000" dirty="0">
-                <a:solidFill>
-                  <a:srgbClr val="4B4B4B"/>
-                </a:solidFill>
-                <a:latin typeface="AdobeClean-Light"/>
-                <a:cs typeface="AdobeClean-Light"/>
-              </a:rPr>
-            </a:br>
-            <a:r>
-              <a:rPr lang="it-IT" sz="1000" dirty="0">
-                <a:solidFill>
-                  <a:srgbClr val="4B4B4B"/>
-                </a:solidFill>
-                <a:latin typeface="AdobeClean-Light"/>
-                <a:cs typeface="AdobeClean-Light"/>
-              </a:rPr>
-              <a:t>di supporto e dei materiali da consegnare, incluso un piano proattivo.</a:t>
-            </a:r>
+              <a:t>A regular review of Elite program services, support metrics, and deliverables, including a forward-looking plan</a:t>
+            </a:r>
+            <a:endParaRPr lang="en-US" sz="1000">
+              <a:solidFill>
+                <a:prstClr val="black"/>
+              </a:solidFill>
+              <a:latin typeface="AdobeClean-Light"/>
+              <a:cs typeface="AdobeClean-Light"/>
+            </a:endParaRPr>
           </a:p>
         </p:txBody>
       </p:sp>
@@ -9374,15 +10614,15 @@
         </p:nvSpPr>
         <p:spPr>
           <a:xfrm>
-            <a:off x="5431519" y="2755310"/>
-            <a:ext cx="2275101" cy="615553"/>
+            <a:off x="5431520" y="2854370"/>
+            <a:ext cx="2194560" cy="615553"/>
           </a:xfrm>
           <a:prstGeom prst="rect">
             <a:avLst/>
           </a:prstGeom>
         </p:spPr>
         <p:txBody>
-          <a:bodyPr wrap="square" lIns="0" tIns="0" rIns="0" bIns="0">
+          <a:bodyPr lIns="0" tIns="0" rIns="0" bIns="0">
             <a:spAutoFit/>
           </a:bodyPr>
           <a:lstStyle/>
@@ -9393,53 +10633,22 @@
               </a:spcBef>
             </a:pPr>
             <a:r>
-              <a:rPr lang="it-IT" sz="1000" dirty="0">
+              <a:rPr lang="en-US" sz="1000">
                 <a:solidFill>
                   <a:srgbClr val="4B4B4B"/>
                 </a:solidFill>
                 <a:latin typeface="AdobeClean-Light"/>
                 <a:cs typeface="AdobeClean-Light"/>
               </a:rPr>
-              <a:t>Una sessione di 60 minuti incentrata </a:t>
-            </a:r>
-            <a:br>
-              <a:rPr lang="it-IT" sz="1000" dirty="0">
-                <a:solidFill>
-                  <a:srgbClr val="4B4B4B"/>
-                </a:solidFill>
-                <a:latin typeface="AdobeClean-Light"/>
-                <a:cs typeface="AdobeClean-Light"/>
-              </a:rPr>
-            </a:br>
-            <a:r>
-              <a:rPr lang="it-IT" sz="1000" dirty="0">
-                <a:solidFill>
-                  <a:srgbClr val="4B4B4B"/>
-                </a:solidFill>
-                <a:latin typeface="AdobeClean-Light"/>
-                <a:cs typeface="AdobeClean-Light"/>
-              </a:rPr>
-              <a:t>su una specifica funzionalità di </a:t>
-            </a:r>
-            <a:br>
-              <a:rPr lang="it-IT" sz="1000" dirty="0">
-                <a:solidFill>
-                  <a:srgbClr val="4B4B4B"/>
-                </a:solidFill>
-                <a:latin typeface="AdobeClean-Light"/>
-                <a:cs typeface="AdobeClean-Light"/>
-              </a:rPr>
-            </a:br>
-            <a:r>
-              <a:rPr lang="it-IT" sz="1000" dirty="0">
-                <a:solidFill>
-                  <a:srgbClr val="4B4B4B"/>
-                </a:solidFill>
-                <a:latin typeface="AdobeClean-Light"/>
-                <a:cs typeface="AdobeClean-Light"/>
-              </a:rPr>
-              <a:t>prodotto e come utilizzarla per risolvere le problematiche più comuni.</a:t>
-            </a:r>
+              <a:t>A 60-minute session focusing on a  specific product feature and how it can  be utilized to solve common business  problems.</a:t>
+            </a:r>
+            <a:endParaRPr lang="en-US" sz="1000">
+              <a:solidFill>
+                <a:prstClr val="black"/>
+              </a:solidFill>
+              <a:latin typeface="AdobeClean-Light"/>
+              <a:cs typeface="AdobeClean-Light"/>
+            </a:endParaRPr>
           </a:p>
         </p:txBody>
       </p:sp>
@@ -9457,15 +10666,15 @@
         </p:nvSpPr>
         <p:spPr>
           <a:xfrm>
-            <a:off x="324340" y="2743788"/>
-            <a:ext cx="2226087" cy="769441"/>
+            <a:off x="324341" y="2842848"/>
+            <a:ext cx="2194560" cy="615553"/>
           </a:xfrm>
           <a:prstGeom prst="rect">
             <a:avLst/>
           </a:prstGeom>
         </p:spPr>
         <p:txBody>
-          <a:bodyPr wrap="square" lIns="0" tIns="0" rIns="0" bIns="0">
+          <a:bodyPr lIns="0" tIns="0" rIns="0" bIns="0">
             <a:spAutoFit/>
           </a:bodyPr>
           <a:lstStyle/>
@@ -9476,34 +10685,16 @@
               </a:spcBef>
             </a:pPr>
             <a:r>
-              <a:rPr lang="it-IT" sz="1000" dirty="0">
+              <a:rPr lang="en-US" sz="1000">
                 <a:solidFill>
                   <a:srgbClr val="4B4B4B"/>
                 </a:solidFill>
                 <a:latin typeface="AdobeClean-Light"/>
                 <a:cs typeface="AdobeClean-Light"/>
               </a:rPr>
-              <a:t>Un contatto Adobe dedicato che può fornire assistenza e aggiornamenti regolari in merito ai casi che richiedono escalation, </a:t>
-            </a:r>
-            <a:br>
-              <a:rPr lang="it-IT" sz="1000" dirty="0">
-                <a:solidFill>
-                  <a:srgbClr val="4B4B4B"/>
-                </a:solidFill>
-                <a:latin typeface="AdobeClean-Light"/>
-                <a:cs typeface="AdobeClean-Light"/>
-              </a:rPr>
-            </a:br>
-            <a:r>
-              <a:rPr lang="it-IT" sz="1000" dirty="0">
-                <a:solidFill>
-                  <a:srgbClr val="4B4B4B"/>
-                </a:solidFill>
-                <a:latin typeface="AdobeClean-Light"/>
-                <a:cs typeface="AdobeClean-Light"/>
-              </a:rPr>
-              <a:t>e assicurarsi che venga data priorità alle richieste di supporto aperte più critiche.</a:t>
-            </a:r>
+              <a:t>A designated point of contact within Adobe  who can provide escalation assistance,  regular updates and ensure priority is given  to your most critical open support requests.</a:t>
+            </a:r>
+            <a:endParaRPr lang="en-US"/>
           </a:p>
         </p:txBody>
       </p:sp>
@@ -9521,7 +10712,7 @@
         </p:nvSpPr>
         <p:spPr>
           <a:xfrm>
-            <a:off x="3153726" y="1065285"/>
+            <a:off x="3153726" y="1126245"/>
             <a:ext cx="2194560" cy="169277"/>
           </a:xfrm>
           <a:prstGeom prst="rect">
@@ -9540,7 +10731,7 @@
               </a:spcBef>
             </a:pPr>
             <a:r>
-              <a:rPr lang="it-IT" sz="1100" b="1">
+              <a:rPr lang="en-US" sz="1100" b="1">
                 <a:solidFill>
                   <a:srgbClr val="020302"/>
                 </a:solidFill>
@@ -9549,6 +10740,13 @@
               </a:rPr>
               <a:t>Named Support Engineer</a:t>
             </a:r>
+            <a:endParaRPr lang="en-US" sz="1100">
+              <a:solidFill>
+                <a:prstClr val="black"/>
+              </a:solidFill>
+              <a:latin typeface="Adobe Clean" panose="020B0503020404020204" pitchFamily="34" charset="0"/>
+              <a:cs typeface="Arial"/>
+            </a:endParaRPr>
           </a:p>
         </p:txBody>
       </p:sp>
@@ -9566,7 +10764,7 @@
         </p:nvSpPr>
         <p:spPr>
           <a:xfrm>
-            <a:off x="5723508" y="1065285"/>
+            <a:off x="5723508" y="1126245"/>
             <a:ext cx="2194560" cy="169277"/>
           </a:xfrm>
           <a:prstGeom prst="rect">
@@ -9585,15 +10783,22 @@
               </a:spcBef>
             </a:pPr>
             <a:r>
-              <a:rPr lang="it-IT" sz="1100" b="1">
+              <a:rPr lang="en-US" sz="1100" b="1">
                 <a:solidFill>
                   <a:srgbClr val="020302"/>
                 </a:solidFill>
                 <a:latin typeface="Adobe Clean" panose="020B0503020404020204" pitchFamily="34" charset="0"/>
                 <a:cs typeface="Arial"/>
               </a:rPr>
-              <a:t>Valutazione dei casi</a:t>
-            </a:r>
+              <a:t>Case Reviews</a:t>
+            </a:r>
+            <a:endParaRPr lang="en-US" sz="1100">
+              <a:solidFill>
+                <a:prstClr val="black"/>
+              </a:solidFill>
+              <a:latin typeface="Adobe Clean" panose="020B0503020404020204" pitchFamily="34" charset="0"/>
+              <a:cs typeface="Arial"/>
+            </a:endParaRPr>
           </a:p>
         </p:txBody>
       </p:sp>
@@ -9630,15 +10835,22 @@
               </a:spcBef>
             </a:pPr>
             <a:r>
-              <a:rPr lang="it-IT" sz="1100" b="1">
+              <a:rPr lang="en-US" sz="1100" b="1">
                 <a:solidFill>
                   <a:srgbClr val="020302"/>
                 </a:solidFill>
                 <a:latin typeface="Adobe Clean" panose="020B0503020404020204" pitchFamily="34" charset="0"/>
                 <a:cs typeface="Adobe Clean"/>
               </a:rPr>
-              <a:t>Manutenzione e monitoraggio</a:t>
-            </a:r>
+              <a:t>Maintenance &amp; Monitoring</a:t>
+            </a:r>
+            <a:endParaRPr lang="en-US" sz="1100">
+              <a:solidFill>
+                <a:prstClr val="black"/>
+              </a:solidFill>
+              <a:latin typeface="Adobe Clean" panose="020B0503020404020204" pitchFamily="34" charset="0"/>
+              <a:cs typeface="Adobe Clean"/>
+            </a:endParaRPr>
           </a:p>
         </p:txBody>
       </p:sp>
@@ -9656,8 +10868,8 @@
         </p:nvSpPr>
         <p:spPr>
           <a:xfrm>
-            <a:off x="3138805" y="3683739"/>
-            <a:ext cx="2194560" cy="338554"/>
+            <a:off x="3138805" y="3778989"/>
+            <a:ext cx="2194560" cy="169277"/>
           </a:xfrm>
           <a:prstGeom prst="rect">
             <a:avLst/>
@@ -9675,34 +10887,22 @@
               </a:spcBef>
             </a:pPr>
             <a:r>
-              <a:rPr lang="it-IT" sz="1100" b="1" dirty="0">
+              <a:rPr lang="en-US" sz="1100" b="1">
                 <a:solidFill>
                   <a:srgbClr val="020302"/>
                 </a:solidFill>
                 <a:latin typeface="Adobe Clean" panose="020B0503020404020204" pitchFamily="34" charset="0"/>
                 <a:cs typeface="Adobe Clean"/>
               </a:rPr>
-              <a:t>Valutazione della roadmap </a:t>
-            </a:r>
-            <a:br>
-              <a:rPr lang="it-IT" sz="1100" b="1" dirty="0">
-                <a:solidFill>
-                  <a:srgbClr val="020302"/>
-                </a:solidFill>
-                <a:latin typeface="Adobe Clean" panose="020B0503020404020204" pitchFamily="34" charset="0"/>
-                <a:cs typeface="Adobe Clean"/>
-              </a:rPr>
-            </a:br>
-            <a:r>
-              <a:rPr lang="it-IT" sz="1100" b="1" dirty="0">
-                <a:solidFill>
-                  <a:srgbClr val="020302"/>
-                </a:solidFill>
-                <a:latin typeface="Adobe Clean" panose="020B0503020404020204" pitchFamily="34" charset="0"/>
-                <a:cs typeface="Adobe Clean"/>
-              </a:rPr>
-              <a:t>della soluzione</a:t>
-            </a:r>
+              <a:t>Solution Roadmap Review</a:t>
+            </a:r>
+            <a:endParaRPr lang="en-US" sz="1100">
+              <a:solidFill>
+                <a:prstClr val="black"/>
+              </a:solidFill>
+              <a:latin typeface="Adobe Clean" panose="020B0503020404020204" pitchFamily="34" charset="0"/>
+              <a:cs typeface="Adobe Clean"/>
+            </a:endParaRPr>
           </a:p>
         </p:txBody>
       </p:sp>
@@ -9739,15 +10939,22 @@
               </a:spcBef>
             </a:pPr>
             <a:r>
-              <a:rPr lang="it-IT" sz="1100" b="1">
+              <a:rPr lang="en-US" sz="1100" b="1">
                 <a:solidFill>
                   <a:srgbClr val="020302"/>
                 </a:solidFill>
                 <a:latin typeface="Adobe Clean" panose="020B0503020404020204" pitchFamily="34" charset="0"/>
                 <a:cs typeface="Adobe Clean"/>
               </a:rPr>
-              <a:t>Valutazione dell’ambiente</a:t>
-            </a:r>
+              <a:t>Environment Review</a:t>
+            </a:r>
+            <a:endParaRPr lang="en-US" sz="1100">
+              <a:solidFill>
+                <a:prstClr val="black"/>
+              </a:solidFill>
+              <a:latin typeface="Adobe Clean" panose="020B0503020404020204" pitchFamily="34" charset="0"/>
+              <a:cs typeface="Adobe Clean"/>
+            </a:endParaRPr>
           </a:p>
         </p:txBody>
       </p:sp>
@@ -9765,7 +10972,7 @@
         </p:nvSpPr>
         <p:spPr>
           <a:xfrm>
-            <a:off x="689237" y="2500579"/>
+            <a:off x="689237" y="2599639"/>
             <a:ext cx="2194560" cy="169277"/>
           </a:xfrm>
           <a:prstGeom prst="rect">
@@ -9784,15 +10991,22 @@
               </a:spcBef>
             </a:pPr>
             <a:r>
-              <a:rPr lang="it-IT" sz="1100" b="1">
+              <a:rPr lang="en-US" sz="1100" b="1">
                 <a:solidFill>
                   <a:srgbClr val="020302"/>
                 </a:solidFill>
                 <a:latin typeface="Adobe Clean" panose="020B0503020404020204" pitchFamily="34" charset="0"/>
                 <a:cs typeface="Adobe Clean"/>
               </a:rPr>
-              <a:t>Gestione delle escalation</a:t>
-            </a:r>
+              <a:t>Escalation Management</a:t>
+            </a:r>
+            <a:endParaRPr lang="en-US" sz="1100">
+              <a:solidFill>
+                <a:prstClr val="black"/>
+              </a:solidFill>
+              <a:latin typeface="Adobe Clean" panose="020B0503020404020204" pitchFamily="34" charset="0"/>
+              <a:cs typeface="Adobe Clean"/>
+            </a:endParaRPr>
           </a:p>
         </p:txBody>
       </p:sp>
@@ -9810,7 +11024,7 @@
         </p:nvSpPr>
         <p:spPr>
           <a:xfrm>
-            <a:off x="3153726" y="2500579"/>
+            <a:off x="3153726" y="2599639"/>
             <a:ext cx="2194560" cy="169277"/>
           </a:xfrm>
           <a:prstGeom prst="rect">
@@ -9829,15 +11043,22 @@
               </a:spcBef>
             </a:pPr>
             <a:r>
-              <a:rPr lang="it-IT" sz="1100" b="1">
+              <a:rPr lang="en-US" sz="1100" b="1">
                 <a:solidFill>
                   <a:srgbClr val="020302"/>
                 </a:solidFill>
                 <a:latin typeface="Adobe Clean" panose="020B0503020404020204" pitchFamily="34" charset="0"/>
                 <a:cs typeface="Adobe Clean"/>
               </a:rPr>
-              <a:t>Valutazione dei servizi</a:t>
-            </a:r>
+              <a:t>Service Reviews</a:t>
+            </a:r>
+            <a:endParaRPr lang="en-US" sz="1100">
+              <a:solidFill>
+                <a:prstClr val="black"/>
+              </a:solidFill>
+              <a:latin typeface="Adobe Clean" panose="020B0503020404020204" pitchFamily="34" charset="0"/>
+              <a:cs typeface="Adobe Clean"/>
+            </a:endParaRPr>
           </a:p>
         </p:txBody>
       </p:sp>
@@ -9855,7 +11076,7 @@
         </p:nvSpPr>
         <p:spPr>
           <a:xfrm>
-            <a:off x="5723508" y="2500579"/>
+            <a:off x="5723508" y="2599639"/>
             <a:ext cx="2194560" cy="169277"/>
           </a:xfrm>
           <a:prstGeom prst="rect">
@@ -9874,15 +11095,22 @@
               </a:spcBef>
             </a:pPr>
             <a:r>
-              <a:rPr lang="it-IT" sz="1100" b="1">
+              <a:rPr lang="en-US" sz="1100" b="1">
                 <a:solidFill>
                   <a:srgbClr val="020302"/>
                 </a:solidFill>
                 <a:latin typeface="Adobe Clean" panose="020B0503020404020204" pitchFamily="34" charset="0"/>
                 <a:cs typeface="Adobe Clean"/>
               </a:rPr>
-              <a:t>Sessioni con esperti</a:t>
-            </a:r>
+              <a:t>Expert Sessions</a:t>
+            </a:r>
+            <a:endParaRPr lang="en-US" sz="1100">
+              <a:solidFill>
+                <a:prstClr val="black"/>
+              </a:solidFill>
+              <a:latin typeface="Adobe Clean" panose="020B0503020404020204" pitchFamily="34" charset="0"/>
+              <a:cs typeface="Adobe Clean"/>
+            </a:endParaRPr>
           </a:p>
         </p:txBody>
       </p:sp>
@@ -9900,8 +11128,8 @@
         </p:nvSpPr>
         <p:spPr>
           <a:xfrm>
-            <a:off x="689237" y="4866601"/>
-            <a:ext cx="2194560" cy="338554"/>
+            <a:off x="689237" y="4935181"/>
+            <a:ext cx="2194560" cy="169277"/>
           </a:xfrm>
           <a:prstGeom prst="rect">
             <a:avLst/>
@@ -9919,34 +11147,22 @@
               </a:spcBef>
             </a:pPr>
             <a:r>
-              <a:rPr lang="it-IT" sz="1100" b="1" dirty="0">
+              <a:rPr lang="en-US" sz="1100" b="1">
                 <a:solidFill>
                   <a:srgbClr val="020302"/>
                 </a:solidFill>
                 <a:latin typeface="Adobe Clean" panose="020B0503020404020204" pitchFamily="34" charset="0"/>
                 <a:cs typeface="Adobe Clean"/>
               </a:rPr>
-              <a:t>Valutazione delle nuove </a:t>
-            </a:r>
-            <a:br>
-              <a:rPr lang="it-IT" sz="1100" b="1" dirty="0">
-                <a:solidFill>
-                  <a:srgbClr val="020302"/>
-                </a:solidFill>
-                <a:latin typeface="Adobe Clean" panose="020B0503020404020204" pitchFamily="34" charset="0"/>
-                <a:cs typeface="Adobe Clean"/>
-              </a:rPr>
-            </a:br>
-            <a:r>
-              <a:rPr lang="it-IT" sz="1100" b="1" dirty="0">
-                <a:solidFill>
-                  <a:srgbClr val="020302"/>
-                </a:solidFill>
-                <a:latin typeface="Adobe Clean" panose="020B0503020404020204" pitchFamily="34" charset="0"/>
-                <a:cs typeface="Adobe Clean"/>
-              </a:rPr>
-              <a:t>versioni e preparazione</a:t>
-            </a:r>
+              <a:t>Release Preparation &amp; Review</a:t>
+            </a:r>
+            <a:endParaRPr lang="en-US" sz="1100">
+              <a:solidFill>
+                <a:prstClr val="black"/>
+              </a:solidFill>
+              <a:latin typeface="Adobe Clean" panose="020B0503020404020204" pitchFamily="34" charset="0"/>
+              <a:cs typeface="Adobe Clean"/>
+            </a:endParaRPr>
           </a:p>
         </p:txBody>
       </p:sp>
@@ -9986,15 +11202,19 @@
               </a:spcBef>
             </a:pPr>
             <a:r>
-              <a:rPr lang="it-IT" sz="1100" b="1">
+              <a:rPr lang="en-US" sz="1100" b="1">
                 <a:solidFill>
                   <a:srgbClr val="020302"/>
                 </a:solidFill>
                 <a:latin typeface="Adobe Clean" panose="020B0503020404020204" pitchFamily="34" charset="0"/>
                 <a:cs typeface="Adobe Clean"/>
               </a:rPr>
-              <a:t>Trasferimento delle conoscenze</a:t>
-            </a:r>
+              <a:t>Knowledge Transfer</a:t>
+            </a:r>
+            <a:endParaRPr lang="en-US" sz="1100">
+              <a:latin typeface="Adobe Clean" panose="020B0503020404020204" pitchFamily="34" charset="0"/>
+              <a:cs typeface="Adobe Clean"/>
+            </a:endParaRPr>
           </a:p>
         </p:txBody>
       </p:sp>
@@ -10034,15 +11254,19 @@
               </a:spcBef>
             </a:pPr>
             <a:r>
-              <a:rPr lang="it-IT" sz="1100" b="1">
+              <a:rPr lang="en-US" sz="1100" b="1">
                 <a:solidFill>
                   <a:srgbClr val="020302"/>
                 </a:solidFill>
                 <a:latin typeface="Adobe Clean" panose="020B0503020404020204" pitchFamily="34" charset="0"/>
                 <a:cs typeface="Adobe Clean"/>
               </a:rPr>
-              <a:t>Gestione degli eventi</a:t>
-            </a:r>
+              <a:t>Event Management</a:t>
+            </a:r>
+            <a:endParaRPr lang="en-US" sz="1100">
+              <a:latin typeface="Adobe Clean" panose="020B0503020404020204" pitchFamily="34" charset="0"/>
+              <a:cs typeface="Adobe Clean"/>
+            </a:endParaRPr>
           </a:p>
         </p:txBody>
       </p:sp>
@@ -10115,7 +11339,7 @@
         </p:nvSpPr>
         <p:spPr>
           <a:xfrm rot="5400000" flipH="1">
-            <a:off x="3863341" y="-421640"/>
+            <a:off x="3863341" y="-322580"/>
             <a:ext cx="45719" cy="5577840"/>
           </a:xfrm>
           <a:custGeom>
@@ -10369,7 +11593,7 @@
         <p:spPr>
           <a:xfrm>
             <a:off x="2764975" y="4039530"/>
-            <a:ext cx="2355665" cy="881460"/>
+            <a:ext cx="2282011" cy="708399"/>
           </a:xfrm>
           <a:prstGeom prst="rect">
             <a:avLst/>
@@ -10390,15 +11614,19 @@
               </a:spcBef>
             </a:pPr>
             <a:r>
-              <a:rPr lang="it-IT" sz="1000" dirty="0">
+              <a:rPr lang="en-US" sz="1000">
                 <a:solidFill>
                   <a:srgbClr val="020302"/>
                 </a:solidFill>
                 <a:latin typeface="AdobeClean-Light"/>
                 <a:cs typeface="AdobeClean-Light"/>
               </a:rPr>
-              <a:t>Confronta e allinea la roadmap della soluzione Adobe con quella del progetto del cliente, per mitigare i rischi e prepararsi per il futuro.</a:t>
-            </a:r>
+              <a:t>Compare and align Adobe solution  roadmap with your project roadmap to  mitigate risk and prepare for the future.</a:t>
+            </a:r>
+            <a:endParaRPr lang="en-US" sz="1000">
+              <a:latin typeface="AdobeClean-Light"/>
+              <a:cs typeface="AdobeClean-Light"/>
+            </a:endParaRPr>
           </a:p>
           <a:p>
             <a:pPr marL="18415" marR="262255" lvl="0">
@@ -10410,7 +11638,7 @@
               </a:spcBef>
             </a:pPr>
             <a:r>
-              <a:rPr lang="it-IT" sz="1000" dirty="0">
+              <a:rPr lang="en-US" sz="1000">
                 <a:solidFill>
                   <a:srgbClr val="020302"/>
                 </a:solidFill>
@@ -10419,6 +11647,13 @@
               </a:rPr>
               <a:t>.</a:t>
             </a:r>
+            <a:endParaRPr lang="en-US" sz="1000">
+              <a:solidFill>
+                <a:prstClr val="black"/>
+              </a:solidFill>
+              <a:latin typeface="AdobeClean-Light"/>
+              <a:cs typeface="AdobeClean-Light"/>
+            </a:endParaRPr>
           </a:p>
         </p:txBody>
       </p:sp>
@@ -10705,8 +11940,8 @@
         </p:nvSpPr>
         <p:spPr>
           <a:xfrm>
-            <a:off x="4724779" y="2654677"/>
-            <a:ext cx="2190371" cy="105091"/>
+            <a:off x="4724779" y="2654678"/>
+            <a:ext cx="1894205" cy="0"/>
           </a:xfrm>
           <a:custGeom>
             <a:avLst/>
@@ -10747,8 +11982,8 @@
         </p:nvSpPr>
         <p:spPr>
           <a:xfrm>
-            <a:off x="4719441" y="2329688"/>
-            <a:ext cx="2308160" cy="228268"/>
+            <a:off x="4843269" y="2329688"/>
+            <a:ext cx="1656080" cy="238760"/>
           </a:xfrm>
           <a:prstGeom prst="rect">
             <a:avLst/>
@@ -10769,15 +12004,179 @@
               </a:spcBef>
             </a:pPr>
             <a:r>
-              <a:rPr lang="it-IT" sz="1400" b="1" dirty="0">
+              <a:rPr sz="1400" b="1" spc="-25">
                 <a:solidFill>
                   <a:srgbClr val="020302"/>
                 </a:solidFill>
                 <a:latin typeface="Adobe Clean"/>
                 <a:cs typeface="Adobe Clean"/>
               </a:rPr>
-              <a:t>Attività di servizio sul campo</a:t>
-            </a:r>
+              <a:t>Fi</a:t>
+            </a:r>
+            <a:r>
+              <a:rPr sz="1400" b="1" spc="-35">
+                <a:solidFill>
+                  <a:srgbClr val="020302"/>
+                </a:solidFill>
+                <a:latin typeface="Adobe Clean"/>
+                <a:cs typeface="Adobe Clean"/>
+              </a:rPr>
+              <a:t>e</a:t>
+            </a:r>
+            <a:r>
+              <a:rPr sz="1400" b="1" spc="-25">
+                <a:solidFill>
+                  <a:srgbClr val="020302"/>
+                </a:solidFill>
+                <a:latin typeface="Adobe Clean"/>
+                <a:cs typeface="Adobe Clean"/>
+              </a:rPr>
+              <a:t>l</a:t>
+            </a:r>
+            <a:r>
+              <a:rPr sz="1400" b="1">
+                <a:solidFill>
+                  <a:srgbClr val="020302"/>
+                </a:solidFill>
+                <a:latin typeface="Adobe Clean"/>
+                <a:cs typeface="Adobe Clean"/>
+              </a:rPr>
+              <a:t>d</a:t>
+            </a:r>
+            <a:r>
+              <a:rPr sz="1400" b="1" spc="-40">
+                <a:solidFill>
+                  <a:srgbClr val="020302"/>
+                </a:solidFill>
+                <a:latin typeface="Adobe Clean"/>
+                <a:cs typeface="Adobe Clean"/>
+              </a:rPr>
+              <a:t> </a:t>
+            </a:r>
+            <a:r>
+              <a:rPr sz="1400" b="1" spc="25">
+                <a:solidFill>
+                  <a:srgbClr val="020302"/>
+                </a:solidFill>
+                <a:latin typeface="Adobe Clean"/>
+                <a:cs typeface="Adobe Clean"/>
+              </a:rPr>
+              <a:t>S</a:t>
+            </a:r>
+            <a:r>
+              <a:rPr sz="1400" b="1" spc="5">
+                <a:solidFill>
+                  <a:srgbClr val="020302"/>
+                </a:solidFill>
+                <a:latin typeface="Adobe Clean"/>
+                <a:cs typeface="Adobe Clean"/>
+              </a:rPr>
+              <a:t>e</a:t>
+            </a:r>
+            <a:r>
+              <a:rPr sz="1400" b="1" spc="15">
+                <a:solidFill>
+                  <a:srgbClr val="020302"/>
+                </a:solidFill>
+                <a:latin typeface="Adobe Clean"/>
+                <a:cs typeface="Adobe Clean"/>
+              </a:rPr>
+              <a:t>rvi</a:t>
+            </a:r>
+            <a:r>
+              <a:rPr sz="1400" b="1" spc="5">
+                <a:solidFill>
+                  <a:srgbClr val="020302"/>
+                </a:solidFill>
+                <a:latin typeface="Adobe Clean"/>
+                <a:cs typeface="Adobe Clean"/>
+              </a:rPr>
+              <a:t>c</a:t>
+            </a:r>
+            <a:r>
+              <a:rPr sz="1400" b="1">
+                <a:solidFill>
+                  <a:srgbClr val="020302"/>
+                </a:solidFill>
+                <a:latin typeface="Adobe Clean"/>
+                <a:cs typeface="Adobe Clean"/>
+              </a:rPr>
+              <a:t>e</a:t>
+            </a:r>
+            <a:r>
+              <a:rPr sz="1400" b="1" spc="-190">
+                <a:solidFill>
+                  <a:srgbClr val="020302"/>
+                </a:solidFill>
+                <a:latin typeface="Adobe Clean"/>
+                <a:cs typeface="Adobe Clean"/>
+              </a:rPr>
+              <a:t> </a:t>
+            </a:r>
+            <a:r>
+              <a:rPr sz="1400" b="1" spc="5">
+                <a:solidFill>
+                  <a:srgbClr val="020302"/>
+                </a:solidFill>
+                <a:latin typeface="Adobe Clean"/>
+                <a:cs typeface="Adobe Clean"/>
+              </a:rPr>
+              <a:t>A</a:t>
+            </a:r>
+            <a:r>
+              <a:rPr sz="1400" b="1" spc="-5">
+                <a:solidFill>
+                  <a:srgbClr val="020302"/>
+                </a:solidFill>
+                <a:latin typeface="Adobe Clean"/>
+                <a:cs typeface="Adobe Clean"/>
+              </a:rPr>
+              <a:t>ct</a:t>
+            </a:r>
+            <a:r>
+              <a:rPr sz="1400" b="1" spc="5">
+                <a:solidFill>
+                  <a:srgbClr val="020302"/>
+                </a:solidFill>
+                <a:latin typeface="Adobe Clean"/>
+                <a:cs typeface="Adobe Clean"/>
+              </a:rPr>
+              <a:t>ivi</a:t>
+            </a:r>
+            <a:r>
+              <a:rPr sz="1400" b="1" spc="-5">
+                <a:solidFill>
+                  <a:srgbClr val="020302"/>
+                </a:solidFill>
+                <a:latin typeface="Adobe Clean"/>
+                <a:cs typeface="Adobe Clean"/>
+              </a:rPr>
+              <a:t>t</a:t>
+            </a:r>
+            <a:r>
+              <a:rPr sz="1400" b="1" spc="5">
+                <a:solidFill>
+                  <a:srgbClr val="020302"/>
+                </a:solidFill>
+                <a:latin typeface="Adobe Clean"/>
+                <a:cs typeface="Adobe Clean"/>
+              </a:rPr>
+              <a:t>i</a:t>
+            </a:r>
+            <a:r>
+              <a:rPr sz="1400" b="1" spc="-5">
+                <a:solidFill>
+                  <a:srgbClr val="020302"/>
+                </a:solidFill>
+                <a:latin typeface="Adobe Clean"/>
+                <a:cs typeface="Adobe Clean"/>
+              </a:rPr>
+              <a:t>es</a:t>
+            </a:r>
+            <a:endParaRPr sz="1400">
+              <a:latin typeface="Adobe Clean"/>
+              <a:cs typeface="Adobe Clean"/>
+            </a:endParaRPr>
           </a:p>
         </p:txBody>
       </p:sp>
@@ -10790,7 +12189,7 @@
         <p:spPr>
           <a:xfrm>
             <a:off x="914422" y="2342312"/>
-            <a:ext cx="1881166" cy="228268"/>
+            <a:ext cx="1242060" cy="238760"/>
           </a:xfrm>
           <a:prstGeom prst="rect">
             <a:avLst/>
@@ -10811,15 +12210,99 @@
               </a:spcBef>
             </a:pPr>
             <a:r>
-              <a:rPr lang="it-IT" sz="1400" b="1" dirty="0">
+              <a:rPr sz="1400" b="1" spc="-25">
                 <a:solidFill>
                   <a:srgbClr val="020302"/>
                 </a:solidFill>
                 <a:latin typeface="Adobe Clean"/>
                 <a:cs typeface="Adobe Clean"/>
               </a:rPr>
-              <a:t>Launch Advisory</a:t>
-            </a:r>
+              <a:t>L</a:t>
+            </a:r>
+            <a:r>
+              <a:rPr sz="1400" b="1" spc="-5">
+                <a:solidFill>
+                  <a:srgbClr val="020302"/>
+                </a:solidFill>
+                <a:latin typeface="Adobe Clean"/>
+                <a:cs typeface="Adobe Clean"/>
+              </a:rPr>
+              <a:t>a</a:t>
+            </a:r>
+            <a:r>
+              <a:rPr sz="1400" b="1" spc="-20">
+                <a:solidFill>
+                  <a:srgbClr val="020302"/>
+                </a:solidFill>
+                <a:latin typeface="Adobe Clean"/>
+                <a:cs typeface="Adobe Clean"/>
+              </a:rPr>
+              <a:t>u</a:t>
+            </a:r>
+            <a:r>
+              <a:rPr sz="1400" b="1" spc="-15">
+                <a:solidFill>
+                  <a:srgbClr val="020302"/>
+                </a:solidFill>
+                <a:latin typeface="Adobe Clean"/>
+                <a:cs typeface="Adobe Clean"/>
+              </a:rPr>
+              <a:t>n</a:t>
+            </a:r>
+            <a:r>
+              <a:rPr sz="1400" b="1" spc="-25">
+                <a:solidFill>
+                  <a:srgbClr val="020302"/>
+                </a:solidFill>
+                <a:latin typeface="Adobe Clean"/>
+                <a:cs typeface="Adobe Clean"/>
+              </a:rPr>
+              <a:t>c</a:t>
+            </a:r>
+            <a:r>
+              <a:rPr sz="1400" b="1">
+                <a:solidFill>
+                  <a:srgbClr val="020302"/>
+                </a:solidFill>
+                <a:latin typeface="Adobe Clean"/>
+                <a:cs typeface="Adobe Clean"/>
+              </a:rPr>
+              <a:t>h</a:t>
+            </a:r>
+            <a:r>
+              <a:rPr sz="1400" b="1" spc="-25">
+                <a:solidFill>
+                  <a:srgbClr val="020302"/>
+                </a:solidFill>
+                <a:latin typeface="Adobe Clean"/>
+                <a:cs typeface="Adobe Clean"/>
+              </a:rPr>
+              <a:t> </a:t>
+            </a:r>
+            <a:r>
+              <a:rPr sz="1400" b="1" spc="-10">
+                <a:solidFill>
+                  <a:srgbClr val="020302"/>
+                </a:solidFill>
+                <a:latin typeface="Adobe Clean"/>
+                <a:cs typeface="Adobe Clean"/>
+              </a:rPr>
+              <a:t>Advisor</a:t>
+            </a:r>
+            <a:r>
+              <a:rPr sz="1400" b="1">
+                <a:solidFill>
+                  <a:srgbClr val="020302"/>
+                </a:solidFill>
+                <a:latin typeface="Adobe Clean"/>
+                <a:cs typeface="Adobe Clean"/>
+              </a:rPr>
+              <a:t>y</a:t>
+            </a:r>
+            <a:endParaRPr sz="1400">
+              <a:latin typeface="Adobe Clean"/>
+              <a:cs typeface="Adobe Clean"/>
+            </a:endParaRPr>
           </a:p>
         </p:txBody>
       </p:sp>
@@ -10832,7 +12315,7 @@
         <p:spPr>
           <a:xfrm>
             <a:off x="242187" y="2787904"/>
-            <a:ext cx="3174962" cy="628377"/>
+            <a:ext cx="3004185" cy="635000"/>
           </a:xfrm>
           <a:prstGeom prst="rect">
             <a:avLst/>
@@ -10853,89 +12336,90 @@
               </a:spcBef>
             </a:pPr>
             <a:r>
-              <a:rPr lang="it-IT" sz="1000" dirty="0">
+              <a:rPr sz="1000">
                 <a:solidFill>
                   <a:srgbClr val="1F1F1F"/>
                 </a:solidFill>
                 <a:latin typeface="AdobeClean-Light"/>
                 <a:cs typeface="AdobeClean-Light"/>
               </a:rPr>
-              <a:t>Per i clienti che implementano una </a:t>
-            </a:r>
-            <a:r>
-              <a:rPr lang="it-IT" sz="1000" b="1" dirty="0">
+              <a:t>For customers implementing a </a:t>
+            </a:r>
+            <a:r>
+              <a:rPr sz="1000" b="1">
                 <a:solidFill>
                   <a:srgbClr val="1F1F1F"/>
                 </a:solidFill>
                 <a:latin typeface="Adobe Clean"/>
                 <a:cs typeface="Adobe Clean"/>
               </a:rPr>
-              <a:t>nuova soluzione Adobe Experience Cloud, </a:t>
-            </a:r>
-            <a:r>
-              <a:rPr lang="it-IT" sz="1000" dirty="0">
+              <a:t>new Adobe Experience Cloud  solution, </a:t>
+            </a:r>
+            <a:r>
+              <a:rPr sz="1000">
                 <a:latin typeface="AdobeClean-Light"/>
                 <a:cs typeface="AdobeClean-Light"/>
               </a:rPr>
               <a:t>Launch Advisory </a:t>
             </a:r>
             <a:r>
-              <a:rPr lang="it-IT" sz="1000" dirty="0">
+              <a:rPr sz="1000">
                 <a:latin typeface="AdobeClean-SemiLight"/>
                 <a:cs typeface="AdobeClean-SemiLight"/>
               </a:rPr>
-              <a:t>offre un </a:t>
-            </a:r>
-            <a:r>
-              <a:rPr lang="it-IT" sz="950" dirty="0">
+              <a:t>is a </a:t>
+            </a:r>
+            <a:r>
+              <a:rPr sz="950">
                 <a:latin typeface="AdobeClean-SemiLight"/>
                 <a:cs typeface="AdobeClean-SemiLight"/>
               </a:rPr>
-              <a:t>set principale </a:t>
-            </a:r>
-            <a:br>
-              <a:rPr lang="it-IT" sz="950" dirty="0">
+              <a:t>core set of advisory</a:t>
+            </a:r>
+          </a:p>
+          <a:p>
+            <a:pPr marL="12700" marR="86995" indent="-635">
+              <a:lnSpc>
+                <a:spcPct val="100000"/>
+              </a:lnSpc>
+            </a:pPr>
+            <a:r>
+              <a:rPr sz="950">
                 <a:latin typeface="AdobeClean-SemiLight"/>
                 <a:cs typeface="AdobeClean-SemiLight"/>
               </a:rPr>
-            </a:br>
-            <a:r>
-              <a:rPr lang="it-IT" sz="950" dirty="0">
-                <a:latin typeface="AdobeClean-SemiLight"/>
-                <a:cs typeface="AdobeClean-SemiLight"/>
-              </a:rPr>
-              <a:t>di servizi di consulenza </a:t>
-            </a:r>
-            <a:r>
-              <a:rPr lang="it-IT" sz="1000" dirty="0">
+              <a:t>services </a:t>
+            </a:r>
+            <a:r>
+              <a:rPr sz="1000">
                 <a:latin typeface="AdobeClean-Light"/>
                 <a:cs typeface="AdobeClean-Light"/>
               </a:rPr>
-              <a:t>e raccomandazioni consolidate, utili per |</a:t>
-            </a:r>
-            <a:r>
-              <a:rPr lang="it-IT" sz="950" dirty="0">
+              <a:t>and recommendations that are proven to </a:t>
+            </a:r>
+            <a:r>
+              <a:rPr sz="950">
                 <a:latin typeface="AdobeClean-Light"/>
                 <a:cs typeface="AdobeClean-Light"/>
               </a:rPr>
-              <a:t>il successo dell’implementazione </a:t>
-            </a:r>
-            <a:r>
-              <a:rPr lang="it-IT" sz="1000" dirty="0">
+              <a:t>support  successful deployments </a:t>
+            </a:r>
+            <a:r>
+              <a:rPr sz="1000">
                 <a:latin typeface="AdobeClean-Light"/>
                 <a:cs typeface="AdobeClean-Light"/>
               </a:rPr>
-              <a:t>e </a:t>
-            </a:r>
-            <a:r>
-              <a:rPr lang="it-IT" sz="950" dirty="0">
+              <a:t>and </a:t>
+            </a:r>
+            <a:r>
+              <a:rPr sz="950">
                 <a:latin typeface="AdobeClean-Light"/>
                 <a:cs typeface="AdobeClean-Light"/>
               </a:rPr>
-              <a:t>per velocizzare il time-to-value</a:t>
-            </a:r>
-            <a:r>
-              <a:rPr lang="it-IT" sz="1000" dirty="0">
+              <a:t>accelerate time-to-value</a:t>
+            </a:r>
+            <a:r>
+              <a:rPr sz="1000">
                 <a:latin typeface="AdobeClean-Light"/>
                 <a:cs typeface="AdobeClean-Light"/>
               </a:rPr>
@@ -11031,8 +12515,8 @@
         </p:nvSpPr>
         <p:spPr>
           <a:xfrm>
-            <a:off x="3976900" y="2790952"/>
-            <a:ext cx="3633571" cy="782265"/>
+            <a:off x="3976901" y="2790952"/>
+            <a:ext cx="3543300" cy="628377"/>
           </a:xfrm>
           <a:prstGeom prst="rect">
             <a:avLst/>
@@ -11053,151 +12537,79 @@
               </a:spcBef>
             </a:pPr>
             <a:r>
-              <a:rPr lang="it-IT" sz="1000" dirty="0">
+              <a:rPr sz="1000">
                 <a:solidFill>
                   <a:srgbClr val="4B4B4B"/>
                 </a:solidFill>
                 <a:latin typeface="AdobeClean-Light"/>
                 <a:cs typeface="AdobeClean-Light"/>
               </a:rPr>
-              <a:t>I servizi sul campo sono utilizzati per la </a:t>
-            </a:r>
-            <a:r>
-              <a:rPr lang="it-IT" sz="1000" b="1" dirty="0">
+              <a:t>Field Services are used for </a:t>
+            </a:r>
+            <a:r>
+              <a:rPr sz="1000" b="1">
                 <a:solidFill>
                   <a:srgbClr val="4B4B4B"/>
                 </a:solidFill>
                 <a:latin typeface="Adobe Clean"/>
                 <a:cs typeface="Adobe Clean"/>
               </a:rPr>
-              <a:t>risoluzione rapida</a:t>
-            </a:r>
-            <a:r>
-              <a:rPr lang="it-IT" sz="1000" dirty="0">
+              <a:t>quick resolution</a:t>
+            </a:r>
+            <a:r>
+              <a:rPr sz="1000">
                 <a:solidFill>
                   <a:srgbClr val="4B4B4B"/>
                 </a:solidFill>
                 <a:latin typeface="AdobeClean-Light"/>
                 <a:cs typeface="AdobeClean-Light"/>
               </a:rPr>
-              <a:t> </a:t>
-            </a:r>
-            <a:br>
-              <a:rPr lang="it-IT" sz="1000" dirty="0">
+              <a:t>, focused customer success  and accelerated </a:t>
+            </a:r>
+            <a:r>
+              <a:rPr sz="1000" b="1">
+                <a:solidFill>
+                  <a:srgbClr val="4B4B4B"/>
+                </a:solidFill>
+                <a:latin typeface="Adobe Clean"/>
+                <a:cs typeface="Adobe Clean"/>
+              </a:rPr>
+              <a:t>time-to-value</a:t>
+            </a:r>
+            <a:r>
+              <a:rPr sz="1000">
                 <a:solidFill>
                   <a:srgbClr val="4B4B4B"/>
                 </a:solidFill>
                 <a:latin typeface="AdobeClean-Light"/>
                 <a:cs typeface="AdobeClean-Light"/>
               </a:rPr>
-            </a:br>
-            <a:r>
-              <a:rPr lang="it-IT" sz="1000" dirty="0">
+              <a:t>. If Launch advisory is active there will be  </a:t>
+            </a:r>
+            <a:r>
+              <a:rPr sz="1000" b="1">
+                <a:solidFill>
+                  <a:srgbClr val="4B4B4B"/>
+                </a:solidFill>
+                <a:latin typeface="Adobe Clean"/>
+                <a:cs typeface="Adobe Clean"/>
+              </a:rPr>
+              <a:t>no Field Services in year 1 </a:t>
+            </a:r>
+            <a:r>
+              <a:rPr sz="1000">
                 <a:solidFill>
                   <a:srgbClr val="4B4B4B"/>
                 </a:solidFill>
                 <a:latin typeface="AdobeClean-Light"/>
                 <a:cs typeface="AdobeClean-Light"/>
               </a:rPr>
-              <a:t>e si incentrano sul successo dei clienti e la velocizzazione </a:t>
-            </a:r>
-            <a:br>
-              <a:rPr lang="it-IT" sz="1000" dirty="0">
-                <a:solidFill>
-                  <a:srgbClr val="4B4B4B"/>
-                </a:solidFill>
-                <a:latin typeface="AdobeClean-Light"/>
-                <a:cs typeface="AdobeClean-Light"/>
-              </a:rPr>
-            </a:br>
-            <a:r>
-              <a:rPr lang="it-IT" sz="1000" dirty="0">
-                <a:solidFill>
-                  <a:srgbClr val="4B4B4B"/>
-                </a:solidFill>
-                <a:latin typeface="AdobeClean-Light"/>
-                <a:cs typeface="AdobeClean-Light"/>
-              </a:rPr>
-              <a:t>del </a:t>
-            </a:r>
-            <a:r>
-              <a:rPr lang="it-IT" sz="1000" b="1" dirty="0">
-                <a:solidFill>
-                  <a:srgbClr val="4B4B4B"/>
-                </a:solidFill>
-                <a:latin typeface="Adobe Clean"/>
-                <a:cs typeface="Adobe Clean"/>
-              </a:rPr>
-              <a:t>time-to-value</a:t>
-            </a:r>
-            <a:r>
-              <a:rPr lang="it-IT" sz="1000" dirty="0">
-                <a:solidFill>
-                  <a:srgbClr val="4B4B4B"/>
-                </a:solidFill>
-                <a:latin typeface="AdobeClean-Light"/>
-                <a:cs typeface="AdobeClean-Light"/>
-              </a:rPr>
-              <a:t>. Se Launch Advisory è attivo, </a:t>
-            </a:r>
-            <a:r>
-              <a:rPr lang="it-IT" sz="1000" b="1" dirty="0">
-                <a:solidFill>
-                  <a:srgbClr val="4B4B4B"/>
-                </a:solidFill>
-                <a:latin typeface="Adobe Clean"/>
-                <a:cs typeface="Adobe Clean"/>
-              </a:rPr>
-              <a:t>nel primo </a:t>
-            </a:r>
-            <a:br>
-              <a:rPr lang="it-IT" sz="1000" b="1" dirty="0">
-                <a:solidFill>
-                  <a:srgbClr val="4B4B4B"/>
-                </a:solidFill>
-                <a:latin typeface="Adobe Clean"/>
-                <a:cs typeface="Adobe Clean"/>
-              </a:rPr>
-            </a:br>
-            <a:r>
-              <a:rPr lang="it-IT" sz="1000" b="1" dirty="0">
-                <a:solidFill>
-                  <a:srgbClr val="4B4B4B"/>
-                </a:solidFill>
-                <a:latin typeface="Adobe Clean"/>
-                <a:cs typeface="Adobe Clean"/>
-              </a:rPr>
-              <a:t>anno non sono previsti servizi sul campo</a:t>
-            </a:r>
-            <a:r>
-              <a:rPr lang="it-IT" sz="1000" dirty="0">
-                <a:solidFill>
-                  <a:srgbClr val="4B4B4B"/>
-                </a:solidFill>
-                <a:latin typeface="AdobeClean-Light"/>
-                <a:cs typeface="AdobeClean-Light"/>
-              </a:rPr>
-              <a:t> per i prodotti </a:t>
-            </a:r>
-            <a:br>
-              <a:rPr lang="it-IT" sz="1000" dirty="0">
-                <a:solidFill>
-                  <a:srgbClr val="4B4B4B"/>
-                </a:solidFill>
-                <a:latin typeface="AdobeClean-Light"/>
-                <a:cs typeface="AdobeClean-Light"/>
-              </a:rPr>
-            </a:br>
-            <a:r>
-              <a:rPr lang="it-IT" sz="1000" dirty="0">
-                <a:solidFill>
-                  <a:srgbClr val="4B4B4B"/>
-                </a:solidFill>
-                <a:latin typeface="AdobeClean-Light"/>
-                <a:cs typeface="AdobeClean-Light"/>
-              </a:rPr>
-              <a:t>coperti da un contratto di supporto Adobe.</a:t>
-            </a:r>
+              <a:t>for any solution product covered by a  Support contract.</a:t>
+            </a:r>
+            <a:endParaRPr sz="1000">
+              <a:latin typeface="AdobeClean-Light"/>
+              <a:cs typeface="AdobeClean-Light"/>
+            </a:endParaRPr>
           </a:p>
         </p:txBody>
       </p:sp>
@@ -11294,7 +12706,7 @@
         <p:spPr>
           <a:xfrm>
             <a:off x="263464" y="5348732"/>
-            <a:ext cx="3114040" cy="628377"/>
+            <a:ext cx="3114040" cy="482600"/>
           </a:xfrm>
           <a:prstGeom prst="rect">
             <a:avLst/>
@@ -11315,24 +12727,11 @@
               </a:spcBef>
             </a:pPr>
             <a:r>
-              <a:rPr lang="it-IT" sz="1000" dirty="0">
+              <a:rPr sz="1000">
                 <a:latin typeface="AdobeClean-Light"/>
                 <a:cs typeface="AdobeClean-Light"/>
               </a:rPr>
-              <a:t>Launch Advisory si allinea alla pianificazione del progetto </a:t>
-            </a:r>
-            <a:br>
-              <a:rPr lang="it-IT" sz="1000" dirty="0">
-                <a:latin typeface="AdobeClean-Light"/>
-                <a:cs typeface="AdobeClean-Light"/>
-              </a:rPr>
-            </a:br>
-            <a:r>
-              <a:rPr lang="it-IT" sz="1000" dirty="0">
-                <a:latin typeface="AdobeClean-Light"/>
-                <a:cs typeface="AdobeClean-Light"/>
-              </a:rPr>
-              <a:t>del cliente, con obiettivi intermedi comuni (avvio, definizione, progettazione, lancio e post-lancio) per guidare, convalidare, valutare e formulare raccomandazioni.</a:t>
+              <a:t>Launch Advisory will align with your project schedule through  common milestones (Kickoff, Define, Design, Go-live and Post  Launch) to guide, validate, assess and make recommendations.</a:t>
             </a:r>
           </a:p>
         </p:txBody>
@@ -11345,8 +12744,8 @@
         </p:nvSpPr>
         <p:spPr>
           <a:xfrm>
-            <a:off x="263464" y="6063680"/>
-            <a:ext cx="2532124" cy="166712"/>
+            <a:off x="263464" y="5982715"/>
+            <a:ext cx="1247140" cy="166712"/>
           </a:xfrm>
           <a:prstGeom prst="rect">
             <a:avLst/>
@@ -11367,11 +12766,11 @@
               </a:spcBef>
             </a:pPr>
             <a:r>
-              <a:rPr lang="it-IT" sz="1000" dirty="0">
+              <a:rPr sz="1000">
                 <a:latin typeface="AdobeClean-Light"/>
                 <a:cs typeface="AdobeClean-Light"/>
               </a:rPr>
-              <a:t>Il servizio include i seguenti materiali:</a:t>
+              <a:t>Key Deliverables include:</a:t>
             </a:r>
           </a:p>
         </p:txBody>
@@ -11385,7 +12784,7 @@
         <p:spPr>
           <a:xfrm>
             <a:off x="205422" y="6308299"/>
-            <a:ext cx="3474720" cy="592470"/>
+            <a:ext cx="2745105" cy="592470"/>
           </a:xfrm>
           <a:prstGeom prst="rect">
             <a:avLst/>
@@ -11405,12 +12804,12 @@
               <a:buChar char="•"/>
             </a:pPr>
             <a:r>
-              <a:rPr lang="it-IT" sz="1000" dirty="0">
+              <a:rPr lang="en-US" sz="1000">
                 <a:solidFill>
                   <a:prstClr val="black"/>
                 </a:solidFill>
               </a:rPr>
-              <a:t>Piano di lancio (incluso il piano di collaborazione al progetto)</a:t>
+              <a:t>Kickoff (including project collaboration plan) deck</a:t>
             </a:r>
           </a:p>
           <a:p>
@@ -11422,12 +12821,12 @@
               <a:buChar char="•"/>
             </a:pPr>
             <a:r>
-              <a:rPr lang="it-IT" sz="1000" dirty="0">
+              <a:rPr lang="en-US" sz="1000">
                 <a:solidFill>
                   <a:prstClr val="black"/>
                 </a:solidFill>
               </a:rPr>
-              <a:t>Documentazione relativa a valutazione e raccomandazioni</a:t>
+              <a:t>Assessment &amp; recommendations document(s)</a:t>
             </a:r>
           </a:p>
           <a:p>
@@ -11439,12 +12838,12 @@
               <a:buChar char="•"/>
             </a:pPr>
             <a:r>
-              <a:rPr lang="it-IT" sz="1000" dirty="0">
+              <a:rPr lang="en-US" sz="1000">
                 <a:solidFill>
                   <a:prstClr val="black"/>
                 </a:solidFill>
               </a:rPr>
-              <a:t>Riepilogo dell’ambito delle attività di consulenza</a:t>
+              <a:t>Engagement summary</a:t>
             </a:r>
           </a:p>
         </p:txBody>
@@ -11457,8 +12856,8 @@
         </p:nvSpPr>
         <p:spPr>
           <a:xfrm>
-            <a:off x="263463" y="4126991"/>
-            <a:ext cx="3177459" cy="1070610"/>
+            <a:off x="263464" y="4126991"/>
+            <a:ext cx="3141980" cy="1070610"/>
           </a:xfrm>
           <a:prstGeom prst="rect">
             <a:avLst/>
@@ -11479,15 +12878,19 @@
               </a:spcBef>
             </a:pPr>
             <a:r>
-              <a:rPr lang="it-IT" sz="1600" dirty="0">
+              <a:rPr sz="1600">
                 <a:solidFill>
                   <a:srgbClr val="FFFFFF"/>
                 </a:solidFill>
                 <a:latin typeface="Arial"/>
                 <a:cs typeface="Arial"/>
               </a:rPr>
-              <a:t>Implementazione</a:t>
-            </a:r>
+              <a:t>Implementation</a:t>
+            </a:r>
+            <a:endParaRPr sz="1600">
+              <a:latin typeface="Arial"/>
+              <a:cs typeface="Arial"/>
+            </a:endParaRPr>
           </a:p>
           <a:p>
             <a:pPr marL="12700" marR="5080">
@@ -11499,45 +12902,32 @@
               </a:spcBef>
             </a:pPr>
             <a:r>
-              <a:rPr lang="it-IT" sz="1000" dirty="0">
+              <a:rPr sz="1000">
                 <a:latin typeface="AdobeClean-Light"/>
                 <a:cs typeface="AdobeClean-Light"/>
               </a:rPr>
-              <a:t>Gli esperti delle soluzioni Adobe aiutano a convalidare i requisiti, l’architettura, il processo di sviluppo e lo stato di preparazione, </a:t>
-            </a:r>
-            <a:r>
-              <a:rPr lang="it-IT" sz="1000" dirty="0">
+              <a:t>Adobe solution experts help validate requirements, architecture,  development process, and launch readiness reviews </a:t>
+            </a:r>
+            <a:r>
+              <a:rPr sz="1000">
                 <a:latin typeface="AdobeClean-SemiLight"/>
                 <a:cs typeface="AdobeClean-SemiLight"/>
               </a:rPr>
-              <a:t>con </a:t>
-            </a:r>
-            <a:r>
-              <a:rPr lang="it-IT" sz="950" dirty="0">
+              <a:t>with </a:t>
+            </a:r>
+            <a:r>
+              <a:rPr sz="950">
                 <a:latin typeface="AdobeClean-SemiLight"/>
                 <a:cs typeface="AdobeClean-SemiLight"/>
               </a:rPr>
-              <a:t>indicazioni basate su best practice </a:t>
-            </a:r>
-            <a:r>
-              <a:rPr lang="it-IT" sz="1000" dirty="0">
+              <a:t>best  practice-based guidance </a:t>
+            </a:r>
+            <a:r>
+              <a:rPr sz="1000">
                 <a:latin typeface="AdobeClean-SemiLight"/>
                 <a:cs typeface="AdobeClean-SemiLight"/>
               </a:rPr>
-              <a:t>rivolte ai clienti </a:t>
-            </a:r>
-            <a:br>
-              <a:rPr lang="it-IT" sz="1000" dirty="0">
-                <a:latin typeface="AdobeClean-SemiLight"/>
-                <a:cs typeface="AdobeClean-SemiLight"/>
-              </a:rPr>
-            </a:br>
-            <a:r>
-              <a:rPr lang="it-IT" sz="1000" dirty="0">
-                <a:latin typeface="AdobeClean-SemiLight"/>
-                <a:cs typeface="AdobeClean-SemiLight"/>
-              </a:rPr>
-              <a:t>e ai partner di implementazione.</a:t>
+              <a:t>to customers and implementation  partners.</a:t>
             </a:r>
           </a:p>
         </p:txBody>
@@ -11549,20 +12939,15 @@
           <p:nvPr/>
         </p:nvPicPr>
         <p:blipFill>
-          <a:blip r:embed="rId3" cstate="print">
-            <a:extLst>
-              <a:ext uri="{28A0092B-C50C-407E-A947-70E740481C1C}">
-                <a14:useLocalDpi xmlns:a14="http://schemas.microsoft.com/office/drawing/2010/main" val="0"/>
-              </a:ext>
-            </a:extLst>
-          </a:blip>
-          <a:srcRect/>
-          <a:stretch/>
+          <a:blip r:embed="rId3" cstate="print"/>
+          <a:stretch>
+            <a:fillRect/>
+          </a:stretch>
         </p:blipFill>
         <p:spPr>
           <a:xfrm>
-            <a:off x="363328" y="6945275"/>
-            <a:ext cx="3053821" cy="2818911"/>
+            <a:off x="363328" y="6930985"/>
+            <a:ext cx="3053821" cy="2818913"/>
           </a:xfrm>
           <a:prstGeom prst="rect">
             <a:avLst/>
@@ -11577,8 +12962,8 @@
         </p:nvSpPr>
         <p:spPr>
           <a:xfrm>
-            <a:off x="3947346" y="5106792"/>
-            <a:ext cx="3463104" cy="646524"/>
+            <a:off x="3947346" y="5363972"/>
+            <a:ext cx="3335020" cy="659765"/>
           </a:xfrm>
           <a:prstGeom prst="rect">
             <a:avLst/>
@@ -11599,39 +12984,30 @@
               </a:spcBef>
             </a:pPr>
             <a:r>
-              <a:rPr lang="it-IT" sz="1000" b="1" dirty="0">
-                <a:latin typeface="Adobe Clean" panose="020B0503020404020204" pitchFamily="34" charset="0"/>
+              <a:rPr sz="1000" b="1">
+                <a:latin typeface="Arial"/>
                 <a:cs typeface="Arial"/>
               </a:rPr>
-              <a:t>Le attività tecniche</a:t>
-            </a:r>
-            <a:r>
-              <a:rPr lang="it-IT" sz="1000" dirty="0">
-                <a:latin typeface="Adobe Clean" panose="020B0503020404020204" pitchFamily="34" charset="0"/>
-                <a:cs typeface="AdobeClean-Light"/>
-              </a:rPr>
-              <a:t> </a:t>
-            </a:r>
-            <a:r>
-              <a:rPr lang="it-IT" sz="1000" dirty="0">
+              <a:t>Technical Track Activities </a:t>
+            </a:r>
+            <a:r>
+              <a:rPr sz="1000">
                 <a:latin typeface="AdobeClean-Light"/>
                 <a:cs typeface="AdobeClean-Light"/>
               </a:rPr>
-              <a:t>supportano le competenze tecniche del clienti </a:t>
-            </a:r>
-            <a:br>
-              <a:rPr lang="it-IT" sz="1000" dirty="0">
+              <a:t>ensure customers are technically sound  and maximizing their tool adoption. Specifically, these types of  activities include support and recommendations related to platform  configurations, integrations and troubleshooting</a:t>
+            </a:r>
+            <a:r>
+              <a:rPr lang="en-US" sz="1000">
                 <a:latin typeface="AdobeClean-Light"/>
                 <a:cs typeface="AdobeClean-Light"/>
               </a:rPr>
-            </a:br>
-            <a:r>
-              <a:rPr lang="it-IT" sz="1000" dirty="0">
-                <a:latin typeface="AdobeClean-Light"/>
-                <a:cs typeface="AdobeClean-Light"/>
-              </a:rPr>
-              <a:t>e sono volte a massimizzare l’adozione degli strumenti. In particolare, includono supporto e raccomandazioni in merito a configurazioni della piattaforma, integrazioni e risoluzione di problemi.</a:t>
-            </a:r>
+              <a:t>.</a:t>
+            </a:r>
+            <a:endParaRPr sz="1000">
+              <a:latin typeface="AdobeClean-Light"/>
+              <a:cs typeface="AdobeClean-Light"/>
+            </a:endParaRPr>
           </a:p>
         </p:txBody>
       </p:sp>
@@ -11643,8 +13019,8 @@
         </p:nvSpPr>
         <p:spPr>
           <a:xfrm>
-            <a:off x="3947345" y="5917560"/>
-            <a:ext cx="3429519" cy="1436291"/>
+            <a:off x="3947346" y="6174740"/>
+            <a:ext cx="2099310" cy="1436291"/>
           </a:xfrm>
           <a:prstGeom prst="rect">
             <a:avLst/>
@@ -11665,11 +13041,11 @@
               </a:spcBef>
             </a:pPr>
             <a:r>
-              <a:rPr lang="it-IT" sz="1000" dirty="0">
+              <a:rPr sz="1000">
                 <a:latin typeface="AdobeClean-Light"/>
                 <a:cs typeface="AdobeClean-Light"/>
               </a:rPr>
-              <a:t>Attività tecniche disponibili:</a:t>
+              <a:t>Types of technical activities available::</a:t>
             </a:r>
           </a:p>
           <a:p>
@@ -11684,12 +13060,12 @@
               <a:buChar char="ü"/>
             </a:pPr>
             <a:r>
-              <a:rPr lang="it-IT" sz="1000" dirty="0">
+              <a:rPr lang="en-US" sz="1000">
                 <a:solidFill>
                   <a:prstClr val="black"/>
                 </a:solidFill>
               </a:rPr>
-              <a:t>Audit sullo stato del sistema</a:t>
+              <a:t>Health audit</a:t>
             </a:r>
           </a:p>
           <a:p>
@@ -11704,12 +13080,12 @@
               <a:buChar char="ü"/>
             </a:pPr>
             <a:r>
-              <a:rPr lang="it-IT" sz="1000" dirty="0">
+              <a:rPr lang="en-US" sz="1000">
                 <a:solidFill>
                   <a:prstClr val="black"/>
                 </a:solidFill>
               </a:rPr>
-              <a:t>Audit della piattaforma</a:t>
+              <a:t>Platform audit</a:t>
             </a:r>
           </a:p>
           <a:p>
@@ -11724,12 +13100,12 @@
               <a:buChar char="ü"/>
             </a:pPr>
             <a:r>
-              <a:rPr lang="it-IT" sz="1000" dirty="0">
+              <a:rPr lang="en-US" sz="1000">
                 <a:solidFill>
                   <a:prstClr val="black"/>
                 </a:solidFill>
               </a:rPr>
-              <a:t>Abilitazione del set di funzioni</a:t>
+              <a:t>Feature set enablement</a:t>
             </a:r>
           </a:p>
           <a:p>
@@ -11744,12 +13120,12 @@
               <a:buChar char="ü"/>
             </a:pPr>
             <a:r>
-              <a:rPr lang="it-IT" sz="1000" dirty="0">
+              <a:rPr lang="en-US" sz="1000">
                 <a:solidFill>
                   <a:prstClr val="black"/>
                 </a:solidFill>
               </a:rPr>
-              <a:t>Integrazioni e configurazioni di base</a:t>
+              <a:t>Basic integrations and configurations</a:t>
             </a:r>
           </a:p>
           <a:p>
@@ -11764,12 +13140,12 @@
               <a:buChar char="ü"/>
             </a:pPr>
             <a:r>
-              <a:rPr lang="it-IT" sz="1000" dirty="0">
+              <a:rPr lang="en-US" sz="1000">
                 <a:solidFill>
                   <a:prstClr val="black"/>
                 </a:solidFill>
               </a:rPr>
-              <a:t>Risoluzione di problemi inerenti la soluzione del cliente</a:t>
+              <a:t>Customer solution troubleshooting</a:t>
             </a:r>
           </a:p>
           <a:p>
@@ -11784,12 +13160,12 @@
               <a:buChar char="ü"/>
             </a:pPr>
             <a:r>
-              <a:rPr lang="it-IT" sz="1000" dirty="0">
+              <a:rPr lang="en-US" sz="1000">
                 <a:solidFill>
                   <a:prstClr val="black"/>
                 </a:solidFill>
               </a:rPr>
-              <a:t>Supporto dei servizi cloud</a:t>
+              <a:t>Cloud service support</a:t>
             </a:r>
           </a:p>
         </p:txBody>
@@ -11802,8 +13178,8 @@
         </p:nvSpPr>
         <p:spPr>
           <a:xfrm>
-            <a:off x="3942774" y="7459848"/>
-            <a:ext cx="3429519" cy="1989006"/>
+            <a:off x="3942774" y="7717028"/>
+            <a:ext cx="3208655" cy="1989006"/>
           </a:xfrm>
           <a:prstGeom prst="rect">
             <a:avLst/>
@@ -11824,64 +13200,18 @@
               </a:spcBef>
             </a:pPr>
             <a:r>
-              <a:rPr lang="it-IT" sz="1000" b="1" dirty="0">
-                <a:latin typeface="Adobe Clean" panose="020B0503020404020204" pitchFamily="34" charset="0"/>
+              <a:rPr sz="1000" b="1">
+                <a:latin typeface="Arial"/>
                 <a:cs typeface="Arial"/>
               </a:rPr>
-              <a:t>Le attività strategiche</a:t>
-            </a:r>
-            <a:r>
-              <a:rPr lang="it-IT" sz="1000" dirty="0">
-                <a:latin typeface="Adobe Clean" panose="020B0503020404020204" pitchFamily="34" charset="0"/>
-                <a:cs typeface="AdobeClean-Light"/>
-              </a:rPr>
-              <a:t> </a:t>
-            </a:r>
-            <a:r>
-              <a:rPr lang="it-IT" sz="1000" dirty="0">
+              <a:t>Strategic Track Activities </a:t>
+            </a:r>
+            <a:r>
+              <a:rPr sz="1000">
                 <a:latin typeface="AdobeClean-Light"/>
                 <a:cs typeface="AdobeClean-Light"/>
               </a:rPr>
-              <a:t>rilevano le opportunità che consentono </a:t>
-            </a:r>
-            <a:br>
-              <a:rPr lang="it-IT" sz="1000" dirty="0">
-                <a:latin typeface="AdobeClean-Light"/>
-                <a:cs typeface="AdobeClean-Light"/>
-              </a:rPr>
-            </a:br>
-            <a:r>
-              <a:rPr lang="it-IT" sz="1000" dirty="0">
-                <a:latin typeface="AdobeClean-Light"/>
-                <a:cs typeface="AdobeClean-Light"/>
-              </a:rPr>
-              <a:t>di trarre maggior valore dalle soluzioni Adobe del cliente. </a:t>
-            </a:r>
-            <a:br>
-              <a:rPr lang="it-IT" sz="1000" dirty="0">
-                <a:latin typeface="AdobeClean-Light"/>
-                <a:cs typeface="AdobeClean-Light"/>
-              </a:rPr>
-            </a:br>
-            <a:r>
-              <a:rPr lang="it-IT" sz="1000" dirty="0">
-                <a:latin typeface="AdobeClean-Light"/>
-                <a:cs typeface="AdobeClean-Light"/>
-              </a:rPr>
-              <a:t>Includono raccomandazioni di supporto relative a strategia, misurazione e livello di preparazione per favorire la realizzazione </a:t>
-            </a:r>
-            <a:br>
-              <a:rPr lang="it-IT" sz="1000" dirty="0">
-                <a:latin typeface="AdobeClean-Light"/>
-                <a:cs typeface="AdobeClean-Light"/>
-              </a:rPr>
-            </a:br>
-            <a:r>
-              <a:rPr lang="it-IT" sz="1000" dirty="0">
-                <a:latin typeface="AdobeClean-Light"/>
-                <a:cs typeface="AdobeClean-Light"/>
-              </a:rPr>
-              <a:t>di valore tramite una o più soluzioni Adobe.</a:t>
+              <a:t>locate opportunities to ensure value is  being realized from a customer’s Adobe solutions. They include  support recommendations related to strategy, measurement and  maturity to drive value realization across one or more Adobe  solutions.</a:t>
             </a:r>
           </a:p>
           <a:p>
@@ -11893,7 +13223,7 @@
                 <a:spcPts val="40"/>
               </a:spcBef>
             </a:pPr>
-            <a:endParaRPr sz="1100" dirty="0">
+            <a:endParaRPr sz="1100">
               <a:latin typeface="AdobeClean-Light"/>
               <a:cs typeface="AdobeClean-Light"/>
             </a:endParaRPr>
@@ -11905,11 +13235,11 @@
               </a:lnSpc>
             </a:pPr>
             <a:r>
-              <a:rPr lang="it-IT" sz="1000" dirty="0">
+              <a:rPr sz="1000">
                 <a:latin typeface="AdobeClean-Light"/>
                 <a:cs typeface="AdobeClean-Light"/>
               </a:rPr>
-              <a:t>Attività strategiche disponibili:</a:t>
+              <a:t>Types of strategic activities available::</a:t>
             </a:r>
           </a:p>
           <a:p>
@@ -11924,12 +13254,12 @@
               <a:buChar char="ü"/>
             </a:pPr>
             <a:r>
-              <a:rPr lang="it-IT" sz="1000" dirty="0">
+              <a:rPr lang="en-US" sz="1000">
                 <a:solidFill>
                   <a:prstClr val="black"/>
                 </a:solidFill>
               </a:rPr>
-              <a:t>Roadmap sul livello di preparazione</a:t>
+              <a:t>Maturity Roadmap</a:t>
             </a:r>
           </a:p>
           <a:p>
@@ -11944,12 +13274,12 @@
               <a:buChar char="ü"/>
             </a:pPr>
             <a:r>
-              <a:rPr lang="it-IT" sz="1000" dirty="0">
+              <a:rPr lang="en-US" sz="1000">
                 <a:solidFill>
                   <a:prstClr val="black"/>
                 </a:solidFill>
               </a:rPr>
-              <a:t>Sviluppo e misurazione di casi d’uso</a:t>
+              <a:t>Use case development/measurement</a:t>
             </a:r>
           </a:p>
           <a:p>
@@ -11964,12 +13294,12 @@
               <a:buChar char="ü"/>
             </a:pPr>
             <a:r>
-              <a:rPr lang="it-IT" sz="1000" dirty="0">
+              <a:rPr lang="en-US" sz="1000">
                 <a:solidFill>
                   <a:prstClr val="black"/>
                 </a:solidFill>
               </a:rPr>
-              <a:t>Reporting e analisi</a:t>
+              <a:t>Reporting &amp; analysis</a:t>
             </a:r>
           </a:p>
           <a:p>
@@ -11984,12 +13314,12 @@
               <a:buChar char="ü"/>
             </a:pPr>
             <a:r>
-              <a:rPr lang="it-IT" sz="1000" dirty="0">
+              <a:rPr lang="en-US" sz="1000">
                 <a:solidFill>
                   <a:prstClr val="black"/>
                 </a:solidFill>
               </a:rPr>
-              <a:t>Abilitazione delle best practice</a:t>
+              <a:t>Best practices enablement</a:t>
             </a:r>
           </a:p>
         </p:txBody>
@@ -12003,7 +13333,7 @@
         <p:spPr>
           <a:xfrm>
             <a:off x="3942773" y="4126991"/>
-            <a:ext cx="3275329" cy="772006"/>
+            <a:ext cx="3275329" cy="969496"/>
           </a:xfrm>
           <a:prstGeom prst="rect">
             <a:avLst/>
@@ -12024,15 +13354,19 @@
               </a:spcBef>
             </a:pPr>
             <a:r>
-              <a:rPr lang="it-IT" sz="1600" dirty="0">
+              <a:rPr sz="1600">
                 <a:solidFill>
                   <a:srgbClr val="FFFFFF"/>
                 </a:solidFill>
                 <a:latin typeface="Arial"/>
                 <a:cs typeface="Arial"/>
               </a:rPr>
-              <a:t>Esecuzione e utilizzo</a:t>
-            </a:r>
+              <a:t>Run &amp; Operate</a:t>
+            </a:r>
+            <a:endParaRPr sz="1600">
+              <a:latin typeface="Arial"/>
+              <a:cs typeface="Arial"/>
+            </a:endParaRPr>
           </a:p>
           <a:p>
             <a:pPr marL="12700">
@@ -12041,85 +13375,179 @@
               </a:spcBef>
             </a:pPr>
             <a:r>
-              <a:rPr lang="it-IT" sz="1000" dirty="0">
+              <a:rPr sz="1000">
                 <a:solidFill>
                   <a:srgbClr val="1F1F1F"/>
                 </a:solidFill>
-                <a:latin typeface="Adobe Clean" panose="020B0503020404020204" pitchFamily="34" charset="0"/>
-                <a:cs typeface="Adobe Clean"/>
-              </a:rPr>
-              <a:t>I clienti Elite hanno diritto a </a:t>
-            </a:r>
-            <a:r>
-              <a:rPr lang="it-IT" sz="1000" b="1" dirty="0">
+                <a:latin typeface="Adobe Clean"/>
+                <a:cs typeface="Adobe Clean"/>
+              </a:rPr>
+              <a:t>As an </a:t>
+            </a:r>
+            <a:r>
+              <a:rPr lang="en-US" sz="1000">
                 <a:solidFill>
                   <a:srgbClr val="1F1F1F"/>
                 </a:solidFill>
-                <a:latin typeface="Adobe Clean" panose="020B0503020404020204" pitchFamily="34" charset="0"/>
-                <a:cs typeface="Adobe Clean"/>
-              </a:rPr>
-              <a:t>4 </a:t>
-            </a:r>
-            <a:r>
-              <a:rPr lang="it-IT" sz="1000" b="1" u="sng" dirty="0">
+                <a:latin typeface="Adobe Clean"/>
+                <a:cs typeface="Adobe Clean"/>
+              </a:rPr>
+              <a:t>Elite</a:t>
+            </a:r>
+            <a:r>
+              <a:rPr sz="1000">
                 <a:solidFill>
                   <a:srgbClr val="1F1F1F"/>
                 </a:solidFill>
-                <a:latin typeface="Adobe Clean" panose="020B0503020404020204" pitchFamily="34" charset="0"/>
-                <a:cs typeface="Adobe Clean"/>
-              </a:rPr>
-              <a:t>attività all’anno</a:t>
-            </a:r>
-            <a:r>
-              <a:rPr lang="it-IT" sz="1000" dirty="0">
+                <a:latin typeface="Adobe Clean"/>
+                <a:cs typeface="Adobe Clean"/>
+              </a:rPr>
+              <a:t> customer, you are</a:t>
+            </a:r>
+            <a:r>
+              <a:rPr lang="en-US" sz="1000">
                 <a:solidFill>
                   <a:srgbClr val="1F1F1F"/>
                 </a:solidFill>
-                <a:latin typeface="Adobe Clean" panose="020B0503020404020204" pitchFamily="34" charset="0"/>
-                <a:cs typeface="Adobe Clean"/>
-              </a:rPr>
-              <a:t> di tipo </a:t>
-            </a:r>
-            <a:r>
-              <a:rPr lang="it-IT" sz="1000" b="1" dirty="0">
+                <a:latin typeface="Adobe Clean"/>
+                <a:cs typeface="Adobe Clean"/>
+              </a:rPr>
+              <a:t> </a:t>
+            </a:r>
+            <a:r>
+              <a:rPr sz="1000">
                 <a:solidFill>
                   <a:srgbClr val="1F1F1F"/>
                 </a:solidFill>
-                <a:latin typeface="Adobe Clean" panose="020B0503020404020204" pitchFamily="34" charset="0"/>
+                <a:latin typeface="Adobe Clean"/>
+                <a:cs typeface="Adobe Clean"/>
+              </a:rPr>
+              <a:t> eligible for</a:t>
+            </a:r>
+            <a:r>
+              <a:rPr lang="en-US" sz="1200">
+                <a:solidFill>
+                  <a:srgbClr val="1F1F1F"/>
+                </a:solidFill>
+                <a:uFill>
+                  <a:solidFill>
+                    <a:srgbClr val="1F1F1F"/>
+                  </a:solidFill>
+                </a:uFill>
+                <a:latin typeface="Times New Roman"/>
+                <a:cs typeface="Times New Roman"/>
+              </a:rPr>
+              <a:t> </a:t>
+            </a:r>
+            <a:r>
+              <a:rPr lang="en-US" sz="1200" u="sng">
+                <a:solidFill>
+                  <a:srgbClr val="1F1F1F"/>
+                </a:solidFill>
+                <a:uFill>
+                  <a:solidFill>
+                    <a:srgbClr val="1F1F1F"/>
+                  </a:solidFill>
+                </a:uFill>
+                <a:latin typeface="Times New Roman"/>
+                <a:cs typeface="Times New Roman"/>
+              </a:rPr>
+              <a:t>4</a:t>
+            </a:r>
+            <a:r>
+              <a:rPr sz="1200" b="1">
+                <a:solidFill>
+                  <a:srgbClr val="1F1F1F"/>
+                </a:solidFill>
+                <a:latin typeface="Arial"/>
                 <a:cs typeface="Arial"/>
               </a:rPr>
-              <a:t>tecnico </a:t>
-            </a:r>
-            <a:r>
-              <a:rPr lang="it-IT" sz="1000" dirty="0">
+              <a:t> </a:t>
+            </a:r>
+            <a:r>
+              <a:rPr sz="1000" b="1">
                 <a:solidFill>
                   <a:srgbClr val="1F1F1F"/>
                 </a:solidFill>
-                <a:latin typeface="Adobe Clean" panose="020B0503020404020204" pitchFamily="34" charset="0"/>
-                <a:cs typeface="Adobe Clean"/>
-              </a:rPr>
-              <a:t>e/o </a:t>
-            </a:r>
-            <a:r>
-              <a:rPr lang="it-IT" sz="1000" b="1" dirty="0">
+                <a:latin typeface="Arial"/>
+                <a:cs typeface="Arial"/>
+              </a:rPr>
+              <a:t>activities per </a:t>
+            </a:r>
+            <a:r>
+              <a:rPr lang="en-US" sz="1000" b="1">
                 <a:solidFill>
                   <a:srgbClr val="1F1F1F"/>
                 </a:solidFill>
-                <a:latin typeface="Adobe Clean" panose="020B0503020404020204" pitchFamily="34" charset="0"/>
+                <a:latin typeface="Arial"/>
                 <a:cs typeface="Arial"/>
               </a:rPr>
-              <a:t>strategico</a:t>
-            </a:r>
-            <a:r>
-              <a:rPr lang="it-IT" sz="1000" dirty="0">
+              <a:t>year </a:t>
+            </a:r>
+            <a:r>
+              <a:rPr lang="en-US" sz="1000">
                 <a:solidFill>
                   <a:srgbClr val="1F1F1F"/>
                 </a:solidFill>
-                <a:latin typeface="Adobe Clean" panose="020B0503020404020204" pitchFamily="34" charset="0"/>
+                <a:latin typeface="Adobe Clean"/>
                 <a:cs typeface="Arial"/>
               </a:rPr>
+              <a:t>from</a:t>
+            </a:r>
+            <a:r>
+              <a:rPr sz="1000">
+                <a:solidFill>
+                  <a:srgbClr val="1F1F1F"/>
+                </a:solidFill>
+                <a:latin typeface="Adobe Clean"/>
+                <a:cs typeface="Adobe Clean"/>
+              </a:rPr>
+              <a:t> the following two tracks: </a:t>
+            </a:r>
+            <a:r>
+              <a:rPr sz="1000" b="1">
+                <a:solidFill>
+                  <a:srgbClr val="1F1F1F"/>
+                </a:solidFill>
+                <a:latin typeface="Arial"/>
+                <a:cs typeface="Arial"/>
+              </a:rPr>
+              <a:t>Technical </a:t>
+            </a:r>
+            <a:r>
+              <a:rPr sz="1000">
+                <a:solidFill>
+                  <a:srgbClr val="1F1F1F"/>
+                </a:solidFill>
+                <a:latin typeface="Adobe Clean"/>
+                <a:cs typeface="Adobe Clean"/>
+              </a:rPr>
+              <a:t>and/or </a:t>
+            </a:r>
+            <a:r>
+              <a:rPr sz="1000" b="1">
+                <a:solidFill>
+                  <a:srgbClr val="1F1F1F"/>
+                </a:solidFill>
+                <a:latin typeface="Arial"/>
+                <a:cs typeface="Arial"/>
+              </a:rPr>
+              <a:t>Strategic</a:t>
+            </a:r>
+            <a:r>
+              <a:rPr lang="en-US" sz="1000" b="1">
+                <a:solidFill>
+                  <a:srgbClr val="1F1F1F"/>
+                </a:solidFill>
+                <a:latin typeface="AdobeClean-Light"/>
+                <a:cs typeface="Arial"/>
+              </a:rPr>
               <a:t>.</a:t>
             </a:r>
+            <a:endParaRPr sz="1000">
+              <a:latin typeface="AdobeClean-Light"/>
+              <a:cs typeface="AdobeClean-Light"/>
+            </a:endParaRPr>
           </a:p>
         </p:txBody>
       </p:sp>
@@ -12131,8 +13559,8 @@
         </p:nvSpPr>
         <p:spPr>
           <a:xfrm>
-            <a:off x="923023" y="538479"/>
-            <a:ext cx="2963177" cy="228268"/>
+            <a:off x="923023" y="538480"/>
+            <a:ext cx="2323349" cy="228268"/>
           </a:xfrm>
           <a:prstGeom prst="rect">
             <a:avLst/>
@@ -12153,15 +13581,69 @@
               </a:spcBef>
             </a:pPr>
             <a:r>
-              <a:rPr lang="it-IT" sz="1400" b="1" dirty="0">
+              <a:rPr sz="1400" b="1" spc="-15">
                 <a:solidFill>
                   <a:srgbClr val="020302"/>
                 </a:solidFill>
                 <a:latin typeface="Adobe Clean"/>
                 <a:cs typeface="Adobe Clean"/>
               </a:rPr>
-              <a:t>Attività di supporto cloud - AEM</a:t>
-            </a:r>
+              <a:t>Cloud</a:t>
+            </a:r>
+            <a:r>
+              <a:rPr sz="1400" b="1" spc="-45">
+                <a:solidFill>
+                  <a:srgbClr val="020302"/>
+                </a:solidFill>
+                <a:latin typeface="Adobe Clean"/>
+                <a:cs typeface="Adobe Clean"/>
+              </a:rPr>
+              <a:t> </a:t>
+            </a:r>
+            <a:r>
+              <a:rPr sz="1400" b="1" spc="-15">
+                <a:solidFill>
+                  <a:srgbClr val="020302"/>
+                </a:solidFill>
+                <a:latin typeface="Adobe Clean"/>
+                <a:cs typeface="Adobe Clean"/>
+              </a:rPr>
+              <a:t>Support</a:t>
+            </a:r>
+            <a:r>
+              <a:rPr sz="1400" b="1" spc="-50">
+                <a:solidFill>
+                  <a:srgbClr val="020302"/>
+                </a:solidFill>
+                <a:latin typeface="Adobe Clean"/>
+                <a:cs typeface="Adobe Clean"/>
+              </a:rPr>
+              <a:t> </a:t>
+            </a:r>
+            <a:r>
+              <a:rPr sz="1400" b="1" spc="-15">
+                <a:solidFill>
+                  <a:srgbClr val="020302"/>
+                </a:solidFill>
+                <a:latin typeface="Adobe Clean"/>
+                <a:cs typeface="Adobe Clean"/>
+              </a:rPr>
+              <a:t>Activities</a:t>
+            </a:r>
+            <a:r>
+              <a:rPr lang="en-US" sz="1400" b="1" spc="-15">
+                <a:solidFill>
+                  <a:srgbClr val="020302"/>
+                </a:solidFill>
+                <a:latin typeface="Adobe Clean"/>
+                <a:cs typeface="Adobe Clean"/>
+              </a:rPr>
+              <a:t> - AEM</a:t>
+            </a:r>
+            <a:endParaRPr sz="1400">
+              <a:latin typeface="Adobe Clean"/>
+              <a:cs typeface="Adobe Clean"/>
+            </a:endParaRPr>
           </a:p>
         </p:txBody>
       </p:sp>
@@ -12174,7 +13656,7 @@
         <p:spPr>
           <a:xfrm>
             <a:off x="924894" y="814263"/>
-            <a:ext cx="2406393" cy="63780"/>
+            <a:ext cx="2321477" cy="45719"/>
           </a:xfrm>
           <a:custGeom>
             <a:avLst/>
@@ -12277,10 +13759,6 @@
           </p:nvPr>
         </p:nvSpPr>
         <p:spPr>
-          <a:xfrm>
-            <a:off x="97787" y="9861194"/>
-            <a:ext cx="2657241" cy="133370"/>
-          </a:xfrm>
           <a:prstGeom prst="rect">
             <a:avLst/>
           </a:prstGeom>
@@ -12300,8 +13778,36 @@
               </a:spcBef>
             </a:pPr>
             <a:r>
-              <a:rPr lang="it-IT" dirty="0"/>
-              <a:t>©2021 Adobe. All Rights Reserved. Adobe Confidential.</a:t>
+              <a:rPr spc="-5"/>
+              <a:t>©2021 Adobe. All</a:t>
+            </a:r>
+            <a:r>
+              <a:rPr spc="-15"/>
+              <a:t> Rights</a:t>
+            </a:r>
+            <a:r>
+              <a:rPr spc="-10"/>
+              <a:t> </a:t>
+            </a:r>
+            <a:r>
+              <a:rPr spc="-15"/>
+              <a:t>Reserved.</a:t>
+            </a:r>
+            <a:r>
+              <a:rPr spc="-10"/>
+              <a:t> </a:t>
+            </a:r>
+            <a:r>
+              <a:rPr spc="-5"/>
+              <a:t>Adobe</a:t>
+            </a:r>
+            <a:r>
+              <a:rPr spc="60"/>
+              <a:t> </a:t>
+            </a:r>
+            <a:r>
+              <a:rPr spc="-15"/>
+              <a:t>Confidential.</a:t>
             </a:r>
           </a:p>
         </p:txBody>
@@ -12357,8 +13863,8 @@
           <a:p>
             <a:pPr algn="ctr"/>
             <a:r>
-              <a:rPr lang="it-IT" sz="1600"/>
-              <a:t>Esecuzione e utilizzo</a:t>
+              <a:rPr lang="en-US" sz="1600"/>
+              <a:t>Run &amp; Operate</a:t>
             </a:r>
           </a:p>
         </p:txBody>
@@ -12414,8 +13920,8 @@
           <a:p>
             <a:pPr algn="ctr"/>
             <a:r>
-              <a:rPr lang="it-IT" sz="1600"/>
-              <a:t>Implementazione</a:t>
+              <a:rPr lang="en-US" sz="1600"/>
+              <a:t>Implementation</a:t>
             </a:r>
           </a:p>
         </p:txBody>
@@ -12435,7 +13941,7 @@
         <p:spPr>
           <a:xfrm>
             <a:off x="2918286" y="3586760"/>
-            <a:ext cx="933111" cy="246221"/>
+            <a:ext cx="933111" cy="261610"/>
           </a:xfrm>
           <a:prstGeom prst="rect">
             <a:avLst/>
@@ -12450,8 +13956,8 @@
           <a:p>
             <a:pPr algn="ctr"/>
             <a:r>
-              <a:rPr lang="it-IT" sz="1000"/>
-              <a:t>Post-lancio</a:t>
+              <a:rPr lang="en-US" sz="1100"/>
+              <a:t>Post Launch</a:t>
             </a:r>
           </a:p>
         </p:txBody>
@@ -12471,7 +13977,7 @@
         <p:spPr>
           <a:xfrm>
             <a:off x="2236134" y="3586760"/>
-            <a:ext cx="826006" cy="246221"/>
+            <a:ext cx="826006" cy="261610"/>
           </a:xfrm>
           <a:prstGeom prst="rect">
             <a:avLst/>
@@ -12486,8 +13992,8 @@
           <a:p>
             <a:pPr algn="ctr"/>
             <a:r>
-              <a:rPr lang="it-IT" sz="1000"/>
-              <a:t>Lancio</a:t>
+              <a:rPr lang="en-US" sz="1100"/>
+              <a:t>Go-Live</a:t>
             </a:r>
           </a:p>
         </p:txBody>
@@ -12506,8 +14012,8 @@
         </p:nvSpPr>
         <p:spPr>
           <a:xfrm>
-            <a:off x="854864" y="3589913"/>
-            <a:ext cx="826006" cy="246221"/>
+            <a:off x="878679" y="3589913"/>
+            <a:ext cx="826006" cy="261610"/>
           </a:xfrm>
           <a:prstGeom prst="rect">
             <a:avLst/>
@@ -12522,8 +14028,8 @@
           <a:p>
             <a:pPr algn="ctr"/>
             <a:r>
-              <a:rPr lang="it-IT" sz="1000" dirty="0"/>
-              <a:t>Definizione</a:t>
+              <a:rPr lang="en-US" sz="1100"/>
+              <a:t>Define</a:t>
             </a:r>
           </a:p>
         </p:txBody>
@@ -12543,7 +14049,7 @@
         <p:spPr>
           <a:xfrm>
             <a:off x="205422" y="3599713"/>
-            <a:ext cx="826006" cy="246221"/>
+            <a:ext cx="826006" cy="261610"/>
           </a:xfrm>
           <a:prstGeom prst="rect">
             <a:avLst/>
@@ -12558,8 +14064,8 @@
           <a:p>
             <a:pPr algn="ctr"/>
             <a:r>
-              <a:rPr lang="it-IT" sz="1000" dirty="0"/>
-              <a:t>Avvio</a:t>
+              <a:rPr lang="en-US" sz="1100"/>
+              <a:t>Kickoff</a:t>
             </a:r>
           </a:p>
         </p:txBody>
@@ -12578,8 +14084,8 @@
         </p:nvSpPr>
         <p:spPr>
           <a:xfrm>
-            <a:off x="1504705" y="3589913"/>
-            <a:ext cx="1000374" cy="246221"/>
+            <a:off x="1558548" y="3589913"/>
+            <a:ext cx="826006" cy="261610"/>
           </a:xfrm>
           <a:prstGeom prst="rect">
             <a:avLst/>
@@ -12594,8 +14100,8 @@
           <a:p>
             <a:pPr algn="ctr"/>
             <a:r>
-              <a:rPr lang="it-IT" sz="1000" dirty="0"/>
-              <a:t>Progettazione</a:t>
+              <a:rPr lang="en-US" sz="1100"/>
+              <a:t>Design</a:t>
             </a:r>
           </a:p>
         </p:txBody>
@@ -12652,14 +14158,14 @@
           <a:p>
             <a:pPr algn="ctr"/>
             <a:r>
-              <a:rPr lang="it-IT" sz="1400">
+              <a:rPr lang="en-US" sz="1400">
                 <a:solidFill>
                   <a:schemeClr val="accent1">
                     <a:lumMod val="50000"/>
                   </a:schemeClr>
                 </a:solidFill>
               </a:rPr>
-              <a:t>4 attività all’anno</a:t>
+              <a:t>4 Activities per Year</a:t>
             </a:r>
           </a:p>
         </p:txBody>
@@ -12678,8 +14184,8 @@
         </p:nvSpPr>
         <p:spPr>
           <a:xfrm>
-            <a:off x="5265660" y="1400205"/>
-            <a:ext cx="2265945" cy="536622"/>
+            <a:off x="5265661" y="1471646"/>
+            <a:ext cx="2194560" cy="536622"/>
           </a:xfrm>
           <a:prstGeom prst="rect">
             <a:avLst/>
@@ -12700,14 +14206,20 @@
               </a:spcBef>
             </a:pPr>
             <a:r>
-              <a:rPr lang="it-IT" sz="1000" dirty="0">
+              <a:rPr lang="en-US" sz="1000">
                 <a:solidFill>
                   <a:srgbClr val="4B4B4B"/>
                 </a:solidFill>
                 <a:latin typeface="Adobe Clean Light" panose="020B0303020404020204" pitchFamily="34" charset="0"/>
               </a:rPr>
-              <a:t>Promuovere l’adozione di best practice per la personalizzazione e componenti core di AEM as a Cloud Service.</a:t>
-            </a:r>
+              <a:t>Drive adoption of customization best practices and core components in AEM as a Cloud Service.</a:t>
+            </a:r>
+            <a:endParaRPr sz="1000">
+              <a:solidFill>
+                <a:srgbClr val="4B4B4B"/>
+              </a:solidFill>
+              <a:latin typeface="Adobe Clean Light" panose="020B0303020404020204" pitchFamily="34" charset="0"/>
+            </a:endParaRPr>
           </a:p>
         </p:txBody>
       </p:sp>
@@ -12725,8 +14237,8 @@
         </p:nvSpPr>
         <p:spPr>
           <a:xfrm>
-            <a:off x="2755028" y="1392565"/>
-            <a:ext cx="2335501" cy="717376"/>
+            <a:off x="2835999" y="1464006"/>
+            <a:ext cx="2194560" cy="717376"/>
           </a:xfrm>
           <a:prstGeom prst="rect">
             <a:avLst/>
@@ -12747,48 +14259,20 @@
               </a:spcBef>
             </a:pPr>
             <a:r>
-              <a:rPr lang="it-IT" sz="1000" dirty="0">
+              <a:rPr lang="en-US" sz="1000">
                 <a:solidFill>
                   <a:srgbClr val="4B4B4B"/>
                 </a:solidFill>
                 <a:latin typeface="Adobe Clean Light" panose="020B0303020404020204" pitchFamily="34" charset="0"/>
               </a:rPr>
-              <a:t>Individuare, valutare e fornire raccomandazioni su aree specifiche, relative all’adozione </a:t>
-            </a:r>
-            <a:br>
-              <a:rPr lang="it-IT" sz="1000" dirty="0">
-                <a:solidFill>
-                  <a:srgbClr val="4B4B4B"/>
-                </a:solidFill>
-                <a:latin typeface="Adobe Clean Light" panose="020B0303020404020204" pitchFamily="34" charset="0"/>
-              </a:rPr>
-            </a:br>
-            <a:r>
-              <a:rPr lang="it-IT" sz="1000" dirty="0">
-                <a:solidFill>
-                  <a:srgbClr val="4B4B4B"/>
-                </a:solidFill>
-                <a:latin typeface="Adobe Clean Light" panose="020B0303020404020204" pitchFamily="34" charset="0"/>
-              </a:rPr>
-              <a:t>delle soluzioni, che offrono opportunità </a:t>
-            </a:r>
-            <a:br>
-              <a:rPr lang="it-IT" sz="1000" dirty="0">
-                <a:solidFill>
-                  <a:srgbClr val="4B4B4B"/>
-                </a:solidFill>
-                <a:latin typeface="Adobe Clean Light" panose="020B0303020404020204" pitchFamily="34" charset="0"/>
-              </a:rPr>
-            </a:br>
-            <a:r>
-              <a:rPr lang="it-IT" sz="1000" dirty="0">
-                <a:solidFill>
-                  <a:srgbClr val="4B4B4B"/>
-                </a:solidFill>
-                <a:latin typeface="Adobe Clean Light" panose="020B0303020404020204" pitchFamily="34" charset="0"/>
-              </a:rPr>
-              <a:t>di ottimizzazione.</a:t>
-            </a:r>
+              <a:t>Identify, review and provide recommendations on customized solution adoption areas that have opportunities for optimization.</a:t>
+            </a:r>
+            <a:endParaRPr sz="1000">
+              <a:solidFill>
+                <a:srgbClr val="4B4B4B"/>
+              </a:solidFill>
+              <a:latin typeface="Adobe Clean Light" panose="020B0303020404020204" pitchFamily="34" charset="0"/>
+            </a:endParaRPr>
           </a:p>
         </p:txBody>
       </p:sp>
@@ -12806,8 +14290,8 @@
         </p:nvSpPr>
         <p:spPr>
           <a:xfrm>
-            <a:off x="355867" y="1398847"/>
-            <a:ext cx="2245029" cy="717376"/>
+            <a:off x="355868" y="1417898"/>
+            <a:ext cx="2194560" cy="717376"/>
           </a:xfrm>
           <a:prstGeom prst="rect">
             <a:avLst/>
@@ -12828,14 +14312,20 @@
               </a:spcBef>
             </a:pPr>
             <a:r>
-              <a:rPr lang="it-IT" sz="1000" dirty="0">
+              <a:rPr lang="en-US" sz="1000">
                 <a:solidFill>
                   <a:srgbClr val="4B4B4B"/>
                 </a:solidFill>
                 <a:latin typeface="Adobe Clean Light" panose="020B0303020404020204" pitchFamily="34" charset="0"/>
               </a:rPr>
-              <a:t>Governance operativa e tecnica per assistere i clienti di AEM as a Cloud Service a rispettare gli standard di settore e le best practice per AEM as a Cloud Service.</a:t>
-            </a:r>
+              <a:t>Technical &amp; operational governance to assist AEM as a Cloud Service Customers in adhering to industry standards and best practices for AEM as a Cloud Service.</a:t>
+            </a:r>
+            <a:endParaRPr sz="1000">
+              <a:solidFill>
+                <a:srgbClr val="4B4B4B"/>
+              </a:solidFill>
+              <a:latin typeface="Adobe Clean Light" panose="020B0303020404020204" pitchFamily="34" charset="0"/>
+            </a:endParaRPr>
           </a:p>
         </p:txBody>
       </p:sp>
@@ -12853,8 +14343,8 @@
         </p:nvSpPr>
         <p:spPr>
           <a:xfrm>
-            <a:off x="5181599" y="936612"/>
-            <a:ext cx="2643189" cy="430887"/>
+            <a:off x="5181600" y="936612"/>
+            <a:ext cx="1972258" cy="461665"/>
           </a:xfrm>
           <a:prstGeom prst="rect">
             <a:avLst/>
@@ -12875,34 +14365,489 @@
               </a:spcBef>
             </a:pPr>
             <a:r>
-              <a:rPr lang="it-IT" sz="1100" b="1" dirty="0">
+              <a:rPr lang="en-US" sz="1200" b="1" spc="-15">
                 <a:solidFill>
                   <a:srgbClr val="020302"/>
                 </a:solidFill>
                 <a:latin typeface="Adobe Clean"/>
                 <a:cs typeface="Adobe Clean"/>
               </a:rPr>
-              <a:t>Best practice per la personalizzazione </a:t>
-            </a:r>
-            <a:br>
-              <a:rPr lang="it-IT" sz="1100" b="1" dirty="0">
+              <a:t>C</a:t>
+            </a:r>
+            <a:r>
+              <a:rPr lang="en-US" sz="1200" b="1" spc="-20">
                 <a:solidFill>
                   <a:srgbClr val="020302"/>
                 </a:solidFill>
                 <a:latin typeface="Adobe Clean"/>
                 <a:cs typeface="Adobe Clean"/>
               </a:rPr>
-            </a:br>
-            <a:r>
-              <a:rPr lang="it-IT" sz="1100" b="1" dirty="0">
+              <a:t>u</a:t>
+            </a:r>
+            <a:r>
+              <a:rPr lang="en-US" sz="1200" b="1" spc="-25">
                 <a:solidFill>
                   <a:srgbClr val="020302"/>
                 </a:solidFill>
                 <a:latin typeface="Adobe Clean"/>
                 <a:cs typeface="Adobe Clean"/>
               </a:rPr>
-              <a:t>di AEM as a Cloud Service</a:t>
-            </a:r>
+              <a:t>st</a:t>
+            </a:r>
+            <a:r>
+              <a:rPr lang="en-US" sz="1200" b="1" spc="-15">
+                <a:solidFill>
+                  <a:srgbClr val="020302"/>
+                </a:solidFill>
+                <a:latin typeface="Adobe Clean"/>
+                <a:cs typeface="Adobe Clean"/>
+              </a:rPr>
+              <a:t>o</a:t>
+            </a:r>
+            <a:r>
+              <a:rPr lang="en-US" sz="1200" b="1" spc="-20">
+                <a:solidFill>
+                  <a:srgbClr val="020302"/>
+                </a:solidFill>
+                <a:latin typeface="Adobe Clean"/>
+                <a:cs typeface="Adobe Clean"/>
+              </a:rPr>
+              <a:t>miza</a:t>
+            </a:r>
+            <a:r>
+              <a:rPr lang="en-US" sz="1200" b="1" spc="-25">
+                <a:solidFill>
+                  <a:srgbClr val="020302"/>
+                </a:solidFill>
+                <a:latin typeface="Adobe Clean"/>
+                <a:cs typeface="Adobe Clean"/>
+              </a:rPr>
+              <a:t>t</a:t>
+            </a:r>
+            <a:r>
+              <a:rPr lang="en-US" sz="1200" b="1" spc="-20">
+                <a:solidFill>
+                  <a:srgbClr val="020302"/>
+                </a:solidFill>
+                <a:latin typeface="Adobe Clean"/>
+                <a:cs typeface="Adobe Clean"/>
+              </a:rPr>
+              <a:t>i</a:t>
+            </a:r>
+            <a:r>
+              <a:rPr lang="en-US" sz="1200" b="1" spc="-15">
+                <a:solidFill>
+                  <a:srgbClr val="020302"/>
+                </a:solidFill>
+                <a:latin typeface="Adobe Clean"/>
+                <a:cs typeface="Adobe Clean"/>
+              </a:rPr>
+              <a:t>o</a:t>
+            </a:r>
+            <a:r>
+              <a:rPr lang="en-US" sz="1200" b="1">
+                <a:solidFill>
+                  <a:srgbClr val="020302"/>
+                </a:solidFill>
+                <a:latin typeface="Adobe Clean"/>
+                <a:cs typeface="Adobe Clean"/>
+              </a:rPr>
+              <a:t>n</a:t>
+            </a:r>
+            <a:r>
+              <a:rPr lang="en-US" sz="1200" b="1" spc="-50">
+                <a:solidFill>
+                  <a:srgbClr val="020302"/>
+                </a:solidFill>
+                <a:latin typeface="Adobe Clean"/>
+                <a:cs typeface="Adobe Clean"/>
+              </a:rPr>
+              <a:t> </a:t>
+            </a:r>
+            <a:r>
+              <a:rPr lang="en-US" sz="1200" b="1" spc="-20">
+                <a:solidFill>
+                  <a:srgbClr val="020302"/>
+                </a:solidFill>
+                <a:latin typeface="Adobe Clean"/>
+                <a:cs typeface="Adobe Clean"/>
+              </a:rPr>
+              <a:t>B</a:t>
+            </a:r>
+            <a:r>
+              <a:rPr lang="en-US" sz="1200" b="1" spc="-25">
+                <a:solidFill>
+                  <a:srgbClr val="020302"/>
+                </a:solidFill>
+                <a:latin typeface="Adobe Clean"/>
+                <a:cs typeface="Adobe Clean"/>
+              </a:rPr>
+              <a:t>es</a:t>
+            </a:r>
+            <a:r>
+              <a:rPr lang="en-US" sz="1200" b="1">
+                <a:solidFill>
+                  <a:srgbClr val="020302"/>
+                </a:solidFill>
+                <a:latin typeface="Adobe Clean"/>
+                <a:cs typeface="Adobe Clean"/>
+              </a:rPr>
+              <a:t>t</a:t>
+            </a:r>
+            <a:r>
+              <a:rPr lang="en-US" sz="1200" b="1" spc="-50">
+                <a:solidFill>
+                  <a:srgbClr val="020302"/>
+                </a:solidFill>
+                <a:latin typeface="Adobe Clean"/>
+                <a:cs typeface="Adobe Clean"/>
+              </a:rPr>
+              <a:t> </a:t>
+            </a:r>
+            <a:r>
+              <a:rPr lang="en-US" sz="1200" b="1" spc="-25">
+                <a:solidFill>
+                  <a:srgbClr val="020302"/>
+                </a:solidFill>
+                <a:latin typeface="Adobe Clean"/>
+                <a:cs typeface="Adobe Clean"/>
+              </a:rPr>
+              <a:t>P</a:t>
+            </a:r>
+            <a:r>
+              <a:rPr lang="en-US" sz="1200" b="1" spc="-20">
+                <a:solidFill>
+                  <a:srgbClr val="020302"/>
+                </a:solidFill>
+                <a:latin typeface="Adobe Clean"/>
+                <a:cs typeface="Adobe Clean"/>
+              </a:rPr>
+              <a:t>ra</a:t>
+            </a:r>
+            <a:r>
+              <a:rPr lang="en-US" sz="1200" b="1" spc="-30">
+                <a:solidFill>
+                  <a:srgbClr val="020302"/>
+                </a:solidFill>
+                <a:latin typeface="Adobe Clean"/>
+                <a:cs typeface="Adobe Clean"/>
+              </a:rPr>
+              <a:t>c</a:t>
+            </a:r>
+            <a:r>
+              <a:rPr lang="en-US" sz="1200" b="1" spc="-25">
+                <a:solidFill>
+                  <a:srgbClr val="020302"/>
+                </a:solidFill>
+                <a:latin typeface="Adobe Clean"/>
+                <a:cs typeface="Adobe Clean"/>
+              </a:rPr>
+              <a:t>t</a:t>
+            </a:r>
+            <a:r>
+              <a:rPr lang="en-US" sz="1200" b="1" spc="-20">
+                <a:solidFill>
+                  <a:srgbClr val="020302"/>
+                </a:solidFill>
+                <a:latin typeface="Adobe Clean"/>
+                <a:cs typeface="Adobe Clean"/>
+              </a:rPr>
+              <a:t>i</a:t>
+            </a:r>
+            <a:r>
+              <a:rPr lang="en-US" sz="1200" b="1" spc="-30">
+                <a:solidFill>
+                  <a:srgbClr val="020302"/>
+                </a:solidFill>
+                <a:latin typeface="Adobe Clean"/>
+                <a:cs typeface="Adobe Clean"/>
+              </a:rPr>
+              <a:t>c</a:t>
+            </a:r>
+            <a:r>
+              <a:rPr lang="en-US" sz="1200" b="1" spc="-25">
+                <a:solidFill>
+                  <a:srgbClr val="020302"/>
+                </a:solidFill>
+                <a:latin typeface="Adobe Clean"/>
+                <a:cs typeface="Adobe Clean"/>
+              </a:rPr>
+              <a:t>e</a:t>
+            </a:r>
+            <a:r>
+              <a:rPr lang="en-US" sz="1200" b="1">
+                <a:solidFill>
+                  <a:srgbClr val="020302"/>
+                </a:solidFill>
+                <a:latin typeface="Adobe Clean"/>
+                <a:cs typeface="Adobe Clean"/>
+              </a:rPr>
+              <a:t>s</a:t>
+            </a:r>
+            <a:r>
+              <a:rPr lang="en-US" sz="1200" b="1" spc="-45">
+                <a:solidFill>
+                  <a:srgbClr val="020302"/>
+                </a:solidFill>
+                <a:latin typeface="Adobe Clean"/>
+                <a:cs typeface="Adobe Clean"/>
+              </a:rPr>
+              <a:t> </a:t>
+            </a:r>
+            <a:r>
+              <a:rPr lang="en-US" sz="1200" b="1" spc="-25">
+                <a:solidFill>
+                  <a:srgbClr val="020302"/>
+                </a:solidFill>
+                <a:latin typeface="Adobe Clean"/>
+                <a:cs typeface="Adobe Clean"/>
+              </a:rPr>
+              <a:t>f</a:t>
+            </a:r>
+            <a:r>
+              <a:rPr lang="en-US" sz="1200" b="1" spc="-15">
+                <a:solidFill>
+                  <a:srgbClr val="020302"/>
+                </a:solidFill>
+                <a:latin typeface="Adobe Clean"/>
+                <a:cs typeface="Adobe Clean"/>
+              </a:rPr>
+              <a:t>o</a:t>
+            </a:r>
+            <a:r>
+              <a:rPr lang="en-US" sz="1200" b="1">
+                <a:solidFill>
+                  <a:srgbClr val="020302"/>
+                </a:solidFill>
+                <a:latin typeface="Adobe Clean"/>
+                <a:cs typeface="Adobe Clean"/>
+              </a:rPr>
+              <a:t>r</a:t>
+            </a:r>
+            <a:r>
+              <a:rPr lang="en-US" sz="1200" b="1" spc="-45">
+                <a:solidFill>
+                  <a:srgbClr val="020302"/>
+                </a:solidFill>
+                <a:latin typeface="Adobe Clean"/>
+                <a:cs typeface="Adobe Clean"/>
+              </a:rPr>
+              <a:t> </a:t>
+            </a:r>
+            <a:r>
+              <a:rPr lang="en-US" sz="1200" b="1" spc="-30">
+                <a:solidFill>
+                  <a:srgbClr val="020302"/>
+                </a:solidFill>
+                <a:latin typeface="Adobe Clean"/>
+                <a:cs typeface="Adobe Clean"/>
+              </a:rPr>
+              <a:t>AE</a:t>
+            </a:r>
+            <a:r>
+              <a:rPr lang="en-US" sz="1200" b="1">
+                <a:solidFill>
+                  <a:srgbClr val="020302"/>
+                </a:solidFill>
+                <a:latin typeface="Adobe Clean"/>
+                <a:cs typeface="Adobe Clean"/>
+              </a:rPr>
+              <a:t>M</a:t>
+            </a:r>
+            <a:r>
+              <a:rPr lang="en-US" sz="1200" b="1" spc="-55">
+                <a:solidFill>
+                  <a:srgbClr val="020302"/>
+                </a:solidFill>
+                <a:latin typeface="Adobe Clean"/>
+                <a:cs typeface="Adobe Clean"/>
+              </a:rPr>
+              <a:t> </a:t>
+            </a:r>
+            <a:r>
+              <a:rPr lang="en-US" sz="1200" b="1" spc="-20">
+                <a:solidFill>
+                  <a:srgbClr val="020302"/>
+                </a:solidFill>
+                <a:latin typeface="Adobe Clean"/>
+                <a:cs typeface="Adobe Clean"/>
+              </a:rPr>
+              <a:t>a</a:t>
+            </a:r>
+            <a:r>
+              <a:rPr lang="en-US" sz="1200" b="1">
+                <a:solidFill>
+                  <a:srgbClr val="020302"/>
+                </a:solidFill>
+                <a:latin typeface="Adobe Clean"/>
+                <a:cs typeface="Adobe Clean"/>
+              </a:rPr>
+              <a:t>s</a:t>
+            </a:r>
+            <a:r>
+              <a:rPr lang="en-US" sz="1200" b="1" spc="-45">
+                <a:solidFill>
+                  <a:srgbClr val="020302"/>
+                </a:solidFill>
+                <a:latin typeface="Adobe Clean"/>
+                <a:cs typeface="Adobe Clean"/>
+              </a:rPr>
+              <a:t> </a:t>
+            </a:r>
+            <a:r>
+              <a:rPr lang="en-US" sz="1200" b="1">
+                <a:solidFill>
+                  <a:srgbClr val="020302"/>
+                </a:solidFill>
+                <a:latin typeface="Adobe Clean"/>
+                <a:cs typeface="Adobe Clean"/>
+              </a:rPr>
+              <a:t>a</a:t>
+            </a:r>
+            <a:r>
+              <a:rPr lang="en-US" sz="1200" b="1" spc="-45">
+                <a:solidFill>
+                  <a:srgbClr val="020302"/>
+                </a:solidFill>
+                <a:latin typeface="Adobe Clean"/>
+                <a:cs typeface="Adobe Clean"/>
+              </a:rPr>
+              <a:t> </a:t>
+            </a:r>
+            <a:r>
+              <a:rPr lang="en-US" sz="1200" b="1" spc="-15">
+                <a:solidFill>
+                  <a:srgbClr val="020302"/>
+                </a:solidFill>
+                <a:latin typeface="Adobe Clean"/>
+                <a:cs typeface="Adobe Clean"/>
+              </a:rPr>
+              <a:t>C</a:t>
+            </a:r>
+            <a:r>
+              <a:rPr lang="en-US" sz="1200" b="1" spc="-25">
+                <a:solidFill>
+                  <a:srgbClr val="020302"/>
+                </a:solidFill>
+                <a:latin typeface="Adobe Clean"/>
+                <a:cs typeface="Adobe Clean"/>
+              </a:rPr>
+              <a:t>l</a:t>
+            </a:r>
+            <a:r>
+              <a:rPr lang="en-US" sz="1200" b="1" spc="-15">
+                <a:solidFill>
+                  <a:srgbClr val="020302"/>
+                </a:solidFill>
+                <a:latin typeface="Adobe Clean"/>
+                <a:cs typeface="Adobe Clean"/>
+              </a:rPr>
+              <a:t>o</a:t>
+            </a:r>
+            <a:r>
+              <a:rPr lang="en-US" sz="1200" b="1" spc="-20">
+                <a:solidFill>
+                  <a:srgbClr val="020302"/>
+                </a:solidFill>
+                <a:latin typeface="Adobe Clean"/>
+                <a:cs typeface="Adobe Clean"/>
+              </a:rPr>
+              <a:t>u</a:t>
+            </a:r>
+            <a:r>
+              <a:rPr lang="en-US" sz="1200" b="1">
+                <a:solidFill>
+                  <a:srgbClr val="020302"/>
+                </a:solidFill>
+                <a:latin typeface="Adobe Clean"/>
+                <a:cs typeface="Adobe Clean"/>
+              </a:rPr>
+              <a:t>d</a:t>
+            </a:r>
+            <a:r>
+              <a:rPr lang="en-US" sz="1200" b="1" spc="-50">
+                <a:solidFill>
+                  <a:srgbClr val="020302"/>
+                </a:solidFill>
+                <a:latin typeface="Adobe Clean"/>
+                <a:cs typeface="Adobe Clean"/>
+              </a:rPr>
+              <a:t> </a:t>
+            </a:r>
+            <a:r>
+              <a:rPr lang="en-US" sz="1200" b="1" spc="-20">
+                <a:solidFill>
+                  <a:srgbClr val="020302"/>
+                </a:solidFill>
+                <a:latin typeface="Adobe Clean"/>
+                <a:cs typeface="Adobe Clean"/>
+              </a:rPr>
+              <a:t>S</a:t>
+            </a:r>
+            <a:r>
+              <a:rPr lang="en-US" sz="1200" b="1" spc="-25">
+                <a:solidFill>
+                  <a:srgbClr val="020302"/>
+                </a:solidFill>
+                <a:latin typeface="Adobe Clean"/>
+                <a:cs typeface="Adobe Clean"/>
+              </a:rPr>
+              <a:t>e</a:t>
+            </a:r>
+            <a:r>
+              <a:rPr lang="en-US" sz="1200" b="1" spc="-20">
+                <a:solidFill>
+                  <a:srgbClr val="020302"/>
+                </a:solidFill>
+                <a:latin typeface="Adobe Clean"/>
+                <a:cs typeface="Adobe Clean"/>
+              </a:rPr>
+              <a:t>r</a:t>
+            </a:r>
+            <a:r>
+              <a:rPr lang="en-US" sz="1200" b="1" spc="-30">
+                <a:solidFill>
+                  <a:srgbClr val="020302"/>
+                </a:solidFill>
+                <a:latin typeface="Adobe Clean"/>
+                <a:cs typeface="Adobe Clean"/>
+              </a:rPr>
+              <a:t>v</a:t>
+            </a:r>
+            <a:r>
+              <a:rPr lang="en-US" sz="1200" b="1" spc="-20">
+                <a:solidFill>
+                  <a:srgbClr val="020302"/>
+                </a:solidFill>
+                <a:latin typeface="Adobe Clean"/>
+                <a:cs typeface="Adobe Clean"/>
+              </a:rPr>
+              <a:t>i</a:t>
+            </a:r>
+            <a:r>
+              <a:rPr lang="en-US" sz="1200" b="1" spc="-30">
+                <a:solidFill>
+                  <a:srgbClr val="020302"/>
+                </a:solidFill>
+                <a:latin typeface="Adobe Clean"/>
+                <a:cs typeface="Adobe Clean"/>
+              </a:rPr>
+              <a:t>c</a:t>
+            </a:r>
+            <a:r>
+              <a:rPr lang="en-US" sz="1200" b="1">
+                <a:solidFill>
+                  <a:srgbClr val="020302"/>
+                </a:solidFill>
+                <a:latin typeface="Adobe Clean"/>
+                <a:cs typeface="Adobe Clean"/>
+              </a:rPr>
+              <a:t>e</a:t>
+            </a:r>
+            <a:endParaRPr lang="en-US" sz="1200">
+              <a:latin typeface="Adobe Clean"/>
+              <a:cs typeface="Adobe Clean"/>
+            </a:endParaRPr>
           </a:p>
         </p:txBody>
       </p:sp>
@@ -12920,8 +14865,8 @@
         </p:nvSpPr>
         <p:spPr>
           <a:xfrm>
-            <a:off x="2671617" y="908302"/>
-            <a:ext cx="1988197" cy="430887"/>
+            <a:off x="2752588" y="908302"/>
+            <a:ext cx="1708650" cy="461665"/>
           </a:xfrm>
           <a:prstGeom prst="rect">
             <a:avLst/>
@@ -12942,34 +14887,19 @@
               </a:spcBef>
             </a:pPr>
             <a:r>
-              <a:rPr lang="it-IT" sz="1100" b="1" dirty="0">
+              <a:rPr lang="en-US" sz="1200" b="1" spc="-25">
                 <a:solidFill>
                   <a:srgbClr val="020302"/>
                 </a:solidFill>
                 <a:latin typeface="Adobe Clean"/>
                 <a:cs typeface="Adobe Clean"/>
               </a:rPr>
-              <a:t>Servizi a valore aggiunto </a:t>
-            </a:r>
-            <a:br>
-              <a:rPr lang="it-IT" sz="1100" b="1" dirty="0">
-                <a:solidFill>
-                  <a:srgbClr val="020302"/>
-                </a:solidFill>
-                <a:latin typeface="Adobe Clean"/>
-                <a:cs typeface="Adobe Clean"/>
-              </a:rPr>
-            </a:br>
-            <a:r>
-              <a:rPr lang="it-IT" sz="1100" b="1" dirty="0">
-                <a:solidFill>
-                  <a:srgbClr val="020302"/>
-                </a:solidFill>
-                <a:latin typeface="Adobe Clean"/>
-                <a:cs typeface="Adobe Clean"/>
-              </a:rPr>
-              <a:t>per AEM as a Cloud Service</a:t>
-            </a:r>
+              <a:t>Value-added Services for AEM as a Cloud Service</a:t>
+            </a:r>
+            <a:endParaRPr lang="en-US" sz="1200">
+              <a:latin typeface="Adobe Clean"/>
+              <a:cs typeface="Adobe Clean"/>
+            </a:endParaRPr>
           </a:p>
         </p:txBody>
       </p:sp>
@@ -12988,7 +14918,7 @@
         <p:spPr>
           <a:xfrm>
             <a:off x="381000" y="908303"/>
-            <a:ext cx="1988197" cy="430887"/>
+            <a:ext cx="1998943" cy="461665"/>
           </a:xfrm>
           <a:prstGeom prst="rect">
             <a:avLst/>
@@ -13009,34 +14939,359 @@
               </a:spcBef>
             </a:pPr>
             <a:r>
-              <a:rPr lang="it-IT" sz="1100" b="1" dirty="0">
+              <a:rPr lang="en-US" sz="1200" b="1" spc="-20">
                 <a:solidFill>
                   <a:srgbClr val="020302"/>
                 </a:solidFill>
                 <a:latin typeface="Adobe Clean"/>
                 <a:cs typeface="Adobe Clean"/>
               </a:rPr>
-              <a:t>Governance per AEM </a:t>
-            </a:r>
-            <a:br>
-              <a:rPr lang="it-IT" sz="1100" b="1" dirty="0">
+              <a:t>G</a:t>
+            </a:r>
+            <a:r>
+              <a:rPr lang="en-US" sz="1200" b="1" spc="-15">
                 <a:solidFill>
                   <a:srgbClr val="020302"/>
                 </a:solidFill>
                 <a:latin typeface="Adobe Clean"/>
                 <a:cs typeface="Adobe Clean"/>
               </a:rPr>
-            </a:br>
-            <a:r>
-              <a:rPr lang="it-IT" sz="1100" b="1" dirty="0">
+              <a:t>o</a:t>
+            </a:r>
+            <a:r>
+              <a:rPr lang="en-US" sz="1200" b="1" spc="-25">
                 <a:solidFill>
                   <a:srgbClr val="020302"/>
                 </a:solidFill>
                 <a:latin typeface="Adobe Clean"/>
                 <a:cs typeface="Adobe Clean"/>
               </a:rPr>
-              <a:t>as a Cloud Service</a:t>
-            </a:r>
+              <a:t>ve</a:t>
+            </a:r>
+            <a:r>
+              <a:rPr lang="en-US" sz="1200" b="1" spc="-20">
+                <a:solidFill>
+                  <a:srgbClr val="020302"/>
+                </a:solidFill>
+                <a:latin typeface="Adobe Clean"/>
+                <a:cs typeface="Adobe Clean"/>
+              </a:rPr>
+              <a:t>r</a:t>
+            </a:r>
+            <a:r>
+              <a:rPr lang="en-US" sz="1200" b="1" spc="-25">
+                <a:solidFill>
+                  <a:srgbClr val="020302"/>
+                </a:solidFill>
+                <a:latin typeface="Adobe Clean"/>
+                <a:cs typeface="Adobe Clean"/>
+              </a:rPr>
+              <a:t>n</a:t>
+            </a:r>
+            <a:r>
+              <a:rPr lang="en-US" sz="1200" b="1" spc="-20">
+                <a:solidFill>
+                  <a:srgbClr val="020302"/>
+                </a:solidFill>
+                <a:latin typeface="Adobe Clean"/>
+                <a:cs typeface="Adobe Clean"/>
+              </a:rPr>
+              <a:t>a</a:t>
+            </a:r>
+            <a:r>
+              <a:rPr lang="en-US" sz="1200" b="1" spc="-25">
+                <a:solidFill>
+                  <a:srgbClr val="020302"/>
+                </a:solidFill>
+                <a:latin typeface="Adobe Clean"/>
+                <a:cs typeface="Adobe Clean"/>
+              </a:rPr>
+              <a:t>n</a:t>
+            </a:r>
+            <a:r>
+              <a:rPr lang="en-US" sz="1200" b="1" spc="-30">
+                <a:solidFill>
+                  <a:srgbClr val="020302"/>
+                </a:solidFill>
+                <a:latin typeface="Adobe Clean"/>
+                <a:cs typeface="Adobe Clean"/>
+              </a:rPr>
+              <a:t>c</a:t>
+            </a:r>
+            <a:r>
+              <a:rPr lang="en-US" sz="1200" b="1">
+                <a:solidFill>
+                  <a:srgbClr val="020302"/>
+                </a:solidFill>
+                <a:latin typeface="Adobe Clean"/>
+                <a:cs typeface="Adobe Clean"/>
+              </a:rPr>
+              <a:t>e</a:t>
+            </a:r>
+            <a:r>
+              <a:rPr lang="en-US" sz="1200" b="1" spc="-50">
+                <a:solidFill>
+                  <a:srgbClr val="020302"/>
+                </a:solidFill>
+                <a:latin typeface="Adobe Clean"/>
+                <a:cs typeface="Adobe Clean"/>
+              </a:rPr>
+              <a:t> </a:t>
+            </a:r>
+            <a:r>
+              <a:rPr lang="en-US" sz="1200" b="1" spc="-25">
+                <a:solidFill>
+                  <a:srgbClr val="020302"/>
+                </a:solidFill>
+                <a:latin typeface="Adobe Clean"/>
+                <a:cs typeface="Adobe Clean"/>
+              </a:rPr>
+              <a:t>f</a:t>
+            </a:r>
+            <a:r>
+              <a:rPr lang="en-US" sz="1200" b="1" spc="-15">
+                <a:solidFill>
+                  <a:srgbClr val="020302"/>
+                </a:solidFill>
+                <a:latin typeface="Adobe Clean"/>
+                <a:cs typeface="Adobe Clean"/>
+              </a:rPr>
+              <a:t>o</a:t>
+            </a:r>
+            <a:r>
+              <a:rPr lang="en-US" sz="1200" b="1">
+                <a:solidFill>
+                  <a:srgbClr val="020302"/>
+                </a:solidFill>
+                <a:latin typeface="Adobe Clean"/>
+                <a:cs typeface="Adobe Clean"/>
+              </a:rPr>
+              <a:t>r</a:t>
+            </a:r>
+            <a:r>
+              <a:rPr lang="en-US" sz="1200" b="1" spc="-45">
+                <a:solidFill>
+                  <a:srgbClr val="020302"/>
+                </a:solidFill>
+                <a:latin typeface="Adobe Clean"/>
+                <a:cs typeface="Adobe Clean"/>
+              </a:rPr>
+              <a:t> </a:t>
+            </a:r>
+            <a:r>
+              <a:rPr lang="en-US" sz="1200" b="1" spc="-30">
+                <a:solidFill>
+                  <a:srgbClr val="020302"/>
+                </a:solidFill>
+                <a:latin typeface="Adobe Clean"/>
+                <a:cs typeface="Adobe Clean"/>
+              </a:rPr>
+              <a:t>A</a:t>
+            </a:r>
+            <a:r>
+              <a:rPr lang="en-US" sz="1200" b="1" spc="-25">
+                <a:solidFill>
+                  <a:srgbClr val="020302"/>
+                </a:solidFill>
+                <a:latin typeface="Adobe Clean"/>
+                <a:cs typeface="Adobe Clean"/>
+              </a:rPr>
+              <a:t>E</a:t>
+            </a:r>
+            <a:r>
+              <a:rPr lang="en-US" sz="1200" b="1">
+                <a:solidFill>
+                  <a:srgbClr val="020302"/>
+                </a:solidFill>
+                <a:latin typeface="Adobe Clean"/>
+                <a:cs typeface="Adobe Clean"/>
+              </a:rPr>
+              <a:t>M</a:t>
+            </a:r>
+            <a:r>
+              <a:rPr lang="en-US" sz="1200" b="1" spc="-50">
+                <a:solidFill>
+                  <a:srgbClr val="020302"/>
+                </a:solidFill>
+                <a:latin typeface="Adobe Clean"/>
+                <a:cs typeface="Adobe Clean"/>
+              </a:rPr>
+              <a:t> </a:t>
+            </a:r>
+            <a:r>
+              <a:rPr lang="en-US" sz="1200" b="1" spc="-20">
+                <a:solidFill>
+                  <a:srgbClr val="020302"/>
+                </a:solidFill>
+                <a:latin typeface="Adobe Clean"/>
+                <a:cs typeface="Adobe Clean"/>
+              </a:rPr>
+              <a:t>a</a:t>
+            </a:r>
+            <a:r>
+              <a:rPr lang="en-US" sz="1200" b="1">
+                <a:solidFill>
+                  <a:srgbClr val="020302"/>
+                </a:solidFill>
+                <a:latin typeface="Adobe Clean"/>
+                <a:cs typeface="Adobe Clean"/>
+              </a:rPr>
+              <a:t>s</a:t>
+            </a:r>
+            <a:r>
+              <a:rPr lang="en-US" sz="1200" b="1" spc="-45">
+                <a:solidFill>
+                  <a:srgbClr val="020302"/>
+                </a:solidFill>
+                <a:latin typeface="Adobe Clean"/>
+                <a:cs typeface="Adobe Clean"/>
+              </a:rPr>
+              <a:t> </a:t>
+            </a:r>
+            <a:r>
+              <a:rPr lang="en-US" sz="1200" b="1">
+                <a:solidFill>
+                  <a:srgbClr val="020302"/>
+                </a:solidFill>
+                <a:latin typeface="Adobe Clean"/>
+                <a:cs typeface="Adobe Clean"/>
+              </a:rPr>
+              <a:t>a</a:t>
+            </a:r>
+            <a:r>
+              <a:rPr lang="en-US" sz="1200" b="1" spc="-40">
+                <a:solidFill>
+                  <a:srgbClr val="020302"/>
+                </a:solidFill>
+                <a:latin typeface="Adobe Clean"/>
+                <a:cs typeface="Adobe Clean"/>
+              </a:rPr>
+              <a:t> </a:t>
+            </a:r>
+            <a:r>
+              <a:rPr lang="en-US" sz="1200" b="1" spc="-15">
+                <a:solidFill>
+                  <a:srgbClr val="020302"/>
+                </a:solidFill>
+                <a:latin typeface="Adobe Clean"/>
+                <a:cs typeface="Adobe Clean"/>
+              </a:rPr>
+              <a:t>C</a:t>
+            </a:r>
+            <a:r>
+              <a:rPr lang="en-US" sz="1200" b="1" spc="-25">
+                <a:solidFill>
+                  <a:srgbClr val="020302"/>
+                </a:solidFill>
+                <a:latin typeface="Adobe Clean"/>
+                <a:cs typeface="Adobe Clean"/>
+              </a:rPr>
+              <a:t>l</a:t>
+            </a:r>
+            <a:r>
+              <a:rPr lang="en-US" sz="1200" b="1" spc="-15">
+                <a:solidFill>
+                  <a:srgbClr val="020302"/>
+                </a:solidFill>
+                <a:latin typeface="Adobe Clean"/>
+                <a:cs typeface="Adobe Clean"/>
+              </a:rPr>
+              <a:t>ou</a:t>
+            </a:r>
+            <a:r>
+              <a:rPr lang="en-US" sz="1200" b="1">
+                <a:solidFill>
+                  <a:srgbClr val="020302"/>
+                </a:solidFill>
+                <a:latin typeface="Adobe Clean"/>
+                <a:cs typeface="Adobe Clean"/>
+              </a:rPr>
+              <a:t>d</a:t>
+            </a:r>
+            <a:r>
+              <a:rPr lang="en-US" sz="1200" b="1" spc="-50">
+                <a:solidFill>
+                  <a:srgbClr val="020302"/>
+                </a:solidFill>
+                <a:latin typeface="Adobe Clean"/>
+                <a:cs typeface="Adobe Clean"/>
+              </a:rPr>
+              <a:t> </a:t>
+            </a:r>
+            <a:r>
+              <a:rPr lang="en-US" sz="1200" b="1" spc="-20">
+                <a:solidFill>
+                  <a:srgbClr val="020302"/>
+                </a:solidFill>
+                <a:latin typeface="Adobe Clean"/>
+                <a:cs typeface="Adobe Clean"/>
+              </a:rPr>
+              <a:t>S</a:t>
+            </a:r>
+            <a:r>
+              <a:rPr lang="en-US" sz="1200" b="1" spc="-25">
+                <a:solidFill>
+                  <a:srgbClr val="020302"/>
+                </a:solidFill>
+                <a:latin typeface="Adobe Clean"/>
+                <a:cs typeface="Adobe Clean"/>
+              </a:rPr>
+              <a:t>e</a:t>
+            </a:r>
+            <a:r>
+              <a:rPr lang="en-US" sz="1200" b="1" spc="-20">
+                <a:solidFill>
+                  <a:srgbClr val="020302"/>
+                </a:solidFill>
+                <a:latin typeface="Adobe Clean"/>
+                <a:cs typeface="Adobe Clean"/>
+              </a:rPr>
+              <a:t>r</a:t>
+            </a:r>
+            <a:r>
+              <a:rPr lang="en-US" sz="1200" b="1" spc="-25">
+                <a:solidFill>
+                  <a:srgbClr val="020302"/>
+                </a:solidFill>
+                <a:latin typeface="Adobe Clean"/>
+                <a:cs typeface="Adobe Clean"/>
+              </a:rPr>
+              <a:t>v</a:t>
+            </a:r>
+            <a:r>
+              <a:rPr lang="en-US" sz="1200" b="1" spc="-20">
+                <a:solidFill>
+                  <a:srgbClr val="020302"/>
+                </a:solidFill>
+                <a:latin typeface="Adobe Clean"/>
+                <a:cs typeface="Adobe Clean"/>
+              </a:rPr>
+              <a:t>i</a:t>
+            </a:r>
+            <a:r>
+              <a:rPr lang="en-US" sz="1200" b="1" spc="-30">
+                <a:solidFill>
+                  <a:srgbClr val="020302"/>
+                </a:solidFill>
+                <a:latin typeface="Adobe Clean"/>
+                <a:cs typeface="Adobe Clean"/>
+              </a:rPr>
+              <a:t>c</a:t>
+            </a:r>
+            <a:r>
+              <a:rPr lang="en-US" sz="1200" b="1">
+                <a:solidFill>
+                  <a:srgbClr val="020302"/>
+                </a:solidFill>
+                <a:latin typeface="Adobe Clean"/>
+                <a:cs typeface="Adobe Clean"/>
+              </a:rPr>
+              <a:t>e</a:t>
+            </a:r>
+            <a:endParaRPr lang="en-US" sz="1200">
+              <a:latin typeface="Adobe Clean"/>
+              <a:cs typeface="Adobe Clean"/>
+            </a:endParaRPr>
           </a:p>
         </p:txBody>
       </p:sp>
@@ -13097,15 +15352,49 @@
               </a:lnSpc>
             </a:pPr>
             <a:r>
-              <a:rPr lang="it-IT" sz="500">
+              <a:rPr sz="500" spc="-5">
                 <a:solidFill>
                   <a:srgbClr val="6C6C6C"/>
                 </a:solidFill>
                 <a:latin typeface="Adobe Clean"/>
                 <a:cs typeface="Adobe Clean"/>
               </a:rPr>
-              <a:t>©2020 Adobe. All Rights Reserved. Adobe Confidential.</a:t>
-            </a:r>
+              <a:t>©2020 Adobe. All Rights Reserved. </a:t>
+            </a:r>
+            <a:r>
+              <a:rPr sz="500">
+                <a:solidFill>
+                  <a:srgbClr val="6C6C6C"/>
+                </a:solidFill>
+                <a:latin typeface="Adobe Clean"/>
+                <a:cs typeface="Adobe Clean"/>
+              </a:rPr>
+              <a:t>Adobe</a:t>
+            </a:r>
+            <a:r>
+              <a:rPr sz="500" spc="5">
+                <a:solidFill>
+                  <a:srgbClr val="6C6C6C"/>
+                </a:solidFill>
+                <a:latin typeface="Adobe Clean"/>
+                <a:cs typeface="Adobe Clean"/>
+              </a:rPr>
+              <a:t> </a:t>
+            </a:r>
+            <a:r>
+              <a:rPr sz="500" spc="-5">
+                <a:solidFill>
+                  <a:srgbClr val="6C6C6C"/>
+                </a:solidFill>
+                <a:latin typeface="Adobe Clean"/>
+                <a:cs typeface="Adobe Clean"/>
+              </a:rPr>
+              <a:t>Confidential.</a:t>
+            </a:r>
+            <a:endParaRPr sz="500">
+              <a:latin typeface="Adobe Clean"/>
+              <a:cs typeface="Adobe Clean"/>
+            </a:endParaRPr>
           </a:p>
           <a:p>
             <a:pPr>
@@ -13131,15 +15420,39 @@
               </a:spcBef>
             </a:pPr>
             <a:r>
-              <a:rPr lang="it-IT" sz="800">
+              <a:rPr sz="800" spc="-5">
                 <a:solidFill>
                   <a:srgbClr val="6D6D6D"/>
                 </a:solidFill>
                 <a:latin typeface="Adobe Clean"/>
                 <a:cs typeface="Adobe Clean"/>
               </a:rPr>
-              <a:t>©2020 Adobe. All Rights Reserved. Adobe Confidential.</a:t>
-            </a:r>
+              <a:t>©2020 Adobe. All Rights Reserved. Adobe</a:t>
+            </a:r>
+            <a:r>
+              <a:rPr sz="800" spc="75">
+                <a:solidFill>
+                  <a:srgbClr val="6D6D6D"/>
+                </a:solidFill>
+                <a:latin typeface="Adobe Clean"/>
+                <a:cs typeface="Adobe Clean"/>
+              </a:rPr>
+              <a:t> </a:t>
+            </a:r>
+            <a:r>
+              <a:rPr sz="800" spc="-5">
+                <a:solidFill>
+                  <a:srgbClr val="6D6D6D"/>
+                </a:solidFill>
+                <a:latin typeface="Adobe Clean"/>
+                <a:cs typeface="Adobe Clean"/>
+              </a:rPr>
+              <a:t>Confidential.</a:t>
+            </a:r>
+            <a:endParaRPr sz="800">
+              <a:latin typeface="Adobe Clean"/>
+              <a:cs typeface="Adobe Clean"/>
+            </a:endParaRPr>
           </a:p>
         </p:txBody>
       </p:sp>
@@ -13223,15 +15536,19 @@
               </a:spcBef>
             </a:pPr>
             <a:r>
-              <a:rPr lang="it-IT" sz="1400" b="1">
+              <a:rPr lang="en-US" sz="1400" b="1" spc="-15">
                 <a:solidFill>
                   <a:srgbClr val="020302"/>
                 </a:solidFill>
                 <a:latin typeface="Adobe Clean"/>
                 <a:cs typeface="Adobe Clean"/>
               </a:rPr>
-              <a:t>Risorse</a:t>
-            </a:r>
+              <a:t>Resources</a:t>
+            </a:r>
+            <a:endParaRPr sz="1400">
+              <a:latin typeface="Adobe Clean"/>
+              <a:cs typeface="Adobe Clean"/>
+            </a:endParaRPr>
           </a:p>
         </p:txBody>
       </p:sp>
@@ -13244,7 +15561,7 @@
         <p:spPr>
           <a:xfrm>
             <a:off x="6754821" y="9283729"/>
-            <a:ext cx="1017579" cy="662305"/>
+            <a:ext cx="930275" cy="662305"/>
           </a:xfrm>
           <a:prstGeom prst="rect">
             <a:avLst/>
@@ -13265,7 +15582,7 @@
               </a:spcBef>
             </a:pPr>
             <a:r>
-              <a:rPr lang="it-IT" sz="800" dirty="0">
+              <a:rPr sz="800" spc="-15">
                 <a:solidFill>
                   <a:srgbClr val="777879"/>
                 </a:solidFill>
@@ -13274,6 +15591,10 @@
               </a:rPr>
               <a:t>Adobe</a:t>
             </a:r>
+            <a:endParaRPr sz="800">
+              <a:latin typeface="Adobe Clean"/>
+              <a:cs typeface="Adobe Clean"/>
+            </a:endParaRPr>
           </a:p>
           <a:p>
             <a:pPr marL="12700">
@@ -13282,15 +15603,39 @@
               </a:lnSpc>
             </a:pPr>
             <a:r>
-              <a:rPr lang="it-IT" sz="800" dirty="0">
+              <a:rPr sz="800" spc="-15">
                 <a:solidFill>
                   <a:srgbClr val="777879"/>
                 </a:solidFill>
                 <a:latin typeface="Adobe Clean"/>
                 <a:cs typeface="Adobe Clean"/>
               </a:rPr>
-              <a:t>345 Park Avenue</a:t>
-            </a:r>
+              <a:t>345 Park</a:t>
+            </a:r>
+            <a:r>
+              <a:rPr sz="800" spc="-100">
+                <a:solidFill>
+                  <a:srgbClr val="777879"/>
+                </a:solidFill>
+                <a:latin typeface="Adobe Clean"/>
+                <a:cs typeface="Adobe Clean"/>
+              </a:rPr>
+              <a:t> </a:t>
+            </a:r>
+            <a:r>
+              <a:rPr sz="800" spc="-15">
+                <a:solidFill>
+                  <a:srgbClr val="777879"/>
+                </a:solidFill>
+                <a:latin typeface="Adobe Clean"/>
+                <a:cs typeface="Adobe Clean"/>
+              </a:rPr>
+              <a:t>Avenue</a:t>
+            </a:r>
+            <a:endParaRPr sz="800">
+              <a:latin typeface="Adobe Clean"/>
+              <a:cs typeface="Adobe Clean"/>
+            </a:endParaRPr>
           </a:p>
           <a:p>
             <a:pPr marL="12700">
@@ -13299,15 +15644,49 @@
               </a:lnSpc>
             </a:pPr>
             <a:r>
-              <a:rPr lang="it-IT" sz="800" dirty="0">
+              <a:rPr sz="800" spc="-10">
                 <a:solidFill>
                   <a:srgbClr val="777879"/>
                 </a:solidFill>
                 <a:latin typeface="Adobe Clean"/>
                 <a:cs typeface="Adobe Clean"/>
               </a:rPr>
-              <a:t>San Jose, CA 95110-2704</a:t>
-            </a:r>
+              <a:t>San </a:t>
+            </a:r>
+            <a:r>
+              <a:rPr sz="800" spc="-15">
+                <a:solidFill>
+                  <a:srgbClr val="777879"/>
+                </a:solidFill>
+                <a:latin typeface="Adobe Clean"/>
+                <a:cs typeface="Adobe Clean"/>
+              </a:rPr>
+              <a:t>Jose,</a:t>
+            </a:r>
+            <a:r>
+              <a:rPr sz="800" spc="-140">
+                <a:solidFill>
+                  <a:srgbClr val="777879"/>
+                </a:solidFill>
+                <a:latin typeface="Adobe Clean"/>
+                <a:cs typeface="Adobe Clean"/>
+              </a:rPr>
+              <a:t> </a:t>
+            </a:r>
+            <a:r>
+              <a:rPr sz="800" spc="-20">
+                <a:solidFill>
+                  <a:srgbClr val="777879"/>
+                </a:solidFill>
+                <a:latin typeface="Adobe Clean"/>
+                <a:cs typeface="Adobe Clean"/>
+              </a:rPr>
+              <a:t>CA95110-2704</a:t>
+            </a:r>
+            <a:endParaRPr sz="800">
+              <a:latin typeface="Adobe Clean"/>
+              <a:cs typeface="Adobe Clean"/>
+            </a:endParaRPr>
           </a:p>
           <a:p>
             <a:pPr marL="12700">
@@ -13319,7 +15698,7 @@
               </a:spcBef>
             </a:pPr>
             <a:r>
-              <a:rPr lang="it-IT" sz="800" dirty="0">
+              <a:rPr sz="800" spc="-10">
                 <a:solidFill>
                   <a:srgbClr val="777879"/>
                 </a:solidFill>
@@ -13328,6 +15707,10 @@
               </a:rPr>
               <a:t>USA</a:t>
             </a:r>
+            <a:endParaRPr sz="800">
+              <a:latin typeface="Adobe Clean"/>
+              <a:cs typeface="Adobe Clean"/>
+            </a:endParaRPr>
           </a:p>
           <a:p>
             <a:pPr marL="12700">
@@ -13339,7 +15722,7 @@
               </a:spcBef>
             </a:pPr>
             <a:r>
-              <a:rPr lang="it-IT" sz="800" u="sng" dirty="0">
+              <a:rPr sz="800" u="sng" spc="-25">
                 <a:solidFill>
                   <a:srgbClr val="5F5F5F"/>
                 </a:solidFill>
@@ -13354,6 +15737,10 @@
               </a:rPr>
               <a:t>www.adobe.com</a:t>
             </a:r>
+            <a:endParaRPr sz="800">
+              <a:latin typeface="Adobe Clean"/>
+              <a:cs typeface="Adobe Clean"/>
+            </a:endParaRPr>
           </a:p>
         </p:txBody>
       </p:sp>
@@ -13528,15 +15915,429 @@
               </a:spcBef>
             </a:pPr>
             <a:r>
-              <a:rPr lang="it-IT" sz="1100" i="1">
+              <a:rPr sz="1100" i="1" spc="-10">
                 <a:solidFill>
                   <a:srgbClr val="777879"/>
                 </a:solidFill>
                 <a:latin typeface="AdobeClean-LightIt"/>
                 <a:cs typeface="AdobeClean-LightIt"/>
               </a:rPr>
-              <a:t>Per saperne di più sulle opzioni di Supporto Adobe e capire quale sia il livello più adatto alle tue esigenze, contatta il tuo Named Account Manager (NAM) o Customer Success Manager (CSM).</a:t>
-            </a:r>
+              <a:t>To</a:t>
+            </a:r>
+            <a:r>
+              <a:rPr sz="1100" i="1" spc="-50">
+                <a:solidFill>
+                  <a:srgbClr val="777879"/>
+                </a:solidFill>
+                <a:latin typeface="AdobeClean-LightIt"/>
+                <a:cs typeface="AdobeClean-LightIt"/>
+              </a:rPr>
+              <a:t> </a:t>
+            </a:r>
+            <a:r>
+              <a:rPr sz="1100" i="1" spc="-15">
+                <a:solidFill>
+                  <a:srgbClr val="777879"/>
+                </a:solidFill>
+                <a:latin typeface="AdobeClean-LightIt"/>
+                <a:cs typeface="AdobeClean-LightIt"/>
+              </a:rPr>
+              <a:t>learn</a:t>
+            </a:r>
+            <a:r>
+              <a:rPr sz="1100" i="1" spc="-40">
+                <a:solidFill>
+                  <a:srgbClr val="777879"/>
+                </a:solidFill>
+                <a:latin typeface="AdobeClean-LightIt"/>
+                <a:cs typeface="AdobeClean-LightIt"/>
+              </a:rPr>
+              <a:t> </a:t>
+            </a:r>
+            <a:r>
+              <a:rPr sz="1100" i="1" spc="-15">
+                <a:solidFill>
+                  <a:srgbClr val="777879"/>
+                </a:solidFill>
+                <a:latin typeface="AdobeClean-LightIt"/>
+                <a:cs typeface="AdobeClean-LightIt"/>
+              </a:rPr>
+              <a:t>more</a:t>
+            </a:r>
+            <a:r>
+              <a:rPr sz="1100" i="1" spc="-45">
+                <a:solidFill>
+                  <a:srgbClr val="777879"/>
+                </a:solidFill>
+                <a:latin typeface="AdobeClean-LightIt"/>
+                <a:cs typeface="AdobeClean-LightIt"/>
+              </a:rPr>
+              <a:t> </a:t>
+            </a:r>
+            <a:r>
+              <a:rPr sz="1100" i="1" spc="-15">
+                <a:solidFill>
+                  <a:srgbClr val="777879"/>
+                </a:solidFill>
+                <a:latin typeface="AdobeClean-LightIt"/>
+                <a:cs typeface="AdobeClean-LightIt"/>
+              </a:rPr>
+              <a:t>about</a:t>
+            </a:r>
+            <a:r>
+              <a:rPr sz="1100" i="1" spc="-45">
+                <a:solidFill>
+                  <a:srgbClr val="777879"/>
+                </a:solidFill>
+                <a:latin typeface="AdobeClean-LightIt"/>
+                <a:cs typeface="AdobeClean-LightIt"/>
+              </a:rPr>
+              <a:t> </a:t>
+            </a:r>
+            <a:r>
+              <a:rPr sz="1100" i="1" spc="-15">
+                <a:solidFill>
+                  <a:srgbClr val="777879"/>
+                </a:solidFill>
+                <a:latin typeface="AdobeClean-LightIt"/>
+                <a:cs typeface="AdobeClean-LightIt"/>
+              </a:rPr>
+              <a:t>Adobe</a:t>
+            </a:r>
+            <a:r>
+              <a:rPr sz="1100" i="1" spc="-60">
+                <a:solidFill>
+                  <a:srgbClr val="777879"/>
+                </a:solidFill>
+                <a:latin typeface="AdobeClean-LightIt"/>
+                <a:cs typeface="AdobeClean-LightIt"/>
+              </a:rPr>
+              <a:t> </a:t>
+            </a:r>
+            <a:r>
+              <a:rPr sz="1100" i="1" spc="-15">
+                <a:solidFill>
+                  <a:srgbClr val="777879"/>
+                </a:solidFill>
+                <a:latin typeface="AdobeClean-LightIt"/>
+                <a:cs typeface="AdobeClean-LightIt"/>
+              </a:rPr>
+              <a:t>Support</a:t>
+            </a:r>
+            <a:r>
+              <a:rPr lang="en-US" sz="1100" i="1" spc="-15">
+                <a:solidFill>
+                  <a:srgbClr val="777879"/>
+                </a:solidFill>
+                <a:latin typeface="AdobeClean-LightIt"/>
+                <a:cs typeface="AdobeClean-LightIt"/>
+              </a:rPr>
+              <a:t> Offerings</a:t>
+            </a:r>
+            <a:r>
+              <a:rPr sz="1100" i="1" spc="-75">
+                <a:solidFill>
+                  <a:srgbClr val="777879"/>
+                </a:solidFill>
+                <a:latin typeface="AdobeClean-LightIt"/>
+                <a:cs typeface="AdobeClean-LightIt"/>
+              </a:rPr>
+              <a:t> </a:t>
+            </a:r>
+            <a:r>
+              <a:rPr sz="1100" i="1" spc="-15">
+                <a:solidFill>
+                  <a:srgbClr val="777879"/>
+                </a:solidFill>
+                <a:latin typeface="AdobeClean-LightIt"/>
+                <a:cs typeface="AdobeClean-LightIt"/>
+              </a:rPr>
+              <a:t>and</a:t>
+            </a:r>
+            <a:r>
+              <a:rPr sz="1100" i="1" spc="-50">
+                <a:solidFill>
+                  <a:srgbClr val="777879"/>
+                </a:solidFill>
+                <a:latin typeface="AdobeClean-LightIt"/>
+                <a:cs typeface="AdobeClean-LightIt"/>
+              </a:rPr>
+              <a:t> </a:t>
+            </a:r>
+            <a:r>
+              <a:rPr sz="1100" i="1" spc="-15">
+                <a:solidFill>
+                  <a:srgbClr val="777879"/>
+                </a:solidFill>
+                <a:latin typeface="AdobeClean-LightIt"/>
+                <a:cs typeface="AdobeClean-LightIt"/>
+              </a:rPr>
+              <a:t>the</a:t>
+            </a:r>
+            <a:r>
+              <a:rPr sz="1100" i="1" spc="-55">
+                <a:solidFill>
+                  <a:srgbClr val="777879"/>
+                </a:solidFill>
+                <a:latin typeface="AdobeClean-LightIt"/>
+                <a:cs typeface="AdobeClean-LightIt"/>
+              </a:rPr>
+              <a:t> </a:t>
+            </a:r>
+            <a:r>
+              <a:rPr sz="1100" i="1" spc="-15">
+                <a:solidFill>
+                  <a:srgbClr val="777879"/>
+                </a:solidFill>
+                <a:latin typeface="AdobeClean-LightIt"/>
+                <a:cs typeface="AdobeClean-LightIt"/>
+              </a:rPr>
+              <a:t>right</a:t>
+            </a:r>
+            <a:r>
+              <a:rPr sz="1100" i="1" spc="-95">
+                <a:solidFill>
+                  <a:srgbClr val="777879"/>
+                </a:solidFill>
+                <a:latin typeface="AdobeClean-LightIt"/>
+                <a:cs typeface="AdobeClean-LightIt"/>
+              </a:rPr>
+              <a:t> </a:t>
+            </a:r>
+            <a:r>
+              <a:rPr sz="1100" i="1" spc="-15">
+                <a:solidFill>
+                  <a:srgbClr val="777879"/>
+                </a:solidFill>
+                <a:latin typeface="AdobeClean-LightIt"/>
+                <a:cs typeface="AdobeClean-LightIt"/>
+              </a:rPr>
+              <a:t>level</a:t>
+            </a:r>
+            <a:r>
+              <a:rPr sz="1100" i="1" spc="-55">
+                <a:solidFill>
+                  <a:srgbClr val="777879"/>
+                </a:solidFill>
+                <a:latin typeface="AdobeClean-LightIt"/>
+                <a:cs typeface="AdobeClean-LightIt"/>
+              </a:rPr>
+              <a:t> </a:t>
+            </a:r>
+            <a:r>
+              <a:rPr sz="1100" i="1" spc="-15">
+                <a:solidFill>
+                  <a:srgbClr val="777879"/>
+                </a:solidFill>
+                <a:latin typeface="AdobeClean-LightIt"/>
+                <a:cs typeface="AdobeClean-LightIt"/>
+              </a:rPr>
+              <a:t>for</a:t>
+            </a:r>
+            <a:r>
+              <a:rPr sz="1100" i="1" spc="-85">
+                <a:solidFill>
+                  <a:srgbClr val="777879"/>
+                </a:solidFill>
+                <a:latin typeface="AdobeClean-LightIt"/>
+                <a:cs typeface="AdobeClean-LightIt"/>
+              </a:rPr>
+              <a:t> </a:t>
+            </a:r>
+            <a:r>
+              <a:rPr sz="1100" i="1" spc="-15">
+                <a:solidFill>
+                  <a:srgbClr val="777879"/>
+                </a:solidFill>
+                <a:latin typeface="AdobeClean-LightIt"/>
+                <a:cs typeface="AdobeClean-LightIt"/>
+              </a:rPr>
+              <a:t>you,</a:t>
+            </a:r>
+            <a:r>
+              <a:rPr sz="1100" i="1" spc="-65">
+                <a:solidFill>
+                  <a:srgbClr val="777879"/>
+                </a:solidFill>
+                <a:latin typeface="AdobeClean-LightIt"/>
+                <a:cs typeface="AdobeClean-LightIt"/>
+              </a:rPr>
+              <a:t> </a:t>
+            </a:r>
+            <a:r>
+              <a:rPr sz="1100" i="1" spc="-15">
+                <a:solidFill>
+                  <a:srgbClr val="777879"/>
+                </a:solidFill>
+                <a:latin typeface="AdobeClean-LightIt"/>
+                <a:cs typeface="AdobeClean-LightIt"/>
+              </a:rPr>
+              <a:t>contact</a:t>
+            </a:r>
+            <a:r>
+              <a:rPr sz="1100" i="1" spc="-85">
+                <a:solidFill>
+                  <a:srgbClr val="777879"/>
+                </a:solidFill>
+                <a:latin typeface="AdobeClean-LightIt"/>
+                <a:cs typeface="AdobeClean-LightIt"/>
+              </a:rPr>
+              <a:t> </a:t>
+            </a:r>
+            <a:r>
+              <a:rPr sz="1100" i="1" spc="-15">
+                <a:solidFill>
+                  <a:srgbClr val="777879"/>
+                </a:solidFill>
+                <a:latin typeface="AdobeClean-LightIt"/>
+                <a:cs typeface="AdobeClean-LightIt"/>
+              </a:rPr>
+              <a:t>your</a:t>
+            </a:r>
+            <a:r>
+              <a:rPr sz="1100" i="1" spc="-70">
+                <a:solidFill>
+                  <a:srgbClr val="777879"/>
+                </a:solidFill>
+                <a:latin typeface="AdobeClean-LightIt"/>
+                <a:cs typeface="AdobeClean-LightIt"/>
+              </a:rPr>
+              <a:t> </a:t>
+            </a:r>
+            <a:r>
+              <a:rPr sz="1100" i="1" spc="-15">
+                <a:solidFill>
+                  <a:srgbClr val="777879"/>
+                </a:solidFill>
+                <a:latin typeface="AdobeClean-LightIt"/>
+                <a:cs typeface="AdobeClean-LightIt"/>
+              </a:rPr>
+              <a:t>Named</a:t>
+            </a:r>
+            <a:r>
+              <a:rPr sz="1100" i="1" spc="-55">
+                <a:solidFill>
+                  <a:srgbClr val="777879"/>
+                </a:solidFill>
+                <a:latin typeface="AdobeClean-LightIt"/>
+                <a:cs typeface="AdobeClean-LightIt"/>
+              </a:rPr>
+              <a:t> </a:t>
+            </a:r>
+            <a:r>
+              <a:rPr sz="1100" i="1" spc="-25">
+                <a:solidFill>
+                  <a:srgbClr val="777879"/>
+                </a:solidFill>
+                <a:latin typeface="AdobeClean-LightIt"/>
+                <a:cs typeface="AdobeClean-LightIt"/>
+              </a:rPr>
+              <a:t>Account</a:t>
+            </a:r>
+            <a:r>
+              <a:rPr sz="1100" i="1" spc="-120">
+                <a:solidFill>
+                  <a:srgbClr val="777879"/>
+                </a:solidFill>
+                <a:latin typeface="AdobeClean-LightIt"/>
+                <a:cs typeface="AdobeClean-LightIt"/>
+              </a:rPr>
+              <a:t> </a:t>
+            </a:r>
+            <a:r>
+              <a:rPr sz="1100" i="1" spc="-20">
+                <a:solidFill>
+                  <a:srgbClr val="777879"/>
+                </a:solidFill>
+                <a:latin typeface="AdobeClean-LightIt"/>
+                <a:cs typeface="AdobeClean-LightIt"/>
+              </a:rPr>
+              <a:t>Manager  </a:t>
+            </a:r>
+            <a:r>
+              <a:rPr sz="1100" i="1" spc="-15">
+                <a:solidFill>
+                  <a:srgbClr val="777879"/>
+                </a:solidFill>
+                <a:latin typeface="AdobeClean-LightIt"/>
+                <a:cs typeface="AdobeClean-LightIt"/>
+              </a:rPr>
+              <a:t>(NAM) </a:t>
+            </a:r>
+            <a:r>
+              <a:rPr sz="1100" i="1" spc="-10">
+                <a:solidFill>
+                  <a:srgbClr val="777879"/>
+                </a:solidFill>
+                <a:latin typeface="AdobeClean-LightIt"/>
+                <a:cs typeface="AdobeClean-LightIt"/>
+              </a:rPr>
+              <a:t>or </a:t>
+            </a:r>
+            <a:r>
+              <a:rPr sz="1100" i="1" spc="-15">
+                <a:solidFill>
+                  <a:srgbClr val="777879"/>
+                </a:solidFill>
+                <a:latin typeface="AdobeClean-LightIt"/>
+                <a:cs typeface="AdobeClean-LightIt"/>
+              </a:rPr>
+              <a:t>Customer </a:t>
+            </a:r>
+            <a:r>
+              <a:rPr sz="1100" i="1" spc="-20">
+                <a:solidFill>
+                  <a:srgbClr val="777879"/>
+                </a:solidFill>
+                <a:latin typeface="AdobeClean-LightIt"/>
+                <a:cs typeface="AdobeClean-LightIt"/>
+              </a:rPr>
+              <a:t>Success</a:t>
+            </a:r>
+            <a:r>
+              <a:rPr sz="1100" i="1" spc="-180">
+                <a:solidFill>
+                  <a:srgbClr val="777879"/>
+                </a:solidFill>
+                <a:latin typeface="AdobeClean-LightIt"/>
+                <a:cs typeface="AdobeClean-LightIt"/>
+              </a:rPr>
+              <a:t> </a:t>
+            </a:r>
+            <a:r>
+              <a:rPr sz="1100" i="1" spc="-15">
+                <a:solidFill>
+                  <a:srgbClr val="777879"/>
+                </a:solidFill>
+                <a:latin typeface="AdobeClean-LightIt"/>
+                <a:cs typeface="AdobeClean-LightIt"/>
+              </a:rPr>
+              <a:t>Manager</a:t>
+            </a:r>
+            <a:r>
+              <a:rPr lang="en-US" sz="1100" i="1" spc="-15">
+                <a:solidFill>
+                  <a:srgbClr val="777879"/>
+                </a:solidFill>
+                <a:latin typeface="AdobeClean-LightIt"/>
+                <a:cs typeface="AdobeClean-LightIt"/>
+              </a:rPr>
+              <a:t> </a:t>
+            </a:r>
+            <a:r>
+              <a:rPr sz="1100" i="1" spc="-15">
+                <a:solidFill>
+                  <a:srgbClr val="777879"/>
+                </a:solidFill>
+                <a:latin typeface="AdobeClean-LightIt"/>
+                <a:cs typeface="AdobeClean-LightIt"/>
+              </a:rPr>
+              <a:t>(CSM)</a:t>
+            </a:r>
+            <a:endParaRPr sz="1100">
+              <a:latin typeface="AdobeClean-LightIt"/>
+              <a:cs typeface="AdobeClean-LightIt"/>
+            </a:endParaRPr>
           </a:p>
           <a:p>
             <a:pPr marL="34290">
@@ -13548,15 +16349,59 @@
               </a:spcBef>
             </a:pPr>
             <a:r>
-              <a:rPr lang="it-IT" sz="800">
+              <a:rPr sz="800" spc="-5">
                 <a:solidFill>
                   <a:srgbClr val="6D6D6D"/>
                 </a:solidFill>
                 <a:latin typeface="Adobe Clean"/>
                 <a:cs typeface="Adobe Clean"/>
               </a:rPr>
-              <a:t>©2021 Adobe. All Rights Reserved. Adobe Confidential.</a:t>
-            </a:r>
+              <a:t>©202</a:t>
+            </a:r>
+            <a:r>
+              <a:rPr lang="en-US" sz="800" spc="-5">
+                <a:solidFill>
+                  <a:srgbClr val="6D6D6D"/>
+                </a:solidFill>
+                <a:latin typeface="Adobe Clean"/>
+                <a:cs typeface="Adobe Clean"/>
+              </a:rPr>
+              <a:t>1</a:t>
+            </a:r>
+            <a:r>
+              <a:rPr sz="800" spc="-5">
+                <a:solidFill>
+                  <a:srgbClr val="6D6D6D"/>
+                </a:solidFill>
+                <a:latin typeface="Adobe Clean"/>
+                <a:cs typeface="Adobe Clean"/>
+              </a:rPr>
+              <a:t> Adobe. All Rights Reserved. Adobe</a:t>
+            </a:r>
+            <a:r>
+              <a:rPr sz="800" spc="75">
+                <a:solidFill>
+                  <a:srgbClr val="6D6D6D"/>
+                </a:solidFill>
+                <a:latin typeface="Adobe Clean"/>
+                <a:cs typeface="Adobe Clean"/>
+              </a:rPr>
+              <a:t> </a:t>
+            </a:r>
+            <a:r>
+              <a:rPr sz="800" spc="-5">
+                <a:solidFill>
+                  <a:srgbClr val="6D6D6D"/>
+                </a:solidFill>
+                <a:latin typeface="Adobe Clean"/>
+                <a:cs typeface="Adobe Clean"/>
+              </a:rPr>
+              <a:t>Confidential.</a:t>
+            </a:r>
+            <a:endParaRPr sz="800">
+              <a:latin typeface="Adobe Clean"/>
+              <a:cs typeface="Adobe Clean"/>
+            </a:endParaRPr>
           </a:p>
         </p:txBody>
       </p:sp>
@@ -13593,15 +16438,19 @@
               </a:spcBef>
             </a:pPr>
             <a:r>
-              <a:rPr lang="it-IT" sz="1400" b="1" dirty="0">
+              <a:rPr lang="en-US" sz="1400" b="1" spc="-15">
                 <a:solidFill>
                   <a:srgbClr val="020302"/>
                 </a:solidFill>
                 <a:latin typeface="Adobe Clean"/>
                 <a:cs typeface="Adobe Clean"/>
               </a:rPr>
-              <a:t>Supporto Adobe: aree geografiche, orari operativi e lingue</a:t>
-            </a:r>
+              <a:t>Regional scope of Adobe Support, Local Hours Of Operation And Language Support</a:t>
+            </a:r>
+            <a:endParaRPr lang="en-US" sz="1400" spc="-15">
+              <a:ea typeface="+mn-lt"/>
+              <a:cs typeface="+mn-lt"/>
+            </a:endParaRPr>
           </a:p>
           <a:p>
             <a:pPr>
@@ -13610,31 +16459,17 @@
               </a:spcBef>
             </a:pPr>
             <a:r>
-              <a:rPr lang="it-IT" sz="1000" dirty="0">
+              <a:rPr lang="en-US" sz="1000" spc="-15">
                 <a:solidFill>
                   <a:srgbClr val="1F1F1F"/>
                 </a:solidFill>
                 <a:latin typeface="AdobeClean-Light"/>
               </a:rPr>
-              <a:t>L’ambito del supporto Adobe è definito allineando l’indirizzo di fatturazione del cliente (in base all’ordine di vendita o altro documento </a:t>
-            </a:r>
-            <a:br>
-              <a:rPr lang="it-IT" sz="1000" dirty="0">
-                <a:solidFill>
-                  <a:srgbClr val="1F1F1F"/>
-                </a:solidFill>
-                <a:latin typeface="AdobeClean-Light"/>
-              </a:rPr>
-            </a:br>
-            <a:r>
-              <a:rPr lang="it-IT" sz="1000" dirty="0">
-                <a:solidFill>
-                  <a:srgbClr val="1F1F1F"/>
-                </a:solidFill>
-                <a:latin typeface="AdobeClean-Light"/>
-              </a:rPr>
-              <a:t>di acquisto del servizio di supporto Adobe) a una delle seguenti aree geografiche:</a:t>
-            </a:r>
+              <a:t>The regional scope of Adobe Support is established by aligning the customer's billing address (via the Sales Order or other Adobe Support purchasing document) to one of the following regions:</a:t>
+            </a:r>
+            <a:endParaRPr lang="en-US" sz="1000">
+              <a:latin typeface="AdobeClean-Light"/>
+            </a:endParaRPr>
           </a:p>
         </p:txBody>
       </p:sp>
@@ -13653,7 +16488,7 @@
           <p:nvPr>
             <p:extLst>
               <p:ext uri="{D42A27DB-BD31-4B8C-83A1-F6EECF244321}">
-                <p14:modId xmlns:p14="http://schemas.microsoft.com/office/powerpoint/2010/main" val="1639582195"/>
+                <p14:modId xmlns:p14="http://schemas.microsoft.com/office/powerpoint/2010/main" val="3975465108"/>
               </p:ext>
             </p:extLst>
           </p:nvPr>
@@ -13706,13 +16541,13 @@
                     <a:p>
                       <a:pPr algn="ctr"/>
                       <a:r>
-                        <a:rPr lang="it-IT" sz="1100">
+                        <a:rPr lang="en-US" sz="1100">
                           <a:solidFill>
                             <a:schemeClr val="tx1"/>
                           </a:solidFill>
                           <a:latin typeface="Adobe Clean" panose="020B0503020404020204" pitchFamily="34" charset="0"/>
                         </a:rPr>
-                        <a:t>Americhe</a:t>
+                        <a:t>Americas</a:t>
                       </a:r>
                     </a:p>
                   </a:txBody>
@@ -13771,30 +16606,13 @@
                     <a:p>
                       <a:pPr algn="ctr"/>
                       <a:r>
-                        <a:rPr lang="it-IT" sz="1100" dirty="0">
+                        <a:rPr lang="en-US" sz="1100">
                           <a:solidFill>
                             <a:schemeClr val="tx1"/>
                           </a:solidFill>
                           <a:latin typeface="Adobe Clean" panose="020B0503020404020204" pitchFamily="34" charset="0"/>
                         </a:rPr>
-                        <a:t>Europa, Medio Oriente </a:t>
-                      </a:r>
-                      <a:br>
-                        <a:rPr lang="it-IT" sz="1100" dirty="0">
-                          <a:solidFill>
-                            <a:schemeClr val="tx1"/>
-                          </a:solidFill>
-                          <a:latin typeface="Adobe Clean" panose="020B0503020404020204" pitchFamily="34" charset="0"/>
-                        </a:rPr>
-                      </a:br>
-                      <a:r>
-                        <a:rPr lang="it-IT" sz="1100" dirty="0">
-                          <a:solidFill>
-                            <a:schemeClr val="tx1"/>
-                          </a:solidFill>
-                          <a:latin typeface="Adobe Clean" panose="020B0503020404020204" pitchFamily="34" charset="0"/>
-                        </a:rPr>
-                        <a:t>e Africa</a:t>
+                        <a:t>Europe, Middle East &amp; Africa</a:t>
                       </a:r>
                     </a:p>
                   </a:txBody>
@@ -13853,13 +16671,13 @@
                     <a:p>
                       <a:pPr algn="ctr"/>
                       <a:r>
-                        <a:rPr lang="it-IT" sz="1100">
+                        <a:rPr lang="en-US" sz="1100">
                           <a:solidFill>
                             <a:schemeClr val="tx1"/>
                           </a:solidFill>
                           <a:latin typeface="Adobe Clean" panose="020B0503020404020204" pitchFamily="34" charset="0"/>
                         </a:rPr>
-                        <a:t>Asia-Pacifico</a:t>
+                        <a:t>Asia Pacific</a:t>
                       </a:r>
                     </a:p>
                   </a:txBody>
@@ -13918,16 +16736,16 @@
                     <a:p>
                       <a:pPr algn="ctr"/>
                       <a:r>
-                        <a:rPr lang="it-IT" sz="1100">
+                        <a:rPr lang="en-US" sz="1100">
                           <a:solidFill>
                             <a:schemeClr val="tx1"/>
                           </a:solidFill>
                           <a:latin typeface="Adobe Clean" panose="020B0503020404020204" pitchFamily="34" charset="0"/>
                         </a:rPr>
-                        <a:t>Giappone</a:t>
+                        <a:t>Japan </a:t>
                       </a:r>
                       <a:r>
-                        <a:rPr lang="it-IT" sz="1100" baseline="30000">
+                        <a:rPr lang="en-US" sz="1100" baseline="30000">
                           <a:solidFill>
                             <a:schemeClr val="tx1"/>
                           </a:solidFill>
@@ -13935,6 +16753,12 @@
                         </a:rPr>
                         <a:t>1 </a:t>
                       </a:r>
+                      <a:endParaRPr lang="en-US" sz="1100">
+                        <a:solidFill>
+                          <a:schemeClr val="tx1"/>
+                        </a:solidFill>
+                        <a:latin typeface="Adobe Clean" panose="020B0503020404020204" pitchFamily="34" charset="0"/>
+                      </a:endParaRPr>
                     </a:p>
                   </a:txBody>
                   <a:tcPr anchor="ctr">
@@ -13999,13 +16823,13 @@
                     <a:p>
                       <a:pPr algn="ctr"/>
                       <a:r>
-                        <a:rPr lang="it-IT" sz="1100">
+                        <a:rPr lang="en-US" sz="1100">
                           <a:solidFill>
                             <a:schemeClr val="tx1"/>
                           </a:solidFill>
                           <a:latin typeface="Adobe Clean" panose="020B0503020404020204" pitchFamily="34" charset="0"/>
                         </a:rPr>
-                        <a:t>06:00 – 17:30</a:t>
+                        <a:t>6 am – 5:30 pm</a:t>
                       </a:r>
                     </a:p>
                   </a:txBody>
@@ -14064,13 +16888,13 @@
                     <a:p>
                       <a:pPr algn="ctr"/>
                       <a:r>
-                        <a:rPr lang="it-IT" sz="1100">
+                        <a:rPr lang="en-US" sz="1100">
                           <a:solidFill>
                             <a:schemeClr val="tx1"/>
                           </a:solidFill>
                           <a:latin typeface="Adobe Clean" panose="020B0503020404020204" pitchFamily="34" charset="0"/>
                         </a:rPr>
-                        <a:t>09:00 – 17:00</a:t>
+                        <a:t>9 am – 5 pm</a:t>
                       </a:r>
                     </a:p>
                   </a:txBody>
@@ -14129,13 +16953,13 @@
                     <a:p>
                       <a:pPr algn="ctr"/>
                       <a:r>
-                        <a:rPr lang="it-IT" sz="1100">
+                        <a:rPr lang="en-US" sz="1100">
                           <a:solidFill>
                             <a:schemeClr val="tx1"/>
                           </a:solidFill>
                           <a:latin typeface="Adobe Clean" panose="020B0503020404020204" pitchFamily="34" charset="0"/>
                         </a:rPr>
-                        <a:t>09:00 – 17:00</a:t>
+                        <a:t>9 am – 5 pm</a:t>
                       </a:r>
                     </a:p>
                   </a:txBody>
@@ -14194,13 +17018,13 @@
                     <a:p>
                       <a:pPr algn="ctr"/>
                       <a:r>
-                        <a:rPr lang="it-IT" sz="1100">
+                        <a:rPr lang="en-US" sz="1100">
                           <a:solidFill>
                             <a:schemeClr val="tx1"/>
                           </a:solidFill>
                           <a:latin typeface="Adobe Clean" panose="020B0503020404020204" pitchFamily="34" charset="0"/>
                         </a:rPr>
-                        <a:t>09:00 – 17:30</a:t>
+                        <a:t>9 am – 5:30 pm</a:t>
                       </a:r>
                     </a:p>
                   </a:txBody>
@@ -14280,17 +17104,23 @@
                         <a:buNone/>
                       </a:pPr>
                       <a:r>
-                        <a:rPr lang="it-IT" sz="1100" dirty="0">
+                        <a:rPr lang="en-US" sz="1100">
                           <a:solidFill>
                             <a:schemeClr val="tx1"/>
                           </a:solidFill>
                           <a:latin typeface="Adobe Clean"/>
                         </a:rPr>
-                        <a:t>Il supporto è disponibile solo in inglese e giapponese. </a:t>
+                        <a:t>Language support is only available in English and Japanese. </a:t>
                       </a:r>
+                      <a:endParaRPr lang="en-US" sz="1100">
+                        <a:solidFill>
+                          <a:schemeClr val="tx1"/>
+                        </a:solidFill>
+                        <a:latin typeface="Adobe Clean" panose="020B0503020404020204" pitchFamily="34" charset="0"/>
+                      </a:endParaRPr>
                     </a:p>
                     <a:p>
-                      <a:pPr marL="0" marR="0" lvl="0" indent="0" algn="l" defTabSz="914400" rtl="0" eaLnBrk="1" fontAlgn="auto" latinLnBrk="0" hangingPunct="1">
+                      <a:pPr marL="0" marR="0" lvl="0" indent="0" algn="ctr" defTabSz="914400" eaLnBrk="1" fontAlgn="auto" latinLnBrk="0" hangingPunct="1">
                         <a:lnSpc>
                           <a:spcPct val="100000"/>
                         </a:lnSpc>
@@ -14307,7 +17137,7 @@
                         <a:tabLst/>
                         <a:defRPr/>
                       </a:pPr>
-                      <a:endParaRPr kumimoji="0" lang="en-US" sz="1100" b="1" i="0" u="none" strike="noStrike" kern="0" cap="none" spc="0" normalizeH="0" baseline="30000" noProof="0" dirty="0">
+                      <a:endParaRPr kumimoji="0" lang="en-US" sz="1100" b="1" i="0" u="none" strike="noStrike" kern="0" cap="none" spc="0" normalizeH="0" baseline="30000" noProof="0">
                         <a:ln>
                           <a:noFill/>
                         </a:ln>
@@ -14325,7 +17155,7 @@
                     <a:p>
                       <a:pPr algn="ctr"/>
                       <a:r>
-                        <a:rPr lang="it-IT" sz="1100" i="0" dirty="0">
+                        <a:rPr lang="en-US" sz="1100" i="0">
                           <a:solidFill>
                             <a:schemeClr val="tx1"/>
                           </a:solidFill>
@@ -14334,7 +17164,7 @@
                         <a:t> </a:t>
                       </a:r>
                       <a:r>
-                        <a:rPr lang="it-IT" sz="1100" i="0" baseline="30000" dirty="0">
+                        <a:rPr lang="en-US" sz="1100" i="0" baseline="30000">
                           <a:solidFill>
                             <a:schemeClr val="tx1"/>
                           </a:solidFill>
@@ -14343,14 +17173,20 @@
                         <a:t>1 </a:t>
                       </a:r>
                       <a:r>
-                        <a:rPr lang="it-IT" sz="1100" i="0" dirty="0">
+                        <a:rPr lang="en-US" sz="1100" i="0">
                           <a:solidFill>
                             <a:schemeClr val="tx1"/>
                           </a:solidFill>
                           <a:latin typeface="Adobe Clean"/>
                         </a:rPr>
-                        <a:t>In Giappone, i casi P2, P3 e P4 sono limitati al solo orario operativo.</a:t>
+                        <a:t>P2, P3, P4 cases are limited to business hours only in Japan.</a:t>
                       </a:r>
+                      <a:endParaRPr lang="en-US" sz="1100" b="1" i="0">
+                        <a:solidFill>
+                          <a:schemeClr val="tx1"/>
+                        </a:solidFill>
+                        <a:latin typeface="Adobe Clean"/>
+                      </a:endParaRPr>
                     </a:p>
                   </a:txBody>
                   <a:tcPr anchor="ctr">
@@ -14692,8 +17528,8 @@
         </p:nvSpPr>
         <p:spPr>
           <a:xfrm>
-            <a:off x="2758837" y="8528519"/>
-            <a:ext cx="974964" cy="385445"/>
+            <a:off x="2840871" y="8528519"/>
+            <a:ext cx="810895" cy="385445"/>
           </a:xfrm>
           <a:prstGeom prst="rect">
             <a:avLst/>
@@ -14705,7 +17541,7 @@
           </a:bodyPr>
           <a:lstStyle/>
           <a:p>
-            <a:pPr marR="5080" algn="ctr">
+            <a:pPr marL="139065" marR="5080" indent="-139065">
               <a:lnSpc>
                 <a:spcPts val="1390"/>
               </a:lnSpc>
@@ -14714,15 +17550,129 @@
               </a:spcBef>
             </a:pPr>
             <a:r>
-              <a:rPr lang="it-IT" sz="1200" b="1" dirty="0">
+              <a:rPr sz="1200" b="1" spc="-15">
                 <a:solidFill>
                   <a:srgbClr val="FFFFFF"/>
                 </a:solidFill>
                 <a:latin typeface="Adobe Clean"/>
                 <a:cs typeface="Adobe Clean"/>
               </a:rPr>
-              <a:t>Eccellenza tecnica</a:t>
-            </a:r>
+              <a:t>U</a:t>
+            </a:r>
+            <a:r>
+              <a:rPr sz="1200" b="1" spc="-20">
+                <a:solidFill>
+                  <a:srgbClr val="FFFFFF"/>
+                </a:solidFill>
+                <a:latin typeface="Adobe Clean"/>
+                <a:cs typeface="Adobe Clean"/>
+              </a:rPr>
+              <a:t>n</a:t>
+            </a:r>
+            <a:r>
+              <a:rPr sz="1200" b="1" spc="-25">
+                <a:solidFill>
+                  <a:srgbClr val="FFFFFF"/>
+                </a:solidFill>
+                <a:latin typeface="Adobe Clean"/>
+                <a:cs typeface="Adobe Clean"/>
+              </a:rPr>
+              <a:t>p</a:t>
+            </a:r>
+            <a:r>
+              <a:rPr sz="1200" b="1" spc="-15">
+                <a:solidFill>
+                  <a:srgbClr val="FFFFFF"/>
+                </a:solidFill>
+                <a:latin typeface="Adobe Clean"/>
+                <a:cs typeface="Adobe Clean"/>
+              </a:rPr>
+              <a:t>a</a:t>
+            </a:r>
+            <a:r>
+              <a:rPr sz="1200" b="1" spc="-25">
+                <a:solidFill>
+                  <a:srgbClr val="FFFFFF"/>
+                </a:solidFill>
+                <a:latin typeface="Adobe Clean"/>
+                <a:cs typeface="Adobe Clean"/>
+              </a:rPr>
+              <a:t>r</a:t>
+            </a:r>
+            <a:r>
+              <a:rPr sz="1200" b="1" spc="-15">
+                <a:solidFill>
+                  <a:srgbClr val="FFFFFF"/>
+                </a:solidFill>
+                <a:latin typeface="Adobe Clean"/>
+                <a:cs typeface="Adobe Clean"/>
+              </a:rPr>
+              <a:t>a</a:t>
+            </a:r>
+            <a:r>
+              <a:rPr sz="1200" b="1" spc="-30">
+                <a:solidFill>
+                  <a:srgbClr val="FFFFFF"/>
+                </a:solidFill>
+                <a:latin typeface="Adobe Clean"/>
+                <a:cs typeface="Adobe Clean"/>
+              </a:rPr>
+              <a:t>ll</a:t>
+            </a:r>
+            <a:r>
+              <a:rPr sz="1200" b="1" spc="-25">
+                <a:solidFill>
+                  <a:srgbClr val="FFFFFF"/>
+                </a:solidFill>
+                <a:latin typeface="Adobe Clean"/>
+                <a:cs typeface="Adobe Clean"/>
+              </a:rPr>
+              <a:t>e</a:t>
+            </a:r>
+            <a:r>
+              <a:rPr sz="1200" b="1" spc="-30">
+                <a:solidFill>
+                  <a:srgbClr val="FFFFFF"/>
+                </a:solidFill>
+                <a:latin typeface="Adobe Clean"/>
+                <a:cs typeface="Adobe Clean"/>
+              </a:rPr>
+              <a:t>l</a:t>
+            </a:r>
+            <a:r>
+              <a:rPr sz="1200" b="1" spc="-25">
+                <a:solidFill>
+                  <a:srgbClr val="FFFFFF"/>
+                </a:solidFill>
+                <a:latin typeface="Adobe Clean"/>
+                <a:cs typeface="Adobe Clean"/>
+              </a:rPr>
+              <a:t>e</a:t>
+            </a:r>
+            <a:r>
+              <a:rPr sz="1200" b="1">
+                <a:solidFill>
+                  <a:srgbClr val="FFFFFF"/>
+                </a:solidFill>
+                <a:latin typeface="Adobe Clean"/>
+                <a:cs typeface="Adobe Clean"/>
+              </a:rPr>
+              <a:t>d  </a:t>
+            </a:r>
+            <a:r>
+              <a:rPr sz="1200" b="1" spc="-25">
+                <a:solidFill>
+                  <a:srgbClr val="FFFFFF"/>
+                </a:solidFill>
+                <a:latin typeface="Adobe Clean"/>
+                <a:cs typeface="Adobe Clean"/>
+              </a:rPr>
+              <a:t>Expertise</a:t>
+            </a:r>
+            <a:endParaRPr sz="1200">
+              <a:latin typeface="Adobe Clean"/>
+              <a:cs typeface="Adobe Clean"/>
+            </a:endParaRPr>
           </a:p>
         </p:txBody>
       </p:sp>
@@ -14740,8 +17690,8 @@
         </p:nvSpPr>
         <p:spPr>
           <a:xfrm>
-            <a:off x="4687886" y="8541244"/>
-            <a:ext cx="900114" cy="382797"/>
+            <a:off x="4732495" y="8541244"/>
+            <a:ext cx="810895" cy="382797"/>
           </a:xfrm>
           <a:prstGeom prst="rect">
             <a:avLst/>
@@ -14753,7 +17703,7 @@
           </a:bodyPr>
           <a:lstStyle/>
           <a:p>
-            <a:pPr marR="5080" algn="ctr">
+            <a:pPr marL="139065" marR="5080" indent="-139065">
               <a:lnSpc>
                 <a:spcPts val="1390"/>
               </a:lnSpc>
@@ -14762,15 +17712,19 @@
               </a:spcBef>
             </a:pPr>
             <a:r>
-              <a:rPr lang="it-IT" sz="1200" b="1" dirty="0">
+              <a:rPr lang="en-US" sz="1200" b="1" spc="-15">
                 <a:solidFill>
                   <a:srgbClr val="FFFFFF"/>
                 </a:solidFill>
                 <a:latin typeface="Adobe Clean"/>
                 <a:cs typeface="Adobe Clean"/>
               </a:rPr>
-              <a:t>Supporto rapido</a:t>
-            </a:r>
+              <a:t>Accelerated Support</a:t>
+            </a:r>
+            <a:endParaRPr sz="1200">
+              <a:latin typeface="Adobe Clean"/>
+              <a:cs typeface="Adobe Clean"/>
+            </a:endParaRPr>
           </a:p>
         </p:txBody>
       </p:sp>
@@ -14788,8 +17742,8 @@
         </p:nvSpPr>
         <p:spPr>
           <a:xfrm>
-            <a:off x="6343650" y="8543943"/>
-            <a:ext cx="1071478" cy="385445"/>
+            <a:off x="6624119" y="8543943"/>
+            <a:ext cx="510540" cy="385445"/>
           </a:xfrm>
           <a:prstGeom prst="rect">
             <a:avLst/>
@@ -14801,7 +17755,7 @@
           </a:bodyPr>
           <a:lstStyle/>
           <a:p>
-            <a:pPr marR="5080" algn="ctr">
+            <a:pPr marL="50800" marR="5080" indent="-51435">
               <a:lnSpc>
                 <a:spcPts val="1390"/>
               </a:lnSpc>
@@ -14810,15 +17764,109 @@
               </a:spcBef>
             </a:pPr>
             <a:r>
-              <a:rPr lang="it-IT" sz="1200" b="1" dirty="0">
+              <a:rPr sz="1200" b="1" spc="-50">
                 <a:solidFill>
                   <a:srgbClr val="FFFFFF"/>
                 </a:solidFill>
                 <a:latin typeface="Adobe Clean"/>
                 <a:cs typeface="Adobe Clean"/>
               </a:rPr>
-              <a:t>Consulenza strategica</a:t>
-            </a:r>
+              <a:t>S</a:t>
+            </a:r>
+            <a:r>
+              <a:rPr sz="1200" b="1" spc="-20">
+                <a:solidFill>
+                  <a:srgbClr val="FFFFFF"/>
+                </a:solidFill>
+                <a:latin typeface="Adobe Clean"/>
+                <a:cs typeface="Adobe Clean"/>
+              </a:rPr>
+              <a:t>t</a:t>
+            </a:r>
+            <a:r>
+              <a:rPr sz="1200" b="1" spc="-75">
+                <a:solidFill>
+                  <a:srgbClr val="FFFFFF"/>
+                </a:solidFill>
+                <a:latin typeface="Adobe Clean"/>
+                <a:cs typeface="Adobe Clean"/>
+              </a:rPr>
+              <a:t>r</a:t>
+            </a:r>
+            <a:r>
+              <a:rPr sz="1200" b="1" spc="-90">
+                <a:solidFill>
+                  <a:srgbClr val="FFFFFF"/>
+                </a:solidFill>
+                <a:latin typeface="Adobe Clean"/>
+                <a:cs typeface="Adobe Clean"/>
+              </a:rPr>
+              <a:t>a</a:t>
+            </a:r>
+            <a:r>
+              <a:rPr sz="1200" b="1" spc="-55">
+                <a:solidFill>
+                  <a:srgbClr val="FFFFFF"/>
+                </a:solidFill>
+                <a:latin typeface="Adobe Clean"/>
+                <a:cs typeface="Adobe Clean"/>
+              </a:rPr>
+              <a:t>t</a:t>
+            </a:r>
+            <a:r>
+              <a:rPr sz="1200" b="1" spc="-100">
+                <a:solidFill>
+                  <a:srgbClr val="FFFFFF"/>
+                </a:solidFill>
+                <a:latin typeface="Adobe Clean"/>
+                <a:cs typeface="Adobe Clean"/>
+              </a:rPr>
+              <a:t>e</a:t>
+            </a:r>
+            <a:r>
+              <a:rPr sz="1200" b="1" spc="-80">
+                <a:solidFill>
+                  <a:srgbClr val="FFFFFF"/>
+                </a:solidFill>
+                <a:latin typeface="Adobe Clean"/>
+                <a:cs typeface="Adobe Clean"/>
+              </a:rPr>
+              <a:t>g</a:t>
+            </a:r>
+            <a:r>
+              <a:rPr sz="1200" b="1" spc="-35">
+                <a:solidFill>
+                  <a:srgbClr val="FFFFFF"/>
+                </a:solidFill>
+                <a:latin typeface="Adobe Clean"/>
+                <a:cs typeface="Adobe Clean"/>
+              </a:rPr>
+              <a:t>i</a:t>
+            </a:r>
+            <a:r>
+              <a:rPr sz="1200" b="1">
+                <a:solidFill>
+                  <a:srgbClr val="FFFFFF"/>
+                </a:solidFill>
+                <a:latin typeface="Adobe Clean"/>
+                <a:cs typeface="Adobe Clean"/>
+              </a:rPr>
+              <a:t>c  </a:t>
+            </a:r>
+            <a:r>
+              <a:rPr sz="1200" b="1" spc="-45">
+                <a:solidFill>
+                  <a:srgbClr val="FFFFFF"/>
+                </a:solidFill>
+                <a:latin typeface="Adobe Clean"/>
+                <a:cs typeface="Adobe Clean"/>
+              </a:rPr>
+              <a:t>Advice</a:t>
+            </a:r>
+            <a:endParaRPr sz="1200">
+              <a:latin typeface="Adobe Clean"/>
+              <a:cs typeface="Adobe Clean"/>
+            </a:endParaRPr>
           </a:p>
         </p:txBody>
       </p:sp>
@@ -14837,14 +17885,14 @@
           <p:nvPr>
             <p:extLst>
               <p:ext uri="{D42A27DB-BD31-4B8C-83A1-F6EECF244321}">
-                <p14:modId xmlns:p14="http://schemas.microsoft.com/office/powerpoint/2010/main" val="3834492231"/>
+                <p14:modId xmlns:p14="http://schemas.microsoft.com/office/powerpoint/2010/main" val="1493671087"/>
               </p:ext>
             </p:extLst>
           </p:nvPr>
         </p:nvGraphicFramePr>
         <p:xfrm>
           <a:off x="194236" y="1059345"/>
-          <a:ext cx="7368291" cy="3235960"/>
+          <a:ext cx="7368291" cy="2931160"/>
         </p:xfrm>
         <a:graphic>
           <a:graphicData uri="http://schemas.openxmlformats.org/drawingml/2006/table">
@@ -14875,7 +17923,7 @@
                     <a:lstStyle/>
                     <a:p>
                       <a:r>
-                        <a:rPr lang="it-IT" sz="1100" b="0">
+                        <a:rPr lang="en-US" sz="1100" b="0">
                           <a:solidFill>
                             <a:schemeClr val="tx1"/>
                           </a:solidFill>
@@ -14886,6 +17934,14 @@
                         </a:rPr>
                         <a:t>Experience League</a:t>
                       </a:r>
+                      <a:endParaRPr lang="en-US" sz="1100" b="0">
+                        <a:solidFill>
+                          <a:schemeClr val="tx1"/>
+                        </a:solidFill>
+                        <a:latin typeface="Adobe Clean" panose="020B0503020404020204" pitchFamily="34" charset="0"/>
+                        <a:ea typeface="+mn-ea"/>
+                        <a:cs typeface="+mn-cs"/>
+                      </a:endParaRPr>
                     </a:p>
                   </a:txBody>
                   <a:tcPr marL="47625" marR="47625" marT="0" marB="0" anchor="ctr">
@@ -14959,7 +18015,7 @@
                         <a:defRPr/>
                       </a:pPr>
                       <a:r>
-                        <a:rPr lang="it-IT" sz="1000" b="0" dirty="0">
+                        <a:rPr lang="en-US" sz="1000" b="0" kern="1200">
                           <a:solidFill>
                             <a:srgbClr val="000000"/>
                           </a:solidFill>
@@ -14967,28 +18023,7 @@
                           <a:ea typeface="+mn-ea"/>
                           <a:cs typeface="+mn-cs"/>
                         </a:rPr>
-                        <a:t>Con Experience League, Adobe aiuta le aziende a conseguire il valore che si aspettano dalle soluzioni Adobe in cui hanno investito. In questo portale unificato, puoi imparare, relazionarti con altri professionisti </a:t>
-                      </a:r>
-                      <a:br>
-                        <a:rPr lang="it-IT" sz="1000" b="0" dirty="0">
-                          <a:solidFill>
-                            <a:srgbClr val="000000"/>
-                          </a:solidFill>
-                          <a:latin typeface="Adobe Clean Light" panose="020B0303020404020204" pitchFamily="34" charset="0"/>
-                          <a:ea typeface="+mn-ea"/>
-                          <a:cs typeface="+mn-cs"/>
-                        </a:rPr>
-                      </a:br>
-                      <a:r>
-                        <a:rPr lang="it-IT" sz="1000" b="0" dirty="0">
-                          <a:solidFill>
-                            <a:srgbClr val="000000"/>
-                          </a:solidFill>
-                          <a:latin typeface="Adobe Clean Light" panose="020B0303020404020204" pitchFamily="34" charset="0"/>
-                          <a:ea typeface="+mn-ea"/>
-                          <a:cs typeface="+mn-cs"/>
-                        </a:rPr>
-                        <a:t>e crescere seguendo un percorso personalizzato con tutorial, documentazione dei prodotti, formazione con istruttori, supporto tecnico e il sostegno dell’intera community. </a:t>
+                        <a:t>Experience League is how Adobe helps businesses achieve the value they expect from their Adobe investment. It’s the unified place where customers can learn, connect, and grow along a personalized path to success that includes self-help tutorials, product documentation, instructor-led training, community and technical support. </a:t>
                       </a:r>
                     </a:p>
                   </a:txBody>
@@ -15070,28 +18105,39 @@
                         <a:defRPr/>
                       </a:pPr>
                       <a:r>
-                        <a:rPr lang="it-IT" sz="1100">
+                        <a:rPr lang="en-US" sz="1100">
                           <a:solidFill>
                             <a:schemeClr val="dk1"/>
                           </a:solidFill>
+                          <a:effectLst/>
                           <a:latin typeface="Adobe Clean" panose="020B0503020404020204" pitchFamily="34" charset="0"/>
                           <a:ea typeface="+mn-ea"/>
                           <a:cs typeface="+mn-cs"/>
                           <a:hlinkClick r:id="rId8"/>
                         </a:rPr>
-                        <a:t>Formazione</a:t>
+                        <a:t>Training</a:t>
                       </a:r>
                       <a:r>
-                        <a:rPr lang="it-IT" sz="1100">
+                        <a:rPr lang="en-US" sz="1100">
                           <a:solidFill>
                             <a:schemeClr val="dk1"/>
                           </a:solidFill>
+                          <a:effectLst/>
                           <a:latin typeface="Adobe Clean" panose="020B0503020404020204" pitchFamily="34" charset="0"/>
                           <a:ea typeface="+mn-ea"/>
                           <a:cs typeface="+mn-cs"/>
                         </a:rPr>
                         <a:t> </a:t>
                       </a:r>
+                      <a:endParaRPr lang="en-US" sz="1100">
+                        <a:solidFill>
+                          <a:schemeClr val="tx1"/>
+                        </a:solidFill>
+                        <a:effectLst/>
+                        <a:latin typeface="Adobe Clean" panose="020B0503020404020204" pitchFamily="34" charset="0"/>
+                        <a:ea typeface="+mn-ea"/>
+                        <a:cs typeface="+mn-cs"/>
+                      </a:endParaRPr>
                     </a:p>
                   </a:txBody>
                   <a:tcPr anchor="ctr">
@@ -15165,7 +18211,7 @@
                         <a:defRPr/>
                       </a:pPr>
                       <a:r>
-                        <a:rPr lang="it-IT" sz="1000" dirty="0">
+                        <a:rPr lang="en-US" sz="1000" kern="1200">
                           <a:solidFill>
                             <a:srgbClr val="000000"/>
                           </a:solidFill>
@@ -15173,7 +18219,7 @@
                           <a:ea typeface="+mn-ea"/>
                           <a:cs typeface="+mn-cs"/>
                         </a:rPr>
-                        <a:t>I corsi Adobe Digital Learning Services sono accessibili da Experience League. I corsi di apprendimento comprendono lezioni sia on-demand che guidate da istruttori.  Potrai acquisire nuove competenze particolarmente ricercate nel settore e metterle in pratica nella tua organizzazione, per favorirne il successo.</a:t>
+                        <a:t>Adobe Digital Learning Services courses are accessible from Experience League. Learning courses integrate both on-demand and instructor-led lessons.  Here you can accrue skills that have recognized market value and position them to drive success in your organizations.</a:t>
                       </a:r>
                     </a:p>
                   </a:txBody>
@@ -15255,17 +18301,27 @@
                         <a:defRPr/>
                       </a:pPr>
                       <a:r>
-                        <a:rPr lang="it-IT" sz="1100">
+                        <a:rPr lang="en-US" sz="1100">
                           <a:solidFill>
                             <a:schemeClr val="tx1"/>
                           </a:solidFill>
+                          <a:effectLst/>
                           <a:latin typeface="Adobe Clean" panose="020B0503020404020204" pitchFamily="34" charset="0"/>
                           <a:ea typeface="+mn-ea"/>
                           <a:cs typeface="+mn-cs"/>
                           <a:hlinkClick r:id="rId9"/>
                         </a:rPr>
-                        <a:t>Problemi di produzione e interruzioni del sistema</a:t>
+                        <a:t>Production Issues &amp; System Outages</a:t>
                       </a:r>
+                      <a:endParaRPr lang="en-US" sz="1100">
+                        <a:solidFill>
+                          <a:schemeClr val="tx1"/>
+                        </a:solidFill>
+                        <a:effectLst/>
+                        <a:latin typeface="Adobe Clean" panose="020B0503020404020204" pitchFamily="34" charset="0"/>
+                        <a:ea typeface="+mn-ea"/>
+                        <a:cs typeface="+mn-cs"/>
+                      </a:endParaRPr>
                     </a:p>
                   </a:txBody>
                   <a:tcPr anchor="ctr">
@@ -15339,7 +18395,7 @@
                         <a:defRPr/>
                       </a:pPr>
                       <a:r>
-                        <a:rPr lang="it-IT" sz="1000" dirty="0">
+                        <a:rPr lang="en-US" sz="1000" kern="1200">
                           <a:solidFill>
                             <a:srgbClr val="000000"/>
                           </a:solidFill>
@@ -15347,49 +18403,7 @@
                           <a:ea typeface="+mn-ea"/>
                           <a:cs typeface="+mn-cs"/>
                         </a:rPr>
-                        <a:t>Status.adobe.com trasmette informazioni sullo stato di tutti i prodotti </a:t>
-                      </a:r>
-                      <a:br>
-                        <a:rPr lang="it-IT" sz="1000" dirty="0">
-                          <a:solidFill>
-                            <a:srgbClr val="000000"/>
-                          </a:solidFill>
-                          <a:latin typeface="Adobe Clean Light" panose="020B0303020404020204" pitchFamily="34" charset="0"/>
-                          <a:ea typeface="+mn-ea"/>
-                          <a:cs typeface="+mn-cs"/>
-                        </a:rPr>
-                      </a:br>
-                      <a:r>
-                        <a:rPr lang="it-IT" sz="1000" dirty="0">
-                          <a:solidFill>
-                            <a:srgbClr val="000000"/>
-                          </a:solidFill>
-                          <a:latin typeface="Adobe Clean Light" panose="020B0303020404020204" pitchFamily="34" charset="0"/>
-                          <a:ea typeface="+mn-ea"/>
-                          <a:cs typeface="+mn-cs"/>
-                        </a:rPr>
-                        <a:t>e i servizi Adobe implementati in ambienti multi-tenant. Puoi scegliere se ricevere notifiche e-mail ogni volta che Adobe segnala, aggiorna </a:t>
-                      </a:r>
-                      <a:br>
-                        <a:rPr lang="it-IT" sz="1000" dirty="0">
-                          <a:solidFill>
-                            <a:srgbClr val="000000"/>
-                          </a:solidFill>
-                          <a:latin typeface="Adobe Clean Light" panose="020B0303020404020204" pitchFamily="34" charset="0"/>
-                          <a:ea typeface="+mn-ea"/>
-                          <a:cs typeface="+mn-cs"/>
-                        </a:rPr>
-                      </a:br>
-                      <a:r>
-                        <a:rPr lang="it-IT" sz="1000" dirty="0">
-                          <a:solidFill>
-                            <a:srgbClr val="000000"/>
-                          </a:solidFill>
-                          <a:latin typeface="Adobe Clean Light" panose="020B0303020404020204" pitchFamily="34" charset="0"/>
-                          <a:ea typeface="+mn-ea"/>
-                          <a:cs typeface="+mn-cs"/>
-                        </a:rPr>
-                        <a:t>o risolve un problema relativo a un prodotto. Vengono segnalate ad esempio le interruzioni per manutenzione programmata o problemi relativi ai servizi con diversi livelli di gravità. </a:t>
+                        <a:t>Status.adobe.com conveys the health information of all Adobe products and services that are deployed in multi-tenant environments. Customers can choose their subscription preferences to get email notifications whenever Adobe creates, updates or resolves a product event. This can include scheduled maintenance or service issues of varying levels of severity. </a:t>
                       </a:r>
                     </a:p>
                   </a:txBody>
@@ -15471,17 +18485,27 @@
                         <a:defRPr/>
                       </a:pPr>
                       <a:r>
-                        <a:rPr lang="it-IT" sz="1100">
+                        <a:rPr lang="en-US" sz="1100">
                           <a:solidFill>
                             <a:schemeClr val="tx1"/>
                           </a:solidFill>
+                          <a:effectLst/>
                           <a:latin typeface="Adobe Clean" panose="020B0503020404020204" pitchFamily="34" charset="0"/>
                           <a:ea typeface="+mn-ea"/>
                           <a:cs typeface="+mn-cs"/>
                           <a:hlinkClick r:id="rId10"/>
                         </a:rPr>
-                        <a:t>Termini e condizioni</a:t>
+                        <a:t>Terms and Conditions</a:t>
                       </a:r>
+                      <a:endParaRPr lang="en-US" sz="1100">
+                        <a:solidFill>
+                          <a:schemeClr val="tx1"/>
+                        </a:solidFill>
+                        <a:effectLst/>
+                        <a:latin typeface="Adobe Clean" panose="020B0503020404020204" pitchFamily="34" charset="0"/>
+                        <a:ea typeface="+mn-ea"/>
+                        <a:cs typeface="+mn-cs"/>
+                      </a:endParaRPr>
                     </a:p>
                   </a:txBody>
                   <a:tcPr anchor="ctr">
@@ -15538,7 +18562,7 @@
                     <a:lstStyle/>
                     <a:p>
                       <a:r>
-                        <a:rPr lang="it-IT" sz="1000" dirty="0">
+                        <a:rPr lang="en-US" sz="1000" kern="1200">
                           <a:solidFill>
                             <a:srgbClr val="000000"/>
                           </a:solidFill>
@@ -15546,7 +18570,7 @@
                           <a:ea typeface="+mn-ea"/>
                           <a:cs typeface="+mn-cs"/>
                         </a:rPr>
-                        <a:t>Termini e condizioni che descrivono i servizi di supporto disponibili</a:t>
+                        <a:t>Terms and conditions detailing Support Services offerings</a:t>
                       </a:r>
                     </a:p>
                   </a:txBody>
@@ -16317,9 +19341,12 @@
 </file>
 
 <file path=customXml/item1.xml><?xml version="1.0" encoding="utf-8"?>
-<p:properties xmlns:p="http://schemas.microsoft.com/office/2006/metadata/properties" xmlns:xsi="http://www.w3.org/2001/XMLSchema-instance" xmlns:pc="http://schemas.microsoft.com/office/infopath/2007/PartnerControls">
-  <documentManagement/>
-</p:properties>
+<?mso-contentType ?>
+<FormTemplates xmlns="http://schemas.microsoft.com/sharepoint/v3/contenttype/forms">
+  <Display>DocumentLibraryForm</Display>
+  <Edit>DocumentLibraryForm</Edit>
+  <New>DocumentLibraryForm</New>
+</FormTemplates>
 </file>
 
 <file path=customXml/item2.xml><?xml version="1.0" encoding="utf-8"?>
@@ -16528,19 +19555,15 @@
 </file>
 
 <file path=customXml/item3.xml><?xml version="1.0" encoding="utf-8"?>
-<?mso-contentType ?>
-<FormTemplates xmlns="http://schemas.microsoft.com/sharepoint/v3/contenttype/forms">
-  <Display>DocumentLibraryForm</Display>
-  <Edit>DocumentLibraryForm</Edit>
-  <New>DocumentLibraryForm</New>
-</FormTemplates>
+<p:properties xmlns:p="http://schemas.microsoft.com/office/2006/metadata/properties" xmlns:xsi="http://www.w3.org/2001/XMLSchema-instance" xmlns:pc="http://schemas.microsoft.com/office/infopath/2007/PartnerControls">
+  <documentManagement/>
+</p:properties>
 </file>
 
 <file path=customXml/itemProps1.xml><?xml version="1.0" encoding="utf-8"?>
-<ds:datastoreItem xmlns:ds="http://schemas.openxmlformats.org/officeDocument/2006/customXml" ds:itemID="{CED41536-010B-47B1-9229-B72BE4090090}">
+<ds:datastoreItem xmlns:ds="http://schemas.openxmlformats.org/officeDocument/2006/customXml" ds:itemID="{669D9D3B-3229-44EE-9964-24A06AE66887}">
   <ds:schemaRefs>
-    <ds:schemaRef ds:uri="http://schemas.microsoft.com/office/2006/metadata/properties"/>
-    <ds:schemaRef ds:uri="http://schemas.microsoft.com/office/infopath/2007/PartnerControls"/>
+    <ds:schemaRef ds:uri="http://schemas.microsoft.com/sharepoint/v3/contenttype/forms"/>
   </ds:schemaRefs>
 </ds:datastoreItem>
 </file>
@@ -16565,9 +19588,10 @@
 </file>
 
 <file path=customXml/itemProps3.xml><?xml version="1.0" encoding="utf-8"?>
-<ds:datastoreItem xmlns:ds="http://schemas.openxmlformats.org/officeDocument/2006/customXml" ds:itemID="{669D9D3B-3229-44EE-9964-24A06AE66887}">
+<ds:datastoreItem xmlns:ds="http://schemas.openxmlformats.org/officeDocument/2006/customXml" ds:itemID="{CED41536-010B-47B1-9229-B72BE4090090}">
   <ds:schemaRefs>
-    <ds:schemaRef ds:uri="http://schemas.microsoft.com/sharepoint/v3/contenttype/forms"/>
+    <ds:schemaRef ds:uri="http://schemas.microsoft.com/office/2006/metadata/properties"/>
+    <ds:schemaRef ds:uri="http://schemas.microsoft.com/office/infopath/2007/PartnerControls"/>
   </ds:schemaRefs>
 </ds:datastoreItem>
 </file>
--- a/help/data-sheets/assets/EliteSupportDatasheet.pptx
+++ b/help/data-sheets/assets/EliteSupportDatasheet.pptx
@@ -159,26 +159,26 @@
 <file path=ppt/changesInfos/changesInfo1.xml><?xml version="1.0" encoding="utf-8"?>
 <pc:chgInfo xmlns:a="http://schemas.openxmlformats.org/drawingml/2006/main" xmlns:r="http://schemas.openxmlformats.org/officeDocument/2006/relationships" xmlns:ac="http://schemas.microsoft.com/office/drawing/2013/main/command" xmlns:pc="http://schemas.microsoft.com/office/powerpoint/2013/main/command">
   <pc:docChgLst>
-    <pc:chgData name="Lauren Schutte" userId="6e08b2d3-447a-4d66-86be-444d50df187f" providerId="ADAL" clId="{0BC4D7A0-4BBD-1B49-BE14-170949F0EA37}"/>
+    <pc:chgData name="Akilah Johnson" userId="2fa3aa60-0c9c-4d06-bae2-795983241227" providerId="ADAL" clId="{4F9F8D59-37FF-0B43-9EF5-31D48C73FC8D}"/>
     <pc:docChg chg="modSld">
-      <pc:chgData name="Lauren Schutte" userId="6e08b2d3-447a-4d66-86be-444d50df187f" providerId="ADAL" clId="{0BC4D7A0-4BBD-1B49-BE14-170949F0EA37}" dt="2021-10-13T19:10:14.671" v="3" actId="1035"/>
+      <pc:chgData name="Akilah Johnson" userId="2fa3aa60-0c9c-4d06-bae2-795983241227" providerId="ADAL" clId="{4F9F8D59-37FF-0B43-9EF5-31D48C73FC8D}" dt="2021-11-24T00:07:01.857" v="8" actId="20577"/>
       <pc:docMkLst>
         <pc:docMk/>
       </pc:docMkLst>
       <pc:sldChg chg="modSp mod">
-        <pc:chgData name="Lauren Schutte" userId="6e08b2d3-447a-4d66-86be-444d50df187f" providerId="ADAL" clId="{0BC4D7A0-4BBD-1B49-BE14-170949F0EA37}" dt="2021-10-13T19:10:14.671" v="3" actId="1035"/>
+        <pc:chgData name="Akilah Johnson" userId="2fa3aa60-0c9c-4d06-bae2-795983241227" providerId="ADAL" clId="{4F9F8D59-37FF-0B43-9EF5-31D48C73FC8D}" dt="2021-11-24T00:07:01.857" v="8" actId="20577"/>
         <pc:sldMkLst>
           <pc:docMk/>
           <pc:sldMk cId="0" sldId="256"/>
         </pc:sldMkLst>
-        <pc:spChg chg="mod">
-          <ac:chgData name="Lauren Schutte" userId="6e08b2d3-447a-4d66-86be-444d50df187f" providerId="ADAL" clId="{0BC4D7A0-4BBD-1B49-BE14-170949F0EA37}" dt="2021-10-13T19:10:14.671" v="3" actId="1035"/>
-          <ac:spMkLst>
+        <pc:graphicFrameChg chg="modGraphic">
+          <ac:chgData name="Akilah Johnson" userId="2fa3aa60-0c9c-4d06-bae2-795983241227" providerId="ADAL" clId="{4F9F8D59-37FF-0B43-9EF5-31D48C73FC8D}" dt="2021-11-24T00:07:01.857" v="8" actId="20577"/>
+          <ac:graphicFrameMkLst>
             <pc:docMk/>
             <pc:sldMk cId="0" sldId="256"/>
-            <ac:spMk id="4" creationId="{00000000-0000-0000-0000-000000000000}"/>
-          </ac:spMkLst>
-        </pc:spChg>
+            <ac:graphicFrameMk id="7" creationId="{00000000-0000-0000-0000-000000000000}"/>
+          </ac:graphicFrameMkLst>
+        </pc:graphicFrameChg>
       </pc:sldChg>
     </pc:docChg>
   </pc:docChgLst>
@@ -203,6 +203,30 @@
             <ac:graphicFrameMk id="7" creationId="{00000000-0000-0000-0000-000000000000}"/>
           </ac:graphicFrameMkLst>
         </pc:graphicFrameChg>
+      </pc:sldChg>
+    </pc:docChg>
+  </pc:docChgLst>
+  <pc:docChgLst>
+    <pc:chgData name="Lauren Schutte" userId="6e08b2d3-447a-4d66-86be-444d50df187f" providerId="ADAL" clId="{0BC4D7A0-4BBD-1B49-BE14-170949F0EA37}"/>
+    <pc:docChg chg="modSld">
+      <pc:chgData name="Lauren Schutte" userId="6e08b2d3-447a-4d66-86be-444d50df187f" providerId="ADAL" clId="{0BC4D7A0-4BBD-1B49-BE14-170949F0EA37}" dt="2021-10-13T19:10:14.671" v="3" actId="1035"/>
+      <pc:docMkLst>
+        <pc:docMk/>
+      </pc:docMkLst>
+      <pc:sldChg chg="modSp mod">
+        <pc:chgData name="Lauren Schutte" userId="6e08b2d3-447a-4d66-86be-444d50df187f" providerId="ADAL" clId="{0BC4D7A0-4BBD-1B49-BE14-170949F0EA37}" dt="2021-10-13T19:10:14.671" v="3" actId="1035"/>
+        <pc:sldMkLst>
+          <pc:docMk/>
+          <pc:sldMk cId="0" sldId="256"/>
+        </pc:sldMkLst>
+        <pc:spChg chg="mod">
+          <ac:chgData name="Lauren Schutte" userId="6e08b2d3-447a-4d66-86be-444d50df187f" providerId="ADAL" clId="{0BC4D7A0-4BBD-1B49-BE14-170949F0EA37}" dt="2021-10-13T19:10:14.671" v="3" actId="1035"/>
+          <ac:spMkLst>
+            <pc:docMk/>
+            <pc:sldMk cId="0" sldId="256"/>
+            <ac:spMk id="4" creationId="{00000000-0000-0000-0000-000000000000}"/>
+          </ac:spMkLst>
+        </pc:spChg>
       </pc:sldChg>
     </pc:docChg>
   </pc:docChgLst>
@@ -261,30 +285,6 @@
       </pc:sldChg>
     </pc:docChg>
   </pc:docChgLst>
-  <pc:docChgLst>
-    <pc:chgData name="Akilah Johnson" userId="2fa3aa60-0c9c-4d06-bae2-795983241227" providerId="ADAL" clId="{4F9F8D59-37FF-0B43-9EF5-31D48C73FC8D}"/>
-    <pc:docChg chg="modSld">
-      <pc:chgData name="Akilah Johnson" userId="2fa3aa60-0c9c-4d06-bae2-795983241227" providerId="ADAL" clId="{4F9F8D59-37FF-0B43-9EF5-31D48C73FC8D}" dt="2021-11-24T00:07:01.857" v="8" actId="20577"/>
-      <pc:docMkLst>
-        <pc:docMk/>
-      </pc:docMkLst>
-      <pc:sldChg chg="modSp mod">
-        <pc:chgData name="Akilah Johnson" userId="2fa3aa60-0c9c-4d06-bae2-795983241227" providerId="ADAL" clId="{4F9F8D59-37FF-0B43-9EF5-31D48C73FC8D}" dt="2021-11-24T00:07:01.857" v="8" actId="20577"/>
-        <pc:sldMkLst>
-          <pc:docMk/>
-          <pc:sldMk cId="0" sldId="256"/>
-        </pc:sldMkLst>
-        <pc:graphicFrameChg chg="modGraphic">
-          <ac:chgData name="Akilah Johnson" userId="2fa3aa60-0c9c-4d06-bae2-795983241227" providerId="ADAL" clId="{4F9F8D59-37FF-0B43-9EF5-31D48C73FC8D}" dt="2021-11-24T00:07:01.857" v="8" actId="20577"/>
-          <ac:graphicFrameMkLst>
-            <pc:docMk/>
-            <pc:sldMk cId="0" sldId="256"/>
-            <ac:graphicFrameMk id="7" creationId="{00000000-0000-0000-0000-000000000000}"/>
-          </ac:graphicFrameMkLst>
-        </pc:graphicFrameChg>
-      </pc:sldChg>
-    </pc:docChg>
-  </pc:docChgLst>
 </pc:chgInfo>
 </file>
 
@@ -370,7 +370,7 @@
           <a:p>
             <a:fld id="{C12E57D6-2086-AA47-A7A4-C0CDE7C14E44}" type="datetimeFigureOut">
               <a:rPr lang="en-US" smtClean="0"/>
-              <a:t>1/20/22</a:t>
+              <a:t>2/15/2022</a:t>
             </a:fld>
             <a:endParaRPr lang="en-US"/>
           </a:p>
@@ -944,7 +944,7 @@
           <a:p>
             <a:fld id="{1D8BD707-D9CF-40AE-B4C6-C98DA3205C09}" type="datetimeFigureOut">
               <a:rPr lang="en-US"/>
-              <a:t>1/20/22</a:t>
+              <a:t>2/15/2022</a:t>
             </a:fld>
             <a:endParaRPr lang="en-US"/>
           </a:p>
@@ -1189,7 +1189,7 @@
           <a:p>
             <a:fld id="{1D8BD707-D9CF-40AE-B4C6-C98DA3205C09}" type="datetimeFigureOut">
               <a:rPr lang="en-US"/>
-              <a:t>1/20/22</a:t>
+              <a:t>2/15/2022</a:t>
             </a:fld>
             <a:endParaRPr lang="en-US"/>
           </a:p>
@@ -1447,7 +1447,7 @@
           <a:p>
             <a:fld id="{1D8BD707-D9CF-40AE-B4C6-C98DA3205C09}" type="datetimeFigureOut">
               <a:rPr lang="en-US"/>
-              <a:t>1/20/22</a:t>
+              <a:t>2/15/2022</a:t>
             </a:fld>
             <a:endParaRPr lang="en-US"/>
           </a:p>
@@ -1639,7 +1639,7 @@
           <a:p>
             <a:fld id="{1D8BD707-D9CF-40AE-B4C6-C98DA3205C09}" type="datetimeFigureOut">
               <a:rPr lang="en-US"/>
-              <a:t>1/20/22</a:t>
+              <a:t>2/15/2022</a:t>
             </a:fld>
             <a:endParaRPr lang="en-US"/>
           </a:p>
@@ -1802,7 +1802,7 @@
           <a:p>
             <a:fld id="{1D8BD707-D9CF-40AE-B4C6-C98DA3205C09}" type="datetimeFigureOut">
               <a:rPr lang="en-US"/>
-              <a:t>1/20/22</a:t>
+              <a:t>2/15/2022</a:t>
             </a:fld>
             <a:endParaRPr lang="en-US"/>
           </a:p>
@@ -2065,7 +2065,7 @@
           <a:p>
             <a:fld id="{1D8BD707-D9CF-40AE-B4C6-C98DA3205C09}" type="datetimeFigureOut">
               <a:rPr lang="en-US"/>
-              <a:t>1/20/22</a:t>
+              <a:t>2/15/2022</a:t>
             </a:fld>
             <a:endParaRPr lang="en-US"/>
           </a:p>
@@ -2359,16 +2359,9 @@
               </a:spcBef>
             </a:pPr>
             <a:r>
-              <a:rPr sz="2300"/>
-              <a:t>ADOBE </a:t>
-            </a:r>
-            <a:r>
-              <a:rPr lang="en-US" sz="2300"/>
-              <a:t>SUPPORT PLANS</a:t>
-            </a:r>
-            <a:endParaRPr sz="2300">
-              <a:latin typeface="Adobe Clean" panose="020B0503020404020204" pitchFamily="34" charset="0"/>
-            </a:endParaRPr>
+              <a:rPr lang="it-IT" sz="2300"/>
+              <a:t>PIANI DI SUPPORTO ADOBE</a:t>
+            </a:r>
           </a:p>
         </p:txBody>
       </p:sp>
@@ -2402,77 +2395,17 @@
               </a:spcBef>
             </a:pPr>
             <a:r>
-              <a:rPr lang="en-US" sz="1100" spc="-5" dirty="0">
+              <a:rPr lang="it-IT" sz="1100" dirty="0">
                 <a:solidFill>
                   <a:srgbClr val="FFFFFF"/>
                 </a:solidFill>
                 <a:latin typeface="AdobeClean-Light"/>
                 <a:cs typeface="AdobeClean-Light"/>
               </a:rPr>
-              <a:t>Standard</a:t>
-            </a:r>
-            <a:r>
-              <a:rPr sz="1100" dirty="0">
-                <a:solidFill>
-                  <a:srgbClr val="FFFFFF"/>
-                </a:solidFill>
-                <a:latin typeface="AdobeClean-Light"/>
-                <a:cs typeface="AdobeClean-Light"/>
-              </a:rPr>
-              <a:t> |</a:t>
-            </a:r>
-            <a:r>
-              <a:rPr sz="1100" spc="10" dirty="0">
-                <a:solidFill>
-                  <a:srgbClr val="FFFFFF"/>
-                </a:solidFill>
-                <a:latin typeface="AdobeClean-Light"/>
-                <a:cs typeface="AdobeClean-Light"/>
-              </a:rPr>
-              <a:t> </a:t>
-            </a:r>
-            <a:r>
-              <a:rPr sz="1100" spc="-5" dirty="0">
-                <a:solidFill>
-                  <a:srgbClr val="FFFFFF"/>
-                </a:solidFill>
-                <a:latin typeface="AdobeClean-Light"/>
-                <a:cs typeface="AdobeClean-Light"/>
-              </a:rPr>
-              <a:t>Enterprise</a:t>
-            </a:r>
-            <a:r>
-              <a:rPr sz="1100" spc="10" dirty="0">
-                <a:solidFill>
-                  <a:srgbClr val="FFFFFF"/>
-                </a:solidFill>
-                <a:latin typeface="AdobeClean-Light"/>
-                <a:cs typeface="AdobeClean-Light"/>
-              </a:rPr>
-              <a:t> </a:t>
-            </a:r>
-            <a:r>
-              <a:rPr sz="1100" dirty="0">
-                <a:solidFill>
-                  <a:srgbClr val="FFFFFF"/>
-                </a:solidFill>
-                <a:latin typeface="AdobeClean-Light"/>
-                <a:cs typeface="AdobeClean-Light"/>
-              </a:rPr>
-              <a:t>|</a:t>
-            </a:r>
-            <a:r>
-              <a:rPr sz="1100" spc="5" dirty="0">
-                <a:solidFill>
-                  <a:srgbClr val="FFFFFF"/>
-                </a:solidFill>
-                <a:latin typeface="AdobeClean-Light"/>
-                <a:cs typeface="AdobeClean-Light"/>
-              </a:rPr>
-              <a:t> </a:t>
-            </a:r>
-            <a:r>
-              <a:rPr sz="1100" b="1" spc="-65" dirty="0">
+              <a:t>Standard | Enterprise | </a:t>
+            </a:r>
+            <a:r>
+              <a:rPr lang="it-IT" sz="1100" b="1" dirty="0" err="1">
                 <a:solidFill>
                   <a:srgbClr val="FFFFFF"/>
                 </a:solidFill>
@@ -2481,7 +2414,10 @@
               </a:rPr>
               <a:t>Elite</a:t>
             </a:r>
-            <a:endParaRPr sz="1100" dirty="0">
+            <a:endParaRPr lang="it-IT" sz="1100" b="1" dirty="0">
+              <a:solidFill>
+                <a:srgbClr val="FFFFFF"/>
+              </a:solidFill>
               <a:latin typeface="Arial"/>
               <a:cs typeface="Arial"/>
             </a:endParaRPr>
@@ -2493,21 +2429,50 @@
               </a:spcBef>
             </a:pPr>
             <a:r>
-              <a:rPr lang="en-US" sz="900" dirty="0">
+              <a:rPr lang="it-IT" sz="900" dirty="0">
                 <a:solidFill>
                   <a:schemeClr val="bg1"/>
                 </a:solidFill>
                 <a:latin typeface="Adobe Clean SemiLight" panose="020B0403020404020204" pitchFamily="34" charset="0"/>
               </a:rPr>
-              <a:t>Adobe provides a comprehensive range of technical resources to help support your business included as part of your Experience Cloud license subscription and further enhanced in the ELITE support package. ELITE support includes access to personalized learning paths and monitored community forums via the Adobe Experience League. You can also take advantage of our detailed and in-depth technical product documentation and current release notes. ELITE customers will also have access to a Named Support Engineer as well as a Technical Account Manager who combine and work in partnership with you to provide best in class proactive and reactive support while acting as your designated technical contacts in the Adobe Support Team. With deep experience in your designated Experience Cloud solutions, your support team work to ensure that no matter how complex your support needs are, the Adobe Support team will be there side by side with you throughout, to ensure you maximize your investment in the Adobe Experience Cloud solutions and to help you avoid problems before they happen.</a:t>
-            </a:r>
-            <a:endParaRPr sz="900" dirty="0">
-              <a:solidFill>
-                <a:schemeClr val="bg1"/>
-              </a:solidFill>
-              <a:latin typeface="AdobeClean-Light"/>
-              <a:cs typeface="AdobeClean-Light"/>
-            </a:endParaRPr>
+              <a:t>Adobe offre una gamma completa di risorse tecniche per assistere la tua azienda, incluse nell’abbonamento Experience Cloud e ampliabili ulteriormente con un pacchetto di supporto ELITE. Il supporto ELITE include l’accesso a percorsi di apprendimento personalizzati e forum della community monitorati tramite Adobe Experience League. Puoi inoltre usufruire di documentazione tecnica dettagliata e note sulla versione sempre aggiornate. Ai clienti ELITE vengono assegnati un </a:t>
+            </a:r>
+            <a:r>
+              <a:rPr lang="it-IT" sz="900" dirty="0" err="1">
+                <a:solidFill>
+                  <a:schemeClr val="bg1"/>
+                </a:solidFill>
+                <a:latin typeface="Adobe Clean SemiLight" panose="020B0403020404020204" pitchFamily="34" charset="0"/>
+              </a:rPr>
+              <a:t>Named</a:t>
+            </a:r>
+            <a:r>
+              <a:rPr lang="it-IT" sz="900" dirty="0">
+                <a:solidFill>
+                  <a:schemeClr val="bg1"/>
+                </a:solidFill>
+                <a:latin typeface="Adobe Clean SemiLight" panose="020B0403020404020204" pitchFamily="34" charset="0"/>
+              </a:rPr>
+              <a:t> Support </a:t>
+            </a:r>
+            <a:r>
+              <a:rPr lang="it-IT" sz="900" dirty="0" err="1">
+                <a:solidFill>
+                  <a:schemeClr val="bg1"/>
+                </a:solidFill>
+                <a:latin typeface="Adobe Clean SemiLight" panose="020B0403020404020204" pitchFamily="34" charset="0"/>
+              </a:rPr>
+              <a:t>Engineer</a:t>
+            </a:r>
+            <a:r>
+              <a:rPr lang="it-IT" sz="900" dirty="0">
+                <a:solidFill>
+                  <a:schemeClr val="bg1"/>
+                </a:solidFill>
+                <a:latin typeface="Adobe Clean SemiLight" panose="020B0403020404020204" pitchFamily="34" charset="0"/>
+              </a:rPr>
+              <a:t> e un Technical Account Manager che saranno i tuoi contatti di riferimento all’interno del team Adobe Support. Inoltre, insieme e in partnership con la tua azienda, ti offrono un servizio di supporto d’eccellenza, proattivo e reattivo. Conoscendo a fondo le tue specifiche soluzioni Experience Cloud, il team Adobe Support sarà sempre al tuo fianco per ogni esigenza di supporto, per aiutarti a trarre il massimo dalle soluzioni Adobe Experience Cloud in cui hai investito e prevenire eventuali problemi.</a:t>
+            </a:r>
           </a:p>
         </p:txBody>
       </p:sp>
@@ -2520,7 +2485,7 @@
         <p:spPr>
           <a:xfrm>
             <a:off x="168564" y="7162800"/>
-            <a:ext cx="2780665" cy="238760"/>
+            <a:ext cx="3848700" cy="228268"/>
           </a:xfrm>
           <a:prstGeom prst="rect">
             <a:avLst/>
@@ -2541,7 +2506,7 @@
               </a:spcBef>
             </a:pPr>
             <a:r>
-              <a:rPr sz="1400" b="1" u="heavy" spc="20">
+              <a:rPr lang="it-IT" sz="1400" b="1" u="heavy" dirty="0">
                 <a:solidFill>
                   <a:srgbClr val="020302"/>
                 </a:solidFill>
@@ -2553,447 +2518,8 @@
                 <a:latin typeface="Adobe Clean"/>
                 <a:cs typeface="Adobe Clean"/>
               </a:rPr>
-              <a:t>S</a:t>
-            </a:r>
-            <a:r>
-              <a:rPr sz="1400" b="1" u="heavy">
-                <a:solidFill>
-                  <a:srgbClr val="020302"/>
-                </a:solidFill>
-                <a:uFill>
-                  <a:solidFill>
-                    <a:srgbClr val="020302"/>
-                  </a:solidFill>
-                </a:uFill>
-                <a:latin typeface="Adobe Clean"/>
-                <a:cs typeface="Adobe Clean"/>
-              </a:rPr>
-              <a:t>er</a:t>
-            </a:r>
-            <a:r>
-              <a:rPr sz="1400" b="1" u="heavy" spc="10">
-                <a:solidFill>
-                  <a:srgbClr val="020302"/>
-                </a:solidFill>
-                <a:uFill>
-                  <a:solidFill>
-                    <a:srgbClr val="020302"/>
-                  </a:solidFill>
-                </a:uFill>
-                <a:latin typeface="Adobe Clean"/>
-                <a:cs typeface="Adobe Clean"/>
-              </a:rPr>
-              <a:t>vi</a:t>
-            </a:r>
-            <a:r>
-              <a:rPr sz="1400" b="1" u="heavy">
-                <a:solidFill>
-                  <a:srgbClr val="020302"/>
-                </a:solidFill>
-                <a:uFill>
-                  <a:solidFill>
-                    <a:srgbClr val="020302"/>
-                  </a:solidFill>
-                </a:uFill>
-                <a:latin typeface="Adobe Clean"/>
-                <a:cs typeface="Adobe Clean"/>
-              </a:rPr>
-              <a:t>ce</a:t>
-            </a:r>
-            <a:r>
-              <a:rPr sz="1400" b="1" u="heavy" spc="20">
-                <a:solidFill>
-                  <a:srgbClr val="020302"/>
-                </a:solidFill>
-                <a:uFill>
-                  <a:solidFill>
-                    <a:srgbClr val="020302"/>
-                  </a:solidFill>
-                </a:uFill>
-                <a:latin typeface="Adobe Clean"/>
-                <a:cs typeface="Adobe Clean"/>
-              </a:rPr>
-              <a:t> </a:t>
-            </a:r>
-            <a:r>
-              <a:rPr sz="1400" b="1" u="heavy" spc="-20">
-                <a:solidFill>
-                  <a:srgbClr val="020302"/>
-                </a:solidFill>
-                <a:uFill>
-                  <a:solidFill>
-                    <a:srgbClr val="020302"/>
-                  </a:solidFill>
-                </a:uFill>
-                <a:latin typeface="Adobe Clean"/>
-                <a:cs typeface="Adobe Clean"/>
-              </a:rPr>
-              <a:t>Le</a:t>
-            </a:r>
-            <a:r>
-              <a:rPr sz="1400" b="1" u="heavy" spc="-10">
-                <a:solidFill>
-                  <a:srgbClr val="020302"/>
-                </a:solidFill>
-                <a:uFill>
-                  <a:solidFill>
-                    <a:srgbClr val="020302"/>
-                  </a:solidFill>
-                </a:uFill>
-                <a:latin typeface="Adobe Clean"/>
-                <a:cs typeface="Adobe Clean"/>
-              </a:rPr>
-              <a:t>v</a:t>
-            </a:r>
-            <a:r>
-              <a:rPr sz="1400" b="1" u="heavy" spc="-20">
-                <a:solidFill>
-                  <a:srgbClr val="020302"/>
-                </a:solidFill>
-                <a:uFill>
-                  <a:solidFill>
-                    <a:srgbClr val="020302"/>
-                  </a:solidFill>
-                </a:uFill>
-                <a:latin typeface="Adobe Clean"/>
-                <a:cs typeface="Adobe Clean"/>
-              </a:rPr>
-              <a:t>e</a:t>
-            </a:r>
-            <a:r>
-              <a:rPr sz="1400" b="1" u="heavy">
-                <a:solidFill>
-                  <a:srgbClr val="020302"/>
-                </a:solidFill>
-                <a:uFill>
-                  <a:solidFill>
-                    <a:srgbClr val="020302"/>
-                  </a:solidFill>
-                </a:uFill>
-                <a:latin typeface="Adobe Clean"/>
-                <a:cs typeface="Adobe Clean"/>
-              </a:rPr>
-              <a:t>l</a:t>
-            </a:r>
-            <a:r>
-              <a:rPr sz="1400" b="1" u="heavy" spc="-10">
-                <a:solidFill>
-                  <a:srgbClr val="020302"/>
-                </a:solidFill>
-                <a:uFill>
-                  <a:solidFill>
-                    <a:srgbClr val="020302"/>
-                  </a:solidFill>
-                </a:uFill>
-                <a:latin typeface="Adobe Clean"/>
-                <a:cs typeface="Adobe Clean"/>
-              </a:rPr>
-              <a:t> </a:t>
-            </a:r>
-            <a:r>
-              <a:rPr sz="1400" b="1" u="heavy" spc="-65">
-                <a:solidFill>
-                  <a:srgbClr val="020302"/>
-                </a:solidFill>
-                <a:uFill>
-                  <a:solidFill>
-                    <a:srgbClr val="020302"/>
-                  </a:solidFill>
-                </a:uFill>
-                <a:latin typeface="Adobe Clean"/>
-                <a:cs typeface="Adobe Clean"/>
-              </a:rPr>
-              <a:t>T</a:t>
-            </a:r>
-            <a:r>
-              <a:rPr sz="1400" b="1" u="heavy" spc="-35">
-                <a:solidFill>
-                  <a:srgbClr val="020302"/>
-                </a:solidFill>
-                <a:uFill>
-                  <a:solidFill>
-                    <a:srgbClr val="020302"/>
-                  </a:solidFill>
-                </a:uFill>
-                <a:latin typeface="Adobe Clean"/>
-                <a:cs typeface="Adobe Clean"/>
-              </a:rPr>
-              <a:t>a</a:t>
-            </a:r>
-            <a:r>
-              <a:rPr sz="1400" b="1" u="heavy" spc="-45">
-                <a:solidFill>
-                  <a:srgbClr val="020302"/>
-                </a:solidFill>
-                <a:uFill>
-                  <a:solidFill>
-                    <a:srgbClr val="020302"/>
-                  </a:solidFill>
-                </a:uFill>
-                <a:latin typeface="Adobe Clean"/>
-                <a:cs typeface="Adobe Clean"/>
-              </a:rPr>
-              <a:t>r</a:t>
-            </a:r>
-            <a:r>
-              <a:rPr sz="1400" b="1" u="heavy" spc="-35">
-                <a:solidFill>
-                  <a:srgbClr val="020302"/>
-                </a:solidFill>
-                <a:uFill>
-                  <a:solidFill>
-                    <a:srgbClr val="020302"/>
-                  </a:solidFill>
-                </a:uFill>
-                <a:latin typeface="Adobe Clean"/>
-                <a:cs typeface="Adobe Clean"/>
-              </a:rPr>
-              <a:t>g</a:t>
-            </a:r>
-            <a:r>
-              <a:rPr sz="1400" b="1" u="heavy" spc="-55">
-                <a:solidFill>
-                  <a:srgbClr val="020302"/>
-                </a:solidFill>
-                <a:uFill>
-                  <a:solidFill>
-                    <a:srgbClr val="020302"/>
-                  </a:solidFill>
-                </a:uFill>
-                <a:latin typeface="Adobe Clean"/>
-                <a:cs typeface="Adobe Clean"/>
-              </a:rPr>
-              <a:t>et</a:t>
-            </a:r>
-            <a:r>
-              <a:rPr sz="1400" b="1" u="heavy" spc="-45">
-                <a:solidFill>
-                  <a:srgbClr val="020302"/>
-                </a:solidFill>
-                <a:uFill>
-                  <a:solidFill>
-                    <a:srgbClr val="020302"/>
-                  </a:solidFill>
-                </a:uFill>
-                <a:latin typeface="Adobe Clean"/>
-                <a:cs typeface="Adobe Clean"/>
-              </a:rPr>
-              <a:t>s</a:t>
-            </a:r>
-            <a:r>
-              <a:rPr sz="1400" b="1" u="heavy">
-                <a:solidFill>
-                  <a:srgbClr val="020302"/>
-                </a:solidFill>
-                <a:uFill>
-                  <a:solidFill>
-                    <a:srgbClr val="020302"/>
-                  </a:solidFill>
-                </a:uFill>
-                <a:latin typeface="Adobe Clean"/>
-                <a:cs typeface="Adobe Clean"/>
-              </a:rPr>
-              <a:t>:</a:t>
-            </a:r>
-            <a:r>
-              <a:rPr sz="1400" b="1" u="heavy" spc="-80">
-                <a:solidFill>
-                  <a:srgbClr val="020302"/>
-                </a:solidFill>
-                <a:uFill>
-                  <a:solidFill>
-                    <a:srgbClr val="020302"/>
-                  </a:solidFill>
-                </a:uFill>
-                <a:latin typeface="Adobe Clean"/>
-                <a:cs typeface="Adobe Clean"/>
-              </a:rPr>
-              <a:t> </a:t>
-            </a:r>
-            <a:r>
-              <a:rPr sz="1400" b="1" u="heavy" spc="-20">
-                <a:solidFill>
-                  <a:srgbClr val="020302"/>
-                </a:solidFill>
-                <a:uFill>
-                  <a:solidFill>
-                    <a:srgbClr val="020302"/>
-                  </a:solidFill>
-                </a:uFill>
-                <a:latin typeface="Adobe Clean"/>
-                <a:cs typeface="Adobe Clean"/>
-              </a:rPr>
-              <a:t>I</a:t>
-            </a:r>
-            <a:r>
-              <a:rPr sz="1400" b="1" u="heavy" spc="-10">
-                <a:solidFill>
-                  <a:srgbClr val="020302"/>
-                </a:solidFill>
-                <a:uFill>
-                  <a:solidFill>
-                    <a:srgbClr val="020302"/>
-                  </a:solidFill>
-                </a:uFill>
-                <a:latin typeface="Adobe Clean"/>
-                <a:cs typeface="Adobe Clean"/>
-              </a:rPr>
-              <a:t>ni</a:t>
-            </a:r>
-            <a:r>
-              <a:rPr sz="1400" b="1" u="heavy" spc="-20">
-                <a:solidFill>
-                  <a:srgbClr val="020302"/>
-                </a:solidFill>
-                <a:uFill>
-                  <a:solidFill>
-                    <a:srgbClr val="020302"/>
-                  </a:solidFill>
-                </a:uFill>
-                <a:latin typeface="Adobe Clean"/>
-                <a:cs typeface="Adobe Clean"/>
-              </a:rPr>
-              <a:t>t</a:t>
-            </a:r>
-            <a:r>
-              <a:rPr sz="1400" b="1" u="heavy" spc="-10">
-                <a:solidFill>
-                  <a:srgbClr val="020302"/>
-                </a:solidFill>
-                <a:uFill>
-                  <a:solidFill>
-                    <a:srgbClr val="020302"/>
-                  </a:solidFill>
-                </a:uFill>
-                <a:latin typeface="Adobe Clean"/>
-                <a:cs typeface="Adobe Clean"/>
-              </a:rPr>
-              <a:t>i</a:t>
-            </a:r>
-            <a:r>
-              <a:rPr sz="1400" b="1" u="heavy">
-                <a:solidFill>
-                  <a:srgbClr val="020302"/>
-                </a:solidFill>
-                <a:uFill>
-                  <a:solidFill>
-                    <a:srgbClr val="020302"/>
-                  </a:solidFill>
-                </a:uFill>
-                <a:latin typeface="Adobe Clean"/>
-                <a:cs typeface="Adobe Clean"/>
-              </a:rPr>
-              <a:t>al</a:t>
-            </a:r>
-            <a:r>
-              <a:rPr sz="1400" b="1" u="heavy" spc="-140">
-                <a:solidFill>
-                  <a:srgbClr val="020302"/>
-                </a:solidFill>
-                <a:uFill>
-                  <a:solidFill>
-                    <a:srgbClr val="020302"/>
-                  </a:solidFill>
-                </a:uFill>
-                <a:latin typeface="Adobe Clean"/>
-                <a:cs typeface="Adobe Clean"/>
-              </a:rPr>
-              <a:t> </a:t>
-            </a:r>
-            <a:r>
-              <a:rPr sz="1400" b="1" u="heavy" spc="-15">
-                <a:solidFill>
-                  <a:srgbClr val="020302"/>
-                </a:solidFill>
-                <a:uFill>
-                  <a:solidFill>
-                    <a:srgbClr val="020302"/>
-                  </a:solidFill>
-                </a:uFill>
-                <a:latin typeface="Adobe Clean"/>
-                <a:cs typeface="Adobe Clean"/>
-              </a:rPr>
-              <a:t>R</a:t>
-            </a:r>
-            <a:r>
-              <a:rPr sz="1400" b="1" u="heavy" spc="-25">
-                <a:solidFill>
-                  <a:srgbClr val="020302"/>
-                </a:solidFill>
-                <a:uFill>
-                  <a:solidFill>
-                    <a:srgbClr val="020302"/>
-                  </a:solidFill>
-                </a:uFill>
-                <a:latin typeface="Adobe Clean"/>
-                <a:cs typeface="Adobe Clean"/>
-              </a:rPr>
-              <a:t>e</a:t>
-            </a:r>
-            <a:r>
-              <a:rPr sz="1400" b="1" u="heavy" spc="-15">
-                <a:solidFill>
-                  <a:srgbClr val="020302"/>
-                </a:solidFill>
-                <a:uFill>
-                  <a:solidFill>
-                    <a:srgbClr val="020302"/>
-                  </a:solidFill>
-                </a:uFill>
-                <a:latin typeface="Adobe Clean"/>
-                <a:cs typeface="Adobe Clean"/>
-              </a:rPr>
-              <a:t>s</a:t>
-            </a:r>
-            <a:r>
-              <a:rPr sz="1400" b="1" u="heavy" spc="-25">
-                <a:solidFill>
-                  <a:srgbClr val="020302"/>
-                </a:solidFill>
-                <a:uFill>
-                  <a:solidFill>
-                    <a:srgbClr val="020302"/>
-                  </a:solidFill>
-                </a:uFill>
-                <a:latin typeface="Adobe Clean"/>
-                <a:cs typeface="Adobe Clean"/>
-              </a:rPr>
-              <a:t>p</a:t>
-            </a:r>
-            <a:r>
-              <a:rPr sz="1400" b="1" u="heavy" spc="-15">
-                <a:solidFill>
-                  <a:srgbClr val="020302"/>
-                </a:solidFill>
-                <a:uFill>
-                  <a:solidFill>
-                    <a:srgbClr val="020302"/>
-                  </a:solidFill>
-                </a:uFill>
-                <a:latin typeface="Adobe Clean"/>
-                <a:cs typeface="Adobe Clean"/>
-              </a:rPr>
-              <a:t>ons</a:t>
-            </a:r>
-            <a:r>
-              <a:rPr sz="1400" b="1" u="heavy">
-                <a:solidFill>
-                  <a:srgbClr val="020302"/>
-                </a:solidFill>
-                <a:uFill>
-                  <a:solidFill>
-                    <a:srgbClr val="020302"/>
-                  </a:solidFill>
-                </a:uFill>
-                <a:latin typeface="Adobe Clean"/>
-                <a:cs typeface="Adobe Clean"/>
-              </a:rPr>
-              <a:t>e</a:t>
-            </a:r>
-            <a:endParaRPr sz="1400">
-              <a:latin typeface="Adobe Clean"/>
-              <a:cs typeface="Adobe Clean"/>
-            </a:endParaRPr>
+              <a:t>Obiettivi del livello di servizio: risposta iniziale</a:t>
+            </a:r>
           </a:p>
         </p:txBody>
       </p:sp>
@@ -3006,14 +2532,14 @@
           <p:nvPr>
             <p:extLst>
               <p:ext uri="{D42A27DB-BD31-4B8C-83A1-F6EECF244321}">
-                <p14:modId xmlns:p14="http://schemas.microsoft.com/office/powerpoint/2010/main" val="3940642931"/>
+                <p14:modId xmlns:p14="http://schemas.microsoft.com/office/powerpoint/2010/main" val="31408159"/>
               </p:ext>
             </p:extLst>
           </p:nvPr>
         </p:nvGraphicFramePr>
         <p:xfrm>
           <a:off x="145668" y="7473158"/>
-          <a:ext cx="7409815" cy="2259721"/>
+          <a:ext cx="7409815" cy="2217685"/>
         </p:xfrm>
         <a:graphic>
           <a:graphicData uri="http://schemas.openxmlformats.org/drawingml/2006/table">
@@ -3059,19 +2585,15 @@
                         </a:spcBef>
                       </a:pPr>
                       <a:r>
-                        <a:rPr sz="900" spc="0">
+                        <a:rPr lang="it-IT" sz="800" dirty="0">
                           <a:solidFill>
                             <a:srgbClr val="020302"/>
                           </a:solidFill>
                           <a:latin typeface="Adobe Clean"/>
                           <a:cs typeface="Adobe Clean"/>
                         </a:rPr>
-                        <a:t>Priority</a:t>
+                        <a:t>Priorità</a:t>
                       </a:r>
-                      <a:endParaRPr sz="900" spc="0">
-                        <a:latin typeface="Adobe Clean"/>
-                        <a:cs typeface="Adobe Clean"/>
-                      </a:endParaRPr>
                     </a:p>
                   </a:txBody>
                   <a:tcPr marL="0" marR="0" marT="5715" marB="0" anchor="ctr">
@@ -3118,29 +2640,15 @@
                         </a:spcBef>
                       </a:pPr>
                       <a:r>
-                        <a:rPr lang="en-US" sz="900" spc="0" dirty="0">
+                        <a:rPr lang="it-IT" sz="800">
                           <a:solidFill>
                             <a:srgbClr val="020302"/>
                           </a:solidFill>
                           <a:latin typeface="Adobe Clean"/>
                           <a:cs typeface="Adobe Clean"/>
                         </a:rPr>
-                        <a:t>Standard </a:t>
+                        <a:t>Supporto Standard</a:t>
                       </a:r>
-                      <a:r>
-                        <a:rPr sz="900" spc="0" dirty="0">
-                          <a:solidFill>
-                            <a:srgbClr val="020302"/>
-                          </a:solidFill>
-                          <a:latin typeface="Adobe Clean"/>
-                          <a:cs typeface="Adobe Clean"/>
-                        </a:rPr>
-                        <a:t> Support</a:t>
-                      </a:r>
-                      <a:endParaRPr sz="900" spc="0" dirty="0">
-                        <a:latin typeface="Adobe Clean"/>
-                        <a:cs typeface="Adobe Clean"/>
-                      </a:endParaRPr>
                     </a:p>
                   </a:txBody>
                   <a:tcPr marL="0" marR="0" marT="5715" marB="0" anchor="ctr">
@@ -3190,39 +2698,15 @@
                         </a:spcBef>
                       </a:pPr>
                       <a:r>
-                        <a:rPr sz="900" spc="0">
+                        <a:rPr lang="it-IT" sz="800">
                           <a:solidFill>
                             <a:srgbClr val="FFFFFF"/>
                           </a:solidFill>
                           <a:latin typeface="Adobe Clean"/>
                           <a:cs typeface="Adobe Clean"/>
                         </a:rPr>
-                        <a:t>Elite</a:t>
+                        <a:t>Supporto Elite</a:t>
                       </a:r>
-                      <a:r>
-                        <a:rPr lang="en-US" sz="900" spc="0">
-                          <a:solidFill>
-                            <a:srgbClr val="FFFFFF"/>
-                          </a:solidFill>
-                          <a:latin typeface="Adobe Clean"/>
-                          <a:cs typeface="Adobe Clean"/>
-                        </a:rPr>
-                        <a:t>  </a:t>
-                      </a:r>
-                      <a:r>
-                        <a:rPr sz="900" spc="0">
-                          <a:solidFill>
-                            <a:srgbClr val="FFFFFF"/>
-                          </a:solidFill>
-                          <a:latin typeface="Adobe Clean"/>
-                          <a:cs typeface="Adobe Clean"/>
-                        </a:rPr>
-                        <a:t>Support</a:t>
-                      </a:r>
-                      <a:endParaRPr sz="900" spc="0">
-                        <a:latin typeface="Adobe Clean"/>
-                        <a:cs typeface="Adobe Clean"/>
-                      </a:endParaRPr>
                     </a:p>
                   </a:txBody>
                   <a:tcPr marL="0" marR="0" marT="8255" marB="0" anchor="ctr">
@@ -3279,19 +2763,15 @@
                         </a:spcBef>
                       </a:pPr>
                       <a:r>
-                        <a:rPr sz="900" b="1" spc="0">
+                        <a:rPr lang="it-IT" sz="800" b="1" dirty="0">
                           <a:solidFill>
                             <a:srgbClr val="020302"/>
                           </a:solidFill>
                           <a:latin typeface="Adobe Clean"/>
                           <a:cs typeface="Adobe Clean"/>
                         </a:rPr>
-                        <a:t>PRIORITY 1</a:t>
+                        <a:t>PRIORITÀ 1 (P1)</a:t>
                       </a:r>
-                      <a:endParaRPr sz="900" spc="0">
-                        <a:latin typeface="Adobe Clean"/>
-                        <a:cs typeface="Adobe Clean"/>
-                      </a:endParaRPr>
                     </a:p>
                     <a:p>
                       <a:pPr marL="50165" marR="495300" algn="l">
@@ -3303,19 +2783,14 @@
                         </a:spcBef>
                       </a:pPr>
                       <a:r>
-                        <a:rPr lang="en-US" sz="900" b="0" i="0" u="none" strike="noStrike" spc="0">
+                        <a:rPr lang="it-IT" sz="800" b="0" i="0" u="none" strike="noStrike" dirty="0">
                           <a:solidFill>
                             <a:srgbClr val="000000"/>
                           </a:solidFill>
-                          <a:effectLst/>
                           <a:latin typeface="Adobe Clean Light"/>
                         </a:rPr>
-                        <a:t>Customer's production business functions are down or have significant data loss or service degradation and immediate attention is required to restore functionality and usability</a:t>
+                        <a:t>Le funzioni operative nell’ambiente di produzione del cliente non sono disponibili oppure si verificano problemi significativi di perdita di dati o deterioramento del servizio ed è richiesto un intervento immediato per ripristinare funzionalità e usabilità.</a:t>
                       </a:r>
-                      <a:endParaRPr sz="900" spc="0">
-                        <a:latin typeface="Adobe Clean Light"/>
-                        <a:cs typeface="AdobeClean-Light"/>
-                      </a:endParaRPr>
                     </a:p>
                   </a:txBody>
                   <a:tcPr marL="0" marR="0" marT="0" marB="0" anchor="ctr">
@@ -3359,7 +2834,7 @@
                         </a:lnSpc>
                       </a:pPr>
                       <a:r>
-                        <a:rPr sz="900" spc="0">
+                        <a:rPr lang="it-IT" sz="800" dirty="0">
                           <a:solidFill>
                             <a:srgbClr val="020302"/>
                           </a:solidFill>
@@ -3368,50 +2843,25 @@
                         </a:rPr>
                         <a:t>24x7/</a:t>
                       </a:r>
-                      <a:r>
-                        <a:rPr lang="en-US" sz="900" spc="0">
+                      <a:br>
+                        <a:rPr lang="it-IT" sz="800" dirty="0">
                           <a:solidFill>
                             <a:srgbClr val="020302"/>
                           </a:solidFill>
                           <a:latin typeface="AdobeClean-Light"/>
                           <a:cs typeface="AdobeClean-Light"/>
                         </a:rPr>
-                        <a:t>          </a:t>
-                      </a:r>
+                      </a:br>
                       <a:r>
-                        <a:rPr sz="900" spc="0">
+                        <a:rPr lang="it-IT" sz="800" dirty="0">
                           <a:solidFill>
                             <a:srgbClr val="020302"/>
                           </a:solidFill>
                           <a:latin typeface="AdobeClean-Light"/>
                           <a:cs typeface="AdobeClean-Light"/>
                         </a:rPr>
-                        <a:t> 1</a:t>
+                        <a:t>1 ora</a:t>
                       </a:r>
-                      <a:r>
-                        <a:rPr lang="en-US" sz="900" spc="0">
-                          <a:solidFill>
-                            <a:srgbClr val="020302"/>
-                          </a:solidFill>
-                          <a:latin typeface="AdobeClean-Light"/>
-                          <a:cs typeface="AdobeClean-Light"/>
-                        </a:rPr>
-                        <a:t> </a:t>
-                      </a:r>
-                      <a:r>
-                        <a:rPr sz="900" spc="0">
-                          <a:solidFill>
-                            <a:srgbClr val="020302"/>
-                          </a:solidFill>
-                          <a:latin typeface="AdobeClean-Light"/>
-                          <a:cs typeface="AdobeClean-Light"/>
-                        </a:rPr>
-                        <a:t>hour</a:t>
-                      </a:r>
-                      <a:endParaRPr sz="900" spc="0">
-                        <a:latin typeface="AdobeClean-Light"/>
-                        <a:cs typeface="AdobeClean-Light"/>
-                      </a:endParaRPr>
                     </a:p>
                   </a:txBody>
                   <a:tcPr marL="0" marR="0" marT="0" marB="0" anchor="ctr">
@@ -3455,69 +2905,34 @@
                         </a:lnSpc>
                       </a:pPr>
                       <a:r>
-                        <a:rPr lang="en-US" sz="900" spc="0">
+                        <a:rPr lang="it-IT" sz="800" dirty="0">
                           <a:solidFill>
                             <a:srgbClr val="020302"/>
                           </a:solidFill>
                           <a:latin typeface="AdobeClean-Light"/>
                           <a:cs typeface="AdobeClean-Light"/>
                         </a:rPr>
-                        <a:t>2</a:t>
+                        <a:t>24x7/</a:t>
                       </a:r>
-                      <a:r>
-                        <a:rPr sz="900" spc="0">
+                      <a:br>
+                        <a:rPr lang="it-IT" sz="800" dirty="0">
                           <a:solidFill>
                             <a:srgbClr val="020302"/>
                           </a:solidFill>
                           <a:latin typeface="AdobeClean-Light"/>
                           <a:cs typeface="AdobeClean-Light"/>
                         </a:rPr>
-                        <a:t>4x7 /</a:t>
-                      </a:r>
+                      </a:br>
                       <a:r>
-                        <a:rPr lang="en-US" sz="900" spc="0">
+                        <a:rPr lang="it-IT" sz="800" dirty="0">
                           <a:solidFill>
                             <a:srgbClr val="020302"/>
                           </a:solidFill>
                           <a:latin typeface="AdobeClean-Light"/>
                           <a:cs typeface="AdobeClean-Light"/>
                         </a:rPr>
-                        <a:t>  </a:t>
+                        <a:t>15 minuti</a:t>
                       </a:r>
-                      <a:r>
-                        <a:rPr sz="900" spc="0">
-                          <a:solidFill>
-                            <a:srgbClr val="020302"/>
-                          </a:solidFill>
-                          <a:latin typeface="AdobeClean-Light"/>
-                          <a:cs typeface="AdobeClean-Light"/>
-                        </a:rPr>
-                        <a:t> 15</a:t>
-                      </a:r>
-                      <a:r>
-                        <a:rPr lang="en-US" sz="900" spc="0">
-                          <a:solidFill>
-                            <a:srgbClr val="020302"/>
-                          </a:solidFill>
-                          <a:latin typeface="AdobeClean-Light"/>
-                          <a:cs typeface="AdobeClean-Light"/>
-                        </a:rPr>
-                        <a:t> </a:t>
-                      </a:r>
-                      <a:r>
-                        <a:rPr sz="900" spc="0">
-                          <a:solidFill>
-                            <a:srgbClr val="020302"/>
-                          </a:solidFill>
-                          <a:latin typeface="AdobeClean-Light"/>
-                          <a:cs typeface="AdobeClean-Light"/>
-                        </a:rPr>
-                        <a:t>minutes</a:t>
-                      </a:r>
-                      <a:endParaRPr sz="900" spc="0">
-                        <a:latin typeface="AdobeClean-Light"/>
-                        <a:cs typeface="AdobeClean-Light"/>
-                      </a:endParaRPr>
                     </a:p>
                   </a:txBody>
                   <a:tcPr marL="0" marR="0" marT="2540" marB="0" anchor="ctr">
@@ -3579,19 +2994,15 @@
                         </a:spcBef>
                       </a:pPr>
                       <a:r>
-                        <a:rPr sz="900" b="1" spc="0">
+                        <a:rPr lang="it-IT" sz="800" b="1" dirty="0">
                           <a:solidFill>
                             <a:srgbClr val="020302"/>
                           </a:solidFill>
                           <a:latin typeface="Adobe Clean"/>
                           <a:cs typeface="Adobe Clean"/>
                         </a:rPr>
-                        <a:t>PRIORITY 2</a:t>
+                        <a:t>PRIORITÀ 2 (P2)</a:t>
                       </a:r>
-                      <a:endParaRPr sz="900" spc="0">
-                        <a:latin typeface="Adobe Clean"/>
-                        <a:cs typeface="Adobe Clean"/>
-                      </a:endParaRPr>
                     </a:p>
                     <a:p>
                       <a:pPr marL="49530" marR="719455" algn="l">
@@ -3603,19 +3014,14 @@
                         </a:spcBef>
                       </a:pPr>
                       <a:r>
-                        <a:rPr lang="en-US" sz="900" b="0" i="0" u="none" strike="noStrike" spc="0">
+                        <a:rPr lang="it-IT" sz="800" b="0" i="0" u="none" strike="noStrike" dirty="0">
                           <a:solidFill>
                             <a:srgbClr val="000000"/>
                           </a:solidFill>
-                          <a:effectLst/>
                           <a:latin typeface="Adobe Clean Light"/>
                         </a:rPr>
-                        <a:t>Customer's business functions have major service degradation or potential data loss, or a major feature is impacted</a:t>
+                        <a:t>Le funzioni operative del cliente hanno subìto un notevole deterioramento del servizio o potenziale perdita di dati, oppure un problema interessa una funzione importante.</a:t>
                       </a:r>
-                      <a:endParaRPr sz="900" spc="0">
-                        <a:latin typeface="Adobe Clean Light"/>
-                        <a:cs typeface="AdobeClean-Light"/>
-                      </a:endParaRPr>
                     </a:p>
                   </a:txBody>
                   <a:tcPr marL="0" marR="0" marT="0" marB="0" anchor="ctr">
@@ -3653,65 +3059,40 @@
                     <a:bodyPr/>
                     <a:lstStyle/>
                     <a:p>
-                      <a:pPr marL="473075" marR="343535" indent="-175895" algn="l">
+                      <a:pPr marL="341313" marR="343535" indent="-42863" algn="ctr">
                         <a:lnSpc>
                           <a:spcPct val="102200"/>
                         </a:lnSpc>
                       </a:pPr>
                       <a:r>
-                        <a:rPr sz="900" spc="0">
+                        <a:rPr lang="it-IT" sz="800" dirty="0">
                           <a:solidFill>
                             <a:srgbClr val="020302"/>
                           </a:solidFill>
                           <a:latin typeface="AdobeClean-Light"/>
                           <a:cs typeface="AdobeClean-Light"/>
                         </a:rPr>
-                        <a:t>Business hours</a:t>
+                        <a:t>Orario operativo/</a:t>
                       </a:r>
-                      <a:r>
-                        <a:rPr lang="en-US" sz="900" spc="0">
+                      <a:br>
+                        <a:rPr lang="it-IT" sz="800" dirty="0">
                           <a:solidFill>
                             <a:srgbClr val="020302"/>
                           </a:solidFill>
                           <a:latin typeface="AdobeClean-Light"/>
                           <a:cs typeface="AdobeClean-Light"/>
                         </a:rPr>
-                        <a:t> </a:t>
-                      </a:r>
+                      </a:br>
                       <a:r>
-                        <a:rPr sz="900" spc="0">
+                        <a:rPr lang="it-IT" sz="800" dirty="0">
                           <a:solidFill>
                             <a:srgbClr val="020302"/>
                           </a:solidFill>
                           <a:latin typeface="AdobeClean-Light"/>
                           <a:cs typeface="AdobeClean-Light"/>
                         </a:rPr>
-                        <a:t>/</a:t>
+                        <a:t>4 ore</a:t>
                       </a:r>
-                      <a:r>
-                        <a:rPr lang="en-US" sz="900" spc="0">
-                          <a:solidFill>
-                            <a:srgbClr val="020302"/>
-                          </a:solidFill>
-                          <a:latin typeface="AdobeClean-Light"/>
-                          <a:cs typeface="AdobeClean-Light"/>
-                        </a:rPr>
-                        <a:t>       </a:t>
-                      </a:r>
-                      <a:r>
-                        <a:rPr sz="900" spc="0">
-                          <a:solidFill>
-                            <a:srgbClr val="020302"/>
-                          </a:solidFill>
-                          <a:latin typeface="AdobeClean-Light"/>
-                          <a:cs typeface="AdobeClean-Light"/>
-                        </a:rPr>
-                        <a:t>4 hours</a:t>
-                      </a:r>
-                      <a:endParaRPr sz="900" spc="0">
-                        <a:latin typeface="AdobeClean-Light"/>
-                        <a:cs typeface="AdobeClean-Light"/>
-                      </a:endParaRPr>
                     </a:p>
                   </a:txBody>
                   <a:tcPr marL="0" marR="0" marT="0" marB="0" anchor="ctr">
@@ -3746,65 +3127,40 @@
                     <a:bodyPr/>
                     <a:lstStyle/>
                     <a:p>
-                      <a:pPr marL="351790" marR="481330" indent="144145" algn="l">
+                      <a:pPr marL="350838" marR="481330" indent="-9525" algn="ctr">
                         <a:lnSpc>
                           <a:spcPct val="102299"/>
                         </a:lnSpc>
                       </a:pPr>
                       <a:r>
-                        <a:rPr sz="900" spc="0">
+                        <a:rPr lang="it-IT" sz="800" dirty="0">
                           <a:solidFill>
                             <a:srgbClr val="020302"/>
                           </a:solidFill>
                           <a:latin typeface="AdobeClean-Light"/>
                           <a:cs typeface="AdobeClean-Light"/>
                         </a:rPr>
-                        <a:t>24x5 /</a:t>
+                        <a:t>24x5/</a:t>
                       </a:r>
-                      <a:r>
-                        <a:rPr lang="en-US" sz="900" spc="0">
+                      <a:br>
+                        <a:rPr lang="it-IT" sz="800" dirty="0">
                           <a:solidFill>
                             <a:srgbClr val="020302"/>
                           </a:solidFill>
                           <a:latin typeface="AdobeClean-Light"/>
                           <a:cs typeface="AdobeClean-Light"/>
                         </a:rPr>
-                        <a:t> </a:t>
-                      </a:r>
+                      </a:br>
                       <a:r>
-                        <a:rPr sz="900" spc="0">
+                        <a:rPr lang="it-IT" sz="800" dirty="0">
                           <a:solidFill>
                             <a:srgbClr val="020302"/>
                           </a:solidFill>
                           <a:latin typeface="AdobeClean-Light"/>
                           <a:cs typeface="AdobeClean-Light"/>
                         </a:rPr>
-                        <a:t> 30</a:t>
+                        <a:t>30 minuti</a:t>
                       </a:r>
-                      <a:r>
-                        <a:rPr lang="en-US" sz="900" spc="0">
-                          <a:solidFill>
-                            <a:srgbClr val="020302"/>
-                          </a:solidFill>
-                          <a:latin typeface="AdobeClean-Light"/>
-                          <a:cs typeface="AdobeClean-Light"/>
-                        </a:rPr>
-                        <a:t> m</a:t>
-                      </a:r>
-                      <a:r>
-                        <a:rPr sz="900" spc="0">
-                          <a:solidFill>
-                            <a:srgbClr val="020302"/>
-                          </a:solidFill>
-                          <a:latin typeface="AdobeClean-Light"/>
-                          <a:cs typeface="AdobeClean-Light"/>
-                        </a:rPr>
-                        <a:t>inutes</a:t>
-                      </a:r>
-                      <a:endParaRPr sz="900" spc="0">
-                        <a:latin typeface="AdobeClean-Light"/>
-                        <a:cs typeface="AdobeClean-Light"/>
-                      </a:endParaRPr>
                     </a:p>
                   </a:txBody>
                   <a:tcPr marL="0" marR="0" marT="5080" marB="0" anchor="ctr">
@@ -3863,19 +3219,15 @@
                         </a:spcBef>
                       </a:pPr>
                       <a:r>
-                        <a:rPr sz="900" b="1" spc="0">
+                        <a:rPr lang="it-IT" sz="800" b="1" dirty="0">
                           <a:solidFill>
                             <a:srgbClr val="020302"/>
                           </a:solidFill>
                           <a:latin typeface="Adobe Clean"/>
                           <a:cs typeface="Adobe Clean"/>
                         </a:rPr>
-                        <a:t>PRIORITY 3</a:t>
+                        <a:t>PRIORITÀ 3 (P3)</a:t>
                       </a:r>
-                      <a:endParaRPr sz="900" spc="0">
-                        <a:latin typeface="Adobe Clean"/>
-                        <a:cs typeface="Adobe Clean"/>
-                      </a:endParaRPr>
                     </a:p>
                     <a:p>
                       <a:pPr marL="48895" marR="387985" indent="-2540" algn="l">
@@ -3887,19 +3239,14 @@
                         </a:spcBef>
                       </a:pPr>
                       <a:r>
-                        <a:rPr lang="en-US" sz="900" b="0" i="0" u="none" strike="noStrike" spc="0">
+                        <a:rPr lang="it-IT" sz="800" b="0" i="0" u="none" strike="noStrike" dirty="0">
                           <a:solidFill>
                             <a:srgbClr val="000000"/>
                           </a:solidFill>
-                          <a:effectLst/>
                           <a:latin typeface="Adobe Clean Light"/>
                         </a:rPr>
-                        <a:t>Customer’s business functions have minor to no service degradation but there exists a solution/workaround allowing business functions to continue normally</a:t>
+                        <a:t>Le funzioni operative del cliente sono interessate da un deterioramento lieve del servizio (o nessun deterioramento), tuttavia è possibile procedere normalmente mediante una soluzione temporanea.</a:t>
                       </a:r>
-                      <a:endParaRPr sz="900" spc="0">
-                        <a:latin typeface="AdobeClean-Light"/>
-                        <a:cs typeface="AdobeClean-Light"/>
-                      </a:endParaRPr>
                     </a:p>
                   </a:txBody>
                   <a:tcPr marL="0" marR="0" marT="0" marB="0" anchor="ctr">
@@ -3937,25 +3284,40 @@
                     <a:bodyPr/>
                     <a:lstStyle/>
                     <a:p>
-                      <a:pPr marL="473075" marR="343535" indent="-175895" algn="l">
+                      <a:pPr marL="285750" marR="343535" indent="12700" algn="ctr">
                         <a:lnSpc>
                           <a:spcPct val="102200"/>
                         </a:lnSpc>
                       </a:pPr>
                       <a:r>
-                        <a:rPr lang="en-US" sz="900" spc="0">
+                        <a:rPr lang="it-IT" sz="800" dirty="0">
                           <a:solidFill>
                             <a:srgbClr val="020302"/>
                           </a:solidFill>
                           <a:latin typeface="AdobeClean-Light"/>
                           <a:cs typeface="AdobeClean-Light"/>
                         </a:rPr>
-                        <a:t>Business hours /       6 hours</a:t>
+                        <a:t>Orario operativo/</a:t>
                       </a:r>
-                      <a:endParaRPr lang="en-US" sz="900" spc="0">
-                        <a:latin typeface="AdobeClean-Light"/>
-                        <a:cs typeface="AdobeClean-Light"/>
-                      </a:endParaRPr>
+                      <a:br>
+                        <a:rPr lang="it-IT" sz="800" dirty="0">
+                          <a:solidFill>
+                            <a:srgbClr val="020302"/>
+                          </a:solidFill>
+                          <a:latin typeface="AdobeClean-Light"/>
+                          <a:cs typeface="AdobeClean-Light"/>
+                        </a:rPr>
+                      </a:br>
+                      <a:r>
+                        <a:rPr lang="it-IT" sz="800" dirty="0">
+                          <a:solidFill>
+                            <a:srgbClr val="020302"/>
+                          </a:solidFill>
+                          <a:latin typeface="AdobeClean-Light"/>
+                          <a:cs typeface="AdobeClean-Light"/>
+                        </a:rPr>
+                        <a:t>6 ore</a:t>
+                      </a:r>
                     </a:p>
                   </a:txBody>
                   <a:tcPr marL="0" marR="0" marT="0" marB="0" anchor="ctr">
@@ -3996,7 +3358,7 @@
                         </a:lnSpc>
                       </a:pPr>
                       <a:r>
-                        <a:rPr lang="en-US" sz="900" spc="0">
+                        <a:rPr lang="it-IT" sz="800" dirty="0">
                           <a:solidFill>
                             <a:srgbClr val="020302"/>
                           </a:solidFill>
@@ -4007,7 +3369,7 @@
                         <a:t>2</a:t>
                       </a:r>
                       <a:r>
-                        <a:rPr sz="900" spc="0">
+                        <a:rPr lang="it-IT" sz="800" dirty="0">
                           <a:solidFill>
                             <a:srgbClr val="020302"/>
                           </a:solidFill>
@@ -4017,8 +3379,8 @@
                         </a:rPr>
                         <a:t>4x5/</a:t>
                       </a:r>
-                      <a:r>
-                        <a:rPr lang="en-US" sz="900" spc="0">
+                      <a:br>
+                        <a:rPr lang="it-IT" sz="800" dirty="0">
                           <a:solidFill>
                             <a:srgbClr val="020302"/>
                           </a:solidFill>
@@ -4026,10 +3388,9 @@
                           <a:ea typeface="+mn-ea"/>
                           <a:cs typeface="AdobeClean-Light"/>
                         </a:rPr>
-                        <a:t>   </a:t>
-                      </a:r>
+                      </a:br>
                       <a:r>
-                        <a:rPr sz="900" spc="0">
+                        <a:rPr lang="it-IT" sz="800" dirty="0">
                           <a:solidFill>
                             <a:srgbClr val="020302"/>
                           </a:solidFill>
@@ -4037,7 +3398,7 @@
                           <a:ea typeface="+mn-ea"/>
                           <a:cs typeface="AdobeClean-Light"/>
                         </a:rPr>
-                        <a:t>1 hour</a:t>
+                        <a:t>1 ora</a:t>
                       </a:r>
                     </a:p>
                   </a:txBody>
@@ -4097,19 +3458,15 @@
                         </a:spcBef>
                       </a:pPr>
                       <a:r>
-                        <a:rPr sz="900" b="1" spc="0">
+                        <a:rPr lang="it-IT" sz="800" b="1">
                           <a:solidFill>
                             <a:srgbClr val="020302"/>
                           </a:solidFill>
                           <a:latin typeface="Adobe Clean"/>
                           <a:cs typeface="Adobe Clean"/>
                         </a:rPr>
-                        <a:t>PRIORITY 4</a:t>
+                        <a:t>PRIORITÀ 4 (P4)</a:t>
                       </a:r>
-                      <a:endParaRPr sz="900" spc="0">
-                        <a:latin typeface="Adobe Clean"/>
-                        <a:cs typeface="Adobe Clean"/>
-                      </a:endParaRPr>
                     </a:p>
                     <a:p>
                       <a:pPr marL="62230" algn="l">
@@ -4121,19 +3478,14 @@
                         </a:spcBef>
                       </a:pPr>
                       <a:r>
-                        <a:rPr lang="en-US" sz="900" b="0" i="0" u="none" strike="noStrike" spc="0">
+                        <a:rPr lang="it-IT" sz="800" b="0" i="0" u="none" strike="noStrike">
                           <a:solidFill>
                             <a:srgbClr val="000000"/>
                           </a:solidFill>
-                          <a:effectLst/>
                           <a:latin typeface="Adobe Clean Light"/>
                         </a:rPr>
-                        <a:t>General question regarding current product functionality or an enhancement request</a:t>
+                        <a:t>Domande generali sulle attuali funzionalità del prodotto o su una richiesta di miglioramento</a:t>
                       </a:r>
-                      <a:endParaRPr sz="900" spc="0">
-                        <a:latin typeface="Adobe Clean Light"/>
-                        <a:cs typeface="AdobeClean-Light"/>
-                      </a:endParaRPr>
                     </a:p>
                   </a:txBody>
                   <a:tcPr marL="0" marR="0" marT="0" marB="0" anchor="ctr">
@@ -4151,6 +3503,74 @@
                       <a:round/>
                       <a:headEnd type="none" w="med" len="med"/>
                       <a:tailEnd type="none" w="med" len="med"/>
+                    </a:lnR>
+                    <a:lnT w="6350">
+                      <a:solidFill>
+                        <a:srgbClr val="B7B8B8"/>
+                      </a:solidFill>
+                      <a:prstDash val="solid"/>
+                    </a:lnT>
+                    <a:lnB w="6350">
+                      <a:solidFill>
+                        <a:srgbClr val="B7B8B8"/>
+                      </a:solidFill>
+                      <a:prstDash val="solid"/>
+                    </a:lnB>
+                  </a:tcPr>
+                </a:tc>
+                <a:tc>
+                  <a:txBody>
+                    <a:bodyPr/>
+                    <a:lstStyle/>
+                    <a:p>
+                      <a:pPr marL="285750" marR="343535" indent="12700" algn="ctr">
+                        <a:lnSpc>
+                          <a:spcPct val="102200"/>
+                        </a:lnSpc>
+                      </a:pPr>
+                      <a:r>
+                        <a:rPr lang="it-IT" sz="800" dirty="0">
+                          <a:solidFill>
+                            <a:srgbClr val="020302"/>
+                          </a:solidFill>
+                          <a:latin typeface="AdobeClean-Light"/>
+                          <a:cs typeface="AdobeClean-Light"/>
+                        </a:rPr>
+                        <a:t>Giorni lavorativi/</a:t>
+                      </a:r>
+                      <a:br>
+                        <a:rPr lang="it-IT" sz="800" dirty="0">
+                          <a:solidFill>
+                            <a:srgbClr val="020302"/>
+                          </a:solidFill>
+                          <a:latin typeface="AdobeClean-Light"/>
+                          <a:cs typeface="AdobeClean-Light"/>
+                        </a:rPr>
+                      </a:br>
+                      <a:r>
+                        <a:rPr lang="it-IT" sz="800" dirty="0">
+                          <a:solidFill>
+                            <a:srgbClr val="020302"/>
+                          </a:solidFill>
+                          <a:latin typeface="AdobeClean-Light"/>
+                          <a:cs typeface="AdobeClean-Light"/>
+                        </a:rPr>
+                        <a:t>3 giorni</a:t>
+                      </a:r>
+                    </a:p>
+                  </a:txBody>
+                  <a:tcPr marL="0" marR="0" marT="0" marB="0" anchor="ctr">
+                    <a:lnL w="6350">
+                      <a:solidFill>
+                        <a:srgbClr val="B7B8B8"/>
+                      </a:solidFill>
+                      <a:prstDash val="solid"/>
+                    </a:lnL>
+                    <a:lnR w="6350">
+                      <a:solidFill>
+                        <a:srgbClr val="B7B8B8"/>
+                      </a:solidFill>
+                      <a:prstDash val="solid"/>
                     </a:lnR>
                     <a:lnT w="6350">
                       <a:solidFill>
@@ -4177,72 +3597,34 @@
                         </a:lnSpc>
                       </a:pPr>
                       <a:r>
-                        <a:rPr lang="en-US" sz="900" spc="0">
+                        <a:rPr lang="it-IT" sz="800" dirty="0">
                           <a:solidFill>
                             <a:srgbClr val="020302"/>
                           </a:solidFill>
                           <a:latin typeface="AdobeClean-Light"/>
                           <a:cs typeface="AdobeClean-Light"/>
                         </a:rPr>
-                        <a:t>Business days /       3 days</a:t>
+                        <a:t>Giorni lavorativi/</a:t>
                       </a:r>
-                      <a:endParaRPr lang="en-US" sz="900" spc="0">
-                        <a:latin typeface="AdobeClean-Light"/>
-                        <a:cs typeface="AdobeClean-Light"/>
-                      </a:endParaRPr>
-                    </a:p>
-                  </a:txBody>
-                  <a:tcPr marL="0" marR="0" marT="0" marB="0" anchor="ctr">
-                    <a:lnL w="6350">
-                      <a:solidFill>
-                        <a:srgbClr val="B7B8B8"/>
-                      </a:solidFill>
-                      <a:prstDash val="solid"/>
-                    </a:lnL>
-                    <a:lnR w="6350">
-                      <a:solidFill>
-                        <a:srgbClr val="B7B8B8"/>
-                      </a:solidFill>
-                      <a:prstDash val="solid"/>
-                    </a:lnR>
-                    <a:lnT w="6350">
-                      <a:solidFill>
-                        <a:srgbClr val="B7B8B8"/>
-                      </a:solidFill>
-                      <a:prstDash val="solid"/>
-                    </a:lnT>
-                    <a:lnB w="6350">
-                      <a:solidFill>
-                        <a:srgbClr val="B7B8B8"/>
-                      </a:solidFill>
-                      <a:prstDash val="solid"/>
-                    </a:lnB>
-                  </a:tcPr>
-                </a:tc>
-                <a:tc>
-                  <a:txBody>
-                    <a:bodyPr/>
-                    <a:lstStyle/>
-                    <a:p>
-                      <a:pPr marL="473075" marR="343535" indent="-175895" algn="l">
-                        <a:lnSpc>
-                          <a:spcPct val="102200"/>
-                        </a:lnSpc>
-                      </a:pPr>
-                      <a:r>
-                        <a:rPr lang="en-US" sz="900" spc="0" dirty="0">
+                      <a:br>
+                        <a:rPr lang="it-IT" sz="800" dirty="0">
                           <a:solidFill>
                             <a:srgbClr val="020302"/>
                           </a:solidFill>
                           <a:latin typeface="AdobeClean-Light"/>
                           <a:cs typeface="AdobeClean-Light"/>
                         </a:rPr>
-                        <a:t>Business days /       1 day</a:t>
+                      </a:br>
+                      <a:r>
+                        <a:rPr lang="it-IT" sz="800" dirty="0">
+                          <a:solidFill>
+                            <a:srgbClr val="020302"/>
+                          </a:solidFill>
+                          <a:latin typeface="AdobeClean-Light"/>
+                          <a:cs typeface="AdobeClean-Light"/>
+                        </a:rPr>
+                        <a:t>1 giorno</a:t>
                       </a:r>
-                      <a:endParaRPr lang="en-US" sz="900" spc="0" dirty="0">
-                        <a:latin typeface="AdobeClean-Light"/>
-                        <a:cs typeface="AdobeClean-Light"/>
-                      </a:endParaRPr>
                     </a:p>
                   </a:txBody>
                   <a:tcPr marL="0" marR="0" marT="27940" marB="0" anchor="ctr">
@@ -4321,7 +3703,7 @@
         <p:spPr>
           <a:xfrm>
             <a:off x="97787" y="9888626"/>
-            <a:ext cx="2202180" cy="149860"/>
+            <a:ext cx="2377440" cy="149860"/>
           </a:xfrm>
           <a:prstGeom prst="rect">
             <a:avLst/>
@@ -4342,99 +3724,95 @@
               </a:spcBef>
             </a:pPr>
             <a:r>
-              <a:rPr sz="800" spc="-15">
+              <a:rPr lang="it-IT" sz="800" dirty="0">
                 <a:solidFill>
                   <a:srgbClr val="6D6D6D"/>
                 </a:solidFill>
                 <a:latin typeface="Adobe Clean"/>
                 <a:cs typeface="Adobe Clean"/>
               </a:rPr>
-              <a:t>©2021 </a:t>
-            </a:r>
-            <a:r>
-              <a:rPr sz="800" spc="-5">
+              <a:t>©2021 Adobe. </a:t>
+            </a:r>
+            <a:r>
+              <a:rPr lang="it-IT" sz="800" dirty="0" err="1">
                 <a:solidFill>
                   <a:srgbClr val="6D6D6D"/>
                 </a:solidFill>
                 <a:latin typeface="Adobe Clean"/>
                 <a:cs typeface="Adobe Clean"/>
               </a:rPr>
-              <a:t>Adobe. All</a:t>
-            </a:r>
-            <a:r>
-              <a:rPr sz="800" spc="-15">
+              <a:t>All</a:t>
+            </a:r>
+            <a:r>
+              <a:rPr lang="it-IT" sz="800" dirty="0">
                 <a:solidFill>
                   <a:srgbClr val="6D6D6D"/>
                 </a:solidFill>
                 <a:latin typeface="Adobe Clean"/>
                 <a:cs typeface="Adobe Clean"/>
               </a:rPr>
-              <a:t> Rights</a:t>
-            </a:r>
-            <a:r>
-              <a:rPr sz="800" spc="-5">
+              <a:t> </a:t>
+            </a:r>
+            <a:r>
+              <a:rPr lang="it-IT" sz="800" dirty="0" err="1">
                 <a:solidFill>
                   <a:srgbClr val="6D6D6D"/>
                 </a:solidFill>
                 <a:latin typeface="Adobe Clean"/>
                 <a:cs typeface="Adobe Clean"/>
               </a:rPr>
-              <a:t> </a:t>
-            </a:r>
-            <a:r>
-              <a:rPr sz="800" spc="-15">
+              <a:t>Rights</a:t>
+            </a:r>
+            <a:r>
+              <a:rPr lang="it-IT" sz="800" dirty="0">
                 <a:solidFill>
                   <a:srgbClr val="6D6D6D"/>
                 </a:solidFill>
                 <a:latin typeface="Adobe Clean"/>
                 <a:cs typeface="Adobe Clean"/>
               </a:rPr>
-              <a:t>Reserved.</a:t>
-            </a:r>
-            <a:r>
-              <a:rPr sz="800" spc="-10">
+              <a:t> </a:t>
+            </a:r>
+            <a:r>
+              <a:rPr lang="it-IT" sz="800" dirty="0" err="1">
                 <a:solidFill>
                   <a:srgbClr val="6D6D6D"/>
                 </a:solidFill>
                 <a:latin typeface="Adobe Clean"/>
                 <a:cs typeface="Adobe Clean"/>
               </a:rPr>
-              <a:t> </a:t>
-            </a:r>
-            <a:r>
-              <a:rPr sz="800" spc="-5">
+              <a:t>Reserved</a:t>
+            </a:r>
+            <a:r>
+              <a:rPr lang="it-IT" sz="800" dirty="0">
                 <a:solidFill>
                   <a:srgbClr val="6D6D6D"/>
                 </a:solidFill>
                 <a:latin typeface="Adobe Clean"/>
                 <a:cs typeface="Adobe Clean"/>
               </a:rPr>
-              <a:t>Adobe</a:t>
-            </a:r>
-            <a:r>
-              <a:rPr sz="800" spc="65">
+              <a:t>. Adobe </a:t>
+            </a:r>
+            <a:r>
+              <a:rPr lang="it-IT" sz="800" dirty="0" err="1">
                 <a:solidFill>
                   <a:srgbClr val="6D6D6D"/>
                 </a:solidFill>
                 <a:latin typeface="Adobe Clean"/>
                 <a:cs typeface="Adobe Clean"/>
               </a:rPr>
-              <a:t> </a:t>
-            </a:r>
-            <a:r>
-              <a:rPr sz="800" spc="-15">
+              <a:t>Confidential</a:t>
+            </a:r>
+            <a:r>
+              <a:rPr lang="it-IT" sz="800" dirty="0">
                 <a:solidFill>
                   <a:srgbClr val="6D6D6D"/>
                 </a:solidFill>
                 <a:latin typeface="Adobe Clean"/>
                 <a:cs typeface="Adobe Clean"/>
               </a:rPr>
-              <a:t>Confidential.</a:t>
-            </a:r>
-            <a:endParaRPr sz="800">
-              <a:latin typeface="Adobe Clean"/>
-              <a:cs typeface="Adobe Clean"/>
-            </a:endParaRPr>
+              <a:t>.</a:t>
+            </a:r>
           </a:p>
         </p:txBody>
       </p:sp>
@@ -4467,7 +3845,7 @@
           <a:lstStyle/>
           <a:p>
             <a:r>
-              <a:rPr lang="en-US" sz="700" i="1">
+              <a:rPr lang="it-IT" sz="700" i="1">
                 <a:solidFill>
                   <a:schemeClr val="bg1"/>
                 </a:solidFill>
@@ -4499,7 +3877,7 @@
         </p:nvGraphicFramePr>
         <p:xfrm>
           <a:off x="273550" y="2258474"/>
-          <a:ext cx="7281935" cy="4738570"/>
+          <a:ext cx="7281935" cy="4839582"/>
         </p:xfrm>
         <a:graphic>
           <a:graphicData uri="http://schemas.openxmlformats.org/drawingml/2006/table">
@@ -4581,39 +3959,15 @@
                         <a:defRPr/>
                       </a:pPr>
                       <a:r>
-                        <a:rPr lang="en-US" sz="900" spc="-20" dirty="0">
+                        <a:rPr lang="it-IT" sz="900">
                           <a:solidFill>
                             <a:srgbClr val="404040"/>
                           </a:solidFill>
                           <a:latin typeface="Adobe Clean"/>
                           <a:cs typeface="Adobe Clean"/>
                         </a:rPr>
-                        <a:t>Standard </a:t>
+                        <a:t>Supporto Standard</a:t>
                       </a:r>
-                      <a:r>
-                        <a:rPr lang="en-US" sz="900" spc="-135" dirty="0">
-                          <a:solidFill>
-                            <a:srgbClr val="404040"/>
-                          </a:solidFill>
-                          <a:latin typeface="Adobe Clean"/>
-                          <a:cs typeface="Adobe Clean"/>
-                        </a:rPr>
-                        <a:t> </a:t>
-                      </a:r>
-                      <a:r>
-                        <a:rPr lang="en-US" sz="900" spc="-20" dirty="0">
-                          <a:solidFill>
-                            <a:srgbClr val="404040"/>
-                          </a:solidFill>
-                          <a:latin typeface="Adobe Clean"/>
-                          <a:cs typeface="Adobe Clean"/>
-                        </a:rPr>
-                        <a:t>Support</a:t>
-                      </a:r>
-                      <a:endParaRPr lang="en-US" sz="900" dirty="0">
-                        <a:latin typeface="Adobe Clean"/>
-                        <a:cs typeface="Adobe Clean"/>
-                      </a:endParaRPr>
                     </a:p>
                   </a:txBody>
                   <a:tcPr marL="0" marR="0" marT="7620" marB="0" anchor="ctr">
@@ -4654,29 +4008,15 @@
                         </a:spcBef>
                       </a:pPr>
                       <a:r>
-                        <a:rPr lang="en-US" sz="900" spc="-20">
+                        <a:rPr lang="it-IT" sz="900">
                           <a:solidFill>
                             <a:srgbClr val="FFFFFF"/>
                           </a:solidFill>
                           <a:latin typeface="Adobe Clean"/>
                           <a:cs typeface="Adobe Clean"/>
                         </a:rPr>
-                        <a:t>Elite </a:t>
+                        <a:t>Supporto Elite</a:t>
                       </a:r>
-                      <a:r>
-                        <a:rPr sz="900" spc="-20">
-                          <a:solidFill>
-                            <a:srgbClr val="FFFFFF"/>
-                          </a:solidFill>
-                          <a:latin typeface="Adobe Clean"/>
-                          <a:cs typeface="Adobe Clean"/>
-                        </a:rPr>
-                        <a:t>Support</a:t>
-                      </a:r>
-                      <a:endParaRPr sz="900">
-                        <a:latin typeface="Adobe Clean"/>
-                        <a:cs typeface="Adobe Clean"/>
-                      </a:endParaRPr>
                     </a:p>
                   </a:txBody>
                   <a:tcPr marL="0" marR="0" marT="7620" marB="0" anchor="ctr">
@@ -4741,7 +4081,7 @@
                     <a:bodyPr/>
                     <a:lstStyle/>
                     <a:p>
-                      <a:pPr marL="0" marR="0" lvl="0" indent="0" algn="ctr" defTabSz="914400" eaLnBrk="1" fontAlgn="auto" latinLnBrk="0" hangingPunct="1">
+                      <a:pPr marL="0" marR="0" lvl="0" indent="0" algn="l" defTabSz="914400" rtl="0" eaLnBrk="1" fontAlgn="auto" latinLnBrk="0" hangingPunct="1">
                         <a:lnSpc>
                           <a:spcPct val="100000"/>
                         </a:lnSpc>
@@ -4822,13 +4162,13 @@
                         <a:defRPr/>
                       </a:pPr>
                       <a:r>
-                        <a:rPr lang="en-US" sz="800" i="1">
+                        <a:rPr lang="it-IT" sz="800" i="1">
                           <a:solidFill>
                             <a:schemeClr val="bg1"/>
                           </a:solidFill>
                           <a:latin typeface="Adobe Clean Light" panose="020B0303020404020204" pitchFamily="34" charset="0"/>
                         </a:rPr>
-                        <a:t>Paid Support ($)</a:t>
+                        <a:t>Supporto a pagamento ($)</a:t>
                       </a:r>
                     </a:p>
                   </a:txBody>
@@ -4892,22 +4232,15 @@
                         </a:spcBef>
                       </a:pPr>
                       <a:r>
-                        <a:rPr lang="en-US" sz="1000" b="1" i="0" spc="0">
+                        <a:rPr lang="it-IT" sz="1000" b="1" i="0">
                           <a:solidFill>
                             <a:schemeClr val="bg1"/>
                           </a:solidFill>
                           <a:latin typeface="Adobe Clean" panose="020B0503020404020204" pitchFamily="34" charset="0"/>
                           <a:cs typeface="AdobeClean-Light"/>
                         </a:rPr>
-                        <a:t>Assigned Experts</a:t>
+                        <a:t>Esperti assegnati</a:t>
                       </a:r>
-                      <a:endParaRPr sz="1000" b="1" i="0" spc="0">
-                        <a:solidFill>
-                          <a:schemeClr val="bg1"/>
-                        </a:solidFill>
-                        <a:latin typeface="Adobe Clean" panose="020B0503020404020204" pitchFamily="34" charset="0"/>
-                        <a:cs typeface="AdobeClean-Light"/>
-                      </a:endParaRPr>
                     </a:p>
                   </a:txBody>
                   <a:tcPr marL="0" marR="0" marT="58419" marB="0" anchor="ctr">
@@ -4954,7 +4287,7 @@
                         </a:spcBef>
                       </a:pPr>
                       <a:r>
-                        <a:rPr sz="900" spc="0">
+                        <a:rPr lang="it-IT" sz="900">
                           <a:solidFill>
                             <a:srgbClr val="020302"/>
                           </a:solidFill>
@@ -4963,10 +4296,6 @@
                         </a:rPr>
                         <a:t>Account Support Lead</a:t>
                       </a:r>
-                      <a:endParaRPr sz="900" spc="0">
-                        <a:latin typeface="AdobeClean-Light"/>
-                        <a:cs typeface="AdobeClean-Light"/>
-                      </a:endParaRPr>
                     </a:p>
                   </a:txBody>
                   <a:tcPr marL="0" marR="0" marT="58419" marB="0">
@@ -5001,7 +4330,7 @@
                     <a:bodyPr/>
                     <a:lstStyle/>
                     <a:p>
-                      <a:pPr algn="ctr">
+                      <a:pPr algn="l" rtl="0">
                         <a:lnSpc>
                           <a:spcPct val="100000"/>
                         </a:lnSpc>
@@ -5042,7 +4371,7 @@
                     <a:bodyPr/>
                     <a:lstStyle/>
                     <a:p>
-                      <a:pPr algn="ctr">
+                      <a:pPr algn="l" rtl="0">
                         <a:lnSpc>
                           <a:spcPct val="100000"/>
                         </a:lnSpc>
@@ -5085,7 +4414,7 @@
                     <a:bodyPr/>
                     <a:lstStyle/>
                     <a:p>
-                      <a:pPr marL="50800">
+                      <a:pPr marL="50800" algn="l" rtl="0">
                         <a:lnSpc>
                           <a:spcPct val="100000"/>
                         </a:lnSpc>
@@ -5131,16 +4460,39 @@
                         </a:spcBef>
                       </a:pPr>
                       <a:r>
-                        <a:rPr sz="900" spc="0">
+                        <a:rPr lang="it-IT" sz="900" dirty="0" err="1">
                           <a:solidFill>
                             <a:srgbClr val="020302"/>
                           </a:solidFill>
                           <a:latin typeface="AdobeClean-Light"/>
                           <a:cs typeface="AdobeClean-Light"/>
                         </a:rPr>
-                        <a:t>Named Support Engineer</a:t>
+                        <a:t>Named</a:t>
                       </a:r>
-                      <a:endParaRPr sz="900" spc="0">
+                      <a:r>
+                        <a:rPr lang="it-IT" sz="900" dirty="0">
+                          <a:solidFill>
+                            <a:srgbClr val="020302"/>
+                          </a:solidFill>
+                          <a:latin typeface="AdobeClean-Light"/>
+                          <a:cs typeface="AdobeClean-Light"/>
+                        </a:rPr>
+                        <a:t> Support </a:t>
+                      </a:r>
+                      <a:r>
+                        <a:rPr lang="it-IT" sz="900" dirty="0" err="1">
+                          <a:solidFill>
+                            <a:srgbClr val="020302"/>
+                          </a:solidFill>
+                          <a:latin typeface="AdobeClean-Light"/>
+                          <a:cs typeface="AdobeClean-Light"/>
+                        </a:rPr>
+                        <a:t>Engineer</a:t>
+                      </a:r>
+                      <a:endParaRPr lang="it-IT" sz="900" dirty="0">
+                        <a:solidFill>
+                          <a:srgbClr val="020302"/>
+                        </a:solidFill>
                         <a:latin typeface="AdobeClean-Light"/>
                         <a:cs typeface="AdobeClean-Light"/>
                       </a:endParaRPr>
@@ -5166,7 +4518,7 @@
                     <a:bodyPr/>
                     <a:lstStyle/>
                     <a:p>
-                      <a:pPr algn="ctr">
+                      <a:pPr algn="l" rtl="0">
                         <a:lnSpc>
                           <a:spcPct val="100000"/>
                         </a:lnSpc>
@@ -5213,7 +4565,7 @@
                         <a:defRPr/>
                       </a:pPr>
                       <a:r>
-                        <a:rPr lang="en-US" sz="900">
+                        <a:rPr lang="it-IT" sz="900">
                           <a:solidFill>
                             <a:srgbClr val="020302"/>
                           </a:solidFill>
@@ -5222,10 +4574,6 @@
                         </a:rPr>
                         <a:t></a:t>
                       </a:r>
-                      <a:endParaRPr lang="en-US" sz="900">
-                        <a:latin typeface="Wingdings"/>
-                        <a:cs typeface="Wingdings"/>
-                      </a:endParaRPr>
                     </a:p>
                   </a:txBody>
                   <a:tcPr marL="0" marR="0" marT="0" marB="0" anchor="ctr">
@@ -5248,7 +4596,7 @@
                     <a:bodyPr/>
                     <a:lstStyle/>
                     <a:p>
-                      <a:pPr marL="50800">
+                      <a:pPr marL="50800" algn="l" rtl="0">
                         <a:lnSpc>
                           <a:spcPct val="100000"/>
                         </a:lnSpc>
@@ -5306,7 +4654,7 @@
                         </a:spcBef>
                       </a:pPr>
                       <a:r>
-                        <a:rPr sz="900" spc="0">
+                        <a:rPr lang="it-IT" sz="900">
                           <a:solidFill>
                             <a:srgbClr val="020302"/>
                           </a:solidFill>
@@ -5315,10 +4663,6 @@
                         </a:rPr>
                         <a:t>Technical Account Manager</a:t>
                       </a:r>
-                      <a:endParaRPr sz="900" spc="0">
-                        <a:latin typeface="AdobeClean-Light"/>
-                        <a:cs typeface="AdobeClean-Light"/>
-                      </a:endParaRPr>
                     </a:p>
                   </a:txBody>
                   <a:tcPr marL="0" marR="0" marT="63500" marB="0">
@@ -5347,7 +4691,7 @@
                     <a:bodyPr/>
                     <a:lstStyle/>
                     <a:p>
-                      <a:pPr algn="ctr">
+                      <a:pPr algn="l" rtl="0">
                         <a:lnSpc>
                           <a:spcPct val="100000"/>
                         </a:lnSpc>
@@ -5403,7 +4747,7 @@
                         <a:defRPr/>
                       </a:pPr>
                       <a:r>
-                        <a:rPr lang="en-US" sz="900">
+                        <a:rPr lang="it-IT" sz="900">
                           <a:solidFill>
                             <a:srgbClr val="020302"/>
                           </a:solidFill>
@@ -5412,10 +4756,6 @@
                         </a:rPr>
                         <a:t></a:t>
                       </a:r>
-                      <a:endParaRPr lang="en-US" sz="900">
-                        <a:latin typeface="Wingdings"/>
-                        <a:cs typeface="Wingdings"/>
-                      </a:endParaRPr>
                     </a:p>
                   </a:txBody>
                   <a:tcPr marL="0" marR="0" marT="0" marB="0" anchor="ctr">
@@ -5456,22 +4796,15 @@
                         </a:spcBef>
                       </a:pPr>
                       <a:r>
-                        <a:rPr lang="en-US" sz="1000" b="1" i="0" spc="0">
+                        <a:rPr lang="it-IT" sz="1000" b="1" i="0">
                           <a:solidFill>
                             <a:schemeClr val="bg1"/>
                           </a:solidFill>
                           <a:latin typeface="Adobe Clean" panose="020B0503020404020204" pitchFamily="34" charset="0"/>
                           <a:cs typeface="AdobeClean-Light"/>
                         </a:rPr>
-                        <a:t>Support Services</a:t>
+                        <a:t>Servizi di assistenza</a:t>
                       </a:r>
-                      <a:endParaRPr sz="1000" b="1" i="0" spc="0">
-                        <a:solidFill>
-                          <a:schemeClr val="bg1"/>
-                        </a:solidFill>
-                        <a:latin typeface="Adobe Clean" panose="020B0503020404020204" pitchFamily="34" charset="0"/>
-                        <a:cs typeface="AdobeClean-Light"/>
-                      </a:endParaRPr>
                     </a:p>
                   </a:txBody>
                   <a:tcPr marL="0" marR="0" marT="57150" marB="0" anchor="ctr">
@@ -5527,29 +4860,15 @@
                         </a:spcBef>
                       </a:pPr>
                       <a:r>
-                        <a:rPr lang="en-US" sz="900" spc="0">
+                        <a:rPr lang="it-IT" sz="900">
                           <a:solidFill>
                             <a:srgbClr val="020302"/>
                           </a:solidFill>
                           <a:latin typeface="AdobeClean-Light"/>
                           <a:cs typeface="AdobeClean-Light"/>
                         </a:rPr>
-                        <a:t>Online</a:t>
+                        <a:t>Supporto Online</a:t>
                       </a:r>
-                      <a:r>
-                        <a:rPr sz="900" spc="0">
-                          <a:solidFill>
-                            <a:srgbClr val="020302"/>
-                          </a:solidFill>
-                          <a:latin typeface="AdobeClean-Light"/>
-                          <a:cs typeface="AdobeClean-Light"/>
-                        </a:rPr>
-                        <a:t> Support</a:t>
-                      </a:r>
-                      <a:endParaRPr sz="900" spc="0">
-                        <a:latin typeface="AdobeClean-Light"/>
-                        <a:cs typeface="AdobeClean-Light"/>
-                      </a:endParaRPr>
                     </a:p>
                   </a:txBody>
                   <a:tcPr marL="0" marR="0" marT="57150" marB="0">
@@ -5587,39 +4906,15 @@
                         </a:spcBef>
                       </a:pPr>
                       <a:r>
-                        <a:rPr sz="900" spc="-25">
+                        <a:rPr lang="it-IT" sz="900">
                           <a:solidFill>
                             <a:srgbClr val="020302"/>
                           </a:solidFill>
                           <a:latin typeface="AdobeClean-Light"/>
                           <a:cs typeface="AdobeClean-Light"/>
                         </a:rPr>
-                        <a:t>Business</a:t>
+                        <a:t>Orario operativo</a:t>
                       </a:r>
-                      <a:r>
-                        <a:rPr sz="900" spc="-15">
-                          <a:solidFill>
-                            <a:srgbClr val="020302"/>
-                          </a:solidFill>
-                          <a:latin typeface="AdobeClean-Light"/>
-                          <a:cs typeface="AdobeClean-Light"/>
-                        </a:rPr>
-                        <a:t> </a:t>
-                      </a:r>
-                      <a:r>
-                        <a:rPr sz="900" spc="-30">
-                          <a:solidFill>
-                            <a:srgbClr val="020302"/>
-                          </a:solidFill>
-                          <a:latin typeface="AdobeClean-Light"/>
-                          <a:cs typeface="AdobeClean-Light"/>
-                        </a:rPr>
-                        <a:t>hours</a:t>
-                      </a:r>
-                      <a:endParaRPr sz="900">
-                        <a:latin typeface="AdobeClean-Light"/>
-                        <a:cs typeface="AdobeClean-Light"/>
-                      </a:endParaRPr>
                     </a:p>
                   </a:txBody>
                   <a:tcPr marL="0" marR="0" marT="67945" marB="0">
@@ -5658,7 +4953,7 @@
                         </a:spcBef>
                       </a:pPr>
                       <a:r>
-                        <a:rPr lang="en-US" sz="900" spc="-25">
+                        <a:rPr lang="it-IT" sz="900">
                           <a:solidFill>
                             <a:srgbClr val="020302"/>
                           </a:solidFill>
@@ -5667,10 +4962,6 @@
                         </a:rPr>
                         <a:t>24x5</a:t>
                       </a:r>
-                      <a:endParaRPr sz="900">
-                        <a:latin typeface="AdobeClean-Light"/>
-                        <a:cs typeface="AdobeClean-Light"/>
-                      </a:endParaRPr>
                     </a:p>
                   </a:txBody>
                   <a:tcPr marL="0" marR="0" marT="67945" marB="0" anchor="ctr">
@@ -5702,7 +4993,7 @@
                     <a:bodyPr/>
                     <a:lstStyle/>
                     <a:p>
-                      <a:pPr marL="50800">
+                      <a:pPr marL="50800" algn="l" rtl="0">
                         <a:lnSpc>
                           <a:spcPct val="100000"/>
                         </a:lnSpc>
@@ -5751,39 +5042,15 @@
                         </a:spcBef>
                       </a:pPr>
                       <a:r>
-                        <a:rPr sz="900" spc="0">
+                        <a:rPr lang="it-IT" sz="900">
                           <a:solidFill>
                             <a:srgbClr val="020302"/>
                           </a:solidFill>
                           <a:latin typeface="AdobeClean-Light"/>
                           <a:cs typeface="AdobeClean-Light"/>
                         </a:rPr>
-                        <a:t>24x7</a:t>
+                        <a:t>Supporto per problemi P1 24x7x365</a:t>
                       </a:r>
-                      <a:r>
-                        <a:rPr lang="en-US" sz="900" spc="0">
-                          <a:solidFill>
-                            <a:srgbClr val="020302"/>
-                          </a:solidFill>
-                          <a:latin typeface="AdobeClean-Light"/>
-                          <a:cs typeface="AdobeClean-Light"/>
-                        </a:rPr>
-                        <a:t>x365</a:t>
-                      </a:r>
-                      <a:r>
-                        <a:rPr sz="900" spc="0">
-                          <a:solidFill>
-                            <a:srgbClr val="020302"/>
-                          </a:solidFill>
-                          <a:latin typeface="AdobeClean-Light"/>
-                          <a:cs typeface="AdobeClean-Light"/>
-                        </a:rPr>
-                        <a:t> P1 Issue Support</a:t>
-                      </a:r>
-                      <a:endParaRPr sz="900" spc="0">
-                        <a:latin typeface="AdobeClean-Light"/>
-                        <a:cs typeface="AdobeClean-Light"/>
-                      </a:endParaRPr>
                     </a:p>
                   </a:txBody>
                   <a:tcPr marL="0" marR="0" marT="57785" marB="0">
@@ -5815,7 +5082,7 @@
                         </a:spcBef>
                       </a:pPr>
                       <a:r>
-                        <a:rPr sz="900">
+                        <a:rPr lang="it-IT" sz="900">
                           <a:solidFill>
                             <a:srgbClr val="020302"/>
                           </a:solidFill>
@@ -5824,10 +5091,6 @@
                         </a:rPr>
                         <a:t></a:t>
                       </a:r>
-                      <a:endParaRPr sz="900">
-                        <a:latin typeface="Wingdings"/>
-                        <a:cs typeface="Wingdings"/>
-                      </a:endParaRPr>
                     </a:p>
                   </a:txBody>
                   <a:tcPr marL="0" marR="0" marT="58419" marB="0">
@@ -5857,7 +5120,7 @@
                         </a:spcBef>
                       </a:pPr>
                       <a:r>
-                        <a:rPr sz="900">
+                        <a:rPr lang="it-IT" sz="900">
                           <a:solidFill>
                             <a:srgbClr val="020302"/>
                           </a:solidFill>
@@ -5866,10 +5129,6 @@
                         </a:rPr>
                         <a:t></a:t>
                       </a:r>
-                      <a:endParaRPr sz="900">
-                        <a:latin typeface="Wingdings"/>
-                        <a:cs typeface="Wingdings"/>
-                      </a:endParaRPr>
                     </a:p>
                   </a:txBody>
                   <a:tcPr marL="0" marR="0" marT="58419" marB="0" anchor="ctr">
@@ -5892,7 +5151,7 @@
                     <a:bodyPr/>
                     <a:lstStyle/>
                     <a:p>
-                      <a:pPr marL="50800">
+                      <a:pPr marL="50800" algn="l" rtl="0">
                         <a:lnSpc>
                           <a:spcPct val="100000"/>
                         </a:lnSpc>
@@ -5950,19 +5209,15 @@
                         </a:spcBef>
                       </a:pPr>
                       <a:r>
-                        <a:rPr lang="en-US" sz="900" spc="0">
+                        <a:rPr lang="it-IT" sz="900">
                           <a:solidFill>
                             <a:srgbClr val="020302"/>
                           </a:solidFill>
                           <a:latin typeface="AdobeClean-Light"/>
                           <a:cs typeface="AdobeClean-Light"/>
                         </a:rPr>
-                        <a:t>Named Support Contacts (per product)</a:t>
+                        <a:t>Contatti interni per il supporto (per prodotto)</a:t>
                       </a:r>
-                      <a:endParaRPr sz="900" spc="0">
-                        <a:latin typeface="AdobeClean-Light"/>
-                        <a:cs typeface="AdobeClean-Light"/>
-                      </a:endParaRPr>
                     </a:p>
                   </a:txBody>
                   <a:tcPr marL="0" marR="0" marT="57785" marB="0">
@@ -6000,7 +5255,7 @@
                         </a:spcBef>
                       </a:pPr>
                       <a:r>
-                        <a:rPr sz="900">
+                        <a:rPr lang="it-IT" sz="900">
                           <a:solidFill>
                             <a:srgbClr val="020302"/>
                           </a:solidFill>
@@ -6009,10 +5264,6 @@
                         </a:rPr>
                         <a:t>4</a:t>
                       </a:r>
-                      <a:endParaRPr sz="900">
-                        <a:latin typeface="AdobeClean-Light"/>
-                        <a:cs typeface="AdobeClean-Light"/>
-                      </a:endParaRPr>
                     </a:p>
                   </a:txBody>
                   <a:tcPr marL="0" marR="0" marT="57785" marB="0">
@@ -6042,7 +5293,7 @@
                         </a:spcBef>
                       </a:pPr>
                       <a:r>
-                        <a:rPr lang="en-US" sz="900">
+                        <a:rPr lang="it-IT" sz="900">
                           <a:solidFill>
                             <a:srgbClr val="020302"/>
                           </a:solidFill>
@@ -6051,10 +5302,6 @@
                         </a:rPr>
                         <a:t>15</a:t>
                       </a:r>
-                      <a:endParaRPr sz="900">
-                        <a:latin typeface="AdobeClean-Light"/>
-                        <a:cs typeface="AdobeClean-Light"/>
-                      </a:endParaRPr>
                     </a:p>
                   </a:txBody>
                   <a:tcPr marL="0" marR="0" marT="57785" marB="0" anchor="ctr">
@@ -6077,7 +5324,7 @@
                     <a:bodyPr/>
                     <a:lstStyle/>
                     <a:p>
-                      <a:pPr marL="50800">
+                      <a:pPr marL="50800" algn="l" rtl="0">
                         <a:lnSpc>
                           <a:spcPct val="100000"/>
                         </a:lnSpc>
@@ -6126,19 +5373,15 @@
                         </a:spcBef>
                       </a:pPr>
                       <a:r>
-                        <a:rPr lang="en-US" sz="900" spc="0">
+                        <a:rPr lang="it-IT" sz="900">
                           <a:solidFill>
                             <a:srgbClr val="020302"/>
                           </a:solidFill>
                           <a:latin typeface="AdobeClean-Light"/>
                           <a:cs typeface="AdobeClean-Light"/>
                         </a:rPr>
-                        <a:t>Live Telephone Support</a:t>
+                        <a:t>Supporto telefonico in diretta</a:t>
                       </a:r>
-                      <a:endParaRPr sz="900" spc="0">
-                        <a:latin typeface="AdobeClean-Light"/>
-                        <a:cs typeface="AdobeClean-Light"/>
-                      </a:endParaRPr>
                     </a:p>
                   </a:txBody>
                   <a:tcPr marL="0" marR="0" marT="57785" marB="0">
@@ -6161,7 +5404,7 @@
                     <a:bodyPr/>
                     <a:lstStyle/>
                     <a:p>
-                      <a:pPr algn="ctr">
+                      <a:pPr algn="l" rtl="0">
                         <a:lnSpc>
                           <a:spcPct val="100000"/>
                         </a:lnSpc>
@@ -6202,7 +5445,7 @@
                         </a:spcBef>
                       </a:pPr>
                       <a:r>
-                        <a:rPr sz="900">
+                        <a:rPr lang="it-IT" sz="900">
                           <a:solidFill>
                             <a:srgbClr val="020302"/>
                           </a:solidFill>
@@ -6211,10 +5454,6 @@
                         </a:rPr>
                         <a:t></a:t>
                       </a:r>
-                      <a:endParaRPr sz="900">
-                        <a:latin typeface="Wingdings"/>
-                        <a:cs typeface="Wingdings"/>
-                      </a:endParaRPr>
                     </a:p>
                   </a:txBody>
                   <a:tcPr marL="0" marR="0" marT="59054" marB="0" anchor="ctr">
@@ -6237,7 +5476,7 @@
                     <a:bodyPr/>
                     <a:lstStyle/>
                     <a:p>
-                      <a:pPr marL="50800">
+                      <a:pPr marL="50800" algn="l" rtl="0">
                         <a:lnSpc>
                           <a:spcPct val="100000"/>
                         </a:lnSpc>
@@ -6286,19 +5525,15 @@
                         </a:spcBef>
                       </a:pPr>
                       <a:r>
-                        <a:rPr sz="900" spc="0">
+                        <a:rPr lang="it-IT" sz="900">
                           <a:solidFill>
                             <a:srgbClr val="020302"/>
                           </a:solidFill>
                           <a:latin typeface="AdobeClean-Light"/>
                           <a:cs typeface="AdobeClean-Light"/>
                         </a:rPr>
-                        <a:t>Escalation Management</a:t>
+                        <a:t>Gestione delle escalation</a:t>
                       </a:r>
-                      <a:endParaRPr sz="900" spc="0">
-                        <a:latin typeface="AdobeClean-Light"/>
-                        <a:cs typeface="AdobeClean-Light"/>
-                      </a:endParaRPr>
                     </a:p>
                   </a:txBody>
                   <a:tcPr marL="0" marR="0" marT="58419" marB="0">
@@ -6321,7 +5556,7 @@
                     <a:bodyPr/>
                     <a:lstStyle/>
                     <a:p>
-                      <a:pPr algn="ctr">
+                      <a:pPr algn="l" rtl="0">
                         <a:lnSpc>
                           <a:spcPct val="100000"/>
                         </a:lnSpc>
@@ -6362,7 +5597,7 @@
                         </a:spcBef>
                       </a:pPr>
                       <a:r>
-                        <a:rPr sz="900">
+                        <a:rPr lang="it-IT" sz="900">
                           <a:solidFill>
                             <a:srgbClr val="020302"/>
                           </a:solidFill>
@@ -6371,10 +5606,6 @@
                         </a:rPr>
                         <a:t></a:t>
                       </a:r>
-                      <a:endParaRPr sz="900">
-                        <a:latin typeface="Wingdings"/>
-                        <a:cs typeface="Wingdings"/>
-                      </a:endParaRPr>
                     </a:p>
                   </a:txBody>
                   <a:tcPr marL="0" marR="0" marT="59690" marB="0" anchor="ctr">
@@ -6397,7 +5628,7 @@
                     <a:bodyPr/>
                     <a:lstStyle/>
                     <a:p>
-                      <a:pPr marL="50800">
+                      <a:pPr marL="50800" algn="l" rtl="0">
                         <a:lnSpc>
                           <a:spcPct val="100000"/>
                         </a:lnSpc>
@@ -6446,29 +5677,15 @@
                         </a:spcBef>
                       </a:pPr>
                       <a:r>
-                        <a:rPr sz="900" spc="0">
+                        <a:rPr lang="it-IT" sz="900">
                           <a:solidFill>
                             <a:srgbClr val="020302"/>
                           </a:solidFill>
                           <a:latin typeface="AdobeClean-Light"/>
                           <a:cs typeface="AdobeClean-Light"/>
                         </a:rPr>
-                        <a:t>Service Reviews </a:t>
+                        <a:t>Valutazioni dei servizi all’anno</a:t>
                       </a:r>
-                      <a:r>
-                        <a:rPr lang="en-US" sz="900" spc="0">
-                          <a:solidFill>
-                            <a:srgbClr val="020302"/>
-                          </a:solidFill>
-                          <a:latin typeface="AdobeClean-Light"/>
-                          <a:cs typeface="AdobeClean-Light"/>
-                        </a:rPr>
-                        <a:t>per Year</a:t>
-                      </a:r>
-                      <a:endParaRPr sz="900" spc="0">
-                        <a:latin typeface="AdobeClean-Light"/>
-                        <a:cs typeface="AdobeClean-Light"/>
-                      </a:endParaRPr>
                     </a:p>
                   </a:txBody>
                   <a:tcPr marL="0" marR="0" marT="57150" marB="0">
@@ -6491,7 +5708,7 @@
                     <a:bodyPr/>
                     <a:lstStyle/>
                     <a:p>
-                      <a:pPr>
+                      <a:pPr algn="l" rtl="0">
                         <a:lnSpc>
                           <a:spcPct val="100000"/>
                         </a:lnSpc>
@@ -6526,16 +5743,12 @@
                         </a:lnSpc>
                       </a:pPr>
                       <a:r>
-                        <a:rPr lang="en-US" sz="900">
+                        <a:rPr lang="it-IT" sz="900">
                           <a:latin typeface="Times New Roman"/>
                           <a:cs typeface="Times New Roman"/>
                         </a:rPr>
                         <a:t>4</a:t>
                       </a:r>
-                      <a:endParaRPr sz="900">
-                        <a:latin typeface="Times New Roman"/>
-                        <a:cs typeface="Times New Roman"/>
-                      </a:endParaRPr>
                     </a:p>
                   </a:txBody>
                   <a:tcPr marL="0" marR="0" marT="0" marB="0" anchor="ctr">
@@ -6577,16 +5790,12 @@
                         </a:spcBef>
                       </a:pPr>
                       <a:r>
-                        <a:rPr lang="en-US" sz="900" spc="0">
+                        <a:rPr lang="it-IT" sz="900">
                           <a:latin typeface="AdobeClean-Light"/>
                           <a:cs typeface="AdobeClean-Light"/>
                         </a:rPr>
-                        <a:t>Expert Sessions per Year</a:t>
+                        <a:t>Sessioni con esperti all’anno</a:t>
                       </a:r>
-                      <a:endParaRPr sz="900" spc="0">
-                        <a:latin typeface="AdobeClean-Light"/>
-                        <a:cs typeface="AdobeClean-Light"/>
-                      </a:endParaRPr>
                     </a:p>
                   </a:txBody>
                   <a:tcPr marL="0" marR="0" marT="57150" marB="0">
@@ -6615,7 +5824,7 @@
                     <a:bodyPr/>
                     <a:lstStyle/>
                     <a:p>
-                      <a:pPr>
+                      <a:pPr algn="l" rtl="0">
                         <a:lnSpc>
                           <a:spcPct val="100000"/>
                         </a:lnSpc>
@@ -6650,16 +5859,12 @@
                         </a:lnSpc>
                       </a:pPr>
                       <a:r>
-                        <a:rPr lang="en-US" sz="900">
+                        <a:rPr lang="it-IT" sz="900">
                           <a:latin typeface="Times New Roman"/>
                           <a:cs typeface="Times New Roman"/>
                         </a:rPr>
                         <a:t>4</a:t>
                       </a:r>
-                      <a:endParaRPr sz="900">
-                        <a:latin typeface="Times New Roman"/>
-                        <a:cs typeface="Times New Roman"/>
-                      </a:endParaRPr>
                     </a:p>
                   </a:txBody>
                   <a:tcPr marL="0" marR="0" marT="0" marB="0" anchor="ctr">
@@ -6701,16 +5906,12 @@
                         </a:spcBef>
                       </a:pPr>
                       <a:r>
-                        <a:rPr lang="en-US" sz="900" spc="0">
+                        <a:rPr lang="it-IT" sz="900">
                           <a:latin typeface="AdobeClean-Light"/>
                           <a:cs typeface="AdobeClean-Light"/>
                         </a:rPr>
-                        <a:t>Case Reviews</a:t>
+                        <a:t>Valutazione dei casi</a:t>
                       </a:r>
-                      <a:endParaRPr sz="900" spc="0">
-                        <a:latin typeface="AdobeClean-Light"/>
-                        <a:cs typeface="AdobeClean-Light"/>
-                      </a:endParaRPr>
                     </a:p>
                   </a:txBody>
                   <a:tcPr marL="0" marR="0" marT="57150" marB="0">
@@ -6739,7 +5940,7 @@
                     <a:bodyPr/>
                     <a:lstStyle/>
                     <a:p>
-                      <a:pPr>
+                      <a:pPr algn="l" rtl="0">
                         <a:lnSpc>
                           <a:spcPct val="100000"/>
                         </a:lnSpc>
@@ -6786,7 +5987,7 @@
                         <a:defRPr/>
                       </a:pPr>
                       <a:r>
-                        <a:rPr lang="en-US" sz="900">
+                        <a:rPr lang="it-IT" sz="900">
                           <a:solidFill>
                             <a:srgbClr val="020302"/>
                           </a:solidFill>
@@ -6795,10 +5996,6 @@
                         </a:rPr>
                         <a:t></a:t>
                       </a:r>
-                      <a:endParaRPr lang="en-US" sz="900">
-                        <a:latin typeface="Wingdings"/>
-                        <a:cs typeface="Wingdings"/>
-                      </a:endParaRPr>
                     </a:p>
                   </a:txBody>
                   <a:tcPr marL="0" marR="0" marT="0" marB="0" anchor="ctr">
@@ -6821,7 +6018,7 @@
                     <a:bodyPr/>
                     <a:lstStyle/>
                     <a:p>
-                      <a:pPr marL="48895">
+                      <a:pPr marL="48895" algn="l" rtl="0">
                         <a:lnSpc>
                           <a:spcPct val="100000"/>
                         </a:lnSpc>
@@ -6879,29 +6076,15 @@
                         </a:spcBef>
                       </a:pPr>
                       <a:r>
-                        <a:rPr sz="900" spc="0">
+                        <a:rPr lang="it-IT" sz="900">
                           <a:solidFill>
                             <a:srgbClr val="020302"/>
                           </a:solidFill>
                           <a:latin typeface="AdobeClean-Light"/>
                           <a:cs typeface="AdobeClean-Light"/>
                         </a:rPr>
-                        <a:t>Event </a:t>
+                        <a:t>Gestione degli eventi</a:t>
                       </a:r>
-                      <a:r>
-                        <a:rPr lang="en-US" sz="900" spc="0">
-                          <a:solidFill>
-                            <a:srgbClr val="020302"/>
-                          </a:solidFill>
-                          <a:latin typeface="AdobeClean-Light"/>
-                          <a:cs typeface="AdobeClean-Light"/>
-                        </a:rPr>
-                        <a:t>Management</a:t>
-                      </a:r>
-                      <a:endParaRPr sz="900" spc="0">
-                        <a:latin typeface="AdobeClean-Light"/>
-                        <a:cs typeface="AdobeClean-Light"/>
-                      </a:endParaRPr>
                     </a:p>
                   </a:txBody>
                   <a:tcPr marL="0" marR="0" marT="58419" marB="0">
@@ -6930,7 +6113,7 @@
                     <a:bodyPr/>
                     <a:lstStyle/>
                     <a:p>
-                      <a:pPr>
+                      <a:pPr algn="l" rtl="0">
                         <a:lnSpc>
                           <a:spcPct val="100000"/>
                         </a:lnSpc>
@@ -6977,7 +6160,7 @@
                         <a:defRPr/>
                       </a:pPr>
                       <a:r>
-                        <a:rPr lang="en-US" sz="900">
+                        <a:rPr lang="it-IT" sz="900">
                           <a:solidFill>
                             <a:srgbClr val="020302"/>
                           </a:solidFill>
@@ -6986,10 +6169,6 @@
                         </a:rPr>
                         <a:t></a:t>
                       </a:r>
-                      <a:endParaRPr lang="en-US" sz="900">
-                        <a:latin typeface="Wingdings"/>
-                        <a:cs typeface="Wingdings"/>
-                      </a:endParaRPr>
                     </a:p>
                   </a:txBody>
                   <a:tcPr marL="0" marR="0" marT="0" marB="0" anchor="ctr">
@@ -7012,7 +6191,7 @@
                     <a:bodyPr/>
                     <a:lstStyle/>
                     <a:p>
-                      <a:pPr marL="48895">
+                      <a:pPr marL="48895" algn="l" rtl="0">
                         <a:lnSpc>
                           <a:spcPct val="100000"/>
                         </a:lnSpc>
@@ -7061,39 +6240,15 @@
                         </a:spcBef>
                       </a:pPr>
                       <a:r>
-                        <a:rPr sz="900" spc="0">
+                        <a:rPr lang="it-IT" sz="900">
                           <a:solidFill>
                             <a:srgbClr val="020302"/>
                           </a:solidFill>
                           <a:latin typeface="AdobeClean-Light"/>
                           <a:cs typeface="AdobeClean-Light"/>
                         </a:rPr>
-                        <a:t>Environment</a:t>
+                        <a:t>Valutazione ambiente, manutenzione e monitoraggio</a:t>
                       </a:r>
-                      <a:r>
-                        <a:rPr lang="en-US" sz="900" spc="0">
-                          <a:solidFill>
-                            <a:srgbClr val="020302"/>
-                          </a:solidFill>
-                          <a:latin typeface="AdobeClean-Light"/>
-                          <a:cs typeface="AdobeClean-Light"/>
-                        </a:rPr>
-                        <a:t> </a:t>
-                      </a:r>
-                      <a:r>
-                        <a:rPr sz="900" spc="0">
-                          <a:solidFill>
-                            <a:srgbClr val="020302"/>
-                          </a:solidFill>
-                          <a:latin typeface="AdobeClean-Light"/>
-                          <a:cs typeface="AdobeClean-Light"/>
-                        </a:rPr>
-                        <a:t>Review, Maintenance &amp; Monitoring</a:t>
-                      </a:r>
-                      <a:endParaRPr sz="900" spc="0">
-                        <a:latin typeface="AdobeClean-Light"/>
-                        <a:cs typeface="AdobeClean-Light"/>
-                      </a:endParaRPr>
                     </a:p>
                   </a:txBody>
                   <a:tcPr marL="0" marR="0" marT="59055" marB="0">
@@ -7116,7 +6271,7 @@
                     <a:bodyPr/>
                     <a:lstStyle/>
                     <a:p>
-                      <a:pPr>
+                      <a:pPr algn="l" rtl="0">
                         <a:lnSpc>
                           <a:spcPct val="100000"/>
                         </a:lnSpc>
@@ -7163,7 +6318,7 @@
                         <a:defRPr/>
                       </a:pPr>
                       <a:r>
-                        <a:rPr lang="en-US" sz="900">
+                        <a:rPr lang="it-IT" sz="900">
                           <a:solidFill>
                             <a:srgbClr val="020302"/>
                           </a:solidFill>
@@ -7172,10 +6327,6 @@
                         </a:rPr>
                         <a:t></a:t>
                       </a:r>
-                      <a:endParaRPr lang="en-US" sz="900">
-                        <a:latin typeface="Wingdings"/>
-                        <a:cs typeface="Wingdings"/>
-                      </a:endParaRPr>
                     </a:p>
                   </a:txBody>
                   <a:tcPr marL="0" marR="0" marT="0" marB="0" anchor="ctr">
@@ -7198,7 +6349,7 @@
                     <a:bodyPr/>
                     <a:lstStyle/>
                     <a:p>
-                      <a:pPr marL="49530">
+                      <a:pPr marL="49530" algn="l" rtl="0">
                         <a:lnSpc>
                           <a:spcPct val="100000"/>
                         </a:lnSpc>
@@ -7247,19 +6398,15 @@
                         </a:spcBef>
                       </a:pPr>
                       <a:r>
-                        <a:rPr sz="900" spc="0">
+                        <a:rPr lang="it-IT" sz="900">
                           <a:solidFill>
                             <a:srgbClr val="020302"/>
                           </a:solidFill>
                           <a:latin typeface="AdobeClean-Light"/>
                           <a:cs typeface="AdobeClean-Light"/>
                         </a:rPr>
-                        <a:t>Release, Migration, Upgrade &amp; Product Roadmap Review</a:t>
+                        <a:t>Valutazione della roadmap di prodotti, versioni, migrazione e aggiornamento</a:t>
                       </a:r>
-                      <a:endParaRPr sz="900" spc="0">
-                        <a:latin typeface="AdobeClean-Light"/>
-                        <a:cs typeface="AdobeClean-Light"/>
-                      </a:endParaRPr>
                     </a:p>
                   </a:txBody>
                   <a:tcPr marL="0" marR="0" marT="63500" marB="0">
@@ -7282,7 +6429,7 @@
                     <a:bodyPr/>
                     <a:lstStyle/>
                     <a:p>
-                      <a:pPr>
+                      <a:pPr algn="l" rtl="0">
                         <a:lnSpc>
                           <a:spcPct val="100000"/>
                         </a:lnSpc>
@@ -7329,7 +6476,7 @@
                         <a:defRPr/>
                       </a:pPr>
                       <a:r>
-                        <a:rPr lang="en-US" sz="900">
+                        <a:rPr lang="it-IT" sz="900">
                           <a:solidFill>
                             <a:srgbClr val="020302"/>
                           </a:solidFill>
@@ -7338,10 +6485,6 @@
                         </a:rPr>
                         <a:t></a:t>
                       </a:r>
-                      <a:endParaRPr lang="en-US" sz="900">
-                        <a:latin typeface="Wingdings"/>
-                        <a:cs typeface="Wingdings"/>
-                      </a:endParaRPr>
                     </a:p>
                   </a:txBody>
                   <a:tcPr marL="0" marR="0" marT="0" marB="0" anchor="ctr">
@@ -7364,7 +6507,7 @@
                     <a:bodyPr/>
                     <a:lstStyle/>
                     <a:p>
-                      <a:pPr marL="49530">
+                      <a:pPr marL="49530" algn="l" rtl="0">
                         <a:lnSpc>
                           <a:spcPct val="100000"/>
                         </a:lnSpc>
@@ -7422,11 +6565,11 @@
                         </a:spcBef>
                       </a:pPr>
                       <a:r>
-                        <a:rPr sz="900" spc="0">
+                        <a:rPr lang="it-IT" sz="900">
                           <a:latin typeface="AdobeClean-Light"/>
                           <a:cs typeface="AdobeClean-Light"/>
                         </a:rPr>
-                        <a:t>Cloud Support Activities – Experience Manager as Cloud</a:t>
+                        <a:t>Attività di supporto cloud - Experience Manager as Cloud</a:t>
                       </a:r>
                     </a:p>
                   </a:txBody>
@@ -7456,7 +6599,7 @@
                     <a:bodyPr/>
                     <a:lstStyle/>
                     <a:p>
-                      <a:pPr>
+                      <a:pPr algn="l" rtl="0">
                         <a:lnSpc>
                           <a:spcPct val="100000"/>
                         </a:lnSpc>
@@ -7512,7 +6655,7 @@
                         <a:defRPr/>
                       </a:pPr>
                       <a:r>
-                        <a:rPr lang="en-US" sz="900">
+                        <a:rPr lang="it-IT" sz="900">
                           <a:solidFill>
                             <a:srgbClr val="020302"/>
                           </a:solidFill>
@@ -7521,10 +6664,6 @@
                         </a:rPr>
                         <a:t></a:t>
                       </a:r>
-                      <a:endParaRPr lang="en-US" sz="900">
-                        <a:latin typeface="Wingdings"/>
-                        <a:cs typeface="Wingdings"/>
-                      </a:endParaRPr>
                     </a:p>
                   </a:txBody>
                   <a:tcPr marL="0" marR="0" marT="0" marB="0" anchor="ctr">
@@ -7565,22 +6704,15 @@
                         </a:spcBef>
                       </a:pPr>
                       <a:r>
-                        <a:rPr lang="en-US" sz="1000" b="1" i="0" spc="0">
+                        <a:rPr lang="it-IT" sz="1000" b="1" i="0">
                           <a:solidFill>
                             <a:schemeClr val="bg1"/>
                           </a:solidFill>
                           <a:latin typeface="Adobe Clean" panose="020B0503020404020204" pitchFamily="34" charset="0"/>
                           <a:cs typeface="AdobeClean-Light"/>
                         </a:rPr>
-                        <a:t>Field Services</a:t>
+                        <a:t>Servizi sul campo</a:t>
                       </a:r>
-                      <a:endParaRPr sz="1000" b="1" i="0" spc="0">
-                        <a:solidFill>
-                          <a:schemeClr val="bg1"/>
-                        </a:solidFill>
-                        <a:latin typeface="Adobe Clean" panose="020B0503020404020204" pitchFamily="34" charset="0"/>
-                        <a:cs typeface="AdobeClean-Light"/>
-                      </a:endParaRPr>
                     </a:p>
                   </a:txBody>
                   <a:tcPr marL="0" marR="0" marT="48260" marB="0" anchor="ctr">
@@ -7633,14 +6765,14 @@
                         </a:spcBef>
                       </a:pPr>
                       <a:r>
-                        <a:rPr sz="900" spc="0">
+                        <a:rPr lang="it-IT" sz="900">
                           <a:solidFill>
                             <a:srgbClr val="020302"/>
                           </a:solidFill>
                           <a:latin typeface="AdobeClean-Light"/>
                           <a:cs typeface="AdobeClean-Light"/>
                         </a:rPr>
-                        <a:t>Launch Advisory Services – First Year of new solution</a:t>
+                        <a:t>Launch Advisory - Nel primo anno di nuove soluzioni</a:t>
                       </a:r>
                     </a:p>
                   </a:txBody>
@@ -7680,7 +6812,7 @@
                     <a:bodyPr/>
                     <a:lstStyle/>
                     <a:p>
-                      <a:pPr>
+                      <a:pPr algn="l" rtl="0">
                         <a:lnSpc>
                           <a:spcPct val="100000"/>
                         </a:lnSpc>
@@ -7752,7 +6884,7 @@
                         <a:defRPr/>
                       </a:pPr>
                       <a:r>
-                        <a:rPr lang="en-US" sz="900">
+                        <a:rPr lang="it-IT" sz="900">
                           <a:solidFill>
                             <a:srgbClr val="020302"/>
                           </a:solidFill>
@@ -7761,10 +6893,6 @@
                         </a:rPr>
                         <a:t></a:t>
                       </a:r>
-                      <a:endParaRPr lang="en-US" sz="900">
-                        <a:latin typeface="Wingdings"/>
-                        <a:cs typeface="Wingdings"/>
-                      </a:endParaRPr>
                     </a:p>
                   </a:txBody>
                   <a:tcPr marL="0" marR="0" marT="0" marB="0" anchor="ctr">
@@ -7843,11 +6971,11 @@
                         <a:defRPr/>
                       </a:pPr>
                       <a:r>
-                        <a:rPr lang="en-US" sz="900" spc="0">
+                        <a:rPr lang="it-IT" sz="900">
                           <a:latin typeface="AdobeClean-Light"/>
                           <a:cs typeface="AdobeClean-Light"/>
                         </a:rPr>
-                        <a:t>Field Service Activities </a:t>
+                        <a:t>Attività di servizio sul campo </a:t>
                       </a:r>
                     </a:p>
                   </a:txBody>
@@ -7881,7 +7009,7 @@
                     <a:bodyPr/>
                     <a:lstStyle/>
                     <a:p>
-                      <a:pPr algn="ctr"/>
+                      <a:pPr algn="l" rtl="0"/>
                       <a:endParaRPr lang="en-US"/>
                     </a:p>
                   </a:txBody>
@@ -7930,13 +7058,12 @@
                     <a:p>
                       <a:pPr algn="ctr"/>
                       <a:r>
-                        <a:rPr lang="en-US" sz="900" dirty="0">
+                        <a:rPr lang="it-IT" sz="900" dirty="0">
                           <a:latin typeface="Times New Roman"/>
                           <a:cs typeface="Times New Roman"/>
                         </a:rPr>
                         <a:t>4</a:t>
                       </a:r>
-                      <a:endParaRPr lang="en-US" dirty="0"/>
                     </a:p>
                   </a:txBody>
                   <a:tcPr marL="0" marR="0" marT="0" marB="0" anchor="ctr">
@@ -8070,7 +7197,7 @@
         <p:spPr>
           <a:xfrm>
             <a:off x="357339" y="608961"/>
-            <a:ext cx="1647825" cy="238760"/>
+            <a:ext cx="2721529" cy="228268"/>
           </a:xfrm>
           <a:prstGeom prst="rect">
             <a:avLst/>
@@ -8091,56 +7218,29 @@
               </a:spcBef>
             </a:pPr>
             <a:r>
-              <a:rPr sz="1400" b="1" spc="-10">
+              <a:rPr lang="it-IT" sz="1400" b="1" dirty="0">
                 <a:solidFill>
                   <a:srgbClr val="020302"/>
                 </a:solidFill>
                 <a:latin typeface="Adobe Clean"/>
                 <a:cs typeface="Adobe Clean"/>
               </a:rPr>
-              <a:t>Elite</a:t>
-            </a:r>
-            <a:r>
-              <a:rPr sz="1400" b="1" spc="-50">
+              <a:t>Caratteristiche del supporto </a:t>
+            </a:r>
+            <a:r>
+              <a:rPr lang="it-IT" sz="1400" b="1" dirty="0" err="1">
                 <a:solidFill>
                   <a:srgbClr val="020302"/>
                 </a:solidFill>
                 <a:latin typeface="Adobe Clean"/>
                 <a:cs typeface="Adobe Clean"/>
               </a:rPr>
-              <a:t> </a:t>
-            </a:r>
-            <a:r>
-              <a:rPr sz="1400" b="1" spc="-10">
-                <a:solidFill>
-                  <a:srgbClr val="020302"/>
-                </a:solidFill>
-                <a:latin typeface="Adobe Clean"/>
-                <a:cs typeface="Adobe Clean"/>
-              </a:rPr>
-              <a:t>Support</a:t>
-            </a:r>
-            <a:r>
-              <a:rPr sz="1400" b="1" spc="-45">
-                <a:solidFill>
-                  <a:srgbClr val="020302"/>
-                </a:solidFill>
-                <a:latin typeface="Adobe Clean"/>
-                <a:cs typeface="Adobe Clean"/>
-              </a:rPr>
-              <a:t> </a:t>
-            </a:r>
-            <a:r>
-              <a:rPr sz="1400" b="1" spc="-15">
-                <a:solidFill>
-                  <a:srgbClr val="020302"/>
-                </a:solidFill>
-                <a:latin typeface="Adobe Clean"/>
-                <a:cs typeface="Adobe Clean"/>
-              </a:rPr>
-              <a:t>Features</a:t>
-            </a:r>
-            <a:endParaRPr sz="1400">
+              <a:t>Elite</a:t>
+            </a:r>
+            <a:endParaRPr lang="it-IT" sz="1400" b="1" dirty="0">
+              <a:solidFill>
+                <a:srgbClr val="020302"/>
+              </a:solidFill>
               <a:latin typeface="Adobe Clean"/>
               <a:cs typeface="Adobe Clean"/>
             </a:endParaRPr>
@@ -8156,7 +7256,7 @@
         <p:spPr>
           <a:xfrm>
             <a:off x="2868167" y="1433668"/>
-            <a:ext cx="2194560" cy="936154"/>
+            <a:ext cx="2194560" cy="843821"/>
           </a:xfrm>
           <a:prstGeom prst="rect">
             <a:avLst/>
@@ -8177,19 +7277,55 @@
               </a:spcBef>
             </a:pPr>
             <a:r>
-              <a:rPr sz="1000">
+              <a:rPr lang="it-IT" sz="900" dirty="0">
                 <a:solidFill>
                   <a:srgbClr val="4B4B4B"/>
                 </a:solidFill>
                 <a:latin typeface="AdobeClean-Light"/>
                 <a:cs typeface="AdobeClean-Light"/>
               </a:rPr>
-              <a:t>A designated support engineer who  becomes familiar with your solution  environment and business goals. The NSE  is an experienced support engineer that  helps coordinate your Enterprise Support  experience.</a:t>
-            </a:r>
-            <a:endParaRPr sz="1000">
-              <a:latin typeface="AdobeClean-Light"/>
-              <a:cs typeface="AdobeClean-Light"/>
-            </a:endParaRPr>
+              <a:t>Un tecnico del supporto dedicato che acquisisce familiarità con l’ambiente della soluzione e gli obiettivi di business del cliente. Il </a:t>
+            </a:r>
+            <a:r>
+              <a:rPr lang="it-IT" sz="900" dirty="0" err="1">
+                <a:solidFill>
+                  <a:srgbClr val="4B4B4B"/>
+                </a:solidFill>
+                <a:latin typeface="AdobeClean-Light"/>
+                <a:cs typeface="AdobeClean-Light"/>
+              </a:rPr>
+              <a:t>Named</a:t>
+            </a:r>
+            <a:r>
+              <a:rPr lang="it-IT" sz="900" dirty="0">
+                <a:solidFill>
+                  <a:srgbClr val="4B4B4B"/>
+                </a:solidFill>
+                <a:latin typeface="AdobeClean-Light"/>
+                <a:cs typeface="AdobeClean-Light"/>
+              </a:rPr>
+              <a:t> Support </a:t>
+            </a:r>
+            <a:r>
+              <a:rPr lang="it-IT" sz="900" dirty="0" err="1">
+                <a:solidFill>
+                  <a:srgbClr val="4B4B4B"/>
+                </a:solidFill>
+                <a:latin typeface="AdobeClean-Light"/>
+                <a:cs typeface="AdobeClean-Light"/>
+              </a:rPr>
+              <a:t>Engineer</a:t>
+            </a:r>
+            <a:r>
+              <a:rPr lang="it-IT" sz="900" dirty="0">
+                <a:solidFill>
+                  <a:srgbClr val="4B4B4B"/>
+                </a:solidFill>
+                <a:latin typeface="AdobeClean-Light"/>
+                <a:cs typeface="AdobeClean-Light"/>
+              </a:rPr>
+              <a:t> è un tecnico esperto che aiuta a coordinare la tua esperienza di assistenza Enterprise.</a:t>
+            </a:r>
           </a:p>
         </p:txBody>
       </p:sp>
@@ -8250,7 +7386,7 @@
         <p:spPr>
           <a:xfrm>
             <a:off x="5333365" y="1433668"/>
-            <a:ext cx="2194560" cy="936154"/>
+            <a:ext cx="2194560" cy="843821"/>
           </a:xfrm>
           <a:prstGeom prst="rect">
             <a:avLst/>
@@ -8271,19 +7407,15 @@
               </a:spcBef>
             </a:pPr>
             <a:r>
-              <a:rPr sz="1000">
+              <a:rPr lang="it-IT" sz="900" dirty="0">
                 <a:solidFill>
                   <a:srgbClr val="4B4B4B"/>
                 </a:solidFill>
                 <a:latin typeface="AdobeClean-Light"/>
                 <a:cs typeface="AdobeClean-Light"/>
               </a:rPr>
-              <a:t>Regular scheduled review of open  support requests, ensuring customer  alignment on case description, business  impact, status, priority and agreement on  next steps required to ensure an  expedient resolution.</a:t>
-            </a:r>
-            <a:endParaRPr sz="1000">
-              <a:latin typeface="AdobeClean-Light"/>
-              <a:cs typeface="AdobeClean-Light"/>
-            </a:endParaRPr>
+              <a:t>Valutazione periodica programmata delle richieste di supporto aperte, per garantirne l’allineamento in termini di descrizione dei casi, impatto sul business, stato, priorità e accordi sulle azioni successive necessarie a garantire una rapida risoluzione.</a:t>
+            </a:r>
           </a:p>
         </p:txBody>
       </p:sp>
@@ -8320,7 +7452,7 @@
         <p:spPr>
           <a:xfrm>
             <a:off x="324341" y="1433668"/>
-            <a:ext cx="2194560" cy="782265"/>
+            <a:ext cx="2194560" cy="705321"/>
           </a:xfrm>
           <a:prstGeom prst="rect">
             <a:avLst/>
@@ -8341,24 +7473,34 @@
               </a:spcBef>
             </a:pPr>
             <a:r>
-              <a:rPr sz="1000">
+              <a:rPr lang="it-IT" sz="900" dirty="0">
                 <a:solidFill>
                   <a:srgbClr val="020302"/>
                 </a:solidFill>
                 <a:latin typeface="AdobeClean-Light"/>
                 <a:cs typeface="AdobeClean-Light"/>
               </a:rPr>
-              <a:t>A designated Technical Account Manager to  oversee your Elite experience, coordinate  the support and field services  engagements, and provide proactive services  to maximize your business valu</a:t>
-            </a:r>
-            <a:r>
-              <a:rPr lang="en-US" sz="1000">
+              <a:t>Un Technical Account Manager dedicato per monitorare l’esperienza </a:t>
+            </a:r>
+            <a:r>
+              <a:rPr lang="it-IT" sz="900" dirty="0" err="1">
                 <a:solidFill>
                   <a:srgbClr val="020302"/>
                 </a:solidFill>
                 <a:latin typeface="AdobeClean-Light"/>
                 <a:cs typeface="AdobeClean-Light"/>
               </a:rPr>
-              <a:t>e.</a:t>
+              <a:t>Elite</a:t>
+            </a:r>
+            <a:r>
+              <a:rPr lang="it-IT" sz="900" dirty="0">
+                <a:solidFill>
+                  <a:srgbClr val="020302"/>
+                </a:solidFill>
+                <a:latin typeface="AdobeClean-Light"/>
+                <a:cs typeface="AdobeClean-Light"/>
+              </a:rPr>
+              <a:t>, coordinare le attività di supporto e servizi sul campo, e fornire servizi proattivi volti a massimizzare il valore aziendale.</a:t>
             </a:r>
           </a:p>
         </p:txBody>
@@ -8393,7 +7535,7 @@
               </a:spcBef>
             </a:pPr>
             <a:r>
-              <a:rPr sz="1100" b="1">
+              <a:rPr lang="it-IT" sz="1100" b="1">
                 <a:solidFill>
                   <a:srgbClr val="020302"/>
                 </a:solidFill>
@@ -8402,10 +7544,6 @@
               </a:rPr>
               <a:t>Technical Account Manager</a:t>
             </a:r>
-            <a:endParaRPr sz="1100">
-              <a:latin typeface="Adobe Clean" panose="020B0503020404020204" pitchFamily="34" charset="0"/>
-              <a:cs typeface="Arial"/>
-            </a:endParaRPr>
           </a:p>
         </p:txBody>
       </p:sp>
@@ -8466,7 +7604,7 @@
         <p:spPr>
           <a:xfrm>
             <a:off x="2791726" y="5243920"/>
-            <a:ext cx="2194560" cy="499111"/>
+            <a:ext cx="2194560" cy="452368"/>
           </a:xfrm>
           <a:prstGeom prst="rect">
             <a:avLst/>
@@ -8487,49 +7625,35 @@
               </a:spcBef>
             </a:pPr>
             <a:r>
-              <a:rPr sz="1000">
+              <a:rPr lang="it-IT" sz="900" dirty="0">
                 <a:solidFill>
                   <a:srgbClr val="020302"/>
                 </a:solidFill>
                 <a:latin typeface="AdobeClean-Light"/>
                 <a:cs typeface="AdobeClean-Light"/>
               </a:rPr>
-              <a:t>Ongoing knowledge transfer from Adobe  </a:t>
-            </a:r>
-            <a:r>
-              <a:rPr lang="en-US" sz="1000">
+              <a:t>Trasferimento continuo delle conoscenze dal team di supporto Adobe, per fornire best </a:t>
+            </a:r>
+            <a:r>
+              <a:rPr lang="it-IT" sz="900" dirty="0" err="1">
                 <a:solidFill>
                   <a:srgbClr val="020302"/>
                 </a:solidFill>
                 <a:latin typeface="AdobeClean-Light"/>
                 <a:cs typeface="AdobeClean-Light"/>
               </a:rPr>
-              <a:t>Support team</a:t>
-            </a:r>
-            <a:r>
-              <a:rPr sz="1000">
+              <a:t>practice</a:t>
+            </a:r>
+            <a:r>
+              <a:rPr lang="it-IT" sz="900" dirty="0">
                 <a:solidFill>
                   <a:srgbClr val="020302"/>
                 </a:solidFill>
                 <a:latin typeface="AdobeClean-Light"/>
                 <a:cs typeface="AdobeClean-Light"/>
               </a:rPr>
-              <a:t> to provide </a:t>
-            </a:r>
-            <a:r>
-              <a:rPr lang="en-US" sz="1000">
-                <a:solidFill>
-                  <a:srgbClr val="020302"/>
-                </a:solidFill>
-                <a:latin typeface="AdobeClean-Light"/>
-                <a:cs typeface="AdobeClean-Light"/>
-              </a:rPr>
-              <a:t>best practices around solution usage.</a:t>
-            </a:r>
-            <a:endParaRPr sz="1000">
-              <a:latin typeface="AdobeClean-Light"/>
-              <a:cs typeface="AdobeClean-Light"/>
-            </a:endParaRPr>
+              <a:t> sull’utilizzo delle soluzioni.</a:t>
+            </a:r>
           </a:p>
         </p:txBody>
       </p:sp>
@@ -8542,7 +7666,7 @@
         <p:spPr>
           <a:xfrm>
             <a:off x="5265661" y="5243920"/>
-            <a:ext cx="2194560" cy="669927"/>
+            <a:ext cx="2194560" cy="606128"/>
           </a:xfrm>
           <a:prstGeom prst="rect">
             <a:avLst/>
@@ -8563,19 +7687,15 @@
               </a:spcBef>
             </a:pPr>
             <a:r>
-              <a:rPr sz="1000">
+              <a:rPr lang="it-IT" sz="900" dirty="0">
                 <a:solidFill>
                   <a:srgbClr val="020302"/>
                 </a:solidFill>
                 <a:latin typeface="AdobeClean-Light"/>
                 <a:cs typeface="AdobeClean-Light"/>
               </a:rPr>
-              <a:t>Manage key events to ensure you have the  right level of support, coverage, and  mitigation plan in place during those key  business and project milestones.</a:t>
-            </a:r>
-            <a:endParaRPr sz="1000">
-              <a:latin typeface="AdobeClean-Light"/>
-              <a:cs typeface="AdobeClean-Light"/>
-            </a:endParaRPr>
+              <a:t>Gestione degli eventi chiave per garantire il giusto livello di supporto, copertura e piano di mitigazione durante le fasi principali a livello di progetto e obiettivi di business.</a:t>
+            </a:r>
           </a:p>
         </p:txBody>
       </p:sp>
@@ -8588,7 +7708,7 @@
         <p:spPr>
           <a:xfrm>
             <a:off x="324341" y="5262204"/>
-            <a:ext cx="2194560" cy="698781"/>
+            <a:ext cx="2194560" cy="632096"/>
           </a:xfrm>
           <a:prstGeom prst="rect">
             <a:avLst/>
@@ -8609,19 +7729,15 @@
               </a:spcBef>
             </a:pPr>
             <a:r>
-              <a:rPr sz="1000">
+              <a:rPr lang="it-IT" sz="900" dirty="0">
                 <a:solidFill>
                   <a:srgbClr val="020302"/>
                 </a:solidFill>
                 <a:latin typeface="AdobeClean-Light"/>
                 <a:cs typeface="AdobeClean-Light"/>
               </a:rPr>
-              <a:t>Receive personalized guidance on new  product features to take advantage of  latest innovations, and have Adobe  experts review release and upgrade plan.</a:t>
-            </a:r>
-            <a:endParaRPr sz="1000">
-              <a:latin typeface="AdobeClean-Light"/>
-              <a:cs typeface="AdobeClean-Light"/>
-            </a:endParaRPr>
+              <a:t>Indicazioni personalizzate sulle nuove funzioni dei prodotti, per sfruttare le ultime innovazioni, con valutazione del piano di aggiornamento eseguita da esperti di Adobe.</a:t>
+            </a:r>
           </a:p>
         </p:txBody>
       </p:sp>
@@ -8634,7 +7750,7 @@
         <p:spPr>
           <a:xfrm>
             <a:off x="97787" y="9888626"/>
-            <a:ext cx="2202180" cy="149860"/>
+            <a:ext cx="2468880" cy="149860"/>
           </a:xfrm>
           <a:prstGeom prst="rect">
             <a:avLst/>
@@ -8655,99 +7771,95 @@
               </a:spcBef>
             </a:pPr>
             <a:r>
-              <a:rPr sz="800" spc="-15">
+              <a:rPr lang="it-IT" sz="800" dirty="0">
                 <a:solidFill>
                   <a:srgbClr val="6D6D6D"/>
                 </a:solidFill>
                 <a:latin typeface="Adobe Clean"/>
                 <a:cs typeface="Adobe Clean"/>
               </a:rPr>
-              <a:t>©2021 </a:t>
-            </a:r>
-            <a:r>
-              <a:rPr sz="800" spc="-5">
+              <a:t>©2021 Adobe. </a:t>
+            </a:r>
+            <a:r>
+              <a:rPr lang="it-IT" sz="800" dirty="0" err="1">
                 <a:solidFill>
                   <a:srgbClr val="6D6D6D"/>
                 </a:solidFill>
                 <a:latin typeface="Adobe Clean"/>
                 <a:cs typeface="Adobe Clean"/>
               </a:rPr>
-              <a:t>Adobe. All</a:t>
-            </a:r>
-            <a:r>
-              <a:rPr sz="800" spc="-15">
+              <a:t>All</a:t>
+            </a:r>
+            <a:r>
+              <a:rPr lang="it-IT" sz="800" dirty="0">
                 <a:solidFill>
                   <a:srgbClr val="6D6D6D"/>
                 </a:solidFill>
                 <a:latin typeface="Adobe Clean"/>
                 <a:cs typeface="Adobe Clean"/>
               </a:rPr>
-              <a:t> Rights</a:t>
-            </a:r>
-            <a:r>
-              <a:rPr sz="800" spc="-5">
+              <a:t> </a:t>
+            </a:r>
+            <a:r>
+              <a:rPr lang="it-IT" sz="800" dirty="0" err="1">
                 <a:solidFill>
                   <a:srgbClr val="6D6D6D"/>
                 </a:solidFill>
                 <a:latin typeface="Adobe Clean"/>
                 <a:cs typeface="Adobe Clean"/>
               </a:rPr>
-              <a:t> </a:t>
-            </a:r>
-            <a:r>
-              <a:rPr sz="800" spc="-15">
+              <a:t>Rights</a:t>
+            </a:r>
+            <a:r>
+              <a:rPr lang="it-IT" sz="800" dirty="0">
                 <a:solidFill>
                   <a:srgbClr val="6D6D6D"/>
                 </a:solidFill>
                 <a:latin typeface="Adobe Clean"/>
                 <a:cs typeface="Adobe Clean"/>
               </a:rPr>
-              <a:t>Reserved.</a:t>
-            </a:r>
-            <a:r>
-              <a:rPr sz="800" spc="-10">
+              <a:t> </a:t>
+            </a:r>
+            <a:r>
+              <a:rPr lang="it-IT" sz="800" dirty="0" err="1">
                 <a:solidFill>
                   <a:srgbClr val="6D6D6D"/>
                 </a:solidFill>
                 <a:latin typeface="Adobe Clean"/>
                 <a:cs typeface="Adobe Clean"/>
               </a:rPr>
-              <a:t> </a:t>
-            </a:r>
-            <a:r>
-              <a:rPr sz="800" spc="-5">
+              <a:t>Reserved</a:t>
+            </a:r>
+            <a:r>
+              <a:rPr lang="it-IT" sz="800" dirty="0">
                 <a:solidFill>
                   <a:srgbClr val="6D6D6D"/>
                 </a:solidFill>
                 <a:latin typeface="Adobe Clean"/>
                 <a:cs typeface="Adobe Clean"/>
               </a:rPr>
-              <a:t>Adobe</a:t>
-            </a:r>
-            <a:r>
-              <a:rPr sz="800" spc="65">
+              <a:t>. Adobe </a:t>
+            </a:r>
+            <a:r>
+              <a:rPr lang="it-IT" sz="800" dirty="0" err="1">
                 <a:solidFill>
                   <a:srgbClr val="6D6D6D"/>
                 </a:solidFill>
                 <a:latin typeface="Adobe Clean"/>
                 <a:cs typeface="Adobe Clean"/>
               </a:rPr>
-              <a:t> </a:t>
-            </a:r>
-            <a:r>
-              <a:rPr sz="800" spc="-15">
+              <a:t>Confidential</a:t>
+            </a:r>
+            <a:r>
+              <a:rPr lang="it-IT" sz="800" dirty="0">
                 <a:solidFill>
                   <a:srgbClr val="6D6D6D"/>
                 </a:solidFill>
                 <a:latin typeface="Adobe Clean"/>
                 <a:cs typeface="Adobe Clean"/>
               </a:rPr>
-              <a:t>Confidential.</a:t>
-            </a:r>
-            <a:endParaRPr sz="800">
-              <a:latin typeface="Adobe Clean"/>
-              <a:cs typeface="Adobe Clean"/>
-            </a:endParaRPr>
+              <a:t>.</a:t>
+            </a:r>
           </a:p>
         </p:txBody>
       </p:sp>
@@ -8805,7 +7917,7 @@
         <p:spPr>
           <a:xfrm>
             <a:off x="2791726" y="9060487"/>
-            <a:ext cx="2194560" cy="487313"/>
+            <a:ext cx="2194560" cy="579646"/>
           </a:xfrm>
           <a:prstGeom prst="rect">
             <a:avLst/>
@@ -8829,154 +7941,14 @@
               </a:tabLst>
             </a:pPr>
             <a:r>
-              <a:rPr sz="1000" spc="-20">
+              <a:rPr lang="it-IT" sz="900" dirty="0">
                 <a:solidFill>
                   <a:srgbClr val="020302"/>
                 </a:solidFill>
                 <a:latin typeface="AdobeClean-Light"/>
                 <a:cs typeface="AdobeClean-Light"/>
               </a:rPr>
-              <a:t>Start </a:t>
-            </a:r>
-            <a:r>
-              <a:rPr sz="1000">
-                <a:solidFill>
-                  <a:srgbClr val="020302"/>
-                </a:solidFill>
-                <a:latin typeface="AdobeClean-Light"/>
-                <a:cs typeface="AdobeClean-Light"/>
-              </a:rPr>
-              <a:t>a </a:t>
-            </a:r>
-            <a:r>
-              <a:rPr sz="1000" spc="-15">
-                <a:solidFill>
-                  <a:srgbClr val="020302"/>
-                </a:solidFill>
-                <a:latin typeface="AdobeClean-Light"/>
-                <a:cs typeface="AdobeClean-Light"/>
-              </a:rPr>
-              <a:t>chat </a:t>
-            </a:r>
-            <a:r>
-              <a:rPr sz="1000" spc="-10">
-                <a:solidFill>
-                  <a:srgbClr val="020302"/>
-                </a:solidFill>
-                <a:latin typeface="AdobeClean-Light"/>
-                <a:cs typeface="AdobeClean-Light"/>
-              </a:rPr>
-              <a:t>session </a:t>
-            </a:r>
-            <a:r>
-              <a:rPr sz="1000" spc="-5">
-                <a:solidFill>
-                  <a:srgbClr val="020302"/>
-                </a:solidFill>
-                <a:latin typeface="AdobeClean-Light"/>
-                <a:cs typeface="AdobeClean-Light"/>
-              </a:rPr>
-              <a:t>to </a:t>
-            </a:r>
-            <a:r>
-              <a:rPr sz="1000" spc="-10">
-                <a:solidFill>
-                  <a:srgbClr val="020302"/>
-                </a:solidFill>
-                <a:latin typeface="AdobeClean-Light"/>
-                <a:cs typeface="AdobeClean-Light"/>
-              </a:rPr>
-              <a:t>get </a:t>
-            </a:r>
-            <a:r>
-              <a:rPr sz="1000" spc="-20">
-                <a:solidFill>
-                  <a:srgbClr val="020302"/>
-                </a:solidFill>
-                <a:latin typeface="AdobeClean-Light"/>
-                <a:cs typeface="AdobeClean-Light"/>
-              </a:rPr>
-              <a:t>answers</a:t>
-            </a:r>
-            <a:r>
-              <a:rPr lang="en-US" sz="1000" spc="-45">
-                <a:solidFill>
-                  <a:srgbClr val="020302"/>
-                </a:solidFill>
-                <a:latin typeface="AdobeClean-Light"/>
-                <a:cs typeface="AdobeClean-Light"/>
-              </a:rPr>
-              <a:t> </a:t>
-            </a:r>
-            <a:r>
-              <a:rPr lang="en-US" sz="1000">
-                <a:solidFill>
-                  <a:srgbClr val="020302"/>
-                </a:solidFill>
-                <a:latin typeface="AdobeClean-Light"/>
-                <a:cs typeface="AdobeClean-Light"/>
-              </a:rPr>
-              <a:t>&amp; </a:t>
-            </a:r>
-            <a:r>
-              <a:rPr sz="1000" spc="-15">
-                <a:solidFill>
-                  <a:srgbClr val="020302"/>
-                </a:solidFill>
-                <a:latin typeface="AdobeClean-Light"/>
-                <a:cs typeface="AdobeClean-Light"/>
-              </a:rPr>
-              <a:t>help </a:t>
-            </a:r>
-            <a:r>
-              <a:rPr sz="1000" spc="-10">
-                <a:solidFill>
-                  <a:srgbClr val="020302"/>
-                </a:solidFill>
-                <a:latin typeface="AdobeClean-Light"/>
-                <a:cs typeface="AdobeClean-Light"/>
-              </a:rPr>
-              <a:t>with</a:t>
-            </a:r>
-            <a:r>
-              <a:rPr sz="1000" spc="85">
-                <a:solidFill>
-                  <a:srgbClr val="020302"/>
-                </a:solidFill>
-                <a:latin typeface="AdobeClean-Light"/>
-                <a:cs typeface="AdobeClean-Light"/>
-              </a:rPr>
-              <a:t> </a:t>
-            </a:r>
-            <a:r>
-              <a:rPr sz="1000" spc="-10">
-                <a:solidFill>
-                  <a:srgbClr val="020302"/>
-                </a:solidFill>
-                <a:latin typeface="AdobeClean-Light"/>
-                <a:cs typeface="AdobeClean-Light"/>
-              </a:rPr>
-              <a:t>case </a:t>
-            </a:r>
-            <a:r>
-              <a:rPr sz="1000" spc="-20">
-                <a:solidFill>
-                  <a:srgbClr val="020302"/>
-                </a:solidFill>
-                <a:latin typeface="AdobeClean-Light"/>
-                <a:cs typeface="AdobeClean-Light"/>
-              </a:rPr>
-              <a:t>submission</a:t>
-            </a:r>
-            <a:r>
-              <a:rPr lang="en-US" sz="1000" spc="-20">
-                <a:solidFill>
-                  <a:srgbClr val="020302"/>
-                </a:solidFill>
-                <a:latin typeface="AdobeClean-Light"/>
-                <a:cs typeface="AdobeClean-Light"/>
-              </a:rPr>
-              <a:t>.</a:t>
+              <a:t>Avvia una sessione di chat per ottenere risposte e assistenza nell’invio di un caso.</a:t>
             </a:r>
           </a:p>
           <a:p>
@@ -8992,39 +7964,15 @@
               </a:tabLst>
             </a:pPr>
             <a:r>
-              <a:rPr sz="1000" i="1" spc="-10">
+              <a:rPr lang="it-IT" sz="900" i="1" dirty="0">
                 <a:solidFill>
                   <a:srgbClr val="7A7A7A"/>
                 </a:solidFill>
                 <a:latin typeface="AdobeClean-LightIt"/>
                 <a:cs typeface="AdobeClean-LightIt"/>
               </a:rPr>
-              <a:t>*Not all </a:t>
-            </a:r>
-            <a:r>
-              <a:rPr sz="1000" i="1" spc="-20">
-                <a:solidFill>
-                  <a:srgbClr val="7A7A7A"/>
-                </a:solidFill>
-                <a:latin typeface="AdobeClean-LightIt"/>
-                <a:cs typeface="AdobeClean-LightIt"/>
-              </a:rPr>
-              <a:t>products have live chat support</a:t>
-            </a:r>
-            <a:r>
-              <a:rPr sz="900" i="1" spc="-20">
-                <a:solidFill>
-                  <a:srgbClr val="7A7A7A"/>
-                </a:solidFill>
-                <a:latin typeface="AdobeClean-LightIt"/>
-                <a:cs typeface="AdobeClean-LightIt"/>
-              </a:rPr>
-              <a:t>.  </a:t>
-            </a:r>
-            <a:endParaRPr sz="900">
-              <a:latin typeface="AdobeClean-Light"/>
-              <a:cs typeface="AdobeClean-Light"/>
-            </a:endParaRPr>
+              <a:t>* Il supporto chat in diretta non è disponibile per tutti i prodotti.  </a:t>
+            </a:r>
           </a:p>
         </p:txBody>
       </p:sp>
@@ -9071,12 +8019,12 @@
               <a:defRPr/>
             </a:pPr>
             <a:r>
-              <a:rPr lang="en-US" sz="1200">
+              <a:rPr lang="it-IT" sz="1200">
                 <a:solidFill>
                   <a:srgbClr val="000000"/>
                 </a:solidFill>
               </a:rPr>
-              <a:t>Community Forums</a:t>
+              <a:t>Forum della community</a:t>
             </a:r>
           </a:p>
         </p:txBody>
@@ -9119,12 +8067,12 @@
               </a:spcAft>
             </a:pPr>
             <a:r>
-              <a:rPr lang="en-US" sz="1200" b="1">
+              <a:rPr lang="it-IT" sz="1200" b="1">
                 <a:latin typeface="+mj-lt"/>
                 <a:ea typeface="Open Sans" pitchFamily="34" charset="0"/>
                 <a:cs typeface="Open Sans" pitchFamily="34" charset="0"/>
               </a:rPr>
-              <a:t>Online Forums</a:t>
+              <a:t>Forum online</a:t>
             </a:r>
           </a:p>
         </p:txBody>
@@ -9144,7 +8092,7 @@
         <p:spPr>
           <a:xfrm>
             <a:off x="324341" y="7152361"/>
-            <a:ext cx="2194560" cy="959237"/>
+            <a:ext cx="2194560" cy="1005403"/>
           </a:xfrm>
           <a:prstGeom prst="rect">
             <a:avLst/>
@@ -9157,13 +8105,31 @@
           <a:lstStyle/>
           <a:p>
             <a:r>
-              <a:rPr lang="en-US" sz="1000">
+              <a:rPr lang="it-IT" sz="900" dirty="0">
                 <a:solidFill>
                   <a:srgbClr val="4B4B4B"/>
                 </a:solidFill>
                 <a:latin typeface="Adobe Clean Light" panose="020B0303020404020204" pitchFamily="34" charset="0"/>
               </a:rPr>
-              <a:t>Continuous online access to a growing database of technical solutions, product documentation, FAQs and more. Connect with practitioners and other customers on Adobe Community to share best practices and lessons learned.</a:t>
+              <a:t>Accesso online continuo a un database in continua crescita di soluzioni tecniche, documentazione del prodotto, risposte alle domande più frequenti e altro ancora. Possibilità di relazionarsi con professionisti e altri clienti della Community Adobe per condividere best </a:t>
+            </a:r>
+            <a:r>
+              <a:rPr lang="it-IT" sz="900" dirty="0" err="1">
+                <a:solidFill>
+                  <a:srgbClr val="4B4B4B"/>
+                </a:solidFill>
+                <a:latin typeface="Adobe Clean Light" panose="020B0303020404020204" pitchFamily="34" charset="0"/>
+              </a:rPr>
+              <a:t>practice</a:t>
+            </a:r>
+            <a:r>
+              <a:rPr lang="it-IT" sz="900" dirty="0">
+                <a:solidFill>
+                  <a:srgbClr val="4B4B4B"/>
+                </a:solidFill>
+                <a:latin typeface="Adobe Clean Light" panose="020B0303020404020204" pitchFamily="34" charset="0"/>
+              </a:rPr>
+              <a:t> ed esperienze.</a:t>
             </a:r>
           </a:p>
         </p:txBody>
@@ -9211,7 +8177,7 @@
               <a:defRPr/>
             </a:pPr>
             <a:r>
-              <a:rPr lang="en-US" sz="1200">
+              <a:rPr lang="it-IT" sz="1200">
                 <a:solidFill>
                   <a:srgbClr val="000000"/>
                 </a:solidFill>
@@ -9259,12 +8225,12 @@
               </a:spcAft>
             </a:pPr>
             <a:r>
-              <a:rPr lang="en-US" sz="1200" b="1">
+              <a:rPr lang="it-IT" sz="1200" b="1">
                 <a:latin typeface="+mj-lt"/>
                 <a:ea typeface="Open Sans" pitchFamily="34" charset="0"/>
                 <a:cs typeface="Open Sans" pitchFamily="34" charset="0"/>
               </a:rPr>
-              <a:t>Self-guided Journeys</a:t>
+              <a:t>Percorsi autoguidati</a:t>
             </a:r>
           </a:p>
         </p:txBody>
@@ -9284,7 +8250,7 @@
         <p:spPr>
           <a:xfrm>
             <a:off x="5265661" y="7152361"/>
-            <a:ext cx="2194560" cy="1113125"/>
+            <a:ext cx="2194560" cy="1143903"/>
           </a:xfrm>
           <a:prstGeom prst="rect">
             <a:avLst/>
@@ -9297,13 +8263,31 @@
           <a:lstStyle/>
           <a:p>
             <a:r>
-              <a:rPr lang="en-US" sz="1000">
+              <a:rPr lang="it-IT" sz="900" dirty="0">
                 <a:solidFill>
                   <a:srgbClr val="4B4B4B"/>
                 </a:solidFill>
                 <a:latin typeface="Adobe Clean Light" panose="020B0303020404020204" pitchFamily="34" charset="0"/>
               </a:rPr>
-              <a:t>Experience Makers are made with Experience League. Customers can kickstart their Customer Experience Management abilities with personalized learning to develop skills, engage with a global community of peers, and earn career advancing recognition.</a:t>
+              <a:t>Diventa un Experience Maker con Experience League. Puoi acquisire rapidamente le capacità necessarie nella gestione della customer </a:t>
+            </a:r>
+            <a:r>
+              <a:rPr lang="it-IT" sz="900" dirty="0" err="1">
+                <a:solidFill>
+                  <a:srgbClr val="4B4B4B"/>
+                </a:solidFill>
+                <a:latin typeface="Adobe Clean Light" panose="020B0303020404020204" pitchFamily="34" charset="0"/>
+              </a:rPr>
+              <a:t>experience</a:t>
+            </a:r>
+            <a:r>
+              <a:rPr lang="it-IT" sz="900" dirty="0">
+                <a:solidFill>
+                  <a:srgbClr val="4B4B4B"/>
+                </a:solidFill>
+                <a:latin typeface="Adobe Clean Light" panose="020B0303020404020204" pitchFamily="34" charset="0"/>
+              </a:rPr>
+              <a:t> seguendo un percorso di apprendimento personalizzato per sviluppare nuove competenze, partecipare a una comunità globale di professionisti e guadagnare riconoscimenti di valore sul piano professionale.</a:t>
             </a:r>
           </a:p>
         </p:txBody>
@@ -9351,12 +8335,12 @@
               <a:defRPr/>
             </a:pPr>
             <a:r>
-              <a:rPr lang="en-US" sz="1200">
+              <a:rPr lang="it-IT" sz="1200">
                 <a:solidFill>
                   <a:srgbClr val="000000"/>
                 </a:solidFill>
               </a:rPr>
-              <a:t>Live Chat  Support*</a:t>
+              <a:t>Supporto chat in diretta*</a:t>
             </a:r>
           </a:p>
         </p:txBody>
@@ -9399,12 +8383,12 @@
               </a:spcAft>
             </a:pPr>
             <a:r>
-              <a:rPr lang="en-US" sz="1200" b="1">
+              <a:rPr lang="it-IT" sz="1200" b="1">
                 <a:latin typeface="+mj-lt"/>
                 <a:ea typeface="Open Sans" pitchFamily="34" charset="0"/>
                 <a:cs typeface="Open Sans" pitchFamily="34" charset="0"/>
               </a:rPr>
-              <a:t>Chat Support</a:t>
+              <a:t>Supporto chat</a:t>
             </a:r>
           </a:p>
         </p:txBody>
@@ -9452,12 +8436,12 @@
               <a:defRPr/>
             </a:pPr>
             <a:r>
-              <a:rPr lang="en-US" sz="1200">
+              <a:rPr lang="it-IT" sz="1200">
                 <a:solidFill>
                   <a:srgbClr val="000000"/>
                 </a:solidFill>
               </a:rPr>
-              <a:t>24X7 P1 </a:t>
+              <a:t>24x7 P1 </a:t>
             </a:r>
           </a:p>
         </p:txBody>
@@ -9500,12 +8484,12 @@
               </a:spcAft>
             </a:pPr>
             <a:r>
-              <a:rPr lang="en-US" sz="1200" b="1">
+              <a:rPr lang="it-IT" sz="1200" b="1">
                 <a:latin typeface="+mj-lt"/>
                 <a:ea typeface="Open Sans" pitchFamily="34" charset="0"/>
                 <a:cs typeface="Open Sans" pitchFamily="34" charset="0"/>
               </a:rPr>
-              <a:t>Phone  Support</a:t>
+              <a:t>Supporto telefonico</a:t>
             </a:r>
           </a:p>
         </p:txBody>
@@ -9525,7 +8509,7 @@
         <p:spPr>
           <a:xfrm>
             <a:off x="2791726" y="7152361"/>
-            <a:ext cx="2194560" cy="805349"/>
+            <a:ext cx="2194560" cy="866904"/>
           </a:xfrm>
           <a:prstGeom prst="rect">
             <a:avLst/>
@@ -9538,35 +8522,29 @@
           <a:lstStyle/>
           <a:p>
             <a:r>
-              <a:rPr lang="en-US" sz="1000">
+              <a:rPr lang="it-IT" sz="900" dirty="0">
                 <a:solidFill>
                   <a:srgbClr val="020302"/>
                 </a:solidFill>
                 <a:latin typeface="AdobeClean-Light"/>
               </a:rPr>
-              <a:t>Authorized users or </a:t>
-            </a:r>
-            <a:r>
-              <a:rPr lang="en-US" sz="1000" b="1">
+              <a:t>Gli utenti autorizzati o i </a:t>
+            </a:r>
+            <a:r>
+              <a:rPr lang="it-IT" sz="900" b="1" dirty="0">
                 <a:solidFill>
                   <a:srgbClr val="020302"/>
                 </a:solidFill>
                 <a:latin typeface="AdobeClean-Light"/>
               </a:rPr>
-              <a:t>Named Support Contacts </a:t>
-            </a:r>
-            <a:r>
-              <a:rPr lang="en-US" sz="1000">
+              <a:t>contatti interni per il supporto</a:t>
+            </a:r>
+            <a:r>
+              <a:rPr lang="it-IT" sz="900" dirty="0">
                 <a:latin typeface="Adobe Clean Light" panose="020B0303020404020204" pitchFamily="34" charset="0"/>
               </a:rPr>
-              <a:t>can submit issues through all available  channels (including phone for P1) and interact with our technical support team on behalf of your company. </a:t>
-            </a:r>
-            <a:endParaRPr lang="en-US" sz="1000">
-              <a:solidFill>
-                <a:srgbClr val="000000"/>
-              </a:solidFill>
-              <a:latin typeface="Adobe Clean Light" panose="020B0303020404020204" pitchFamily="34" charset="0"/>
-            </a:endParaRPr>
+              <a:t> possono segnalare i problemi tramite tutti i canali disponibili (compreso il supporto telefonico per casi P1) e interagire con il team Adobe di assistenza tecnica per conto della tua azienda. </a:t>
+            </a:r>
           </a:p>
         </p:txBody>
       </p:sp>
@@ -9661,7 +8639,7 @@
               <a:defRPr/>
             </a:pPr>
             <a:r>
-              <a:rPr lang="en-US" sz="1200">
+              <a:rPr lang="it-IT" sz="1200">
                 <a:solidFill>
                   <a:srgbClr val="000000"/>
                 </a:solidFill>
@@ -9709,12 +8687,12 @@
               </a:spcAft>
             </a:pPr>
             <a:r>
-              <a:rPr lang="en-US" sz="1200" b="1">
+              <a:rPr lang="it-IT" sz="1200" b="1">
                 <a:latin typeface="+mj-lt"/>
                 <a:ea typeface="Open Sans" pitchFamily="34" charset="0"/>
                 <a:cs typeface="Open Sans" pitchFamily="34" charset="0"/>
               </a:rPr>
-              <a:t>Webinars</a:t>
+              <a:t>Webinar</a:t>
             </a:r>
           </a:p>
         </p:txBody>
@@ -9733,8 +8711,8 @@
         </p:nvSpPr>
         <p:spPr>
           <a:xfrm>
-            <a:off x="355868" y="9026059"/>
-            <a:ext cx="2194560" cy="805349"/>
+            <a:off x="355867" y="9026059"/>
+            <a:ext cx="2332467" cy="728405"/>
           </a:xfrm>
           <a:prstGeom prst="rect">
             <a:avLst/>
@@ -9747,13 +8725,13 @@
           <a:lstStyle/>
           <a:p>
             <a:r>
-              <a:rPr lang="en-US" sz="1000">
+              <a:rPr lang="it-IT" sz="900" dirty="0">
                 <a:solidFill>
                   <a:srgbClr val="4B4B4B"/>
                 </a:solidFill>
                 <a:latin typeface="Adobe Clean Light" panose="020B0303020404020204" pitchFamily="34" charset="0"/>
               </a:rPr>
-              <a:t>Office Hours led by the Adobe Customer Support team includes sessions designed to inform as well as help participants troubleshoot problems and provide tips and tricks for success with Adobe solutions. </a:t>
+              <a:t>Le sessioni Office Hours, guidate dal team di Assistenza clienti di Adobe, sono pensate per informare e aiutare i partecipanti a risolvere eventuali problemi e forniscono suggerimenti utili per ottenere il massimo dalle soluzioni Adobe. </a:t>
             </a:r>
           </a:p>
         </p:txBody>
@@ -9775,7 +8753,7 @@
         <p:spPr>
           <a:xfrm>
             <a:off x="5723508" y="8560230"/>
-            <a:ext cx="1303746" cy="184666"/>
+            <a:ext cx="1920240" cy="184666"/>
           </a:xfrm>
           <a:prstGeom prst="rect">
             <a:avLst/>
@@ -9801,12 +8779,12 @@
               <a:defRPr/>
             </a:pPr>
             <a:r>
-              <a:rPr lang="en-US" sz="1200">
+              <a:rPr lang="it-IT" sz="1200" dirty="0">
                 <a:solidFill>
                   <a:srgbClr val="000000"/>
                 </a:solidFill>
               </a:rPr>
-              <a:t>Self-help Portals</a:t>
+              <a:t>Portali di assistenza autonoma</a:t>
             </a:r>
           </a:p>
         </p:txBody>
@@ -9849,12 +8827,12 @@
               </a:spcAft>
             </a:pPr>
             <a:r>
-              <a:rPr lang="en-US" sz="1200" b="1">
+              <a:rPr lang="it-IT" sz="1200" b="1">
                 <a:latin typeface="+mj-lt"/>
                 <a:ea typeface="Open Sans" pitchFamily="34" charset="0"/>
                 <a:cs typeface="Open Sans" pitchFamily="34" charset="0"/>
               </a:rPr>
-              <a:t>24/7 Support Portal</a:t>
+              <a:t>Portale di supporto 24/7</a:t>
             </a:r>
           </a:p>
         </p:txBody>
@@ -9874,7 +8852,7 @@
         <p:spPr>
           <a:xfrm>
             <a:off x="5265661" y="8987081"/>
-            <a:ext cx="2194560" cy="805349"/>
+            <a:ext cx="2194560" cy="728405"/>
           </a:xfrm>
           <a:prstGeom prst="rect">
             <a:avLst/>
@@ -9887,30 +8865,13 @@
           <a:lstStyle/>
           <a:p>
             <a:r>
-              <a:rPr lang="en-US" sz="1000">
+              <a:rPr lang="it-IT" sz="900" dirty="0">
                 <a:solidFill>
                   <a:srgbClr val="4B4B4B"/>
                 </a:solidFill>
                 <a:latin typeface="Adobe Clean Light" panose="020B0303020404020204" pitchFamily="34" charset="0"/>
               </a:rPr>
-              <a:t>On-demand access to the online </a:t>
-            </a:r>
-            <a:br>
-              <a:rPr lang="en-US" sz="1000">
-                <a:solidFill>
-                  <a:srgbClr val="4B4B4B"/>
-                </a:solidFill>
-                <a:latin typeface="Adobe Clean Light" panose="020B0303020404020204" pitchFamily="34" charset="0"/>
-              </a:rPr>
-            </a:br>
-            <a:r>
-              <a:rPr lang="en-US" sz="1000">
-                <a:solidFill>
-                  <a:srgbClr val="4B4B4B"/>
-                </a:solidFill>
-                <a:latin typeface="Adobe Clean Light" panose="020B0303020404020204" pitchFamily="34" charset="0"/>
-              </a:rPr>
-              <a:t>Self-help Support Portal to submit support requests, review case status, and browse other resources, like our knowledgebase, news and alerts, featured tips, and more.</a:t>
+              <a:t>Accesso on-demand al portale di assistenza autonoma per inviare richieste di supporto, esaminare lo stato dei casi e sfogliare altre risorse, come la knowledge base, notizie e avvisi, suggerimenti e altro ancora.</a:t>
             </a:r>
           </a:p>
         </p:txBody>
@@ -10240,19 +9201,15 @@
               </a:spcBef>
             </a:pPr>
             <a:r>
-              <a:rPr lang="en-US" sz="1400" b="1" dirty="0">
+              <a:rPr lang="it-IT" sz="1400" b="1">
                 <a:solidFill>
                   <a:srgbClr val="020302"/>
                 </a:solidFill>
                 <a:latin typeface="Adobe Clean"/>
                 <a:cs typeface="Adobe Clean"/>
               </a:rPr>
-              <a:t>Standard Support Features</a:t>
-            </a:r>
-            <a:endParaRPr lang="en-US" sz="1400" dirty="0">
-              <a:latin typeface="Adobe Clean"/>
-              <a:cs typeface="Adobe Clean"/>
-            </a:endParaRPr>
+              <a:t>Caratteristiche del supporto Standard</a:t>
+            </a:r>
           </a:p>
         </p:txBody>
       </p:sp>
@@ -10452,15 +9409,15 @@
         </p:nvSpPr>
         <p:spPr>
           <a:xfrm>
-            <a:off x="324341" y="4031705"/>
-            <a:ext cx="2194560" cy="499111"/>
+            <a:off x="324340" y="4031705"/>
+            <a:ext cx="2363995" cy="606128"/>
           </a:xfrm>
           <a:prstGeom prst="rect">
             <a:avLst/>
           </a:prstGeom>
         </p:spPr>
         <p:txBody>
-          <a:bodyPr lIns="0" tIns="0" rIns="0" bIns="0">
+          <a:bodyPr wrap="square" lIns="0" tIns="0" rIns="0" bIns="0">
             <a:spAutoFit/>
           </a:bodyPr>
           <a:lstStyle/>
@@ -10474,22 +9431,15 @@
               </a:spcBef>
             </a:pPr>
             <a:r>
-              <a:rPr lang="en-US" sz="1000">
+              <a:rPr lang="it-IT" sz="900" dirty="0">
                 <a:solidFill>
                   <a:srgbClr val="020302"/>
                 </a:solidFill>
                 <a:latin typeface="AdobeClean-Light"/>
                 <a:cs typeface="AdobeClean-Light"/>
               </a:rPr>
-              <a:t>Proactive review of your solution  deployment, configuration, and overall  architecture, including integrations.</a:t>
-            </a:r>
-            <a:endParaRPr lang="en-US" sz="1000">
-              <a:solidFill>
-                <a:prstClr val="black"/>
-              </a:solidFill>
-              <a:latin typeface="AdobeClean-Light"/>
-              <a:cs typeface="AdobeClean-Light"/>
-            </a:endParaRPr>
+              <a:t>Valutazione proattiva dell’implementazione, della configurazione e dell’architettura complessiva della soluzione, incluse le integrazioni.</a:t>
+            </a:r>
           </a:p>
         </p:txBody>
       </p:sp>
@@ -10508,7 +9458,7 @@
         <p:spPr>
           <a:xfrm>
             <a:off x="5265661" y="4031705"/>
-            <a:ext cx="2194560" cy="652615"/>
+            <a:ext cx="2194560" cy="590483"/>
           </a:xfrm>
           <a:prstGeom prst="rect">
             <a:avLst/>
@@ -10529,22 +9479,15 @@
               </a:spcBef>
             </a:pPr>
             <a:r>
-              <a:rPr lang="en-US" sz="1000">
+              <a:rPr lang="it-IT" sz="900">
                 <a:solidFill>
                   <a:srgbClr val="020302"/>
                 </a:solidFill>
                 <a:latin typeface="AdobeClean-Light"/>
                 <a:cs typeface="AdobeClean-Light"/>
               </a:rPr>
-              <a:t>Receive maintenance best practices and latest  fixes (SPs, MR, patches, FPs) to remain up-to-  date on all maintenance checks.</a:t>
-            </a:r>
-            <a:endParaRPr lang="en-US" sz="1000">
-              <a:solidFill>
-                <a:prstClr val="black"/>
-              </a:solidFill>
-              <a:latin typeface="AdobeClean-Light"/>
-              <a:cs typeface="AdobeClean-Light"/>
-            </a:endParaRPr>
+              <a:t>Best practice di manutenzione e ultime correzioni (SP, MR, patch, FP) per rimanere sempre aggiornati su tutte le verifiche di manutenzione.</a:t>
+            </a:r>
           </a:p>
         </p:txBody>
       </p:sp>
@@ -10563,7 +9506,7 @@
         <p:spPr>
           <a:xfrm>
             <a:off x="2852427" y="2847845"/>
-            <a:ext cx="2194560" cy="615553"/>
+            <a:ext cx="2194560" cy="553998"/>
           </a:xfrm>
           <a:prstGeom prst="rect">
             <a:avLst/>
@@ -10581,22 +9524,35 @@
               </a:spcBef>
             </a:pPr>
             <a:r>
-              <a:rPr lang="en-US" sz="1000">
+              <a:rPr lang="it-IT" sz="900" dirty="0">
                 <a:solidFill>
                   <a:srgbClr val="4B4B4B"/>
                 </a:solidFill>
                 <a:latin typeface="AdobeClean-Light"/>
                 <a:cs typeface="AdobeClean-Light"/>
               </a:rPr>
-              <a:t>A regular review of Elite program services, support metrics, and deliverables, including a forward-looking plan</a:t>
-            </a:r>
-            <a:endParaRPr lang="en-US" sz="1000">
-              <a:solidFill>
-                <a:prstClr val="black"/>
-              </a:solidFill>
-              <a:latin typeface="AdobeClean-Light"/>
-              <a:cs typeface="AdobeClean-Light"/>
-            </a:endParaRPr>
+              <a:t>Valutazione periodica dei servizi del programma </a:t>
+            </a:r>
+            <a:r>
+              <a:rPr lang="it-IT" sz="900" dirty="0" err="1">
+                <a:solidFill>
+                  <a:srgbClr val="4B4B4B"/>
+                </a:solidFill>
+                <a:latin typeface="AdobeClean-Light"/>
+                <a:cs typeface="AdobeClean-Light"/>
+              </a:rPr>
+              <a:t>Elite</a:t>
+            </a:r>
+            <a:r>
+              <a:rPr lang="it-IT" sz="900" dirty="0">
+                <a:solidFill>
+                  <a:srgbClr val="4B4B4B"/>
+                </a:solidFill>
+                <a:latin typeface="AdobeClean-Light"/>
+                <a:cs typeface="AdobeClean-Light"/>
+              </a:rPr>
+              <a:t>, delle metriche di supporto e dei materiali da consegnare, incluso un piano proattivo.</a:t>
+            </a:r>
           </a:p>
         </p:txBody>
       </p:sp>
@@ -10615,7 +9571,7 @@
         <p:spPr>
           <a:xfrm>
             <a:off x="5431520" y="2854370"/>
-            <a:ext cx="2194560" cy="615553"/>
+            <a:ext cx="2194560" cy="553998"/>
           </a:xfrm>
           <a:prstGeom prst="rect">
             <a:avLst/>
@@ -10633,22 +9589,15 @@
               </a:spcBef>
             </a:pPr>
             <a:r>
-              <a:rPr lang="en-US" sz="1000">
+              <a:rPr lang="it-IT" sz="900" dirty="0">
                 <a:solidFill>
                   <a:srgbClr val="4B4B4B"/>
                 </a:solidFill>
                 <a:latin typeface="AdobeClean-Light"/>
                 <a:cs typeface="AdobeClean-Light"/>
               </a:rPr>
-              <a:t>A 60-minute session focusing on a  specific product feature and how it can  be utilized to solve common business  problems.</a:t>
-            </a:r>
-            <a:endParaRPr lang="en-US" sz="1000">
-              <a:solidFill>
-                <a:prstClr val="black"/>
-              </a:solidFill>
-              <a:latin typeface="AdobeClean-Light"/>
-              <a:cs typeface="AdobeClean-Light"/>
-            </a:endParaRPr>
+              <a:t>Una sessione di 60 minuti incentrata su una specifica funzionalità di prodotto e come utilizzarla per risolvere le problematiche più comuni.</a:t>
+            </a:r>
           </a:p>
         </p:txBody>
       </p:sp>
@@ -10667,7 +9616,7 @@
         <p:spPr>
           <a:xfrm>
             <a:off x="324341" y="2842848"/>
-            <a:ext cx="2194560" cy="615553"/>
+            <a:ext cx="2194560" cy="692497"/>
           </a:xfrm>
           <a:prstGeom prst="rect">
             <a:avLst/>
@@ -10685,16 +9634,15 @@
               </a:spcBef>
             </a:pPr>
             <a:r>
-              <a:rPr lang="en-US" sz="1000">
+              <a:rPr lang="it-IT" sz="900" dirty="0">
                 <a:solidFill>
                   <a:srgbClr val="4B4B4B"/>
                 </a:solidFill>
                 <a:latin typeface="AdobeClean-Light"/>
                 <a:cs typeface="AdobeClean-Light"/>
               </a:rPr>
-              <a:t>A designated point of contact within Adobe  who can provide escalation assistance,  regular updates and ensure priority is given  to your most critical open support requests.</a:t>
-            </a:r>
-            <a:endParaRPr lang="en-US"/>
+              <a:t>Un contatto Adobe dedicato che può fornire assistenza e aggiornamenti regolari in merito ai casi che richiedono escalation, e assicurarsi che venga data priorità alle richieste di supporto aperte più critiche.</a:t>
+            </a:r>
           </a:p>
         </p:txBody>
       </p:sp>
@@ -10731,7 +9679,7 @@
               </a:spcBef>
             </a:pPr>
             <a:r>
-              <a:rPr lang="en-US" sz="1100" b="1">
+              <a:rPr lang="it-IT" sz="1100" b="1">
                 <a:solidFill>
                   <a:srgbClr val="020302"/>
                 </a:solidFill>
@@ -10740,13 +9688,6 @@
               </a:rPr>
               <a:t>Named Support Engineer</a:t>
             </a:r>
-            <a:endParaRPr lang="en-US" sz="1100">
-              <a:solidFill>
-                <a:prstClr val="black"/>
-              </a:solidFill>
-              <a:latin typeface="Adobe Clean" panose="020B0503020404020204" pitchFamily="34" charset="0"/>
-              <a:cs typeface="Arial"/>
-            </a:endParaRPr>
           </a:p>
         </p:txBody>
       </p:sp>
@@ -10783,22 +9724,15 @@
               </a:spcBef>
             </a:pPr>
             <a:r>
-              <a:rPr lang="en-US" sz="1100" b="1">
+              <a:rPr lang="it-IT" sz="1100" b="1">
                 <a:solidFill>
                   <a:srgbClr val="020302"/>
                 </a:solidFill>
                 <a:latin typeface="Adobe Clean" panose="020B0503020404020204" pitchFamily="34" charset="0"/>
                 <a:cs typeface="Arial"/>
               </a:rPr>
-              <a:t>Case Reviews</a:t>
-            </a:r>
-            <a:endParaRPr lang="en-US" sz="1100">
-              <a:solidFill>
-                <a:prstClr val="black"/>
-              </a:solidFill>
-              <a:latin typeface="Adobe Clean" panose="020B0503020404020204" pitchFamily="34" charset="0"/>
-              <a:cs typeface="Arial"/>
-            </a:endParaRPr>
+              <a:t>Valutazione dei casi</a:t>
+            </a:r>
           </a:p>
         </p:txBody>
       </p:sp>
@@ -10835,22 +9769,15 @@
               </a:spcBef>
             </a:pPr>
             <a:r>
-              <a:rPr lang="en-US" sz="1100" b="1">
+              <a:rPr lang="it-IT" sz="1100" b="1" dirty="0">
                 <a:solidFill>
                   <a:srgbClr val="020302"/>
                 </a:solidFill>
                 <a:latin typeface="Adobe Clean" panose="020B0503020404020204" pitchFamily="34" charset="0"/>
                 <a:cs typeface="Adobe Clean"/>
               </a:rPr>
-              <a:t>Maintenance &amp; Monitoring</a:t>
-            </a:r>
-            <a:endParaRPr lang="en-US" sz="1100">
-              <a:solidFill>
-                <a:prstClr val="black"/>
-              </a:solidFill>
-              <a:latin typeface="Adobe Clean" panose="020B0503020404020204" pitchFamily="34" charset="0"/>
-              <a:cs typeface="Adobe Clean"/>
-            </a:endParaRPr>
+              <a:t>Manutenzione e monitoraggio</a:t>
+            </a:r>
           </a:p>
         </p:txBody>
       </p:sp>
@@ -10868,8 +9795,8 @@
         </p:nvSpPr>
         <p:spPr>
           <a:xfrm>
-            <a:off x="3138805" y="3778989"/>
-            <a:ext cx="2194560" cy="169277"/>
+            <a:off x="3138805" y="3736317"/>
+            <a:ext cx="2194560" cy="338554"/>
           </a:xfrm>
           <a:prstGeom prst="rect">
             <a:avLst/>
@@ -10887,22 +9814,34 @@
               </a:spcBef>
             </a:pPr>
             <a:r>
-              <a:rPr lang="en-US" sz="1100" b="1">
+              <a:rPr lang="it-IT" sz="1100" b="1" dirty="0">
                 <a:solidFill>
                   <a:srgbClr val="020302"/>
                 </a:solidFill>
                 <a:latin typeface="Adobe Clean" panose="020B0503020404020204" pitchFamily="34" charset="0"/>
                 <a:cs typeface="Adobe Clean"/>
               </a:rPr>
-              <a:t>Solution Roadmap Review</a:t>
-            </a:r>
-            <a:endParaRPr lang="en-US" sz="1100">
-              <a:solidFill>
-                <a:prstClr val="black"/>
-              </a:solidFill>
-              <a:latin typeface="Adobe Clean" panose="020B0503020404020204" pitchFamily="34" charset="0"/>
-              <a:cs typeface="Adobe Clean"/>
-            </a:endParaRPr>
+              <a:t>Valutazione della roadmap </a:t>
+            </a:r>
+            <a:br>
+              <a:rPr lang="it-IT" sz="1100" b="1" dirty="0">
+                <a:solidFill>
+                  <a:srgbClr val="020302"/>
+                </a:solidFill>
+                <a:latin typeface="Adobe Clean" panose="020B0503020404020204" pitchFamily="34" charset="0"/>
+                <a:cs typeface="Adobe Clean"/>
+              </a:rPr>
+            </a:br>
+            <a:r>
+              <a:rPr lang="it-IT" sz="1100" b="1" dirty="0">
+                <a:solidFill>
+                  <a:srgbClr val="020302"/>
+                </a:solidFill>
+                <a:latin typeface="Adobe Clean" panose="020B0503020404020204" pitchFamily="34" charset="0"/>
+                <a:cs typeface="Adobe Clean"/>
+              </a:rPr>
+              <a:t>della soluzione</a:t>
+            </a:r>
           </a:p>
         </p:txBody>
       </p:sp>
@@ -10939,22 +9878,15 @@
               </a:spcBef>
             </a:pPr>
             <a:r>
-              <a:rPr lang="en-US" sz="1100" b="1">
+              <a:rPr lang="it-IT" sz="1100" b="1">
                 <a:solidFill>
                   <a:srgbClr val="020302"/>
                 </a:solidFill>
                 <a:latin typeface="Adobe Clean" panose="020B0503020404020204" pitchFamily="34" charset="0"/>
                 <a:cs typeface="Adobe Clean"/>
               </a:rPr>
-              <a:t>Environment Review</a:t>
-            </a:r>
-            <a:endParaRPr lang="en-US" sz="1100">
-              <a:solidFill>
-                <a:prstClr val="black"/>
-              </a:solidFill>
-              <a:latin typeface="Adobe Clean" panose="020B0503020404020204" pitchFamily="34" charset="0"/>
-              <a:cs typeface="Adobe Clean"/>
-            </a:endParaRPr>
+              <a:t>Valutazione dell’ambiente</a:t>
+            </a:r>
           </a:p>
         </p:txBody>
       </p:sp>
@@ -10991,22 +9923,15 @@
               </a:spcBef>
             </a:pPr>
             <a:r>
-              <a:rPr lang="en-US" sz="1100" b="1">
+              <a:rPr lang="it-IT" sz="1100" b="1">
                 <a:solidFill>
                   <a:srgbClr val="020302"/>
                 </a:solidFill>
                 <a:latin typeface="Adobe Clean" panose="020B0503020404020204" pitchFamily="34" charset="0"/>
                 <a:cs typeface="Adobe Clean"/>
               </a:rPr>
-              <a:t>Escalation Management</a:t>
-            </a:r>
-            <a:endParaRPr lang="en-US" sz="1100">
-              <a:solidFill>
-                <a:prstClr val="black"/>
-              </a:solidFill>
-              <a:latin typeface="Adobe Clean" panose="020B0503020404020204" pitchFamily="34" charset="0"/>
-              <a:cs typeface="Adobe Clean"/>
-            </a:endParaRPr>
+              <a:t>Gestione delle escalation</a:t>
+            </a:r>
           </a:p>
         </p:txBody>
       </p:sp>
@@ -11043,22 +9968,15 @@
               </a:spcBef>
             </a:pPr>
             <a:r>
-              <a:rPr lang="en-US" sz="1100" b="1">
+              <a:rPr lang="it-IT" sz="1100" b="1">
                 <a:solidFill>
                   <a:srgbClr val="020302"/>
                 </a:solidFill>
                 <a:latin typeface="Adobe Clean" panose="020B0503020404020204" pitchFamily="34" charset="0"/>
                 <a:cs typeface="Adobe Clean"/>
               </a:rPr>
-              <a:t>Service Reviews</a:t>
-            </a:r>
-            <a:endParaRPr lang="en-US" sz="1100">
-              <a:solidFill>
-                <a:prstClr val="black"/>
-              </a:solidFill>
-              <a:latin typeface="Adobe Clean" panose="020B0503020404020204" pitchFamily="34" charset="0"/>
-              <a:cs typeface="Adobe Clean"/>
-            </a:endParaRPr>
+              <a:t>Valutazione dei servizi</a:t>
+            </a:r>
           </a:p>
         </p:txBody>
       </p:sp>
@@ -11095,22 +10013,15 @@
               </a:spcBef>
             </a:pPr>
             <a:r>
-              <a:rPr lang="en-US" sz="1100" b="1">
+              <a:rPr lang="it-IT" sz="1100" b="1">
                 <a:solidFill>
                   <a:srgbClr val="020302"/>
                 </a:solidFill>
                 <a:latin typeface="Adobe Clean" panose="020B0503020404020204" pitchFamily="34" charset="0"/>
                 <a:cs typeface="Adobe Clean"/>
               </a:rPr>
-              <a:t>Expert Sessions</a:t>
-            </a:r>
-            <a:endParaRPr lang="en-US" sz="1100">
-              <a:solidFill>
-                <a:prstClr val="black"/>
-              </a:solidFill>
-              <a:latin typeface="Adobe Clean" panose="020B0503020404020204" pitchFamily="34" charset="0"/>
-              <a:cs typeface="Adobe Clean"/>
-            </a:endParaRPr>
+              <a:t>Sessioni con esperti</a:t>
+            </a:r>
           </a:p>
         </p:txBody>
       </p:sp>
@@ -11128,8 +10039,8 @@
         </p:nvSpPr>
         <p:spPr>
           <a:xfrm>
-            <a:off x="689237" y="4935181"/>
-            <a:ext cx="2194560" cy="169277"/>
+            <a:off x="689237" y="4880317"/>
+            <a:ext cx="2194560" cy="338554"/>
           </a:xfrm>
           <a:prstGeom prst="rect">
             <a:avLst/>
@@ -11147,22 +10058,34 @@
               </a:spcBef>
             </a:pPr>
             <a:r>
-              <a:rPr lang="en-US" sz="1100" b="1">
+              <a:rPr lang="it-IT" sz="1100" b="1" dirty="0">
                 <a:solidFill>
                   <a:srgbClr val="020302"/>
                 </a:solidFill>
                 <a:latin typeface="Adobe Clean" panose="020B0503020404020204" pitchFamily="34" charset="0"/>
                 <a:cs typeface="Adobe Clean"/>
               </a:rPr>
-              <a:t>Release Preparation &amp; Review</a:t>
-            </a:r>
-            <a:endParaRPr lang="en-US" sz="1100">
-              <a:solidFill>
-                <a:prstClr val="black"/>
-              </a:solidFill>
-              <a:latin typeface="Adobe Clean" panose="020B0503020404020204" pitchFamily="34" charset="0"/>
-              <a:cs typeface="Adobe Clean"/>
-            </a:endParaRPr>
+              <a:t>Valutazione delle nuove </a:t>
+            </a:r>
+            <a:br>
+              <a:rPr lang="it-IT" sz="1100" b="1" dirty="0">
+                <a:solidFill>
+                  <a:srgbClr val="020302"/>
+                </a:solidFill>
+                <a:latin typeface="Adobe Clean" panose="020B0503020404020204" pitchFamily="34" charset="0"/>
+                <a:cs typeface="Adobe Clean"/>
+              </a:rPr>
+            </a:br>
+            <a:r>
+              <a:rPr lang="it-IT" sz="1100" b="1" dirty="0">
+                <a:solidFill>
+                  <a:srgbClr val="020302"/>
+                </a:solidFill>
+                <a:latin typeface="Adobe Clean" panose="020B0503020404020204" pitchFamily="34" charset="0"/>
+                <a:cs typeface="Adobe Clean"/>
+              </a:rPr>
+              <a:t>versioni e preparazione</a:t>
+            </a:r>
           </a:p>
         </p:txBody>
       </p:sp>
@@ -11202,19 +10125,15 @@
               </a:spcBef>
             </a:pPr>
             <a:r>
-              <a:rPr lang="en-US" sz="1100" b="1">
+              <a:rPr lang="it-IT" sz="1100" b="1">
                 <a:solidFill>
                   <a:srgbClr val="020302"/>
                 </a:solidFill>
                 <a:latin typeface="Adobe Clean" panose="020B0503020404020204" pitchFamily="34" charset="0"/>
                 <a:cs typeface="Adobe Clean"/>
               </a:rPr>
-              <a:t>Knowledge Transfer</a:t>
-            </a:r>
-            <a:endParaRPr lang="en-US" sz="1100">
-              <a:latin typeface="Adobe Clean" panose="020B0503020404020204" pitchFamily="34" charset="0"/>
-              <a:cs typeface="Adobe Clean"/>
-            </a:endParaRPr>
+              <a:t>Trasferimento delle conoscenze</a:t>
+            </a:r>
           </a:p>
         </p:txBody>
       </p:sp>
@@ -11254,19 +10173,15 @@
               </a:spcBef>
             </a:pPr>
             <a:r>
-              <a:rPr lang="en-US" sz="1100" b="1">
+              <a:rPr lang="it-IT" sz="1100" b="1">
                 <a:solidFill>
                   <a:srgbClr val="020302"/>
                 </a:solidFill>
                 <a:latin typeface="Adobe Clean" panose="020B0503020404020204" pitchFamily="34" charset="0"/>
                 <a:cs typeface="Adobe Clean"/>
               </a:rPr>
-              <a:t>Event Management</a:t>
-            </a:r>
-            <a:endParaRPr lang="en-US" sz="1100">
-              <a:latin typeface="Adobe Clean" panose="020B0503020404020204" pitchFamily="34" charset="0"/>
-              <a:cs typeface="Adobe Clean"/>
-            </a:endParaRPr>
+              <a:t>Gestione degli eventi</a:t>
+            </a:r>
           </a:p>
         </p:txBody>
       </p:sp>
@@ -11593,7 +10508,7 @@
         <p:spPr>
           <a:xfrm>
             <a:off x="2764975" y="4039530"/>
-            <a:ext cx="2282011" cy="708399"/>
+            <a:ext cx="2363995" cy="798360"/>
           </a:xfrm>
           <a:prstGeom prst="rect">
             <a:avLst/>
@@ -11614,19 +10529,15 @@
               </a:spcBef>
             </a:pPr>
             <a:r>
-              <a:rPr lang="en-US" sz="1000">
+              <a:rPr lang="it-IT" sz="900" dirty="0">
                 <a:solidFill>
                   <a:srgbClr val="020302"/>
                 </a:solidFill>
                 <a:latin typeface="AdobeClean-Light"/>
                 <a:cs typeface="AdobeClean-Light"/>
               </a:rPr>
-              <a:t>Compare and align Adobe solution  roadmap with your project roadmap to  mitigate risk and prepare for the future.</a:t>
-            </a:r>
-            <a:endParaRPr lang="en-US" sz="1000">
-              <a:latin typeface="AdobeClean-Light"/>
-              <a:cs typeface="AdobeClean-Light"/>
-            </a:endParaRPr>
+              <a:t>Confronta e allinea la roadmap della soluzione Adobe con quella del progetto del cliente, per mitigare i rischi e prepararsi per il futuro.</a:t>
+            </a:r>
           </a:p>
           <a:p>
             <a:pPr marL="18415" marR="262255" lvl="0">
@@ -11638,7 +10549,7 @@
               </a:spcBef>
             </a:pPr>
             <a:r>
-              <a:rPr lang="en-US" sz="1000">
+              <a:rPr lang="it-IT" sz="900" dirty="0">
                 <a:solidFill>
                   <a:srgbClr val="020302"/>
                 </a:solidFill>
@@ -11647,13 +10558,6 @@
               </a:rPr>
               <a:t>.</a:t>
             </a:r>
-            <a:endParaRPr lang="en-US" sz="1000">
-              <a:solidFill>
-                <a:prstClr val="black"/>
-              </a:solidFill>
-              <a:latin typeface="AdobeClean-Light"/>
-              <a:cs typeface="AdobeClean-Light"/>
-            </a:endParaRPr>
           </a:p>
         </p:txBody>
       </p:sp>
@@ -11982,8 +10886,8 @@
         </p:nvSpPr>
         <p:spPr>
           <a:xfrm>
-            <a:off x="4843269" y="2329688"/>
-            <a:ext cx="1656080" cy="238760"/>
+            <a:off x="4611620" y="2329688"/>
+            <a:ext cx="2252473" cy="228268"/>
           </a:xfrm>
           <a:prstGeom prst="rect">
             <a:avLst/>
@@ -12004,179 +10908,15 @@
               </a:spcBef>
             </a:pPr>
             <a:r>
-              <a:rPr sz="1400" b="1" spc="-25">
+              <a:rPr lang="it-IT" sz="1400" b="1" dirty="0">
                 <a:solidFill>
                   <a:srgbClr val="020302"/>
                 </a:solidFill>
                 <a:latin typeface="Adobe Clean"/>
                 <a:cs typeface="Adobe Clean"/>
               </a:rPr>
-              <a:t>Fi</a:t>
-            </a:r>
-            <a:r>
-              <a:rPr sz="1400" b="1" spc="-35">
-                <a:solidFill>
-                  <a:srgbClr val="020302"/>
-                </a:solidFill>
-                <a:latin typeface="Adobe Clean"/>
-                <a:cs typeface="Adobe Clean"/>
-              </a:rPr>
-              <a:t>e</a:t>
-            </a:r>
-            <a:r>
-              <a:rPr sz="1400" b="1" spc="-25">
-                <a:solidFill>
-                  <a:srgbClr val="020302"/>
-                </a:solidFill>
-                <a:latin typeface="Adobe Clean"/>
-                <a:cs typeface="Adobe Clean"/>
-              </a:rPr>
-              <a:t>l</a:t>
-            </a:r>
-            <a:r>
-              <a:rPr sz="1400" b="1">
-                <a:solidFill>
-                  <a:srgbClr val="020302"/>
-                </a:solidFill>
-                <a:latin typeface="Adobe Clean"/>
-                <a:cs typeface="Adobe Clean"/>
-              </a:rPr>
-              <a:t>d</a:t>
-            </a:r>
-            <a:r>
-              <a:rPr sz="1400" b="1" spc="-40">
-                <a:solidFill>
-                  <a:srgbClr val="020302"/>
-                </a:solidFill>
-                <a:latin typeface="Adobe Clean"/>
-                <a:cs typeface="Adobe Clean"/>
-              </a:rPr>
-              <a:t> </a:t>
-            </a:r>
-            <a:r>
-              <a:rPr sz="1400" b="1" spc="25">
-                <a:solidFill>
-                  <a:srgbClr val="020302"/>
-                </a:solidFill>
-                <a:latin typeface="Adobe Clean"/>
-                <a:cs typeface="Adobe Clean"/>
-              </a:rPr>
-              <a:t>S</a:t>
-            </a:r>
-            <a:r>
-              <a:rPr sz="1400" b="1" spc="5">
-                <a:solidFill>
-                  <a:srgbClr val="020302"/>
-                </a:solidFill>
-                <a:latin typeface="Adobe Clean"/>
-                <a:cs typeface="Adobe Clean"/>
-              </a:rPr>
-              <a:t>e</a:t>
-            </a:r>
-            <a:r>
-              <a:rPr sz="1400" b="1" spc="15">
-                <a:solidFill>
-                  <a:srgbClr val="020302"/>
-                </a:solidFill>
-                <a:latin typeface="Adobe Clean"/>
-                <a:cs typeface="Adobe Clean"/>
-              </a:rPr>
-              <a:t>rvi</a:t>
-            </a:r>
-            <a:r>
-              <a:rPr sz="1400" b="1" spc="5">
-                <a:solidFill>
-                  <a:srgbClr val="020302"/>
-                </a:solidFill>
-                <a:latin typeface="Adobe Clean"/>
-                <a:cs typeface="Adobe Clean"/>
-              </a:rPr>
-              <a:t>c</a:t>
-            </a:r>
-            <a:r>
-              <a:rPr sz="1400" b="1">
-                <a:solidFill>
-                  <a:srgbClr val="020302"/>
-                </a:solidFill>
-                <a:latin typeface="Adobe Clean"/>
-                <a:cs typeface="Adobe Clean"/>
-              </a:rPr>
-              <a:t>e</a:t>
-            </a:r>
-            <a:r>
-              <a:rPr sz="1400" b="1" spc="-190">
-                <a:solidFill>
-                  <a:srgbClr val="020302"/>
-                </a:solidFill>
-                <a:latin typeface="Adobe Clean"/>
-                <a:cs typeface="Adobe Clean"/>
-              </a:rPr>
-              <a:t> </a:t>
-            </a:r>
-            <a:r>
-              <a:rPr sz="1400" b="1" spc="5">
-                <a:solidFill>
-                  <a:srgbClr val="020302"/>
-                </a:solidFill>
-                <a:latin typeface="Adobe Clean"/>
-                <a:cs typeface="Adobe Clean"/>
-              </a:rPr>
-              <a:t>A</a:t>
-            </a:r>
-            <a:r>
-              <a:rPr sz="1400" b="1" spc="-5">
-                <a:solidFill>
-                  <a:srgbClr val="020302"/>
-                </a:solidFill>
-                <a:latin typeface="Adobe Clean"/>
-                <a:cs typeface="Adobe Clean"/>
-              </a:rPr>
-              <a:t>ct</a:t>
-            </a:r>
-            <a:r>
-              <a:rPr sz="1400" b="1" spc="5">
-                <a:solidFill>
-                  <a:srgbClr val="020302"/>
-                </a:solidFill>
-                <a:latin typeface="Adobe Clean"/>
-                <a:cs typeface="Adobe Clean"/>
-              </a:rPr>
-              <a:t>ivi</a:t>
-            </a:r>
-            <a:r>
-              <a:rPr sz="1400" b="1" spc="-5">
-                <a:solidFill>
-                  <a:srgbClr val="020302"/>
-                </a:solidFill>
-                <a:latin typeface="Adobe Clean"/>
-                <a:cs typeface="Adobe Clean"/>
-              </a:rPr>
-              <a:t>t</a:t>
-            </a:r>
-            <a:r>
-              <a:rPr sz="1400" b="1" spc="5">
-                <a:solidFill>
-                  <a:srgbClr val="020302"/>
-                </a:solidFill>
-                <a:latin typeface="Adobe Clean"/>
-                <a:cs typeface="Adobe Clean"/>
-              </a:rPr>
-              <a:t>i</a:t>
-            </a:r>
-            <a:r>
-              <a:rPr sz="1400" b="1" spc="-5">
-                <a:solidFill>
-                  <a:srgbClr val="020302"/>
-                </a:solidFill>
-                <a:latin typeface="Adobe Clean"/>
-                <a:cs typeface="Adobe Clean"/>
-              </a:rPr>
-              <a:t>es</a:t>
-            </a:r>
-            <a:endParaRPr sz="1400">
-              <a:latin typeface="Adobe Clean"/>
-              <a:cs typeface="Adobe Clean"/>
-            </a:endParaRPr>
+              <a:t>Attività di servizio sul campo</a:t>
+            </a:r>
           </a:p>
         </p:txBody>
       </p:sp>
@@ -12188,8 +10928,8 @@
         </p:nvSpPr>
         <p:spPr>
           <a:xfrm>
-            <a:off x="914422" y="2342312"/>
-            <a:ext cx="1242060" cy="238760"/>
+            <a:off x="914421" y="2342312"/>
+            <a:ext cx="1523977" cy="228268"/>
           </a:xfrm>
           <a:prstGeom prst="rect">
             <a:avLst/>
@@ -12210,96 +10950,39 @@
               </a:spcBef>
             </a:pPr>
             <a:r>
-              <a:rPr sz="1400" b="1" spc="-25">
+              <a:rPr lang="it-IT" sz="1400" b="1" dirty="0" err="1">
                 <a:solidFill>
                   <a:srgbClr val="020302"/>
                 </a:solidFill>
                 <a:latin typeface="Adobe Clean"/>
                 <a:cs typeface="Adobe Clean"/>
               </a:rPr>
-              <a:t>L</a:t>
-            </a:r>
-            <a:r>
-              <a:rPr sz="1400" b="1" spc="-5">
+              <a:t>Launch</a:t>
+            </a:r>
+            <a:r>
+              <a:rPr lang="it-IT" sz="1400" b="1" dirty="0">
                 <a:solidFill>
                   <a:srgbClr val="020302"/>
                 </a:solidFill>
                 <a:latin typeface="Adobe Clean"/>
                 <a:cs typeface="Adobe Clean"/>
               </a:rPr>
-              <a:t>a</a:t>
-            </a:r>
-            <a:r>
-              <a:rPr sz="1400" b="1" spc="-20">
+              <a:t> </a:t>
+            </a:r>
+            <a:r>
+              <a:rPr lang="it-IT" sz="1400" b="1" dirty="0" err="1">
                 <a:solidFill>
                   <a:srgbClr val="020302"/>
                 </a:solidFill>
                 <a:latin typeface="Adobe Clean"/>
                 <a:cs typeface="Adobe Clean"/>
               </a:rPr>
-              <a:t>u</a:t>
-            </a:r>
-            <a:r>
-              <a:rPr sz="1400" b="1" spc="-15">
-                <a:solidFill>
-                  <a:srgbClr val="020302"/>
-                </a:solidFill>
-                <a:latin typeface="Adobe Clean"/>
-                <a:cs typeface="Adobe Clean"/>
-              </a:rPr>
-              <a:t>n</a:t>
-            </a:r>
-            <a:r>
-              <a:rPr sz="1400" b="1" spc="-25">
-                <a:solidFill>
-                  <a:srgbClr val="020302"/>
-                </a:solidFill>
-                <a:latin typeface="Adobe Clean"/>
-                <a:cs typeface="Adobe Clean"/>
-              </a:rPr>
-              <a:t>c</a:t>
-            </a:r>
-            <a:r>
-              <a:rPr sz="1400" b="1">
-                <a:solidFill>
-                  <a:srgbClr val="020302"/>
-                </a:solidFill>
-                <a:latin typeface="Adobe Clean"/>
-                <a:cs typeface="Adobe Clean"/>
-              </a:rPr>
-              <a:t>h</a:t>
-            </a:r>
-            <a:r>
-              <a:rPr sz="1400" b="1" spc="-25">
-                <a:solidFill>
-                  <a:srgbClr val="020302"/>
-                </a:solidFill>
-                <a:latin typeface="Adobe Clean"/>
-                <a:cs typeface="Adobe Clean"/>
-              </a:rPr>
-              <a:t> </a:t>
-            </a:r>
-            <a:r>
-              <a:rPr sz="1400" b="1" spc="-10">
-                <a:solidFill>
-                  <a:srgbClr val="020302"/>
-                </a:solidFill>
-                <a:latin typeface="Adobe Clean"/>
-                <a:cs typeface="Adobe Clean"/>
-              </a:rPr>
-              <a:t>Advisor</a:t>
-            </a:r>
-            <a:r>
-              <a:rPr sz="1400" b="1">
-                <a:solidFill>
-                  <a:srgbClr val="020302"/>
-                </a:solidFill>
-                <a:latin typeface="Adobe Clean"/>
-                <a:cs typeface="Adobe Clean"/>
-              </a:rPr>
-              <a:t>y</a:t>
-            </a:r>
-            <a:endParaRPr sz="1400">
+              <a:t>Advisory</a:t>
+            </a:r>
+            <a:endParaRPr lang="it-IT" sz="1400" b="1" dirty="0">
+              <a:solidFill>
+                <a:srgbClr val="020302"/>
+              </a:solidFill>
               <a:latin typeface="Adobe Clean"/>
               <a:cs typeface="Adobe Clean"/>
             </a:endParaRPr>
@@ -12315,7 +10998,7 @@
         <p:spPr>
           <a:xfrm>
             <a:off x="242187" y="2787904"/>
-            <a:ext cx="3004185" cy="635000"/>
+            <a:ext cx="3004185" cy="782265"/>
           </a:xfrm>
           <a:prstGeom prst="rect">
             <a:avLst/>
@@ -12336,90 +11019,104 @@
               </a:spcBef>
             </a:pPr>
             <a:r>
-              <a:rPr sz="1000">
+              <a:rPr lang="it-IT" sz="1000" dirty="0">
                 <a:solidFill>
                   <a:srgbClr val="1F1F1F"/>
                 </a:solidFill>
                 <a:latin typeface="AdobeClean-Light"/>
                 <a:cs typeface="AdobeClean-Light"/>
               </a:rPr>
-              <a:t>For customers implementing a </a:t>
-            </a:r>
-            <a:r>
-              <a:rPr sz="1000" b="1">
+              <a:t>Per i clienti che implementano una </a:t>
+            </a:r>
+            <a:r>
+              <a:rPr lang="it-IT" sz="1000" b="1" dirty="0">
                 <a:solidFill>
                   <a:srgbClr val="1F1F1F"/>
                 </a:solidFill>
                 <a:latin typeface="Adobe Clean"/>
                 <a:cs typeface="Adobe Clean"/>
               </a:rPr>
-              <a:t>new Adobe Experience Cloud  solution, </a:t>
-            </a:r>
-            <a:r>
-              <a:rPr sz="1000">
+              <a:t>nuova soluzione Adobe Experience Cloud, </a:t>
+            </a:r>
+            <a:r>
+              <a:rPr lang="it-IT" sz="1000" dirty="0" err="1">
                 <a:latin typeface="AdobeClean-Light"/>
                 <a:cs typeface="AdobeClean-Light"/>
               </a:rPr>
-              <a:t>Launch Advisory </a:t>
-            </a:r>
-            <a:r>
-              <a:rPr sz="1000">
+              <a:t>Launch</a:t>
+            </a:r>
+            <a:r>
+              <a:rPr lang="it-IT" sz="1000" dirty="0">
+                <a:latin typeface="AdobeClean-Light"/>
+                <a:cs typeface="AdobeClean-Light"/>
+              </a:rPr>
+              <a:t> </a:t>
+            </a:r>
+            <a:r>
+              <a:rPr lang="it-IT" sz="1000" dirty="0" err="1">
+                <a:latin typeface="AdobeClean-Light"/>
+                <a:cs typeface="AdobeClean-Light"/>
+              </a:rPr>
+              <a:t>Advisory</a:t>
+            </a:r>
+            <a:r>
+              <a:rPr lang="it-IT" sz="1000" dirty="0">
+                <a:latin typeface="AdobeClean-Light"/>
+                <a:cs typeface="AdobeClean-Light"/>
+              </a:rPr>
+              <a:t> </a:t>
+            </a:r>
+            <a:r>
+              <a:rPr lang="it-IT" sz="1000" dirty="0">
                 <a:latin typeface="AdobeClean-SemiLight"/>
                 <a:cs typeface="AdobeClean-SemiLight"/>
               </a:rPr>
-              <a:t>is a </a:t>
-            </a:r>
-            <a:r>
-              <a:rPr sz="950">
+              <a:t>offre un </a:t>
+            </a:r>
+            <a:r>
+              <a:rPr lang="it-IT" sz="950" dirty="0">
                 <a:latin typeface="AdobeClean-SemiLight"/>
                 <a:cs typeface="AdobeClean-SemiLight"/>
               </a:rPr>
-              <a:t>core set of advisory</a:t>
-            </a:r>
-          </a:p>
-          <a:p>
-            <a:pPr marL="12700" marR="86995" indent="-635">
-              <a:lnSpc>
-                <a:spcPct val="100000"/>
-              </a:lnSpc>
-            </a:pPr>
-            <a:r>
-              <a:rPr sz="950">
-                <a:latin typeface="AdobeClean-SemiLight"/>
-                <a:cs typeface="AdobeClean-SemiLight"/>
-              </a:rPr>
-              <a:t>services </a:t>
-            </a:r>
-            <a:r>
-              <a:rPr sz="1000">
+              <a:t>set principale di servizi di consulenza </a:t>
+            </a:r>
+            <a:r>
+              <a:rPr lang="it-IT" sz="1000" dirty="0">
                 <a:latin typeface="AdobeClean-Light"/>
                 <a:cs typeface="AdobeClean-Light"/>
               </a:rPr>
-              <a:t>and recommendations that are proven to </a:t>
-            </a:r>
-            <a:r>
-              <a:rPr sz="950">
+              <a:t>e raccomandazioni consolidate, utili per </a:t>
+            </a:r>
+            <a:r>
+              <a:rPr lang="it-IT" sz="950" dirty="0">
                 <a:latin typeface="AdobeClean-Light"/>
                 <a:cs typeface="AdobeClean-Light"/>
               </a:rPr>
-              <a:t>support  successful deployments </a:t>
-            </a:r>
-            <a:r>
-              <a:rPr sz="1000">
+              <a:t>il successo dell’implementazione </a:t>
+            </a:r>
+            <a:r>
+              <a:rPr lang="it-IT" sz="1000" dirty="0">
                 <a:latin typeface="AdobeClean-Light"/>
                 <a:cs typeface="AdobeClean-Light"/>
               </a:rPr>
-              <a:t>and </a:t>
-            </a:r>
-            <a:r>
-              <a:rPr sz="950">
+              <a:t>e </a:t>
+            </a:r>
+            <a:r>
+              <a:rPr lang="it-IT" sz="950" dirty="0">
                 <a:latin typeface="AdobeClean-Light"/>
                 <a:cs typeface="AdobeClean-Light"/>
               </a:rPr>
-              <a:t>accelerate time-to-value</a:t>
-            </a:r>
-            <a:r>
-              <a:rPr sz="1000">
+              <a:t>per velocizzare il time-to-</a:t>
+            </a:r>
+            <a:r>
+              <a:rPr lang="it-IT" sz="950" dirty="0" err="1">
+                <a:latin typeface="AdobeClean-Light"/>
+                <a:cs typeface="AdobeClean-Light"/>
+              </a:rPr>
+              <a:t>value</a:t>
+            </a:r>
+            <a:r>
+              <a:rPr lang="it-IT" sz="1000" dirty="0">
                 <a:latin typeface="AdobeClean-Light"/>
                 <a:cs typeface="AdobeClean-Light"/>
               </a:rPr>
@@ -12537,79 +11234,125 @@
               </a:spcBef>
             </a:pPr>
             <a:r>
-              <a:rPr sz="1000">
+              <a:rPr lang="it-IT" sz="1000" dirty="0">
                 <a:solidFill>
                   <a:srgbClr val="4B4B4B"/>
                 </a:solidFill>
                 <a:latin typeface="AdobeClean-Light"/>
                 <a:cs typeface="AdobeClean-Light"/>
               </a:rPr>
-              <a:t>Field Services are used for </a:t>
-            </a:r>
-            <a:r>
-              <a:rPr sz="1000" b="1">
+              <a:t>I servizi sul campo sono utilizzati per la </a:t>
+            </a:r>
+            <a:r>
+              <a:rPr lang="it-IT" sz="1000" b="1" dirty="0">
                 <a:solidFill>
                   <a:srgbClr val="4B4B4B"/>
                 </a:solidFill>
                 <a:latin typeface="Adobe Clean"/>
                 <a:cs typeface="Adobe Clean"/>
               </a:rPr>
-              <a:t>quick resolution</a:t>
-            </a:r>
-            <a:r>
-              <a:rPr sz="1000">
+              <a:t>risoluzione rapida</a:t>
+            </a:r>
+            <a:r>
+              <a:rPr lang="it-IT" sz="1000" dirty="0">
                 <a:solidFill>
                   <a:srgbClr val="4B4B4B"/>
                 </a:solidFill>
                 <a:latin typeface="AdobeClean-Light"/>
                 <a:cs typeface="AdobeClean-Light"/>
               </a:rPr>
-              <a:t>, focused customer success  and accelerated </a:t>
-            </a:r>
-            <a:r>
-              <a:rPr sz="1000" b="1">
+              <a:t> e si incentrano sul successo dei clienti e la velocizzazione del </a:t>
+            </a:r>
+            <a:r>
+              <a:rPr lang="it-IT" sz="1000" b="1" dirty="0">
                 <a:solidFill>
                   <a:srgbClr val="4B4B4B"/>
                 </a:solidFill>
                 <a:latin typeface="Adobe Clean"/>
                 <a:cs typeface="Adobe Clean"/>
               </a:rPr>
-              <a:t>time-to-value</a:t>
-            </a:r>
-            <a:r>
-              <a:rPr sz="1000">
+              <a:t>time-to-</a:t>
+            </a:r>
+            <a:r>
+              <a:rPr lang="it-IT" sz="1000" b="1" dirty="0" err="1">
+                <a:solidFill>
+                  <a:srgbClr val="4B4B4B"/>
+                </a:solidFill>
+                <a:latin typeface="Adobe Clean"/>
+                <a:cs typeface="Adobe Clean"/>
+              </a:rPr>
+              <a:t>value</a:t>
+            </a:r>
+            <a:r>
+              <a:rPr lang="it-IT" sz="1000" dirty="0">
                 <a:solidFill>
                   <a:srgbClr val="4B4B4B"/>
                 </a:solidFill>
                 <a:latin typeface="AdobeClean-Light"/>
                 <a:cs typeface="AdobeClean-Light"/>
               </a:rPr>
-              <a:t>. If Launch advisory is active there will be  </a:t>
-            </a:r>
-            <a:r>
-              <a:rPr sz="1000" b="1">
+              <a:t>. Se </a:t>
+            </a:r>
+            <a:r>
+              <a:rPr lang="it-IT" sz="1000" dirty="0" err="1">
+                <a:solidFill>
+                  <a:srgbClr val="4B4B4B"/>
+                </a:solidFill>
+                <a:latin typeface="AdobeClean-Light"/>
+                <a:cs typeface="AdobeClean-Light"/>
+              </a:rPr>
+              <a:t>Launch</a:t>
+            </a:r>
+            <a:r>
+              <a:rPr lang="it-IT" sz="1000" dirty="0">
+                <a:solidFill>
+                  <a:srgbClr val="4B4B4B"/>
+                </a:solidFill>
+                <a:latin typeface="AdobeClean-Light"/>
+                <a:cs typeface="AdobeClean-Light"/>
+              </a:rPr>
+              <a:t> </a:t>
+            </a:r>
+            <a:r>
+              <a:rPr lang="it-IT" sz="1000" dirty="0" err="1">
+                <a:solidFill>
+                  <a:srgbClr val="4B4B4B"/>
+                </a:solidFill>
+                <a:latin typeface="AdobeClean-Light"/>
+                <a:cs typeface="AdobeClean-Light"/>
+              </a:rPr>
+              <a:t>Advisory</a:t>
+            </a:r>
+            <a:r>
+              <a:rPr lang="it-IT" sz="1000" dirty="0">
+                <a:solidFill>
+                  <a:srgbClr val="4B4B4B"/>
+                </a:solidFill>
+                <a:latin typeface="AdobeClean-Light"/>
+                <a:cs typeface="AdobeClean-Light"/>
+              </a:rPr>
+              <a:t> è attivo, </a:t>
+            </a:r>
+            <a:r>
+              <a:rPr lang="it-IT" sz="1000" b="1" dirty="0">
                 <a:solidFill>
                   <a:srgbClr val="4B4B4B"/>
                 </a:solidFill>
                 <a:latin typeface="Adobe Clean"/>
                 <a:cs typeface="Adobe Clean"/>
               </a:rPr>
-              <a:t>no Field Services in year 1 </a:t>
-            </a:r>
-            <a:r>
-              <a:rPr sz="1000">
+              <a:t>nel primo anno non sono previsti servizi sul campo</a:t>
+            </a:r>
+            <a:r>
+              <a:rPr lang="it-IT" sz="1000" dirty="0">
                 <a:solidFill>
                   <a:srgbClr val="4B4B4B"/>
                 </a:solidFill>
                 <a:latin typeface="AdobeClean-Light"/>
                 <a:cs typeface="AdobeClean-Light"/>
               </a:rPr>
-              <a:t>for any solution product covered by a  Support contract.</a:t>
-            </a:r>
-            <a:endParaRPr sz="1000">
-              <a:latin typeface="AdobeClean-Light"/>
-              <a:cs typeface="AdobeClean-Light"/>
-            </a:endParaRPr>
+              <a:t> per i prodotti coperti da un contratto di supporto Adobe.</a:t>
+            </a:r>
           </a:p>
         </p:txBody>
       </p:sp>
@@ -12727,11 +11470,32 @@
               </a:spcBef>
             </a:pPr>
             <a:r>
-              <a:rPr sz="1000">
+              <a:rPr lang="it-IT" sz="1000" dirty="0" err="1">
                 <a:latin typeface="AdobeClean-Light"/>
                 <a:cs typeface="AdobeClean-Light"/>
               </a:rPr>
-              <a:t>Launch Advisory will align with your project schedule through  common milestones (Kickoff, Define, Design, Go-live and Post  Launch) to guide, validate, assess and make recommendations.</a:t>
+              <a:t>Launch</a:t>
+            </a:r>
+            <a:r>
+              <a:rPr lang="it-IT" sz="1000" dirty="0">
+                <a:latin typeface="AdobeClean-Light"/>
+                <a:cs typeface="AdobeClean-Light"/>
+              </a:rPr>
+              <a:t> </a:t>
+            </a:r>
+            <a:r>
+              <a:rPr lang="it-IT" sz="1000" dirty="0" err="1">
+                <a:latin typeface="AdobeClean-Light"/>
+                <a:cs typeface="AdobeClean-Light"/>
+              </a:rPr>
+              <a:t>Advisory</a:t>
+            </a:r>
+            <a:r>
+              <a:rPr lang="it-IT" sz="1000" dirty="0">
+                <a:latin typeface="AdobeClean-Light"/>
+                <a:cs typeface="AdobeClean-Light"/>
+              </a:rPr>
+              <a:t> si allinea alla pianificazione del progetto del cliente, con obiettivi intermedi comuni (avvio, definizione, progettazione, lancio e post-lancio) per guidare, convalidare, valutare e formulare raccomandazioni.</a:t>
             </a:r>
           </a:p>
         </p:txBody>
@@ -12745,7 +11509,7 @@
         <p:spPr>
           <a:xfrm>
             <a:off x="263464" y="5982715"/>
-            <a:ext cx="1247140" cy="166712"/>
+            <a:ext cx="1828800" cy="166712"/>
           </a:xfrm>
           <a:prstGeom prst="rect">
             <a:avLst/>
@@ -12766,11 +11530,11 @@
               </a:spcBef>
             </a:pPr>
             <a:r>
-              <a:rPr sz="1000">
+              <a:rPr lang="it-IT" sz="1000" dirty="0">
                 <a:latin typeface="AdobeClean-Light"/>
                 <a:cs typeface="AdobeClean-Light"/>
               </a:rPr>
-              <a:t>Key Deliverables include:</a:t>
+              <a:t>Il servizio include i seguenti materiali:</a:t>
             </a:r>
           </a:p>
         </p:txBody>
@@ -12784,7 +11548,7 @@
         <p:spPr>
           <a:xfrm>
             <a:off x="205422" y="6308299"/>
-            <a:ext cx="2745105" cy="592470"/>
+            <a:ext cx="3342450" cy="592470"/>
           </a:xfrm>
           <a:prstGeom prst="rect">
             <a:avLst/>
@@ -12804,12 +11568,12 @@
               <a:buChar char="•"/>
             </a:pPr>
             <a:r>
-              <a:rPr lang="en-US" sz="1000">
+              <a:rPr lang="it-IT" sz="1000" dirty="0">
                 <a:solidFill>
                   <a:prstClr val="black"/>
                 </a:solidFill>
               </a:rPr>
-              <a:t>Kickoff (including project collaboration plan) deck</a:t>
+              <a:t>Piano di lancio (incluso il piano di collaborazione al progetto)</a:t>
             </a:r>
           </a:p>
           <a:p>
@@ -12821,12 +11585,12 @@
               <a:buChar char="•"/>
             </a:pPr>
             <a:r>
-              <a:rPr lang="en-US" sz="1000">
+              <a:rPr lang="it-IT" sz="1000" dirty="0">
                 <a:solidFill>
                   <a:prstClr val="black"/>
                 </a:solidFill>
               </a:rPr>
-              <a:t>Assessment &amp; recommendations document(s)</a:t>
+              <a:t>Documentazione relativa a valutazione e raccomandazioni</a:t>
             </a:r>
           </a:p>
           <a:p>
@@ -12838,12 +11602,12 @@
               <a:buChar char="•"/>
             </a:pPr>
             <a:r>
-              <a:rPr lang="en-US" sz="1000">
+              <a:rPr lang="it-IT" sz="1000" dirty="0">
                 <a:solidFill>
                   <a:prstClr val="black"/>
                 </a:solidFill>
               </a:rPr>
-              <a:t>Engagement summary</a:t>
+              <a:t>Riepilogo dell’ambito delle attività di consulenza</a:t>
             </a:r>
           </a:p>
         </p:txBody>
@@ -12878,19 +11642,15 @@
               </a:spcBef>
             </a:pPr>
             <a:r>
-              <a:rPr sz="1600">
+              <a:rPr lang="it-IT" sz="1600" dirty="0">
                 <a:solidFill>
                   <a:srgbClr val="FFFFFF"/>
                 </a:solidFill>
                 <a:latin typeface="Arial"/>
                 <a:cs typeface="Arial"/>
               </a:rPr>
-              <a:t>Implementation</a:t>
-            </a:r>
-            <a:endParaRPr sz="1600">
-              <a:latin typeface="Arial"/>
-              <a:cs typeface="Arial"/>
-            </a:endParaRPr>
+              <a:t>Implementazione</a:t>
+            </a:r>
           </a:p>
           <a:p>
             <a:pPr marL="12700" marR="5080">
@@ -12902,32 +11662,46 @@
               </a:spcBef>
             </a:pPr>
             <a:r>
-              <a:rPr sz="1000">
+              <a:rPr lang="it-IT" sz="1000" dirty="0">
                 <a:latin typeface="AdobeClean-Light"/>
                 <a:cs typeface="AdobeClean-Light"/>
               </a:rPr>
-              <a:t>Adobe solution experts help validate requirements, architecture,  development process, and launch readiness reviews </a:t>
-            </a:r>
-            <a:r>
-              <a:rPr sz="1000">
+              <a:t>Gli esperti delle soluzioni Adobe aiutano a convalidare i requisiti, l’architettura, il processo di sviluppo e lo stato di preparazione, </a:t>
+            </a:r>
+            <a:r>
+              <a:rPr lang="it-IT" sz="1000" dirty="0">
                 <a:latin typeface="AdobeClean-SemiLight"/>
                 <a:cs typeface="AdobeClean-SemiLight"/>
               </a:rPr>
-              <a:t>with </a:t>
-            </a:r>
-            <a:r>
-              <a:rPr sz="950">
+              <a:t>con </a:t>
+            </a:r>
+            <a:r>
+              <a:rPr lang="it-IT" sz="950" dirty="0">
                 <a:latin typeface="AdobeClean-SemiLight"/>
                 <a:cs typeface="AdobeClean-SemiLight"/>
               </a:rPr>
-              <a:t>best  practice-based guidance </a:t>
-            </a:r>
-            <a:r>
-              <a:rPr sz="1000">
+              <a:t>indicazioni basate su best </a:t>
+            </a:r>
+            <a:r>
+              <a:rPr lang="it-IT" sz="950" dirty="0" err="1">
                 <a:latin typeface="AdobeClean-SemiLight"/>
                 <a:cs typeface="AdobeClean-SemiLight"/>
               </a:rPr>
-              <a:t>to customers and implementation  partners.</a:t>
+              <a:t>practice</a:t>
+            </a:r>
+            <a:r>
+              <a:rPr lang="it-IT" sz="950" dirty="0">
+                <a:latin typeface="AdobeClean-SemiLight"/>
+                <a:cs typeface="AdobeClean-SemiLight"/>
+              </a:rPr>
+              <a:t> </a:t>
+            </a:r>
+            <a:r>
+              <a:rPr lang="it-IT" sz="1000" dirty="0">
+                <a:latin typeface="AdobeClean-SemiLight"/>
+                <a:cs typeface="AdobeClean-SemiLight"/>
+              </a:rPr>
+              <a:t>rivolte ai clienti e ai partner di implementazione.</a:t>
             </a:r>
           </a:p>
         </p:txBody>
@@ -12939,15 +11713,20 @@
           <p:nvPr/>
         </p:nvPicPr>
         <p:blipFill>
-          <a:blip r:embed="rId3" cstate="print"/>
-          <a:stretch>
-            <a:fillRect/>
-          </a:stretch>
+          <a:blip r:embed="rId3" cstate="print">
+            <a:extLst>
+              <a:ext uri="{28A0092B-C50C-407E-A947-70E740481C1C}">
+                <a14:useLocalDpi xmlns:a14="http://schemas.microsoft.com/office/drawing/2010/main" val="0"/>
+              </a:ext>
+            </a:extLst>
+          </a:blip>
+          <a:srcRect/>
+          <a:stretch/>
         </p:blipFill>
         <p:spPr>
           <a:xfrm>
-            <a:off x="363328" y="6930985"/>
-            <a:ext cx="3053821" cy="2818913"/>
+            <a:off x="363328" y="6930986"/>
+            <a:ext cx="3053821" cy="2818911"/>
           </a:xfrm>
           <a:prstGeom prst="rect">
             <a:avLst/>
@@ -12962,8 +11741,8 @@
         </p:nvSpPr>
         <p:spPr>
           <a:xfrm>
-            <a:off x="3947346" y="5363972"/>
-            <a:ext cx="3335020" cy="659765"/>
+            <a:off x="3947345" y="5363972"/>
+            <a:ext cx="3512875" cy="806183"/>
           </a:xfrm>
           <a:prstGeom prst="rect">
             <a:avLst/>
@@ -12984,30 +11763,19 @@
               </a:spcBef>
             </a:pPr>
             <a:r>
-              <a:rPr sz="1000" b="1">
+              <a:rPr lang="it-IT" sz="1000" b="1" dirty="0">
                 <a:latin typeface="Arial"/>
                 <a:cs typeface="Arial"/>
               </a:rPr>
-              <a:t>Technical Track Activities </a:t>
-            </a:r>
-            <a:r>
-              <a:rPr sz="1000">
+              <a:t>Le attività tecniche</a:t>
+            </a:r>
+            <a:r>
+              <a:rPr lang="it-IT" sz="1000" dirty="0">
                 <a:latin typeface="AdobeClean-Light"/>
                 <a:cs typeface="AdobeClean-Light"/>
               </a:rPr>
-              <a:t>ensure customers are technically sound  and maximizing their tool adoption. Specifically, these types of  activities include support and recommendations related to platform  configurations, integrations and troubleshooting</a:t>
-            </a:r>
-            <a:r>
-              <a:rPr lang="en-US" sz="1000">
-                <a:latin typeface="AdobeClean-Light"/>
-                <a:cs typeface="AdobeClean-Light"/>
-              </a:rPr>
-              <a:t>.</a:t>
-            </a:r>
-            <a:endParaRPr sz="1000">
-              <a:latin typeface="AdobeClean-Light"/>
-              <a:cs typeface="AdobeClean-Light"/>
-            </a:endParaRPr>
+              <a:t> supportano le competenze tecniche del clienti e sono volte a massimizzare l’adozione degli strumenti. In particolare, includono supporto e raccomandazioni in merito a configurazioni della piattaforma, integrazioni e risoluzione di problemi.</a:t>
+            </a:r>
           </a:p>
         </p:txBody>
       </p:sp>
@@ -13020,7 +11788,7 @@
         <p:spPr>
           <a:xfrm>
             <a:off x="3947346" y="6174740"/>
-            <a:ext cx="2099310" cy="1436291"/>
+            <a:ext cx="3105726" cy="1436291"/>
           </a:xfrm>
           <a:prstGeom prst="rect">
             <a:avLst/>
@@ -13041,11 +11809,11 @@
               </a:spcBef>
             </a:pPr>
             <a:r>
-              <a:rPr sz="1000">
+              <a:rPr lang="it-IT" sz="1000" dirty="0">
                 <a:latin typeface="AdobeClean-Light"/>
                 <a:cs typeface="AdobeClean-Light"/>
               </a:rPr>
-              <a:t>Types of technical activities available::</a:t>
+              <a:t>Attività tecniche disponibili:</a:t>
             </a:r>
           </a:p>
           <a:p>
@@ -13060,12 +11828,12 @@
               <a:buChar char="ü"/>
             </a:pPr>
             <a:r>
-              <a:rPr lang="en-US" sz="1000">
+              <a:rPr lang="it-IT" sz="1000" dirty="0">
                 <a:solidFill>
                   <a:prstClr val="black"/>
                 </a:solidFill>
               </a:rPr>
-              <a:t>Health audit</a:t>
+              <a:t>Audit sullo stato del sistema</a:t>
             </a:r>
           </a:p>
           <a:p>
@@ -13080,12 +11848,12 @@
               <a:buChar char="ü"/>
             </a:pPr>
             <a:r>
-              <a:rPr lang="en-US" sz="1000">
+              <a:rPr lang="it-IT" sz="1000" dirty="0">
                 <a:solidFill>
                   <a:prstClr val="black"/>
                 </a:solidFill>
               </a:rPr>
-              <a:t>Platform audit</a:t>
+              <a:t>Audit della piattaforma</a:t>
             </a:r>
           </a:p>
           <a:p>
@@ -13100,12 +11868,12 @@
               <a:buChar char="ü"/>
             </a:pPr>
             <a:r>
-              <a:rPr lang="en-US" sz="1000">
+              <a:rPr lang="it-IT" sz="1000" dirty="0">
                 <a:solidFill>
                   <a:prstClr val="black"/>
                 </a:solidFill>
               </a:rPr>
-              <a:t>Feature set enablement</a:t>
+              <a:t>Abilitazione del set di funzioni</a:t>
             </a:r>
           </a:p>
           <a:p>
@@ -13120,12 +11888,12 @@
               <a:buChar char="ü"/>
             </a:pPr>
             <a:r>
-              <a:rPr lang="en-US" sz="1000">
+              <a:rPr lang="it-IT" sz="1000" dirty="0">
                 <a:solidFill>
                   <a:prstClr val="black"/>
                 </a:solidFill>
               </a:rPr>
-              <a:t>Basic integrations and configurations</a:t>
+              <a:t>Integrazioni e configurazioni di base</a:t>
             </a:r>
           </a:p>
           <a:p>
@@ -13140,12 +11908,12 @@
               <a:buChar char="ü"/>
             </a:pPr>
             <a:r>
-              <a:rPr lang="en-US" sz="1000">
+              <a:rPr lang="it-IT" sz="1000" dirty="0">
                 <a:solidFill>
                   <a:prstClr val="black"/>
                 </a:solidFill>
               </a:rPr>
-              <a:t>Customer solution troubleshooting</a:t>
+              <a:t>Risoluzione di problemi inerenti la soluzione del cliente</a:t>
             </a:r>
           </a:p>
           <a:p>
@@ -13160,12 +11928,12 @@
               <a:buChar char="ü"/>
             </a:pPr>
             <a:r>
-              <a:rPr lang="en-US" sz="1000">
+              <a:rPr lang="it-IT" sz="1000" dirty="0">
                 <a:solidFill>
                   <a:prstClr val="black"/>
                 </a:solidFill>
               </a:rPr>
-              <a:t>Cloud service support</a:t>
+              <a:t>Supporto dei servizi cloud</a:t>
             </a:r>
           </a:p>
         </p:txBody>
@@ -13200,18 +11968,18 @@
               </a:spcBef>
             </a:pPr>
             <a:r>
-              <a:rPr sz="1000" b="1">
+              <a:rPr lang="it-IT" sz="1000" b="1" dirty="0">
                 <a:latin typeface="Arial"/>
                 <a:cs typeface="Arial"/>
               </a:rPr>
-              <a:t>Strategic Track Activities </a:t>
-            </a:r>
-            <a:r>
-              <a:rPr sz="1000">
+              <a:t>Le attività strategiche</a:t>
+            </a:r>
+            <a:r>
+              <a:rPr lang="it-IT" sz="1000" dirty="0">
                 <a:latin typeface="AdobeClean-Light"/>
                 <a:cs typeface="AdobeClean-Light"/>
               </a:rPr>
-              <a:t>locate opportunities to ensure value is  being realized from a customer’s Adobe solutions. They include  support recommendations related to strategy, measurement and  maturity to drive value realization across one or more Adobe  solutions.</a:t>
+              <a:t> rilevano le opportunità che consentono di trarre maggior valore dalle soluzioni Adobe del cliente. Includono raccomandazioni di supporto relative a strategia, misurazione e livello di preparazione per favorire la realizzazione di valore tramite una o più soluzioni Adobe.</a:t>
             </a:r>
           </a:p>
           <a:p>
@@ -13223,7 +11991,7 @@
                 <a:spcPts val="40"/>
               </a:spcBef>
             </a:pPr>
-            <a:endParaRPr sz="1100">
+            <a:endParaRPr sz="1100" dirty="0">
               <a:latin typeface="AdobeClean-Light"/>
               <a:cs typeface="AdobeClean-Light"/>
             </a:endParaRPr>
@@ -13235,11 +12003,11 @@
               </a:lnSpc>
             </a:pPr>
             <a:r>
-              <a:rPr sz="1000">
+              <a:rPr lang="it-IT" sz="1000" dirty="0">
                 <a:latin typeface="AdobeClean-Light"/>
                 <a:cs typeface="AdobeClean-Light"/>
               </a:rPr>
-              <a:t>Types of strategic activities available::</a:t>
+              <a:t>Attività strategiche disponibili:</a:t>
             </a:r>
           </a:p>
           <a:p>
@@ -13254,12 +12022,12 @@
               <a:buChar char="ü"/>
             </a:pPr>
             <a:r>
-              <a:rPr lang="en-US" sz="1000">
+              <a:rPr lang="it-IT" sz="1000" dirty="0">
                 <a:solidFill>
                   <a:prstClr val="black"/>
                 </a:solidFill>
               </a:rPr>
-              <a:t>Maturity Roadmap</a:t>
+              <a:t>Roadmap sul livello di preparazione</a:t>
             </a:r>
           </a:p>
           <a:p>
@@ -13274,12 +12042,12 @@
               <a:buChar char="ü"/>
             </a:pPr>
             <a:r>
-              <a:rPr lang="en-US" sz="1000">
+              <a:rPr lang="it-IT" sz="1000" dirty="0">
                 <a:solidFill>
                   <a:prstClr val="black"/>
                 </a:solidFill>
               </a:rPr>
-              <a:t>Use case development/measurement</a:t>
+              <a:t>Sviluppo e misurazione di casi d’uso</a:t>
             </a:r>
           </a:p>
           <a:p>
@@ -13294,12 +12062,12 @@
               <a:buChar char="ü"/>
             </a:pPr>
             <a:r>
-              <a:rPr lang="en-US" sz="1000">
+              <a:rPr lang="it-IT" sz="1000" dirty="0">
                 <a:solidFill>
                   <a:prstClr val="black"/>
                 </a:solidFill>
               </a:rPr>
-              <a:t>Reporting &amp; analysis</a:t>
+              <a:t>Reporting e analisi</a:t>
             </a:r>
           </a:p>
           <a:p>
@@ -13314,13 +12082,26 @@
               <a:buChar char="ü"/>
             </a:pPr>
             <a:r>
-              <a:rPr lang="en-US" sz="1000">
+              <a:rPr lang="it-IT" sz="1000" dirty="0">
                 <a:solidFill>
                   <a:prstClr val="black"/>
                 </a:solidFill>
               </a:rPr>
-              <a:t>Best practices enablement</a:t>
-            </a:r>
+              <a:t>Abilitazione delle best </a:t>
+            </a:r>
+            <a:r>
+              <a:rPr lang="it-IT" sz="1000" dirty="0" err="1">
+                <a:solidFill>
+                  <a:prstClr val="black"/>
+                </a:solidFill>
+              </a:rPr>
+              <a:t>practice</a:t>
+            </a:r>
+            <a:endParaRPr lang="it-IT" sz="1000" dirty="0">
+              <a:solidFill>
+                <a:prstClr val="black"/>
+              </a:solidFill>
+            </a:endParaRPr>
           </a:p>
         </p:txBody>
       </p:sp>
@@ -13354,19 +12135,15 @@
               </a:spcBef>
             </a:pPr>
             <a:r>
-              <a:rPr sz="1600">
+              <a:rPr lang="it-IT" sz="1600" dirty="0">
                 <a:solidFill>
                   <a:srgbClr val="FFFFFF"/>
                 </a:solidFill>
                 <a:latin typeface="Arial"/>
                 <a:cs typeface="Arial"/>
               </a:rPr>
-              <a:t>Run &amp; Operate</a:t>
-            </a:r>
-            <a:endParaRPr sz="1600">
-              <a:latin typeface="Arial"/>
-              <a:cs typeface="Arial"/>
-            </a:endParaRPr>
+              <a:t>Esecuzione e utilizzo</a:t>
+            </a:r>
           </a:p>
           <a:p>
             <a:pPr marL="12700">
@@ -13375,17 +12152,17 @@
               </a:spcBef>
             </a:pPr>
             <a:r>
-              <a:rPr sz="1000">
+              <a:rPr lang="it-IT" sz="1000" dirty="0">
                 <a:solidFill>
                   <a:srgbClr val="1F1F1F"/>
                 </a:solidFill>
                 <a:latin typeface="Adobe Clean"/>
                 <a:cs typeface="Adobe Clean"/>
               </a:rPr>
-              <a:t>As an </a:t>
-            </a:r>
-            <a:r>
-              <a:rPr lang="en-US" sz="1000">
+              <a:t>I clienti </a:t>
+            </a:r>
+            <a:r>
+              <a:rPr lang="it-IT" sz="1000" dirty="0" err="1">
                 <a:solidFill>
                   <a:srgbClr val="1F1F1F"/>
                 </a:solidFill>
@@ -13395,37 +12172,17 @@
               <a:t>Elite</a:t>
             </a:r>
             <a:r>
-              <a:rPr sz="1000">
+              <a:rPr lang="it-IT" sz="1000" dirty="0">
                 <a:solidFill>
                   <a:srgbClr val="1F1F1F"/>
                 </a:solidFill>
                 <a:latin typeface="Adobe Clean"/>
                 <a:cs typeface="Adobe Clean"/>
               </a:rPr>
-              <a:t> customer, you are</a:t>
-            </a:r>
-            <a:r>
-              <a:rPr lang="en-US" sz="1000">
-                <a:solidFill>
-                  <a:srgbClr val="1F1F1F"/>
-                </a:solidFill>
-                <a:latin typeface="Adobe Clean"/>
-                <a:cs typeface="Adobe Clean"/>
-              </a:rPr>
-              <a:t> </a:t>
-            </a:r>
-            <a:r>
-              <a:rPr sz="1000">
-                <a:solidFill>
-                  <a:srgbClr val="1F1F1F"/>
-                </a:solidFill>
-                <a:latin typeface="Adobe Clean"/>
-                <a:cs typeface="Adobe Clean"/>
-              </a:rPr>
-              <a:t> eligible for</a:t>
-            </a:r>
-            <a:r>
-              <a:rPr lang="en-US" sz="1200">
+              <a:t> hanno diritto a</a:t>
+            </a:r>
+            <a:r>
+              <a:rPr lang="it-IT" sz="1200" dirty="0">
                 <a:solidFill>
                   <a:srgbClr val="1F1F1F"/>
                 </a:solidFill>
@@ -13440,7 +12197,7 @@
               <a:t> </a:t>
             </a:r>
             <a:r>
-              <a:rPr lang="en-US" sz="1200" u="sng">
+              <a:rPr lang="it-IT" sz="1200" u="sng" dirty="0">
                 <a:solidFill>
                   <a:srgbClr val="1F1F1F"/>
                 </a:solidFill>
@@ -13455,7 +12212,7 @@
               <a:t>4</a:t>
             </a:r>
             <a:r>
-              <a:rPr sz="1200" b="1">
+              <a:rPr lang="it-IT" sz="1200" b="1" dirty="0">
                 <a:solidFill>
                   <a:srgbClr val="1F1F1F"/>
                 </a:solidFill>
@@ -13465,77 +12222,67 @@
               <a:t> </a:t>
             </a:r>
             <a:r>
-              <a:rPr sz="1000" b="1">
+              <a:rPr lang="it-IT" sz="1000" b="1" dirty="0">
                 <a:solidFill>
                   <a:srgbClr val="1F1F1F"/>
                 </a:solidFill>
                 <a:latin typeface="Arial"/>
                 <a:cs typeface="Arial"/>
               </a:rPr>
-              <a:t>activities per </a:t>
-            </a:r>
-            <a:r>
-              <a:rPr lang="en-US" sz="1000" b="1">
+              <a:t>attività all’anno </a:t>
+            </a:r>
+            <a:r>
+              <a:rPr lang="it-IT" sz="1000" dirty="0">
+                <a:solidFill>
+                  <a:srgbClr val="1F1F1F"/>
+                </a:solidFill>
+                <a:latin typeface="Adobe Clean"/>
+                <a:cs typeface="Arial"/>
+              </a:rPr>
+              <a:t>di</a:t>
+            </a:r>
+            <a:r>
+              <a:rPr lang="it-IT" sz="1000" dirty="0">
+                <a:solidFill>
+                  <a:srgbClr val="1F1F1F"/>
+                </a:solidFill>
+                <a:latin typeface="Adobe Clean"/>
+                <a:cs typeface="Adobe Clean"/>
+              </a:rPr>
+              <a:t> tipo </a:t>
+            </a:r>
+            <a:r>
+              <a:rPr lang="it-IT" sz="1000" b="1" dirty="0">
                 <a:solidFill>
                   <a:srgbClr val="1F1F1F"/>
                 </a:solidFill>
                 <a:latin typeface="Arial"/>
                 <a:cs typeface="Arial"/>
               </a:rPr>
-              <a:t>year </a:t>
-            </a:r>
-            <a:r>
-              <a:rPr lang="en-US" sz="1000">
-                <a:solidFill>
-                  <a:srgbClr val="1F1F1F"/>
-                </a:solidFill>
-                <a:latin typeface="Adobe Clean"/>
-                <a:cs typeface="Arial"/>
-              </a:rPr>
-              <a:t>from</a:t>
-            </a:r>
-            <a:r>
-              <a:rPr sz="1000">
+              <a:t>tecnico </a:t>
+            </a:r>
+            <a:r>
+              <a:rPr lang="it-IT" sz="1000" dirty="0">
                 <a:solidFill>
                   <a:srgbClr val="1F1F1F"/>
                 </a:solidFill>
                 <a:latin typeface="Adobe Clean"/>
                 <a:cs typeface="Adobe Clean"/>
               </a:rPr>
-              <a:t> the following two tracks: </a:t>
-            </a:r>
-            <a:r>
-              <a:rPr sz="1000" b="1">
+              <a:t>e/o </a:t>
+            </a:r>
+            <a:r>
+              <a:rPr lang="it-IT" sz="1000" b="1" dirty="0">
                 <a:solidFill>
                   <a:srgbClr val="1F1F1F"/>
                 </a:solidFill>
                 <a:latin typeface="Arial"/>
                 <a:cs typeface="Arial"/>
               </a:rPr>
-              <a:t>Technical </a:t>
-            </a:r>
-            <a:r>
-              <a:rPr sz="1000">
-                <a:solidFill>
-                  <a:srgbClr val="1F1F1F"/>
-                </a:solidFill>
-                <a:latin typeface="Adobe Clean"/>
-                <a:cs typeface="Adobe Clean"/>
-              </a:rPr>
-              <a:t>and/or </a:t>
-            </a:r>
-            <a:r>
-              <a:rPr sz="1000" b="1">
-                <a:solidFill>
-                  <a:srgbClr val="1F1F1F"/>
-                </a:solidFill>
-                <a:latin typeface="Arial"/>
-                <a:cs typeface="Arial"/>
-              </a:rPr>
-              <a:t>Strategic</a:t>
-            </a:r>
-            <a:r>
-              <a:rPr lang="en-US" sz="1000" b="1">
+              <a:t>strategico</a:t>
+            </a:r>
+            <a:r>
+              <a:rPr lang="it-IT" sz="1000" b="1" dirty="0">
                 <a:solidFill>
                   <a:srgbClr val="1F1F1F"/>
                 </a:solidFill>
@@ -13544,10 +12291,6 @@
               </a:rPr>
               <a:t>.</a:t>
             </a:r>
-            <a:endParaRPr sz="1000">
-              <a:latin typeface="AdobeClean-Light"/>
-              <a:cs typeface="AdobeClean-Light"/>
-            </a:endParaRPr>
           </a:p>
         </p:txBody>
       </p:sp>
@@ -13560,7 +12303,7 @@
         <p:spPr>
           <a:xfrm>
             <a:off x="923023" y="538480"/>
-            <a:ext cx="2323349" cy="228268"/>
+            <a:ext cx="3325889" cy="228268"/>
           </a:xfrm>
           <a:prstGeom prst="rect">
             <a:avLst/>
@@ -13581,69 +12324,15 @@
               </a:spcBef>
             </a:pPr>
             <a:r>
-              <a:rPr sz="1400" b="1" spc="-15">
+              <a:rPr lang="it-IT" sz="1400" b="1" dirty="0">
                 <a:solidFill>
                   <a:srgbClr val="020302"/>
                 </a:solidFill>
                 <a:latin typeface="Adobe Clean"/>
                 <a:cs typeface="Adobe Clean"/>
               </a:rPr>
-              <a:t>Cloud</a:t>
-            </a:r>
-            <a:r>
-              <a:rPr sz="1400" b="1" spc="-45">
-                <a:solidFill>
-                  <a:srgbClr val="020302"/>
-                </a:solidFill>
-                <a:latin typeface="Adobe Clean"/>
-                <a:cs typeface="Adobe Clean"/>
-              </a:rPr>
-              <a:t> </a:t>
-            </a:r>
-            <a:r>
-              <a:rPr sz="1400" b="1" spc="-15">
-                <a:solidFill>
-                  <a:srgbClr val="020302"/>
-                </a:solidFill>
-                <a:latin typeface="Adobe Clean"/>
-                <a:cs typeface="Adobe Clean"/>
-              </a:rPr>
-              <a:t>Support</a:t>
-            </a:r>
-            <a:r>
-              <a:rPr sz="1400" b="1" spc="-50">
-                <a:solidFill>
-                  <a:srgbClr val="020302"/>
-                </a:solidFill>
-                <a:latin typeface="Adobe Clean"/>
-                <a:cs typeface="Adobe Clean"/>
-              </a:rPr>
-              <a:t> </a:t>
-            </a:r>
-            <a:r>
-              <a:rPr sz="1400" b="1" spc="-15">
-                <a:solidFill>
-                  <a:srgbClr val="020302"/>
-                </a:solidFill>
-                <a:latin typeface="Adobe Clean"/>
-                <a:cs typeface="Adobe Clean"/>
-              </a:rPr>
-              <a:t>Activities</a:t>
-            </a:r>
-            <a:r>
-              <a:rPr lang="en-US" sz="1400" b="1" spc="-15">
-                <a:solidFill>
-                  <a:srgbClr val="020302"/>
-                </a:solidFill>
-                <a:latin typeface="Adobe Clean"/>
-                <a:cs typeface="Adobe Clean"/>
-              </a:rPr>
-              <a:t> - AEM</a:t>
-            </a:r>
-            <a:endParaRPr sz="1400">
-              <a:latin typeface="Adobe Clean"/>
-              <a:cs typeface="Adobe Clean"/>
-            </a:endParaRPr>
+              <a:t>Attività di supporto cloud - AEM</a:t>
+            </a:r>
           </a:p>
         </p:txBody>
       </p:sp>
@@ -13778,36 +12467,8 @@
               </a:spcBef>
             </a:pPr>
             <a:r>
-              <a:rPr spc="-5"/>
-              <a:t>©2021 Adobe. All</a:t>
-            </a:r>
-            <a:r>
-              <a:rPr spc="-15"/>
-              <a:t> Rights</a:t>
-            </a:r>
-            <a:r>
-              <a:rPr spc="-10"/>
-              <a:t> </a:t>
-            </a:r>
-            <a:r>
-              <a:rPr spc="-15"/>
-              <a:t>Reserved.</a:t>
-            </a:r>
-            <a:r>
-              <a:rPr spc="-10"/>
-              <a:t> </a:t>
-            </a:r>
-            <a:r>
-              <a:rPr spc="-5"/>
-              <a:t>Adobe</a:t>
-            </a:r>
-            <a:r>
-              <a:rPr spc="60"/>
-              <a:t> </a:t>
-            </a:r>
-            <a:r>
-              <a:rPr spc="-15"/>
-              <a:t>Confidential.</a:t>
+              <a:rPr lang="it-IT"/>
+              <a:t>©2021 Adobe. All Rights Reserved. Adobe Confidential.</a:t>
             </a:r>
           </a:p>
         </p:txBody>
@@ -13863,8 +12524,8 @@
           <a:p>
             <a:pPr algn="ctr"/>
             <a:r>
-              <a:rPr lang="en-US" sz="1600"/>
-              <a:t>Run &amp; Operate</a:t>
+              <a:rPr lang="it-IT" sz="1600"/>
+              <a:t>Esecuzione e utilizzo</a:t>
             </a:r>
           </a:p>
         </p:txBody>
@@ -13920,8 +12581,8 @@
           <a:p>
             <a:pPr algn="ctr"/>
             <a:r>
-              <a:rPr lang="en-US" sz="1600"/>
-              <a:t>Implementation</a:t>
+              <a:rPr lang="it-IT" sz="1600"/>
+              <a:t>Implementazione</a:t>
             </a:r>
           </a:p>
         </p:txBody>
@@ -13956,8 +12617,8 @@
           <a:p>
             <a:pPr algn="ctr"/>
             <a:r>
-              <a:rPr lang="en-US" sz="1100"/>
-              <a:t>Post Launch</a:t>
+              <a:rPr lang="it-IT" sz="1100"/>
+              <a:t>Post-lancio</a:t>
             </a:r>
           </a:p>
         </p:txBody>
@@ -13976,7 +12637,7 @@
         </p:nvSpPr>
         <p:spPr>
           <a:xfrm>
-            <a:off x="2236134" y="3586760"/>
+            <a:off x="2284902" y="3586760"/>
             <a:ext cx="826006" cy="261610"/>
           </a:xfrm>
           <a:prstGeom prst="rect">
@@ -13992,8 +12653,8 @@
           <a:p>
             <a:pPr algn="ctr"/>
             <a:r>
-              <a:rPr lang="en-US" sz="1100"/>
-              <a:t>Go-Live</a:t>
+              <a:rPr lang="it-IT" sz="1100" dirty="0"/>
+              <a:t>Lancio</a:t>
             </a:r>
           </a:p>
         </p:txBody>
@@ -14012,7 +12673,7 @@
         </p:nvSpPr>
         <p:spPr>
           <a:xfrm>
-            <a:off x="878679" y="3589913"/>
+            <a:off x="860391" y="3589913"/>
             <a:ext cx="826006" cy="261610"/>
           </a:xfrm>
           <a:prstGeom prst="rect">
@@ -14028,8 +12689,8 @@
           <a:p>
             <a:pPr algn="ctr"/>
             <a:r>
-              <a:rPr lang="en-US" sz="1100"/>
-              <a:t>Define</a:t>
+              <a:rPr lang="it-IT" sz="1100" dirty="0"/>
+              <a:t>Definizione</a:t>
             </a:r>
           </a:p>
         </p:txBody>
@@ -14064,8 +12725,8 @@
           <a:p>
             <a:pPr algn="ctr"/>
             <a:r>
-              <a:rPr lang="en-US" sz="1100"/>
-              <a:t>Kickoff</a:t>
+              <a:rPr lang="it-IT" sz="1100"/>
+              <a:t>Avvio</a:t>
             </a:r>
           </a:p>
         </p:txBody>
@@ -14084,8 +12745,8 @@
         </p:nvSpPr>
         <p:spPr>
           <a:xfrm>
-            <a:off x="1558548" y="3589913"/>
-            <a:ext cx="826006" cy="261610"/>
+            <a:off x="1546356" y="3589913"/>
+            <a:ext cx="991880" cy="261610"/>
           </a:xfrm>
           <a:prstGeom prst="rect">
             <a:avLst/>
@@ -14100,8 +12761,8 @@
           <a:p>
             <a:pPr algn="ctr"/>
             <a:r>
-              <a:rPr lang="en-US" sz="1100"/>
-              <a:t>Design</a:t>
+              <a:rPr lang="it-IT" sz="1100" dirty="0"/>
+              <a:t>Progettazione</a:t>
             </a:r>
           </a:p>
         </p:txBody>
@@ -14158,14 +12819,14 @@
           <a:p>
             <a:pPr algn="ctr"/>
             <a:r>
-              <a:rPr lang="en-US" sz="1400">
+              <a:rPr lang="it-IT" sz="1400" dirty="0">
                 <a:solidFill>
                   <a:schemeClr val="accent1">
                     <a:lumMod val="50000"/>
                   </a:schemeClr>
                 </a:solidFill>
               </a:rPr>
-              <a:t>4 Activities per Year</a:t>
+              <a:t>4 attività all’anno</a:t>
             </a:r>
           </a:p>
         </p:txBody>
@@ -14206,20 +12867,50 @@
               </a:spcBef>
             </a:pPr>
             <a:r>
-              <a:rPr lang="en-US" sz="1000">
+              <a:rPr lang="it-IT" sz="1000" dirty="0">
                 <a:solidFill>
                   <a:srgbClr val="4B4B4B"/>
                 </a:solidFill>
                 <a:latin typeface="Adobe Clean Light" panose="020B0303020404020204" pitchFamily="34" charset="0"/>
               </a:rPr>
-              <a:t>Drive adoption of customization best practices and core components in AEM as a Cloud Service.</a:t>
-            </a:r>
-            <a:endParaRPr sz="1000">
-              <a:solidFill>
-                <a:srgbClr val="4B4B4B"/>
-              </a:solidFill>
-              <a:latin typeface="Adobe Clean Light" panose="020B0303020404020204" pitchFamily="34" charset="0"/>
-            </a:endParaRPr>
+              <a:t>Promuovere l’adozione di best </a:t>
+            </a:r>
+            <a:r>
+              <a:rPr lang="it-IT" sz="1000" dirty="0" err="1">
+                <a:solidFill>
+                  <a:srgbClr val="4B4B4B"/>
+                </a:solidFill>
+                <a:latin typeface="Adobe Clean Light" panose="020B0303020404020204" pitchFamily="34" charset="0"/>
+              </a:rPr>
+              <a:t>practice</a:t>
+            </a:r>
+            <a:r>
+              <a:rPr lang="it-IT" sz="1000" dirty="0">
+                <a:solidFill>
+                  <a:srgbClr val="4B4B4B"/>
+                </a:solidFill>
+                <a:latin typeface="Adobe Clean Light" panose="020B0303020404020204" pitchFamily="34" charset="0"/>
+              </a:rPr>
+              <a:t> per la personalizzazione e componenti core di AEM </a:t>
+            </a:r>
+            <a:r>
+              <a:rPr lang="it-IT" sz="1000" dirty="0" err="1">
+                <a:solidFill>
+                  <a:srgbClr val="4B4B4B"/>
+                </a:solidFill>
+                <a:latin typeface="Adobe Clean Light" panose="020B0303020404020204" pitchFamily="34" charset="0"/>
+              </a:rPr>
+              <a:t>as</a:t>
+            </a:r>
+            <a:r>
+              <a:rPr lang="it-IT" sz="1000" dirty="0">
+                <a:solidFill>
+                  <a:srgbClr val="4B4B4B"/>
+                </a:solidFill>
+                <a:latin typeface="Adobe Clean Light" panose="020B0303020404020204" pitchFamily="34" charset="0"/>
+              </a:rPr>
+              <a:t> a Cloud Service.</a:t>
+            </a:r>
           </a:p>
         </p:txBody>
       </p:sp>
@@ -14259,20 +12950,14 @@
               </a:spcBef>
             </a:pPr>
             <a:r>
-              <a:rPr lang="en-US" sz="1000">
+              <a:rPr lang="it-IT" sz="1000">
                 <a:solidFill>
                   <a:srgbClr val="4B4B4B"/>
                 </a:solidFill>
                 <a:latin typeface="Adobe Clean Light" panose="020B0303020404020204" pitchFamily="34" charset="0"/>
               </a:rPr>
-              <a:t>Identify, review and provide recommendations on customized solution adoption areas that have opportunities for optimization.</a:t>
-            </a:r>
-            <a:endParaRPr sz="1000">
-              <a:solidFill>
-                <a:srgbClr val="4B4B4B"/>
-              </a:solidFill>
-              <a:latin typeface="Adobe Clean Light" panose="020B0303020404020204" pitchFamily="34" charset="0"/>
-            </a:endParaRPr>
+              <a:t>Individuare, valutare e fornire raccomandazioni su aree specifiche, relative all’adozione delle soluzioni, che offrono opportunità di ottimizzazione.</a:t>
+            </a:r>
           </a:p>
         </p:txBody>
       </p:sp>
@@ -14312,20 +12997,14 @@
               </a:spcBef>
             </a:pPr>
             <a:r>
-              <a:rPr lang="en-US" sz="1000">
+              <a:rPr lang="it-IT" sz="1000">
                 <a:solidFill>
                   <a:srgbClr val="4B4B4B"/>
                 </a:solidFill>
                 <a:latin typeface="Adobe Clean Light" panose="020B0303020404020204" pitchFamily="34" charset="0"/>
               </a:rPr>
-              <a:t>Technical &amp; operational governance to assist AEM as a Cloud Service Customers in adhering to industry standards and best practices for AEM as a Cloud Service.</a:t>
-            </a:r>
-            <a:endParaRPr sz="1000">
-              <a:solidFill>
-                <a:srgbClr val="4B4B4B"/>
-              </a:solidFill>
-              <a:latin typeface="Adobe Clean Light" panose="020B0303020404020204" pitchFamily="34" charset="0"/>
-            </a:endParaRPr>
+              <a:t>Governance operativa e tecnica per assistere i clienti di AEM as a Cloud Service a rispettare gli standard di settore e le best practice per AEM as a Cloud Service.</a:t>
+            </a:r>
           </a:p>
         </p:txBody>
       </p:sp>
@@ -14365,489 +13044,15 @@
               </a:spcBef>
             </a:pPr>
             <a:r>
-              <a:rPr lang="en-US" sz="1200" b="1" spc="-15">
+              <a:rPr lang="it-IT" sz="1200" b="1">
                 <a:solidFill>
                   <a:srgbClr val="020302"/>
                 </a:solidFill>
                 <a:latin typeface="Adobe Clean"/>
                 <a:cs typeface="Adobe Clean"/>
               </a:rPr>
-              <a:t>C</a:t>
-            </a:r>
-            <a:r>
-              <a:rPr lang="en-US" sz="1200" b="1" spc="-20">
-                <a:solidFill>
-                  <a:srgbClr val="020302"/>
-                </a:solidFill>
-                <a:latin typeface="Adobe Clean"/>
-                <a:cs typeface="Adobe Clean"/>
-              </a:rPr>
-              <a:t>u</a:t>
-            </a:r>
-            <a:r>
-              <a:rPr lang="en-US" sz="1200" b="1" spc="-25">
-                <a:solidFill>
-                  <a:srgbClr val="020302"/>
-                </a:solidFill>
-                <a:latin typeface="Adobe Clean"/>
-                <a:cs typeface="Adobe Clean"/>
-              </a:rPr>
-              <a:t>st</a:t>
-            </a:r>
-            <a:r>
-              <a:rPr lang="en-US" sz="1200" b="1" spc="-15">
-                <a:solidFill>
-                  <a:srgbClr val="020302"/>
-                </a:solidFill>
-                <a:latin typeface="Adobe Clean"/>
-                <a:cs typeface="Adobe Clean"/>
-              </a:rPr>
-              <a:t>o</a:t>
-            </a:r>
-            <a:r>
-              <a:rPr lang="en-US" sz="1200" b="1" spc="-20">
-                <a:solidFill>
-                  <a:srgbClr val="020302"/>
-                </a:solidFill>
-                <a:latin typeface="Adobe Clean"/>
-                <a:cs typeface="Adobe Clean"/>
-              </a:rPr>
-              <a:t>miza</a:t>
-            </a:r>
-            <a:r>
-              <a:rPr lang="en-US" sz="1200" b="1" spc="-25">
-                <a:solidFill>
-                  <a:srgbClr val="020302"/>
-                </a:solidFill>
-                <a:latin typeface="Adobe Clean"/>
-                <a:cs typeface="Adobe Clean"/>
-              </a:rPr>
-              <a:t>t</a:t>
-            </a:r>
-            <a:r>
-              <a:rPr lang="en-US" sz="1200" b="1" spc="-20">
-                <a:solidFill>
-                  <a:srgbClr val="020302"/>
-                </a:solidFill>
-                <a:latin typeface="Adobe Clean"/>
-                <a:cs typeface="Adobe Clean"/>
-              </a:rPr>
-              <a:t>i</a:t>
-            </a:r>
-            <a:r>
-              <a:rPr lang="en-US" sz="1200" b="1" spc="-15">
-                <a:solidFill>
-                  <a:srgbClr val="020302"/>
-                </a:solidFill>
-                <a:latin typeface="Adobe Clean"/>
-                <a:cs typeface="Adobe Clean"/>
-              </a:rPr>
-              <a:t>o</a:t>
-            </a:r>
-            <a:r>
-              <a:rPr lang="en-US" sz="1200" b="1">
-                <a:solidFill>
-                  <a:srgbClr val="020302"/>
-                </a:solidFill>
-                <a:latin typeface="Adobe Clean"/>
-                <a:cs typeface="Adobe Clean"/>
-              </a:rPr>
-              <a:t>n</a:t>
-            </a:r>
-            <a:r>
-              <a:rPr lang="en-US" sz="1200" b="1" spc="-50">
-                <a:solidFill>
-                  <a:srgbClr val="020302"/>
-                </a:solidFill>
-                <a:latin typeface="Adobe Clean"/>
-                <a:cs typeface="Adobe Clean"/>
-              </a:rPr>
-              <a:t> </a:t>
-            </a:r>
-            <a:r>
-              <a:rPr lang="en-US" sz="1200" b="1" spc="-20">
-                <a:solidFill>
-                  <a:srgbClr val="020302"/>
-                </a:solidFill>
-                <a:latin typeface="Adobe Clean"/>
-                <a:cs typeface="Adobe Clean"/>
-              </a:rPr>
-              <a:t>B</a:t>
-            </a:r>
-            <a:r>
-              <a:rPr lang="en-US" sz="1200" b="1" spc="-25">
-                <a:solidFill>
-                  <a:srgbClr val="020302"/>
-                </a:solidFill>
-                <a:latin typeface="Adobe Clean"/>
-                <a:cs typeface="Adobe Clean"/>
-              </a:rPr>
-              <a:t>es</a:t>
-            </a:r>
-            <a:r>
-              <a:rPr lang="en-US" sz="1200" b="1">
-                <a:solidFill>
-                  <a:srgbClr val="020302"/>
-                </a:solidFill>
-                <a:latin typeface="Adobe Clean"/>
-                <a:cs typeface="Adobe Clean"/>
-              </a:rPr>
-              <a:t>t</a:t>
-            </a:r>
-            <a:r>
-              <a:rPr lang="en-US" sz="1200" b="1" spc="-50">
-                <a:solidFill>
-                  <a:srgbClr val="020302"/>
-                </a:solidFill>
-                <a:latin typeface="Adobe Clean"/>
-                <a:cs typeface="Adobe Clean"/>
-              </a:rPr>
-              <a:t> </a:t>
-            </a:r>
-            <a:r>
-              <a:rPr lang="en-US" sz="1200" b="1" spc="-25">
-                <a:solidFill>
-                  <a:srgbClr val="020302"/>
-                </a:solidFill>
-                <a:latin typeface="Adobe Clean"/>
-                <a:cs typeface="Adobe Clean"/>
-              </a:rPr>
-              <a:t>P</a:t>
-            </a:r>
-            <a:r>
-              <a:rPr lang="en-US" sz="1200" b="1" spc="-20">
-                <a:solidFill>
-                  <a:srgbClr val="020302"/>
-                </a:solidFill>
-                <a:latin typeface="Adobe Clean"/>
-                <a:cs typeface="Adobe Clean"/>
-              </a:rPr>
-              <a:t>ra</a:t>
-            </a:r>
-            <a:r>
-              <a:rPr lang="en-US" sz="1200" b="1" spc="-30">
-                <a:solidFill>
-                  <a:srgbClr val="020302"/>
-                </a:solidFill>
-                <a:latin typeface="Adobe Clean"/>
-                <a:cs typeface="Adobe Clean"/>
-              </a:rPr>
-              <a:t>c</a:t>
-            </a:r>
-            <a:r>
-              <a:rPr lang="en-US" sz="1200" b="1" spc="-25">
-                <a:solidFill>
-                  <a:srgbClr val="020302"/>
-                </a:solidFill>
-                <a:latin typeface="Adobe Clean"/>
-                <a:cs typeface="Adobe Clean"/>
-              </a:rPr>
-              <a:t>t</a:t>
-            </a:r>
-            <a:r>
-              <a:rPr lang="en-US" sz="1200" b="1" spc="-20">
-                <a:solidFill>
-                  <a:srgbClr val="020302"/>
-                </a:solidFill>
-                <a:latin typeface="Adobe Clean"/>
-                <a:cs typeface="Adobe Clean"/>
-              </a:rPr>
-              <a:t>i</a:t>
-            </a:r>
-            <a:r>
-              <a:rPr lang="en-US" sz="1200" b="1" spc="-30">
-                <a:solidFill>
-                  <a:srgbClr val="020302"/>
-                </a:solidFill>
-                <a:latin typeface="Adobe Clean"/>
-                <a:cs typeface="Adobe Clean"/>
-              </a:rPr>
-              <a:t>c</a:t>
-            </a:r>
-            <a:r>
-              <a:rPr lang="en-US" sz="1200" b="1" spc="-25">
-                <a:solidFill>
-                  <a:srgbClr val="020302"/>
-                </a:solidFill>
-                <a:latin typeface="Adobe Clean"/>
-                <a:cs typeface="Adobe Clean"/>
-              </a:rPr>
-              <a:t>e</a:t>
-            </a:r>
-            <a:r>
-              <a:rPr lang="en-US" sz="1200" b="1">
-                <a:solidFill>
-                  <a:srgbClr val="020302"/>
-                </a:solidFill>
-                <a:latin typeface="Adobe Clean"/>
-                <a:cs typeface="Adobe Clean"/>
-              </a:rPr>
-              <a:t>s</a:t>
-            </a:r>
-            <a:r>
-              <a:rPr lang="en-US" sz="1200" b="1" spc="-45">
-                <a:solidFill>
-                  <a:srgbClr val="020302"/>
-                </a:solidFill>
-                <a:latin typeface="Adobe Clean"/>
-                <a:cs typeface="Adobe Clean"/>
-              </a:rPr>
-              <a:t> </a:t>
-            </a:r>
-            <a:r>
-              <a:rPr lang="en-US" sz="1200" b="1" spc="-25">
-                <a:solidFill>
-                  <a:srgbClr val="020302"/>
-                </a:solidFill>
-                <a:latin typeface="Adobe Clean"/>
-                <a:cs typeface="Adobe Clean"/>
-              </a:rPr>
-              <a:t>f</a:t>
-            </a:r>
-            <a:r>
-              <a:rPr lang="en-US" sz="1200" b="1" spc="-15">
-                <a:solidFill>
-                  <a:srgbClr val="020302"/>
-                </a:solidFill>
-                <a:latin typeface="Adobe Clean"/>
-                <a:cs typeface="Adobe Clean"/>
-              </a:rPr>
-              <a:t>o</a:t>
-            </a:r>
-            <a:r>
-              <a:rPr lang="en-US" sz="1200" b="1">
-                <a:solidFill>
-                  <a:srgbClr val="020302"/>
-                </a:solidFill>
-                <a:latin typeface="Adobe Clean"/>
-                <a:cs typeface="Adobe Clean"/>
-              </a:rPr>
-              <a:t>r</a:t>
-            </a:r>
-            <a:r>
-              <a:rPr lang="en-US" sz="1200" b="1" spc="-45">
-                <a:solidFill>
-                  <a:srgbClr val="020302"/>
-                </a:solidFill>
-                <a:latin typeface="Adobe Clean"/>
-                <a:cs typeface="Adobe Clean"/>
-              </a:rPr>
-              <a:t> </a:t>
-            </a:r>
-            <a:r>
-              <a:rPr lang="en-US" sz="1200" b="1" spc="-30">
-                <a:solidFill>
-                  <a:srgbClr val="020302"/>
-                </a:solidFill>
-                <a:latin typeface="Adobe Clean"/>
-                <a:cs typeface="Adobe Clean"/>
-              </a:rPr>
-              <a:t>AE</a:t>
-            </a:r>
-            <a:r>
-              <a:rPr lang="en-US" sz="1200" b="1">
-                <a:solidFill>
-                  <a:srgbClr val="020302"/>
-                </a:solidFill>
-                <a:latin typeface="Adobe Clean"/>
-                <a:cs typeface="Adobe Clean"/>
-              </a:rPr>
-              <a:t>M</a:t>
-            </a:r>
-            <a:r>
-              <a:rPr lang="en-US" sz="1200" b="1" spc="-55">
-                <a:solidFill>
-                  <a:srgbClr val="020302"/>
-                </a:solidFill>
-                <a:latin typeface="Adobe Clean"/>
-                <a:cs typeface="Adobe Clean"/>
-              </a:rPr>
-              <a:t> </a:t>
-            </a:r>
-            <a:r>
-              <a:rPr lang="en-US" sz="1200" b="1" spc="-20">
-                <a:solidFill>
-                  <a:srgbClr val="020302"/>
-                </a:solidFill>
-                <a:latin typeface="Adobe Clean"/>
-                <a:cs typeface="Adobe Clean"/>
-              </a:rPr>
-              <a:t>a</a:t>
-            </a:r>
-            <a:r>
-              <a:rPr lang="en-US" sz="1200" b="1">
-                <a:solidFill>
-                  <a:srgbClr val="020302"/>
-                </a:solidFill>
-                <a:latin typeface="Adobe Clean"/>
-                <a:cs typeface="Adobe Clean"/>
-              </a:rPr>
-              <a:t>s</a:t>
-            </a:r>
-            <a:r>
-              <a:rPr lang="en-US" sz="1200" b="1" spc="-45">
-                <a:solidFill>
-                  <a:srgbClr val="020302"/>
-                </a:solidFill>
-                <a:latin typeface="Adobe Clean"/>
-                <a:cs typeface="Adobe Clean"/>
-              </a:rPr>
-              <a:t> </a:t>
-            </a:r>
-            <a:r>
-              <a:rPr lang="en-US" sz="1200" b="1">
-                <a:solidFill>
-                  <a:srgbClr val="020302"/>
-                </a:solidFill>
-                <a:latin typeface="Adobe Clean"/>
-                <a:cs typeface="Adobe Clean"/>
-              </a:rPr>
-              <a:t>a</a:t>
-            </a:r>
-            <a:r>
-              <a:rPr lang="en-US" sz="1200" b="1" spc="-45">
-                <a:solidFill>
-                  <a:srgbClr val="020302"/>
-                </a:solidFill>
-                <a:latin typeface="Adobe Clean"/>
-                <a:cs typeface="Adobe Clean"/>
-              </a:rPr>
-              <a:t> </a:t>
-            </a:r>
-            <a:r>
-              <a:rPr lang="en-US" sz="1200" b="1" spc="-15">
-                <a:solidFill>
-                  <a:srgbClr val="020302"/>
-                </a:solidFill>
-                <a:latin typeface="Adobe Clean"/>
-                <a:cs typeface="Adobe Clean"/>
-              </a:rPr>
-              <a:t>C</a:t>
-            </a:r>
-            <a:r>
-              <a:rPr lang="en-US" sz="1200" b="1" spc="-25">
-                <a:solidFill>
-                  <a:srgbClr val="020302"/>
-                </a:solidFill>
-                <a:latin typeface="Adobe Clean"/>
-                <a:cs typeface="Adobe Clean"/>
-              </a:rPr>
-              <a:t>l</a:t>
-            </a:r>
-            <a:r>
-              <a:rPr lang="en-US" sz="1200" b="1" spc="-15">
-                <a:solidFill>
-                  <a:srgbClr val="020302"/>
-                </a:solidFill>
-                <a:latin typeface="Adobe Clean"/>
-                <a:cs typeface="Adobe Clean"/>
-              </a:rPr>
-              <a:t>o</a:t>
-            </a:r>
-            <a:r>
-              <a:rPr lang="en-US" sz="1200" b="1" spc="-20">
-                <a:solidFill>
-                  <a:srgbClr val="020302"/>
-                </a:solidFill>
-                <a:latin typeface="Adobe Clean"/>
-                <a:cs typeface="Adobe Clean"/>
-              </a:rPr>
-              <a:t>u</a:t>
-            </a:r>
-            <a:r>
-              <a:rPr lang="en-US" sz="1200" b="1">
-                <a:solidFill>
-                  <a:srgbClr val="020302"/>
-                </a:solidFill>
-                <a:latin typeface="Adobe Clean"/>
-                <a:cs typeface="Adobe Clean"/>
-              </a:rPr>
-              <a:t>d</a:t>
-            </a:r>
-            <a:r>
-              <a:rPr lang="en-US" sz="1200" b="1" spc="-50">
-                <a:solidFill>
-                  <a:srgbClr val="020302"/>
-                </a:solidFill>
-                <a:latin typeface="Adobe Clean"/>
-                <a:cs typeface="Adobe Clean"/>
-              </a:rPr>
-              <a:t> </a:t>
-            </a:r>
-            <a:r>
-              <a:rPr lang="en-US" sz="1200" b="1" spc="-20">
-                <a:solidFill>
-                  <a:srgbClr val="020302"/>
-                </a:solidFill>
-                <a:latin typeface="Adobe Clean"/>
-                <a:cs typeface="Adobe Clean"/>
-              </a:rPr>
-              <a:t>S</a:t>
-            </a:r>
-            <a:r>
-              <a:rPr lang="en-US" sz="1200" b="1" spc="-25">
-                <a:solidFill>
-                  <a:srgbClr val="020302"/>
-                </a:solidFill>
-                <a:latin typeface="Adobe Clean"/>
-                <a:cs typeface="Adobe Clean"/>
-              </a:rPr>
-              <a:t>e</a:t>
-            </a:r>
-            <a:r>
-              <a:rPr lang="en-US" sz="1200" b="1" spc="-20">
-                <a:solidFill>
-                  <a:srgbClr val="020302"/>
-                </a:solidFill>
-                <a:latin typeface="Adobe Clean"/>
-                <a:cs typeface="Adobe Clean"/>
-              </a:rPr>
-              <a:t>r</a:t>
-            </a:r>
-            <a:r>
-              <a:rPr lang="en-US" sz="1200" b="1" spc="-30">
-                <a:solidFill>
-                  <a:srgbClr val="020302"/>
-                </a:solidFill>
-                <a:latin typeface="Adobe Clean"/>
-                <a:cs typeface="Adobe Clean"/>
-              </a:rPr>
-              <a:t>v</a:t>
-            </a:r>
-            <a:r>
-              <a:rPr lang="en-US" sz="1200" b="1" spc="-20">
-                <a:solidFill>
-                  <a:srgbClr val="020302"/>
-                </a:solidFill>
-                <a:latin typeface="Adobe Clean"/>
-                <a:cs typeface="Adobe Clean"/>
-              </a:rPr>
-              <a:t>i</a:t>
-            </a:r>
-            <a:r>
-              <a:rPr lang="en-US" sz="1200" b="1" spc="-30">
-                <a:solidFill>
-                  <a:srgbClr val="020302"/>
-                </a:solidFill>
-                <a:latin typeface="Adobe Clean"/>
-                <a:cs typeface="Adobe Clean"/>
-              </a:rPr>
-              <a:t>c</a:t>
-            </a:r>
-            <a:r>
-              <a:rPr lang="en-US" sz="1200" b="1">
-                <a:solidFill>
-                  <a:srgbClr val="020302"/>
-                </a:solidFill>
-                <a:latin typeface="Adobe Clean"/>
-                <a:cs typeface="Adobe Clean"/>
-              </a:rPr>
-              <a:t>e</a:t>
-            </a:r>
-            <a:endParaRPr lang="en-US" sz="1200">
-              <a:latin typeface="Adobe Clean"/>
-              <a:cs typeface="Adobe Clean"/>
-            </a:endParaRPr>
+              <a:t>Best practice per la personalizzazione di AEM as a Cloud Service</a:t>
+            </a:r>
           </a:p>
         </p:txBody>
       </p:sp>
@@ -14887,19 +13092,35 @@
               </a:spcBef>
             </a:pPr>
             <a:r>
-              <a:rPr lang="en-US" sz="1200" b="1" spc="-25">
+              <a:rPr lang="it-IT" sz="1200" b="1" dirty="0">
                 <a:solidFill>
                   <a:srgbClr val="020302"/>
                 </a:solidFill>
                 <a:latin typeface="Adobe Clean"/>
                 <a:cs typeface="Adobe Clean"/>
               </a:rPr>
-              <a:t>Value-added Services for AEM as a Cloud Service</a:t>
-            </a:r>
-            <a:endParaRPr lang="en-US" sz="1200">
-              <a:latin typeface="Adobe Clean"/>
-              <a:cs typeface="Adobe Clean"/>
-            </a:endParaRPr>
+              <a:t>Servizi a valore aggiunto per AEM </a:t>
+            </a:r>
+            <a:r>
+              <a:rPr lang="it-IT" sz="1200" b="1" dirty="0" err="1">
+                <a:solidFill>
+                  <a:srgbClr val="020302"/>
+                </a:solidFill>
+                <a:latin typeface="Adobe Clean"/>
+                <a:cs typeface="Adobe Clean"/>
+              </a:rPr>
+              <a:t>as</a:t>
+            </a:r>
+            <a:r>
+              <a:rPr lang="it-IT" sz="1200" b="1" dirty="0">
+                <a:solidFill>
+                  <a:srgbClr val="020302"/>
+                </a:solidFill>
+                <a:latin typeface="Adobe Clean"/>
+                <a:cs typeface="Adobe Clean"/>
+              </a:rPr>
+              <a:t> a Cloud Service</a:t>
+            </a:r>
           </a:p>
         </p:txBody>
       </p:sp>
@@ -14939,359 +13160,15 @@
               </a:spcBef>
             </a:pPr>
             <a:r>
-              <a:rPr lang="en-US" sz="1200" b="1" spc="-20">
+              <a:rPr lang="it-IT" sz="1200" b="1">
                 <a:solidFill>
                   <a:srgbClr val="020302"/>
                 </a:solidFill>
                 <a:latin typeface="Adobe Clean"/>
                 <a:cs typeface="Adobe Clean"/>
               </a:rPr>
-              <a:t>G</a:t>
-            </a:r>
-            <a:r>
-              <a:rPr lang="en-US" sz="1200" b="1" spc="-15">
-                <a:solidFill>
-                  <a:srgbClr val="020302"/>
-                </a:solidFill>
-                <a:latin typeface="Adobe Clean"/>
-                <a:cs typeface="Adobe Clean"/>
-              </a:rPr>
-              <a:t>o</a:t>
-            </a:r>
-            <a:r>
-              <a:rPr lang="en-US" sz="1200" b="1" spc="-25">
-                <a:solidFill>
-                  <a:srgbClr val="020302"/>
-                </a:solidFill>
-                <a:latin typeface="Adobe Clean"/>
-                <a:cs typeface="Adobe Clean"/>
-              </a:rPr>
-              <a:t>ve</a:t>
-            </a:r>
-            <a:r>
-              <a:rPr lang="en-US" sz="1200" b="1" spc="-20">
-                <a:solidFill>
-                  <a:srgbClr val="020302"/>
-                </a:solidFill>
-                <a:latin typeface="Adobe Clean"/>
-                <a:cs typeface="Adobe Clean"/>
-              </a:rPr>
-              <a:t>r</a:t>
-            </a:r>
-            <a:r>
-              <a:rPr lang="en-US" sz="1200" b="1" spc="-25">
-                <a:solidFill>
-                  <a:srgbClr val="020302"/>
-                </a:solidFill>
-                <a:latin typeface="Adobe Clean"/>
-                <a:cs typeface="Adobe Clean"/>
-              </a:rPr>
-              <a:t>n</a:t>
-            </a:r>
-            <a:r>
-              <a:rPr lang="en-US" sz="1200" b="1" spc="-20">
-                <a:solidFill>
-                  <a:srgbClr val="020302"/>
-                </a:solidFill>
-                <a:latin typeface="Adobe Clean"/>
-                <a:cs typeface="Adobe Clean"/>
-              </a:rPr>
-              <a:t>a</a:t>
-            </a:r>
-            <a:r>
-              <a:rPr lang="en-US" sz="1200" b="1" spc="-25">
-                <a:solidFill>
-                  <a:srgbClr val="020302"/>
-                </a:solidFill>
-                <a:latin typeface="Adobe Clean"/>
-                <a:cs typeface="Adobe Clean"/>
-              </a:rPr>
-              <a:t>n</a:t>
-            </a:r>
-            <a:r>
-              <a:rPr lang="en-US" sz="1200" b="1" spc="-30">
-                <a:solidFill>
-                  <a:srgbClr val="020302"/>
-                </a:solidFill>
-                <a:latin typeface="Adobe Clean"/>
-                <a:cs typeface="Adobe Clean"/>
-              </a:rPr>
-              <a:t>c</a:t>
-            </a:r>
-            <a:r>
-              <a:rPr lang="en-US" sz="1200" b="1">
-                <a:solidFill>
-                  <a:srgbClr val="020302"/>
-                </a:solidFill>
-                <a:latin typeface="Adobe Clean"/>
-                <a:cs typeface="Adobe Clean"/>
-              </a:rPr>
-              <a:t>e</a:t>
-            </a:r>
-            <a:r>
-              <a:rPr lang="en-US" sz="1200" b="1" spc="-50">
-                <a:solidFill>
-                  <a:srgbClr val="020302"/>
-                </a:solidFill>
-                <a:latin typeface="Adobe Clean"/>
-                <a:cs typeface="Adobe Clean"/>
-              </a:rPr>
-              <a:t> </a:t>
-            </a:r>
-            <a:r>
-              <a:rPr lang="en-US" sz="1200" b="1" spc="-25">
-                <a:solidFill>
-                  <a:srgbClr val="020302"/>
-                </a:solidFill>
-                <a:latin typeface="Adobe Clean"/>
-                <a:cs typeface="Adobe Clean"/>
-              </a:rPr>
-              <a:t>f</a:t>
-            </a:r>
-            <a:r>
-              <a:rPr lang="en-US" sz="1200" b="1" spc="-15">
-                <a:solidFill>
-                  <a:srgbClr val="020302"/>
-                </a:solidFill>
-                <a:latin typeface="Adobe Clean"/>
-                <a:cs typeface="Adobe Clean"/>
-              </a:rPr>
-              <a:t>o</a:t>
-            </a:r>
-            <a:r>
-              <a:rPr lang="en-US" sz="1200" b="1">
-                <a:solidFill>
-                  <a:srgbClr val="020302"/>
-                </a:solidFill>
-                <a:latin typeface="Adobe Clean"/>
-                <a:cs typeface="Adobe Clean"/>
-              </a:rPr>
-              <a:t>r</a:t>
-            </a:r>
-            <a:r>
-              <a:rPr lang="en-US" sz="1200" b="1" spc="-45">
-                <a:solidFill>
-                  <a:srgbClr val="020302"/>
-                </a:solidFill>
-                <a:latin typeface="Adobe Clean"/>
-                <a:cs typeface="Adobe Clean"/>
-              </a:rPr>
-              <a:t> </a:t>
-            </a:r>
-            <a:r>
-              <a:rPr lang="en-US" sz="1200" b="1" spc="-30">
-                <a:solidFill>
-                  <a:srgbClr val="020302"/>
-                </a:solidFill>
-                <a:latin typeface="Adobe Clean"/>
-                <a:cs typeface="Adobe Clean"/>
-              </a:rPr>
-              <a:t>A</a:t>
-            </a:r>
-            <a:r>
-              <a:rPr lang="en-US" sz="1200" b="1" spc="-25">
-                <a:solidFill>
-                  <a:srgbClr val="020302"/>
-                </a:solidFill>
-                <a:latin typeface="Adobe Clean"/>
-                <a:cs typeface="Adobe Clean"/>
-              </a:rPr>
-              <a:t>E</a:t>
-            </a:r>
-            <a:r>
-              <a:rPr lang="en-US" sz="1200" b="1">
-                <a:solidFill>
-                  <a:srgbClr val="020302"/>
-                </a:solidFill>
-                <a:latin typeface="Adobe Clean"/>
-                <a:cs typeface="Adobe Clean"/>
-              </a:rPr>
-              <a:t>M</a:t>
-            </a:r>
-            <a:r>
-              <a:rPr lang="en-US" sz="1200" b="1" spc="-50">
-                <a:solidFill>
-                  <a:srgbClr val="020302"/>
-                </a:solidFill>
-                <a:latin typeface="Adobe Clean"/>
-                <a:cs typeface="Adobe Clean"/>
-              </a:rPr>
-              <a:t> </a:t>
-            </a:r>
-            <a:r>
-              <a:rPr lang="en-US" sz="1200" b="1" spc="-20">
-                <a:solidFill>
-                  <a:srgbClr val="020302"/>
-                </a:solidFill>
-                <a:latin typeface="Adobe Clean"/>
-                <a:cs typeface="Adobe Clean"/>
-              </a:rPr>
-              <a:t>a</a:t>
-            </a:r>
-            <a:r>
-              <a:rPr lang="en-US" sz="1200" b="1">
-                <a:solidFill>
-                  <a:srgbClr val="020302"/>
-                </a:solidFill>
-                <a:latin typeface="Adobe Clean"/>
-                <a:cs typeface="Adobe Clean"/>
-              </a:rPr>
-              <a:t>s</a:t>
-            </a:r>
-            <a:r>
-              <a:rPr lang="en-US" sz="1200" b="1" spc="-45">
-                <a:solidFill>
-                  <a:srgbClr val="020302"/>
-                </a:solidFill>
-                <a:latin typeface="Adobe Clean"/>
-                <a:cs typeface="Adobe Clean"/>
-              </a:rPr>
-              <a:t> </a:t>
-            </a:r>
-            <a:r>
-              <a:rPr lang="en-US" sz="1200" b="1">
-                <a:solidFill>
-                  <a:srgbClr val="020302"/>
-                </a:solidFill>
-                <a:latin typeface="Adobe Clean"/>
-                <a:cs typeface="Adobe Clean"/>
-              </a:rPr>
-              <a:t>a</a:t>
-            </a:r>
-            <a:r>
-              <a:rPr lang="en-US" sz="1200" b="1" spc="-40">
-                <a:solidFill>
-                  <a:srgbClr val="020302"/>
-                </a:solidFill>
-                <a:latin typeface="Adobe Clean"/>
-                <a:cs typeface="Adobe Clean"/>
-              </a:rPr>
-              <a:t> </a:t>
-            </a:r>
-            <a:r>
-              <a:rPr lang="en-US" sz="1200" b="1" spc="-15">
-                <a:solidFill>
-                  <a:srgbClr val="020302"/>
-                </a:solidFill>
-                <a:latin typeface="Adobe Clean"/>
-                <a:cs typeface="Adobe Clean"/>
-              </a:rPr>
-              <a:t>C</a:t>
-            </a:r>
-            <a:r>
-              <a:rPr lang="en-US" sz="1200" b="1" spc="-25">
-                <a:solidFill>
-                  <a:srgbClr val="020302"/>
-                </a:solidFill>
-                <a:latin typeface="Adobe Clean"/>
-                <a:cs typeface="Adobe Clean"/>
-              </a:rPr>
-              <a:t>l</a:t>
-            </a:r>
-            <a:r>
-              <a:rPr lang="en-US" sz="1200" b="1" spc="-15">
-                <a:solidFill>
-                  <a:srgbClr val="020302"/>
-                </a:solidFill>
-                <a:latin typeface="Adobe Clean"/>
-                <a:cs typeface="Adobe Clean"/>
-              </a:rPr>
-              <a:t>ou</a:t>
-            </a:r>
-            <a:r>
-              <a:rPr lang="en-US" sz="1200" b="1">
-                <a:solidFill>
-                  <a:srgbClr val="020302"/>
-                </a:solidFill>
-                <a:latin typeface="Adobe Clean"/>
-                <a:cs typeface="Adobe Clean"/>
-              </a:rPr>
-              <a:t>d</a:t>
-            </a:r>
-            <a:r>
-              <a:rPr lang="en-US" sz="1200" b="1" spc="-50">
-                <a:solidFill>
-                  <a:srgbClr val="020302"/>
-                </a:solidFill>
-                <a:latin typeface="Adobe Clean"/>
-                <a:cs typeface="Adobe Clean"/>
-              </a:rPr>
-              <a:t> </a:t>
-            </a:r>
-            <a:r>
-              <a:rPr lang="en-US" sz="1200" b="1" spc="-20">
-                <a:solidFill>
-                  <a:srgbClr val="020302"/>
-                </a:solidFill>
-                <a:latin typeface="Adobe Clean"/>
-                <a:cs typeface="Adobe Clean"/>
-              </a:rPr>
-              <a:t>S</a:t>
-            </a:r>
-            <a:r>
-              <a:rPr lang="en-US" sz="1200" b="1" spc="-25">
-                <a:solidFill>
-                  <a:srgbClr val="020302"/>
-                </a:solidFill>
-                <a:latin typeface="Adobe Clean"/>
-                <a:cs typeface="Adobe Clean"/>
-              </a:rPr>
-              <a:t>e</a:t>
-            </a:r>
-            <a:r>
-              <a:rPr lang="en-US" sz="1200" b="1" spc="-20">
-                <a:solidFill>
-                  <a:srgbClr val="020302"/>
-                </a:solidFill>
-                <a:latin typeface="Adobe Clean"/>
-                <a:cs typeface="Adobe Clean"/>
-              </a:rPr>
-              <a:t>r</a:t>
-            </a:r>
-            <a:r>
-              <a:rPr lang="en-US" sz="1200" b="1" spc="-25">
-                <a:solidFill>
-                  <a:srgbClr val="020302"/>
-                </a:solidFill>
-                <a:latin typeface="Adobe Clean"/>
-                <a:cs typeface="Adobe Clean"/>
-              </a:rPr>
-              <a:t>v</a:t>
-            </a:r>
-            <a:r>
-              <a:rPr lang="en-US" sz="1200" b="1" spc="-20">
-                <a:solidFill>
-                  <a:srgbClr val="020302"/>
-                </a:solidFill>
-                <a:latin typeface="Adobe Clean"/>
-                <a:cs typeface="Adobe Clean"/>
-              </a:rPr>
-              <a:t>i</a:t>
-            </a:r>
-            <a:r>
-              <a:rPr lang="en-US" sz="1200" b="1" spc="-30">
-                <a:solidFill>
-                  <a:srgbClr val="020302"/>
-                </a:solidFill>
-                <a:latin typeface="Adobe Clean"/>
-                <a:cs typeface="Adobe Clean"/>
-              </a:rPr>
-              <a:t>c</a:t>
-            </a:r>
-            <a:r>
-              <a:rPr lang="en-US" sz="1200" b="1">
-                <a:solidFill>
-                  <a:srgbClr val="020302"/>
-                </a:solidFill>
-                <a:latin typeface="Adobe Clean"/>
-                <a:cs typeface="Adobe Clean"/>
-              </a:rPr>
-              <a:t>e</a:t>
-            </a:r>
-            <a:endParaRPr lang="en-US" sz="1200">
-              <a:latin typeface="Adobe Clean"/>
-              <a:cs typeface="Adobe Clean"/>
-            </a:endParaRPr>
+              <a:t>Governance per AEM as a Cloud Service</a:t>
+            </a:r>
           </a:p>
         </p:txBody>
       </p:sp>
@@ -15352,49 +13229,15 @@
               </a:lnSpc>
             </a:pPr>
             <a:r>
-              <a:rPr sz="500" spc="-5">
+              <a:rPr lang="it-IT" sz="500">
                 <a:solidFill>
                   <a:srgbClr val="6C6C6C"/>
                 </a:solidFill>
                 <a:latin typeface="Adobe Clean"/>
                 <a:cs typeface="Adobe Clean"/>
               </a:rPr>
-              <a:t>©2020 Adobe. All Rights Reserved. </a:t>
-            </a:r>
-            <a:r>
-              <a:rPr sz="500">
-                <a:solidFill>
-                  <a:srgbClr val="6C6C6C"/>
-                </a:solidFill>
-                <a:latin typeface="Adobe Clean"/>
-                <a:cs typeface="Adobe Clean"/>
-              </a:rPr>
-              <a:t>Adobe</a:t>
-            </a:r>
-            <a:r>
-              <a:rPr sz="500" spc="5">
-                <a:solidFill>
-                  <a:srgbClr val="6C6C6C"/>
-                </a:solidFill>
-                <a:latin typeface="Adobe Clean"/>
-                <a:cs typeface="Adobe Clean"/>
-              </a:rPr>
-              <a:t> </a:t>
-            </a:r>
-            <a:r>
-              <a:rPr sz="500" spc="-5">
-                <a:solidFill>
-                  <a:srgbClr val="6C6C6C"/>
-                </a:solidFill>
-                <a:latin typeface="Adobe Clean"/>
-                <a:cs typeface="Adobe Clean"/>
-              </a:rPr>
-              <a:t>Confidential.</a:t>
-            </a:r>
-            <a:endParaRPr sz="500">
-              <a:latin typeface="Adobe Clean"/>
-              <a:cs typeface="Adobe Clean"/>
-            </a:endParaRPr>
+              <a:t>©2020 Adobe. All Rights Reserved. Adobe Confidential.</a:t>
+            </a:r>
           </a:p>
           <a:p>
             <a:pPr>
@@ -15420,39 +13263,15 @@
               </a:spcBef>
             </a:pPr>
             <a:r>
-              <a:rPr sz="800" spc="-5">
+              <a:rPr lang="it-IT" sz="800">
                 <a:solidFill>
                   <a:srgbClr val="6D6D6D"/>
                 </a:solidFill>
                 <a:latin typeface="Adobe Clean"/>
                 <a:cs typeface="Adobe Clean"/>
               </a:rPr>
-              <a:t>©2020 Adobe. All Rights Reserved. Adobe</a:t>
-            </a:r>
-            <a:r>
-              <a:rPr sz="800" spc="75">
-                <a:solidFill>
-                  <a:srgbClr val="6D6D6D"/>
-                </a:solidFill>
-                <a:latin typeface="Adobe Clean"/>
-                <a:cs typeface="Adobe Clean"/>
-              </a:rPr>
-              <a:t> </a:t>
-            </a:r>
-            <a:r>
-              <a:rPr sz="800" spc="-5">
-                <a:solidFill>
-                  <a:srgbClr val="6D6D6D"/>
-                </a:solidFill>
-                <a:latin typeface="Adobe Clean"/>
-                <a:cs typeface="Adobe Clean"/>
-              </a:rPr>
-              <a:t>Confidential.</a:t>
-            </a:r>
-            <a:endParaRPr sz="800">
-              <a:latin typeface="Adobe Clean"/>
-              <a:cs typeface="Adobe Clean"/>
-            </a:endParaRPr>
+              <a:t>©2020 Adobe. All Rights Reserved. Adobe Confidential.</a:t>
+            </a:r>
           </a:p>
         </p:txBody>
       </p:sp>
@@ -15536,19 +13355,15 @@
               </a:spcBef>
             </a:pPr>
             <a:r>
-              <a:rPr lang="en-US" sz="1400" b="1" spc="-15">
+              <a:rPr lang="it-IT" sz="1400" b="1">
                 <a:solidFill>
                   <a:srgbClr val="020302"/>
                 </a:solidFill>
                 <a:latin typeface="Adobe Clean"/>
                 <a:cs typeface="Adobe Clean"/>
               </a:rPr>
-              <a:t>Resources</a:t>
-            </a:r>
-            <a:endParaRPr sz="1400">
-              <a:latin typeface="Adobe Clean"/>
-              <a:cs typeface="Adobe Clean"/>
-            </a:endParaRPr>
+              <a:t>Risorse</a:t>
+            </a:r>
           </a:p>
         </p:txBody>
       </p:sp>
@@ -15582,7 +13397,7 @@
               </a:spcBef>
             </a:pPr>
             <a:r>
-              <a:rPr sz="800" spc="-15">
+              <a:rPr lang="it-IT" sz="800" dirty="0">
                 <a:solidFill>
                   <a:srgbClr val="777879"/>
                 </a:solidFill>
@@ -15591,10 +13406,6 @@
               </a:rPr>
               <a:t>Adobe</a:t>
             </a:r>
-            <a:endParaRPr sz="800">
-              <a:latin typeface="Adobe Clean"/>
-              <a:cs typeface="Adobe Clean"/>
-            </a:endParaRPr>
           </a:p>
           <a:p>
             <a:pPr marL="12700">
@@ -15603,39 +13414,15 @@
               </a:lnSpc>
             </a:pPr>
             <a:r>
-              <a:rPr sz="800" spc="-15">
+              <a:rPr lang="it-IT" sz="800" dirty="0">
                 <a:solidFill>
                   <a:srgbClr val="777879"/>
                 </a:solidFill>
                 <a:latin typeface="Adobe Clean"/>
                 <a:cs typeface="Adobe Clean"/>
               </a:rPr>
-              <a:t>345 Park</a:t>
-            </a:r>
-            <a:r>
-              <a:rPr sz="800" spc="-100">
-                <a:solidFill>
-                  <a:srgbClr val="777879"/>
-                </a:solidFill>
-                <a:latin typeface="Adobe Clean"/>
-                <a:cs typeface="Adobe Clean"/>
-              </a:rPr>
-              <a:t> </a:t>
-            </a:r>
-            <a:r>
-              <a:rPr sz="800" spc="-15">
-                <a:solidFill>
-                  <a:srgbClr val="777879"/>
-                </a:solidFill>
-                <a:latin typeface="Adobe Clean"/>
-                <a:cs typeface="Adobe Clean"/>
-              </a:rPr>
-              <a:t>Avenue</a:t>
-            </a:r>
-            <a:endParaRPr sz="800">
-              <a:latin typeface="Adobe Clean"/>
-              <a:cs typeface="Adobe Clean"/>
-            </a:endParaRPr>
+              <a:t>345 Park Avenue</a:t>
+            </a:r>
           </a:p>
           <a:p>
             <a:pPr marL="12700">
@@ -15644,49 +13431,15 @@
               </a:lnSpc>
             </a:pPr>
             <a:r>
-              <a:rPr sz="800" spc="-10">
+              <a:rPr lang="it-IT" sz="800" dirty="0">
                 <a:solidFill>
                   <a:srgbClr val="777879"/>
                 </a:solidFill>
                 <a:latin typeface="Adobe Clean"/>
                 <a:cs typeface="Adobe Clean"/>
               </a:rPr>
-              <a:t>San </a:t>
-            </a:r>
-            <a:r>
-              <a:rPr sz="800" spc="-15">
-                <a:solidFill>
-                  <a:srgbClr val="777879"/>
-                </a:solidFill>
-                <a:latin typeface="Adobe Clean"/>
-                <a:cs typeface="Adobe Clean"/>
-              </a:rPr>
-              <a:t>Jose,</a:t>
-            </a:r>
-            <a:r>
-              <a:rPr sz="800" spc="-140">
-                <a:solidFill>
-                  <a:srgbClr val="777879"/>
-                </a:solidFill>
-                <a:latin typeface="Adobe Clean"/>
-                <a:cs typeface="Adobe Clean"/>
-              </a:rPr>
-              <a:t> </a:t>
-            </a:r>
-            <a:r>
-              <a:rPr sz="800" spc="-20">
-                <a:solidFill>
-                  <a:srgbClr val="777879"/>
-                </a:solidFill>
-                <a:latin typeface="Adobe Clean"/>
-                <a:cs typeface="Adobe Clean"/>
-              </a:rPr>
-              <a:t>CA95110-2704</a:t>
-            </a:r>
-            <a:endParaRPr sz="800">
-              <a:latin typeface="Adobe Clean"/>
-              <a:cs typeface="Adobe Clean"/>
-            </a:endParaRPr>
+              <a:t>San Jose, CA 95110-2704</a:t>
+            </a:r>
           </a:p>
           <a:p>
             <a:pPr marL="12700">
@@ -15698,7 +13451,7 @@
               </a:spcBef>
             </a:pPr>
             <a:r>
-              <a:rPr sz="800" spc="-10">
+              <a:rPr lang="it-IT" sz="800" dirty="0">
                 <a:solidFill>
                   <a:srgbClr val="777879"/>
                 </a:solidFill>
@@ -15707,10 +13460,6 @@
               </a:rPr>
               <a:t>USA</a:t>
             </a:r>
-            <a:endParaRPr sz="800">
-              <a:latin typeface="Adobe Clean"/>
-              <a:cs typeface="Adobe Clean"/>
-            </a:endParaRPr>
           </a:p>
           <a:p>
             <a:pPr marL="12700">
@@ -15722,7 +13471,7 @@
               </a:spcBef>
             </a:pPr>
             <a:r>
-              <a:rPr sz="800" u="sng" spc="-25">
+              <a:rPr lang="it-IT" sz="800" u="sng" dirty="0">
                 <a:solidFill>
                   <a:srgbClr val="5F5F5F"/>
                 </a:solidFill>
@@ -15737,10 +13486,6 @@
               </a:rPr>
               <a:t>www.adobe.com</a:t>
             </a:r>
-            <a:endParaRPr sz="800">
-              <a:latin typeface="Adobe Clean"/>
-              <a:cs typeface="Adobe Clean"/>
-            </a:endParaRPr>
           </a:p>
         </p:txBody>
       </p:sp>
@@ -15915,429 +13660,15 @@
               </a:spcBef>
             </a:pPr>
             <a:r>
-              <a:rPr sz="1100" i="1" spc="-10">
+              <a:rPr lang="it-IT" sz="1100" i="1">
                 <a:solidFill>
                   <a:srgbClr val="777879"/>
                 </a:solidFill>
                 <a:latin typeface="AdobeClean-LightIt"/>
                 <a:cs typeface="AdobeClean-LightIt"/>
               </a:rPr>
-              <a:t>To</a:t>
-            </a:r>
-            <a:r>
-              <a:rPr sz="1100" i="1" spc="-50">
-                <a:solidFill>
-                  <a:srgbClr val="777879"/>
-                </a:solidFill>
-                <a:latin typeface="AdobeClean-LightIt"/>
-                <a:cs typeface="AdobeClean-LightIt"/>
-              </a:rPr>
-              <a:t> </a:t>
-            </a:r>
-            <a:r>
-              <a:rPr sz="1100" i="1" spc="-15">
-                <a:solidFill>
-                  <a:srgbClr val="777879"/>
-                </a:solidFill>
-                <a:latin typeface="AdobeClean-LightIt"/>
-                <a:cs typeface="AdobeClean-LightIt"/>
-              </a:rPr>
-              <a:t>learn</a:t>
-            </a:r>
-            <a:r>
-              <a:rPr sz="1100" i="1" spc="-40">
-                <a:solidFill>
-                  <a:srgbClr val="777879"/>
-                </a:solidFill>
-                <a:latin typeface="AdobeClean-LightIt"/>
-                <a:cs typeface="AdobeClean-LightIt"/>
-              </a:rPr>
-              <a:t> </a:t>
-            </a:r>
-            <a:r>
-              <a:rPr sz="1100" i="1" spc="-15">
-                <a:solidFill>
-                  <a:srgbClr val="777879"/>
-                </a:solidFill>
-                <a:latin typeface="AdobeClean-LightIt"/>
-                <a:cs typeface="AdobeClean-LightIt"/>
-              </a:rPr>
-              <a:t>more</a:t>
-            </a:r>
-            <a:r>
-              <a:rPr sz="1100" i="1" spc="-45">
-                <a:solidFill>
-                  <a:srgbClr val="777879"/>
-                </a:solidFill>
-                <a:latin typeface="AdobeClean-LightIt"/>
-                <a:cs typeface="AdobeClean-LightIt"/>
-              </a:rPr>
-              <a:t> </a:t>
-            </a:r>
-            <a:r>
-              <a:rPr sz="1100" i="1" spc="-15">
-                <a:solidFill>
-                  <a:srgbClr val="777879"/>
-                </a:solidFill>
-                <a:latin typeface="AdobeClean-LightIt"/>
-                <a:cs typeface="AdobeClean-LightIt"/>
-              </a:rPr>
-              <a:t>about</a:t>
-            </a:r>
-            <a:r>
-              <a:rPr sz="1100" i="1" spc="-45">
-                <a:solidFill>
-                  <a:srgbClr val="777879"/>
-                </a:solidFill>
-                <a:latin typeface="AdobeClean-LightIt"/>
-                <a:cs typeface="AdobeClean-LightIt"/>
-              </a:rPr>
-              <a:t> </a:t>
-            </a:r>
-            <a:r>
-              <a:rPr sz="1100" i="1" spc="-15">
-                <a:solidFill>
-                  <a:srgbClr val="777879"/>
-                </a:solidFill>
-                <a:latin typeface="AdobeClean-LightIt"/>
-                <a:cs typeface="AdobeClean-LightIt"/>
-              </a:rPr>
-              <a:t>Adobe</a:t>
-            </a:r>
-            <a:r>
-              <a:rPr sz="1100" i="1" spc="-60">
-                <a:solidFill>
-                  <a:srgbClr val="777879"/>
-                </a:solidFill>
-                <a:latin typeface="AdobeClean-LightIt"/>
-                <a:cs typeface="AdobeClean-LightIt"/>
-              </a:rPr>
-              <a:t> </a:t>
-            </a:r>
-            <a:r>
-              <a:rPr sz="1100" i="1" s